--- a/Documentação/Pyxis.pptx
+++ b/Documentação/Pyxis.pptx
@@ -13,10 +13,10 @@
     <p:sldId id="261" r:id="rId7"/>
     <p:sldId id="262" r:id="rId8"/>
     <p:sldId id="263" r:id="rId9"/>
-    <p:sldId id="264" r:id="rId10"/>
-    <p:sldId id="265" r:id="rId11"/>
-    <p:sldId id="266" r:id="rId12"/>
-    <p:sldId id="267" r:id="rId13"/>
+    <p:sldId id="266" r:id="rId10"/>
+    <p:sldId id="264" r:id="rId11"/>
+    <p:sldId id="267" r:id="rId12"/>
+    <p:sldId id="265" r:id="rId13"/>
     <p:sldId id="268" r:id="rId14"/>
     <p:sldId id="269" r:id="rId15"/>
   </p:sldIdLst>
@@ -24,26 +24,26 @@
   <p:notesSz cx="6858000" cy="9144000"/>
   <p:embeddedFontLst>
     <p:embeddedFont>
-      <p:font typeface="Open Sans 1 Bold" panose="020B0604020202020204" charset="0"/>
+      <p:font typeface="Open Sans Light" panose="020B0604020202020204" charset="0"/>
       <p:regular r:id="rId16"/>
     </p:embeddedFont>
     <p:embeddedFont>
-      <p:font typeface="Open Sans Light" panose="020B0604020202020204" charset="0"/>
+      <p:font typeface="Open Sans 1" panose="020B0604020202020204" charset="0"/>
       <p:regular r:id="rId17"/>
     </p:embeddedFont>
     <p:embeddedFont>
-      <p:font typeface="Open Sans 1" panose="020B0604020202020204" charset="0"/>
+      <p:font typeface="Calibri" panose="020F0502020204030204" pitchFamily="34" charset="0"/>
       <p:regular r:id="rId18"/>
-    </p:embeddedFont>
-    <p:embeddedFont>
-      <p:font typeface="Calibri" panose="020F0502020204030204" pitchFamily="34" charset="0"/>
-      <p:regular r:id="rId19"/>
-      <p:bold r:id="rId20"/>
-      <p:italic r:id="rId21"/>
-      <p:boldItalic r:id="rId22"/>
+      <p:bold r:id="rId19"/>
+      <p:italic r:id="rId20"/>
+      <p:boldItalic r:id="rId21"/>
     </p:embeddedFont>
     <p:embeddedFont>
       <p:font typeface="Open Sans 2" panose="020B0604020202020204" charset="0"/>
+      <p:regular r:id="rId22"/>
+    </p:embeddedFont>
+    <p:embeddedFont>
+      <p:font typeface="Open Sans 1 Bold" panose="020B0604020202020204" charset="0"/>
       <p:regular r:id="rId23"/>
     </p:embeddedFont>
   </p:embeddedFontLst>
@@ -3165,13 +3165,13 @@
   <p:clrMapOvr>
     <a:masterClrMapping/>
   </p:clrMapOvr>
-  <mc:AlternateContent xmlns:mc="http://schemas.openxmlformats.org/markup-compatibility/2006">
-    <mc:Choice xmlns:p14="http://schemas.microsoft.com/office/powerpoint/2010/main" Requires="p14">
+  <mc:AlternateContent xmlns:mc="http://schemas.openxmlformats.org/markup-compatibility/2006" xmlns:p14="http://schemas.microsoft.com/office/powerpoint/2010/main">
+    <mc:Choice Requires="p14">
       <p:transition spd="med" p14:dur="700">
         <p:fade/>
       </p:transition>
     </mc:Choice>
-    <mc:Fallback>
+    <mc:Fallback xmlns="">
       <p:transition spd="med">
         <p:fade/>
       </p:transition>
@@ -3309,6 +3309,3222 @@
     <p:bg>
       <p:bgPr>
         <a:solidFill>
+          <a:srgbClr val="FFFEFB"/>
+        </a:solidFill>
+        <a:effectLst/>
+      </p:bgPr>
+    </p:bg>
+    <p:spTree>
+      <p:nvGrpSpPr>
+        <p:cNvPr id="1" name=""/>
+        <p:cNvGrpSpPr/>
+        <p:nvPr/>
+      </p:nvGrpSpPr>
+      <p:grpSpPr>
+        <a:xfrm>
+          <a:off x="0" y="0"/>
+          <a:ext cx="0" cy="0"/>
+          <a:chOff x="0" y="0"/>
+          <a:chExt cx="0" cy="0"/>
+        </a:xfrm>
+      </p:grpSpPr>
+      <p:sp>
+        <p:nvSpPr>
+          <p:cNvPr id="2" name="TextBox 2"/>
+          <p:cNvSpPr txBox="1"/>
+          <p:nvPr/>
+        </p:nvSpPr>
+        <p:spPr>
+          <a:xfrm>
+            <a:off x="1028700" y="866775"/>
+            <a:ext cx="10262494" cy="1533525"/>
+          </a:xfrm>
+          <a:prstGeom prst="rect">
+            <a:avLst/>
+          </a:prstGeom>
+        </p:spPr>
+        <p:txBody>
+          <a:bodyPr lIns="0" tIns="0" rIns="0" bIns="0" rtlCol="0" anchor="t">
+            <a:spAutoFit/>
+          </a:bodyPr>
+          <a:lstStyle/>
+          <a:p>
+            <a:pPr>
+              <a:lnSpc>
+                <a:spcPts val="12599"/>
+              </a:lnSpc>
+            </a:pPr>
+            <a:r>
+              <a:rPr lang="en-US" sz="9000">
+                <a:solidFill>
+                  <a:srgbClr val="545454"/>
+                </a:solidFill>
+                <a:latin typeface="Open Sans 1 Bold"/>
+              </a:rPr>
+              <a:t>Canvas</a:t>
+            </a:r>
+          </a:p>
+        </p:txBody>
+      </p:sp>
+      <p:pic>
+        <p:nvPicPr>
+          <p:cNvPr id="5" name="Imagem 4">
+            <a:extLst>
+              <a:ext uri="{FF2B5EF4-FFF2-40B4-BE49-F238E27FC236}">
+                <a16:creationId xmlns:a16="http://schemas.microsoft.com/office/drawing/2014/main" id="{FD544941-61FD-4F9B-9860-B040FA4C47E5}"/>
+              </a:ext>
+            </a:extLst>
+          </p:cNvPr>
+          <p:cNvPicPr>
+            <a:picLocks noChangeAspect="1"/>
+          </p:cNvPicPr>
+          <p:nvPr/>
+        </p:nvPicPr>
+        <p:blipFill>
+          <a:blip r:embed="rId2"/>
+          <a:stretch>
+            <a:fillRect/>
+          </a:stretch>
+        </p:blipFill>
+        <p:spPr>
+          <a:xfrm>
+            <a:off x="17078325" y="266700"/>
+            <a:ext cx="883385" cy="1044000"/>
+          </a:xfrm>
+          <a:prstGeom prst="rect">
+            <a:avLst/>
+          </a:prstGeom>
+        </p:spPr>
+      </p:pic>
+    </p:spTree>
+  </p:cSld>
+  <p:clrMapOvr>
+    <a:masterClrMapping/>
+  </p:clrMapOvr>
+  <mc:AlternateContent xmlns:mc="http://schemas.openxmlformats.org/markup-compatibility/2006" xmlns:p14="http://schemas.microsoft.com/office/powerpoint/2010/main">
+    <mc:Choice Requires="p14">
+      <p:transition spd="med" p14:dur="700">
+        <p:fade/>
+      </p:transition>
+    </mc:Choice>
+    <mc:Fallback xmlns="">
+      <p:transition spd="med">
+        <p:fade/>
+      </p:transition>
+    </mc:Fallback>
+  </mc:AlternateContent>
+  <p:timing>
+    <p:tnLst>
+      <p:par>
+        <p:cTn id="1" dur="indefinite" restart="never" nodeType="tmRoot"/>
+      </p:par>
+    </p:tnLst>
+  </p:timing>
+</p:sld>
+</file>
+
+<file path=ppt/slides/slide11.xml><?xml version="1.0" encoding="utf-8"?>
+<p:sld xmlns:a="http://schemas.openxmlformats.org/drawingml/2006/main" xmlns:r="http://schemas.openxmlformats.org/officeDocument/2006/relationships" xmlns:p="http://schemas.openxmlformats.org/presentationml/2006/main">
+  <p:cSld>
+    <p:bg>
+      <p:bgPr>
+        <a:solidFill>
+          <a:srgbClr val="FF6864"/>
+        </a:solidFill>
+        <a:effectLst/>
+      </p:bgPr>
+    </p:bg>
+    <p:spTree>
+      <p:nvGrpSpPr>
+        <p:cNvPr id="1" name=""/>
+        <p:cNvGrpSpPr/>
+        <p:nvPr/>
+      </p:nvGrpSpPr>
+      <p:grpSpPr>
+        <a:xfrm>
+          <a:off x="0" y="0"/>
+          <a:ext cx="0" cy="0"/>
+          <a:chOff x="0" y="0"/>
+          <a:chExt cx="0" cy="0"/>
+        </a:xfrm>
+      </p:grpSpPr>
+      <p:sp>
+        <p:nvSpPr>
+          <p:cNvPr id="2" name="TextBox 2"/>
+          <p:cNvSpPr txBox="1"/>
+          <p:nvPr/>
+        </p:nvSpPr>
+        <p:spPr>
+          <a:xfrm>
+            <a:off x="4012753" y="180975"/>
+            <a:ext cx="10262494" cy="1533525"/>
+          </a:xfrm>
+          <a:prstGeom prst="rect">
+            <a:avLst/>
+          </a:prstGeom>
+        </p:spPr>
+        <p:txBody>
+          <a:bodyPr lIns="0" tIns="0" rIns="0" bIns="0" rtlCol="0" anchor="t">
+            <a:spAutoFit/>
+          </a:bodyPr>
+          <a:lstStyle/>
+          <a:p>
+            <a:pPr algn="ctr">
+              <a:lnSpc>
+                <a:spcPts val="12599"/>
+              </a:lnSpc>
+            </a:pPr>
+            <a:r>
+              <a:rPr lang="en-US" sz="9000">
+                <a:solidFill>
+                  <a:srgbClr val="FFFFFF"/>
+                </a:solidFill>
+                <a:latin typeface="Open Sans 1 Bold"/>
+              </a:rPr>
+              <a:t>Backlog</a:t>
+            </a:r>
+          </a:p>
+        </p:txBody>
+      </p:sp>
+      <p:grpSp>
+        <p:nvGrpSpPr>
+          <p:cNvPr id="3" name="Group 3"/>
+          <p:cNvGrpSpPr/>
+          <p:nvPr/>
+        </p:nvGrpSpPr>
+        <p:grpSpPr>
+          <a:xfrm>
+            <a:off x="247096" y="2171626"/>
+            <a:ext cx="645347" cy="7458075"/>
+            <a:chOff x="0" y="0"/>
+            <a:chExt cx="218303" cy="2522855"/>
+          </a:xfrm>
+        </p:grpSpPr>
+        <p:sp>
+          <p:nvSpPr>
+            <p:cNvPr id="4" name="Freeform 4"/>
+            <p:cNvSpPr/>
+            <p:nvPr/>
+          </p:nvSpPr>
+          <p:spPr>
+            <a:xfrm>
+              <a:off x="0" y="0"/>
+              <a:ext cx="218303" cy="2522855"/>
+            </a:xfrm>
+            <a:custGeom>
+              <a:avLst/>
+              <a:gdLst/>
+              <a:ahLst/>
+              <a:cxnLst/>
+              <a:rect l="l" t="t" r="r" b="b"/>
+              <a:pathLst>
+                <a:path w="218303" h="2522855">
+                  <a:moveTo>
+                    <a:pt x="0" y="0"/>
+                  </a:moveTo>
+                  <a:lnTo>
+                    <a:pt x="218303" y="0"/>
+                  </a:lnTo>
+                  <a:lnTo>
+                    <a:pt x="218303" y="2522855"/>
+                  </a:lnTo>
+                  <a:lnTo>
+                    <a:pt x="0" y="2522855"/>
+                  </a:lnTo>
+                  <a:close/>
+                </a:path>
+              </a:pathLst>
+            </a:custGeom>
+            <a:solidFill>
+              <a:srgbClr val="FFFFFF"/>
+            </a:solidFill>
+          </p:spPr>
+        </p:sp>
+      </p:grpSp>
+      <p:grpSp>
+        <p:nvGrpSpPr>
+          <p:cNvPr id="5" name="Group 5"/>
+          <p:cNvGrpSpPr/>
+          <p:nvPr/>
+        </p:nvGrpSpPr>
+        <p:grpSpPr>
+          <a:xfrm>
+            <a:off x="4915660" y="2171626"/>
+            <a:ext cx="5336375" cy="7458075"/>
+            <a:chOff x="0" y="0"/>
+            <a:chExt cx="1805144" cy="2522855"/>
+          </a:xfrm>
+        </p:grpSpPr>
+        <p:sp>
+          <p:nvSpPr>
+            <p:cNvPr id="6" name="Freeform 6"/>
+            <p:cNvSpPr/>
+            <p:nvPr/>
+          </p:nvSpPr>
+          <p:spPr>
+            <a:xfrm>
+              <a:off x="0" y="0"/>
+              <a:ext cx="1805144" cy="2522855"/>
+            </a:xfrm>
+            <a:custGeom>
+              <a:avLst/>
+              <a:gdLst/>
+              <a:ahLst/>
+              <a:cxnLst/>
+              <a:rect l="l" t="t" r="r" b="b"/>
+              <a:pathLst>
+                <a:path w="1805144" h="2522855">
+                  <a:moveTo>
+                    <a:pt x="0" y="0"/>
+                  </a:moveTo>
+                  <a:lnTo>
+                    <a:pt x="1805144" y="0"/>
+                  </a:lnTo>
+                  <a:lnTo>
+                    <a:pt x="1805144" y="2522855"/>
+                  </a:lnTo>
+                  <a:lnTo>
+                    <a:pt x="0" y="2522855"/>
+                  </a:lnTo>
+                  <a:close/>
+                </a:path>
+              </a:pathLst>
+            </a:custGeom>
+            <a:solidFill>
+              <a:srgbClr val="FFFFFF"/>
+            </a:solidFill>
+          </p:spPr>
+        </p:sp>
+      </p:grpSp>
+      <p:grpSp>
+        <p:nvGrpSpPr>
+          <p:cNvPr id="7" name="Group 7"/>
+          <p:cNvGrpSpPr/>
+          <p:nvPr/>
+        </p:nvGrpSpPr>
+        <p:grpSpPr>
+          <a:xfrm>
+            <a:off x="16135811" y="2171626"/>
+            <a:ext cx="1914618" cy="7458075"/>
+            <a:chOff x="0" y="0"/>
+            <a:chExt cx="647661" cy="2522855"/>
+          </a:xfrm>
+        </p:grpSpPr>
+        <p:sp>
+          <p:nvSpPr>
+            <p:cNvPr id="8" name="Freeform 8"/>
+            <p:cNvSpPr/>
+            <p:nvPr/>
+          </p:nvSpPr>
+          <p:spPr>
+            <a:xfrm>
+              <a:off x="0" y="0"/>
+              <a:ext cx="647661" cy="2522855"/>
+            </a:xfrm>
+            <a:custGeom>
+              <a:avLst/>
+              <a:gdLst/>
+              <a:ahLst/>
+              <a:cxnLst/>
+              <a:rect l="l" t="t" r="r" b="b"/>
+              <a:pathLst>
+                <a:path w="647661" h="2522855">
+                  <a:moveTo>
+                    <a:pt x="0" y="0"/>
+                  </a:moveTo>
+                  <a:lnTo>
+                    <a:pt x="647661" y="0"/>
+                  </a:lnTo>
+                  <a:lnTo>
+                    <a:pt x="647661" y="2522855"/>
+                  </a:lnTo>
+                  <a:lnTo>
+                    <a:pt x="0" y="2522855"/>
+                  </a:lnTo>
+                  <a:close/>
+                </a:path>
+              </a:pathLst>
+            </a:custGeom>
+            <a:solidFill>
+              <a:srgbClr val="FFFFFF"/>
+            </a:solidFill>
+          </p:spPr>
+        </p:sp>
+      </p:grpSp>
+      <p:grpSp>
+        <p:nvGrpSpPr>
+          <p:cNvPr id="9" name="Group 9"/>
+          <p:cNvGrpSpPr/>
+          <p:nvPr/>
+        </p:nvGrpSpPr>
+        <p:grpSpPr>
+          <a:xfrm>
+            <a:off x="13660016" y="2171626"/>
+            <a:ext cx="2272111" cy="7458075"/>
+            <a:chOff x="0" y="0"/>
+            <a:chExt cx="768591" cy="2522855"/>
+          </a:xfrm>
+        </p:grpSpPr>
+        <p:sp>
+          <p:nvSpPr>
+            <p:cNvPr id="10" name="Freeform 10"/>
+            <p:cNvSpPr/>
+            <p:nvPr/>
+          </p:nvSpPr>
+          <p:spPr>
+            <a:xfrm>
+              <a:off x="0" y="0"/>
+              <a:ext cx="768591" cy="2522855"/>
+            </a:xfrm>
+            <a:custGeom>
+              <a:avLst/>
+              <a:gdLst/>
+              <a:ahLst/>
+              <a:cxnLst/>
+              <a:rect l="l" t="t" r="r" b="b"/>
+              <a:pathLst>
+                <a:path w="768591" h="2522855">
+                  <a:moveTo>
+                    <a:pt x="0" y="0"/>
+                  </a:moveTo>
+                  <a:lnTo>
+                    <a:pt x="768591" y="0"/>
+                  </a:lnTo>
+                  <a:lnTo>
+                    <a:pt x="768591" y="2522855"/>
+                  </a:lnTo>
+                  <a:lnTo>
+                    <a:pt x="0" y="2522855"/>
+                  </a:lnTo>
+                  <a:close/>
+                </a:path>
+              </a:pathLst>
+            </a:custGeom>
+            <a:solidFill>
+              <a:srgbClr val="FFFFFF"/>
+            </a:solidFill>
+          </p:spPr>
+        </p:sp>
+      </p:grpSp>
+      <p:sp>
+        <p:nvSpPr>
+          <p:cNvPr id="11" name="TextBox 11"/>
+          <p:cNvSpPr txBox="1"/>
+          <p:nvPr/>
+        </p:nvSpPr>
+        <p:spPr>
+          <a:xfrm>
+            <a:off x="237571" y="2390600"/>
+            <a:ext cx="654872" cy="419730"/>
+          </a:xfrm>
+          <a:prstGeom prst="rect">
+            <a:avLst/>
+          </a:prstGeom>
+        </p:spPr>
+        <p:txBody>
+          <a:bodyPr lIns="0" tIns="0" rIns="0" bIns="0" rtlCol="0" anchor="t">
+            <a:spAutoFit/>
+          </a:bodyPr>
+          <a:lstStyle/>
+          <a:p>
+            <a:pPr algn="ctr">
+              <a:lnSpc>
+                <a:spcPts val="3359"/>
+              </a:lnSpc>
+            </a:pPr>
+            <a:r>
+              <a:rPr lang="en-US" sz="2800" dirty="0">
+                <a:solidFill>
+                  <a:srgbClr val="191919"/>
+                </a:solidFill>
+                <a:latin typeface="Open Sans 1 Bold"/>
+              </a:rPr>
+              <a:t>ID</a:t>
+            </a:r>
+          </a:p>
+        </p:txBody>
+      </p:sp>
+      <p:sp>
+        <p:nvSpPr>
+          <p:cNvPr id="12" name="TextBox 12"/>
+          <p:cNvSpPr txBox="1"/>
+          <p:nvPr/>
+        </p:nvSpPr>
+        <p:spPr>
+          <a:xfrm>
+            <a:off x="4915660" y="2390600"/>
+            <a:ext cx="5336375" cy="419730"/>
+          </a:xfrm>
+          <a:prstGeom prst="rect">
+            <a:avLst/>
+          </a:prstGeom>
+        </p:spPr>
+        <p:txBody>
+          <a:bodyPr lIns="0" tIns="0" rIns="0" bIns="0" rtlCol="0" anchor="t">
+            <a:spAutoFit/>
+          </a:bodyPr>
+          <a:lstStyle/>
+          <a:p>
+            <a:pPr algn="ctr">
+              <a:lnSpc>
+                <a:spcPts val="3359"/>
+              </a:lnSpc>
+            </a:pPr>
+            <a:r>
+              <a:rPr lang="en-US" sz="2800" dirty="0">
+                <a:solidFill>
+                  <a:srgbClr val="191919"/>
+                </a:solidFill>
+                <a:latin typeface="Open Sans 1 Bold"/>
+              </a:rPr>
+              <a:t>DESCRIÇÃO</a:t>
+            </a:r>
+          </a:p>
+        </p:txBody>
+      </p:sp>
+      <p:sp>
+        <p:nvSpPr>
+          <p:cNvPr id="13" name="TextBox 13"/>
+          <p:cNvSpPr txBox="1"/>
+          <p:nvPr/>
+        </p:nvSpPr>
+        <p:spPr>
+          <a:xfrm>
+            <a:off x="13660016" y="2374090"/>
+            <a:ext cx="2272111" cy="419730"/>
+          </a:xfrm>
+          <a:prstGeom prst="rect">
+            <a:avLst/>
+          </a:prstGeom>
+        </p:spPr>
+        <p:txBody>
+          <a:bodyPr lIns="0" tIns="0" rIns="0" bIns="0" rtlCol="0" anchor="t">
+            <a:spAutoFit/>
+          </a:bodyPr>
+          <a:lstStyle/>
+          <a:p>
+            <a:pPr algn="ctr">
+              <a:lnSpc>
+                <a:spcPts val="3359"/>
+              </a:lnSpc>
+            </a:pPr>
+            <a:r>
+              <a:rPr lang="en-US" sz="2800">
+                <a:solidFill>
+                  <a:srgbClr val="191919"/>
+                </a:solidFill>
+                <a:latin typeface="Open Sans 1 Bold"/>
+              </a:rPr>
+              <a:t>TAMANHO</a:t>
+            </a:r>
+          </a:p>
+        </p:txBody>
+      </p:sp>
+      <p:sp>
+        <p:nvSpPr>
+          <p:cNvPr id="14" name="TextBox 14"/>
+          <p:cNvSpPr txBox="1"/>
+          <p:nvPr/>
+        </p:nvSpPr>
+        <p:spPr>
+          <a:xfrm>
+            <a:off x="16135811" y="2390600"/>
+            <a:ext cx="1914618" cy="419730"/>
+          </a:xfrm>
+          <a:prstGeom prst="rect">
+            <a:avLst/>
+          </a:prstGeom>
+        </p:spPr>
+        <p:txBody>
+          <a:bodyPr lIns="0" tIns="0" rIns="0" bIns="0" rtlCol="0" anchor="t">
+            <a:spAutoFit/>
+          </a:bodyPr>
+          <a:lstStyle/>
+          <a:p>
+            <a:pPr algn="ctr">
+              <a:lnSpc>
+                <a:spcPts val="3359"/>
+              </a:lnSpc>
+            </a:pPr>
+            <a:r>
+              <a:rPr lang="en-US" sz="2800">
+                <a:solidFill>
+                  <a:srgbClr val="191919"/>
+                </a:solidFill>
+                <a:latin typeface="Open Sans 1 Bold"/>
+              </a:rPr>
+              <a:t>TIPO</a:t>
+            </a:r>
+          </a:p>
+        </p:txBody>
+      </p:sp>
+      <p:grpSp>
+        <p:nvGrpSpPr>
+          <p:cNvPr id="15" name="Group 15"/>
+          <p:cNvGrpSpPr/>
+          <p:nvPr/>
+        </p:nvGrpSpPr>
+        <p:grpSpPr>
+          <a:xfrm>
+            <a:off x="10465296" y="2154074"/>
+            <a:ext cx="2995472" cy="7475627"/>
+            <a:chOff x="0" y="0"/>
+            <a:chExt cx="1013283" cy="2528792"/>
+          </a:xfrm>
+        </p:grpSpPr>
+        <p:sp>
+          <p:nvSpPr>
+            <p:cNvPr id="16" name="Freeform 16"/>
+            <p:cNvSpPr/>
+            <p:nvPr/>
+          </p:nvSpPr>
+          <p:spPr>
+            <a:xfrm>
+              <a:off x="0" y="0"/>
+              <a:ext cx="1013283" cy="2528792"/>
+            </a:xfrm>
+            <a:custGeom>
+              <a:avLst/>
+              <a:gdLst/>
+              <a:ahLst/>
+              <a:cxnLst/>
+              <a:rect l="l" t="t" r="r" b="b"/>
+              <a:pathLst>
+                <a:path w="1013283" h="2528792">
+                  <a:moveTo>
+                    <a:pt x="0" y="0"/>
+                  </a:moveTo>
+                  <a:lnTo>
+                    <a:pt x="1013283" y="0"/>
+                  </a:lnTo>
+                  <a:lnTo>
+                    <a:pt x="1013283" y="2528792"/>
+                  </a:lnTo>
+                  <a:lnTo>
+                    <a:pt x="0" y="2528792"/>
+                  </a:lnTo>
+                  <a:close/>
+                </a:path>
+              </a:pathLst>
+            </a:custGeom>
+            <a:solidFill>
+              <a:srgbClr val="FFFFFF"/>
+            </a:solidFill>
+          </p:spPr>
+        </p:sp>
+      </p:grpSp>
+      <p:sp>
+        <p:nvSpPr>
+          <p:cNvPr id="17" name="TextBox 17"/>
+          <p:cNvSpPr txBox="1"/>
+          <p:nvPr/>
+        </p:nvSpPr>
+        <p:spPr>
+          <a:xfrm>
+            <a:off x="10474821" y="2374090"/>
+            <a:ext cx="2985947" cy="419730"/>
+          </a:xfrm>
+          <a:prstGeom prst="rect">
+            <a:avLst/>
+          </a:prstGeom>
+        </p:spPr>
+        <p:txBody>
+          <a:bodyPr lIns="0" tIns="0" rIns="0" bIns="0" rtlCol="0" anchor="t">
+            <a:spAutoFit/>
+          </a:bodyPr>
+          <a:lstStyle/>
+          <a:p>
+            <a:pPr algn="ctr">
+              <a:lnSpc>
+                <a:spcPts val="3359"/>
+              </a:lnSpc>
+            </a:pPr>
+            <a:r>
+              <a:rPr lang="en-US" sz="2800">
+                <a:solidFill>
+                  <a:srgbClr val="191919"/>
+                </a:solidFill>
+                <a:latin typeface="Open Sans 1 Bold"/>
+              </a:rPr>
+              <a:t>CLASSIFICAÇÃO</a:t>
+            </a:r>
+          </a:p>
+        </p:txBody>
+      </p:sp>
+      <p:grpSp>
+        <p:nvGrpSpPr>
+          <p:cNvPr id="18" name="Group 18"/>
+          <p:cNvGrpSpPr/>
+          <p:nvPr/>
+        </p:nvGrpSpPr>
+        <p:grpSpPr>
+          <a:xfrm>
+            <a:off x="1075771" y="2171626"/>
+            <a:ext cx="3635316" cy="7458075"/>
+            <a:chOff x="0" y="0"/>
+            <a:chExt cx="1229724" cy="2522855"/>
+          </a:xfrm>
+        </p:grpSpPr>
+        <p:sp>
+          <p:nvSpPr>
+            <p:cNvPr id="19" name="Freeform 19"/>
+            <p:cNvSpPr/>
+            <p:nvPr/>
+          </p:nvSpPr>
+          <p:spPr>
+            <a:xfrm>
+              <a:off x="0" y="0"/>
+              <a:ext cx="1229724" cy="2522855"/>
+            </a:xfrm>
+            <a:custGeom>
+              <a:avLst/>
+              <a:gdLst/>
+              <a:ahLst/>
+              <a:cxnLst/>
+              <a:rect l="l" t="t" r="r" b="b"/>
+              <a:pathLst>
+                <a:path w="1229724" h="2522855">
+                  <a:moveTo>
+                    <a:pt x="0" y="0"/>
+                  </a:moveTo>
+                  <a:lnTo>
+                    <a:pt x="1229724" y="0"/>
+                  </a:lnTo>
+                  <a:lnTo>
+                    <a:pt x="1229724" y="2522855"/>
+                  </a:lnTo>
+                  <a:lnTo>
+                    <a:pt x="0" y="2522855"/>
+                  </a:lnTo>
+                  <a:close/>
+                </a:path>
+              </a:pathLst>
+            </a:custGeom>
+            <a:solidFill>
+              <a:srgbClr val="FFFFFF"/>
+            </a:solidFill>
+          </p:spPr>
+        </p:sp>
+      </p:grpSp>
+      <p:sp>
+        <p:nvSpPr>
+          <p:cNvPr id="20" name="TextBox 20"/>
+          <p:cNvSpPr txBox="1"/>
+          <p:nvPr/>
+        </p:nvSpPr>
+        <p:spPr>
+          <a:xfrm>
+            <a:off x="1075771" y="2390600"/>
+            <a:ext cx="3635316" cy="419730"/>
+          </a:xfrm>
+          <a:prstGeom prst="rect">
+            <a:avLst/>
+          </a:prstGeom>
+        </p:spPr>
+        <p:txBody>
+          <a:bodyPr lIns="0" tIns="0" rIns="0" bIns="0" rtlCol="0" anchor="t">
+            <a:spAutoFit/>
+          </a:bodyPr>
+          <a:lstStyle/>
+          <a:p>
+            <a:pPr algn="ctr">
+              <a:lnSpc>
+                <a:spcPts val="3359"/>
+              </a:lnSpc>
+            </a:pPr>
+            <a:r>
+              <a:rPr lang="en-US" sz="2800" dirty="0">
+                <a:solidFill>
+                  <a:srgbClr val="191919"/>
+                </a:solidFill>
+                <a:latin typeface="Open Sans 1 Bold"/>
+              </a:rPr>
+              <a:t>REQUISITO</a:t>
+            </a:r>
+          </a:p>
+        </p:txBody>
+      </p:sp>
+      <p:sp>
+        <p:nvSpPr>
+          <p:cNvPr id="22" name="CaixaDeTexto 21"/>
+          <p:cNvSpPr txBox="1"/>
+          <p:nvPr/>
+        </p:nvSpPr>
+        <p:spPr>
+          <a:xfrm>
+            <a:off x="237571" y="3172480"/>
+            <a:ext cx="660197" cy="523220"/>
+          </a:xfrm>
+          <a:prstGeom prst="rect">
+            <a:avLst/>
+          </a:prstGeom>
+          <a:noFill/>
+        </p:spPr>
+        <p:txBody>
+          <a:bodyPr wrap="square" rtlCol="0">
+            <a:spAutoFit/>
+          </a:bodyPr>
+          <a:lstStyle/>
+          <a:p>
+            <a:pPr algn="ctr"/>
+            <a:r>
+              <a:rPr lang="pt-BR" sz="2800" dirty="0" smtClean="0">
+                <a:solidFill>
+                  <a:schemeClr val="tx1">
+                    <a:lumMod val="75000"/>
+                    <a:lumOff val="25000"/>
+                  </a:schemeClr>
+                </a:solidFill>
+                <a:latin typeface="Open Sans 1" panose="020B0604020202020204" charset="0"/>
+                <a:ea typeface="Open Sans 1" panose="020B0604020202020204" charset="0"/>
+                <a:cs typeface="Open Sans 1" panose="020B0604020202020204" charset="0"/>
+              </a:rPr>
+              <a:t>01</a:t>
+            </a:r>
+            <a:endParaRPr lang="pt-BR" sz="2800" dirty="0">
+              <a:solidFill>
+                <a:schemeClr val="tx1">
+                  <a:lumMod val="75000"/>
+                  <a:lumOff val="25000"/>
+                </a:schemeClr>
+              </a:solidFill>
+              <a:latin typeface="Open Sans 1" panose="020B0604020202020204" charset="0"/>
+              <a:ea typeface="Open Sans 1" panose="020B0604020202020204" charset="0"/>
+              <a:cs typeface="Open Sans 1" panose="020B0604020202020204" charset="0"/>
+            </a:endParaRPr>
+          </a:p>
+        </p:txBody>
+      </p:sp>
+      <p:sp>
+        <p:nvSpPr>
+          <p:cNvPr id="23" name="CaixaDeTexto 22"/>
+          <p:cNvSpPr txBox="1"/>
+          <p:nvPr/>
+        </p:nvSpPr>
+        <p:spPr>
+          <a:xfrm>
+            <a:off x="1075771" y="3172480"/>
+            <a:ext cx="3648629" cy="523220"/>
+          </a:xfrm>
+          <a:prstGeom prst="rect">
+            <a:avLst/>
+          </a:prstGeom>
+          <a:noFill/>
+        </p:spPr>
+        <p:txBody>
+          <a:bodyPr wrap="square" rtlCol="0">
+            <a:spAutoFit/>
+          </a:bodyPr>
+          <a:lstStyle/>
+          <a:p>
+            <a:pPr algn="ctr"/>
+            <a:r>
+              <a:rPr lang="pt-BR" sz="2800" dirty="0" smtClean="0">
+                <a:solidFill>
+                  <a:schemeClr val="tx1">
+                    <a:lumMod val="75000"/>
+                    <a:lumOff val="25000"/>
+                  </a:schemeClr>
+                </a:solidFill>
+                <a:latin typeface="Open Sans 1" panose="020B0604020202020204" charset="0"/>
+                <a:ea typeface="Open Sans 1" panose="020B0604020202020204" charset="0"/>
+                <a:cs typeface="Open Sans 1" panose="020B0604020202020204" charset="0"/>
+              </a:rPr>
+              <a:t>US#01&lt;Cadastro&gt;</a:t>
+            </a:r>
+            <a:endParaRPr lang="pt-BR" sz="2800" dirty="0">
+              <a:solidFill>
+                <a:schemeClr val="tx1">
+                  <a:lumMod val="75000"/>
+                  <a:lumOff val="25000"/>
+                </a:schemeClr>
+              </a:solidFill>
+              <a:latin typeface="Open Sans 1" panose="020B0604020202020204" charset="0"/>
+              <a:ea typeface="Open Sans 1" panose="020B0604020202020204" charset="0"/>
+              <a:cs typeface="Open Sans 1" panose="020B0604020202020204" charset="0"/>
+            </a:endParaRPr>
+          </a:p>
+        </p:txBody>
+      </p:sp>
+      <p:sp>
+        <p:nvSpPr>
+          <p:cNvPr id="25" name="CaixaDeTexto 24"/>
+          <p:cNvSpPr txBox="1"/>
+          <p:nvPr/>
+        </p:nvSpPr>
+        <p:spPr>
+          <a:xfrm>
+            <a:off x="4910335" y="3149619"/>
+            <a:ext cx="5341700" cy="523220"/>
+          </a:xfrm>
+          <a:prstGeom prst="rect">
+            <a:avLst/>
+          </a:prstGeom>
+          <a:noFill/>
+        </p:spPr>
+        <p:txBody>
+          <a:bodyPr wrap="square" rtlCol="0">
+            <a:spAutoFit/>
+          </a:bodyPr>
+          <a:lstStyle/>
+          <a:p>
+            <a:pPr algn="ctr"/>
+            <a:r>
+              <a:rPr lang="pt-BR" sz="2800" dirty="0" smtClean="0">
+                <a:solidFill>
+                  <a:schemeClr val="tx1">
+                    <a:lumMod val="75000"/>
+                    <a:lumOff val="25000"/>
+                  </a:schemeClr>
+                </a:solidFill>
+                <a:latin typeface="Open Sans 1" panose="020B0604020202020204" charset="0"/>
+                <a:ea typeface="Open Sans 1" panose="020B0604020202020204" charset="0"/>
+                <a:cs typeface="Open Sans 1" panose="020B0604020202020204" charset="0"/>
+              </a:rPr>
+              <a:t>Cadastro da maquina</a:t>
+            </a:r>
+            <a:endParaRPr lang="pt-BR" sz="2800" dirty="0">
+              <a:solidFill>
+                <a:schemeClr val="tx1">
+                  <a:lumMod val="75000"/>
+                  <a:lumOff val="25000"/>
+                </a:schemeClr>
+              </a:solidFill>
+              <a:latin typeface="Open Sans 1" panose="020B0604020202020204" charset="0"/>
+              <a:ea typeface="Open Sans 1" panose="020B0604020202020204" charset="0"/>
+              <a:cs typeface="Open Sans 1" panose="020B0604020202020204" charset="0"/>
+            </a:endParaRPr>
+          </a:p>
+        </p:txBody>
+      </p:sp>
+      <p:sp>
+        <p:nvSpPr>
+          <p:cNvPr id="26" name="CaixaDeTexto 25"/>
+          <p:cNvSpPr txBox="1"/>
+          <p:nvPr/>
+        </p:nvSpPr>
+        <p:spPr>
+          <a:xfrm>
+            <a:off x="10474821" y="3172480"/>
+            <a:ext cx="2981511" cy="523220"/>
+          </a:xfrm>
+          <a:prstGeom prst="rect">
+            <a:avLst/>
+          </a:prstGeom>
+          <a:noFill/>
+        </p:spPr>
+        <p:txBody>
+          <a:bodyPr wrap="square" rtlCol="0">
+            <a:spAutoFit/>
+          </a:bodyPr>
+          <a:lstStyle/>
+          <a:p>
+            <a:pPr algn="ctr"/>
+            <a:r>
+              <a:rPr lang="pt-BR" sz="2800" dirty="0" smtClean="0">
+                <a:solidFill>
+                  <a:schemeClr val="tx1">
+                    <a:lumMod val="75000"/>
+                    <a:lumOff val="25000"/>
+                  </a:schemeClr>
+                </a:solidFill>
+                <a:latin typeface="Open Sans 1" panose="020B0604020202020204" charset="0"/>
+                <a:ea typeface="Open Sans 1" panose="020B0604020202020204" charset="0"/>
+                <a:cs typeface="Open Sans 1" panose="020B0604020202020204" charset="0"/>
+              </a:rPr>
+              <a:t>Essencial</a:t>
+            </a:r>
+            <a:endParaRPr lang="pt-BR" sz="2800" dirty="0">
+              <a:solidFill>
+                <a:schemeClr val="tx1">
+                  <a:lumMod val="75000"/>
+                  <a:lumOff val="25000"/>
+                </a:schemeClr>
+              </a:solidFill>
+              <a:latin typeface="Open Sans 1" panose="020B0604020202020204" charset="0"/>
+              <a:ea typeface="Open Sans 1" panose="020B0604020202020204" charset="0"/>
+              <a:cs typeface="Open Sans 1" panose="020B0604020202020204" charset="0"/>
+            </a:endParaRPr>
+          </a:p>
+        </p:txBody>
+      </p:sp>
+      <p:sp>
+        <p:nvSpPr>
+          <p:cNvPr id="27" name="CaixaDeTexto 26"/>
+          <p:cNvSpPr txBox="1"/>
+          <p:nvPr/>
+        </p:nvSpPr>
+        <p:spPr>
+          <a:xfrm>
+            <a:off x="13660016" y="3149619"/>
+            <a:ext cx="2272111" cy="523220"/>
+          </a:xfrm>
+          <a:prstGeom prst="rect">
+            <a:avLst/>
+          </a:prstGeom>
+          <a:noFill/>
+        </p:spPr>
+        <p:txBody>
+          <a:bodyPr wrap="square" rtlCol="0">
+            <a:spAutoFit/>
+          </a:bodyPr>
+          <a:lstStyle/>
+          <a:p>
+            <a:pPr algn="ctr"/>
+            <a:r>
+              <a:rPr lang="pt-BR" sz="2800" dirty="0" smtClean="0">
+                <a:solidFill>
+                  <a:schemeClr val="tx1">
+                    <a:lumMod val="75000"/>
+                    <a:lumOff val="25000"/>
+                  </a:schemeClr>
+                </a:solidFill>
+                <a:latin typeface="Open Sans 1" panose="020B0604020202020204" charset="0"/>
+                <a:ea typeface="Open Sans 1" panose="020B0604020202020204" charset="0"/>
+                <a:cs typeface="Open Sans 1" panose="020B0604020202020204" charset="0"/>
+              </a:rPr>
+              <a:t>Grande</a:t>
+            </a:r>
+            <a:endParaRPr lang="pt-BR" sz="2800" dirty="0">
+              <a:solidFill>
+                <a:schemeClr val="tx1">
+                  <a:lumMod val="75000"/>
+                  <a:lumOff val="25000"/>
+                </a:schemeClr>
+              </a:solidFill>
+              <a:latin typeface="Open Sans 1" panose="020B0604020202020204" charset="0"/>
+              <a:ea typeface="Open Sans 1" panose="020B0604020202020204" charset="0"/>
+              <a:cs typeface="Open Sans 1" panose="020B0604020202020204" charset="0"/>
+            </a:endParaRPr>
+          </a:p>
+        </p:txBody>
+      </p:sp>
+      <p:sp>
+        <p:nvSpPr>
+          <p:cNvPr id="28" name="CaixaDeTexto 27"/>
+          <p:cNvSpPr txBox="1"/>
+          <p:nvPr/>
+        </p:nvSpPr>
+        <p:spPr>
+          <a:xfrm>
+            <a:off x="16133593" y="3172480"/>
+            <a:ext cx="1919054" cy="523220"/>
+          </a:xfrm>
+          <a:prstGeom prst="rect">
+            <a:avLst/>
+          </a:prstGeom>
+          <a:noFill/>
+        </p:spPr>
+        <p:txBody>
+          <a:bodyPr wrap="square" rtlCol="0">
+            <a:spAutoFit/>
+          </a:bodyPr>
+          <a:lstStyle/>
+          <a:p>
+            <a:pPr algn="ctr"/>
+            <a:r>
+              <a:rPr lang="pt-BR" sz="2800" dirty="0" smtClean="0">
+                <a:solidFill>
+                  <a:schemeClr val="tx1">
+                    <a:lumMod val="75000"/>
+                    <a:lumOff val="25000"/>
+                  </a:schemeClr>
+                </a:solidFill>
+                <a:latin typeface="Open Sans 1" panose="020B0604020202020204" charset="0"/>
+                <a:ea typeface="Open Sans 1" panose="020B0604020202020204" charset="0"/>
+                <a:cs typeface="Open Sans 1" panose="020B0604020202020204" charset="0"/>
+              </a:rPr>
+              <a:t>Funcional</a:t>
+            </a:r>
+            <a:endParaRPr lang="pt-BR" sz="2800" dirty="0">
+              <a:solidFill>
+                <a:schemeClr val="tx1">
+                  <a:lumMod val="75000"/>
+                  <a:lumOff val="25000"/>
+                </a:schemeClr>
+              </a:solidFill>
+              <a:latin typeface="Open Sans 1" panose="020B0604020202020204" charset="0"/>
+              <a:ea typeface="Open Sans 1" panose="020B0604020202020204" charset="0"/>
+              <a:cs typeface="Open Sans 1" panose="020B0604020202020204" charset="0"/>
+            </a:endParaRPr>
+          </a:p>
+        </p:txBody>
+      </p:sp>
+      <p:sp>
+        <p:nvSpPr>
+          <p:cNvPr id="155" name="CaixaDeTexto 154"/>
+          <p:cNvSpPr txBox="1"/>
+          <p:nvPr/>
+        </p:nvSpPr>
+        <p:spPr>
+          <a:xfrm>
+            <a:off x="237571" y="3794761"/>
+            <a:ext cx="660197" cy="523220"/>
+          </a:xfrm>
+          <a:prstGeom prst="rect">
+            <a:avLst/>
+          </a:prstGeom>
+          <a:noFill/>
+        </p:spPr>
+        <p:txBody>
+          <a:bodyPr wrap="square" rtlCol="0">
+            <a:spAutoFit/>
+          </a:bodyPr>
+          <a:lstStyle/>
+          <a:p>
+            <a:pPr algn="ctr"/>
+            <a:r>
+              <a:rPr lang="pt-BR" sz="2800" dirty="0" smtClean="0">
+                <a:solidFill>
+                  <a:schemeClr val="tx1">
+                    <a:lumMod val="75000"/>
+                    <a:lumOff val="25000"/>
+                  </a:schemeClr>
+                </a:solidFill>
+                <a:latin typeface="Open Sans 1" panose="020B0604020202020204" charset="0"/>
+                <a:ea typeface="Open Sans 1" panose="020B0604020202020204" charset="0"/>
+                <a:cs typeface="Open Sans 1" panose="020B0604020202020204" charset="0"/>
+              </a:rPr>
+              <a:t>01</a:t>
+            </a:r>
+            <a:endParaRPr lang="pt-BR" sz="2800" dirty="0">
+              <a:solidFill>
+                <a:schemeClr val="tx1">
+                  <a:lumMod val="75000"/>
+                  <a:lumOff val="25000"/>
+                </a:schemeClr>
+              </a:solidFill>
+              <a:latin typeface="Open Sans 1" panose="020B0604020202020204" charset="0"/>
+              <a:ea typeface="Open Sans 1" panose="020B0604020202020204" charset="0"/>
+              <a:cs typeface="Open Sans 1" panose="020B0604020202020204" charset="0"/>
+            </a:endParaRPr>
+          </a:p>
+        </p:txBody>
+      </p:sp>
+      <p:sp>
+        <p:nvSpPr>
+          <p:cNvPr id="156" name="CaixaDeTexto 155"/>
+          <p:cNvSpPr txBox="1"/>
+          <p:nvPr/>
+        </p:nvSpPr>
+        <p:spPr>
+          <a:xfrm>
+            <a:off x="1075771" y="3794761"/>
+            <a:ext cx="3648629" cy="523220"/>
+          </a:xfrm>
+          <a:prstGeom prst="rect">
+            <a:avLst/>
+          </a:prstGeom>
+          <a:noFill/>
+        </p:spPr>
+        <p:txBody>
+          <a:bodyPr wrap="square" rtlCol="0">
+            <a:spAutoFit/>
+          </a:bodyPr>
+          <a:lstStyle/>
+          <a:p>
+            <a:pPr algn="ctr"/>
+            <a:r>
+              <a:rPr lang="pt-BR" sz="2800" dirty="0" smtClean="0">
+                <a:solidFill>
+                  <a:schemeClr val="tx1">
+                    <a:lumMod val="75000"/>
+                    <a:lumOff val="25000"/>
+                  </a:schemeClr>
+                </a:solidFill>
+                <a:latin typeface="Open Sans 1" panose="020B0604020202020204" charset="0"/>
+                <a:ea typeface="Open Sans 1" panose="020B0604020202020204" charset="0"/>
+                <a:cs typeface="Open Sans 1" panose="020B0604020202020204" charset="0"/>
+              </a:rPr>
+              <a:t>US#01&lt;Cadastro&gt;</a:t>
+            </a:r>
+            <a:endParaRPr lang="pt-BR" sz="2800" dirty="0">
+              <a:solidFill>
+                <a:schemeClr val="tx1">
+                  <a:lumMod val="75000"/>
+                  <a:lumOff val="25000"/>
+                </a:schemeClr>
+              </a:solidFill>
+              <a:latin typeface="Open Sans 1" panose="020B0604020202020204" charset="0"/>
+              <a:ea typeface="Open Sans 1" panose="020B0604020202020204" charset="0"/>
+              <a:cs typeface="Open Sans 1" panose="020B0604020202020204" charset="0"/>
+            </a:endParaRPr>
+          </a:p>
+        </p:txBody>
+      </p:sp>
+      <p:sp>
+        <p:nvSpPr>
+          <p:cNvPr id="157" name="CaixaDeTexto 156"/>
+          <p:cNvSpPr txBox="1"/>
+          <p:nvPr/>
+        </p:nvSpPr>
+        <p:spPr>
+          <a:xfrm>
+            <a:off x="4910335" y="3771900"/>
+            <a:ext cx="5341700" cy="523220"/>
+          </a:xfrm>
+          <a:prstGeom prst="rect">
+            <a:avLst/>
+          </a:prstGeom>
+          <a:noFill/>
+        </p:spPr>
+        <p:txBody>
+          <a:bodyPr wrap="square" rtlCol="0">
+            <a:spAutoFit/>
+          </a:bodyPr>
+          <a:lstStyle/>
+          <a:p>
+            <a:pPr algn="ctr"/>
+            <a:r>
+              <a:rPr lang="pt-BR" sz="2800" dirty="0" smtClean="0">
+                <a:solidFill>
+                  <a:schemeClr val="tx1">
+                    <a:lumMod val="75000"/>
+                    <a:lumOff val="25000"/>
+                  </a:schemeClr>
+                </a:solidFill>
+                <a:latin typeface="Open Sans 1" panose="020B0604020202020204" charset="0"/>
+                <a:ea typeface="Open Sans 1" panose="020B0604020202020204" charset="0"/>
+                <a:cs typeface="Open Sans 1" panose="020B0604020202020204" charset="0"/>
+              </a:rPr>
+              <a:t>Cadastro da maquina</a:t>
+            </a:r>
+            <a:endParaRPr lang="pt-BR" sz="2800" dirty="0">
+              <a:solidFill>
+                <a:schemeClr val="tx1">
+                  <a:lumMod val="75000"/>
+                  <a:lumOff val="25000"/>
+                </a:schemeClr>
+              </a:solidFill>
+              <a:latin typeface="Open Sans 1" panose="020B0604020202020204" charset="0"/>
+              <a:ea typeface="Open Sans 1" panose="020B0604020202020204" charset="0"/>
+              <a:cs typeface="Open Sans 1" panose="020B0604020202020204" charset="0"/>
+            </a:endParaRPr>
+          </a:p>
+        </p:txBody>
+      </p:sp>
+      <p:sp>
+        <p:nvSpPr>
+          <p:cNvPr id="158" name="CaixaDeTexto 157"/>
+          <p:cNvSpPr txBox="1"/>
+          <p:nvPr/>
+        </p:nvSpPr>
+        <p:spPr>
+          <a:xfrm>
+            <a:off x="10474821" y="3794761"/>
+            <a:ext cx="2981511" cy="523220"/>
+          </a:xfrm>
+          <a:prstGeom prst="rect">
+            <a:avLst/>
+          </a:prstGeom>
+          <a:noFill/>
+        </p:spPr>
+        <p:txBody>
+          <a:bodyPr wrap="square" rtlCol="0">
+            <a:spAutoFit/>
+          </a:bodyPr>
+          <a:lstStyle/>
+          <a:p>
+            <a:pPr algn="ctr"/>
+            <a:r>
+              <a:rPr lang="pt-BR" sz="2800" dirty="0" smtClean="0">
+                <a:solidFill>
+                  <a:schemeClr val="tx1">
+                    <a:lumMod val="75000"/>
+                    <a:lumOff val="25000"/>
+                  </a:schemeClr>
+                </a:solidFill>
+                <a:latin typeface="Open Sans 1" panose="020B0604020202020204" charset="0"/>
+                <a:ea typeface="Open Sans 1" panose="020B0604020202020204" charset="0"/>
+                <a:cs typeface="Open Sans 1" panose="020B0604020202020204" charset="0"/>
+              </a:rPr>
+              <a:t>Essencial</a:t>
+            </a:r>
+            <a:endParaRPr lang="pt-BR" sz="2800" dirty="0">
+              <a:solidFill>
+                <a:schemeClr val="tx1">
+                  <a:lumMod val="75000"/>
+                  <a:lumOff val="25000"/>
+                </a:schemeClr>
+              </a:solidFill>
+              <a:latin typeface="Open Sans 1" panose="020B0604020202020204" charset="0"/>
+              <a:ea typeface="Open Sans 1" panose="020B0604020202020204" charset="0"/>
+              <a:cs typeface="Open Sans 1" panose="020B0604020202020204" charset="0"/>
+            </a:endParaRPr>
+          </a:p>
+        </p:txBody>
+      </p:sp>
+      <p:sp>
+        <p:nvSpPr>
+          <p:cNvPr id="159" name="CaixaDeTexto 158"/>
+          <p:cNvSpPr txBox="1"/>
+          <p:nvPr/>
+        </p:nvSpPr>
+        <p:spPr>
+          <a:xfrm>
+            <a:off x="13660016" y="3771900"/>
+            <a:ext cx="2272111" cy="523220"/>
+          </a:xfrm>
+          <a:prstGeom prst="rect">
+            <a:avLst/>
+          </a:prstGeom>
+          <a:noFill/>
+        </p:spPr>
+        <p:txBody>
+          <a:bodyPr wrap="square" rtlCol="0">
+            <a:spAutoFit/>
+          </a:bodyPr>
+          <a:lstStyle/>
+          <a:p>
+            <a:pPr algn="ctr"/>
+            <a:r>
+              <a:rPr lang="pt-BR" sz="2800" dirty="0" smtClean="0">
+                <a:solidFill>
+                  <a:schemeClr val="tx1">
+                    <a:lumMod val="75000"/>
+                    <a:lumOff val="25000"/>
+                  </a:schemeClr>
+                </a:solidFill>
+                <a:latin typeface="Open Sans 1" panose="020B0604020202020204" charset="0"/>
+                <a:ea typeface="Open Sans 1" panose="020B0604020202020204" charset="0"/>
+                <a:cs typeface="Open Sans 1" panose="020B0604020202020204" charset="0"/>
+              </a:rPr>
+              <a:t>Grande</a:t>
+            </a:r>
+            <a:endParaRPr lang="pt-BR" sz="2800" dirty="0">
+              <a:solidFill>
+                <a:schemeClr val="tx1">
+                  <a:lumMod val="75000"/>
+                  <a:lumOff val="25000"/>
+                </a:schemeClr>
+              </a:solidFill>
+              <a:latin typeface="Open Sans 1" panose="020B0604020202020204" charset="0"/>
+              <a:ea typeface="Open Sans 1" panose="020B0604020202020204" charset="0"/>
+              <a:cs typeface="Open Sans 1" panose="020B0604020202020204" charset="0"/>
+            </a:endParaRPr>
+          </a:p>
+        </p:txBody>
+      </p:sp>
+      <p:sp>
+        <p:nvSpPr>
+          <p:cNvPr id="160" name="CaixaDeTexto 159"/>
+          <p:cNvSpPr txBox="1"/>
+          <p:nvPr/>
+        </p:nvSpPr>
+        <p:spPr>
+          <a:xfrm>
+            <a:off x="16133593" y="3794761"/>
+            <a:ext cx="1919054" cy="523220"/>
+          </a:xfrm>
+          <a:prstGeom prst="rect">
+            <a:avLst/>
+          </a:prstGeom>
+          <a:noFill/>
+        </p:spPr>
+        <p:txBody>
+          <a:bodyPr wrap="square" rtlCol="0">
+            <a:spAutoFit/>
+          </a:bodyPr>
+          <a:lstStyle/>
+          <a:p>
+            <a:pPr algn="ctr"/>
+            <a:r>
+              <a:rPr lang="pt-BR" sz="2800" dirty="0" smtClean="0">
+                <a:solidFill>
+                  <a:schemeClr val="tx1">
+                    <a:lumMod val="75000"/>
+                    <a:lumOff val="25000"/>
+                  </a:schemeClr>
+                </a:solidFill>
+                <a:latin typeface="Open Sans 1" panose="020B0604020202020204" charset="0"/>
+                <a:ea typeface="Open Sans 1" panose="020B0604020202020204" charset="0"/>
+                <a:cs typeface="Open Sans 1" panose="020B0604020202020204" charset="0"/>
+              </a:rPr>
+              <a:t>Funcional</a:t>
+            </a:r>
+            <a:endParaRPr lang="pt-BR" sz="2800" dirty="0">
+              <a:solidFill>
+                <a:schemeClr val="tx1">
+                  <a:lumMod val="75000"/>
+                  <a:lumOff val="25000"/>
+                </a:schemeClr>
+              </a:solidFill>
+              <a:latin typeface="Open Sans 1" panose="020B0604020202020204" charset="0"/>
+              <a:ea typeface="Open Sans 1" panose="020B0604020202020204" charset="0"/>
+              <a:cs typeface="Open Sans 1" panose="020B0604020202020204" charset="0"/>
+            </a:endParaRPr>
+          </a:p>
+        </p:txBody>
+      </p:sp>
+      <p:sp>
+        <p:nvSpPr>
+          <p:cNvPr id="161" name="CaixaDeTexto 160"/>
+          <p:cNvSpPr txBox="1"/>
+          <p:nvPr/>
+        </p:nvSpPr>
+        <p:spPr>
+          <a:xfrm>
+            <a:off x="228600" y="4378999"/>
+            <a:ext cx="660197" cy="523220"/>
+          </a:xfrm>
+          <a:prstGeom prst="rect">
+            <a:avLst/>
+          </a:prstGeom>
+          <a:noFill/>
+        </p:spPr>
+        <p:txBody>
+          <a:bodyPr wrap="square" rtlCol="0">
+            <a:spAutoFit/>
+          </a:bodyPr>
+          <a:lstStyle/>
+          <a:p>
+            <a:pPr algn="ctr"/>
+            <a:r>
+              <a:rPr lang="pt-BR" sz="2800" dirty="0" smtClean="0">
+                <a:solidFill>
+                  <a:schemeClr val="tx1">
+                    <a:lumMod val="75000"/>
+                    <a:lumOff val="25000"/>
+                  </a:schemeClr>
+                </a:solidFill>
+                <a:latin typeface="Open Sans 1" panose="020B0604020202020204" charset="0"/>
+                <a:ea typeface="Open Sans 1" panose="020B0604020202020204" charset="0"/>
+                <a:cs typeface="Open Sans 1" panose="020B0604020202020204" charset="0"/>
+              </a:rPr>
+              <a:t>01</a:t>
+            </a:r>
+            <a:endParaRPr lang="pt-BR" sz="2800" dirty="0">
+              <a:solidFill>
+                <a:schemeClr val="tx1">
+                  <a:lumMod val="75000"/>
+                  <a:lumOff val="25000"/>
+                </a:schemeClr>
+              </a:solidFill>
+              <a:latin typeface="Open Sans 1" panose="020B0604020202020204" charset="0"/>
+              <a:ea typeface="Open Sans 1" panose="020B0604020202020204" charset="0"/>
+              <a:cs typeface="Open Sans 1" panose="020B0604020202020204" charset="0"/>
+            </a:endParaRPr>
+          </a:p>
+        </p:txBody>
+      </p:sp>
+      <p:sp>
+        <p:nvSpPr>
+          <p:cNvPr id="162" name="CaixaDeTexto 161"/>
+          <p:cNvSpPr txBox="1"/>
+          <p:nvPr/>
+        </p:nvSpPr>
+        <p:spPr>
+          <a:xfrm>
+            <a:off x="1066800" y="4378999"/>
+            <a:ext cx="3648629" cy="523220"/>
+          </a:xfrm>
+          <a:prstGeom prst="rect">
+            <a:avLst/>
+          </a:prstGeom>
+          <a:noFill/>
+        </p:spPr>
+        <p:txBody>
+          <a:bodyPr wrap="square" rtlCol="0">
+            <a:spAutoFit/>
+          </a:bodyPr>
+          <a:lstStyle/>
+          <a:p>
+            <a:pPr algn="ctr"/>
+            <a:r>
+              <a:rPr lang="pt-BR" sz="2800" dirty="0" smtClean="0">
+                <a:solidFill>
+                  <a:schemeClr val="tx1">
+                    <a:lumMod val="75000"/>
+                    <a:lumOff val="25000"/>
+                  </a:schemeClr>
+                </a:solidFill>
+                <a:latin typeface="Open Sans 1" panose="020B0604020202020204" charset="0"/>
+                <a:ea typeface="Open Sans 1" panose="020B0604020202020204" charset="0"/>
+                <a:cs typeface="Open Sans 1" panose="020B0604020202020204" charset="0"/>
+              </a:rPr>
+              <a:t>US#01&lt;Cadastro&gt;</a:t>
+            </a:r>
+            <a:endParaRPr lang="pt-BR" sz="2800" dirty="0">
+              <a:solidFill>
+                <a:schemeClr val="tx1">
+                  <a:lumMod val="75000"/>
+                  <a:lumOff val="25000"/>
+                </a:schemeClr>
+              </a:solidFill>
+              <a:latin typeface="Open Sans 1" panose="020B0604020202020204" charset="0"/>
+              <a:ea typeface="Open Sans 1" panose="020B0604020202020204" charset="0"/>
+              <a:cs typeface="Open Sans 1" panose="020B0604020202020204" charset="0"/>
+            </a:endParaRPr>
+          </a:p>
+        </p:txBody>
+      </p:sp>
+      <p:sp>
+        <p:nvSpPr>
+          <p:cNvPr id="163" name="CaixaDeTexto 162"/>
+          <p:cNvSpPr txBox="1"/>
+          <p:nvPr/>
+        </p:nvSpPr>
+        <p:spPr>
+          <a:xfrm>
+            <a:off x="4901364" y="4356138"/>
+            <a:ext cx="5341700" cy="523220"/>
+          </a:xfrm>
+          <a:prstGeom prst="rect">
+            <a:avLst/>
+          </a:prstGeom>
+          <a:noFill/>
+        </p:spPr>
+        <p:txBody>
+          <a:bodyPr wrap="square" rtlCol="0">
+            <a:spAutoFit/>
+          </a:bodyPr>
+          <a:lstStyle/>
+          <a:p>
+            <a:pPr algn="ctr"/>
+            <a:r>
+              <a:rPr lang="pt-BR" sz="2800" dirty="0" smtClean="0">
+                <a:solidFill>
+                  <a:schemeClr val="tx1">
+                    <a:lumMod val="75000"/>
+                    <a:lumOff val="25000"/>
+                  </a:schemeClr>
+                </a:solidFill>
+                <a:latin typeface="Open Sans 1" panose="020B0604020202020204" charset="0"/>
+                <a:ea typeface="Open Sans 1" panose="020B0604020202020204" charset="0"/>
+                <a:cs typeface="Open Sans 1" panose="020B0604020202020204" charset="0"/>
+              </a:rPr>
+              <a:t>Cadastro da maquina</a:t>
+            </a:r>
+            <a:endParaRPr lang="pt-BR" sz="2800" dirty="0">
+              <a:solidFill>
+                <a:schemeClr val="tx1">
+                  <a:lumMod val="75000"/>
+                  <a:lumOff val="25000"/>
+                </a:schemeClr>
+              </a:solidFill>
+              <a:latin typeface="Open Sans 1" panose="020B0604020202020204" charset="0"/>
+              <a:ea typeface="Open Sans 1" panose="020B0604020202020204" charset="0"/>
+              <a:cs typeface="Open Sans 1" panose="020B0604020202020204" charset="0"/>
+            </a:endParaRPr>
+          </a:p>
+        </p:txBody>
+      </p:sp>
+      <p:sp>
+        <p:nvSpPr>
+          <p:cNvPr id="164" name="CaixaDeTexto 163"/>
+          <p:cNvSpPr txBox="1"/>
+          <p:nvPr/>
+        </p:nvSpPr>
+        <p:spPr>
+          <a:xfrm>
+            <a:off x="10465850" y="4378999"/>
+            <a:ext cx="2981511" cy="523220"/>
+          </a:xfrm>
+          <a:prstGeom prst="rect">
+            <a:avLst/>
+          </a:prstGeom>
+          <a:noFill/>
+        </p:spPr>
+        <p:txBody>
+          <a:bodyPr wrap="square" rtlCol="0">
+            <a:spAutoFit/>
+          </a:bodyPr>
+          <a:lstStyle/>
+          <a:p>
+            <a:pPr algn="ctr"/>
+            <a:r>
+              <a:rPr lang="pt-BR" sz="2800" dirty="0" smtClean="0">
+                <a:solidFill>
+                  <a:schemeClr val="tx1">
+                    <a:lumMod val="75000"/>
+                    <a:lumOff val="25000"/>
+                  </a:schemeClr>
+                </a:solidFill>
+                <a:latin typeface="Open Sans 1" panose="020B0604020202020204" charset="0"/>
+                <a:ea typeface="Open Sans 1" panose="020B0604020202020204" charset="0"/>
+                <a:cs typeface="Open Sans 1" panose="020B0604020202020204" charset="0"/>
+              </a:rPr>
+              <a:t>Essencial</a:t>
+            </a:r>
+            <a:endParaRPr lang="pt-BR" sz="2800" dirty="0">
+              <a:solidFill>
+                <a:schemeClr val="tx1">
+                  <a:lumMod val="75000"/>
+                  <a:lumOff val="25000"/>
+                </a:schemeClr>
+              </a:solidFill>
+              <a:latin typeface="Open Sans 1" panose="020B0604020202020204" charset="0"/>
+              <a:ea typeface="Open Sans 1" panose="020B0604020202020204" charset="0"/>
+              <a:cs typeface="Open Sans 1" panose="020B0604020202020204" charset="0"/>
+            </a:endParaRPr>
+          </a:p>
+        </p:txBody>
+      </p:sp>
+      <p:sp>
+        <p:nvSpPr>
+          <p:cNvPr id="165" name="CaixaDeTexto 164"/>
+          <p:cNvSpPr txBox="1"/>
+          <p:nvPr/>
+        </p:nvSpPr>
+        <p:spPr>
+          <a:xfrm>
+            <a:off x="13651045" y="4356138"/>
+            <a:ext cx="2272111" cy="523220"/>
+          </a:xfrm>
+          <a:prstGeom prst="rect">
+            <a:avLst/>
+          </a:prstGeom>
+          <a:noFill/>
+        </p:spPr>
+        <p:txBody>
+          <a:bodyPr wrap="square" rtlCol="0">
+            <a:spAutoFit/>
+          </a:bodyPr>
+          <a:lstStyle/>
+          <a:p>
+            <a:pPr algn="ctr"/>
+            <a:r>
+              <a:rPr lang="pt-BR" sz="2800" dirty="0" smtClean="0">
+                <a:solidFill>
+                  <a:schemeClr val="tx1">
+                    <a:lumMod val="75000"/>
+                    <a:lumOff val="25000"/>
+                  </a:schemeClr>
+                </a:solidFill>
+                <a:latin typeface="Open Sans 1" panose="020B0604020202020204" charset="0"/>
+                <a:ea typeface="Open Sans 1" panose="020B0604020202020204" charset="0"/>
+                <a:cs typeface="Open Sans 1" panose="020B0604020202020204" charset="0"/>
+              </a:rPr>
+              <a:t>Grande</a:t>
+            </a:r>
+            <a:endParaRPr lang="pt-BR" sz="2800" dirty="0">
+              <a:solidFill>
+                <a:schemeClr val="tx1">
+                  <a:lumMod val="75000"/>
+                  <a:lumOff val="25000"/>
+                </a:schemeClr>
+              </a:solidFill>
+              <a:latin typeface="Open Sans 1" panose="020B0604020202020204" charset="0"/>
+              <a:ea typeface="Open Sans 1" panose="020B0604020202020204" charset="0"/>
+              <a:cs typeface="Open Sans 1" panose="020B0604020202020204" charset="0"/>
+            </a:endParaRPr>
+          </a:p>
+        </p:txBody>
+      </p:sp>
+      <p:sp>
+        <p:nvSpPr>
+          <p:cNvPr id="166" name="CaixaDeTexto 165"/>
+          <p:cNvSpPr txBox="1"/>
+          <p:nvPr/>
+        </p:nvSpPr>
+        <p:spPr>
+          <a:xfrm>
+            <a:off x="16124622" y="4378999"/>
+            <a:ext cx="1919054" cy="523220"/>
+          </a:xfrm>
+          <a:prstGeom prst="rect">
+            <a:avLst/>
+          </a:prstGeom>
+          <a:noFill/>
+        </p:spPr>
+        <p:txBody>
+          <a:bodyPr wrap="square" rtlCol="0">
+            <a:spAutoFit/>
+          </a:bodyPr>
+          <a:lstStyle/>
+          <a:p>
+            <a:pPr algn="ctr"/>
+            <a:r>
+              <a:rPr lang="pt-BR" sz="2800" dirty="0" smtClean="0">
+                <a:solidFill>
+                  <a:schemeClr val="tx1">
+                    <a:lumMod val="75000"/>
+                    <a:lumOff val="25000"/>
+                  </a:schemeClr>
+                </a:solidFill>
+                <a:latin typeface="Open Sans 1" panose="020B0604020202020204" charset="0"/>
+                <a:ea typeface="Open Sans 1" panose="020B0604020202020204" charset="0"/>
+                <a:cs typeface="Open Sans 1" panose="020B0604020202020204" charset="0"/>
+              </a:rPr>
+              <a:t>Funcional</a:t>
+            </a:r>
+            <a:endParaRPr lang="pt-BR" sz="2800" dirty="0">
+              <a:solidFill>
+                <a:schemeClr val="tx1">
+                  <a:lumMod val="75000"/>
+                  <a:lumOff val="25000"/>
+                </a:schemeClr>
+              </a:solidFill>
+              <a:latin typeface="Open Sans 1" panose="020B0604020202020204" charset="0"/>
+              <a:ea typeface="Open Sans 1" panose="020B0604020202020204" charset="0"/>
+              <a:cs typeface="Open Sans 1" panose="020B0604020202020204" charset="0"/>
+            </a:endParaRPr>
+          </a:p>
+        </p:txBody>
+      </p:sp>
+      <p:sp>
+        <p:nvSpPr>
+          <p:cNvPr id="167" name="CaixaDeTexto 166"/>
+          <p:cNvSpPr txBox="1"/>
+          <p:nvPr/>
+        </p:nvSpPr>
+        <p:spPr>
+          <a:xfrm>
+            <a:off x="228600" y="5001280"/>
+            <a:ext cx="660197" cy="523220"/>
+          </a:xfrm>
+          <a:prstGeom prst="rect">
+            <a:avLst/>
+          </a:prstGeom>
+          <a:noFill/>
+        </p:spPr>
+        <p:txBody>
+          <a:bodyPr wrap="square" rtlCol="0">
+            <a:spAutoFit/>
+          </a:bodyPr>
+          <a:lstStyle/>
+          <a:p>
+            <a:pPr algn="ctr"/>
+            <a:r>
+              <a:rPr lang="pt-BR" sz="2800" dirty="0" smtClean="0">
+                <a:solidFill>
+                  <a:schemeClr val="tx1">
+                    <a:lumMod val="75000"/>
+                    <a:lumOff val="25000"/>
+                  </a:schemeClr>
+                </a:solidFill>
+                <a:latin typeface="Open Sans 1" panose="020B0604020202020204" charset="0"/>
+                <a:ea typeface="Open Sans 1" panose="020B0604020202020204" charset="0"/>
+                <a:cs typeface="Open Sans 1" panose="020B0604020202020204" charset="0"/>
+              </a:rPr>
+              <a:t>01</a:t>
+            </a:r>
+            <a:endParaRPr lang="pt-BR" sz="2800" dirty="0">
+              <a:solidFill>
+                <a:schemeClr val="tx1">
+                  <a:lumMod val="75000"/>
+                  <a:lumOff val="25000"/>
+                </a:schemeClr>
+              </a:solidFill>
+              <a:latin typeface="Open Sans 1" panose="020B0604020202020204" charset="0"/>
+              <a:ea typeface="Open Sans 1" panose="020B0604020202020204" charset="0"/>
+              <a:cs typeface="Open Sans 1" panose="020B0604020202020204" charset="0"/>
+            </a:endParaRPr>
+          </a:p>
+        </p:txBody>
+      </p:sp>
+      <p:sp>
+        <p:nvSpPr>
+          <p:cNvPr id="168" name="CaixaDeTexto 167"/>
+          <p:cNvSpPr txBox="1"/>
+          <p:nvPr/>
+        </p:nvSpPr>
+        <p:spPr>
+          <a:xfrm>
+            <a:off x="1066800" y="5001280"/>
+            <a:ext cx="3648629" cy="523220"/>
+          </a:xfrm>
+          <a:prstGeom prst="rect">
+            <a:avLst/>
+          </a:prstGeom>
+          <a:noFill/>
+        </p:spPr>
+        <p:txBody>
+          <a:bodyPr wrap="square" rtlCol="0">
+            <a:spAutoFit/>
+          </a:bodyPr>
+          <a:lstStyle/>
+          <a:p>
+            <a:pPr algn="ctr"/>
+            <a:r>
+              <a:rPr lang="pt-BR" sz="2800" dirty="0" smtClean="0">
+                <a:solidFill>
+                  <a:schemeClr val="tx1">
+                    <a:lumMod val="75000"/>
+                    <a:lumOff val="25000"/>
+                  </a:schemeClr>
+                </a:solidFill>
+                <a:latin typeface="Open Sans 1" panose="020B0604020202020204" charset="0"/>
+                <a:ea typeface="Open Sans 1" panose="020B0604020202020204" charset="0"/>
+                <a:cs typeface="Open Sans 1" panose="020B0604020202020204" charset="0"/>
+              </a:rPr>
+              <a:t>US#01&lt;Cadastro&gt;</a:t>
+            </a:r>
+            <a:endParaRPr lang="pt-BR" sz="2800" dirty="0">
+              <a:solidFill>
+                <a:schemeClr val="tx1">
+                  <a:lumMod val="75000"/>
+                  <a:lumOff val="25000"/>
+                </a:schemeClr>
+              </a:solidFill>
+              <a:latin typeface="Open Sans 1" panose="020B0604020202020204" charset="0"/>
+              <a:ea typeface="Open Sans 1" panose="020B0604020202020204" charset="0"/>
+              <a:cs typeface="Open Sans 1" panose="020B0604020202020204" charset="0"/>
+            </a:endParaRPr>
+          </a:p>
+        </p:txBody>
+      </p:sp>
+      <p:sp>
+        <p:nvSpPr>
+          <p:cNvPr id="169" name="CaixaDeTexto 168"/>
+          <p:cNvSpPr txBox="1"/>
+          <p:nvPr/>
+        </p:nvSpPr>
+        <p:spPr>
+          <a:xfrm>
+            <a:off x="4901364" y="4978419"/>
+            <a:ext cx="5341700" cy="523220"/>
+          </a:xfrm>
+          <a:prstGeom prst="rect">
+            <a:avLst/>
+          </a:prstGeom>
+          <a:noFill/>
+        </p:spPr>
+        <p:txBody>
+          <a:bodyPr wrap="square" rtlCol="0">
+            <a:spAutoFit/>
+          </a:bodyPr>
+          <a:lstStyle/>
+          <a:p>
+            <a:pPr algn="ctr"/>
+            <a:r>
+              <a:rPr lang="pt-BR" sz="2800" dirty="0" smtClean="0">
+                <a:solidFill>
+                  <a:schemeClr val="tx1">
+                    <a:lumMod val="75000"/>
+                    <a:lumOff val="25000"/>
+                  </a:schemeClr>
+                </a:solidFill>
+                <a:latin typeface="Open Sans 1" panose="020B0604020202020204" charset="0"/>
+                <a:ea typeface="Open Sans 1" panose="020B0604020202020204" charset="0"/>
+                <a:cs typeface="Open Sans 1" panose="020B0604020202020204" charset="0"/>
+              </a:rPr>
+              <a:t>Cadastro da maquina</a:t>
+            </a:r>
+            <a:endParaRPr lang="pt-BR" sz="2800" dirty="0">
+              <a:solidFill>
+                <a:schemeClr val="tx1">
+                  <a:lumMod val="75000"/>
+                  <a:lumOff val="25000"/>
+                </a:schemeClr>
+              </a:solidFill>
+              <a:latin typeface="Open Sans 1" panose="020B0604020202020204" charset="0"/>
+              <a:ea typeface="Open Sans 1" panose="020B0604020202020204" charset="0"/>
+              <a:cs typeface="Open Sans 1" panose="020B0604020202020204" charset="0"/>
+            </a:endParaRPr>
+          </a:p>
+        </p:txBody>
+      </p:sp>
+      <p:sp>
+        <p:nvSpPr>
+          <p:cNvPr id="170" name="CaixaDeTexto 169"/>
+          <p:cNvSpPr txBox="1"/>
+          <p:nvPr/>
+        </p:nvSpPr>
+        <p:spPr>
+          <a:xfrm>
+            <a:off x="10465850" y="5001280"/>
+            <a:ext cx="2981511" cy="523220"/>
+          </a:xfrm>
+          <a:prstGeom prst="rect">
+            <a:avLst/>
+          </a:prstGeom>
+          <a:noFill/>
+        </p:spPr>
+        <p:txBody>
+          <a:bodyPr wrap="square" rtlCol="0">
+            <a:spAutoFit/>
+          </a:bodyPr>
+          <a:lstStyle/>
+          <a:p>
+            <a:pPr algn="ctr"/>
+            <a:r>
+              <a:rPr lang="pt-BR" sz="2800" dirty="0" smtClean="0">
+                <a:solidFill>
+                  <a:schemeClr val="tx1">
+                    <a:lumMod val="75000"/>
+                    <a:lumOff val="25000"/>
+                  </a:schemeClr>
+                </a:solidFill>
+                <a:latin typeface="Open Sans 1" panose="020B0604020202020204" charset="0"/>
+                <a:ea typeface="Open Sans 1" panose="020B0604020202020204" charset="0"/>
+                <a:cs typeface="Open Sans 1" panose="020B0604020202020204" charset="0"/>
+              </a:rPr>
+              <a:t>Essencial</a:t>
+            </a:r>
+            <a:endParaRPr lang="pt-BR" sz="2800" dirty="0">
+              <a:solidFill>
+                <a:schemeClr val="tx1">
+                  <a:lumMod val="75000"/>
+                  <a:lumOff val="25000"/>
+                </a:schemeClr>
+              </a:solidFill>
+              <a:latin typeface="Open Sans 1" panose="020B0604020202020204" charset="0"/>
+              <a:ea typeface="Open Sans 1" panose="020B0604020202020204" charset="0"/>
+              <a:cs typeface="Open Sans 1" panose="020B0604020202020204" charset="0"/>
+            </a:endParaRPr>
+          </a:p>
+        </p:txBody>
+      </p:sp>
+      <p:sp>
+        <p:nvSpPr>
+          <p:cNvPr id="171" name="CaixaDeTexto 170"/>
+          <p:cNvSpPr txBox="1"/>
+          <p:nvPr/>
+        </p:nvSpPr>
+        <p:spPr>
+          <a:xfrm>
+            <a:off x="13651045" y="4978419"/>
+            <a:ext cx="2272111" cy="523220"/>
+          </a:xfrm>
+          <a:prstGeom prst="rect">
+            <a:avLst/>
+          </a:prstGeom>
+          <a:noFill/>
+        </p:spPr>
+        <p:txBody>
+          <a:bodyPr wrap="square" rtlCol="0">
+            <a:spAutoFit/>
+          </a:bodyPr>
+          <a:lstStyle/>
+          <a:p>
+            <a:pPr algn="ctr"/>
+            <a:r>
+              <a:rPr lang="pt-BR" sz="2800" dirty="0" smtClean="0">
+                <a:solidFill>
+                  <a:schemeClr val="tx1">
+                    <a:lumMod val="75000"/>
+                    <a:lumOff val="25000"/>
+                  </a:schemeClr>
+                </a:solidFill>
+                <a:latin typeface="Open Sans 1" panose="020B0604020202020204" charset="0"/>
+                <a:ea typeface="Open Sans 1" panose="020B0604020202020204" charset="0"/>
+                <a:cs typeface="Open Sans 1" panose="020B0604020202020204" charset="0"/>
+              </a:rPr>
+              <a:t>Grande</a:t>
+            </a:r>
+            <a:endParaRPr lang="pt-BR" sz="2800" dirty="0">
+              <a:solidFill>
+                <a:schemeClr val="tx1">
+                  <a:lumMod val="75000"/>
+                  <a:lumOff val="25000"/>
+                </a:schemeClr>
+              </a:solidFill>
+              <a:latin typeface="Open Sans 1" panose="020B0604020202020204" charset="0"/>
+              <a:ea typeface="Open Sans 1" panose="020B0604020202020204" charset="0"/>
+              <a:cs typeface="Open Sans 1" panose="020B0604020202020204" charset="0"/>
+            </a:endParaRPr>
+          </a:p>
+        </p:txBody>
+      </p:sp>
+      <p:sp>
+        <p:nvSpPr>
+          <p:cNvPr id="172" name="CaixaDeTexto 171"/>
+          <p:cNvSpPr txBox="1"/>
+          <p:nvPr/>
+        </p:nvSpPr>
+        <p:spPr>
+          <a:xfrm>
+            <a:off x="16124622" y="5001280"/>
+            <a:ext cx="1919054" cy="523220"/>
+          </a:xfrm>
+          <a:prstGeom prst="rect">
+            <a:avLst/>
+          </a:prstGeom>
+          <a:noFill/>
+        </p:spPr>
+        <p:txBody>
+          <a:bodyPr wrap="square" rtlCol="0">
+            <a:spAutoFit/>
+          </a:bodyPr>
+          <a:lstStyle/>
+          <a:p>
+            <a:pPr algn="ctr"/>
+            <a:r>
+              <a:rPr lang="pt-BR" sz="2800" dirty="0" smtClean="0">
+                <a:solidFill>
+                  <a:schemeClr val="tx1">
+                    <a:lumMod val="75000"/>
+                    <a:lumOff val="25000"/>
+                  </a:schemeClr>
+                </a:solidFill>
+                <a:latin typeface="Open Sans 1" panose="020B0604020202020204" charset="0"/>
+                <a:ea typeface="Open Sans 1" panose="020B0604020202020204" charset="0"/>
+                <a:cs typeface="Open Sans 1" panose="020B0604020202020204" charset="0"/>
+              </a:rPr>
+              <a:t>Funcional</a:t>
+            </a:r>
+            <a:endParaRPr lang="pt-BR" sz="2800" dirty="0">
+              <a:solidFill>
+                <a:schemeClr val="tx1">
+                  <a:lumMod val="75000"/>
+                  <a:lumOff val="25000"/>
+                </a:schemeClr>
+              </a:solidFill>
+              <a:latin typeface="Open Sans 1" panose="020B0604020202020204" charset="0"/>
+              <a:ea typeface="Open Sans 1" panose="020B0604020202020204" charset="0"/>
+              <a:cs typeface="Open Sans 1" panose="020B0604020202020204" charset="0"/>
+            </a:endParaRPr>
+          </a:p>
+        </p:txBody>
+      </p:sp>
+      <p:sp>
+        <p:nvSpPr>
+          <p:cNvPr id="173" name="CaixaDeTexto 172"/>
+          <p:cNvSpPr txBox="1"/>
+          <p:nvPr/>
+        </p:nvSpPr>
+        <p:spPr>
+          <a:xfrm>
+            <a:off x="244324" y="5610880"/>
+            <a:ext cx="660197" cy="523220"/>
+          </a:xfrm>
+          <a:prstGeom prst="rect">
+            <a:avLst/>
+          </a:prstGeom>
+          <a:noFill/>
+        </p:spPr>
+        <p:txBody>
+          <a:bodyPr wrap="square" rtlCol="0">
+            <a:spAutoFit/>
+          </a:bodyPr>
+          <a:lstStyle/>
+          <a:p>
+            <a:pPr algn="ctr"/>
+            <a:r>
+              <a:rPr lang="pt-BR" sz="2800" dirty="0" smtClean="0">
+                <a:solidFill>
+                  <a:schemeClr val="tx1">
+                    <a:lumMod val="75000"/>
+                    <a:lumOff val="25000"/>
+                  </a:schemeClr>
+                </a:solidFill>
+                <a:latin typeface="Open Sans 1" panose="020B0604020202020204" charset="0"/>
+                <a:ea typeface="Open Sans 1" panose="020B0604020202020204" charset="0"/>
+                <a:cs typeface="Open Sans 1" panose="020B0604020202020204" charset="0"/>
+              </a:rPr>
+              <a:t>01</a:t>
+            </a:r>
+            <a:endParaRPr lang="pt-BR" sz="2800" dirty="0">
+              <a:solidFill>
+                <a:schemeClr val="tx1">
+                  <a:lumMod val="75000"/>
+                  <a:lumOff val="25000"/>
+                </a:schemeClr>
+              </a:solidFill>
+              <a:latin typeface="Open Sans 1" panose="020B0604020202020204" charset="0"/>
+              <a:ea typeface="Open Sans 1" panose="020B0604020202020204" charset="0"/>
+              <a:cs typeface="Open Sans 1" panose="020B0604020202020204" charset="0"/>
+            </a:endParaRPr>
+          </a:p>
+        </p:txBody>
+      </p:sp>
+      <p:sp>
+        <p:nvSpPr>
+          <p:cNvPr id="174" name="CaixaDeTexto 173"/>
+          <p:cNvSpPr txBox="1"/>
+          <p:nvPr/>
+        </p:nvSpPr>
+        <p:spPr>
+          <a:xfrm>
+            <a:off x="1082524" y="5610880"/>
+            <a:ext cx="3648629" cy="523220"/>
+          </a:xfrm>
+          <a:prstGeom prst="rect">
+            <a:avLst/>
+          </a:prstGeom>
+          <a:noFill/>
+        </p:spPr>
+        <p:txBody>
+          <a:bodyPr wrap="square" rtlCol="0">
+            <a:spAutoFit/>
+          </a:bodyPr>
+          <a:lstStyle/>
+          <a:p>
+            <a:pPr algn="ctr"/>
+            <a:r>
+              <a:rPr lang="pt-BR" sz="2800" dirty="0" smtClean="0">
+                <a:solidFill>
+                  <a:schemeClr val="tx1">
+                    <a:lumMod val="75000"/>
+                    <a:lumOff val="25000"/>
+                  </a:schemeClr>
+                </a:solidFill>
+                <a:latin typeface="Open Sans 1" panose="020B0604020202020204" charset="0"/>
+                <a:ea typeface="Open Sans 1" panose="020B0604020202020204" charset="0"/>
+                <a:cs typeface="Open Sans 1" panose="020B0604020202020204" charset="0"/>
+              </a:rPr>
+              <a:t>US#01&lt;Cadastro&gt;</a:t>
+            </a:r>
+            <a:endParaRPr lang="pt-BR" sz="2800" dirty="0">
+              <a:solidFill>
+                <a:schemeClr val="tx1">
+                  <a:lumMod val="75000"/>
+                  <a:lumOff val="25000"/>
+                </a:schemeClr>
+              </a:solidFill>
+              <a:latin typeface="Open Sans 1" panose="020B0604020202020204" charset="0"/>
+              <a:ea typeface="Open Sans 1" panose="020B0604020202020204" charset="0"/>
+              <a:cs typeface="Open Sans 1" panose="020B0604020202020204" charset="0"/>
+            </a:endParaRPr>
+          </a:p>
+        </p:txBody>
+      </p:sp>
+      <p:sp>
+        <p:nvSpPr>
+          <p:cNvPr id="175" name="CaixaDeTexto 174"/>
+          <p:cNvSpPr txBox="1"/>
+          <p:nvPr/>
+        </p:nvSpPr>
+        <p:spPr>
+          <a:xfrm>
+            <a:off x="4917088" y="5588019"/>
+            <a:ext cx="5341700" cy="523220"/>
+          </a:xfrm>
+          <a:prstGeom prst="rect">
+            <a:avLst/>
+          </a:prstGeom>
+          <a:noFill/>
+        </p:spPr>
+        <p:txBody>
+          <a:bodyPr wrap="square" rtlCol="0">
+            <a:spAutoFit/>
+          </a:bodyPr>
+          <a:lstStyle/>
+          <a:p>
+            <a:pPr algn="ctr"/>
+            <a:r>
+              <a:rPr lang="pt-BR" sz="2800" dirty="0" smtClean="0">
+                <a:solidFill>
+                  <a:schemeClr val="tx1">
+                    <a:lumMod val="75000"/>
+                    <a:lumOff val="25000"/>
+                  </a:schemeClr>
+                </a:solidFill>
+                <a:latin typeface="Open Sans 1" panose="020B0604020202020204" charset="0"/>
+                <a:ea typeface="Open Sans 1" panose="020B0604020202020204" charset="0"/>
+                <a:cs typeface="Open Sans 1" panose="020B0604020202020204" charset="0"/>
+              </a:rPr>
+              <a:t>Cadastro da maquina</a:t>
+            </a:r>
+            <a:endParaRPr lang="pt-BR" sz="2800" dirty="0">
+              <a:solidFill>
+                <a:schemeClr val="tx1">
+                  <a:lumMod val="75000"/>
+                  <a:lumOff val="25000"/>
+                </a:schemeClr>
+              </a:solidFill>
+              <a:latin typeface="Open Sans 1" panose="020B0604020202020204" charset="0"/>
+              <a:ea typeface="Open Sans 1" panose="020B0604020202020204" charset="0"/>
+              <a:cs typeface="Open Sans 1" panose="020B0604020202020204" charset="0"/>
+            </a:endParaRPr>
+          </a:p>
+        </p:txBody>
+      </p:sp>
+      <p:sp>
+        <p:nvSpPr>
+          <p:cNvPr id="176" name="CaixaDeTexto 175"/>
+          <p:cNvSpPr txBox="1"/>
+          <p:nvPr/>
+        </p:nvSpPr>
+        <p:spPr>
+          <a:xfrm>
+            <a:off x="10481574" y="5610880"/>
+            <a:ext cx="2981511" cy="523220"/>
+          </a:xfrm>
+          <a:prstGeom prst="rect">
+            <a:avLst/>
+          </a:prstGeom>
+          <a:noFill/>
+        </p:spPr>
+        <p:txBody>
+          <a:bodyPr wrap="square" rtlCol="0">
+            <a:spAutoFit/>
+          </a:bodyPr>
+          <a:lstStyle/>
+          <a:p>
+            <a:pPr algn="ctr"/>
+            <a:r>
+              <a:rPr lang="pt-BR" sz="2800" dirty="0" smtClean="0">
+                <a:solidFill>
+                  <a:schemeClr val="tx1">
+                    <a:lumMod val="75000"/>
+                    <a:lumOff val="25000"/>
+                  </a:schemeClr>
+                </a:solidFill>
+                <a:latin typeface="Open Sans 1" panose="020B0604020202020204" charset="0"/>
+                <a:ea typeface="Open Sans 1" panose="020B0604020202020204" charset="0"/>
+                <a:cs typeface="Open Sans 1" panose="020B0604020202020204" charset="0"/>
+              </a:rPr>
+              <a:t>Essencial</a:t>
+            </a:r>
+            <a:endParaRPr lang="pt-BR" sz="2800" dirty="0">
+              <a:solidFill>
+                <a:schemeClr val="tx1">
+                  <a:lumMod val="75000"/>
+                  <a:lumOff val="25000"/>
+                </a:schemeClr>
+              </a:solidFill>
+              <a:latin typeface="Open Sans 1" panose="020B0604020202020204" charset="0"/>
+              <a:ea typeface="Open Sans 1" panose="020B0604020202020204" charset="0"/>
+              <a:cs typeface="Open Sans 1" panose="020B0604020202020204" charset="0"/>
+            </a:endParaRPr>
+          </a:p>
+        </p:txBody>
+      </p:sp>
+      <p:sp>
+        <p:nvSpPr>
+          <p:cNvPr id="177" name="CaixaDeTexto 176"/>
+          <p:cNvSpPr txBox="1"/>
+          <p:nvPr/>
+        </p:nvSpPr>
+        <p:spPr>
+          <a:xfrm>
+            <a:off x="13666769" y="5588019"/>
+            <a:ext cx="2272111" cy="523220"/>
+          </a:xfrm>
+          <a:prstGeom prst="rect">
+            <a:avLst/>
+          </a:prstGeom>
+          <a:noFill/>
+        </p:spPr>
+        <p:txBody>
+          <a:bodyPr wrap="square" rtlCol="0">
+            <a:spAutoFit/>
+          </a:bodyPr>
+          <a:lstStyle/>
+          <a:p>
+            <a:pPr algn="ctr"/>
+            <a:r>
+              <a:rPr lang="pt-BR" sz="2800" dirty="0" smtClean="0">
+                <a:solidFill>
+                  <a:schemeClr val="tx1">
+                    <a:lumMod val="75000"/>
+                    <a:lumOff val="25000"/>
+                  </a:schemeClr>
+                </a:solidFill>
+                <a:latin typeface="Open Sans 1" panose="020B0604020202020204" charset="0"/>
+                <a:ea typeface="Open Sans 1" panose="020B0604020202020204" charset="0"/>
+                <a:cs typeface="Open Sans 1" panose="020B0604020202020204" charset="0"/>
+              </a:rPr>
+              <a:t>Grande</a:t>
+            </a:r>
+            <a:endParaRPr lang="pt-BR" sz="2800" dirty="0">
+              <a:solidFill>
+                <a:schemeClr val="tx1">
+                  <a:lumMod val="75000"/>
+                  <a:lumOff val="25000"/>
+                </a:schemeClr>
+              </a:solidFill>
+              <a:latin typeface="Open Sans 1" panose="020B0604020202020204" charset="0"/>
+              <a:ea typeface="Open Sans 1" panose="020B0604020202020204" charset="0"/>
+              <a:cs typeface="Open Sans 1" panose="020B0604020202020204" charset="0"/>
+            </a:endParaRPr>
+          </a:p>
+        </p:txBody>
+      </p:sp>
+      <p:sp>
+        <p:nvSpPr>
+          <p:cNvPr id="178" name="CaixaDeTexto 177"/>
+          <p:cNvSpPr txBox="1"/>
+          <p:nvPr/>
+        </p:nvSpPr>
+        <p:spPr>
+          <a:xfrm>
+            <a:off x="16140346" y="5610880"/>
+            <a:ext cx="1919054" cy="523220"/>
+          </a:xfrm>
+          <a:prstGeom prst="rect">
+            <a:avLst/>
+          </a:prstGeom>
+          <a:noFill/>
+        </p:spPr>
+        <p:txBody>
+          <a:bodyPr wrap="square" rtlCol="0">
+            <a:spAutoFit/>
+          </a:bodyPr>
+          <a:lstStyle/>
+          <a:p>
+            <a:pPr algn="ctr"/>
+            <a:r>
+              <a:rPr lang="pt-BR" sz="2800" dirty="0" smtClean="0">
+                <a:solidFill>
+                  <a:schemeClr val="tx1">
+                    <a:lumMod val="75000"/>
+                    <a:lumOff val="25000"/>
+                  </a:schemeClr>
+                </a:solidFill>
+                <a:latin typeface="Open Sans 1" panose="020B0604020202020204" charset="0"/>
+                <a:ea typeface="Open Sans 1" panose="020B0604020202020204" charset="0"/>
+                <a:cs typeface="Open Sans 1" panose="020B0604020202020204" charset="0"/>
+              </a:rPr>
+              <a:t>Funcional</a:t>
+            </a:r>
+            <a:endParaRPr lang="pt-BR" sz="2800" dirty="0">
+              <a:solidFill>
+                <a:schemeClr val="tx1">
+                  <a:lumMod val="75000"/>
+                  <a:lumOff val="25000"/>
+                </a:schemeClr>
+              </a:solidFill>
+              <a:latin typeface="Open Sans 1" panose="020B0604020202020204" charset="0"/>
+              <a:ea typeface="Open Sans 1" panose="020B0604020202020204" charset="0"/>
+              <a:cs typeface="Open Sans 1" panose="020B0604020202020204" charset="0"/>
+            </a:endParaRPr>
+          </a:p>
+        </p:txBody>
+      </p:sp>
+      <p:sp>
+        <p:nvSpPr>
+          <p:cNvPr id="179" name="CaixaDeTexto 178"/>
+          <p:cNvSpPr txBox="1"/>
+          <p:nvPr/>
+        </p:nvSpPr>
+        <p:spPr>
+          <a:xfrm>
+            <a:off x="244324" y="6233161"/>
+            <a:ext cx="660197" cy="523220"/>
+          </a:xfrm>
+          <a:prstGeom prst="rect">
+            <a:avLst/>
+          </a:prstGeom>
+          <a:noFill/>
+        </p:spPr>
+        <p:txBody>
+          <a:bodyPr wrap="square" rtlCol="0">
+            <a:spAutoFit/>
+          </a:bodyPr>
+          <a:lstStyle/>
+          <a:p>
+            <a:pPr algn="ctr"/>
+            <a:r>
+              <a:rPr lang="pt-BR" sz="2800" dirty="0" smtClean="0">
+                <a:solidFill>
+                  <a:schemeClr val="tx1">
+                    <a:lumMod val="75000"/>
+                    <a:lumOff val="25000"/>
+                  </a:schemeClr>
+                </a:solidFill>
+                <a:latin typeface="Open Sans 1" panose="020B0604020202020204" charset="0"/>
+                <a:ea typeface="Open Sans 1" panose="020B0604020202020204" charset="0"/>
+                <a:cs typeface="Open Sans 1" panose="020B0604020202020204" charset="0"/>
+              </a:rPr>
+              <a:t>01</a:t>
+            </a:r>
+            <a:endParaRPr lang="pt-BR" sz="2800" dirty="0">
+              <a:solidFill>
+                <a:schemeClr val="tx1">
+                  <a:lumMod val="75000"/>
+                  <a:lumOff val="25000"/>
+                </a:schemeClr>
+              </a:solidFill>
+              <a:latin typeface="Open Sans 1" panose="020B0604020202020204" charset="0"/>
+              <a:ea typeface="Open Sans 1" panose="020B0604020202020204" charset="0"/>
+              <a:cs typeface="Open Sans 1" panose="020B0604020202020204" charset="0"/>
+            </a:endParaRPr>
+          </a:p>
+        </p:txBody>
+      </p:sp>
+      <p:sp>
+        <p:nvSpPr>
+          <p:cNvPr id="180" name="CaixaDeTexto 179"/>
+          <p:cNvSpPr txBox="1"/>
+          <p:nvPr/>
+        </p:nvSpPr>
+        <p:spPr>
+          <a:xfrm>
+            <a:off x="1082524" y="6233161"/>
+            <a:ext cx="3648629" cy="523220"/>
+          </a:xfrm>
+          <a:prstGeom prst="rect">
+            <a:avLst/>
+          </a:prstGeom>
+          <a:noFill/>
+        </p:spPr>
+        <p:txBody>
+          <a:bodyPr wrap="square" rtlCol="0">
+            <a:spAutoFit/>
+          </a:bodyPr>
+          <a:lstStyle/>
+          <a:p>
+            <a:pPr algn="ctr"/>
+            <a:r>
+              <a:rPr lang="pt-BR" sz="2800" dirty="0" smtClean="0">
+                <a:solidFill>
+                  <a:schemeClr val="tx1">
+                    <a:lumMod val="75000"/>
+                    <a:lumOff val="25000"/>
+                  </a:schemeClr>
+                </a:solidFill>
+                <a:latin typeface="Open Sans 1" panose="020B0604020202020204" charset="0"/>
+                <a:ea typeface="Open Sans 1" panose="020B0604020202020204" charset="0"/>
+                <a:cs typeface="Open Sans 1" panose="020B0604020202020204" charset="0"/>
+              </a:rPr>
+              <a:t>US#01&lt;Cadastro&gt;</a:t>
+            </a:r>
+            <a:endParaRPr lang="pt-BR" sz="2800" dirty="0">
+              <a:solidFill>
+                <a:schemeClr val="tx1">
+                  <a:lumMod val="75000"/>
+                  <a:lumOff val="25000"/>
+                </a:schemeClr>
+              </a:solidFill>
+              <a:latin typeface="Open Sans 1" panose="020B0604020202020204" charset="0"/>
+              <a:ea typeface="Open Sans 1" panose="020B0604020202020204" charset="0"/>
+              <a:cs typeface="Open Sans 1" panose="020B0604020202020204" charset="0"/>
+            </a:endParaRPr>
+          </a:p>
+        </p:txBody>
+      </p:sp>
+      <p:sp>
+        <p:nvSpPr>
+          <p:cNvPr id="181" name="CaixaDeTexto 180"/>
+          <p:cNvSpPr txBox="1"/>
+          <p:nvPr/>
+        </p:nvSpPr>
+        <p:spPr>
+          <a:xfrm>
+            <a:off x="4917088" y="6210300"/>
+            <a:ext cx="5341700" cy="523220"/>
+          </a:xfrm>
+          <a:prstGeom prst="rect">
+            <a:avLst/>
+          </a:prstGeom>
+          <a:noFill/>
+        </p:spPr>
+        <p:txBody>
+          <a:bodyPr wrap="square" rtlCol="0">
+            <a:spAutoFit/>
+          </a:bodyPr>
+          <a:lstStyle/>
+          <a:p>
+            <a:pPr algn="ctr"/>
+            <a:r>
+              <a:rPr lang="pt-BR" sz="2800" dirty="0" smtClean="0">
+                <a:solidFill>
+                  <a:schemeClr val="tx1">
+                    <a:lumMod val="75000"/>
+                    <a:lumOff val="25000"/>
+                  </a:schemeClr>
+                </a:solidFill>
+                <a:latin typeface="Open Sans 1" panose="020B0604020202020204" charset="0"/>
+                <a:ea typeface="Open Sans 1" panose="020B0604020202020204" charset="0"/>
+                <a:cs typeface="Open Sans 1" panose="020B0604020202020204" charset="0"/>
+              </a:rPr>
+              <a:t>Cadastro da maquina</a:t>
+            </a:r>
+            <a:endParaRPr lang="pt-BR" sz="2800" dirty="0">
+              <a:solidFill>
+                <a:schemeClr val="tx1">
+                  <a:lumMod val="75000"/>
+                  <a:lumOff val="25000"/>
+                </a:schemeClr>
+              </a:solidFill>
+              <a:latin typeface="Open Sans 1" panose="020B0604020202020204" charset="0"/>
+              <a:ea typeface="Open Sans 1" panose="020B0604020202020204" charset="0"/>
+              <a:cs typeface="Open Sans 1" panose="020B0604020202020204" charset="0"/>
+            </a:endParaRPr>
+          </a:p>
+        </p:txBody>
+      </p:sp>
+      <p:sp>
+        <p:nvSpPr>
+          <p:cNvPr id="182" name="CaixaDeTexto 181"/>
+          <p:cNvSpPr txBox="1"/>
+          <p:nvPr/>
+        </p:nvSpPr>
+        <p:spPr>
+          <a:xfrm>
+            <a:off x="10481574" y="6233161"/>
+            <a:ext cx="2981511" cy="523220"/>
+          </a:xfrm>
+          <a:prstGeom prst="rect">
+            <a:avLst/>
+          </a:prstGeom>
+          <a:noFill/>
+        </p:spPr>
+        <p:txBody>
+          <a:bodyPr wrap="square" rtlCol="0">
+            <a:spAutoFit/>
+          </a:bodyPr>
+          <a:lstStyle/>
+          <a:p>
+            <a:pPr algn="ctr"/>
+            <a:r>
+              <a:rPr lang="pt-BR" sz="2800" dirty="0" smtClean="0">
+                <a:solidFill>
+                  <a:schemeClr val="tx1">
+                    <a:lumMod val="75000"/>
+                    <a:lumOff val="25000"/>
+                  </a:schemeClr>
+                </a:solidFill>
+                <a:latin typeface="Open Sans 1" panose="020B0604020202020204" charset="0"/>
+                <a:ea typeface="Open Sans 1" panose="020B0604020202020204" charset="0"/>
+                <a:cs typeface="Open Sans 1" panose="020B0604020202020204" charset="0"/>
+              </a:rPr>
+              <a:t>Essencial</a:t>
+            </a:r>
+            <a:endParaRPr lang="pt-BR" sz="2800" dirty="0">
+              <a:solidFill>
+                <a:schemeClr val="tx1">
+                  <a:lumMod val="75000"/>
+                  <a:lumOff val="25000"/>
+                </a:schemeClr>
+              </a:solidFill>
+              <a:latin typeface="Open Sans 1" panose="020B0604020202020204" charset="0"/>
+              <a:ea typeface="Open Sans 1" panose="020B0604020202020204" charset="0"/>
+              <a:cs typeface="Open Sans 1" panose="020B0604020202020204" charset="0"/>
+            </a:endParaRPr>
+          </a:p>
+        </p:txBody>
+      </p:sp>
+      <p:sp>
+        <p:nvSpPr>
+          <p:cNvPr id="183" name="CaixaDeTexto 182"/>
+          <p:cNvSpPr txBox="1"/>
+          <p:nvPr/>
+        </p:nvSpPr>
+        <p:spPr>
+          <a:xfrm>
+            <a:off x="13666769" y="6210300"/>
+            <a:ext cx="2272111" cy="523220"/>
+          </a:xfrm>
+          <a:prstGeom prst="rect">
+            <a:avLst/>
+          </a:prstGeom>
+          <a:noFill/>
+        </p:spPr>
+        <p:txBody>
+          <a:bodyPr wrap="square" rtlCol="0">
+            <a:spAutoFit/>
+          </a:bodyPr>
+          <a:lstStyle/>
+          <a:p>
+            <a:pPr algn="ctr"/>
+            <a:r>
+              <a:rPr lang="pt-BR" sz="2800" dirty="0" smtClean="0">
+                <a:solidFill>
+                  <a:schemeClr val="tx1">
+                    <a:lumMod val="75000"/>
+                    <a:lumOff val="25000"/>
+                  </a:schemeClr>
+                </a:solidFill>
+                <a:latin typeface="Open Sans 1" panose="020B0604020202020204" charset="0"/>
+                <a:ea typeface="Open Sans 1" panose="020B0604020202020204" charset="0"/>
+                <a:cs typeface="Open Sans 1" panose="020B0604020202020204" charset="0"/>
+              </a:rPr>
+              <a:t>Grande</a:t>
+            </a:r>
+            <a:endParaRPr lang="pt-BR" sz="2800" dirty="0">
+              <a:solidFill>
+                <a:schemeClr val="tx1">
+                  <a:lumMod val="75000"/>
+                  <a:lumOff val="25000"/>
+                </a:schemeClr>
+              </a:solidFill>
+              <a:latin typeface="Open Sans 1" panose="020B0604020202020204" charset="0"/>
+              <a:ea typeface="Open Sans 1" panose="020B0604020202020204" charset="0"/>
+              <a:cs typeface="Open Sans 1" panose="020B0604020202020204" charset="0"/>
+            </a:endParaRPr>
+          </a:p>
+        </p:txBody>
+      </p:sp>
+      <p:sp>
+        <p:nvSpPr>
+          <p:cNvPr id="184" name="CaixaDeTexto 183"/>
+          <p:cNvSpPr txBox="1"/>
+          <p:nvPr/>
+        </p:nvSpPr>
+        <p:spPr>
+          <a:xfrm>
+            <a:off x="16140346" y="6233161"/>
+            <a:ext cx="1919054" cy="523220"/>
+          </a:xfrm>
+          <a:prstGeom prst="rect">
+            <a:avLst/>
+          </a:prstGeom>
+          <a:noFill/>
+        </p:spPr>
+        <p:txBody>
+          <a:bodyPr wrap="square" rtlCol="0">
+            <a:spAutoFit/>
+          </a:bodyPr>
+          <a:lstStyle/>
+          <a:p>
+            <a:pPr algn="ctr"/>
+            <a:r>
+              <a:rPr lang="pt-BR" sz="2800" dirty="0" smtClean="0">
+                <a:solidFill>
+                  <a:schemeClr val="tx1">
+                    <a:lumMod val="75000"/>
+                    <a:lumOff val="25000"/>
+                  </a:schemeClr>
+                </a:solidFill>
+                <a:latin typeface="Open Sans 1" panose="020B0604020202020204" charset="0"/>
+                <a:ea typeface="Open Sans 1" panose="020B0604020202020204" charset="0"/>
+                <a:cs typeface="Open Sans 1" panose="020B0604020202020204" charset="0"/>
+              </a:rPr>
+              <a:t>Funcional</a:t>
+            </a:r>
+            <a:endParaRPr lang="pt-BR" sz="2800" dirty="0">
+              <a:solidFill>
+                <a:schemeClr val="tx1">
+                  <a:lumMod val="75000"/>
+                  <a:lumOff val="25000"/>
+                </a:schemeClr>
+              </a:solidFill>
+              <a:latin typeface="Open Sans 1" panose="020B0604020202020204" charset="0"/>
+              <a:ea typeface="Open Sans 1" panose="020B0604020202020204" charset="0"/>
+              <a:cs typeface="Open Sans 1" panose="020B0604020202020204" charset="0"/>
+            </a:endParaRPr>
+          </a:p>
+        </p:txBody>
+      </p:sp>
+      <p:sp>
+        <p:nvSpPr>
+          <p:cNvPr id="185" name="CaixaDeTexto 184"/>
+          <p:cNvSpPr txBox="1"/>
+          <p:nvPr/>
+        </p:nvSpPr>
+        <p:spPr>
+          <a:xfrm>
+            <a:off x="235353" y="6817399"/>
+            <a:ext cx="660197" cy="523220"/>
+          </a:xfrm>
+          <a:prstGeom prst="rect">
+            <a:avLst/>
+          </a:prstGeom>
+          <a:noFill/>
+        </p:spPr>
+        <p:txBody>
+          <a:bodyPr wrap="square" rtlCol="0">
+            <a:spAutoFit/>
+          </a:bodyPr>
+          <a:lstStyle/>
+          <a:p>
+            <a:pPr algn="ctr"/>
+            <a:r>
+              <a:rPr lang="pt-BR" sz="2800" dirty="0" smtClean="0">
+                <a:solidFill>
+                  <a:schemeClr val="tx1">
+                    <a:lumMod val="75000"/>
+                    <a:lumOff val="25000"/>
+                  </a:schemeClr>
+                </a:solidFill>
+                <a:latin typeface="Open Sans 1" panose="020B0604020202020204" charset="0"/>
+                <a:ea typeface="Open Sans 1" panose="020B0604020202020204" charset="0"/>
+                <a:cs typeface="Open Sans 1" panose="020B0604020202020204" charset="0"/>
+              </a:rPr>
+              <a:t>01</a:t>
+            </a:r>
+            <a:endParaRPr lang="pt-BR" sz="2800" dirty="0">
+              <a:solidFill>
+                <a:schemeClr val="tx1">
+                  <a:lumMod val="75000"/>
+                  <a:lumOff val="25000"/>
+                </a:schemeClr>
+              </a:solidFill>
+              <a:latin typeface="Open Sans 1" panose="020B0604020202020204" charset="0"/>
+              <a:ea typeface="Open Sans 1" panose="020B0604020202020204" charset="0"/>
+              <a:cs typeface="Open Sans 1" panose="020B0604020202020204" charset="0"/>
+            </a:endParaRPr>
+          </a:p>
+        </p:txBody>
+      </p:sp>
+      <p:sp>
+        <p:nvSpPr>
+          <p:cNvPr id="186" name="CaixaDeTexto 185"/>
+          <p:cNvSpPr txBox="1"/>
+          <p:nvPr/>
+        </p:nvSpPr>
+        <p:spPr>
+          <a:xfrm>
+            <a:off x="1073553" y="6817399"/>
+            <a:ext cx="3648629" cy="523220"/>
+          </a:xfrm>
+          <a:prstGeom prst="rect">
+            <a:avLst/>
+          </a:prstGeom>
+          <a:noFill/>
+        </p:spPr>
+        <p:txBody>
+          <a:bodyPr wrap="square" rtlCol="0">
+            <a:spAutoFit/>
+          </a:bodyPr>
+          <a:lstStyle/>
+          <a:p>
+            <a:pPr algn="ctr"/>
+            <a:r>
+              <a:rPr lang="pt-BR" sz="2800" dirty="0" smtClean="0">
+                <a:solidFill>
+                  <a:schemeClr val="tx1">
+                    <a:lumMod val="75000"/>
+                    <a:lumOff val="25000"/>
+                  </a:schemeClr>
+                </a:solidFill>
+                <a:latin typeface="Open Sans 1" panose="020B0604020202020204" charset="0"/>
+                <a:ea typeface="Open Sans 1" panose="020B0604020202020204" charset="0"/>
+                <a:cs typeface="Open Sans 1" panose="020B0604020202020204" charset="0"/>
+              </a:rPr>
+              <a:t>US#01&lt;Cadastro&gt;</a:t>
+            </a:r>
+            <a:endParaRPr lang="pt-BR" sz="2800" dirty="0">
+              <a:solidFill>
+                <a:schemeClr val="tx1">
+                  <a:lumMod val="75000"/>
+                  <a:lumOff val="25000"/>
+                </a:schemeClr>
+              </a:solidFill>
+              <a:latin typeface="Open Sans 1" panose="020B0604020202020204" charset="0"/>
+              <a:ea typeface="Open Sans 1" panose="020B0604020202020204" charset="0"/>
+              <a:cs typeface="Open Sans 1" panose="020B0604020202020204" charset="0"/>
+            </a:endParaRPr>
+          </a:p>
+        </p:txBody>
+      </p:sp>
+      <p:sp>
+        <p:nvSpPr>
+          <p:cNvPr id="187" name="CaixaDeTexto 186"/>
+          <p:cNvSpPr txBox="1"/>
+          <p:nvPr/>
+        </p:nvSpPr>
+        <p:spPr>
+          <a:xfrm>
+            <a:off x="4908117" y="6794538"/>
+            <a:ext cx="5341700" cy="523220"/>
+          </a:xfrm>
+          <a:prstGeom prst="rect">
+            <a:avLst/>
+          </a:prstGeom>
+          <a:noFill/>
+        </p:spPr>
+        <p:txBody>
+          <a:bodyPr wrap="square" rtlCol="0">
+            <a:spAutoFit/>
+          </a:bodyPr>
+          <a:lstStyle/>
+          <a:p>
+            <a:pPr algn="ctr"/>
+            <a:r>
+              <a:rPr lang="pt-BR" sz="2800" dirty="0" smtClean="0">
+                <a:solidFill>
+                  <a:schemeClr val="tx1">
+                    <a:lumMod val="75000"/>
+                    <a:lumOff val="25000"/>
+                  </a:schemeClr>
+                </a:solidFill>
+                <a:latin typeface="Open Sans 1" panose="020B0604020202020204" charset="0"/>
+                <a:ea typeface="Open Sans 1" panose="020B0604020202020204" charset="0"/>
+                <a:cs typeface="Open Sans 1" panose="020B0604020202020204" charset="0"/>
+              </a:rPr>
+              <a:t>Cadastro da maquina</a:t>
+            </a:r>
+            <a:endParaRPr lang="pt-BR" sz="2800" dirty="0">
+              <a:solidFill>
+                <a:schemeClr val="tx1">
+                  <a:lumMod val="75000"/>
+                  <a:lumOff val="25000"/>
+                </a:schemeClr>
+              </a:solidFill>
+              <a:latin typeface="Open Sans 1" panose="020B0604020202020204" charset="0"/>
+              <a:ea typeface="Open Sans 1" panose="020B0604020202020204" charset="0"/>
+              <a:cs typeface="Open Sans 1" panose="020B0604020202020204" charset="0"/>
+            </a:endParaRPr>
+          </a:p>
+        </p:txBody>
+      </p:sp>
+      <p:sp>
+        <p:nvSpPr>
+          <p:cNvPr id="188" name="CaixaDeTexto 187"/>
+          <p:cNvSpPr txBox="1"/>
+          <p:nvPr/>
+        </p:nvSpPr>
+        <p:spPr>
+          <a:xfrm>
+            <a:off x="10472603" y="6817399"/>
+            <a:ext cx="2981511" cy="523220"/>
+          </a:xfrm>
+          <a:prstGeom prst="rect">
+            <a:avLst/>
+          </a:prstGeom>
+          <a:noFill/>
+        </p:spPr>
+        <p:txBody>
+          <a:bodyPr wrap="square" rtlCol="0">
+            <a:spAutoFit/>
+          </a:bodyPr>
+          <a:lstStyle/>
+          <a:p>
+            <a:pPr algn="ctr"/>
+            <a:r>
+              <a:rPr lang="pt-BR" sz="2800" dirty="0" smtClean="0">
+                <a:solidFill>
+                  <a:schemeClr val="tx1">
+                    <a:lumMod val="75000"/>
+                    <a:lumOff val="25000"/>
+                  </a:schemeClr>
+                </a:solidFill>
+                <a:latin typeface="Open Sans 1" panose="020B0604020202020204" charset="0"/>
+                <a:ea typeface="Open Sans 1" panose="020B0604020202020204" charset="0"/>
+                <a:cs typeface="Open Sans 1" panose="020B0604020202020204" charset="0"/>
+              </a:rPr>
+              <a:t>Essencial</a:t>
+            </a:r>
+            <a:endParaRPr lang="pt-BR" sz="2800" dirty="0">
+              <a:solidFill>
+                <a:schemeClr val="tx1">
+                  <a:lumMod val="75000"/>
+                  <a:lumOff val="25000"/>
+                </a:schemeClr>
+              </a:solidFill>
+              <a:latin typeface="Open Sans 1" panose="020B0604020202020204" charset="0"/>
+              <a:ea typeface="Open Sans 1" panose="020B0604020202020204" charset="0"/>
+              <a:cs typeface="Open Sans 1" panose="020B0604020202020204" charset="0"/>
+            </a:endParaRPr>
+          </a:p>
+        </p:txBody>
+      </p:sp>
+      <p:sp>
+        <p:nvSpPr>
+          <p:cNvPr id="189" name="CaixaDeTexto 188"/>
+          <p:cNvSpPr txBox="1"/>
+          <p:nvPr/>
+        </p:nvSpPr>
+        <p:spPr>
+          <a:xfrm>
+            <a:off x="13657798" y="6794538"/>
+            <a:ext cx="2272111" cy="523220"/>
+          </a:xfrm>
+          <a:prstGeom prst="rect">
+            <a:avLst/>
+          </a:prstGeom>
+          <a:noFill/>
+        </p:spPr>
+        <p:txBody>
+          <a:bodyPr wrap="square" rtlCol="0">
+            <a:spAutoFit/>
+          </a:bodyPr>
+          <a:lstStyle/>
+          <a:p>
+            <a:pPr algn="ctr"/>
+            <a:r>
+              <a:rPr lang="pt-BR" sz="2800" dirty="0" smtClean="0">
+                <a:solidFill>
+                  <a:schemeClr val="tx1">
+                    <a:lumMod val="75000"/>
+                    <a:lumOff val="25000"/>
+                  </a:schemeClr>
+                </a:solidFill>
+                <a:latin typeface="Open Sans 1" panose="020B0604020202020204" charset="0"/>
+                <a:ea typeface="Open Sans 1" panose="020B0604020202020204" charset="0"/>
+                <a:cs typeface="Open Sans 1" panose="020B0604020202020204" charset="0"/>
+              </a:rPr>
+              <a:t>Grande</a:t>
+            </a:r>
+            <a:endParaRPr lang="pt-BR" sz="2800" dirty="0">
+              <a:solidFill>
+                <a:schemeClr val="tx1">
+                  <a:lumMod val="75000"/>
+                  <a:lumOff val="25000"/>
+                </a:schemeClr>
+              </a:solidFill>
+              <a:latin typeface="Open Sans 1" panose="020B0604020202020204" charset="0"/>
+              <a:ea typeface="Open Sans 1" panose="020B0604020202020204" charset="0"/>
+              <a:cs typeface="Open Sans 1" panose="020B0604020202020204" charset="0"/>
+            </a:endParaRPr>
+          </a:p>
+        </p:txBody>
+      </p:sp>
+      <p:sp>
+        <p:nvSpPr>
+          <p:cNvPr id="190" name="CaixaDeTexto 189"/>
+          <p:cNvSpPr txBox="1"/>
+          <p:nvPr/>
+        </p:nvSpPr>
+        <p:spPr>
+          <a:xfrm>
+            <a:off x="16131375" y="6817399"/>
+            <a:ext cx="1919054" cy="523220"/>
+          </a:xfrm>
+          <a:prstGeom prst="rect">
+            <a:avLst/>
+          </a:prstGeom>
+          <a:noFill/>
+        </p:spPr>
+        <p:txBody>
+          <a:bodyPr wrap="square" rtlCol="0">
+            <a:spAutoFit/>
+          </a:bodyPr>
+          <a:lstStyle/>
+          <a:p>
+            <a:pPr algn="ctr"/>
+            <a:r>
+              <a:rPr lang="pt-BR" sz="2800" dirty="0" smtClean="0">
+                <a:solidFill>
+                  <a:schemeClr val="tx1">
+                    <a:lumMod val="75000"/>
+                    <a:lumOff val="25000"/>
+                  </a:schemeClr>
+                </a:solidFill>
+                <a:latin typeface="Open Sans 1" panose="020B0604020202020204" charset="0"/>
+                <a:ea typeface="Open Sans 1" panose="020B0604020202020204" charset="0"/>
+                <a:cs typeface="Open Sans 1" panose="020B0604020202020204" charset="0"/>
+              </a:rPr>
+              <a:t>Funcional</a:t>
+            </a:r>
+            <a:endParaRPr lang="pt-BR" sz="2800" dirty="0">
+              <a:solidFill>
+                <a:schemeClr val="tx1">
+                  <a:lumMod val="75000"/>
+                  <a:lumOff val="25000"/>
+                </a:schemeClr>
+              </a:solidFill>
+              <a:latin typeface="Open Sans 1" panose="020B0604020202020204" charset="0"/>
+              <a:ea typeface="Open Sans 1" panose="020B0604020202020204" charset="0"/>
+              <a:cs typeface="Open Sans 1" panose="020B0604020202020204" charset="0"/>
+            </a:endParaRPr>
+          </a:p>
+        </p:txBody>
+      </p:sp>
+      <p:sp>
+        <p:nvSpPr>
+          <p:cNvPr id="191" name="CaixaDeTexto 190"/>
+          <p:cNvSpPr txBox="1"/>
+          <p:nvPr/>
+        </p:nvSpPr>
+        <p:spPr>
+          <a:xfrm>
+            <a:off x="235353" y="7439680"/>
+            <a:ext cx="660197" cy="523220"/>
+          </a:xfrm>
+          <a:prstGeom prst="rect">
+            <a:avLst/>
+          </a:prstGeom>
+          <a:noFill/>
+        </p:spPr>
+        <p:txBody>
+          <a:bodyPr wrap="square" rtlCol="0">
+            <a:spAutoFit/>
+          </a:bodyPr>
+          <a:lstStyle/>
+          <a:p>
+            <a:pPr algn="ctr"/>
+            <a:r>
+              <a:rPr lang="pt-BR" sz="2800" dirty="0" smtClean="0">
+                <a:solidFill>
+                  <a:schemeClr val="tx1">
+                    <a:lumMod val="75000"/>
+                    <a:lumOff val="25000"/>
+                  </a:schemeClr>
+                </a:solidFill>
+                <a:latin typeface="Open Sans 1" panose="020B0604020202020204" charset="0"/>
+                <a:ea typeface="Open Sans 1" panose="020B0604020202020204" charset="0"/>
+                <a:cs typeface="Open Sans 1" panose="020B0604020202020204" charset="0"/>
+              </a:rPr>
+              <a:t>01</a:t>
+            </a:r>
+            <a:endParaRPr lang="pt-BR" sz="2800" dirty="0">
+              <a:solidFill>
+                <a:schemeClr val="tx1">
+                  <a:lumMod val="75000"/>
+                  <a:lumOff val="25000"/>
+                </a:schemeClr>
+              </a:solidFill>
+              <a:latin typeface="Open Sans 1" panose="020B0604020202020204" charset="0"/>
+              <a:ea typeface="Open Sans 1" panose="020B0604020202020204" charset="0"/>
+              <a:cs typeface="Open Sans 1" panose="020B0604020202020204" charset="0"/>
+            </a:endParaRPr>
+          </a:p>
+        </p:txBody>
+      </p:sp>
+      <p:sp>
+        <p:nvSpPr>
+          <p:cNvPr id="192" name="CaixaDeTexto 191"/>
+          <p:cNvSpPr txBox="1"/>
+          <p:nvPr/>
+        </p:nvSpPr>
+        <p:spPr>
+          <a:xfrm>
+            <a:off x="1073553" y="7439680"/>
+            <a:ext cx="3648629" cy="523220"/>
+          </a:xfrm>
+          <a:prstGeom prst="rect">
+            <a:avLst/>
+          </a:prstGeom>
+          <a:noFill/>
+        </p:spPr>
+        <p:txBody>
+          <a:bodyPr wrap="square" rtlCol="0">
+            <a:spAutoFit/>
+          </a:bodyPr>
+          <a:lstStyle/>
+          <a:p>
+            <a:pPr algn="ctr"/>
+            <a:r>
+              <a:rPr lang="pt-BR" sz="2800" dirty="0" smtClean="0">
+                <a:solidFill>
+                  <a:schemeClr val="tx1">
+                    <a:lumMod val="75000"/>
+                    <a:lumOff val="25000"/>
+                  </a:schemeClr>
+                </a:solidFill>
+                <a:latin typeface="Open Sans 1" panose="020B0604020202020204" charset="0"/>
+                <a:ea typeface="Open Sans 1" panose="020B0604020202020204" charset="0"/>
+                <a:cs typeface="Open Sans 1" panose="020B0604020202020204" charset="0"/>
+              </a:rPr>
+              <a:t>US#01&lt;Cadastro&gt;</a:t>
+            </a:r>
+            <a:endParaRPr lang="pt-BR" sz="2800" dirty="0">
+              <a:solidFill>
+                <a:schemeClr val="tx1">
+                  <a:lumMod val="75000"/>
+                  <a:lumOff val="25000"/>
+                </a:schemeClr>
+              </a:solidFill>
+              <a:latin typeface="Open Sans 1" panose="020B0604020202020204" charset="0"/>
+              <a:ea typeface="Open Sans 1" panose="020B0604020202020204" charset="0"/>
+              <a:cs typeface="Open Sans 1" panose="020B0604020202020204" charset="0"/>
+            </a:endParaRPr>
+          </a:p>
+        </p:txBody>
+      </p:sp>
+      <p:sp>
+        <p:nvSpPr>
+          <p:cNvPr id="193" name="CaixaDeTexto 192"/>
+          <p:cNvSpPr txBox="1"/>
+          <p:nvPr/>
+        </p:nvSpPr>
+        <p:spPr>
+          <a:xfrm>
+            <a:off x="4908117" y="7416819"/>
+            <a:ext cx="5341700" cy="523220"/>
+          </a:xfrm>
+          <a:prstGeom prst="rect">
+            <a:avLst/>
+          </a:prstGeom>
+          <a:noFill/>
+        </p:spPr>
+        <p:txBody>
+          <a:bodyPr wrap="square" rtlCol="0">
+            <a:spAutoFit/>
+          </a:bodyPr>
+          <a:lstStyle/>
+          <a:p>
+            <a:pPr algn="ctr"/>
+            <a:r>
+              <a:rPr lang="pt-BR" sz="2800" dirty="0" smtClean="0">
+                <a:solidFill>
+                  <a:schemeClr val="tx1">
+                    <a:lumMod val="75000"/>
+                    <a:lumOff val="25000"/>
+                  </a:schemeClr>
+                </a:solidFill>
+                <a:latin typeface="Open Sans 1" panose="020B0604020202020204" charset="0"/>
+                <a:ea typeface="Open Sans 1" panose="020B0604020202020204" charset="0"/>
+                <a:cs typeface="Open Sans 1" panose="020B0604020202020204" charset="0"/>
+              </a:rPr>
+              <a:t>Cadastro da maquina</a:t>
+            </a:r>
+            <a:endParaRPr lang="pt-BR" sz="2800" dirty="0">
+              <a:solidFill>
+                <a:schemeClr val="tx1">
+                  <a:lumMod val="75000"/>
+                  <a:lumOff val="25000"/>
+                </a:schemeClr>
+              </a:solidFill>
+              <a:latin typeface="Open Sans 1" panose="020B0604020202020204" charset="0"/>
+              <a:ea typeface="Open Sans 1" panose="020B0604020202020204" charset="0"/>
+              <a:cs typeface="Open Sans 1" panose="020B0604020202020204" charset="0"/>
+            </a:endParaRPr>
+          </a:p>
+        </p:txBody>
+      </p:sp>
+      <p:sp>
+        <p:nvSpPr>
+          <p:cNvPr id="194" name="CaixaDeTexto 193"/>
+          <p:cNvSpPr txBox="1"/>
+          <p:nvPr/>
+        </p:nvSpPr>
+        <p:spPr>
+          <a:xfrm>
+            <a:off x="10472603" y="7439680"/>
+            <a:ext cx="2981511" cy="523220"/>
+          </a:xfrm>
+          <a:prstGeom prst="rect">
+            <a:avLst/>
+          </a:prstGeom>
+          <a:noFill/>
+        </p:spPr>
+        <p:txBody>
+          <a:bodyPr wrap="square" rtlCol="0">
+            <a:spAutoFit/>
+          </a:bodyPr>
+          <a:lstStyle/>
+          <a:p>
+            <a:pPr algn="ctr"/>
+            <a:r>
+              <a:rPr lang="pt-BR" sz="2800" dirty="0" smtClean="0">
+                <a:solidFill>
+                  <a:schemeClr val="tx1">
+                    <a:lumMod val="75000"/>
+                    <a:lumOff val="25000"/>
+                  </a:schemeClr>
+                </a:solidFill>
+                <a:latin typeface="Open Sans 1" panose="020B0604020202020204" charset="0"/>
+                <a:ea typeface="Open Sans 1" panose="020B0604020202020204" charset="0"/>
+                <a:cs typeface="Open Sans 1" panose="020B0604020202020204" charset="0"/>
+              </a:rPr>
+              <a:t>Essencial</a:t>
+            </a:r>
+            <a:endParaRPr lang="pt-BR" sz="2800" dirty="0">
+              <a:solidFill>
+                <a:schemeClr val="tx1">
+                  <a:lumMod val="75000"/>
+                  <a:lumOff val="25000"/>
+                </a:schemeClr>
+              </a:solidFill>
+              <a:latin typeface="Open Sans 1" panose="020B0604020202020204" charset="0"/>
+              <a:ea typeface="Open Sans 1" panose="020B0604020202020204" charset="0"/>
+              <a:cs typeface="Open Sans 1" panose="020B0604020202020204" charset="0"/>
+            </a:endParaRPr>
+          </a:p>
+        </p:txBody>
+      </p:sp>
+      <p:sp>
+        <p:nvSpPr>
+          <p:cNvPr id="195" name="CaixaDeTexto 194"/>
+          <p:cNvSpPr txBox="1"/>
+          <p:nvPr/>
+        </p:nvSpPr>
+        <p:spPr>
+          <a:xfrm>
+            <a:off x="13657798" y="7416819"/>
+            <a:ext cx="2272111" cy="523220"/>
+          </a:xfrm>
+          <a:prstGeom prst="rect">
+            <a:avLst/>
+          </a:prstGeom>
+          <a:noFill/>
+        </p:spPr>
+        <p:txBody>
+          <a:bodyPr wrap="square" rtlCol="0">
+            <a:spAutoFit/>
+          </a:bodyPr>
+          <a:lstStyle/>
+          <a:p>
+            <a:pPr algn="ctr"/>
+            <a:r>
+              <a:rPr lang="pt-BR" sz="2800" dirty="0" smtClean="0">
+                <a:solidFill>
+                  <a:schemeClr val="tx1">
+                    <a:lumMod val="75000"/>
+                    <a:lumOff val="25000"/>
+                  </a:schemeClr>
+                </a:solidFill>
+                <a:latin typeface="Open Sans 1" panose="020B0604020202020204" charset="0"/>
+                <a:ea typeface="Open Sans 1" panose="020B0604020202020204" charset="0"/>
+                <a:cs typeface="Open Sans 1" panose="020B0604020202020204" charset="0"/>
+              </a:rPr>
+              <a:t>Grande</a:t>
+            </a:r>
+            <a:endParaRPr lang="pt-BR" sz="2800" dirty="0">
+              <a:solidFill>
+                <a:schemeClr val="tx1">
+                  <a:lumMod val="75000"/>
+                  <a:lumOff val="25000"/>
+                </a:schemeClr>
+              </a:solidFill>
+              <a:latin typeface="Open Sans 1" panose="020B0604020202020204" charset="0"/>
+              <a:ea typeface="Open Sans 1" panose="020B0604020202020204" charset="0"/>
+              <a:cs typeface="Open Sans 1" panose="020B0604020202020204" charset="0"/>
+            </a:endParaRPr>
+          </a:p>
+        </p:txBody>
+      </p:sp>
+      <p:sp>
+        <p:nvSpPr>
+          <p:cNvPr id="196" name="CaixaDeTexto 195"/>
+          <p:cNvSpPr txBox="1"/>
+          <p:nvPr/>
+        </p:nvSpPr>
+        <p:spPr>
+          <a:xfrm>
+            <a:off x="16131375" y="7439680"/>
+            <a:ext cx="1919054" cy="523220"/>
+          </a:xfrm>
+          <a:prstGeom prst="rect">
+            <a:avLst/>
+          </a:prstGeom>
+          <a:noFill/>
+        </p:spPr>
+        <p:txBody>
+          <a:bodyPr wrap="square" rtlCol="0">
+            <a:spAutoFit/>
+          </a:bodyPr>
+          <a:lstStyle/>
+          <a:p>
+            <a:pPr algn="ctr"/>
+            <a:r>
+              <a:rPr lang="pt-BR" sz="2800" dirty="0" smtClean="0">
+                <a:solidFill>
+                  <a:schemeClr val="tx1">
+                    <a:lumMod val="75000"/>
+                    <a:lumOff val="25000"/>
+                  </a:schemeClr>
+                </a:solidFill>
+                <a:latin typeface="Open Sans 1" panose="020B0604020202020204" charset="0"/>
+                <a:ea typeface="Open Sans 1" panose="020B0604020202020204" charset="0"/>
+                <a:cs typeface="Open Sans 1" panose="020B0604020202020204" charset="0"/>
+              </a:rPr>
+              <a:t>Funcional</a:t>
+            </a:r>
+            <a:endParaRPr lang="pt-BR" sz="2800" dirty="0">
+              <a:solidFill>
+                <a:schemeClr val="tx1">
+                  <a:lumMod val="75000"/>
+                  <a:lumOff val="25000"/>
+                </a:schemeClr>
+              </a:solidFill>
+              <a:latin typeface="Open Sans 1" panose="020B0604020202020204" charset="0"/>
+              <a:ea typeface="Open Sans 1" panose="020B0604020202020204" charset="0"/>
+              <a:cs typeface="Open Sans 1" panose="020B0604020202020204" charset="0"/>
+            </a:endParaRPr>
+          </a:p>
+        </p:txBody>
+      </p:sp>
+    </p:spTree>
+  </p:cSld>
+  <p:clrMapOvr>
+    <a:masterClrMapping/>
+  </p:clrMapOvr>
+  <mc:AlternateContent xmlns:mc="http://schemas.openxmlformats.org/markup-compatibility/2006" xmlns:p14="http://schemas.microsoft.com/office/powerpoint/2010/main">
+    <mc:Choice Requires="p14">
+      <p:transition spd="med" p14:dur="700">
+        <p:fade/>
+      </p:transition>
+    </mc:Choice>
+    <mc:Fallback xmlns="">
+      <p:transition spd="med">
+        <p:fade/>
+      </p:transition>
+    </mc:Fallback>
+  </mc:AlternateContent>
+  <p:timing>
+    <p:tnLst>
+      <p:par>
+        <p:cTn id="1" dur="indefinite" restart="never" nodeType="tmRoot"/>
+      </p:par>
+    </p:tnLst>
+  </p:timing>
+</p:sld>
+</file>
+
+<file path=ppt/slides/slide12.xml><?xml version="1.0" encoding="utf-8"?>
+<p:sld xmlns:a="http://schemas.openxmlformats.org/drawingml/2006/main" xmlns:r="http://schemas.openxmlformats.org/officeDocument/2006/relationships" xmlns:p="http://schemas.openxmlformats.org/presentationml/2006/main">
+  <p:cSld>
+    <p:bg>
+      <p:bgPr>
+        <a:solidFill>
           <a:srgbClr val="FF6864"/>
         </a:solidFill>
         <a:effectLst/>
@@ -3502,13 +6718,13 @@
   <p:clrMapOvr>
     <a:masterClrMapping/>
   </p:clrMapOvr>
-  <mc:AlternateContent xmlns:mc="http://schemas.openxmlformats.org/markup-compatibility/2006">
-    <mc:Choice xmlns:p14="http://schemas.microsoft.com/office/powerpoint/2010/main" Requires="p14">
+  <mc:AlternateContent xmlns:mc="http://schemas.openxmlformats.org/markup-compatibility/2006" xmlns:p14="http://schemas.microsoft.com/office/powerpoint/2010/main">
+    <mc:Choice Requires="p14">
       <p:transition spd="med" p14:dur="700">
         <p:fade/>
       </p:transition>
     </mc:Choice>
-    <mc:Fallback>
+    <mc:Fallback xmlns="">
       <p:transition spd="med">
         <p:fade/>
       </p:transition>
@@ -3718,3222 +6934,6 @@
 </p:sld>
 </file>
 
-<file path=ppt/slides/slide11.xml><?xml version="1.0" encoding="utf-8"?>
-<p:sld xmlns:a="http://schemas.openxmlformats.org/drawingml/2006/main" xmlns:r="http://schemas.openxmlformats.org/officeDocument/2006/relationships" xmlns:p="http://schemas.openxmlformats.org/presentationml/2006/main">
-  <p:cSld>
-    <p:bg>
-      <p:bgPr>
-        <a:solidFill>
-          <a:srgbClr val="FFFEFB"/>
-        </a:solidFill>
-        <a:effectLst/>
-      </p:bgPr>
-    </p:bg>
-    <p:spTree>
-      <p:nvGrpSpPr>
-        <p:cNvPr id="1" name=""/>
-        <p:cNvGrpSpPr/>
-        <p:nvPr/>
-      </p:nvGrpSpPr>
-      <p:grpSpPr>
-        <a:xfrm>
-          <a:off x="0" y="0"/>
-          <a:ext cx="0" cy="0"/>
-          <a:chOff x="0" y="0"/>
-          <a:chExt cx="0" cy="0"/>
-        </a:xfrm>
-      </p:grpSpPr>
-      <p:sp>
-        <p:nvSpPr>
-          <p:cNvPr id="2" name="TextBox 2"/>
-          <p:cNvSpPr txBox="1"/>
-          <p:nvPr/>
-        </p:nvSpPr>
-        <p:spPr>
-          <a:xfrm>
-            <a:off x="1028700" y="866775"/>
-            <a:ext cx="10262494" cy="1533525"/>
-          </a:xfrm>
-          <a:prstGeom prst="rect">
-            <a:avLst/>
-          </a:prstGeom>
-        </p:spPr>
-        <p:txBody>
-          <a:bodyPr lIns="0" tIns="0" rIns="0" bIns="0" rtlCol="0" anchor="t">
-            <a:spAutoFit/>
-          </a:bodyPr>
-          <a:lstStyle/>
-          <a:p>
-            <a:pPr>
-              <a:lnSpc>
-                <a:spcPts val="12599"/>
-              </a:lnSpc>
-            </a:pPr>
-            <a:r>
-              <a:rPr lang="en-US" sz="9000">
-                <a:solidFill>
-                  <a:srgbClr val="545454"/>
-                </a:solidFill>
-                <a:latin typeface="Open Sans 1 Bold"/>
-              </a:rPr>
-              <a:t>User Stories</a:t>
-            </a:r>
-          </a:p>
-        </p:txBody>
-      </p:sp>
-      <p:pic>
-        <p:nvPicPr>
-          <p:cNvPr id="5" name="Imagem 4">
-            <a:extLst>
-              <a:ext uri="{FF2B5EF4-FFF2-40B4-BE49-F238E27FC236}">
-                <a16:creationId xmlns:a16="http://schemas.microsoft.com/office/drawing/2014/main" id="{38496F73-5C44-4A7C-ACE7-9576F8ED8B4F}"/>
-              </a:ext>
-            </a:extLst>
-          </p:cNvPr>
-          <p:cNvPicPr>
-            <a:picLocks noChangeAspect="1"/>
-          </p:cNvPicPr>
-          <p:nvPr/>
-        </p:nvPicPr>
-        <p:blipFill>
-          <a:blip r:embed="rId2"/>
-          <a:stretch>
-            <a:fillRect/>
-          </a:stretch>
-        </p:blipFill>
-        <p:spPr>
-          <a:xfrm>
-            <a:off x="17078325" y="266700"/>
-            <a:ext cx="883385" cy="1044000"/>
-          </a:xfrm>
-          <a:prstGeom prst="rect">
-            <a:avLst/>
-          </a:prstGeom>
-        </p:spPr>
-      </p:pic>
-    </p:spTree>
-  </p:cSld>
-  <p:clrMapOvr>
-    <a:masterClrMapping/>
-  </p:clrMapOvr>
-  <mc:AlternateContent xmlns:mc="http://schemas.openxmlformats.org/markup-compatibility/2006">
-    <mc:Choice xmlns:p14="http://schemas.microsoft.com/office/powerpoint/2010/main" Requires="p14">
-      <p:transition spd="med" p14:dur="700">
-        <p:fade/>
-      </p:transition>
-    </mc:Choice>
-    <mc:Fallback>
-      <p:transition spd="med">
-        <p:fade/>
-      </p:transition>
-    </mc:Fallback>
-  </mc:AlternateContent>
-  <p:timing>
-    <p:tnLst>
-      <p:par>
-        <p:cTn id="1" dur="indefinite" restart="never" nodeType="tmRoot"/>
-      </p:par>
-    </p:tnLst>
-  </p:timing>
-</p:sld>
-</file>
-
-<file path=ppt/slides/slide12.xml><?xml version="1.0" encoding="utf-8"?>
-<p:sld xmlns:a="http://schemas.openxmlformats.org/drawingml/2006/main" xmlns:r="http://schemas.openxmlformats.org/officeDocument/2006/relationships" xmlns:p="http://schemas.openxmlformats.org/presentationml/2006/main">
-  <p:cSld>
-    <p:bg>
-      <p:bgPr>
-        <a:solidFill>
-          <a:srgbClr val="FF6864"/>
-        </a:solidFill>
-        <a:effectLst/>
-      </p:bgPr>
-    </p:bg>
-    <p:spTree>
-      <p:nvGrpSpPr>
-        <p:cNvPr id="1" name=""/>
-        <p:cNvGrpSpPr/>
-        <p:nvPr/>
-      </p:nvGrpSpPr>
-      <p:grpSpPr>
-        <a:xfrm>
-          <a:off x="0" y="0"/>
-          <a:ext cx="0" cy="0"/>
-          <a:chOff x="0" y="0"/>
-          <a:chExt cx="0" cy="0"/>
-        </a:xfrm>
-      </p:grpSpPr>
-      <p:sp>
-        <p:nvSpPr>
-          <p:cNvPr id="2" name="TextBox 2"/>
-          <p:cNvSpPr txBox="1"/>
-          <p:nvPr/>
-        </p:nvSpPr>
-        <p:spPr>
-          <a:xfrm>
-            <a:off x="4012753" y="180975"/>
-            <a:ext cx="10262494" cy="1533525"/>
-          </a:xfrm>
-          <a:prstGeom prst="rect">
-            <a:avLst/>
-          </a:prstGeom>
-        </p:spPr>
-        <p:txBody>
-          <a:bodyPr lIns="0" tIns="0" rIns="0" bIns="0" rtlCol="0" anchor="t">
-            <a:spAutoFit/>
-          </a:bodyPr>
-          <a:lstStyle/>
-          <a:p>
-            <a:pPr algn="ctr">
-              <a:lnSpc>
-                <a:spcPts val="12599"/>
-              </a:lnSpc>
-            </a:pPr>
-            <a:r>
-              <a:rPr lang="en-US" sz="9000">
-                <a:solidFill>
-                  <a:srgbClr val="FFFFFF"/>
-                </a:solidFill>
-                <a:latin typeface="Open Sans 1 Bold"/>
-              </a:rPr>
-              <a:t>Backlog</a:t>
-            </a:r>
-          </a:p>
-        </p:txBody>
-      </p:sp>
-      <p:grpSp>
-        <p:nvGrpSpPr>
-          <p:cNvPr id="3" name="Group 3"/>
-          <p:cNvGrpSpPr/>
-          <p:nvPr/>
-        </p:nvGrpSpPr>
-        <p:grpSpPr>
-          <a:xfrm>
-            <a:off x="247096" y="2171626"/>
-            <a:ext cx="645347" cy="7458075"/>
-            <a:chOff x="0" y="0"/>
-            <a:chExt cx="218303" cy="2522855"/>
-          </a:xfrm>
-        </p:grpSpPr>
-        <p:sp>
-          <p:nvSpPr>
-            <p:cNvPr id="4" name="Freeform 4"/>
-            <p:cNvSpPr/>
-            <p:nvPr/>
-          </p:nvSpPr>
-          <p:spPr>
-            <a:xfrm>
-              <a:off x="0" y="0"/>
-              <a:ext cx="218303" cy="2522855"/>
-            </a:xfrm>
-            <a:custGeom>
-              <a:avLst/>
-              <a:gdLst/>
-              <a:ahLst/>
-              <a:cxnLst/>
-              <a:rect l="l" t="t" r="r" b="b"/>
-              <a:pathLst>
-                <a:path w="218303" h="2522855">
-                  <a:moveTo>
-                    <a:pt x="0" y="0"/>
-                  </a:moveTo>
-                  <a:lnTo>
-                    <a:pt x="218303" y="0"/>
-                  </a:lnTo>
-                  <a:lnTo>
-                    <a:pt x="218303" y="2522855"/>
-                  </a:lnTo>
-                  <a:lnTo>
-                    <a:pt x="0" y="2522855"/>
-                  </a:lnTo>
-                  <a:close/>
-                </a:path>
-              </a:pathLst>
-            </a:custGeom>
-            <a:solidFill>
-              <a:srgbClr val="FFFFFF"/>
-            </a:solidFill>
-          </p:spPr>
-        </p:sp>
-      </p:grpSp>
-      <p:grpSp>
-        <p:nvGrpSpPr>
-          <p:cNvPr id="5" name="Group 5"/>
-          <p:cNvGrpSpPr/>
-          <p:nvPr/>
-        </p:nvGrpSpPr>
-        <p:grpSpPr>
-          <a:xfrm>
-            <a:off x="4915660" y="2171626"/>
-            <a:ext cx="5336375" cy="7458075"/>
-            <a:chOff x="0" y="0"/>
-            <a:chExt cx="1805144" cy="2522855"/>
-          </a:xfrm>
-        </p:grpSpPr>
-        <p:sp>
-          <p:nvSpPr>
-            <p:cNvPr id="6" name="Freeform 6"/>
-            <p:cNvSpPr/>
-            <p:nvPr/>
-          </p:nvSpPr>
-          <p:spPr>
-            <a:xfrm>
-              <a:off x="0" y="0"/>
-              <a:ext cx="1805144" cy="2522855"/>
-            </a:xfrm>
-            <a:custGeom>
-              <a:avLst/>
-              <a:gdLst/>
-              <a:ahLst/>
-              <a:cxnLst/>
-              <a:rect l="l" t="t" r="r" b="b"/>
-              <a:pathLst>
-                <a:path w="1805144" h="2522855">
-                  <a:moveTo>
-                    <a:pt x="0" y="0"/>
-                  </a:moveTo>
-                  <a:lnTo>
-                    <a:pt x="1805144" y="0"/>
-                  </a:lnTo>
-                  <a:lnTo>
-                    <a:pt x="1805144" y="2522855"/>
-                  </a:lnTo>
-                  <a:lnTo>
-                    <a:pt x="0" y="2522855"/>
-                  </a:lnTo>
-                  <a:close/>
-                </a:path>
-              </a:pathLst>
-            </a:custGeom>
-            <a:solidFill>
-              <a:srgbClr val="FFFFFF"/>
-            </a:solidFill>
-          </p:spPr>
-        </p:sp>
-      </p:grpSp>
-      <p:grpSp>
-        <p:nvGrpSpPr>
-          <p:cNvPr id="7" name="Group 7"/>
-          <p:cNvGrpSpPr/>
-          <p:nvPr/>
-        </p:nvGrpSpPr>
-        <p:grpSpPr>
-          <a:xfrm>
-            <a:off x="16135811" y="2171626"/>
-            <a:ext cx="1914618" cy="7458075"/>
-            <a:chOff x="0" y="0"/>
-            <a:chExt cx="647661" cy="2522855"/>
-          </a:xfrm>
-        </p:grpSpPr>
-        <p:sp>
-          <p:nvSpPr>
-            <p:cNvPr id="8" name="Freeform 8"/>
-            <p:cNvSpPr/>
-            <p:nvPr/>
-          </p:nvSpPr>
-          <p:spPr>
-            <a:xfrm>
-              <a:off x="0" y="0"/>
-              <a:ext cx="647661" cy="2522855"/>
-            </a:xfrm>
-            <a:custGeom>
-              <a:avLst/>
-              <a:gdLst/>
-              <a:ahLst/>
-              <a:cxnLst/>
-              <a:rect l="l" t="t" r="r" b="b"/>
-              <a:pathLst>
-                <a:path w="647661" h="2522855">
-                  <a:moveTo>
-                    <a:pt x="0" y="0"/>
-                  </a:moveTo>
-                  <a:lnTo>
-                    <a:pt x="647661" y="0"/>
-                  </a:lnTo>
-                  <a:lnTo>
-                    <a:pt x="647661" y="2522855"/>
-                  </a:lnTo>
-                  <a:lnTo>
-                    <a:pt x="0" y="2522855"/>
-                  </a:lnTo>
-                  <a:close/>
-                </a:path>
-              </a:pathLst>
-            </a:custGeom>
-            <a:solidFill>
-              <a:srgbClr val="FFFFFF"/>
-            </a:solidFill>
-          </p:spPr>
-        </p:sp>
-      </p:grpSp>
-      <p:grpSp>
-        <p:nvGrpSpPr>
-          <p:cNvPr id="9" name="Group 9"/>
-          <p:cNvGrpSpPr/>
-          <p:nvPr/>
-        </p:nvGrpSpPr>
-        <p:grpSpPr>
-          <a:xfrm>
-            <a:off x="13660016" y="2171626"/>
-            <a:ext cx="2272111" cy="7458075"/>
-            <a:chOff x="0" y="0"/>
-            <a:chExt cx="768591" cy="2522855"/>
-          </a:xfrm>
-        </p:grpSpPr>
-        <p:sp>
-          <p:nvSpPr>
-            <p:cNvPr id="10" name="Freeform 10"/>
-            <p:cNvSpPr/>
-            <p:nvPr/>
-          </p:nvSpPr>
-          <p:spPr>
-            <a:xfrm>
-              <a:off x="0" y="0"/>
-              <a:ext cx="768591" cy="2522855"/>
-            </a:xfrm>
-            <a:custGeom>
-              <a:avLst/>
-              <a:gdLst/>
-              <a:ahLst/>
-              <a:cxnLst/>
-              <a:rect l="l" t="t" r="r" b="b"/>
-              <a:pathLst>
-                <a:path w="768591" h="2522855">
-                  <a:moveTo>
-                    <a:pt x="0" y="0"/>
-                  </a:moveTo>
-                  <a:lnTo>
-                    <a:pt x="768591" y="0"/>
-                  </a:lnTo>
-                  <a:lnTo>
-                    <a:pt x="768591" y="2522855"/>
-                  </a:lnTo>
-                  <a:lnTo>
-                    <a:pt x="0" y="2522855"/>
-                  </a:lnTo>
-                  <a:close/>
-                </a:path>
-              </a:pathLst>
-            </a:custGeom>
-            <a:solidFill>
-              <a:srgbClr val="FFFFFF"/>
-            </a:solidFill>
-          </p:spPr>
-        </p:sp>
-      </p:grpSp>
-      <p:sp>
-        <p:nvSpPr>
-          <p:cNvPr id="11" name="TextBox 11"/>
-          <p:cNvSpPr txBox="1"/>
-          <p:nvPr/>
-        </p:nvSpPr>
-        <p:spPr>
-          <a:xfrm>
-            <a:off x="237571" y="2390600"/>
-            <a:ext cx="654872" cy="419730"/>
-          </a:xfrm>
-          <a:prstGeom prst="rect">
-            <a:avLst/>
-          </a:prstGeom>
-        </p:spPr>
-        <p:txBody>
-          <a:bodyPr lIns="0" tIns="0" rIns="0" bIns="0" rtlCol="0" anchor="t">
-            <a:spAutoFit/>
-          </a:bodyPr>
-          <a:lstStyle/>
-          <a:p>
-            <a:pPr algn="ctr">
-              <a:lnSpc>
-                <a:spcPts val="3359"/>
-              </a:lnSpc>
-            </a:pPr>
-            <a:r>
-              <a:rPr lang="en-US" sz="2800" dirty="0">
-                <a:solidFill>
-                  <a:srgbClr val="191919"/>
-                </a:solidFill>
-                <a:latin typeface="Open Sans 1 Bold"/>
-              </a:rPr>
-              <a:t>ID</a:t>
-            </a:r>
-          </a:p>
-        </p:txBody>
-      </p:sp>
-      <p:sp>
-        <p:nvSpPr>
-          <p:cNvPr id="12" name="TextBox 12"/>
-          <p:cNvSpPr txBox="1"/>
-          <p:nvPr/>
-        </p:nvSpPr>
-        <p:spPr>
-          <a:xfrm>
-            <a:off x="4915660" y="2390600"/>
-            <a:ext cx="5336375" cy="419730"/>
-          </a:xfrm>
-          <a:prstGeom prst="rect">
-            <a:avLst/>
-          </a:prstGeom>
-        </p:spPr>
-        <p:txBody>
-          <a:bodyPr lIns="0" tIns="0" rIns="0" bIns="0" rtlCol="0" anchor="t">
-            <a:spAutoFit/>
-          </a:bodyPr>
-          <a:lstStyle/>
-          <a:p>
-            <a:pPr algn="ctr">
-              <a:lnSpc>
-                <a:spcPts val="3359"/>
-              </a:lnSpc>
-            </a:pPr>
-            <a:r>
-              <a:rPr lang="en-US" sz="2800" dirty="0">
-                <a:solidFill>
-                  <a:srgbClr val="191919"/>
-                </a:solidFill>
-                <a:latin typeface="Open Sans 1 Bold"/>
-              </a:rPr>
-              <a:t>DESCRIÇÃO</a:t>
-            </a:r>
-          </a:p>
-        </p:txBody>
-      </p:sp>
-      <p:sp>
-        <p:nvSpPr>
-          <p:cNvPr id="13" name="TextBox 13"/>
-          <p:cNvSpPr txBox="1"/>
-          <p:nvPr/>
-        </p:nvSpPr>
-        <p:spPr>
-          <a:xfrm>
-            <a:off x="13660016" y="2374090"/>
-            <a:ext cx="2272111" cy="419730"/>
-          </a:xfrm>
-          <a:prstGeom prst="rect">
-            <a:avLst/>
-          </a:prstGeom>
-        </p:spPr>
-        <p:txBody>
-          <a:bodyPr lIns="0" tIns="0" rIns="0" bIns="0" rtlCol="0" anchor="t">
-            <a:spAutoFit/>
-          </a:bodyPr>
-          <a:lstStyle/>
-          <a:p>
-            <a:pPr algn="ctr">
-              <a:lnSpc>
-                <a:spcPts val="3359"/>
-              </a:lnSpc>
-            </a:pPr>
-            <a:r>
-              <a:rPr lang="en-US" sz="2800">
-                <a:solidFill>
-                  <a:srgbClr val="191919"/>
-                </a:solidFill>
-                <a:latin typeface="Open Sans 1 Bold"/>
-              </a:rPr>
-              <a:t>TAMANHO</a:t>
-            </a:r>
-          </a:p>
-        </p:txBody>
-      </p:sp>
-      <p:sp>
-        <p:nvSpPr>
-          <p:cNvPr id="14" name="TextBox 14"/>
-          <p:cNvSpPr txBox="1"/>
-          <p:nvPr/>
-        </p:nvSpPr>
-        <p:spPr>
-          <a:xfrm>
-            <a:off x="16135811" y="2390600"/>
-            <a:ext cx="1914618" cy="419730"/>
-          </a:xfrm>
-          <a:prstGeom prst="rect">
-            <a:avLst/>
-          </a:prstGeom>
-        </p:spPr>
-        <p:txBody>
-          <a:bodyPr lIns="0" tIns="0" rIns="0" bIns="0" rtlCol="0" anchor="t">
-            <a:spAutoFit/>
-          </a:bodyPr>
-          <a:lstStyle/>
-          <a:p>
-            <a:pPr algn="ctr">
-              <a:lnSpc>
-                <a:spcPts val="3359"/>
-              </a:lnSpc>
-            </a:pPr>
-            <a:r>
-              <a:rPr lang="en-US" sz="2800">
-                <a:solidFill>
-                  <a:srgbClr val="191919"/>
-                </a:solidFill>
-                <a:latin typeface="Open Sans 1 Bold"/>
-              </a:rPr>
-              <a:t>TIPO</a:t>
-            </a:r>
-          </a:p>
-        </p:txBody>
-      </p:sp>
-      <p:grpSp>
-        <p:nvGrpSpPr>
-          <p:cNvPr id="15" name="Group 15"/>
-          <p:cNvGrpSpPr/>
-          <p:nvPr/>
-        </p:nvGrpSpPr>
-        <p:grpSpPr>
-          <a:xfrm>
-            <a:off x="10465296" y="2154074"/>
-            <a:ext cx="2995472" cy="7475627"/>
-            <a:chOff x="0" y="0"/>
-            <a:chExt cx="1013283" cy="2528792"/>
-          </a:xfrm>
-        </p:grpSpPr>
-        <p:sp>
-          <p:nvSpPr>
-            <p:cNvPr id="16" name="Freeform 16"/>
-            <p:cNvSpPr/>
-            <p:nvPr/>
-          </p:nvSpPr>
-          <p:spPr>
-            <a:xfrm>
-              <a:off x="0" y="0"/>
-              <a:ext cx="1013283" cy="2528792"/>
-            </a:xfrm>
-            <a:custGeom>
-              <a:avLst/>
-              <a:gdLst/>
-              <a:ahLst/>
-              <a:cxnLst/>
-              <a:rect l="l" t="t" r="r" b="b"/>
-              <a:pathLst>
-                <a:path w="1013283" h="2528792">
-                  <a:moveTo>
-                    <a:pt x="0" y="0"/>
-                  </a:moveTo>
-                  <a:lnTo>
-                    <a:pt x="1013283" y="0"/>
-                  </a:lnTo>
-                  <a:lnTo>
-                    <a:pt x="1013283" y="2528792"/>
-                  </a:lnTo>
-                  <a:lnTo>
-                    <a:pt x="0" y="2528792"/>
-                  </a:lnTo>
-                  <a:close/>
-                </a:path>
-              </a:pathLst>
-            </a:custGeom>
-            <a:solidFill>
-              <a:srgbClr val="FFFFFF"/>
-            </a:solidFill>
-          </p:spPr>
-        </p:sp>
-      </p:grpSp>
-      <p:sp>
-        <p:nvSpPr>
-          <p:cNvPr id="17" name="TextBox 17"/>
-          <p:cNvSpPr txBox="1"/>
-          <p:nvPr/>
-        </p:nvSpPr>
-        <p:spPr>
-          <a:xfrm>
-            <a:off x="10474821" y="2374090"/>
-            <a:ext cx="2985947" cy="419730"/>
-          </a:xfrm>
-          <a:prstGeom prst="rect">
-            <a:avLst/>
-          </a:prstGeom>
-        </p:spPr>
-        <p:txBody>
-          <a:bodyPr lIns="0" tIns="0" rIns="0" bIns="0" rtlCol="0" anchor="t">
-            <a:spAutoFit/>
-          </a:bodyPr>
-          <a:lstStyle/>
-          <a:p>
-            <a:pPr algn="ctr">
-              <a:lnSpc>
-                <a:spcPts val="3359"/>
-              </a:lnSpc>
-            </a:pPr>
-            <a:r>
-              <a:rPr lang="en-US" sz="2800">
-                <a:solidFill>
-                  <a:srgbClr val="191919"/>
-                </a:solidFill>
-                <a:latin typeface="Open Sans 1 Bold"/>
-              </a:rPr>
-              <a:t>CLASSIFICAÇÃO</a:t>
-            </a:r>
-          </a:p>
-        </p:txBody>
-      </p:sp>
-      <p:grpSp>
-        <p:nvGrpSpPr>
-          <p:cNvPr id="18" name="Group 18"/>
-          <p:cNvGrpSpPr/>
-          <p:nvPr/>
-        </p:nvGrpSpPr>
-        <p:grpSpPr>
-          <a:xfrm>
-            <a:off x="1075771" y="2171626"/>
-            <a:ext cx="3635316" cy="7458075"/>
-            <a:chOff x="0" y="0"/>
-            <a:chExt cx="1229724" cy="2522855"/>
-          </a:xfrm>
-        </p:grpSpPr>
-        <p:sp>
-          <p:nvSpPr>
-            <p:cNvPr id="19" name="Freeform 19"/>
-            <p:cNvSpPr/>
-            <p:nvPr/>
-          </p:nvSpPr>
-          <p:spPr>
-            <a:xfrm>
-              <a:off x="0" y="0"/>
-              <a:ext cx="1229724" cy="2522855"/>
-            </a:xfrm>
-            <a:custGeom>
-              <a:avLst/>
-              <a:gdLst/>
-              <a:ahLst/>
-              <a:cxnLst/>
-              <a:rect l="l" t="t" r="r" b="b"/>
-              <a:pathLst>
-                <a:path w="1229724" h="2522855">
-                  <a:moveTo>
-                    <a:pt x="0" y="0"/>
-                  </a:moveTo>
-                  <a:lnTo>
-                    <a:pt x="1229724" y="0"/>
-                  </a:lnTo>
-                  <a:lnTo>
-                    <a:pt x="1229724" y="2522855"/>
-                  </a:lnTo>
-                  <a:lnTo>
-                    <a:pt x="0" y="2522855"/>
-                  </a:lnTo>
-                  <a:close/>
-                </a:path>
-              </a:pathLst>
-            </a:custGeom>
-            <a:solidFill>
-              <a:srgbClr val="FFFFFF"/>
-            </a:solidFill>
-          </p:spPr>
-        </p:sp>
-      </p:grpSp>
-      <p:sp>
-        <p:nvSpPr>
-          <p:cNvPr id="20" name="TextBox 20"/>
-          <p:cNvSpPr txBox="1"/>
-          <p:nvPr/>
-        </p:nvSpPr>
-        <p:spPr>
-          <a:xfrm>
-            <a:off x="1075771" y="2390600"/>
-            <a:ext cx="3635316" cy="419730"/>
-          </a:xfrm>
-          <a:prstGeom prst="rect">
-            <a:avLst/>
-          </a:prstGeom>
-        </p:spPr>
-        <p:txBody>
-          <a:bodyPr lIns="0" tIns="0" rIns="0" bIns="0" rtlCol="0" anchor="t">
-            <a:spAutoFit/>
-          </a:bodyPr>
-          <a:lstStyle/>
-          <a:p>
-            <a:pPr algn="ctr">
-              <a:lnSpc>
-                <a:spcPts val="3359"/>
-              </a:lnSpc>
-            </a:pPr>
-            <a:r>
-              <a:rPr lang="en-US" sz="2800" dirty="0">
-                <a:solidFill>
-                  <a:srgbClr val="191919"/>
-                </a:solidFill>
-                <a:latin typeface="Open Sans 1 Bold"/>
-              </a:rPr>
-              <a:t>REQUISITO</a:t>
-            </a:r>
-          </a:p>
-        </p:txBody>
-      </p:sp>
-      <p:sp>
-        <p:nvSpPr>
-          <p:cNvPr id="22" name="CaixaDeTexto 21"/>
-          <p:cNvSpPr txBox="1"/>
-          <p:nvPr/>
-        </p:nvSpPr>
-        <p:spPr>
-          <a:xfrm>
-            <a:off x="237571" y="3172480"/>
-            <a:ext cx="660197" cy="523220"/>
-          </a:xfrm>
-          <a:prstGeom prst="rect">
-            <a:avLst/>
-          </a:prstGeom>
-          <a:noFill/>
-        </p:spPr>
-        <p:txBody>
-          <a:bodyPr wrap="square" rtlCol="0">
-            <a:spAutoFit/>
-          </a:bodyPr>
-          <a:lstStyle/>
-          <a:p>
-            <a:pPr algn="ctr"/>
-            <a:r>
-              <a:rPr lang="pt-BR" sz="2800" dirty="0" smtClean="0">
-                <a:solidFill>
-                  <a:schemeClr val="tx1">
-                    <a:lumMod val="75000"/>
-                    <a:lumOff val="25000"/>
-                  </a:schemeClr>
-                </a:solidFill>
-                <a:latin typeface="Open Sans 1" panose="020B0604020202020204" charset="0"/>
-                <a:ea typeface="Open Sans 1" panose="020B0604020202020204" charset="0"/>
-                <a:cs typeface="Open Sans 1" panose="020B0604020202020204" charset="0"/>
-              </a:rPr>
-              <a:t>01</a:t>
-            </a:r>
-            <a:endParaRPr lang="pt-BR" sz="2800" dirty="0">
-              <a:solidFill>
-                <a:schemeClr val="tx1">
-                  <a:lumMod val="75000"/>
-                  <a:lumOff val="25000"/>
-                </a:schemeClr>
-              </a:solidFill>
-              <a:latin typeface="Open Sans 1" panose="020B0604020202020204" charset="0"/>
-              <a:ea typeface="Open Sans 1" panose="020B0604020202020204" charset="0"/>
-              <a:cs typeface="Open Sans 1" panose="020B0604020202020204" charset="0"/>
-            </a:endParaRPr>
-          </a:p>
-        </p:txBody>
-      </p:sp>
-      <p:sp>
-        <p:nvSpPr>
-          <p:cNvPr id="23" name="CaixaDeTexto 22"/>
-          <p:cNvSpPr txBox="1"/>
-          <p:nvPr/>
-        </p:nvSpPr>
-        <p:spPr>
-          <a:xfrm>
-            <a:off x="1075771" y="3172480"/>
-            <a:ext cx="3648629" cy="523220"/>
-          </a:xfrm>
-          <a:prstGeom prst="rect">
-            <a:avLst/>
-          </a:prstGeom>
-          <a:noFill/>
-        </p:spPr>
-        <p:txBody>
-          <a:bodyPr wrap="square" rtlCol="0">
-            <a:spAutoFit/>
-          </a:bodyPr>
-          <a:lstStyle/>
-          <a:p>
-            <a:pPr algn="ctr"/>
-            <a:r>
-              <a:rPr lang="pt-BR" sz="2800" dirty="0" smtClean="0">
-                <a:solidFill>
-                  <a:schemeClr val="tx1">
-                    <a:lumMod val="75000"/>
-                    <a:lumOff val="25000"/>
-                  </a:schemeClr>
-                </a:solidFill>
-                <a:latin typeface="Open Sans 1" panose="020B0604020202020204" charset="0"/>
-                <a:ea typeface="Open Sans 1" panose="020B0604020202020204" charset="0"/>
-                <a:cs typeface="Open Sans 1" panose="020B0604020202020204" charset="0"/>
-              </a:rPr>
-              <a:t>US#01&lt;Cadastro&gt;</a:t>
-            </a:r>
-            <a:endParaRPr lang="pt-BR" sz="2800" dirty="0">
-              <a:solidFill>
-                <a:schemeClr val="tx1">
-                  <a:lumMod val="75000"/>
-                  <a:lumOff val="25000"/>
-                </a:schemeClr>
-              </a:solidFill>
-              <a:latin typeface="Open Sans 1" panose="020B0604020202020204" charset="0"/>
-              <a:ea typeface="Open Sans 1" panose="020B0604020202020204" charset="0"/>
-              <a:cs typeface="Open Sans 1" panose="020B0604020202020204" charset="0"/>
-            </a:endParaRPr>
-          </a:p>
-        </p:txBody>
-      </p:sp>
-      <p:sp>
-        <p:nvSpPr>
-          <p:cNvPr id="25" name="CaixaDeTexto 24"/>
-          <p:cNvSpPr txBox="1"/>
-          <p:nvPr/>
-        </p:nvSpPr>
-        <p:spPr>
-          <a:xfrm>
-            <a:off x="4910335" y="3149619"/>
-            <a:ext cx="5341700" cy="523220"/>
-          </a:xfrm>
-          <a:prstGeom prst="rect">
-            <a:avLst/>
-          </a:prstGeom>
-          <a:noFill/>
-        </p:spPr>
-        <p:txBody>
-          <a:bodyPr wrap="square" rtlCol="0">
-            <a:spAutoFit/>
-          </a:bodyPr>
-          <a:lstStyle/>
-          <a:p>
-            <a:pPr algn="ctr"/>
-            <a:r>
-              <a:rPr lang="pt-BR" sz="2800" dirty="0" smtClean="0">
-                <a:solidFill>
-                  <a:schemeClr val="tx1">
-                    <a:lumMod val="75000"/>
-                    <a:lumOff val="25000"/>
-                  </a:schemeClr>
-                </a:solidFill>
-                <a:latin typeface="Open Sans 1" panose="020B0604020202020204" charset="0"/>
-                <a:ea typeface="Open Sans 1" panose="020B0604020202020204" charset="0"/>
-                <a:cs typeface="Open Sans 1" panose="020B0604020202020204" charset="0"/>
-              </a:rPr>
-              <a:t>Cadastro da maquina</a:t>
-            </a:r>
-            <a:endParaRPr lang="pt-BR" sz="2800" dirty="0">
-              <a:solidFill>
-                <a:schemeClr val="tx1">
-                  <a:lumMod val="75000"/>
-                  <a:lumOff val="25000"/>
-                </a:schemeClr>
-              </a:solidFill>
-              <a:latin typeface="Open Sans 1" panose="020B0604020202020204" charset="0"/>
-              <a:ea typeface="Open Sans 1" panose="020B0604020202020204" charset="0"/>
-              <a:cs typeface="Open Sans 1" panose="020B0604020202020204" charset="0"/>
-            </a:endParaRPr>
-          </a:p>
-        </p:txBody>
-      </p:sp>
-      <p:sp>
-        <p:nvSpPr>
-          <p:cNvPr id="26" name="CaixaDeTexto 25"/>
-          <p:cNvSpPr txBox="1"/>
-          <p:nvPr/>
-        </p:nvSpPr>
-        <p:spPr>
-          <a:xfrm>
-            <a:off x="10474821" y="3172480"/>
-            <a:ext cx="2981511" cy="523220"/>
-          </a:xfrm>
-          <a:prstGeom prst="rect">
-            <a:avLst/>
-          </a:prstGeom>
-          <a:noFill/>
-        </p:spPr>
-        <p:txBody>
-          <a:bodyPr wrap="square" rtlCol="0">
-            <a:spAutoFit/>
-          </a:bodyPr>
-          <a:lstStyle/>
-          <a:p>
-            <a:pPr algn="ctr"/>
-            <a:r>
-              <a:rPr lang="pt-BR" sz="2800" dirty="0" smtClean="0">
-                <a:solidFill>
-                  <a:schemeClr val="tx1">
-                    <a:lumMod val="75000"/>
-                    <a:lumOff val="25000"/>
-                  </a:schemeClr>
-                </a:solidFill>
-                <a:latin typeface="Open Sans 1" panose="020B0604020202020204" charset="0"/>
-                <a:ea typeface="Open Sans 1" panose="020B0604020202020204" charset="0"/>
-                <a:cs typeface="Open Sans 1" panose="020B0604020202020204" charset="0"/>
-              </a:rPr>
-              <a:t>Essencial</a:t>
-            </a:r>
-            <a:endParaRPr lang="pt-BR" sz="2800" dirty="0">
-              <a:solidFill>
-                <a:schemeClr val="tx1">
-                  <a:lumMod val="75000"/>
-                  <a:lumOff val="25000"/>
-                </a:schemeClr>
-              </a:solidFill>
-              <a:latin typeface="Open Sans 1" panose="020B0604020202020204" charset="0"/>
-              <a:ea typeface="Open Sans 1" panose="020B0604020202020204" charset="0"/>
-              <a:cs typeface="Open Sans 1" panose="020B0604020202020204" charset="0"/>
-            </a:endParaRPr>
-          </a:p>
-        </p:txBody>
-      </p:sp>
-      <p:sp>
-        <p:nvSpPr>
-          <p:cNvPr id="27" name="CaixaDeTexto 26"/>
-          <p:cNvSpPr txBox="1"/>
-          <p:nvPr/>
-        </p:nvSpPr>
-        <p:spPr>
-          <a:xfrm>
-            <a:off x="13660016" y="3149619"/>
-            <a:ext cx="2272111" cy="523220"/>
-          </a:xfrm>
-          <a:prstGeom prst="rect">
-            <a:avLst/>
-          </a:prstGeom>
-          <a:noFill/>
-        </p:spPr>
-        <p:txBody>
-          <a:bodyPr wrap="square" rtlCol="0">
-            <a:spAutoFit/>
-          </a:bodyPr>
-          <a:lstStyle/>
-          <a:p>
-            <a:pPr algn="ctr"/>
-            <a:r>
-              <a:rPr lang="pt-BR" sz="2800" dirty="0" smtClean="0">
-                <a:solidFill>
-                  <a:schemeClr val="tx1">
-                    <a:lumMod val="75000"/>
-                    <a:lumOff val="25000"/>
-                  </a:schemeClr>
-                </a:solidFill>
-                <a:latin typeface="Open Sans 1" panose="020B0604020202020204" charset="0"/>
-                <a:ea typeface="Open Sans 1" panose="020B0604020202020204" charset="0"/>
-                <a:cs typeface="Open Sans 1" panose="020B0604020202020204" charset="0"/>
-              </a:rPr>
-              <a:t>Grande</a:t>
-            </a:r>
-            <a:endParaRPr lang="pt-BR" sz="2800" dirty="0">
-              <a:solidFill>
-                <a:schemeClr val="tx1">
-                  <a:lumMod val="75000"/>
-                  <a:lumOff val="25000"/>
-                </a:schemeClr>
-              </a:solidFill>
-              <a:latin typeface="Open Sans 1" panose="020B0604020202020204" charset="0"/>
-              <a:ea typeface="Open Sans 1" panose="020B0604020202020204" charset="0"/>
-              <a:cs typeface="Open Sans 1" panose="020B0604020202020204" charset="0"/>
-            </a:endParaRPr>
-          </a:p>
-        </p:txBody>
-      </p:sp>
-      <p:sp>
-        <p:nvSpPr>
-          <p:cNvPr id="28" name="CaixaDeTexto 27"/>
-          <p:cNvSpPr txBox="1"/>
-          <p:nvPr/>
-        </p:nvSpPr>
-        <p:spPr>
-          <a:xfrm>
-            <a:off x="16133593" y="3172480"/>
-            <a:ext cx="1919054" cy="523220"/>
-          </a:xfrm>
-          <a:prstGeom prst="rect">
-            <a:avLst/>
-          </a:prstGeom>
-          <a:noFill/>
-        </p:spPr>
-        <p:txBody>
-          <a:bodyPr wrap="square" rtlCol="0">
-            <a:spAutoFit/>
-          </a:bodyPr>
-          <a:lstStyle/>
-          <a:p>
-            <a:pPr algn="ctr"/>
-            <a:r>
-              <a:rPr lang="pt-BR" sz="2800" dirty="0" smtClean="0">
-                <a:solidFill>
-                  <a:schemeClr val="tx1">
-                    <a:lumMod val="75000"/>
-                    <a:lumOff val="25000"/>
-                  </a:schemeClr>
-                </a:solidFill>
-                <a:latin typeface="Open Sans 1" panose="020B0604020202020204" charset="0"/>
-                <a:ea typeface="Open Sans 1" panose="020B0604020202020204" charset="0"/>
-                <a:cs typeface="Open Sans 1" panose="020B0604020202020204" charset="0"/>
-              </a:rPr>
-              <a:t>Funcional</a:t>
-            </a:r>
-            <a:endParaRPr lang="pt-BR" sz="2800" dirty="0">
-              <a:solidFill>
-                <a:schemeClr val="tx1">
-                  <a:lumMod val="75000"/>
-                  <a:lumOff val="25000"/>
-                </a:schemeClr>
-              </a:solidFill>
-              <a:latin typeface="Open Sans 1" panose="020B0604020202020204" charset="0"/>
-              <a:ea typeface="Open Sans 1" panose="020B0604020202020204" charset="0"/>
-              <a:cs typeface="Open Sans 1" panose="020B0604020202020204" charset="0"/>
-            </a:endParaRPr>
-          </a:p>
-        </p:txBody>
-      </p:sp>
-      <p:sp>
-        <p:nvSpPr>
-          <p:cNvPr id="155" name="CaixaDeTexto 154"/>
-          <p:cNvSpPr txBox="1"/>
-          <p:nvPr/>
-        </p:nvSpPr>
-        <p:spPr>
-          <a:xfrm>
-            <a:off x="237571" y="3794761"/>
-            <a:ext cx="660197" cy="523220"/>
-          </a:xfrm>
-          <a:prstGeom prst="rect">
-            <a:avLst/>
-          </a:prstGeom>
-          <a:noFill/>
-        </p:spPr>
-        <p:txBody>
-          <a:bodyPr wrap="square" rtlCol="0">
-            <a:spAutoFit/>
-          </a:bodyPr>
-          <a:lstStyle/>
-          <a:p>
-            <a:pPr algn="ctr"/>
-            <a:r>
-              <a:rPr lang="pt-BR" sz="2800" dirty="0" smtClean="0">
-                <a:solidFill>
-                  <a:schemeClr val="tx1">
-                    <a:lumMod val="75000"/>
-                    <a:lumOff val="25000"/>
-                  </a:schemeClr>
-                </a:solidFill>
-                <a:latin typeface="Open Sans 1" panose="020B0604020202020204" charset="0"/>
-                <a:ea typeface="Open Sans 1" panose="020B0604020202020204" charset="0"/>
-                <a:cs typeface="Open Sans 1" panose="020B0604020202020204" charset="0"/>
-              </a:rPr>
-              <a:t>01</a:t>
-            </a:r>
-            <a:endParaRPr lang="pt-BR" sz="2800" dirty="0">
-              <a:solidFill>
-                <a:schemeClr val="tx1">
-                  <a:lumMod val="75000"/>
-                  <a:lumOff val="25000"/>
-                </a:schemeClr>
-              </a:solidFill>
-              <a:latin typeface="Open Sans 1" panose="020B0604020202020204" charset="0"/>
-              <a:ea typeface="Open Sans 1" panose="020B0604020202020204" charset="0"/>
-              <a:cs typeface="Open Sans 1" panose="020B0604020202020204" charset="0"/>
-            </a:endParaRPr>
-          </a:p>
-        </p:txBody>
-      </p:sp>
-      <p:sp>
-        <p:nvSpPr>
-          <p:cNvPr id="156" name="CaixaDeTexto 155"/>
-          <p:cNvSpPr txBox="1"/>
-          <p:nvPr/>
-        </p:nvSpPr>
-        <p:spPr>
-          <a:xfrm>
-            <a:off x="1075771" y="3794761"/>
-            <a:ext cx="3648629" cy="523220"/>
-          </a:xfrm>
-          <a:prstGeom prst="rect">
-            <a:avLst/>
-          </a:prstGeom>
-          <a:noFill/>
-        </p:spPr>
-        <p:txBody>
-          <a:bodyPr wrap="square" rtlCol="0">
-            <a:spAutoFit/>
-          </a:bodyPr>
-          <a:lstStyle/>
-          <a:p>
-            <a:pPr algn="ctr"/>
-            <a:r>
-              <a:rPr lang="pt-BR" sz="2800" dirty="0" smtClean="0">
-                <a:solidFill>
-                  <a:schemeClr val="tx1">
-                    <a:lumMod val="75000"/>
-                    <a:lumOff val="25000"/>
-                  </a:schemeClr>
-                </a:solidFill>
-                <a:latin typeface="Open Sans 1" panose="020B0604020202020204" charset="0"/>
-                <a:ea typeface="Open Sans 1" panose="020B0604020202020204" charset="0"/>
-                <a:cs typeface="Open Sans 1" panose="020B0604020202020204" charset="0"/>
-              </a:rPr>
-              <a:t>US#01&lt;Cadastro&gt;</a:t>
-            </a:r>
-            <a:endParaRPr lang="pt-BR" sz="2800" dirty="0">
-              <a:solidFill>
-                <a:schemeClr val="tx1">
-                  <a:lumMod val="75000"/>
-                  <a:lumOff val="25000"/>
-                </a:schemeClr>
-              </a:solidFill>
-              <a:latin typeface="Open Sans 1" panose="020B0604020202020204" charset="0"/>
-              <a:ea typeface="Open Sans 1" panose="020B0604020202020204" charset="0"/>
-              <a:cs typeface="Open Sans 1" panose="020B0604020202020204" charset="0"/>
-            </a:endParaRPr>
-          </a:p>
-        </p:txBody>
-      </p:sp>
-      <p:sp>
-        <p:nvSpPr>
-          <p:cNvPr id="157" name="CaixaDeTexto 156"/>
-          <p:cNvSpPr txBox="1"/>
-          <p:nvPr/>
-        </p:nvSpPr>
-        <p:spPr>
-          <a:xfrm>
-            <a:off x="4910335" y="3771900"/>
-            <a:ext cx="5341700" cy="523220"/>
-          </a:xfrm>
-          <a:prstGeom prst="rect">
-            <a:avLst/>
-          </a:prstGeom>
-          <a:noFill/>
-        </p:spPr>
-        <p:txBody>
-          <a:bodyPr wrap="square" rtlCol="0">
-            <a:spAutoFit/>
-          </a:bodyPr>
-          <a:lstStyle/>
-          <a:p>
-            <a:pPr algn="ctr"/>
-            <a:r>
-              <a:rPr lang="pt-BR" sz="2800" dirty="0" smtClean="0">
-                <a:solidFill>
-                  <a:schemeClr val="tx1">
-                    <a:lumMod val="75000"/>
-                    <a:lumOff val="25000"/>
-                  </a:schemeClr>
-                </a:solidFill>
-                <a:latin typeface="Open Sans 1" panose="020B0604020202020204" charset="0"/>
-                <a:ea typeface="Open Sans 1" panose="020B0604020202020204" charset="0"/>
-                <a:cs typeface="Open Sans 1" panose="020B0604020202020204" charset="0"/>
-              </a:rPr>
-              <a:t>Cadastro da maquina</a:t>
-            </a:r>
-            <a:endParaRPr lang="pt-BR" sz="2800" dirty="0">
-              <a:solidFill>
-                <a:schemeClr val="tx1">
-                  <a:lumMod val="75000"/>
-                  <a:lumOff val="25000"/>
-                </a:schemeClr>
-              </a:solidFill>
-              <a:latin typeface="Open Sans 1" panose="020B0604020202020204" charset="0"/>
-              <a:ea typeface="Open Sans 1" panose="020B0604020202020204" charset="0"/>
-              <a:cs typeface="Open Sans 1" panose="020B0604020202020204" charset="0"/>
-            </a:endParaRPr>
-          </a:p>
-        </p:txBody>
-      </p:sp>
-      <p:sp>
-        <p:nvSpPr>
-          <p:cNvPr id="158" name="CaixaDeTexto 157"/>
-          <p:cNvSpPr txBox="1"/>
-          <p:nvPr/>
-        </p:nvSpPr>
-        <p:spPr>
-          <a:xfrm>
-            <a:off x="10474821" y="3794761"/>
-            <a:ext cx="2981511" cy="523220"/>
-          </a:xfrm>
-          <a:prstGeom prst="rect">
-            <a:avLst/>
-          </a:prstGeom>
-          <a:noFill/>
-        </p:spPr>
-        <p:txBody>
-          <a:bodyPr wrap="square" rtlCol="0">
-            <a:spAutoFit/>
-          </a:bodyPr>
-          <a:lstStyle/>
-          <a:p>
-            <a:pPr algn="ctr"/>
-            <a:r>
-              <a:rPr lang="pt-BR" sz="2800" dirty="0" smtClean="0">
-                <a:solidFill>
-                  <a:schemeClr val="tx1">
-                    <a:lumMod val="75000"/>
-                    <a:lumOff val="25000"/>
-                  </a:schemeClr>
-                </a:solidFill>
-                <a:latin typeface="Open Sans 1" panose="020B0604020202020204" charset="0"/>
-                <a:ea typeface="Open Sans 1" panose="020B0604020202020204" charset="0"/>
-                <a:cs typeface="Open Sans 1" panose="020B0604020202020204" charset="0"/>
-              </a:rPr>
-              <a:t>Essencial</a:t>
-            </a:r>
-            <a:endParaRPr lang="pt-BR" sz="2800" dirty="0">
-              <a:solidFill>
-                <a:schemeClr val="tx1">
-                  <a:lumMod val="75000"/>
-                  <a:lumOff val="25000"/>
-                </a:schemeClr>
-              </a:solidFill>
-              <a:latin typeface="Open Sans 1" panose="020B0604020202020204" charset="0"/>
-              <a:ea typeface="Open Sans 1" panose="020B0604020202020204" charset="0"/>
-              <a:cs typeface="Open Sans 1" panose="020B0604020202020204" charset="0"/>
-            </a:endParaRPr>
-          </a:p>
-        </p:txBody>
-      </p:sp>
-      <p:sp>
-        <p:nvSpPr>
-          <p:cNvPr id="159" name="CaixaDeTexto 158"/>
-          <p:cNvSpPr txBox="1"/>
-          <p:nvPr/>
-        </p:nvSpPr>
-        <p:spPr>
-          <a:xfrm>
-            <a:off x="13660016" y="3771900"/>
-            <a:ext cx="2272111" cy="523220"/>
-          </a:xfrm>
-          <a:prstGeom prst="rect">
-            <a:avLst/>
-          </a:prstGeom>
-          <a:noFill/>
-        </p:spPr>
-        <p:txBody>
-          <a:bodyPr wrap="square" rtlCol="0">
-            <a:spAutoFit/>
-          </a:bodyPr>
-          <a:lstStyle/>
-          <a:p>
-            <a:pPr algn="ctr"/>
-            <a:r>
-              <a:rPr lang="pt-BR" sz="2800" dirty="0" smtClean="0">
-                <a:solidFill>
-                  <a:schemeClr val="tx1">
-                    <a:lumMod val="75000"/>
-                    <a:lumOff val="25000"/>
-                  </a:schemeClr>
-                </a:solidFill>
-                <a:latin typeface="Open Sans 1" panose="020B0604020202020204" charset="0"/>
-                <a:ea typeface="Open Sans 1" panose="020B0604020202020204" charset="0"/>
-                <a:cs typeface="Open Sans 1" panose="020B0604020202020204" charset="0"/>
-              </a:rPr>
-              <a:t>Grande</a:t>
-            </a:r>
-            <a:endParaRPr lang="pt-BR" sz="2800" dirty="0">
-              <a:solidFill>
-                <a:schemeClr val="tx1">
-                  <a:lumMod val="75000"/>
-                  <a:lumOff val="25000"/>
-                </a:schemeClr>
-              </a:solidFill>
-              <a:latin typeface="Open Sans 1" panose="020B0604020202020204" charset="0"/>
-              <a:ea typeface="Open Sans 1" panose="020B0604020202020204" charset="0"/>
-              <a:cs typeface="Open Sans 1" panose="020B0604020202020204" charset="0"/>
-            </a:endParaRPr>
-          </a:p>
-        </p:txBody>
-      </p:sp>
-      <p:sp>
-        <p:nvSpPr>
-          <p:cNvPr id="160" name="CaixaDeTexto 159"/>
-          <p:cNvSpPr txBox="1"/>
-          <p:nvPr/>
-        </p:nvSpPr>
-        <p:spPr>
-          <a:xfrm>
-            <a:off x="16133593" y="3794761"/>
-            <a:ext cx="1919054" cy="523220"/>
-          </a:xfrm>
-          <a:prstGeom prst="rect">
-            <a:avLst/>
-          </a:prstGeom>
-          <a:noFill/>
-        </p:spPr>
-        <p:txBody>
-          <a:bodyPr wrap="square" rtlCol="0">
-            <a:spAutoFit/>
-          </a:bodyPr>
-          <a:lstStyle/>
-          <a:p>
-            <a:pPr algn="ctr"/>
-            <a:r>
-              <a:rPr lang="pt-BR" sz="2800" dirty="0" smtClean="0">
-                <a:solidFill>
-                  <a:schemeClr val="tx1">
-                    <a:lumMod val="75000"/>
-                    <a:lumOff val="25000"/>
-                  </a:schemeClr>
-                </a:solidFill>
-                <a:latin typeface="Open Sans 1" panose="020B0604020202020204" charset="0"/>
-                <a:ea typeface="Open Sans 1" panose="020B0604020202020204" charset="0"/>
-                <a:cs typeface="Open Sans 1" panose="020B0604020202020204" charset="0"/>
-              </a:rPr>
-              <a:t>Funcional</a:t>
-            </a:r>
-            <a:endParaRPr lang="pt-BR" sz="2800" dirty="0">
-              <a:solidFill>
-                <a:schemeClr val="tx1">
-                  <a:lumMod val="75000"/>
-                  <a:lumOff val="25000"/>
-                </a:schemeClr>
-              </a:solidFill>
-              <a:latin typeface="Open Sans 1" panose="020B0604020202020204" charset="0"/>
-              <a:ea typeface="Open Sans 1" panose="020B0604020202020204" charset="0"/>
-              <a:cs typeface="Open Sans 1" panose="020B0604020202020204" charset="0"/>
-            </a:endParaRPr>
-          </a:p>
-        </p:txBody>
-      </p:sp>
-      <p:sp>
-        <p:nvSpPr>
-          <p:cNvPr id="161" name="CaixaDeTexto 160"/>
-          <p:cNvSpPr txBox="1"/>
-          <p:nvPr/>
-        </p:nvSpPr>
-        <p:spPr>
-          <a:xfrm>
-            <a:off x="228600" y="4378999"/>
-            <a:ext cx="660197" cy="523220"/>
-          </a:xfrm>
-          <a:prstGeom prst="rect">
-            <a:avLst/>
-          </a:prstGeom>
-          <a:noFill/>
-        </p:spPr>
-        <p:txBody>
-          <a:bodyPr wrap="square" rtlCol="0">
-            <a:spAutoFit/>
-          </a:bodyPr>
-          <a:lstStyle/>
-          <a:p>
-            <a:pPr algn="ctr"/>
-            <a:r>
-              <a:rPr lang="pt-BR" sz="2800" dirty="0" smtClean="0">
-                <a:solidFill>
-                  <a:schemeClr val="tx1">
-                    <a:lumMod val="75000"/>
-                    <a:lumOff val="25000"/>
-                  </a:schemeClr>
-                </a:solidFill>
-                <a:latin typeface="Open Sans 1" panose="020B0604020202020204" charset="0"/>
-                <a:ea typeface="Open Sans 1" panose="020B0604020202020204" charset="0"/>
-                <a:cs typeface="Open Sans 1" panose="020B0604020202020204" charset="0"/>
-              </a:rPr>
-              <a:t>01</a:t>
-            </a:r>
-            <a:endParaRPr lang="pt-BR" sz="2800" dirty="0">
-              <a:solidFill>
-                <a:schemeClr val="tx1">
-                  <a:lumMod val="75000"/>
-                  <a:lumOff val="25000"/>
-                </a:schemeClr>
-              </a:solidFill>
-              <a:latin typeface="Open Sans 1" panose="020B0604020202020204" charset="0"/>
-              <a:ea typeface="Open Sans 1" panose="020B0604020202020204" charset="0"/>
-              <a:cs typeface="Open Sans 1" panose="020B0604020202020204" charset="0"/>
-            </a:endParaRPr>
-          </a:p>
-        </p:txBody>
-      </p:sp>
-      <p:sp>
-        <p:nvSpPr>
-          <p:cNvPr id="162" name="CaixaDeTexto 161"/>
-          <p:cNvSpPr txBox="1"/>
-          <p:nvPr/>
-        </p:nvSpPr>
-        <p:spPr>
-          <a:xfrm>
-            <a:off x="1066800" y="4378999"/>
-            <a:ext cx="3648629" cy="523220"/>
-          </a:xfrm>
-          <a:prstGeom prst="rect">
-            <a:avLst/>
-          </a:prstGeom>
-          <a:noFill/>
-        </p:spPr>
-        <p:txBody>
-          <a:bodyPr wrap="square" rtlCol="0">
-            <a:spAutoFit/>
-          </a:bodyPr>
-          <a:lstStyle/>
-          <a:p>
-            <a:pPr algn="ctr"/>
-            <a:r>
-              <a:rPr lang="pt-BR" sz="2800" dirty="0" smtClean="0">
-                <a:solidFill>
-                  <a:schemeClr val="tx1">
-                    <a:lumMod val="75000"/>
-                    <a:lumOff val="25000"/>
-                  </a:schemeClr>
-                </a:solidFill>
-                <a:latin typeface="Open Sans 1" panose="020B0604020202020204" charset="0"/>
-                <a:ea typeface="Open Sans 1" panose="020B0604020202020204" charset="0"/>
-                <a:cs typeface="Open Sans 1" panose="020B0604020202020204" charset="0"/>
-              </a:rPr>
-              <a:t>US#01&lt;Cadastro&gt;</a:t>
-            </a:r>
-            <a:endParaRPr lang="pt-BR" sz="2800" dirty="0">
-              <a:solidFill>
-                <a:schemeClr val="tx1">
-                  <a:lumMod val="75000"/>
-                  <a:lumOff val="25000"/>
-                </a:schemeClr>
-              </a:solidFill>
-              <a:latin typeface="Open Sans 1" panose="020B0604020202020204" charset="0"/>
-              <a:ea typeface="Open Sans 1" panose="020B0604020202020204" charset="0"/>
-              <a:cs typeface="Open Sans 1" panose="020B0604020202020204" charset="0"/>
-            </a:endParaRPr>
-          </a:p>
-        </p:txBody>
-      </p:sp>
-      <p:sp>
-        <p:nvSpPr>
-          <p:cNvPr id="163" name="CaixaDeTexto 162"/>
-          <p:cNvSpPr txBox="1"/>
-          <p:nvPr/>
-        </p:nvSpPr>
-        <p:spPr>
-          <a:xfrm>
-            <a:off x="4901364" y="4356138"/>
-            <a:ext cx="5341700" cy="523220"/>
-          </a:xfrm>
-          <a:prstGeom prst="rect">
-            <a:avLst/>
-          </a:prstGeom>
-          <a:noFill/>
-        </p:spPr>
-        <p:txBody>
-          <a:bodyPr wrap="square" rtlCol="0">
-            <a:spAutoFit/>
-          </a:bodyPr>
-          <a:lstStyle/>
-          <a:p>
-            <a:pPr algn="ctr"/>
-            <a:r>
-              <a:rPr lang="pt-BR" sz="2800" dirty="0" smtClean="0">
-                <a:solidFill>
-                  <a:schemeClr val="tx1">
-                    <a:lumMod val="75000"/>
-                    <a:lumOff val="25000"/>
-                  </a:schemeClr>
-                </a:solidFill>
-                <a:latin typeface="Open Sans 1" panose="020B0604020202020204" charset="0"/>
-                <a:ea typeface="Open Sans 1" panose="020B0604020202020204" charset="0"/>
-                <a:cs typeface="Open Sans 1" panose="020B0604020202020204" charset="0"/>
-              </a:rPr>
-              <a:t>Cadastro da maquina</a:t>
-            </a:r>
-            <a:endParaRPr lang="pt-BR" sz="2800" dirty="0">
-              <a:solidFill>
-                <a:schemeClr val="tx1">
-                  <a:lumMod val="75000"/>
-                  <a:lumOff val="25000"/>
-                </a:schemeClr>
-              </a:solidFill>
-              <a:latin typeface="Open Sans 1" panose="020B0604020202020204" charset="0"/>
-              <a:ea typeface="Open Sans 1" panose="020B0604020202020204" charset="0"/>
-              <a:cs typeface="Open Sans 1" panose="020B0604020202020204" charset="0"/>
-            </a:endParaRPr>
-          </a:p>
-        </p:txBody>
-      </p:sp>
-      <p:sp>
-        <p:nvSpPr>
-          <p:cNvPr id="164" name="CaixaDeTexto 163"/>
-          <p:cNvSpPr txBox="1"/>
-          <p:nvPr/>
-        </p:nvSpPr>
-        <p:spPr>
-          <a:xfrm>
-            <a:off x="10465850" y="4378999"/>
-            <a:ext cx="2981511" cy="523220"/>
-          </a:xfrm>
-          <a:prstGeom prst="rect">
-            <a:avLst/>
-          </a:prstGeom>
-          <a:noFill/>
-        </p:spPr>
-        <p:txBody>
-          <a:bodyPr wrap="square" rtlCol="0">
-            <a:spAutoFit/>
-          </a:bodyPr>
-          <a:lstStyle/>
-          <a:p>
-            <a:pPr algn="ctr"/>
-            <a:r>
-              <a:rPr lang="pt-BR" sz="2800" dirty="0" smtClean="0">
-                <a:solidFill>
-                  <a:schemeClr val="tx1">
-                    <a:lumMod val="75000"/>
-                    <a:lumOff val="25000"/>
-                  </a:schemeClr>
-                </a:solidFill>
-                <a:latin typeface="Open Sans 1" panose="020B0604020202020204" charset="0"/>
-                <a:ea typeface="Open Sans 1" panose="020B0604020202020204" charset="0"/>
-                <a:cs typeface="Open Sans 1" panose="020B0604020202020204" charset="0"/>
-              </a:rPr>
-              <a:t>Essencial</a:t>
-            </a:r>
-            <a:endParaRPr lang="pt-BR" sz="2800" dirty="0">
-              <a:solidFill>
-                <a:schemeClr val="tx1">
-                  <a:lumMod val="75000"/>
-                  <a:lumOff val="25000"/>
-                </a:schemeClr>
-              </a:solidFill>
-              <a:latin typeface="Open Sans 1" panose="020B0604020202020204" charset="0"/>
-              <a:ea typeface="Open Sans 1" panose="020B0604020202020204" charset="0"/>
-              <a:cs typeface="Open Sans 1" panose="020B0604020202020204" charset="0"/>
-            </a:endParaRPr>
-          </a:p>
-        </p:txBody>
-      </p:sp>
-      <p:sp>
-        <p:nvSpPr>
-          <p:cNvPr id="165" name="CaixaDeTexto 164"/>
-          <p:cNvSpPr txBox="1"/>
-          <p:nvPr/>
-        </p:nvSpPr>
-        <p:spPr>
-          <a:xfrm>
-            <a:off x="13651045" y="4356138"/>
-            <a:ext cx="2272111" cy="523220"/>
-          </a:xfrm>
-          <a:prstGeom prst="rect">
-            <a:avLst/>
-          </a:prstGeom>
-          <a:noFill/>
-        </p:spPr>
-        <p:txBody>
-          <a:bodyPr wrap="square" rtlCol="0">
-            <a:spAutoFit/>
-          </a:bodyPr>
-          <a:lstStyle/>
-          <a:p>
-            <a:pPr algn="ctr"/>
-            <a:r>
-              <a:rPr lang="pt-BR" sz="2800" dirty="0" smtClean="0">
-                <a:solidFill>
-                  <a:schemeClr val="tx1">
-                    <a:lumMod val="75000"/>
-                    <a:lumOff val="25000"/>
-                  </a:schemeClr>
-                </a:solidFill>
-                <a:latin typeface="Open Sans 1" panose="020B0604020202020204" charset="0"/>
-                <a:ea typeface="Open Sans 1" panose="020B0604020202020204" charset="0"/>
-                <a:cs typeface="Open Sans 1" panose="020B0604020202020204" charset="0"/>
-              </a:rPr>
-              <a:t>Grande</a:t>
-            </a:r>
-            <a:endParaRPr lang="pt-BR" sz="2800" dirty="0">
-              <a:solidFill>
-                <a:schemeClr val="tx1">
-                  <a:lumMod val="75000"/>
-                  <a:lumOff val="25000"/>
-                </a:schemeClr>
-              </a:solidFill>
-              <a:latin typeface="Open Sans 1" panose="020B0604020202020204" charset="0"/>
-              <a:ea typeface="Open Sans 1" panose="020B0604020202020204" charset="0"/>
-              <a:cs typeface="Open Sans 1" panose="020B0604020202020204" charset="0"/>
-            </a:endParaRPr>
-          </a:p>
-        </p:txBody>
-      </p:sp>
-      <p:sp>
-        <p:nvSpPr>
-          <p:cNvPr id="166" name="CaixaDeTexto 165"/>
-          <p:cNvSpPr txBox="1"/>
-          <p:nvPr/>
-        </p:nvSpPr>
-        <p:spPr>
-          <a:xfrm>
-            <a:off x="16124622" y="4378999"/>
-            <a:ext cx="1919054" cy="523220"/>
-          </a:xfrm>
-          <a:prstGeom prst="rect">
-            <a:avLst/>
-          </a:prstGeom>
-          <a:noFill/>
-        </p:spPr>
-        <p:txBody>
-          <a:bodyPr wrap="square" rtlCol="0">
-            <a:spAutoFit/>
-          </a:bodyPr>
-          <a:lstStyle/>
-          <a:p>
-            <a:pPr algn="ctr"/>
-            <a:r>
-              <a:rPr lang="pt-BR" sz="2800" dirty="0" smtClean="0">
-                <a:solidFill>
-                  <a:schemeClr val="tx1">
-                    <a:lumMod val="75000"/>
-                    <a:lumOff val="25000"/>
-                  </a:schemeClr>
-                </a:solidFill>
-                <a:latin typeface="Open Sans 1" panose="020B0604020202020204" charset="0"/>
-                <a:ea typeface="Open Sans 1" panose="020B0604020202020204" charset="0"/>
-                <a:cs typeface="Open Sans 1" panose="020B0604020202020204" charset="0"/>
-              </a:rPr>
-              <a:t>Funcional</a:t>
-            </a:r>
-            <a:endParaRPr lang="pt-BR" sz="2800" dirty="0">
-              <a:solidFill>
-                <a:schemeClr val="tx1">
-                  <a:lumMod val="75000"/>
-                  <a:lumOff val="25000"/>
-                </a:schemeClr>
-              </a:solidFill>
-              <a:latin typeface="Open Sans 1" panose="020B0604020202020204" charset="0"/>
-              <a:ea typeface="Open Sans 1" panose="020B0604020202020204" charset="0"/>
-              <a:cs typeface="Open Sans 1" panose="020B0604020202020204" charset="0"/>
-            </a:endParaRPr>
-          </a:p>
-        </p:txBody>
-      </p:sp>
-      <p:sp>
-        <p:nvSpPr>
-          <p:cNvPr id="167" name="CaixaDeTexto 166"/>
-          <p:cNvSpPr txBox="1"/>
-          <p:nvPr/>
-        </p:nvSpPr>
-        <p:spPr>
-          <a:xfrm>
-            <a:off x="228600" y="5001280"/>
-            <a:ext cx="660197" cy="523220"/>
-          </a:xfrm>
-          <a:prstGeom prst="rect">
-            <a:avLst/>
-          </a:prstGeom>
-          <a:noFill/>
-        </p:spPr>
-        <p:txBody>
-          <a:bodyPr wrap="square" rtlCol="0">
-            <a:spAutoFit/>
-          </a:bodyPr>
-          <a:lstStyle/>
-          <a:p>
-            <a:pPr algn="ctr"/>
-            <a:r>
-              <a:rPr lang="pt-BR" sz="2800" dirty="0" smtClean="0">
-                <a:solidFill>
-                  <a:schemeClr val="tx1">
-                    <a:lumMod val="75000"/>
-                    <a:lumOff val="25000"/>
-                  </a:schemeClr>
-                </a:solidFill>
-                <a:latin typeface="Open Sans 1" panose="020B0604020202020204" charset="0"/>
-                <a:ea typeface="Open Sans 1" panose="020B0604020202020204" charset="0"/>
-                <a:cs typeface="Open Sans 1" panose="020B0604020202020204" charset="0"/>
-              </a:rPr>
-              <a:t>01</a:t>
-            </a:r>
-            <a:endParaRPr lang="pt-BR" sz="2800" dirty="0">
-              <a:solidFill>
-                <a:schemeClr val="tx1">
-                  <a:lumMod val="75000"/>
-                  <a:lumOff val="25000"/>
-                </a:schemeClr>
-              </a:solidFill>
-              <a:latin typeface="Open Sans 1" panose="020B0604020202020204" charset="0"/>
-              <a:ea typeface="Open Sans 1" panose="020B0604020202020204" charset="0"/>
-              <a:cs typeface="Open Sans 1" panose="020B0604020202020204" charset="0"/>
-            </a:endParaRPr>
-          </a:p>
-        </p:txBody>
-      </p:sp>
-      <p:sp>
-        <p:nvSpPr>
-          <p:cNvPr id="168" name="CaixaDeTexto 167"/>
-          <p:cNvSpPr txBox="1"/>
-          <p:nvPr/>
-        </p:nvSpPr>
-        <p:spPr>
-          <a:xfrm>
-            <a:off x="1066800" y="5001280"/>
-            <a:ext cx="3648629" cy="523220"/>
-          </a:xfrm>
-          <a:prstGeom prst="rect">
-            <a:avLst/>
-          </a:prstGeom>
-          <a:noFill/>
-        </p:spPr>
-        <p:txBody>
-          <a:bodyPr wrap="square" rtlCol="0">
-            <a:spAutoFit/>
-          </a:bodyPr>
-          <a:lstStyle/>
-          <a:p>
-            <a:pPr algn="ctr"/>
-            <a:r>
-              <a:rPr lang="pt-BR" sz="2800" dirty="0" smtClean="0">
-                <a:solidFill>
-                  <a:schemeClr val="tx1">
-                    <a:lumMod val="75000"/>
-                    <a:lumOff val="25000"/>
-                  </a:schemeClr>
-                </a:solidFill>
-                <a:latin typeface="Open Sans 1" panose="020B0604020202020204" charset="0"/>
-                <a:ea typeface="Open Sans 1" panose="020B0604020202020204" charset="0"/>
-                <a:cs typeface="Open Sans 1" panose="020B0604020202020204" charset="0"/>
-              </a:rPr>
-              <a:t>US#01&lt;Cadastro&gt;</a:t>
-            </a:r>
-            <a:endParaRPr lang="pt-BR" sz="2800" dirty="0">
-              <a:solidFill>
-                <a:schemeClr val="tx1">
-                  <a:lumMod val="75000"/>
-                  <a:lumOff val="25000"/>
-                </a:schemeClr>
-              </a:solidFill>
-              <a:latin typeface="Open Sans 1" panose="020B0604020202020204" charset="0"/>
-              <a:ea typeface="Open Sans 1" panose="020B0604020202020204" charset="0"/>
-              <a:cs typeface="Open Sans 1" panose="020B0604020202020204" charset="0"/>
-            </a:endParaRPr>
-          </a:p>
-        </p:txBody>
-      </p:sp>
-      <p:sp>
-        <p:nvSpPr>
-          <p:cNvPr id="169" name="CaixaDeTexto 168"/>
-          <p:cNvSpPr txBox="1"/>
-          <p:nvPr/>
-        </p:nvSpPr>
-        <p:spPr>
-          <a:xfrm>
-            <a:off x="4901364" y="4978419"/>
-            <a:ext cx="5341700" cy="523220"/>
-          </a:xfrm>
-          <a:prstGeom prst="rect">
-            <a:avLst/>
-          </a:prstGeom>
-          <a:noFill/>
-        </p:spPr>
-        <p:txBody>
-          <a:bodyPr wrap="square" rtlCol="0">
-            <a:spAutoFit/>
-          </a:bodyPr>
-          <a:lstStyle/>
-          <a:p>
-            <a:pPr algn="ctr"/>
-            <a:r>
-              <a:rPr lang="pt-BR" sz="2800" dirty="0" smtClean="0">
-                <a:solidFill>
-                  <a:schemeClr val="tx1">
-                    <a:lumMod val="75000"/>
-                    <a:lumOff val="25000"/>
-                  </a:schemeClr>
-                </a:solidFill>
-                <a:latin typeface="Open Sans 1" panose="020B0604020202020204" charset="0"/>
-                <a:ea typeface="Open Sans 1" panose="020B0604020202020204" charset="0"/>
-                <a:cs typeface="Open Sans 1" panose="020B0604020202020204" charset="0"/>
-              </a:rPr>
-              <a:t>Cadastro da maquina</a:t>
-            </a:r>
-            <a:endParaRPr lang="pt-BR" sz="2800" dirty="0">
-              <a:solidFill>
-                <a:schemeClr val="tx1">
-                  <a:lumMod val="75000"/>
-                  <a:lumOff val="25000"/>
-                </a:schemeClr>
-              </a:solidFill>
-              <a:latin typeface="Open Sans 1" panose="020B0604020202020204" charset="0"/>
-              <a:ea typeface="Open Sans 1" panose="020B0604020202020204" charset="0"/>
-              <a:cs typeface="Open Sans 1" panose="020B0604020202020204" charset="0"/>
-            </a:endParaRPr>
-          </a:p>
-        </p:txBody>
-      </p:sp>
-      <p:sp>
-        <p:nvSpPr>
-          <p:cNvPr id="170" name="CaixaDeTexto 169"/>
-          <p:cNvSpPr txBox="1"/>
-          <p:nvPr/>
-        </p:nvSpPr>
-        <p:spPr>
-          <a:xfrm>
-            <a:off x="10465850" y="5001280"/>
-            <a:ext cx="2981511" cy="523220"/>
-          </a:xfrm>
-          <a:prstGeom prst="rect">
-            <a:avLst/>
-          </a:prstGeom>
-          <a:noFill/>
-        </p:spPr>
-        <p:txBody>
-          <a:bodyPr wrap="square" rtlCol="0">
-            <a:spAutoFit/>
-          </a:bodyPr>
-          <a:lstStyle/>
-          <a:p>
-            <a:pPr algn="ctr"/>
-            <a:r>
-              <a:rPr lang="pt-BR" sz="2800" dirty="0" smtClean="0">
-                <a:solidFill>
-                  <a:schemeClr val="tx1">
-                    <a:lumMod val="75000"/>
-                    <a:lumOff val="25000"/>
-                  </a:schemeClr>
-                </a:solidFill>
-                <a:latin typeface="Open Sans 1" panose="020B0604020202020204" charset="0"/>
-                <a:ea typeface="Open Sans 1" panose="020B0604020202020204" charset="0"/>
-                <a:cs typeface="Open Sans 1" panose="020B0604020202020204" charset="0"/>
-              </a:rPr>
-              <a:t>Essencial</a:t>
-            </a:r>
-            <a:endParaRPr lang="pt-BR" sz="2800" dirty="0">
-              <a:solidFill>
-                <a:schemeClr val="tx1">
-                  <a:lumMod val="75000"/>
-                  <a:lumOff val="25000"/>
-                </a:schemeClr>
-              </a:solidFill>
-              <a:latin typeface="Open Sans 1" panose="020B0604020202020204" charset="0"/>
-              <a:ea typeface="Open Sans 1" panose="020B0604020202020204" charset="0"/>
-              <a:cs typeface="Open Sans 1" panose="020B0604020202020204" charset="0"/>
-            </a:endParaRPr>
-          </a:p>
-        </p:txBody>
-      </p:sp>
-      <p:sp>
-        <p:nvSpPr>
-          <p:cNvPr id="171" name="CaixaDeTexto 170"/>
-          <p:cNvSpPr txBox="1"/>
-          <p:nvPr/>
-        </p:nvSpPr>
-        <p:spPr>
-          <a:xfrm>
-            <a:off x="13651045" y="4978419"/>
-            <a:ext cx="2272111" cy="523220"/>
-          </a:xfrm>
-          <a:prstGeom prst="rect">
-            <a:avLst/>
-          </a:prstGeom>
-          <a:noFill/>
-        </p:spPr>
-        <p:txBody>
-          <a:bodyPr wrap="square" rtlCol="0">
-            <a:spAutoFit/>
-          </a:bodyPr>
-          <a:lstStyle/>
-          <a:p>
-            <a:pPr algn="ctr"/>
-            <a:r>
-              <a:rPr lang="pt-BR" sz="2800" dirty="0" smtClean="0">
-                <a:solidFill>
-                  <a:schemeClr val="tx1">
-                    <a:lumMod val="75000"/>
-                    <a:lumOff val="25000"/>
-                  </a:schemeClr>
-                </a:solidFill>
-                <a:latin typeface="Open Sans 1" panose="020B0604020202020204" charset="0"/>
-                <a:ea typeface="Open Sans 1" panose="020B0604020202020204" charset="0"/>
-                <a:cs typeface="Open Sans 1" panose="020B0604020202020204" charset="0"/>
-              </a:rPr>
-              <a:t>Grande</a:t>
-            </a:r>
-            <a:endParaRPr lang="pt-BR" sz="2800" dirty="0">
-              <a:solidFill>
-                <a:schemeClr val="tx1">
-                  <a:lumMod val="75000"/>
-                  <a:lumOff val="25000"/>
-                </a:schemeClr>
-              </a:solidFill>
-              <a:latin typeface="Open Sans 1" panose="020B0604020202020204" charset="0"/>
-              <a:ea typeface="Open Sans 1" panose="020B0604020202020204" charset="0"/>
-              <a:cs typeface="Open Sans 1" panose="020B0604020202020204" charset="0"/>
-            </a:endParaRPr>
-          </a:p>
-        </p:txBody>
-      </p:sp>
-      <p:sp>
-        <p:nvSpPr>
-          <p:cNvPr id="172" name="CaixaDeTexto 171"/>
-          <p:cNvSpPr txBox="1"/>
-          <p:nvPr/>
-        </p:nvSpPr>
-        <p:spPr>
-          <a:xfrm>
-            <a:off x="16124622" y="5001280"/>
-            <a:ext cx="1919054" cy="523220"/>
-          </a:xfrm>
-          <a:prstGeom prst="rect">
-            <a:avLst/>
-          </a:prstGeom>
-          <a:noFill/>
-        </p:spPr>
-        <p:txBody>
-          <a:bodyPr wrap="square" rtlCol="0">
-            <a:spAutoFit/>
-          </a:bodyPr>
-          <a:lstStyle/>
-          <a:p>
-            <a:pPr algn="ctr"/>
-            <a:r>
-              <a:rPr lang="pt-BR" sz="2800" dirty="0" smtClean="0">
-                <a:solidFill>
-                  <a:schemeClr val="tx1">
-                    <a:lumMod val="75000"/>
-                    <a:lumOff val="25000"/>
-                  </a:schemeClr>
-                </a:solidFill>
-                <a:latin typeface="Open Sans 1" panose="020B0604020202020204" charset="0"/>
-                <a:ea typeface="Open Sans 1" panose="020B0604020202020204" charset="0"/>
-                <a:cs typeface="Open Sans 1" panose="020B0604020202020204" charset="0"/>
-              </a:rPr>
-              <a:t>Funcional</a:t>
-            </a:r>
-            <a:endParaRPr lang="pt-BR" sz="2800" dirty="0">
-              <a:solidFill>
-                <a:schemeClr val="tx1">
-                  <a:lumMod val="75000"/>
-                  <a:lumOff val="25000"/>
-                </a:schemeClr>
-              </a:solidFill>
-              <a:latin typeface="Open Sans 1" panose="020B0604020202020204" charset="0"/>
-              <a:ea typeface="Open Sans 1" panose="020B0604020202020204" charset="0"/>
-              <a:cs typeface="Open Sans 1" panose="020B0604020202020204" charset="0"/>
-            </a:endParaRPr>
-          </a:p>
-        </p:txBody>
-      </p:sp>
-      <p:sp>
-        <p:nvSpPr>
-          <p:cNvPr id="173" name="CaixaDeTexto 172"/>
-          <p:cNvSpPr txBox="1"/>
-          <p:nvPr/>
-        </p:nvSpPr>
-        <p:spPr>
-          <a:xfrm>
-            <a:off x="244324" y="5610880"/>
-            <a:ext cx="660197" cy="523220"/>
-          </a:xfrm>
-          <a:prstGeom prst="rect">
-            <a:avLst/>
-          </a:prstGeom>
-          <a:noFill/>
-        </p:spPr>
-        <p:txBody>
-          <a:bodyPr wrap="square" rtlCol="0">
-            <a:spAutoFit/>
-          </a:bodyPr>
-          <a:lstStyle/>
-          <a:p>
-            <a:pPr algn="ctr"/>
-            <a:r>
-              <a:rPr lang="pt-BR" sz="2800" dirty="0" smtClean="0">
-                <a:solidFill>
-                  <a:schemeClr val="tx1">
-                    <a:lumMod val="75000"/>
-                    <a:lumOff val="25000"/>
-                  </a:schemeClr>
-                </a:solidFill>
-                <a:latin typeface="Open Sans 1" panose="020B0604020202020204" charset="0"/>
-                <a:ea typeface="Open Sans 1" panose="020B0604020202020204" charset="0"/>
-                <a:cs typeface="Open Sans 1" panose="020B0604020202020204" charset="0"/>
-              </a:rPr>
-              <a:t>01</a:t>
-            </a:r>
-            <a:endParaRPr lang="pt-BR" sz="2800" dirty="0">
-              <a:solidFill>
-                <a:schemeClr val="tx1">
-                  <a:lumMod val="75000"/>
-                  <a:lumOff val="25000"/>
-                </a:schemeClr>
-              </a:solidFill>
-              <a:latin typeface="Open Sans 1" panose="020B0604020202020204" charset="0"/>
-              <a:ea typeface="Open Sans 1" panose="020B0604020202020204" charset="0"/>
-              <a:cs typeface="Open Sans 1" panose="020B0604020202020204" charset="0"/>
-            </a:endParaRPr>
-          </a:p>
-        </p:txBody>
-      </p:sp>
-      <p:sp>
-        <p:nvSpPr>
-          <p:cNvPr id="174" name="CaixaDeTexto 173"/>
-          <p:cNvSpPr txBox="1"/>
-          <p:nvPr/>
-        </p:nvSpPr>
-        <p:spPr>
-          <a:xfrm>
-            <a:off x="1082524" y="5610880"/>
-            <a:ext cx="3648629" cy="523220"/>
-          </a:xfrm>
-          <a:prstGeom prst="rect">
-            <a:avLst/>
-          </a:prstGeom>
-          <a:noFill/>
-        </p:spPr>
-        <p:txBody>
-          <a:bodyPr wrap="square" rtlCol="0">
-            <a:spAutoFit/>
-          </a:bodyPr>
-          <a:lstStyle/>
-          <a:p>
-            <a:pPr algn="ctr"/>
-            <a:r>
-              <a:rPr lang="pt-BR" sz="2800" dirty="0" smtClean="0">
-                <a:solidFill>
-                  <a:schemeClr val="tx1">
-                    <a:lumMod val="75000"/>
-                    <a:lumOff val="25000"/>
-                  </a:schemeClr>
-                </a:solidFill>
-                <a:latin typeface="Open Sans 1" panose="020B0604020202020204" charset="0"/>
-                <a:ea typeface="Open Sans 1" panose="020B0604020202020204" charset="0"/>
-                <a:cs typeface="Open Sans 1" panose="020B0604020202020204" charset="0"/>
-              </a:rPr>
-              <a:t>US#01&lt;Cadastro&gt;</a:t>
-            </a:r>
-            <a:endParaRPr lang="pt-BR" sz="2800" dirty="0">
-              <a:solidFill>
-                <a:schemeClr val="tx1">
-                  <a:lumMod val="75000"/>
-                  <a:lumOff val="25000"/>
-                </a:schemeClr>
-              </a:solidFill>
-              <a:latin typeface="Open Sans 1" panose="020B0604020202020204" charset="0"/>
-              <a:ea typeface="Open Sans 1" panose="020B0604020202020204" charset="0"/>
-              <a:cs typeface="Open Sans 1" panose="020B0604020202020204" charset="0"/>
-            </a:endParaRPr>
-          </a:p>
-        </p:txBody>
-      </p:sp>
-      <p:sp>
-        <p:nvSpPr>
-          <p:cNvPr id="175" name="CaixaDeTexto 174"/>
-          <p:cNvSpPr txBox="1"/>
-          <p:nvPr/>
-        </p:nvSpPr>
-        <p:spPr>
-          <a:xfrm>
-            <a:off x="4917088" y="5588019"/>
-            <a:ext cx="5341700" cy="523220"/>
-          </a:xfrm>
-          <a:prstGeom prst="rect">
-            <a:avLst/>
-          </a:prstGeom>
-          <a:noFill/>
-        </p:spPr>
-        <p:txBody>
-          <a:bodyPr wrap="square" rtlCol="0">
-            <a:spAutoFit/>
-          </a:bodyPr>
-          <a:lstStyle/>
-          <a:p>
-            <a:pPr algn="ctr"/>
-            <a:r>
-              <a:rPr lang="pt-BR" sz="2800" dirty="0" smtClean="0">
-                <a:solidFill>
-                  <a:schemeClr val="tx1">
-                    <a:lumMod val="75000"/>
-                    <a:lumOff val="25000"/>
-                  </a:schemeClr>
-                </a:solidFill>
-                <a:latin typeface="Open Sans 1" panose="020B0604020202020204" charset="0"/>
-                <a:ea typeface="Open Sans 1" panose="020B0604020202020204" charset="0"/>
-                <a:cs typeface="Open Sans 1" panose="020B0604020202020204" charset="0"/>
-              </a:rPr>
-              <a:t>Cadastro da maquina</a:t>
-            </a:r>
-            <a:endParaRPr lang="pt-BR" sz="2800" dirty="0">
-              <a:solidFill>
-                <a:schemeClr val="tx1">
-                  <a:lumMod val="75000"/>
-                  <a:lumOff val="25000"/>
-                </a:schemeClr>
-              </a:solidFill>
-              <a:latin typeface="Open Sans 1" panose="020B0604020202020204" charset="0"/>
-              <a:ea typeface="Open Sans 1" panose="020B0604020202020204" charset="0"/>
-              <a:cs typeface="Open Sans 1" panose="020B0604020202020204" charset="0"/>
-            </a:endParaRPr>
-          </a:p>
-        </p:txBody>
-      </p:sp>
-      <p:sp>
-        <p:nvSpPr>
-          <p:cNvPr id="176" name="CaixaDeTexto 175"/>
-          <p:cNvSpPr txBox="1"/>
-          <p:nvPr/>
-        </p:nvSpPr>
-        <p:spPr>
-          <a:xfrm>
-            <a:off x="10481574" y="5610880"/>
-            <a:ext cx="2981511" cy="523220"/>
-          </a:xfrm>
-          <a:prstGeom prst="rect">
-            <a:avLst/>
-          </a:prstGeom>
-          <a:noFill/>
-        </p:spPr>
-        <p:txBody>
-          <a:bodyPr wrap="square" rtlCol="0">
-            <a:spAutoFit/>
-          </a:bodyPr>
-          <a:lstStyle/>
-          <a:p>
-            <a:pPr algn="ctr"/>
-            <a:r>
-              <a:rPr lang="pt-BR" sz="2800" dirty="0" smtClean="0">
-                <a:solidFill>
-                  <a:schemeClr val="tx1">
-                    <a:lumMod val="75000"/>
-                    <a:lumOff val="25000"/>
-                  </a:schemeClr>
-                </a:solidFill>
-                <a:latin typeface="Open Sans 1" panose="020B0604020202020204" charset="0"/>
-                <a:ea typeface="Open Sans 1" panose="020B0604020202020204" charset="0"/>
-                <a:cs typeface="Open Sans 1" panose="020B0604020202020204" charset="0"/>
-              </a:rPr>
-              <a:t>Essencial</a:t>
-            </a:r>
-            <a:endParaRPr lang="pt-BR" sz="2800" dirty="0">
-              <a:solidFill>
-                <a:schemeClr val="tx1">
-                  <a:lumMod val="75000"/>
-                  <a:lumOff val="25000"/>
-                </a:schemeClr>
-              </a:solidFill>
-              <a:latin typeface="Open Sans 1" panose="020B0604020202020204" charset="0"/>
-              <a:ea typeface="Open Sans 1" panose="020B0604020202020204" charset="0"/>
-              <a:cs typeface="Open Sans 1" panose="020B0604020202020204" charset="0"/>
-            </a:endParaRPr>
-          </a:p>
-        </p:txBody>
-      </p:sp>
-      <p:sp>
-        <p:nvSpPr>
-          <p:cNvPr id="177" name="CaixaDeTexto 176"/>
-          <p:cNvSpPr txBox="1"/>
-          <p:nvPr/>
-        </p:nvSpPr>
-        <p:spPr>
-          <a:xfrm>
-            <a:off x="13666769" y="5588019"/>
-            <a:ext cx="2272111" cy="523220"/>
-          </a:xfrm>
-          <a:prstGeom prst="rect">
-            <a:avLst/>
-          </a:prstGeom>
-          <a:noFill/>
-        </p:spPr>
-        <p:txBody>
-          <a:bodyPr wrap="square" rtlCol="0">
-            <a:spAutoFit/>
-          </a:bodyPr>
-          <a:lstStyle/>
-          <a:p>
-            <a:pPr algn="ctr"/>
-            <a:r>
-              <a:rPr lang="pt-BR" sz="2800" dirty="0" smtClean="0">
-                <a:solidFill>
-                  <a:schemeClr val="tx1">
-                    <a:lumMod val="75000"/>
-                    <a:lumOff val="25000"/>
-                  </a:schemeClr>
-                </a:solidFill>
-                <a:latin typeface="Open Sans 1" panose="020B0604020202020204" charset="0"/>
-                <a:ea typeface="Open Sans 1" panose="020B0604020202020204" charset="0"/>
-                <a:cs typeface="Open Sans 1" panose="020B0604020202020204" charset="0"/>
-              </a:rPr>
-              <a:t>Grande</a:t>
-            </a:r>
-            <a:endParaRPr lang="pt-BR" sz="2800" dirty="0">
-              <a:solidFill>
-                <a:schemeClr val="tx1">
-                  <a:lumMod val="75000"/>
-                  <a:lumOff val="25000"/>
-                </a:schemeClr>
-              </a:solidFill>
-              <a:latin typeface="Open Sans 1" panose="020B0604020202020204" charset="0"/>
-              <a:ea typeface="Open Sans 1" panose="020B0604020202020204" charset="0"/>
-              <a:cs typeface="Open Sans 1" panose="020B0604020202020204" charset="0"/>
-            </a:endParaRPr>
-          </a:p>
-        </p:txBody>
-      </p:sp>
-      <p:sp>
-        <p:nvSpPr>
-          <p:cNvPr id="178" name="CaixaDeTexto 177"/>
-          <p:cNvSpPr txBox="1"/>
-          <p:nvPr/>
-        </p:nvSpPr>
-        <p:spPr>
-          <a:xfrm>
-            <a:off x="16140346" y="5610880"/>
-            <a:ext cx="1919054" cy="523220"/>
-          </a:xfrm>
-          <a:prstGeom prst="rect">
-            <a:avLst/>
-          </a:prstGeom>
-          <a:noFill/>
-        </p:spPr>
-        <p:txBody>
-          <a:bodyPr wrap="square" rtlCol="0">
-            <a:spAutoFit/>
-          </a:bodyPr>
-          <a:lstStyle/>
-          <a:p>
-            <a:pPr algn="ctr"/>
-            <a:r>
-              <a:rPr lang="pt-BR" sz="2800" dirty="0" smtClean="0">
-                <a:solidFill>
-                  <a:schemeClr val="tx1">
-                    <a:lumMod val="75000"/>
-                    <a:lumOff val="25000"/>
-                  </a:schemeClr>
-                </a:solidFill>
-                <a:latin typeface="Open Sans 1" panose="020B0604020202020204" charset="0"/>
-                <a:ea typeface="Open Sans 1" panose="020B0604020202020204" charset="0"/>
-                <a:cs typeface="Open Sans 1" panose="020B0604020202020204" charset="0"/>
-              </a:rPr>
-              <a:t>Funcional</a:t>
-            </a:r>
-            <a:endParaRPr lang="pt-BR" sz="2800" dirty="0">
-              <a:solidFill>
-                <a:schemeClr val="tx1">
-                  <a:lumMod val="75000"/>
-                  <a:lumOff val="25000"/>
-                </a:schemeClr>
-              </a:solidFill>
-              <a:latin typeface="Open Sans 1" panose="020B0604020202020204" charset="0"/>
-              <a:ea typeface="Open Sans 1" panose="020B0604020202020204" charset="0"/>
-              <a:cs typeface="Open Sans 1" panose="020B0604020202020204" charset="0"/>
-            </a:endParaRPr>
-          </a:p>
-        </p:txBody>
-      </p:sp>
-      <p:sp>
-        <p:nvSpPr>
-          <p:cNvPr id="179" name="CaixaDeTexto 178"/>
-          <p:cNvSpPr txBox="1"/>
-          <p:nvPr/>
-        </p:nvSpPr>
-        <p:spPr>
-          <a:xfrm>
-            <a:off x="244324" y="6233161"/>
-            <a:ext cx="660197" cy="523220"/>
-          </a:xfrm>
-          <a:prstGeom prst="rect">
-            <a:avLst/>
-          </a:prstGeom>
-          <a:noFill/>
-        </p:spPr>
-        <p:txBody>
-          <a:bodyPr wrap="square" rtlCol="0">
-            <a:spAutoFit/>
-          </a:bodyPr>
-          <a:lstStyle/>
-          <a:p>
-            <a:pPr algn="ctr"/>
-            <a:r>
-              <a:rPr lang="pt-BR" sz="2800" dirty="0" smtClean="0">
-                <a:solidFill>
-                  <a:schemeClr val="tx1">
-                    <a:lumMod val="75000"/>
-                    <a:lumOff val="25000"/>
-                  </a:schemeClr>
-                </a:solidFill>
-                <a:latin typeface="Open Sans 1" panose="020B0604020202020204" charset="0"/>
-                <a:ea typeface="Open Sans 1" panose="020B0604020202020204" charset="0"/>
-                <a:cs typeface="Open Sans 1" panose="020B0604020202020204" charset="0"/>
-              </a:rPr>
-              <a:t>01</a:t>
-            </a:r>
-            <a:endParaRPr lang="pt-BR" sz="2800" dirty="0">
-              <a:solidFill>
-                <a:schemeClr val="tx1">
-                  <a:lumMod val="75000"/>
-                  <a:lumOff val="25000"/>
-                </a:schemeClr>
-              </a:solidFill>
-              <a:latin typeface="Open Sans 1" panose="020B0604020202020204" charset="0"/>
-              <a:ea typeface="Open Sans 1" panose="020B0604020202020204" charset="0"/>
-              <a:cs typeface="Open Sans 1" panose="020B0604020202020204" charset="0"/>
-            </a:endParaRPr>
-          </a:p>
-        </p:txBody>
-      </p:sp>
-      <p:sp>
-        <p:nvSpPr>
-          <p:cNvPr id="180" name="CaixaDeTexto 179"/>
-          <p:cNvSpPr txBox="1"/>
-          <p:nvPr/>
-        </p:nvSpPr>
-        <p:spPr>
-          <a:xfrm>
-            <a:off x="1082524" y="6233161"/>
-            <a:ext cx="3648629" cy="523220"/>
-          </a:xfrm>
-          <a:prstGeom prst="rect">
-            <a:avLst/>
-          </a:prstGeom>
-          <a:noFill/>
-        </p:spPr>
-        <p:txBody>
-          <a:bodyPr wrap="square" rtlCol="0">
-            <a:spAutoFit/>
-          </a:bodyPr>
-          <a:lstStyle/>
-          <a:p>
-            <a:pPr algn="ctr"/>
-            <a:r>
-              <a:rPr lang="pt-BR" sz="2800" dirty="0" smtClean="0">
-                <a:solidFill>
-                  <a:schemeClr val="tx1">
-                    <a:lumMod val="75000"/>
-                    <a:lumOff val="25000"/>
-                  </a:schemeClr>
-                </a:solidFill>
-                <a:latin typeface="Open Sans 1" panose="020B0604020202020204" charset="0"/>
-                <a:ea typeface="Open Sans 1" panose="020B0604020202020204" charset="0"/>
-                <a:cs typeface="Open Sans 1" panose="020B0604020202020204" charset="0"/>
-              </a:rPr>
-              <a:t>US#01&lt;Cadastro&gt;</a:t>
-            </a:r>
-            <a:endParaRPr lang="pt-BR" sz="2800" dirty="0">
-              <a:solidFill>
-                <a:schemeClr val="tx1">
-                  <a:lumMod val="75000"/>
-                  <a:lumOff val="25000"/>
-                </a:schemeClr>
-              </a:solidFill>
-              <a:latin typeface="Open Sans 1" panose="020B0604020202020204" charset="0"/>
-              <a:ea typeface="Open Sans 1" panose="020B0604020202020204" charset="0"/>
-              <a:cs typeface="Open Sans 1" panose="020B0604020202020204" charset="0"/>
-            </a:endParaRPr>
-          </a:p>
-        </p:txBody>
-      </p:sp>
-      <p:sp>
-        <p:nvSpPr>
-          <p:cNvPr id="181" name="CaixaDeTexto 180"/>
-          <p:cNvSpPr txBox="1"/>
-          <p:nvPr/>
-        </p:nvSpPr>
-        <p:spPr>
-          <a:xfrm>
-            <a:off x="4917088" y="6210300"/>
-            <a:ext cx="5341700" cy="523220"/>
-          </a:xfrm>
-          <a:prstGeom prst="rect">
-            <a:avLst/>
-          </a:prstGeom>
-          <a:noFill/>
-        </p:spPr>
-        <p:txBody>
-          <a:bodyPr wrap="square" rtlCol="0">
-            <a:spAutoFit/>
-          </a:bodyPr>
-          <a:lstStyle/>
-          <a:p>
-            <a:pPr algn="ctr"/>
-            <a:r>
-              <a:rPr lang="pt-BR" sz="2800" dirty="0" smtClean="0">
-                <a:solidFill>
-                  <a:schemeClr val="tx1">
-                    <a:lumMod val="75000"/>
-                    <a:lumOff val="25000"/>
-                  </a:schemeClr>
-                </a:solidFill>
-                <a:latin typeface="Open Sans 1" panose="020B0604020202020204" charset="0"/>
-                <a:ea typeface="Open Sans 1" panose="020B0604020202020204" charset="0"/>
-                <a:cs typeface="Open Sans 1" panose="020B0604020202020204" charset="0"/>
-              </a:rPr>
-              <a:t>Cadastro da maquina</a:t>
-            </a:r>
-            <a:endParaRPr lang="pt-BR" sz="2800" dirty="0">
-              <a:solidFill>
-                <a:schemeClr val="tx1">
-                  <a:lumMod val="75000"/>
-                  <a:lumOff val="25000"/>
-                </a:schemeClr>
-              </a:solidFill>
-              <a:latin typeface="Open Sans 1" panose="020B0604020202020204" charset="0"/>
-              <a:ea typeface="Open Sans 1" panose="020B0604020202020204" charset="0"/>
-              <a:cs typeface="Open Sans 1" panose="020B0604020202020204" charset="0"/>
-            </a:endParaRPr>
-          </a:p>
-        </p:txBody>
-      </p:sp>
-      <p:sp>
-        <p:nvSpPr>
-          <p:cNvPr id="182" name="CaixaDeTexto 181"/>
-          <p:cNvSpPr txBox="1"/>
-          <p:nvPr/>
-        </p:nvSpPr>
-        <p:spPr>
-          <a:xfrm>
-            <a:off x="10481574" y="6233161"/>
-            <a:ext cx="2981511" cy="523220"/>
-          </a:xfrm>
-          <a:prstGeom prst="rect">
-            <a:avLst/>
-          </a:prstGeom>
-          <a:noFill/>
-        </p:spPr>
-        <p:txBody>
-          <a:bodyPr wrap="square" rtlCol="0">
-            <a:spAutoFit/>
-          </a:bodyPr>
-          <a:lstStyle/>
-          <a:p>
-            <a:pPr algn="ctr"/>
-            <a:r>
-              <a:rPr lang="pt-BR" sz="2800" dirty="0" smtClean="0">
-                <a:solidFill>
-                  <a:schemeClr val="tx1">
-                    <a:lumMod val="75000"/>
-                    <a:lumOff val="25000"/>
-                  </a:schemeClr>
-                </a:solidFill>
-                <a:latin typeface="Open Sans 1" panose="020B0604020202020204" charset="0"/>
-                <a:ea typeface="Open Sans 1" panose="020B0604020202020204" charset="0"/>
-                <a:cs typeface="Open Sans 1" panose="020B0604020202020204" charset="0"/>
-              </a:rPr>
-              <a:t>Essencial</a:t>
-            </a:r>
-            <a:endParaRPr lang="pt-BR" sz="2800" dirty="0">
-              <a:solidFill>
-                <a:schemeClr val="tx1">
-                  <a:lumMod val="75000"/>
-                  <a:lumOff val="25000"/>
-                </a:schemeClr>
-              </a:solidFill>
-              <a:latin typeface="Open Sans 1" panose="020B0604020202020204" charset="0"/>
-              <a:ea typeface="Open Sans 1" panose="020B0604020202020204" charset="0"/>
-              <a:cs typeface="Open Sans 1" panose="020B0604020202020204" charset="0"/>
-            </a:endParaRPr>
-          </a:p>
-        </p:txBody>
-      </p:sp>
-      <p:sp>
-        <p:nvSpPr>
-          <p:cNvPr id="183" name="CaixaDeTexto 182"/>
-          <p:cNvSpPr txBox="1"/>
-          <p:nvPr/>
-        </p:nvSpPr>
-        <p:spPr>
-          <a:xfrm>
-            <a:off x="13666769" y="6210300"/>
-            <a:ext cx="2272111" cy="523220"/>
-          </a:xfrm>
-          <a:prstGeom prst="rect">
-            <a:avLst/>
-          </a:prstGeom>
-          <a:noFill/>
-        </p:spPr>
-        <p:txBody>
-          <a:bodyPr wrap="square" rtlCol="0">
-            <a:spAutoFit/>
-          </a:bodyPr>
-          <a:lstStyle/>
-          <a:p>
-            <a:pPr algn="ctr"/>
-            <a:r>
-              <a:rPr lang="pt-BR" sz="2800" dirty="0" smtClean="0">
-                <a:solidFill>
-                  <a:schemeClr val="tx1">
-                    <a:lumMod val="75000"/>
-                    <a:lumOff val="25000"/>
-                  </a:schemeClr>
-                </a:solidFill>
-                <a:latin typeface="Open Sans 1" panose="020B0604020202020204" charset="0"/>
-                <a:ea typeface="Open Sans 1" panose="020B0604020202020204" charset="0"/>
-                <a:cs typeface="Open Sans 1" panose="020B0604020202020204" charset="0"/>
-              </a:rPr>
-              <a:t>Grande</a:t>
-            </a:r>
-            <a:endParaRPr lang="pt-BR" sz="2800" dirty="0">
-              <a:solidFill>
-                <a:schemeClr val="tx1">
-                  <a:lumMod val="75000"/>
-                  <a:lumOff val="25000"/>
-                </a:schemeClr>
-              </a:solidFill>
-              <a:latin typeface="Open Sans 1" panose="020B0604020202020204" charset="0"/>
-              <a:ea typeface="Open Sans 1" panose="020B0604020202020204" charset="0"/>
-              <a:cs typeface="Open Sans 1" panose="020B0604020202020204" charset="0"/>
-            </a:endParaRPr>
-          </a:p>
-        </p:txBody>
-      </p:sp>
-      <p:sp>
-        <p:nvSpPr>
-          <p:cNvPr id="184" name="CaixaDeTexto 183"/>
-          <p:cNvSpPr txBox="1"/>
-          <p:nvPr/>
-        </p:nvSpPr>
-        <p:spPr>
-          <a:xfrm>
-            <a:off x="16140346" y="6233161"/>
-            <a:ext cx="1919054" cy="523220"/>
-          </a:xfrm>
-          <a:prstGeom prst="rect">
-            <a:avLst/>
-          </a:prstGeom>
-          <a:noFill/>
-        </p:spPr>
-        <p:txBody>
-          <a:bodyPr wrap="square" rtlCol="0">
-            <a:spAutoFit/>
-          </a:bodyPr>
-          <a:lstStyle/>
-          <a:p>
-            <a:pPr algn="ctr"/>
-            <a:r>
-              <a:rPr lang="pt-BR" sz="2800" dirty="0" smtClean="0">
-                <a:solidFill>
-                  <a:schemeClr val="tx1">
-                    <a:lumMod val="75000"/>
-                    <a:lumOff val="25000"/>
-                  </a:schemeClr>
-                </a:solidFill>
-                <a:latin typeface="Open Sans 1" panose="020B0604020202020204" charset="0"/>
-                <a:ea typeface="Open Sans 1" panose="020B0604020202020204" charset="0"/>
-                <a:cs typeface="Open Sans 1" panose="020B0604020202020204" charset="0"/>
-              </a:rPr>
-              <a:t>Funcional</a:t>
-            </a:r>
-            <a:endParaRPr lang="pt-BR" sz="2800" dirty="0">
-              <a:solidFill>
-                <a:schemeClr val="tx1">
-                  <a:lumMod val="75000"/>
-                  <a:lumOff val="25000"/>
-                </a:schemeClr>
-              </a:solidFill>
-              <a:latin typeface="Open Sans 1" panose="020B0604020202020204" charset="0"/>
-              <a:ea typeface="Open Sans 1" panose="020B0604020202020204" charset="0"/>
-              <a:cs typeface="Open Sans 1" panose="020B0604020202020204" charset="0"/>
-            </a:endParaRPr>
-          </a:p>
-        </p:txBody>
-      </p:sp>
-      <p:sp>
-        <p:nvSpPr>
-          <p:cNvPr id="185" name="CaixaDeTexto 184"/>
-          <p:cNvSpPr txBox="1"/>
-          <p:nvPr/>
-        </p:nvSpPr>
-        <p:spPr>
-          <a:xfrm>
-            <a:off x="235353" y="6817399"/>
-            <a:ext cx="660197" cy="523220"/>
-          </a:xfrm>
-          <a:prstGeom prst="rect">
-            <a:avLst/>
-          </a:prstGeom>
-          <a:noFill/>
-        </p:spPr>
-        <p:txBody>
-          <a:bodyPr wrap="square" rtlCol="0">
-            <a:spAutoFit/>
-          </a:bodyPr>
-          <a:lstStyle/>
-          <a:p>
-            <a:pPr algn="ctr"/>
-            <a:r>
-              <a:rPr lang="pt-BR" sz="2800" dirty="0" smtClean="0">
-                <a:solidFill>
-                  <a:schemeClr val="tx1">
-                    <a:lumMod val="75000"/>
-                    <a:lumOff val="25000"/>
-                  </a:schemeClr>
-                </a:solidFill>
-                <a:latin typeface="Open Sans 1" panose="020B0604020202020204" charset="0"/>
-                <a:ea typeface="Open Sans 1" panose="020B0604020202020204" charset="0"/>
-                <a:cs typeface="Open Sans 1" panose="020B0604020202020204" charset="0"/>
-              </a:rPr>
-              <a:t>01</a:t>
-            </a:r>
-            <a:endParaRPr lang="pt-BR" sz="2800" dirty="0">
-              <a:solidFill>
-                <a:schemeClr val="tx1">
-                  <a:lumMod val="75000"/>
-                  <a:lumOff val="25000"/>
-                </a:schemeClr>
-              </a:solidFill>
-              <a:latin typeface="Open Sans 1" panose="020B0604020202020204" charset="0"/>
-              <a:ea typeface="Open Sans 1" panose="020B0604020202020204" charset="0"/>
-              <a:cs typeface="Open Sans 1" panose="020B0604020202020204" charset="0"/>
-            </a:endParaRPr>
-          </a:p>
-        </p:txBody>
-      </p:sp>
-      <p:sp>
-        <p:nvSpPr>
-          <p:cNvPr id="186" name="CaixaDeTexto 185"/>
-          <p:cNvSpPr txBox="1"/>
-          <p:nvPr/>
-        </p:nvSpPr>
-        <p:spPr>
-          <a:xfrm>
-            <a:off x="1073553" y="6817399"/>
-            <a:ext cx="3648629" cy="523220"/>
-          </a:xfrm>
-          <a:prstGeom prst="rect">
-            <a:avLst/>
-          </a:prstGeom>
-          <a:noFill/>
-        </p:spPr>
-        <p:txBody>
-          <a:bodyPr wrap="square" rtlCol="0">
-            <a:spAutoFit/>
-          </a:bodyPr>
-          <a:lstStyle/>
-          <a:p>
-            <a:pPr algn="ctr"/>
-            <a:r>
-              <a:rPr lang="pt-BR" sz="2800" dirty="0" smtClean="0">
-                <a:solidFill>
-                  <a:schemeClr val="tx1">
-                    <a:lumMod val="75000"/>
-                    <a:lumOff val="25000"/>
-                  </a:schemeClr>
-                </a:solidFill>
-                <a:latin typeface="Open Sans 1" panose="020B0604020202020204" charset="0"/>
-                <a:ea typeface="Open Sans 1" panose="020B0604020202020204" charset="0"/>
-                <a:cs typeface="Open Sans 1" panose="020B0604020202020204" charset="0"/>
-              </a:rPr>
-              <a:t>US#01&lt;Cadastro&gt;</a:t>
-            </a:r>
-            <a:endParaRPr lang="pt-BR" sz="2800" dirty="0">
-              <a:solidFill>
-                <a:schemeClr val="tx1">
-                  <a:lumMod val="75000"/>
-                  <a:lumOff val="25000"/>
-                </a:schemeClr>
-              </a:solidFill>
-              <a:latin typeface="Open Sans 1" panose="020B0604020202020204" charset="0"/>
-              <a:ea typeface="Open Sans 1" panose="020B0604020202020204" charset="0"/>
-              <a:cs typeface="Open Sans 1" panose="020B0604020202020204" charset="0"/>
-            </a:endParaRPr>
-          </a:p>
-        </p:txBody>
-      </p:sp>
-      <p:sp>
-        <p:nvSpPr>
-          <p:cNvPr id="187" name="CaixaDeTexto 186"/>
-          <p:cNvSpPr txBox="1"/>
-          <p:nvPr/>
-        </p:nvSpPr>
-        <p:spPr>
-          <a:xfrm>
-            <a:off x="4908117" y="6794538"/>
-            <a:ext cx="5341700" cy="523220"/>
-          </a:xfrm>
-          <a:prstGeom prst="rect">
-            <a:avLst/>
-          </a:prstGeom>
-          <a:noFill/>
-        </p:spPr>
-        <p:txBody>
-          <a:bodyPr wrap="square" rtlCol="0">
-            <a:spAutoFit/>
-          </a:bodyPr>
-          <a:lstStyle/>
-          <a:p>
-            <a:pPr algn="ctr"/>
-            <a:r>
-              <a:rPr lang="pt-BR" sz="2800" dirty="0" smtClean="0">
-                <a:solidFill>
-                  <a:schemeClr val="tx1">
-                    <a:lumMod val="75000"/>
-                    <a:lumOff val="25000"/>
-                  </a:schemeClr>
-                </a:solidFill>
-                <a:latin typeface="Open Sans 1" panose="020B0604020202020204" charset="0"/>
-                <a:ea typeface="Open Sans 1" panose="020B0604020202020204" charset="0"/>
-                <a:cs typeface="Open Sans 1" panose="020B0604020202020204" charset="0"/>
-              </a:rPr>
-              <a:t>Cadastro da maquina</a:t>
-            </a:r>
-            <a:endParaRPr lang="pt-BR" sz="2800" dirty="0">
-              <a:solidFill>
-                <a:schemeClr val="tx1">
-                  <a:lumMod val="75000"/>
-                  <a:lumOff val="25000"/>
-                </a:schemeClr>
-              </a:solidFill>
-              <a:latin typeface="Open Sans 1" panose="020B0604020202020204" charset="0"/>
-              <a:ea typeface="Open Sans 1" panose="020B0604020202020204" charset="0"/>
-              <a:cs typeface="Open Sans 1" panose="020B0604020202020204" charset="0"/>
-            </a:endParaRPr>
-          </a:p>
-        </p:txBody>
-      </p:sp>
-      <p:sp>
-        <p:nvSpPr>
-          <p:cNvPr id="188" name="CaixaDeTexto 187"/>
-          <p:cNvSpPr txBox="1"/>
-          <p:nvPr/>
-        </p:nvSpPr>
-        <p:spPr>
-          <a:xfrm>
-            <a:off x="10472603" y="6817399"/>
-            <a:ext cx="2981511" cy="523220"/>
-          </a:xfrm>
-          <a:prstGeom prst="rect">
-            <a:avLst/>
-          </a:prstGeom>
-          <a:noFill/>
-        </p:spPr>
-        <p:txBody>
-          <a:bodyPr wrap="square" rtlCol="0">
-            <a:spAutoFit/>
-          </a:bodyPr>
-          <a:lstStyle/>
-          <a:p>
-            <a:pPr algn="ctr"/>
-            <a:r>
-              <a:rPr lang="pt-BR" sz="2800" dirty="0" smtClean="0">
-                <a:solidFill>
-                  <a:schemeClr val="tx1">
-                    <a:lumMod val="75000"/>
-                    <a:lumOff val="25000"/>
-                  </a:schemeClr>
-                </a:solidFill>
-                <a:latin typeface="Open Sans 1" panose="020B0604020202020204" charset="0"/>
-                <a:ea typeface="Open Sans 1" panose="020B0604020202020204" charset="0"/>
-                <a:cs typeface="Open Sans 1" panose="020B0604020202020204" charset="0"/>
-              </a:rPr>
-              <a:t>Essencial</a:t>
-            </a:r>
-            <a:endParaRPr lang="pt-BR" sz="2800" dirty="0">
-              <a:solidFill>
-                <a:schemeClr val="tx1">
-                  <a:lumMod val="75000"/>
-                  <a:lumOff val="25000"/>
-                </a:schemeClr>
-              </a:solidFill>
-              <a:latin typeface="Open Sans 1" panose="020B0604020202020204" charset="0"/>
-              <a:ea typeface="Open Sans 1" panose="020B0604020202020204" charset="0"/>
-              <a:cs typeface="Open Sans 1" panose="020B0604020202020204" charset="0"/>
-            </a:endParaRPr>
-          </a:p>
-        </p:txBody>
-      </p:sp>
-      <p:sp>
-        <p:nvSpPr>
-          <p:cNvPr id="189" name="CaixaDeTexto 188"/>
-          <p:cNvSpPr txBox="1"/>
-          <p:nvPr/>
-        </p:nvSpPr>
-        <p:spPr>
-          <a:xfrm>
-            <a:off x="13657798" y="6794538"/>
-            <a:ext cx="2272111" cy="523220"/>
-          </a:xfrm>
-          <a:prstGeom prst="rect">
-            <a:avLst/>
-          </a:prstGeom>
-          <a:noFill/>
-        </p:spPr>
-        <p:txBody>
-          <a:bodyPr wrap="square" rtlCol="0">
-            <a:spAutoFit/>
-          </a:bodyPr>
-          <a:lstStyle/>
-          <a:p>
-            <a:pPr algn="ctr"/>
-            <a:r>
-              <a:rPr lang="pt-BR" sz="2800" dirty="0" smtClean="0">
-                <a:solidFill>
-                  <a:schemeClr val="tx1">
-                    <a:lumMod val="75000"/>
-                    <a:lumOff val="25000"/>
-                  </a:schemeClr>
-                </a:solidFill>
-                <a:latin typeface="Open Sans 1" panose="020B0604020202020204" charset="0"/>
-                <a:ea typeface="Open Sans 1" panose="020B0604020202020204" charset="0"/>
-                <a:cs typeface="Open Sans 1" panose="020B0604020202020204" charset="0"/>
-              </a:rPr>
-              <a:t>Grande</a:t>
-            </a:r>
-            <a:endParaRPr lang="pt-BR" sz="2800" dirty="0">
-              <a:solidFill>
-                <a:schemeClr val="tx1">
-                  <a:lumMod val="75000"/>
-                  <a:lumOff val="25000"/>
-                </a:schemeClr>
-              </a:solidFill>
-              <a:latin typeface="Open Sans 1" panose="020B0604020202020204" charset="0"/>
-              <a:ea typeface="Open Sans 1" panose="020B0604020202020204" charset="0"/>
-              <a:cs typeface="Open Sans 1" panose="020B0604020202020204" charset="0"/>
-            </a:endParaRPr>
-          </a:p>
-        </p:txBody>
-      </p:sp>
-      <p:sp>
-        <p:nvSpPr>
-          <p:cNvPr id="190" name="CaixaDeTexto 189"/>
-          <p:cNvSpPr txBox="1"/>
-          <p:nvPr/>
-        </p:nvSpPr>
-        <p:spPr>
-          <a:xfrm>
-            <a:off x="16131375" y="6817399"/>
-            <a:ext cx="1919054" cy="523220"/>
-          </a:xfrm>
-          <a:prstGeom prst="rect">
-            <a:avLst/>
-          </a:prstGeom>
-          <a:noFill/>
-        </p:spPr>
-        <p:txBody>
-          <a:bodyPr wrap="square" rtlCol="0">
-            <a:spAutoFit/>
-          </a:bodyPr>
-          <a:lstStyle/>
-          <a:p>
-            <a:pPr algn="ctr"/>
-            <a:r>
-              <a:rPr lang="pt-BR" sz="2800" dirty="0" smtClean="0">
-                <a:solidFill>
-                  <a:schemeClr val="tx1">
-                    <a:lumMod val="75000"/>
-                    <a:lumOff val="25000"/>
-                  </a:schemeClr>
-                </a:solidFill>
-                <a:latin typeface="Open Sans 1" panose="020B0604020202020204" charset="0"/>
-                <a:ea typeface="Open Sans 1" panose="020B0604020202020204" charset="0"/>
-                <a:cs typeface="Open Sans 1" panose="020B0604020202020204" charset="0"/>
-              </a:rPr>
-              <a:t>Funcional</a:t>
-            </a:r>
-            <a:endParaRPr lang="pt-BR" sz="2800" dirty="0">
-              <a:solidFill>
-                <a:schemeClr val="tx1">
-                  <a:lumMod val="75000"/>
-                  <a:lumOff val="25000"/>
-                </a:schemeClr>
-              </a:solidFill>
-              <a:latin typeface="Open Sans 1" panose="020B0604020202020204" charset="0"/>
-              <a:ea typeface="Open Sans 1" panose="020B0604020202020204" charset="0"/>
-              <a:cs typeface="Open Sans 1" panose="020B0604020202020204" charset="0"/>
-            </a:endParaRPr>
-          </a:p>
-        </p:txBody>
-      </p:sp>
-      <p:sp>
-        <p:nvSpPr>
-          <p:cNvPr id="191" name="CaixaDeTexto 190"/>
-          <p:cNvSpPr txBox="1"/>
-          <p:nvPr/>
-        </p:nvSpPr>
-        <p:spPr>
-          <a:xfrm>
-            <a:off x="235353" y="7439680"/>
-            <a:ext cx="660197" cy="523220"/>
-          </a:xfrm>
-          <a:prstGeom prst="rect">
-            <a:avLst/>
-          </a:prstGeom>
-          <a:noFill/>
-        </p:spPr>
-        <p:txBody>
-          <a:bodyPr wrap="square" rtlCol="0">
-            <a:spAutoFit/>
-          </a:bodyPr>
-          <a:lstStyle/>
-          <a:p>
-            <a:pPr algn="ctr"/>
-            <a:r>
-              <a:rPr lang="pt-BR" sz="2800" dirty="0" smtClean="0">
-                <a:solidFill>
-                  <a:schemeClr val="tx1">
-                    <a:lumMod val="75000"/>
-                    <a:lumOff val="25000"/>
-                  </a:schemeClr>
-                </a:solidFill>
-                <a:latin typeface="Open Sans 1" panose="020B0604020202020204" charset="0"/>
-                <a:ea typeface="Open Sans 1" panose="020B0604020202020204" charset="0"/>
-                <a:cs typeface="Open Sans 1" panose="020B0604020202020204" charset="0"/>
-              </a:rPr>
-              <a:t>01</a:t>
-            </a:r>
-            <a:endParaRPr lang="pt-BR" sz="2800" dirty="0">
-              <a:solidFill>
-                <a:schemeClr val="tx1">
-                  <a:lumMod val="75000"/>
-                  <a:lumOff val="25000"/>
-                </a:schemeClr>
-              </a:solidFill>
-              <a:latin typeface="Open Sans 1" panose="020B0604020202020204" charset="0"/>
-              <a:ea typeface="Open Sans 1" panose="020B0604020202020204" charset="0"/>
-              <a:cs typeface="Open Sans 1" panose="020B0604020202020204" charset="0"/>
-            </a:endParaRPr>
-          </a:p>
-        </p:txBody>
-      </p:sp>
-      <p:sp>
-        <p:nvSpPr>
-          <p:cNvPr id="192" name="CaixaDeTexto 191"/>
-          <p:cNvSpPr txBox="1"/>
-          <p:nvPr/>
-        </p:nvSpPr>
-        <p:spPr>
-          <a:xfrm>
-            <a:off x="1073553" y="7439680"/>
-            <a:ext cx="3648629" cy="523220"/>
-          </a:xfrm>
-          <a:prstGeom prst="rect">
-            <a:avLst/>
-          </a:prstGeom>
-          <a:noFill/>
-        </p:spPr>
-        <p:txBody>
-          <a:bodyPr wrap="square" rtlCol="0">
-            <a:spAutoFit/>
-          </a:bodyPr>
-          <a:lstStyle/>
-          <a:p>
-            <a:pPr algn="ctr"/>
-            <a:r>
-              <a:rPr lang="pt-BR" sz="2800" dirty="0" smtClean="0">
-                <a:solidFill>
-                  <a:schemeClr val="tx1">
-                    <a:lumMod val="75000"/>
-                    <a:lumOff val="25000"/>
-                  </a:schemeClr>
-                </a:solidFill>
-                <a:latin typeface="Open Sans 1" panose="020B0604020202020204" charset="0"/>
-                <a:ea typeface="Open Sans 1" panose="020B0604020202020204" charset="0"/>
-                <a:cs typeface="Open Sans 1" panose="020B0604020202020204" charset="0"/>
-              </a:rPr>
-              <a:t>US#01&lt;Cadastro&gt;</a:t>
-            </a:r>
-            <a:endParaRPr lang="pt-BR" sz="2800" dirty="0">
-              <a:solidFill>
-                <a:schemeClr val="tx1">
-                  <a:lumMod val="75000"/>
-                  <a:lumOff val="25000"/>
-                </a:schemeClr>
-              </a:solidFill>
-              <a:latin typeface="Open Sans 1" panose="020B0604020202020204" charset="0"/>
-              <a:ea typeface="Open Sans 1" panose="020B0604020202020204" charset="0"/>
-              <a:cs typeface="Open Sans 1" panose="020B0604020202020204" charset="0"/>
-            </a:endParaRPr>
-          </a:p>
-        </p:txBody>
-      </p:sp>
-      <p:sp>
-        <p:nvSpPr>
-          <p:cNvPr id="193" name="CaixaDeTexto 192"/>
-          <p:cNvSpPr txBox="1"/>
-          <p:nvPr/>
-        </p:nvSpPr>
-        <p:spPr>
-          <a:xfrm>
-            <a:off x="4908117" y="7416819"/>
-            <a:ext cx="5341700" cy="523220"/>
-          </a:xfrm>
-          <a:prstGeom prst="rect">
-            <a:avLst/>
-          </a:prstGeom>
-          <a:noFill/>
-        </p:spPr>
-        <p:txBody>
-          <a:bodyPr wrap="square" rtlCol="0">
-            <a:spAutoFit/>
-          </a:bodyPr>
-          <a:lstStyle/>
-          <a:p>
-            <a:pPr algn="ctr"/>
-            <a:r>
-              <a:rPr lang="pt-BR" sz="2800" dirty="0" smtClean="0">
-                <a:solidFill>
-                  <a:schemeClr val="tx1">
-                    <a:lumMod val="75000"/>
-                    <a:lumOff val="25000"/>
-                  </a:schemeClr>
-                </a:solidFill>
-                <a:latin typeface="Open Sans 1" panose="020B0604020202020204" charset="0"/>
-                <a:ea typeface="Open Sans 1" panose="020B0604020202020204" charset="0"/>
-                <a:cs typeface="Open Sans 1" panose="020B0604020202020204" charset="0"/>
-              </a:rPr>
-              <a:t>Cadastro da maquina</a:t>
-            </a:r>
-            <a:endParaRPr lang="pt-BR" sz="2800" dirty="0">
-              <a:solidFill>
-                <a:schemeClr val="tx1">
-                  <a:lumMod val="75000"/>
-                  <a:lumOff val="25000"/>
-                </a:schemeClr>
-              </a:solidFill>
-              <a:latin typeface="Open Sans 1" panose="020B0604020202020204" charset="0"/>
-              <a:ea typeface="Open Sans 1" panose="020B0604020202020204" charset="0"/>
-              <a:cs typeface="Open Sans 1" panose="020B0604020202020204" charset="0"/>
-            </a:endParaRPr>
-          </a:p>
-        </p:txBody>
-      </p:sp>
-      <p:sp>
-        <p:nvSpPr>
-          <p:cNvPr id="194" name="CaixaDeTexto 193"/>
-          <p:cNvSpPr txBox="1"/>
-          <p:nvPr/>
-        </p:nvSpPr>
-        <p:spPr>
-          <a:xfrm>
-            <a:off x="10472603" y="7439680"/>
-            <a:ext cx="2981511" cy="523220"/>
-          </a:xfrm>
-          <a:prstGeom prst="rect">
-            <a:avLst/>
-          </a:prstGeom>
-          <a:noFill/>
-        </p:spPr>
-        <p:txBody>
-          <a:bodyPr wrap="square" rtlCol="0">
-            <a:spAutoFit/>
-          </a:bodyPr>
-          <a:lstStyle/>
-          <a:p>
-            <a:pPr algn="ctr"/>
-            <a:r>
-              <a:rPr lang="pt-BR" sz="2800" dirty="0" smtClean="0">
-                <a:solidFill>
-                  <a:schemeClr val="tx1">
-                    <a:lumMod val="75000"/>
-                    <a:lumOff val="25000"/>
-                  </a:schemeClr>
-                </a:solidFill>
-                <a:latin typeface="Open Sans 1" panose="020B0604020202020204" charset="0"/>
-                <a:ea typeface="Open Sans 1" panose="020B0604020202020204" charset="0"/>
-                <a:cs typeface="Open Sans 1" panose="020B0604020202020204" charset="0"/>
-              </a:rPr>
-              <a:t>Essencial</a:t>
-            </a:r>
-            <a:endParaRPr lang="pt-BR" sz="2800" dirty="0">
-              <a:solidFill>
-                <a:schemeClr val="tx1">
-                  <a:lumMod val="75000"/>
-                  <a:lumOff val="25000"/>
-                </a:schemeClr>
-              </a:solidFill>
-              <a:latin typeface="Open Sans 1" panose="020B0604020202020204" charset="0"/>
-              <a:ea typeface="Open Sans 1" panose="020B0604020202020204" charset="0"/>
-              <a:cs typeface="Open Sans 1" panose="020B0604020202020204" charset="0"/>
-            </a:endParaRPr>
-          </a:p>
-        </p:txBody>
-      </p:sp>
-      <p:sp>
-        <p:nvSpPr>
-          <p:cNvPr id="195" name="CaixaDeTexto 194"/>
-          <p:cNvSpPr txBox="1"/>
-          <p:nvPr/>
-        </p:nvSpPr>
-        <p:spPr>
-          <a:xfrm>
-            <a:off x="13657798" y="7416819"/>
-            <a:ext cx="2272111" cy="523220"/>
-          </a:xfrm>
-          <a:prstGeom prst="rect">
-            <a:avLst/>
-          </a:prstGeom>
-          <a:noFill/>
-        </p:spPr>
-        <p:txBody>
-          <a:bodyPr wrap="square" rtlCol="0">
-            <a:spAutoFit/>
-          </a:bodyPr>
-          <a:lstStyle/>
-          <a:p>
-            <a:pPr algn="ctr"/>
-            <a:r>
-              <a:rPr lang="pt-BR" sz="2800" dirty="0" smtClean="0">
-                <a:solidFill>
-                  <a:schemeClr val="tx1">
-                    <a:lumMod val="75000"/>
-                    <a:lumOff val="25000"/>
-                  </a:schemeClr>
-                </a:solidFill>
-                <a:latin typeface="Open Sans 1" panose="020B0604020202020204" charset="0"/>
-                <a:ea typeface="Open Sans 1" panose="020B0604020202020204" charset="0"/>
-                <a:cs typeface="Open Sans 1" panose="020B0604020202020204" charset="0"/>
-              </a:rPr>
-              <a:t>Grande</a:t>
-            </a:r>
-            <a:endParaRPr lang="pt-BR" sz="2800" dirty="0">
-              <a:solidFill>
-                <a:schemeClr val="tx1">
-                  <a:lumMod val="75000"/>
-                  <a:lumOff val="25000"/>
-                </a:schemeClr>
-              </a:solidFill>
-              <a:latin typeface="Open Sans 1" panose="020B0604020202020204" charset="0"/>
-              <a:ea typeface="Open Sans 1" panose="020B0604020202020204" charset="0"/>
-              <a:cs typeface="Open Sans 1" panose="020B0604020202020204" charset="0"/>
-            </a:endParaRPr>
-          </a:p>
-        </p:txBody>
-      </p:sp>
-      <p:sp>
-        <p:nvSpPr>
-          <p:cNvPr id="196" name="CaixaDeTexto 195"/>
-          <p:cNvSpPr txBox="1"/>
-          <p:nvPr/>
-        </p:nvSpPr>
-        <p:spPr>
-          <a:xfrm>
-            <a:off x="16131375" y="7439680"/>
-            <a:ext cx="1919054" cy="523220"/>
-          </a:xfrm>
-          <a:prstGeom prst="rect">
-            <a:avLst/>
-          </a:prstGeom>
-          <a:noFill/>
-        </p:spPr>
-        <p:txBody>
-          <a:bodyPr wrap="square" rtlCol="0">
-            <a:spAutoFit/>
-          </a:bodyPr>
-          <a:lstStyle/>
-          <a:p>
-            <a:pPr algn="ctr"/>
-            <a:r>
-              <a:rPr lang="pt-BR" sz="2800" dirty="0" smtClean="0">
-                <a:solidFill>
-                  <a:schemeClr val="tx1">
-                    <a:lumMod val="75000"/>
-                    <a:lumOff val="25000"/>
-                  </a:schemeClr>
-                </a:solidFill>
-                <a:latin typeface="Open Sans 1" panose="020B0604020202020204" charset="0"/>
-                <a:ea typeface="Open Sans 1" panose="020B0604020202020204" charset="0"/>
-                <a:cs typeface="Open Sans 1" panose="020B0604020202020204" charset="0"/>
-              </a:rPr>
-              <a:t>Funcional</a:t>
-            </a:r>
-            <a:endParaRPr lang="pt-BR" sz="2800" dirty="0">
-              <a:solidFill>
-                <a:schemeClr val="tx1">
-                  <a:lumMod val="75000"/>
-                  <a:lumOff val="25000"/>
-                </a:schemeClr>
-              </a:solidFill>
-              <a:latin typeface="Open Sans 1" panose="020B0604020202020204" charset="0"/>
-              <a:ea typeface="Open Sans 1" panose="020B0604020202020204" charset="0"/>
-              <a:cs typeface="Open Sans 1" panose="020B0604020202020204" charset="0"/>
-            </a:endParaRPr>
-          </a:p>
-        </p:txBody>
-      </p:sp>
-    </p:spTree>
-  </p:cSld>
-  <p:clrMapOvr>
-    <a:masterClrMapping/>
-  </p:clrMapOvr>
-  <mc:AlternateContent xmlns:mc="http://schemas.openxmlformats.org/markup-compatibility/2006">
-    <mc:Choice xmlns:p14="http://schemas.microsoft.com/office/powerpoint/2010/main" Requires="p14">
-      <p:transition spd="med" p14:dur="700">
-        <p:fade/>
-      </p:transition>
-    </mc:Choice>
-    <mc:Fallback>
-      <p:transition spd="med">
-        <p:fade/>
-      </p:transition>
-    </mc:Fallback>
-  </mc:AlternateContent>
-  <p:timing>
-    <p:tnLst>
-      <p:par>
-        <p:cTn id="1" dur="indefinite" restart="never" nodeType="tmRoot"/>
-      </p:par>
-    </p:tnLst>
-  </p:timing>
-</p:sld>
-</file>
-
 <file path=ppt/slides/slide13.xml><?xml version="1.0" encoding="utf-8"?>
 <p:sld xmlns:a="http://schemas.openxmlformats.org/drawingml/2006/main" xmlns:r="http://schemas.openxmlformats.org/officeDocument/2006/relationships" xmlns:p="http://schemas.openxmlformats.org/presentationml/2006/main">
   <p:cSld>
@@ -7032,13 +7032,13 @@
   <p:clrMapOvr>
     <a:masterClrMapping/>
   </p:clrMapOvr>
-  <mc:AlternateContent xmlns:mc="http://schemas.openxmlformats.org/markup-compatibility/2006">
-    <mc:Choice xmlns:p14="http://schemas.microsoft.com/office/powerpoint/2010/main" Requires="p14">
+  <mc:AlternateContent xmlns:mc="http://schemas.openxmlformats.org/markup-compatibility/2006" xmlns:p14="http://schemas.microsoft.com/office/powerpoint/2010/main">
+    <mc:Choice Requires="p14">
       <p:transition spd="med" p14:dur="700">
         <p:fade/>
       </p:transition>
     </mc:Choice>
-    <mc:Fallback>
+    <mc:Fallback xmlns="">
       <p:transition spd="med">
         <p:fade/>
       </p:transition>
@@ -7227,13 +7227,13 @@
   <p:clrMapOvr>
     <a:masterClrMapping/>
   </p:clrMapOvr>
-  <mc:AlternateContent xmlns:mc="http://schemas.openxmlformats.org/markup-compatibility/2006">
-    <mc:Choice xmlns:p14="http://schemas.microsoft.com/office/powerpoint/2010/main" Requires="p14">
+  <mc:AlternateContent xmlns:mc="http://schemas.openxmlformats.org/markup-compatibility/2006" xmlns:p14="http://schemas.microsoft.com/office/powerpoint/2010/main">
+    <mc:Choice Requires="p14">
       <p:transition spd="med" p14:dur="700">
         <p:fade/>
       </p:transition>
     </mc:Choice>
-    <mc:Fallback>
+    <mc:Fallback xmlns="">
       <p:transition spd="med">
         <p:fade/>
       </p:transition>
@@ -7855,13 +7855,13 @@
   <p:clrMapOvr>
     <a:masterClrMapping/>
   </p:clrMapOvr>
-  <mc:AlternateContent xmlns:mc="http://schemas.openxmlformats.org/markup-compatibility/2006">
-    <mc:Choice xmlns:p14="http://schemas.microsoft.com/office/powerpoint/2010/main" Requires="p14">
+  <mc:AlternateContent xmlns:mc="http://schemas.openxmlformats.org/markup-compatibility/2006" xmlns:p14="http://schemas.microsoft.com/office/powerpoint/2010/main">
+    <mc:Choice Requires="p14">
       <p:transition spd="med" p14:dur="700">
         <p:fade/>
       </p:transition>
     </mc:Choice>
-    <mc:Fallback>
+    <mc:Fallback xmlns="">
       <p:transition spd="med">
         <p:fade/>
       </p:transition>
@@ -8088,13 +8088,13 @@
   <p:clrMapOvr>
     <a:masterClrMapping/>
   </p:clrMapOvr>
-  <mc:AlternateContent xmlns:mc="http://schemas.openxmlformats.org/markup-compatibility/2006">
-    <mc:Choice xmlns:p14="http://schemas.microsoft.com/office/powerpoint/2010/main" Requires="p14">
+  <mc:AlternateContent xmlns:mc="http://schemas.openxmlformats.org/markup-compatibility/2006" xmlns:p14="http://schemas.microsoft.com/office/powerpoint/2010/main">
+    <mc:Choice Requires="p14">
       <p:transition spd="med" p14:dur="700">
         <p:fade/>
       </p:transition>
     </mc:Choice>
-    <mc:Fallback>
+    <mc:Fallback xmlns="">
       <p:transition spd="med">
         <p:fade/>
       </p:transition>
@@ -8449,13 +8449,13 @@
   <p:clrMapOvr>
     <a:masterClrMapping/>
   </p:clrMapOvr>
-  <mc:AlternateContent xmlns:mc="http://schemas.openxmlformats.org/markup-compatibility/2006">
-    <mc:Choice xmlns:p14="http://schemas.microsoft.com/office/powerpoint/2010/main" Requires="p14">
+  <mc:AlternateContent xmlns:mc="http://schemas.openxmlformats.org/markup-compatibility/2006" xmlns:p14="http://schemas.microsoft.com/office/powerpoint/2010/main">
+    <mc:Choice Requires="p14">
       <p:transition spd="med" p14:dur="700">
         <p:fade/>
       </p:transition>
     </mc:Choice>
-    <mc:Fallback>
+    <mc:Fallback xmlns="">
       <p:transition spd="med">
         <p:fade/>
       </p:transition>
@@ -8808,13 +8808,13 @@
   <p:clrMapOvr>
     <a:masterClrMapping/>
   </p:clrMapOvr>
-  <mc:AlternateContent xmlns:mc="http://schemas.openxmlformats.org/markup-compatibility/2006">
-    <mc:Choice xmlns:p14="http://schemas.microsoft.com/office/powerpoint/2010/main" Requires="p14">
+  <mc:AlternateContent xmlns:mc="http://schemas.openxmlformats.org/markup-compatibility/2006" xmlns:p14="http://schemas.microsoft.com/office/powerpoint/2010/main">
+    <mc:Choice Requires="p14">
       <p:transition spd="med" p14:dur="700">
         <p:fade/>
       </p:transition>
     </mc:Choice>
-    <mc:Fallback>
+    <mc:Fallback xmlns="">
       <p:transition spd="med">
         <p:fade/>
       </p:transition>
@@ -9055,13 +9055,13 @@
   <p:clrMapOvr>
     <a:masterClrMapping/>
   </p:clrMapOvr>
-  <mc:AlternateContent xmlns:mc="http://schemas.openxmlformats.org/markup-compatibility/2006">
-    <mc:Choice xmlns:p14="http://schemas.microsoft.com/office/powerpoint/2010/main" Requires="p14">
+  <mc:AlternateContent xmlns:mc="http://schemas.openxmlformats.org/markup-compatibility/2006" xmlns:p14="http://schemas.microsoft.com/office/powerpoint/2010/main">
+    <mc:Choice Requires="p14">
       <p:transition spd="med" p14:dur="700">
         <p:fade/>
       </p:transition>
     </mc:Choice>
-    <mc:Fallback>
+    <mc:Fallback xmlns="">
       <p:transition spd="med">
         <p:fade/>
       </p:transition>
@@ -9694,13 +9694,13 @@
   <p:clrMapOvr>
     <a:masterClrMapping/>
   </p:clrMapOvr>
-  <mc:AlternateContent xmlns:mc="http://schemas.openxmlformats.org/markup-compatibility/2006">
-    <mc:Choice xmlns:p14="http://schemas.microsoft.com/office/powerpoint/2010/main" Requires="p14">
+  <mc:AlternateContent xmlns:mc="http://schemas.openxmlformats.org/markup-compatibility/2006" xmlns:p14="http://schemas.microsoft.com/office/powerpoint/2010/main">
+    <mc:Choice Requires="p14">
       <p:transition spd="med" p14:dur="700">
         <p:fade/>
       </p:transition>
     </mc:Choice>
-    <mc:Fallback>
+    <mc:Fallback xmlns="">
       <p:transition spd="med">
         <p:fade/>
       </p:transition>
@@ -10987,13 +10987,13 @@
   <p:clrMapOvr>
     <a:masterClrMapping/>
   </p:clrMapOvr>
-  <mc:AlternateContent xmlns:mc="http://schemas.openxmlformats.org/markup-compatibility/2006">
-    <mc:Choice xmlns:p14="http://schemas.microsoft.com/office/powerpoint/2010/main" Requires="p14">
+  <mc:AlternateContent xmlns:mc="http://schemas.openxmlformats.org/markup-compatibility/2006" xmlns:p14="http://schemas.microsoft.com/office/powerpoint/2010/main">
+    <mc:Choice Requires="p14">
       <p:transition spd="med" p14:dur="700">
         <p:fade/>
       </p:transition>
     </mc:Choice>
-    <mc:Fallback>
+    <mc:Fallback xmlns="">
       <p:transition spd="med">
         <p:fade/>
       </p:transition>
@@ -11194,7 +11194,7 @@
                 </a:solidFill>
                 <a:latin typeface="Open Sans 1 Bold"/>
               </a:rPr>
-              <a:t>Canvas</a:t>
+              <a:t>User Stories</a:t>
             </a:r>
           </a:p>
         </p:txBody>
@@ -11204,7 +11204,7 @@
           <p:cNvPr id="5" name="Imagem 4">
             <a:extLst>
               <a:ext uri="{FF2B5EF4-FFF2-40B4-BE49-F238E27FC236}">
-                <a16:creationId xmlns:a16="http://schemas.microsoft.com/office/drawing/2014/main" id="{FD544941-61FD-4F9B-9860-B040FA4C47E5}"/>
+                <a16:creationId xmlns:a16="http://schemas.microsoft.com/office/drawing/2014/main" id="{38496F73-5C44-4A7C-ACE7-9576F8ED8B4F}"/>
               </a:ext>
             </a:extLst>
           </p:cNvPr>
@@ -11234,13 +11234,13 @@
   <p:clrMapOvr>
     <a:masterClrMapping/>
   </p:clrMapOvr>
-  <mc:AlternateContent xmlns:mc="http://schemas.openxmlformats.org/markup-compatibility/2006">
-    <mc:Choice xmlns:p14="http://schemas.microsoft.com/office/powerpoint/2010/main" Requires="p14">
+  <mc:AlternateContent xmlns:mc="http://schemas.openxmlformats.org/markup-compatibility/2006" xmlns:p14="http://schemas.microsoft.com/office/powerpoint/2010/main">
+    <mc:Choice Requires="p14">
       <p:transition spd="med" p14:dur="700">
         <p:fade/>
       </p:transition>
     </mc:Choice>
-    <mc:Fallback>
+    <mc:Fallback xmlns="">
       <p:transition spd="med">
         <p:fade/>
       </p:transition>

--- a/Documentação/Pyxis.pptx
+++ b/Documentação/Pyxis.pptx
@@ -7,44 +7,45 @@
   <p:sldIdLst>
     <p:sldId id="256" r:id="rId2"/>
     <p:sldId id="257" r:id="rId3"/>
-    <p:sldId id="258" r:id="rId4"/>
-    <p:sldId id="259" r:id="rId5"/>
-    <p:sldId id="260" r:id="rId6"/>
-    <p:sldId id="261" r:id="rId7"/>
+    <p:sldId id="259" r:id="rId4"/>
+    <p:sldId id="260" r:id="rId5"/>
+    <p:sldId id="263" r:id="rId6"/>
+    <p:sldId id="270" r:id="rId7"/>
     <p:sldId id="262" r:id="rId8"/>
-    <p:sldId id="263" r:id="rId9"/>
+    <p:sldId id="261" r:id="rId9"/>
     <p:sldId id="266" r:id="rId10"/>
     <p:sldId id="264" r:id="rId11"/>
     <p:sldId id="267" r:id="rId12"/>
-    <p:sldId id="265" r:id="rId13"/>
-    <p:sldId id="268" r:id="rId14"/>
-    <p:sldId id="269" r:id="rId15"/>
+    <p:sldId id="271" r:id="rId13"/>
+    <p:sldId id="265" r:id="rId14"/>
+    <p:sldId id="268" r:id="rId15"/>
+    <p:sldId id="269" r:id="rId16"/>
   </p:sldIdLst>
   <p:sldSz cx="18288000" cy="10287000"/>
   <p:notesSz cx="6858000" cy="9144000"/>
   <p:embeddedFontLst>
     <p:embeddedFont>
-      <p:font typeface="Open Sans Light" panose="020B0604020202020204" charset="0"/>
-      <p:regular r:id="rId16"/>
+      <p:font typeface="Calibri" panose="020F0502020204030204" pitchFamily="34" charset="0"/>
+      <p:regular r:id="rId17"/>
+      <p:bold r:id="rId18"/>
+      <p:italic r:id="rId19"/>
+      <p:boldItalic r:id="rId20"/>
     </p:embeddedFont>
     <p:embeddedFont>
       <p:font typeface="Open Sans 1" panose="020B0604020202020204" charset="0"/>
-      <p:regular r:id="rId17"/>
+      <p:regular r:id="rId21"/>
     </p:embeddedFont>
     <p:embeddedFont>
-      <p:font typeface="Calibri" panose="020F0502020204030204" pitchFamily="34" charset="0"/>
-      <p:regular r:id="rId18"/>
-      <p:bold r:id="rId19"/>
-      <p:italic r:id="rId20"/>
-      <p:boldItalic r:id="rId21"/>
+      <p:font typeface="Open Sans 1 Bold" panose="020B0604020202020204" charset="0"/>
+      <p:regular r:id="rId22"/>
     </p:embeddedFont>
     <p:embeddedFont>
       <p:font typeface="Open Sans 2" panose="020B0604020202020204" charset="0"/>
-      <p:regular r:id="rId22"/>
+      <p:regular r:id="rId23"/>
     </p:embeddedFont>
     <p:embeddedFont>
-      <p:font typeface="Open Sans 1 Bold" panose="020B0604020202020204" charset="0"/>
-      <p:regular r:id="rId23"/>
+      <p:font typeface="Open Sans Light" panose="020B0604020202020204" charset="0"/>
+      <p:regular r:id="rId24"/>
     </p:embeddedFont>
   </p:embeddedFontLst>
   <p:defaultTextStyle>
@@ -341,7 +342,7 @@
             <a:fld id="{1D8BD707-D9CF-40AE-B4C6-C98DA3205C09}" type="datetimeFigureOut">
               <a:rPr lang="en-US" smtClean="0"/>
               <a:pPr/>
-              <a:t>9/11/2020</a:t>
+              <a:t>9/14/2020</a:t>
             </a:fld>
             <a:endParaRPr lang="en-US"/>
           </a:p>
@@ -506,7 +507,7 @@
             <a:fld id="{1D8BD707-D9CF-40AE-B4C6-C98DA3205C09}" type="datetimeFigureOut">
               <a:rPr lang="en-US" smtClean="0"/>
               <a:pPr/>
-              <a:t>9/11/2020</a:t>
+              <a:t>9/14/2020</a:t>
             </a:fld>
             <a:endParaRPr lang="en-US"/>
           </a:p>
@@ -681,7 +682,7 @@
             <a:fld id="{1D8BD707-D9CF-40AE-B4C6-C98DA3205C09}" type="datetimeFigureOut">
               <a:rPr lang="en-US" smtClean="0"/>
               <a:pPr/>
-              <a:t>9/11/2020</a:t>
+              <a:t>9/14/2020</a:t>
             </a:fld>
             <a:endParaRPr lang="en-US"/>
           </a:p>
@@ -846,7 +847,7 @@
             <a:fld id="{1D8BD707-D9CF-40AE-B4C6-C98DA3205C09}" type="datetimeFigureOut">
               <a:rPr lang="en-US" smtClean="0"/>
               <a:pPr/>
-              <a:t>9/11/2020</a:t>
+              <a:t>9/14/2020</a:t>
             </a:fld>
             <a:endParaRPr lang="en-US"/>
           </a:p>
@@ -1088,7 +1089,7 @@
             <a:fld id="{1D8BD707-D9CF-40AE-B4C6-C98DA3205C09}" type="datetimeFigureOut">
               <a:rPr lang="en-US" smtClean="0"/>
               <a:pPr/>
-              <a:t>9/11/2020</a:t>
+              <a:t>9/14/2020</a:t>
             </a:fld>
             <a:endParaRPr lang="en-US"/>
           </a:p>
@@ -1370,7 +1371,7 @@
             <a:fld id="{1D8BD707-D9CF-40AE-B4C6-C98DA3205C09}" type="datetimeFigureOut">
               <a:rPr lang="en-US" smtClean="0"/>
               <a:pPr/>
-              <a:t>9/11/2020</a:t>
+              <a:t>9/14/2020</a:t>
             </a:fld>
             <a:endParaRPr lang="en-US"/>
           </a:p>
@@ -1786,7 +1787,7 @@
             <a:fld id="{1D8BD707-D9CF-40AE-B4C6-C98DA3205C09}" type="datetimeFigureOut">
               <a:rPr lang="en-US" smtClean="0"/>
               <a:pPr/>
-              <a:t>9/11/2020</a:t>
+              <a:t>9/14/2020</a:t>
             </a:fld>
             <a:endParaRPr lang="en-US"/>
           </a:p>
@@ -1900,7 +1901,7 @@
             <a:fld id="{1D8BD707-D9CF-40AE-B4C6-C98DA3205C09}" type="datetimeFigureOut">
               <a:rPr lang="en-US" smtClean="0"/>
               <a:pPr/>
-              <a:t>9/11/2020</a:t>
+              <a:t>9/14/2020</a:t>
             </a:fld>
             <a:endParaRPr lang="en-US"/>
           </a:p>
@@ -1992,7 +1993,7 @@
             <a:fld id="{1D8BD707-D9CF-40AE-B4C6-C98DA3205C09}" type="datetimeFigureOut">
               <a:rPr lang="en-US" smtClean="0"/>
               <a:pPr/>
-              <a:t>9/11/2020</a:t>
+              <a:t>9/14/2020</a:t>
             </a:fld>
             <a:endParaRPr lang="en-US"/>
           </a:p>
@@ -2264,7 +2265,7 @@
             <a:fld id="{1D8BD707-D9CF-40AE-B4C6-C98DA3205C09}" type="datetimeFigureOut">
               <a:rPr lang="en-US" smtClean="0"/>
               <a:pPr/>
-              <a:t>9/11/2020</a:t>
+              <a:t>9/14/2020</a:t>
             </a:fld>
             <a:endParaRPr lang="en-US"/>
           </a:p>
@@ -2513,7 +2514,7 @@
             <a:fld id="{1D8BD707-D9CF-40AE-B4C6-C98DA3205C09}" type="datetimeFigureOut">
               <a:rPr lang="en-US" smtClean="0"/>
               <a:pPr/>
-              <a:t>9/11/2020</a:t>
+              <a:t>9/14/2020</a:t>
             </a:fld>
             <a:endParaRPr lang="en-US"/>
           </a:p>
@@ -2721,7 +2722,7 @@
             <a:fld id="{1D8BD707-D9CF-40AE-B4C6-C98DA3205C09}" type="datetimeFigureOut">
               <a:rPr lang="en-US" smtClean="0"/>
               <a:pPr/>
-              <a:t>9/11/2020</a:t>
+              <a:t>9/14/2020</a:t>
             </a:fld>
             <a:endParaRPr lang="en-US"/>
           </a:p>
@@ -3413,13 +3414,6 @@
       </p:transition>
     </mc:Fallback>
   </mc:AlternateContent>
-  <p:timing>
-    <p:tnLst>
-      <p:par>
-        <p:cTn id="1" dur="indefinite" restart="never" nodeType="tmRoot"/>
-      </p:par>
-    </p:tnLst>
-  </p:timing>
 </p:sld>
 </file>
 
@@ -4068,7 +4062,7 @@
           <a:p>
             <a:pPr algn="ctr"/>
             <a:r>
-              <a:rPr lang="pt-BR" sz="2800" dirty="0" smtClean="0">
+              <a:rPr lang="pt-BR" sz="2800" dirty="0">
                 <a:solidFill>
                   <a:schemeClr val="tx1">
                     <a:lumMod val="75000"/>
@@ -4081,17 +4075,6 @@
               </a:rPr>
               <a:t>01</a:t>
             </a:r>
-            <a:endParaRPr lang="pt-BR" sz="2800" dirty="0">
-              <a:solidFill>
-                <a:schemeClr val="tx1">
-                  <a:lumMod val="75000"/>
-                  <a:lumOff val="25000"/>
-                </a:schemeClr>
-              </a:solidFill>
-              <a:latin typeface="Open Sans 1" panose="020B0604020202020204" charset="0"/>
-              <a:ea typeface="Open Sans 1" panose="020B0604020202020204" charset="0"/>
-              <a:cs typeface="Open Sans 1" panose="020B0604020202020204" charset="0"/>
-            </a:endParaRPr>
           </a:p>
         </p:txBody>
       </p:sp>
@@ -4119,7 +4102,7 @@
           <a:p>
             <a:pPr algn="ctr"/>
             <a:r>
-              <a:rPr lang="pt-BR" sz="2800" dirty="0" smtClean="0">
+              <a:rPr lang="pt-BR" sz="2800" dirty="0">
                 <a:solidFill>
                   <a:schemeClr val="tx1">
                     <a:lumMod val="75000"/>
@@ -4132,17 +4115,6 @@
               </a:rPr>
               <a:t>US#01&lt;Cadastro&gt;</a:t>
             </a:r>
-            <a:endParaRPr lang="pt-BR" sz="2800" dirty="0">
-              <a:solidFill>
-                <a:schemeClr val="tx1">
-                  <a:lumMod val="75000"/>
-                  <a:lumOff val="25000"/>
-                </a:schemeClr>
-              </a:solidFill>
-              <a:latin typeface="Open Sans 1" panose="020B0604020202020204" charset="0"/>
-              <a:ea typeface="Open Sans 1" panose="020B0604020202020204" charset="0"/>
-              <a:cs typeface="Open Sans 1" panose="020B0604020202020204" charset="0"/>
-            </a:endParaRPr>
           </a:p>
         </p:txBody>
       </p:sp>
@@ -4170,7 +4142,7 @@
           <a:p>
             <a:pPr algn="ctr"/>
             <a:r>
-              <a:rPr lang="pt-BR" sz="2800" dirty="0" smtClean="0">
+              <a:rPr lang="pt-BR" sz="2800" dirty="0">
                 <a:solidFill>
                   <a:schemeClr val="tx1">
                     <a:lumMod val="75000"/>
@@ -4183,17 +4155,6 @@
               </a:rPr>
               <a:t>Cadastro da maquina</a:t>
             </a:r>
-            <a:endParaRPr lang="pt-BR" sz="2800" dirty="0">
-              <a:solidFill>
-                <a:schemeClr val="tx1">
-                  <a:lumMod val="75000"/>
-                  <a:lumOff val="25000"/>
-                </a:schemeClr>
-              </a:solidFill>
-              <a:latin typeface="Open Sans 1" panose="020B0604020202020204" charset="0"/>
-              <a:ea typeface="Open Sans 1" panose="020B0604020202020204" charset="0"/>
-              <a:cs typeface="Open Sans 1" panose="020B0604020202020204" charset="0"/>
-            </a:endParaRPr>
           </a:p>
         </p:txBody>
       </p:sp>
@@ -4221,7 +4182,7 @@
           <a:p>
             <a:pPr algn="ctr"/>
             <a:r>
-              <a:rPr lang="pt-BR" sz="2800" dirty="0" smtClean="0">
+              <a:rPr lang="pt-BR" sz="2800" dirty="0">
                 <a:solidFill>
                   <a:schemeClr val="tx1">
                     <a:lumMod val="75000"/>
@@ -4234,17 +4195,6 @@
               </a:rPr>
               <a:t>Essencial</a:t>
             </a:r>
-            <a:endParaRPr lang="pt-BR" sz="2800" dirty="0">
-              <a:solidFill>
-                <a:schemeClr val="tx1">
-                  <a:lumMod val="75000"/>
-                  <a:lumOff val="25000"/>
-                </a:schemeClr>
-              </a:solidFill>
-              <a:latin typeface="Open Sans 1" panose="020B0604020202020204" charset="0"/>
-              <a:ea typeface="Open Sans 1" panose="020B0604020202020204" charset="0"/>
-              <a:cs typeface="Open Sans 1" panose="020B0604020202020204" charset="0"/>
-            </a:endParaRPr>
           </a:p>
         </p:txBody>
       </p:sp>
@@ -4272,7 +4222,7 @@
           <a:p>
             <a:pPr algn="ctr"/>
             <a:r>
-              <a:rPr lang="pt-BR" sz="2800" dirty="0" smtClean="0">
+              <a:rPr lang="pt-BR" sz="2800" dirty="0">
                 <a:solidFill>
                   <a:schemeClr val="tx1">
                     <a:lumMod val="75000"/>
@@ -4285,17 +4235,6 @@
               </a:rPr>
               <a:t>Grande</a:t>
             </a:r>
-            <a:endParaRPr lang="pt-BR" sz="2800" dirty="0">
-              <a:solidFill>
-                <a:schemeClr val="tx1">
-                  <a:lumMod val="75000"/>
-                  <a:lumOff val="25000"/>
-                </a:schemeClr>
-              </a:solidFill>
-              <a:latin typeface="Open Sans 1" panose="020B0604020202020204" charset="0"/>
-              <a:ea typeface="Open Sans 1" panose="020B0604020202020204" charset="0"/>
-              <a:cs typeface="Open Sans 1" panose="020B0604020202020204" charset="0"/>
-            </a:endParaRPr>
           </a:p>
         </p:txBody>
       </p:sp>
@@ -4323,7 +4262,7 @@
           <a:p>
             <a:pPr algn="ctr"/>
             <a:r>
-              <a:rPr lang="pt-BR" sz="2800" dirty="0" smtClean="0">
+              <a:rPr lang="pt-BR" sz="2800" dirty="0">
                 <a:solidFill>
                   <a:schemeClr val="tx1">
                     <a:lumMod val="75000"/>
@@ -4336,17 +4275,6 @@
               </a:rPr>
               <a:t>Funcional</a:t>
             </a:r>
-            <a:endParaRPr lang="pt-BR" sz="2800" dirty="0">
-              <a:solidFill>
-                <a:schemeClr val="tx1">
-                  <a:lumMod val="75000"/>
-                  <a:lumOff val="25000"/>
-                </a:schemeClr>
-              </a:solidFill>
-              <a:latin typeface="Open Sans 1" panose="020B0604020202020204" charset="0"/>
-              <a:ea typeface="Open Sans 1" panose="020B0604020202020204" charset="0"/>
-              <a:cs typeface="Open Sans 1" panose="020B0604020202020204" charset="0"/>
-            </a:endParaRPr>
           </a:p>
         </p:txBody>
       </p:sp>
@@ -4374,7 +4302,7 @@
           <a:p>
             <a:pPr algn="ctr"/>
             <a:r>
-              <a:rPr lang="pt-BR" sz="2800" dirty="0" smtClean="0">
+              <a:rPr lang="pt-BR" sz="2800" dirty="0">
                 <a:solidFill>
                   <a:schemeClr val="tx1">
                     <a:lumMod val="75000"/>
@@ -4387,17 +4315,6 @@
               </a:rPr>
               <a:t>01</a:t>
             </a:r>
-            <a:endParaRPr lang="pt-BR" sz="2800" dirty="0">
-              <a:solidFill>
-                <a:schemeClr val="tx1">
-                  <a:lumMod val="75000"/>
-                  <a:lumOff val="25000"/>
-                </a:schemeClr>
-              </a:solidFill>
-              <a:latin typeface="Open Sans 1" panose="020B0604020202020204" charset="0"/>
-              <a:ea typeface="Open Sans 1" panose="020B0604020202020204" charset="0"/>
-              <a:cs typeface="Open Sans 1" panose="020B0604020202020204" charset="0"/>
-            </a:endParaRPr>
           </a:p>
         </p:txBody>
       </p:sp>
@@ -4425,7 +4342,7 @@
           <a:p>
             <a:pPr algn="ctr"/>
             <a:r>
-              <a:rPr lang="pt-BR" sz="2800" dirty="0" smtClean="0">
+              <a:rPr lang="pt-BR" sz="2800" dirty="0">
                 <a:solidFill>
                   <a:schemeClr val="tx1">
                     <a:lumMod val="75000"/>
@@ -4438,17 +4355,6 @@
               </a:rPr>
               <a:t>US#01&lt;Cadastro&gt;</a:t>
             </a:r>
-            <a:endParaRPr lang="pt-BR" sz="2800" dirty="0">
-              <a:solidFill>
-                <a:schemeClr val="tx1">
-                  <a:lumMod val="75000"/>
-                  <a:lumOff val="25000"/>
-                </a:schemeClr>
-              </a:solidFill>
-              <a:latin typeface="Open Sans 1" panose="020B0604020202020204" charset="0"/>
-              <a:ea typeface="Open Sans 1" panose="020B0604020202020204" charset="0"/>
-              <a:cs typeface="Open Sans 1" panose="020B0604020202020204" charset="0"/>
-            </a:endParaRPr>
           </a:p>
         </p:txBody>
       </p:sp>
@@ -4476,7 +4382,7 @@
           <a:p>
             <a:pPr algn="ctr"/>
             <a:r>
-              <a:rPr lang="pt-BR" sz="2800" dirty="0" smtClean="0">
+              <a:rPr lang="pt-BR" sz="2800" dirty="0">
                 <a:solidFill>
                   <a:schemeClr val="tx1">
                     <a:lumMod val="75000"/>
@@ -4489,17 +4395,6 @@
               </a:rPr>
               <a:t>Cadastro da maquina</a:t>
             </a:r>
-            <a:endParaRPr lang="pt-BR" sz="2800" dirty="0">
-              <a:solidFill>
-                <a:schemeClr val="tx1">
-                  <a:lumMod val="75000"/>
-                  <a:lumOff val="25000"/>
-                </a:schemeClr>
-              </a:solidFill>
-              <a:latin typeface="Open Sans 1" panose="020B0604020202020204" charset="0"/>
-              <a:ea typeface="Open Sans 1" panose="020B0604020202020204" charset="0"/>
-              <a:cs typeface="Open Sans 1" panose="020B0604020202020204" charset="0"/>
-            </a:endParaRPr>
           </a:p>
         </p:txBody>
       </p:sp>
@@ -4527,7 +4422,7 @@
           <a:p>
             <a:pPr algn="ctr"/>
             <a:r>
-              <a:rPr lang="pt-BR" sz="2800" dirty="0" smtClean="0">
+              <a:rPr lang="pt-BR" sz="2800" dirty="0">
                 <a:solidFill>
                   <a:schemeClr val="tx1">
                     <a:lumMod val="75000"/>
@@ -4540,17 +4435,6 @@
               </a:rPr>
               <a:t>Essencial</a:t>
             </a:r>
-            <a:endParaRPr lang="pt-BR" sz="2800" dirty="0">
-              <a:solidFill>
-                <a:schemeClr val="tx1">
-                  <a:lumMod val="75000"/>
-                  <a:lumOff val="25000"/>
-                </a:schemeClr>
-              </a:solidFill>
-              <a:latin typeface="Open Sans 1" panose="020B0604020202020204" charset="0"/>
-              <a:ea typeface="Open Sans 1" panose="020B0604020202020204" charset="0"/>
-              <a:cs typeface="Open Sans 1" panose="020B0604020202020204" charset="0"/>
-            </a:endParaRPr>
           </a:p>
         </p:txBody>
       </p:sp>
@@ -4578,7 +4462,7 @@
           <a:p>
             <a:pPr algn="ctr"/>
             <a:r>
-              <a:rPr lang="pt-BR" sz="2800" dirty="0" smtClean="0">
+              <a:rPr lang="pt-BR" sz="2800" dirty="0">
                 <a:solidFill>
                   <a:schemeClr val="tx1">
                     <a:lumMod val="75000"/>
@@ -4591,17 +4475,6 @@
               </a:rPr>
               <a:t>Grande</a:t>
             </a:r>
-            <a:endParaRPr lang="pt-BR" sz="2800" dirty="0">
-              <a:solidFill>
-                <a:schemeClr val="tx1">
-                  <a:lumMod val="75000"/>
-                  <a:lumOff val="25000"/>
-                </a:schemeClr>
-              </a:solidFill>
-              <a:latin typeface="Open Sans 1" panose="020B0604020202020204" charset="0"/>
-              <a:ea typeface="Open Sans 1" panose="020B0604020202020204" charset="0"/>
-              <a:cs typeface="Open Sans 1" panose="020B0604020202020204" charset="0"/>
-            </a:endParaRPr>
           </a:p>
         </p:txBody>
       </p:sp>
@@ -4629,7 +4502,7 @@
           <a:p>
             <a:pPr algn="ctr"/>
             <a:r>
-              <a:rPr lang="pt-BR" sz="2800" dirty="0" smtClean="0">
+              <a:rPr lang="pt-BR" sz="2800" dirty="0">
                 <a:solidFill>
                   <a:schemeClr val="tx1">
                     <a:lumMod val="75000"/>
@@ -4642,17 +4515,6 @@
               </a:rPr>
               <a:t>Funcional</a:t>
             </a:r>
-            <a:endParaRPr lang="pt-BR" sz="2800" dirty="0">
-              <a:solidFill>
-                <a:schemeClr val="tx1">
-                  <a:lumMod val="75000"/>
-                  <a:lumOff val="25000"/>
-                </a:schemeClr>
-              </a:solidFill>
-              <a:latin typeface="Open Sans 1" panose="020B0604020202020204" charset="0"/>
-              <a:ea typeface="Open Sans 1" panose="020B0604020202020204" charset="0"/>
-              <a:cs typeface="Open Sans 1" panose="020B0604020202020204" charset="0"/>
-            </a:endParaRPr>
           </a:p>
         </p:txBody>
       </p:sp>
@@ -4680,7 +4542,7 @@
           <a:p>
             <a:pPr algn="ctr"/>
             <a:r>
-              <a:rPr lang="pt-BR" sz="2800" dirty="0" smtClean="0">
+              <a:rPr lang="pt-BR" sz="2800" dirty="0">
                 <a:solidFill>
                   <a:schemeClr val="tx1">
                     <a:lumMod val="75000"/>
@@ -4693,17 +4555,6 @@
               </a:rPr>
               <a:t>01</a:t>
             </a:r>
-            <a:endParaRPr lang="pt-BR" sz="2800" dirty="0">
-              <a:solidFill>
-                <a:schemeClr val="tx1">
-                  <a:lumMod val="75000"/>
-                  <a:lumOff val="25000"/>
-                </a:schemeClr>
-              </a:solidFill>
-              <a:latin typeface="Open Sans 1" panose="020B0604020202020204" charset="0"/>
-              <a:ea typeface="Open Sans 1" panose="020B0604020202020204" charset="0"/>
-              <a:cs typeface="Open Sans 1" panose="020B0604020202020204" charset="0"/>
-            </a:endParaRPr>
           </a:p>
         </p:txBody>
       </p:sp>
@@ -4731,7 +4582,7 @@
           <a:p>
             <a:pPr algn="ctr"/>
             <a:r>
-              <a:rPr lang="pt-BR" sz="2800" dirty="0" smtClean="0">
+              <a:rPr lang="pt-BR" sz="2800" dirty="0">
                 <a:solidFill>
                   <a:schemeClr val="tx1">
                     <a:lumMod val="75000"/>
@@ -4744,17 +4595,6 @@
               </a:rPr>
               <a:t>US#01&lt;Cadastro&gt;</a:t>
             </a:r>
-            <a:endParaRPr lang="pt-BR" sz="2800" dirty="0">
-              <a:solidFill>
-                <a:schemeClr val="tx1">
-                  <a:lumMod val="75000"/>
-                  <a:lumOff val="25000"/>
-                </a:schemeClr>
-              </a:solidFill>
-              <a:latin typeface="Open Sans 1" panose="020B0604020202020204" charset="0"/>
-              <a:ea typeface="Open Sans 1" panose="020B0604020202020204" charset="0"/>
-              <a:cs typeface="Open Sans 1" panose="020B0604020202020204" charset="0"/>
-            </a:endParaRPr>
           </a:p>
         </p:txBody>
       </p:sp>
@@ -4782,7 +4622,7 @@
           <a:p>
             <a:pPr algn="ctr"/>
             <a:r>
-              <a:rPr lang="pt-BR" sz="2800" dirty="0" smtClean="0">
+              <a:rPr lang="pt-BR" sz="2800" dirty="0">
                 <a:solidFill>
                   <a:schemeClr val="tx1">
                     <a:lumMod val="75000"/>
@@ -4795,17 +4635,6 @@
               </a:rPr>
               <a:t>Cadastro da maquina</a:t>
             </a:r>
-            <a:endParaRPr lang="pt-BR" sz="2800" dirty="0">
-              <a:solidFill>
-                <a:schemeClr val="tx1">
-                  <a:lumMod val="75000"/>
-                  <a:lumOff val="25000"/>
-                </a:schemeClr>
-              </a:solidFill>
-              <a:latin typeface="Open Sans 1" panose="020B0604020202020204" charset="0"/>
-              <a:ea typeface="Open Sans 1" panose="020B0604020202020204" charset="0"/>
-              <a:cs typeface="Open Sans 1" panose="020B0604020202020204" charset="0"/>
-            </a:endParaRPr>
           </a:p>
         </p:txBody>
       </p:sp>
@@ -4833,7 +4662,7 @@
           <a:p>
             <a:pPr algn="ctr"/>
             <a:r>
-              <a:rPr lang="pt-BR" sz="2800" dirty="0" smtClean="0">
+              <a:rPr lang="pt-BR" sz="2800" dirty="0">
                 <a:solidFill>
                   <a:schemeClr val="tx1">
                     <a:lumMod val="75000"/>
@@ -4846,17 +4675,6 @@
               </a:rPr>
               <a:t>Essencial</a:t>
             </a:r>
-            <a:endParaRPr lang="pt-BR" sz="2800" dirty="0">
-              <a:solidFill>
-                <a:schemeClr val="tx1">
-                  <a:lumMod val="75000"/>
-                  <a:lumOff val="25000"/>
-                </a:schemeClr>
-              </a:solidFill>
-              <a:latin typeface="Open Sans 1" panose="020B0604020202020204" charset="0"/>
-              <a:ea typeface="Open Sans 1" panose="020B0604020202020204" charset="0"/>
-              <a:cs typeface="Open Sans 1" panose="020B0604020202020204" charset="0"/>
-            </a:endParaRPr>
           </a:p>
         </p:txBody>
       </p:sp>
@@ -4884,7 +4702,7 @@
           <a:p>
             <a:pPr algn="ctr"/>
             <a:r>
-              <a:rPr lang="pt-BR" sz="2800" dirty="0" smtClean="0">
+              <a:rPr lang="pt-BR" sz="2800" dirty="0">
                 <a:solidFill>
                   <a:schemeClr val="tx1">
                     <a:lumMod val="75000"/>
@@ -4897,17 +4715,6 @@
               </a:rPr>
               <a:t>Grande</a:t>
             </a:r>
-            <a:endParaRPr lang="pt-BR" sz="2800" dirty="0">
-              <a:solidFill>
-                <a:schemeClr val="tx1">
-                  <a:lumMod val="75000"/>
-                  <a:lumOff val="25000"/>
-                </a:schemeClr>
-              </a:solidFill>
-              <a:latin typeface="Open Sans 1" panose="020B0604020202020204" charset="0"/>
-              <a:ea typeface="Open Sans 1" panose="020B0604020202020204" charset="0"/>
-              <a:cs typeface="Open Sans 1" panose="020B0604020202020204" charset="0"/>
-            </a:endParaRPr>
           </a:p>
         </p:txBody>
       </p:sp>
@@ -4935,7 +4742,7 @@
           <a:p>
             <a:pPr algn="ctr"/>
             <a:r>
-              <a:rPr lang="pt-BR" sz="2800" dirty="0" smtClean="0">
+              <a:rPr lang="pt-BR" sz="2800" dirty="0">
                 <a:solidFill>
                   <a:schemeClr val="tx1">
                     <a:lumMod val="75000"/>
@@ -4948,17 +4755,6 @@
               </a:rPr>
               <a:t>Funcional</a:t>
             </a:r>
-            <a:endParaRPr lang="pt-BR" sz="2800" dirty="0">
-              <a:solidFill>
-                <a:schemeClr val="tx1">
-                  <a:lumMod val="75000"/>
-                  <a:lumOff val="25000"/>
-                </a:schemeClr>
-              </a:solidFill>
-              <a:latin typeface="Open Sans 1" panose="020B0604020202020204" charset="0"/>
-              <a:ea typeface="Open Sans 1" panose="020B0604020202020204" charset="0"/>
-              <a:cs typeface="Open Sans 1" panose="020B0604020202020204" charset="0"/>
-            </a:endParaRPr>
           </a:p>
         </p:txBody>
       </p:sp>
@@ -4986,7 +4782,7 @@
           <a:p>
             <a:pPr algn="ctr"/>
             <a:r>
-              <a:rPr lang="pt-BR" sz="2800" dirty="0" smtClean="0">
+              <a:rPr lang="pt-BR" sz="2800" dirty="0">
                 <a:solidFill>
                   <a:schemeClr val="tx1">
                     <a:lumMod val="75000"/>
@@ -4999,17 +4795,6 @@
               </a:rPr>
               <a:t>01</a:t>
             </a:r>
-            <a:endParaRPr lang="pt-BR" sz="2800" dirty="0">
-              <a:solidFill>
-                <a:schemeClr val="tx1">
-                  <a:lumMod val="75000"/>
-                  <a:lumOff val="25000"/>
-                </a:schemeClr>
-              </a:solidFill>
-              <a:latin typeface="Open Sans 1" panose="020B0604020202020204" charset="0"/>
-              <a:ea typeface="Open Sans 1" panose="020B0604020202020204" charset="0"/>
-              <a:cs typeface="Open Sans 1" panose="020B0604020202020204" charset="0"/>
-            </a:endParaRPr>
           </a:p>
         </p:txBody>
       </p:sp>
@@ -5037,7 +4822,7 @@
           <a:p>
             <a:pPr algn="ctr"/>
             <a:r>
-              <a:rPr lang="pt-BR" sz="2800" dirty="0" smtClean="0">
+              <a:rPr lang="pt-BR" sz="2800" dirty="0">
                 <a:solidFill>
                   <a:schemeClr val="tx1">
                     <a:lumMod val="75000"/>
@@ -5050,17 +4835,6 @@
               </a:rPr>
               <a:t>US#01&lt;Cadastro&gt;</a:t>
             </a:r>
-            <a:endParaRPr lang="pt-BR" sz="2800" dirty="0">
-              <a:solidFill>
-                <a:schemeClr val="tx1">
-                  <a:lumMod val="75000"/>
-                  <a:lumOff val="25000"/>
-                </a:schemeClr>
-              </a:solidFill>
-              <a:latin typeface="Open Sans 1" panose="020B0604020202020204" charset="0"/>
-              <a:ea typeface="Open Sans 1" panose="020B0604020202020204" charset="0"/>
-              <a:cs typeface="Open Sans 1" panose="020B0604020202020204" charset="0"/>
-            </a:endParaRPr>
           </a:p>
         </p:txBody>
       </p:sp>
@@ -5088,7 +4862,7 @@
           <a:p>
             <a:pPr algn="ctr"/>
             <a:r>
-              <a:rPr lang="pt-BR" sz="2800" dirty="0" smtClean="0">
+              <a:rPr lang="pt-BR" sz="2800" dirty="0">
                 <a:solidFill>
                   <a:schemeClr val="tx1">
                     <a:lumMod val="75000"/>
@@ -5101,17 +4875,6 @@
               </a:rPr>
               <a:t>Cadastro da maquina</a:t>
             </a:r>
-            <a:endParaRPr lang="pt-BR" sz="2800" dirty="0">
-              <a:solidFill>
-                <a:schemeClr val="tx1">
-                  <a:lumMod val="75000"/>
-                  <a:lumOff val="25000"/>
-                </a:schemeClr>
-              </a:solidFill>
-              <a:latin typeface="Open Sans 1" panose="020B0604020202020204" charset="0"/>
-              <a:ea typeface="Open Sans 1" panose="020B0604020202020204" charset="0"/>
-              <a:cs typeface="Open Sans 1" panose="020B0604020202020204" charset="0"/>
-            </a:endParaRPr>
           </a:p>
         </p:txBody>
       </p:sp>
@@ -5139,7 +4902,7 @@
           <a:p>
             <a:pPr algn="ctr"/>
             <a:r>
-              <a:rPr lang="pt-BR" sz="2800" dirty="0" smtClean="0">
+              <a:rPr lang="pt-BR" sz="2800" dirty="0">
                 <a:solidFill>
                   <a:schemeClr val="tx1">
                     <a:lumMod val="75000"/>
@@ -5152,17 +4915,6 @@
               </a:rPr>
               <a:t>Essencial</a:t>
             </a:r>
-            <a:endParaRPr lang="pt-BR" sz="2800" dirty="0">
-              <a:solidFill>
-                <a:schemeClr val="tx1">
-                  <a:lumMod val="75000"/>
-                  <a:lumOff val="25000"/>
-                </a:schemeClr>
-              </a:solidFill>
-              <a:latin typeface="Open Sans 1" panose="020B0604020202020204" charset="0"/>
-              <a:ea typeface="Open Sans 1" panose="020B0604020202020204" charset="0"/>
-              <a:cs typeface="Open Sans 1" panose="020B0604020202020204" charset="0"/>
-            </a:endParaRPr>
           </a:p>
         </p:txBody>
       </p:sp>
@@ -5190,7 +4942,7 @@
           <a:p>
             <a:pPr algn="ctr"/>
             <a:r>
-              <a:rPr lang="pt-BR" sz="2800" dirty="0" smtClean="0">
+              <a:rPr lang="pt-BR" sz="2800" dirty="0">
                 <a:solidFill>
                   <a:schemeClr val="tx1">
                     <a:lumMod val="75000"/>
@@ -5203,17 +4955,6 @@
               </a:rPr>
               <a:t>Grande</a:t>
             </a:r>
-            <a:endParaRPr lang="pt-BR" sz="2800" dirty="0">
-              <a:solidFill>
-                <a:schemeClr val="tx1">
-                  <a:lumMod val="75000"/>
-                  <a:lumOff val="25000"/>
-                </a:schemeClr>
-              </a:solidFill>
-              <a:latin typeface="Open Sans 1" panose="020B0604020202020204" charset="0"/>
-              <a:ea typeface="Open Sans 1" panose="020B0604020202020204" charset="0"/>
-              <a:cs typeface="Open Sans 1" panose="020B0604020202020204" charset="0"/>
-            </a:endParaRPr>
           </a:p>
         </p:txBody>
       </p:sp>
@@ -5241,7 +4982,7 @@
           <a:p>
             <a:pPr algn="ctr"/>
             <a:r>
-              <a:rPr lang="pt-BR" sz="2800" dirty="0" smtClean="0">
+              <a:rPr lang="pt-BR" sz="2800" dirty="0">
                 <a:solidFill>
                   <a:schemeClr val="tx1">
                     <a:lumMod val="75000"/>
@@ -5254,17 +4995,6 @@
               </a:rPr>
               <a:t>Funcional</a:t>
             </a:r>
-            <a:endParaRPr lang="pt-BR" sz="2800" dirty="0">
-              <a:solidFill>
-                <a:schemeClr val="tx1">
-                  <a:lumMod val="75000"/>
-                  <a:lumOff val="25000"/>
-                </a:schemeClr>
-              </a:solidFill>
-              <a:latin typeface="Open Sans 1" panose="020B0604020202020204" charset="0"/>
-              <a:ea typeface="Open Sans 1" panose="020B0604020202020204" charset="0"/>
-              <a:cs typeface="Open Sans 1" panose="020B0604020202020204" charset="0"/>
-            </a:endParaRPr>
           </a:p>
         </p:txBody>
       </p:sp>
@@ -5292,7 +5022,7 @@
           <a:p>
             <a:pPr algn="ctr"/>
             <a:r>
-              <a:rPr lang="pt-BR" sz="2800" dirty="0" smtClean="0">
+              <a:rPr lang="pt-BR" sz="2800" dirty="0">
                 <a:solidFill>
                   <a:schemeClr val="tx1">
                     <a:lumMod val="75000"/>
@@ -5305,17 +5035,6 @@
               </a:rPr>
               <a:t>01</a:t>
             </a:r>
-            <a:endParaRPr lang="pt-BR" sz="2800" dirty="0">
-              <a:solidFill>
-                <a:schemeClr val="tx1">
-                  <a:lumMod val="75000"/>
-                  <a:lumOff val="25000"/>
-                </a:schemeClr>
-              </a:solidFill>
-              <a:latin typeface="Open Sans 1" panose="020B0604020202020204" charset="0"/>
-              <a:ea typeface="Open Sans 1" panose="020B0604020202020204" charset="0"/>
-              <a:cs typeface="Open Sans 1" panose="020B0604020202020204" charset="0"/>
-            </a:endParaRPr>
           </a:p>
         </p:txBody>
       </p:sp>
@@ -5343,7 +5062,7 @@
           <a:p>
             <a:pPr algn="ctr"/>
             <a:r>
-              <a:rPr lang="pt-BR" sz="2800" dirty="0" smtClean="0">
+              <a:rPr lang="pt-BR" sz="2800" dirty="0">
                 <a:solidFill>
                   <a:schemeClr val="tx1">
                     <a:lumMod val="75000"/>
@@ -5356,17 +5075,6 @@
               </a:rPr>
               <a:t>US#01&lt;Cadastro&gt;</a:t>
             </a:r>
-            <a:endParaRPr lang="pt-BR" sz="2800" dirty="0">
-              <a:solidFill>
-                <a:schemeClr val="tx1">
-                  <a:lumMod val="75000"/>
-                  <a:lumOff val="25000"/>
-                </a:schemeClr>
-              </a:solidFill>
-              <a:latin typeface="Open Sans 1" panose="020B0604020202020204" charset="0"/>
-              <a:ea typeface="Open Sans 1" panose="020B0604020202020204" charset="0"/>
-              <a:cs typeface="Open Sans 1" panose="020B0604020202020204" charset="0"/>
-            </a:endParaRPr>
           </a:p>
         </p:txBody>
       </p:sp>
@@ -5394,7 +5102,7 @@
           <a:p>
             <a:pPr algn="ctr"/>
             <a:r>
-              <a:rPr lang="pt-BR" sz="2800" dirty="0" smtClean="0">
+              <a:rPr lang="pt-BR" sz="2800" dirty="0">
                 <a:solidFill>
                   <a:schemeClr val="tx1">
                     <a:lumMod val="75000"/>
@@ -5407,17 +5115,6 @@
               </a:rPr>
               <a:t>Cadastro da maquina</a:t>
             </a:r>
-            <a:endParaRPr lang="pt-BR" sz="2800" dirty="0">
-              <a:solidFill>
-                <a:schemeClr val="tx1">
-                  <a:lumMod val="75000"/>
-                  <a:lumOff val="25000"/>
-                </a:schemeClr>
-              </a:solidFill>
-              <a:latin typeface="Open Sans 1" panose="020B0604020202020204" charset="0"/>
-              <a:ea typeface="Open Sans 1" panose="020B0604020202020204" charset="0"/>
-              <a:cs typeface="Open Sans 1" panose="020B0604020202020204" charset="0"/>
-            </a:endParaRPr>
           </a:p>
         </p:txBody>
       </p:sp>
@@ -5445,7 +5142,7 @@
           <a:p>
             <a:pPr algn="ctr"/>
             <a:r>
-              <a:rPr lang="pt-BR" sz="2800" dirty="0" smtClean="0">
+              <a:rPr lang="pt-BR" sz="2800" dirty="0">
                 <a:solidFill>
                   <a:schemeClr val="tx1">
                     <a:lumMod val="75000"/>
@@ -5458,17 +5155,6 @@
               </a:rPr>
               <a:t>Essencial</a:t>
             </a:r>
-            <a:endParaRPr lang="pt-BR" sz="2800" dirty="0">
-              <a:solidFill>
-                <a:schemeClr val="tx1">
-                  <a:lumMod val="75000"/>
-                  <a:lumOff val="25000"/>
-                </a:schemeClr>
-              </a:solidFill>
-              <a:latin typeface="Open Sans 1" panose="020B0604020202020204" charset="0"/>
-              <a:ea typeface="Open Sans 1" panose="020B0604020202020204" charset="0"/>
-              <a:cs typeface="Open Sans 1" panose="020B0604020202020204" charset="0"/>
-            </a:endParaRPr>
           </a:p>
         </p:txBody>
       </p:sp>
@@ -5496,7 +5182,7 @@
           <a:p>
             <a:pPr algn="ctr"/>
             <a:r>
-              <a:rPr lang="pt-BR" sz="2800" dirty="0" smtClean="0">
+              <a:rPr lang="pt-BR" sz="2800" dirty="0">
                 <a:solidFill>
                   <a:schemeClr val="tx1">
                     <a:lumMod val="75000"/>
@@ -5509,17 +5195,6 @@
               </a:rPr>
               <a:t>Grande</a:t>
             </a:r>
-            <a:endParaRPr lang="pt-BR" sz="2800" dirty="0">
-              <a:solidFill>
-                <a:schemeClr val="tx1">
-                  <a:lumMod val="75000"/>
-                  <a:lumOff val="25000"/>
-                </a:schemeClr>
-              </a:solidFill>
-              <a:latin typeface="Open Sans 1" panose="020B0604020202020204" charset="0"/>
-              <a:ea typeface="Open Sans 1" panose="020B0604020202020204" charset="0"/>
-              <a:cs typeface="Open Sans 1" panose="020B0604020202020204" charset="0"/>
-            </a:endParaRPr>
           </a:p>
         </p:txBody>
       </p:sp>
@@ -5547,7 +5222,7 @@
           <a:p>
             <a:pPr algn="ctr"/>
             <a:r>
-              <a:rPr lang="pt-BR" sz="2800" dirty="0" smtClean="0">
+              <a:rPr lang="pt-BR" sz="2800" dirty="0">
                 <a:solidFill>
                   <a:schemeClr val="tx1">
                     <a:lumMod val="75000"/>
@@ -5560,17 +5235,6 @@
               </a:rPr>
               <a:t>Funcional</a:t>
             </a:r>
-            <a:endParaRPr lang="pt-BR" sz="2800" dirty="0">
-              <a:solidFill>
-                <a:schemeClr val="tx1">
-                  <a:lumMod val="75000"/>
-                  <a:lumOff val="25000"/>
-                </a:schemeClr>
-              </a:solidFill>
-              <a:latin typeface="Open Sans 1" panose="020B0604020202020204" charset="0"/>
-              <a:ea typeface="Open Sans 1" panose="020B0604020202020204" charset="0"/>
-              <a:cs typeface="Open Sans 1" panose="020B0604020202020204" charset="0"/>
-            </a:endParaRPr>
           </a:p>
         </p:txBody>
       </p:sp>
@@ -5598,7 +5262,7 @@
           <a:p>
             <a:pPr algn="ctr"/>
             <a:r>
-              <a:rPr lang="pt-BR" sz="2800" dirty="0" smtClean="0">
+              <a:rPr lang="pt-BR" sz="2800" dirty="0">
                 <a:solidFill>
                   <a:schemeClr val="tx1">
                     <a:lumMod val="75000"/>
@@ -5611,17 +5275,6 @@
               </a:rPr>
               <a:t>01</a:t>
             </a:r>
-            <a:endParaRPr lang="pt-BR" sz="2800" dirty="0">
-              <a:solidFill>
-                <a:schemeClr val="tx1">
-                  <a:lumMod val="75000"/>
-                  <a:lumOff val="25000"/>
-                </a:schemeClr>
-              </a:solidFill>
-              <a:latin typeface="Open Sans 1" panose="020B0604020202020204" charset="0"/>
-              <a:ea typeface="Open Sans 1" panose="020B0604020202020204" charset="0"/>
-              <a:cs typeface="Open Sans 1" panose="020B0604020202020204" charset="0"/>
-            </a:endParaRPr>
           </a:p>
         </p:txBody>
       </p:sp>
@@ -5649,7 +5302,7 @@
           <a:p>
             <a:pPr algn="ctr"/>
             <a:r>
-              <a:rPr lang="pt-BR" sz="2800" dirty="0" smtClean="0">
+              <a:rPr lang="pt-BR" sz="2800" dirty="0">
                 <a:solidFill>
                   <a:schemeClr val="tx1">
                     <a:lumMod val="75000"/>
@@ -5662,17 +5315,6 @@
               </a:rPr>
               <a:t>US#01&lt;Cadastro&gt;</a:t>
             </a:r>
-            <a:endParaRPr lang="pt-BR" sz="2800" dirty="0">
-              <a:solidFill>
-                <a:schemeClr val="tx1">
-                  <a:lumMod val="75000"/>
-                  <a:lumOff val="25000"/>
-                </a:schemeClr>
-              </a:solidFill>
-              <a:latin typeface="Open Sans 1" panose="020B0604020202020204" charset="0"/>
-              <a:ea typeface="Open Sans 1" panose="020B0604020202020204" charset="0"/>
-              <a:cs typeface="Open Sans 1" panose="020B0604020202020204" charset="0"/>
-            </a:endParaRPr>
           </a:p>
         </p:txBody>
       </p:sp>
@@ -5700,7 +5342,7 @@
           <a:p>
             <a:pPr algn="ctr"/>
             <a:r>
-              <a:rPr lang="pt-BR" sz="2800" dirty="0" smtClean="0">
+              <a:rPr lang="pt-BR" sz="2800" dirty="0">
                 <a:solidFill>
                   <a:schemeClr val="tx1">
                     <a:lumMod val="75000"/>
@@ -5713,17 +5355,6 @@
               </a:rPr>
               <a:t>Cadastro da maquina</a:t>
             </a:r>
-            <a:endParaRPr lang="pt-BR" sz="2800" dirty="0">
-              <a:solidFill>
-                <a:schemeClr val="tx1">
-                  <a:lumMod val="75000"/>
-                  <a:lumOff val="25000"/>
-                </a:schemeClr>
-              </a:solidFill>
-              <a:latin typeface="Open Sans 1" panose="020B0604020202020204" charset="0"/>
-              <a:ea typeface="Open Sans 1" panose="020B0604020202020204" charset="0"/>
-              <a:cs typeface="Open Sans 1" panose="020B0604020202020204" charset="0"/>
-            </a:endParaRPr>
           </a:p>
         </p:txBody>
       </p:sp>
@@ -5751,7 +5382,7 @@
           <a:p>
             <a:pPr algn="ctr"/>
             <a:r>
-              <a:rPr lang="pt-BR" sz="2800" dirty="0" smtClean="0">
+              <a:rPr lang="pt-BR" sz="2800" dirty="0">
                 <a:solidFill>
                   <a:schemeClr val="tx1">
                     <a:lumMod val="75000"/>
@@ -5764,17 +5395,6 @@
               </a:rPr>
               <a:t>Essencial</a:t>
             </a:r>
-            <a:endParaRPr lang="pt-BR" sz="2800" dirty="0">
-              <a:solidFill>
-                <a:schemeClr val="tx1">
-                  <a:lumMod val="75000"/>
-                  <a:lumOff val="25000"/>
-                </a:schemeClr>
-              </a:solidFill>
-              <a:latin typeface="Open Sans 1" panose="020B0604020202020204" charset="0"/>
-              <a:ea typeface="Open Sans 1" panose="020B0604020202020204" charset="0"/>
-              <a:cs typeface="Open Sans 1" panose="020B0604020202020204" charset="0"/>
-            </a:endParaRPr>
           </a:p>
         </p:txBody>
       </p:sp>
@@ -5802,7 +5422,7 @@
           <a:p>
             <a:pPr algn="ctr"/>
             <a:r>
-              <a:rPr lang="pt-BR" sz="2800" dirty="0" smtClean="0">
+              <a:rPr lang="pt-BR" sz="2800" dirty="0">
                 <a:solidFill>
                   <a:schemeClr val="tx1">
                     <a:lumMod val="75000"/>
@@ -5815,17 +5435,6 @@
               </a:rPr>
               <a:t>Grande</a:t>
             </a:r>
-            <a:endParaRPr lang="pt-BR" sz="2800" dirty="0">
-              <a:solidFill>
-                <a:schemeClr val="tx1">
-                  <a:lumMod val="75000"/>
-                  <a:lumOff val="25000"/>
-                </a:schemeClr>
-              </a:solidFill>
-              <a:latin typeface="Open Sans 1" panose="020B0604020202020204" charset="0"/>
-              <a:ea typeface="Open Sans 1" panose="020B0604020202020204" charset="0"/>
-              <a:cs typeface="Open Sans 1" panose="020B0604020202020204" charset="0"/>
-            </a:endParaRPr>
           </a:p>
         </p:txBody>
       </p:sp>
@@ -5853,7 +5462,7 @@
           <a:p>
             <a:pPr algn="ctr"/>
             <a:r>
-              <a:rPr lang="pt-BR" sz="2800" dirty="0" smtClean="0">
+              <a:rPr lang="pt-BR" sz="2800" dirty="0">
                 <a:solidFill>
                   <a:schemeClr val="tx1">
                     <a:lumMod val="75000"/>
@@ -5866,17 +5475,6 @@
               </a:rPr>
               <a:t>Funcional</a:t>
             </a:r>
-            <a:endParaRPr lang="pt-BR" sz="2800" dirty="0">
-              <a:solidFill>
-                <a:schemeClr val="tx1">
-                  <a:lumMod val="75000"/>
-                  <a:lumOff val="25000"/>
-                </a:schemeClr>
-              </a:solidFill>
-              <a:latin typeface="Open Sans 1" panose="020B0604020202020204" charset="0"/>
-              <a:ea typeface="Open Sans 1" panose="020B0604020202020204" charset="0"/>
-              <a:cs typeface="Open Sans 1" panose="020B0604020202020204" charset="0"/>
-            </a:endParaRPr>
           </a:p>
         </p:txBody>
       </p:sp>
@@ -5904,7 +5502,7 @@
           <a:p>
             <a:pPr algn="ctr"/>
             <a:r>
-              <a:rPr lang="pt-BR" sz="2800" dirty="0" smtClean="0">
+              <a:rPr lang="pt-BR" sz="2800" dirty="0">
                 <a:solidFill>
                   <a:schemeClr val="tx1">
                     <a:lumMod val="75000"/>
@@ -5917,17 +5515,6 @@
               </a:rPr>
               <a:t>01</a:t>
             </a:r>
-            <a:endParaRPr lang="pt-BR" sz="2800" dirty="0">
-              <a:solidFill>
-                <a:schemeClr val="tx1">
-                  <a:lumMod val="75000"/>
-                  <a:lumOff val="25000"/>
-                </a:schemeClr>
-              </a:solidFill>
-              <a:latin typeface="Open Sans 1" panose="020B0604020202020204" charset="0"/>
-              <a:ea typeface="Open Sans 1" panose="020B0604020202020204" charset="0"/>
-              <a:cs typeface="Open Sans 1" panose="020B0604020202020204" charset="0"/>
-            </a:endParaRPr>
           </a:p>
         </p:txBody>
       </p:sp>
@@ -5955,7 +5542,7 @@
           <a:p>
             <a:pPr algn="ctr"/>
             <a:r>
-              <a:rPr lang="pt-BR" sz="2800" dirty="0" smtClean="0">
+              <a:rPr lang="pt-BR" sz="2800" dirty="0">
                 <a:solidFill>
                   <a:schemeClr val="tx1">
                     <a:lumMod val="75000"/>
@@ -5968,17 +5555,6 @@
               </a:rPr>
               <a:t>US#01&lt;Cadastro&gt;</a:t>
             </a:r>
-            <a:endParaRPr lang="pt-BR" sz="2800" dirty="0">
-              <a:solidFill>
-                <a:schemeClr val="tx1">
-                  <a:lumMod val="75000"/>
-                  <a:lumOff val="25000"/>
-                </a:schemeClr>
-              </a:solidFill>
-              <a:latin typeface="Open Sans 1" panose="020B0604020202020204" charset="0"/>
-              <a:ea typeface="Open Sans 1" panose="020B0604020202020204" charset="0"/>
-              <a:cs typeface="Open Sans 1" panose="020B0604020202020204" charset="0"/>
-            </a:endParaRPr>
           </a:p>
         </p:txBody>
       </p:sp>
@@ -6006,7 +5582,7 @@
           <a:p>
             <a:pPr algn="ctr"/>
             <a:r>
-              <a:rPr lang="pt-BR" sz="2800" dirty="0" smtClean="0">
+              <a:rPr lang="pt-BR" sz="2800" dirty="0">
                 <a:solidFill>
                   <a:schemeClr val="tx1">
                     <a:lumMod val="75000"/>
@@ -6019,17 +5595,6 @@
               </a:rPr>
               <a:t>Cadastro da maquina</a:t>
             </a:r>
-            <a:endParaRPr lang="pt-BR" sz="2800" dirty="0">
-              <a:solidFill>
-                <a:schemeClr val="tx1">
-                  <a:lumMod val="75000"/>
-                  <a:lumOff val="25000"/>
-                </a:schemeClr>
-              </a:solidFill>
-              <a:latin typeface="Open Sans 1" panose="020B0604020202020204" charset="0"/>
-              <a:ea typeface="Open Sans 1" panose="020B0604020202020204" charset="0"/>
-              <a:cs typeface="Open Sans 1" panose="020B0604020202020204" charset="0"/>
-            </a:endParaRPr>
           </a:p>
         </p:txBody>
       </p:sp>
@@ -6057,7 +5622,7 @@
           <a:p>
             <a:pPr algn="ctr"/>
             <a:r>
-              <a:rPr lang="pt-BR" sz="2800" dirty="0" smtClean="0">
+              <a:rPr lang="pt-BR" sz="2800" dirty="0">
                 <a:solidFill>
                   <a:schemeClr val="tx1">
                     <a:lumMod val="75000"/>
@@ -6070,17 +5635,6 @@
               </a:rPr>
               <a:t>Essencial</a:t>
             </a:r>
-            <a:endParaRPr lang="pt-BR" sz="2800" dirty="0">
-              <a:solidFill>
-                <a:schemeClr val="tx1">
-                  <a:lumMod val="75000"/>
-                  <a:lumOff val="25000"/>
-                </a:schemeClr>
-              </a:solidFill>
-              <a:latin typeface="Open Sans 1" panose="020B0604020202020204" charset="0"/>
-              <a:ea typeface="Open Sans 1" panose="020B0604020202020204" charset="0"/>
-              <a:cs typeface="Open Sans 1" panose="020B0604020202020204" charset="0"/>
-            </a:endParaRPr>
           </a:p>
         </p:txBody>
       </p:sp>
@@ -6108,7 +5662,7 @@
           <a:p>
             <a:pPr algn="ctr"/>
             <a:r>
-              <a:rPr lang="pt-BR" sz="2800" dirty="0" smtClean="0">
+              <a:rPr lang="pt-BR" sz="2800" dirty="0">
                 <a:solidFill>
                   <a:schemeClr val="tx1">
                     <a:lumMod val="75000"/>
@@ -6121,17 +5675,6 @@
               </a:rPr>
               <a:t>Grande</a:t>
             </a:r>
-            <a:endParaRPr lang="pt-BR" sz="2800" dirty="0">
-              <a:solidFill>
-                <a:schemeClr val="tx1">
-                  <a:lumMod val="75000"/>
-                  <a:lumOff val="25000"/>
-                </a:schemeClr>
-              </a:solidFill>
-              <a:latin typeface="Open Sans 1" panose="020B0604020202020204" charset="0"/>
-              <a:ea typeface="Open Sans 1" panose="020B0604020202020204" charset="0"/>
-              <a:cs typeface="Open Sans 1" panose="020B0604020202020204" charset="0"/>
-            </a:endParaRPr>
           </a:p>
         </p:txBody>
       </p:sp>
@@ -6159,7 +5702,7 @@
           <a:p>
             <a:pPr algn="ctr"/>
             <a:r>
-              <a:rPr lang="pt-BR" sz="2800" dirty="0" smtClean="0">
+              <a:rPr lang="pt-BR" sz="2800" dirty="0">
                 <a:solidFill>
                   <a:schemeClr val="tx1">
                     <a:lumMod val="75000"/>
@@ -6172,17 +5715,6 @@
               </a:rPr>
               <a:t>Funcional</a:t>
             </a:r>
-            <a:endParaRPr lang="pt-BR" sz="2800" dirty="0">
-              <a:solidFill>
-                <a:schemeClr val="tx1">
-                  <a:lumMod val="75000"/>
-                  <a:lumOff val="25000"/>
-                </a:schemeClr>
-              </a:solidFill>
-              <a:latin typeface="Open Sans 1" panose="020B0604020202020204" charset="0"/>
-              <a:ea typeface="Open Sans 1" panose="020B0604020202020204" charset="0"/>
-              <a:cs typeface="Open Sans 1" panose="020B0604020202020204" charset="0"/>
-            </a:endParaRPr>
           </a:p>
         </p:txBody>
       </p:sp>
@@ -6210,7 +5742,7 @@
           <a:p>
             <a:pPr algn="ctr"/>
             <a:r>
-              <a:rPr lang="pt-BR" sz="2800" dirty="0" smtClean="0">
+              <a:rPr lang="pt-BR" sz="2800" dirty="0">
                 <a:solidFill>
                   <a:schemeClr val="tx1">
                     <a:lumMod val="75000"/>
@@ -6223,17 +5755,6 @@
               </a:rPr>
               <a:t>01</a:t>
             </a:r>
-            <a:endParaRPr lang="pt-BR" sz="2800" dirty="0">
-              <a:solidFill>
-                <a:schemeClr val="tx1">
-                  <a:lumMod val="75000"/>
-                  <a:lumOff val="25000"/>
-                </a:schemeClr>
-              </a:solidFill>
-              <a:latin typeface="Open Sans 1" panose="020B0604020202020204" charset="0"/>
-              <a:ea typeface="Open Sans 1" panose="020B0604020202020204" charset="0"/>
-              <a:cs typeface="Open Sans 1" panose="020B0604020202020204" charset="0"/>
-            </a:endParaRPr>
           </a:p>
         </p:txBody>
       </p:sp>
@@ -6261,7 +5782,7 @@
           <a:p>
             <a:pPr algn="ctr"/>
             <a:r>
-              <a:rPr lang="pt-BR" sz="2800" dirty="0" smtClean="0">
+              <a:rPr lang="pt-BR" sz="2800" dirty="0">
                 <a:solidFill>
                   <a:schemeClr val="tx1">
                     <a:lumMod val="75000"/>
@@ -6274,17 +5795,6 @@
               </a:rPr>
               <a:t>US#01&lt;Cadastro&gt;</a:t>
             </a:r>
-            <a:endParaRPr lang="pt-BR" sz="2800" dirty="0">
-              <a:solidFill>
-                <a:schemeClr val="tx1">
-                  <a:lumMod val="75000"/>
-                  <a:lumOff val="25000"/>
-                </a:schemeClr>
-              </a:solidFill>
-              <a:latin typeface="Open Sans 1" panose="020B0604020202020204" charset="0"/>
-              <a:ea typeface="Open Sans 1" panose="020B0604020202020204" charset="0"/>
-              <a:cs typeface="Open Sans 1" panose="020B0604020202020204" charset="0"/>
-            </a:endParaRPr>
           </a:p>
         </p:txBody>
       </p:sp>
@@ -6312,7 +5822,7 @@
           <a:p>
             <a:pPr algn="ctr"/>
             <a:r>
-              <a:rPr lang="pt-BR" sz="2800" dirty="0" smtClean="0">
+              <a:rPr lang="pt-BR" sz="2800" dirty="0">
                 <a:solidFill>
                   <a:schemeClr val="tx1">
                     <a:lumMod val="75000"/>
@@ -6325,17 +5835,6 @@
               </a:rPr>
               <a:t>Cadastro da maquina</a:t>
             </a:r>
-            <a:endParaRPr lang="pt-BR" sz="2800" dirty="0">
-              <a:solidFill>
-                <a:schemeClr val="tx1">
-                  <a:lumMod val="75000"/>
-                  <a:lumOff val="25000"/>
-                </a:schemeClr>
-              </a:solidFill>
-              <a:latin typeface="Open Sans 1" panose="020B0604020202020204" charset="0"/>
-              <a:ea typeface="Open Sans 1" panose="020B0604020202020204" charset="0"/>
-              <a:cs typeface="Open Sans 1" panose="020B0604020202020204" charset="0"/>
-            </a:endParaRPr>
           </a:p>
         </p:txBody>
       </p:sp>
@@ -6363,7 +5862,7 @@
           <a:p>
             <a:pPr algn="ctr"/>
             <a:r>
-              <a:rPr lang="pt-BR" sz="2800" dirty="0" smtClean="0">
+              <a:rPr lang="pt-BR" sz="2800" dirty="0">
                 <a:solidFill>
                   <a:schemeClr val="tx1">
                     <a:lumMod val="75000"/>
@@ -6376,17 +5875,6 @@
               </a:rPr>
               <a:t>Essencial</a:t>
             </a:r>
-            <a:endParaRPr lang="pt-BR" sz="2800" dirty="0">
-              <a:solidFill>
-                <a:schemeClr val="tx1">
-                  <a:lumMod val="75000"/>
-                  <a:lumOff val="25000"/>
-                </a:schemeClr>
-              </a:solidFill>
-              <a:latin typeface="Open Sans 1" panose="020B0604020202020204" charset="0"/>
-              <a:ea typeface="Open Sans 1" panose="020B0604020202020204" charset="0"/>
-              <a:cs typeface="Open Sans 1" panose="020B0604020202020204" charset="0"/>
-            </a:endParaRPr>
           </a:p>
         </p:txBody>
       </p:sp>
@@ -6414,7 +5902,7 @@
           <a:p>
             <a:pPr algn="ctr"/>
             <a:r>
-              <a:rPr lang="pt-BR" sz="2800" dirty="0" smtClean="0">
+              <a:rPr lang="pt-BR" sz="2800" dirty="0">
                 <a:solidFill>
                   <a:schemeClr val="tx1">
                     <a:lumMod val="75000"/>
@@ -6427,17 +5915,6 @@
               </a:rPr>
               <a:t>Grande</a:t>
             </a:r>
-            <a:endParaRPr lang="pt-BR" sz="2800" dirty="0">
-              <a:solidFill>
-                <a:schemeClr val="tx1">
-                  <a:lumMod val="75000"/>
-                  <a:lumOff val="25000"/>
-                </a:schemeClr>
-              </a:solidFill>
-              <a:latin typeface="Open Sans 1" panose="020B0604020202020204" charset="0"/>
-              <a:ea typeface="Open Sans 1" panose="020B0604020202020204" charset="0"/>
-              <a:cs typeface="Open Sans 1" panose="020B0604020202020204" charset="0"/>
-            </a:endParaRPr>
           </a:p>
         </p:txBody>
       </p:sp>
@@ -6465,7 +5942,7 @@
           <a:p>
             <a:pPr algn="ctr"/>
             <a:r>
-              <a:rPr lang="pt-BR" sz="2800" dirty="0" smtClean="0">
+              <a:rPr lang="pt-BR" sz="2800" dirty="0">
                 <a:solidFill>
                   <a:schemeClr val="tx1">
                     <a:lumMod val="75000"/>
@@ -6478,17 +5955,6 @@
               </a:rPr>
               <a:t>Funcional</a:t>
             </a:r>
-            <a:endParaRPr lang="pt-BR" sz="2800" dirty="0">
-              <a:solidFill>
-                <a:schemeClr val="tx1">
-                  <a:lumMod val="75000"/>
-                  <a:lumOff val="25000"/>
-                </a:schemeClr>
-              </a:solidFill>
-              <a:latin typeface="Open Sans 1" panose="020B0604020202020204" charset="0"/>
-              <a:ea typeface="Open Sans 1" panose="020B0604020202020204" charset="0"/>
-              <a:cs typeface="Open Sans 1" panose="020B0604020202020204" charset="0"/>
-            </a:endParaRPr>
           </a:p>
         </p:txBody>
       </p:sp>
@@ -6509,17 +5975,128 @@
       </p:transition>
     </mc:Fallback>
   </mc:AlternateContent>
-  <p:timing>
-    <p:tnLst>
-      <p:par>
-        <p:cTn id="1" dur="indefinite" restart="never" nodeType="tmRoot"/>
-      </p:par>
-    </p:tnLst>
-  </p:timing>
 </p:sld>
 </file>
 
 <file path=ppt/slides/slide12.xml><?xml version="1.0" encoding="utf-8"?>
+<p:sld xmlns:a="http://schemas.openxmlformats.org/drawingml/2006/main" xmlns:r="http://schemas.openxmlformats.org/officeDocument/2006/relationships" xmlns:p="http://schemas.openxmlformats.org/presentationml/2006/main">
+  <p:cSld>
+    <p:bg>
+      <p:bgPr>
+        <a:solidFill>
+          <a:srgbClr val="FFFEFB"/>
+        </a:solidFill>
+        <a:effectLst/>
+      </p:bgPr>
+    </p:bg>
+    <p:spTree>
+      <p:nvGrpSpPr>
+        <p:cNvPr id="1" name=""/>
+        <p:cNvGrpSpPr/>
+        <p:nvPr/>
+      </p:nvGrpSpPr>
+      <p:grpSpPr>
+        <a:xfrm>
+          <a:off x="0" y="0"/>
+          <a:ext cx="0" cy="0"/>
+          <a:chOff x="0" y="0"/>
+          <a:chExt cx="0" cy="0"/>
+        </a:xfrm>
+      </p:grpSpPr>
+      <p:sp>
+        <p:nvSpPr>
+          <p:cNvPr id="2" name="TextBox 2"/>
+          <p:cNvSpPr txBox="1"/>
+          <p:nvPr/>
+        </p:nvSpPr>
+        <p:spPr>
+          <a:xfrm>
+            <a:off x="1028700" y="866775"/>
+            <a:ext cx="10262494" cy="1533525"/>
+          </a:xfrm>
+          <a:prstGeom prst="rect">
+            <a:avLst/>
+          </a:prstGeom>
+        </p:spPr>
+        <p:txBody>
+          <a:bodyPr lIns="0" tIns="0" rIns="0" bIns="0" rtlCol="0" anchor="t">
+            <a:spAutoFit/>
+          </a:bodyPr>
+          <a:lstStyle/>
+          <a:p>
+            <a:pPr>
+              <a:lnSpc>
+                <a:spcPts val="12599"/>
+              </a:lnSpc>
+            </a:pPr>
+            <a:r>
+              <a:rPr lang="en-US" sz="9000" dirty="0">
+                <a:solidFill>
+                  <a:srgbClr val="545454"/>
+                </a:solidFill>
+                <a:latin typeface="Open Sans 1 Bold"/>
+              </a:rPr>
+              <a:t>Banco de Dados</a:t>
+            </a:r>
+          </a:p>
+        </p:txBody>
+      </p:sp>
+      <p:pic>
+        <p:nvPicPr>
+          <p:cNvPr id="7" name="Imagem 6">
+            <a:extLst>
+              <a:ext uri="{FF2B5EF4-FFF2-40B4-BE49-F238E27FC236}">
+                <a16:creationId xmlns:a16="http://schemas.microsoft.com/office/drawing/2014/main" id="{24EB0C57-8A60-46F7-89F3-4FD0F4673B79}"/>
+              </a:ext>
+            </a:extLst>
+          </p:cNvPr>
+          <p:cNvPicPr>
+            <a:picLocks noChangeAspect="1"/>
+          </p:cNvPicPr>
+          <p:nvPr/>
+        </p:nvPicPr>
+        <p:blipFill>
+          <a:blip r:embed="rId2"/>
+          <a:stretch>
+            <a:fillRect/>
+          </a:stretch>
+        </p:blipFill>
+        <p:spPr>
+          <a:xfrm>
+            <a:off x="17078325" y="266700"/>
+            <a:ext cx="883385" cy="1044000"/>
+          </a:xfrm>
+          <a:prstGeom prst="rect">
+            <a:avLst/>
+          </a:prstGeom>
+        </p:spPr>
+      </p:pic>
+    </p:spTree>
+    <p:extLst>
+      <p:ext uri="{BB962C8B-B14F-4D97-AF65-F5344CB8AC3E}">
+        <p14:creationId xmlns:p14="http://schemas.microsoft.com/office/powerpoint/2010/main" val="3349461565"/>
+      </p:ext>
+    </p:extLst>
+  </p:cSld>
+  <p:clrMapOvr>
+    <a:masterClrMapping/>
+  </p:clrMapOvr>
+  <mc:AlternateContent xmlns:mc="http://schemas.openxmlformats.org/markup-compatibility/2006">
+    <mc:Choice xmlns:p14="http://schemas.microsoft.com/office/powerpoint/2010/main" Requires="p14">
+      <p:transition spd="med" p14:dur="700">
+        <p:fade/>
+      </p:transition>
+    </mc:Choice>
+    <mc:Fallback>
+      <p:transition spd="med">
+        <p:fade/>
+      </p:transition>
+    </mc:Fallback>
+  </mc:AlternateContent>
+</p:sld>
+</file>
+
+<file path=ppt/slides/slide13.xml><?xml version="1.0" encoding="utf-8"?>
 <p:sld xmlns:a="http://schemas.openxmlformats.org/drawingml/2006/main" xmlns:r="http://schemas.openxmlformats.org/officeDocument/2006/relationships" xmlns:p="http://schemas.openxmlformats.org/presentationml/2006/main">
   <p:cSld>
     <p:bg>
@@ -6628,7 +6205,7 @@
         <p:spPr>
           <a:xfrm>
             <a:off x="7318281" y="2148089"/>
-            <a:ext cx="9941019" cy="4733925"/>
+            <a:ext cx="9941019" cy="3125664"/>
           </a:xfrm>
           <a:prstGeom prst="rect">
             <a:avLst/>
@@ -6639,6 +6216,31 @@
             <a:spAutoFit/>
           </a:bodyPr>
           <a:lstStyle/>
+          <a:p>
+            <a:pPr>
+              <a:lnSpc>
+                <a:spcPts val="12599"/>
+              </a:lnSpc>
+            </a:pPr>
+            <a:r>
+              <a:rPr lang="en-US" sz="9000" dirty="0" err="1">
+                <a:solidFill>
+                  <a:srgbClr val="FFFEFB"/>
+                </a:solidFill>
+                <a:latin typeface="Open Sans 1 Bold"/>
+              </a:rPr>
+              <a:t>Cliente</a:t>
+            </a:r>
+            <a:r>
+              <a:rPr lang="en-US" sz="9000" dirty="0">
+                <a:solidFill>
+                  <a:srgbClr val="FFFEFB"/>
+                </a:solidFill>
+                <a:latin typeface="Open Sans 1 Bold"/>
+              </a:rPr>
+              <a:t> Linux</a:t>
+            </a:r>
+          </a:p>
           <a:p>
             <a:pPr>
               <a:lnSpc>
@@ -6669,47 +6271,6 @@
               </a:solidFill>
               <a:latin typeface="Open Sans 1 Bold"/>
             </a:endParaRPr>
-          </a:p>
-          <a:p>
-            <a:pPr>
-              <a:lnSpc>
-                <a:spcPts val="12599"/>
-              </a:lnSpc>
-            </a:pPr>
-            <a:r>
-              <a:rPr lang="en-US" sz="9000" dirty="0">
-                <a:solidFill>
-                  <a:srgbClr val="FFFEFB"/>
-                </a:solidFill>
-                <a:latin typeface="Open Sans 1 Bold"/>
-              </a:rPr>
-              <a:t>Banco de Dados</a:t>
-            </a:r>
-          </a:p>
-          <a:p>
-            <a:pPr>
-              <a:lnSpc>
-                <a:spcPts val="12599"/>
-              </a:lnSpc>
-            </a:pPr>
-            <a:r>
-              <a:rPr lang="en-US" sz="9000" dirty="0" err="1">
-                <a:solidFill>
-                  <a:srgbClr val="FFFEFB"/>
-                </a:solidFill>
-                <a:latin typeface="Open Sans 1 Bold"/>
-              </a:rPr>
-              <a:t>Cliente</a:t>
-            </a:r>
-            <a:r>
-              <a:rPr lang="en-US" sz="9000" dirty="0">
-                <a:solidFill>
-                  <a:srgbClr val="FFFEFB"/>
-                </a:solidFill>
-                <a:latin typeface="Open Sans 1 Bold"/>
-              </a:rPr>
-              <a:t> Linux</a:t>
-            </a:r>
           </a:p>
         </p:txBody>
       </p:sp>
@@ -6799,21 +6360,30 @@
                             </p:childTnLst>
                           </p:cTn>
                         </p:par>
+                      </p:childTnLst>
+                    </p:cTn>
+                  </p:par>
+                  <p:par>
+                    <p:cTn id="8" fill="hold">
+                      <p:stCondLst>
+                        <p:cond delay="indefinite"/>
+                      </p:stCondLst>
+                      <p:childTnLst>
                         <p:par>
-                          <p:cTn id="8" fill="hold">
+                          <p:cTn id="9" fill="hold">
                             <p:stCondLst>
-                              <p:cond delay="500"/>
+                              <p:cond delay="0"/>
                             </p:stCondLst>
                             <p:childTnLst>
                               <p:par>
-                                <p:cTn id="9" presetID="10" presetClass="entr" presetSubtype="0" fill="hold" grpId="0" nodeType="afterEffect">
+                                <p:cTn id="10" presetID="10" presetClass="entr" presetSubtype="0" fill="hold" grpId="0" nodeType="clickEffect">
                                   <p:stCondLst>
                                     <p:cond delay="0"/>
                                   </p:stCondLst>
                                   <p:childTnLst>
                                     <p:set>
                                       <p:cBhvr>
-                                        <p:cTn id="10" dur="1" fill="hold">
+                                        <p:cTn id="11" dur="1" fill="hold">
                                           <p:stCondLst>
                                             <p:cond delay="0"/>
                                           </p:stCondLst>
@@ -6835,63 +6405,11 @@
                                     </p:set>
                                     <p:animEffect transition="in" filter="fade">
                                       <p:cBhvr>
-                                        <p:cTn id="11" dur="500"/>
+                                        <p:cTn id="12" dur="500"/>
                                         <p:tgtEl>
                                           <p:spTgt spid="5">
                                             <p:txEl>
                                               <p:pRg st="1" end="1"/>
-                                            </p:txEl>
-                                          </p:spTgt>
-                                        </p:tgtEl>
-                                      </p:cBhvr>
-                                    </p:animEffect>
-                                  </p:childTnLst>
-                                </p:cTn>
-                              </p:par>
-                            </p:childTnLst>
-                          </p:cTn>
-                        </p:par>
-                        <p:par>
-                          <p:cTn id="12" fill="hold">
-                            <p:stCondLst>
-                              <p:cond delay="1000"/>
-                            </p:stCondLst>
-                            <p:childTnLst>
-                              <p:par>
-                                <p:cTn id="13" presetID="10" presetClass="entr" presetSubtype="0" fill="hold" grpId="0" nodeType="afterEffect">
-                                  <p:stCondLst>
-                                    <p:cond delay="0"/>
-                                  </p:stCondLst>
-                                  <p:childTnLst>
-                                    <p:set>
-                                      <p:cBhvr>
-                                        <p:cTn id="14" dur="1" fill="hold">
-                                          <p:stCondLst>
-                                            <p:cond delay="0"/>
-                                          </p:stCondLst>
-                                        </p:cTn>
-                                        <p:tgtEl>
-                                          <p:spTgt spid="5">
-                                            <p:txEl>
-                                              <p:pRg st="2" end="2"/>
-                                            </p:txEl>
-                                          </p:spTgt>
-                                        </p:tgtEl>
-                                        <p:attrNameLst>
-                                          <p:attrName>style.visibility</p:attrName>
-                                        </p:attrNameLst>
-                                      </p:cBhvr>
-                                      <p:to>
-                                        <p:strVal val="visible"/>
-                                      </p:to>
-                                    </p:set>
-                                    <p:animEffect transition="in" filter="fade">
-                                      <p:cBhvr>
-                                        <p:cTn id="15" dur="500"/>
-                                        <p:tgtEl>
-                                          <p:spTgt spid="5">
-                                            <p:txEl>
-                                              <p:pRg st="2" end="2"/>
                                             </p:txEl>
                                           </p:spTgt>
                                         </p:tgtEl>
@@ -6934,7 +6452,7 @@
 </p:sld>
 </file>
 
-<file path=ppt/slides/slide13.xml><?xml version="1.0" encoding="utf-8"?>
+<file path=ppt/slides/slide14.xml><?xml version="1.0" encoding="utf-8"?>
 <p:sld xmlns:a="http://schemas.openxmlformats.org/drawingml/2006/main" xmlns:r="http://schemas.openxmlformats.org/officeDocument/2006/relationships" xmlns:p="http://schemas.openxmlformats.org/presentationml/2006/main">
   <p:cSld>
     <p:bg>
@@ -7044,17 +6562,10 @@
       </p:transition>
     </mc:Fallback>
   </mc:AlternateContent>
-  <p:timing>
-    <p:tnLst>
-      <p:par>
-        <p:cTn id="1" dur="indefinite" restart="never" nodeType="tmRoot"/>
-      </p:par>
-    </p:tnLst>
-  </p:timing>
 </p:sld>
 </file>
 
-<file path=ppt/slides/slide14.xml><?xml version="1.0" encoding="utf-8"?>
+<file path=ppt/slides/slide15.xml><?xml version="1.0" encoding="utf-8"?>
 <p:sld xmlns:a="http://schemas.openxmlformats.org/drawingml/2006/main" xmlns:r="http://schemas.openxmlformats.org/officeDocument/2006/relationships" xmlns:p="http://schemas.openxmlformats.org/presentationml/2006/main">
   <p:cSld>
     <p:bg>
@@ -7867,377 +7378,10 @@
       </p:transition>
     </mc:Fallback>
   </mc:AlternateContent>
-  <p:timing>
-    <p:tnLst>
-      <p:par>
-        <p:cTn id="1" dur="indefinite" restart="never" nodeType="tmRoot"/>
-      </p:par>
-    </p:tnLst>
-  </p:timing>
 </p:sld>
 </file>
 
 <file path=ppt/slides/slide3.xml><?xml version="1.0" encoding="utf-8"?>
-<p:sld xmlns:a="http://schemas.openxmlformats.org/drawingml/2006/main" xmlns:r="http://schemas.openxmlformats.org/officeDocument/2006/relationships" xmlns:p="http://schemas.openxmlformats.org/presentationml/2006/main">
-  <p:cSld>
-    <p:bg>
-      <p:bgPr>
-        <a:solidFill>
-          <a:srgbClr val="FFFEFB"/>
-        </a:solidFill>
-        <a:effectLst/>
-      </p:bgPr>
-    </p:bg>
-    <p:spTree>
-      <p:nvGrpSpPr>
-        <p:cNvPr id="1" name=""/>
-        <p:cNvGrpSpPr/>
-        <p:nvPr/>
-      </p:nvGrpSpPr>
-      <p:grpSpPr>
-        <a:xfrm>
-          <a:off x="0" y="0"/>
-          <a:ext cx="0" cy="0"/>
-          <a:chOff x="0" y="0"/>
-          <a:chExt cx="0" cy="0"/>
-        </a:xfrm>
-      </p:grpSpPr>
-      <p:pic>
-        <p:nvPicPr>
-          <p:cNvPr id="9" name="Picture 2"/>
-          <p:cNvPicPr>
-            <a:picLocks noChangeAspect="1"/>
-          </p:cNvPicPr>
-          <p:nvPr/>
-        </p:nvPicPr>
-        <p:blipFill>
-          <a:blip r:embed="rId2"/>
-          <a:srcRect/>
-          <a:stretch>
-            <a:fillRect/>
-          </a:stretch>
-        </p:blipFill>
-        <p:spPr>
-          <a:xfrm rot="19125685">
-            <a:off x="-900962" y="5967803"/>
-            <a:ext cx="7849059" cy="7849059"/>
-          </a:xfrm>
-          <a:prstGeom prst="rect">
-            <a:avLst/>
-          </a:prstGeom>
-        </p:spPr>
-      </p:pic>
-      <p:pic>
-        <p:nvPicPr>
-          <p:cNvPr id="3" name="Picture 3"/>
-          <p:cNvPicPr>
-            <a:picLocks noChangeAspect="1"/>
-          </p:cNvPicPr>
-          <p:nvPr/>
-        </p:nvPicPr>
-        <p:blipFill>
-          <a:blip r:embed="rId3"/>
-          <a:srcRect/>
-          <a:stretch>
-            <a:fillRect/>
-          </a:stretch>
-        </p:blipFill>
-        <p:spPr>
-          <a:xfrm>
-            <a:off x="-441863" y="2362684"/>
-            <a:ext cx="2900460" cy="5472565"/>
-          </a:xfrm>
-          <a:prstGeom prst="rect">
-            <a:avLst/>
-          </a:prstGeom>
-        </p:spPr>
-      </p:pic>
-      <p:sp>
-        <p:nvSpPr>
-          <p:cNvPr id="4" name="TextBox 4"/>
-          <p:cNvSpPr txBox="1"/>
-          <p:nvPr/>
-        </p:nvSpPr>
-        <p:spPr>
-          <a:xfrm>
-            <a:off x="7613786" y="1485900"/>
-            <a:ext cx="6748272" cy="1533525"/>
-          </a:xfrm>
-          <a:prstGeom prst="rect">
-            <a:avLst/>
-          </a:prstGeom>
-        </p:spPr>
-        <p:txBody>
-          <a:bodyPr wrap="square" lIns="0" tIns="0" rIns="0" bIns="0" rtlCol="0" anchor="t">
-            <a:spAutoFit/>
-          </a:bodyPr>
-          <a:lstStyle/>
-          <a:p>
-            <a:pPr>
-              <a:lnSpc>
-                <a:spcPts val="12599"/>
-              </a:lnSpc>
-            </a:pPr>
-            <a:r>
-              <a:rPr lang="en-US" sz="9000" dirty="0">
-                <a:solidFill>
-                  <a:srgbClr val="545454"/>
-                </a:solidFill>
-                <a:latin typeface="Open Sans 1 Bold"/>
-              </a:rPr>
-              <a:t>Call Center</a:t>
-            </a:r>
-          </a:p>
-        </p:txBody>
-      </p:sp>
-      <p:sp>
-        <p:nvSpPr>
-          <p:cNvPr id="5" name="TextBox 5"/>
-          <p:cNvSpPr txBox="1"/>
-          <p:nvPr/>
-        </p:nvSpPr>
-        <p:spPr>
-          <a:xfrm>
-            <a:off x="7613786" y="3703252"/>
-            <a:ext cx="9645514" cy="3580765"/>
-          </a:xfrm>
-          <a:prstGeom prst="rect">
-            <a:avLst/>
-          </a:prstGeom>
-        </p:spPr>
-        <p:txBody>
-          <a:bodyPr lIns="0" tIns="0" rIns="0" bIns="0" rtlCol="0" anchor="t">
-            <a:spAutoFit/>
-          </a:bodyPr>
-          <a:lstStyle/>
-          <a:p>
-            <a:pPr algn="just">
-              <a:lnSpc>
-                <a:spcPts val="4759"/>
-              </a:lnSpc>
-            </a:pPr>
-            <a:r>
-              <a:rPr lang="en-US" sz="3400" dirty="0">
-                <a:solidFill>
-                  <a:srgbClr val="000000"/>
-                </a:solidFill>
-                <a:latin typeface="Open Sans Light"/>
-              </a:rPr>
-              <a:t>It is a long established fact that a reader will be distracted by the readable content of a page when looking at its layout. The point of using Lorem Ipsum is that it has a more-or-less normal distribution of letters, as opposed to using 'Content here, content here',</a:t>
-            </a:r>
-          </a:p>
-        </p:txBody>
-      </p:sp>
-      <p:pic>
-        <p:nvPicPr>
-          <p:cNvPr id="8" name="Imagem 7">
-            <a:extLst>
-              <a:ext uri="{FF2B5EF4-FFF2-40B4-BE49-F238E27FC236}">
-                <a16:creationId xmlns:a16="http://schemas.microsoft.com/office/drawing/2014/main" id="{D8ADA543-4DF9-4C14-A6EB-35DA28509100}"/>
-              </a:ext>
-            </a:extLst>
-          </p:cNvPr>
-          <p:cNvPicPr>
-            <a:picLocks noChangeAspect="1"/>
-          </p:cNvPicPr>
-          <p:nvPr/>
-        </p:nvPicPr>
-        <p:blipFill>
-          <a:blip r:embed="rId4"/>
-          <a:stretch>
-            <a:fillRect/>
-          </a:stretch>
-        </p:blipFill>
-        <p:spPr>
-          <a:xfrm>
-            <a:off x="17078325" y="266700"/>
-            <a:ext cx="883385" cy="1044000"/>
-          </a:xfrm>
-          <a:prstGeom prst="rect">
-            <a:avLst/>
-          </a:prstGeom>
-        </p:spPr>
-      </p:pic>
-      <p:pic>
-        <p:nvPicPr>
-          <p:cNvPr id="10" name="Picture 2"/>
-          <p:cNvPicPr>
-            <a:picLocks noChangeAspect="1"/>
-          </p:cNvPicPr>
-          <p:nvPr/>
-        </p:nvPicPr>
-        <p:blipFill>
-          <a:blip r:embed="rId5"/>
-          <a:srcRect/>
-          <a:stretch>
-            <a:fillRect/>
-          </a:stretch>
-        </p:blipFill>
-        <p:spPr>
-          <a:xfrm>
-            <a:off x="685800" y="2694040"/>
-            <a:ext cx="6748272" cy="8229600"/>
-          </a:xfrm>
-          <a:prstGeom prst="rect">
-            <a:avLst/>
-          </a:prstGeom>
-        </p:spPr>
-      </p:pic>
-    </p:spTree>
-  </p:cSld>
-  <p:clrMapOvr>
-    <a:masterClrMapping/>
-  </p:clrMapOvr>
-  <mc:AlternateContent xmlns:mc="http://schemas.openxmlformats.org/markup-compatibility/2006" xmlns:p14="http://schemas.microsoft.com/office/powerpoint/2010/main">
-    <mc:Choice Requires="p14">
-      <p:transition spd="med" p14:dur="700">
-        <p:fade/>
-      </p:transition>
-    </mc:Choice>
-    <mc:Fallback xmlns="">
-      <p:transition spd="med">
-        <p:fade/>
-      </p:transition>
-    </mc:Fallback>
-  </mc:AlternateContent>
-  <p:timing>
-    <p:tnLst>
-      <p:par>
-        <p:cTn id="1" dur="indefinite" restart="never" nodeType="tmRoot">
-          <p:childTnLst>
-            <p:seq concurrent="1" nextAc="seek">
-              <p:cTn id="2" dur="indefinite" nodeType="mainSeq">
-                <p:childTnLst>
-                  <p:par>
-                    <p:cTn id="3" fill="hold">
-                      <p:stCondLst>
-                        <p:cond delay="indefinite"/>
-                        <p:cond evt="onBegin" delay="0">
-                          <p:tn val="2"/>
-                        </p:cond>
-                      </p:stCondLst>
-                      <p:childTnLst>
-                        <p:par>
-                          <p:cTn id="4" fill="hold">
-                            <p:stCondLst>
-                              <p:cond delay="0"/>
-                            </p:stCondLst>
-                            <p:childTnLst>
-                              <p:par>
-                                <p:cTn id="5" presetID="10" presetClass="entr" presetSubtype="0" fill="hold" grpId="0" nodeType="afterEffect">
-                                  <p:stCondLst>
-                                    <p:cond delay="0"/>
-                                  </p:stCondLst>
-                                  <p:childTnLst>
-                                    <p:set>
-                                      <p:cBhvr>
-                                        <p:cTn id="6" dur="1" fill="hold">
-                                          <p:stCondLst>
-                                            <p:cond delay="0"/>
-                                          </p:stCondLst>
-                                        </p:cTn>
-                                        <p:tgtEl>
-                                          <p:spTgt spid="5"/>
-                                        </p:tgtEl>
-                                        <p:attrNameLst>
-                                          <p:attrName>style.visibility</p:attrName>
-                                        </p:attrNameLst>
-                                      </p:cBhvr>
-                                      <p:to>
-                                        <p:strVal val="visible"/>
-                                      </p:to>
-                                    </p:set>
-                                    <p:animEffect transition="in" filter="fade">
-                                      <p:cBhvr>
-                                        <p:cTn id="7" dur="500"/>
-                                        <p:tgtEl>
-                                          <p:spTgt spid="5"/>
-                                        </p:tgtEl>
-                                      </p:cBhvr>
-                                    </p:animEffect>
-                                  </p:childTnLst>
-                                </p:cTn>
-                              </p:par>
-                            </p:childTnLst>
-                          </p:cTn>
-                        </p:par>
-                        <p:par>
-                          <p:cTn id="8" fill="hold">
-                            <p:stCondLst>
-                              <p:cond delay="500"/>
-                            </p:stCondLst>
-                            <p:childTnLst>
-                              <p:par>
-                                <p:cTn id="9" presetID="10" presetClass="entr" presetSubtype="0" fill="hold" grpId="0" nodeType="afterEffect">
-                                  <p:stCondLst>
-                                    <p:cond delay="0"/>
-                                  </p:stCondLst>
-                                  <p:childTnLst>
-                                    <p:set>
-                                      <p:cBhvr>
-                                        <p:cTn id="10" dur="1" fill="hold">
-                                          <p:stCondLst>
-                                            <p:cond delay="0"/>
-                                          </p:stCondLst>
-                                        </p:cTn>
-                                        <p:tgtEl>
-                                          <p:spTgt spid="4"/>
-                                        </p:tgtEl>
-                                        <p:attrNameLst>
-                                          <p:attrName>style.visibility</p:attrName>
-                                        </p:attrNameLst>
-                                      </p:cBhvr>
-                                      <p:to>
-                                        <p:strVal val="visible"/>
-                                      </p:to>
-                                    </p:set>
-                                    <p:animEffect transition="in" filter="fade">
-                                      <p:cBhvr>
-                                        <p:cTn id="11" dur="500"/>
-                                        <p:tgtEl>
-                                          <p:spTgt spid="4"/>
-                                        </p:tgtEl>
-                                      </p:cBhvr>
-                                    </p:animEffect>
-                                  </p:childTnLst>
-                                </p:cTn>
-                              </p:par>
-                            </p:childTnLst>
-                          </p:cTn>
-                        </p:par>
-                      </p:childTnLst>
-                    </p:cTn>
-                  </p:par>
-                </p:childTnLst>
-              </p:cTn>
-              <p:prevCondLst>
-                <p:cond evt="onPrev" delay="0">
-                  <p:tgtEl>
-                    <p:sldTgt/>
-                  </p:tgtEl>
-                </p:cond>
-              </p:prevCondLst>
-              <p:nextCondLst>
-                <p:cond evt="onNext" delay="0">
-                  <p:tgtEl>
-                    <p:sldTgt/>
-                  </p:tgtEl>
-                </p:cond>
-              </p:nextCondLst>
-            </p:seq>
-          </p:childTnLst>
-        </p:cTn>
-      </p:par>
-    </p:tnLst>
-    <p:bldLst>
-      <p:bldP spid="4" grpId="0"/>
-      <p:bldP spid="5" grpId="0"/>
-    </p:bldLst>
-  </p:timing>
-</p:sld>
-</file>
-
-<file path=ppt/slides/slide4.xml><?xml version="1.0" encoding="utf-8"?>
 <p:sld xmlns:a="http://schemas.openxmlformats.org/drawingml/2006/main" xmlns:r="http://schemas.openxmlformats.org/officeDocument/2006/relationships" xmlns:p="http://schemas.openxmlformats.org/presentationml/2006/main">
   <p:cSld>
     <p:bg>
@@ -8598,7 +7742,7 @@
 </p:sld>
 </file>
 
-<file path=ppt/slides/slide5.xml><?xml version="1.0" encoding="utf-8"?>
+<file path=ppt/slides/slide4.xml><?xml version="1.0" encoding="utf-8"?>
 <p:sld xmlns:a="http://schemas.openxmlformats.org/drawingml/2006/main" xmlns:r="http://schemas.openxmlformats.org/officeDocument/2006/relationships" xmlns:p="http://schemas.openxmlformats.org/presentationml/2006/main">
   <p:cSld>
     <p:bg>
@@ -8957,1072 +8101,7 @@
 </p:sld>
 </file>
 
-<file path=ppt/slides/slide6.xml><?xml version="1.0" encoding="utf-8"?>
-<p:sld xmlns:a="http://schemas.openxmlformats.org/drawingml/2006/main" xmlns:r="http://schemas.openxmlformats.org/officeDocument/2006/relationships" xmlns:p="http://schemas.openxmlformats.org/presentationml/2006/main">
-  <p:cSld>
-    <p:bg>
-      <p:bgPr>
-        <a:solidFill>
-          <a:srgbClr val="FFFEFB"/>
-        </a:solidFill>
-        <a:effectLst/>
-      </p:bgPr>
-    </p:bg>
-    <p:spTree>
-      <p:nvGrpSpPr>
-        <p:cNvPr id="1" name=""/>
-        <p:cNvGrpSpPr/>
-        <p:nvPr/>
-      </p:nvGrpSpPr>
-      <p:grpSpPr>
-        <a:xfrm>
-          <a:off x="0" y="0"/>
-          <a:ext cx="0" cy="0"/>
-          <a:chOff x="0" y="0"/>
-          <a:chExt cx="0" cy="0"/>
-        </a:xfrm>
-      </p:grpSpPr>
-      <p:sp>
-        <p:nvSpPr>
-          <p:cNvPr id="2" name="TextBox 2"/>
-          <p:cNvSpPr txBox="1"/>
-          <p:nvPr/>
-        </p:nvSpPr>
-        <p:spPr>
-          <a:xfrm>
-            <a:off x="1028700" y="866775"/>
-            <a:ext cx="10262494" cy="1533525"/>
-          </a:xfrm>
-          <a:prstGeom prst="rect">
-            <a:avLst/>
-          </a:prstGeom>
-        </p:spPr>
-        <p:txBody>
-          <a:bodyPr lIns="0" tIns="0" rIns="0" bIns="0" rtlCol="0" anchor="t">
-            <a:spAutoFit/>
-          </a:bodyPr>
-          <a:lstStyle/>
-          <a:p>
-            <a:pPr>
-              <a:lnSpc>
-                <a:spcPts val="12599"/>
-              </a:lnSpc>
-            </a:pPr>
-            <a:r>
-              <a:rPr lang="en-US" sz="9000">
-                <a:solidFill>
-                  <a:srgbClr val="545454"/>
-                </a:solidFill>
-                <a:latin typeface="Open Sans 1 Bold"/>
-              </a:rPr>
-              <a:t>Proto-persona</a:t>
-            </a:r>
-          </a:p>
-        </p:txBody>
-      </p:sp>
-      <p:pic>
-        <p:nvPicPr>
-          <p:cNvPr id="5" name="Imagem 4">
-            <a:extLst>
-              <a:ext uri="{FF2B5EF4-FFF2-40B4-BE49-F238E27FC236}">
-                <a16:creationId xmlns:a16="http://schemas.microsoft.com/office/drawing/2014/main" id="{D8C09FB8-251A-4CDA-9767-4C99C62C2687}"/>
-              </a:ext>
-            </a:extLst>
-          </p:cNvPr>
-          <p:cNvPicPr>
-            <a:picLocks noChangeAspect="1"/>
-          </p:cNvPicPr>
-          <p:nvPr/>
-        </p:nvPicPr>
-        <p:blipFill>
-          <a:blip r:embed="rId2"/>
-          <a:stretch>
-            <a:fillRect/>
-          </a:stretch>
-        </p:blipFill>
-        <p:spPr>
-          <a:xfrm>
-            <a:off x="17078325" y="266700"/>
-            <a:ext cx="883385" cy="1044000"/>
-          </a:xfrm>
-          <a:prstGeom prst="rect">
-            <a:avLst/>
-          </a:prstGeom>
-        </p:spPr>
-      </p:pic>
-    </p:spTree>
-  </p:cSld>
-  <p:clrMapOvr>
-    <a:masterClrMapping/>
-  </p:clrMapOvr>
-  <mc:AlternateContent xmlns:mc="http://schemas.openxmlformats.org/markup-compatibility/2006" xmlns:p14="http://schemas.microsoft.com/office/powerpoint/2010/main">
-    <mc:Choice Requires="p14">
-      <p:transition spd="med" p14:dur="700">
-        <p:fade/>
-      </p:transition>
-    </mc:Choice>
-    <mc:Fallback xmlns="">
-      <p:transition spd="med">
-        <p:fade/>
-      </p:transition>
-    </mc:Fallback>
-  </mc:AlternateContent>
-  <p:timing>
-    <p:tnLst>
-      <p:par>
-        <p:cTn id="1" dur="indefinite" restart="never" nodeType="tmRoot"/>
-      </p:par>
-    </p:tnLst>
-  </p:timing>
-</p:sld>
-</file>
-
-<file path=ppt/slides/slide7.xml><?xml version="1.0" encoding="utf-8"?>
-<p:sld xmlns:a="http://schemas.openxmlformats.org/drawingml/2006/main" xmlns:r="http://schemas.openxmlformats.org/officeDocument/2006/relationships" xmlns:p="http://schemas.openxmlformats.org/presentationml/2006/main">
-  <p:cSld>
-    <p:bg>
-      <p:bgPr>
-        <a:solidFill>
-          <a:srgbClr val="FF6864"/>
-        </a:solidFill>
-        <a:effectLst/>
-      </p:bgPr>
-    </p:bg>
-    <p:spTree>
-      <p:nvGrpSpPr>
-        <p:cNvPr id="1" name=""/>
-        <p:cNvGrpSpPr/>
-        <p:nvPr/>
-      </p:nvGrpSpPr>
-      <p:grpSpPr>
-        <a:xfrm>
-          <a:off x="0" y="0"/>
-          <a:ext cx="0" cy="0"/>
-          <a:chOff x="0" y="0"/>
-          <a:chExt cx="0" cy="0"/>
-        </a:xfrm>
-      </p:grpSpPr>
-      <p:pic>
-        <p:nvPicPr>
-          <p:cNvPr id="2" name="Picture 2"/>
-          <p:cNvPicPr>
-            <a:picLocks noChangeAspect="1"/>
-          </p:cNvPicPr>
-          <p:nvPr/>
-        </p:nvPicPr>
-        <p:blipFill>
-          <a:blip r:embed="rId2"/>
-          <a:srcRect/>
-          <a:stretch>
-            <a:fillRect/>
-          </a:stretch>
-        </p:blipFill>
-        <p:spPr>
-          <a:xfrm rot="-8243024">
-            <a:off x="2628860" y="-5723760"/>
-            <a:ext cx="21734520" cy="21734520"/>
-          </a:xfrm>
-          <a:prstGeom prst="rect">
-            <a:avLst/>
-          </a:prstGeom>
-        </p:spPr>
-      </p:pic>
-      <p:grpSp>
-        <p:nvGrpSpPr>
-          <p:cNvPr id="3" name="Group 3"/>
-          <p:cNvGrpSpPr/>
-          <p:nvPr/>
-        </p:nvGrpSpPr>
-        <p:grpSpPr>
-          <a:xfrm>
-            <a:off x="9835409" y="2897248"/>
-            <a:ext cx="5878022" cy="1993668"/>
-            <a:chOff x="0" y="0"/>
-            <a:chExt cx="7837363" cy="2658225"/>
-          </a:xfrm>
-        </p:grpSpPr>
-        <p:grpSp>
-          <p:nvGrpSpPr>
-            <p:cNvPr id="4" name="Group 4"/>
-            <p:cNvGrpSpPr/>
-            <p:nvPr/>
-          </p:nvGrpSpPr>
-          <p:grpSpPr>
-            <a:xfrm>
-              <a:off x="0" y="0"/>
-              <a:ext cx="2658225" cy="2658225"/>
-              <a:chOff x="0" y="0"/>
-              <a:chExt cx="6350000" cy="6350000"/>
-            </a:xfrm>
-          </p:grpSpPr>
-          <p:sp>
-            <p:nvSpPr>
-              <p:cNvPr id="5" name="Freeform 5"/>
-              <p:cNvSpPr/>
-              <p:nvPr/>
-            </p:nvSpPr>
-            <p:spPr>
-              <a:xfrm>
-                <a:off x="14167" y="0"/>
-                <a:ext cx="6321665" cy="6350000"/>
-              </a:xfrm>
-              <a:custGeom>
-                <a:avLst/>
-                <a:gdLst/>
-                <a:ahLst/>
-                <a:cxnLst/>
-                <a:rect l="l" t="t" r="r" b="b"/>
-                <a:pathLst>
-                  <a:path w="6321665" h="6350000">
-                    <a:moveTo>
-                      <a:pt x="3160833" y="0"/>
-                    </a:moveTo>
-                    <a:lnTo>
-                      <a:pt x="3160833" y="0"/>
-                    </a:lnTo>
-                    <a:cubicBezTo>
-                      <a:pt x="4908795" y="7817"/>
-                      <a:pt x="6321666" y="1427021"/>
-                      <a:pt x="6321666" y="3175000"/>
-                    </a:cubicBezTo>
-                    <a:cubicBezTo>
-                      <a:pt x="6321666" y="4922979"/>
-                      <a:pt x="4908795" y="6342183"/>
-                      <a:pt x="3160833" y="6350000"/>
-                    </a:cubicBezTo>
-                    <a:cubicBezTo>
-                      <a:pt x="1412871" y="6342183"/>
-                      <a:pt x="0" y="4922979"/>
-                      <a:pt x="0" y="3175000"/>
-                    </a:cubicBezTo>
-                    <a:cubicBezTo>
-                      <a:pt x="0" y="1427021"/>
-                      <a:pt x="1412871" y="7817"/>
-                      <a:pt x="3160833" y="0"/>
-                    </a:cubicBezTo>
-                    <a:close/>
-                  </a:path>
-                </a:pathLst>
-              </a:custGeom>
-              <a:solidFill>
-                <a:srgbClr val="FFB5B3"/>
-              </a:solidFill>
-            </p:spPr>
-          </p:sp>
-        </p:grpSp>
-        <p:sp>
-          <p:nvSpPr>
-            <p:cNvPr id="6" name="TextBox 6"/>
-            <p:cNvSpPr txBox="1"/>
-            <p:nvPr/>
-          </p:nvSpPr>
-          <p:spPr>
-            <a:xfrm>
-              <a:off x="3575449" y="804205"/>
-              <a:ext cx="4261913" cy="935514"/>
-            </a:xfrm>
-            <a:prstGeom prst="rect">
-              <a:avLst/>
-            </a:prstGeom>
-          </p:spPr>
-          <p:txBody>
-            <a:bodyPr lIns="0" tIns="0" rIns="0" bIns="0" rtlCol="0" anchor="t">
-              <a:spAutoFit/>
-            </a:bodyPr>
-            <a:lstStyle/>
-            <a:p>
-              <a:pPr>
-                <a:lnSpc>
-                  <a:spcPts val="6070"/>
-                </a:lnSpc>
-              </a:pPr>
-              <a:r>
-                <a:rPr lang="en-US" sz="4046" spc="40">
-                  <a:solidFill>
-                    <a:srgbClr val="393667"/>
-                  </a:solidFill>
-                  <a:latin typeface="Open Sans 2"/>
-                </a:rPr>
-                <a:t>Vantagem</a:t>
-              </a:r>
-            </a:p>
-          </p:txBody>
-        </p:sp>
-      </p:grpSp>
-      <p:grpSp>
-        <p:nvGrpSpPr>
-          <p:cNvPr id="7" name="Group 7"/>
-          <p:cNvGrpSpPr/>
-          <p:nvPr/>
-        </p:nvGrpSpPr>
-        <p:grpSpPr>
-          <a:xfrm>
-            <a:off x="9835409" y="368225"/>
-            <a:ext cx="5878022" cy="1993668"/>
-            <a:chOff x="0" y="0"/>
-            <a:chExt cx="7837363" cy="2658225"/>
-          </a:xfrm>
-        </p:grpSpPr>
-        <p:grpSp>
-          <p:nvGrpSpPr>
-            <p:cNvPr id="8" name="Group 8"/>
-            <p:cNvGrpSpPr/>
-            <p:nvPr/>
-          </p:nvGrpSpPr>
-          <p:grpSpPr>
-            <a:xfrm>
-              <a:off x="0" y="0"/>
-              <a:ext cx="2658225" cy="2658225"/>
-              <a:chOff x="0" y="0"/>
-              <a:chExt cx="6350000" cy="6350000"/>
-            </a:xfrm>
-          </p:grpSpPr>
-          <p:sp>
-            <p:nvSpPr>
-              <p:cNvPr id="9" name="Freeform 9"/>
-              <p:cNvSpPr/>
-              <p:nvPr/>
-            </p:nvSpPr>
-            <p:spPr>
-              <a:xfrm>
-                <a:off x="14167" y="0"/>
-                <a:ext cx="6321665" cy="6350000"/>
-              </a:xfrm>
-              <a:custGeom>
-                <a:avLst/>
-                <a:gdLst/>
-                <a:ahLst/>
-                <a:cxnLst/>
-                <a:rect l="l" t="t" r="r" b="b"/>
-                <a:pathLst>
-                  <a:path w="6321665" h="6350000">
-                    <a:moveTo>
-                      <a:pt x="3160833" y="0"/>
-                    </a:moveTo>
-                    <a:lnTo>
-                      <a:pt x="3160833" y="0"/>
-                    </a:lnTo>
-                    <a:cubicBezTo>
-                      <a:pt x="4908795" y="7817"/>
-                      <a:pt x="6321666" y="1427021"/>
-                      <a:pt x="6321666" y="3175000"/>
-                    </a:cubicBezTo>
-                    <a:cubicBezTo>
-                      <a:pt x="6321666" y="4922979"/>
-                      <a:pt x="4908795" y="6342183"/>
-                      <a:pt x="3160833" y="6350000"/>
-                    </a:cubicBezTo>
-                    <a:cubicBezTo>
-                      <a:pt x="1412871" y="6342183"/>
-                      <a:pt x="0" y="4922979"/>
-                      <a:pt x="0" y="3175000"/>
-                    </a:cubicBezTo>
-                    <a:cubicBezTo>
-                      <a:pt x="0" y="1427021"/>
-                      <a:pt x="1412871" y="7817"/>
-                      <a:pt x="3160833" y="0"/>
-                    </a:cubicBezTo>
-                    <a:close/>
-                  </a:path>
-                </a:pathLst>
-              </a:custGeom>
-              <a:solidFill>
-                <a:srgbClr val="FFB5B3"/>
-              </a:solidFill>
-            </p:spPr>
-          </p:sp>
-        </p:grpSp>
-        <p:sp>
-          <p:nvSpPr>
-            <p:cNvPr id="10" name="TextBox 10"/>
-            <p:cNvSpPr txBox="1"/>
-            <p:nvPr/>
-          </p:nvSpPr>
-          <p:spPr>
-            <a:xfrm>
-              <a:off x="3575449" y="804205"/>
-              <a:ext cx="4261913" cy="935514"/>
-            </a:xfrm>
-            <a:prstGeom prst="rect">
-              <a:avLst/>
-            </a:prstGeom>
-          </p:spPr>
-          <p:txBody>
-            <a:bodyPr lIns="0" tIns="0" rIns="0" bIns="0" rtlCol="0" anchor="t">
-              <a:spAutoFit/>
-            </a:bodyPr>
-            <a:lstStyle/>
-            <a:p>
-              <a:pPr>
-                <a:lnSpc>
-                  <a:spcPts val="6070"/>
-                </a:lnSpc>
-              </a:pPr>
-              <a:r>
-                <a:rPr lang="en-US" sz="4046" spc="40">
-                  <a:solidFill>
-                    <a:srgbClr val="393667"/>
-                  </a:solidFill>
-                  <a:latin typeface="Open Sans 2"/>
-                </a:rPr>
-                <a:t>Vantagem</a:t>
-              </a:r>
-            </a:p>
-          </p:txBody>
-        </p:sp>
-      </p:grpSp>
-      <p:grpSp>
-        <p:nvGrpSpPr>
-          <p:cNvPr id="11" name="Group 11"/>
-          <p:cNvGrpSpPr/>
-          <p:nvPr/>
-        </p:nvGrpSpPr>
-        <p:grpSpPr>
-          <a:xfrm>
-            <a:off x="9835409" y="7925107"/>
-            <a:ext cx="5878022" cy="1993668"/>
-            <a:chOff x="0" y="0"/>
-            <a:chExt cx="7837363" cy="2658225"/>
-          </a:xfrm>
-        </p:grpSpPr>
-        <p:grpSp>
-          <p:nvGrpSpPr>
-            <p:cNvPr id="12" name="Group 12"/>
-            <p:cNvGrpSpPr/>
-            <p:nvPr/>
-          </p:nvGrpSpPr>
-          <p:grpSpPr>
-            <a:xfrm>
-              <a:off x="0" y="0"/>
-              <a:ext cx="2658225" cy="2658225"/>
-              <a:chOff x="0" y="0"/>
-              <a:chExt cx="6350000" cy="6350000"/>
-            </a:xfrm>
-          </p:grpSpPr>
-          <p:sp>
-            <p:nvSpPr>
-              <p:cNvPr id="13" name="Freeform 13"/>
-              <p:cNvSpPr/>
-              <p:nvPr/>
-            </p:nvSpPr>
-            <p:spPr>
-              <a:xfrm>
-                <a:off x="14167" y="0"/>
-                <a:ext cx="6321665" cy="6350000"/>
-              </a:xfrm>
-              <a:custGeom>
-                <a:avLst/>
-                <a:gdLst/>
-                <a:ahLst/>
-                <a:cxnLst/>
-                <a:rect l="l" t="t" r="r" b="b"/>
-                <a:pathLst>
-                  <a:path w="6321665" h="6350000">
-                    <a:moveTo>
-                      <a:pt x="3160833" y="0"/>
-                    </a:moveTo>
-                    <a:lnTo>
-                      <a:pt x="3160833" y="0"/>
-                    </a:lnTo>
-                    <a:cubicBezTo>
-                      <a:pt x="4908795" y="7817"/>
-                      <a:pt x="6321666" y="1427021"/>
-                      <a:pt x="6321666" y="3175000"/>
-                    </a:cubicBezTo>
-                    <a:cubicBezTo>
-                      <a:pt x="6321666" y="4922979"/>
-                      <a:pt x="4908795" y="6342183"/>
-                      <a:pt x="3160833" y="6350000"/>
-                    </a:cubicBezTo>
-                    <a:cubicBezTo>
-                      <a:pt x="1412871" y="6342183"/>
-                      <a:pt x="0" y="4922979"/>
-                      <a:pt x="0" y="3175000"/>
-                    </a:cubicBezTo>
-                    <a:cubicBezTo>
-                      <a:pt x="0" y="1427021"/>
-                      <a:pt x="1412871" y="7817"/>
-                      <a:pt x="3160833" y="0"/>
-                    </a:cubicBezTo>
-                    <a:close/>
-                  </a:path>
-                </a:pathLst>
-              </a:custGeom>
-              <a:solidFill>
-                <a:srgbClr val="FFB5B3"/>
-              </a:solidFill>
-            </p:spPr>
-          </p:sp>
-        </p:grpSp>
-        <p:sp>
-          <p:nvSpPr>
-            <p:cNvPr id="14" name="TextBox 14"/>
-            <p:cNvSpPr txBox="1"/>
-            <p:nvPr/>
-          </p:nvSpPr>
-          <p:spPr>
-            <a:xfrm>
-              <a:off x="3575449" y="804205"/>
-              <a:ext cx="4261913" cy="935514"/>
-            </a:xfrm>
-            <a:prstGeom prst="rect">
-              <a:avLst/>
-            </a:prstGeom>
-          </p:spPr>
-          <p:txBody>
-            <a:bodyPr lIns="0" tIns="0" rIns="0" bIns="0" rtlCol="0" anchor="t">
-              <a:spAutoFit/>
-            </a:bodyPr>
-            <a:lstStyle/>
-            <a:p>
-              <a:pPr>
-                <a:lnSpc>
-                  <a:spcPts val="6070"/>
-                </a:lnSpc>
-              </a:pPr>
-              <a:r>
-                <a:rPr lang="en-US" sz="4046" spc="40">
-                  <a:solidFill>
-                    <a:srgbClr val="393667"/>
-                  </a:solidFill>
-                  <a:latin typeface="Open Sans 2"/>
-                </a:rPr>
-                <a:t>Vantagem</a:t>
-              </a:r>
-            </a:p>
-          </p:txBody>
-        </p:sp>
-      </p:grpSp>
-      <p:sp>
-        <p:nvSpPr>
-          <p:cNvPr id="15" name="TextBox 15"/>
-          <p:cNvSpPr txBox="1"/>
-          <p:nvPr/>
-        </p:nvSpPr>
-        <p:spPr>
-          <a:xfrm>
-            <a:off x="1028700" y="4295775"/>
-            <a:ext cx="6112544" cy="1533525"/>
-          </a:xfrm>
-          <a:prstGeom prst="rect">
-            <a:avLst/>
-          </a:prstGeom>
-        </p:spPr>
-        <p:txBody>
-          <a:bodyPr lIns="0" tIns="0" rIns="0" bIns="0" rtlCol="0" anchor="t">
-            <a:spAutoFit/>
-          </a:bodyPr>
-          <a:lstStyle/>
-          <a:p>
-            <a:pPr>
-              <a:lnSpc>
-                <a:spcPts val="12599"/>
-              </a:lnSpc>
-            </a:pPr>
-            <a:r>
-              <a:rPr lang="en-US" sz="9000" dirty="0" err="1">
-                <a:solidFill>
-                  <a:srgbClr val="FFFEFB"/>
-                </a:solidFill>
-                <a:latin typeface="Open Sans 1 Bold"/>
-              </a:rPr>
-              <a:t>Vantagens</a:t>
-            </a:r>
-            <a:endParaRPr lang="en-US" sz="9000" dirty="0">
-              <a:solidFill>
-                <a:srgbClr val="FFFEFB"/>
-              </a:solidFill>
-              <a:latin typeface="Open Sans 1 Bold"/>
-            </a:endParaRPr>
-          </a:p>
-        </p:txBody>
-      </p:sp>
-      <p:grpSp>
-        <p:nvGrpSpPr>
-          <p:cNvPr id="16" name="Group 16"/>
-          <p:cNvGrpSpPr/>
-          <p:nvPr/>
-        </p:nvGrpSpPr>
-        <p:grpSpPr>
-          <a:xfrm>
-            <a:off x="9835409" y="5396084"/>
-            <a:ext cx="5878022" cy="1993668"/>
-            <a:chOff x="0" y="0"/>
-            <a:chExt cx="7837363" cy="2658225"/>
-          </a:xfrm>
-        </p:grpSpPr>
-        <p:grpSp>
-          <p:nvGrpSpPr>
-            <p:cNvPr id="17" name="Group 17"/>
-            <p:cNvGrpSpPr/>
-            <p:nvPr/>
-          </p:nvGrpSpPr>
-          <p:grpSpPr>
-            <a:xfrm>
-              <a:off x="0" y="0"/>
-              <a:ext cx="2658225" cy="2658225"/>
-              <a:chOff x="0" y="0"/>
-              <a:chExt cx="6350000" cy="6350000"/>
-            </a:xfrm>
-          </p:grpSpPr>
-          <p:sp>
-            <p:nvSpPr>
-              <p:cNvPr id="18" name="Freeform 18"/>
-              <p:cNvSpPr/>
-              <p:nvPr/>
-            </p:nvSpPr>
-            <p:spPr>
-              <a:xfrm>
-                <a:off x="14167" y="0"/>
-                <a:ext cx="6321665" cy="6350000"/>
-              </a:xfrm>
-              <a:custGeom>
-                <a:avLst/>
-                <a:gdLst/>
-                <a:ahLst/>
-                <a:cxnLst/>
-                <a:rect l="l" t="t" r="r" b="b"/>
-                <a:pathLst>
-                  <a:path w="6321665" h="6350000">
-                    <a:moveTo>
-                      <a:pt x="3160833" y="0"/>
-                    </a:moveTo>
-                    <a:lnTo>
-                      <a:pt x="3160833" y="0"/>
-                    </a:lnTo>
-                    <a:cubicBezTo>
-                      <a:pt x="4908795" y="7817"/>
-                      <a:pt x="6321666" y="1427021"/>
-                      <a:pt x="6321666" y="3175000"/>
-                    </a:cubicBezTo>
-                    <a:cubicBezTo>
-                      <a:pt x="6321666" y="4922979"/>
-                      <a:pt x="4908795" y="6342183"/>
-                      <a:pt x="3160833" y="6350000"/>
-                    </a:cubicBezTo>
-                    <a:cubicBezTo>
-                      <a:pt x="1412871" y="6342183"/>
-                      <a:pt x="0" y="4922979"/>
-                      <a:pt x="0" y="3175000"/>
-                    </a:cubicBezTo>
-                    <a:cubicBezTo>
-                      <a:pt x="0" y="1427021"/>
-                      <a:pt x="1412871" y="7817"/>
-                      <a:pt x="3160833" y="0"/>
-                    </a:cubicBezTo>
-                    <a:close/>
-                  </a:path>
-                </a:pathLst>
-              </a:custGeom>
-              <a:solidFill>
-                <a:srgbClr val="FFB5B3"/>
-              </a:solidFill>
-            </p:spPr>
-          </p:sp>
-        </p:grpSp>
-        <p:sp>
-          <p:nvSpPr>
-            <p:cNvPr id="19" name="TextBox 19"/>
-            <p:cNvSpPr txBox="1"/>
-            <p:nvPr/>
-          </p:nvSpPr>
-          <p:spPr>
-            <a:xfrm>
-              <a:off x="3575449" y="804205"/>
-              <a:ext cx="4261913" cy="935514"/>
-            </a:xfrm>
-            <a:prstGeom prst="rect">
-              <a:avLst/>
-            </a:prstGeom>
-          </p:spPr>
-          <p:txBody>
-            <a:bodyPr lIns="0" tIns="0" rIns="0" bIns="0" rtlCol="0" anchor="t">
-              <a:spAutoFit/>
-            </a:bodyPr>
-            <a:lstStyle/>
-            <a:p>
-              <a:pPr>
-                <a:lnSpc>
-                  <a:spcPts val="6070"/>
-                </a:lnSpc>
-              </a:pPr>
-              <a:r>
-                <a:rPr lang="en-US" sz="4046" spc="40">
-                  <a:solidFill>
-                    <a:srgbClr val="393667"/>
-                  </a:solidFill>
-                  <a:latin typeface="Open Sans 2"/>
-                </a:rPr>
-                <a:t>Vantagem</a:t>
-              </a:r>
-            </a:p>
-          </p:txBody>
-        </p:sp>
-      </p:grpSp>
-      <p:pic>
-        <p:nvPicPr>
-          <p:cNvPr id="22" name="Imagem 21">
-            <a:extLst>
-              <a:ext uri="{FF2B5EF4-FFF2-40B4-BE49-F238E27FC236}">
-                <a16:creationId xmlns:a16="http://schemas.microsoft.com/office/drawing/2014/main" id="{29E6B708-0107-403A-B9CA-4EEBCA944254}"/>
-              </a:ext>
-            </a:extLst>
-          </p:cNvPr>
-          <p:cNvPicPr>
-            <a:picLocks noChangeAspect="1"/>
-          </p:cNvPicPr>
-          <p:nvPr/>
-        </p:nvPicPr>
-        <p:blipFill>
-          <a:blip r:embed="rId3"/>
-          <a:stretch>
-            <a:fillRect/>
-          </a:stretch>
-        </p:blipFill>
-        <p:spPr>
-          <a:xfrm>
-            <a:off x="17078325" y="266700"/>
-            <a:ext cx="883385" cy="1044000"/>
-          </a:xfrm>
-          <a:prstGeom prst="rect">
-            <a:avLst/>
-          </a:prstGeom>
-        </p:spPr>
-      </p:pic>
-    </p:spTree>
-  </p:cSld>
-  <p:clrMapOvr>
-    <a:masterClrMapping/>
-  </p:clrMapOvr>
-  <mc:AlternateContent xmlns:mc="http://schemas.openxmlformats.org/markup-compatibility/2006" xmlns:p14="http://schemas.microsoft.com/office/powerpoint/2010/main">
-    <mc:Choice Requires="p14">
-      <p:transition spd="med" p14:dur="700">
-        <p:fade/>
-      </p:transition>
-    </mc:Choice>
-    <mc:Fallback xmlns="">
-      <p:transition spd="med">
-        <p:fade/>
-      </p:transition>
-    </mc:Fallback>
-  </mc:AlternateContent>
-  <p:timing>
-    <p:tnLst>
-      <p:par>
-        <p:cTn id="1" dur="indefinite" restart="never" nodeType="tmRoot">
-          <p:childTnLst>
-            <p:seq concurrent="1" nextAc="seek">
-              <p:cTn id="2" dur="indefinite" nodeType="mainSeq">
-                <p:childTnLst>
-                  <p:par>
-                    <p:cTn id="3" fill="hold">
-                      <p:stCondLst>
-                        <p:cond delay="indefinite"/>
-                        <p:cond evt="onBegin" delay="0">
-                          <p:tn val="2"/>
-                        </p:cond>
-                      </p:stCondLst>
-                      <p:childTnLst>
-                        <p:par>
-                          <p:cTn id="4" fill="hold">
-                            <p:stCondLst>
-                              <p:cond delay="0"/>
-                            </p:stCondLst>
-                            <p:childTnLst>
-                              <p:par>
-                                <p:cTn id="5" presetID="32" presetClass="emph" presetSubtype="0" fill="hold" nodeType="afterEffect">
-                                  <p:stCondLst>
-                                    <p:cond delay="0"/>
-                                  </p:stCondLst>
-                                  <p:childTnLst>
-                                    <p:animRot by="120000">
-                                      <p:cBhvr>
-                                        <p:cTn id="6" dur="2000" fill="hold">
-                                          <p:stCondLst>
-                                            <p:cond delay="0"/>
-                                          </p:stCondLst>
-                                        </p:cTn>
-                                        <p:tgtEl>
-                                          <p:spTgt spid="2"/>
-                                        </p:tgtEl>
-                                        <p:attrNameLst>
-                                          <p:attrName>r</p:attrName>
-                                        </p:attrNameLst>
-                                      </p:cBhvr>
-                                    </p:animRot>
-                                    <p:animRot by="-240000">
-                                      <p:cBhvr>
-                                        <p:cTn id="7" dur="4000" fill="hold">
-                                          <p:stCondLst>
-                                            <p:cond delay="4000"/>
-                                          </p:stCondLst>
-                                        </p:cTn>
-                                        <p:tgtEl>
-                                          <p:spTgt spid="2"/>
-                                        </p:tgtEl>
-                                        <p:attrNameLst>
-                                          <p:attrName>r</p:attrName>
-                                        </p:attrNameLst>
-                                      </p:cBhvr>
-                                    </p:animRot>
-                                    <p:animRot by="240000">
-                                      <p:cBhvr>
-                                        <p:cTn id="8" dur="4000" fill="hold">
-                                          <p:stCondLst>
-                                            <p:cond delay="8000"/>
-                                          </p:stCondLst>
-                                        </p:cTn>
-                                        <p:tgtEl>
-                                          <p:spTgt spid="2"/>
-                                        </p:tgtEl>
-                                        <p:attrNameLst>
-                                          <p:attrName>r</p:attrName>
-                                        </p:attrNameLst>
-                                      </p:cBhvr>
-                                    </p:animRot>
-                                    <p:animRot by="-240000">
-                                      <p:cBhvr>
-                                        <p:cTn id="9" dur="4000" fill="hold">
-                                          <p:stCondLst>
-                                            <p:cond delay="12000"/>
-                                          </p:stCondLst>
-                                        </p:cTn>
-                                        <p:tgtEl>
-                                          <p:spTgt spid="2"/>
-                                        </p:tgtEl>
-                                        <p:attrNameLst>
-                                          <p:attrName>r</p:attrName>
-                                        </p:attrNameLst>
-                                      </p:cBhvr>
-                                    </p:animRot>
-                                    <p:animRot by="120000">
-                                      <p:cBhvr>
-                                        <p:cTn id="10" dur="4000" fill="hold">
-                                          <p:stCondLst>
-                                            <p:cond delay="16000"/>
-                                          </p:stCondLst>
-                                        </p:cTn>
-                                        <p:tgtEl>
-                                          <p:spTgt spid="2"/>
-                                        </p:tgtEl>
-                                        <p:attrNameLst>
-                                          <p:attrName>r</p:attrName>
-                                        </p:attrNameLst>
-                                      </p:cBhvr>
-                                    </p:animRot>
-                                  </p:childTnLst>
-                                </p:cTn>
-                              </p:par>
-                              <p:par>
-                                <p:cTn id="11" presetID="10" presetClass="entr" presetSubtype="0" fill="hold" grpId="0" nodeType="withEffect">
-                                  <p:stCondLst>
-                                    <p:cond delay="0"/>
-                                  </p:stCondLst>
-                                  <p:childTnLst>
-                                    <p:set>
-                                      <p:cBhvr>
-                                        <p:cTn id="12" dur="1" fill="hold">
-                                          <p:stCondLst>
-                                            <p:cond delay="0"/>
-                                          </p:stCondLst>
-                                        </p:cTn>
-                                        <p:tgtEl>
-                                          <p:spTgt spid="15"/>
-                                        </p:tgtEl>
-                                        <p:attrNameLst>
-                                          <p:attrName>style.visibility</p:attrName>
-                                        </p:attrNameLst>
-                                      </p:cBhvr>
-                                      <p:to>
-                                        <p:strVal val="visible"/>
-                                      </p:to>
-                                    </p:set>
-                                    <p:animEffect transition="in" filter="fade">
-                                      <p:cBhvr>
-                                        <p:cTn id="13" dur="500"/>
-                                        <p:tgtEl>
-                                          <p:spTgt spid="15"/>
-                                        </p:tgtEl>
-                                      </p:cBhvr>
-                                    </p:animEffect>
-                                  </p:childTnLst>
-                                </p:cTn>
-                              </p:par>
-                              <p:par>
-                                <p:cTn id="14" presetID="10" presetClass="entr" presetSubtype="0" fill="hold" nodeType="withEffect">
-                                  <p:stCondLst>
-                                    <p:cond delay="0"/>
-                                  </p:stCondLst>
-                                  <p:childTnLst>
-                                    <p:set>
-                                      <p:cBhvr>
-                                        <p:cTn id="15" dur="1" fill="hold">
-                                          <p:stCondLst>
-                                            <p:cond delay="0"/>
-                                          </p:stCondLst>
-                                        </p:cTn>
-                                        <p:tgtEl>
-                                          <p:spTgt spid="7"/>
-                                        </p:tgtEl>
-                                        <p:attrNameLst>
-                                          <p:attrName>style.visibility</p:attrName>
-                                        </p:attrNameLst>
-                                      </p:cBhvr>
-                                      <p:to>
-                                        <p:strVal val="visible"/>
-                                      </p:to>
-                                    </p:set>
-                                    <p:animEffect transition="in" filter="fade">
-                                      <p:cBhvr>
-                                        <p:cTn id="16" dur="500"/>
-                                        <p:tgtEl>
-                                          <p:spTgt spid="7"/>
-                                        </p:tgtEl>
-                                      </p:cBhvr>
-                                    </p:animEffect>
-                                  </p:childTnLst>
-                                </p:cTn>
-                              </p:par>
-                              <p:par>
-                                <p:cTn id="17" presetID="10" presetClass="entr" presetSubtype="0" fill="hold" nodeType="withEffect">
-                                  <p:stCondLst>
-                                    <p:cond delay="0"/>
-                                  </p:stCondLst>
-                                  <p:childTnLst>
-                                    <p:set>
-                                      <p:cBhvr>
-                                        <p:cTn id="18" dur="1" fill="hold">
-                                          <p:stCondLst>
-                                            <p:cond delay="0"/>
-                                          </p:stCondLst>
-                                        </p:cTn>
-                                        <p:tgtEl>
-                                          <p:spTgt spid="3"/>
-                                        </p:tgtEl>
-                                        <p:attrNameLst>
-                                          <p:attrName>style.visibility</p:attrName>
-                                        </p:attrNameLst>
-                                      </p:cBhvr>
-                                      <p:to>
-                                        <p:strVal val="visible"/>
-                                      </p:to>
-                                    </p:set>
-                                    <p:animEffect transition="in" filter="fade">
-                                      <p:cBhvr>
-                                        <p:cTn id="19" dur="500"/>
-                                        <p:tgtEl>
-                                          <p:spTgt spid="3"/>
-                                        </p:tgtEl>
-                                      </p:cBhvr>
-                                    </p:animEffect>
-                                  </p:childTnLst>
-                                </p:cTn>
-                              </p:par>
-                              <p:par>
-                                <p:cTn id="20" presetID="10" presetClass="entr" presetSubtype="0" fill="hold" nodeType="withEffect">
-                                  <p:stCondLst>
-                                    <p:cond delay="0"/>
-                                  </p:stCondLst>
-                                  <p:childTnLst>
-                                    <p:set>
-                                      <p:cBhvr>
-                                        <p:cTn id="21" dur="1" fill="hold">
-                                          <p:stCondLst>
-                                            <p:cond delay="0"/>
-                                          </p:stCondLst>
-                                        </p:cTn>
-                                        <p:tgtEl>
-                                          <p:spTgt spid="16"/>
-                                        </p:tgtEl>
-                                        <p:attrNameLst>
-                                          <p:attrName>style.visibility</p:attrName>
-                                        </p:attrNameLst>
-                                      </p:cBhvr>
-                                      <p:to>
-                                        <p:strVal val="visible"/>
-                                      </p:to>
-                                    </p:set>
-                                    <p:animEffect transition="in" filter="fade">
-                                      <p:cBhvr>
-                                        <p:cTn id="22" dur="500"/>
-                                        <p:tgtEl>
-                                          <p:spTgt spid="16"/>
-                                        </p:tgtEl>
-                                      </p:cBhvr>
-                                    </p:animEffect>
-                                  </p:childTnLst>
-                                </p:cTn>
-                              </p:par>
-                              <p:par>
-                                <p:cTn id="23" presetID="10" presetClass="entr" presetSubtype="0" fill="hold" nodeType="withEffect">
-                                  <p:stCondLst>
-                                    <p:cond delay="0"/>
-                                  </p:stCondLst>
-                                  <p:childTnLst>
-                                    <p:set>
-                                      <p:cBhvr>
-                                        <p:cTn id="24" dur="1" fill="hold">
-                                          <p:stCondLst>
-                                            <p:cond delay="0"/>
-                                          </p:stCondLst>
-                                        </p:cTn>
-                                        <p:tgtEl>
-                                          <p:spTgt spid="11"/>
-                                        </p:tgtEl>
-                                        <p:attrNameLst>
-                                          <p:attrName>style.visibility</p:attrName>
-                                        </p:attrNameLst>
-                                      </p:cBhvr>
-                                      <p:to>
-                                        <p:strVal val="visible"/>
-                                      </p:to>
-                                    </p:set>
-                                    <p:animEffect transition="in" filter="fade">
-                                      <p:cBhvr>
-                                        <p:cTn id="25" dur="500"/>
-                                        <p:tgtEl>
-                                          <p:spTgt spid="11"/>
-                                        </p:tgtEl>
-                                      </p:cBhvr>
-                                    </p:animEffect>
-                                  </p:childTnLst>
-                                </p:cTn>
-                              </p:par>
-                            </p:childTnLst>
-                          </p:cTn>
-                        </p:par>
-                      </p:childTnLst>
-                    </p:cTn>
-                  </p:par>
-                </p:childTnLst>
-              </p:cTn>
-              <p:prevCondLst>
-                <p:cond evt="onPrev" delay="0">
-                  <p:tgtEl>
-                    <p:sldTgt/>
-                  </p:tgtEl>
-                </p:cond>
-              </p:prevCondLst>
-              <p:nextCondLst>
-                <p:cond evt="onNext" delay="0">
-                  <p:tgtEl>
-                    <p:sldTgt/>
-                  </p:tgtEl>
-                </p:cond>
-              </p:nextCondLst>
-            </p:seq>
-          </p:childTnLst>
-        </p:cTn>
-      </p:par>
-    </p:tnLst>
-    <p:bldLst>
-      <p:bldP spid="15" grpId="0"/>
-    </p:bldLst>
-  </p:timing>
-</p:sld>
-</file>
-
-<file path=ppt/slides/slide8.xml><?xml version="1.0" encoding="utf-8"?>
+<file path=ppt/slides/slide5.xml><?xml version="1.0" encoding="utf-8"?>
 <p:sld xmlns:a="http://schemas.openxmlformats.org/drawingml/2006/main" xmlns:r="http://schemas.openxmlformats.org/officeDocument/2006/relationships" xmlns:p="http://schemas.openxmlformats.org/presentationml/2006/main">
   <p:cSld>
     <p:bg>
@@ -11136,6 +9215,1182 @@
 </p:sld>
 </file>
 
+<file path=ppt/slides/slide6.xml><?xml version="1.0" encoding="utf-8"?>
+<p:sld xmlns:a="http://schemas.openxmlformats.org/drawingml/2006/main" xmlns:r="http://schemas.openxmlformats.org/officeDocument/2006/relationships" xmlns:p="http://schemas.openxmlformats.org/presentationml/2006/main">
+  <p:cSld>
+    <p:bg>
+      <p:bgPr>
+        <a:solidFill>
+          <a:srgbClr val="FFFEFB"/>
+        </a:solidFill>
+        <a:effectLst/>
+      </p:bgPr>
+    </p:bg>
+    <p:spTree>
+      <p:nvGrpSpPr>
+        <p:cNvPr id="1" name=""/>
+        <p:cNvGrpSpPr/>
+        <p:nvPr/>
+      </p:nvGrpSpPr>
+      <p:grpSpPr>
+        <a:xfrm>
+          <a:off x="0" y="0"/>
+          <a:ext cx="0" cy="0"/>
+          <a:chOff x="0" y="0"/>
+          <a:chExt cx="0" cy="0"/>
+        </a:xfrm>
+      </p:grpSpPr>
+      <p:sp>
+        <p:nvSpPr>
+          <p:cNvPr id="2" name="TextBox 2"/>
+          <p:cNvSpPr txBox="1"/>
+          <p:nvPr/>
+        </p:nvSpPr>
+        <p:spPr>
+          <a:xfrm>
+            <a:off x="1028700" y="866775"/>
+            <a:ext cx="10262494" cy="1533525"/>
+          </a:xfrm>
+          <a:prstGeom prst="rect">
+            <a:avLst/>
+          </a:prstGeom>
+        </p:spPr>
+        <p:txBody>
+          <a:bodyPr lIns="0" tIns="0" rIns="0" bIns="0" rtlCol="0" anchor="t">
+            <a:spAutoFit/>
+          </a:bodyPr>
+          <a:lstStyle/>
+          <a:p>
+            <a:pPr>
+              <a:lnSpc>
+                <a:spcPts val="12599"/>
+              </a:lnSpc>
+            </a:pPr>
+            <a:r>
+              <a:rPr lang="en-US" sz="9000" dirty="0">
+                <a:solidFill>
+                  <a:srgbClr val="545454"/>
+                </a:solidFill>
+                <a:latin typeface="Open Sans 1 Bold"/>
+              </a:rPr>
+              <a:t>Storyboard</a:t>
+            </a:r>
+          </a:p>
+        </p:txBody>
+      </p:sp>
+      <p:pic>
+        <p:nvPicPr>
+          <p:cNvPr id="5" name="Imagem 4">
+            <a:extLst>
+              <a:ext uri="{FF2B5EF4-FFF2-40B4-BE49-F238E27FC236}">
+                <a16:creationId xmlns:a16="http://schemas.microsoft.com/office/drawing/2014/main" id="{D8C09FB8-251A-4CDA-9767-4C99C62C2687}"/>
+              </a:ext>
+            </a:extLst>
+          </p:cNvPr>
+          <p:cNvPicPr>
+            <a:picLocks noChangeAspect="1"/>
+          </p:cNvPicPr>
+          <p:nvPr/>
+        </p:nvPicPr>
+        <p:blipFill>
+          <a:blip r:embed="rId2"/>
+          <a:stretch>
+            <a:fillRect/>
+          </a:stretch>
+        </p:blipFill>
+        <p:spPr>
+          <a:xfrm>
+            <a:off x="17078325" y="266700"/>
+            <a:ext cx="883385" cy="1044000"/>
+          </a:xfrm>
+          <a:prstGeom prst="rect">
+            <a:avLst/>
+          </a:prstGeom>
+        </p:spPr>
+      </p:pic>
+    </p:spTree>
+    <p:extLst>
+      <p:ext uri="{BB962C8B-B14F-4D97-AF65-F5344CB8AC3E}">
+        <p14:creationId xmlns:p14="http://schemas.microsoft.com/office/powerpoint/2010/main" val="3263183176"/>
+      </p:ext>
+    </p:extLst>
+  </p:cSld>
+  <p:clrMapOvr>
+    <a:masterClrMapping/>
+  </p:clrMapOvr>
+  <mc:AlternateContent xmlns:mc="http://schemas.openxmlformats.org/markup-compatibility/2006">
+    <mc:Choice xmlns:p14="http://schemas.microsoft.com/office/powerpoint/2010/main" Requires="p14">
+      <p:transition spd="med" p14:dur="700">
+        <p:fade/>
+      </p:transition>
+    </mc:Choice>
+    <mc:Fallback>
+      <p:transition spd="med">
+        <p:fade/>
+      </p:transition>
+    </mc:Fallback>
+  </mc:AlternateContent>
+</p:sld>
+</file>
+
+<file path=ppt/slides/slide7.xml><?xml version="1.0" encoding="utf-8"?>
+<p:sld xmlns:a="http://schemas.openxmlformats.org/drawingml/2006/main" xmlns:r="http://schemas.openxmlformats.org/officeDocument/2006/relationships" xmlns:p="http://schemas.openxmlformats.org/presentationml/2006/main">
+  <p:cSld>
+    <p:bg>
+      <p:bgPr>
+        <a:solidFill>
+          <a:srgbClr val="FF6864"/>
+        </a:solidFill>
+        <a:effectLst/>
+      </p:bgPr>
+    </p:bg>
+    <p:spTree>
+      <p:nvGrpSpPr>
+        <p:cNvPr id="1" name=""/>
+        <p:cNvGrpSpPr/>
+        <p:nvPr/>
+      </p:nvGrpSpPr>
+      <p:grpSpPr>
+        <a:xfrm>
+          <a:off x="0" y="0"/>
+          <a:ext cx="0" cy="0"/>
+          <a:chOff x="0" y="0"/>
+          <a:chExt cx="0" cy="0"/>
+        </a:xfrm>
+      </p:grpSpPr>
+      <p:pic>
+        <p:nvPicPr>
+          <p:cNvPr id="2" name="Picture 2"/>
+          <p:cNvPicPr>
+            <a:picLocks noChangeAspect="1"/>
+          </p:cNvPicPr>
+          <p:nvPr/>
+        </p:nvPicPr>
+        <p:blipFill>
+          <a:blip r:embed="rId2"/>
+          <a:srcRect/>
+          <a:stretch>
+            <a:fillRect/>
+          </a:stretch>
+        </p:blipFill>
+        <p:spPr>
+          <a:xfrm rot="-8243024">
+            <a:off x="2628860" y="-5723760"/>
+            <a:ext cx="21734520" cy="21734520"/>
+          </a:xfrm>
+          <a:prstGeom prst="rect">
+            <a:avLst/>
+          </a:prstGeom>
+        </p:spPr>
+      </p:pic>
+      <p:grpSp>
+        <p:nvGrpSpPr>
+          <p:cNvPr id="3" name="Group 3"/>
+          <p:cNvGrpSpPr/>
+          <p:nvPr/>
+        </p:nvGrpSpPr>
+        <p:grpSpPr>
+          <a:xfrm>
+            <a:off x="9835409" y="2897248"/>
+            <a:ext cx="5878022" cy="1993668"/>
+            <a:chOff x="0" y="0"/>
+            <a:chExt cx="7837363" cy="2658225"/>
+          </a:xfrm>
+        </p:grpSpPr>
+        <p:grpSp>
+          <p:nvGrpSpPr>
+            <p:cNvPr id="4" name="Group 4"/>
+            <p:cNvGrpSpPr/>
+            <p:nvPr/>
+          </p:nvGrpSpPr>
+          <p:grpSpPr>
+            <a:xfrm>
+              <a:off x="0" y="0"/>
+              <a:ext cx="2658225" cy="2658225"/>
+              <a:chOff x="0" y="0"/>
+              <a:chExt cx="6350000" cy="6350000"/>
+            </a:xfrm>
+          </p:grpSpPr>
+          <p:sp>
+            <p:nvSpPr>
+              <p:cNvPr id="5" name="Freeform 5"/>
+              <p:cNvSpPr/>
+              <p:nvPr/>
+            </p:nvSpPr>
+            <p:spPr>
+              <a:xfrm>
+                <a:off x="14167" y="0"/>
+                <a:ext cx="6321665" cy="6350000"/>
+              </a:xfrm>
+              <a:custGeom>
+                <a:avLst/>
+                <a:gdLst/>
+                <a:ahLst/>
+                <a:cxnLst/>
+                <a:rect l="l" t="t" r="r" b="b"/>
+                <a:pathLst>
+                  <a:path w="6321665" h="6350000">
+                    <a:moveTo>
+                      <a:pt x="3160833" y="0"/>
+                    </a:moveTo>
+                    <a:lnTo>
+                      <a:pt x="3160833" y="0"/>
+                    </a:lnTo>
+                    <a:cubicBezTo>
+                      <a:pt x="4908795" y="7817"/>
+                      <a:pt x="6321666" y="1427021"/>
+                      <a:pt x="6321666" y="3175000"/>
+                    </a:cubicBezTo>
+                    <a:cubicBezTo>
+                      <a:pt x="6321666" y="4922979"/>
+                      <a:pt x="4908795" y="6342183"/>
+                      <a:pt x="3160833" y="6350000"/>
+                    </a:cubicBezTo>
+                    <a:cubicBezTo>
+                      <a:pt x="1412871" y="6342183"/>
+                      <a:pt x="0" y="4922979"/>
+                      <a:pt x="0" y="3175000"/>
+                    </a:cubicBezTo>
+                    <a:cubicBezTo>
+                      <a:pt x="0" y="1427021"/>
+                      <a:pt x="1412871" y="7817"/>
+                      <a:pt x="3160833" y="0"/>
+                    </a:cubicBezTo>
+                    <a:close/>
+                  </a:path>
+                </a:pathLst>
+              </a:custGeom>
+              <a:solidFill>
+                <a:srgbClr val="FFB5B3"/>
+              </a:solidFill>
+            </p:spPr>
+          </p:sp>
+        </p:grpSp>
+        <p:sp>
+          <p:nvSpPr>
+            <p:cNvPr id="6" name="TextBox 6"/>
+            <p:cNvSpPr txBox="1"/>
+            <p:nvPr/>
+          </p:nvSpPr>
+          <p:spPr>
+            <a:xfrm>
+              <a:off x="3575449" y="804205"/>
+              <a:ext cx="4261913" cy="935514"/>
+            </a:xfrm>
+            <a:prstGeom prst="rect">
+              <a:avLst/>
+            </a:prstGeom>
+          </p:spPr>
+          <p:txBody>
+            <a:bodyPr lIns="0" tIns="0" rIns="0" bIns="0" rtlCol="0" anchor="t">
+              <a:spAutoFit/>
+            </a:bodyPr>
+            <a:lstStyle/>
+            <a:p>
+              <a:pPr>
+                <a:lnSpc>
+                  <a:spcPts val="6070"/>
+                </a:lnSpc>
+              </a:pPr>
+              <a:r>
+                <a:rPr lang="en-US" sz="4046" spc="40">
+                  <a:solidFill>
+                    <a:srgbClr val="393667"/>
+                  </a:solidFill>
+                  <a:latin typeface="Open Sans 2"/>
+                </a:rPr>
+                <a:t>Vantagem</a:t>
+              </a:r>
+            </a:p>
+          </p:txBody>
+        </p:sp>
+      </p:grpSp>
+      <p:grpSp>
+        <p:nvGrpSpPr>
+          <p:cNvPr id="7" name="Group 7"/>
+          <p:cNvGrpSpPr/>
+          <p:nvPr/>
+        </p:nvGrpSpPr>
+        <p:grpSpPr>
+          <a:xfrm>
+            <a:off x="9835409" y="368225"/>
+            <a:ext cx="5878022" cy="1993668"/>
+            <a:chOff x="0" y="0"/>
+            <a:chExt cx="7837363" cy="2658225"/>
+          </a:xfrm>
+        </p:grpSpPr>
+        <p:grpSp>
+          <p:nvGrpSpPr>
+            <p:cNvPr id="8" name="Group 8"/>
+            <p:cNvGrpSpPr/>
+            <p:nvPr/>
+          </p:nvGrpSpPr>
+          <p:grpSpPr>
+            <a:xfrm>
+              <a:off x="0" y="0"/>
+              <a:ext cx="2658225" cy="2658225"/>
+              <a:chOff x="0" y="0"/>
+              <a:chExt cx="6350000" cy="6350000"/>
+            </a:xfrm>
+          </p:grpSpPr>
+          <p:sp>
+            <p:nvSpPr>
+              <p:cNvPr id="9" name="Freeform 9"/>
+              <p:cNvSpPr/>
+              <p:nvPr/>
+            </p:nvSpPr>
+            <p:spPr>
+              <a:xfrm>
+                <a:off x="14167" y="0"/>
+                <a:ext cx="6321665" cy="6350000"/>
+              </a:xfrm>
+              <a:custGeom>
+                <a:avLst/>
+                <a:gdLst/>
+                <a:ahLst/>
+                <a:cxnLst/>
+                <a:rect l="l" t="t" r="r" b="b"/>
+                <a:pathLst>
+                  <a:path w="6321665" h="6350000">
+                    <a:moveTo>
+                      <a:pt x="3160833" y="0"/>
+                    </a:moveTo>
+                    <a:lnTo>
+                      <a:pt x="3160833" y="0"/>
+                    </a:lnTo>
+                    <a:cubicBezTo>
+                      <a:pt x="4908795" y="7817"/>
+                      <a:pt x="6321666" y="1427021"/>
+                      <a:pt x="6321666" y="3175000"/>
+                    </a:cubicBezTo>
+                    <a:cubicBezTo>
+                      <a:pt x="6321666" y="4922979"/>
+                      <a:pt x="4908795" y="6342183"/>
+                      <a:pt x="3160833" y="6350000"/>
+                    </a:cubicBezTo>
+                    <a:cubicBezTo>
+                      <a:pt x="1412871" y="6342183"/>
+                      <a:pt x="0" y="4922979"/>
+                      <a:pt x="0" y="3175000"/>
+                    </a:cubicBezTo>
+                    <a:cubicBezTo>
+                      <a:pt x="0" y="1427021"/>
+                      <a:pt x="1412871" y="7817"/>
+                      <a:pt x="3160833" y="0"/>
+                    </a:cubicBezTo>
+                    <a:close/>
+                  </a:path>
+                </a:pathLst>
+              </a:custGeom>
+              <a:solidFill>
+                <a:srgbClr val="FFB5B3"/>
+              </a:solidFill>
+            </p:spPr>
+          </p:sp>
+        </p:grpSp>
+        <p:sp>
+          <p:nvSpPr>
+            <p:cNvPr id="10" name="TextBox 10"/>
+            <p:cNvSpPr txBox="1"/>
+            <p:nvPr/>
+          </p:nvSpPr>
+          <p:spPr>
+            <a:xfrm>
+              <a:off x="3575449" y="804205"/>
+              <a:ext cx="4261913" cy="935514"/>
+            </a:xfrm>
+            <a:prstGeom prst="rect">
+              <a:avLst/>
+            </a:prstGeom>
+          </p:spPr>
+          <p:txBody>
+            <a:bodyPr lIns="0" tIns="0" rIns="0" bIns="0" rtlCol="0" anchor="t">
+              <a:spAutoFit/>
+            </a:bodyPr>
+            <a:lstStyle/>
+            <a:p>
+              <a:pPr>
+                <a:lnSpc>
+                  <a:spcPts val="6070"/>
+                </a:lnSpc>
+              </a:pPr>
+              <a:r>
+                <a:rPr lang="en-US" sz="4046" spc="40">
+                  <a:solidFill>
+                    <a:srgbClr val="393667"/>
+                  </a:solidFill>
+                  <a:latin typeface="Open Sans 2"/>
+                </a:rPr>
+                <a:t>Vantagem</a:t>
+              </a:r>
+            </a:p>
+          </p:txBody>
+        </p:sp>
+      </p:grpSp>
+      <p:grpSp>
+        <p:nvGrpSpPr>
+          <p:cNvPr id="11" name="Group 11"/>
+          <p:cNvGrpSpPr/>
+          <p:nvPr/>
+        </p:nvGrpSpPr>
+        <p:grpSpPr>
+          <a:xfrm>
+            <a:off x="9835409" y="7925107"/>
+            <a:ext cx="5878022" cy="1993668"/>
+            <a:chOff x="0" y="0"/>
+            <a:chExt cx="7837363" cy="2658225"/>
+          </a:xfrm>
+        </p:grpSpPr>
+        <p:grpSp>
+          <p:nvGrpSpPr>
+            <p:cNvPr id="12" name="Group 12"/>
+            <p:cNvGrpSpPr/>
+            <p:nvPr/>
+          </p:nvGrpSpPr>
+          <p:grpSpPr>
+            <a:xfrm>
+              <a:off x="0" y="0"/>
+              <a:ext cx="2658225" cy="2658225"/>
+              <a:chOff x="0" y="0"/>
+              <a:chExt cx="6350000" cy="6350000"/>
+            </a:xfrm>
+          </p:grpSpPr>
+          <p:sp>
+            <p:nvSpPr>
+              <p:cNvPr id="13" name="Freeform 13"/>
+              <p:cNvSpPr/>
+              <p:nvPr/>
+            </p:nvSpPr>
+            <p:spPr>
+              <a:xfrm>
+                <a:off x="14167" y="0"/>
+                <a:ext cx="6321665" cy="6350000"/>
+              </a:xfrm>
+              <a:custGeom>
+                <a:avLst/>
+                <a:gdLst/>
+                <a:ahLst/>
+                <a:cxnLst/>
+                <a:rect l="l" t="t" r="r" b="b"/>
+                <a:pathLst>
+                  <a:path w="6321665" h="6350000">
+                    <a:moveTo>
+                      <a:pt x="3160833" y="0"/>
+                    </a:moveTo>
+                    <a:lnTo>
+                      <a:pt x="3160833" y="0"/>
+                    </a:lnTo>
+                    <a:cubicBezTo>
+                      <a:pt x="4908795" y="7817"/>
+                      <a:pt x="6321666" y="1427021"/>
+                      <a:pt x="6321666" y="3175000"/>
+                    </a:cubicBezTo>
+                    <a:cubicBezTo>
+                      <a:pt x="6321666" y="4922979"/>
+                      <a:pt x="4908795" y="6342183"/>
+                      <a:pt x="3160833" y="6350000"/>
+                    </a:cubicBezTo>
+                    <a:cubicBezTo>
+                      <a:pt x="1412871" y="6342183"/>
+                      <a:pt x="0" y="4922979"/>
+                      <a:pt x="0" y="3175000"/>
+                    </a:cubicBezTo>
+                    <a:cubicBezTo>
+                      <a:pt x="0" y="1427021"/>
+                      <a:pt x="1412871" y="7817"/>
+                      <a:pt x="3160833" y="0"/>
+                    </a:cubicBezTo>
+                    <a:close/>
+                  </a:path>
+                </a:pathLst>
+              </a:custGeom>
+              <a:solidFill>
+                <a:srgbClr val="FFB5B3"/>
+              </a:solidFill>
+            </p:spPr>
+          </p:sp>
+        </p:grpSp>
+        <p:sp>
+          <p:nvSpPr>
+            <p:cNvPr id="14" name="TextBox 14"/>
+            <p:cNvSpPr txBox="1"/>
+            <p:nvPr/>
+          </p:nvSpPr>
+          <p:spPr>
+            <a:xfrm>
+              <a:off x="3575449" y="804205"/>
+              <a:ext cx="4261913" cy="935514"/>
+            </a:xfrm>
+            <a:prstGeom prst="rect">
+              <a:avLst/>
+            </a:prstGeom>
+          </p:spPr>
+          <p:txBody>
+            <a:bodyPr lIns="0" tIns="0" rIns="0" bIns="0" rtlCol="0" anchor="t">
+              <a:spAutoFit/>
+            </a:bodyPr>
+            <a:lstStyle/>
+            <a:p>
+              <a:pPr>
+                <a:lnSpc>
+                  <a:spcPts val="6070"/>
+                </a:lnSpc>
+              </a:pPr>
+              <a:r>
+                <a:rPr lang="en-US" sz="4046" spc="40">
+                  <a:solidFill>
+                    <a:srgbClr val="393667"/>
+                  </a:solidFill>
+                  <a:latin typeface="Open Sans 2"/>
+                </a:rPr>
+                <a:t>Vantagem</a:t>
+              </a:r>
+            </a:p>
+          </p:txBody>
+        </p:sp>
+      </p:grpSp>
+      <p:sp>
+        <p:nvSpPr>
+          <p:cNvPr id="15" name="TextBox 15"/>
+          <p:cNvSpPr txBox="1"/>
+          <p:nvPr/>
+        </p:nvSpPr>
+        <p:spPr>
+          <a:xfrm>
+            <a:off x="1028700" y="4295775"/>
+            <a:ext cx="6112544" cy="1533525"/>
+          </a:xfrm>
+          <a:prstGeom prst="rect">
+            <a:avLst/>
+          </a:prstGeom>
+        </p:spPr>
+        <p:txBody>
+          <a:bodyPr lIns="0" tIns="0" rIns="0" bIns="0" rtlCol="0" anchor="t">
+            <a:spAutoFit/>
+          </a:bodyPr>
+          <a:lstStyle/>
+          <a:p>
+            <a:pPr>
+              <a:lnSpc>
+                <a:spcPts val="12599"/>
+              </a:lnSpc>
+            </a:pPr>
+            <a:r>
+              <a:rPr lang="en-US" sz="9000" dirty="0" err="1">
+                <a:solidFill>
+                  <a:srgbClr val="FFFEFB"/>
+                </a:solidFill>
+                <a:latin typeface="Open Sans 1 Bold"/>
+              </a:rPr>
+              <a:t>Vantagens</a:t>
+            </a:r>
+            <a:endParaRPr lang="en-US" sz="9000" dirty="0">
+              <a:solidFill>
+                <a:srgbClr val="FFFEFB"/>
+              </a:solidFill>
+              <a:latin typeface="Open Sans 1 Bold"/>
+            </a:endParaRPr>
+          </a:p>
+        </p:txBody>
+      </p:sp>
+      <p:grpSp>
+        <p:nvGrpSpPr>
+          <p:cNvPr id="16" name="Group 16"/>
+          <p:cNvGrpSpPr/>
+          <p:nvPr/>
+        </p:nvGrpSpPr>
+        <p:grpSpPr>
+          <a:xfrm>
+            <a:off x="9835409" y="5396084"/>
+            <a:ext cx="5878022" cy="1993668"/>
+            <a:chOff x="0" y="0"/>
+            <a:chExt cx="7837363" cy="2658225"/>
+          </a:xfrm>
+        </p:grpSpPr>
+        <p:grpSp>
+          <p:nvGrpSpPr>
+            <p:cNvPr id="17" name="Group 17"/>
+            <p:cNvGrpSpPr/>
+            <p:nvPr/>
+          </p:nvGrpSpPr>
+          <p:grpSpPr>
+            <a:xfrm>
+              <a:off x="0" y="0"/>
+              <a:ext cx="2658225" cy="2658225"/>
+              <a:chOff x="0" y="0"/>
+              <a:chExt cx="6350000" cy="6350000"/>
+            </a:xfrm>
+          </p:grpSpPr>
+          <p:sp>
+            <p:nvSpPr>
+              <p:cNvPr id="18" name="Freeform 18"/>
+              <p:cNvSpPr/>
+              <p:nvPr/>
+            </p:nvSpPr>
+            <p:spPr>
+              <a:xfrm>
+                <a:off x="14167" y="0"/>
+                <a:ext cx="6321665" cy="6350000"/>
+              </a:xfrm>
+              <a:custGeom>
+                <a:avLst/>
+                <a:gdLst/>
+                <a:ahLst/>
+                <a:cxnLst/>
+                <a:rect l="l" t="t" r="r" b="b"/>
+                <a:pathLst>
+                  <a:path w="6321665" h="6350000">
+                    <a:moveTo>
+                      <a:pt x="3160833" y="0"/>
+                    </a:moveTo>
+                    <a:lnTo>
+                      <a:pt x="3160833" y="0"/>
+                    </a:lnTo>
+                    <a:cubicBezTo>
+                      <a:pt x="4908795" y="7817"/>
+                      <a:pt x="6321666" y="1427021"/>
+                      <a:pt x="6321666" y="3175000"/>
+                    </a:cubicBezTo>
+                    <a:cubicBezTo>
+                      <a:pt x="6321666" y="4922979"/>
+                      <a:pt x="4908795" y="6342183"/>
+                      <a:pt x="3160833" y="6350000"/>
+                    </a:cubicBezTo>
+                    <a:cubicBezTo>
+                      <a:pt x="1412871" y="6342183"/>
+                      <a:pt x="0" y="4922979"/>
+                      <a:pt x="0" y="3175000"/>
+                    </a:cubicBezTo>
+                    <a:cubicBezTo>
+                      <a:pt x="0" y="1427021"/>
+                      <a:pt x="1412871" y="7817"/>
+                      <a:pt x="3160833" y="0"/>
+                    </a:cubicBezTo>
+                    <a:close/>
+                  </a:path>
+                </a:pathLst>
+              </a:custGeom>
+              <a:solidFill>
+                <a:srgbClr val="FFB5B3"/>
+              </a:solidFill>
+            </p:spPr>
+          </p:sp>
+        </p:grpSp>
+        <p:sp>
+          <p:nvSpPr>
+            <p:cNvPr id="19" name="TextBox 19"/>
+            <p:cNvSpPr txBox="1"/>
+            <p:nvPr/>
+          </p:nvSpPr>
+          <p:spPr>
+            <a:xfrm>
+              <a:off x="3575449" y="804205"/>
+              <a:ext cx="4261913" cy="935514"/>
+            </a:xfrm>
+            <a:prstGeom prst="rect">
+              <a:avLst/>
+            </a:prstGeom>
+          </p:spPr>
+          <p:txBody>
+            <a:bodyPr lIns="0" tIns="0" rIns="0" bIns="0" rtlCol="0" anchor="t">
+              <a:spAutoFit/>
+            </a:bodyPr>
+            <a:lstStyle/>
+            <a:p>
+              <a:pPr>
+                <a:lnSpc>
+                  <a:spcPts val="6070"/>
+                </a:lnSpc>
+              </a:pPr>
+              <a:r>
+                <a:rPr lang="en-US" sz="4046" spc="40">
+                  <a:solidFill>
+                    <a:srgbClr val="393667"/>
+                  </a:solidFill>
+                  <a:latin typeface="Open Sans 2"/>
+                </a:rPr>
+                <a:t>Vantagem</a:t>
+              </a:r>
+            </a:p>
+          </p:txBody>
+        </p:sp>
+      </p:grpSp>
+      <p:pic>
+        <p:nvPicPr>
+          <p:cNvPr id="22" name="Imagem 21">
+            <a:extLst>
+              <a:ext uri="{FF2B5EF4-FFF2-40B4-BE49-F238E27FC236}">
+                <a16:creationId xmlns:a16="http://schemas.microsoft.com/office/drawing/2014/main" id="{29E6B708-0107-403A-B9CA-4EEBCA944254}"/>
+              </a:ext>
+            </a:extLst>
+          </p:cNvPr>
+          <p:cNvPicPr>
+            <a:picLocks noChangeAspect="1"/>
+          </p:cNvPicPr>
+          <p:nvPr/>
+        </p:nvPicPr>
+        <p:blipFill>
+          <a:blip r:embed="rId3"/>
+          <a:stretch>
+            <a:fillRect/>
+          </a:stretch>
+        </p:blipFill>
+        <p:spPr>
+          <a:xfrm>
+            <a:off x="17078325" y="266700"/>
+            <a:ext cx="883385" cy="1044000"/>
+          </a:xfrm>
+          <a:prstGeom prst="rect">
+            <a:avLst/>
+          </a:prstGeom>
+        </p:spPr>
+      </p:pic>
+    </p:spTree>
+  </p:cSld>
+  <p:clrMapOvr>
+    <a:masterClrMapping/>
+  </p:clrMapOvr>
+  <mc:AlternateContent xmlns:mc="http://schemas.openxmlformats.org/markup-compatibility/2006" xmlns:p14="http://schemas.microsoft.com/office/powerpoint/2010/main">
+    <mc:Choice Requires="p14">
+      <p:transition spd="med" p14:dur="700">
+        <p:fade/>
+      </p:transition>
+    </mc:Choice>
+    <mc:Fallback xmlns="">
+      <p:transition spd="med">
+        <p:fade/>
+      </p:transition>
+    </mc:Fallback>
+  </mc:AlternateContent>
+  <p:timing>
+    <p:tnLst>
+      <p:par>
+        <p:cTn id="1" dur="indefinite" restart="never" nodeType="tmRoot">
+          <p:childTnLst>
+            <p:seq concurrent="1" nextAc="seek">
+              <p:cTn id="2" dur="indefinite" nodeType="mainSeq">
+                <p:childTnLst>
+                  <p:par>
+                    <p:cTn id="3" fill="hold">
+                      <p:stCondLst>
+                        <p:cond delay="indefinite"/>
+                        <p:cond evt="onBegin" delay="0">
+                          <p:tn val="2"/>
+                        </p:cond>
+                      </p:stCondLst>
+                      <p:childTnLst>
+                        <p:par>
+                          <p:cTn id="4" fill="hold">
+                            <p:stCondLst>
+                              <p:cond delay="0"/>
+                            </p:stCondLst>
+                            <p:childTnLst>
+                              <p:par>
+                                <p:cTn id="5" presetID="32" presetClass="emph" presetSubtype="0" fill="hold" nodeType="afterEffect">
+                                  <p:stCondLst>
+                                    <p:cond delay="0"/>
+                                  </p:stCondLst>
+                                  <p:childTnLst>
+                                    <p:animRot by="120000">
+                                      <p:cBhvr>
+                                        <p:cTn id="6" dur="2000" fill="hold">
+                                          <p:stCondLst>
+                                            <p:cond delay="0"/>
+                                          </p:stCondLst>
+                                        </p:cTn>
+                                        <p:tgtEl>
+                                          <p:spTgt spid="2"/>
+                                        </p:tgtEl>
+                                        <p:attrNameLst>
+                                          <p:attrName>r</p:attrName>
+                                        </p:attrNameLst>
+                                      </p:cBhvr>
+                                    </p:animRot>
+                                    <p:animRot by="-240000">
+                                      <p:cBhvr>
+                                        <p:cTn id="7" dur="4000" fill="hold">
+                                          <p:stCondLst>
+                                            <p:cond delay="4000"/>
+                                          </p:stCondLst>
+                                        </p:cTn>
+                                        <p:tgtEl>
+                                          <p:spTgt spid="2"/>
+                                        </p:tgtEl>
+                                        <p:attrNameLst>
+                                          <p:attrName>r</p:attrName>
+                                        </p:attrNameLst>
+                                      </p:cBhvr>
+                                    </p:animRot>
+                                    <p:animRot by="240000">
+                                      <p:cBhvr>
+                                        <p:cTn id="8" dur="4000" fill="hold">
+                                          <p:stCondLst>
+                                            <p:cond delay="8000"/>
+                                          </p:stCondLst>
+                                        </p:cTn>
+                                        <p:tgtEl>
+                                          <p:spTgt spid="2"/>
+                                        </p:tgtEl>
+                                        <p:attrNameLst>
+                                          <p:attrName>r</p:attrName>
+                                        </p:attrNameLst>
+                                      </p:cBhvr>
+                                    </p:animRot>
+                                    <p:animRot by="-240000">
+                                      <p:cBhvr>
+                                        <p:cTn id="9" dur="4000" fill="hold">
+                                          <p:stCondLst>
+                                            <p:cond delay="12000"/>
+                                          </p:stCondLst>
+                                        </p:cTn>
+                                        <p:tgtEl>
+                                          <p:spTgt spid="2"/>
+                                        </p:tgtEl>
+                                        <p:attrNameLst>
+                                          <p:attrName>r</p:attrName>
+                                        </p:attrNameLst>
+                                      </p:cBhvr>
+                                    </p:animRot>
+                                    <p:animRot by="120000">
+                                      <p:cBhvr>
+                                        <p:cTn id="10" dur="4000" fill="hold">
+                                          <p:stCondLst>
+                                            <p:cond delay="16000"/>
+                                          </p:stCondLst>
+                                        </p:cTn>
+                                        <p:tgtEl>
+                                          <p:spTgt spid="2"/>
+                                        </p:tgtEl>
+                                        <p:attrNameLst>
+                                          <p:attrName>r</p:attrName>
+                                        </p:attrNameLst>
+                                      </p:cBhvr>
+                                    </p:animRot>
+                                  </p:childTnLst>
+                                </p:cTn>
+                              </p:par>
+                              <p:par>
+                                <p:cTn id="11" presetID="10" presetClass="entr" presetSubtype="0" fill="hold" grpId="0" nodeType="withEffect">
+                                  <p:stCondLst>
+                                    <p:cond delay="0"/>
+                                  </p:stCondLst>
+                                  <p:childTnLst>
+                                    <p:set>
+                                      <p:cBhvr>
+                                        <p:cTn id="12" dur="1" fill="hold">
+                                          <p:stCondLst>
+                                            <p:cond delay="0"/>
+                                          </p:stCondLst>
+                                        </p:cTn>
+                                        <p:tgtEl>
+                                          <p:spTgt spid="15"/>
+                                        </p:tgtEl>
+                                        <p:attrNameLst>
+                                          <p:attrName>style.visibility</p:attrName>
+                                        </p:attrNameLst>
+                                      </p:cBhvr>
+                                      <p:to>
+                                        <p:strVal val="visible"/>
+                                      </p:to>
+                                    </p:set>
+                                    <p:animEffect transition="in" filter="fade">
+                                      <p:cBhvr>
+                                        <p:cTn id="13" dur="500"/>
+                                        <p:tgtEl>
+                                          <p:spTgt spid="15"/>
+                                        </p:tgtEl>
+                                      </p:cBhvr>
+                                    </p:animEffect>
+                                  </p:childTnLst>
+                                </p:cTn>
+                              </p:par>
+                              <p:par>
+                                <p:cTn id="14" presetID="10" presetClass="entr" presetSubtype="0" fill="hold" nodeType="withEffect">
+                                  <p:stCondLst>
+                                    <p:cond delay="0"/>
+                                  </p:stCondLst>
+                                  <p:childTnLst>
+                                    <p:set>
+                                      <p:cBhvr>
+                                        <p:cTn id="15" dur="1" fill="hold">
+                                          <p:stCondLst>
+                                            <p:cond delay="0"/>
+                                          </p:stCondLst>
+                                        </p:cTn>
+                                        <p:tgtEl>
+                                          <p:spTgt spid="7"/>
+                                        </p:tgtEl>
+                                        <p:attrNameLst>
+                                          <p:attrName>style.visibility</p:attrName>
+                                        </p:attrNameLst>
+                                      </p:cBhvr>
+                                      <p:to>
+                                        <p:strVal val="visible"/>
+                                      </p:to>
+                                    </p:set>
+                                    <p:animEffect transition="in" filter="fade">
+                                      <p:cBhvr>
+                                        <p:cTn id="16" dur="500"/>
+                                        <p:tgtEl>
+                                          <p:spTgt spid="7"/>
+                                        </p:tgtEl>
+                                      </p:cBhvr>
+                                    </p:animEffect>
+                                  </p:childTnLst>
+                                </p:cTn>
+                              </p:par>
+                              <p:par>
+                                <p:cTn id="17" presetID="10" presetClass="entr" presetSubtype="0" fill="hold" nodeType="withEffect">
+                                  <p:stCondLst>
+                                    <p:cond delay="0"/>
+                                  </p:stCondLst>
+                                  <p:childTnLst>
+                                    <p:set>
+                                      <p:cBhvr>
+                                        <p:cTn id="18" dur="1" fill="hold">
+                                          <p:stCondLst>
+                                            <p:cond delay="0"/>
+                                          </p:stCondLst>
+                                        </p:cTn>
+                                        <p:tgtEl>
+                                          <p:spTgt spid="3"/>
+                                        </p:tgtEl>
+                                        <p:attrNameLst>
+                                          <p:attrName>style.visibility</p:attrName>
+                                        </p:attrNameLst>
+                                      </p:cBhvr>
+                                      <p:to>
+                                        <p:strVal val="visible"/>
+                                      </p:to>
+                                    </p:set>
+                                    <p:animEffect transition="in" filter="fade">
+                                      <p:cBhvr>
+                                        <p:cTn id="19" dur="500"/>
+                                        <p:tgtEl>
+                                          <p:spTgt spid="3"/>
+                                        </p:tgtEl>
+                                      </p:cBhvr>
+                                    </p:animEffect>
+                                  </p:childTnLst>
+                                </p:cTn>
+                              </p:par>
+                              <p:par>
+                                <p:cTn id="20" presetID="10" presetClass="entr" presetSubtype="0" fill="hold" nodeType="withEffect">
+                                  <p:stCondLst>
+                                    <p:cond delay="0"/>
+                                  </p:stCondLst>
+                                  <p:childTnLst>
+                                    <p:set>
+                                      <p:cBhvr>
+                                        <p:cTn id="21" dur="1" fill="hold">
+                                          <p:stCondLst>
+                                            <p:cond delay="0"/>
+                                          </p:stCondLst>
+                                        </p:cTn>
+                                        <p:tgtEl>
+                                          <p:spTgt spid="16"/>
+                                        </p:tgtEl>
+                                        <p:attrNameLst>
+                                          <p:attrName>style.visibility</p:attrName>
+                                        </p:attrNameLst>
+                                      </p:cBhvr>
+                                      <p:to>
+                                        <p:strVal val="visible"/>
+                                      </p:to>
+                                    </p:set>
+                                    <p:animEffect transition="in" filter="fade">
+                                      <p:cBhvr>
+                                        <p:cTn id="22" dur="500"/>
+                                        <p:tgtEl>
+                                          <p:spTgt spid="16"/>
+                                        </p:tgtEl>
+                                      </p:cBhvr>
+                                    </p:animEffect>
+                                  </p:childTnLst>
+                                </p:cTn>
+                              </p:par>
+                              <p:par>
+                                <p:cTn id="23" presetID="10" presetClass="entr" presetSubtype="0" fill="hold" nodeType="withEffect">
+                                  <p:stCondLst>
+                                    <p:cond delay="0"/>
+                                  </p:stCondLst>
+                                  <p:childTnLst>
+                                    <p:set>
+                                      <p:cBhvr>
+                                        <p:cTn id="24" dur="1" fill="hold">
+                                          <p:stCondLst>
+                                            <p:cond delay="0"/>
+                                          </p:stCondLst>
+                                        </p:cTn>
+                                        <p:tgtEl>
+                                          <p:spTgt spid="11"/>
+                                        </p:tgtEl>
+                                        <p:attrNameLst>
+                                          <p:attrName>style.visibility</p:attrName>
+                                        </p:attrNameLst>
+                                      </p:cBhvr>
+                                      <p:to>
+                                        <p:strVal val="visible"/>
+                                      </p:to>
+                                    </p:set>
+                                    <p:animEffect transition="in" filter="fade">
+                                      <p:cBhvr>
+                                        <p:cTn id="25" dur="500"/>
+                                        <p:tgtEl>
+                                          <p:spTgt spid="11"/>
+                                        </p:tgtEl>
+                                      </p:cBhvr>
+                                    </p:animEffect>
+                                  </p:childTnLst>
+                                </p:cTn>
+                              </p:par>
+                            </p:childTnLst>
+                          </p:cTn>
+                        </p:par>
+                      </p:childTnLst>
+                    </p:cTn>
+                  </p:par>
+                </p:childTnLst>
+              </p:cTn>
+              <p:prevCondLst>
+                <p:cond evt="onPrev" delay="0">
+                  <p:tgtEl>
+                    <p:sldTgt/>
+                  </p:tgtEl>
+                </p:cond>
+              </p:prevCondLst>
+              <p:nextCondLst>
+                <p:cond evt="onNext" delay="0">
+                  <p:tgtEl>
+                    <p:sldTgt/>
+                  </p:tgtEl>
+                </p:cond>
+              </p:nextCondLst>
+            </p:seq>
+          </p:childTnLst>
+        </p:cTn>
+      </p:par>
+    </p:tnLst>
+    <p:bldLst>
+      <p:bldP spid="15" grpId="0"/>
+    </p:bldLst>
+  </p:timing>
+</p:sld>
+</file>
+
+<file path=ppt/slides/slide8.xml><?xml version="1.0" encoding="utf-8"?>
+<p:sld xmlns:a="http://schemas.openxmlformats.org/drawingml/2006/main" xmlns:r="http://schemas.openxmlformats.org/officeDocument/2006/relationships" xmlns:p="http://schemas.openxmlformats.org/presentationml/2006/main">
+  <p:cSld>
+    <p:bg>
+      <p:bgPr>
+        <a:solidFill>
+          <a:srgbClr val="FFFEFB"/>
+        </a:solidFill>
+        <a:effectLst/>
+      </p:bgPr>
+    </p:bg>
+    <p:spTree>
+      <p:nvGrpSpPr>
+        <p:cNvPr id="1" name=""/>
+        <p:cNvGrpSpPr/>
+        <p:nvPr/>
+      </p:nvGrpSpPr>
+      <p:grpSpPr>
+        <a:xfrm>
+          <a:off x="0" y="0"/>
+          <a:ext cx="0" cy="0"/>
+          <a:chOff x="0" y="0"/>
+          <a:chExt cx="0" cy="0"/>
+        </a:xfrm>
+      </p:grpSpPr>
+      <p:sp>
+        <p:nvSpPr>
+          <p:cNvPr id="2" name="TextBox 2"/>
+          <p:cNvSpPr txBox="1"/>
+          <p:nvPr/>
+        </p:nvSpPr>
+        <p:spPr>
+          <a:xfrm>
+            <a:off x="1028700" y="866775"/>
+            <a:ext cx="10262494" cy="1533525"/>
+          </a:xfrm>
+          <a:prstGeom prst="rect">
+            <a:avLst/>
+          </a:prstGeom>
+        </p:spPr>
+        <p:txBody>
+          <a:bodyPr lIns="0" tIns="0" rIns="0" bIns="0" rtlCol="0" anchor="t">
+            <a:spAutoFit/>
+          </a:bodyPr>
+          <a:lstStyle/>
+          <a:p>
+            <a:pPr>
+              <a:lnSpc>
+                <a:spcPts val="12599"/>
+              </a:lnSpc>
+            </a:pPr>
+            <a:r>
+              <a:rPr lang="en-US" sz="9000">
+                <a:solidFill>
+                  <a:srgbClr val="545454"/>
+                </a:solidFill>
+                <a:latin typeface="Open Sans 1 Bold"/>
+              </a:rPr>
+              <a:t>Proto-persona</a:t>
+            </a:r>
+          </a:p>
+        </p:txBody>
+      </p:sp>
+      <p:pic>
+        <p:nvPicPr>
+          <p:cNvPr id="5" name="Imagem 4">
+            <a:extLst>
+              <a:ext uri="{FF2B5EF4-FFF2-40B4-BE49-F238E27FC236}">
+                <a16:creationId xmlns:a16="http://schemas.microsoft.com/office/drawing/2014/main" id="{D8C09FB8-251A-4CDA-9767-4C99C62C2687}"/>
+              </a:ext>
+            </a:extLst>
+          </p:cNvPr>
+          <p:cNvPicPr>
+            <a:picLocks noChangeAspect="1"/>
+          </p:cNvPicPr>
+          <p:nvPr/>
+        </p:nvPicPr>
+        <p:blipFill>
+          <a:blip r:embed="rId2"/>
+          <a:stretch>
+            <a:fillRect/>
+          </a:stretch>
+        </p:blipFill>
+        <p:spPr>
+          <a:xfrm>
+            <a:off x="17078325" y="266700"/>
+            <a:ext cx="883385" cy="1044000"/>
+          </a:xfrm>
+          <a:prstGeom prst="rect">
+            <a:avLst/>
+          </a:prstGeom>
+        </p:spPr>
+      </p:pic>
+    </p:spTree>
+  </p:cSld>
+  <p:clrMapOvr>
+    <a:masterClrMapping/>
+  </p:clrMapOvr>
+  <mc:AlternateContent xmlns:mc="http://schemas.openxmlformats.org/markup-compatibility/2006" xmlns:p14="http://schemas.microsoft.com/office/powerpoint/2010/main">
+    <mc:Choice Requires="p14">
+      <p:transition spd="med" p14:dur="700">
+        <p:fade/>
+      </p:transition>
+    </mc:Choice>
+    <mc:Fallback xmlns="">
+      <p:transition spd="med">
+        <p:fade/>
+      </p:transition>
+    </mc:Fallback>
+  </mc:AlternateContent>
+</p:sld>
+</file>
+
 <file path=ppt/slides/slide9.xml><?xml version="1.0" encoding="utf-8"?>
 <p:sld xmlns:a="http://schemas.openxmlformats.org/drawingml/2006/main" xmlns:r="http://schemas.openxmlformats.org/officeDocument/2006/relationships" xmlns:p="http://schemas.openxmlformats.org/presentationml/2006/main">
   <p:cSld>
@@ -11246,13 +10501,6 @@
       </p:transition>
     </mc:Fallback>
   </mc:AlternateContent>
-  <p:timing>
-    <p:tnLst>
-      <p:par>
-        <p:cTn id="1" dur="indefinite" restart="never" nodeType="tmRoot"/>
-      </p:par>
-    </p:tnLst>
-  </p:timing>
 </p:sld>
 </file>
 

--- a/Documentação/Pyxis.pptx
+++ b/Documentação/Pyxis.pptx
@@ -4,6 +4,9 @@
   <p:sldMasterIdLst>
     <p:sldMasterId id="2147483648" r:id="rId1"/>
   </p:sldMasterIdLst>
+  <p:notesMasterIdLst>
+    <p:notesMasterId r:id="rId20"/>
+  </p:notesMasterIdLst>
   <p:sldIdLst>
     <p:sldId id="256" r:id="rId2"/>
     <p:sldId id="257" r:id="rId3"/>
@@ -13,39 +16,42 @@
     <p:sldId id="270" r:id="rId7"/>
     <p:sldId id="262" r:id="rId8"/>
     <p:sldId id="261" r:id="rId9"/>
-    <p:sldId id="266" r:id="rId10"/>
-    <p:sldId id="264" r:id="rId11"/>
-    <p:sldId id="267" r:id="rId12"/>
-    <p:sldId id="271" r:id="rId13"/>
-    <p:sldId id="265" r:id="rId14"/>
-    <p:sldId id="268" r:id="rId15"/>
-    <p:sldId id="269" r:id="rId16"/>
+    <p:sldId id="272" r:id="rId10"/>
+    <p:sldId id="273" r:id="rId11"/>
+    <p:sldId id="266" r:id="rId12"/>
+    <p:sldId id="274" r:id="rId13"/>
+    <p:sldId id="267" r:id="rId14"/>
+    <p:sldId id="275" r:id="rId15"/>
+    <p:sldId id="271" r:id="rId16"/>
+    <p:sldId id="265" r:id="rId17"/>
+    <p:sldId id="268" r:id="rId18"/>
+    <p:sldId id="269" r:id="rId19"/>
   </p:sldIdLst>
   <p:sldSz cx="18288000" cy="10287000"/>
   <p:notesSz cx="6858000" cy="9144000"/>
   <p:embeddedFontLst>
     <p:embeddedFont>
-      <p:font typeface="Calibri" panose="020F0502020204030204" pitchFamily="34" charset="0"/>
-      <p:regular r:id="rId17"/>
-      <p:bold r:id="rId18"/>
-      <p:italic r:id="rId19"/>
-      <p:boldItalic r:id="rId20"/>
-    </p:embeddedFont>
-    <p:embeddedFont>
       <p:font typeface="Open Sans 1" panose="020B0604020202020204" charset="0"/>
       <p:regular r:id="rId21"/>
     </p:embeddedFont>
     <p:embeddedFont>
-      <p:font typeface="Open Sans 1 Bold" panose="020B0604020202020204" charset="0"/>
+      <p:font typeface="Open Sans Light" panose="020B0604020202020204" charset="0"/>
       <p:regular r:id="rId22"/>
     </p:embeddedFont>
     <p:embeddedFont>
-      <p:font typeface="Open Sans 2" panose="020B0604020202020204" charset="0"/>
+      <p:font typeface="Calibri" panose="020F0502020204030204" pitchFamily="34" charset="0"/>
       <p:regular r:id="rId23"/>
+      <p:bold r:id="rId24"/>
+      <p:italic r:id="rId25"/>
+      <p:boldItalic r:id="rId26"/>
     </p:embeddedFont>
     <p:embeddedFont>
-      <p:font typeface="Open Sans Light" panose="020B0604020202020204" charset="0"/>
-      <p:regular r:id="rId24"/>
+      <p:font typeface="Open Sans 1 Bold" panose="020B0604020202020204" charset="0"/>
+      <p:regular r:id="rId27"/>
+    </p:embeddedFont>
+    <p:embeddedFont>
+      <p:font typeface="Open Sans 2" panose="020B0604020202020204" charset="0"/>
+      <p:regular r:id="rId28"/>
     </p:embeddedFont>
   </p:embeddedFontLst>
   <p:defaultTextStyle>
@@ -160,6 +166,356 @@
     </p:ext>
   </p:extLst>
 </p:presentation>
+</file>
+
+<file path=ppt/notesMasters/notesMaster1.xml><?xml version="1.0" encoding="utf-8"?>
+<p:notesMaster xmlns:a="http://schemas.openxmlformats.org/drawingml/2006/main" xmlns:r="http://schemas.openxmlformats.org/officeDocument/2006/relationships" xmlns:p="http://schemas.openxmlformats.org/presentationml/2006/main">
+  <p:cSld>
+    <p:bg>
+      <p:bgRef idx="1001">
+        <a:schemeClr val="bg1"/>
+      </p:bgRef>
+    </p:bg>
+    <p:spTree>
+      <p:nvGrpSpPr>
+        <p:cNvPr id="1" name=""/>
+        <p:cNvGrpSpPr/>
+        <p:nvPr/>
+      </p:nvGrpSpPr>
+      <p:grpSpPr>
+        <a:xfrm>
+          <a:off x="0" y="0"/>
+          <a:ext cx="0" cy="0"/>
+          <a:chOff x="0" y="0"/>
+          <a:chExt cx="0" cy="0"/>
+        </a:xfrm>
+      </p:grpSpPr>
+      <p:sp>
+        <p:nvSpPr>
+          <p:cNvPr id="2" name="Espaço Reservado para Cabeçalho 1"/>
+          <p:cNvSpPr>
+            <a:spLocks noGrp="1"/>
+          </p:cNvSpPr>
+          <p:nvPr>
+            <p:ph type="hdr" sz="quarter"/>
+          </p:nvPr>
+        </p:nvSpPr>
+        <p:spPr>
+          <a:xfrm>
+            <a:off x="0" y="0"/>
+            <a:ext cx="2971800" cy="458788"/>
+          </a:xfrm>
+          <a:prstGeom prst="rect">
+            <a:avLst/>
+          </a:prstGeom>
+        </p:spPr>
+        <p:txBody>
+          <a:bodyPr vert="horz" lIns="91440" tIns="45720" rIns="91440" bIns="45720" rtlCol="0"/>
+          <a:lstStyle>
+            <a:lvl1pPr algn="l">
+              <a:defRPr sz="1200"/>
+            </a:lvl1pPr>
+          </a:lstStyle>
+          <a:p>
+            <a:endParaRPr lang="pt-BR"/>
+          </a:p>
+        </p:txBody>
+      </p:sp>
+      <p:sp>
+        <p:nvSpPr>
+          <p:cNvPr id="3" name="Espaço Reservado para Data 2"/>
+          <p:cNvSpPr>
+            <a:spLocks noGrp="1"/>
+          </p:cNvSpPr>
+          <p:nvPr>
+            <p:ph type="dt" idx="1"/>
+          </p:nvPr>
+        </p:nvSpPr>
+        <p:spPr>
+          <a:xfrm>
+            <a:off x="3884613" y="0"/>
+            <a:ext cx="2971800" cy="458788"/>
+          </a:xfrm>
+          <a:prstGeom prst="rect">
+            <a:avLst/>
+          </a:prstGeom>
+        </p:spPr>
+        <p:txBody>
+          <a:bodyPr vert="horz" lIns="91440" tIns="45720" rIns="91440" bIns="45720" rtlCol="0"/>
+          <a:lstStyle>
+            <a:lvl1pPr algn="r">
+              <a:defRPr sz="1200"/>
+            </a:lvl1pPr>
+          </a:lstStyle>
+          <a:p>
+            <a:fld id="{25546482-23BF-4BE9-A54E-CFB4513F4A08}" type="datetimeFigureOut">
+              <a:rPr lang="pt-BR" smtClean="0"/>
+              <a:t>14/09/2020</a:t>
+            </a:fld>
+            <a:endParaRPr lang="pt-BR"/>
+          </a:p>
+        </p:txBody>
+      </p:sp>
+      <p:sp>
+        <p:nvSpPr>
+          <p:cNvPr id="4" name="Espaço Reservado para Imagem de Slide 3"/>
+          <p:cNvSpPr>
+            <a:spLocks noGrp="1" noRot="1" noChangeAspect="1"/>
+          </p:cNvSpPr>
+          <p:nvPr>
+            <p:ph type="sldImg" idx="2"/>
+          </p:nvPr>
+        </p:nvSpPr>
+        <p:spPr>
+          <a:xfrm>
+            <a:off x="685800" y="1143000"/>
+            <a:ext cx="5486400" cy="3086100"/>
+          </a:xfrm>
+          <a:prstGeom prst="rect">
+            <a:avLst/>
+          </a:prstGeom>
+          <a:noFill/>
+          <a:ln w="12700">
+            <a:solidFill>
+              <a:prstClr val="black"/>
+            </a:solidFill>
+          </a:ln>
+        </p:spPr>
+        <p:txBody>
+          <a:bodyPr vert="horz" lIns="91440" tIns="45720" rIns="91440" bIns="45720" rtlCol="0" anchor="ctr"/>
+          <a:lstStyle/>
+          <a:p>
+            <a:endParaRPr lang="pt-BR"/>
+          </a:p>
+        </p:txBody>
+      </p:sp>
+      <p:sp>
+        <p:nvSpPr>
+          <p:cNvPr id="5" name="Espaço Reservado para Anotações 4"/>
+          <p:cNvSpPr>
+            <a:spLocks noGrp="1"/>
+          </p:cNvSpPr>
+          <p:nvPr>
+            <p:ph type="body" sz="quarter" idx="3"/>
+          </p:nvPr>
+        </p:nvSpPr>
+        <p:spPr>
+          <a:xfrm>
+            <a:off x="685800" y="4400550"/>
+            <a:ext cx="5486400" cy="3600450"/>
+          </a:xfrm>
+          <a:prstGeom prst="rect">
+            <a:avLst/>
+          </a:prstGeom>
+        </p:spPr>
+        <p:txBody>
+          <a:bodyPr vert="horz" lIns="91440" tIns="45720" rIns="91440" bIns="45720" rtlCol="0"/>
+          <a:lstStyle/>
+          <a:p>
+            <a:pPr lvl="0"/>
+            <a:r>
+              <a:rPr lang="pt-BR" smtClean="0"/>
+              <a:t>Editar estilos de texto Mestre</a:t>
+            </a:r>
+          </a:p>
+          <a:p>
+            <a:pPr lvl="1"/>
+            <a:r>
+              <a:rPr lang="pt-BR" smtClean="0"/>
+              <a:t>Segundo nível</a:t>
+            </a:r>
+          </a:p>
+          <a:p>
+            <a:pPr lvl="2"/>
+            <a:r>
+              <a:rPr lang="pt-BR" smtClean="0"/>
+              <a:t>Terceiro nível</a:t>
+            </a:r>
+          </a:p>
+          <a:p>
+            <a:pPr lvl="3"/>
+            <a:r>
+              <a:rPr lang="pt-BR" smtClean="0"/>
+              <a:t>Quarto nível</a:t>
+            </a:r>
+          </a:p>
+          <a:p>
+            <a:pPr lvl="4"/>
+            <a:r>
+              <a:rPr lang="pt-BR" smtClean="0"/>
+              <a:t>Quinto nível</a:t>
+            </a:r>
+            <a:endParaRPr lang="pt-BR"/>
+          </a:p>
+        </p:txBody>
+      </p:sp>
+      <p:sp>
+        <p:nvSpPr>
+          <p:cNvPr id="6" name="Espaço Reservado para Rodapé 5"/>
+          <p:cNvSpPr>
+            <a:spLocks noGrp="1"/>
+          </p:cNvSpPr>
+          <p:nvPr>
+            <p:ph type="ftr" sz="quarter" idx="4"/>
+          </p:nvPr>
+        </p:nvSpPr>
+        <p:spPr>
+          <a:xfrm>
+            <a:off x="0" y="8685213"/>
+            <a:ext cx="2971800" cy="458787"/>
+          </a:xfrm>
+          <a:prstGeom prst="rect">
+            <a:avLst/>
+          </a:prstGeom>
+        </p:spPr>
+        <p:txBody>
+          <a:bodyPr vert="horz" lIns="91440" tIns="45720" rIns="91440" bIns="45720" rtlCol="0" anchor="b"/>
+          <a:lstStyle>
+            <a:lvl1pPr algn="l">
+              <a:defRPr sz="1200"/>
+            </a:lvl1pPr>
+          </a:lstStyle>
+          <a:p>
+            <a:endParaRPr lang="pt-BR"/>
+          </a:p>
+        </p:txBody>
+      </p:sp>
+      <p:sp>
+        <p:nvSpPr>
+          <p:cNvPr id="7" name="Espaço Reservado para Número de Slide 6"/>
+          <p:cNvSpPr>
+            <a:spLocks noGrp="1"/>
+          </p:cNvSpPr>
+          <p:nvPr>
+            <p:ph type="sldNum" sz="quarter" idx="5"/>
+          </p:nvPr>
+        </p:nvSpPr>
+        <p:spPr>
+          <a:xfrm>
+            <a:off x="3884613" y="8685213"/>
+            <a:ext cx="2971800" cy="458787"/>
+          </a:xfrm>
+          <a:prstGeom prst="rect">
+            <a:avLst/>
+          </a:prstGeom>
+        </p:spPr>
+        <p:txBody>
+          <a:bodyPr vert="horz" lIns="91440" tIns="45720" rIns="91440" bIns="45720" rtlCol="0" anchor="b"/>
+          <a:lstStyle>
+            <a:lvl1pPr algn="r">
+              <a:defRPr sz="1200"/>
+            </a:lvl1pPr>
+          </a:lstStyle>
+          <a:p>
+            <a:fld id="{AEF8D8D8-42AB-4E47-A4B8-E10CEFA99164}" type="slidenum">
+              <a:rPr lang="pt-BR" smtClean="0"/>
+              <a:t>‹nº›</a:t>
+            </a:fld>
+            <a:endParaRPr lang="pt-BR"/>
+          </a:p>
+        </p:txBody>
+      </p:sp>
+    </p:spTree>
+    <p:extLst>
+      <p:ext uri="{BB962C8B-B14F-4D97-AF65-F5344CB8AC3E}">
+        <p14:creationId xmlns:p14="http://schemas.microsoft.com/office/powerpoint/2010/main" val="2295152024"/>
+      </p:ext>
+    </p:extLst>
+  </p:cSld>
+  <p:clrMap bg1="lt1" tx1="dk1" bg2="lt2" tx2="dk2" accent1="accent1" accent2="accent2" accent3="accent3" accent4="accent4" accent5="accent5" accent6="accent6" hlink="hlink" folHlink="folHlink"/>
+  <p:notesStyle>
+    <a:lvl1pPr marL="0" algn="l" defTabSz="914400" rtl="0" eaLnBrk="1" latinLnBrk="0" hangingPunct="1">
+      <a:defRPr sz="1200" kern="1200">
+        <a:solidFill>
+          <a:schemeClr val="tx1"/>
+        </a:solidFill>
+        <a:latin typeface="+mn-lt"/>
+        <a:ea typeface="+mn-ea"/>
+        <a:cs typeface="+mn-cs"/>
+      </a:defRPr>
+    </a:lvl1pPr>
+    <a:lvl2pPr marL="457200" algn="l" defTabSz="914400" rtl="0" eaLnBrk="1" latinLnBrk="0" hangingPunct="1">
+      <a:defRPr sz="1200" kern="1200">
+        <a:solidFill>
+          <a:schemeClr val="tx1"/>
+        </a:solidFill>
+        <a:latin typeface="+mn-lt"/>
+        <a:ea typeface="+mn-ea"/>
+        <a:cs typeface="+mn-cs"/>
+      </a:defRPr>
+    </a:lvl2pPr>
+    <a:lvl3pPr marL="914400" algn="l" defTabSz="914400" rtl="0" eaLnBrk="1" latinLnBrk="0" hangingPunct="1">
+      <a:defRPr sz="1200" kern="1200">
+        <a:solidFill>
+          <a:schemeClr val="tx1"/>
+        </a:solidFill>
+        <a:latin typeface="+mn-lt"/>
+        <a:ea typeface="+mn-ea"/>
+        <a:cs typeface="+mn-cs"/>
+      </a:defRPr>
+    </a:lvl3pPr>
+    <a:lvl4pPr marL="1371600" algn="l" defTabSz="914400" rtl="0" eaLnBrk="1" latinLnBrk="0" hangingPunct="1">
+      <a:defRPr sz="1200" kern="1200">
+        <a:solidFill>
+          <a:schemeClr val="tx1"/>
+        </a:solidFill>
+        <a:latin typeface="+mn-lt"/>
+        <a:ea typeface="+mn-ea"/>
+        <a:cs typeface="+mn-cs"/>
+      </a:defRPr>
+    </a:lvl4pPr>
+    <a:lvl5pPr marL="1828800" algn="l" defTabSz="914400" rtl="0" eaLnBrk="1" latinLnBrk="0" hangingPunct="1">
+      <a:defRPr sz="1200" kern="1200">
+        <a:solidFill>
+          <a:schemeClr val="tx1"/>
+        </a:solidFill>
+        <a:latin typeface="+mn-lt"/>
+        <a:ea typeface="+mn-ea"/>
+        <a:cs typeface="+mn-cs"/>
+      </a:defRPr>
+    </a:lvl5pPr>
+    <a:lvl6pPr marL="2286000" algn="l" defTabSz="914400" rtl="0" eaLnBrk="1" latinLnBrk="0" hangingPunct="1">
+      <a:defRPr sz="1200" kern="1200">
+        <a:solidFill>
+          <a:schemeClr val="tx1"/>
+        </a:solidFill>
+        <a:latin typeface="+mn-lt"/>
+        <a:ea typeface="+mn-ea"/>
+        <a:cs typeface="+mn-cs"/>
+      </a:defRPr>
+    </a:lvl6pPr>
+    <a:lvl7pPr marL="2743200" algn="l" defTabSz="914400" rtl="0" eaLnBrk="1" latinLnBrk="0" hangingPunct="1">
+      <a:defRPr sz="1200" kern="1200">
+        <a:solidFill>
+          <a:schemeClr val="tx1"/>
+        </a:solidFill>
+        <a:latin typeface="+mn-lt"/>
+        <a:ea typeface="+mn-ea"/>
+        <a:cs typeface="+mn-cs"/>
+      </a:defRPr>
+    </a:lvl7pPr>
+    <a:lvl8pPr marL="3200400" algn="l" defTabSz="914400" rtl="0" eaLnBrk="1" latinLnBrk="0" hangingPunct="1">
+      <a:defRPr sz="1200" kern="1200">
+        <a:solidFill>
+          <a:schemeClr val="tx1"/>
+        </a:solidFill>
+        <a:latin typeface="+mn-lt"/>
+        <a:ea typeface="+mn-ea"/>
+        <a:cs typeface="+mn-cs"/>
+      </a:defRPr>
+    </a:lvl8pPr>
+    <a:lvl9pPr marL="3657600" algn="l" defTabSz="914400" rtl="0" eaLnBrk="1" latinLnBrk="0" hangingPunct="1">
+      <a:defRPr sz="1200" kern="1200">
+        <a:solidFill>
+          <a:schemeClr val="tx1"/>
+        </a:solidFill>
+        <a:latin typeface="+mn-lt"/>
+        <a:ea typeface="+mn-ea"/>
+        <a:cs typeface="+mn-cs"/>
+      </a:defRPr>
+    </a:lvl9pPr>
+  </p:notesStyle>
+</p:notesMaster>
 </file>
 
 <file path=ppt/slideLayouts/slideLayout1.xml><?xml version="1.0" encoding="utf-8"?>
@@ -3307,6 +3663,852 @@
 <file path=ppt/slides/slide10.xml><?xml version="1.0" encoding="utf-8"?>
 <p:sld xmlns:a="http://schemas.openxmlformats.org/drawingml/2006/main" xmlns:r="http://schemas.openxmlformats.org/officeDocument/2006/relationships" xmlns:p="http://schemas.openxmlformats.org/presentationml/2006/main">
   <p:cSld>
+    <p:spTree>
+      <p:nvGrpSpPr>
+        <p:cNvPr id="1" name=""/>
+        <p:cNvGrpSpPr/>
+        <p:nvPr/>
+      </p:nvGrpSpPr>
+      <p:grpSpPr>
+        <a:xfrm>
+          <a:off x="0" y="0"/>
+          <a:ext cx="0" cy="0"/>
+          <a:chOff x="0" y="0"/>
+          <a:chExt cx="0" cy="0"/>
+        </a:xfrm>
+      </p:grpSpPr>
+      <p:sp>
+        <p:nvSpPr>
+          <p:cNvPr id="20" name="CaixaDeTexto 19">
+            <a:extLst>
+              <a:ext uri="{FF2B5EF4-FFF2-40B4-BE49-F238E27FC236}">
+                <a16:creationId xmlns:a16="http://schemas.microsoft.com/office/drawing/2014/main" id="{47E84B5F-9BB6-4C04-AA9D-7D4354079E19}"/>
+              </a:ext>
+            </a:extLst>
+          </p:cNvPr>
+          <p:cNvSpPr txBox="1"/>
+          <p:nvPr/>
+        </p:nvSpPr>
+        <p:spPr>
+          <a:xfrm>
+            <a:off x="9385153" y="2459967"/>
+            <a:ext cx="6832479" cy="2308324"/>
+          </a:xfrm>
+          <a:prstGeom prst="rect">
+            <a:avLst/>
+          </a:prstGeom>
+          <a:noFill/>
+        </p:spPr>
+        <p:txBody>
+          <a:bodyPr wrap="square" rtlCol="0">
+            <a:spAutoFit/>
+          </a:bodyPr>
+          <a:lstStyle/>
+          <a:p>
+            <a:pPr marL="428625" indent="-428625">
+              <a:lnSpc>
+                <a:spcPct val="150000"/>
+              </a:lnSpc>
+              <a:buFont typeface="Wingdings" panose="05000000000000000000" pitchFamily="2" charset="2"/>
+              <a:buChar char="§"/>
+            </a:pPr>
+            <a:r>
+              <a:rPr lang="pt-BR" sz="2400" dirty="0">
+                <a:solidFill>
+                  <a:schemeClr val="tx1">
+                    <a:lumMod val="75000"/>
+                    <a:lumOff val="25000"/>
+                  </a:schemeClr>
+                </a:solidFill>
+                <a:latin typeface="Open Sans Light" panose="020B0604020202020204" charset="0"/>
+                <a:ea typeface="Open Sans Light" panose="020B0604020202020204" charset="0"/>
+                <a:cs typeface="Open Sans Light" panose="020B0604020202020204" charset="0"/>
+              </a:rPr>
+              <a:t>Trabalha como gestor;</a:t>
+            </a:r>
+          </a:p>
+          <a:p>
+            <a:pPr marL="428625" indent="-428625">
+              <a:lnSpc>
+                <a:spcPct val="150000"/>
+              </a:lnSpc>
+              <a:buFont typeface="Wingdings" panose="05000000000000000000" pitchFamily="2" charset="2"/>
+              <a:buChar char="§"/>
+            </a:pPr>
+            <a:r>
+              <a:rPr lang="pt-BR" sz="2400" dirty="0">
+                <a:solidFill>
+                  <a:schemeClr val="tx1">
+                    <a:lumMod val="75000"/>
+                    <a:lumOff val="25000"/>
+                  </a:schemeClr>
+                </a:solidFill>
+                <a:latin typeface="Open Sans Light" panose="020B0604020202020204" charset="0"/>
+                <a:ea typeface="Open Sans Light" panose="020B0604020202020204" charset="0"/>
+                <a:cs typeface="Open Sans Light" panose="020B0604020202020204" charset="0"/>
+              </a:rPr>
+              <a:t>Trabalha no segmento de </a:t>
+            </a:r>
+            <a:r>
+              <a:rPr lang="pt-BR" sz="2400" dirty="0" err="1">
+                <a:solidFill>
+                  <a:schemeClr val="tx1">
+                    <a:lumMod val="75000"/>
+                    <a:lumOff val="25000"/>
+                  </a:schemeClr>
+                </a:solidFill>
+                <a:latin typeface="Open Sans Light" panose="020B0604020202020204" charset="0"/>
+                <a:ea typeface="Open Sans Light" panose="020B0604020202020204" charset="0"/>
+                <a:cs typeface="Open Sans Light" panose="020B0604020202020204" charset="0"/>
+              </a:rPr>
+              <a:t>call</a:t>
+            </a:r>
+            <a:r>
+              <a:rPr lang="pt-BR" sz="2400" dirty="0">
+                <a:solidFill>
+                  <a:schemeClr val="tx1">
+                    <a:lumMod val="75000"/>
+                    <a:lumOff val="25000"/>
+                  </a:schemeClr>
+                </a:solidFill>
+                <a:latin typeface="Open Sans Light" panose="020B0604020202020204" charset="0"/>
+                <a:ea typeface="Open Sans Light" panose="020B0604020202020204" charset="0"/>
+                <a:cs typeface="Open Sans Light" panose="020B0604020202020204" charset="0"/>
+              </a:rPr>
+              <a:t> center;</a:t>
+            </a:r>
+          </a:p>
+          <a:p>
+            <a:pPr marL="428625" indent="-428625">
+              <a:lnSpc>
+                <a:spcPct val="150000"/>
+              </a:lnSpc>
+              <a:buFont typeface="Wingdings" panose="05000000000000000000" pitchFamily="2" charset="2"/>
+              <a:buChar char="§"/>
+            </a:pPr>
+            <a:r>
+              <a:rPr lang="pt-BR" sz="2400" dirty="0">
+                <a:solidFill>
+                  <a:schemeClr val="tx1">
+                    <a:lumMod val="75000"/>
+                    <a:lumOff val="25000"/>
+                  </a:schemeClr>
+                </a:solidFill>
+                <a:latin typeface="Open Sans Light" panose="020B0604020202020204" charset="0"/>
+                <a:ea typeface="Open Sans Light" panose="020B0604020202020204" charset="0"/>
+                <a:cs typeface="Open Sans Light" panose="020B0604020202020204" charset="0"/>
+              </a:rPr>
+              <a:t>Possui uma boa habilidade analítica.</a:t>
+            </a:r>
+          </a:p>
+          <a:p>
+            <a:pPr marL="428625" indent="-428625">
+              <a:lnSpc>
+                <a:spcPct val="150000"/>
+              </a:lnSpc>
+              <a:buFont typeface="Wingdings" panose="05000000000000000000" pitchFamily="2" charset="2"/>
+              <a:buChar char="§"/>
+            </a:pPr>
+            <a:endParaRPr lang="pt-BR" sz="2400" dirty="0">
+              <a:solidFill>
+                <a:schemeClr val="tx1">
+                  <a:lumMod val="75000"/>
+                  <a:lumOff val="25000"/>
+                </a:schemeClr>
+              </a:solidFill>
+              <a:latin typeface="Open Sans Light" panose="020B0604020202020204" charset="0"/>
+              <a:ea typeface="Open Sans Light" panose="020B0604020202020204" charset="0"/>
+              <a:cs typeface="Open Sans Light" panose="020B0604020202020204" charset="0"/>
+            </a:endParaRPr>
+          </a:p>
+        </p:txBody>
+      </p:sp>
+      <p:sp>
+        <p:nvSpPr>
+          <p:cNvPr id="22" name="CaixaDeTexto 21">
+            <a:extLst>
+              <a:ext uri="{FF2B5EF4-FFF2-40B4-BE49-F238E27FC236}">
+                <a16:creationId xmlns:a16="http://schemas.microsoft.com/office/drawing/2014/main" id="{BF58B582-D008-49F4-85A9-F1D0EBF1BCBF}"/>
+              </a:ext>
+            </a:extLst>
+          </p:cNvPr>
+          <p:cNvSpPr txBox="1"/>
+          <p:nvPr/>
+        </p:nvSpPr>
+        <p:spPr>
+          <a:xfrm>
+            <a:off x="1584665" y="6752541"/>
+            <a:ext cx="15560337" cy="2308324"/>
+          </a:xfrm>
+          <a:prstGeom prst="rect">
+            <a:avLst/>
+          </a:prstGeom>
+          <a:noFill/>
+        </p:spPr>
+        <p:txBody>
+          <a:bodyPr wrap="square" rtlCol="0">
+            <a:spAutoFit/>
+          </a:bodyPr>
+          <a:lstStyle/>
+          <a:p>
+            <a:pPr marL="428625" indent="-428625">
+              <a:lnSpc>
+                <a:spcPct val="150000"/>
+              </a:lnSpc>
+              <a:buFont typeface="Wingdings" panose="05000000000000000000" pitchFamily="2" charset="2"/>
+              <a:buChar char="§"/>
+            </a:pPr>
+            <a:r>
+              <a:rPr lang="pt-BR" sz="2400" dirty="0">
+                <a:solidFill>
+                  <a:schemeClr val="tx1">
+                    <a:lumMod val="75000"/>
+                    <a:lumOff val="25000"/>
+                  </a:schemeClr>
+                </a:solidFill>
+                <a:latin typeface="Open Sans Light" panose="020B0604020202020204" charset="0"/>
+                <a:ea typeface="Open Sans Light" panose="020B0604020202020204" charset="0"/>
+                <a:cs typeface="Open Sans Light" panose="020B0604020202020204" charset="0"/>
+              </a:rPr>
+              <a:t>Verificar a produtividade dos operadores;</a:t>
+            </a:r>
+          </a:p>
+          <a:p>
+            <a:pPr marL="428625" indent="-428625">
+              <a:lnSpc>
+                <a:spcPct val="150000"/>
+              </a:lnSpc>
+              <a:buFont typeface="Wingdings" panose="05000000000000000000" pitchFamily="2" charset="2"/>
+              <a:buChar char="§"/>
+            </a:pPr>
+            <a:r>
+              <a:rPr lang="pt-BR" sz="2400" dirty="0">
+                <a:solidFill>
+                  <a:schemeClr val="tx1">
+                    <a:lumMod val="75000"/>
+                    <a:lumOff val="25000"/>
+                  </a:schemeClr>
+                </a:solidFill>
+                <a:latin typeface="Open Sans Light" panose="020B0604020202020204" charset="0"/>
+                <a:ea typeface="Open Sans Light" panose="020B0604020202020204" charset="0"/>
+                <a:cs typeface="Open Sans Light" panose="020B0604020202020204" charset="0"/>
+              </a:rPr>
+              <a:t>Responsável por tomar as decisões;</a:t>
+            </a:r>
+          </a:p>
+          <a:p>
+            <a:pPr marL="428625" indent="-428625">
+              <a:lnSpc>
+                <a:spcPct val="150000"/>
+              </a:lnSpc>
+              <a:buFont typeface="Wingdings" panose="05000000000000000000" pitchFamily="2" charset="2"/>
+              <a:buChar char="§"/>
+            </a:pPr>
+            <a:r>
+              <a:rPr lang="pt-BR" sz="2400" dirty="0">
+                <a:solidFill>
+                  <a:schemeClr val="tx1">
+                    <a:lumMod val="75000"/>
+                    <a:lumOff val="25000"/>
+                  </a:schemeClr>
+                </a:solidFill>
+                <a:latin typeface="Open Sans Light" panose="020B0604020202020204" charset="0"/>
+                <a:ea typeface="Open Sans Light" panose="020B0604020202020204" charset="0"/>
+                <a:cs typeface="Open Sans Light" panose="020B0604020202020204" charset="0"/>
+              </a:rPr>
+              <a:t>Analisar relatórios que auxiliem em tomadas de decisões;</a:t>
+            </a:r>
+          </a:p>
+          <a:p>
+            <a:pPr marL="428625" indent="-428625">
+              <a:lnSpc>
+                <a:spcPct val="150000"/>
+              </a:lnSpc>
+              <a:buFont typeface="Wingdings" panose="05000000000000000000" pitchFamily="2" charset="2"/>
+              <a:buChar char="§"/>
+            </a:pPr>
+            <a:r>
+              <a:rPr lang="pt-BR" sz="2400" dirty="0">
+                <a:solidFill>
+                  <a:schemeClr val="tx1">
+                    <a:lumMod val="75000"/>
+                    <a:lumOff val="25000"/>
+                  </a:schemeClr>
+                </a:solidFill>
+                <a:latin typeface="Open Sans Light" panose="020B0604020202020204" charset="0"/>
+                <a:ea typeface="Open Sans Light" panose="020B0604020202020204" charset="0"/>
+                <a:cs typeface="Open Sans Light" panose="020B0604020202020204" charset="0"/>
+              </a:rPr>
+              <a:t>Liderar uma equipe.</a:t>
+            </a:r>
+          </a:p>
+        </p:txBody>
+      </p:sp>
+      <p:pic>
+        <p:nvPicPr>
+          <p:cNvPr id="3" name="Picture 2" descr="Pós Estácio - O que é um gestor?">
+            <a:extLst>
+              <a:ext uri="{FF2B5EF4-FFF2-40B4-BE49-F238E27FC236}">
+                <a16:creationId xmlns:a16="http://schemas.microsoft.com/office/drawing/2014/main" id="{BDFCEBB2-97A1-4F8E-9C8B-708D5F6809D2}"/>
+              </a:ext>
+            </a:extLst>
+          </p:cNvPr>
+          <p:cNvPicPr>
+            <a:picLocks noChangeAspect="1" noChangeArrowheads="1"/>
+          </p:cNvPicPr>
+          <p:nvPr/>
+        </p:nvPicPr>
+        <p:blipFill rotWithShape="1">
+          <a:blip r:embed="rId2">
+            <a:extLst>
+              <a:ext uri="{28A0092B-C50C-407E-A947-70E740481C1C}">
+                <a14:useLocalDpi xmlns:a14="http://schemas.microsoft.com/office/drawing/2010/main" val="0"/>
+              </a:ext>
+            </a:extLst>
+          </a:blip>
+          <a:srcRect r="55412"/>
+          <a:stretch/>
+        </p:blipFill>
+        <p:spPr bwMode="auto">
+          <a:xfrm>
+            <a:off x="1015240" y="1822694"/>
+            <a:ext cx="3709160" cy="3314541"/>
+          </a:xfrm>
+          <a:prstGeom prst="rect">
+            <a:avLst/>
+          </a:prstGeom>
+          <a:noFill/>
+          <a:extLst>
+            <a:ext uri="{909E8E84-426E-40DD-AFC4-6F175D3DCCD1}">
+              <a14:hiddenFill xmlns:a14="http://schemas.microsoft.com/office/drawing/2010/main">
+                <a:solidFill>
+                  <a:srgbClr val="FFFFFF"/>
+                </a:solidFill>
+              </a14:hiddenFill>
+            </a:ext>
+          </a:extLst>
+        </p:spPr>
+      </p:pic>
+      <p:sp>
+        <p:nvSpPr>
+          <p:cNvPr id="5" name="CaixaDeTexto 4">
+            <a:extLst>
+              <a:ext uri="{FF2B5EF4-FFF2-40B4-BE49-F238E27FC236}">
+                <a16:creationId xmlns:a16="http://schemas.microsoft.com/office/drawing/2014/main" id="{B22DE9F8-8D27-4384-9976-6FDCB460155B}"/>
+              </a:ext>
+            </a:extLst>
+          </p:cNvPr>
+          <p:cNvSpPr txBox="1"/>
+          <p:nvPr/>
+        </p:nvSpPr>
+        <p:spPr>
+          <a:xfrm>
+            <a:off x="5232694" y="2630196"/>
+            <a:ext cx="1650140" cy="523220"/>
+          </a:xfrm>
+          <a:prstGeom prst="rect">
+            <a:avLst/>
+          </a:prstGeom>
+          <a:noFill/>
+        </p:spPr>
+        <p:txBody>
+          <a:bodyPr wrap="square" rtlCol="0">
+            <a:spAutoFit/>
+          </a:bodyPr>
+          <a:lstStyle/>
+          <a:p>
+            <a:r>
+              <a:rPr lang="pt-BR" sz="2800" dirty="0">
+                <a:solidFill>
+                  <a:schemeClr val="tx1">
+                    <a:lumMod val="75000"/>
+                    <a:lumOff val="25000"/>
+                  </a:schemeClr>
+                </a:solidFill>
+                <a:latin typeface="Open Sans Light" panose="020B0604020202020204" charset="0"/>
+                <a:ea typeface="Open Sans Light" panose="020B0604020202020204" charset="0"/>
+                <a:cs typeface="Open Sans Light" panose="020B0604020202020204" charset="0"/>
+              </a:rPr>
+              <a:t>Cláudio</a:t>
+            </a:r>
+          </a:p>
+        </p:txBody>
+      </p:sp>
+      <p:grpSp>
+        <p:nvGrpSpPr>
+          <p:cNvPr id="18" name="Agrupar 17">
+            <a:extLst>
+              <a:ext uri="{FF2B5EF4-FFF2-40B4-BE49-F238E27FC236}">
+                <a16:creationId xmlns:a16="http://schemas.microsoft.com/office/drawing/2014/main" id="{FED47260-B8F4-412C-9490-81084AD3D7B5}"/>
+              </a:ext>
+            </a:extLst>
+          </p:cNvPr>
+          <p:cNvGrpSpPr/>
+          <p:nvPr/>
+        </p:nvGrpSpPr>
+        <p:grpSpPr>
+          <a:xfrm>
+            <a:off x="723529" y="1525214"/>
+            <a:ext cx="8115671" cy="3915053"/>
+            <a:chOff x="541537" y="446102"/>
+            <a:chExt cx="5144611" cy="2610035"/>
+          </a:xfrm>
+        </p:grpSpPr>
+        <p:sp>
+          <p:nvSpPr>
+            <p:cNvPr id="19" name="Retângulo 18">
+              <a:extLst>
+                <a:ext uri="{FF2B5EF4-FFF2-40B4-BE49-F238E27FC236}">
+                  <a16:creationId xmlns:a16="http://schemas.microsoft.com/office/drawing/2014/main" id="{A3D818F5-306D-4BB4-938F-7F59CA1D43A8}"/>
+                </a:ext>
+              </a:extLst>
+            </p:cNvPr>
+            <p:cNvSpPr/>
+            <p:nvPr/>
+          </p:nvSpPr>
+          <p:spPr>
+            <a:xfrm>
+              <a:off x="541537" y="446102"/>
+              <a:ext cx="5144611" cy="2610035"/>
+            </a:xfrm>
+            <a:prstGeom prst="rect">
+              <a:avLst/>
+            </a:prstGeom>
+            <a:noFill/>
+            <a:ln w="38100">
+              <a:solidFill>
+                <a:srgbClr val="FF3F3F"/>
+              </a:solidFill>
+            </a:ln>
+          </p:spPr>
+          <p:style>
+            <a:lnRef idx="2">
+              <a:schemeClr val="accent1">
+                <a:shade val="50000"/>
+              </a:schemeClr>
+            </a:lnRef>
+            <a:fillRef idx="1">
+              <a:schemeClr val="accent1"/>
+            </a:fillRef>
+            <a:effectRef idx="0">
+              <a:schemeClr val="accent1"/>
+            </a:effectRef>
+            <a:fontRef idx="minor">
+              <a:schemeClr val="lt1"/>
+            </a:fontRef>
+          </p:style>
+          <p:txBody>
+            <a:bodyPr rtlCol="0" anchor="ctr"/>
+            <a:lstStyle/>
+            <a:p>
+              <a:pPr algn="ctr"/>
+              <a:endParaRPr lang="pt-BR" sz="2700"/>
+            </a:p>
+          </p:txBody>
+        </p:sp>
+        <p:sp>
+          <p:nvSpPr>
+            <p:cNvPr id="21" name="CaixaDeTexto 20">
+              <a:extLst>
+                <a:ext uri="{FF2B5EF4-FFF2-40B4-BE49-F238E27FC236}">
+                  <a16:creationId xmlns:a16="http://schemas.microsoft.com/office/drawing/2014/main" id="{5E948D4D-A415-4018-B094-541F1C4286D1}"/>
+                </a:ext>
+              </a:extLst>
+            </p:cNvPr>
+            <p:cNvSpPr txBox="1"/>
+            <p:nvPr/>
+          </p:nvSpPr>
+          <p:spPr>
+            <a:xfrm>
+              <a:off x="3399945" y="722815"/>
+              <a:ext cx="958788" cy="348813"/>
+            </a:xfrm>
+            <a:prstGeom prst="rect">
+              <a:avLst/>
+            </a:prstGeom>
+            <a:noFill/>
+            <a:ln w="38100">
+              <a:noFill/>
+            </a:ln>
+          </p:spPr>
+          <p:txBody>
+            <a:bodyPr wrap="square" rtlCol="0">
+              <a:spAutoFit/>
+            </a:bodyPr>
+            <a:lstStyle/>
+            <a:p>
+              <a:r>
+                <a:rPr lang="pt-BR" sz="2800" b="1" dirty="0">
+                  <a:solidFill>
+                    <a:schemeClr val="tx1">
+                      <a:lumMod val="75000"/>
+                      <a:lumOff val="25000"/>
+                    </a:schemeClr>
+                  </a:solidFill>
+                  <a:latin typeface="Open Sans Light"/>
+                </a:rPr>
+                <a:t>Quem?</a:t>
+              </a:r>
+            </a:p>
+          </p:txBody>
+        </p:sp>
+      </p:grpSp>
+      <p:grpSp>
+        <p:nvGrpSpPr>
+          <p:cNvPr id="23" name="Agrupar 22">
+            <a:extLst>
+              <a:ext uri="{FF2B5EF4-FFF2-40B4-BE49-F238E27FC236}">
+                <a16:creationId xmlns:a16="http://schemas.microsoft.com/office/drawing/2014/main" id="{AE55F7F5-8C36-4111-98D8-641E13659C02}"/>
+              </a:ext>
+            </a:extLst>
+          </p:cNvPr>
+          <p:cNvGrpSpPr/>
+          <p:nvPr/>
+        </p:nvGrpSpPr>
+        <p:grpSpPr>
+          <a:xfrm>
+            <a:off x="9001770" y="1525217"/>
+            <a:ext cx="8143233" cy="3915050"/>
+            <a:chOff x="6369727" y="446104"/>
+            <a:chExt cx="5144611" cy="2610033"/>
+          </a:xfrm>
+        </p:grpSpPr>
+        <p:sp>
+          <p:nvSpPr>
+            <p:cNvPr id="24" name="Retângulo 23">
+              <a:extLst>
+                <a:ext uri="{FF2B5EF4-FFF2-40B4-BE49-F238E27FC236}">
+                  <a16:creationId xmlns:a16="http://schemas.microsoft.com/office/drawing/2014/main" id="{F7814368-9D56-4E49-845E-A77143904CCD}"/>
+                </a:ext>
+              </a:extLst>
+            </p:cNvPr>
+            <p:cNvSpPr/>
+            <p:nvPr/>
+          </p:nvSpPr>
+          <p:spPr>
+            <a:xfrm>
+              <a:off x="6369727" y="446104"/>
+              <a:ext cx="5144611" cy="2610033"/>
+            </a:xfrm>
+            <a:prstGeom prst="rect">
+              <a:avLst/>
+            </a:prstGeom>
+            <a:noFill/>
+            <a:ln w="38100">
+              <a:solidFill>
+                <a:srgbClr val="FF3F3F"/>
+              </a:solidFill>
+            </a:ln>
+          </p:spPr>
+          <p:style>
+            <a:lnRef idx="2">
+              <a:schemeClr val="accent1">
+                <a:shade val="50000"/>
+              </a:schemeClr>
+            </a:lnRef>
+            <a:fillRef idx="1">
+              <a:schemeClr val="accent1"/>
+            </a:fillRef>
+            <a:effectRef idx="0">
+              <a:schemeClr val="accent1"/>
+            </a:effectRef>
+            <a:fontRef idx="minor">
+              <a:schemeClr val="lt1"/>
+            </a:fontRef>
+          </p:style>
+          <p:txBody>
+            <a:bodyPr rtlCol="0" anchor="ctr"/>
+            <a:lstStyle/>
+            <a:p>
+              <a:pPr algn="ctr"/>
+              <a:endParaRPr lang="pt-BR" sz="2700">
+                <a:latin typeface="Open Sans Light" panose="020B0604020202020204" charset="0"/>
+                <a:ea typeface="Open Sans Light" panose="020B0604020202020204" charset="0"/>
+                <a:cs typeface="Open Sans Light" panose="020B0604020202020204" charset="0"/>
+              </a:endParaRPr>
+            </a:p>
+          </p:txBody>
+        </p:sp>
+        <p:sp>
+          <p:nvSpPr>
+            <p:cNvPr id="25" name="CaixaDeTexto 24">
+              <a:extLst>
+                <a:ext uri="{FF2B5EF4-FFF2-40B4-BE49-F238E27FC236}">
+                  <a16:creationId xmlns:a16="http://schemas.microsoft.com/office/drawing/2014/main" id="{D2E4BF38-5BF3-4CB6-B004-39B4C4CA273A}"/>
+                </a:ext>
+              </a:extLst>
+            </p:cNvPr>
+            <p:cNvSpPr txBox="1"/>
+            <p:nvPr/>
+          </p:nvSpPr>
+          <p:spPr>
+            <a:xfrm>
+              <a:off x="6611935" y="725630"/>
+              <a:ext cx="3372035" cy="348813"/>
+            </a:xfrm>
+            <a:prstGeom prst="rect">
+              <a:avLst/>
+            </a:prstGeom>
+            <a:noFill/>
+            <a:ln w="38100">
+              <a:noFill/>
+            </a:ln>
+          </p:spPr>
+          <p:txBody>
+            <a:bodyPr wrap="square" rtlCol="0">
+              <a:spAutoFit/>
+            </a:bodyPr>
+            <a:lstStyle/>
+            <a:p>
+              <a:r>
+                <a:rPr lang="pt-BR" sz="2800" b="1" dirty="0">
+                  <a:solidFill>
+                    <a:schemeClr val="tx1">
+                      <a:lumMod val="75000"/>
+                      <a:lumOff val="25000"/>
+                    </a:schemeClr>
+                  </a:solidFill>
+                  <a:latin typeface="Open Sans Light" panose="020B0604020202020204" charset="0"/>
+                  <a:ea typeface="Open Sans Light" panose="020B0604020202020204" charset="0"/>
+                  <a:cs typeface="Open Sans Light" panose="020B0604020202020204" charset="0"/>
+                </a:rPr>
+                <a:t>Informações/Comportamento</a:t>
+              </a:r>
+            </a:p>
+          </p:txBody>
+        </p:sp>
+      </p:grpSp>
+      <p:grpSp>
+        <p:nvGrpSpPr>
+          <p:cNvPr id="26" name="Agrupar 25">
+            <a:extLst>
+              <a:ext uri="{FF2B5EF4-FFF2-40B4-BE49-F238E27FC236}">
+                <a16:creationId xmlns:a16="http://schemas.microsoft.com/office/drawing/2014/main" id="{D516A33A-7F4F-4227-BBF8-6AD615B6DA5D}"/>
+              </a:ext>
+            </a:extLst>
+          </p:cNvPr>
+          <p:cNvGrpSpPr/>
+          <p:nvPr/>
+        </p:nvGrpSpPr>
+        <p:grpSpPr>
+          <a:xfrm>
+            <a:off x="723529" y="5612167"/>
+            <a:ext cx="16416394" cy="4484333"/>
+            <a:chOff x="482352" y="3723928"/>
+            <a:chExt cx="10972801" cy="2989555"/>
+          </a:xfrm>
+        </p:grpSpPr>
+        <p:sp>
+          <p:nvSpPr>
+            <p:cNvPr id="27" name="Retângulo 26">
+              <a:extLst>
+                <a:ext uri="{FF2B5EF4-FFF2-40B4-BE49-F238E27FC236}">
+                  <a16:creationId xmlns:a16="http://schemas.microsoft.com/office/drawing/2014/main" id="{83C88CF3-2AD9-489F-A690-25DD87C8DB2C}"/>
+                </a:ext>
+              </a:extLst>
+            </p:cNvPr>
+            <p:cNvSpPr/>
+            <p:nvPr/>
+          </p:nvSpPr>
+          <p:spPr>
+            <a:xfrm>
+              <a:off x="482352" y="3723928"/>
+              <a:ext cx="10972801" cy="2989555"/>
+            </a:xfrm>
+            <a:prstGeom prst="rect">
+              <a:avLst/>
+            </a:prstGeom>
+            <a:noFill/>
+            <a:ln w="38100">
+              <a:solidFill>
+                <a:srgbClr val="FF3F3F"/>
+              </a:solidFill>
+            </a:ln>
+          </p:spPr>
+          <p:style>
+            <a:lnRef idx="2">
+              <a:schemeClr val="accent1">
+                <a:shade val="50000"/>
+              </a:schemeClr>
+            </a:lnRef>
+            <a:fillRef idx="1">
+              <a:schemeClr val="accent1"/>
+            </a:fillRef>
+            <a:effectRef idx="0">
+              <a:schemeClr val="accent1"/>
+            </a:effectRef>
+            <a:fontRef idx="minor">
+              <a:schemeClr val="lt1"/>
+            </a:fontRef>
+          </p:style>
+          <p:txBody>
+            <a:bodyPr rtlCol="0" anchor="ctr"/>
+            <a:lstStyle/>
+            <a:p>
+              <a:pPr algn="ctr"/>
+              <a:endParaRPr lang="pt-BR" sz="2700">
+                <a:latin typeface="Open Sans Light" panose="020B0604020202020204" charset="0"/>
+                <a:ea typeface="Open Sans Light" panose="020B0604020202020204" charset="0"/>
+                <a:cs typeface="Open Sans Light" panose="020B0604020202020204" charset="0"/>
+              </a:endParaRPr>
+            </a:p>
+          </p:txBody>
+        </p:sp>
+        <p:sp>
+          <p:nvSpPr>
+            <p:cNvPr id="28" name="CaixaDeTexto 27">
+              <a:extLst>
+                <a:ext uri="{FF2B5EF4-FFF2-40B4-BE49-F238E27FC236}">
+                  <a16:creationId xmlns:a16="http://schemas.microsoft.com/office/drawing/2014/main" id="{70AFE217-289E-42BC-B79D-4F936233942E}"/>
+                </a:ext>
+              </a:extLst>
+            </p:cNvPr>
+            <p:cNvSpPr txBox="1"/>
+            <p:nvPr/>
+          </p:nvSpPr>
+          <p:spPr>
+            <a:xfrm>
+              <a:off x="1057940" y="4032717"/>
+              <a:ext cx="2636667" cy="338554"/>
+            </a:xfrm>
+            <a:prstGeom prst="rect">
+              <a:avLst/>
+            </a:prstGeom>
+            <a:noFill/>
+            <a:ln w="38100">
+              <a:noFill/>
+            </a:ln>
+          </p:spPr>
+          <p:txBody>
+            <a:bodyPr wrap="square" rtlCol="0">
+              <a:spAutoFit/>
+            </a:bodyPr>
+            <a:lstStyle/>
+            <a:p>
+              <a:r>
+                <a:rPr lang="pt-BR" sz="2700" b="1" dirty="0">
+                  <a:solidFill>
+                    <a:schemeClr val="tx1">
+                      <a:lumMod val="75000"/>
+                      <a:lumOff val="25000"/>
+                    </a:schemeClr>
+                  </a:solidFill>
+                  <a:latin typeface="Open Sans Light" panose="020B0604020202020204" charset="0"/>
+                  <a:ea typeface="Open Sans Light" panose="020B0604020202020204" charset="0"/>
+                  <a:cs typeface="Open Sans Light" panose="020B0604020202020204" charset="0"/>
+                </a:rPr>
+                <a:t>Dores e Necessidades</a:t>
+              </a:r>
+            </a:p>
+          </p:txBody>
+        </p:sp>
+      </p:grpSp>
+      <p:sp>
+        <p:nvSpPr>
+          <p:cNvPr id="15" name="CaixaDeTexto 14">
+            <a:extLst>
+              <a:ext uri="{FF2B5EF4-FFF2-40B4-BE49-F238E27FC236}">
+                <a16:creationId xmlns:a16="http://schemas.microsoft.com/office/drawing/2014/main" id="{3DE28095-DBCA-45B3-A1E5-EDF813B90086}"/>
+              </a:ext>
+            </a:extLst>
+          </p:cNvPr>
+          <p:cNvSpPr txBox="1"/>
+          <p:nvPr/>
+        </p:nvSpPr>
+        <p:spPr>
+          <a:xfrm>
+            <a:off x="723529" y="359546"/>
+            <a:ext cx="16416394" cy="646331"/>
+          </a:xfrm>
+          <a:prstGeom prst="rect">
+            <a:avLst/>
+          </a:prstGeom>
+          <a:noFill/>
+        </p:spPr>
+        <p:txBody>
+          <a:bodyPr wrap="square" rtlCol="0">
+            <a:spAutoFit/>
+          </a:bodyPr>
+          <a:lstStyle/>
+          <a:p>
+            <a:pPr algn="ctr"/>
+            <a:r>
+              <a:rPr lang="pt-BR" sz="3600" dirty="0">
+                <a:solidFill>
+                  <a:srgbClr val="545454"/>
+                </a:solidFill>
+                <a:latin typeface="Open Sans 1 Bold"/>
+              </a:rPr>
+              <a:t>Usuário frequente da solução de monitoramento de máquinas</a:t>
+            </a:r>
+          </a:p>
+        </p:txBody>
+      </p:sp>
+      <p:pic>
+        <p:nvPicPr>
+          <p:cNvPr id="16" name="Imagem 15">
+            <a:extLst>
+              <a:ext uri="{FF2B5EF4-FFF2-40B4-BE49-F238E27FC236}">
+                <a16:creationId xmlns:a16="http://schemas.microsoft.com/office/drawing/2014/main" id="{D8C09FB8-251A-4CDA-9767-4C99C62C2687}"/>
+              </a:ext>
+            </a:extLst>
+          </p:cNvPr>
+          <p:cNvPicPr>
+            <a:picLocks noChangeAspect="1"/>
+          </p:cNvPicPr>
+          <p:nvPr/>
+        </p:nvPicPr>
+        <p:blipFill>
+          <a:blip r:embed="rId3"/>
+          <a:stretch>
+            <a:fillRect/>
+          </a:stretch>
+        </p:blipFill>
+        <p:spPr>
+          <a:xfrm>
+            <a:off x="17078325" y="266700"/>
+            <a:ext cx="883385" cy="1044000"/>
+          </a:xfrm>
+          <a:prstGeom prst="rect">
+            <a:avLst/>
+          </a:prstGeom>
+        </p:spPr>
+      </p:pic>
+    </p:spTree>
+    <p:extLst>
+      <p:ext uri="{BB962C8B-B14F-4D97-AF65-F5344CB8AC3E}">
+        <p14:creationId xmlns:p14="http://schemas.microsoft.com/office/powerpoint/2010/main" val="1249897799"/>
+      </p:ext>
+    </p:extLst>
+  </p:cSld>
+  <p:clrMapOvr>
+    <a:masterClrMapping/>
+  </p:clrMapOvr>
+  <mc:AlternateContent xmlns:mc="http://schemas.openxmlformats.org/markup-compatibility/2006" xmlns:p14="http://schemas.microsoft.com/office/powerpoint/2010/main">
+    <mc:Choice Requires="p14">
+      <p:transition spd="med" p14:dur="700">
+        <p:fade/>
+      </p:transition>
+    </mc:Choice>
+    <mc:Fallback xmlns="">
+      <p:transition spd="med">
+        <p:fade/>
+      </p:transition>
+    </mc:Fallback>
+  </mc:AlternateContent>
+  <p:timing>
+    <p:tnLst>
+      <p:par>
+        <p:cTn id="1" dur="indefinite" restart="never" nodeType="tmRoot"/>
+      </p:par>
+    </p:tnLst>
+  </p:timing>
+</p:sld>
+</file>
+
+<file path=ppt/slides/slide11.xml><?xml version="1.0" encoding="utf-8"?>
+<p:sld xmlns:a="http://schemas.openxmlformats.org/drawingml/2006/main" xmlns:r="http://schemas.openxmlformats.org/officeDocument/2006/relationships" xmlns:p="http://schemas.openxmlformats.org/presentationml/2006/main">
+  <p:cSld>
     <p:bg>
       <p:bgPr>
         <a:solidFill>
@@ -3362,7 +4564,7 @@
                 </a:solidFill>
                 <a:latin typeface="Open Sans 1 Bold"/>
               </a:rPr>
-              <a:t>Canvas</a:t>
+              <a:t>User Stories</a:t>
             </a:r>
           </a:p>
         </p:txBody>
@@ -3372,7 +4574,7 @@
           <p:cNvPr id="5" name="Imagem 4">
             <a:extLst>
               <a:ext uri="{FF2B5EF4-FFF2-40B4-BE49-F238E27FC236}">
-                <a16:creationId xmlns:a16="http://schemas.microsoft.com/office/drawing/2014/main" id="{FD544941-61FD-4F9B-9860-B040FA4C47E5}"/>
+                <a16:creationId xmlns:a16="http://schemas.microsoft.com/office/drawing/2014/main" id="{38496F73-5C44-4A7C-ACE7-9576F8ED8B4F}"/>
               </a:ext>
             </a:extLst>
           </p:cNvPr>
@@ -3414,10 +4616,2898 @@
       </p:transition>
     </mc:Fallback>
   </mc:AlternateContent>
+  <p:timing>
+    <p:tnLst>
+      <p:par>
+        <p:cTn id="1" dur="indefinite" restart="never" nodeType="tmRoot"/>
+      </p:par>
+    </p:tnLst>
+  </p:timing>
 </p:sld>
 </file>
 
-<file path=ppt/slides/slide11.xml><?xml version="1.0" encoding="utf-8"?>
+<file path=ppt/slides/slide12.xml><?xml version="1.0" encoding="utf-8"?>
+<p:sld xmlns:a="http://schemas.openxmlformats.org/drawingml/2006/main" xmlns:r="http://schemas.openxmlformats.org/officeDocument/2006/relationships" xmlns:p="http://schemas.openxmlformats.org/presentationml/2006/main">
+  <p:cSld>
+    <p:spTree>
+      <p:nvGrpSpPr>
+        <p:cNvPr id="1" name=""/>
+        <p:cNvGrpSpPr/>
+        <p:nvPr/>
+      </p:nvGrpSpPr>
+      <p:grpSpPr>
+        <a:xfrm>
+          <a:off x="0" y="0"/>
+          <a:ext cx="0" cy="0"/>
+          <a:chOff x="0" y="0"/>
+          <a:chExt cx="0" cy="0"/>
+        </a:xfrm>
+      </p:grpSpPr>
+      <p:sp>
+        <p:nvSpPr>
+          <p:cNvPr id="2" name="TextBox 2"/>
+          <p:cNvSpPr txBox="1"/>
+          <p:nvPr/>
+        </p:nvSpPr>
+        <p:spPr>
+          <a:xfrm>
+            <a:off x="0" y="4061073"/>
+            <a:ext cx="18288000" cy="1615827"/>
+          </a:xfrm>
+          <a:prstGeom prst="rect">
+            <a:avLst/>
+          </a:prstGeom>
+        </p:spPr>
+        <p:txBody>
+          <a:bodyPr wrap="square" lIns="0" tIns="0" rIns="0" bIns="0" rtlCol="0" anchor="t">
+            <a:spAutoFit/>
+          </a:bodyPr>
+          <a:lstStyle/>
+          <a:p>
+            <a:pPr algn="ctr">
+              <a:lnSpc>
+                <a:spcPts val="12599"/>
+              </a:lnSpc>
+            </a:pPr>
+            <a:r>
+              <a:rPr lang="en-US" sz="11500" dirty="0" smtClean="0">
+                <a:solidFill>
+                  <a:srgbClr val="545454"/>
+                </a:solidFill>
+                <a:latin typeface="Open Sans 1 Bold"/>
+              </a:rPr>
+              <a:t>Canvas</a:t>
+            </a:r>
+            <a:endParaRPr lang="en-US" sz="11500" dirty="0">
+              <a:solidFill>
+                <a:srgbClr val="545454"/>
+              </a:solidFill>
+              <a:latin typeface="Open Sans 1 Bold"/>
+            </a:endParaRPr>
+          </a:p>
+        </p:txBody>
+      </p:sp>
+      <p:pic>
+        <p:nvPicPr>
+          <p:cNvPr id="5" name="Imagem 4">
+            <a:extLst>
+              <a:ext uri="{FF2B5EF4-FFF2-40B4-BE49-F238E27FC236}">
+                <a16:creationId xmlns:a16="http://schemas.microsoft.com/office/drawing/2014/main" id="{D8C09FB8-251A-4CDA-9767-4C99C62C2687}"/>
+              </a:ext>
+            </a:extLst>
+          </p:cNvPr>
+          <p:cNvPicPr>
+            <a:picLocks noChangeAspect="1"/>
+          </p:cNvPicPr>
+          <p:nvPr/>
+        </p:nvPicPr>
+        <p:blipFill>
+          <a:blip r:embed="rId2"/>
+          <a:stretch>
+            <a:fillRect/>
+          </a:stretch>
+        </p:blipFill>
+        <p:spPr>
+          <a:xfrm>
+            <a:off x="17078325" y="266700"/>
+            <a:ext cx="883385" cy="1044000"/>
+          </a:xfrm>
+          <a:prstGeom prst="rect">
+            <a:avLst/>
+          </a:prstGeom>
+        </p:spPr>
+      </p:pic>
+    </p:spTree>
+    <p:extLst>
+      <p:ext uri="{BB962C8B-B14F-4D97-AF65-F5344CB8AC3E}">
+        <p14:creationId xmlns:p14="http://schemas.microsoft.com/office/powerpoint/2010/main" val="1617001574"/>
+      </p:ext>
+    </p:extLst>
+  </p:cSld>
+  <p:clrMapOvr>
+    <a:masterClrMapping/>
+  </p:clrMapOvr>
+  <mc:AlternateContent xmlns:mc="http://schemas.openxmlformats.org/markup-compatibility/2006" xmlns:p14="http://schemas.microsoft.com/office/powerpoint/2010/main">
+    <mc:Choice Requires="p14">
+      <p:transition spd="med" p14:dur="700">
+        <p:fade/>
+      </p:transition>
+    </mc:Choice>
+    <mc:Fallback xmlns="">
+      <p:transition spd="med">
+        <p:fade/>
+      </p:transition>
+    </mc:Fallback>
+  </mc:AlternateContent>
+  <p:timing>
+    <p:tnLst>
+      <p:par>
+        <p:cTn id="1" dur="indefinite" restart="never" nodeType="tmRoot">
+          <p:childTnLst>
+            <p:seq concurrent="1" nextAc="seek">
+              <p:cTn id="2" dur="indefinite" nodeType="mainSeq">
+                <p:childTnLst>
+                  <p:par>
+                    <p:cTn id="3" fill="hold">
+                      <p:stCondLst>
+                        <p:cond delay="indefinite"/>
+                        <p:cond evt="onBegin" delay="0">
+                          <p:tn val="2"/>
+                        </p:cond>
+                      </p:stCondLst>
+                      <p:childTnLst>
+                        <p:par>
+                          <p:cTn id="4" fill="hold">
+                            <p:stCondLst>
+                              <p:cond delay="0"/>
+                            </p:stCondLst>
+                            <p:childTnLst>
+                              <p:par>
+                                <p:cTn id="5" presetID="10" presetClass="entr" presetSubtype="0" fill="hold" grpId="0" nodeType="afterEffect">
+                                  <p:stCondLst>
+                                    <p:cond delay="0"/>
+                                  </p:stCondLst>
+                                  <p:childTnLst>
+                                    <p:set>
+                                      <p:cBhvr>
+                                        <p:cTn id="6" dur="1" fill="hold">
+                                          <p:stCondLst>
+                                            <p:cond delay="0"/>
+                                          </p:stCondLst>
+                                        </p:cTn>
+                                        <p:tgtEl>
+                                          <p:spTgt spid="2"/>
+                                        </p:tgtEl>
+                                        <p:attrNameLst>
+                                          <p:attrName>style.visibility</p:attrName>
+                                        </p:attrNameLst>
+                                      </p:cBhvr>
+                                      <p:to>
+                                        <p:strVal val="visible"/>
+                                      </p:to>
+                                    </p:set>
+                                    <p:animEffect transition="in" filter="fade">
+                                      <p:cBhvr>
+                                        <p:cTn id="7" dur="500"/>
+                                        <p:tgtEl>
+                                          <p:spTgt spid="2"/>
+                                        </p:tgtEl>
+                                      </p:cBhvr>
+                                    </p:animEffect>
+                                  </p:childTnLst>
+                                </p:cTn>
+                              </p:par>
+                            </p:childTnLst>
+                          </p:cTn>
+                        </p:par>
+                      </p:childTnLst>
+                    </p:cTn>
+                  </p:par>
+                </p:childTnLst>
+              </p:cTn>
+              <p:prevCondLst>
+                <p:cond evt="onPrev" delay="0">
+                  <p:tgtEl>
+                    <p:sldTgt/>
+                  </p:tgtEl>
+                </p:cond>
+              </p:prevCondLst>
+              <p:nextCondLst>
+                <p:cond evt="onNext" delay="0">
+                  <p:tgtEl>
+                    <p:sldTgt/>
+                  </p:tgtEl>
+                </p:cond>
+              </p:nextCondLst>
+            </p:seq>
+          </p:childTnLst>
+        </p:cTn>
+      </p:par>
+    </p:tnLst>
+    <p:bldLst>
+      <p:bldP spid="2" grpId="0"/>
+    </p:bldLst>
+  </p:timing>
+</p:sld>
+</file>
+
+<file path=ppt/slides/slide13.xml><?xml version="1.0" encoding="utf-8"?>
+<p:sld xmlns:a="http://schemas.openxmlformats.org/drawingml/2006/main" xmlns:r="http://schemas.openxmlformats.org/officeDocument/2006/relationships" xmlns:p="http://schemas.openxmlformats.org/presentationml/2006/main">
+  <p:cSld>
+    <p:bg>
+      <p:bgPr>
+        <a:solidFill>
+          <a:srgbClr val="FF6864"/>
+        </a:solidFill>
+        <a:effectLst/>
+      </p:bgPr>
+    </p:bg>
+    <p:spTree>
+      <p:nvGrpSpPr>
+        <p:cNvPr id="1" name=""/>
+        <p:cNvGrpSpPr/>
+        <p:nvPr/>
+      </p:nvGrpSpPr>
+      <p:grpSpPr>
+        <a:xfrm>
+          <a:off x="0" y="0"/>
+          <a:ext cx="0" cy="0"/>
+          <a:chOff x="0" y="0"/>
+          <a:chExt cx="0" cy="0"/>
+        </a:xfrm>
+      </p:grpSpPr>
+      <p:grpSp>
+        <p:nvGrpSpPr>
+          <p:cNvPr id="69" name="Group 5"/>
+          <p:cNvGrpSpPr/>
+          <p:nvPr/>
+        </p:nvGrpSpPr>
+        <p:grpSpPr>
+          <a:xfrm>
+            <a:off x="228600" y="266700"/>
+            <a:ext cx="3428999" cy="6772288"/>
+            <a:chOff x="0" y="0"/>
+            <a:chExt cx="1805144" cy="2522855"/>
+          </a:xfrm>
+        </p:grpSpPr>
+        <p:sp>
+          <p:nvSpPr>
+            <p:cNvPr id="70" name="Freeform 6"/>
+            <p:cNvSpPr/>
+            <p:nvPr/>
+          </p:nvSpPr>
+          <p:spPr>
+            <a:xfrm>
+              <a:off x="0" y="0"/>
+              <a:ext cx="1805144" cy="2522855"/>
+            </a:xfrm>
+            <a:custGeom>
+              <a:avLst/>
+              <a:gdLst/>
+              <a:ahLst/>
+              <a:cxnLst/>
+              <a:rect l="l" t="t" r="r" b="b"/>
+              <a:pathLst>
+                <a:path w="1805144" h="2522855">
+                  <a:moveTo>
+                    <a:pt x="0" y="0"/>
+                  </a:moveTo>
+                  <a:lnTo>
+                    <a:pt x="1805144" y="0"/>
+                  </a:lnTo>
+                  <a:lnTo>
+                    <a:pt x="1805144" y="2522855"/>
+                  </a:lnTo>
+                  <a:lnTo>
+                    <a:pt x="0" y="2522855"/>
+                  </a:lnTo>
+                  <a:close/>
+                </a:path>
+              </a:pathLst>
+            </a:custGeom>
+            <a:solidFill>
+              <a:srgbClr val="FFFFFF"/>
+            </a:solidFill>
+          </p:spPr>
+        </p:sp>
+      </p:grpSp>
+      <p:grpSp>
+        <p:nvGrpSpPr>
+          <p:cNvPr id="71" name="Group 5"/>
+          <p:cNvGrpSpPr/>
+          <p:nvPr/>
+        </p:nvGrpSpPr>
+        <p:grpSpPr>
+          <a:xfrm>
+            <a:off x="3809996" y="266700"/>
+            <a:ext cx="3428999" cy="3330648"/>
+            <a:chOff x="0" y="0"/>
+            <a:chExt cx="1805144" cy="2522855"/>
+          </a:xfrm>
+        </p:grpSpPr>
+        <p:sp>
+          <p:nvSpPr>
+            <p:cNvPr id="72" name="Freeform 6"/>
+            <p:cNvSpPr/>
+            <p:nvPr/>
+          </p:nvSpPr>
+          <p:spPr>
+            <a:xfrm>
+              <a:off x="0" y="0"/>
+              <a:ext cx="1805144" cy="2522855"/>
+            </a:xfrm>
+            <a:custGeom>
+              <a:avLst/>
+              <a:gdLst/>
+              <a:ahLst/>
+              <a:cxnLst/>
+              <a:rect l="l" t="t" r="r" b="b"/>
+              <a:pathLst>
+                <a:path w="1805144" h="2522855">
+                  <a:moveTo>
+                    <a:pt x="0" y="0"/>
+                  </a:moveTo>
+                  <a:lnTo>
+                    <a:pt x="1805144" y="0"/>
+                  </a:lnTo>
+                  <a:lnTo>
+                    <a:pt x="1805144" y="2522855"/>
+                  </a:lnTo>
+                  <a:lnTo>
+                    <a:pt x="0" y="2522855"/>
+                  </a:lnTo>
+                  <a:close/>
+                </a:path>
+              </a:pathLst>
+            </a:custGeom>
+            <a:solidFill>
+              <a:srgbClr val="FFFFFF"/>
+            </a:solidFill>
+          </p:spPr>
+        </p:sp>
+      </p:grpSp>
+      <p:grpSp>
+        <p:nvGrpSpPr>
+          <p:cNvPr id="73" name="Group 5"/>
+          <p:cNvGrpSpPr/>
+          <p:nvPr/>
+        </p:nvGrpSpPr>
+        <p:grpSpPr>
+          <a:xfrm>
+            <a:off x="3809995" y="3781412"/>
+            <a:ext cx="3428999" cy="3267088"/>
+            <a:chOff x="0" y="0"/>
+            <a:chExt cx="1805144" cy="2522855"/>
+          </a:xfrm>
+        </p:grpSpPr>
+        <p:sp>
+          <p:nvSpPr>
+            <p:cNvPr id="74" name="Freeform 6"/>
+            <p:cNvSpPr/>
+            <p:nvPr/>
+          </p:nvSpPr>
+          <p:spPr>
+            <a:xfrm>
+              <a:off x="0" y="0"/>
+              <a:ext cx="1805144" cy="2522855"/>
+            </a:xfrm>
+            <a:custGeom>
+              <a:avLst/>
+              <a:gdLst/>
+              <a:ahLst/>
+              <a:cxnLst/>
+              <a:rect l="l" t="t" r="r" b="b"/>
+              <a:pathLst>
+                <a:path w="1805144" h="2522855">
+                  <a:moveTo>
+                    <a:pt x="0" y="0"/>
+                  </a:moveTo>
+                  <a:lnTo>
+                    <a:pt x="1805144" y="0"/>
+                  </a:lnTo>
+                  <a:lnTo>
+                    <a:pt x="1805144" y="2522855"/>
+                  </a:lnTo>
+                  <a:lnTo>
+                    <a:pt x="0" y="2522855"/>
+                  </a:lnTo>
+                  <a:close/>
+                </a:path>
+              </a:pathLst>
+            </a:custGeom>
+            <a:solidFill>
+              <a:srgbClr val="FFFFFF"/>
+            </a:solidFill>
+          </p:spPr>
+        </p:sp>
+      </p:grpSp>
+      <p:grpSp>
+        <p:nvGrpSpPr>
+          <p:cNvPr id="75" name="Group 5"/>
+          <p:cNvGrpSpPr/>
+          <p:nvPr/>
+        </p:nvGrpSpPr>
+        <p:grpSpPr>
+          <a:xfrm>
+            <a:off x="7391400" y="272785"/>
+            <a:ext cx="3428999" cy="6772288"/>
+            <a:chOff x="0" y="0"/>
+            <a:chExt cx="1805144" cy="2522855"/>
+          </a:xfrm>
+        </p:grpSpPr>
+        <p:sp>
+          <p:nvSpPr>
+            <p:cNvPr id="76" name="Freeform 6"/>
+            <p:cNvSpPr/>
+            <p:nvPr/>
+          </p:nvSpPr>
+          <p:spPr>
+            <a:xfrm>
+              <a:off x="0" y="0"/>
+              <a:ext cx="1805144" cy="2522855"/>
+            </a:xfrm>
+            <a:custGeom>
+              <a:avLst/>
+              <a:gdLst/>
+              <a:ahLst/>
+              <a:cxnLst/>
+              <a:rect l="l" t="t" r="r" b="b"/>
+              <a:pathLst>
+                <a:path w="1805144" h="2522855">
+                  <a:moveTo>
+                    <a:pt x="0" y="0"/>
+                  </a:moveTo>
+                  <a:lnTo>
+                    <a:pt x="1805144" y="0"/>
+                  </a:lnTo>
+                  <a:lnTo>
+                    <a:pt x="1805144" y="2522855"/>
+                  </a:lnTo>
+                  <a:lnTo>
+                    <a:pt x="0" y="2522855"/>
+                  </a:lnTo>
+                  <a:close/>
+                </a:path>
+              </a:pathLst>
+            </a:custGeom>
+            <a:solidFill>
+              <a:srgbClr val="FFFFFF"/>
+            </a:solidFill>
+          </p:spPr>
+        </p:sp>
+      </p:grpSp>
+      <p:grpSp>
+        <p:nvGrpSpPr>
+          <p:cNvPr id="77" name="Group 5"/>
+          <p:cNvGrpSpPr/>
+          <p:nvPr/>
+        </p:nvGrpSpPr>
+        <p:grpSpPr>
+          <a:xfrm>
+            <a:off x="10972796" y="272785"/>
+            <a:ext cx="3428999" cy="3330648"/>
+            <a:chOff x="0" y="0"/>
+            <a:chExt cx="1805144" cy="2522855"/>
+          </a:xfrm>
+        </p:grpSpPr>
+        <p:sp>
+          <p:nvSpPr>
+            <p:cNvPr id="78" name="Freeform 6"/>
+            <p:cNvSpPr/>
+            <p:nvPr/>
+          </p:nvSpPr>
+          <p:spPr>
+            <a:xfrm>
+              <a:off x="0" y="0"/>
+              <a:ext cx="1805144" cy="2522855"/>
+            </a:xfrm>
+            <a:custGeom>
+              <a:avLst/>
+              <a:gdLst/>
+              <a:ahLst/>
+              <a:cxnLst/>
+              <a:rect l="l" t="t" r="r" b="b"/>
+              <a:pathLst>
+                <a:path w="1805144" h="2522855">
+                  <a:moveTo>
+                    <a:pt x="0" y="0"/>
+                  </a:moveTo>
+                  <a:lnTo>
+                    <a:pt x="1805144" y="0"/>
+                  </a:lnTo>
+                  <a:lnTo>
+                    <a:pt x="1805144" y="2522855"/>
+                  </a:lnTo>
+                  <a:lnTo>
+                    <a:pt x="0" y="2522855"/>
+                  </a:lnTo>
+                  <a:close/>
+                </a:path>
+              </a:pathLst>
+            </a:custGeom>
+            <a:solidFill>
+              <a:srgbClr val="FFFFFF"/>
+            </a:solidFill>
+          </p:spPr>
+        </p:sp>
+      </p:grpSp>
+      <p:grpSp>
+        <p:nvGrpSpPr>
+          <p:cNvPr id="79" name="Group 5"/>
+          <p:cNvGrpSpPr/>
+          <p:nvPr/>
+        </p:nvGrpSpPr>
+        <p:grpSpPr>
+          <a:xfrm>
+            <a:off x="10972795" y="3787497"/>
+            <a:ext cx="3428999" cy="3267088"/>
+            <a:chOff x="0" y="0"/>
+            <a:chExt cx="1805144" cy="2522855"/>
+          </a:xfrm>
+        </p:grpSpPr>
+        <p:sp>
+          <p:nvSpPr>
+            <p:cNvPr id="80" name="Freeform 6"/>
+            <p:cNvSpPr/>
+            <p:nvPr/>
+          </p:nvSpPr>
+          <p:spPr>
+            <a:xfrm>
+              <a:off x="0" y="0"/>
+              <a:ext cx="1805144" cy="2522855"/>
+            </a:xfrm>
+            <a:custGeom>
+              <a:avLst/>
+              <a:gdLst/>
+              <a:ahLst/>
+              <a:cxnLst/>
+              <a:rect l="l" t="t" r="r" b="b"/>
+              <a:pathLst>
+                <a:path w="1805144" h="2522855">
+                  <a:moveTo>
+                    <a:pt x="0" y="0"/>
+                  </a:moveTo>
+                  <a:lnTo>
+                    <a:pt x="1805144" y="0"/>
+                  </a:lnTo>
+                  <a:lnTo>
+                    <a:pt x="1805144" y="2522855"/>
+                  </a:lnTo>
+                  <a:lnTo>
+                    <a:pt x="0" y="2522855"/>
+                  </a:lnTo>
+                  <a:close/>
+                </a:path>
+              </a:pathLst>
+            </a:custGeom>
+            <a:solidFill>
+              <a:srgbClr val="FFFFFF"/>
+            </a:solidFill>
+          </p:spPr>
+        </p:sp>
+      </p:grpSp>
+      <p:grpSp>
+        <p:nvGrpSpPr>
+          <p:cNvPr id="81" name="Group 5"/>
+          <p:cNvGrpSpPr/>
+          <p:nvPr/>
+        </p:nvGrpSpPr>
+        <p:grpSpPr>
+          <a:xfrm>
+            <a:off x="14554190" y="276212"/>
+            <a:ext cx="3428999" cy="6772288"/>
+            <a:chOff x="0" y="0"/>
+            <a:chExt cx="1805144" cy="2522855"/>
+          </a:xfrm>
+        </p:grpSpPr>
+        <p:sp>
+          <p:nvSpPr>
+            <p:cNvPr id="82" name="Freeform 6"/>
+            <p:cNvSpPr/>
+            <p:nvPr/>
+          </p:nvSpPr>
+          <p:spPr>
+            <a:xfrm>
+              <a:off x="0" y="0"/>
+              <a:ext cx="1805144" cy="2522855"/>
+            </a:xfrm>
+            <a:custGeom>
+              <a:avLst/>
+              <a:gdLst/>
+              <a:ahLst/>
+              <a:cxnLst/>
+              <a:rect l="l" t="t" r="r" b="b"/>
+              <a:pathLst>
+                <a:path w="1805144" h="2522855">
+                  <a:moveTo>
+                    <a:pt x="0" y="0"/>
+                  </a:moveTo>
+                  <a:lnTo>
+                    <a:pt x="1805144" y="0"/>
+                  </a:lnTo>
+                  <a:lnTo>
+                    <a:pt x="1805144" y="2522855"/>
+                  </a:lnTo>
+                  <a:lnTo>
+                    <a:pt x="0" y="2522855"/>
+                  </a:lnTo>
+                  <a:close/>
+                </a:path>
+              </a:pathLst>
+            </a:custGeom>
+            <a:solidFill>
+              <a:srgbClr val="FFFFFF"/>
+            </a:solidFill>
+          </p:spPr>
+        </p:sp>
+      </p:grpSp>
+      <p:grpSp>
+        <p:nvGrpSpPr>
+          <p:cNvPr id="83" name="Group 5"/>
+          <p:cNvGrpSpPr/>
+          <p:nvPr/>
+        </p:nvGrpSpPr>
+        <p:grpSpPr>
+          <a:xfrm>
+            <a:off x="242777" y="7200900"/>
+            <a:ext cx="8901223" cy="2819400"/>
+            <a:chOff x="0" y="-68185"/>
+            <a:chExt cx="1805144" cy="2522855"/>
+          </a:xfrm>
+        </p:grpSpPr>
+        <p:sp>
+          <p:nvSpPr>
+            <p:cNvPr id="84" name="Freeform 6"/>
+            <p:cNvSpPr/>
+            <p:nvPr/>
+          </p:nvSpPr>
+          <p:spPr>
+            <a:xfrm>
+              <a:off x="0" y="-68185"/>
+              <a:ext cx="1805144" cy="2522855"/>
+            </a:xfrm>
+            <a:custGeom>
+              <a:avLst/>
+              <a:gdLst/>
+              <a:ahLst/>
+              <a:cxnLst/>
+              <a:rect l="l" t="t" r="r" b="b"/>
+              <a:pathLst>
+                <a:path w="1805144" h="2522855">
+                  <a:moveTo>
+                    <a:pt x="0" y="0"/>
+                  </a:moveTo>
+                  <a:lnTo>
+                    <a:pt x="1805144" y="0"/>
+                  </a:lnTo>
+                  <a:lnTo>
+                    <a:pt x="1805144" y="2522855"/>
+                  </a:lnTo>
+                  <a:lnTo>
+                    <a:pt x="0" y="2522855"/>
+                  </a:lnTo>
+                  <a:close/>
+                </a:path>
+              </a:pathLst>
+            </a:custGeom>
+            <a:solidFill>
+              <a:srgbClr val="FFFFFF"/>
+            </a:solidFill>
+          </p:spPr>
+        </p:sp>
+      </p:grpSp>
+      <p:grpSp>
+        <p:nvGrpSpPr>
+          <p:cNvPr id="85" name="Group 5"/>
+          <p:cNvGrpSpPr/>
+          <p:nvPr/>
+        </p:nvGrpSpPr>
+        <p:grpSpPr>
+          <a:xfrm>
+            <a:off x="9296399" y="7200900"/>
+            <a:ext cx="8667297" cy="2819400"/>
+            <a:chOff x="0" y="0"/>
+            <a:chExt cx="1805144" cy="2522855"/>
+          </a:xfrm>
+        </p:grpSpPr>
+        <p:sp>
+          <p:nvSpPr>
+            <p:cNvPr id="86" name="Freeform 6"/>
+            <p:cNvSpPr/>
+            <p:nvPr/>
+          </p:nvSpPr>
+          <p:spPr>
+            <a:xfrm>
+              <a:off x="0" y="0"/>
+              <a:ext cx="1805144" cy="2522855"/>
+            </a:xfrm>
+            <a:custGeom>
+              <a:avLst/>
+              <a:gdLst/>
+              <a:ahLst/>
+              <a:cxnLst/>
+              <a:rect l="l" t="t" r="r" b="b"/>
+              <a:pathLst>
+                <a:path w="1805144" h="2522855">
+                  <a:moveTo>
+                    <a:pt x="0" y="0"/>
+                  </a:moveTo>
+                  <a:lnTo>
+                    <a:pt x="1805144" y="0"/>
+                  </a:lnTo>
+                  <a:lnTo>
+                    <a:pt x="1805144" y="2522855"/>
+                  </a:lnTo>
+                  <a:lnTo>
+                    <a:pt x="0" y="2522855"/>
+                  </a:lnTo>
+                  <a:close/>
+                </a:path>
+              </a:pathLst>
+            </a:custGeom>
+            <a:solidFill>
+              <a:srgbClr val="FFFFFF"/>
+            </a:solidFill>
+          </p:spPr>
+        </p:sp>
+      </p:grpSp>
+      <p:sp>
+        <p:nvSpPr>
+          <p:cNvPr id="87" name="CaixaDeTexto 86"/>
+          <p:cNvSpPr txBox="1"/>
+          <p:nvPr/>
+        </p:nvSpPr>
+        <p:spPr>
+          <a:xfrm>
+            <a:off x="484203" y="266700"/>
+            <a:ext cx="2917786" cy="523220"/>
+          </a:xfrm>
+          <a:prstGeom prst="rect">
+            <a:avLst/>
+          </a:prstGeom>
+          <a:noFill/>
+        </p:spPr>
+        <p:txBody>
+          <a:bodyPr wrap="none" rtlCol="0">
+            <a:spAutoFit/>
+          </a:bodyPr>
+          <a:lstStyle/>
+          <a:p>
+            <a:r>
+              <a:rPr lang="pt-BR" sz="2800" b="1" dirty="0" smtClean="0">
+                <a:solidFill>
+                  <a:schemeClr val="tx1">
+                    <a:lumMod val="65000"/>
+                    <a:lumOff val="35000"/>
+                  </a:schemeClr>
+                </a:solidFill>
+                <a:latin typeface="Open Sans Light" panose="020B0604020202020204" charset="0"/>
+                <a:ea typeface="Open Sans Light" panose="020B0604020202020204" charset="0"/>
+                <a:cs typeface="Open Sans Light" panose="020B0604020202020204" charset="0"/>
+              </a:rPr>
+              <a:t>Parcerias Chaves</a:t>
+            </a:r>
+            <a:endParaRPr lang="pt-BR" sz="2800" b="1" dirty="0">
+              <a:solidFill>
+                <a:schemeClr val="tx1">
+                  <a:lumMod val="65000"/>
+                  <a:lumOff val="35000"/>
+                </a:schemeClr>
+              </a:solidFill>
+              <a:latin typeface="Open Sans Light" panose="020B0604020202020204" charset="0"/>
+              <a:ea typeface="Open Sans Light" panose="020B0604020202020204" charset="0"/>
+              <a:cs typeface="Open Sans Light" panose="020B0604020202020204" charset="0"/>
+            </a:endParaRPr>
+          </a:p>
+        </p:txBody>
+      </p:sp>
+      <p:sp>
+        <p:nvSpPr>
+          <p:cNvPr id="88" name="CaixaDeTexto 87"/>
+          <p:cNvSpPr txBox="1"/>
+          <p:nvPr/>
+        </p:nvSpPr>
+        <p:spPr>
+          <a:xfrm>
+            <a:off x="484203" y="7200900"/>
+            <a:ext cx="3377848" cy="523220"/>
+          </a:xfrm>
+          <a:prstGeom prst="rect">
+            <a:avLst/>
+          </a:prstGeom>
+          <a:noFill/>
+        </p:spPr>
+        <p:txBody>
+          <a:bodyPr wrap="none" rtlCol="0">
+            <a:spAutoFit/>
+          </a:bodyPr>
+          <a:lstStyle/>
+          <a:p>
+            <a:pPr algn="ctr"/>
+            <a:r>
+              <a:rPr lang="pt-BR" sz="2800" b="1" dirty="0" smtClean="0">
+                <a:solidFill>
+                  <a:schemeClr val="tx1">
+                    <a:lumMod val="65000"/>
+                    <a:lumOff val="35000"/>
+                  </a:schemeClr>
+                </a:solidFill>
+                <a:latin typeface="Open Sans Light" panose="020B0604020202020204" charset="0"/>
+                <a:ea typeface="Open Sans Light" panose="020B0604020202020204" charset="0"/>
+                <a:cs typeface="Open Sans Light" panose="020B0604020202020204" charset="0"/>
+              </a:rPr>
+              <a:t>Estrutura de Custos</a:t>
+            </a:r>
+            <a:endParaRPr lang="pt-BR" sz="2800" b="1" dirty="0">
+              <a:solidFill>
+                <a:schemeClr val="tx1">
+                  <a:lumMod val="65000"/>
+                  <a:lumOff val="35000"/>
+                </a:schemeClr>
+              </a:solidFill>
+              <a:latin typeface="Open Sans Light" panose="020B0604020202020204" charset="0"/>
+              <a:ea typeface="Open Sans Light" panose="020B0604020202020204" charset="0"/>
+              <a:cs typeface="Open Sans Light" panose="020B0604020202020204" charset="0"/>
+            </a:endParaRPr>
+          </a:p>
+        </p:txBody>
+      </p:sp>
+      <p:sp>
+        <p:nvSpPr>
+          <p:cNvPr id="89" name="CaixaDeTexto 88"/>
+          <p:cNvSpPr txBox="1"/>
+          <p:nvPr/>
+        </p:nvSpPr>
+        <p:spPr>
+          <a:xfrm>
+            <a:off x="3809992" y="266700"/>
+            <a:ext cx="3429002" cy="523220"/>
+          </a:xfrm>
+          <a:prstGeom prst="rect">
+            <a:avLst/>
+          </a:prstGeom>
+          <a:noFill/>
+        </p:spPr>
+        <p:txBody>
+          <a:bodyPr wrap="square" rtlCol="0">
+            <a:spAutoFit/>
+          </a:bodyPr>
+          <a:lstStyle/>
+          <a:p>
+            <a:pPr algn="ctr"/>
+            <a:r>
+              <a:rPr lang="pt-BR" sz="2800" b="1" dirty="0" smtClean="0">
+                <a:solidFill>
+                  <a:schemeClr val="tx1">
+                    <a:lumMod val="65000"/>
+                    <a:lumOff val="35000"/>
+                  </a:schemeClr>
+                </a:solidFill>
+                <a:latin typeface="Open Sans Light" panose="020B0604020202020204" charset="0"/>
+                <a:ea typeface="Open Sans Light" panose="020B0604020202020204" charset="0"/>
+                <a:cs typeface="Open Sans Light" panose="020B0604020202020204" charset="0"/>
+              </a:rPr>
+              <a:t>Atitudes Chave</a:t>
+            </a:r>
+            <a:endParaRPr lang="pt-BR" sz="2800" b="1" dirty="0">
+              <a:solidFill>
+                <a:schemeClr val="tx1">
+                  <a:lumMod val="65000"/>
+                  <a:lumOff val="35000"/>
+                </a:schemeClr>
+              </a:solidFill>
+              <a:latin typeface="Open Sans Light" panose="020B0604020202020204" charset="0"/>
+              <a:ea typeface="Open Sans Light" panose="020B0604020202020204" charset="0"/>
+              <a:cs typeface="Open Sans Light" panose="020B0604020202020204" charset="0"/>
+            </a:endParaRPr>
+          </a:p>
+        </p:txBody>
+      </p:sp>
+      <p:sp>
+        <p:nvSpPr>
+          <p:cNvPr id="90" name="CaixaDeTexto 89"/>
+          <p:cNvSpPr txBox="1"/>
+          <p:nvPr/>
+        </p:nvSpPr>
+        <p:spPr>
+          <a:xfrm>
+            <a:off x="7494598" y="266700"/>
+            <a:ext cx="3222589" cy="523220"/>
+          </a:xfrm>
+          <a:prstGeom prst="rect">
+            <a:avLst/>
+          </a:prstGeom>
+          <a:noFill/>
+        </p:spPr>
+        <p:txBody>
+          <a:bodyPr wrap="square" rtlCol="0">
+            <a:spAutoFit/>
+          </a:bodyPr>
+          <a:lstStyle/>
+          <a:p>
+            <a:pPr algn="ctr"/>
+            <a:r>
+              <a:rPr lang="pt-BR" sz="2800" b="1" dirty="0" smtClean="0">
+                <a:solidFill>
+                  <a:schemeClr val="tx1">
+                    <a:lumMod val="65000"/>
+                    <a:lumOff val="35000"/>
+                  </a:schemeClr>
+                </a:solidFill>
+                <a:latin typeface="Open Sans Light" panose="020B0604020202020204" charset="0"/>
+                <a:ea typeface="Open Sans Light" panose="020B0604020202020204" charset="0"/>
+                <a:cs typeface="Open Sans Light" panose="020B0604020202020204" charset="0"/>
+              </a:rPr>
+              <a:t>Oferta de valor</a:t>
+            </a:r>
+            <a:endParaRPr lang="pt-BR" sz="2800" b="1" dirty="0">
+              <a:solidFill>
+                <a:schemeClr val="tx1">
+                  <a:lumMod val="65000"/>
+                  <a:lumOff val="35000"/>
+                </a:schemeClr>
+              </a:solidFill>
+              <a:latin typeface="Open Sans Light" panose="020B0604020202020204" charset="0"/>
+              <a:ea typeface="Open Sans Light" panose="020B0604020202020204" charset="0"/>
+              <a:cs typeface="Open Sans Light" panose="020B0604020202020204" charset="0"/>
+            </a:endParaRPr>
+          </a:p>
+        </p:txBody>
+      </p:sp>
+      <p:sp>
+        <p:nvSpPr>
+          <p:cNvPr id="91" name="CaixaDeTexto 90"/>
+          <p:cNvSpPr txBox="1"/>
+          <p:nvPr/>
+        </p:nvSpPr>
+        <p:spPr>
+          <a:xfrm>
+            <a:off x="11292524" y="266700"/>
+            <a:ext cx="2789546" cy="523220"/>
+          </a:xfrm>
+          <a:prstGeom prst="rect">
+            <a:avLst/>
+          </a:prstGeom>
+          <a:noFill/>
+        </p:spPr>
+        <p:txBody>
+          <a:bodyPr wrap="none" rtlCol="0">
+            <a:spAutoFit/>
+          </a:bodyPr>
+          <a:lstStyle/>
+          <a:p>
+            <a:pPr algn="ctr"/>
+            <a:r>
+              <a:rPr lang="pt-BR" sz="2800" b="1" dirty="0" smtClean="0">
+                <a:solidFill>
+                  <a:schemeClr val="tx1">
+                    <a:lumMod val="65000"/>
+                    <a:lumOff val="35000"/>
+                  </a:schemeClr>
+                </a:solidFill>
+                <a:latin typeface="Open Sans Light" panose="020B0604020202020204" charset="0"/>
+                <a:ea typeface="Open Sans Light" panose="020B0604020202020204" charset="0"/>
+                <a:cs typeface="Open Sans Light" panose="020B0604020202020204" charset="0"/>
+              </a:rPr>
+              <a:t>Relacionamento</a:t>
+            </a:r>
+            <a:endParaRPr lang="pt-BR" sz="2800" b="1" dirty="0">
+              <a:solidFill>
+                <a:schemeClr val="tx1">
+                  <a:lumMod val="65000"/>
+                  <a:lumOff val="35000"/>
+                </a:schemeClr>
+              </a:solidFill>
+              <a:latin typeface="Open Sans Light" panose="020B0604020202020204" charset="0"/>
+              <a:ea typeface="Open Sans Light" panose="020B0604020202020204" charset="0"/>
+              <a:cs typeface="Open Sans Light" panose="020B0604020202020204" charset="0"/>
+            </a:endParaRPr>
+          </a:p>
+        </p:txBody>
+      </p:sp>
+      <p:sp>
+        <p:nvSpPr>
+          <p:cNvPr id="92" name="CaixaDeTexto 91"/>
+          <p:cNvSpPr txBox="1"/>
+          <p:nvPr/>
+        </p:nvSpPr>
+        <p:spPr>
+          <a:xfrm>
+            <a:off x="14554190" y="300588"/>
+            <a:ext cx="3409506" cy="954107"/>
+          </a:xfrm>
+          <a:prstGeom prst="rect">
+            <a:avLst/>
+          </a:prstGeom>
+          <a:noFill/>
+        </p:spPr>
+        <p:txBody>
+          <a:bodyPr wrap="square" rtlCol="0">
+            <a:spAutoFit/>
+          </a:bodyPr>
+          <a:lstStyle/>
+          <a:p>
+            <a:pPr algn="ctr"/>
+            <a:r>
+              <a:rPr lang="pt-BR" sz="2800" b="1" dirty="0" smtClean="0">
+                <a:solidFill>
+                  <a:schemeClr val="tx1">
+                    <a:lumMod val="65000"/>
+                    <a:lumOff val="35000"/>
+                  </a:schemeClr>
+                </a:solidFill>
+                <a:latin typeface="Open Sans Light" panose="020B0604020202020204" charset="0"/>
+                <a:ea typeface="Open Sans Light" panose="020B0604020202020204" charset="0"/>
+                <a:cs typeface="Open Sans Light" panose="020B0604020202020204" charset="0"/>
+              </a:rPr>
+              <a:t>Segmentos de clientes</a:t>
+            </a:r>
+            <a:endParaRPr lang="pt-BR" sz="2800" b="1" dirty="0">
+              <a:solidFill>
+                <a:schemeClr val="tx1">
+                  <a:lumMod val="65000"/>
+                  <a:lumOff val="35000"/>
+                </a:schemeClr>
+              </a:solidFill>
+              <a:latin typeface="Open Sans Light" panose="020B0604020202020204" charset="0"/>
+              <a:ea typeface="Open Sans Light" panose="020B0604020202020204" charset="0"/>
+              <a:cs typeface="Open Sans Light" panose="020B0604020202020204" charset="0"/>
+            </a:endParaRPr>
+          </a:p>
+        </p:txBody>
+      </p:sp>
+      <p:sp>
+        <p:nvSpPr>
+          <p:cNvPr id="93" name="CaixaDeTexto 92"/>
+          <p:cNvSpPr txBox="1"/>
+          <p:nvPr/>
+        </p:nvSpPr>
+        <p:spPr>
+          <a:xfrm>
+            <a:off x="4126768" y="3782080"/>
+            <a:ext cx="2741456" cy="523220"/>
+          </a:xfrm>
+          <a:prstGeom prst="rect">
+            <a:avLst/>
+          </a:prstGeom>
+          <a:noFill/>
+        </p:spPr>
+        <p:txBody>
+          <a:bodyPr wrap="none" rtlCol="0">
+            <a:spAutoFit/>
+          </a:bodyPr>
+          <a:lstStyle/>
+          <a:p>
+            <a:pPr algn="ctr"/>
+            <a:r>
+              <a:rPr lang="pt-BR" sz="2800" b="1" dirty="0" smtClean="0">
+                <a:solidFill>
+                  <a:schemeClr val="tx1">
+                    <a:lumMod val="65000"/>
+                    <a:lumOff val="35000"/>
+                  </a:schemeClr>
+                </a:solidFill>
+                <a:latin typeface="Open Sans Light" panose="020B0604020202020204" charset="0"/>
+                <a:ea typeface="Open Sans Light" panose="020B0604020202020204" charset="0"/>
+                <a:cs typeface="Open Sans Light" panose="020B0604020202020204" charset="0"/>
+              </a:rPr>
+              <a:t>Recursos Chave</a:t>
+            </a:r>
+            <a:endParaRPr lang="pt-BR" sz="2800" b="1" dirty="0">
+              <a:solidFill>
+                <a:schemeClr val="tx1">
+                  <a:lumMod val="65000"/>
+                  <a:lumOff val="35000"/>
+                </a:schemeClr>
+              </a:solidFill>
+              <a:latin typeface="Open Sans Light" panose="020B0604020202020204" charset="0"/>
+              <a:ea typeface="Open Sans Light" panose="020B0604020202020204" charset="0"/>
+              <a:cs typeface="Open Sans Light" panose="020B0604020202020204" charset="0"/>
+            </a:endParaRPr>
+          </a:p>
+        </p:txBody>
+      </p:sp>
+      <p:sp>
+        <p:nvSpPr>
+          <p:cNvPr id="94" name="CaixaDeTexto 93"/>
+          <p:cNvSpPr txBox="1"/>
+          <p:nvPr/>
+        </p:nvSpPr>
+        <p:spPr>
+          <a:xfrm>
+            <a:off x="12035763" y="3782080"/>
+            <a:ext cx="1249061" cy="523220"/>
+          </a:xfrm>
+          <a:prstGeom prst="rect">
+            <a:avLst/>
+          </a:prstGeom>
+          <a:noFill/>
+        </p:spPr>
+        <p:txBody>
+          <a:bodyPr wrap="none" rtlCol="0">
+            <a:spAutoFit/>
+          </a:bodyPr>
+          <a:lstStyle/>
+          <a:p>
+            <a:pPr algn="ctr"/>
+            <a:r>
+              <a:rPr lang="pt-BR" sz="2800" b="1" dirty="0" smtClean="0">
+                <a:solidFill>
+                  <a:schemeClr val="tx1">
+                    <a:lumMod val="65000"/>
+                    <a:lumOff val="35000"/>
+                  </a:schemeClr>
+                </a:solidFill>
+                <a:latin typeface="Open Sans Light" panose="020B0604020202020204" charset="0"/>
+                <a:ea typeface="Open Sans Light" panose="020B0604020202020204" charset="0"/>
+                <a:cs typeface="Open Sans Light" panose="020B0604020202020204" charset="0"/>
+              </a:rPr>
+              <a:t>Canais</a:t>
+            </a:r>
+            <a:endParaRPr lang="pt-BR" sz="2800" b="1" dirty="0">
+              <a:solidFill>
+                <a:schemeClr val="tx1">
+                  <a:lumMod val="65000"/>
+                  <a:lumOff val="35000"/>
+                </a:schemeClr>
+              </a:solidFill>
+              <a:latin typeface="Open Sans Light" panose="020B0604020202020204" charset="0"/>
+              <a:ea typeface="Open Sans Light" panose="020B0604020202020204" charset="0"/>
+              <a:cs typeface="Open Sans Light" panose="020B0604020202020204" charset="0"/>
+            </a:endParaRPr>
+          </a:p>
+        </p:txBody>
+      </p:sp>
+      <p:sp>
+        <p:nvSpPr>
+          <p:cNvPr id="95" name="CaixaDeTexto 94"/>
+          <p:cNvSpPr txBox="1"/>
+          <p:nvPr/>
+        </p:nvSpPr>
+        <p:spPr>
+          <a:xfrm>
+            <a:off x="9609585" y="7238649"/>
+            <a:ext cx="3039615" cy="523220"/>
+          </a:xfrm>
+          <a:prstGeom prst="rect">
+            <a:avLst/>
+          </a:prstGeom>
+          <a:noFill/>
+        </p:spPr>
+        <p:txBody>
+          <a:bodyPr wrap="none" rtlCol="0">
+            <a:spAutoFit/>
+          </a:bodyPr>
+          <a:lstStyle/>
+          <a:p>
+            <a:pPr algn="ctr"/>
+            <a:r>
+              <a:rPr lang="pt-BR" sz="2800" b="1" dirty="0" smtClean="0">
+                <a:solidFill>
+                  <a:schemeClr val="tx1">
+                    <a:lumMod val="65000"/>
+                    <a:lumOff val="35000"/>
+                  </a:schemeClr>
+                </a:solidFill>
+                <a:latin typeface="Open Sans Light" panose="020B0604020202020204" charset="0"/>
+                <a:ea typeface="Open Sans Light" panose="020B0604020202020204" charset="0"/>
+                <a:cs typeface="Open Sans Light" panose="020B0604020202020204" charset="0"/>
+              </a:rPr>
+              <a:t>Fontes de Receita</a:t>
+            </a:r>
+            <a:endParaRPr lang="pt-BR" sz="2800" b="1" dirty="0">
+              <a:solidFill>
+                <a:schemeClr val="tx1">
+                  <a:lumMod val="65000"/>
+                  <a:lumOff val="35000"/>
+                </a:schemeClr>
+              </a:solidFill>
+              <a:latin typeface="Open Sans Light" panose="020B0604020202020204" charset="0"/>
+              <a:ea typeface="Open Sans Light" panose="020B0604020202020204" charset="0"/>
+              <a:cs typeface="Open Sans Light" panose="020B0604020202020204" charset="0"/>
+            </a:endParaRPr>
+          </a:p>
+        </p:txBody>
+      </p:sp>
+      <p:sp>
+        <p:nvSpPr>
+          <p:cNvPr id="96" name="Retângulo 95"/>
+          <p:cNvSpPr/>
+          <p:nvPr/>
+        </p:nvSpPr>
+        <p:spPr>
+          <a:xfrm>
+            <a:off x="7612532" y="936235"/>
+            <a:ext cx="2986716" cy="461665"/>
+          </a:xfrm>
+          <a:prstGeom prst="rect">
+            <a:avLst/>
+          </a:prstGeom>
+        </p:spPr>
+        <p:txBody>
+          <a:bodyPr wrap="none">
+            <a:spAutoFit/>
+          </a:bodyPr>
+          <a:lstStyle/>
+          <a:p>
+            <a:pPr algn="ctr"/>
+            <a:r>
+              <a:rPr lang="pt-BR" sz="2400" dirty="0">
+                <a:solidFill>
+                  <a:schemeClr val="tx1">
+                    <a:lumMod val="65000"/>
+                    <a:lumOff val="35000"/>
+                  </a:schemeClr>
+                </a:solidFill>
+                <a:latin typeface="Open Sans Light" panose="020B0604020202020204" charset="0"/>
+                <a:ea typeface="Open Sans Light" panose="020B0604020202020204" charset="0"/>
+                <a:cs typeface="Open Sans Light" panose="020B0604020202020204" charset="0"/>
+              </a:rPr>
+              <a:t>para o suporte de TI</a:t>
+            </a:r>
+          </a:p>
+        </p:txBody>
+      </p:sp>
+      <p:sp>
+        <p:nvSpPr>
+          <p:cNvPr id="97" name="Retângulo 96"/>
+          <p:cNvSpPr/>
+          <p:nvPr/>
+        </p:nvSpPr>
+        <p:spPr>
+          <a:xfrm>
+            <a:off x="8058968" y="4300835"/>
+            <a:ext cx="2093843" cy="461665"/>
+          </a:xfrm>
+          <a:prstGeom prst="rect">
+            <a:avLst/>
+          </a:prstGeom>
+        </p:spPr>
+        <p:txBody>
+          <a:bodyPr wrap="none">
+            <a:spAutoFit/>
+          </a:bodyPr>
+          <a:lstStyle/>
+          <a:p>
+            <a:pPr algn="ctr"/>
+            <a:r>
+              <a:rPr lang="pt-BR" sz="2400" dirty="0">
+                <a:solidFill>
+                  <a:schemeClr val="tx1">
+                    <a:lumMod val="65000"/>
+                    <a:lumOff val="35000"/>
+                  </a:schemeClr>
+                </a:solidFill>
+                <a:latin typeface="Open Sans Light" panose="020B0604020202020204" charset="0"/>
+                <a:ea typeface="Open Sans Light" panose="020B0604020202020204" charset="0"/>
+                <a:cs typeface="Open Sans Light" panose="020B0604020202020204" charset="0"/>
+              </a:rPr>
+              <a:t>para o </a:t>
+            </a:r>
+            <a:r>
+              <a:rPr lang="pt-BR" sz="2400" dirty="0" smtClean="0">
+                <a:solidFill>
+                  <a:schemeClr val="tx1">
+                    <a:lumMod val="65000"/>
+                    <a:lumOff val="35000"/>
+                  </a:schemeClr>
+                </a:solidFill>
+                <a:latin typeface="Open Sans Light" panose="020B0604020202020204" charset="0"/>
+                <a:ea typeface="Open Sans Light" panose="020B0604020202020204" charset="0"/>
+                <a:cs typeface="Open Sans Light" panose="020B0604020202020204" charset="0"/>
+              </a:rPr>
+              <a:t>Gestor</a:t>
+            </a:r>
+            <a:endParaRPr lang="pt-BR" sz="2400" dirty="0">
+              <a:solidFill>
+                <a:schemeClr val="tx1">
+                  <a:lumMod val="65000"/>
+                  <a:lumOff val="35000"/>
+                </a:schemeClr>
+              </a:solidFill>
+              <a:latin typeface="Open Sans Light" panose="020B0604020202020204" charset="0"/>
+              <a:ea typeface="Open Sans Light" panose="020B0604020202020204" charset="0"/>
+              <a:cs typeface="Open Sans Light" panose="020B0604020202020204" charset="0"/>
+            </a:endParaRPr>
+          </a:p>
+        </p:txBody>
+      </p:sp>
+      <p:sp>
+        <p:nvSpPr>
+          <p:cNvPr id="98" name="Retângulo 97"/>
+          <p:cNvSpPr/>
+          <p:nvPr/>
+        </p:nvSpPr>
+        <p:spPr>
+          <a:xfrm>
+            <a:off x="484204" y="8116212"/>
+            <a:ext cx="2917785" cy="988775"/>
+          </a:xfrm>
+          <a:prstGeom prst="rect">
+            <a:avLst/>
+          </a:prstGeom>
+          <a:solidFill>
+            <a:srgbClr val="FFCDCD"/>
+          </a:solidFill>
+          <a:ln>
+            <a:noFill/>
+          </a:ln>
+        </p:spPr>
+        <p:style>
+          <a:lnRef idx="2">
+            <a:schemeClr val="accent1">
+              <a:shade val="50000"/>
+            </a:schemeClr>
+          </a:lnRef>
+          <a:fillRef idx="1">
+            <a:schemeClr val="accent1"/>
+          </a:fillRef>
+          <a:effectRef idx="0">
+            <a:schemeClr val="accent1"/>
+          </a:effectRef>
+          <a:fontRef idx="minor">
+            <a:schemeClr val="lt1"/>
+          </a:fontRef>
+        </p:style>
+        <p:txBody>
+          <a:bodyPr rtlCol="0" anchor="ctr"/>
+          <a:lstStyle/>
+          <a:p>
+            <a:pPr algn="ctr"/>
+            <a:r>
+              <a:rPr lang="pt-BR" sz="2400" dirty="0" smtClean="0">
+                <a:solidFill>
+                  <a:schemeClr val="tx1">
+                    <a:lumMod val="65000"/>
+                    <a:lumOff val="35000"/>
+                  </a:schemeClr>
+                </a:solidFill>
+                <a:latin typeface="Open Sans Light" panose="020B0604020202020204" charset="0"/>
+                <a:ea typeface="Open Sans Light" panose="020B0604020202020204" charset="0"/>
+                <a:cs typeface="Open Sans Light" panose="020B0604020202020204" charset="0"/>
+              </a:rPr>
+              <a:t>Desenvolvimento da Plataforma</a:t>
+            </a:r>
+            <a:endParaRPr lang="pt-BR" sz="2400" dirty="0">
+              <a:solidFill>
+                <a:schemeClr val="tx1">
+                  <a:lumMod val="65000"/>
+                  <a:lumOff val="35000"/>
+                </a:schemeClr>
+              </a:solidFill>
+              <a:latin typeface="Open Sans Light" panose="020B0604020202020204" charset="0"/>
+              <a:ea typeface="Open Sans Light" panose="020B0604020202020204" charset="0"/>
+              <a:cs typeface="Open Sans Light" panose="020B0604020202020204" charset="0"/>
+            </a:endParaRPr>
+          </a:p>
+        </p:txBody>
+      </p:sp>
+      <p:sp>
+        <p:nvSpPr>
+          <p:cNvPr id="99" name="Retângulo 98"/>
+          <p:cNvSpPr/>
+          <p:nvPr/>
+        </p:nvSpPr>
+        <p:spPr>
+          <a:xfrm>
+            <a:off x="3886621" y="936235"/>
+            <a:ext cx="1599779" cy="1227581"/>
+          </a:xfrm>
+          <a:prstGeom prst="rect">
+            <a:avLst/>
+          </a:prstGeom>
+          <a:solidFill>
+            <a:srgbClr val="FFCDCD"/>
+          </a:solidFill>
+          <a:ln>
+            <a:noFill/>
+          </a:ln>
+        </p:spPr>
+        <p:style>
+          <a:lnRef idx="2">
+            <a:schemeClr val="accent1">
+              <a:shade val="50000"/>
+            </a:schemeClr>
+          </a:lnRef>
+          <a:fillRef idx="1">
+            <a:schemeClr val="accent1"/>
+          </a:fillRef>
+          <a:effectRef idx="0">
+            <a:schemeClr val="accent1"/>
+          </a:effectRef>
+          <a:fontRef idx="minor">
+            <a:schemeClr val="lt1"/>
+          </a:fontRef>
+        </p:style>
+        <p:txBody>
+          <a:bodyPr rtlCol="0" anchor="ctr"/>
+          <a:lstStyle/>
+          <a:p>
+            <a:pPr algn="ctr"/>
+            <a:r>
+              <a:rPr lang="pt-BR" sz="2400" dirty="0" smtClean="0">
+                <a:solidFill>
+                  <a:schemeClr val="tx1">
+                    <a:lumMod val="65000"/>
+                    <a:lumOff val="35000"/>
+                  </a:schemeClr>
+                </a:solidFill>
+                <a:latin typeface="Open Sans Light" panose="020B0604020202020204" charset="0"/>
+                <a:ea typeface="Open Sans Light" panose="020B0604020202020204" charset="0"/>
+                <a:cs typeface="Open Sans Light" panose="020B0604020202020204" charset="0"/>
+              </a:rPr>
+              <a:t>Monitorar Maquinas</a:t>
+            </a:r>
+            <a:endParaRPr lang="pt-BR" sz="2400" dirty="0">
+              <a:solidFill>
+                <a:schemeClr val="tx1">
+                  <a:lumMod val="65000"/>
+                  <a:lumOff val="35000"/>
+                </a:schemeClr>
+              </a:solidFill>
+              <a:latin typeface="Open Sans Light" panose="020B0604020202020204" charset="0"/>
+              <a:ea typeface="Open Sans Light" panose="020B0604020202020204" charset="0"/>
+              <a:cs typeface="Open Sans Light" panose="020B0604020202020204" charset="0"/>
+            </a:endParaRPr>
+          </a:p>
+        </p:txBody>
+      </p:sp>
+      <p:sp>
+        <p:nvSpPr>
+          <p:cNvPr id="100" name="Retângulo 99"/>
+          <p:cNvSpPr/>
+          <p:nvPr/>
+        </p:nvSpPr>
+        <p:spPr>
+          <a:xfrm>
+            <a:off x="5796033" y="2245620"/>
+            <a:ext cx="1364844" cy="1220567"/>
+          </a:xfrm>
+          <a:prstGeom prst="rect">
+            <a:avLst/>
+          </a:prstGeom>
+          <a:solidFill>
+            <a:srgbClr val="FFCDCD"/>
+          </a:solidFill>
+          <a:ln>
+            <a:noFill/>
+          </a:ln>
+        </p:spPr>
+        <p:style>
+          <a:lnRef idx="2">
+            <a:schemeClr val="accent1">
+              <a:shade val="50000"/>
+            </a:schemeClr>
+          </a:lnRef>
+          <a:fillRef idx="1">
+            <a:schemeClr val="accent1"/>
+          </a:fillRef>
+          <a:effectRef idx="0">
+            <a:schemeClr val="accent1"/>
+          </a:effectRef>
+          <a:fontRef idx="minor">
+            <a:schemeClr val="lt1"/>
+          </a:fontRef>
+        </p:style>
+        <p:txBody>
+          <a:bodyPr rtlCol="0" anchor="ctr"/>
+          <a:lstStyle/>
+          <a:p>
+            <a:pPr algn="ctr"/>
+            <a:r>
+              <a:rPr lang="pt-BR" sz="2400" dirty="0" smtClean="0">
+                <a:solidFill>
+                  <a:schemeClr val="tx1">
+                    <a:lumMod val="65000"/>
+                    <a:lumOff val="35000"/>
+                  </a:schemeClr>
+                </a:solidFill>
+                <a:latin typeface="Open Sans Light" panose="020B0604020202020204" charset="0"/>
+                <a:ea typeface="Open Sans Light" panose="020B0604020202020204" charset="0"/>
+                <a:cs typeface="Open Sans Light" panose="020B0604020202020204" charset="0"/>
+              </a:rPr>
+              <a:t>Análise de Dados</a:t>
+            </a:r>
+            <a:endParaRPr lang="pt-BR" sz="2400" dirty="0">
+              <a:solidFill>
+                <a:schemeClr val="tx1">
+                  <a:lumMod val="65000"/>
+                  <a:lumOff val="35000"/>
+                </a:schemeClr>
+              </a:solidFill>
+              <a:latin typeface="Open Sans Light" panose="020B0604020202020204" charset="0"/>
+              <a:ea typeface="Open Sans Light" panose="020B0604020202020204" charset="0"/>
+              <a:cs typeface="Open Sans Light" panose="020B0604020202020204" charset="0"/>
+            </a:endParaRPr>
+          </a:p>
+        </p:txBody>
+      </p:sp>
+      <p:sp>
+        <p:nvSpPr>
+          <p:cNvPr id="101" name="Retângulo 100"/>
+          <p:cNvSpPr/>
+          <p:nvPr/>
+        </p:nvSpPr>
+        <p:spPr>
+          <a:xfrm>
+            <a:off x="3886621" y="2259777"/>
+            <a:ext cx="1828384" cy="1227581"/>
+          </a:xfrm>
+          <a:prstGeom prst="rect">
+            <a:avLst/>
+          </a:prstGeom>
+          <a:solidFill>
+            <a:srgbClr val="FFCDCD"/>
+          </a:solidFill>
+          <a:ln>
+            <a:noFill/>
+          </a:ln>
+        </p:spPr>
+        <p:style>
+          <a:lnRef idx="2">
+            <a:schemeClr val="accent1">
+              <a:shade val="50000"/>
+            </a:schemeClr>
+          </a:lnRef>
+          <a:fillRef idx="1">
+            <a:schemeClr val="accent1"/>
+          </a:fillRef>
+          <a:effectRef idx="0">
+            <a:schemeClr val="accent1"/>
+          </a:effectRef>
+          <a:fontRef idx="minor">
+            <a:schemeClr val="lt1"/>
+          </a:fontRef>
+        </p:style>
+        <p:txBody>
+          <a:bodyPr rtlCol="0" anchor="ctr"/>
+          <a:lstStyle/>
+          <a:p>
+            <a:pPr algn="ctr"/>
+            <a:r>
+              <a:rPr lang="pt-BR" sz="2200" dirty="0" smtClean="0">
+                <a:solidFill>
+                  <a:schemeClr val="tx1">
+                    <a:lumMod val="65000"/>
+                    <a:lumOff val="35000"/>
+                  </a:schemeClr>
+                </a:solidFill>
+                <a:latin typeface="Open Sans Light" panose="020B0604020202020204" charset="0"/>
+                <a:ea typeface="Open Sans Light" panose="020B0604020202020204" charset="0"/>
+                <a:cs typeface="Open Sans Light" panose="020B0604020202020204" charset="0"/>
+              </a:rPr>
+              <a:t>Manutenção das Maquinas</a:t>
+            </a:r>
+            <a:endParaRPr lang="pt-BR" sz="2200" dirty="0">
+              <a:solidFill>
+                <a:schemeClr val="tx1">
+                  <a:lumMod val="65000"/>
+                  <a:lumOff val="35000"/>
+                </a:schemeClr>
+              </a:solidFill>
+              <a:latin typeface="Open Sans Light" panose="020B0604020202020204" charset="0"/>
+              <a:ea typeface="Open Sans Light" panose="020B0604020202020204" charset="0"/>
+              <a:cs typeface="Open Sans Light" panose="020B0604020202020204" charset="0"/>
+            </a:endParaRPr>
+          </a:p>
+        </p:txBody>
+      </p:sp>
+      <p:sp>
+        <p:nvSpPr>
+          <p:cNvPr id="102" name="Retângulo 101"/>
+          <p:cNvSpPr/>
+          <p:nvPr/>
+        </p:nvSpPr>
+        <p:spPr>
+          <a:xfrm>
+            <a:off x="5563025" y="927165"/>
+            <a:ext cx="1597852" cy="1220567"/>
+          </a:xfrm>
+          <a:prstGeom prst="rect">
+            <a:avLst/>
+          </a:prstGeom>
+          <a:solidFill>
+            <a:srgbClr val="FFCDCD"/>
+          </a:solidFill>
+          <a:ln>
+            <a:noFill/>
+          </a:ln>
+        </p:spPr>
+        <p:style>
+          <a:lnRef idx="2">
+            <a:schemeClr val="accent1">
+              <a:shade val="50000"/>
+            </a:schemeClr>
+          </a:lnRef>
+          <a:fillRef idx="1">
+            <a:schemeClr val="accent1"/>
+          </a:fillRef>
+          <a:effectRef idx="0">
+            <a:schemeClr val="accent1"/>
+          </a:effectRef>
+          <a:fontRef idx="minor">
+            <a:schemeClr val="lt1"/>
+          </a:fontRef>
+        </p:style>
+        <p:txBody>
+          <a:bodyPr rtlCol="0" anchor="ctr"/>
+          <a:lstStyle/>
+          <a:p>
+            <a:pPr algn="ctr"/>
+            <a:r>
+              <a:rPr lang="pt-BR" sz="2400" dirty="0" smtClean="0">
+                <a:solidFill>
+                  <a:schemeClr val="tx1">
+                    <a:lumMod val="65000"/>
+                    <a:lumOff val="35000"/>
+                  </a:schemeClr>
+                </a:solidFill>
+                <a:latin typeface="Open Sans Light" panose="020B0604020202020204" charset="0"/>
+                <a:ea typeface="Open Sans Light" panose="020B0604020202020204" charset="0"/>
+                <a:cs typeface="Open Sans Light" panose="020B0604020202020204" charset="0"/>
+              </a:rPr>
+              <a:t>Monitorar Rede</a:t>
+            </a:r>
+            <a:endParaRPr lang="pt-BR" sz="2400" dirty="0">
+              <a:solidFill>
+                <a:schemeClr val="tx1">
+                  <a:lumMod val="65000"/>
+                  <a:lumOff val="35000"/>
+                </a:schemeClr>
+              </a:solidFill>
+              <a:latin typeface="Open Sans Light" panose="020B0604020202020204" charset="0"/>
+              <a:ea typeface="Open Sans Light" panose="020B0604020202020204" charset="0"/>
+              <a:cs typeface="Open Sans Light" panose="020B0604020202020204" charset="0"/>
+            </a:endParaRPr>
+          </a:p>
+        </p:txBody>
+      </p:sp>
+      <p:sp>
+        <p:nvSpPr>
+          <p:cNvPr id="103" name="Retângulo 102"/>
+          <p:cNvSpPr/>
+          <p:nvPr/>
+        </p:nvSpPr>
+        <p:spPr>
+          <a:xfrm>
+            <a:off x="7646998" y="1671376"/>
+            <a:ext cx="2917785" cy="988775"/>
+          </a:xfrm>
+          <a:prstGeom prst="rect">
+            <a:avLst/>
+          </a:prstGeom>
+          <a:solidFill>
+            <a:srgbClr val="FFCDCD"/>
+          </a:solidFill>
+          <a:ln>
+            <a:noFill/>
+          </a:ln>
+        </p:spPr>
+        <p:style>
+          <a:lnRef idx="2">
+            <a:schemeClr val="accent1">
+              <a:shade val="50000"/>
+            </a:schemeClr>
+          </a:lnRef>
+          <a:fillRef idx="1">
+            <a:schemeClr val="accent1"/>
+          </a:fillRef>
+          <a:effectRef idx="0">
+            <a:schemeClr val="accent1"/>
+          </a:effectRef>
+          <a:fontRef idx="minor">
+            <a:schemeClr val="lt1"/>
+          </a:fontRef>
+        </p:style>
+        <p:txBody>
+          <a:bodyPr rtlCol="0" anchor="ctr"/>
+          <a:lstStyle/>
+          <a:p>
+            <a:pPr algn="ctr"/>
+            <a:r>
+              <a:rPr lang="pt-BR" sz="2400" dirty="0" smtClean="0">
+                <a:solidFill>
+                  <a:schemeClr val="tx1">
+                    <a:lumMod val="65000"/>
+                    <a:lumOff val="35000"/>
+                  </a:schemeClr>
+                </a:solidFill>
+                <a:latin typeface="Open Sans Light" panose="020B0604020202020204" charset="0"/>
+                <a:ea typeface="Open Sans Light" panose="020B0604020202020204" charset="0"/>
+                <a:cs typeface="Open Sans Light" panose="020B0604020202020204" charset="0"/>
+              </a:rPr>
+              <a:t>Facilidade em corrigir o problema</a:t>
+            </a:r>
+            <a:endParaRPr lang="pt-BR" sz="2400" dirty="0">
+              <a:solidFill>
+                <a:schemeClr val="tx1">
+                  <a:lumMod val="65000"/>
+                  <a:lumOff val="35000"/>
+                </a:schemeClr>
+              </a:solidFill>
+              <a:latin typeface="Open Sans Light" panose="020B0604020202020204" charset="0"/>
+              <a:ea typeface="Open Sans Light" panose="020B0604020202020204" charset="0"/>
+              <a:cs typeface="Open Sans Light" panose="020B0604020202020204" charset="0"/>
+            </a:endParaRPr>
+          </a:p>
+        </p:txBody>
+      </p:sp>
+      <p:sp>
+        <p:nvSpPr>
+          <p:cNvPr id="104" name="Retângulo 103"/>
+          <p:cNvSpPr/>
+          <p:nvPr/>
+        </p:nvSpPr>
+        <p:spPr>
+          <a:xfrm>
+            <a:off x="7646998" y="2859325"/>
+            <a:ext cx="2917785" cy="988775"/>
+          </a:xfrm>
+          <a:prstGeom prst="rect">
+            <a:avLst/>
+          </a:prstGeom>
+          <a:solidFill>
+            <a:srgbClr val="FFCDCD"/>
+          </a:solidFill>
+          <a:ln>
+            <a:noFill/>
+          </a:ln>
+        </p:spPr>
+        <p:style>
+          <a:lnRef idx="2">
+            <a:schemeClr val="accent1">
+              <a:shade val="50000"/>
+            </a:schemeClr>
+          </a:lnRef>
+          <a:fillRef idx="1">
+            <a:schemeClr val="accent1"/>
+          </a:fillRef>
+          <a:effectRef idx="0">
+            <a:schemeClr val="accent1"/>
+          </a:effectRef>
+          <a:fontRef idx="minor">
+            <a:schemeClr val="lt1"/>
+          </a:fontRef>
+        </p:style>
+        <p:txBody>
+          <a:bodyPr rtlCol="0" anchor="ctr"/>
+          <a:lstStyle/>
+          <a:p>
+            <a:pPr algn="ctr"/>
+            <a:r>
+              <a:rPr lang="pt-BR" sz="2400" dirty="0" smtClean="0">
+                <a:solidFill>
+                  <a:schemeClr val="tx1">
+                    <a:lumMod val="65000"/>
+                    <a:lumOff val="35000"/>
+                  </a:schemeClr>
+                </a:solidFill>
+                <a:latin typeface="Open Sans Light" panose="020B0604020202020204" charset="0"/>
+                <a:ea typeface="Open Sans Light" panose="020B0604020202020204" charset="0"/>
+                <a:cs typeface="Open Sans Light" panose="020B0604020202020204" charset="0"/>
+              </a:rPr>
+              <a:t>Prevenção de problemas</a:t>
+            </a:r>
+            <a:endParaRPr lang="pt-BR" sz="2400" dirty="0">
+              <a:solidFill>
+                <a:schemeClr val="tx1">
+                  <a:lumMod val="65000"/>
+                  <a:lumOff val="35000"/>
+                </a:schemeClr>
+              </a:solidFill>
+              <a:latin typeface="Open Sans Light" panose="020B0604020202020204" charset="0"/>
+              <a:ea typeface="Open Sans Light" panose="020B0604020202020204" charset="0"/>
+              <a:cs typeface="Open Sans Light" panose="020B0604020202020204" charset="0"/>
+            </a:endParaRPr>
+          </a:p>
+        </p:txBody>
+      </p:sp>
+      <p:sp>
+        <p:nvSpPr>
+          <p:cNvPr id="105" name="Retângulo 104"/>
+          <p:cNvSpPr/>
+          <p:nvPr/>
+        </p:nvSpPr>
+        <p:spPr>
+          <a:xfrm>
+            <a:off x="7646998" y="5018318"/>
+            <a:ext cx="2917785" cy="1572982"/>
+          </a:xfrm>
+          <a:prstGeom prst="rect">
+            <a:avLst/>
+          </a:prstGeom>
+          <a:solidFill>
+            <a:srgbClr val="FFCDCD"/>
+          </a:solidFill>
+          <a:ln>
+            <a:noFill/>
+          </a:ln>
+        </p:spPr>
+        <p:style>
+          <a:lnRef idx="2">
+            <a:schemeClr val="accent1">
+              <a:shade val="50000"/>
+            </a:schemeClr>
+          </a:lnRef>
+          <a:fillRef idx="1">
+            <a:schemeClr val="accent1"/>
+          </a:fillRef>
+          <a:effectRef idx="0">
+            <a:schemeClr val="accent1"/>
+          </a:effectRef>
+          <a:fontRef idx="minor">
+            <a:schemeClr val="lt1"/>
+          </a:fontRef>
+        </p:style>
+        <p:txBody>
+          <a:bodyPr rtlCol="0" anchor="ctr"/>
+          <a:lstStyle/>
+          <a:p>
+            <a:pPr algn="ctr"/>
+            <a:r>
+              <a:rPr lang="pt-BR" sz="2400" dirty="0" smtClean="0">
+                <a:solidFill>
+                  <a:schemeClr val="tx1">
+                    <a:lumMod val="65000"/>
+                    <a:lumOff val="35000"/>
+                  </a:schemeClr>
+                </a:solidFill>
+                <a:latin typeface="Open Sans Light" panose="020B0604020202020204" charset="0"/>
+                <a:ea typeface="Open Sans Light" panose="020B0604020202020204" charset="0"/>
+                <a:cs typeface="Open Sans Light" panose="020B0604020202020204" charset="0"/>
+              </a:rPr>
+              <a:t>Verificar a produtividade dos operadores</a:t>
+            </a:r>
+            <a:endParaRPr lang="pt-BR" sz="2400" dirty="0">
+              <a:solidFill>
+                <a:schemeClr val="tx1">
+                  <a:lumMod val="65000"/>
+                  <a:lumOff val="35000"/>
+                </a:schemeClr>
+              </a:solidFill>
+              <a:latin typeface="Open Sans Light" panose="020B0604020202020204" charset="0"/>
+              <a:ea typeface="Open Sans Light" panose="020B0604020202020204" charset="0"/>
+              <a:cs typeface="Open Sans Light" panose="020B0604020202020204" charset="0"/>
+            </a:endParaRPr>
+          </a:p>
+        </p:txBody>
+      </p:sp>
+      <p:sp>
+        <p:nvSpPr>
+          <p:cNvPr id="106" name="Retângulo 105"/>
+          <p:cNvSpPr/>
+          <p:nvPr/>
+        </p:nvSpPr>
+        <p:spPr>
+          <a:xfrm>
+            <a:off x="11201400" y="994571"/>
+            <a:ext cx="2917785" cy="988775"/>
+          </a:xfrm>
+          <a:prstGeom prst="rect">
+            <a:avLst/>
+          </a:prstGeom>
+          <a:solidFill>
+            <a:srgbClr val="FFCDCD"/>
+          </a:solidFill>
+          <a:ln>
+            <a:noFill/>
+          </a:ln>
+        </p:spPr>
+        <p:style>
+          <a:lnRef idx="2">
+            <a:schemeClr val="accent1">
+              <a:shade val="50000"/>
+            </a:schemeClr>
+          </a:lnRef>
+          <a:fillRef idx="1">
+            <a:schemeClr val="accent1"/>
+          </a:fillRef>
+          <a:effectRef idx="0">
+            <a:schemeClr val="accent1"/>
+          </a:effectRef>
+          <a:fontRef idx="minor">
+            <a:schemeClr val="lt1"/>
+          </a:fontRef>
+        </p:style>
+        <p:txBody>
+          <a:bodyPr rtlCol="0" anchor="ctr"/>
+          <a:lstStyle/>
+          <a:p>
+            <a:pPr algn="ctr"/>
+            <a:r>
+              <a:rPr lang="pt-BR" sz="2400" dirty="0" err="1" smtClean="0">
+                <a:solidFill>
+                  <a:schemeClr val="tx1">
+                    <a:lumMod val="65000"/>
+                    <a:lumOff val="35000"/>
+                  </a:schemeClr>
+                </a:solidFill>
+                <a:latin typeface="Open Sans Light" panose="020B0604020202020204" charset="0"/>
+                <a:ea typeface="Open Sans Light" panose="020B0604020202020204" charset="0"/>
+                <a:cs typeface="Open Sans Light" panose="020B0604020202020204" charset="0"/>
+              </a:rPr>
+              <a:t>Dashboard</a:t>
+            </a:r>
+            <a:endParaRPr lang="pt-BR" sz="2400" dirty="0">
+              <a:solidFill>
+                <a:schemeClr val="tx1">
+                  <a:lumMod val="65000"/>
+                  <a:lumOff val="35000"/>
+                </a:schemeClr>
+              </a:solidFill>
+              <a:latin typeface="Open Sans Light" panose="020B0604020202020204" charset="0"/>
+              <a:ea typeface="Open Sans Light" panose="020B0604020202020204" charset="0"/>
+              <a:cs typeface="Open Sans Light" panose="020B0604020202020204" charset="0"/>
+            </a:endParaRPr>
+          </a:p>
+        </p:txBody>
+      </p:sp>
+      <p:sp>
+        <p:nvSpPr>
+          <p:cNvPr id="107" name="Retângulo 106"/>
+          <p:cNvSpPr/>
+          <p:nvPr/>
+        </p:nvSpPr>
+        <p:spPr>
+          <a:xfrm>
+            <a:off x="11201400" y="2139173"/>
+            <a:ext cx="2917785" cy="988775"/>
+          </a:xfrm>
+          <a:prstGeom prst="rect">
+            <a:avLst/>
+          </a:prstGeom>
+          <a:solidFill>
+            <a:srgbClr val="FFCDCD"/>
+          </a:solidFill>
+          <a:ln>
+            <a:noFill/>
+          </a:ln>
+        </p:spPr>
+        <p:style>
+          <a:lnRef idx="2">
+            <a:schemeClr val="accent1">
+              <a:shade val="50000"/>
+            </a:schemeClr>
+          </a:lnRef>
+          <a:fillRef idx="1">
+            <a:schemeClr val="accent1"/>
+          </a:fillRef>
+          <a:effectRef idx="0">
+            <a:schemeClr val="accent1"/>
+          </a:effectRef>
+          <a:fontRef idx="minor">
+            <a:schemeClr val="lt1"/>
+          </a:fontRef>
+        </p:style>
+        <p:txBody>
+          <a:bodyPr rtlCol="0" anchor="ctr"/>
+          <a:lstStyle/>
+          <a:p>
+            <a:pPr algn="ctr"/>
+            <a:r>
+              <a:rPr lang="pt-BR" sz="2400" dirty="0" smtClean="0">
+                <a:solidFill>
+                  <a:schemeClr val="tx1">
+                    <a:lumMod val="65000"/>
+                    <a:lumOff val="35000"/>
+                  </a:schemeClr>
+                </a:solidFill>
+                <a:latin typeface="Open Sans Light" panose="020B0604020202020204" charset="0"/>
+                <a:ea typeface="Open Sans Light" panose="020B0604020202020204" charset="0"/>
+                <a:cs typeface="Open Sans Light" panose="020B0604020202020204" charset="0"/>
+              </a:rPr>
+              <a:t>Help Desk</a:t>
+            </a:r>
+            <a:endParaRPr lang="pt-BR" sz="2400" dirty="0">
+              <a:solidFill>
+                <a:schemeClr val="tx1">
+                  <a:lumMod val="65000"/>
+                  <a:lumOff val="35000"/>
+                </a:schemeClr>
+              </a:solidFill>
+              <a:latin typeface="Open Sans Light" panose="020B0604020202020204" charset="0"/>
+              <a:ea typeface="Open Sans Light" panose="020B0604020202020204" charset="0"/>
+              <a:cs typeface="Open Sans Light" panose="020B0604020202020204" charset="0"/>
+            </a:endParaRPr>
+          </a:p>
+        </p:txBody>
+      </p:sp>
+      <p:sp>
+        <p:nvSpPr>
+          <p:cNvPr id="108" name="Retângulo 107"/>
+          <p:cNvSpPr/>
+          <p:nvPr/>
+        </p:nvSpPr>
+        <p:spPr>
+          <a:xfrm>
+            <a:off x="11228400" y="4359133"/>
+            <a:ext cx="2917785" cy="659185"/>
+          </a:xfrm>
+          <a:prstGeom prst="rect">
+            <a:avLst/>
+          </a:prstGeom>
+          <a:solidFill>
+            <a:srgbClr val="FFCDCD"/>
+          </a:solidFill>
+          <a:ln>
+            <a:noFill/>
+          </a:ln>
+        </p:spPr>
+        <p:style>
+          <a:lnRef idx="2">
+            <a:schemeClr val="accent1">
+              <a:shade val="50000"/>
+            </a:schemeClr>
+          </a:lnRef>
+          <a:fillRef idx="1">
+            <a:schemeClr val="accent1"/>
+          </a:fillRef>
+          <a:effectRef idx="0">
+            <a:schemeClr val="accent1"/>
+          </a:effectRef>
+          <a:fontRef idx="minor">
+            <a:schemeClr val="lt1"/>
+          </a:fontRef>
+        </p:style>
+        <p:txBody>
+          <a:bodyPr rtlCol="0" anchor="ctr"/>
+          <a:lstStyle/>
+          <a:p>
+            <a:pPr algn="ctr"/>
+            <a:r>
+              <a:rPr lang="pt-BR" sz="2400" dirty="0" smtClean="0">
+                <a:solidFill>
+                  <a:schemeClr val="tx1">
+                    <a:lumMod val="65000"/>
+                    <a:lumOff val="35000"/>
+                  </a:schemeClr>
+                </a:solidFill>
+                <a:latin typeface="Open Sans Light" panose="020B0604020202020204" charset="0"/>
+                <a:ea typeface="Open Sans Light" panose="020B0604020202020204" charset="0"/>
+                <a:cs typeface="Open Sans Light" panose="020B0604020202020204" charset="0"/>
+              </a:rPr>
+              <a:t>Site</a:t>
+            </a:r>
+            <a:endParaRPr lang="pt-BR" sz="2400" dirty="0">
+              <a:solidFill>
+                <a:schemeClr val="tx1">
+                  <a:lumMod val="65000"/>
+                  <a:lumOff val="35000"/>
+                </a:schemeClr>
+              </a:solidFill>
+              <a:latin typeface="Open Sans Light" panose="020B0604020202020204" charset="0"/>
+              <a:ea typeface="Open Sans Light" panose="020B0604020202020204" charset="0"/>
+              <a:cs typeface="Open Sans Light" panose="020B0604020202020204" charset="0"/>
+            </a:endParaRPr>
+          </a:p>
+        </p:txBody>
+      </p:sp>
+      <p:sp>
+        <p:nvSpPr>
+          <p:cNvPr id="109" name="Retângulo 108"/>
+          <p:cNvSpPr/>
+          <p:nvPr/>
+        </p:nvSpPr>
+        <p:spPr>
+          <a:xfrm>
+            <a:off x="11231945" y="5140228"/>
+            <a:ext cx="2917785" cy="659185"/>
+          </a:xfrm>
+          <a:prstGeom prst="rect">
+            <a:avLst/>
+          </a:prstGeom>
+          <a:solidFill>
+            <a:srgbClr val="FFCDCD"/>
+          </a:solidFill>
+          <a:ln>
+            <a:noFill/>
+          </a:ln>
+        </p:spPr>
+        <p:style>
+          <a:lnRef idx="2">
+            <a:schemeClr val="accent1">
+              <a:shade val="50000"/>
+            </a:schemeClr>
+          </a:lnRef>
+          <a:fillRef idx="1">
+            <a:schemeClr val="accent1"/>
+          </a:fillRef>
+          <a:effectRef idx="0">
+            <a:schemeClr val="accent1"/>
+          </a:effectRef>
+          <a:fontRef idx="minor">
+            <a:schemeClr val="lt1"/>
+          </a:fontRef>
+        </p:style>
+        <p:txBody>
+          <a:bodyPr rtlCol="0" anchor="ctr"/>
+          <a:lstStyle/>
+          <a:p>
+            <a:pPr algn="ctr"/>
+            <a:r>
+              <a:rPr lang="pt-BR" sz="2400" dirty="0" err="1" smtClean="0">
+                <a:solidFill>
+                  <a:schemeClr val="tx1">
+                    <a:lumMod val="65000"/>
+                    <a:lumOff val="35000"/>
+                  </a:schemeClr>
+                </a:solidFill>
+                <a:latin typeface="Open Sans Light" panose="020B0604020202020204" charset="0"/>
+                <a:ea typeface="Open Sans Light" panose="020B0604020202020204" charset="0"/>
+                <a:cs typeface="Open Sans Light" panose="020B0604020202020204" charset="0"/>
+              </a:rPr>
+              <a:t>Midia</a:t>
+            </a:r>
+            <a:r>
+              <a:rPr lang="pt-BR" sz="2400" dirty="0" smtClean="0">
+                <a:solidFill>
+                  <a:schemeClr val="tx1">
+                    <a:lumMod val="65000"/>
+                    <a:lumOff val="35000"/>
+                  </a:schemeClr>
+                </a:solidFill>
+                <a:latin typeface="Open Sans Light" panose="020B0604020202020204" charset="0"/>
+                <a:ea typeface="Open Sans Light" panose="020B0604020202020204" charset="0"/>
+                <a:cs typeface="Open Sans Light" panose="020B0604020202020204" charset="0"/>
+              </a:rPr>
+              <a:t> Social</a:t>
+            </a:r>
+            <a:endParaRPr lang="pt-BR" sz="2400" dirty="0">
+              <a:solidFill>
+                <a:schemeClr val="tx1">
+                  <a:lumMod val="65000"/>
+                  <a:lumOff val="35000"/>
+                </a:schemeClr>
+              </a:solidFill>
+              <a:latin typeface="Open Sans Light" panose="020B0604020202020204" charset="0"/>
+              <a:ea typeface="Open Sans Light" panose="020B0604020202020204" charset="0"/>
+              <a:cs typeface="Open Sans Light" panose="020B0604020202020204" charset="0"/>
+            </a:endParaRPr>
+          </a:p>
+        </p:txBody>
+      </p:sp>
+      <p:sp>
+        <p:nvSpPr>
+          <p:cNvPr id="110" name="Retângulo 109"/>
+          <p:cNvSpPr/>
+          <p:nvPr/>
+        </p:nvSpPr>
+        <p:spPr>
+          <a:xfrm>
+            <a:off x="11228401" y="5949204"/>
+            <a:ext cx="2917785" cy="659185"/>
+          </a:xfrm>
+          <a:prstGeom prst="rect">
+            <a:avLst/>
+          </a:prstGeom>
+          <a:solidFill>
+            <a:srgbClr val="FFCDCD"/>
+          </a:solidFill>
+          <a:ln>
+            <a:noFill/>
+          </a:ln>
+        </p:spPr>
+        <p:style>
+          <a:lnRef idx="2">
+            <a:schemeClr val="accent1">
+              <a:shade val="50000"/>
+            </a:schemeClr>
+          </a:lnRef>
+          <a:fillRef idx="1">
+            <a:schemeClr val="accent1"/>
+          </a:fillRef>
+          <a:effectRef idx="0">
+            <a:schemeClr val="accent1"/>
+          </a:effectRef>
+          <a:fontRef idx="minor">
+            <a:schemeClr val="lt1"/>
+          </a:fontRef>
+        </p:style>
+        <p:txBody>
+          <a:bodyPr rtlCol="0" anchor="ctr"/>
+          <a:lstStyle/>
+          <a:p>
+            <a:pPr algn="ctr"/>
+            <a:r>
+              <a:rPr lang="pt-BR" sz="2400" dirty="0" smtClean="0">
+                <a:solidFill>
+                  <a:schemeClr val="tx1">
+                    <a:lumMod val="65000"/>
+                    <a:lumOff val="35000"/>
+                  </a:schemeClr>
+                </a:solidFill>
+                <a:latin typeface="Open Sans Light" panose="020B0604020202020204" charset="0"/>
+                <a:ea typeface="Open Sans Light" panose="020B0604020202020204" charset="0"/>
+                <a:cs typeface="Open Sans Light" panose="020B0604020202020204" charset="0"/>
+              </a:rPr>
+              <a:t>Boca a Boca</a:t>
+            </a:r>
+            <a:endParaRPr lang="pt-BR" sz="2400" dirty="0">
+              <a:solidFill>
+                <a:schemeClr val="tx1">
+                  <a:lumMod val="65000"/>
+                  <a:lumOff val="35000"/>
+                </a:schemeClr>
+              </a:solidFill>
+              <a:latin typeface="Open Sans Light" panose="020B0604020202020204" charset="0"/>
+              <a:ea typeface="Open Sans Light" panose="020B0604020202020204" charset="0"/>
+              <a:cs typeface="Open Sans Light" panose="020B0604020202020204" charset="0"/>
+            </a:endParaRPr>
+          </a:p>
+        </p:txBody>
+      </p:sp>
+      <p:sp>
+        <p:nvSpPr>
+          <p:cNvPr id="111" name="Retângulo 110"/>
+          <p:cNvSpPr/>
+          <p:nvPr/>
+        </p:nvSpPr>
+        <p:spPr>
+          <a:xfrm>
+            <a:off x="14782800" y="1648035"/>
+            <a:ext cx="2917785" cy="988775"/>
+          </a:xfrm>
+          <a:prstGeom prst="rect">
+            <a:avLst/>
+          </a:prstGeom>
+          <a:solidFill>
+            <a:srgbClr val="FFCDCD"/>
+          </a:solidFill>
+          <a:ln>
+            <a:noFill/>
+          </a:ln>
+        </p:spPr>
+        <p:style>
+          <a:lnRef idx="2">
+            <a:schemeClr val="accent1">
+              <a:shade val="50000"/>
+            </a:schemeClr>
+          </a:lnRef>
+          <a:fillRef idx="1">
+            <a:schemeClr val="accent1"/>
+          </a:fillRef>
+          <a:effectRef idx="0">
+            <a:schemeClr val="accent1"/>
+          </a:effectRef>
+          <a:fontRef idx="minor">
+            <a:schemeClr val="lt1"/>
+          </a:fontRef>
+        </p:style>
+        <p:txBody>
+          <a:bodyPr rtlCol="0" anchor="ctr"/>
+          <a:lstStyle/>
+          <a:p>
+            <a:pPr algn="ctr"/>
+            <a:r>
+              <a:rPr lang="pt-BR" sz="2400" dirty="0" smtClean="0">
+                <a:solidFill>
+                  <a:schemeClr val="tx1">
+                    <a:lumMod val="65000"/>
+                    <a:lumOff val="35000"/>
+                  </a:schemeClr>
+                </a:solidFill>
+                <a:latin typeface="Open Sans Light" panose="020B0604020202020204" charset="0"/>
+                <a:ea typeface="Open Sans Light" panose="020B0604020202020204" charset="0"/>
+                <a:cs typeface="Open Sans Light" panose="020B0604020202020204" charset="0"/>
+              </a:rPr>
+              <a:t>Suporte de TI</a:t>
+            </a:r>
+            <a:endParaRPr lang="pt-BR" sz="2400" dirty="0">
+              <a:solidFill>
+                <a:schemeClr val="tx1">
+                  <a:lumMod val="65000"/>
+                  <a:lumOff val="35000"/>
+                </a:schemeClr>
+              </a:solidFill>
+              <a:latin typeface="Open Sans Light" panose="020B0604020202020204" charset="0"/>
+              <a:ea typeface="Open Sans Light" panose="020B0604020202020204" charset="0"/>
+              <a:cs typeface="Open Sans Light" panose="020B0604020202020204" charset="0"/>
+            </a:endParaRPr>
+          </a:p>
+        </p:txBody>
+      </p:sp>
+      <p:sp>
+        <p:nvSpPr>
+          <p:cNvPr id="112" name="Retângulo 111"/>
+          <p:cNvSpPr/>
+          <p:nvPr/>
+        </p:nvSpPr>
+        <p:spPr>
+          <a:xfrm>
+            <a:off x="14782800" y="2859325"/>
+            <a:ext cx="2917785" cy="988775"/>
+          </a:xfrm>
+          <a:prstGeom prst="rect">
+            <a:avLst/>
+          </a:prstGeom>
+          <a:solidFill>
+            <a:srgbClr val="FFCDCD"/>
+          </a:solidFill>
+          <a:ln>
+            <a:noFill/>
+          </a:ln>
+        </p:spPr>
+        <p:style>
+          <a:lnRef idx="2">
+            <a:schemeClr val="accent1">
+              <a:shade val="50000"/>
+            </a:schemeClr>
+          </a:lnRef>
+          <a:fillRef idx="1">
+            <a:schemeClr val="accent1"/>
+          </a:fillRef>
+          <a:effectRef idx="0">
+            <a:schemeClr val="accent1"/>
+          </a:effectRef>
+          <a:fontRef idx="minor">
+            <a:schemeClr val="lt1"/>
+          </a:fontRef>
+        </p:style>
+        <p:txBody>
+          <a:bodyPr rtlCol="0" anchor="ctr"/>
+          <a:lstStyle/>
+          <a:p>
+            <a:pPr algn="ctr"/>
+            <a:r>
+              <a:rPr lang="pt-BR" sz="2400" dirty="0" smtClean="0">
+                <a:solidFill>
+                  <a:schemeClr val="tx1">
+                    <a:lumMod val="65000"/>
+                    <a:lumOff val="35000"/>
+                  </a:schemeClr>
+                </a:solidFill>
+                <a:latin typeface="Open Sans Light" panose="020B0604020202020204" charset="0"/>
+                <a:ea typeface="Open Sans Light" panose="020B0604020202020204" charset="0"/>
+                <a:cs typeface="Open Sans Light" panose="020B0604020202020204" charset="0"/>
+              </a:rPr>
+              <a:t>Gestor</a:t>
+            </a:r>
+            <a:endParaRPr lang="pt-BR" sz="2400" dirty="0">
+              <a:solidFill>
+                <a:schemeClr val="tx1">
+                  <a:lumMod val="65000"/>
+                  <a:lumOff val="35000"/>
+                </a:schemeClr>
+              </a:solidFill>
+              <a:latin typeface="Open Sans Light" panose="020B0604020202020204" charset="0"/>
+              <a:ea typeface="Open Sans Light" panose="020B0604020202020204" charset="0"/>
+              <a:cs typeface="Open Sans Light" panose="020B0604020202020204" charset="0"/>
+            </a:endParaRPr>
+          </a:p>
+        </p:txBody>
+      </p:sp>
+      <p:sp>
+        <p:nvSpPr>
+          <p:cNvPr id="113" name="Retângulo 112"/>
+          <p:cNvSpPr/>
+          <p:nvPr/>
+        </p:nvSpPr>
+        <p:spPr>
+          <a:xfrm>
+            <a:off x="4060286" y="4381500"/>
+            <a:ext cx="2917785" cy="763595"/>
+          </a:xfrm>
+          <a:prstGeom prst="rect">
+            <a:avLst/>
+          </a:prstGeom>
+          <a:solidFill>
+            <a:srgbClr val="FFCDCD"/>
+          </a:solidFill>
+          <a:ln>
+            <a:noFill/>
+          </a:ln>
+        </p:spPr>
+        <p:style>
+          <a:lnRef idx="2">
+            <a:schemeClr val="accent1">
+              <a:shade val="50000"/>
+            </a:schemeClr>
+          </a:lnRef>
+          <a:fillRef idx="1">
+            <a:schemeClr val="accent1"/>
+          </a:fillRef>
+          <a:effectRef idx="0">
+            <a:schemeClr val="accent1"/>
+          </a:effectRef>
+          <a:fontRef idx="minor">
+            <a:schemeClr val="lt1"/>
+          </a:fontRef>
+        </p:style>
+        <p:txBody>
+          <a:bodyPr rtlCol="0" anchor="ctr"/>
+          <a:lstStyle/>
+          <a:p>
+            <a:pPr algn="ctr"/>
+            <a:r>
+              <a:rPr lang="pt-BR" sz="2400" dirty="0" smtClean="0">
+                <a:solidFill>
+                  <a:schemeClr val="tx1">
+                    <a:lumMod val="65000"/>
+                    <a:lumOff val="35000"/>
+                  </a:schemeClr>
+                </a:solidFill>
+                <a:latin typeface="Open Sans Light" panose="020B0604020202020204" charset="0"/>
+                <a:ea typeface="Open Sans Light" panose="020B0604020202020204" charset="0"/>
+                <a:cs typeface="Open Sans Light" panose="020B0604020202020204" charset="0"/>
+              </a:rPr>
+              <a:t>API de Monitoramento</a:t>
+            </a:r>
+            <a:endParaRPr lang="pt-BR" sz="2400" dirty="0">
+              <a:solidFill>
+                <a:schemeClr val="tx1">
+                  <a:lumMod val="65000"/>
+                  <a:lumOff val="35000"/>
+                </a:schemeClr>
+              </a:solidFill>
+              <a:latin typeface="Open Sans Light" panose="020B0604020202020204" charset="0"/>
+              <a:ea typeface="Open Sans Light" panose="020B0604020202020204" charset="0"/>
+              <a:cs typeface="Open Sans Light" panose="020B0604020202020204" charset="0"/>
+            </a:endParaRPr>
+          </a:p>
+        </p:txBody>
+      </p:sp>
+      <p:sp>
+        <p:nvSpPr>
+          <p:cNvPr id="114" name="Retângulo 113"/>
+          <p:cNvSpPr/>
+          <p:nvPr/>
+        </p:nvSpPr>
+        <p:spPr>
+          <a:xfrm>
+            <a:off x="4061644" y="5264861"/>
+            <a:ext cx="2917785" cy="659185"/>
+          </a:xfrm>
+          <a:prstGeom prst="rect">
+            <a:avLst/>
+          </a:prstGeom>
+          <a:solidFill>
+            <a:srgbClr val="FFCDCD"/>
+          </a:solidFill>
+          <a:ln>
+            <a:noFill/>
+          </a:ln>
+        </p:spPr>
+        <p:style>
+          <a:lnRef idx="2">
+            <a:schemeClr val="accent1">
+              <a:shade val="50000"/>
+            </a:schemeClr>
+          </a:lnRef>
+          <a:fillRef idx="1">
+            <a:schemeClr val="accent1"/>
+          </a:fillRef>
+          <a:effectRef idx="0">
+            <a:schemeClr val="accent1"/>
+          </a:effectRef>
+          <a:fontRef idx="minor">
+            <a:schemeClr val="lt1"/>
+          </a:fontRef>
+        </p:style>
+        <p:txBody>
+          <a:bodyPr rtlCol="0" anchor="ctr"/>
+          <a:lstStyle/>
+          <a:p>
+            <a:pPr algn="ctr"/>
+            <a:r>
+              <a:rPr lang="pt-BR" sz="2400" dirty="0" smtClean="0">
+                <a:solidFill>
+                  <a:schemeClr val="tx1">
+                    <a:lumMod val="65000"/>
+                    <a:lumOff val="35000"/>
+                  </a:schemeClr>
+                </a:solidFill>
+                <a:latin typeface="Open Sans Light" panose="020B0604020202020204" charset="0"/>
+                <a:ea typeface="Open Sans Light" panose="020B0604020202020204" charset="0"/>
+                <a:cs typeface="Open Sans Light" panose="020B0604020202020204" charset="0"/>
+              </a:rPr>
+              <a:t>Plataforma Web</a:t>
+            </a:r>
+            <a:endParaRPr lang="pt-BR" sz="2400" dirty="0">
+              <a:solidFill>
+                <a:schemeClr val="tx1">
+                  <a:lumMod val="65000"/>
+                  <a:lumOff val="35000"/>
+                </a:schemeClr>
+              </a:solidFill>
+              <a:latin typeface="Open Sans Light" panose="020B0604020202020204" charset="0"/>
+              <a:ea typeface="Open Sans Light" panose="020B0604020202020204" charset="0"/>
+              <a:cs typeface="Open Sans Light" panose="020B0604020202020204" charset="0"/>
+            </a:endParaRPr>
+          </a:p>
+        </p:txBody>
+      </p:sp>
+      <p:sp>
+        <p:nvSpPr>
+          <p:cNvPr id="115" name="Retângulo 114"/>
+          <p:cNvSpPr/>
+          <p:nvPr/>
+        </p:nvSpPr>
+        <p:spPr>
+          <a:xfrm>
+            <a:off x="4060286" y="6076446"/>
+            <a:ext cx="2917785" cy="659185"/>
+          </a:xfrm>
+          <a:prstGeom prst="rect">
+            <a:avLst/>
+          </a:prstGeom>
+          <a:solidFill>
+            <a:srgbClr val="FFCDCD"/>
+          </a:solidFill>
+          <a:ln>
+            <a:noFill/>
+          </a:ln>
+        </p:spPr>
+        <p:style>
+          <a:lnRef idx="2">
+            <a:schemeClr val="accent1">
+              <a:shade val="50000"/>
+            </a:schemeClr>
+          </a:lnRef>
+          <a:fillRef idx="1">
+            <a:schemeClr val="accent1"/>
+          </a:fillRef>
+          <a:effectRef idx="0">
+            <a:schemeClr val="accent1"/>
+          </a:effectRef>
+          <a:fontRef idx="minor">
+            <a:schemeClr val="lt1"/>
+          </a:fontRef>
+        </p:style>
+        <p:txBody>
+          <a:bodyPr rtlCol="0" anchor="ctr"/>
+          <a:lstStyle/>
+          <a:p>
+            <a:pPr algn="ctr"/>
+            <a:r>
+              <a:rPr lang="pt-BR" sz="2400" dirty="0" smtClean="0">
+                <a:solidFill>
+                  <a:schemeClr val="tx1">
+                    <a:lumMod val="65000"/>
+                    <a:lumOff val="35000"/>
+                  </a:schemeClr>
+                </a:solidFill>
+                <a:latin typeface="Open Sans Light" panose="020B0604020202020204" charset="0"/>
+                <a:ea typeface="Open Sans Light" panose="020B0604020202020204" charset="0"/>
+                <a:cs typeface="Open Sans Light" panose="020B0604020202020204" charset="0"/>
+              </a:rPr>
+              <a:t>Banco de Dados</a:t>
+            </a:r>
+            <a:endParaRPr lang="pt-BR" sz="2400" dirty="0">
+              <a:solidFill>
+                <a:schemeClr val="tx1">
+                  <a:lumMod val="65000"/>
+                  <a:lumOff val="35000"/>
+                </a:schemeClr>
+              </a:solidFill>
+              <a:latin typeface="Open Sans Light" panose="020B0604020202020204" charset="0"/>
+              <a:ea typeface="Open Sans Light" panose="020B0604020202020204" charset="0"/>
+              <a:cs typeface="Open Sans Light" panose="020B0604020202020204" charset="0"/>
+            </a:endParaRPr>
+          </a:p>
+        </p:txBody>
+      </p:sp>
+      <p:sp>
+        <p:nvSpPr>
+          <p:cNvPr id="116" name="Retângulo 115"/>
+          <p:cNvSpPr/>
+          <p:nvPr/>
+        </p:nvSpPr>
+        <p:spPr>
+          <a:xfrm>
+            <a:off x="3641644" y="8116212"/>
+            <a:ext cx="2917785" cy="988775"/>
+          </a:xfrm>
+          <a:prstGeom prst="rect">
+            <a:avLst/>
+          </a:prstGeom>
+          <a:solidFill>
+            <a:srgbClr val="FFCDCD"/>
+          </a:solidFill>
+          <a:ln>
+            <a:noFill/>
+          </a:ln>
+        </p:spPr>
+        <p:style>
+          <a:lnRef idx="2">
+            <a:schemeClr val="accent1">
+              <a:shade val="50000"/>
+            </a:schemeClr>
+          </a:lnRef>
+          <a:fillRef idx="1">
+            <a:schemeClr val="accent1"/>
+          </a:fillRef>
+          <a:effectRef idx="0">
+            <a:schemeClr val="accent1"/>
+          </a:effectRef>
+          <a:fontRef idx="minor">
+            <a:schemeClr val="lt1"/>
+          </a:fontRef>
+        </p:style>
+        <p:txBody>
+          <a:bodyPr rtlCol="0" anchor="ctr"/>
+          <a:lstStyle/>
+          <a:p>
+            <a:pPr algn="ctr"/>
+            <a:r>
+              <a:rPr lang="pt-BR" sz="2400" dirty="0" smtClean="0">
+                <a:solidFill>
+                  <a:schemeClr val="tx1">
+                    <a:lumMod val="65000"/>
+                    <a:lumOff val="35000"/>
+                  </a:schemeClr>
+                </a:solidFill>
+                <a:latin typeface="Open Sans Light" panose="020B0604020202020204" charset="0"/>
+                <a:ea typeface="Open Sans Light" panose="020B0604020202020204" charset="0"/>
+                <a:cs typeface="Open Sans Light" panose="020B0604020202020204" charset="0"/>
+              </a:rPr>
+              <a:t>Hospedagem</a:t>
+            </a:r>
+            <a:endParaRPr lang="pt-BR" sz="2400" dirty="0">
+              <a:solidFill>
+                <a:schemeClr val="tx1">
+                  <a:lumMod val="65000"/>
+                  <a:lumOff val="35000"/>
+                </a:schemeClr>
+              </a:solidFill>
+              <a:latin typeface="Open Sans Light" panose="020B0604020202020204" charset="0"/>
+              <a:ea typeface="Open Sans Light" panose="020B0604020202020204" charset="0"/>
+              <a:cs typeface="Open Sans Light" panose="020B0604020202020204" charset="0"/>
+            </a:endParaRPr>
+          </a:p>
+        </p:txBody>
+      </p:sp>
+      <p:sp>
+        <p:nvSpPr>
+          <p:cNvPr id="117" name="Retângulo 116"/>
+          <p:cNvSpPr/>
+          <p:nvPr/>
+        </p:nvSpPr>
+        <p:spPr>
+          <a:xfrm>
+            <a:off x="9604023" y="8121397"/>
+            <a:ext cx="2917785" cy="988775"/>
+          </a:xfrm>
+          <a:prstGeom prst="rect">
+            <a:avLst/>
+          </a:prstGeom>
+          <a:solidFill>
+            <a:srgbClr val="FFCDCD"/>
+          </a:solidFill>
+          <a:ln>
+            <a:noFill/>
+          </a:ln>
+        </p:spPr>
+        <p:style>
+          <a:lnRef idx="2">
+            <a:schemeClr val="accent1">
+              <a:shade val="50000"/>
+            </a:schemeClr>
+          </a:lnRef>
+          <a:fillRef idx="1">
+            <a:schemeClr val="accent1"/>
+          </a:fillRef>
+          <a:effectRef idx="0">
+            <a:schemeClr val="accent1"/>
+          </a:effectRef>
+          <a:fontRef idx="minor">
+            <a:schemeClr val="lt1"/>
+          </a:fontRef>
+        </p:style>
+        <p:txBody>
+          <a:bodyPr rtlCol="0" anchor="ctr"/>
+          <a:lstStyle/>
+          <a:p>
+            <a:pPr algn="ctr"/>
+            <a:r>
+              <a:rPr lang="pt-BR" sz="2400" dirty="0" smtClean="0">
+                <a:solidFill>
+                  <a:schemeClr val="tx1">
+                    <a:lumMod val="65000"/>
+                    <a:lumOff val="35000"/>
+                  </a:schemeClr>
+                </a:solidFill>
+                <a:latin typeface="Open Sans Light" panose="020B0604020202020204" charset="0"/>
+                <a:ea typeface="Open Sans Light" panose="020B0604020202020204" charset="0"/>
+                <a:cs typeface="Open Sans Light" panose="020B0604020202020204" charset="0"/>
+              </a:rPr>
+              <a:t>Mensalidade</a:t>
+            </a:r>
+            <a:endParaRPr lang="pt-BR" sz="2400" dirty="0">
+              <a:solidFill>
+                <a:schemeClr val="tx1">
+                  <a:lumMod val="65000"/>
+                  <a:lumOff val="35000"/>
+                </a:schemeClr>
+              </a:solidFill>
+              <a:latin typeface="Open Sans Light" panose="020B0604020202020204" charset="0"/>
+              <a:ea typeface="Open Sans Light" panose="020B0604020202020204" charset="0"/>
+              <a:cs typeface="Open Sans Light" panose="020B0604020202020204" charset="0"/>
+            </a:endParaRPr>
+          </a:p>
+        </p:txBody>
+      </p:sp>
+      <p:sp>
+        <p:nvSpPr>
+          <p:cNvPr id="118" name="Retângulo 117"/>
+          <p:cNvSpPr/>
+          <p:nvPr/>
+        </p:nvSpPr>
+        <p:spPr>
+          <a:xfrm>
+            <a:off x="12761463" y="8121397"/>
+            <a:ext cx="2917785" cy="988775"/>
+          </a:xfrm>
+          <a:prstGeom prst="rect">
+            <a:avLst/>
+          </a:prstGeom>
+          <a:solidFill>
+            <a:srgbClr val="FFCDCD"/>
+          </a:solidFill>
+          <a:ln>
+            <a:noFill/>
+          </a:ln>
+        </p:spPr>
+        <p:style>
+          <a:lnRef idx="2">
+            <a:schemeClr val="accent1">
+              <a:shade val="50000"/>
+            </a:schemeClr>
+          </a:lnRef>
+          <a:fillRef idx="1">
+            <a:schemeClr val="accent1"/>
+          </a:fillRef>
+          <a:effectRef idx="0">
+            <a:schemeClr val="accent1"/>
+          </a:effectRef>
+          <a:fontRef idx="minor">
+            <a:schemeClr val="lt1"/>
+          </a:fontRef>
+        </p:style>
+        <p:txBody>
+          <a:bodyPr rtlCol="0" anchor="ctr"/>
+          <a:lstStyle/>
+          <a:p>
+            <a:pPr algn="ctr"/>
+            <a:r>
+              <a:rPr lang="pt-BR" sz="2400" dirty="0" smtClean="0">
+                <a:solidFill>
+                  <a:schemeClr val="tx1">
+                    <a:lumMod val="65000"/>
+                    <a:lumOff val="35000"/>
+                  </a:schemeClr>
+                </a:solidFill>
+                <a:latin typeface="Open Sans Light" panose="020B0604020202020204" charset="0"/>
+                <a:ea typeface="Open Sans Light" panose="020B0604020202020204" charset="0"/>
+                <a:cs typeface="Open Sans Light" panose="020B0604020202020204" charset="0"/>
+              </a:rPr>
+              <a:t>Implantação do Sistema</a:t>
+            </a:r>
+            <a:endParaRPr lang="pt-BR" sz="2400" dirty="0">
+              <a:solidFill>
+                <a:schemeClr val="tx1">
+                  <a:lumMod val="65000"/>
+                  <a:lumOff val="35000"/>
+                </a:schemeClr>
+              </a:solidFill>
+              <a:latin typeface="Open Sans Light" panose="020B0604020202020204" charset="0"/>
+              <a:ea typeface="Open Sans Light" panose="020B0604020202020204" charset="0"/>
+              <a:cs typeface="Open Sans Light" panose="020B0604020202020204" charset="0"/>
+            </a:endParaRPr>
+          </a:p>
+        </p:txBody>
+      </p:sp>
+      <p:sp>
+        <p:nvSpPr>
+          <p:cNvPr id="119" name="Retângulo 118"/>
+          <p:cNvSpPr/>
+          <p:nvPr/>
+        </p:nvSpPr>
+        <p:spPr>
+          <a:xfrm>
+            <a:off x="484203" y="1175041"/>
+            <a:ext cx="2917785" cy="988775"/>
+          </a:xfrm>
+          <a:prstGeom prst="rect">
+            <a:avLst/>
+          </a:prstGeom>
+          <a:solidFill>
+            <a:srgbClr val="FFCDCD"/>
+          </a:solidFill>
+          <a:ln>
+            <a:noFill/>
+          </a:ln>
+        </p:spPr>
+        <p:style>
+          <a:lnRef idx="2">
+            <a:schemeClr val="accent1">
+              <a:shade val="50000"/>
+            </a:schemeClr>
+          </a:lnRef>
+          <a:fillRef idx="1">
+            <a:schemeClr val="accent1"/>
+          </a:fillRef>
+          <a:effectRef idx="0">
+            <a:schemeClr val="accent1"/>
+          </a:effectRef>
+          <a:fontRef idx="minor">
+            <a:schemeClr val="lt1"/>
+          </a:fontRef>
+        </p:style>
+        <p:txBody>
+          <a:bodyPr rtlCol="0" anchor="ctr"/>
+          <a:lstStyle/>
+          <a:p>
+            <a:pPr algn="ctr"/>
+            <a:r>
+              <a:rPr lang="pt-BR" sz="2400" dirty="0" err="1" smtClean="0">
+                <a:solidFill>
+                  <a:schemeClr val="tx1">
+                    <a:lumMod val="65000"/>
+                    <a:lumOff val="35000"/>
+                  </a:schemeClr>
+                </a:solidFill>
+                <a:latin typeface="Open Sans Light" panose="020B0604020202020204" charset="0"/>
+                <a:ea typeface="Open Sans Light" panose="020B0604020202020204" charset="0"/>
+                <a:cs typeface="Open Sans Light" panose="020B0604020202020204" charset="0"/>
+              </a:rPr>
+              <a:t>Call</a:t>
+            </a:r>
+            <a:r>
+              <a:rPr lang="pt-BR" sz="2400" dirty="0" smtClean="0">
+                <a:solidFill>
+                  <a:schemeClr val="tx1">
+                    <a:lumMod val="65000"/>
+                    <a:lumOff val="35000"/>
+                  </a:schemeClr>
+                </a:solidFill>
+                <a:latin typeface="Open Sans Light" panose="020B0604020202020204" charset="0"/>
+                <a:ea typeface="Open Sans Light" panose="020B0604020202020204" charset="0"/>
+                <a:cs typeface="Open Sans Light" panose="020B0604020202020204" charset="0"/>
+              </a:rPr>
+              <a:t> Center</a:t>
+            </a:r>
+            <a:endParaRPr lang="pt-BR" sz="2400" dirty="0">
+              <a:solidFill>
+                <a:schemeClr val="tx1">
+                  <a:lumMod val="65000"/>
+                  <a:lumOff val="35000"/>
+                </a:schemeClr>
+              </a:solidFill>
+              <a:latin typeface="Open Sans Light" panose="020B0604020202020204" charset="0"/>
+              <a:ea typeface="Open Sans Light" panose="020B0604020202020204" charset="0"/>
+              <a:cs typeface="Open Sans Light" panose="020B0604020202020204" charset="0"/>
+            </a:endParaRPr>
+          </a:p>
+        </p:txBody>
+      </p:sp>
+    </p:spTree>
+  </p:cSld>
+  <p:clrMapOvr>
+    <a:masterClrMapping/>
+  </p:clrMapOvr>
+  <mc:AlternateContent xmlns:mc="http://schemas.openxmlformats.org/markup-compatibility/2006" xmlns:p14="http://schemas.microsoft.com/office/powerpoint/2010/main">
+    <mc:Choice Requires="p14">
+      <p:transition spd="med" p14:dur="700">
+        <p:fade/>
+      </p:transition>
+    </mc:Choice>
+    <mc:Fallback xmlns="">
+      <p:transition spd="med">
+        <p:fade/>
+      </p:transition>
+    </mc:Fallback>
+  </mc:AlternateContent>
+  <p:timing>
+    <p:tnLst>
+      <p:par>
+        <p:cTn id="1" dur="indefinite" restart="never" nodeType="tmRoot"/>
+      </p:par>
+    </p:tnLst>
+  </p:timing>
+</p:sld>
+</file>
+
+<file path=ppt/slides/slide14.xml><?xml version="1.0" encoding="utf-8"?>
 <p:sld xmlns:a="http://schemas.openxmlformats.org/drawingml/2006/main" xmlns:r="http://schemas.openxmlformats.org/officeDocument/2006/relationships" xmlns:p="http://schemas.openxmlformats.org/presentationml/2006/main">
   <p:cSld>
     <p:bg>
@@ -5959,6 +10049,11 @@
         </p:txBody>
       </p:sp>
     </p:spTree>
+    <p:extLst>
+      <p:ext uri="{BB962C8B-B14F-4D97-AF65-F5344CB8AC3E}">
+        <p14:creationId xmlns:p14="http://schemas.microsoft.com/office/powerpoint/2010/main" val="221237754"/>
+      </p:ext>
+    </p:extLst>
   </p:cSld>
   <p:clrMapOvr>
     <a:masterClrMapping/>
@@ -5975,10 +10070,17 @@
       </p:transition>
     </mc:Fallback>
   </mc:AlternateContent>
+  <p:timing>
+    <p:tnLst>
+      <p:par>
+        <p:cTn id="1" dur="indefinite" restart="never" nodeType="tmRoot"/>
+      </p:par>
+    </p:tnLst>
+  </p:timing>
 </p:sld>
 </file>
 
-<file path=ppt/slides/slide12.xml><?xml version="1.0" encoding="utf-8"?>
+<file path=ppt/slides/slide15.xml><?xml version="1.0" encoding="utf-8"?>
 <p:sld xmlns:a="http://schemas.openxmlformats.org/drawingml/2006/main" xmlns:r="http://schemas.openxmlformats.org/officeDocument/2006/relationships" xmlns:p="http://schemas.openxmlformats.org/presentationml/2006/main">
   <p:cSld>
     <p:bg>
@@ -6081,22 +10183,29 @@
   <p:clrMapOvr>
     <a:masterClrMapping/>
   </p:clrMapOvr>
-  <mc:AlternateContent xmlns:mc="http://schemas.openxmlformats.org/markup-compatibility/2006">
-    <mc:Choice xmlns:p14="http://schemas.microsoft.com/office/powerpoint/2010/main" Requires="p14">
+  <mc:AlternateContent xmlns:mc="http://schemas.openxmlformats.org/markup-compatibility/2006" xmlns:p14="http://schemas.microsoft.com/office/powerpoint/2010/main">
+    <mc:Choice Requires="p14">
       <p:transition spd="med" p14:dur="700">
         <p:fade/>
       </p:transition>
     </mc:Choice>
-    <mc:Fallback>
+    <mc:Fallback xmlns="">
       <p:transition spd="med">
         <p:fade/>
       </p:transition>
     </mc:Fallback>
   </mc:AlternateContent>
+  <p:timing>
+    <p:tnLst>
+      <p:par>
+        <p:cTn id="1" dur="indefinite" restart="never" nodeType="tmRoot"/>
+      </p:par>
+    </p:tnLst>
+  </p:timing>
 </p:sld>
 </file>
 
-<file path=ppt/slides/slide13.xml><?xml version="1.0" encoding="utf-8"?>
+<file path=ppt/slides/slide16.xml><?xml version="1.0" encoding="utf-8"?>
 <p:sld xmlns:a="http://schemas.openxmlformats.org/drawingml/2006/main" xmlns:r="http://schemas.openxmlformats.org/officeDocument/2006/relationships" xmlns:p="http://schemas.openxmlformats.org/presentationml/2006/main">
   <p:cSld>
     <p:bg>
@@ -6360,30 +10469,21 @@
                             </p:childTnLst>
                           </p:cTn>
                         </p:par>
-                      </p:childTnLst>
-                    </p:cTn>
-                  </p:par>
-                  <p:par>
-                    <p:cTn id="8" fill="hold">
-                      <p:stCondLst>
-                        <p:cond delay="indefinite"/>
-                      </p:stCondLst>
-                      <p:childTnLst>
                         <p:par>
-                          <p:cTn id="9" fill="hold">
+                          <p:cTn id="8" fill="hold">
                             <p:stCondLst>
-                              <p:cond delay="0"/>
+                              <p:cond delay="500"/>
                             </p:stCondLst>
                             <p:childTnLst>
                               <p:par>
-                                <p:cTn id="10" presetID="10" presetClass="entr" presetSubtype="0" fill="hold" grpId="0" nodeType="clickEffect">
+                                <p:cTn id="9" presetID="10" presetClass="entr" presetSubtype="0" fill="hold" grpId="0" nodeType="afterEffect">
                                   <p:stCondLst>
                                     <p:cond delay="0"/>
                                   </p:stCondLst>
                                   <p:childTnLst>
                                     <p:set>
                                       <p:cBhvr>
-                                        <p:cTn id="11" dur="1" fill="hold">
+                                        <p:cTn id="10" dur="1" fill="hold">
                                           <p:stCondLst>
                                             <p:cond delay="0"/>
                                           </p:stCondLst>
@@ -6405,7 +10505,7 @@
                                     </p:set>
                                     <p:animEffect transition="in" filter="fade">
                                       <p:cBhvr>
-                                        <p:cTn id="12" dur="500"/>
+                                        <p:cTn id="11" dur="500"/>
                                         <p:tgtEl>
                                           <p:spTgt spid="5">
                                             <p:txEl>
@@ -6452,7 +10552,7 @@
 </p:sld>
 </file>
 
-<file path=ppt/slides/slide14.xml><?xml version="1.0" encoding="utf-8"?>
+<file path=ppt/slides/slide17.xml><?xml version="1.0" encoding="utf-8"?>
 <p:sld xmlns:a="http://schemas.openxmlformats.org/drawingml/2006/main" xmlns:r="http://schemas.openxmlformats.org/officeDocument/2006/relationships" xmlns:p="http://schemas.openxmlformats.org/presentationml/2006/main">
   <p:cSld>
     <p:bg>
@@ -6562,10 +10662,17 @@
       </p:transition>
     </mc:Fallback>
   </mc:AlternateContent>
+  <p:timing>
+    <p:tnLst>
+      <p:par>
+        <p:cTn id="1" dur="indefinite" restart="never" nodeType="tmRoot"/>
+      </p:par>
+    </p:tnLst>
+  </p:timing>
 </p:sld>
 </file>
 
-<file path=ppt/slides/slide15.xml><?xml version="1.0" encoding="utf-8"?>
+<file path=ppt/slides/slide18.xml><?xml version="1.0" encoding="utf-8"?>
 <p:sld xmlns:a="http://schemas.openxmlformats.org/drawingml/2006/main" xmlns:r="http://schemas.openxmlformats.org/officeDocument/2006/relationships" xmlns:p="http://schemas.openxmlformats.org/presentationml/2006/main">
   <p:cSld>
     <p:bg>
@@ -6750,6 +10857,13 @@
       </p:transition>
     </mc:Fallback>
   </mc:AlternateContent>
+  <p:timing>
+    <p:tnLst>
+      <p:par>
+        <p:cTn id="1" dur="indefinite" restart="never" nodeType="tmRoot"/>
+      </p:par>
+    </p:tnLst>
+  </p:timing>
 </p:sld>
 </file>
 
@@ -7378,6 +11492,13 @@
       </p:transition>
     </mc:Fallback>
   </mc:AlternateContent>
+  <p:timing>
+    <p:tnLst>
+      <p:par>
+        <p:cTn id="1" dur="indefinite" restart="never" nodeType="tmRoot"/>
+      </p:par>
+    </p:tnLst>
+  </p:timing>
 </p:sld>
 </file>
 
@@ -9318,18 +13439,25 @@
   <p:clrMapOvr>
     <a:masterClrMapping/>
   </p:clrMapOvr>
-  <mc:AlternateContent xmlns:mc="http://schemas.openxmlformats.org/markup-compatibility/2006">
-    <mc:Choice xmlns:p14="http://schemas.microsoft.com/office/powerpoint/2010/main" Requires="p14">
+  <mc:AlternateContent xmlns:mc="http://schemas.openxmlformats.org/markup-compatibility/2006" xmlns:p14="http://schemas.microsoft.com/office/powerpoint/2010/main">
+    <mc:Choice Requires="p14">
       <p:transition spd="med" p14:dur="700">
         <p:fade/>
       </p:transition>
     </mc:Choice>
-    <mc:Fallback>
+    <mc:Fallback xmlns="">
       <p:transition spd="med">
         <p:fade/>
       </p:transition>
     </mc:Fallback>
   </mc:AlternateContent>
+  <p:timing>
+    <p:tnLst>
+      <p:par>
+        <p:cTn id="1" dur="indefinite" restart="never" nodeType="tmRoot"/>
+      </p:par>
+    </p:tnLst>
+  </p:timing>
 </p:sld>
 </file>
 
@@ -10311,26 +14439,26 @@
         </p:nvSpPr>
         <p:spPr>
           <a:xfrm>
-            <a:off x="1028700" y="866775"/>
-            <a:ext cx="10262494" cy="1533525"/>
-          </a:xfrm>
-          <a:prstGeom prst="rect">
-            <a:avLst/>
-          </a:prstGeom>
-        </p:spPr>
-        <p:txBody>
-          <a:bodyPr lIns="0" tIns="0" rIns="0" bIns="0" rtlCol="0" anchor="t">
+            <a:off x="0" y="4061073"/>
+            <a:ext cx="18288000" cy="1615827"/>
+          </a:xfrm>
+          <a:prstGeom prst="rect">
+            <a:avLst/>
+          </a:prstGeom>
+        </p:spPr>
+        <p:txBody>
+          <a:bodyPr wrap="square" lIns="0" tIns="0" rIns="0" bIns="0" rtlCol="0" anchor="t">
             <a:spAutoFit/>
           </a:bodyPr>
           <a:lstStyle/>
           <a:p>
-            <a:pPr>
+            <a:pPr algn="ctr">
               <a:lnSpc>
                 <a:spcPts val="12599"/>
               </a:lnSpc>
             </a:pPr>
             <a:r>
-              <a:rPr lang="en-US" sz="9000">
+              <a:rPr lang="en-US" sz="11500" dirty="0">
                 <a:solidFill>
                   <a:srgbClr val="545454"/>
                 </a:solidFill>
@@ -10388,20 +14516,101 @@
       </p:transition>
     </mc:Fallback>
   </mc:AlternateContent>
+  <p:timing>
+    <p:tnLst>
+      <p:par>
+        <p:cTn id="1" dur="indefinite" restart="never" nodeType="tmRoot">
+          <p:childTnLst>
+            <p:seq concurrent="1" nextAc="seek">
+              <p:cTn id="2" dur="indefinite" nodeType="mainSeq">
+                <p:childTnLst>
+                  <p:par>
+                    <p:cTn id="3" fill="hold">
+                      <p:stCondLst>
+                        <p:cond delay="indefinite"/>
+                        <p:cond evt="onBegin" delay="0">
+                          <p:tn val="2"/>
+                        </p:cond>
+                      </p:stCondLst>
+                      <p:childTnLst>
+                        <p:par>
+                          <p:cTn id="4" fill="hold">
+                            <p:stCondLst>
+                              <p:cond delay="0"/>
+                            </p:stCondLst>
+                            <p:childTnLst>
+                              <p:par>
+                                <p:cTn id="5" presetID="10" presetClass="entr" presetSubtype="0" fill="hold" grpId="0" nodeType="afterEffect">
+                                  <p:stCondLst>
+                                    <p:cond delay="0"/>
+                                  </p:stCondLst>
+                                  <p:childTnLst>
+                                    <p:set>
+                                      <p:cBhvr>
+                                        <p:cTn id="6" dur="1" fill="hold">
+                                          <p:stCondLst>
+                                            <p:cond delay="0"/>
+                                          </p:stCondLst>
+                                        </p:cTn>
+                                        <p:tgtEl>
+                                          <p:spTgt spid="2"/>
+                                        </p:tgtEl>
+                                        <p:attrNameLst>
+                                          <p:attrName>style.visibility</p:attrName>
+                                        </p:attrNameLst>
+                                      </p:cBhvr>
+                                      <p:to>
+                                        <p:strVal val="visible"/>
+                                      </p:to>
+                                    </p:set>
+                                    <p:animEffect transition="in" filter="fade">
+                                      <p:cBhvr>
+                                        <p:cTn id="7" dur="500"/>
+                                        <p:tgtEl>
+                                          <p:spTgt spid="2"/>
+                                        </p:tgtEl>
+                                      </p:cBhvr>
+                                    </p:animEffect>
+                                  </p:childTnLst>
+                                </p:cTn>
+                              </p:par>
+                            </p:childTnLst>
+                          </p:cTn>
+                        </p:par>
+                      </p:childTnLst>
+                    </p:cTn>
+                  </p:par>
+                </p:childTnLst>
+              </p:cTn>
+              <p:prevCondLst>
+                <p:cond evt="onPrev" delay="0">
+                  <p:tgtEl>
+                    <p:sldTgt/>
+                  </p:tgtEl>
+                </p:cond>
+              </p:prevCondLst>
+              <p:nextCondLst>
+                <p:cond evt="onNext" delay="0">
+                  <p:tgtEl>
+                    <p:sldTgt/>
+                  </p:tgtEl>
+                </p:cond>
+              </p:nextCondLst>
+            </p:seq>
+          </p:childTnLst>
+        </p:cTn>
+      </p:par>
+    </p:tnLst>
+    <p:bldLst>
+      <p:bldP spid="2" grpId="0"/>
+    </p:bldLst>
+  </p:timing>
 </p:sld>
 </file>
 
 <file path=ppt/slides/slide9.xml><?xml version="1.0" encoding="utf-8"?>
 <p:sld xmlns:a="http://schemas.openxmlformats.org/drawingml/2006/main" xmlns:r="http://schemas.openxmlformats.org/officeDocument/2006/relationships" xmlns:p="http://schemas.openxmlformats.org/presentationml/2006/main">
   <p:cSld>
-    <p:bg>
-      <p:bgPr>
-        <a:solidFill>
-          <a:srgbClr val="FFFEFB"/>
-        </a:solidFill>
-        <a:effectLst/>
-      </p:bgPr>
-    </p:bg>
     <p:spTree>
       <p:nvGrpSpPr>
         <p:cNvPr id="1" name=""/>
@@ -10416,50 +14625,758 @@
           <a:chExt cx="0" cy="0"/>
         </a:xfrm>
       </p:grpSpPr>
-      <p:sp>
-        <p:nvSpPr>
-          <p:cNvPr id="2" name="TextBox 2"/>
+      <p:grpSp>
+        <p:nvGrpSpPr>
+          <p:cNvPr id="16" name="Agrupar 15">
+            <a:extLst>
+              <a:ext uri="{FF2B5EF4-FFF2-40B4-BE49-F238E27FC236}">
+                <a16:creationId xmlns:a16="http://schemas.microsoft.com/office/drawing/2014/main" id="{FED47260-B8F4-412C-9490-81084AD3D7B5}"/>
+              </a:ext>
+            </a:extLst>
+          </p:cNvPr>
+          <p:cNvGrpSpPr/>
+          <p:nvPr/>
+        </p:nvGrpSpPr>
+        <p:grpSpPr>
+          <a:xfrm>
+            <a:off x="723529" y="1485900"/>
+            <a:ext cx="8115671" cy="3915053"/>
+            <a:chOff x="541537" y="446102"/>
+            <a:chExt cx="5144611" cy="2610035"/>
+          </a:xfrm>
+        </p:grpSpPr>
+        <p:sp>
+          <p:nvSpPr>
+            <p:cNvPr id="4" name="Retângulo 3">
+              <a:extLst>
+                <a:ext uri="{FF2B5EF4-FFF2-40B4-BE49-F238E27FC236}">
+                  <a16:creationId xmlns:a16="http://schemas.microsoft.com/office/drawing/2014/main" id="{A3D818F5-306D-4BB4-938F-7F59CA1D43A8}"/>
+                </a:ext>
+              </a:extLst>
+            </p:cNvPr>
+            <p:cNvSpPr/>
+            <p:nvPr/>
+          </p:nvSpPr>
+          <p:spPr>
+            <a:xfrm>
+              <a:off x="541537" y="446102"/>
+              <a:ext cx="5144611" cy="2610035"/>
+            </a:xfrm>
+            <a:prstGeom prst="rect">
+              <a:avLst/>
+            </a:prstGeom>
+            <a:noFill/>
+            <a:ln w="38100">
+              <a:solidFill>
+                <a:srgbClr val="FF3F3F"/>
+              </a:solidFill>
+            </a:ln>
+          </p:spPr>
+          <p:style>
+            <a:lnRef idx="2">
+              <a:schemeClr val="accent1">
+                <a:shade val="50000"/>
+              </a:schemeClr>
+            </a:lnRef>
+            <a:fillRef idx="1">
+              <a:schemeClr val="accent1"/>
+            </a:fillRef>
+            <a:effectRef idx="0">
+              <a:schemeClr val="accent1"/>
+            </a:effectRef>
+            <a:fontRef idx="minor">
+              <a:schemeClr val="lt1"/>
+            </a:fontRef>
+          </p:style>
+          <p:txBody>
+            <a:bodyPr rtlCol="0" anchor="ctr"/>
+            <a:lstStyle/>
+            <a:p>
+              <a:pPr algn="ctr"/>
+              <a:endParaRPr lang="pt-BR" sz="2700"/>
+            </a:p>
+          </p:txBody>
+        </p:sp>
+        <p:sp>
+          <p:nvSpPr>
+            <p:cNvPr id="9" name="CaixaDeTexto 8">
+              <a:extLst>
+                <a:ext uri="{FF2B5EF4-FFF2-40B4-BE49-F238E27FC236}">
+                  <a16:creationId xmlns:a16="http://schemas.microsoft.com/office/drawing/2014/main" id="{5E948D4D-A415-4018-B094-541F1C4286D1}"/>
+                </a:ext>
+              </a:extLst>
+            </p:cNvPr>
+            <p:cNvSpPr txBox="1"/>
+            <p:nvPr/>
+          </p:nvSpPr>
+          <p:spPr>
+            <a:xfrm>
+              <a:off x="3837615" y="709617"/>
+              <a:ext cx="958788" cy="348813"/>
+            </a:xfrm>
+            <a:prstGeom prst="rect">
+              <a:avLst/>
+            </a:prstGeom>
+            <a:noFill/>
+            <a:ln w="38100">
+              <a:noFill/>
+            </a:ln>
+          </p:spPr>
+          <p:txBody>
+            <a:bodyPr wrap="square" rtlCol="0">
+              <a:spAutoFit/>
+            </a:bodyPr>
+            <a:lstStyle/>
+            <a:p>
+              <a:r>
+                <a:rPr lang="pt-BR" sz="2800" b="1" dirty="0">
+                  <a:solidFill>
+                    <a:schemeClr val="tx1">
+                      <a:lumMod val="75000"/>
+                      <a:lumOff val="25000"/>
+                    </a:schemeClr>
+                  </a:solidFill>
+                  <a:latin typeface="Open Sans Light"/>
+                </a:rPr>
+                <a:t>Quem?</a:t>
+              </a:r>
+            </a:p>
+          </p:txBody>
+        </p:sp>
+      </p:grpSp>
+      <p:grpSp>
+        <p:nvGrpSpPr>
+          <p:cNvPr id="15" name="Agrupar 14">
+            <a:extLst>
+              <a:ext uri="{FF2B5EF4-FFF2-40B4-BE49-F238E27FC236}">
+                <a16:creationId xmlns:a16="http://schemas.microsoft.com/office/drawing/2014/main" id="{AE55F7F5-8C36-4111-98D8-641E13659C02}"/>
+              </a:ext>
+            </a:extLst>
+          </p:cNvPr>
+          <p:cNvGrpSpPr/>
+          <p:nvPr/>
+        </p:nvGrpSpPr>
+        <p:grpSpPr>
+          <a:xfrm>
+            <a:off x="9001770" y="1485903"/>
+            <a:ext cx="8143233" cy="3915050"/>
+            <a:chOff x="6369727" y="446104"/>
+            <a:chExt cx="5144611" cy="2610033"/>
+          </a:xfrm>
+        </p:grpSpPr>
+        <p:sp>
+          <p:nvSpPr>
+            <p:cNvPr id="6" name="Retângulo 5">
+              <a:extLst>
+                <a:ext uri="{FF2B5EF4-FFF2-40B4-BE49-F238E27FC236}">
+                  <a16:creationId xmlns:a16="http://schemas.microsoft.com/office/drawing/2014/main" id="{F7814368-9D56-4E49-845E-A77143904CCD}"/>
+                </a:ext>
+              </a:extLst>
+            </p:cNvPr>
+            <p:cNvSpPr/>
+            <p:nvPr/>
+          </p:nvSpPr>
+          <p:spPr>
+            <a:xfrm>
+              <a:off x="6369727" y="446104"/>
+              <a:ext cx="5144611" cy="2610033"/>
+            </a:xfrm>
+            <a:prstGeom prst="rect">
+              <a:avLst/>
+            </a:prstGeom>
+            <a:noFill/>
+            <a:ln w="38100">
+              <a:solidFill>
+                <a:srgbClr val="FF3F3F"/>
+              </a:solidFill>
+            </a:ln>
+          </p:spPr>
+          <p:style>
+            <a:lnRef idx="2">
+              <a:schemeClr val="accent1">
+                <a:shade val="50000"/>
+              </a:schemeClr>
+            </a:lnRef>
+            <a:fillRef idx="1">
+              <a:schemeClr val="accent1"/>
+            </a:fillRef>
+            <a:effectRef idx="0">
+              <a:schemeClr val="accent1"/>
+            </a:effectRef>
+            <a:fontRef idx="minor">
+              <a:schemeClr val="lt1"/>
+            </a:fontRef>
+          </p:style>
+          <p:txBody>
+            <a:bodyPr rtlCol="0" anchor="ctr"/>
+            <a:lstStyle/>
+            <a:p>
+              <a:pPr algn="ctr"/>
+              <a:endParaRPr lang="pt-BR" sz="2700">
+                <a:latin typeface="Open Sans Light" panose="020B0604020202020204" charset="0"/>
+                <a:ea typeface="Open Sans Light" panose="020B0604020202020204" charset="0"/>
+                <a:cs typeface="Open Sans Light" panose="020B0604020202020204" charset="0"/>
+              </a:endParaRPr>
+            </a:p>
+          </p:txBody>
+        </p:sp>
+        <p:sp>
+          <p:nvSpPr>
+            <p:cNvPr id="11" name="CaixaDeTexto 10">
+              <a:extLst>
+                <a:ext uri="{FF2B5EF4-FFF2-40B4-BE49-F238E27FC236}">
+                  <a16:creationId xmlns:a16="http://schemas.microsoft.com/office/drawing/2014/main" id="{D2E4BF38-5BF3-4CB6-B004-39B4C4CA273A}"/>
+                </a:ext>
+              </a:extLst>
+            </p:cNvPr>
+            <p:cNvSpPr txBox="1"/>
+            <p:nvPr/>
+          </p:nvSpPr>
+          <p:spPr>
+            <a:xfrm>
+              <a:off x="6504778" y="618658"/>
+              <a:ext cx="3372035" cy="348813"/>
+            </a:xfrm>
+            <a:prstGeom prst="rect">
+              <a:avLst/>
+            </a:prstGeom>
+            <a:noFill/>
+            <a:ln w="38100">
+              <a:noFill/>
+            </a:ln>
+          </p:spPr>
+          <p:txBody>
+            <a:bodyPr wrap="square" rtlCol="0">
+              <a:spAutoFit/>
+            </a:bodyPr>
+            <a:lstStyle/>
+            <a:p>
+              <a:r>
+                <a:rPr lang="pt-BR" sz="2800" b="1" dirty="0">
+                  <a:solidFill>
+                    <a:schemeClr val="tx1">
+                      <a:lumMod val="75000"/>
+                      <a:lumOff val="25000"/>
+                    </a:schemeClr>
+                  </a:solidFill>
+                  <a:latin typeface="Open Sans Light" panose="020B0604020202020204" charset="0"/>
+                  <a:ea typeface="Open Sans Light" panose="020B0604020202020204" charset="0"/>
+                  <a:cs typeface="Open Sans Light" panose="020B0604020202020204" charset="0"/>
+                </a:rPr>
+                <a:t>Informações/Comportamento</a:t>
+              </a:r>
+            </a:p>
+          </p:txBody>
+        </p:sp>
+      </p:grpSp>
+      <p:grpSp>
+        <p:nvGrpSpPr>
+          <p:cNvPr id="14" name="Agrupar 13">
+            <a:extLst>
+              <a:ext uri="{FF2B5EF4-FFF2-40B4-BE49-F238E27FC236}">
+                <a16:creationId xmlns:a16="http://schemas.microsoft.com/office/drawing/2014/main" id="{D516A33A-7F4F-4227-BBF8-6AD615B6DA5D}"/>
+              </a:ext>
+            </a:extLst>
+          </p:cNvPr>
+          <p:cNvGrpSpPr/>
+          <p:nvPr/>
+        </p:nvGrpSpPr>
+        <p:grpSpPr>
+          <a:xfrm>
+            <a:off x="723529" y="5572853"/>
+            <a:ext cx="16416394" cy="4484333"/>
+            <a:chOff x="482352" y="3723928"/>
+            <a:chExt cx="10972801" cy="2989555"/>
+          </a:xfrm>
+        </p:grpSpPr>
+        <p:sp>
+          <p:nvSpPr>
+            <p:cNvPr id="8" name="Retângulo 7">
+              <a:extLst>
+                <a:ext uri="{FF2B5EF4-FFF2-40B4-BE49-F238E27FC236}">
+                  <a16:creationId xmlns:a16="http://schemas.microsoft.com/office/drawing/2014/main" id="{83C88CF3-2AD9-489F-A690-25DD87C8DB2C}"/>
+                </a:ext>
+              </a:extLst>
+            </p:cNvPr>
+            <p:cNvSpPr/>
+            <p:nvPr/>
+          </p:nvSpPr>
+          <p:spPr>
+            <a:xfrm>
+              <a:off x="482352" y="3723928"/>
+              <a:ext cx="10972801" cy="2989555"/>
+            </a:xfrm>
+            <a:prstGeom prst="rect">
+              <a:avLst/>
+            </a:prstGeom>
+            <a:noFill/>
+            <a:ln w="38100">
+              <a:solidFill>
+                <a:srgbClr val="FF3F3F"/>
+              </a:solidFill>
+            </a:ln>
+          </p:spPr>
+          <p:style>
+            <a:lnRef idx="2">
+              <a:schemeClr val="accent1">
+                <a:shade val="50000"/>
+              </a:schemeClr>
+            </a:lnRef>
+            <a:fillRef idx="1">
+              <a:schemeClr val="accent1"/>
+            </a:fillRef>
+            <a:effectRef idx="0">
+              <a:schemeClr val="accent1"/>
+            </a:effectRef>
+            <a:fontRef idx="minor">
+              <a:schemeClr val="lt1"/>
+            </a:fontRef>
+          </p:style>
+          <p:txBody>
+            <a:bodyPr rtlCol="0" anchor="ctr"/>
+            <a:lstStyle/>
+            <a:p>
+              <a:pPr algn="ctr"/>
+              <a:endParaRPr lang="pt-BR" sz="2700">
+                <a:latin typeface="Open Sans Light" panose="020B0604020202020204" charset="0"/>
+                <a:ea typeface="Open Sans Light" panose="020B0604020202020204" charset="0"/>
+                <a:cs typeface="Open Sans Light" panose="020B0604020202020204" charset="0"/>
+              </a:endParaRPr>
+            </a:p>
+          </p:txBody>
+        </p:sp>
+        <p:sp>
+          <p:nvSpPr>
+            <p:cNvPr id="13" name="CaixaDeTexto 12">
+              <a:extLst>
+                <a:ext uri="{FF2B5EF4-FFF2-40B4-BE49-F238E27FC236}">
+                  <a16:creationId xmlns:a16="http://schemas.microsoft.com/office/drawing/2014/main" id="{70AFE217-289E-42BC-B79D-4F936233942E}"/>
+                </a:ext>
+              </a:extLst>
+            </p:cNvPr>
+            <p:cNvSpPr txBox="1"/>
+            <p:nvPr/>
+          </p:nvSpPr>
+          <p:spPr>
+            <a:xfrm>
+              <a:off x="677333" y="3850307"/>
+              <a:ext cx="2636667" cy="338554"/>
+            </a:xfrm>
+            <a:prstGeom prst="rect">
+              <a:avLst/>
+            </a:prstGeom>
+            <a:noFill/>
+            <a:ln w="38100">
+              <a:noFill/>
+            </a:ln>
+          </p:spPr>
+          <p:txBody>
+            <a:bodyPr wrap="square" rtlCol="0">
+              <a:spAutoFit/>
+            </a:bodyPr>
+            <a:lstStyle/>
+            <a:p>
+              <a:r>
+                <a:rPr lang="pt-BR" sz="2700" b="1" dirty="0">
+                  <a:solidFill>
+                    <a:schemeClr val="tx1">
+                      <a:lumMod val="75000"/>
+                      <a:lumOff val="25000"/>
+                    </a:schemeClr>
+                  </a:solidFill>
+                  <a:latin typeface="Open Sans Light" panose="020B0604020202020204" charset="0"/>
+                  <a:ea typeface="Open Sans Light" panose="020B0604020202020204" charset="0"/>
+                  <a:cs typeface="Open Sans Light" panose="020B0604020202020204" charset="0"/>
+                </a:rPr>
+                <a:t>Dores e Necessidades</a:t>
+              </a:r>
+            </a:p>
+          </p:txBody>
+        </p:sp>
+      </p:grpSp>
+      <p:sp>
+        <p:nvSpPr>
+          <p:cNvPr id="17" name="CaixaDeTexto 16">
+            <a:extLst>
+              <a:ext uri="{FF2B5EF4-FFF2-40B4-BE49-F238E27FC236}">
+                <a16:creationId xmlns:a16="http://schemas.microsoft.com/office/drawing/2014/main" id="{3DE28095-DBCA-45B3-A1E5-EDF813B90086}"/>
+              </a:ext>
+            </a:extLst>
+          </p:cNvPr>
           <p:cNvSpPr txBox="1"/>
           <p:nvPr/>
         </p:nvSpPr>
         <p:spPr>
           <a:xfrm>
-            <a:off x="1028700" y="866775"/>
-            <a:ext cx="10262494" cy="1533525"/>
-          </a:xfrm>
-          <a:prstGeom prst="rect">
-            <a:avLst/>
-          </a:prstGeom>
-        </p:spPr>
-        <p:txBody>
-          <a:bodyPr lIns="0" tIns="0" rIns="0" bIns="0" rtlCol="0" anchor="t">
+            <a:off x="723529" y="359546"/>
+            <a:ext cx="16416394" cy="646331"/>
+          </a:xfrm>
+          <a:prstGeom prst="rect">
+            <a:avLst/>
+          </a:prstGeom>
+          <a:noFill/>
+        </p:spPr>
+        <p:txBody>
+          <a:bodyPr wrap="square" rtlCol="0">
             <a:spAutoFit/>
           </a:bodyPr>
           <a:lstStyle/>
           <a:p>
-            <a:pPr>
-              <a:lnSpc>
-                <a:spcPts val="12599"/>
-              </a:lnSpc>
-            </a:pPr>
-            <a:r>
-              <a:rPr lang="en-US" sz="9000">
+            <a:pPr algn="ctr"/>
+            <a:r>
+              <a:rPr lang="pt-BR" sz="3600" dirty="0">
                 <a:solidFill>
                   <a:srgbClr val="545454"/>
                 </a:solidFill>
                 <a:latin typeface="Open Sans 1 Bold"/>
               </a:rPr>
-              <a:t>User Stories</a:t>
+              <a:t>Usuário frequente da solução de monitoramento de máquinas</a:t>
+            </a:r>
+          </a:p>
+        </p:txBody>
+      </p:sp>
+      <p:sp>
+        <p:nvSpPr>
+          <p:cNvPr id="20" name="CaixaDeTexto 19">
+            <a:extLst>
+              <a:ext uri="{FF2B5EF4-FFF2-40B4-BE49-F238E27FC236}">
+                <a16:creationId xmlns:a16="http://schemas.microsoft.com/office/drawing/2014/main" id="{47E84B5F-9BB6-4C04-AA9D-7D4354079E19}"/>
+              </a:ext>
+            </a:extLst>
+          </p:cNvPr>
+          <p:cNvSpPr txBox="1"/>
+          <p:nvPr/>
+        </p:nvSpPr>
+        <p:spPr>
+          <a:xfrm>
+            <a:off x="9241655" y="2252565"/>
+            <a:ext cx="6832479" cy="2862322"/>
+          </a:xfrm>
+          <a:prstGeom prst="rect">
+            <a:avLst/>
+          </a:prstGeom>
+          <a:noFill/>
+        </p:spPr>
+        <p:txBody>
+          <a:bodyPr wrap="square" rtlCol="0">
+            <a:spAutoFit/>
+          </a:bodyPr>
+          <a:lstStyle/>
+          <a:p>
+            <a:pPr marL="428625" indent="-428625">
+              <a:lnSpc>
+                <a:spcPct val="150000"/>
+              </a:lnSpc>
+              <a:buFont typeface="Wingdings" panose="05000000000000000000" pitchFamily="2" charset="2"/>
+              <a:buChar char="§"/>
+            </a:pPr>
+            <a:r>
+              <a:rPr lang="pt-BR" sz="2400" dirty="0">
+                <a:solidFill>
+                  <a:schemeClr val="tx1">
+                    <a:lumMod val="75000"/>
+                    <a:lumOff val="25000"/>
+                  </a:schemeClr>
+                </a:solidFill>
+                <a:latin typeface="Open Sans Light" panose="020B0604020202020204" charset="0"/>
+                <a:ea typeface="Open Sans Light" panose="020B0604020202020204" charset="0"/>
+                <a:cs typeface="Open Sans Light" panose="020B0604020202020204" charset="0"/>
+              </a:rPr>
+              <a:t>Formado na área de TI;</a:t>
+            </a:r>
+          </a:p>
+          <a:p>
+            <a:pPr marL="428625" indent="-428625">
+              <a:lnSpc>
+                <a:spcPct val="150000"/>
+              </a:lnSpc>
+              <a:buFont typeface="Wingdings" panose="05000000000000000000" pitchFamily="2" charset="2"/>
+              <a:buChar char="§"/>
+            </a:pPr>
+            <a:r>
+              <a:rPr lang="pt-BR" sz="2400" dirty="0">
+                <a:solidFill>
+                  <a:schemeClr val="tx1">
+                    <a:lumMod val="75000"/>
+                    <a:lumOff val="25000"/>
+                  </a:schemeClr>
+                </a:solidFill>
+                <a:latin typeface="Open Sans Light" panose="020B0604020202020204" charset="0"/>
+                <a:ea typeface="Open Sans Light" panose="020B0604020202020204" charset="0"/>
+                <a:cs typeface="Open Sans Light" panose="020B0604020202020204" charset="0"/>
+              </a:rPr>
+              <a:t>Trabalha como suporte técnico;</a:t>
+            </a:r>
+          </a:p>
+          <a:p>
+            <a:pPr marL="428625" indent="-428625">
+              <a:lnSpc>
+                <a:spcPct val="150000"/>
+              </a:lnSpc>
+              <a:buFont typeface="Wingdings" panose="05000000000000000000" pitchFamily="2" charset="2"/>
+              <a:buChar char="§"/>
+            </a:pPr>
+            <a:r>
+              <a:rPr lang="pt-BR" sz="2400" dirty="0">
+                <a:solidFill>
+                  <a:schemeClr val="tx1">
+                    <a:lumMod val="75000"/>
+                    <a:lumOff val="25000"/>
+                  </a:schemeClr>
+                </a:solidFill>
+                <a:latin typeface="Open Sans Light" panose="020B0604020202020204" charset="0"/>
+                <a:ea typeface="Open Sans Light" panose="020B0604020202020204" charset="0"/>
+                <a:cs typeface="Open Sans Light" panose="020B0604020202020204" charset="0"/>
+              </a:rPr>
+              <a:t>Trabalha no segmento de </a:t>
+            </a:r>
+            <a:r>
+              <a:rPr lang="pt-BR" sz="2400" dirty="0" err="1">
+                <a:solidFill>
+                  <a:schemeClr val="tx1">
+                    <a:lumMod val="75000"/>
+                    <a:lumOff val="25000"/>
+                  </a:schemeClr>
+                </a:solidFill>
+                <a:latin typeface="Open Sans Light" panose="020B0604020202020204" charset="0"/>
+                <a:ea typeface="Open Sans Light" panose="020B0604020202020204" charset="0"/>
+                <a:cs typeface="Open Sans Light" panose="020B0604020202020204" charset="0"/>
+              </a:rPr>
+              <a:t>call</a:t>
+            </a:r>
+            <a:r>
+              <a:rPr lang="pt-BR" sz="2400" dirty="0">
+                <a:solidFill>
+                  <a:schemeClr val="tx1">
+                    <a:lumMod val="75000"/>
+                    <a:lumOff val="25000"/>
+                  </a:schemeClr>
+                </a:solidFill>
+                <a:latin typeface="Open Sans Light" panose="020B0604020202020204" charset="0"/>
+                <a:ea typeface="Open Sans Light" panose="020B0604020202020204" charset="0"/>
+                <a:cs typeface="Open Sans Light" panose="020B0604020202020204" charset="0"/>
+              </a:rPr>
+              <a:t> center;</a:t>
+            </a:r>
+          </a:p>
+          <a:p>
+            <a:pPr marL="428625" indent="-428625">
+              <a:lnSpc>
+                <a:spcPct val="150000"/>
+              </a:lnSpc>
+              <a:buFont typeface="Wingdings" panose="05000000000000000000" pitchFamily="2" charset="2"/>
+              <a:buChar char="§"/>
+            </a:pPr>
+            <a:r>
+              <a:rPr lang="pt-BR" sz="2400" dirty="0">
+                <a:solidFill>
+                  <a:schemeClr val="tx1">
+                    <a:lumMod val="75000"/>
+                    <a:lumOff val="25000"/>
+                  </a:schemeClr>
+                </a:solidFill>
+                <a:latin typeface="Open Sans Light" panose="020B0604020202020204" charset="0"/>
+                <a:ea typeface="Open Sans Light" panose="020B0604020202020204" charset="0"/>
+                <a:cs typeface="Open Sans Light" panose="020B0604020202020204" charset="0"/>
+              </a:rPr>
+              <a:t>Possui uma boa habilidade analítica.</a:t>
+            </a:r>
+          </a:p>
+          <a:p>
+            <a:pPr marL="428625" indent="-428625">
+              <a:lnSpc>
+                <a:spcPct val="150000"/>
+              </a:lnSpc>
+              <a:buFont typeface="Wingdings" panose="05000000000000000000" pitchFamily="2" charset="2"/>
+              <a:buChar char="§"/>
+            </a:pPr>
+            <a:endParaRPr lang="pt-BR" sz="2400" dirty="0">
+              <a:solidFill>
+                <a:schemeClr val="tx1">
+                  <a:lumMod val="75000"/>
+                  <a:lumOff val="25000"/>
+                </a:schemeClr>
+              </a:solidFill>
+              <a:latin typeface="Open Sans Light" panose="020B0604020202020204" charset="0"/>
+              <a:ea typeface="Open Sans Light" panose="020B0604020202020204" charset="0"/>
+              <a:cs typeface="Open Sans Light" panose="020B0604020202020204" charset="0"/>
+            </a:endParaRPr>
+          </a:p>
+        </p:txBody>
+      </p:sp>
+      <p:sp>
+        <p:nvSpPr>
+          <p:cNvPr id="22" name="CaixaDeTexto 21">
+            <a:extLst>
+              <a:ext uri="{FF2B5EF4-FFF2-40B4-BE49-F238E27FC236}">
+                <a16:creationId xmlns:a16="http://schemas.microsoft.com/office/drawing/2014/main" id="{BF58B582-D008-49F4-85A9-F1D0EBF1BCBF}"/>
+              </a:ext>
+            </a:extLst>
+          </p:cNvPr>
+          <p:cNvSpPr txBox="1"/>
+          <p:nvPr/>
+        </p:nvSpPr>
+        <p:spPr>
+          <a:xfrm>
+            <a:off x="1059031" y="6299867"/>
+            <a:ext cx="15560337" cy="3416320"/>
+          </a:xfrm>
+          <a:prstGeom prst="rect">
+            <a:avLst/>
+          </a:prstGeom>
+          <a:noFill/>
+        </p:spPr>
+        <p:txBody>
+          <a:bodyPr wrap="square" rtlCol="0">
+            <a:spAutoFit/>
+          </a:bodyPr>
+          <a:lstStyle/>
+          <a:p>
+            <a:pPr marL="428625" indent="-428625">
+              <a:lnSpc>
+                <a:spcPct val="150000"/>
+              </a:lnSpc>
+              <a:buFont typeface="Wingdings" panose="05000000000000000000" pitchFamily="2" charset="2"/>
+              <a:buChar char="§"/>
+            </a:pPr>
+            <a:r>
+              <a:rPr lang="pt-BR" sz="2400" dirty="0">
+                <a:solidFill>
+                  <a:schemeClr val="tx1">
+                    <a:lumMod val="75000"/>
+                    <a:lumOff val="25000"/>
+                  </a:schemeClr>
+                </a:solidFill>
+                <a:latin typeface="Open Sans Light" panose="020B0604020202020204" charset="0"/>
+                <a:ea typeface="Open Sans Light" panose="020B0604020202020204" charset="0"/>
+                <a:cs typeface="Open Sans Light" panose="020B0604020202020204" charset="0"/>
+              </a:rPr>
+              <a:t>Precisa monitorar todas as máquinas de sua empresa;</a:t>
+            </a:r>
+          </a:p>
+          <a:p>
+            <a:pPr marL="428625" indent="-428625">
+              <a:lnSpc>
+                <a:spcPct val="150000"/>
+              </a:lnSpc>
+              <a:buFont typeface="Wingdings" panose="05000000000000000000" pitchFamily="2" charset="2"/>
+              <a:buChar char="§"/>
+            </a:pPr>
+            <a:r>
+              <a:rPr lang="pt-BR" sz="2400" dirty="0">
+                <a:solidFill>
+                  <a:schemeClr val="tx1">
+                    <a:lumMod val="75000"/>
+                    <a:lumOff val="25000"/>
+                  </a:schemeClr>
+                </a:solidFill>
+                <a:latin typeface="Open Sans Light" panose="020B0604020202020204" charset="0"/>
+                <a:ea typeface="Open Sans Light" panose="020B0604020202020204" charset="0"/>
+                <a:cs typeface="Open Sans Light" panose="020B0604020202020204" charset="0"/>
+              </a:rPr>
+              <a:t>Identificar problemas com facilidade;</a:t>
+            </a:r>
+          </a:p>
+          <a:p>
+            <a:pPr marL="428625" indent="-428625">
+              <a:lnSpc>
+                <a:spcPct val="150000"/>
+              </a:lnSpc>
+              <a:buFont typeface="Wingdings" panose="05000000000000000000" pitchFamily="2" charset="2"/>
+              <a:buChar char="§"/>
+            </a:pPr>
+            <a:r>
+              <a:rPr lang="pt-BR" sz="2400" dirty="0">
+                <a:solidFill>
+                  <a:schemeClr val="tx1">
+                    <a:lumMod val="75000"/>
+                    <a:lumOff val="25000"/>
+                  </a:schemeClr>
+                </a:solidFill>
+                <a:latin typeface="Open Sans Light" panose="020B0604020202020204" charset="0"/>
+                <a:ea typeface="Open Sans Light" panose="020B0604020202020204" charset="0"/>
+                <a:cs typeface="Open Sans Light" panose="020B0604020202020204" charset="0"/>
+              </a:rPr>
+              <a:t>Diminuir o tempo de manutenção;</a:t>
+            </a:r>
+          </a:p>
+          <a:p>
+            <a:pPr marL="428625" indent="-428625">
+              <a:lnSpc>
+                <a:spcPct val="150000"/>
+              </a:lnSpc>
+              <a:buFont typeface="Wingdings" panose="05000000000000000000" pitchFamily="2" charset="2"/>
+              <a:buChar char="§"/>
+            </a:pPr>
+            <a:r>
+              <a:rPr lang="pt-BR" sz="2400" dirty="0">
+                <a:solidFill>
+                  <a:schemeClr val="tx1">
+                    <a:lumMod val="75000"/>
+                    <a:lumOff val="25000"/>
+                  </a:schemeClr>
+                </a:solidFill>
+                <a:latin typeface="Open Sans Light" panose="020B0604020202020204" charset="0"/>
+                <a:ea typeface="Open Sans Light" panose="020B0604020202020204" charset="0"/>
+                <a:cs typeface="Open Sans Light" panose="020B0604020202020204" charset="0"/>
+              </a:rPr>
+              <a:t>Realizar o reparo das máquinas;</a:t>
+            </a:r>
+          </a:p>
+          <a:p>
+            <a:pPr marL="428625" indent="-428625">
+              <a:lnSpc>
+                <a:spcPct val="150000"/>
+              </a:lnSpc>
+              <a:buFont typeface="Wingdings" panose="05000000000000000000" pitchFamily="2" charset="2"/>
+              <a:buChar char="§"/>
+            </a:pPr>
+            <a:r>
+              <a:rPr lang="pt-BR" sz="2400" dirty="0">
+                <a:solidFill>
+                  <a:schemeClr val="tx1">
+                    <a:lumMod val="75000"/>
+                    <a:lumOff val="25000"/>
+                  </a:schemeClr>
+                </a:solidFill>
+                <a:latin typeface="Open Sans Light" panose="020B0604020202020204" charset="0"/>
+                <a:ea typeface="Open Sans Light" panose="020B0604020202020204" charset="0"/>
+                <a:cs typeface="Open Sans Light" panose="020B0604020202020204" charset="0"/>
+              </a:rPr>
+              <a:t>Outros funcionários têm costume de solicitar um atendimento sem efetuar o registro da solicitação;</a:t>
+            </a:r>
+          </a:p>
+          <a:p>
+            <a:pPr marL="428625" indent="-428625">
+              <a:lnSpc>
+                <a:spcPct val="150000"/>
+              </a:lnSpc>
+              <a:buFont typeface="Wingdings" panose="05000000000000000000" pitchFamily="2" charset="2"/>
+              <a:buChar char="§"/>
+            </a:pPr>
+            <a:r>
+              <a:rPr lang="pt-BR" sz="2400" dirty="0">
+                <a:solidFill>
+                  <a:schemeClr val="tx1">
+                    <a:lumMod val="75000"/>
+                    <a:lumOff val="25000"/>
+                  </a:schemeClr>
+                </a:solidFill>
+                <a:latin typeface="Open Sans Light" panose="020B0604020202020204" charset="0"/>
+                <a:ea typeface="Open Sans Light" panose="020B0604020202020204" charset="0"/>
+                <a:cs typeface="Open Sans Light" panose="020B0604020202020204" charset="0"/>
+              </a:rPr>
+              <a:t>Processo de atendimento definido.</a:t>
             </a:r>
           </a:p>
         </p:txBody>
       </p:sp>
       <p:pic>
         <p:nvPicPr>
-          <p:cNvPr id="5" name="Imagem 4">
+          <p:cNvPr id="3" name="Imagem 2">
             <a:extLst>
               <a:ext uri="{FF2B5EF4-FFF2-40B4-BE49-F238E27FC236}">
-                <a16:creationId xmlns:a16="http://schemas.microsoft.com/office/drawing/2014/main" id="{38496F73-5C44-4A7C-ACE7-9576F8ED8B4F}"/>
+                <a16:creationId xmlns:a16="http://schemas.microsoft.com/office/drawing/2014/main" id="{AC957E13-366E-4CE5-860E-D9FBF7DA5BB2}"/>
               </a:ext>
             </a:extLst>
           </p:cNvPr>
@@ -10476,6 +15393,79 @@
         </p:blipFill>
         <p:spPr>
           <a:xfrm>
+            <a:off x="990600" y="1884775"/>
+            <a:ext cx="4769953" cy="3167547"/>
+          </a:xfrm>
+          <a:prstGeom prst="rect">
+            <a:avLst/>
+          </a:prstGeom>
+        </p:spPr>
+      </p:pic>
+      <p:sp>
+        <p:nvSpPr>
+          <p:cNvPr id="5" name="CaixaDeTexto 4">
+            <a:extLst>
+              <a:ext uri="{FF2B5EF4-FFF2-40B4-BE49-F238E27FC236}">
+                <a16:creationId xmlns:a16="http://schemas.microsoft.com/office/drawing/2014/main" id="{CEE6E652-6030-464E-9581-2E8EE37129E3}"/>
+              </a:ext>
+            </a:extLst>
+          </p:cNvPr>
+          <p:cNvSpPr txBox="1"/>
+          <p:nvPr/>
+        </p:nvSpPr>
+        <p:spPr>
+          <a:xfrm>
+            <a:off x="5930520" y="2501846"/>
+            <a:ext cx="1650140" cy="523220"/>
+          </a:xfrm>
+          <a:prstGeom prst="rect">
+            <a:avLst/>
+          </a:prstGeom>
+          <a:noFill/>
+        </p:spPr>
+        <p:txBody>
+          <a:bodyPr wrap="square" rtlCol="0">
+            <a:spAutoFit/>
+          </a:bodyPr>
+          <a:lstStyle/>
+          <a:p>
+            <a:r>
+              <a:rPr lang="pt-BR" sz="2800" dirty="0">
+                <a:solidFill>
+                  <a:schemeClr val="tx1">
+                    <a:lumMod val="75000"/>
+                    <a:lumOff val="25000"/>
+                  </a:schemeClr>
+                </a:solidFill>
+                <a:latin typeface="Open Sans Light"/>
+              </a:rPr>
+              <a:t>Paulo</a:t>
+            </a:r>
+          </a:p>
+        </p:txBody>
+      </p:sp>
+      <p:pic>
+        <p:nvPicPr>
+          <p:cNvPr id="18" name="Imagem 17">
+            <a:extLst>
+              <a:ext uri="{FF2B5EF4-FFF2-40B4-BE49-F238E27FC236}">
+                <a16:creationId xmlns:a16="http://schemas.microsoft.com/office/drawing/2014/main" id="{D8C09FB8-251A-4CDA-9767-4C99C62C2687}"/>
+              </a:ext>
+            </a:extLst>
+          </p:cNvPr>
+          <p:cNvPicPr>
+            <a:picLocks noChangeAspect="1"/>
+          </p:cNvPicPr>
+          <p:nvPr/>
+        </p:nvPicPr>
+        <p:blipFill>
+          <a:blip r:embed="rId3"/>
+          <a:stretch>
+            <a:fillRect/>
+          </a:stretch>
+        </p:blipFill>
+        <p:spPr>
+          <a:xfrm>
             <a:off x="17078325" y="266700"/>
             <a:ext cx="883385" cy="1044000"/>
           </a:xfrm>
@@ -10485,6 +15475,11 @@
         </p:spPr>
       </p:pic>
     </p:spTree>
+    <p:extLst>
+      <p:ext uri="{BB962C8B-B14F-4D97-AF65-F5344CB8AC3E}">
+        <p14:creationId xmlns:p14="http://schemas.microsoft.com/office/powerpoint/2010/main" val="355158228"/>
+      </p:ext>
+    </p:extLst>
   </p:cSld>
   <p:clrMapOvr>
     <a:masterClrMapping/>
@@ -10501,6 +15496,13 @@
       </p:transition>
     </mc:Fallback>
   </mc:AlternateContent>
+  <p:timing>
+    <p:tnLst>
+      <p:par>
+        <p:cTn id="1" dur="indefinite" restart="never" nodeType="tmRoot"/>
+      </p:par>
+    </p:tnLst>
+  </p:timing>
 </p:sld>
 </file>
 
@@ -10785,4 +15787,265 @@
   <a:objectDefaults/>
   <a:extraClrSchemeLst/>
 </a:theme>
+</file>
+
+<file path=ppt/theme/theme2.xml><?xml version="1.0" encoding="utf-8"?>
+<a:theme xmlns:a="http://schemas.openxmlformats.org/drawingml/2006/main" name="Tema do Office">
+  <a:themeElements>
+    <a:clrScheme name="Office">
+      <a:dk1>
+        <a:sysClr val="windowText" lastClr="000000"/>
+      </a:dk1>
+      <a:lt1>
+        <a:sysClr val="window" lastClr="FFFFFF"/>
+      </a:lt1>
+      <a:dk2>
+        <a:srgbClr val="44546A"/>
+      </a:dk2>
+      <a:lt2>
+        <a:srgbClr val="E7E6E6"/>
+      </a:lt2>
+      <a:accent1>
+        <a:srgbClr val="5B9BD5"/>
+      </a:accent1>
+      <a:accent2>
+        <a:srgbClr val="ED7D31"/>
+      </a:accent2>
+      <a:accent3>
+        <a:srgbClr val="A5A5A5"/>
+      </a:accent3>
+      <a:accent4>
+        <a:srgbClr val="FFC000"/>
+      </a:accent4>
+      <a:accent5>
+        <a:srgbClr val="4472C4"/>
+      </a:accent5>
+      <a:accent6>
+        <a:srgbClr val="70AD47"/>
+      </a:accent6>
+      <a:hlink>
+        <a:srgbClr val="0563C1"/>
+      </a:hlink>
+      <a:folHlink>
+        <a:srgbClr val="954F72"/>
+      </a:folHlink>
+    </a:clrScheme>
+    <a:fontScheme name="Office">
+      <a:majorFont>
+        <a:latin typeface="Calibri Light" panose="020F0302020204030204"/>
+        <a:ea typeface=""/>
+        <a:cs typeface=""/>
+        <a:font script="Jpan" typeface="游ゴシック Light"/>
+        <a:font script="Hang" typeface="맑은 고딕"/>
+        <a:font script="Hans" typeface="等线 Light"/>
+        <a:font script="Hant" typeface="新細明體"/>
+        <a:font script="Arab" typeface="Times New Roman"/>
+        <a:font script="Hebr" typeface="Times New Roman"/>
+        <a:font script="Thai" typeface="Angsana New"/>
+        <a:font script="Ethi" typeface="Nyala"/>
+        <a:font script="Beng" typeface="Vrinda"/>
+        <a:font script="Gujr" typeface="Shruti"/>
+        <a:font script="Khmr" typeface="MoolBoran"/>
+        <a:font script="Knda" typeface="Tunga"/>
+        <a:font script="Guru" typeface="Raavi"/>
+        <a:font script="Cans" typeface="Euphemia"/>
+        <a:font script="Cher" typeface="Plantagenet Cherokee"/>
+        <a:font script="Yiii" typeface="Microsoft Yi Baiti"/>
+        <a:font script="Tibt" typeface="Microsoft Himalaya"/>
+        <a:font script="Thaa" typeface="MV Boli"/>
+        <a:font script="Deva" typeface="Mangal"/>
+        <a:font script="Telu" typeface="Gautami"/>
+        <a:font script="Taml" typeface="Latha"/>
+        <a:font script="Syrc" typeface="Estrangelo Edessa"/>
+        <a:font script="Orya" typeface="Kalinga"/>
+        <a:font script="Mlym" typeface="Kartika"/>
+        <a:font script="Laoo" typeface="DokChampa"/>
+        <a:font script="Sinh" typeface="Iskoola Pota"/>
+        <a:font script="Mong" typeface="Mongolian Baiti"/>
+        <a:font script="Viet" typeface="Times New Roman"/>
+        <a:font script="Uigh" typeface="Microsoft Uighur"/>
+        <a:font script="Geor" typeface="Sylfaen"/>
+      </a:majorFont>
+      <a:minorFont>
+        <a:latin typeface="Calibri" panose="020F0502020204030204"/>
+        <a:ea typeface=""/>
+        <a:cs typeface=""/>
+        <a:font script="Jpan" typeface="游ゴシック"/>
+        <a:font script="Hang" typeface="맑은 고딕"/>
+        <a:font script="Hans" typeface="等线"/>
+        <a:font script="Hant" typeface="新細明體"/>
+        <a:font script="Arab" typeface="Arial"/>
+        <a:font script="Hebr" typeface="Arial"/>
+        <a:font script="Thai" typeface="Cordia New"/>
+        <a:font script="Ethi" typeface="Nyala"/>
+        <a:font script="Beng" typeface="Vrinda"/>
+        <a:font script="Gujr" typeface="Shruti"/>
+        <a:font script="Khmr" typeface="DaunPenh"/>
+        <a:font script="Knda" typeface="Tunga"/>
+        <a:font script="Guru" typeface="Raavi"/>
+        <a:font script="Cans" typeface="Euphemia"/>
+        <a:font script="Cher" typeface="Plantagenet Cherokee"/>
+        <a:font script="Yiii" typeface="Microsoft Yi Baiti"/>
+        <a:font script="Tibt" typeface="Microsoft Himalaya"/>
+        <a:font script="Thaa" typeface="MV Boli"/>
+        <a:font script="Deva" typeface="Mangal"/>
+        <a:font script="Telu" typeface="Gautami"/>
+        <a:font script="Taml" typeface="Latha"/>
+        <a:font script="Syrc" typeface="Estrangelo Edessa"/>
+        <a:font script="Orya" typeface="Kalinga"/>
+        <a:font script="Mlym" typeface="Kartika"/>
+        <a:font script="Laoo" typeface="DokChampa"/>
+        <a:font script="Sinh" typeface="Iskoola Pota"/>
+        <a:font script="Mong" typeface="Mongolian Baiti"/>
+        <a:font script="Viet" typeface="Arial"/>
+        <a:font script="Uigh" typeface="Microsoft Uighur"/>
+        <a:font script="Geor" typeface="Sylfaen"/>
+      </a:minorFont>
+    </a:fontScheme>
+    <a:fmtScheme name="Office">
+      <a:fillStyleLst>
+        <a:solidFill>
+          <a:schemeClr val="phClr"/>
+        </a:solidFill>
+        <a:gradFill rotWithShape="1">
+          <a:gsLst>
+            <a:gs pos="0">
+              <a:schemeClr val="phClr">
+                <a:lumMod val="110000"/>
+                <a:satMod val="105000"/>
+                <a:tint val="67000"/>
+              </a:schemeClr>
+            </a:gs>
+            <a:gs pos="50000">
+              <a:schemeClr val="phClr">
+                <a:lumMod val="105000"/>
+                <a:satMod val="103000"/>
+                <a:tint val="73000"/>
+              </a:schemeClr>
+            </a:gs>
+            <a:gs pos="100000">
+              <a:schemeClr val="phClr">
+                <a:lumMod val="105000"/>
+                <a:satMod val="109000"/>
+                <a:tint val="81000"/>
+              </a:schemeClr>
+            </a:gs>
+          </a:gsLst>
+          <a:lin ang="5400000" scaled="0"/>
+        </a:gradFill>
+        <a:gradFill rotWithShape="1">
+          <a:gsLst>
+            <a:gs pos="0">
+              <a:schemeClr val="phClr">
+                <a:satMod val="103000"/>
+                <a:lumMod val="102000"/>
+                <a:tint val="94000"/>
+              </a:schemeClr>
+            </a:gs>
+            <a:gs pos="50000">
+              <a:schemeClr val="phClr">
+                <a:satMod val="110000"/>
+                <a:lumMod val="100000"/>
+                <a:shade val="100000"/>
+              </a:schemeClr>
+            </a:gs>
+            <a:gs pos="100000">
+              <a:schemeClr val="phClr">
+                <a:lumMod val="99000"/>
+                <a:satMod val="120000"/>
+                <a:shade val="78000"/>
+              </a:schemeClr>
+            </a:gs>
+          </a:gsLst>
+          <a:lin ang="5400000" scaled="0"/>
+        </a:gradFill>
+      </a:fillStyleLst>
+      <a:lnStyleLst>
+        <a:ln w="6350" cap="flat" cmpd="sng" algn="ctr">
+          <a:solidFill>
+            <a:schemeClr val="phClr"/>
+          </a:solidFill>
+          <a:prstDash val="solid"/>
+          <a:miter lim="800000"/>
+        </a:ln>
+        <a:ln w="12700" cap="flat" cmpd="sng" algn="ctr">
+          <a:solidFill>
+            <a:schemeClr val="phClr"/>
+          </a:solidFill>
+          <a:prstDash val="solid"/>
+          <a:miter lim="800000"/>
+        </a:ln>
+        <a:ln w="19050" cap="flat" cmpd="sng" algn="ctr">
+          <a:solidFill>
+            <a:schemeClr val="phClr"/>
+          </a:solidFill>
+          <a:prstDash val="solid"/>
+          <a:miter lim="800000"/>
+        </a:ln>
+      </a:lnStyleLst>
+      <a:effectStyleLst>
+        <a:effectStyle>
+          <a:effectLst/>
+        </a:effectStyle>
+        <a:effectStyle>
+          <a:effectLst/>
+        </a:effectStyle>
+        <a:effectStyle>
+          <a:effectLst>
+            <a:outerShdw blurRad="57150" dist="19050" dir="5400000" algn="ctr" rotWithShape="0">
+              <a:srgbClr val="000000">
+                <a:alpha val="63000"/>
+              </a:srgbClr>
+            </a:outerShdw>
+          </a:effectLst>
+        </a:effectStyle>
+      </a:effectStyleLst>
+      <a:bgFillStyleLst>
+        <a:solidFill>
+          <a:schemeClr val="phClr"/>
+        </a:solidFill>
+        <a:solidFill>
+          <a:schemeClr val="phClr">
+            <a:tint val="95000"/>
+            <a:satMod val="170000"/>
+          </a:schemeClr>
+        </a:solidFill>
+        <a:gradFill rotWithShape="1">
+          <a:gsLst>
+            <a:gs pos="0">
+              <a:schemeClr val="phClr">
+                <a:tint val="93000"/>
+                <a:satMod val="150000"/>
+                <a:shade val="98000"/>
+                <a:lumMod val="102000"/>
+              </a:schemeClr>
+            </a:gs>
+            <a:gs pos="50000">
+              <a:schemeClr val="phClr">
+                <a:tint val="98000"/>
+                <a:satMod val="130000"/>
+                <a:shade val="90000"/>
+                <a:lumMod val="103000"/>
+              </a:schemeClr>
+            </a:gs>
+            <a:gs pos="100000">
+              <a:schemeClr val="phClr">
+                <a:shade val="63000"/>
+                <a:satMod val="120000"/>
+              </a:schemeClr>
+            </a:gs>
+          </a:gsLst>
+          <a:lin ang="5400000" scaled="0"/>
+        </a:gradFill>
+      </a:bgFillStyleLst>
+    </a:fmtScheme>
+  </a:themeElements>
+  <a:objectDefaults/>
+  <a:extraClrSchemeLst/>
+  <a:extLst>
+    <a:ext uri="{05A4C25C-085E-4340-85A3-A5531E510DB2}">
+      <thm15:themeFamily xmlns:thm15="http://schemas.microsoft.com/office/thememl/2012/main" name="Office Theme" id="{62F939B6-93AF-4DB8-9C6B-D6C7DFDC589F}" vid="{4A3C46E8-61CC-4603-A589-7422A47A8E4A}"/>
+    </a:ext>
+  </a:extLst>
+</a:theme>
 </file>
--- a/Documentação/Pyxis.pptx
+++ b/Documentação/Pyxis.pptx
@@ -31,7 +31,7 @@
   <p:notesSz cx="6858000" cy="9144000"/>
   <p:embeddedFontLst>
     <p:embeddedFont>
-      <p:font typeface="Open Sans 1" panose="020B0604020202020204" charset="0"/>
+      <p:font typeface="Open Sans 1 Bold" panose="020B0604020202020204" charset="0"/>
       <p:regular r:id="rId21"/>
     </p:embeddedFont>
     <p:embeddedFont>
@@ -46,7 +46,7 @@
       <p:boldItalic r:id="rId26"/>
     </p:embeddedFont>
     <p:embeddedFont>
-      <p:font typeface="Open Sans 1 Bold" panose="020B0604020202020204" charset="0"/>
+      <p:font typeface="Open Sans 1" panose="020B0604020202020204" charset="0"/>
       <p:regular r:id="rId27"/>
     </p:embeddedFont>
     <p:embeddedFont>
@@ -4539,7 +4539,7 @@
         </p:nvSpPr>
         <p:spPr>
           <a:xfrm>
-            <a:off x="1028700" y="866775"/>
+            <a:off x="1529081" y="876300"/>
             <a:ext cx="10262494" cy="1533525"/>
           </a:xfrm>
           <a:prstGeom prst="rect">
@@ -4558,7 +4558,7 @@
               </a:lnSpc>
             </a:pPr>
             <a:r>
-              <a:rPr lang="en-US" sz="9000">
+              <a:rPr lang="en-US" sz="9000" dirty="0">
                 <a:solidFill>
                   <a:srgbClr val="545454"/>
                 </a:solidFill>
@@ -4599,6 +4599,690 @@
           </a:prstGeom>
         </p:spPr>
       </p:pic>
+      <p:pic>
+        <p:nvPicPr>
+          <p:cNvPr id="6" name="Imagem 5"/>
+          <p:cNvPicPr>
+            <a:picLocks noChangeAspect="1"/>
+          </p:cNvPicPr>
+          <p:nvPr/>
+        </p:nvPicPr>
+        <p:blipFill>
+          <a:blip r:embed="rId3">
+            <a:extLst>
+              <a:ext uri="{28A0092B-C50C-407E-A947-70E740481C1C}">
+                <a14:useLocalDpi xmlns:a14="http://schemas.microsoft.com/office/drawing/2010/main" val="0"/>
+              </a:ext>
+            </a:extLst>
+          </a:blip>
+          <a:stretch>
+            <a:fillRect/>
+          </a:stretch>
+        </p:blipFill>
+        <p:spPr>
+          <a:xfrm>
+            <a:off x="1567180" y="3009900"/>
+            <a:ext cx="7429501" cy="3048000"/>
+          </a:xfrm>
+          <a:prstGeom prst="rect">
+            <a:avLst/>
+          </a:prstGeom>
+        </p:spPr>
+      </p:pic>
+      <p:sp>
+        <p:nvSpPr>
+          <p:cNvPr id="12" name="CaixaDeTexto 11"/>
+          <p:cNvSpPr txBox="1"/>
+          <p:nvPr/>
+        </p:nvSpPr>
+        <p:spPr>
+          <a:xfrm>
+            <a:off x="2209801" y="4107240"/>
+            <a:ext cx="5690871" cy="1569660"/>
+          </a:xfrm>
+          <a:prstGeom prst="rect">
+            <a:avLst/>
+          </a:prstGeom>
+          <a:noFill/>
+        </p:spPr>
+        <p:txBody>
+          <a:bodyPr wrap="square" rtlCol="0">
+            <a:spAutoFit/>
+          </a:bodyPr>
+          <a:lstStyle/>
+          <a:p>
+            <a:r>
+              <a:rPr lang="pt-BR" sz="2400" dirty="0" smtClean="0">
+                <a:solidFill>
+                  <a:schemeClr val="tx1">
+                    <a:lumMod val="85000"/>
+                    <a:lumOff val="15000"/>
+                  </a:schemeClr>
+                </a:solidFill>
+                <a:latin typeface="Open Sans Light" panose="020B0604020202020204" charset="0"/>
+                <a:ea typeface="Open Sans Light" panose="020B0604020202020204" charset="0"/>
+                <a:cs typeface="Open Sans Light" panose="020B0604020202020204" charset="0"/>
+              </a:rPr>
+              <a:t>Eu, enquanto Gestor, quero um relatório sobre a quantidade de horas ativas das máquinas, para verificar a produtividade dos operadores(as).</a:t>
+            </a:r>
+            <a:endParaRPr lang="pt-BR" sz="2400" dirty="0">
+              <a:solidFill>
+                <a:schemeClr val="tx1">
+                  <a:lumMod val="85000"/>
+                  <a:lumOff val="15000"/>
+                </a:schemeClr>
+              </a:solidFill>
+              <a:latin typeface="Open Sans Light" panose="020B0604020202020204" charset="0"/>
+              <a:ea typeface="Open Sans Light" panose="020B0604020202020204" charset="0"/>
+              <a:cs typeface="Open Sans Light" panose="020B0604020202020204" charset="0"/>
+            </a:endParaRPr>
+          </a:p>
+        </p:txBody>
+      </p:sp>
+      <p:sp>
+        <p:nvSpPr>
+          <p:cNvPr id="13" name="CaixaDeTexto 12"/>
+          <p:cNvSpPr txBox="1"/>
+          <p:nvPr/>
+        </p:nvSpPr>
+        <p:spPr>
+          <a:xfrm>
+            <a:off x="2209800" y="3342005"/>
+            <a:ext cx="5690871" cy="461665"/>
+          </a:xfrm>
+          <a:prstGeom prst="rect">
+            <a:avLst/>
+          </a:prstGeom>
+          <a:noFill/>
+        </p:spPr>
+        <p:txBody>
+          <a:bodyPr wrap="square" rtlCol="0">
+            <a:spAutoFit/>
+          </a:bodyPr>
+          <a:lstStyle/>
+          <a:p>
+            <a:r>
+              <a:rPr lang="pt-BR" sz="2400" dirty="0" err="1">
+                <a:solidFill>
+                  <a:schemeClr val="tx1">
+                    <a:lumMod val="85000"/>
+                    <a:lumOff val="15000"/>
+                  </a:schemeClr>
+                </a:solidFill>
+                <a:latin typeface="Open Sans 1 Bold"/>
+              </a:rPr>
+              <a:t>User</a:t>
+            </a:r>
+            <a:r>
+              <a:rPr lang="pt-BR" sz="2400" dirty="0">
+                <a:solidFill>
+                  <a:schemeClr val="tx1">
+                    <a:lumMod val="85000"/>
+                    <a:lumOff val="15000"/>
+                  </a:schemeClr>
+                </a:solidFill>
+                <a:latin typeface="Open Sans 1 Bold"/>
+              </a:rPr>
+              <a:t> </a:t>
+            </a:r>
+            <a:r>
+              <a:rPr lang="pt-BR" sz="2400" dirty="0" err="1">
+                <a:solidFill>
+                  <a:schemeClr val="tx1">
+                    <a:lumMod val="85000"/>
+                    <a:lumOff val="15000"/>
+                  </a:schemeClr>
+                </a:solidFill>
+                <a:latin typeface="Open Sans 1 Bold"/>
+              </a:rPr>
+              <a:t>Storie</a:t>
+            </a:r>
+            <a:r>
+              <a:rPr lang="pt-BR" sz="2400" dirty="0">
+                <a:solidFill>
+                  <a:schemeClr val="tx1">
+                    <a:lumMod val="85000"/>
+                    <a:lumOff val="15000"/>
+                  </a:schemeClr>
+                </a:solidFill>
+                <a:latin typeface="Open Sans 1 Bold"/>
+              </a:rPr>
+              <a:t> #01</a:t>
+            </a:r>
+            <a:endParaRPr lang="pt-BR" sz="2400" dirty="0">
+              <a:solidFill>
+                <a:schemeClr val="tx1">
+                  <a:lumMod val="85000"/>
+                  <a:lumOff val="15000"/>
+                </a:schemeClr>
+              </a:solidFill>
+              <a:latin typeface="Open Sans 1 Bold"/>
+            </a:endParaRPr>
+          </a:p>
+        </p:txBody>
+      </p:sp>
+      <p:pic>
+        <p:nvPicPr>
+          <p:cNvPr id="17" name="Imagem 16"/>
+          <p:cNvPicPr>
+            <a:picLocks noChangeAspect="1"/>
+          </p:cNvPicPr>
+          <p:nvPr/>
+        </p:nvPicPr>
+        <p:blipFill>
+          <a:blip r:embed="rId3">
+            <a:extLst>
+              <a:ext uri="{28A0092B-C50C-407E-A947-70E740481C1C}">
+                <a14:useLocalDpi xmlns:a14="http://schemas.microsoft.com/office/drawing/2010/main" val="0"/>
+              </a:ext>
+            </a:extLst>
+          </a:blip>
+          <a:stretch>
+            <a:fillRect/>
+          </a:stretch>
+        </p:blipFill>
+        <p:spPr>
+          <a:xfrm>
+            <a:off x="9258299" y="3009900"/>
+            <a:ext cx="7429501" cy="3048000"/>
+          </a:xfrm>
+          <a:prstGeom prst="rect">
+            <a:avLst/>
+          </a:prstGeom>
+        </p:spPr>
+      </p:pic>
+      <p:sp>
+        <p:nvSpPr>
+          <p:cNvPr id="18" name="CaixaDeTexto 17"/>
+          <p:cNvSpPr txBox="1"/>
+          <p:nvPr/>
+        </p:nvSpPr>
+        <p:spPr>
+          <a:xfrm>
+            <a:off x="9900920" y="4107240"/>
+            <a:ext cx="5690871" cy="1569660"/>
+          </a:xfrm>
+          <a:prstGeom prst="rect">
+            <a:avLst/>
+          </a:prstGeom>
+          <a:noFill/>
+        </p:spPr>
+        <p:txBody>
+          <a:bodyPr wrap="square" rtlCol="0">
+            <a:spAutoFit/>
+          </a:bodyPr>
+          <a:lstStyle/>
+          <a:p>
+            <a:r>
+              <a:rPr lang="pt-BR" sz="2400" dirty="0" smtClean="0">
+                <a:solidFill>
+                  <a:schemeClr val="tx1">
+                    <a:lumMod val="85000"/>
+                    <a:lumOff val="15000"/>
+                  </a:schemeClr>
+                </a:solidFill>
+                <a:latin typeface="Open Sans Light" panose="020B0604020202020204" charset="0"/>
+                <a:ea typeface="Open Sans Light" panose="020B0604020202020204" charset="0"/>
+                <a:cs typeface="Open Sans Light" panose="020B0604020202020204" charset="0"/>
+              </a:rPr>
+              <a:t>Eu, enquanto suporte técnico, quero identificar quais máquinas estão com alerta, para realizar a análise da máquina rapidamente.</a:t>
+            </a:r>
+            <a:endParaRPr lang="pt-BR" sz="2400" dirty="0">
+              <a:solidFill>
+                <a:schemeClr val="tx1">
+                  <a:lumMod val="85000"/>
+                  <a:lumOff val="15000"/>
+                </a:schemeClr>
+              </a:solidFill>
+              <a:latin typeface="Open Sans Light" panose="020B0604020202020204" charset="0"/>
+              <a:ea typeface="Open Sans Light" panose="020B0604020202020204" charset="0"/>
+              <a:cs typeface="Open Sans Light" panose="020B0604020202020204" charset="0"/>
+            </a:endParaRPr>
+          </a:p>
+        </p:txBody>
+      </p:sp>
+      <p:sp>
+        <p:nvSpPr>
+          <p:cNvPr id="19" name="CaixaDeTexto 18"/>
+          <p:cNvSpPr txBox="1"/>
+          <p:nvPr/>
+        </p:nvSpPr>
+        <p:spPr>
+          <a:xfrm>
+            <a:off x="9900919" y="3342005"/>
+            <a:ext cx="5690871" cy="461665"/>
+          </a:xfrm>
+          <a:prstGeom prst="rect">
+            <a:avLst/>
+          </a:prstGeom>
+          <a:noFill/>
+        </p:spPr>
+        <p:txBody>
+          <a:bodyPr wrap="square" rtlCol="0">
+            <a:spAutoFit/>
+          </a:bodyPr>
+          <a:lstStyle/>
+          <a:p>
+            <a:r>
+              <a:rPr lang="pt-BR" sz="2400" dirty="0" err="1">
+                <a:solidFill>
+                  <a:schemeClr val="tx1">
+                    <a:lumMod val="85000"/>
+                    <a:lumOff val="15000"/>
+                  </a:schemeClr>
+                </a:solidFill>
+                <a:latin typeface="Open Sans 1 Bold"/>
+              </a:rPr>
+              <a:t>User</a:t>
+            </a:r>
+            <a:r>
+              <a:rPr lang="pt-BR" sz="2400" dirty="0">
+                <a:solidFill>
+                  <a:schemeClr val="tx1">
+                    <a:lumMod val="85000"/>
+                    <a:lumOff val="15000"/>
+                  </a:schemeClr>
+                </a:solidFill>
+                <a:latin typeface="Open Sans 1 Bold"/>
+              </a:rPr>
+              <a:t> </a:t>
+            </a:r>
+            <a:r>
+              <a:rPr lang="pt-BR" sz="2400" dirty="0" err="1">
+                <a:solidFill>
+                  <a:schemeClr val="tx1">
+                    <a:lumMod val="85000"/>
+                    <a:lumOff val="15000"/>
+                  </a:schemeClr>
+                </a:solidFill>
+                <a:latin typeface="Open Sans 1 Bold"/>
+              </a:rPr>
+              <a:t>Storie</a:t>
+            </a:r>
+            <a:r>
+              <a:rPr lang="pt-BR" sz="2400" dirty="0">
+                <a:solidFill>
+                  <a:schemeClr val="tx1">
+                    <a:lumMod val="85000"/>
+                    <a:lumOff val="15000"/>
+                  </a:schemeClr>
+                </a:solidFill>
+                <a:latin typeface="Open Sans 1 Bold"/>
+              </a:rPr>
+              <a:t> #</a:t>
+            </a:r>
+            <a:r>
+              <a:rPr lang="pt-BR" sz="2400" dirty="0" smtClean="0">
+                <a:solidFill>
+                  <a:schemeClr val="tx1">
+                    <a:lumMod val="85000"/>
+                    <a:lumOff val="15000"/>
+                  </a:schemeClr>
+                </a:solidFill>
+                <a:latin typeface="Open Sans 1 Bold"/>
+              </a:rPr>
+              <a:t>02</a:t>
+            </a:r>
+            <a:endParaRPr lang="pt-BR" sz="2400" dirty="0">
+              <a:solidFill>
+                <a:schemeClr val="tx1">
+                  <a:lumMod val="85000"/>
+                  <a:lumOff val="15000"/>
+                </a:schemeClr>
+              </a:solidFill>
+              <a:latin typeface="Open Sans 1 Bold"/>
+            </a:endParaRPr>
+          </a:p>
+        </p:txBody>
+      </p:sp>
+      <p:pic>
+        <p:nvPicPr>
+          <p:cNvPr id="23" name="Imagem 22"/>
+          <p:cNvPicPr>
+            <a:picLocks noChangeAspect="1"/>
+          </p:cNvPicPr>
+          <p:nvPr/>
+        </p:nvPicPr>
+        <p:blipFill>
+          <a:blip r:embed="rId3">
+            <a:extLst>
+              <a:ext uri="{28A0092B-C50C-407E-A947-70E740481C1C}">
+                <a14:useLocalDpi xmlns:a14="http://schemas.microsoft.com/office/drawing/2010/main" val="0"/>
+              </a:ext>
+            </a:extLst>
+          </a:blip>
+          <a:stretch>
+            <a:fillRect/>
+          </a:stretch>
+        </p:blipFill>
+        <p:spPr>
+          <a:xfrm>
+            <a:off x="9258299" y="6286500"/>
+            <a:ext cx="7429501" cy="3048000"/>
+          </a:xfrm>
+          <a:prstGeom prst="rect">
+            <a:avLst/>
+          </a:prstGeom>
+        </p:spPr>
+      </p:pic>
+      <p:sp>
+        <p:nvSpPr>
+          <p:cNvPr id="24" name="CaixaDeTexto 23"/>
+          <p:cNvSpPr txBox="1"/>
+          <p:nvPr/>
+        </p:nvSpPr>
+        <p:spPr>
+          <a:xfrm>
+            <a:off x="9900920" y="7383840"/>
+            <a:ext cx="6177280" cy="1569660"/>
+          </a:xfrm>
+          <a:prstGeom prst="rect">
+            <a:avLst/>
+          </a:prstGeom>
+          <a:noFill/>
+        </p:spPr>
+        <p:txBody>
+          <a:bodyPr wrap="square" rtlCol="0">
+            <a:spAutoFit/>
+          </a:bodyPr>
+          <a:lstStyle/>
+          <a:p>
+            <a:r>
+              <a:rPr lang="pt-BR" sz="2400" dirty="0" smtClean="0">
+                <a:solidFill>
+                  <a:schemeClr val="tx1">
+                    <a:lumMod val="85000"/>
+                    <a:lumOff val="15000"/>
+                  </a:schemeClr>
+                </a:solidFill>
+                <a:latin typeface="Open Sans Light" panose="020B0604020202020204" charset="0"/>
+                <a:ea typeface="Open Sans Light" panose="020B0604020202020204" charset="0"/>
+                <a:cs typeface="Open Sans Light" panose="020B0604020202020204" charset="0"/>
+              </a:rPr>
+              <a:t>Eu, enquanto suporte técnico, quero que as máquinas emitam alertas no meu sistema, para verificar os computadores que precisam de reparos.</a:t>
+            </a:r>
+            <a:endParaRPr lang="pt-BR" sz="2400" dirty="0">
+              <a:solidFill>
+                <a:schemeClr val="tx1">
+                  <a:lumMod val="85000"/>
+                  <a:lumOff val="15000"/>
+                </a:schemeClr>
+              </a:solidFill>
+              <a:latin typeface="Open Sans Light" panose="020B0604020202020204" charset="0"/>
+              <a:ea typeface="Open Sans Light" panose="020B0604020202020204" charset="0"/>
+              <a:cs typeface="Open Sans Light" panose="020B0604020202020204" charset="0"/>
+            </a:endParaRPr>
+          </a:p>
+        </p:txBody>
+      </p:sp>
+      <p:sp>
+        <p:nvSpPr>
+          <p:cNvPr id="25" name="CaixaDeTexto 24"/>
+          <p:cNvSpPr txBox="1"/>
+          <p:nvPr/>
+        </p:nvSpPr>
+        <p:spPr>
+          <a:xfrm>
+            <a:off x="9900919" y="6618605"/>
+            <a:ext cx="5690871" cy="461665"/>
+          </a:xfrm>
+          <a:prstGeom prst="rect">
+            <a:avLst/>
+          </a:prstGeom>
+          <a:noFill/>
+        </p:spPr>
+        <p:txBody>
+          <a:bodyPr wrap="square" rtlCol="0">
+            <a:spAutoFit/>
+          </a:bodyPr>
+          <a:lstStyle/>
+          <a:p>
+            <a:r>
+              <a:rPr lang="pt-BR" sz="2400" dirty="0" err="1">
+                <a:solidFill>
+                  <a:schemeClr val="tx1">
+                    <a:lumMod val="85000"/>
+                    <a:lumOff val="15000"/>
+                  </a:schemeClr>
+                </a:solidFill>
+                <a:latin typeface="Open Sans 1 Bold"/>
+              </a:rPr>
+              <a:t>User</a:t>
+            </a:r>
+            <a:r>
+              <a:rPr lang="pt-BR" sz="2400" dirty="0">
+                <a:solidFill>
+                  <a:schemeClr val="tx1">
+                    <a:lumMod val="85000"/>
+                    <a:lumOff val="15000"/>
+                  </a:schemeClr>
+                </a:solidFill>
+                <a:latin typeface="Open Sans 1 Bold"/>
+              </a:rPr>
+              <a:t> </a:t>
+            </a:r>
+            <a:r>
+              <a:rPr lang="pt-BR" sz="2400" dirty="0" err="1">
+                <a:solidFill>
+                  <a:schemeClr val="tx1">
+                    <a:lumMod val="85000"/>
+                    <a:lumOff val="15000"/>
+                  </a:schemeClr>
+                </a:solidFill>
+                <a:latin typeface="Open Sans 1 Bold"/>
+              </a:rPr>
+              <a:t>Storie</a:t>
+            </a:r>
+            <a:r>
+              <a:rPr lang="pt-BR" sz="2400" dirty="0">
+                <a:solidFill>
+                  <a:schemeClr val="tx1">
+                    <a:lumMod val="85000"/>
+                    <a:lumOff val="15000"/>
+                  </a:schemeClr>
+                </a:solidFill>
+                <a:latin typeface="Open Sans 1 Bold"/>
+              </a:rPr>
+              <a:t> #</a:t>
+            </a:r>
+            <a:r>
+              <a:rPr lang="pt-BR" sz="2400" dirty="0" smtClean="0">
+                <a:solidFill>
+                  <a:schemeClr val="tx1">
+                    <a:lumMod val="85000"/>
+                    <a:lumOff val="15000"/>
+                  </a:schemeClr>
+                </a:solidFill>
+                <a:latin typeface="Open Sans 1 Bold"/>
+              </a:rPr>
+              <a:t>04</a:t>
+            </a:r>
+            <a:endParaRPr lang="pt-BR" sz="2400" dirty="0">
+              <a:solidFill>
+                <a:schemeClr val="tx1">
+                  <a:lumMod val="85000"/>
+                  <a:lumOff val="15000"/>
+                </a:schemeClr>
+              </a:solidFill>
+              <a:latin typeface="Open Sans 1 Bold"/>
+            </a:endParaRPr>
+          </a:p>
+        </p:txBody>
+      </p:sp>
+      <p:pic>
+        <p:nvPicPr>
+          <p:cNvPr id="29" name="Imagem 28"/>
+          <p:cNvPicPr>
+            <a:picLocks noChangeAspect="1"/>
+          </p:cNvPicPr>
+          <p:nvPr/>
+        </p:nvPicPr>
+        <p:blipFill>
+          <a:blip r:embed="rId3">
+            <a:extLst>
+              <a:ext uri="{28A0092B-C50C-407E-A947-70E740481C1C}">
+                <a14:useLocalDpi xmlns:a14="http://schemas.microsoft.com/office/drawing/2010/main" val="0"/>
+              </a:ext>
+            </a:extLst>
+          </a:blip>
+          <a:stretch>
+            <a:fillRect/>
+          </a:stretch>
+        </p:blipFill>
+        <p:spPr>
+          <a:xfrm>
+            <a:off x="1567180" y="6286500"/>
+            <a:ext cx="7429501" cy="3048000"/>
+          </a:xfrm>
+          <a:prstGeom prst="rect">
+            <a:avLst/>
+          </a:prstGeom>
+        </p:spPr>
+      </p:pic>
+      <p:sp>
+        <p:nvSpPr>
+          <p:cNvPr id="30" name="CaixaDeTexto 29"/>
+          <p:cNvSpPr txBox="1"/>
+          <p:nvPr/>
+        </p:nvSpPr>
+        <p:spPr>
+          <a:xfrm>
+            <a:off x="2209801" y="7383840"/>
+            <a:ext cx="5690871" cy="1200329"/>
+          </a:xfrm>
+          <a:prstGeom prst="rect">
+            <a:avLst/>
+          </a:prstGeom>
+          <a:noFill/>
+        </p:spPr>
+        <p:txBody>
+          <a:bodyPr wrap="square" rtlCol="0">
+            <a:spAutoFit/>
+          </a:bodyPr>
+          <a:lstStyle/>
+          <a:p>
+            <a:r>
+              <a:rPr lang="pt-BR" sz="2400" dirty="0" smtClean="0">
+                <a:solidFill>
+                  <a:schemeClr val="tx1">
+                    <a:lumMod val="85000"/>
+                    <a:lumOff val="15000"/>
+                  </a:schemeClr>
+                </a:solidFill>
+                <a:latin typeface="Open Sans Light" panose="020B0604020202020204" charset="0"/>
+                <a:ea typeface="Open Sans Light" panose="020B0604020202020204" charset="0"/>
+                <a:cs typeface="Open Sans Light" panose="020B0604020202020204" charset="0"/>
+              </a:rPr>
+              <a:t>Eu, enquanto suporte técnico, quero monitorar a rede, para verificar quais máquinas estão ativas.</a:t>
+            </a:r>
+            <a:endParaRPr lang="pt-BR" sz="2400" dirty="0">
+              <a:solidFill>
+                <a:schemeClr val="tx1">
+                  <a:lumMod val="85000"/>
+                  <a:lumOff val="15000"/>
+                </a:schemeClr>
+              </a:solidFill>
+              <a:latin typeface="Open Sans Light" panose="020B0604020202020204" charset="0"/>
+              <a:ea typeface="Open Sans Light" panose="020B0604020202020204" charset="0"/>
+              <a:cs typeface="Open Sans Light" panose="020B0604020202020204" charset="0"/>
+            </a:endParaRPr>
+          </a:p>
+        </p:txBody>
+      </p:sp>
+      <p:sp>
+        <p:nvSpPr>
+          <p:cNvPr id="31" name="CaixaDeTexto 30"/>
+          <p:cNvSpPr txBox="1"/>
+          <p:nvPr/>
+        </p:nvSpPr>
+        <p:spPr>
+          <a:xfrm>
+            <a:off x="2209800" y="6618605"/>
+            <a:ext cx="5690871" cy="461665"/>
+          </a:xfrm>
+          <a:prstGeom prst="rect">
+            <a:avLst/>
+          </a:prstGeom>
+          <a:noFill/>
+        </p:spPr>
+        <p:txBody>
+          <a:bodyPr wrap="square" rtlCol="0">
+            <a:spAutoFit/>
+          </a:bodyPr>
+          <a:lstStyle/>
+          <a:p>
+            <a:r>
+              <a:rPr lang="pt-BR" sz="2400" dirty="0" err="1">
+                <a:solidFill>
+                  <a:schemeClr val="tx1">
+                    <a:lumMod val="85000"/>
+                    <a:lumOff val="15000"/>
+                  </a:schemeClr>
+                </a:solidFill>
+                <a:latin typeface="Open Sans 1 Bold"/>
+              </a:rPr>
+              <a:t>User</a:t>
+            </a:r>
+            <a:r>
+              <a:rPr lang="pt-BR" sz="2400" dirty="0">
+                <a:solidFill>
+                  <a:schemeClr val="tx1">
+                    <a:lumMod val="85000"/>
+                    <a:lumOff val="15000"/>
+                  </a:schemeClr>
+                </a:solidFill>
+                <a:latin typeface="Open Sans 1 Bold"/>
+              </a:rPr>
+              <a:t> </a:t>
+            </a:r>
+            <a:r>
+              <a:rPr lang="pt-BR" sz="2400" dirty="0" err="1">
+                <a:solidFill>
+                  <a:schemeClr val="tx1">
+                    <a:lumMod val="85000"/>
+                    <a:lumOff val="15000"/>
+                  </a:schemeClr>
+                </a:solidFill>
+                <a:latin typeface="Open Sans 1 Bold"/>
+              </a:rPr>
+              <a:t>Storie</a:t>
+            </a:r>
+            <a:r>
+              <a:rPr lang="pt-BR" sz="2400" dirty="0">
+                <a:solidFill>
+                  <a:schemeClr val="tx1">
+                    <a:lumMod val="85000"/>
+                    <a:lumOff val="15000"/>
+                  </a:schemeClr>
+                </a:solidFill>
+                <a:latin typeface="Open Sans 1 Bold"/>
+              </a:rPr>
+              <a:t> #</a:t>
+            </a:r>
+            <a:r>
+              <a:rPr lang="pt-BR" sz="2400" dirty="0" smtClean="0">
+                <a:solidFill>
+                  <a:schemeClr val="tx1">
+                    <a:lumMod val="85000"/>
+                    <a:lumOff val="15000"/>
+                  </a:schemeClr>
+                </a:solidFill>
+                <a:latin typeface="Open Sans 1 Bold"/>
+              </a:rPr>
+              <a:t>03</a:t>
+            </a:r>
+            <a:endParaRPr lang="pt-BR" sz="2400" dirty="0">
+              <a:solidFill>
+                <a:schemeClr val="tx1">
+                  <a:lumMod val="85000"/>
+                  <a:lumOff val="15000"/>
+                </a:schemeClr>
+              </a:solidFill>
+              <a:latin typeface="Open Sans 1 Bold"/>
+            </a:endParaRPr>
+          </a:p>
+        </p:txBody>
+      </p:sp>
     </p:spTree>
   </p:cSld>
   <p:clrMapOvr>
@@ -13520,9 +14204,9 @@
         <p:grpSpPr>
           <a:xfrm>
             <a:off x="9835409" y="2897248"/>
-            <a:ext cx="5878022" cy="1993668"/>
+            <a:ext cx="5878021" cy="1993668"/>
             <a:chOff x="0" y="0"/>
-            <a:chExt cx="7837363" cy="2658225"/>
+            <a:chExt cx="7837362" cy="2658225"/>
           </a:xfrm>
         </p:grpSpPr>
         <p:grpSp>
@@ -13602,8 +14286,8 @@
           </p:nvSpPr>
           <p:spPr>
             <a:xfrm>
-              <a:off x="3575449" y="804205"/>
-              <a:ext cx="4261913" cy="935514"/>
+              <a:off x="3575448" y="846115"/>
+              <a:ext cx="4261914" cy="960863"/>
             </a:xfrm>
             <a:prstGeom prst="rect">
               <a:avLst/>
@@ -13621,14 +14305,20 @@
                 </a:lnSpc>
               </a:pPr>
               <a:r>
-                <a:rPr lang="en-US" sz="4046" spc="40">
+                <a:rPr lang="en-US" sz="4046" spc="40" dirty="0" err="1" smtClean="0">
                   <a:solidFill>
                     <a:srgbClr val="393667"/>
                   </a:solidFill>
                   <a:latin typeface="Open Sans 2"/>
                 </a:rPr>
-                <a:t>Vantagem</a:t>
+                <a:t>Relatórios</a:t>
               </a:r>
+              <a:endParaRPr lang="en-US" sz="4046" spc="40" dirty="0">
+                <a:solidFill>
+                  <a:srgbClr val="393667"/>
+                </a:solidFill>
+                <a:latin typeface="Open Sans 2"/>
+              </a:endParaRPr>
             </a:p>
           </p:txBody>
         </p:sp>
@@ -13724,8 +14414,8 @@
           </p:nvSpPr>
           <p:spPr>
             <a:xfrm>
-              <a:off x="3575449" y="804205"/>
-              <a:ext cx="4261913" cy="935514"/>
+              <a:off x="3575449" y="286091"/>
+              <a:ext cx="4261914" cy="2086042"/>
             </a:xfrm>
             <a:prstGeom prst="rect">
               <a:avLst/>
@@ -13743,14 +14433,38 @@
                 </a:lnSpc>
               </a:pPr>
               <a:r>
-                <a:rPr lang="en-US" sz="4046" spc="40">
+                <a:rPr lang="en-US" sz="4046" spc="40" dirty="0" err="1" smtClean="0">
                   <a:solidFill>
                     <a:srgbClr val="393667"/>
                   </a:solidFill>
                   <a:latin typeface="Open Sans 2"/>
                 </a:rPr>
-                <a:t>Vantagem</a:t>
+                <a:t>Rapidez</a:t>
               </a:r>
+              <a:r>
+                <a:rPr lang="en-US" sz="4046" spc="40" dirty="0" smtClean="0">
+                  <a:solidFill>
+                    <a:srgbClr val="393667"/>
+                  </a:solidFill>
+                  <a:latin typeface="Open Sans 2"/>
+                </a:rPr>
+                <a:t> e </a:t>
+              </a:r>
+              <a:r>
+                <a:rPr lang="en-US" sz="4046" spc="40" dirty="0" err="1" smtClean="0">
+                  <a:solidFill>
+                    <a:srgbClr val="393667"/>
+                  </a:solidFill>
+                  <a:latin typeface="Open Sans 2"/>
+                </a:rPr>
+                <a:t>facilidade</a:t>
+              </a:r>
+              <a:endParaRPr lang="en-US" sz="4046" spc="40" dirty="0">
+                <a:solidFill>
+                  <a:srgbClr val="393667"/>
+                </a:solidFill>
+                <a:latin typeface="Open Sans 2"/>
+              </a:endParaRPr>
             </a:p>
           </p:txBody>
         </p:sp>
@@ -13764,9 +14478,9 @@
         <p:grpSpPr>
           <a:xfrm>
             <a:off x="9835409" y="7925107"/>
-            <a:ext cx="5878022" cy="1993668"/>
+            <a:ext cx="6318991" cy="1993668"/>
             <a:chOff x="0" y="0"/>
-            <a:chExt cx="7837363" cy="2658225"/>
+            <a:chExt cx="8425322" cy="2658225"/>
           </a:xfrm>
         </p:grpSpPr>
         <p:grpSp>
@@ -13846,15 +14560,15 @@
           </p:nvSpPr>
           <p:spPr>
             <a:xfrm>
-              <a:off x="3575449" y="804205"/>
-              <a:ext cx="4261913" cy="935514"/>
+              <a:off x="3575448" y="807602"/>
+              <a:ext cx="4849874" cy="1043020"/>
             </a:xfrm>
             <a:prstGeom prst="rect">
               <a:avLst/>
             </a:prstGeom>
           </p:spPr>
           <p:txBody>
-            <a:bodyPr lIns="0" tIns="0" rIns="0" bIns="0" rtlCol="0" anchor="t">
+            <a:bodyPr wrap="square" lIns="0" tIns="0" rIns="0" bIns="0" rtlCol="0" anchor="t">
               <a:spAutoFit/>
             </a:bodyPr>
             <a:lstStyle/>
@@ -13865,14 +14579,20 @@
                 </a:lnSpc>
               </a:pPr>
               <a:r>
-                <a:rPr lang="en-US" sz="4046" spc="40">
+                <a:rPr lang="en-US" sz="4046" spc="40" dirty="0" err="1" smtClean="0">
                   <a:solidFill>
                     <a:srgbClr val="393667"/>
                   </a:solidFill>
                   <a:latin typeface="Open Sans 2"/>
                 </a:rPr>
-                <a:t>Vantagem</a:t>
+                <a:t>Produtividade</a:t>
               </a:r>
+              <a:endParaRPr lang="en-US" sz="4046" spc="40" dirty="0">
+                <a:solidFill>
+                  <a:srgbClr val="393667"/>
+                </a:solidFill>
+                <a:latin typeface="Open Sans 2"/>
+              </a:endParaRPr>
             </a:p>
           </p:txBody>
         </p:sp>
@@ -13930,9 +14650,9 @@
         <p:grpSpPr>
           <a:xfrm>
             <a:off x="9835409" y="5396084"/>
-            <a:ext cx="5878022" cy="1993668"/>
+            <a:ext cx="5878021" cy="1993667"/>
             <a:chOff x="0" y="0"/>
-            <a:chExt cx="7837363" cy="2658225"/>
+            <a:chExt cx="7837362" cy="2658225"/>
           </a:xfrm>
         </p:grpSpPr>
         <p:grpSp>
@@ -14012,8 +14732,8 @@
           </p:nvSpPr>
           <p:spPr>
             <a:xfrm>
-              <a:off x="3575449" y="804205"/>
-              <a:ext cx="4261913" cy="935514"/>
+              <a:off x="3575448" y="326340"/>
+              <a:ext cx="4261914" cy="2003884"/>
             </a:xfrm>
             <a:prstGeom prst="rect">
               <a:avLst/>
@@ -14031,14 +14751,38 @@
                 </a:lnSpc>
               </a:pPr>
               <a:r>
-                <a:rPr lang="en-US" sz="4046" spc="40">
+                <a:rPr lang="en-US" sz="4046" spc="40" dirty="0" err="1">
                   <a:solidFill>
                     <a:srgbClr val="393667"/>
                   </a:solidFill>
                   <a:latin typeface="Open Sans 2"/>
                 </a:rPr>
-                <a:t>Vantagem</a:t>
+                <a:t>Histórico</a:t>
               </a:r>
+              <a:r>
+                <a:rPr lang="en-US" sz="4046" spc="40" dirty="0">
+                  <a:solidFill>
+                    <a:srgbClr val="393667"/>
+                  </a:solidFill>
+                  <a:latin typeface="Open Sans 2"/>
+                </a:rPr>
+                <a:t> de </a:t>
+              </a:r>
+              <a:r>
+                <a:rPr lang="en-US" sz="4046" spc="40" dirty="0" err="1" smtClean="0">
+                  <a:solidFill>
+                    <a:srgbClr val="393667"/>
+                  </a:solidFill>
+                  <a:latin typeface="Open Sans 2"/>
+                </a:rPr>
+                <a:t>incidentes</a:t>
+              </a:r>
+              <a:endParaRPr lang="en-US" sz="4046" spc="40" dirty="0">
+                <a:solidFill>
+                  <a:srgbClr val="393667"/>
+                </a:solidFill>
+                <a:latin typeface="Open Sans 2"/>
+              </a:endParaRPr>
             </a:p>
           </p:txBody>
         </p:sp>
@@ -14067,6 +14811,126 @@
           <a:xfrm>
             <a:off x="17078325" y="266700"/>
             <a:ext cx="883385" cy="1044000"/>
+          </a:xfrm>
+          <a:prstGeom prst="rect">
+            <a:avLst/>
+          </a:prstGeom>
+        </p:spPr>
+      </p:pic>
+      <p:pic>
+        <p:nvPicPr>
+          <p:cNvPr id="21" name="Imagem 20"/>
+          <p:cNvPicPr>
+            <a:picLocks noChangeAspect="1"/>
+          </p:cNvPicPr>
+          <p:nvPr/>
+        </p:nvPicPr>
+        <p:blipFill>
+          <a:blip r:embed="rId4">
+            <a:extLst>
+              <a:ext uri="{28A0092B-C50C-407E-A947-70E740481C1C}">
+                <a14:useLocalDpi xmlns:a14="http://schemas.microsoft.com/office/drawing/2010/main" val="0"/>
+              </a:ext>
+            </a:extLst>
+          </a:blip>
+          <a:stretch>
+            <a:fillRect/>
+          </a:stretch>
+        </p:blipFill>
+        <p:spPr>
+          <a:xfrm>
+            <a:off x="10382173" y="914988"/>
+            <a:ext cx="900140" cy="900140"/>
+          </a:xfrm>
+          <a:prstGeom prst="rect">
+            <a:avLst/>
+          </a:prstGeom>
+        </p:spPr>
+      </p:pic>
+      <p:pic>
+        <p:nvPicPr>
+          <p:cNvPr id="23" name="Imagem 22"/>
+          <p:cNvPicPr>
+            <a:picLocks noChangeAspect="1"/>
+          </p:cNvPicPr>
+          <p:nvPr/>
+        </p:nvPicPr>
+        <p:blipFill>
+          <a:blip r:embed="rId5">
+            <a:extLst>
+              <a:ext uri="{28A0092B-C50C-407E-A947-70E740481C1C}">
+                <a14:useLocalDpi xmlns:a14="http://schemas.microsoft.com/office/drawing/2010/main" val="0"/>
+              </a:ext>
+            </a:extLst>
+          </a:blip>
+          <a:stretch>
+            <a:fillRect/>
+          </a:stretch>
+        </p:blipFill>
+        <p:spPr>
+          <a:xfrm>
+            <a:off x="10428943" y="3451930"/>
+            <a:ext cx="853370" cy="853370"/>
+          </a:xfrm>
+          <a:prstGeom prst="rect">
+            <a:avLst/>
+          </a:prstGeom>
+        </p:spPr>
+      </p:pic>
+      <p:pic>
+        <p:nvPicPr>
+          <p:cNvPr id="25" name="Imagem 24"/>
+          <p:cNvPicPr>
+            <a:picLocks noChangeAspect="1"/>
+          </p:cNvPicPr>
+          <p:nvPr/>
+        </p:nvPicPr>
+        <p:blipFill>
+          <a:blip r:embed="rId6">
+            <a:extLst>
+              <a:ext uri="{28A0092B-C50C-407E-A947-70E740481C1C}">
+                <a14:useLocalDpi xmlns:a14="http://schemas.microsoft.com/office/drawing/2010/main" val="0"/>
+              </a:ext>
+            </a:extLst>
+          </a:blip>
+          <a:stretch>
+            <a:fillRect/>
+          </a:stretch>
+        </p:blipFill>
+        <p:spPr>
+          <a:xfrm>
+            <a:off x="10358696" y="5829300"/>
+            <a:ext cx="993863" cy="993863"/>
+          </a:xfrm>
+          <a:prstGeom prst="rect">
+            <a:avLst/>
+          </a:prstGeom>
+        </p:spPr>
+      </p:pic>
+      <p:pic>
+        <p:nvPicPr>
+          <p:cNvPr id="26" name="Imagem 25"/>
+          <p:cNvPicPr>
+            <a:picLocks noChangeAspect="1"/>
+          </p:cNvPicPr>
+          <p:nvPr/>
+        </p:nvPicPr>
+        <p:blipFill>
+          <a:blip r:embed="rId7">
+            <a:extLst>
+              <a:ext uri="{28A0092B-C50C-407E-A947-70E740481C1C}">
+                <a14:useLocalDpi xmlns:a14="http://schemas.microsoft.com/office/drawing/2010/main" val="0"/>
+              </a:ext>
+            </a:extLst>
+          </a:blip>
+          <a:stretch>
+            <a:fillRect/>
+          </a:stretch>
+        </p:blipFill>
+        <p:spPr>
+          <a:xfrm>
+            <a:off x="10327532" y="8417229"/>
+            <a:ext cx="1009421" cy="1009421"/>
           </a:xfrm>
           <a:prstGeom prst="rect">
             <a:avLst/>

--- a/Documentação/Pyxis.pptx
+++ b/Documentação/Pyxis.pptx
@@ -31,26 +31,26 @@
   <p:notesSz cx="6858000" cy="9144000"/>
   <p:embeddedFontLst>
     <p:embeddedFont>
+      <p:font typeface="Calibri" panose="020F0502020204030204" pitchFamily="34" charset="0"/>
+      <p:regular r:id="rId21"/>
+      <p:bold r:id="rId22"/>
+      <p:italic r:id="rId23"/>
+      <p:boldItalic r:id="rId24"/>
+    </p:embeddedFont>
+    <p:embeddedFont>
       <p:font typeface="Open Sans 1" panose="020B0604020202020204" charset="0"/>
-      <p:regular r:id="rId21"/>
+      <p:regular r:id="rId25"/>
+    </p:embeddedFont>
+    <p:embeddedFont>
+      <p:font typeface="Open Sans 1 Bold" panose="020B0604020202020204" charset="0"/>
+      <p:regular r:id="rId26"/>
+    </p:embeddedFont>
+    <p:embeddedFont>
+      <p:font typeface="Open Sans 2" panose="020B0604020202020204" charset="0"/>
+      <p:regular r:id="rId27"/>
     </p:embeddedFont>
     <p:embeddedFont>
       <p:font typeface="Open Sans Light" panose="020B0604020202020204" charset="0"/>
-      <p:regular r:id="rId22"/>
-    </p:embeddedFont>
-    <p:embeddedFont>
-      <p:font typeface="Calibri" panose="020F0502020204030204" pitchFamily="34" charset="0"/>
-      <p:regular r:id="rId23"/>
-      <p:bold r:id="rId24"/>
-      <p:italic r:id="rId25"/>
-      <p:boldItalic r:id="rId26"/>
-    </p:embeddedFont>
-    <p:embeddedFont>
-      <p:font typeface="Open Sans 1 Bold" panose="020B0604020202020204" charset="0"/>
-      <p:regular r:id="rId27"/>
-    </p:embeddedFont>
-    <p:embeddedFont>
-      <p:font typeface="Open Sans 2" panose="020B0604020202020204" charset="0"/>
       <p:regular r:id="rId28"/>
     </p:embeddedFont>
   </p:embeddedFontLst>
@@ -314,38 +314,37 @@
           <a:p>
             <a:pPr lvl="0"/>
             <a:r>
-              <a:rPr lang="pt-BR" smtClean="0"/>
+              <a:rPr lang="pt-BR"/>
               <a:t>Editar estilos de texto Mestre</a:t>
             </a:r>
           </a:p>
           <a:p>
             <a:pPr lvl="1"/>
             <a:r>
-              <a:rPr lang="pt-BR" smtClean="0"/>
+              <a:rPr lang="pt-BR"/>
               <a:t>Segundo nível</a:t>
             </a:r>
           </a:p>
           <a:p>
             <a:pPr lvl="2"/>
             <a:r>
-              <a:rPr lang="pt-BR" smtClean="0"/>
+              <a:rPr lang="pt-BR"/>
               <a:t>Terceiro nível</a:t>
             </a:r>
           </a:p>
           <a:p>
             <a:pPr lvl="3"/>
             <a:r>
-              <a:rPr lang="pt-BR" smtClean="0"/>
+              <a:rPr lang="pt-BR"/>
               <a:t>Quarto nível</a:t>
             </a:r>
           </a:p>
           <a:p>
             <a:pPr lvl="4"/>
             <a:r>
-              <a:rPr lang="pt-BR" smtClean="0"/>
+              <a:rPr lang="pt-BR"/>
               <a:t>Quinto nível</a:t>
             </a:r>
-            <a:endParaRPr lang="pt-BR"/>
           </a:p>
         </p:txBody>
       </p:sp>
@@ -4496,13 +4495,6 @@
       </p:transition>
     </mc:Fallback>
   </mc:AlternateContent>
-  <p:timing>
-    <p:tnLst>
-      <p:par>
-        <p:cTn id="1" dur="indefinite" restart="never" nodeType="tmRoot"/>
-      </p:par>
-    </p:tnLst>
-  </p:timing>
 </p:sld>
 </file>
 
@@ -4616,13 +4608,6 @@
       </p:transition>
     </mc:Fallback>
   </mc:AlternateContent>
-  <p:timing>
-    <p:tnLst>
-      <p:par>
-        <p:cTn id="1" dur="indefinite" restart="never" nodeType="tmRoot"/>
-      </p:par>
-    </p:tnLst>
-  </p:timing>
 </p:sld>
 </file>
 
@@ -4670,7 +4655,7 @@
               </a:lnSpc>
             </a:pPr>
             <a:r>
-              <a:rPr lang="en-US" sz="11500" dirty="0" smtClean="0">
+              <a:rPr lang="en-US" sz="11500" dirty="0">
                 <a:solidFill>
                   <a:srgbClr val="545454"/>
                 </a:solidFill>
@@ -4678,12 +4663,6 @@
               </a:rPr>
               <a:t>Canvas</a:t>
             </a:r>
-            <a:endParaRPr lang="en-US" sz="11500" dirty="0">
-              <a:solidFill>
-                <a:srgbClr val="545454"/>
-              </a:solidFill>
-              <a:latin typeface="Open Sans 1 Bold"/>
-            </a:endParaRPr>
           </a:p>
         </p:txBody>
       </p:sp>
@@ -5374,7 +5353,7 @@
           <a:lstStyle/>
           <a:p>
             <a:r>
-              <a:rPr lang="pt-BR" sz="2800" b="1" dirty="0" smtClean="0">
+              <a:rPr lang="pt-BR" sz="2800" b="1" dirty="0">
                 <a:solidFill>
                   <a:schemeClr val="tx1">
                     <a:lumMod val="65000"/>
@@ -5387,17 +5366,6 @@
               </a:rPr>
               <a:t>Parcerias Chaves</a:t>
             </a:r>
-            <a:endParaRPr lang="pt-BR" sz="2800" b="1" dirty="0">
-              <a:solidFill>
-                <a:schemeClr val="tx1">
-                  <a:lumMod val="65000"/>
-                  <a:lumOff val="35000"/>
-                </a:schemeClr>
-              </a:solidFill>
-              <a:latin typeface="Open Sans Light" panose="020B0604020202020204" charset="0"/>
-              <a:ea typeface="Open Sans Light" panose="020B0604020202020204" charset="0"/>
-              <a:cs typeface="Open Sans Light" panose="020B0604020202020204" charset="0"/>
-            </a:endParaRPr>
           </a:p>
         </p:txBody>
       </p:sp>
@@ -5425,7 +5393,7 @@
           <a:p>
             <a:pPr algn="ctr"/>
             <a:r>
-              <a:rPr lang="pt-BR" sz="2800" b="1" dirty="0" smtClean="0">
+              <a:rPr lang="pt-BR" sz="2800" b="1" dirty="0">
                 <a:solidFill>
                   <a:schemeClr val="tx1">
                     <a:lumMod val="65000"/>
@@ -5438,17 +5406,6 @@
               </a:rPr>
               <a:t>Estrutura de Custos</a:t>
             </a:r>
-            <a:endParaRPr lang="pt-BR" sz="2800" b="1" dirty="0">
-              <a:solidFill>
-                <a:schemeClr val="tx1">
-                  <a:lumMod val="65000"/>
-                  <a:lumOff val="35000"/>
-                </a:schemeClr>
-              </a:solidFill>
-              <a:latin typeface="Open Sans Light" panose="020B0604020202020204" charset="0"/>
-              <a:ea typeface="Open Sans Light" panose="020B0604020202020204" charset="0"/>
-              <a:cs typeface="Open Sans Light" panose="020B0604020202020204" charset="0"/>
-            </a:endParaRPr>
           </a:p>
         </p:txBody>
       </p:sp>
@@ -5476,7 +5433,7 @@
           <a:p>
             <a:pPr algn="ctr"/>
             <a:r>
-              <a:rPr lang="pt-BR" sz="2800" b="1" dirty="0" smtClean="0">
+              <a:rPr lang="pt-BR" sz="2800" b="1" dirty="0">
                 <a:solidFill>
                   <a:schemeClr val="tx1">
                     <a:lumMod val="65000"/>
@@ -5489,17 +5446,6 @@
               </a:rPr>
               <a:t>Atitudes Chave</a:t>
             </a:r>
-            <a:endParaRPr lang="pt-BR" sz="2800" b="1" dirty="0">
-              <a:solidFill>
-                <a:schemeClr val="tx1">
-                  <a:lumMod val="65000"/>
-                  <a:lumOff val="35000"/>
-                </a:schemeClr>
-              </a:solidFill>
-              <a:latin typeface="Open Sans Light" panose="020B0604020202020204" charset="0"/>
-              <a:ea typeface="Open Sans Light" panose="020B0604020202020204" charset="0"/>
-              <a:cs typeface="Open Sans Light" panose="020B0604020202020204" charset="0"/>
-            </a:endParaRPr>
           </a:p>
         </p:txBody>
       </p:sp>
@@ -5527,7 +5473,7 @@
           <a:p>
             <a:pPr algn="ctr"/>
             <a:r>
-              <a:rPr lang="pt-BR" sz="2800" b="1" dirty="0" smtClean="0">
+              <a:rPr lang="pt-BR" sz="2800" b="1" dirty="0">
                 <a:solidFill>
                   <a:schemeClr val="tx1">
                     <a:lumMod val="65000"/>
@@ -5540,17 +5486,6 @@
               </a:rPr>
               <a:t>Oferta de valor</a:t>
             </a:r>
-            <a:endParaRPr lang="pt-BR" sz="2800" b="1" dirty="0">
-              <a:solidFill>
-                <a:schemeClr val="tx1">
-                  <a:lumMod val="65000"/>
-                  <a:lumOff val="35000"/>
-                </a:schemeClr>
-              </a:solidFill>
-              <a:latin typeface="Open Sans Light" panose="020B0604020202020204" charset="0"/>
-              <a:ea typeface="Open Sans Light" panose="020B0604020202020204" charset="0"/>
-              <a:cs typeface="Open Sans Light" panose="020B0604020202020204" charset="0"/>
-            </a:endParaRPr>
           </a:p>
         </p:txBody>
       </p:sp>
@@ -5578,7 +5513,7 @@
           <a:p>
             <a:pPr algn="ctr"/>
             <a:r>
-              <a:rPr lang="pt-BR" sz="2800" b="1" dirty="0" smtClean="0">
+              <a:rPr lang="pt-BR" sz="2800" b="1" dirty="0">
                 <a:solidFill>
                   <a:schemeClr val="tx1">
                     <a:lumMod val="65000"/>
@@ -5591,17 +5526,6 @@
               </a:rPr>
               <a:t>Relacionamento</a:t>
             </a:r>
-            <a:endParaRPr lang="pt-BR" sz="2800" b="1" dirty="0">
-              <a:solidFill>
-                <a:schemeClr val="tx1">
-                  <a:lumMod val="65000"/>
-                  <a:lumOff val="35000"/>
-                </a:schemeClr>
-              </a:solidFill>
-              <a:latin typeface="Open Sans Light" panose="020B0604020202020204" charset="0"/>
-              <a:ea typeface="Open Sans Light" panose="020B0604020202020204" charset="0"/>
-              <a:cs typeface="Open Sans Light" panose="020B0604020202020204" charset="0"/>
-            </a:endParaRPr>
           </a:p>
         </p:txBody>
       </p:sp>
@@ -5629,7 +5553,7 @@
           <a:p>
             <a:pPr algn="ctr"/>
             <a:r>
-              <a:rPr lang="pt-BR" sz="2800" b="1" dirty="0" smtClean="0">
+              <a:rPr lang="pt-BR" sz="2800" b="1" dirty="0">
                 <a:solidFill>
                   <a:schemeClr val="tx1">
                     <a:lumMod val="65000"/>
@@ -5642,17 +5566,6 @@
               </a:rPr>
               <a:t>Segmentos de clientes</a:t>
             </a:r>
-            <a:endParaRPr lang="pt-BR" sz="2800" b="1" dirty="0">
-              <a:solidFill>
-                <a:schemeClr val="tx1">
-                  <a:lumMod val="65000"/>
-                  <a:lumOff val="35000"/>
-                </a:schemeClr>
-              </a:solidFill>
-              <a:latin typeface="Open Sans Light" panose="020B0604020202020204" charset="0"/>
-              <a:ea typeface="Open Sans Light" panose="020B0604020202020204" charset="0"/>
-              <a:cs typeface="Open Sans Light" panose="020B0604020202020204" charset="0"/>
-            </a:endParaRPr>
           </a:p>
         </p:txBody>
       </p:sp>
@@ -5680,7 +5593,7 @@
           <a:p>
             <a:pPr algn="ctr"/>
             <a:r>
-              <a:rPr lang="pt-BR" sz="2800" b="1" dirty="0" smtClean="0">
+              <a:rPr lang="pt-BR" sz="2800" b="1" dirty="0">
                 <a:solidFill>
                   <a:schemeClr val="tx1">
                     <a:lumMod val="65000"/>
@@ -5693,17 +5606,6 @@
               </a:rPr>
               <a:t>Recursos Chave</a:t>
             </a:r>
-            <a:endParaRPr lang="pt-BR" sz="2800" b="1" dirty="0">
-              <a:solidFill>
-                <a:schemeClr val="tx1">
-                  <a:lumMod val="65000"/>
-                  <a:lumOff val="35000"/>
-                </a:schemeClr>
-              </a:solidFill>
-              <a:latin typeface="Open Sans Light" panose="020B0604020202020204" charset="0"/>
-              <a:ea typeface="Open Sans Light" panose="020B0604020202020204" charset="0"/>
-              <a:cs typeface="Open Sans Light" panose="020B0604020202020204" charset="0"/>
-            </a:endParaRPr>
           </a:p>
         </p:txBody>
       </p:sp>
@@ -5731,7 +5633,7 @@
           <a:p>
             <a:pPr algn="ctr"/>
             <a:r>
-              <a:rPr lang="pt-BR" sz="2800" b="1" dirty="0" smtClean="0">
+              <a:rPr lang="pt-BR" sz="2800" b="1" dirty="0">
                 <a:solidFill>
                   <a:schemeClr val="tx1">
                     <a:lumMod val="65000"/>
@@ -5744,17 +5646,6 @@
               </a:rPr>
               <a:t>Canais</a:t>
             </a:r>
-            <a:endParaRPr lang="pt-BR" sz="2800" b="1" dirty="0">
-              <a:solidFill>
-                <a:schemeClr val="tx1">
-                  <a:lumMod val="65000"/>
-                  <a:lumOff val="35000"/>
-                </a:schemeClr>
-              </a:solidFill>
-              <a:latin typeface="Open Sans Light" panose="020B0604020202020204" charset="0"/>
-              <a:ea typeface="Open Sans Light" panose="020B0604020202020204" charset="0"/>
-              <a:cs typeface="Open Sans Light" panose="020B0604020202020204" charset="0"/>
-            </a:endParaRPr>
           </a:p>
         </p:txBody>
       </p:sp>
@@ -5782,7 +5673,7 @@
           <a:p>
             <a:pPr algn="ctr"/>
             <a:r>
-              <a:rPr lang="pt-BR" sz="2800" b="1" dirty="0" smtClean="0">
+              <a:rPr lang="pt-BR" sz="2800" b="1" dirty="0">
                 <a:solidFill>
                   <a:schemeClr val="tx1">
                     <a:lumMod val="65000"/>
@@ -5795,17 +5686,6 @@
               </a:rPr>
               <a:t>Fontes de Receita</a:t>
             </a:r>
-            <a:endParaRPr lang="pt-BR" sz="2800" b="1" dirty="0">
-              <a:solidFill>
-                <a:schemeClr val="tx1">
-                  <a:lumMod val="65000"/>
-                  <a:lumOff val="35000"/>
-                </a:schemeClr>
-              </a:solidFill>
-              <a:latin typeface="Open Sans Light" panose="020B0604020202020204" charset="0"/>
-              <a:ea typeface="Open Sans Light" panose="020B0604020202020204" charset="0"/>
-              <a:cs typeface="Open Sans Light" panose="020B0604020202020204" charset="0"/>
-            </a:endParaRPr>
           </a:p>
         </p:txBody>
       </p:sp>
@@ -5882,33 +5762,8 @@
                 <a:ea typeface="Open Sans Light" panose="020B0604020202020204" charset="0"/>
                 <a:cs typeface="Open Sans Light" panose="020B0604020202020204" charset="0"/>
               </a:rPr>
-              <a:t>para o </a:t>
-            </a:r>
-            <a:r>
-              <a:rPr lang="pt-BR" sz="2400" dirty="0" smtClean="0">
-                <a:solidFill>
-                  <a:schemeClr val="tx1">
-                    <a:lumMod val="65000"/>
-                    <a:lumOff val="35000"/>
-                  </a:schemeClr>
-                </a:solidFill>
-                <a:latin typeface="Open Sans Light" panose="020B0604020202020204" charset="0"/>
-                <a:ea typeface="Open Sans Light" panose="020B0604020202020204" charset="0"/>
-                <a:cs typeface="Open Sans Light" panose="020B0604020202020204" charset="0"/>
-              </a:rPr>
-              <a:t>Gestor</a:t>
-            </a:r>
-            <a:endParaRPr lang="pt-BR" sz="2400" dirty="0">
-              <a:solidFill>
-                <a:schemeClr val="tx1">
-                  <a:lumMod val="65000"/>
-                  <a:lumOff val="35000"/>
-                </a:schemeClr>
-              </a:solidFill>
-              <a:latin typeface="Open Sans Light" panose="020B0604020202020204" charset="0"/>
-              <a:ea typeface="Open Sans Light" panose="020B0604020202020204" charset="0"/>
-              <a:cs typeface="Open Sans Light" panose="020B0604020202020204" charset="0"/>
-            </a:endParaRPr>
+              <a:t>para o Gestor</a:t>
+            </a:r>
           </a:p>
         </p:txBody>
       </p:sp>
@@ -5955,7 +5810,7 @@
           <a:p>
             <a:pPr algn="ctr"/>
             <a:r>
-              <a:rPr lang="pt-BR" sz="2400" dirty="0" smtClean="0">
+              <a:rPr lang="pt-BR" sz="2400" dirty="0">
                 <a:solidFill>
                   <a:schemeClr val="tx1">
                     <a:lumMod val="65000"/>
@@ -5968,17 +5823,6 @@
               </a:rPr>
               <a:t>Desenvolvimento da Plataforma</a:t>
             </a:r>
-            <a:endParaRPr lang="pt-BR" sz="2400" dirty="0">
-              <a:solidFill>
-                <a:schemeClr val="tx1">
-                  <a:lumMod val="65000"/>
-                  <a:lumOff val="35000"/>
-                </a:schemeClr>
-              </a:solidFill>
-              <a:latin typeface="Open Sans Light" panose="020B0604020202020204" charset="0"/>
-              <a:ea typeface="Open Sans Light" panose="020B0604020202020204" charset="0"/>
-              <a:cs typeface="Open Sans Light" panose="020B0604020202020204" charset="0"/>
-            </a:endParaRPr>
           </a:p>
         </p:txBody>
       </p:sp>
@@ -6025,7 +5869,7 @@
           <a:p>
             <a:pPr algn="ctr"/>
             <a:r>
-              <a:rPr lang="pt-BR" sz="2400" dirty="0" smtClean="0">
+              <a:rPr lang="pt-BR" sz="2400" dirty="0">
                 <a:solidFill>
                   <a:schemeClr val="tx1">
                     <a:lumMod val="65000"/>
@@ -6038,17 +5882,6 @@
               </a:rPr>
               <a:t>Monitorar Maquinas</a:t>
             </a:r>
-            <a:endParaRPr lang="pt-BR" sz="2400" dirty="0">
-              <a:solidFill>
-                <a:schemeClr val="tx1">
-                  <a:lumMod val="65000"/>
-                  <a:lumOff val="35000"/>
-                </a:schemeClr>
-              </a:solidFill>
-              <a:latin typeface="Open Sans Light" panose="020B0604020202020204" charset="0"/>
-              <a:ea typeface="Open Sans Light" panose="020B0604020202020204" charset="0"/>
-              <a:cs typeface="Open Sans Light" panose="020B0604020202020204" charset="0"/>
-            </a:endParaRPr>
           </a:p>
         </p:txBody>
       </p:sp>
@@ -6095,7 +5928,7 @@
           <a:p>
             <a:pPr algn="ctr"/>
             <a:r>
-              <a:rPr lang="pt-BR" sz="2400" dirty="0" smtClean="0">
+              <a:rPr lang="pt-BR" sz="2400" dirty="0">
                 <a:solidFill>
                   <a:schemeClr val="tx1">
                     <a:lumMod val="65000"/>
@@ -6108,17 +5941,6 @@
               </a:rPr>
               <a:t>Análise de Dados</a:t>
             </a:r>
-            <a:endParaRPr lang="pt-BR" sz="2400" dirty="0">
-              <a:solidFill>
-                <a:schemeClr val="tx1">
-                  <a:lumMod val="65000"/>
-                  <a:lumOff val="35000"/>
-                </a:schemeClr>
-              </a:solidFill>
-              <a:latin typeface="Open Sans Light" panose="020B0604020202020204" charset="0"/>
-              <a:ea typeface="Open Sans Light" panose="020B0604020202020204" charset="0"/>
-              <a:cs typeface="Open Sans Light" panose="020B0604020202020204" charset="0"/>
-            </a:endParaRPr>
           </a:p>
         </p:txBody>
       </p:sp>
@@ -6165,7 +5987,7 @@
           <a:p>
             <a:pPr algn="ctr"/>
             <a:r>
-              <a:rPr lang="pt-BR" sz="2200" dirty="0" smtClean="0">
+              <a:rPr lang="pt-BR" sz="2200" dirty="0">
                 <a:solidFill>
                   <a:schemeClr val="tx1">
                     <a:lumMod val="65000"/>
@@ -6178,17 +6000,6 @@
               </a:rPr>
               <a:t>Manutenção das Maquinas</a:t>
             </a:r>
-            <a:endParaRPr lang="pt-BR" sz="2200" dirty="0">
-              <a:solidFill>
-                <a:schemeClr val="tx1">
-                  <a:lumMod val="65000"/>
-                  <a:lumOff val="35000"/>
-                </a:schemeClr>
-              </a:solidFill>
-              <a:latin typeface="Open Sans Light" panose="020B0604020202020204" charset="0"/>
-              <a:ea typeface="Open Sans Light" panose="020B0604020202020204" charset="0"/>
-              <a:cs typeface="Open Sans Light" panose="020B0604020202020204" charset="0"/>
-            </a:endParaRPr>
           </a:p>
         </p:txBody>
       </p:sp>
@@ -6235,7 +6046,7 @@
           <a:p>
             <a:pPr algn="ctr"/>
             <a:r>
-              <a:rPr lang="pt-BR" sz="2400" dirty="0" smtClean="0">
+              <a:rPr lang="pt-BR" sz="2400" dirty="0">
                 <a:solidFill>
                   <a:schemeClr val="tx1">
                     <a:lumMod val="65000"/>
@@ -6248,17 +6059,6 @@
               </a:rPr>
               <a:t>Monitorar Rede</a:t>
             </a:r>
-            <a:endParaRPr lang="pt-BR" sz="2400" dirty="0">
-              <a:solidFill>
-                <a:schemeClr val="tx1">
-                  <a:lumMod val="65000"/>
-                  <a:lumOff val="35000"/>
-                </a:schemeClr>
-              </a:solidFill>
-              <a:latin typeface="Open Sans Light" panose="020B0604020202020204" charset="0"/>
-              <a:ea typeface="Open Sans Light" panose="020B0604020202020204" charset="0"/>
-              <a:cs typeface="Open Sans Light" panose="020B0604020202020204" charset="0"/>
-            </a:endParaRPr>
           </a:p>
         </p:txBody>
       </p:sp>
@@ -6305,7 +6105,7 @@
           <a:p>
             <a:pPr algn="ctr"/>
             <a:r>
-              <a:rPr lang="pt-BR" sz="2400" dirty="0" smtClean="0">
+              <a:rPr lang="pt-BR" sz="2400" dirty="0">
                 <a:solidFill>
                   <a:schemeClr val="tx1">
                     <a:lumMod val="65000"/>
@@ -6318,17 +6118,6 @@
               </a:rPr>
               <a:t>Facilidade em corrigir o problema</a:t>
             </a:r>
-            <a:endParaRPr lang="pt-BR" sz="2400" dirty="0">
-              <a:solidFill>
-                <a:schemeClr val="tx1">
-                  <a:lumMod val="65000"/>
-                  <a:lumOff val="35000"/>
-                </a:schemeClr>
-              </a:solidFill>
-              <a:latin typeface="Open Sans Light" panose="020B0604020202020204" charset="0"/>
-              <a:ea typeface="Open Sans Light" panose="020B0604020202020204" charset="0"/>
-              <a:cs typeface="Open Sans Light" panose="020B0604020202020204" charset="0"/>
-            </a:endParaRPr>
           </a:p>
         </p:txBody>
       </p:sp>
@@ -6375,7 +6164,7 @@
           <a:p>
             <a:pPr algn="ctr"/>
             <a:r>
-              <a:rPr lang="pt-BR" sz="2400" dirty="0" smtClean="0">
+              <a:rPr lang="pt-BR" sz="2400" dirty="0">
                 <a:solidFill>
                   <a:schemeClr val="tx1">
                     <a:lumMod val="65000"/>
@@ -6388,17 +6177,6 @@
               </a:rPr>
               <a:t>Prevenção de problemas</a:t>
             </a:r>
-            <a:endParaRPr lang="pt-BR" sz="2400" dirty="0">
-              <a:solidFill>
-                <a:schemeClr val="tx1">
-                  <a:lumMod val="65000"/>
-                  <a:lumOff val="35000"/>
-                </a:schemeClr>
-              </a:solidFill>
-              <a:latin typeface="Open Sans Light" panose="020B0604020202020204" charset="0"/>
-              <a:ea typeface="Open Sans Light" panose="020B0604020202020204" charset="0"/>
-              <a:cs typeface="Open Sans Light" panose="020B0604020202020204" charset="0"/>
-            </a:endParaRPr>
           </a:p>
         </p:txBody>
       </p:sp>
@@ -6445,7 +6223,7 @@
           <a:p>
             <a:pPr algn="ctr"/>
             <a:r>
-              <a:rPr lang="pt-BR" sz="2400" dirty="0" smtClean="0">
+              <a:rPr lang="pt-BR" sz="2400" dirty="0">
                 <a:solidFill>
                   <a:schemeClr val="tx1">
                     <a:lumMod val="65000"/>
@@ -6458,17 +6236,6 @@
               </a:rPr>
               <a:t>Verificar a produtividade dos operadores</a:t>
             </a:r>
-            <a:endParaRPr lang="pt-BR" sz="2400" dirty="0">
-              <a:solidFill>
-                <a:schemeClr val="tx1">
-                  <a:lumMod val="65000"/>
-                  <a:lumOff val="35000"/>
-                </a:schemeClr>
-              </a:solidFill>
-              <a:latin typeface="Open Sans Light" panose="020B0604020202020204" charset="0"/>
-              <a:ea typeface="Open Sans Light" panose="020B0604020202020204" charset="0"/>
-              <a:cs typeface="Open Sans Light" panose="020B0604020202020204" charset="0"/>
-            </a:endParaRPr>
           </a:p>
         </p:txBody>
       </p:sp>
@@ -6515,7 +6282,7 @@
           <a:p>
             <a:pPr algn="ctr"/>
             <a:r>
-              <a:rPr lang="pt-BR" sz="2400" dirty="0" err="1" smtClean="0">
+              <a:rPr lang="pt-BR" sz="2400" dirty="0" err="1">
                 <a:solidFill>
                   <a:schemeClr val="tx1">
                     <a:lumMod val="65000"/>
@@ -6585,7 +6352,7 @@
           <a:p>
             <a:pPr algn="ctr"/>
             <a:r>
-              <a:rPr lang="pt-BR" sz="2400" dirty="0" smtClean="0">
+              <a:rPr lang="pt-BR" sz="2400" dirty="0">
                 <a:solidFill>
                   <a:schemeClr val="tx1">
                     <a:lumMod val="65000"/>
@@ -6598,17 +6365,6 @@
               </a:rPr>
               <a:t>Help Desk</a:t>
             </a:r>
-            <a:endParaRPr lang="pt-BR" sz="2400" dirty="0">
-              <a:solidFill>
-                <a:schemeClr val="tx1">
-                  <a:lumMod val="65000"/>
-                  <a:lumOff val="35000"/>
-                </a:schemeClr>
-              </a:solidFill>
-              <a:latin typeface="Open Sans Light" panose="020B0604020202020204" charset="0"/>
-              <a:ea typeface="Open Sans Light" panose="020B0604020202020204" charset="0"/>
-              <a:cs typeface="Open Sans Light" panose="020B0604020202020204" charset="0"/>
-            </a:endParaRPr>
           </a:p>
         </p:txBody>
       </p:sp>
@@ -6655,7 +6411,7 @@
           <a:p>
             <a:pPr algn="ctr"/>
             <a:r>
-              <a:rPr lang="pt-BR" sz="2400" dirty="0" smtClean="0">
+              <a:rPr lang="pt-BR" sz="2400" dirty="0">
                 <a:solidFill>
                   <a:schemeClr val="tx1">
                     <a:lumMod val="65000"/>
@@ -6668,17 +6424,6 @@
               </a:rPr>
               <a:t>Site</a:t>
             </a:r>
-            <a:endParaRPr lang="pt-BR" sz="2400" dirty="0">
-              <a:solidFill>
-                <a:schemeClr val="tx1">
-                  <a:lumMod val="65000"/>
-                  <a:lumOff val="35000"/>
-                </a:schemeClr>
-              </a:solidFill>
-              <a:latin typeface="Open Sans Light" panose="020B0604020202020204" charset="0"/>
-              <a:ea typeface="Open Sans Light" panose="020B0604020202020204" charset="0"/>
-              <a:cs typeface="Open Sans Light" panose="020B0604020202020204" charset="0"/>
-            </a:endParaRPr>
           </a:p>
         </p:txBody>
       </p:sp>
@@ -6725,7 +6470,7 @@
           <a:p>
             <a:pPr algn="ctr"/>
             <a:r>
-              <a:rPr lang="pt-BR" sz="2400" dirty="0" err="1" smtClean="0">
+              <a:rPr lang="pt-BR" sz="2400" dirty="0" err="1">
                 <a:solidFill>
                   <a:schemeClr val="tx1">
                     <a:lumMod val="65000"/>
@@ -6739,7 +6484,7 @@
               <a:t>Midia</a:t>
             </a:r>
             <a:r>
-              <a:rPr lang="pt-BR" sz="2400" dirty="0" smtClean="0">
+              <a:rPr lang="pt-BR" sz="2400" dirty="0">
                 <a:solidFill>
                   <a:schemeClr val="tx1">
                     <a:lumMod val="65000"/>
@@ -6752,17 +6497,6 @@
               </a:rPr>
               <a:t> Social</a:t>
             </a:r>
-            <a:endParaRPr lang="pt-BR" sz="2400" dirty="0">
-              <a:solidFill>
-                <a:schemeClr val="tx1">
-                  <a:lumMod val="65000"/>
-                  <a:lumOff val="35000"/>
-                </a:schemeClr>
-              </a:solidFill>
-              <a:latin typeface="Open Sans Light" panose="020B0604020202020204" charset="0"/>
-              <a:ea typeface="Open Sans Light" panose="020B0604020202020204" charset="0"/>
-              <a:cs typeface="Open Sans Light" panose="020B0604020202020204" charset="0"/>
-            </a:endParaRPr>
           </a:p>
         </p:txBody>
       </p:sp>
@@ -6809,7 +6543,7 @@
           <a:p>
             <a:pPr algn="ctr"/>
             <a:r>
-              <a:rPr lang="pt-BR" sz="2400" dirty="0" smtClean="0">
+              <a:rPr lang="pt-BR" sz="2400" dirty="0">
                 <a:solidFill>
                   <a:schemeClr val="tx1">
                     <a:lumMod val="65000"/>
@@ -6822,17 +6556,6 @@
               </a:rPr>
               <a:t>Boca a Boca</a:t>
             </a:r>
-            <a:endParaRPr lang="pt-BR" sz="2400" dirty="0">
-              <a:solidFill>
-                <a:schemeClr val="tx1">
-                  <a:lumMod val="65000"/>
-                  <a:lumOff val="35000"/>
-                </a:schemeClr>
-              </a:solidFill>
-              <a:latin typeface="Open Sans Light" panose="020B0604020202020204" charset="0"/>
-              <a:ea typeface="Open Sans Light" panose="020B0604020202020204" charset="0"/>
-              <a:cs typeface="Open Sans Light" panose="020B0604020202020204" charset="0"/>
-            </a:endParaRPr>
           </a:p>
         </p:txBody>
       </p:sp>
@@ -6879,7 +6602,7 @@
           <a:p>
             <a:pPr algn="ctr"/>
             <a:r>
-              <a:rPr lang="pt-BR" sz="2400" dirty="0" smtClean="0">
+              <a:rPr lang="pt-BR" sz="2400" dirty="0">
                 <a:solidFill>
                   <a:schemeClr val="tx1">
                     <a:lumMod val="65000"/>
@@ -6892,17 +6615,6 @@
               </a:rPr>
               <a:t>Suporte de TI</a:t>
             </a:r>
-            <a:endParaRPr lang="pt-BR" sz="2400" dirty="0">
-              <a:solidFill>
-                <a:schemeClr val="tx1">
-                  <a:lumMod val="65000"/>
-                  <a:lumOff val="35000"/>
-                </a:schemeClr>
-              </a:solidFill>
-              <a:latin typeface="Open Sans Light" panose="020B0604020202020204" charset="0"/>
-              <a:ea typeface="Open Sans Light" panose="020B0604020202020204" charset="0"/>
-              <a:cs typeface="Open Sans Light" panose="020B0604020202020204" charset="0"/>
-            </a:endParaRPr>
           </a:p>
         </p:txBody>
       </p:sp>
@@ -6949,7 +6661,7 @@
           <a:p>
             <a:pPr algn="ctr"/>
             <a:r>
-              <a:rPr lang="pt-BR" sz="2400" dirty="0" smtClean="0">
+              <a:rPr lang="pt-BR" sz="2400" dirty="0">
                 <a:solidFill>
                   <a:schemeClr val="tx1">
                     <a:lumMod val="65000"/>
@@ -6962,17 +6674,6 @@
               </a:rPr>
               <a:t>Gestor</a:t>
             </a:r>
-            <a:endParaRPr lang="pt-BR" sz="2400" dirty="0">
-              <a:solidFill>
-                <a:schemeClr val="tx1">
-                  <a:lumMod val="65000"/>
-                  <a:lumOff val="35000"/>
-                </a:schemeClr>
-              </a:solidFill>
-              <a:latin typeface="Open Sans Light" panose="020B0604020202020204" charset="0"/>
-              <a:ea typeface="Open Sans Light" panose="020B0604020202020204" charset="0"/>
-              <a:cs typeface="Open Sans Light" panose="020B0604020202020204" charset="0"/>
-            </a:endParaRPr>
           </a:p>
         </p:txBody>
       </p:sp>
@@ -7019,7 +6720,7 @@
           <a:p>
             <a:pPr algn="ctr"/>
             <a:r>
-              <a:rPr lang="pt-BR" sz="2400" dirty="0" smtClean="0">
+              <a:rPr lang="pt-BR" sz="2400" dirty="0">
                 <a:solidFill>
                   <a:schemeClr val="tx1">
                     <a:lumMod val="65000"/>
@@ -7032,17 +6733,6 @@
               </a:rPr>
               <a:t>API de Monitoramento</a:t>
             </a:r>
-            <a:endParaRPr lang="pt-BR" sz="2400" dirty="0">
-              <a:solidFill>
-                <a:schemeClr val="tx1">
-                  <a:lumMod val="65000"/>
-                  <a:lumOff val="35000"/>
-                </a:schemeClr>
-              </a:solidFill>
-              <a:latin typeface="Open Sans Light" panose="020B0604020202020204" charset="0"/>
-              <a:ea typeface="Open Sans Light" panose="020B0604020202020204" charset="0"/>
-              <a:cs typeface="Open Sans Light" panose="020B0604020202020204" charset="0"/>
-            </a:endParaRPr>
           </a:p>
         </p:txBody>
       </p:sp>
@@ -7089,7 +6779,7 @@
           <a:p>
             <a:pPr algn="ctr"/>
             <a:r>
-              <a:rPr lang="pt-BR" sz="2400" dirty="0" smtClean="0">
+              <a:rPr lang="pt-BR" sz="2400" dirty="0">
                 <a:solidFill>
                   <a:schemeClr val="tx1">
                     <a:lumMod val="65000"/>
@@ -7102,17 +6792,6 @@
               </a:rPr>
               <a:t>Plataforma Web</a:t>
             </a:r>
-            <a:endParaRPr lang="pt-BR" sz="2400" dirty="0">
-              <a:solidFill>
-                <a:schemeClr val="tx1">
-                  <a:lumMod val="65000"/>
-                  <a:lumOff val="35000"/>
-                </a:schemeClr>
-              </a:solidFill>
-              <a:latin typeface="Open Sans Light" panose="020B0604020202020204" charset="0"/>
-              <a:ea typeface="Open Sans Light" panose="020B0604020202020204" charset="0"/>
-              <a:cs typeface="Open Sans Light" panose="020B0604020202020204" charset="0"/>
-            </a:endParaRPr>
           </a:p>
         </p:txBody>
       </p:sp>
@@ -7159,7 +6838,7 @@
           <a:p>
             <a:pPr algn="ctr"/>
             <a:r>
-              <a:rPr lang="pt-BR" sz="2400" dirty="0" smtClean="0">
+              <a:rPr lang="pt-BR" sz="2400" dirty="0">
                 <a:solidFill>
                   <a:schemeClr val="tx1">
                     <a:lumMod val="65000"/>
@@ -7172,17 +6851,6 @@
               </a:rPr>
               <a:t>Banco de Dados</a:t>
             </a:r>
-            <a:endParaRPr lang="pt-BR" sz="2400" dirty="0">
-              <a:solidFill>
-                <a:schemeClr val="tx1">
-                  <a:lumMod val="65000"/>
-                  <a:lumOff val="35000"/>
-                </a:schemeClr>
-              </a:solidFill>
-              <a:latin typeface="Open Sans Light" panose="020B0604020202020204" charset="0"/>
-              <a:ea typeface="Open Sans Light" panose="020B0604020202020204" charset="0"/>
-              <a:cs typeface="Open Sans Light" panose="020B0604020202020204" charset="0"/>
-            </a:endParaRPr>
           </a:p>
         </p:txBody>
       </p:sp>
@@ -7229,7 +6897,7 @@
           <a:p>
             <a:pPr algn="ctr"/>
             <a:r>
-              <a:rPr lang="pt-BR" sz="2400" dirty="0" smtClean="0">
+              <a:rPr lang="pt-BR" sz="2400" dirty="0">
                 <a:solidFill>
                   <a:schemeClr val="tx1">
                     <a:lumMod val="65000"/>
@@ -7242,17 +6910,6 @@
               </a:rPr>
               <a:t>Hospedagem</a:t>
             </a:r>
-            <a:endParaRPr lang="pt-BR" sz="2400" dirty="0">
-              <a:solidFill>
-                <a:schemeClr val="tx1">
-                  <a:lumMod val="65000"/>
-                  <a:lumOff val="35000"/>
-                </a:schemeClr>
-              </a:solidFill>
-              <a:latin typeface="Open Sans Light" panose="020B0604020202020204" charset="0"/>
-              <a:ea typeface="Open Sans Light" panose="020B0604020202020204" charset="0"/>
-              <a:cs typeface="Open Sans Light" panose="020B0604020202020204" charset="0"/>
-            </a:endParaRPr>
           </a:p>
         </p:txBody>
       </p:sp>
@@ -7299,7 +6956,7 @@
           <a:p>
             <a:pPr algn="ctr"/>
             <a:r>
-              <a:rPr lang="pt-BR" sz="2400" dirty="0" smtClean="0">
+              <a:rPr lang="pt-BR" sz="2400" dirty="0">
                 <a:solidFill>
                   <a:schemeClr val="tx1">
                     <a:lumMod val="65000"/>
@@ -7312,17 +6969,6 @@
               </a:rPr>
               <a:t>Mensalidade</a:t>
             </a:r>
-            <a:endParaRPr lang="pt-BR" sz="2400" dirty="0">
-              <a:solidFill>
-                <a:schemeClr val="tx1">
-                  <a:lumMod val="65000"/>
-                  <a:lumOff val="35000"/>
-                </a:schemeClr>
-              </a:solidFill>
-              <a:latin typeface="Open Sans Light" panose="020B0604020202020204" charset="0"/>
-              <a:ea typeface="Open Sans Light" panose="020B0604020202020204" charset="0"/>
-              <a:cs typeface="Open Sans Light" panose="020B0604020202020204" charset="0"/>
-            </a:endParaRPr>
           </a:p>
         </p:txBody>
       </p:sp>
@@ -7369,7 +7015,7 @@
           <a:p>
             <a:pPr algn="ctr"/>
             <a:r>
-              <a:rPr lang="pt-BR" sz="2400" dirty="0" smtClean="0">
+              <a:rPr lang="pt-BR" sz="2400" dirty="0">
                 <a:solidFill>
                   <a:schemeClr val="tx1">
                     <a:lumMod val="65000"/>
@@ -7382,17 +7028,6 @@
               </a:rPr>
               <a:t>Implantação do Sistema</a:t>
             </a:r>
-            <a:endParaRPr lang="pt-BR" sz="2400" dirty="0">
-              <a:solidFill>
-                <a:schemeClr val="tx1">
-                  <a:lumMod val="65000"/>
-                  <a:lumOff val="35000"/>
-                </a:schemeClr>
-              </a:solidFill>
-              <a:latin typeface="Open Sans Light" panose="020B0604020202020204" charset="0"/>
-              <a:ea typeface="Open Sans Light" panose="020B0604020202020204" charset="0"/>
-              <a:cs typeface="Open Sans Light" panose="020B0604020202020204" charset="0"/>
-            </a:endParaRPr>
           </a:p>
         </p:txBody>
       </p:sp>
@@ -7439,7 +7074,7 @@
           <a:p>
             <a:pPr algn="ctr"/>
             <a:r>
-              <a:rPr lang="pt-BR" sz="2400" dirty="0" err="1" smtClean="0">
+              <a:rPr lang="pt-BR" sz="2400" dirty="0" err="1">
                 <a:solidFill>
                   <a:schemeClr val="tx1">
                     <a:lumMod val="65000"/>
@@ -7453,7 +7088,7 @@
               <a:t>Call</a:t>
             </a:r>
             <a:r>
-              <a:rPr lang="pt-BR" sz="2400" dirty="0" smtClean="0">
+              <a:rPr lang="pt-BR" sz="2400" dirty="0">
                 <a:solidFill>
                   <a:schemeClr val="tx1">
                     <a:lumMod val="65000"/>
@@ -7466,17 +7101,6 @@
               </a:rPr>
               <a:t> Center</a:t>
             </a:r>
-            <a:endParaRPr lang="pt-BR" sz="2400" dirty="0">
-              <a:solidFill>
-                <a:schemeClr val="tx1">
-                  <a:lumMod val="65000"/>
-                  <a:lumOff val="35000"/>
-                </a:schemeClr>
-              </a:solidFill>
-              <a:latin typeface="Open Sans Light" panose="020B0604020202020204" charset="0"/>
-              <a:ea typeface="Open Sans Light" panose="020B0604020202020204" charset="0"/>
-              <a:cs typeface="Open Sans Light" panose="020B0604020202020204" charset="0"/>
-            </a:endParaRPr>
           </a:p>
         </p:txBody>
       </p:sp>
@@ -7497,13 +7121,6 @@
       </p:transition>
     </mc:Fallback>
   </mc:AlternateContent>
-  <p:timing>
-    <p:tnLst>
-      <p:par>
-        <p:cTn id="1" dur="indefinite" restart="never" nodeType="tmRoot"/>
-      </p:par>
-    </p:tnLst>
-  </p:timing>
 </p:sld>
 </file>
 
@@ -10070,13 +9687,6 @@
       </p:transition>
     </mc:Fallback>
   </mc:AlternateContent>
-  <p:timing>
-    <p:tnLst>
-      <p:par>
-        <p:cTn id="1" dur="indefinite" restart="never" nodeType="tmRoot"/>
-      </p:par>
-    </p:tnLst>
-  </p:timing>
 </p:sld>
 </file>
 
@@ -10195,13 +9805,6 @@
       </p:transition>
     </mc:Fallback>
   </mc:AlternateContent>
-  <p:timing>
-    <p:tnLst>
-      <p:par>
-        <p:cTn id="1" dur="indefinite" restart="never" nodeType="tmRoot"/>
-      </p:par>
-    </p:tnLst>
-  </p:timing>
 </p:sld>
 </file>
 
@@ -10662,13 +10265,6 @@
       </p:transition>
     </mc:Fallback>
   </mc:AlternateContent>
-  <p:timing>
-    <p:tnLst>
-      <p:par>
-        <p:cTn id="1" dur="indefinite" restart="never" nodeType="tmRoot"/>
-      </p:par>
-    </p:tnLst>
-  </p:timing>
 </p:sld>
 </file>
 
@@ -10857,13 +10453,6 @@
       </p:transition>
     </mc:Fallback>
   </mc:AlternateContent>
-  <p:timing>
-    <p:tnLst>
-      <p:par>
-        <p:cTn id="1" dur="indefinite" restart="never" nodeType="tmRoot"/>
-      </p:par>
-    </p:tnLst>
-  </p:timing>
 </p:sld>
 </file>
 
@@ -11492,13 +11081,6 @@
       </p:transition>
     </mc:Fallback>
   </mc:AlternateContent>
-  <p:timing>
-    <p:tnLst>
-      <p:par>
-        <p:cTn id="1" dur="indefinite" restart="never" nodeType="tmRoot"/>
-      </p:par>
-    </p:tnLst>
-  </p:timing>
 </p:sld>
 </file>
 
@@ -13123,7 +12705,7 @@
         <p:spPr>
           <a:xfrm>
             <a:off x="1028700" y="3954621"/>
-            <a:ext cx="8782050" cy="4180840"/>
+            <a:ext cx="8782050" cy="4883068"/>
           </a:xfrm>
           <a:prstGeom prst="rect">
             <a:avLst/>
@@ -13141,14 +12723,97 @@
               </a:lnSpc>
             </a:pPr>
             <a:r>
-              <a:rPr lang="en-US" sz="3400" dirty="0">
+              <a:rPr lang="pt-BR" sz="3400" dirty="0">
                 <a:solidFill>
                   <a:srgbClr val="000000"/>
                 </a:solidFill>
                 <a:latin typeface="Open Sans Light"/>
               </a:rPr>
-              <a:t>It is a long established fact that a reader will be distracted by the readable content of a page when looking at its layout. The point of using Lorem Ipsum is that it has a more-or-less normal distribution of letters, as opposed to using 'Content here, content here',</a:t>
-            </a:r>
+              <a:t>- Monitoramento de informações de processamento das máquinas;</a:t>
+            </a:r>
+          </a:p>
+          <a:p>
+            <a:pPr algn="just">
+              <a:lnSpc>
+                <a:spcPts val="4759"/>
+              </a:lnSpc>
+            </a:pPr>
+            <a:r>
+              <a:rPr lang="pt-BR" sz="3400" dirty="0">
+                <a:solidFill>
+                  <a:srgbClr val="000000"/>
+                </a:solidFill>
+                <a:latin typeface="Open Sans Light"/>
+              </a:rPr>
+              <a:t>	- CPU;</a:t>
+            </a:r>
+          </a:p>
+          <a:p>
+            <a:pPr algn="just">
+              <a:lnSpc>
+                <a:spcPts val="4759"/>
+              </a:lnSpc>
+            </a:pPr>
+            <a:r>
+              <a:rPr lang="pt-BR" sz="3400" dirty="0">
+                <a:solidFill>
+                  <a:srgbClr val="000000"/>
+                </a:solidFill>
+                <a:latin typeface="Open Sans Light"/>
+              </a:rPr>
+              <a:t>	- Memória;</a:t>
+            </a:r>
+          </a:p>
+          <a:p>
+            <a:pPr algn="just">
+              <a:lnSpc>
+                <a:spcPts val="4759"/>
+              </a:lnSpc>
+            </a:pPr>
+            <a:r>
+              <a:rPr lang="pt-BR" sz="3400" dirty="0">
+                <a:solidFill>
+                  <a:srgbClr val="000000"/>
+                </a:solidFill>
+                <a:latin typeface="Open Sans Light"/>
+              </a:rPr>
+              <a:t>	- Disco.</a:t>
+            </a:r>
+          </a:p>
+          <a:p>
+            <a:pPr algn="just">
+              <a:lnSpc>
+                <a:spcPts val="4759"/>
+              </a:lnSpc>
+            </a:pPr>
+            <a:endParaRPr lang="pt-BR" sz="3400" dirty="0">
+              <a:solidFill>
+                <a:srgbClr val="000000"/>
+              </a:solidFill>
+              <a:latin typeface="Open Sans Light"/>
+            </a:endParaRPr>
+          </a:p>
+          <a:p>
+            <a:pPr algn="just">
+              <a:lnSpc>
+                <a:spcPts val="4759"/>
+              </a:lnSpc>
+            </a:pPr>
+            <a:r>
+              <a:rPr lang="pt-BR" sz="3400" dirty="0">
+                <a:solidFill>
+                  <a:srgbClr val="000000"/>
+                </a:solidFill>
+                <a:latin typeface="Open Sans Light"/>
+              </a:rPr>
+              <a:t>- Monitoramento da rede que as máquinas estão conectadas.</a:t>
+            </a:r>
+            <a:endParaRPr lang="en-US" sz="3400" dirty="0">
+              <a:solidFill>
+                <a:srgbClr val="000000"/>
+              </a:solidFill>
+              <a:latin typeface="Open Sans Light"/>
+            </a:endParaRPr>
           </a:p>
         </p:txBody>
       </p:sp>
@@ -13451,13 +13116,6 @@
       </p:transition>
     </mc:Fallback>
   </mc:AlternateContent>
-  <p:timing>
-    <p:tnLst>
-      <p:par>
-        <p:cTn id="1" dur="indefinite" restart="never" nodeType="tmRoot"/>
-      </p:par>
-    </p:tnLst>
-  </p:timing>
 </p:sld>
 </file>
 
@@ -13503,7 +13161,7 @@
         </p:blipFill>
         <p:spPr>
           <a:xfrm rot="-8243024">
-            <a:off x="2628860" y="-5723760"/>
+            <a:off x="2583068" y="-5804723"/>
             <a:ext cx="21734520" cy="21734520"/>
           </a:xfrm>
           <a:prstGeom prst="rect">
@@ -13520,9 +13178,9 @@
         <p:grpSpPr>
           <a:xfrm>
             <a:off x="9835409" y="2897248"/>
-            <a:ext cx="5878022" cy="1993668"/>
+            <a:ext cx="5914307" cy="1993668"/>
             <a:chOff x="0" y="0"/>
-            <a:chExt cx="7837363" cy="2658225"/>
+            <a:chExt cx="7885743" cy="2658225"/>
           </a:xfrm>
         </p:grpSpPr>
         <p:grpSp>
@@ -13602,8 +13260,8 @@
           </p:nvSpPr>
           <p:spPr>
             <a:xfrm>
-              <a:off x="3575449" y="804205"/>
-              <a:ext cx="4261913" cy="935514"/>
+              <a:off x="3623829" y="327171"/>
+              <a:ext cx="4261914" cy="2003883"/>
             </a:xfrm>
             <a:prstGeom prst="rect">
               <a:avLst/>
@@ -13621,14 +13279,38 @@
                 </a:lnSpc>
               </a:pPr>
               <a:r>
-                <a:rPr lang="en-US" sz="4046" spc="40">
+                <a:rPr lang="en-US" sz="4046" spc="40" dirty="0" err="1">
                   <a:solidFill>
                     <a:srgbClr val="393667"/>
                   </a:solidFill>
                   <a:latin typeface="Open Sans 2"/>
                 </a:rPr>
-                <a:t>Vantagem</a:t>
+                <a:t>Histórico</a:t>
               </a:r>
+              <a:r>
+                <a:rPr lang="en-US" sz="4046" spc="40" dirty="0">
+                  <a:solidFill>
+                    <a:srgbClr val="393667"/>
+                  </a:solidFill>
+                  <a:latin typeface="Open Sans 2"/>
+                </a:rPr>
+                <a:t> de </a:t>
+              </a:r>
+              <a:r>
+                <a:rPr lang="en-US" sz="4046" spc="40" dirty="0" err="1">
+                  <a:solidFill>
+                    <a:srgbClr val="393667"/>
+                  </a:solidFill>
+                  <a:latin typeface="Open Sans 2"/>
+                </a:rPr>
+                <a:t>incidentes</a:t>
+              </a:r>
+              <a:endParaRPr lang="en-US" sz="4046" spc="40" dirty="0">
+                <a:solidFill>
+                  <a:srgbClr val="393667"/>
+                </a:solidFill>
+                <a:latin typeface="Open Sans 2"/>
+              </a:endParaRPr>
             </a:p>
           </p:txBody>
         </p:sp>
@@ -13642,7 +13324,7 @@
         <p:grpSpPr>
           <a:xfrm>
             <a:off x="9835409" y="368225"/>
-            <a:ext cx="5878022" cy="1993668"/>
+            <a:ext cx="5878021" cy="1993668"/>
             <a:chOff x="0" y="0"/>
             <a:chExt cx="7837363" cy="2658225"/>
           </a:xfrm>
@@ -13656,7 +13338,7 @@
           <p:grpSpPr>
             <a:xfrm>
               <a:off x="0" y="0"/>
-              <a:ext cx="2658225" cy="2658225"/>
+              <a:ext cx="2658226" cy="2658225"/>
               <a:chOff x="0" y="0"/>
               <a:chExt cx="6350000" cy="6350000"/>
             </a:xfrm>
@@ -13724,15 +13406,15 @@
           </p:nvSpPr>
           <p:spPr>
             <a:xfrm>
-              <a:off x="3575449" y="804205"/>
-              <a:ext cx="4261913" cy="935514"/>
+              <a:off x="3575449" y="327171"/>
+              <a:ext cx="4261914" cy="2003883"/>
             </a:xfrm>
             <a:prstGeom prst="rect">
               <a:avLst/>
             </a:prstGeom>
           </p:spPr>
           <p:txBody>
-            <a:bodyPr lIns="0" tIns="0" rIns="0" bIns="0" rtlCol="0" anchor="t">
+            <a:bodyPr wrap="square" lIns="0" tIns="0" rIns="0" bIns="0" rtlCol="0" anchor="t">
               <a:spAutoFit/>
             </a:bodyPr>
             <a:lstStyle/>
@@ -13743,14 +13425,38 @@
                 </a:lnSpc>
               </a:pPr>
               <a:r>
-                <a:rPr lang="en-US" sz="4046" spc="40">
+                <a:rPr lang="en-US" sz="4046" spc="40" dirty="0" err="1">
                   <a:solidFill>
                     <a:srgbClr val="393667"/>
                   </a:solidFill>
                   <a:latin typeface="Open Sans 2"/>
                 </a:rPr>
-                <a:t>Vantagem</a:t>
+                <a:t>Rapidez</a:t>
               </a:r>
+              <a:r>
+                <a:rPr lang="en-US" sz="4046" spc="40" dirty="0">
+                  <a:solidFill>
+                    <a:srgbClr val="393667"/>
+                  </a:solidFill>
+                  <a:latin typeface="Open Sans 2"/>
+                </a:rPr>
+                <a:t> e </a:t>
+              </a:r>
+              <a:r>
+                <a:rPr lang="en-US" sz="4046" spc="40" dirty="0" err="1">
+                  <a:solidFill>
+                    <a:srgbClr val="393667"/>
+                  </a:solidFill>
+                  <a:latin typeface="Open Sans 2"/>
+                </a:rPr>
+                <a:t>facilidade</a:t>
+              </a:r>
+              <a:endParaRPr lang="en-US" sz="4046" spc="40" dirty="0">
+                <a:solidFill>
+                  <a:srgbClr val="393667"/>
+                </a:solidFill>
+                <a:latin typeface="Open Sans 2"/>
+              </a:endParaRPr>
             </a:p>
           </p:txBody>
         </p:sp>
@@ -13764,9 +13470,9 @@
         <p:grpSpPr>
           <a:xfrm>
             <a:off x="9835409" y="7925107"/>
-            <a:ext cx="5878022" cy="1993668"/>
+            <a:ext cx="6166590" cy="1993668"/>
             <a:chOff x="0" y="0"/>
-            <a:chExt cx="7837363" cy="2658225"/>
+            <a:chExt cx="8222121" cy="2658225"/>
           </a:xfrm>
         </p:grpSpPr>
         <p:grpSp>
@@ -13846,15 +13552,15 @@
           </p:nvSpPr>
           <p:spPr>
             <a:xfrm>
-              <a:off x="3575449" y="804205"/>
-              <a:ext cx="4261913" cy="935514"/>
+              <a:off x="3575448" y="804206"/>
+              <a:ext cx="4646673" cy="960863"/>
             </a:xfrm>
             <a:prstGeom prst="rect">
               <a:avLst/>
             </a:prstGeom>
           </p:spPr>
           <p:txBody>
-            <a:bodyPr lIns="0" tIns="0" rIns="0" bIns="0" rtlCol="0" anchor="t">
+            <a:bodyPr wrap="square" lIns="0" tIns="0" rIns="0" bIns="0" rtlCol="0" anchor="t">
               <a:spAutoFit/>
             </a:bodyPr>
             <a:lstStyle/>
@@ -13865,14 +13571,20 @@
                 </a:lnSpc>
               </a:pPr>
               <a:r>
-                <a:rPr lang="en-US" sz="4046" spc="40">
+                <a:rPr lang="en-US" sz="4046" spc="40" dirty="0" err="1">
                   <a:solidFill>
                     <a:srgbClr val="393667"/>
                   </a:solidFill>
                   <a:latin typeface="Open Sans 2"/>
                 </a:rPr>
-                <a:t>Vantagem</a:t>
+                <a:t>Produtividade</a:t>
               </a:r>
+              <a:endParaRPr lang="en-US" sz="4046" spc="40" dirty="0">
+                <a:solidFill>
+                  <a:srgbClr val="393667"/>
+                </a:solidFill>
+                <a:latin typeface="Open Sans 2"/>
+              </a:endParaRPr>
             </a:p>
           </p:txBody>
         </p:sp>
@@ -13910,7 +13622,7 @@
                 </a:solidFill>
                 <a:latin typeface="Open Sans 1 Bold"/>
               </a:rPr>
-              <a:t>Vantagens</a:t>
+              <a:t>Benefícios</a:t>
             </a:r>
             <a:endParaRPr lang="en-US" sz="9000" dirty="0">
               <a:solidFill>
@@ -14012,8 +13724,8 @@
           </p:nvSpPr>
           <p:spPr>
             <a:xfrm>
-              <a:off x="3575449" y="804205"/>
-              <a:ext cx="4261913" cy="935514"/>
+              <a:off x="3575449" y="804206"/>
+              <a:ext cx="4261914" cy="960863"/>
             </a:xfrm>
             <a:prstGeom prst="rect">
               <a:avLst/>
@@ -14031,14 +13743,20 @@
                 </a:lnSpc>
               </a:pPr>
               <a:r>
-                <a:rPr lang="en-US" sz="4046" spc="40">
+                <a:rPr lang="en-US" sz="4046" spc="40" dirty="0" err="1">
                   <a:solidFill>
                     <a:srgbClr val="393667"/>
                   </a:solidFill>
                   <a:latin typeface="Open Sans 2"/>
                 </a:rPr>
-                <a:t>Vantagem</a:t>
+                <a:t>Relatórios</a:t>
               </a:r>
+              <a:endParaRPr lang="en-US" sz="4046" spc="40" dirty="0">
+                <a:solidFill>
+                  <a:srgbClr val="393667"/>
+                </a:solidFill>
+                <a:latin typeface="Open Sans 2"/>
+              </a:endParaRPr>
             </a:p>
           </p:txBody>
         </p:sp>
@@ -15496,13 +15214,6 @@
       </p:transition>
     </mc:Fallback>
   </mc:AlternateContent>
-  <p:timing>
-    <p:tnLst>
-      <p:par>
-        <p:cTn id="1" dur="indefinite" restart="never" nodeType="tmRoot"/>
-      </p:par>
-    </p:tnLst>
-  </p:timing>
 </p:sld>
 </file>
 

--- a/Documentação/Pyxis.pptx
+++ b/Documentação/Pyxis.pptx
@@ -7250,8 +7250,8 @@
         </p:nvGrpSpPr>
         <p:grpSpPr>
           <a:xfrm>
-            <a:off x="4915660" y="2171626"/>
-            <a:ext cx="5336375" cy="7458075"/>
+            <a:off x="4383496" y="2171626"/>
+            <a:ext cx="5868540" cy="7458075"/>
             <a:chOff x="0" y="0"/>
             <a:chExt cx="1805144" cy="2522855"/>
           </a:xfrm>
@@ -7453,15 +7453,15 @@
         </p:nvSpPr>
         <p:spPr>
           <a:xfrm>
-            <a:off x="4915660" y="2390600"/>
-            <a:ext cx="5336375" cy="419730"/>
-          </a:xfrm>
-          <a:prstGeom prst="rect">
-            <a:avLst/>
-          </a:prstGeom>
-        </p:spPr>
-        <p:txBody>
-          <a:bodyPr lIns="0" tIns="0" rIns="0" bIns="0" rtlCol="0" anchor="t">
+            <a:off x="4383496" y="2390600"/>
+            <a:ext cx="5868540" cy="419730"/>
+          </a:xfrm>
+          <a:prstGeom prst="rect">
+            <a:avLst/>
+          </a:prstGeom>
+        </p:spPr>
+        <p:txBody>
+          <a:bodyPr wrap="square" lIns="0" tIns="0" rIns="0" bIns="0" rtlCol="0" anchor="t">
             <a:spAutoFit/>
           </a:bodyPr>
           <a:lstStyle/>
@@ -7661,7 +7661,7 @@
         <p:grpSpPr>
           <a:xfrm>
             <a:off x="1075771" y="2171626"/>
-            <a:ext cx="3635316" cy="7458075"/>
+            <a:ext cx="3115229" cy="7458075"/>
             <a:chOff x="0" y="0"/>
             <a:chExt cx="1229724" cy="2522855"/>
           </a:xfrm>
@@ -7716,14 +7716,14 @@
         <p:spPr>
           <a:xfrm>
             <a:off x="1075771" y="2390600"/>
-            <a:ext cx="3635316" cy="419730"/>
-          </a:xfrm>
-          <a:prstGeom prst="rect">
-            <a:avLst/>
-          </a:prstGeom>
-        </p:spPr>
-        <p:txBody>
-          <a:bodyPr lIns="0" tIns="0" rIns="0" bIns="0" rtlCol="0" anchor="t">
+            <a:ext cx="3115229" cy="419730"/>
+          </a:xfrm>
+          <a:prstGeom prst="rect">
+            <a:avLst/>
+          </a:prstGeom>
+        </p:spPr>
+        <p:txBody>
+          <a:bodyPr wrap="square" lIns="0" tIns="0" rIns="0" bIns="0" rtlCol="0" anchor="t">
             <a:spAutoFit/>
           </a:bodyPr>
           <a:lstStyle/>
@@ -7794,7 +7794,7 @@
         <p:spPr>
           <a:xfrm>
             <a:off x="1075771" y="3172480"/>
-            <a:ext cx="3648629" cy="523220"/>
+            <a:ext cx="3115229" cy="523220"/>
           </a:xfrm>
           <a:prstGeom prst="rect">
             <a:avLst/>
@@ -7820,7 +7820,7 @@
                 <a:ea typeface="Open Sans 1" panose="020B0604020202020204" charset="0"/>
                 <a:cs typeface="Open Sans 1" panose="020B0604020202020204" charset="0"/>
               </a:rPr>
-              <a:t>US#01&lt;Cadastro&gt;</a:t>
+              <a:t>Banco de Dados</a:t>
             </a:r>
           </a:p>
         </p:txBody>
@@ -7833,8 +7833,8 @@
         </p:nvSpPr>
         <p:spPr>
           <a:xfrm>
-            <a:off x="4910335" y="3149619"/>
-            <a:ext cx="5341700" cy="523220"/>
+            <a:off x="4383495" y="3149619"/>
+            <a:ext cx="5868540" cy="400110"/>
           </a:xfrm>
           <a:prstGeom prst="rect">
             <a:avLst/>
@@ -7849,7 +7849,7 @@
           <a:p>
             <a:pPr algn="ctr"/>
             <a:r>
-              <a:rPr lang="pt-BR" sz="2800" dirty="0">
+              <a:rPr lang="pt-BR" sz="2000" dirty="0">
                 <a:solidFill>
                   <a:schemeClr val="tx1">
                     <a:lumMod val="75000"/>
@@ -7860,7 +7860,7 @@
                 <a:ea typeface="Open Sans 1" panose="020B0604020202020204" charset="0"/>
                 <a:cs typeface="Open Sans 1" panose="020B0604020202020204" charset="0"/>
               </a:rPr>
-              <a:t>Cadastro da maquina</a:t>
+              <a:t>O software deve estar na nuvem Azure</a:t>
             </a:r>
           </a:p>
         </p:txBody>
@@ -7940,7 +7940,7 @@
                 <a:ea typeface="Open Sans 1" panose="020B0604020202020204" charset="0"/>
                 <a:cs typeface="Open Sans 1" panose="020B0604020202020204" charset="0"/>
               </a:rPr>
-              <a:t>Grande</a:t>
+              <a:t>8</a:t>
             </a:r>
           </a:p>
         </p:txBody>
@@ -7954,6 +7954,726 @@
         <p:spPr>
           <a:xfrm>
             <a:off x="16133593" y="3172480"/>
+            <a:ext cx="1919054" cy="400110"/>
+          </a:xfrm>
+          <a:prstGeom prst="rect">
+            <a:avLst/>
+          </a:prstGeom>
+          <a:noFill/>
+        </p:spPr>
+        <p:txBody>
+          <a:bodyPr wrap="square" rtlCol="0">
+            <a:spAutoFit/>
+          </a:bodyPr>
+          <a:lstStyle/>
+          <a:p>
+            <a:pPr algn="ctr"/>
+            <a:r>
+              <a:rPr lang="pt-BR" sz="2000" dirty="0">
+                <a:solidFill>
+                  <a:schemeClr val="tx1">
+                    <a:lumMod val="75000"/>
+                    <a:lumOff val="25000"/>
+                  </a:schemeClr>
+                </a:solidFill>
+                <a:latin typeface="Open Sans 1" panose="020B0604020202020204" charset="0"/>
+                <a:ea typeface="Open Sans 1" panose="020B0604020202020204" charset="0"/>
+                <a:cs typeface="Open Sans 1" panose="020B0604020202020204" charset="0"/>
+              </a:rPr>
+              <a:t>Não Funcional</a:t>
+            </a:r>
+          </a:p>
+        </p:txBody>
+      </p:sp>
+      <p:sp>
+        <p:nvSpPr>
+          <p:cNvPr id="155" name="CaixaDeTexto 154"/>
+          <p:cNvSpPr txBox="1"/>
+          <p:nvPr/>
+        </p:nvSpPr>
+        <p:spPr>
+          <a:xfrm>
+            <a:off x="237571" y="3794761"/>
+            <a:ext cx="660197" cy="523220"/>
+          </a:xfrm>
+          <a:prstGeom prst="rect">
+            <a:avLst/>
+          </a:prstGeom>
+          <a:noFill/>
+        </p:spPr>
+        <p:txBody>
+          <a:bodyPr wrap="square" rtlCol="0">
+            <a:spAutoFit/>
+          </a:bodyPr>
+          <a:lstStyle/>
+          <a:p>
+            <a:pPr algn="ctr"/>
+            <a:r>
+              <a:rPr lang="pt-BR" sz="2800" dirty="0">
+                <a:solidFill>
+                  <a:schemeClr val="tx1">
+                    <a:lumMod val="75000"/>
+                    <a:lumOff val="25000"/>
+                  </a:schemeClr>
+                </a:solidFill>
+                <a:latin typeface="Open Sans 1" panose="020B0604020202020204" charset="0"/>
+                <a:ea typeface="Open Sans 1" panose="020B0604020202020204" charset="0"/>
+                <a:cs typeface="Open Sans 1" panose="020B0604020202020204" charset="0"/>
+              </a:rPr>
+              <a:t>02</a:t>
+            </a:r>
+          </a:p>
+        </p:txBody>
+      </p:sp>
+      <p:sp>
+        <p:nvSpPr>
+          <p:cNvPr id="156" name="CaixaDeTexto 155"/>
+          <p:cNvSpPr txBox="1"/>
+          <p:nvPr/>
+        </p:nvSpPr>
+        <p:spPr>
+          <a:xfrm>
+            <a:off x="1075771" y="3794761"/>
+            <a:ext cx="3115229" cy="523220"/>
+          </a:xfrm>
+          <a:prstGeom prst="rect">
+            <a:avLst/>
+          </a:prstGeom>
+          <a:noFill/>
+        </p:spPr>
+        <p:txBody>
+          <a:bodyPr wrap="square" rtlCol="0">
+            <a:spAutoFit/>
+          </a:bodyPr>
+          <a:lstStyle/>
+          <a:p>
+            <a:pPr algn="ctr"/>
+            <a:r>
+              <a:rPr lang="pt-BR" sz="2800" dirty="0">
+                <a:solidFill>
+                  <a:schemeClr val="tx1">
+                    <a:lumMod val="75000"/>
+                    <a:lumOff val="25000"/>
+                  </a:schemeClr>
+                </a:solidFill>
+                <a:latin typeface="Open Sans 1" panose="020B0604020202020204" charset="0"/>
+                <a:ea typeface="Open Sans 1" panose="020B0604020202020204" charset="0"/>
+                <a:cs typeface="Open Sans 1" panose="020B0604020202020204" charset="0"/>
+              </a:rPr>
+              <a:t>Aplicação</a:t>
+            </a:r>
+          </a:p>
+        </p:txBody>
+      </p:sp>
+      <p:sp>
+        <p:nvSpPr>
+          <p:cNvPr id="157" name="CaixaDeTexto 156"/>
+          <p:cNvSpPr txBox="1"/>
+          <p:nvPr/>
+        </p:nvSpPr>
+        <p:spPr>
+          <a:xfrm>
+            <a:off x="4404260" y="3771900"/>
+            <a:ext cx="5847775" cy="607099"/>
+          </a:xfrm>
+          <a:prstGeom prst="rect">
+            <a:avLst/>
+          </a:prstGeom>
+          <a:noFill/>
+        </p:spPr>
+        <p:txBody>
+          <a:bodyPr wrap="square" rtlCol="0">
+            <a:spAutoFit/>
+          </a:bodyPr>
+          <a:lstStyle/>
+          <a:p>
+            <a:pPr algn="ctr"/>
+            <a:r>
+              <a:rPr lang="pt-BR" sz="1600" dirty="0">
+                <a:solidFill>
+                  <a:schemeClr val="tx1">
+                    <a:lumMod val="75000"/>
+                    <a:lumOff val="25000"/>
+                  </a:schemeClr>
+                </a:solidFill>
+                <a:latin typeface="Open Sans 1" panose="020B0604020202020204" charset="0"/>
+                <a:ea typeface="Open Sans 1" panose="020B0604020202020204" charset="0"/>
+                <a:cs typeface="Open Sans 1" panose="020B0604020202020204" charset="0"/>
+              </a:rPr>
+              <a:t>O software deve ter uma API Java que capture os dados de processamento dos computadores</a:t>
+            </a:r>
+          </a:p>
+        </p:txBody>
+      </p:sp>
+      <p:sp>
+        <p:nvSpPr>
+          <p:cNvPr id="158" name="CaixaDeTexto 157"/>
+          <p:cNvSpPr txBox="1"/>
+          <p:nvPr/>
+        </p:nvSpPr>
+        <p:spPr>
+          <a:xfrm>
+            <a:off x="10474821" y="3794761"/>
+            <a:ext cx="2981511" cy="523220"/>
+          </a:xfrm>
+          <a:prstGeom prst="rect">
+            <a:avLst/>
+          </a:prstGeom>
+          <a:noFill/>
+        </p:spPr>
+        <p:txBody>
+          <a:bodyPr wrap="square" rtlCol="0">
+            <a:spAutoFit/>
+          </a:bodyPr>
+          <a:lstStyle/>
+          <a:p>
+            <a:pPr algn="ctr"/>
+            <a:r>
+              <a:rPr lang="pt-BR" sz="2800" dirty="0">
+                <a:solidFill>
+                  <a:schemeClr val="tx1">
+                    <a:lumMod val="75000"/>
+                    <a:lumOff val="25000"/>
+                  </a:schemeClr>
+                </a:solidFill>
+                <a:latin typeface="Open Sans 1" panose="020B0604020202020204" charset="0"/>
+                <a:ea typeface="Open Sans 1" panose="020B0604020202020204" charset="0"/>
+                <a:cs typeface="Open Sans 1" panose="020B0604020202020204" charset="0"/>
+              </a:rPr>
+              <a:t>Essencial</a:t>
+            </a:r>
+          </a:p>
+        </p:txBody>
+      </p:sp>
+      <p:sp>
+        <p:nvSpPr>
+          <p:cNvPr id="159" name="CaixaDeTexto 158"/>
+          <p:cNvSpPr txBox="1"/>
+          <p:nvPr/>
+        </p:nvSpPr>
+        <p:spPr>
+          <a:xfrm>
+            <a:off x="13660016" y="3771900"/>
+            <a:ext cx="2272111" cy="523220"/>
+          </a:xfrm>
+          <a:prstGeom prst="rect">
+            <a:avLst/>
+          </a:prstGeom>
+          <a:noFill/>
+        </p:spPr>
+        <p:txBody>
+          <a:bodyPr wrap="square" rtlCol="0">
+            <a:spAutoFit/>
+          </a:bodyPr>
+          <a:lstStyle/>
+          <a:p>
+            <a:pPr algn="ctr"/>
+            <a:r>
+              <a:rPr lang="pt-BR" sz="2800" dirty="0">
+                <a:solidFill>
+                  <a:schemeClr val="tx1">
+                    <a:lumMod val="75000"/>
+                    <a:lumOff val="25000"/>
+                  </a:schemeClr>
+                </a:solidFill>
+                <a:latin typeface="Open Sans 1" panose="020B0604020202020204" charset="0"/>
+                <a:ea typeface="Open Sans 1" panose="020B0604020202020204" charset="0"/>
+                <a:cs typeface="Open Sans 1" panose="020B0604020202020204" charset="0"/>
+              </a:rPr>
+              <a:t>21</a:t>
+            </a:r>
+          </a:p>
+        </p:txBody>
+      </p:sp>
+      <p:sp>
+        <p:nvSpPr>
+          <p:cNvPr id="160" name="CaixaDeTexto 159"/>
+          <p:cNvSpPr txBox="1"/>
+          <p:nvPr/>
+        </p:nvSpPr>
+        <p:spPr>
+          <a:xfrm>
+            <a:off x="16133593" y="3794761"/>
+            <a:ext cx="1919054" cy="400110"/>
+          </a:xfrm>
+          <a:prstGeom prst="rect">
+            <a:avLst/>
+          </a:prstGeom>
+          <a:noFill/>
+        </p:spPr>
+        <p:txBody>
+          <a:bodyPr wrap="square" rtlCol="0">
+            <a:spAutoFit/>
+          </a:bodyPr>
+          <a:lstStyle/>
+          <a:p>
+            <a:pPr algn="ctr"/>
+            <a:r>
+              <a:rPr lang="pt-BR" sz="2000" dirty="0">
+                <a:solidFill>
+                  <a:schemeClr val="tx1">
+                    <a:lumMod val="75000"/>
+                    <a:lumOff val="25000"/>
+                  </a:schemeClr>
+                </a:solidFill>
+                <a:latin typeface="Open Sans 1" panose="020B0604020202020204" charset="0"/>
+                <a:ea typeface="Open Sans 1" panose="020B0604020202020204" charset="0"/>
+                <a:cs typeface="Open Sans 1" panose="020B0604020202020204" charset="0"/>
+              </a:rPr>
+              <a:t>Não Funcional</a:t>
+            </a:r>
+          </a:p>
+        </p:txBody>
+      </p:sp>
+      <p:sp>
+        <p:nvSpPr>
+          <p:cNvPr id="161" name="CaixaDeTexto 160"/>
+          <p:cNvSpPr txBox="1"/>
+          <p:nvPr/>
+        </p:nvSpPr>
+        <p:spPr>
+          <a:xfrm>
+            <a:off x="228600" y="4378999"/>
+            <a:ext cx="660197" cy="523220"/>
+          </a:xfrm>
+          <a:prstGeom prst="rect">
+            <a:avLst/>
+          </a:prstGeom>
+          <a:noFill/>
+        </p:spPr>
+        <p:txBody>
+          <a:bodyPr wrap="square" rtlCol="0">
+            <a:spAutoFit/>
+          </a:bodyPr>
+          <a:lstStyle/>
+          <a:p>
+            <a:pPr algn="ctr"/>
+            <a:r>
+              <a:rPr lang="pt-BR" sz="2800" dirty="0">
+                <a:solidFill>
+                  <a:schemeClr val="tx1">
+                    <a:lumMod val="75000"/>
+                    <a:lumOff val="25000"/>
+                  </a:schemeClr>
+                </a:solidFill>
+                <a:latin typeface="Open Sans 1" panose="020B0604020202020204" charset="0"/>
+                <a:ea typeface="Open Sans 1" panose="020B0604020202020204" charset="0"/>
+                <a:cs typeface="Open Sans 1" panose="020B0604020202020204" charset="0"/>
+              </a:rPr>
+              <a:t>03</a:t>
+            </a:r>
+          </a:p>
+        </p:txBody>
+      </p:sp>
+      <p:sp>
+        <p:nvSpPr>
+          <p:cNvPr id="162" name="CaixaDeTexto 161"/>
+          <p:cNvSpPr txBox="1"/>
+          <p:nvPr/>
+        </p:nvSpPr>
+        <p:spPr>
+          <a:xfrm>
+            <a:off x="1066801" y="4378999"/>
+            <a:ext cx="3124199" cy="523220"/>
+          </a:xfrm>
+          <a:prstGeom prst="rect">
+            <a:avLst/>
+          </a:prstGeom>
+          <a:noFill/>
+        </p:spPr>
+        <p:txBody>
+          <a:bodyPr wrap="square" rtlCol="0">
+            <a:spAutoFit/>
+          </a:bodyPr>
+          <a:lstStyle/>
+          <a:p>
+            <a:pPr algn="ctr"/>
+            <a:r>
+              <a:rPr lang="pt-BR" sz="2800" dirty="0">
+                <a:solidFill>
+                  <a:schemeClr val="tx1">
+                    <a:lumMod val="75000"/>
+                    <a:lumOff val="25000"/>
+                  </a:schemeClr>
+                </a:solidFill>
+                <a:latin typeface="Open Sans 1" panose="020B0604020202020204" charset="0"/>
+                <a:ea typeface="Open Sans 1" panose="020B0604020202020204" charset="0"/>
+                <a:cs typeface="Open Sans 1" panose="020B0604020202020204" charset="0"/>
+              </a:rPr>
+              <a:t>Aplicação</a:t>
+            </a:r>
+          </a:p>
+        </p:txBody>
+      </p:sp>
+      <p:sp>
+        <p:nvSpPr>
+          <p:cNvPr id="163" name="CaixaDeTexto 162"/>
+          <p:cNvSpPr txBox="1"/>
+          <p:nvPr/>
+        </p:nvSpPr>
+        <p:spPr>
+          <a:xfrm>
+            <a:off x="4404259" y="4356139"/>
+            <a:ext cx="5838805" cy="645142"/>
+          </a:xfrm>
+          <a:prstGeom prst="rect">
+            <a:avLst/>
+          </a:prstGeom>
+          <a:noFill/>
+        </p:spPr>
+        <p:txBody>
+          <a:bodyPr wrap="square" rtlCol="0">
+            <a:spAutoFit/>
+          </a:bodyPr>
+          <a:lstStyle/>
+          <a:p>
+            <a:pPr algn="ctr"/>
+            <a:r>
+              <a:rPr lang="pt-BR" dirty="0">
+                <a:solidFill>
+                  <a:schemeClr val="tx1">
+                    <a:lumMod val="75000"/>
+                    <a:lumOff val="25000"/>
+                  </a:schemeClr>
+                </a:solidFill>
+                <a:latin typeface="Open Sans 1" panose="020B0604020202020204" charset="0"/>
+                <a:ea typeface="Open Sans 1" panose="020B0604020202020204" charset="0"/>
+                <a:cs typeface="Open Sans 1" panose="020B0604020202020204" charset="0"/>
+              </a:rPr>
+              <a:t>O software deve ter uma API que monitore a rede das máquinas</a:t>
+            </a:r>
+          </a:p>
+        </p:txBody>
+      </p:sp>
+      <p:sp>
+        <p:nvSpPr>
+          <p:cNvPr id="164" name="CaixaDeTexto 163"/>
+          <p:cNvSpPr txBox="1"/>
+          <p:nvPr/>
+        </p:nvSpPr>
+        <p:spPr>
+          <a:xfrm>
+            <a:off x="10465850" y="4378999"/>
+            <a:ext cx="2981511" cy="523220"/>
+          </a:xfrm>
+          <a:prstGeom prst="rect">
+            <a:avLst/>
+          </a:prstGeom>
+          <a:noFill/>
+        </p:spPr>
+        <p:txBody>
+          <a:bodyPr wrap="square" rtlCol="0">
+            <a:spAutoFit/>
+          </a:bodyPr>
+          <a:lstStyle/>
+          <a:p>
+            <a:pPr algn="ctr"/>
+            <a:r>
+              <a:rPr lang="pt-BR" sz="2800" dirty="0">
+                <a:solidFill>
+                  <a:schemeClr val="tx1">
+                    <a:lumMod val="75000"/>
+                    <a:lumOff val="25000"/>
+                  </a:schemeClr>
+                </a:solidFill>
+                <a:latin typeface="Open Sans 1" panose="020B0604020202020204" charset="0"/>
+                <a:ea typeface="Open Sans 1" panose="020B0604020202020204" charset="0"/>
+                <a:cs typeface="Open Sans 1" panose="020B0604020202020204" charset="0"/>
+              </a:rPr>
+              <a:t>Essencial</a:t>
+            </a:r>
+          </a:p>
+        </p:txBody>
+      </p:sp>
+      <p:sp>
+        <p:nvSpPr>
+          <p:cNvPr id="165" name="CaixaDeTexto 164"/>
+          <p:cNvSpPr txBox="1"/>
+          <p:nvPr/>
+        </p:nvSpPr>
+        <p:spPr>
+          <a:xfrm>
+            <a:off x="13651045" y="4356138"/>
+            <a:ext cx="2272111" cy="523220"/>
+          </a:xfrm>
+          <a:prstGeom prst="rect">
+            <a:avLst/>
+          </a:prstGeom>
+          <a:noFill/>
+        </p:spPr>
+        <p:txBody>
+          <a:bodyPr wrap="square" rtlCol="0">
+            <a:spAutoFit/>
+          </a:bodyPr>
+          <a:lstStyle/>
+          <a:p>
+            <a:pPr algn="ctr"/>
+            <a:r>
+              <a:rPr lang="pt-BR" sz="2800" dirty="0">
+                <a:solidFill>
+                  <a:schemeClr val="tx1">
+                    <a:lumMod val="75000"/>
+                    <a:lumOff val="25000"/>
+                  </a:schemeClr>
+                </a:solidFill>
+                <a:latin typeface="Open Sans 1" panose="020B0604020202020204" charset="0"/>
+                <a:ea typeface="Open Sans 1" panose="020B0604020202020204" charset="0"/>
+                <a:cs typeface="Open Sans 1" panose="020B0604020202020204" charset="0"/>
+              </a:rPr>
+              <a:t>21</a:t>
+            </a:r>
+          </a:p>
+        </p:txBody>
+      </p:sp>
+      <p:sp>
+        <p:nvSpPr>
+          <p:cNvPr id="166" name="CaixaDeTexto 165"/>
+          <p:cNvSpPr txBox="1"/>
+          <p:nvPr/>
+        </p:nvSpPr>
+        <p:spPr>
+          <a:xfrm>
+            <a:off x="16124622" y="4438590"/>
+            <a:ext cx="1919054" cy="400110"/>
+          </a:xfrm>
+          <a:prstGeom prst="rect">
+            <a:avLst/>
+          </a:prstGeom>
+          <a:noFill/>
+        </p:spPr>
+        <p:txBody>
+          <a:bodyPr wrap="square" rtlCol="0">
+            <a:spAutoFit/>
+          </a:bodyPr>
+          <a:lstStyle/>
+          <a:p>
+            <a:pPr algn="ctr"/>
+            <a:r>
+              <a:rPr lang="pt-BR" sz="2000" dirty="0">
+                <a:solidFill>
+                  <a:schemeClr val="tx1">
+                    <a:lumMod val="75000"/>
+                    <a:lumOff val="25000"/>
+                  </a:schemeClr>
+                </a:solidFill>
+                <a:latin typeface="Open Sans 1" panose="020B0604020202020204" charset="0"/>
+                <a:ea typeface="Open Sans 1" panose="020B0604020202020204" charset="0"/>
+                <a:cs typeface="Open Sans 1" panose="020B0604020202020204" charset="0"/>
+              </a:rPr>
+              <a:t>Não Funcional</a:t>
+            </a:r>
+          </a:p>
+        </p:txBody>
+      </p:sp>
+      <p:sp>
+        <p:nvSpPr>
+          <p:cNvPr id="167" name="CaixaDeTexto 166"/>
+          <p:cNvSpPr txBox="1"/>
+          <p:nvPr/>
+        </p:nvSpPr>
+        <p:spPr>
+          <a:xfrm>
+            <a:off x="228600" y="5001280"/>
+            <a:ext cx="660197" cy="523220"/>
+          </a:xfrm>
+          <a:prstGeom prst="rect">
+            <a:avLst/>
+          </a:prstGeom>
+          <a:noFill/>
+        </p:spPr>
+        <p:txBody>
+          <a:bodyPr wrap="square" rtlCol="0">
+            <a:spAutoFit/>
+          </a:bodyPr>
+          <a:lstStyle/>
+          <a:p>
+            <a:pPr algn="ctr"/>
+            <a:r>
+              <a:rPr lang="pt-BR" sz="2800" dirty="0">
+                <a:solidFill>
+                  <a:schemeClr val="tx1">
+                    <a:lumMod val="75000"/>
+                    <a:lumOff val="25000"/>
+                  </a:schemeClr>
+                </a:solidFill>
+                <a:latin typeface="Open Sans 1" panose="020B0604020202020204" charset="0"/>
+                <a:ea typeface="Open Sans 1" panose="020B0604020202020204" charset="0"/>
+                <a:cs typeface="Open Sans 1" panose="020B0604020202020204" charset="0"/>
+              </a:rPr>
+              <a:t>04</a:t>
+            </a:r>
+          </a:p>
+        </p:txBody>
+      </p:sp>
+      <p:sp>
+        <p:nvSpPr>
+          <p:cNvPr id="168" name="CaixaDeTexto 167"/>
+          <p:cNvSpPr txBox="1"/>
+          <p:nvPr/>
+        </p:nvSpPr>
+        <p:spPr>
+          <a:xfrm>
+            <a:off x="1066801" y="5001280"/>
+            <a:ext cx="3124199" cy="523220"/>
+          </a:xfrm>
+          <a:prstGeom prst="rect">
+            <a:avLst/>
+          </a:prstGeom>
+          <a:noFill/>
+        </p:spPr>
+        <p:txBody>
+          <a:bodyPr wrap="square" rtlCol="0">
+            <a:spAutoFit/>
+          </a:bodyPr>
+          <a:lstStyle/>
+          <a:p>
+            <a:pPr algn="ctr"/>
+            <a:r>
+              <a:rPr lang="pt-BR" sz="2800" dirty="0">
+                <a:solidFill>
+                  <a:schemeClr val="tx1">
+                    <a:lumMod val="75000"/>
+                    <a:lumOff val="25000"/>
+                  </a:schemeClr>
+                </a:solidFill>
+                <a:latin typeface="Open Sans 1" panose="020B0604020202020204" charset="0"/>
+                <a:ea typeface="Open Sans 1" panose="020B0604020202020204" charset="0"/>
+                <a:cs typeface="Open Sans 1" panose="020B0604020202020204" charset="0"/>
+              </a:rPr>
+              <a:t>Aplicação</a:t>
+            </a:r>
+          </a:p>
+        </p:txBody>
+      </p:sp>
+      <p:sp>
+        <p:nvSpPr>
+          <p:cNvPr id="169" name="CaixaDeTexto 168"/>
+          <p:cNvSpPr txBox="1"/>
+          <p:nvPr/>
+        </p:nvSpPr>
+        <p:spPr>
+          <a:xfrm>
+            <a:off x="4383495" y="4978419"/>
+            <a:ext cx="5859569" cy="646331"/>
+          </a:xfrm>
+          <a:prstGeom prst="rect">
+            <a:avLst/>
+          </a:prstGeom>
+          <a:noFill/>
+        </p:spPr>
+        <p:txBody>
+          <a:bodyPr wrap="square" rtlCol="0">
+            <a:spAutoFit/>
+          </a:bodyPr>
+          <a:lstStyle/>
+          <a:p>
+            <a:pPr algn="ctr"/>
+            <a:r>
+              <a:rPr lang="pt-BR" dirty="0">
+                <a:solidFill>
+                  <a:schemeClr val="tx1">
+                    <a:lumMod val="75000"/>
+                    <a:lumOff val="25000"/>
+                  </a:schemeClr>
+                </a:solidFill>
+                <a:latin typeface="Open Sans 1" panose="020B0604020202020204" charset="0"/>
+                <a:ea typeface="Open Sans 1" panose="020B0604020202020204" charset="0"/>
+                <a:cs typeface="Open Sans 1" panose="020B0604020202020204" charset="0"/>
+              </a:rPr>
+              <a:t>O software deve capturar se a máquina está ligada ou desligada</a:t>
+            </a:r>
+          </a:p>
+        </p:txBody>
+      </p:sp>
+      <p:sp>
+        <p:nvSpPr>
+          <p:cNvPr id="170" name="CaixaDeTexto 169"/>
+          <p:cNvSpPr txBox="1"/>
+          <p:nvPr/>
+        </p:nvSpPr>
+        <p:spPr>
+          <a:xfrm>
+            <a:off x="10465850" y="5001280"/>
+            <a:ext cx="2981511" cy="523220"/>
+          </a:xfrm>
+          <a:prstGeom prst="rect">
+            <a:avLst/>
+          </a:prstGeom>
+          <a:noFill/>
+        </p:spPr>
+        <p:txBody>
+          <a:bodyPr wrap="square" rtlCol="0">
+            <a:spAutoFit/>
+          </a:bodyPr>
+          <a:lstStyle/>
+          <a:p>
+            <a:pPr algn="ctr"/>
+            <a:r>
+              <a:rPr lang="pt-BR" sz="2800" dirty="0">
+                <a:solidFill>
+                  <a:schemeClr val="tx1">
+                    <a:lumMod val="75000"/>
+                    <a:lumOff val="25000"/>
+                  </a:schemeClr>
+                </a:solidFill>
+                <a:latin typeface="Open Sans 1" panose="020B0604020202020204" charset="0"/>
+                <a:ea typeface="Open Sans 1" panose="020B0604020202020204" charset="0"/>
+                <a:cs typeface="Open Sans 1" panose="020B0604020202020204" charset="0"/>
+              </a:rPr>
+              <a:t>Importante</a:t>
+            </a:r>
+          </a:p>
+        </p:txBody>
+      </p:sp>
+      <p:sp>
+        <p:nvSpPr>
+          <p:cNvPr id="171" name="CaixaDeTexto 170"/>
+          <p:cNvSpPr txBox="1"/>
+          <p:nvPr/>
+        </p:nvSpPr>
+        <p:spPr>
+          <a:xfrm>
+            <a:off x="13651045" y="4978419"/>
+            <a:ext cx="2272111" cy="523220"/>
+          </a:xfrm>
+          <a:prstGeom prst="rect">
+            <a:avLst/>
+          </a:prstGeom>
+          <a:noFill/>
+        </p:spPr>
+        <p:txBody>
+          <a:bodyPr wrap="square" rtlCol="0">
+            <a:spAutoFit/>
+          </a:bodyPr>
+          <a:lstStyle/>
+          <a:p>
+            <a:pPr algn="ctr"/>
+            <a:r>
+              <a:rPr lang="pt-BR" sz="2800" dirty="0">
+                <a:solidFill>
+                  <a:schemeClr val="tx1">
+                    <a:lumMod val="75000"/>
+                    <a:lumOff val="25000"/>
+                  </a:schemeClr>
+                </a:solidFill>
+                <a:latin typeface="Open Sans 1" panose="020B0604020202020204" charset="0"/>
+                <a:ea typeface="Open Sans 1" panose="020B0604020202020204" charset="0"/>
+                <a:cs typeface="Open Sans 1" panose="020B0604020202020204" charset="0"/>
+              </a:rPr>
+              <a:t>21</a:t>
+            </a:r>
+          </a:p>
+        </p:txBody>
+      </p:sp>
+      <p:sp>
+        <p:nvSpPr>
+          <p:cNvPr id="172" name="CaixaDeTexto 171"/>
+          <p:cNvSpPr txBox="1"/>
+          <p:nvPr/>
+        </p:nvSpPr>
+        <p:spPr>
+          <a:xfrm>
+            <a:off x="16124622" y="5001280"/>
             <a:ext cx="1919054" cy="523220"/>
           </a:xfrm>
           <a:prstGeom prst="rect">
@@ -7987,13 +8707,13 @@
       </p:sp>
       <p:sp>
         <p:nvSpPr>
-          <p:cNvPr id="155" name="CaixaDeTexto 154"/>
+          <p:cNvPr id="173" name="CaixaDeTexto 172"/>
           <p:cNvSpPr txBox="1"/>
           <p:nvPr/>
         </p:nvSpPr>
         <p:spPr>
           <a:xfrm>
-            <a:off x="237571" y="3794761"/>
+            <a:off x="244324" y="5610880"/>
             <a:ext cx="660197" cy="523220"/>
           </a:xfrm>
           <a:prstGeom prst="rect">
@@ -8020,21 +8740,21 @@
                 <a:ea typeface="Open Sans 1" panose="020B0604020202020204" charset="0"/>
                 <a:cs typeface="Open Sans 1" panose="020B0604020202020204" charset="0"/>
               </a:rPr>
-              <a:t>01</a:t>
-            </a:r>
-          </a:p>
-        </p:txBody>
-      </p:sp>
-      <p:sp>
-        <p:nvSpPr>
-          <p:cNvPr id="156" name="CaixaDeTexto 155"/>
+              <a:t>05</a:t>
+            </a:r>
+          </a:p>
+        </p:txBody>
+      </p:sp>
+      <p:sp>
+        <p:nvSpPr>
+          <p:cNvPr id="174" name="CaixaDeTexto 173"/>
           <p:cNvSpPr txBox="1"/>
           <p:nvPr/>
         </p:nvSpPr>
         <p:spPr>
           <a:xfrm>
-            <a:off x="1075771" y="3794761"/>
-            <a:ext cx="3648629" cy="523220"/>
+            <a:off x="1082524" y="5610880"/>
+            <a:ext cx="3115229" cy="523220"/>
           </a:xfrm>
           <a:prstGeom prst="rect">
             <a:avLst/>
@@ -8060,21 +8780,21 @@
                 <a:ea typeface="Open Sans 1" panose="020B0604020202020204" charset="0"/>
                 <a:cs typeface="Open Sans 1" panose="020B0604020202020204" charset="0"/>
               </a:rPr>
-              <a:t>US#01&lt;Cadastro&gt;</a:t>
-            </a:r>
-          </a:p>
-        </p:txBody>
-      </p:sp>
-      <p:sp>
-        <p:nvSpPr>
-          <p:cNvPr id="157" name="CaixaDeTexto 156"/>
+              <a:t>Site</a:t>
+            </a:r>
+          </a:p>
+        </p:txBody>
+      </p:sp>
+      <p:sp>
+        <p:nvSpPr>
+          <p:cNvPr id="175" name="CaixaDeTexto 174"/>
           <p:cNvSpPr txBox="1"/>
           <p:nvPr/>
         </p:nvSpPr>
         <p:spPr>
           <a:xfrm>
-            <a:off x="4910335" y="3771900"/>
-            <a:ext cx="5341700" cy="523220"/>
+            <a:off x="4404259" y="5657790"/>
+            <a:ext cx="5854529" cy="400110"/>
           </a:xfrm>
           <a:prstGeom prst="rect">
             <a:avLst/>
@@ -8089,7 +8809,7 @@
           <a:p>
             <a:pPr algn="ctr"/>
             <a:r>
-              <a:rPr lang="pt-BR" sz="2800" dirty="0">
+              <a:rPr lang="pt-BR" sz="2000" dirty="0">
                 <a:solidFill>
                   <a:schemeClr val="tx1">
                     <a:lumMod val="75000"/>
@@ -8100,20 +8820,20 @@
                 <a:ea typeface="Open Sans 1" panose="020B0604020202020204" charset="0"/>
                 <a:cs typeface="Open Sans 1" panose="020B0604020202020204" charset="0"/>
               </a:rPr>
-              <a:t>Cadastro da maquina</a:t>
-            </a:r>
-          </a:p>
-        </p:txBody>
-      </p:sp>
-      <p:sp>
-        <p:nvSpPr>
-          <p:cNvPr id="158" name="CaixaDeTexto 157"/>
+              <a:t>O sistema deve ter um site institucional</a:t>
+            </a:r>
+          </a:p>
+        </p:txBody>
+      </p:sp>
+      <p:sp>
+        <p:nvSpPr>
+          <p:cNvPr id="176" name="CaixaDeTexto 175"/>
           <p:cNvSpPr txBox="1"/>
           <p:nvPr/>
         </p:nvSpPr>
         <p:spPr>
           <a:xfrm>
-            <a:off x="10474821" y="3794761"/>
+            <a:off x="10481574" y="5610880"/>
             <a:ext cx="2981511" cy="523220"/>
           </a:xfrm>
           <a:prstGeom prst="rect">
@@ -8147,13 +8867,13 @@
       </p:sp>
       <p:sp>
         <p:nvSpPr>
-          <p:cNvPr id="159" name="CaixaDeTexto 158"/>
+          <p:cNvPr id="177" name="CaixaDeTexto 176"/>
           <p:cNvSpPr txBox="1"/>
           <p:nvPr/>
         </p:nvSpPr>
         <p:spPr>
           <a:xfrm>
-            <a:off x="13660016" y="3771900"/>
+            <a:off x="13666769" y="5588019"/>
             <a:ext cx="2272111" cy="523220"/>
           </a:xfrm>
           <a:prstGeom prst="rect">
@@ -8180,20 +8900,220 @@
                 <a:ea typeface="Open Sans 1" panose="020B0604020202020204" charset="0"/>
                 <a:cs typeface="Open Sans 1" panose="020B0604020202020204" charset="0"/>
               </a:rPr>
-              <a:t>Grande</a:t>
-            </a:r>
-          </a:p>
-        </p:txBody>
-      </p:sp>
-      <p:sp>
-        <p:nvSpPr>
-          <p:cNvPr id="160" name="CaixaDeTexto 159"/>
+              <a:t>3</a:t>
+            </a:r>
+          </a:p>
+        </p:txBody>
+      </p:sp>
+      <p:sp>
+        <p:nvSpPr>
+          <p:cNvPr id="178" name="CaixaDeTexto 177"/>
           <p:cNvSpPr txBox="1"/>
           <p:nvPr/>
         </p:nvSpPr>
         <p:spPr>
           <a:xfrm>
-            <a:off x="16133593" y="3794761"/>
+            <a:off x="16140346" y="5676900"/>
+            <a:ext cx="1919054" cy="400110"/>
+          </a:xfrm>
+          <a:prstGeom prst="rect">
+            <a:avLst/>
+          </a:prstGeom>
+          <a:noFill/>
+        </p:spPr>
+        <p:txBody>
+          <a:bodyPr wrap="square" rtlCol="0">
+            <a:spAutoFit/>
+          </a:bodyPr>
+          <a:lstStyle/>
+          <a:p>
+            <a:pPr algn="ctr"/>
+            <a:r>
+              <a:rPr lang="pt-BR" sz="2000" dirty="0">
+                <a:solidFill>
+                  <a:schemeClr val="tx1">
+                    <a:lumMod val="75000"/>
+                    <a:lumOff val="25000"/>
+                  </a:schemeClr>
+                </a:solidFill>
+                <a:latin typeface="Open Sans 1" panose="020B0604020202020204" charset="0"/>
+                <a:ea typeface="Open Sans 1" panose="020B0604020202020204" charset="0"/>
+                <a:cs typeface="Open Sans 1" panose="020B0604020202020204" charset="0"/>
+              </a:rPr>
+              <a:t>Não Funcional</a:t>
+            </a:r>
+          </a:p>
+        </p:txBody>
+      </p:sp>
+      <p:sp>
+        <p:nvSpPr>
+          <p:cNvPr id="179" name="CaixaDeTexto 178"/>
+          <p:cNvSpPr txBox="1"/>
+          <p:nvPr/>
+        </p:nvSpPr>
+        <p:spPr>
+          <a:xfrm>
+            <a:off x="244324" y="6233161"/>
+            <a:ext cx="660197" cy="523220"/>
+          </a:xfrm>
+          <a:prstGeom prst="rect">
+            <a:avLst/>
+          </a:prstGeom>
+          <a:noFill/>
+        </p:spPr>
+        <p:txBody>
+          <a:bodyPr wrap="square" rtlCol="0">
+            <a:spAutoFit/>
+          </a:bodyPr>
+          <a:lstStyle/>
+          <a:p>
+            <a:pPr algn="ctr"/>
+            <a:r>
+              <a:rPr lang="pt-BR" sz="2800" dirty="0">
+                <a:solidFill>
+                  <a:schemeClr val="tx1">
+                    <a:lumMod val="75000"/>
+                    <a:lumOff val="25000"/>
+                  </a:schemeClr>
+                </a:solidFill>
+                <a:latin typeface="Open Sans 1" panose="020B0604020202020204" charset="0"/>
+                <a:ea typeface="Open Sans 1" panose="020B0604020202020204" charset="0"/>
+                <a:cs typeface="Open Sans 1" panose="020B0604020202020204" charset="0"/>
+              </a:rPr>
+              <a:t>06</a:t>
+            </a:r>
+          </a:p>
+        </p:txBody>
+      </p:sp>
+      <p:sp>
+        <p:nvSpPr>
+          <p:cNvPr id="181" name="CaixaDeTexto 180"/>
+          <p:cNvSpPr txBox="1"/>
+          <p:nvPr/>
+        </p:nvSpPr>
+        <p:spPr>
+          <a:xfrm>
+            <a:off x="4403507" y="6210300"/>
+            <a:ext cx="5855281" cy="584775"/>
+          </a:xfrm>
+          <a:prstGeom prst="rect">
+            <a:avLst/>
+          </a:prstGeom>
+          <a:noFill/>
+        </p:spPr>
+        <p:txBody>
+          <a:bodyPr wrap="square" rtlCol="0">
+            <a:spAutoFit/>
+          </a:bodyPr>
+          <a:lstStyle/>
+          <a:p>
+            <a:pPr algn="ctr"/>
+            <a:r>
+              <a:rPr lang="pt-BR" sz="1600" dirty="0">
+                <a:solidFill>
+                  <a:schemeClr val="tx1">
+                    <a:lumMod val="75000"/>
+                    <a:lumOff val="25000"/>
+                  </a:schemeClr>
+                </a:solidFill>
+                <a:latin typeface="Open Sans 1" panose="020B0604020202020204" charset="0"/>
+                <a:ea typeface="Open Sans 1" panose="020B0604020202020204" charset="0"/>
+                <a:cs typeface="Open Sans 1" panose="020B0604020202020204" charset="0"/>
+              </a:rPr>
+              <a:t>A aplicação web deve ter uma dashboard com os dados de processamentos das máquinas em tempo real</a:t>
+            </a:r>
+          </a:p>
+        </p:txBody>
+      </p:sp>
+      <p:sp>
+        <p:nvSpPr>
+          <p:cNvPr id="182" name="CaixaDeTexto 181"/>
+          <p:cNvSpPr txBox="1"/>
+          <p:nvPr/>
+        </p:nvSpPr>
+        <p:spPr>
+          <a:xfrm>
+            <a:off x="10481574" y="6233161"/>
+            <a:ext cx="2981511" cy="523220"/>
+          </a:xfrm>
+          <a:prstGeom prst="rect">
+            <a:avLst/>
+          </a:prstGeom>
+          <a:noFill/>
+        </p:spPr>
+        <p:txBody>
+          <a:bodyPr wrap="square" rtlCol="0">
+            <a:spAutoFit/>
+          </a:bodyPr>
+          <a:lstStyle/>
+          <a:p>
+            <a:pPr algn="ctr"/>
+            <a:r>
+              <a:rPr lang="pt-BR" sz="2800" dirty="0">
+                <a:solidFill>
+                  <a:schemeClr val="tx1">
+                    <a:lumMod val="75000"/>
+                    <a:lumOff val="25000"/>
+                  </a:schemeClr>
+                </a:solidFill>
+                <a:latin typeface="Open Sans 1" panose="020B0604020202020204" charset="0"/>
+                <a:ea typeface="Open Sans 1" panose="020B0604020202020204" charset="0"/>
+                <a:cs typeface="Open Sans 1" panose="020B0604020202020204" charset="0"/>
+              </a:rPr>
+              <a:t>Essencial</a:t>
+            </a:r>
+          </a:p>
+        </p:txBody>
+      </p:sp>
+      <p:sp>
+        <p:nvSpPr>
+          <p:cNvPr id="183" name="CaixaDeTexto 182"/>
+          <p:cNvSpPr txBox="1"/>
+          <p:nvPr/>
+        </p:nvSpPr>
+        <p:spPr>
+          <a:xfrm>
+            <a:off x="13666769" y="6210300"/>
+            <a:ext cx="2272111" cy="523220"/>
+          </a:xfrm>
+          <a:prstGeom prst="rect">
+            <a:avLst/>
+          </a:prstGeom>
+          <a:noFill/>
+        </p:spPr>
+        <p:txBody>
+          <a:bodyPr wrap="square" rtlCol="0">
+            <a:spAutoFit/>
+          </a:bodyPr>
+          <a:lstStyle/>
+          <a:p>
+            <a:pPr algn="ctr"/>
+            <a:r>
+              <a:rPr lang="pt-BR" sz="2800" dirty="0">
+                <a:solidFill>
+                  <a:schemeClr val="tx1">
+                    <a:lumMod val="75000"/>
+                    <a:lumOff val="25000"/>
+                  </a:schemeClr>
+                </a:solidFill>
+                <a:latin typeface="Open Sans 1" panose="020B0604020202020204" charset="0"/>
+                <a:ea typeface="Open Sans 1" panose="020B0604020202020204" charset="0"/>
+                <a:cs typeface="Open Sans 1" panose="020B0604020202020204" charset="0"/>
+              </a:rPr>
+              <a:t>13</a:t>
+            </a:r>
+          </a:p>
+        </p:txBody>
+      </p:sp>
+      <p:sp>
+        <p:nvSpPr>
+          <p:cNvPr id="184" name="CaixaDeTexto 183"/>
+          <p:cNvSpPr txBox="1"/>
+          <p:nvPr/>
+        </p:nvSpPr>
+        <p:spPr>
+          <a:xfrm>
+            <a:off x="16140346" y="6233161"/>
             <a:ext cx="1919054" cy="523220"/>
           </a:xfrm>
           <a:prstGeom prst="rect">
@@ -8227,14 +9147,14 @@
       </p:sp>
       <p:sp>
         <p:nvSpPr>
-          <p:cNvPr id="161" name="CaixaDeTexto 160"/>
+          <p:cNvPr id="187" name="CaixaDeTexto 186"/>
           <p:cNvSpPr txBox="1"/>
           <p:nvPr/>
         </p:nvSpPr>
         <p:spPr>
           <a:xfrm>
-            <a:off x="228600" y="4378999"/>
-            <a:ext cx="660197" cy="523220"/>
+            <a:off x="4383495" y="6794538"/>
+            <a:ext cx="5866322" cy="646331"/>
           </a:xfrm>
           <a:prstGeom prst="rect">
             <a:avLst/>
@@ -8249,7 +9169,7 @@
           <a:p>
             <a:pPr algn="ctr"/>
             <a:r>
-              <a:rPr lang="pt-BR" sz="2800" dirty="0">
+              <a:rPr lang="pt-BR" dirty="0">
                 <a:solidFill>
                   <a:schemeClr val="tx1">
                     <a:lumMod val="75000"/>
@@ -8260,100 +9180,20 @@
                 <a:ea typeface="Open Sans 1" panose="020B0604020202020204" charset="0"/>
                 <a:cs typeface="Open Sans 1" panose="020B0604020202020204" charset="0"/>
               </a:rPr>
-              <a:t>01</a:t>
-            </a:r>
-          </a:p>
-        </p:txBody>
-      </p:sp>
-      <p:sp>
-        <p:nvSpPr>
-          <p:cNvPr id="162" name="CaixaDeTexto 161"/>
+              <a:t>A aplicação web deve emitir alertas na existência de alteração no desempenho do computador</a:t>
+            </a:r>
+          </a:p>
+        </p:txBody>
+      </p:sp>
+      <p:sp>
+        <p:nvSpPr>
+          <p:cNvPr id="188" name="CaixaDeTexto 187"/>
           <p:cNvSpPr txBox="1"/>
           <p:nvPr/>
         </p:nvSpPr>
         <p:spPr>
           <a:xfrm>
-            <a:off x="1066800" y="4378999"/>
-            <a:ext cx="3648629" cy="523220"/>
-          </a:xfrm>
-          <a:prstGeom prst="rect">
-            <a:avLst/>
-          </a:prstGeom>
-          <a:noFill/>
-        </p:spPr>
-        <p:txBody>
-          <a:bodyPr wrap="square" rtlCol="0">
-            <a:spAutoFit/>
-          </a:bodyPr>
-          <a:lstStyle/>
-          <a:p>
-            <a:pPr algn="ctr"/>
-            <a:r>
-              <a:rPr lang="pt-BR" sz="2800" dirty="0">
-                <a:solidFill>
-                  <a:schemeClr val="tx1">
-                    <a:lumMod val="75000"/>
-                    <a:lumOff val="25000"/>
-                  </a:schemeClr>
-                </a:solidFill>
-                <a:latin typeface="Open Sans 1" panose="020B0604020202020204" charset="0"/>
-                <a:ea typeface="Open Sans 1" panose="020B0604020202020204" charset="0"/>
-                <a:cs typeface="Open Sans 1" panose="020B0604020202020204" charset="0"/>
-              </a:rPr>
-              <a:t>US#01&lt;Cadastro&gt;</a:t>
-            </a:r>
-          </a:p>
-        </p:txBody>
-      </p:sp>
-      <p:sp>
-        <p:nvSpPr>
-          <p:cNvPr id="163" name="CaixaDeTexto 162"/>
-          <p:cNvSpPr txBox="1"/>
-          <p:nvPr/>
-        </p:nvSpPr>
-        <p:spPr>
-          <a:xfrm>
-            <a:off x="4901364" y="4356138"/>
-            <a:ext cx="5341700" cy="523220"/>
-          </a:xfrm>
-          <a:prstGeom prst="rect">
-            <a:avLst/>
-          </a:prstGeom>
-          <a:noFill/>
-        </p:spPr>
-        <p:txBody>
-          <a:bodyPr wrap="square" rtlCol="0">
-            <a:spAutoFit/>
-          </a:bodyPr>
-          <a:lstStyle/>
-          <a:p>
-            <a:pPr algn="ctr"/>
-            <a:r>
-              <a:rPr lang="pt-BR" sz="2800" dirty="0">
-                <a:solidFill>
-                  <a:schemeClr val="tx1">
-                    <a:lumMod val="75000"/>
-                    <a:lumOff val="25000"/>
-                  </a:schemeClr>
-                </a:solidFill>
-                <a:latin typeface="Open Sans 1" panose="020B0604020202020204" charset="0"/>
-                <a:ea typeface="Open Sans 1" panose="020B0604020202020204" charset="0"/>
-                <a:cs typeface="Open Sans 1" panose="020B0604020202020204" charset="0"/>
-              </a:rPr>
-              <a:t>Cadastro da maquina</a:t>
-            </a:r>
-          </a:p>
-        </p:txBody>
-      </p:sp>
-      <p:sp>
-        <p:nvSpPr>
-          <p:cNvPr id="164" name="CaixaDeTexto 163"/>
-          <p:cNvSpPr txBox="1"/>
-          <p:nvPr/>
-        </p:nvSpPr>
-        <p:spPr>
-          <a:xfrm>
-            <a:off x="10465850" y="4378999"/>
+            <a:off x="10472603" y="6817399"/>
             <a:ext cx="2981511" cy="523220"/>
           </a:xfrm>
           <a:prstGeom prst="rect">
@@ -8387,13 +9227,13 @@
       </p:sp>
       <p:sp>
         <p:nvSpPr>
-          <p:cNvPr id="165" name="CaixaDeTexto 164"/>
+          <p:cNvPr id="189" name="CaixaDeTexto 188"/>
           <p:cNvSpPr txBox="1"/>
           <p:nvPr/>
         </p:nvSpPr>
         <p:spPr>
           <a:xfrm>
-            <a:off x="13651045" y="4356138"/>
+            <a:off x="13657798" y="6794538"/>
             <a:ext cx="2272111" cy="523220"/>
           </a:xfrm>
           <a:prstGeom prst="rect">
@@ -8420,20 +9260,20 @@
                 <a:ea typeface="Open Sans 1" panose="020B0604020202020204" charset="0"/>
                 <a:cs typeface="Open Sans 1" panose="020B0604020202020204" charset="0"/>
               </a:rPr>
-              <a:t>Grande</a:t>
-            </a:r>
-          </a:p>
-        </p:txBody>
-      </p:sp>
-      <p:sp>
-        <p:nvSpPr>
-          <p:cNvPr id="166" name="CaixaDeTexto 165"/>
+              <a:t>8</a:t>
+            </a:r>
+          </a:p>
+        </p:txBody>
+      </p:sp>
+      <p:sp>
+        <p:nvSpPr>
+          <p:cNvPr id="190" name="CaixaDeTexto 189"/>
           <p:cNvSpPr txBox="1"/>
           <p:nvPr/>
         </p:nvSpPr>
         <p:spPr>
           <a:xfrm>
-            <a:off x="16124622" y="4378999"/>
+            <a:off x="16131375" y="6817399"/>
             <a:ext cx="1919054" cy="523220"/>
           </a:xfrm>
           <a:prstGeom prst="rect">
@@ -8467,14 +9307,14 @@
       </p:sp>
       <p:sp>
         <p:nvSpPr>
-          <p:cNvPr id="167" name="CaixaDeTexto 166"/>
+          <p:cNvPr id="193" name="CaixaDeTexto 192"/>
           <p:cNvSpPr txBox="1"/>
           <p:nvPr/>
         </p:nvSpPr>
         <p:spPr>
           <a:xfrm>
-            <a:off x="228600" y="5001280"/>
-            <a:ext cx="660197" cy="523220"/>
+            <a:off x="4403507" y="7416819"/>
+            <a:ext cx="5846310" cy="646331"/>
           </a:xfrm>
           <a:prstGeom prst="rect">
             <a:avLst/>
@@ -8489,7 +9329,7 @@
           <a:p>
             <a:pPr algn="ctr"/>
             <a:r>
-              <a:rPr lang="pt-BR" sz="2800" dirty="0">
+              <a:rPr lang="pt-BR" dirty="0">
                 <a:solidFill>
                   <a:schemeClr val="tx1">
                     <a:lumMod val="75000"/>
@@ -8500,100 +9340,20 @@
                 <a:ea typeface="Open Sans 1" panose="020B0604020202020204" charset="0"/>
                 <a:cs typeface="Open Sans 1" panose="020B0604020202020204" charset="0"/>
               </a:rPr>
-              <a:t>01</a:t>
-            </a:r>
-          </a:p>
-        </p:txBody>
-      </p:sp>
-      <p:sp>
-        <p:nvSpPr>
-          <p:cNvPr id="168" name="CaixaDeTexto 167"/>
+              <a:t>A aplicação web deve emitir relatórios com a quantidade de horas que o computador ficou ativo</a:t>
+            </a:r>
+          </a:p>
+        </p:txBody>
+      </p:sp>
+      <p:sp>
+        <p:nvSpPr>
+          <p:cNvPr id="194" name="CaixaDeTexto 193"/>
           <p:cNvSpPr txBox="1"/>
           <p:nvPr/>
         </p:nvSpPr>
         <p:spPr>
           <a:xfrm>
-            <a:off x="1066800" y="5001280"/>
-            <a:ext cx="3648629" cy="523220"/>
-          </a:xfrm>
-          <a:prstGeom prst="rect">
-            <a:avLst/>
-          </a:prstGeom>
-          <a:noFill/>
-        </p:spPr>
-        <p:txBody>
-          <a:bodyPr wrap="square" rtlCol="0">
-            <a:spAutoFit/>
-          </a:bodyPr>
-          <a:lstStyle/>
-          <a:p>
-            <a:pPr algn="ctr"/>
-            <a:r>
-              <a:rPr lang="pt-BR" sz="2800" dirty="0">
-                <a:solidFill>
-                  <a:schemeClr val="tx1">
-                    <a:lumMod val="75000"/>
-                    <a:lumOff val="25000"/>
-                  </a:schemeClr>
-                </a:solidFill>
-                <a:latin typeface="Open Sans 1" panose="020B0604020202020204" charset="0"/>
-                <a:ea typeface="Open Sans 1" panose="020B0604020202020204" charset="0"/>
-                <a:cs typeface="Open Sans 1" panose="020B0604020202020204" charset="0"/>
-              </a:rPr>
-              <a:t>US#01&lt;Cadastro&gt;</a:t>
-            </a:r>
-          </a:p>
-        </p:txBody>
-      </p:sp>
-      <p:sp>
-        <p:nvSpPr>
-          <p:cNvPr id="169" name="CaixaDeTexto 168"/>
-          <p:cNvSpPr txBox="1"/>
-          <p:nvPr/>
-        </p:nvSpPr>
-        <p:spPr>
-          <a:xfrm>
-            <a:off x="4901364" y="4978419"/>
-            <a:ext cx="5341700" cy="523220"/>
-          </a:xfrm>
-          <a:prstGeom prst="rect">
-            <a:avLst/>
-          </a:prstGeom>
-          <a:noFill/>
-        </p:spPr>
-        <p:txBody>
-          <a:bodyPr wrap="square" rtlCol="0">
-            <a:spAutoFit/>
-          </a:bodyPr>
-          <a:lstStyle/>
-          <a:p>
-            <a:pPr algn="ctr"/>
-            <a:r>
-              <a:rPr lang="pt-BR" sz="2800" dirty="0">
-                <a:solidFill>
-                  <a:schemeClr val="tx1">
-                    <a:lumMod val="75000"/>
-                    <a:lumOff val="25000"/>
-                  </a:schemeClr>
-                </a:solidFill>
-                <a:latin typeface="Open Sans 1" panose="020B0604020202020204" charset="0"/>
-                <a:ea typeface="Open Sans 1" panose="020B0604020202020204" charset="0"/>
-                <a:cs typeface="Open Sans 1" panose="020B0604020202020204" charset="0"/>
-              </a:rPr>
-              <a:t>Cadastro da maquina</a:t>
-            </a:r>
-          </a:p>
-        </p:txBody>
-      </p:sp>
-      <p:sp>
-        <p:nvSpPr>
-          <p:cNvPr id="170" name="CaixaDeTexto 169"/>
-          <p:cNvSpPr txBox="1"/>
-          <p:nvPr/>
-        </p:nvSpPr>
-        <p:spPr>
-          <a:xfrm>
-            <a:off x="10465850" y="5001280"/>
+            <a:off x="10472603" y="7439680"/>
             <a:ext cx="2981511" cy="523220"/>
           </a:xfrm>
           <a:prstGeom prst="rect">
@@ -8627,13 +9387,13 @@
       </p:sp>
       <p:sp>
         <p:nvSpPr>
-          <p:cNvPr id="171" name="CaixaDeTexto 170"/>
+          <p:cNvPr id="195" name="CaixaDeTexto 194"/>
           <p:cNvSpPr txBox="1"/>
           <p:nvPr/>
         </p:nvSpPr>
         <p:spPr>
           <a:xfrm>
-            <a:off x="13651045" y="4978419"/>
+            <a:off x="13657798" y="7416819"/>
             <a:ext cx="2272111" cy="523220"/>
           </a:xfrm>
           <a:prstGeom prst="rect">
@@ -8660,20 +9420,20 @@
                 <a:ea typeface="Open Sans 1" panose="020B0604020202020204" charset="0"/>
                 <a:cs typeface="Open Sans 1" panose="020B0604020202020204" charset="0"/>
               </a:rPr>
-              <a:t>Grande</a:t>
-            </a:r>
-          </a:p>
-        </p:txBody>
-      </p:sp>
-      <p:sp>
-        <p:nvSpPr>
-          <p:cNvPr id="172" name="CaixaDeTexto 171"/>
+              <a:t>13</a:t>
+            </a:r>
+          </a:p>
+        </p:txBody>
+      </p:sp>
+      <p:sp>
+        <p:nvSpPr>
+          <p:cNvPr id="196" name="CaixaDeTexto 195"/>
           <p:cNvSpPr txBox="1"/>
           <p:nvPr/>
         </p:nvSpPr>
         <p:spPr>
           <a:xfrm>
-            <a:off x="16124622" y="5001280"/>
+            <a:off x="16131375" y="7439680"/>
             <a:ext cx="1919054" cy="523220"/>
           </a:xfrm>
           <a:prstGeom prst="rect">
@@ -8707,13 +9467,19 @@
       </p:sp>
       <p:sp>
         <p:nvSpPr>
-          <p:cNvPr id="173" name="CaixaDeTexto 172"/>
+          <p:cNvPr id="70" name="CaixaDeTexto 69">
+            <a:extLst>
+              <a:ext uri="{FF2B5EF4-FFF2-40B4-BE49-F238E27FC236}">
+                <a16:creationId xmlns:a16="http://schemas.microsoft.com/office/drawing/2014/main" id="{61CDB524-B6EA-42A1-9CD9-AE9973F38CC7}"/>
+              </a:ext>
+            </a:extLst>
+          </p:cNvPr>
           <p:cNvSpPr txBox="1"/>
           <p:nvPr/>
         </p:nvSpPr>
         <p:spPr>
           <a:xfrm>
-            <a:off x="244324" y="5610880"/>
+            <a:off x="235353" y="6817399"/>
             <a:ext cx="660197" cy="523220"/>
           </a:xfrm>
           <a:prstGeom prst="rect">
@@ -8740,21 +9506,27 @@
                 <a:ea typeface="Open Sans 1" panose="020B0604020202020204" charset="0"/>
                 <a:cs typeface="Open Sans 1" panose="020B0604020202020204" charset="0"/>
               </a:rPr>
-              <a:t>01</a:t>
-            </a:r>
-          </a:p>
-        </p:txBody>
-      </p:sp>
-      <p:sp>
-        <p:nvSpPr>
-          <p:cNvPr id="174" name="CaixaDeTexto 173"/>
+              <a:t>07</a:t>
+            </a:r>
+          </a:p>
+        </p:txBody>
+      </p:sp>
+      <p:sp>
+        <p:nvSpPr>
+          <p:cNvPr id="71" name="CaixaDeTexto 70">
+            <a:extLst>
+              <a:ext uri="{FF2B5EF4-FFF2-40B4-BE49-F238E27FC236}">
+                <a16:creationId xmlns:a16="http://schemas.microsoft.com/office/drawing/2014/main" id="{294D5498-F61B-4B6F-AC37-893C7E3E8E5D}"/>
+              </a:ext>
+            </a:extLst>
+          </p:cNvPr>
           <p:cNvSpPr txBox="1"/>
           <p:nvPr/>
         </p:nvSpPr>
         <p:spPr>
           <a:xfrm>
-            <a:off x="1082524" y="5610880"/>
-            <a:ext cx="3648629" cy="523220"/>
+            <a:off x="235353" y="7439680"/>
+            <a:ext cx="660197" cy="523220"/>
           </a:xfrm>
           <a:prstGeom prst="rect">
             <a:avLst/>
@@ -8780,21 +9552,27 @@
                 <a:ea typeface="Open Sans 1" panose="020B0604020202020204" charset="0"/>
                 <a:cs typeface="Open Sans 1" panose="020B0604020202020204" charset="0"/>
               </a:rPr>
-              <a:t>US#01&lt;Cadastro&gt;</a:t>
-            </a:r>
-          </a:p>
-        </p:txBody>
-      </p:sp>
-      <p:sp>
-        <p:nvSpPr>
-          <p:cNvPr id="175" name="CaixaDeTexto 174"/>
+              <a:t>08</a:t>
+            </a:r>
+          </a:p>
+        </p:txBody>
+      </p:sp>
+      <p:sp>
+        <p:nvSpPr>
+          <p:cNvPr id="72" name="CaixaDeTexto 71">
+            <a:extLst>
+              <a:ext uri="{FF2B5EF4-FFF2-40B4-BE49-F238E27FC236}">
+                <a16:creationId xmlns:a16="http://schemas.microsoft.com/office/drawing/2014/main" id="{B60A4B64-8088-4F58-9EC5-A2138DAA4F05}"/>
+              </a:ext>
+            </a:extLst>
+          </p:cNvPr>
           <p:cNvSpPr txBox="1"/>
           <p:nvPr/>
         </p:nvSpPr>
         <p:spPr>
           <a:xfrm>
-            <a:off x="4917088" y="5588019"/>
-            <a:ext cx="5341700" cy="523220"/>
+            <a:off x="244324" y="8023918"/>
+            <a:ext cx="660197" cy="523220"/>
           </a:xfrm>
           <a:prstGeom prst="rect">
             <a:avLst/>
@@ -8820,20 +9598,118 @@
                 <a:ea typeface="Open Sans 1" panose="020B0604020202020204" charset="0"/>
                 <a:cs typeface="Open Sans 1" panose="020B0604020202020204" charset="0"/>
               </a:rPr>
-              <a:t>Cadastro da maquina</a:t>
-            </a:r>
-          </a:p>
-        </p:txBody>
-      </p:sp>
-      <p:sp>
-        <p:nvSpPr>
-          <p:cNvPr id="176" name="CaixaDeTexto 175"/>
+              <a:t>09</a:t>
+            </a:r>
+          </a:p>
+        </p:txBody>
+      </p:sp>
+      <p:sp>
+        <p:nvSpPr>
+          <p:cNvPr id="73" name="CaixaDeTexto 72">
+            <a:extLst>
+              <a:ext uri="{FF2B5EF4-FFF2-40B4-BE49-F238E27FC236}">
+                <a16:creationId xmlns:a16="http://schemas.microsoft.com/office/drawing/2014/main" id="{EABC6DF3-293B-44C4-95D4-04A64FF35665}"/>
+              </a:ext>
+            </a:extLst>
+          </p:cNvPr>
           <p:cNvSpPr txBox="1"/>
           <p:nvPr/>
         </p:nvSpPr>
         <p:spPr>
           <a:xfrm>
-            <a:off x="10481574" y="5610880"/>
+            <a:off x="244324" y="8646199"/>
+            <a:ext cx="660197" cy="523220"/>
+          </a:xfrm>
+          <a:prstGeom prst="rect">
+            <a:avLst/>
+          </a:prstGeom>
+          <a:noFill/>
+        </p:spPr>
+        <p:txBody>
+          <a:bodyPr wrap="square" rtlCol="0">
+            <a:spAutoFit/>
+          </a:bodyPr>
+          <a:lstStyle/>
+          <a:p>
+            <a:pPr algn="ctr"/>
+            <a:r>
+              <a:rPr lang="pt-BR" sz="2800" dirty="0">
+                <a:solidFill>
+                  <a:schemeClr val="tx1">
+                    <a:lumMod val="75000"/>
+                    <a:lumOff val="25000"/>
+                  </a:schemeClr>
+                </a:solidFill>
+                <a:latin typeface="Open Sans 1" panose="020B0604020202020204" charset="0"/>
+                <a:ea typeface="Open Sans 1" panose="020B0604020202020204" charset="0"/>
+                <a:cs typeface="Open Sans 1" panose="020B0604020202020204" charset="0"/>
+              </a:rPr>
+              <a:t>10</a:t>
+            </a:r>
+          </a:p>
+        </p:txBody>
+      </p:sp>
+      <p:sp>
+        <p:nvSpPr>
+          <p:cNvPr id="75" name="CaixaDeTexto 74">
+            <a:extLst>
+              <a:ext uri="{FF2B5EF4-FFF2-40B4-BE49-F238E27FC236}">
+                <a16:creationId xmlns:a16="http://schemas.microsoft.com/office/drawing/2014/main" id="{7B343F95-2A0F-4DB5-9344-335B47860267}"/>
+              </a:ext>
+            </a:extLst>
+          </p:cNvPr>
+          <p:cNvSpPr txBox="1"/>
+          <p:nvPr/>
+        </p:nvSpPr>
+        <p:spPr>
+          <a:xfrm>
+            <a:off x="4360033" y="8048413"/>
+            <a:ext cx="5898755" cy="707886"/>
+          </a:xfrm>
+          <a:prstGeom prst="rect">
+            <a:avLst/>
+          </a:prstGeom>
+          <a:noFill/>
+        </p:spPr>
+        <p:txBody>
+          <a:bodyPr wrap="square" rtlCol="0">
+            <a:spAutoFit/>
+          </a:bodyPr>
+          <a:lstStyle/>
+          <a:p>
+            <a:pPr algn="ctr"/>
+            <a:r>
+              <a:rPr lang="pt-BR" sz="2000" dirty="0">
+                <a:solidFill>
+                  <a:schemeClr val="tx1">
+                    <a:lumMod val="75000"/>
+                    <a:lumOff val="25000"/>
+                  </a:schemeClr>
+                </a:solidFill>
+                <a:latin typeface="Open Sans 1" panose="020B0604020202020204" charset="0"/>
+                <a:ea typeface="Open Sans 1" panose="020B0604020202020204" charset="0"/>
+                <a:cs typeface="Open Sans 1" panose="020B0604020202020204" charset="0"/>
+              </a:rPr>
+              <a:t>A aplicação web deve possuir um histórico com todas as ocorrências das máquinas</a:t>
+            </a:r>
+          </a:p>
+        </p:txBody>
+      </p:sp>
+      <p:sp>
+        <p:nvSpPr>
+          <p:cNvPr id="76" name="CaixaDeTexto 75">
+            <a:extLst>
+              <a:ext uri="{FF2B5EF4-FFF2-40B4-BE49-F238E27FC236}">
+                <a16:creationId xmlns:a16="http://schemas.microsoft.com/office/drawing/2014/main" id="{4E80DB3B-16E0-4A70-9076-ED20791E4671}"/>
+              </a:ext>
+            </a:extLst>
+          </p:cNvPr>
+          <p:cNvSpPr txBox="1"/>
+          <p:nvPr/>
+        </p:nvSpPr>
+        <p:spPr>
+          <a:xfrm>
+            <a:off x="10481574" y="8071275"/>
             <a:ext cx="2981511" cy="523220"/>
           </a:xfrm>
           <a:prstGeom prst="rect">
@@ -8867,13 +9743,19 @@
       </p:sp>
       <p:sp>
         <p:nvSpPr>
-          <p:cNvPr id="177" name="CaixaDeTexto 176"/>
+          <p:cNvPr id="77" name="CaixaDeTexto 76">
+            <a:extLst>
+              <a:ext uri="{FF2B5EF4-FFF2-40B4-BE49-F238E27FC236}">
+                <a16:creationId xmlns:a16="http://schemas.microsoft.com/office/drawing/2014/main" id="{C621C4C2-F912-4BDC-9405-01192F181734}"/>
+              </a:ext>
+            </a:extLst>
+          </p:cNvPr>
           <p:cNvSpPr txBox="1"/>
           <p:nvPr/>
         </p:nvSpPr>
         <p:spPr>
           <a:xfrm>
-            <a:off x="13666769" y="5588019"/>
+            <a:off x="13666769" y="8048414"/>
             <a:ext cx="2272111" cy="523220"/>
           </a:xfrm>
           <a:prstGeom prst="rect">
@@ -8900,20 +9782,26 @@
                 <a:ea typeface="Open Sans 1" panose="020B0604020202020204" charset="0"/>
                 <a:cs typeface="Open Sans 1" panose="020B0604020202020204" charset="0"/>
               </a:rPr>
-              <a:t>Grande</a:t>
-            </a:r>
-          </a:p>
-        </p:txBody>
-      </p:sp>
-      <p:sp>
-        <p:nvSpPr>
-          <p:cNvPr id="178" name="CaixaDeTexto 177"/>
+              <a:t>8</a:t>
+            </a:r>
+          </a:p>
+        </p:txBody>
+      </p:sp>
+      <p:sp>
+        <p:nvSpPr>
+          <p:cNvPr id="78" name="CaixaDeTexto 77">
+            <a:extLst>
+              <a:ext uri="{FF2B5EF4-FFF2-40B4-BE49-F238E27FC236}">
+                <a16:creationId xmlns:a16="http://schemas.microsoft.com/office/drawing/2014/main" id="{3E31BF00-9930-4672-AD52-A8C4577BF1BD}"/>
+              </a:ext>
+            </a:extLst>
+          </p:cNvPr>
           <p:cNvSpPr txBox="1"/>
           <p:nvPr/>
         </p:nvSpPr>
         <p:spPr>
           <a:xfrm>
-            <a:off x="16140346" y="5610880"/>
+            <a:off x="16140346" y="8071275"/>
             <a:ext cx="1919054" cy="523220"/>
           </a:xfrm>
           <a:prstGeom prst="rect">
@@ -8947,14 +9835,20 @@
       </p:sp>
       <p:sp>
         <p:nvSpPr>
-          <p:cNvPr id="179" name="CaixaDeTexto 178"/>
+          <p:cNvPr id="80" name="CaixaDeTexto 79">
+            <a:extLst>
+              <a:ext uri="{FF2B5EF4-FFF2-40B4-BE49-F238E27FC236}">
+                <a16:creationId xmlns:a16="http://schemas.microsoft.com/office/drawing/2014/main" id="{78E3A1C9-501B-4F4B-907D-0F0C4B1058AB}"/>
+              </a:ext>
+            </a:extLst>
+          </p:cNvPr>
           <p:cNvSpPr txBox="1"/>
           <p:nvPr/>
         </p:nvSpPr>
         <p:spPr>
           <a:xfrm>
-            <a:off x="244324" y="6233161"/>
-            <a:ext cx="660197" cy="523220"/>
+            <a:off x="4362250" y="8670694"/>
+            <a:ext cx="5896538" cy="707886"/>
           </a:xfrm>
           <a:prstGeom prst="rect">
             <a:avLst/>
@@ -8969,7 +9863,7 @@
           <a:p>
             <a:pPr algn="ctr"/>
             <a:r>
-              <a:rPr lang="pt-BR" sz="2800" dirty="0">
+              <a:rPr lang="pt-BR" sz="2000" dirty="0">
                 <a:solidFill>
                   <a:schemeClr val="tx1">
                     <a:lumMod val="75000"/>
@@ -8980,100 +9874,26 @@
                 <a:ea typeface="Open Sans 1" panose="020B0604020202020204" charset="0"/>
                 <a:cs typeface="Open Sans 1" panose="020B0604020202020204" charset="0"/>
               </a:rPr>
-              <a:t>01</a:t>
-            </a:r>
-          </a:p>
-        </p:txBody>
-      </p:sp>
-      <p:sp>
-        <p:nvSpPr>
-          <p:cNvPr id="180" name="CaixaDeTexto 179"/>
+              <a:t>A aplicação web deve permitir a visualização de quantos computadores precisam de reparo</a:t>
+            </a:r>
+          </a:p>
+        </p:txBody>
+      </p:sp>
+      <p:sp>
+        <p:nvSpPr>
+          <p:cNvPr id="81" name="CaixaDeTexto 80">
+            <a:extLst>
+              <a:ext uri="{FF2B5EF4-FFF2-40B4-BE49-F238E27FC236}">
+                <a16:creationId xmlns:a16="http://schemas.microsoft.com/office/drawing/2014/main" id="{FBF0A404-643F-489E-9618-D120EBBB95C0}"/>
+              </a:ext>
+            </a:extLst>
+          </p:cNvPr>
           <p:cNvSpPr txBox="1"/>
           <p:nvPr/>
         </p:nvSpPr>
         <p:spPr>
           <a:xfrm>
-            <a:off x="1082524" y="6233161"/>
-            <a:ext cx="3648629" cy="523220"/>
-          </a:xfrm>
-          <a:prstGeom prst="rect">
-            <a:avLst/>
-          </a:prstGeom>
-          <a:noFill/>
-        </p:spPr>
-        <p:txBody>
-          <a:bodyPr wrap="square" rtlCol="0">
-            <a:spAutoFit/>
-          </a:bodyPr>
-          <a:lstStyle/>
-          <a:p>
-            <a:pPr algn="ctr"/>
-            <a:r>
-              <a:rPr lang="pt-BR" sz="2800" dirty="0">
-                <a:solidFill>
-                  <a:schemeClr val="tx1">
-                    <a:lumMod val="75000"/>
-                    <a:lumOff val="25000"/>
-                  </a:schemeClr>
-                </a:solidFill>
-                <a:latin typeface="Open Sans 1" panose="020B0604020202020204" charset="0"/>
-                <a:ea typeface="Open Sans 1" panose="020B0604020202020204" charset="0"/>
-                <a:cs typeface="Open Sans 1" panose="020B0604020202020204" charset="0"/>
-              </a:rPr>
-              <a:t>US#01&lt;Cadastro&gt;</a:t>
-            </a:r>
-          </a:p>
-        </p:txBody>
-      </p:sp>
-      <p:sp>
-        <p:nvSpPr>
-          <p:cNvPr id="181" name="CaixaDeTexto 180"/>
-          <p:cNvSpPr txBox="1"/>
-          <p:nvPr/>
-        </p:nvSpPr>
-        <p:spPr>
-          <a:xfrm>
-            <a:off x="4917088" y="6210300"/>
-            <a:ext cx="5341700" cy="523220"/>
-          </a:xfrm>
-          <a:prstGeom prst="rect">
-            <a:avLst/>
-          </a:prstGeom>
-          <a:noFill/>
-        </p:spPr>
-        <p:txBody>
-          <a:bodyPr wrap="square" rtlCol="0">
-            <a:spAutoFit/>
-          </a:bodyPr>
-          <a:lstStyle/>
-          <a:p>
-            <a:pPr algn="ctr"/>
-            <a:r>
-              <a:rPr lang="pt-BR" sz="2800" dirty="0">
-                <a:solidFill>
-                  <a:schemeClr val="tx1">
-                    <a:lumMod val="75000"/>
-                    <a:lumOff val="25000"/>
-                  </a:schemeClr>
-                </a:solidFill>
-                <a:latin typeface="Open Sans 1" panose="020B0604020202020204" charset="0"/>
-                <a:ea typeface="Open Sans 1" panose="020B0604020202020204" charset="0"/>
-                <a:cs typeface="Open Sans 1" panose="020B0604020202020204" charset="0"/>
-              </a:rPr>
-              <a:t>Cadastro da maquina</a:t>
-            </a:r>
-          </a:p>
-        </p:txBody>
-      </p:sp>
-      <p:sp>
-        <p:nvSpPr>
-          <p:cNvPr id="182" name="CaixaDeTexto 181"/>
-          <p:cNvSpPr txBox="1"/>
-          <p:nvPr/>
-        </p:nvSpPr>
-        <p:spPr>
-          <a:xfrm>
-            <a:off x="10481574" y="6233161"/>
+            <a:off x="10481574" y="8693556"/>
             <a:ext cx="2981511" cy="523220"/>
           </a:xfrm>
           <a:prstGeom prst="rect">
@@ -9107,13 +9927,19 @@
       </p:sp>
       <p:sp>
         <p:nvSpPr>
-          <p:cNvPr id="183" name="CaixaDeTexto 182"/>
+          <p:cNvPr id="82" name="CaixaDeTexto 81">
+            <a:extLst>
+              <a:ext uri="{FF2B5EF4-FFF2-40B4-BE49-F238E27FC236}">
+                <a16:creationId xmlns:a16="http://schemas.microsoft.com/office/drawing/2014/main" id="{B6F5F467-D399-4448-8941-AA0261284B2D}"/>
+              </a:ext>
+            </a:extLst>
+          </p:cNvPr>
           <p:cNvSpPr txBox="1"/>
           <p:nvPr/>
         </p:nvSpPr>
         <p:spPr>
           <a:xfrm>
-            <a:off x="13666769" y="6210300"/>
+            <a:off x="13666769" y="8670695"/>
             <a:ext cx="2272111" cy="523220"/>
           </a:xfrm>
           <a:prstGeom prst="rect">
@@ -9140,20 +9966,26 @@
                 <a:ea typeface="Open Sans 1" panose="020B0604020202020204" charset="0"/>
                 <a:cs typeface="Open Sans 1" panose="020B0604020202020204" charset="0"/>
               </a:rPr>
-              <a:t>Grande</a:t>
-            </a:r>
-          </a:p>
-        </p:txBody>
-      </p:sp>
-      <p:sp>
-        <p:nvSpPr>
-          <p:cNvPr id="184" name="CaixaDeTexto 183"/>
+              <a:t>13</a:t>
+            </a:r>
+          </a:p>
+        </p:txBody>
+      </p:sp>
+      <p:sp>
+        <p:nvSpPr>
+          <p:cNvPr id="83" name="CaixaDeTexto 82">
+            <a:extLst>
+              <a:ext uri="{FF2B5EF4-FFF2-40B4-BE49-F238E27FC236}">
+                <a16:creationId xmlns:a16="http://schemas.microsoft.com/office/drawing/2014/main" id="{ACBDDA03-07F4-4315-9F3C-CD8B8C29838C}"/>
+              </a:ext>
+            </a:extLst>
+          </p:cNvPr>
           <p:cNvSpPr txBox="1"/>
           <p:nvPr/>
         </p:nvSpPr>
         <p:spPr>
           <a:xfrm>
-            <a:off x="16140346" y="6233161"/>
+            <a:off x="16140346" y="8693556"/>
             <a:ext cx="1919054" cy="523220"/>
           </a:xfrm>
           <a:prstGeom prst="rect">
@@ -9187,14 +10019,20 @@
       </p:sp>
       <p:sp>
         <p:nvSpPr>
-          <p:cNvPr id="185" name="CaixaDeTexto 184"/>
+          <p:cNvPr id="84" name="CaixaDeTexto 83">
+            <a:extLst>
+              <a:ext uri="{FF2B5EF4-FFF2-40B4-BE49-F238E27FC236}">
+                <a16:creationId xmlns:a16="http://schemas.microsoft.com/office/drawing/2014/main" id="{A4B3532D-5108-4C15-A93B-4F0AC877DBC3}"/>
+              </a:ext>
+            </a:extLst>
+          </p:cNvPr>
           <p:cNvSpPr txBox="1"/>
           <p:nvPr/>
         </p:nvSpPr>
         <p:spPr>
           <a:xfrm>
-            <a:off x="235353" y="6817399"/>
-            <a:ext cx="660197" cy="523220"/>
+            <a:off x="1089029" y="6233161"/>
+            <a:ext cx="3115230" cy="523220"/>
           </a:xfrm>
           <a:prstGeom prst="rect">
             <a:avLst/>
@@ -9220,21 +10058,27 @@
                 <a:ea typeface="Open Sans 1" panose="020B0604020202020204" charset="0"/>
                 <a:cs typeface="Open Sans 1" panose="020B0604020202020204" charset="0"/>
               </a:rPr>
-              <a:t>01</a:t>
-            </a:r>
-          </a:p>
-        </p:txBody>
-      </p:sp>
-      <p:sp>
-        <p:nvSpPr>
-          <p:cNvPr id="186" name="CaixaDeTexto 185"/>
+              <a:t>Site</a:t>
+            </a:r>
+          </a:p>
+        </p:txBody>
+      </p:sp>
+      <p:sp>
+        <p:nvSpPr>
+          <p:cNvPr id="85" name="CaixaDeTexto 84">
+            <a:extLst>
+              <a:ext uri="{FF2B5EF4-FFF2-40B4-BE49-F238E27FC236}">
+                <a16:creationId xmlns:a16="http://schemas.microsoft.com/office/drawing/2014/main" id="{7C0BB027-C53E-4A42-AB35-A92411168CC4}"/>
+              </a:ext>
+            </a:extLst>
+          </p:cNvPr>
           <p:cNvSpPr txBox="1"/>
           <p:nvPr/>
         </p:nvSpPr>
         <p:spPr>
           <a:xfrm>
-            <a:off x="1073553" y="6817399"/>
-            <a:ext cx="3648629" cy="523220"/>
+            <a:off x="1075771" y="6817399"/>
+            <a:ext cx="3115229" cy="523220"/>
           </a:xfrm>
           <a:prstGeom prst="rect">
             <a:avLst/>
@@ -9260,21 +10104,27 @@
                 <a:ea typeface="Open Sans 1" panose="020B0604020202020204" charset="0"/>
                 <a:cs typeface="Open Sans 1" panose="020B0604020202020204" charset="0"/>
               </a:rPr>
-              <a:t>US#01&lt;Cadastro&gt;</a:t>
-            </a:r>
-          </a:p>
-        </p:txBody>
-      </p:sp>
-      <p:sp>
-        <p:nvSpPr>
-          <p:cNvPr id="187" name="CaixaDeTexto 186"/>
+              <a:t>Site</a:t>
+            </a:r>
+          </a:p>
+        </p:txBody>
+      </p:sp>
+      <p:sp>
+        <p:nvSpPr>
+          <p:cNvPr id="86" name="CaixaDeTexto 85">
+            <a:extLst>
+              <a:ext uri="{FF2B5EF4-FFF2-40B4-BE49-F238E27FC236}">
+                <a16:creationId xmlns:a16="http://schemas.microsoft.com/office/drawing/2014/main" id="{37807A88-01B2-4503-A548-AE6A922AFA21}"/>
+              </a:ext>
+            </a:extLst>
+          </p:cNvPr>
           <p:cNvSpPr txBox="1"/>
           <p:nvPr/>
         </p:nvSpPr>
         <p:spPr>
           <a:xfrm>
-            <a:off x="4908117" y="6794538"/>
-            <a:ext cx="5341700" cy="523220"/>
+            <a:off x="1066801" y="7439680"/>
+            <a:ext cx="3115229" cy="523220"/>
           </a:xfrm>
           <a:prstGeom prst="rect">
             <a:avLst/>
@@ -9300,21 +10150,27 @@
                 <a:ea typeface="Open Sans 1" panose="020B0604020202020204" charset="0"/>
                 <a:cs typeface="Open Sans 1" panose="020B0604020202020204" charset="0"/>
               </a:rPr>
-              <a:t>Cadastro da maquina</a:t>
-            </a:r>
-          </a:p>
-        </p:txBody>
-      </p:sp>
-      <p:sp>
-        <p:nvSpPr>
-          <p:cNvPr id="188" name="CaixaDeTexto 187"/>
+              <a:t>Site</a:t>
+            </a:r>
+          </a:p>
+        </p:txBody>
+      </p:sp>
+      <p:sp>
+        <p:nvSpPr>
+          <p:cNvPr id="87" name="CaixaDeTexto 86">
+            <a:extLst>
+              <a:ext uri="{FF2B5EF4-FFF2-40B4-BE49-F238E27FC236}">
+                <a16:creationId xmlns:a16="http://schemas.microsoft.com/office/drawing/2014/main" id="{1A854D6A-DC85-4D02-9818-B80C2C5DA018}"/>
+              </a:ext>
+            </a:extLst>
+          </p:cNvPr>
           <p:cNvSpPr txBox="1"/>
           <p:nvPr/>
         </p:nvSpPr>
         <p:spPr>
           <a:xfrm>
-            <a:off x="10472603" y="6817399"/>
-            <a:ext cx="2981511" cy="523220"/>
+            <a:off x="1066801" y="8049280"/>
+            <a:ext cx="3130952" cy="523220"/>
           </a:xfrm>
           <a:prstGeom prst="rect">
             <a:avLst/>
@@ -9340,21 +10196,27 @@
                 <a:ea typeface="Open Sans 1" panose="020B0604020202020204" charset="0"/>
                 <a:cs typeface="Open Sans 1" panose="020B0604020202020204" charset="0"/>
               </a:rPr>
-              <a:t>Essencial</a:t>
-            </a:r>
-          </a:p>
-        </p:txBody>
-      </p:sp>
-      <p:sp>
-        <p:nvSpPr>
-          <p:cNvPr id="189" name="CaixaDeTexto 188"/>
+              <a:t>Site</a:t>
+            </a:r>
+          </a:p>
+        </p:txBody>
+      </p:sp>
+      <p:sp>
+        <p:nvSpPr>
+          <p:cNvPr id="88" name="CaixaDeTexto 87">
+            <a:extLst>
+              <a:ext uri="{FF2B5EF4-FFF2-40B4-BE49-F238E27FC236}">
+                <a16:creationId xmlns:a16="http://schemas.microsoft.com/office/drawing/2014/main" id="{B8B34107-D7F1-42F4-B391-AB448795F7FD}"/>
+              </a:ext>
+            </a:extLst>
+          </p:cNvPr>
           <p:cNvSpPr txBox="1"/>
           <p:nvPr/>
         </p:nvSpPr>
         <p:spPr>
           <a:xfrm>
-            <a:off x="13657798" y="6794538"/>
-            <a:ext cx="2272111" cy="523220"/>
+            <a:off x="1075772" y="8658880"/>
+            <a:ext cx="3128488" cy="523220"/>
           </a:xfrm>
           <a:prstGeom prst="rect">
             <a:avLst/>
@@ -9380,287 +10242,7 @@
                 <a:ea typeface="Open Sans 1" panose="020B0604020202020204" charset="0"/>
                 <a:cs typeface="Open Sans 1" panose="020B0604020202020204" charset="0"/>
               </a:rPr>
-              <a:t>Grande</a:t>
-            </a:r>
-          </a:p>
-        </p:txBody>
-      </p:sp>
-      <p:sp>
-        <p:nvSpPr>
-          <p:cNvPr id="190" name="CaixaDeTexto 189"/>
-          <p:cNvSpPr txBox="1"/>
-          <p:nvPr/>
-        </p:nvSpPr>
-        <p:spPr>
-          <a:xfrm>
-            <a:off x="16131375" y="6817399"/>
-            <a:ext cx="1919054" cy="523220"/>
-          </a:xfrm>
-          <a:prstGeom prst="rect">
-            <a:avLst/>
-          </a:prstGeom>
-          <a:noFill/>
-        </p:spPr>
-        <p:txBody>
-          <a:bodyPr wrap="square" rtlCol="0">
-            <a:spAutoFit/>
-          </a:bodyPr>
-          <a:lstStyle/>
-          <a:p>
-            <a:pPr algn="ctr"/>
-            <a:r>
-              <a:rPr lang="pt-BR" sz="2800" dirty="0">
-                <a:solidFill>
-                  <a:schemeClr val="tx1">
-                    <a:lumMod val="75000"/>
-                    <a:lumOff val="25000"/>
-                  </a:schemeClr>
-                </a:solidFill>
-                <a:latin typeface="Open Sans 1" panose="020B0604020202020204" charset="0"/>
-                <a:ea typeface="Open Sans 1" panose="020B0604020202020204" charset="0"/>
-                <a:cs typeface="Open Sans 1" panose="020B0604020202020204" charset="0"/>
-              </a:rPr>
-              <a:t>Funcional</a:t>
-            </a:r>
-          </a:p>
-        </p:txBody>
-      </p:sp>
-      <p:sp>
-        <p:nvSpPr>
-          <p:cNvPr id="191" name="CaixaDeTexto 190"/>
-          <p:cNvSpPr txBox="1"/>
-          <p:nvPr/>
-        </p:nvSpPr>
-        <p:spPr>
-          <a:xfrm>
-            <a:off x="235353" y="7439680"/>
-            <a:ext cx="660197" cy="523220"/>
-          </a:xfrm>
-          <a:prstGeom prst="rect">
-            <a:avLst/>
-          </a:prstGeom>
-          <a:noFill/>
-        </p:spPr>
-        <p:txBody>
-          <a:bodyPr wrap="square" rtlCol="0">
-            <a:spAutoFit/>
-          </a:bodyPr>
-          <a:lstStyle/>
-          <a:p>
-            <a:pPr algn="ctr"/>
-            <a:r>
-              <a:rPr lang="pt-BR" sz="2800" dirty="0">
-                <a:solidFill>
-                  <a:schemeClr val="tx1">
-                    <a:lumMod val="75000"/>
-                    <a:lumOff val="25000"/>
-                  </a:schemeClr>
-                </a:solidFill>
-                <a:latin typeface="Open Sans 1" panose="020B0604020202020204" charset="0"/>
-                <a:ea typeface="Open Sans 1" panose="020B0604020202020204" charset="0"/>
-                <a:cs typeface="Open Sans 1" panose="020B0604020202020204" charset="0"/>
-              </a:rPr>
-              <a:t>01</a:t>
-            </a:r>
-          </a:p>
-        </p:txBody>
-      </p:sp>
-      <p:sp>
-        <p:nvSpPr>
-          <p:cNvPr id="192" name="CaixaDeTexto 191"/>
-          <p:cNvSpPr txBox="1"/>
-          <p:nvPr/>
-        </p:nvSpPr>
-        <p:spPr>
-          <a:xfrm>
-            <a:off x="1073553" y="7439680"/>
-            <a:ext cx="3648629" cy="523220"/>
-          </a:xfrm>
-          <a:prstGeom prst="rect">
-            <a:avLst/>
-          </a:prstGeom>
-          <a:noFill/>
-        </p:spPr>
-        <p:txBody>
-          <a:bodyPr wrap="square" rtlCol="0">
-            <a:spAutoFit/>
-          </a:bodyPr>
-          <a:lstStyle/>
-          <a:p>
-            <a:pPr algn="ctr"/>
-            <a:r>
-              <a:rPr lang="pt-BR" sz="2800" dirty="0">
-                <a:solidFill>
-                  <a:schemeClr val="tx1">
-                    <a:lumMod val="75000"/>
-                    <a:lumOff val="25000"/>
-                  </a:schemeClr>
-                </a:solidFill>
-                <a:latin typeface="Open Sans 1" panose="020B0604020202020204" charset="0"/>
-                <a:ea typeface="Open Sans 1" panose="020B0604020202020204" charset="0"/>
-                <a:cs typeface="Open Sans 1" panose="020B0604020202020204" charset="0"/>
-              </a:rPr>
-              <a:t>US#01&lt;Cadastro&gt;</a:t>
-            </a:r>
-          </a:p>
-        </p:txBody>
-      </p:sp>
-      <p:sp>
-        <p:nvSpPr>
-          <p:cNvPr id="193" name="CaixaDeTexto 192"/>
-          <p:cNvSpPr txBox="1"/>
-          <p:nvPr/>
-        </p:nvSpPr>
-        <p:spPr>
-          <a:xfrm>
-            <a:off x="4908117" y="7416819"/>
-            <a:ext cx="5341700" cy="523220"/>
-          </a:xfrm>
-          <a:prstGeom prst="rect">
-            <a:avLst/>
-          </a:prstGeom>
-          <a:noFill/>
-        </p:spPr>
-        <p:txBody>
-          <a:bodyPr wrap="square" rtlCol="0">
-            <a:spAutoFit/>
-          </a:bodyPr>
-          <a:lstStyle/>
-          <a:p>
-            <a:pPr algn="ctr"/>
-            <a:r>
-              <a:rPr lang="pt-BR" sz="2800" dirty="0">
-                <a:solidFill>
-                  <a:schemeClr val="tx1">
-                    <a:lumMod val="75000"/>
-                    <a:lumOff val="25000"/>
-                  </a:schemeClr>
-                </a:solidFill>
-                <a:latin typeface="Open Sans 1" panose="020B0604020202020204" charset="0"/>
-                <a:ea typeface="Open Sans 1" panose="020B0604020202020204" charset="0"/>
-                <a:cs typeface="Open Sans 1" panose="020B0604020202020204" charset="0"/>
-              </a:rPr>
-              <a:t>Cadastro da maquina</a:t>
-            </a:r>
-          </a:p>
-        </p:txBody>
-      </p:sp>
-      <p:sp>
-        <p:nvSpPr>
-          <p:cNvPr id="194" name="CaixaDeTexto 193"/>
-          <p:cNvSpPr txBox="1"/>
-          <p:nvPr/>
-        </p:nvSpPr>
-        <p:spPr>
-          <a:xfrm>
-            <a:off x="10472603" y="7439680"/>
-            <a:ext cx="2981511" cy="523220"/>
-          </a:xfrm>
-          <a:prstGeom prst="rect">
-            <a:avLst/>
-          </a:prstGeom>
-          <a:noFill/>
-        </p:spPr>
-        <p:txBody>
-          <a:bodyPr wrap="square" rtlCol="0">
-            <a:spAutoFit/>
-          </a:bodyPr>
-          <a:lstStyle/>
-          <a:p>
-            <a:pPr algn="ctr"/>
-            <a:r>
-              <a:rPr lang="pt-BR" sz="2800" dirty="0">
-                <a:solidFill>
-                  <a:schemeClr val="tx1">
-                    <a:lumMod val="75000"/>
-                    <a:lumOff val="25000"/>
-                  </a:schemeClr>
-                </a:solidFill>
-                <a:latin typeface="Open Sans 1" panose="020B0604020202020204" charset="0"/>
-                <a:ea typeface="Open Sans 1" panose="020B0604020202020204" charset="0"/>
-                <a:cs typeface="Open Sans 1" panose="020B0604020202020204" charset="0"/>
-              </a:rPr>
-              <a:t>Essencial</a:t>
-            </a:r>
-          </a:p>
-        </p:txBody>
-      </p:sp>
-      <p:sp>
-        <p:nvSpPr>
-          <p:cNvPr id="195" name="CaixaDeTexto 194"/>
-          <p:cNvSpPr txBox="1"/>
-          <p:nvPr/>
-        </p:nvSpPr>
-        <p:spPr>
-          <a:xfrm>
-            <a:off x="13657798" y="7416819"/>
-            <a:ext cx="2272111" cy="523220"/>
-          </a:xfrm>
-          <a:prstGeom prst="rect">
-            <a:avLst/>
-          </a:prstGeom>
-          <a:noFill/>
-        </p:spPr>
-        <p:txBody>
-          <a:bodyPr wrap="square" rtlCol="0">
-            <a:spAutoFit/>
-          </a:bodyPr>
-          <a:lstStyle/>
-          <a:p>
-            <a:pPr algn="ctr"/>
-            <a:r>
-              <a:rPr lang="pt-BR" sz="2800" dirty="0">
-                <a:solidFill>
-                  <a:schemeClr val="tx1">
-                    <a:lumMod val="75000"/>
-                    <a:lumOff val="25000"/>
-                  </a:schemeClr>
-                </a:solidFill>
-                <a:latin typeface="Open Sans 1" panose="020B0604020202020204" charset="0"/>
-                <a:ea typeface="Open Sans 1" panose="020B0604020202020204" charset="0"/>
-                <a:cs typeface="Open Sans 1" panose="020B0604020202020204" charset="0"/>
-              </a:rPr>
-              <a:t>Grande</a:t>
-            </a:r>
-          </a:p>
-        </p:txBody>
-      </p:sp>
-      <p:sp>
-        <p:nvSpPr>
-          <p:cNvPr id="196" name="CaixaDeTexto 195"/>
-          <p:cNvSpPr txBox="1"/>
-          <p:nvPr/>
-        </p:nvSpPr>
-        <p:spPr>
-          <a:xfrm>
-            <a:off x="16131375" y="7439680"/>
-            <a:ext cx="1919054" cy="523220"/>
-          </a:xfrm>
-          <a:prstGeom prst="rect">
-            <a:avLst/>
-          </a:prstGeom>
-          <a:noFill/>
-        </p:spPr>
-        <p:txBody>
-          <a:bodyPr wrap="square" rtlCol="0">
-            <a:spAutoFit/>
-          </a:bodyPr>
-          <a:lstStyle/>
-          <a:p>
-            <a:pPr algn="ctr"/>
-            <a:r>
-              <a:rPr lang="pt-BR" sz="2800" dirty="0">
-                <a:solidFill>
-                  <a:schemeClr val="tx1">
-                    <a:lumMod val="75000"/>
-                    <a:lumOff val="25000"/>
-                  </a:schemeClr>
-                </a:solidFill>
-                <a:latin typeface="Open Sans 1" panose="020B0604020202020204" charset="0"/>
-                <a:ea typeface="Open Sans 1" panose="020B0604020202020204" charset="0"/>
-                <a:cs typeface="Open Sans 1" panose="020B0604020202020204" charset="0"/>
-              </a:rPr>
-              <a:t>Funcional</a:t>
+              <a:t>Site</a:t>
             </a:r>
           </a:p>
         </p:txBody>

--- a/Documentação/Pyxis.pptx
+++ b/Documentação/Pyxis.pptx
@@ -12,8 +12,8 @@
     <p:sldId id="257" r:id="rId3"/>
     <p:sldId id="259" r:id="rId4"/>
     <p:sldId id="260" r:id="rId5"/>
-    <p:sldId id="263" r:id="rId6"/>
-    <p:sldId id="270" r:id="rId7"/>
+    <p:sldId id="277" r:id="rId6"/>
+    <p:sldId id="276" r:id="rId7"/>
     <p:sldId id="262" r:id="rId8"/>
     <p:sldId id="261" r:id="rId9"/>
     <p:sldId id="272" r:id="rId10"/>
@@ -31,27 +31,27 @@
   <p:notesSz cx="6858000" cy="9144000"/>
   <p:embeddedFontLst>
     <p:embeddedFont>
-      <p:font typeface="Calibri" panose="020F0502020204030204" pitchFamily="34" charset="0"/>
+      <p:font typeface="Open Sans 1" panose="020B0604020202020204" charset="0"/>
       <p:regular r:id="rId21"/>
-      <p:bold r:id="rId22"/>
-      <p:italic r:id="rId23"/>
-      <p:boldItalic r:id="rId24"/>
     </p:embeddedFont>
     <p:embeddedFont>
-      <p:font typeface="Open Sans 1" panose="020B0604020202020204" charset="0"/>
-      <p:regular r:id="rId25"/>
+      <p:font typeface="Open Sans Light" panose="020B0604020202020204" charset="0"/>
+      <p:regular r:id="rId22"/>
+    </p:embeddedFont>
+    <p:embeddedFont>
+      <p:font typeface="Open Sans 2" panose="020B0604020202020204" charset="0"/>
+      <p:regular r:id="rId23"/>
     </p:embeddedFont>
     <p:embeddedFont>
       <p:font typeface="Open Sans 1 Bold" panose="020B0604020202020204" charset="0"/>
-      <p:regular r:id="rId26"/>
+      <p:regular r:id="rId24"/>
     </p:embeddedFont>
     <p:embeddedFont>
-      <p:font typeface="Open Sans 2" panose="020B0604020202020204" charset="0"/>
-      <p:regular r:id="rId27"/>
-    </p:embeddedFont>
-    <p:embeddedFont>
-      <p:font typeface="Open Sans Light" panose="020B0604020202020204" charset="0"/>
-      <p:regular r:id="rId28"/>
+      <p:font typeface="Calibri" panose="020F0502020204030204" pitchFamily="34" charset="0"/>
+      <p:regular r:id="rId25"/>
+      <p:bold r:id="rId26"/>
+      <p:italic r:id="rId27"/>
+      <p:boldItalic r:id="rId28"/>
     </p:embeddedFont>
   </p:embeddedFontLst>
   <p:defaultTextStyle>
@@ -314,37 +314,38 @@
           <a:p>
             <a:pPr lvl="0"/>
             <a:r>
-              <a:rPr lang="pt-BR"/>
+              <a:rPr lang="pt-BR" smtClean="0"/>
               <a:t>Editar estilos de texto Mestre</a:t>
             </a:r>
           </a:p>
           <a:p>
             <a:pPr lvl="1"/>
             <a:r>
-              <a:rPr lang="pt-BR"/>
+              <a:rPr lang="pt-BR" smtClean="0"/>
               <a:t>Segundo nível</a:t>
             </a:r>
           </a:p>
           <a:p>
             <a:pPr lvl="2"/>
             <a:r>
-              <a:rPr lang="pt-BR"/>
+              <a:rPr lang="pt-BR" smtClean="0"/>
               <a:t>Terceiro nível</a:t>
             </a:r>
           </a:p>
           <a:p>
             <a:pPr lvl="3"/>
             <a:r>
-              <a:rPr lang="pt-BR"/>
+              <a:rPr lang="pt-BR" smtClean="0"/>
               <a:t>Quarto nível</a:t>
             </a:r>
           </a:p>
           <a:p>
             <a:pPr lvl="4"/>
             <a:r>
-              <a:rPr lang="pt-BR"/>
+              <a:rPr lang="pt-BR" smtClean="0"/>
               <a:t>Quinto nível</a:t>
             </a:r>
+            <a:endParaRPr lang="pt-BR"/>
           </a:p>
         </p:txBody>
       </p:sp>
@@ -4495,6 +4496,13 @@
       </p:transition>
     </mc:Fallback>
   </mc:AlternateContent>
+  <p:timing>
+    <p:tnLst>
+      <p:par>
+        <p:cTn id="1" dur="indefinite" restart="never" nodeType="tmRoot"/>
+      </p:par>
+    </p:tnLst>
+  </p:timing>
 </p:sld>
 </file>
 
@@ -4531,7 +4539,7 @@
         </p:nvSpPr>
         <p:spPr>
           <a:xfrm>
-            <a:off x="1028700" y="866775"/>
+            <a:off x="1529081" y="876300"/>
             <a:ext cx="10262494" cy="1533525"/>
           </a:xfrm>
           <a:prstGeom prst="rect">
@@ -4550,7 +4558,7 @@
               </a:lnSpc>
             </a:pPr>
             <a:r>
-              <a:rPr lang="en-US" sz="9000">
+              <a:rPr lang="en-US" sz="9000" dirty="0">
                 <a:solidFill>
                   <a:srgbClr val="545454"/>
                 </a:solidFill>
@@ -4591,6 +4599,681 @@
           </a:prstGeom>
         </p:spPr>
       </p:pic>
+      <p:pic>
+        <p:nvPicPr>
+          <p:cNvPr id="6" name="Imagem 5"/>
+          <p:cNvPicPr>
+            <a:picLocks noChangeAspect="1"/>
+          </p:cNvPicPr>
+          <p:nvPr/>
+        </p:nvPicPr>
+        <p:blipFill>
+          <a:blip r:embed="rId3">
+            <a:extLst>
+              <a:ext uri="{28A0092B-C50C-407E-A947-70E740481C1C}">
+                <a14:useLocalDpi xmlns:a14="http://schemas.microsoft.com/office/drawing/2010/main" val="0"/>
+              </a:ext>
+            </a:extLst>
+          </a:blip>
+          <a:stretch>
+            <a:fillRect/>
+          </a:stretch>
+        </p:blipFill>
+        <p:spPr>
+          <a:xfrm>
+            <a:off x="1567180" y="3009900"/>
+            <a:ext cx="7429501" cy="3048000"/>
+          </a:xfrm>
+          <a:prstGeom prst="rect">
+            <a:avLst/>
+          </a:prstGeom>
+        </p:spPr>
+      </p:pic>
+      <p:sp>
+        <p:nvSpPr>
+          <p:cNvPr id="12" name="CaixaDeTexto 11"/>
+          <p:cNvSpPr txBox="1"/>
+          <p:nvPr/>
+        </p:nvSpPr>
+        <p:spPr>
+          <a:xfrm>
+            <a:off x="2209801" y="4107240"/>
+            <a:ext cx="5690871" cy="1569660"/>
+          </a:xfrm>
+          <a:prstGeom prst="rect">
+            <a:avLst/>
+          </a:prstGeom>
+          <a:noFill/>
+        </p:spPr>
+        <p:txBody>
+          <a:bodyPr wrap="square" rtlCol="0">
+            <a:spAutoFit/>
+          </a:bodyPr>
+          <a:lstStyle/>
+          <a:p>
+            <a:r>
+              <a:rPr lang="pt-BR" sz="2400" dirty="0" smtClean="0">
+                <a:solidFill>
+                  <a:schemeClr val="tx1">
+                    <a:lumMod val="85000"/>
+                    <a:lumOff val="15000"/>
+                  </a:schemeClr>
+                </a:solidFill>
+                <a:latin typeface="Open Sans Light" panose="020B0604020202020204" charset="0"/>
+                <a:ea typeface="Open Sans Light" panose="020B0604020202020204" charset="0"/>
+                <a:cs typeface="Open Sans Light" panose="020B0604020202020204" charset="0"/>
+              </a:rPr>
+              <a:t>Eu, enquanto Gestor, quero um relatório sobre a quantidade de horas ativas das máquinas, para verificar a produtividade dos operadores(as).</a:t>
+            </a:r>
+            <a:endParaRPr lang="pt-BR" sz="2400" dirty="0">
+              <a:solidFill>
+                <a:schemeClr val="tx1">
+                  <a:lumMod val="85000"/>
+                  <a:lumOff val="15000"/>
+                </a:schemeClr>
+              </a:solidFill>
+              <a:latin typeface="Open Sans Light" panose="020B0604020202020204" charset="0"/>
+              <a:ea typeface="Open Sans Light" panose="020B0604020202020204" charset="0"/>
+              <a:cs typeface="Open Sans Light" panose="020B0604020202020204" charset="0"/>
+            </a:endParaRPr>
+          </a:p>
+        </p:txBody>
+      </p:sp>
+      <p:sp>
+        <p:nvSpPr>
+          <p:cNvPr id="13" name="CaixaDeTexto 12"/>
+          <p:cNvSpPr txBox="1"/>
+          <p:nvPr/>
+        </p:nvSpPr>
+        <p:spPr>
+          <a:xfrm>
+            <a:off x="2209800" y="3342005"/>
+            <a:ext cx="5690871" cy="461665"/>
+          </a:xfrm>
+          <a:prstGeom prst="rect">
+            <a:avLst/>
+          </a:prstGeom>
+          <a:noFill/>
+        </p:spPr>
+        <p:txBody>
+          <a:bodyPr wrap="square" rtlCol="0">
+            <a:spAutoFit/>
+          </a:bodyPr>
+          <a:lstStyle/>
+          <a:p>
+            <a:r>
+              <a:rPr lang="pt-BR" sz="2400" dirty="0" err="1">
+                <a:solidFill>
+                  <a:schemeClr val="tx1">
+                    <a:lumMod val="85000"/>
+                    <a:lumOff val="15000"/>
+                  </a:schemeClr>
+                </a:solidFill>
+                <a:latin typeface="Open Sans 1 Bold"/>
+              </a:rPr>
+              <a:t>User</a:t>
+            </a:r>
+            <a:r>
+              <a:rPr lang="pt-BR" sz="2400" dirty="0">
+                <a:solidFill>
+                  <a:schemeClr val="tx1">
+                    <a:lumMod val="85000"/>
+                    <a:lumOff val="15000"/>
+                  </a:schemeClr>
+                </a:solidFill>
+                <a:latin typeface="Open Sans 1 Bold"/>
+              </a:rPr>
+              <a:t> </a:t>
+            </a:r>
+            <a:r>
+              <a:rPr lang="pt-BR" sz="2400" dirty="0" err="1">
+                <a:solidFill>
+                  <a:schemeClr val="tx1">
+                    <a:lumMod val="85000"/>
+                    <a:lumOff val="15000"/>
+                  </a:schemeClr>
+                </a:solidFill>
+                <a:latin typeface="Open Sans 1 Bold"/>
+              </a:rPr>
+              <a:t>Storie</a:t>
+            </a:r>
+            <a:r>
+              <a:rPr lang="pt-BR" sz="2400" dirty="0">
+                <a:solidFill>
+                  <a:schemeClr val="tx1">
+                    <a:lumMod val="85000"/>
+                    <a:lumOff val="15000"/>
+                  </a:schemeClr>
+                </a:solidFill>
+                <a:latin typeface="Open Sans 1 Bold"/>
+              </a:rPr>
+              <a:t> #01</a:t>
+            </a:r>
+          </a:p>
+        </p:txBody>
+      </p:sp>
+      <p:pic>
+        <p:nvPicPr>
+          <p:cNvPr id="17" name="Imagem 16"/>
+          <p:cNvPicPr>
+            <a:picLocks noChangeAspect="1"/>
+          </p:cNvPicPr>
+          <p:nvPr/>
+        </p:nvPicPr>
+        <p:blipFill>
+          <a:blip r:embed="rId3">
+            <a:extLst>
+              <a:ext uri="{28A0092B-C50C-407E-A947-70E740481C1C}">
+                <a14:useLocalDpi xmlns:a14="http://schemas.microsoft.com/office/drawing/2010/main" val="0"/>
+              </a:ext>
+            </a:extLst>
+          </a:blip>
+          <a:stretch>
+            <a:fillRect/>
+          </a:stretch>
+        </p:blipFill>
+        <p:spPr>
+          <a:xfrm>
+            <a:off x="9258299" y="3009900"/>
+            <a:ext cx="7429501" cy="3048000"/>
+          </a:xfrm>
+          <a:prstGeom prst="rect">
+            <a:avLst/>
+          </a:prstGeom>
+        </p:spPr>
+      </p:pic>
+      <p:sp>
+        <p:nvSpPr>
+          <p:cNvPr id="18" name="CaixaDeTexto 17"/>
+          <p:cNvSpPr txBox="1"/>
+          <p:nvPr/>
+        </p:nvSpPr>
+        <p:spPr>
+          <a:xfrm>
+            <a:off x="9900920" y="4107240"/>
+            <a:ext cx="5690871" cy="1569660"/>
+          </a:xfrm>
+          <a:prstGeom prst="rect">
+            <a:avLst/>
+          </a:prstGeom>
+          <a:noFill/>
+        </p:spPr>
+        <p:txBody>
+          <a:bodyPr wrap="square" rtlCol="0">
+            <a:spAutoFit/>
+          </a:bodyPr>
+          <a:lstStyle/>
+          <a:p>
+            <a:r>
+              <a:rPr lang="pt-BR" sz="2400" dirty="0" smtClean="0">
+                <a:solidFill>
+                  <a:schemeClr val="tx1">
+                    <a:lumMod val="85000"/>
+                    <a:lumOff val="15000"/>
+                  </a:schemeClr>
+                </a:solidFill>
+                <a:latin typeface="Open Sans Light" panose="020B0604020202020204" charset="0"/>
+                <a:ea typeface="Open Sans Light" panose="020B0604020202020204" charset="0"/>
+                <a:cs typeface="Open Sans Light" panose="020B0604020202020204" charset="0"/>
+              </a:rPr>
+              <a:t>Eu, enquanto suporte técnico, quero identificar quais máquinas estão com alerta, para realizar a análise da máquina rapidamente.</a:t>
+            </a:r>
+            <a:endParaRPr lang="pt-BR" sz="2400" dirty="0">
+              <a:solidFill>
+                <a:schemeClr val="tx1">
+                  <a:lumMod val="85000"/>
+                  <a:lumOff val="15000"/>
+                </a:schemeClr>
+              </a:solidFill>
+              <a:latin typeface="Open Sans Light" panose="020B0604020202020204" charset="0"/>
+              <a:ea typeface="Open Sans Light" panose="020B0604020202020204" charset="0"/>
+              <a:cs typeface="Open Sans Light" panose="020B0604020202020204" charset="0"/>
+            </a:endParaRPr>
+          </a:p>
+        </p:txBody>
+      </p:sp>
+      <p:sp>
+        <p:nvSpPr>
+          <p:cNvPr id="19" name="CaixaDeTexto 18"/>
+          <p:cNvSpPr txBox="1"/>
+          <p:nvPr/>
+        </p:nvSpPr>
+        <p:spPr>
+          <a:xfrm>
+            <a:off x="9900919" y="3342005"/>
+            <a:ext cx="5690871" cy="461665"/>
+          </a:xfrm>
+          <a:prstGeom prst="rect">
+            <a:avLst/>
+          </a:prstGeom>
+          <a:noFill/>
+        </p:spPr>
+        <p:txBody>
+          <a:bodyPr wrap="square" rtlCol="0">
+            <a:spAutoFit/>
+          </a:bodyPr>
+          <a:lstStyle/>
+          <a:p>
+            <a:r>
+              <a:rPr lang="pt-BR" sz="2400" dirty="0" err="1">
+                <a:solidFill>
+                  <a:schemeClr val="tx1">
+                    <a:lumMod val="85000"/>
+                    <a:lumOff val="15000"/>
+                  </a:schemeClr>
+                </a:solidFill>
+                <a:latin typeface="Open Sans 1 Bold"/>
+              </a:rPr>
+              <a:t>User</a:t>
+            </a:r>
+            <a:r>
+              <a:rPr lang="pt-BR" sz="2400" dirty="0">
+                <a:solidFill>
+                  <a:schemeClr val="tx1">
+                    <a:lumMod val="85000"/>
+                    <a:lumOff val="15000"/>
+                  </a:schemeClr>
+                </a:solidFill>
+                <a:latin typeface="Open Sans 1 Bold"/>
+              </a:rPr>
+              <a:t> </a:t>
+            </a:r>
+            <a:r>
+              <a:rPr lang="pt-BR" sz="2400" dirty="0" err="1">
+                <a:solidFill>
+                  <a:schemeClr val="tx1">
+                    <a:lumMod val="85000"/>
+                    <a:lumOff val="15000"/>
+                  </a:schemeClr>
+                </a:solidFill>
+                <a:latin typeface="Open Sans 1 Bold"/>
+              </a:rPr>
+              <a:t>Storie</a:t>
+            </a:r>
+            <a:r>
+              <a:rPr lang="pt-BR" sz="2400" dirty="0">
+                <a:solidFill>
+                  <a:schemeClr val="tx1">
+                    <a:lumMod val="85000"/>
+                    <a:lumOff val="15000"/>
+                  </a:schemeClr>
+                </a:solidFill>
+                <a:latin typeface="Open Sans 1 Bold"/>
+              </a:rPr>
+              <a:t> #</a:t>
+            </a:r>
+            <a:r>
+              <a:rPr lang="pt-BR" sz="2400" dirty="0" smtClean="0">
+                <a:solidFill>
+                  <a:schemeClr val="tx1">
+                    <a:lumMod val="85000"/>
+                    <a:lumOff val="15000"/>
+                  </a:schemeClr>
+                </a:solidFill>
+                <a:latin typeface="Open Sans 1 Bold"/>
+              </a:rPr>
+              <a:t>02</a:t>
+            </a:r>
+            <a:endParaRPr lang="pt-BR" sz="2400" dirty="0">
+              <a:solidFill>
+                <a:schemeClr val="tx1">
+                  <a:lumMod val="85000"/>
+                  <a:lumOff val="15000"/>
+                </a:schemeClr>
+              </a:solidFill>
+              <a:latin typeface="Open Sans 1 Bold"/>
+            </a:endParaRPr>
+          </a:p>
+        </p:txBody>
+      </p:sp>
+      <p:pic>
+        <p:nvPicPr>
+          <p:cNvPr id="23" name="Imagem 22"/>
+          <p:cNvPicPr>
+            <a:picLocks noChangeAspect="1"/>
+          </p:cNvPicPr>
+          <p:nvPr/>
+        </p:nvPicPr>
+        <p:blipFill>
+          <a:blip r:embed="rId3">
+            <a:extLst>
+              <a:ext uri="{28A0092B-C50C-407E-A947-70E740481C1C}">
+                <a14:useLocalDpi xmlns:a14="http://schemas.microsoft.com/office/drawing/2010/main" val="0"/>
+              </a:ext>
+            </a:extLst>
+          </a:blip>
+          <a:stretch>
+            <a:fillRect/>
+          </a:stretch>
+        </p:blipFill>
+        <p:spPr>
+          <a:xfrm>
+            <a:off x="9258299" y="6286500"/>
+            <a:ext cx="7429501" cy="3048000"/>
+          </a:xfrm>
+          <a:prstGeom prst="rect">
+            <a:avLst/>
+          </a:prstGeom>
+        </p:spPr>
+      </p:pic>
+      <p:sp>
+        <p:nvSpPr>
+          <p:cNvPr id="24" name="CaixaDeTexto 23"/>
+          <p:cNvSpPr txBox="1"/>
+          <p:nvPr/>
+        </p:nvSpPr>
+        <p:spPr>
+          <a:xfrm>
+            <a:off x="9900920" y="7383840"/>
+            <a:ext cx="6177280" cy="1569660"/>
+          </a:xfrm>
+          <a:prstGeom prst="rect">
+            <a:avLst/>
+          </a:prstGeom>
+          <a:noFill/>
+        </p:spPr>
+        <p:txBody>
+          <a:bodyPr wrap="square" rtlCol="0">
+            <a:spAutoFit/>
+          </a:bodyPr>
+          <a:lstStyle/>
+          <a:p>
+            <a:r>
+              <a:rPr lang="pt-BR" sz="2400" dirty="0" smtClean="0">
+                <a:solidFill>
+                  <a:schemeClr val="tx1">
+                    <a:lumMod val="85000"/>
+                    <a:lumOff val="15000"/>
+                  </a:schemeClr>
+                </a:solidFill>
+                <a:latin typeface="Open Sans Light" panose="020B0604020202020204" charset="0"/>
+                <a:ea typeface="Open Sans Light" panose="020B0604020202020204" charset="0"/>
+                <a:cs typeface="Open Sans Light" panose="020B0604020202020204" charset="0"/>
+              </a:rPr>
+              <a:t>Eu, enquanto suporte técnico, quero que as máquinas emitam alertas no meu sistema, para verificar os computadores que precisam de reparos.</a:t>
+            </a:r>
+            <a:endParaRPr lang="pt-BR" sz="2400" dirty="0">
+              <a:solidFill>
+                <a:schemeClr val="tx1">
+                  <a:lumMod val="85000"/>
+                  <a:lumOff val="15000"/>
+                </a:schemeClr>
+              </a:solidFill>
+              <a:latin typeface="Open Sans Light" panose="020B0604020202020204" charset="0"/>
+              <a:ea typeface="Open Sans Light" panose="020B0604020202020204" charset="0"/>
+              <a:cs typeface="Open Sans Light" panose="020B0604020202020204" charset="0"/>
+            </a:endParaRPr>
+          </a:p>
+        </p:txBody>
+      </p:sp>
+      <p:sp>
+        <p:nvSpPr>
+          <p:cNvPr id="25" name="CaixaDeTexto 24"/>
+          <p:cNvSpPr txBox="1"/>
+          <p:nvPr/>
+        </p:nvSpPr>
+        <p:spPr>
+          <a:xfrm>
+            <a:off x="9900919" y="6618605"/>
+            <a:ext cx="5690871" cy="461665"/>
+          </a:xfrm>
+          <a:prstGeom prst="rect">
+            <a:avLst/>
+          </a:prstGeom>
+          <a:noFill/>
+        </p:spPr>
+        <p:txBody>
+          <a:bodyPr wrap="square" rtlCol="0">
+            <a:spAutoFit/>
+          </a:bodyPr>
+          <a:lstStyle/>
+          <a:p>
+            <a:r>
+              <a:rPr lang="pt-BR" sz="2400" dirty="0" err="1">
+                <a:solidFill>
+                  <a:schemeClr val="tx1">
+                    <a:lumMod val="85000"/>
+                    <a:lumOff val="15000"/>
+                  </a:schemeClr>
+                </a:solidFill>
+                <a:latin typeface="Open Sans 1 Bold"/>
+              </a:rPr>
+              <a:t>User</a:t>
+            </a:r>
+            <a:r>
+              <a:rPr lang="pt-BR" sz="2400" dirty="0">
+                <a:solidFill>
+                  <a:schemeClr val="tx1">
+                    <a:lumMod val="85000"/>
+                    <a:lumOff val="15000"/>
+                  </a:schemeClr>
+                </a:solidFill>
+                <a:latin typeface="Open Sans 1 Bold"/>
+              </a:rPr>
+              <a:t> </a:t>
+            </a:r>
+            <a:r>
+              <a:rPr lang="pt-BR" sz="2400" dirty="0" err="1">
+                <a:solidFill>
+                  <a:schemeClr val="tx1">
+                    <a:lumMod val="85000"/>
+                    <a:lumOff val="15000"/>
+                  </a:schemeClr>
+                </a:solidFill>
+                <a:latin typeface="Open Sans 1 Bold"/>
+              </a:rPr>
+              <a:t>Storie</a:t>
+            </a:r>
+            <a:r>
+              <a:rPr lang="pt-BR" sz="2400" dirty="0">
+                <a:solidFill>
+                  <a:schemeClr val="tx1">
+                    <a:lumMod val="85000"/>
+                    <a:lumOff val="15000"/>
+                  </a:schemeClr>
+                </a:solidFill>
+                <a:latin typeface="Open Sans 1 Bold"/>
+              </a:rPr>
+              <a:t> #</a:t>
+            </a:r>
+            <a:r>
+              <a:rPr lang="pt-BR" sz="2400" dirty="0" smtClean="0">
+                <a:solidFill>
+                  <a:schemeClr val="tx1">
+                    <a:lumMod val="85000"/>
+                    <a:lumOff val="15000"/>
+                  </a:schemeClr>
+                </a:solidFill>
+                <a:latin typeface="Open Sans 1 Bold"/>
+              </a:rPr>
+              <a:t>04</a:t>
+            </a:r>
+            <a:endParaRPr lang="pt-BR" sz="2400" dirty="0">
+              <a:solidFill>
+                <a:schemeClr val="tx1">
+                  <a:lumMod val="85000"/>
+                  <a:lumOff val="15000"/>
+                </a:schemeClr>
+              </a:solidFill>
+              <a:latin typeface="Open Sans 1 Bold"/>
+            </a:endParaRPr>
+          </a:p>
+        </p:txBody>
+      </p:sp>
+      <p:pic>
+        <p:nvPicPr>
+          <p:cNvPr id="29" name="Imagem 28"/>
+          <p:cNvPicPr>
+            <a:picLocks noChangeAspect="1"/>
+          </p:cNvPicPr>
+          <p:nvPr/>
+        </p:nvPicPr>
+        <p:blipFill>
+          <a:blip r:embed="rId3">
+            <a:extLst>
+              <a:ext uri="{28A0092B-C50C-407E-A947-70E740481C1C}">
+                <a14:useLocalDpi xmlns:a14="http://schemas.microsoft.com/office/drawing/2010/main" val="0"/>
+              </a:ext>
+            </a:extLst>
+          </a:blip>
+          <a:stretch>
+            <a:fillRect/>
+          </a:stretch>
+        </p:blipFill>
+        <p:spPr>
+          <a:xfrm>
+            <a:off x="1567180" y="6286500"/>
+            <a:ext cx="7429501" cy="3048000"/>
+          </a:xfrm>
+          <a:prstGeom prst="rect">
+            <a:avLst/>
+          </a:prstGeom>
+        </p:spPr>
+      </p:pic>
+      <p:sp>
+        <p:nvSpPr>
+          <p:cNvPr id="30" name="CaixaDeTexto 29"/>
+          <p:cNvSpPr txBox="1"/>
+          <p:nvPr/>
+        </p:nvSpPr>
+        <p:spPr>
+          <a:xfrm>
+            <a:off x="2209801" y="7383840"/>
+            <a:ext cx="5690871" cy="1200329"/>
+          </a:xfrm>
+          <a:prstGeom prst="rect">
+            <a:avLst/>
+          </a:prstGeom>
+          <a:noFill/>
+        </p:spPr>
+        <p:txBody>
+          <a:bodyPr wrap="square" rtlCol="0">
+            <a:spAutoFit/>
+          </a:bodyPr>
+          <a:lstStyle/>
+          <a:p>
+            <a:r>
+              <a:rPr lang="pt-BR" sz="2400" dirty="0" smtClean="0">
+                <a:solidFill>
+                  <a:schemeClr val="tx1">
+                    <a:lumMod val="85000"/>
+                    <a:lumOff val="15000"/>
+                  </a:schemeClr>
+                </a:solidFill>
+                <a:latin typeface="Open Sans Light" panose="020B0604020202020204" charset="0"/>
+                <a:ea typeface="Open Sans Light" panose="020B0604020202020204" charset="0"/>
+                <a:cs typeface="Open Sans Light" panose="020B0604020202020204" charset="0"/>
+              </a:rPr>
+              <a:t>Eu, enquanto suporte técnico, quero monitorar a rede, para verificar quais máquinas estão ativas.</a:t>
+            </a:r>
+            <a:endParaRPr lang="pt-BR" sz="2400" dirty="0">
+              <a:solidFill>
+                <a:schemeClr val="tx1">
+                  <a:lumMod val="85000"/>
+                  <a:lumOff val="15000"/>
+                </a:schemeClr>
+              </a:solidFill>
+              <a:latin typeface="Open Sans Light" panose="020B0604020202020204" charset="0"/>
+              <a:ea typeface="Open Sans Light" panose="020B0604020202020204" charset="0"/>
+              <a:cs typeface="Open Sans Light" panose="020B0604020202020204" charset="0"/>
+            </a:endParaRPr>
+          </a:p>
+        </p:txBody>
+      </p:sp>
+      <p:sp>
+        <p:nvSpPr>
+          <p:cNvPr id="31" name="CaixaDeTexto 30"/>
+          <p:cNvSpPr txBox="1"/>
+          <p:nvPr/>
+        </p:nvSpPr>
+        <p:spPr>
+          <a:xfrm>
+            <a:off x="2209800" y="6618605"/>
+            <a:ext cx="5690871" cy="461665"/>
+          </a:xfrm>
+          <a:prstGeom prst="rect">
+            <a:avLst/>
+          </a:prstGeom>
+          <a:noFill/>
+        </p:spPr>
+        <p:txBody>
+          <a:bodyPr wrap="square" rtlCol="0">
+            <a:spAutoFit/>
+          </a:bodyPr>
+          <a:lstStyle/>
+          <a:p>
+            <a:r>
+              <a:rPr lang="pt-BR" sz="2400" dirty="0" err="1">
+                <a:solidFill>
+                  <a:schemeClr val="tx1">
+                    <a:lumMod val="85000"/>
+                    <a:lumOff val="15000"/>
+                  </a:schemeClr>
+                </a:solidFill>
+                <a:latin typeface="Open Sans 1 Bold"/>
+              </a:rPr>
+              <a:t>User</a:t>
+            </a:r>
+            <a:r>
+              <a:rPr lang="pt-BR" sz="2400" dirty="0">
+                <a:solidFill>
+                  <a:schemeClr val="tx1">
+                    <a:lumMod val="85000"/>
+                    <a:lumOff val="15000"/>
+                  </a:schemeClr>
+                </a:solidFill>
+                <a:latin typeface="Open Sans 1 Bold"/>
+              </a:rPr>
+              <a:t> </a:t>
+            </a:r>
+            <a:r>
+              <a:rPr lang="pt-BR" sz="2400" dirty="0" err="1">
+                <a:solidFill>
+                  <a:schemeClr val="tx1">
+                    <a:lumMod val="85000"/>
+                    <a:lumOff val="15000"/>
+                  </a:schemeClr>
+                </a:solidFill>
+                <a:latin typeface="Open Sans 1 Bold"/>
+              </a:rPr>
+              <a:t>Storie</a:t>
+            </a:r>
+            <a:r>
+              <a:rPr lang="pt-BR" sz="2400" dirty="0">
+                <a:solidFill>
+                  <a:schemeClr val="tx1">
+                    <a:lumMod val="85000"/>
+                    <a:lumOff val="15000"/>
+                  </a:schemeClr>
+                </a:solidFill>
+                <a:latin typeface="Open Sans 1 Bold"/>
+              </a:rPr>
+              <a:t> #</a:t>
+            </a:r>
+            <a:r>
+              <a:rPr lang="pt-BR" sz="2400" dirty="0" smtClean="0">
+                <a:solidFill>
+                  <a:schemeClr val="tx1">
+                    <a:lumMod val="85000"/>
+                    <a:lumOff val="15000"/>
+                  </a:schemeClr>
+                </a:solidFill>
+                <a:latin typeface="Open Sans 1 Bold"/>
+              </a:rPr>
+              <a:t>03</a:t>
+            </a:r>
+            <a:endParaRPr lang="pt-BR" sz="2400" dirty="0">
+              <a:solidFill>
+                <a:schemeClr val="tx1">
+                  <a:lumMod val="85000"/>
+                  <a:lumOff val="15000"/>
+                </a:schemeClr>
+              </a:solidFill>
+              <a:latin typeface="Open Sans 1 Bold"/>
+            </a:endParaRPr>
+          </a:p>
+        </p:txBody>
+      </p:sp>
     </p:spTree>
   </p:cSld>
   <p:clrMapOvr>
@@ -4608,6 +5291,13 @@
       </p:transition>
     </mc:Fallback>
   </mc:AlternateContent>
+  <p:timing>
+    <p:tnLst>
+      <p:par>
+        <p:cTn id="1" dur="indefinite" restart="never" nodeType="tmRoot"/>
+      </p:par>
+    </p:tnLst>
+  </p:timing>
 </p:sld>
 </file>
 
@@ -4655,7 +5345,7 @@
               </a:lnSpc>
             </a:pPr>
             <a:r>
-              <a:rPr lang="en-US" sz="11500" dirty="0">
+              <a:rPr lang="en-US" sz="11500" dirty="0" smtClean="0">
                 <a:solidFill>
                   <a:srgbClr val="545454"/>
                 </a:solidFill>
@@ -4663,6 +5353,12 @@
               </a:rPr>
               <a:t>Canvas</a:t>
             </a:r>
+            <a:endParaRPr lang="en-US" sz="11500" dirty="0">
+              <a:solidFill>
+                <a:srgbClr val="545454"/>
+              </a:solidFill>
+              <a:latin typeface="Open Sans 1 Bold"/>
+            </a:endParaRPr>
           </a:p>
         </p:txBody>
       </p:sp>
@@ -5353,7 +6049,7 @@
           <a:lstStyle/>
           <a:p>
             <a:r>
-              <a:rPr lang="pt-BR" sz="2800" b="1" dirty="0">
+              <a:rPr lang="pt-BR" sz="2800" b="1" dirty="0" smtClean="0">
                 <a:solidFill>
                   <a:schemeClr val="tx1">
                     <a:lumMod val="65000"/>
@@ -5366,6 +6062,17 @@
               </a:rPr>
               <a:t>Parcerias Chaves</a:t>
             </a:r>
+            <a:endParaRPr lang="pt-BR" sz="2800" b="1" dirty="0">
+              <a:solidFill>
+                <a:schemeClr val="tx1">
+                  <a:lumMod val="65000"/>
+                  <a:lumOff val="35000"/>
+                </a:schemeClr>
+              </a:solidFill>
+              <a:latin typeface="Open Sans Light" panose="020B0604020202020204" charset="0"/>
+              <a:ea typeface="Open Sans Light" panose="020B0604020202020204" charset="0"/>
+              <a:cs typeface="Open Sans Light" panose="020B0604020202020204" charset="0"/>
+            </a:endParaRPr>
           </a:p>
         </p:txBody>
       </p:sp>
@@ -5393,7 +6100,7 @@
           <a:p>
             <a:pPr algn="ctr"/>
             <a:r>
-              <a:rPr lang="pt-BR" sz="2800" b="1" dirty="0">
+              <a:rPr lang="pt-BR" sz="2800" b="1" dirty="0" smtClean="0">
                 <a:solidFill>
                   <a:schemeClr val="tx1">
                     <a:lumMod val="65000"/>
@@ -5406,6 +6113,17 @@
               </a:rPr>
               <a:t>Estrutura de Custos</a:t>
             </a:r>
+            <a:endParaRPr lang="pt-BR" sz="2800" b="1" dirty="0">
+              <a:solidFill>
+                <a:schemeClr val="tx1">
+                  <a:lumMod val="65000"/>
+                  <a:lumOff val="35000"/>
+                </a:schemeClr>
+              </a:solidFill>
+              <a:latin typeface="Open Sans Light" panose="020B0604020202020204" charset="0"/>
+              <a:ea typeface="Open Sans Light" panose="020B0604020202020204" charset="0"/>
+              <a:cs typeface="Open Sans Light" panose="020B0604020202020204" charset="0"/>
+            </a:endParaRPr>
           </a:p>
         </p:txBody>
       </p:sp>
@@ -5433,7 +6151,7 @@
           <a:p>
             <a:pPr algn="ctr"/>
             <a:r>
-              <a:rPr lang="pt-BR" sz="2800" b="1" dirty="0">
+              <a:rPr lang="pt-BR" sz="2800" b="1" dirty="0" smtClean="0">
                 <a:solidFill>
                   <a:schemeClr val="tx1">
                     <a:lumMod val="65000"/>
@@ -5446,6 +6164,17 @@
               </a:rPr>
               <a:t>Atitudes Chave</a:t>
             </a:r>
+            <a:endParaRPr lang="pt-BR" sz="2800" b="1" dirty="0">
+              <a:solidFill>
+                <a:schemeClr val="tx1">
+                  <a:lumMod val="65000"/>
+                  <a:lumOff val="35000"/>
+                </a:schemeClr>
+              </a:solidFill>
+              <a:latin typeface="Open Sans Light" panose="020B0604020202020204" charset="0"/>
+              <a:ea typeface="Open Sans Light" panose="020B0604020202020204" charset="0"/>
+              <a:cs typeface="Open Sans Light" panose="020B0604020202020204" charset="0"/>
+            </a:endParaRPr>
           </a:p>
         </p:txBody>
       </p:sp>
@@ -5473,7 +6202,7 @@
           <a:p>
             <a:pPr algn="ctr"/>
             <a:r>
-              <a:rPr lang="pt-BR" sz="2800" b="1" dirty="0">
+              <a:rPr lang="pt-BR" sz="2800" b="1" dirty="0" smtClean="0">
                 <a:solidFill>
                   <a:schemeClr val="tx1">
                     <a:lumMod val="65000"/>
@@ -5486,6 +6215,17 @@
               </a:rPr>
               <a:t>Oferta de valor</a:t>
             </a:r>
+            <a:endParaRPr lang="pt-BR" sz="2800" b="1" dirty="0">
+              <a:solidFill>
+                <a:schemeClr val="tx1">
+                  <a:lumMod val="65000"/>
+                  <a:lumOff val="35000"/>
+                </a:schemeClr>
+              </a:solidFill>
+              <a:latin typeface="Open Sans Light" panose="020B0604020202020204" charset="0"/>
+              <a:ea typeface="Open Sans Light" panose="020B0604020202020204" charset="0"/>
+              <a:cs typeface="Open Sans Light" panose="020B0604020202020204" charset="0"/>
+            </a:endParaRPr>
           </a:p>
         </p:txBody>
       </p:sp>
@@ -5513,7 +6253,7 @@
           <a:p>
             <a:pPr algn="ctr"/>
             <a:r>
-              <a:rPr lang="pt-BR" sz="2800" b="1" dirty="0">
+              <a:rPr lang="pt-BR" sz="2800" b="1" dirty="0" smtClean="0">
                 <a:solidFill>
                   <a:schemeClr val="tx1">
                     <a:lumMod val="65000"/>
@@ -5526,6 +6266,17 @@
               </a:rPr>
               <a:t>Relacionamento</a:t>
             </a:r>
+            <a:endParaRPr lang="pt-BR" sz="2800" b="1" dirty="0">
+              <a:solidFill>
+                <a:schemeClr val="tx1">
+                  <a:lumMod val="65000"/>
+                  <a:lumOff val="35000"/>
+                </a:schemeClr>
+              </a:solidFill>
+              <a:latin typeface="Open Sans Light" panose="020B0604020202020204" charset="0"/>
+              <a:ea typeface="Open Sans Light" panose="020B0604020202020204" charset="0"/>
+              <a:cs typeface="Open Sans Light" panose="020B0604020202020204" charset="0"/>
+            </a:endParaRPr>
           </a:p>
         </p:txBody>
       </p:sp>
@@ -5553,7 +6304,7 @@
           <a:p>
             <a:pPr algn="ctr"/>
             <a:r>
-              <a:rPr lang="pt-BR" sz="2800" b="1" dirty="0">
+              <a:rPr lang="pt-BR" sz="2800" b="1" dirty="0" smtClean="0">
                 <a:solidFill>
                   <a:schemeClr val="tx1">
                     <a:lumMod val="65000"/>
@@ -5566,6 +6317,17 @@
               </a:rPr>
               <a:t>Segmentos de clientes</a:t>
             </a:r>
+            <a:endParaRPr lang="pt-BR" sz="2800" b="1" dirty="0">
+              <a:solidFill>
+                <a:schemeClr val="tx1">
+                  <a:lumMod val="65000"/>
+                  <a:lumOff val="35000"/>
+                </a:schemeClr>
+              </a:solidFill>
+              <a:latin typeface="Open Sans Light" panose="020B0604020202020204" charset="0"/>
+              <a:ea typeface="Open Sans Light" panose="020B0604020202020204" charset="0"/>
+              <a:cs typeface="Open Sans Light" panose="020B0604020202020204" charset="0"/>
+            </a:endParaRPr>
           </a:p>
         </p:txBody>
       </p:sp>
@@ -5593,7 +6355,7 @@
           <a:p>
             <a:pPr algn="ctr"/>
             <a:r>
-              <a:rPr lang="pt-BR" sz="2800" b="1" dirty="0">
+              <a:rPr lang="pt-BR" sz="2800" b="1" dirty="0" smtClean="0">
                 <a:solidFill>
                   <a:schemeClr val="tx1">
                     <a:lumMod val="65000"/>
@@ -5606,6 +6368,17 @@
               </a:rPr>
               <a:t>Recursos Chave</a:t>
             </a:r>
+            <a:endParaRPr lang="pt-BR" sz="2800" b="1" dirty="0">
+              <a:solidFill>
+                <a:schemeClr val="tx1">
+                  <a:lumMod val="65000"/>
+                  <a:lumOff val="35000"/>
+                </a:schemeClr>
+              </a:solidFill>
+              <a:latin typeface="Open Sans Light" panose="020B0604020202020204" charset="0"/>
+              <a:ea typeface="Open Sans Light" panose="020B0604020202020204" charset="0"/>
+              <a:cs typeface="Open Sans Light" panose="020B0604020202020204" charset="0"/>
+            </a:endParaRPr>
           </a:p>
         </p:txBody>
       </p:sp>
@@ -5633,7 +6406,7 @@
           <a:p>
             <a:pPr algn="ctr"/>
             <a:r>
-              <a:rPr lang="pt-BR" sz="2800" b="1" dirty="0">
+              <a:rPr lang="pt-BR" sz="2800" b="1" dirty="0" smtClean="0">
                 <a:solidFill>
                   <a:schemeClr val="tx1">
                     <a:lumMod val="65000"/>
@@ -5646,6 +6419,17 @@
               </a:rPr>
               <a:t>Canais</a:t>
             </a:r>
+            <a:endParaRPr lang="pt-BR" sz="2800" b="1" dirty="0">
+              <a:solidFill>
+                <a:schemeClr val="tx1">
+                  <a:lumMod val="65000"/>
+                  <a:lumOff val="35000"/>
+                </a:schemeClr>
+              </a:solidFill>
+              <a:latin typeface="Open Sans Light" panose="020B0604020202020204" charset="0"/>
+              <a:ea typeface="Open Sans Light" panose="020B0604020202020204" charset="0"/>
+              <a:cs typeface="Open Sans Light" panose="020B0604020202020204" charset="0"/>
+            </a:endParaRPr>
           </a:p>
         </p:txBody>
       </p:sp>
@@ -5673,7 +6457,7 @@
           <a:p>
             <a:pPr algn="ctr"/>
             <a:r>
-              <a:rPr lang="pt-BR" sz="2800" b="1" dirty="0">
+              <a:rPr lang="pt-BR" sz="2800" b="1" dirty="0" smtClean="0">
                 <a:solidFill>
                   <a:schemeClr val="tx1">
                     <a:lumMod val="65000"/>
@@ -5686,6 +6470,17 @@
               </a:rPr>
               <a:t>Fontes de Receita</a:t>
             </a:r>
+            <a:endParaRPr lang="pt-BR" sz="2800" b="1" dirty="0">
+              <a:solidFill>
+                <a:schemeClr val="tx1">
+                  <a:lumMod val="65000"/>
+                  <a:lumOff val="35000"/>
+                </a:schemeClr>
+              </a:solidFill>
+              <a:latin typeface="Open Sans Light" panose="020B0604020202020204" charset="0"/>
+              <a:ea typeface="Open Sans Light" panose="020B0604020202020204" charset="0"/>
+              <a:cs typeface="Open Sans Light" panose="020B0604020202020204" charset="0"/>
+            </a:endParaRPr>
           </a:p>
         </p:txBody>
       </p:sp>
@@ -5762,8 +6557,33 @@
                 <a:ea typeface="Open Sans Light" panose="020B0604020202020204" charset="0"/>
                 <a:cs typeface="Open Sans Light" panose="020B0604020202020204" charset="0"/>
               </a:rPr>
-              <a:t>para o Gestor</a:t>
-            </a:r>
+              <a:t>para o </a:t>
+            </a:r>
+            <a:r>
+              <a:rPr lang="pt-BR" sz="2400" dirty="0" smtClean="0">
+                <a:solidFill>
+                  <a:schemeClr val="tx1">
+                    <a:lumMod val="65000"/>
+                    <a:lumOff val="35000"/>
+                  </a:schemeClr>
+                </a:solidFill>
+                <a:latin typeface="Open Sans Light" panose="020B0604020202020204" charset="0"/>
+                <a:ea typeface="Open Sans Light" panose="020B0604020202020204" charset="0"/>
+                <a:cs typeface="Open Sans Light" panose="020B0604020202020204" charset="0"/>
+              </a:rPr>
+              <a:t>Gestor</a:t>
+            </a:r>
+            <a:endParaRPr lang="pt-BR" sz="2400" dirty="0">
+              <a:solidFill>
+                <a:schemeClr val="tx1">
+                  <a:lumMod val="65000"/>
+                  <a:lumOff val="35000"/>
+                </a:schemeClr>
+              </a:solidFill>
+              <a:latin typeface="Open Sans Light" panose="020B0604020202020204" charset="0"/>
+              <a:ea typeface="Open Sans Light" panose="020B0604020202020204" charset="0"/>
+              <a:cs typeface="Open Sans Light" panose="020B0604020202020204" charset="0"/>
+            </a:endParaRPr>
           </a:p>
         </p:txBody>
       </p:sp>
@@ -5810,7 +6630,7 @@
           <a:p>
             <a:pPr algn="ctr"/>
             <a:r>
-              <a:rPr lang="pt-BR" sz="2400" dirty="0">
+              <a:rPr lang="pt-BR" sz="2400" dirty="0" smtClean="0">
                 <a:solidFill>
                   <a:schemeClr val="tx1">
                     <a:lumMod val="65000"/>
@@ -5823,6 +6643,17 @@
               </a:rPr>
               <a:t>Desenvolvimento da Plataforma</a:t>
             </a:r>
+            <a:endParaRPr lang="pt-BR" sz="2400" dirty="0">
+              <a:solidFill>
+                <a:schemeClr val="tx1">
+                  <a:lumMod val="65000"/>
+                  <a:lumOff val="35000"/>
+                </a:schemeClr>
+              </a:solidFill>
+              <a:latin typeface="Open Sans Light" panose="020B0604020202020204" charset="0"/>
+              <a:ea typeface="Open Sans Light" panose="020B0604020202020204" charset="0"/>
+              <a:cs typeface="Open Sans Light" panose="020B0604020202020204" charset="0"/>
+            </a:endParaRPr>
           </a:p>
         </p:txBody>
       </p:sp>
@@ -5869,7 +6700,7 @@
           <a:p>
             <a:pPr algn="ctr"/>
             <a:r>
-              <a:rPr lang="pt-BR" sz="2400" dirty="0">
+              <a:rPr lang="pt-BR" sz="2400" dirty="0" smtClean="0">
                 <a:solidFill>
                   <a:schemeClr val="tx1">
                     <a:lumMod val="65000"/>
@@ -5882,6 +6713,17 @@
               </a:rPr>
               <a:t>Monitorar Maquinas</a:t>
             </a:r>
+            <a:endParaRPr lang="pt-BR" sz="2400" dirty="0">
+              <a:solidFill>
+                <a:schemeClr val="tx1">
+                  <a:lumMod val="65000"/>
+                  <a:lumOff val="35000"/>
+                </a:schemeClr>
+              </a:solidFill>
+              <a:latin typeface="Open Sans Light" panose="020B0604020202020204" charset="0"/>
+              <a:ea typeface="Open Sans Light" panose="020B0604020202020204" charset="0"/>
+              <a:cs typeface="Open Sans Light" panose="020B0604020202020204" charset="0"/>
+            </a:endParaRPr>
           </a:p>
         </p:txBody>
       </p:sp>
@@ -5928,7 +6770,7 @@
           <a:p>
             <a:pPr algn="ctr"/>
             <a:r>
-              <a:rPr lang="pt-BR" sz="2400" dirty="0">
+              <a:rPr lang="pt-BR" sz="2400" dirty="0" smtClean="0">
                 <a:solidFill>
                   <a:schemeClr val="tx1">
                     <a:lumMod val="65000"/>
@@ -5941,6 +6783,17 @@
               </a:rPr>
               <a:t>Análise de Dados</a:t>
             </a:r>
+            <a:endParaRPr lang="pt-BR" sz="2400" dirty="0">
+              <a:solidFill>
+                <a:schemeClr val="tx1">
+                  <a:lumMod val="65000"/>
+                  <a:lumOff val="35000"/>
+                </a:schemeClr>
+              </a:solidFill>
+              <a:latin typeface="Open Sans Light" panose="020B0604020202020204" charset="0"/>
+              <a:ea typeface="Open Sans Light" panose="020B0604020202020204" charset="0"/>
+              <a:cs typeface="Open Sans Light" panose="020B0604020202020204" charset="0"/>
+            </a:endParaRPr>
           </a:p>
         </p:txBody>
       </p:sp>
@@ -5987,7 +6840,7 @@
           <a:p>
             <a:pPr algn="ctr"/>
             <a:r>
-              <a:rPr lang="pt-BR" sz="2200" dirty="0">
+              <a:rPr lang="pt-BR" sz="2200" dirty="0" smtClean="0">
                 <a:solidFill>
                   <a:schemeClr val="tx1">
                     <a:lumMod val="65000"/>
@@ -6000,6 +6853,17 @@
               </a:rPr>
               <a:t>Manutenção das Maquinas</a:t>
             </a:r>
+            <a:endParaRPr lang="pt-BR" sz="2200" dirty="0">
+              <a:solidFill>
+                <a:schemeClr val="tx1">
+                  <a:lumMod val="65000"/>
+                  <a:lumOff val="35000"/>
+                </a:schemeClr>
+              </a:solidFill>
+              <a:latin typeface="Open Sans Light" panose="020B0604020202020204" charset="0"/>
+              <a:ea typeface="Open Sans Light" panose="020B0604020202020204" charset="0"/>
+              <a:cs typeface="Open Sans Light" panose="020B0604020202020204" charset="0"/>
+            </a:endParaRPr>
           </a:p>
         </p:txBody>
       </p:sp>
@@ -6046,7 +6910,7 @@
           <a:p>
             <a:pPr algn="ctr"/>
             <a:r>
-              <a:rPr lang="pt-BR" sz="2400" dirty="0">
+              <a:rPr lang="pt-BR" sz="2400" dirty="0" smtClean="0">
                 <a:solidFill>
                   <a:schemeClr val="tx1">
                     <a:lumMod val="65000"/>
@@ -6059,6 +6923,17 @@
               </a:rPr>
               <a:t>Monitorar Rede</a:t>
             </a:r>
+            <a:endParaRPr lang="pt-BR" sz="2400" dirty="0">
+              <a:solidFill>
+                <a:schemeClr val="tx1">
+                  <a:lumMod val="65000"/>
+                  <a:lumOff val="35000"/>
+                </a:schemeClr>
+              </a:solidFill>
+              <a:latin typeface="Open Sans Light" panose="020B0604020202020204" charset="0"/>
+              <a:ea typeface="Open Sans Light" panose="020B0604020202020204" charset="0"/>
+              <a:cs typeface="Open Sans Light" panose="020B0604020202020204" charset="0"/>
+            </a:endParaRPr>
           </a:p>
         </p:txBody>
       </p:sp>
@@ -6105,7 +6980,7 @@
           <a:p>
             <a:pPr algn="ctr"/>
             <a:r>
-              <a:rPr lang="pt-BR" sz="2400" dirty="0">
+              <a:rPr lang="pt-BR" sz="2400" dirty="0" smtClean="0">
                 <a:solidFill>
                   <a:schemeClr val="tx1">
                     <a:lumMod val="65000"/>
@@ -6118,6 +6993,17 @@
               </a:rPr>
               <a:t>Facilidade em corrigir o problema</a:t>
             </a:r>
+            <a:endParaRPr lang="pt-BR" sz="2400" dirty="0">
+              <a:solidFill>
+                <a:schemeClr val="tx1">
+                  <a:lumMod val="65000"/>
+                  <a:lumOff val="35000"/>
+                </a:schemeClr>
+              </a:solidFill>
+              <a:latin typeface="Open Sans Light" panose="020B0604020202020204" charset="0"/>
+              <a:ea typeface="Open Sans Light" panose="020B0604020202020204" charset="0"/>
+              <a:cs typeface="Open Sans Light" panose="020B0604020202020204" charset="0"/>
+            </a:endParaRPr>
           </a:p>
         </p:txBody>
       </p:sp>
@@ -6164,7 +7050,7 @@
           <a:p>
             <a:pPr algn="ctr"/>
             <a:r>
-              <a:rPr lang="pt-BR" sz="2400" dirty="0">
+              <a:rPr lang="pt-BR" sz="2400" dirty="0" smtClean="0">
                 <a:solidFill>
                   <a:schemeClr val="tx1">
                     <a:lumMod val="65000"/>
@@ -6177,6 +7063,17 @@
               </a:rPr>
               <a:t>Prevenção de problemas</a:t>
             </a:r>
+            <a:endParaRPr lang="pt-BR" sz="2400" dirty="0">
+              <a:solidFill>
+                <a:schemeClr val="tx1">
+                  <a:lumMod val="65000"/>
+                  <a:lumOff val="35000"/>
+                </a:schemeClr>
+              </a:solidFill>
+              <a:latin typeface="Open Sans Light" panose="020B0604020202020204" charset="0"/>
+              <a:ea typeface="Open Sans Light" panose="020B0604020202020204" charset="0"/>
+              <a:cs typeface="Open Sans Light" panose="020B0604020202020204" charset="0"/>
+            </a:endParaRPr>
           </a:p>
         </p:txBody>
       </p:sp>
@@ -6223,7 +7120,7 @@
           <a:p>
             <a:pPr algn="ctr"/>
             <a:r>
-              <a:rPr lang="pt-BR" sz="2400" dirty="0">
+              <a:rPr lang="pt-BR" sz="2400" dirty="0" smtClean="0">
                 <a:solidFill>
                   <a:schemeClr val="tx1">
                     <a:lumMod val="65000"/>
@@ -6236,6 +7133,17 @@
               </a:rPr>
               <a:t>Verificar a produtividade dos operadores</a:t>
             </a:r>
+            <a:endParaRPr lang="pt-BR" sz="2400" dirty="0">
+              <a:solidFill>
+                <a:schemeClr val="tx1">
+                  <a:lumMod val="65000"/>
+                  <a:lumOff val="35000"/>
+                </a:schemeClr>
+              </a:solidFill>
+              <a:latin typeface="Open Sans Light" panose="020B0604020202020204" charset="0"/>
+              <a:ea typeface="Open Sans Light" panose="020B0604020202020204" charset="0"/>
+              <a:cs typeface="Open Sans Light" panose="020B0604020202020204" charset="0"/>
+            </a:endParaRPr>
           </a:p>
         </p:txBody>
       </p:sp>
@@ -6282,7 +7190,7 @@
           <a:p>
             <a:pPr algn="ctr"/>
             <a:r>
-              <a:rPr lang="pt-BR" sz="2400" dirty="0" err="1">
+              <a:rPr lang="pt-BR" sz="2400" dirty="0" err="1" smtClean="0">
                 <a:solidFill>
                   <a:schemeClr val="tx1">
                     <a:lumMod val="65000"/>
@@ -6352,7 +7260,7 @@
           <a:p>
             <a:pPr algn="ctr"/>
             <a:r>
-              <a:rPr lang="pt-BR" sz="2400" dirty="0">
+              <a:rPr lang="pt-BR" sz="2400" dirty="0" smtClean="0">
                 <a:solidFill>
                   <a:schemeClr val="tx1">
                     <a:lumMod val="65000"/>
@@ -6365,6 +7273,17 @@
               </a:rPr>
               <a:t>Help Desk</a:t>
             </a:r>
+            <a:endParaRPr lang="pt-BR" sz="2400" dirty="0">
+              <a:solidFill>
+                <a:schemeClr val="tx1">
+                  <a:lumMod val="65000"/>
+                  <a:lumOff val="35000"/>
+                </a:schemeClr>
+              </a:solidFill>
+              <a:latin typeface="Open Sans Light" panose="020B0604020202020204" charset="0"/>
+              <a:ea typeface="Open Sans Light" panose="020B0604020202020204" charset="0"/>
+              <a:cs typeface="Open Sans Light" panose="020B0604020202020204" charset="0"/>
+            </a:endParaRPr>
           </a:p>
         </p:txBody>
       </p:sp>
@@ -6411,7 +7330,7 @@
           <a:p>
             <a:pPr algn="ctr"/>
             <a:r>
-              <a:rPr lang="pt-BR" sz="2400" dirty="0">
+              <a:rPr lang="pt-BR" sz="2400" dirty="0" smtClean="0">
                 <a:solidFill>
                   <a:schemeClr val="tx1">
                     <a:lumMod val="65000"/>
@@ -6424,6 +7343,17 @@
               </a:rPr>
               <a:t>Site</a:t>
             </a:r>
+            <a:endParaRPr lang="pt-BR" sz="2400" dirty="0">
+              <a:solidFill>
+                <a:schemeClr val="tx1">
+                  <a:lumMod val="65000"/>
+                  <a:lumOff val="35000"/>
+                </a:schemeClr>
+              </a:solidFill>
+              <a:latin typeface="Open Sans Light" panose="020B0604020202020204" charset="0"/>
+              <a:ea typeface="Open Sans Light" panose="020B0604020202020204" charset="0"/>
+              <a:cs typeface="Open Sans Light" panose="020B0604020202020204" charset="0"/>
+            </a:endParaRPr>
           </a:p>
         </p:txBody>
       </p:sp>
@@ -6470,7 +7400,7 @@
           <a:p>
             <a:pPr algn="ctr"/>
             <a:r>
-              <a:rPr lang="pt-BR" sz="2400" dirty="0" err="1">
+              <a:rPr lang="pt-BR" sz="2400" dirty="0" err="1" smtClean="0">
                 <a:solidFill>
                   <a:schemeClr val="tx1">
                     <a:lumMod val="65000"/>
@@ -6484,7 +7414,7 @@
               <a:t>Midia</a:t>
             </a:r>
             <a:r>
-              <a:rPr lang="pt-BR" sz="2400" dirty="0">
+              <a:rPr lang="pt-BR" sz="2400" dirty="0" smtClean="0">
                 <a:solidFill>
                   <a:schemeClr val="tx1">
                     <a:lumMod val="65000"/>
@@ -6497,6 +7427,17 @@
               </a:rPr>
               <a:t> Social</a:t>
             </a:r>
+            <a:endParaRPr lang="pt-BR" sz="2400" dirty="0">
+              <a:solidFill>
+                <a:schemeClr val="tx1">
+                  <a:lumMod val="65000"/>
+                  <a:lumOff val="35000"/>
+                </a:schemeClr>
+              </a:solidFill>
+              <a:latin typeface="Open Sans Light" panose="020B0604020202020204" charset="0"/>
+              <a:ea typeface="Open Sans Light" panose="020B0604020202020204" charset="0"/>
+              <a:cs typeface="Open Sans Light" panose="020B0604020202020204" charset="0"/>
+            </a:endParaRPr>
           </a:p>
         </p:txBody>
       </p:sp>
@@ -6543,7 +7484,7 @@
           <a:p>
             <a:pPr algn="ctr"/>
             <a:r>
-              <a:rPr lang="pt-BR" sz="2400" dirty="0">
+              <a:rPr lang="pt-BR" sz="2400" dirty="0" smtClean="0">
                 <a:solidFill>
                   <a:schemeClr val="tx1">
                     <a:lumMod val="65000"/>
@@ -6556,6 +7497,17 @@
               </a:rPr>
               <a:t>Boca a Boca</a:t>
             </a:r>
+            <a:endParaRPr lang="pt-BR" sz="2400" dirty="0">
+              <a:solidFill>
+                <a:schemeClr val="tx1">
+                  <a:lumMod val="65000"/>
+                  <a:lumOff val="35000"/>
+                </a:schemeClr>
+              </a:solidFill>
+              <a:latin typeface="Open Sans Light" panose="020B0604020202020204" charset="0"/>
+              <a:ea typeface="Open Sans Light" panose="020B0604020202020204" charset="0"/>
+              <a:cs typeface="Open Sans Light" panose="020B0604020202020204" charset="0"/>
+            </a:endParaRPr>
           </a:p>
         </p:txBody>
       </p:sp>
@@ -6602,7 +7554,7 @@
           <a:p>
             <a:pPr algn="ctr"/>
             <a:r>
-              <a:rPr lang="pt-BR" sz="2400" dirty="0">
+              <a:rPr lang="pt-BR" sz="2400" dirty="0" smtClean="0">
                 <a:solidFill>
                   <a:schemeClr val="tx1">
                     <a:lumMod val="65000"/>
@@ -6615,6 +7567,17 @@
               </a:rPr>
               <a:t>Suporte de TI</a:t>
             </a:r>
+            <a:endParaRPr lang="pt-BR" sz="2400" dirty="0">
+              <a:solidFill>
+                <a:schemeClr val="tx1">
+                  <a:lumMod val="65000"/>
+                  <a:lumOff val="35000"/>
+                </a:schemeClr>
+              </a:solidFill>
+              <a:latin typeface="Open Sans Light" panose="020B0604020202020204" charset="0"/>
+              <a:ea typeface="Open Sans Light" panose="020B0604020202020204" charset="0"/>
+              <a:cs typeface="Open Sans Light" panose="020B0604020202020204" charset="0"/>
+            </a:endParaRPr>
           </a:p>
         </p:txBody>
       </p:sp>
@@ -6661,7 +7624,7 @@
           <a:p>
             <a:pPr algn="ctr"/>
             <a:r>
-              <a:rPr lang="pt-BR" sz="2400" dirty="0">
+              <a:rPr lang="pt-BR" sz="2400" dirty="0" smtClean="0">
                 <a:solidFill>
                   <a:schemeClr val="tx1">
                     <a:lumMod val="65000"/>
@@ -6674,6 +7637,17 @@
               </a:rPr>
               <a:t>Gestor</a:t>
             </a:r>
+            <a:endParaRPr lang="pt-BR" sz="2400" dirty="0">
+              <a:solidFill>
+                <a:schemeClr val="tx1">
+                  <a:lumMod val="65000"/>
+                  <a:lumOff val="35000"/>
+                </a:schemeClr>
+              </a:solidFill>
+              <a:latin typeface="Open Sans Light" panose="020B0604020202020204" charset="0"/>
+              <a:ea typeface="Open Sans Light" panose="020B0604020202020204" charset="0"/>
+              <a:cs typeface="Open Sans Light" panose="020B0604020202020204" charset="0"/>
+            </a:endParaRPr>
           </a:p>
         </p:txBody>
       </p:sp>
@@ -6720,7 +7694,7 @@
           <a:p>
             <a:pPr algn="ctr"/>
             <a:r>
-              <a:rPr lang="pt-BR" sz="2400" dirty="0">
+              <a:rPr lang="pt-BR" sz="2400" dirty="0" smtClean="0">
                 <a:solidFill>
                   <a:schemeClr val="tx1">
                     <a:lumMod val="65000"/>
@@ -6733,6 +7707,17 @@
               </a:rPr>
               <a:t>API de Monitoramento</a:t>
             </a:r>
+            <a:endParaRPr lang="pt-BR" sz="2400" dirty="0">
+              <a:solidFill>
+                <a:schemeClr val="tx1">
+                  <a:lumMod val="65000"/>
+                  <a:lumOff val="35000"/>
+                </a:schemeClr>
+              </a:solidFill>
+              <a:latin typeface="Open Sans Light" panose="020B0604020202020204" charset="0"/>
+              <a:ea typeface="Open Sans Light" panose="020B0604020202020204" charset="0"/>
+              <a:cs typeface="Open Sans Light" panose="020B0604020202020204" charset="0"/>
+            </a:endParaRPr>
           </a:p>
         </p:txBody>
       </p:sp>
@@ -6779,7 +7764,7 @@
           <a:p>
             <a:pPr algn="ctr"/>
             <a:r>
-              <a:rPr lang="pt-BR" sz="2400" dirty="0">
+              <a:rPr lang="pt-BR" sz="2400" dirty="0" smtClean="0">
                 <a:solidFill>
                   <a:schemeClr val="tx1">
                     <a:lumMod val="65000"/>
@@ -6792,6 +7777,17 @@
               </a:rPr>
               <a:t>Plataforma Web</a:t>
             </a:r>
+            <a:endParaRPr lang="pt-BR" sz="2400" dirty="0">
+              <a:solidFill>
+                <a:schemeClr val="tx1">
+                  <a:lumMod val="65000"/>
+                  <a:lumOff val="35000"/>
+                </a:schemeClr>
+              </a:solidFill>
+              <a:latin typeface="Open Sans Light" panose="020B0604020202020204" charset="0"/>
+              <a:ea typeface="Open Sans Light" panose="020B0604020202020204" charset="0"/>
+              <a:cs typeface="Open Sans Light" panose="020B0604020202020204" charset="0"/>
+            </a:endParaRPr>
           </a:p>
         </p:txBody>
       </p:sp>
@@ -6838,7 +7834,7 @@
           <a:p>
             <a:pPr algn="ctr"/>
             <a:r>
-              <a:rPr lang="pt-BR" sz="2400" dirty="0">
+              <a:rPr lang="pt-BR" sz="2400" dirty="0" smtClean="0">
                 <a:solidFill>
                   <a:schemeClr val="tx1">
                     <a:lumMod val="65000"/>
@@ -6851,6 +7847,17 @@
               </a:rPr>
               <a:t>Banco de Dados</a:t>
             </a:r>
+            <a:endParaRPr lang="pt-BR" sz="2400" dirty="0">
+              <a:solidFill>
+                <a:schemeClr val="tx1">
+                  <a:lumMod val="65000"/>
+                  <a:lumOff val="35000"/>
+                </a:schemeClr>
+              </a:solidFill>
+              <a:latin typeface="Open Sans Light" panose="020B0604020202020204" charset="0"/>
+              <a:ea typeface="Open Sans Light" panose="020B0604020202020204" charset="0"/>
+              <a:cs typeface="Open Sans Light" panose="020B0604020202020204" charset="0"/>
+            </a:endParaRPr>
           </a:p>
         </p:txBody>
       </p:sp>
@@ -6897,7 +7904,7 @@
           <a:p>
             <a:pPr algn="ctr"/>
             <a:r>
-              <a:rPr lang="pt-BR" sz="2400" dirty="0">
+              <a:rPr lang="pt-BR" sz="2400" dirty="0" smtClean="0">
                 <a:solidFill>
                   <a:schemeClr val="tx1">
                     <a:lumMod val="65000"/>
@@ -6910,6 +7917,17 @@
               </a:rPr>
               <a:t>Hospedagem</a:t>
             </a:r>
+            <a:endParaRPr lang="pt-BR" sz="2400" dirty="0">
+              <a:solidFill>
+                <a:schemeClr val="tx1">
+                  <a:lumMod val="65000"/>
+                  <a:lumOff val="35000"/>
+                </a:schemeClr>
+              </a:solidFill>
+              <a:latin typeface="Open Sans Light" panose="020B0604020202020204" charset="0"/>
+              <a:ea typeface="Open Sans Light" panose="020B0604020202020204" charset="0"/>
+              <a:cs typeface="Open Sans Light" panose="020B0604020202020204" charset="0"/>
+            </a:endParaRPr>
           </a:p>
         </p:txBody>
       </p:sp>
@@ -6956,7 +7974,7 @@
           <a:p>
             <a:pPr algn="ctr"/>
             <a:r>
-              <a:rPr lang="pt-BR" sz="2400" dirty="0">
+              <a:rPr lang="pt-BR" sz="2400" dirty="0" smtClean="0">
                 <a:solidFill>
                   <a:schemeClr val="tx1">
                     <a:lumMod val="65000"/>
@@ -6969,6 +7987,17 @@
               </a:rPr>
               <a:t>Mensalidade</a:t>
             </a:r>
+            <a:endParaRPr lang="pt-BR" sz="2400" dirty="0">
+              <a:solidFill>
+                <a:schemeClr val="tx1">
+                  <a:lumMod val="65000"/>
+                  <a:lumOff val="35000"/>
+                </a:schemeClr>
+              </a:solidFill>
+              <a:latin typeface="Open Sans Light" panose="020B0604020202020204" charset="0"/>
+              <a:ea typeface="Open Sans Light" panose="020B0604020202020204" charset="0"/>
+              <a:cs typeface="Open Sans Light" panose="020B0604020202020204" charset="0"/>
+            </a:endParaRPr>
           </a:p>
         </p:txBody>
       </p:sp>
@@ -7015,7 +8044,7 @@
           <a:p>
             <a:pPr algn="ctr"/>
             <a:r>
-              <a:rPr lang="pt-BR" sz="2400" dirty="0">
+              <a:rPr lang="pt-BR" sz="2400" dirty="0" smtClean="0">
                 <a:solidFill>
                   <a:schemeClr val="tx1">
                     <a:lumMod val="65000"/>
@@ -7028,6 +8057,17 @@
               </a:rPr>
               <a:t>Implantação do Sistema</a:t>
             </a:r>
+            <a:endParaRPr lang="pt-BR" sz="2400" dirty="0">
+              <a:solidFill>
+                <a:schemeClr val="tx1">
+                  <a:lumMod val="65000"/>
+                  <a:lumOff val="35000"/>
+                </a:schemeClr>
+              </a:solidFill>
+              <a:latin typeface="Open Sans Light" panose="020B0604020202020204" charset="0"/>
+              <a:ea typeface="Open Sans Light" panose="020B0604020202020204" charset="0"/>
+              <a:cs typeface="Open Sans Light" panose="020B0604020202020204" charset="0"/>
+            </a:endParaRPr>
           </a:p>
         </p:txBody>
       </p:sp>
@@ -7074,7 +8114,7 @@
           <a:p>
             <a:pPr algn="ctr"/>
             <a:r>
-              <a:rPr lang="pt-BR" sz="2400" dirty="0" err="1">
+              <a:rPr lang="pt-BR" sz="2400" dirty="0" err="1" smtClean="0">
                 <a:solidFill>
                   <a:schemeClr val="tx1">
                     <a:lumMod val="65000"/>
@@ -7088,7 +8128,7 @@
               <a:t>Call</a:t>
             </a:r>
             <a:r>
-              <a:rPr lang="pt-BR" sz="2400" dirty="0">
+              <a:rPr lang="pt-BR" sz="2400" dirty="0" smtClean="0">
                 <a:solidFill>
                   <a:schemeClr val="tx1">
                     <a:lumMod val="65000"/>
@@ -7101,6 +8141,17 @@
               </a:rPr>
               <a:t> Center</a:t>
             </a:r>
+            <a:endParaRPr lang="pt-BR" sz="2400" dirty="0">
+              <a:solidFill>
+                <a:schemeClr val="tx1">
+                  <a:lumMod val="65000"/>
+                  <a:lumOff val="35000"/>
+                </a:schemeClr>
+              </a:solidFill>
+              <a:latin typeface="Open Sans Light" panose="020B0604020202020204" charset="0"/>
+              <a:ea typeface="Open Sans Light" panose="020B0604020202020204" charset="0"/>
+              <a:cs typeface="Open Sans Light" panose="020B0604020202020204" charset="0"/>
+            </a:endParaRPr>
           </a:p>
         </p:txBody>
       </p:sp>
@@ -7121,6 +8172,13 @@
       </p:transition>
     </mc:Fallback>
   </mc:AlternateContent>
+  <p:timing>
+    <p:tnLst>
+      <p:par>
+        <p:cTn id="1" dur="indefinite" restart="never" nodeType="tmRoot"/>
+      </p:par>
+    </p:tnLst>
+  </p:timing>
 </p:sld>
 </file>
 
@@ -7189,7 +8247,7 @@
       </p:sp>
       <p:grpSp>
         <p:nvGrpSpPr>
-          <p:cNvPr id="3" name="Group 3"/>
+          <p:cNvPr id="69" name="Group 3"/>
           <p:cNvGrpSpPr/>
           <p:nvPr/>
         </p:nvGrpSpPr>
@@ -7203,7 +8261,7 @@
         </p:grpSpPr>
         <p:sp>
           <p:nvSpPr>
-            <p:cNvPr id="4" name="Freeform 4"/>
+            <p:cNvPr id="70" name="Freeform 4"/>
             <p:cNvSpPr/>
             <p:nvPr/>
           </p:nvSpPr>
@@ -7244,7 +8302,7 @@
       </p:grpSp>
       <p:grpSp>
         <p:nvGrpSpPr>
-          <p:cNvPr id="5" name="Group 5"/>
+          <p:cNvPr id="71" name="Group 5"/>
           <p:cNvGrpSpPr/>
           <p:nvPr/>
         </p:nvGrpSpPr>
@@ -7258,7 +8316,7 @@
         </p:grpSpPr>
         <p:sp>
           <p:nvSpPr>
-            <p:cNvPr id="6" name="Freeform 6"/>
+            <p:cNvPr id="72" name="Freeform 6"/>
             <p:cNvSpPr/>
             <p:nvPr/>
           </p:nvSpPr>
@@ -7299,7 +8357,7 @@
       </p:grpSp>
       <p:grpSp>
         <p:nvGrpSpPr>
-          <p:cNvPr id="7" name="Group 7"/>
+          <p:cNvPr id="73" name="Group 7"/>
           <p:cNvGrpSpPr/>
           <p:nvPr/>
         </p:nvGrpSpPr>
@@ -7313,7 +8371,7 @@
         </p:grpSpPr>
         <p:sp>
           <p:nvSpPr>
-            <p:cNvPr id="8" name="Freeform 8"/>
+            <p:cNvPr id="74" name="Freeform 8"/>
             <p:cNvSpPr/>
             <p:nvPr/>
           </p:nvSpPr>
@@ -7354,7 +8412,7 @@
       </p:grpSp>
       <p:grpSp>
         <p:nvGrpSpPr>
-          <p:cNvPr id="9" name="Group 9"/>
+          <p:cNvPr id="75" name="Group 9"/>
           <p:cNvGrpSpPr/>
           <p:nvPr/>
         </p:nvGrpSpPr>
@@ -7368,7 +8426,7 @@
         </p:grpSpPr>
         <p:sp>
           <p:nvSpPr>
-            <p:cNvPr id="10" name="Freeform 10"/>
+            <p:cNvPr id="76" name="Freeform 10"/>
             <p:cNvSpPr/>
             <p:nvPr/>
           </p:nvSpPr>
@@ -7409,7 +8467,7 @@
       </p:grpSp>
       <p:sp>
         <p:nvSpPr>
-          <p:cNvPr id="11" name="TextBox 11"/>
+          <p:cNvPr id="77" name="TextBox 11"/>
           <p:cNvSpPr txBox="1"/>
           <p:nvPr/>
         </p:nvSpPr>
@@ -7447,7 +8505,7 @@
       </p:sp>
       <p:sp>
         <p:nvSpPr>
-          <p:cNvPr id="12" name="TextBox 12"/>
+          <p:cNvPr id="78" name="TextBox 12"/>
           <p:cNvSpPr txBox="1"/>
           <p:nvPr/>
         </p:nvSpPr>
@@ -7485,7 +8543,7 @@
       </p:sp>
       <p:sp>
         <p:nvSpPr>
-          <p:cNvPr id="13" name="TextBox 13"/>
+          <p:cNvPr id="79" name="TextBox 13"/>
           <p:cNvSpPr txBox="1"/>
           <p:nvPr/>
         </p:nvSpPr>
@@ -7523,7 +8581,7 @@
       </p:sp>
       <p:sp>
         <p:nvSpPr>
-          <p:cNvPr id="14" name="TextBox 14"/>
+          <p:cNvPr id="80" name="TextBox 14"/>
           <p:cNvSpPr txBox="1"/>
           <p:nvPr/>
         </p:nvSpPr>
@@ -7561,7 +8619,7 @@
       </p:sp>
       <p:grpSp>
         <p:nvGrpSpPr>
-          <p:cNvPr id="15" name="Group 15"/>
+          <p:cNvPr id="81" name="Group 15"/>
           <p:cNvGrpSpPr/>
           <p:nvPr/>
         </p:nvGrpSpPr>
@@ -7575,7 +8633,7 @@
         </p:grpSpPr>
         <p:sp>
           <p:nvSpPr>
-            <p:cNvPr id="16" name="Freeform 16"/>
+            <p:cNvPr id="82" name="Freeform 16"/>
             <p:cNvSpPr/>
             <p:nvPr/>
           </p:nvSpPr>
@@ -7616,7 +8674,7 @@
       </p:grpSp>
       <p:sp>
         <p:nvSpPr>
-          <p:cNvPr id="17" name="TextBox 17"/>
+          <p:cNvPr id="83" name="TextBox 17"/>
           <p:cNvSpPr txBox="1"/>
           <p:nvPr/>
         </p:nvSpPr>
@@ -7654,7 +8712,7 @@
       </p:sp>
       <p:grpSp>
         <p:nvGrpSpPr>
-          <p:cNvPr id="18" name="Group 18"/>
+          <p:cNvPr id="84" name="Group 18"/>
           <p:cNvGrpSpPr/>
           <p:nvPr/>
         </p:nvGrpSpPr>
@@ -7668,7 +8726,7 @@
         </p:grpSpPr>
         <p:sp>
           <p:nvSpPr>
-            <p:cNvPr id="19" name="Freeform 19"/>
+            <p:cNvPr id="85" name="Freeform 19"/>
             <p:cNvSpPr/>
             <p:nvPr/>
           </p:nvSpPr>
@@ -7709,7 +8767,7 @@
       </p:grpSp>
       <p:sp>
         <p:nvSpPr>
-          <p:cNvPr id="20" name="TextBox 20"/>
+          <p:cNvPr id="86" name="TextBox 20"/>
           <p:cNvSpPr txBox="1"/>
           <p:nvPr/>
         </p:nvSpPr>
@@ -7747,7 +8805,7 @@
       </p:sp>
       <p:sp>
         <p:nvSpPr>
-          <p:cNvPr id="22" name="CaixaDeTexto 21"/>
+          <p:cNvPr id="87" name="CaixaDeTexto 86"/>
           <p:cNvSpPr txBox="1"/>
           <p:nvPr/>
         </p:nvSpPr>
@@ -7787,7 +8845,7 @@
       </p:sp>
       <p:sp>
         <p:nvSpPr>
-          <p:cNvPr id="23" name="CaixaDeTexto 22"/>
+          <p:cNvPr id="88" name="CaixaDeTexto 87"/>
           <p:cNvSpPr txBox="1"/>
           <p:nvPr/>
         </p:nvSpPr>
@@ -7827,7 +8885,7 @@
       </p:sp>
       <p:sp>
         <p:nvSpPr>
-          <p:cNvPr id="25" name="CaixaDeTexto 24"/>
+          <p:cNvPr id="89" name="CaixaDeTexto 88"/>
           <p:cNvSpPr txBox="1"/>
           <p:nvPr/>
         </p:nvSpPr>
@@ -7867,7 +8925,7 @@
       </p:sp>
       <p:sp>
         <p:nvSpPr>
-          <p:cNvPr id="26" name="CaixaDeTexto 25"/>
+          <p:cNvPr id="90" name="CaixaDeTexto 89"/>
           <p:cNvSpPr txBox="1"/>
           <p:nvPr/>
         </p:nvSpPr>
@@ -7907,7 +8965,7 @@
       </p:sp>
       <p:sp>
         <p:nvSpPr>
-          <p:cNvPr id="27" name="CaixaDeTexto 26"/>
+          <p:cNvPr id="91" name="CaixaDeTexto 90"/>
           <p:cNvSpPr txBox="1"/>
           <p:nvPr/>
         </p:nvSpPr>
@@ -7947,7 +9005,7 @@
       </p:sp>
       <p:sp>
         <p:nvSpPr>
-          <p:cNvPr id="28" name="CaixaDeTexto 27"/>
+          <p:cNvPr id="92" name="CaixaDeTexto 91"/>
           <p:cNvSpPr txBox="1"/>
           <p:nvPr/>
         </p:nvSpPr>
@@ -7987,7 +9045,7 @@
       </p:sp>
       <p:sp>
         <p:nvSpPr>
-          <p:cNvPr id="155" name="CaixaDeTexto 154"/>
+          <p:cNvPr id="93" name="CaixaDeTexto 92"/>
           <p:cNvSpPr txBox="1"/>
           <p:nvPr/>
         </p:nvSpPr>
@@ -8027,7 +9085,7 @@
       </p:sp>
       <p:sp>
         <p:nvSpPr>
-          <p:cNvPr id="156" name="CaixaDeTexto 155"/>
+          <p:cNvPr id="94" name="CaixaDeTexto 93"/>
           <p:cNvSpPr txBox="1"/>
           <p:nvPr/>
         </p:nvSpPr>
@@ -8067,7 +9125,7 @@
       </p:sp>
       <p:sp>
         <p:nvSpPr>
-          <p:cNvPr id="157" name="CaixaDeTexto 156"/>
+          <p:cNvPr id="95" name="CaixaDeTexto 94"/>
           <p:cNvSpPr txBox="1"/>
           <p:nvPr/>
         </p:nvSpPr>
@@ -8107,7 +9165,7 @@
       </p:sp>
       <p:sp>
         <p:nvSpPr>
-          <p:cNvPr id="158" name="CaixaDeTexto 157"/>
+          <p:cNvPr id="96" name="CaixaDeTexto 95"/>
           <p:cNvSpPr txBox="1"/>
           <p:nvPr/>
         </p:nvSpPr>
@@ -8147,7 +9205,7 @@
       </p:sp>
       <p:sp>
         <p:nvSpPr>
-          <p:cNvPr id="159" name="CaixaDeTexto 158"/>
+          <p:cNvPr id="97" name="CaixaDeTexto 96"/>
           <p:cNvSpPr txBox="1"/>
           <p:nvPr/>
         </p:nvSpPr>
@@ -8187,7 +9245,7 @@
       </p:sp>
       <p:sp>
         <p:nvSpPr>
-          <p:cNvPr id="160" name="CaixaDeTexto 159"/>
+          <p:cNvPr id="98" name="CaixaDeTexto 97"/>
           <p:cNvSpPr txBox="1"/>
           <p:nvPr/>
         </p:nvSpPr>
@@ -8227,7 +9285,7 @@
       </p:sp>
       <p:sp>
         <p:nvSpPr>
-          <p:cNvPr id="161" name="CaixaDeTexto 160"/>
+          <p:cNvPr id="99" name="CaixaDeTexto 98"/>
           <p:cNvSpPr txBox="1"/>
           <p:nvPr/>
         </p:nvSpPr>
@@ -8267,7 +9325,7 @@
       </p:sp>
       <p:sp>
         <p:nvSpPr>
-          <p:cNvPr id="162" name="CaixaDeTexto 161"/>
+          <p:cNvPr id="100" name="CaixaDeTexto 99"/>
           <p:cNvSpPr txBox="1"/>
           <p:nvPr/>
         </p:nvSpPr>
@@ -8307,7 +9365,7 @@
       </p:sp>
       <p:sp>
         <p:nvSpPr>
-          <p:cNvPr id="163" name="CaixaDeTexto 162"/>
+          <p:cNvPr id="101" name="CaixaDeTexto 100"/>
           <p:cNvSpPr txBox="1"/>
           <p:nvPr/>
         </p:nvSpPr>
@@ -8347,7 +9405,7 @@
       </p:sp>
       <p:sp>
         <p:nvSpPr>
-          <p:cNvPr id="164" name="CaixaDeTexto 163"/>
+          <p:cNvPr id="102" name="CaixaDeTexto 101"/>
           <p:cNvSpPr txBox="1"/>
           <p:nvPr/>
         </p:nvSpPr>
@@ -8387,7 +9445,7 @@
       </p:sp>
       <p:sp>
         <p:nvSpPr>
-          <p:cNvPr id="165" name="CaixaDeTexto 164"/>
+          <p:cNvPr id="103" name="CaixaDeTexto 102"/>
           <p:cNvSpPr txBox="1"/>
           <p:nvPr/>
         </p:nvSpPr>
@@ -8427,7 +9485,7 @@
       </p:sp>
       <p:sp>
         <p:nvSpPr>
-          <p:cNvPr id="166" name="CaixaDeTexto 165"/>
+          <p:cNvPr id="104" name="CaixaDeTexto 103"/>
           <p:cNvSpPr txBox="1"/>
           <p:nvPr/>
         </p:nvSpPr>
@@ -8467,7 +9525,7 @@
       </p:sp>
       <p:sp>
         <p:nvSpPr>
-          <p:cNvPr id="167" name="CaixaDeTexto 166"/>
+          <p:cNvPr id="105" name="CaixaDeTexto 104"/>
           <p:cNvSpPr txBox="1"/>
           <p:nvPr/>
         </p:nvSpPr>
@@ -8507,7 +9565,7 @@
       </p:sp>
       <p:sp>
         <p:nvSpPr>
-          <p:cNvPr id="168" name="CaixaDeTexto 167"/>
+          <p:cNvPr id="106" name="CaixaDeTexto 105"/>
           <p:cNvSpPr txBox="1"/>
           <p:nvPr/>
         </p:nvSpPr>
@@ -8547,7 +9605,7 @@
       </p:sp>
       <p:sp>
         <p:nvSpPr>
-          <p:cNvPr id="169" name="CaixaDeTexto 168"/>
+          <p:cNvPr id="107" name="CaixaDeTexto 106"/>
           <p:cNvSpPr txBox="1"/>
           <p:nvPr/>
         </p:nvSpPr>
@@ -8587,7 +9645,7 @@
       </p:sp>
       <p:sp>
         <p:nvSpPr>
-          <p:cNvPr id="170" name="CaixaDeTexto 169"/>
+          <p:cNvPr id="108" name="CaixaDeTexto 107"/>
           <p:cNvSpPr txBox="1"/>
           <p:nvPr/>
         </p:nvSpPr>
@@ -8627,7 +9685,7 @@
       </p:sp>
       <p:sp>
         <p:nvSpPr>
-          <p:cNvPr id="171" name="CaixaDeTexto 170"/>
+          <p:cNvPr id="109" name="CaixaDeTexto 108"/>
           <p:cNvSpPr txBox="1"/>
           <p:nvPr/>
         </p:nvSpPr>
@@ -8667,7 +9725,7 @@
       </p:sp>
       <p:sp>
         <p:nvSpPr>
-          <p:cNvPr id="172" name="CaixaDeTexto 171"/>
+          <p:cNvPr id="110" name="CaixaDeTexto 109"/>
           <p:cNvSpPr txBox="1"/>
           <p:nvPr/>
         </p:nvSpPr>
@@ -8707,7 +9765,7 @@
       </p:sp>
       <p:sp>
         <p:nvSpPr>
-          <p:cNvPr id="173" name="CaixaDeTexto 172"/>
+          <p:cNvPr id="111" name="CaixaDeTexto 110"/>
           <p:cNvSpPr txBox="1"/>
           <p:nvPr/>
         </p:nvSpPr>
@@ -8747,7 +9805,7 @@
       </p:sp>
       <p:sp>
         <p:nvSpPr>
-          <p:cNvPr id="174" name="CaixaDeTexto 173"/>
+          <p:cNvPr id="112" name="CaixaDeTexto 111"/>
           <p:cNvSpPr txBox="1"/>
           <p:nvPr/>
         </p:nvSpPr>
@@ -8787,7 +9845,7 @@
       </p:sp>
       <p:sp>
         <p:nvSpPr>
-          <p:cNvPr id="175" name="CaixaDeTexto 174"/>
+          <p:cNvPr id="113" name="CaixaDeTexto 112"/>
           <p:cNvSpPr txBox="1"/>
           <p:nvPr/>
         </p:nvSpPr>
@@ -8827,7 +9885,7 @@
       </p:sp>
       <p:sp>
         <p:nvSpPr>
-          <p:cNvPr id="176" name="CaixaDeTexto 175"/>
+          <p:cNvPr id="114" name="CaixaDeTexto 113"/>
           <p:cNvSpPr txBox="1"/>
           <p:nvPr/>
         </p:nvSpPr>
@@ -8867,7 +9925,7 @@
       </p:sp>
       <p:sp>
         <p:nvSpPr>
-          <p:cNvPr id="177" name="CaixaDeTexto 176"/>
+          <p:cNvPr id="115" name="CaixaDeTexto 114"/>
           <p:cNvSpPr txBox="1"/>
           <p:nvPr/>
         </p:nvSpPr>
@@ -8907,7 +9965,7 @@
       </p:sp>
       <p:sp>
         <p:nvSpPr>
-          <p:cNvPr id="178" name="CaixaDeTexto 177"/>
+          <p:cNvPr id="116" name="CaixaDeTexto 115"/>
           <p:cNvSpPr txBox="1"/>
           <p:nvPr/>
         </p:nvSpPr>
@@ -8947,7 +10005,7 @@
       </p:sp>
       <p:sp>
         <p:nvSpPr>
-          <p:cNvPr id="179" name="CaixaDeTexto 178"/>
+          <p:cNvPr id="117" name="CaixaDeTexto 116"/>
           <p:cNvSpPr txBox="1"/>
           <p:nvPr/>
         </p:nvSpPr>
@@ -8987,7 +10045,7 @@
       </p:sp>
       <p:sp>
         <p:nvSpPr>
-          <p:cNvPr id="181" name="CaixaDeTexto 180"/>
+          <p:cNvPr id="118" name="CaixaDeTexto 117"/>
           <p:cNvSpPr txBox="1"/>
           <p:nvPr/>
         </p:nvSpPr>
@@ -9027,7 +10085,7 @@
       </p:sp>
       <p:sp>
         <p:nvSpPr>
-          <p:cNvPr id="182" name="CaixaDeTexto 181"/>
+          <p:cNvPr id="119" name="CaixaDeTexto 118"/>
           <p:cNvSpPr txBox="1"/>
           <p:nvPr/>
         </p:nvSpPr>
@@ -9067,7 +10125,7 @@
       </p:sp>
       <p:sp>
         <p:nvSpPr>
-          <p:cNvPr id="183" name="CaixaDeTexto 182"/>
+          <p:cNvPr id="120" name="CaixaDeTexto 119"/>
           <p:cNvSpPr txBox="1"/>
           <p:nvPr/>
         </p:nvSpPr>
@@ -9107,7 +10165,7 @@
       </p:sp>
       <p:sp>
         <p:nvSpPr>
-          <p:cNvPr id="184" name="CaixaDeTexto 183"/>
+          <p:cNvPr id="121" name="CaixaDeTexto 120"/>
           <p:cNvSpPr txBox="1"/>
           <p:nvPr/>
         </p:nvSpPr>
@@ -9147,7 +10205,7 @@
       </p:sp>
       <p:sp>
         <p:nvSpPr>
-          <p:cNvPr id="187" name="CaixaDeTexto 186"/>
+          <p:cNvPr id="122" name="CaixaDeTexto 121"/>
           <p:cNvSpPr txBox="1"/>
           <p:nvPr/>
         </p:nvSpPr>
@@ -9187,7 +10245,7 @@
       </p:sp>
       <p:sp>
         <p:nvSpPr>
-          <p:cNvPr id="188" name="CaixaDeTexto 187"/>
+          <p:cNvPr id="123" name="CaixaDeTexto 122"/>
           <p:cNvSpPr txBox="1"/>
           <p:nvPr/>
         </p:nvSpPr>
@@ -9227,7 +10285,7 @@
       </p:sp>
       <p:sp>
         <p:nvSpPr>
-          <p:cNvPr id="189" name="CaixaDeTexto 188"/>
+          <p:cNvPr id="124" name="CaixaDeTexto 123"/>
           <p:cNvSpPr txBox="1"/>
           <p:nvPr/>
         </p:nvSpPr>
@@ -9267,7 +10325,7 @@
       </p:sp>
       <p:sp>
         <p:nvSpPr>
-          <p:cNvPr id="190" name="CaixaDeTexto 189"/>
+          <p:cNvPr id="125" name="CaixaDeTexto 124"/>
           <p:cNvSpPr txBox="1"/>
           <p:nvPr/>
         </p:nvSpPr>
@@ -9307,7 +10365,7 @@
       </p:sp>
       <p:sp>
         <p:nvSpPr>
-          <p:cNvPr id="193" name="CaixaDeTexto 192"/>
+          <p:cNvPr id="126" name="CaixaDeTexto 125"/>
           <p:cNvSpPr txBox="1"/>
           <p:nvPr/>
         </p:nvSpPr>
@@ -9347,7 +10405,7 @@
       </p:sp>
       <p:sp>
         <p:nvSpPr>
-          <p:cNvPr id="194" name="CaixaDeTexto 193"/>
+          <p:cNvPr id="127" name="CaixaDeTexto 126"/>
           <p:cNvSpPr txBox="1"/>
           <p:nvPr/>
         </p:nvSpPr>
@@ -9387,7 +10445,7 @@
       </p:sp>
       <p:sp>
         <p:nvSpPr>
-          <p:cNvPr id="195" name="CaixaDeTexto 194"/>
+          <p:cNvPr id="128" name="CaixaDeTexto 127"/>
           <p:cNvSpPr txBox="1"/>
           <p:nvPr/>
         </p:nvSpPr>
@@ -9427,7 +10485,7 @@
       </p:sp>
       <p:sp>
         <p:nvSpPr>
-          <p:cNvPr id="196" name="CaixaDeTexto 195"/>
+          <p:cNvPr id="129" name="CaixaDeTexto 128"/>
           <p:cNvSpPr txBox="1"/>
           <p:nvPr/>
         </p:nvSpPr>
@@ -9467,7 +10525,7 @@
       </p:sp>
       <p:sp>
         <p:nvSpPr>
-          <p:cNvPr id="70" name="CaixaDeTexto 69">
+          <p:cNvPr id="130" name="CaixaDeTexto 129">
             <a:extLst>
               <a:ext uri="{FF2B5EF4-FFF2-40B4-BE49-F238E27FC236}">
                 <a16:creationId xmlns:a16="http://schemas.microsoft.com/office/drawing/2014/main" id="{61CDB524-B6EA-42A1-9CD9-AE9973F38CC7}"/>
@@ -9513,7 +10571,7 @@
       </p:sp>
       <p:sp>
         <p:nvSpPr>
-          <p:cNvPr id="71" name="CaixaDeTexto 70">
+          <p:cNvPr id="131" name="CaixaDeTexto 130">
             <a:extLst>
               <a:ext uri="{FF2B5EF4-FFF2-40B4-BE49-F238E27FC236}">
                 <a16:creationId xmlns:a16="http://schemas.microsoft.com/office/drawing/2014/main" id="{294D5498-F61B-4B6F-AC37-893C7E3E8E5D}"/>
@@ -9559,7 +10617,7 @@
       </p:sp>
       <p:sp>
         <p:nvSpPr>
-          <p:cNvPr id="72" name="CaixaDeTexto 71">
+          <p:cNvPr id="132" name="CaixaDeTexto 131">
             <a:extLst>
               <a:ext uri="{FF2B5EF4-FFF2-40B4-BE49-F238E27FC236}">
                 <a16:creationId xmlns:a16="http://schemas.microsoft.com/office/drawing/2014/main" id="{B60A4B64-8088-4F58-9EC5-A2138DAA4F05}"/>
@@ -9605,7 +10663,7 @@
       </p:sp>
       <p:sp>
         <p:nvSpPr>
-          <p:cNvPr id="73" name="CaixaDeTexto 72">
+          <p:cNvPr id="133" name="CaixaDeTexto 132">
             <a:extLst>
               <a:ext uri="{FF2B5EF4-FFF2-40B4-BE49-F238E27FC236}">
                 <a16:creationId xmlns:a16="http://schemas.microsoft.com/office/drawing/2014/main" id="{EABC6DF3-293B-44C4-95D4-04A64FF35665}"/>
@@ -9651,7 +10709,7 @@
       </p:sp>
       <p:sp>
         <p:nvSpPr>
-          <p:cNvPr id="75" name="CaixaDeTexto 74">
+          <p:cNvPr id="134" name="CaixaDeTexto 133">
             <a:extLst>
               <a:ext uri="{FF2B5EF4-FFF2-40B4-BE49-F238E27FC236}">
                 <a16:creationId xmlns:a16="http://schemas.microsoft.com/office/drawing/2014/main" id="{7B343F95-2A0F-4DB5-9344-335B47860267}"/>
@@ -9697,7 +10755,7 @@
       </p:sp>
       <p:sp>
         <p:nvSpPr>
-          <p:cNvPr id="76" name="CaixaDeTexto 75">
+          <p:cNvPr id="135" name="CaixaDeTexto 134">
             <a:extLst>
               <a:ext uri="{FF2B5EF4-FFF2-40B4-BE49-F238E27FC236}">
                 <a16:creationId xmlns:a16="http://schemas.microsoft.com/office/drawing/2014/main" id="{4E80DB3B-16E0-4A70-9076-ED20791E4671}"/>
@@ -9743,7 +10801,7 @@
       </p:sp>
       <p:sp>
         <p:nvSpPr>
-          <p:cNvPr id="77" name="CaixaDeTexto 76">
+          <p:cNvPr id="136" name="CaixaDeTexto 135">
             <a:extLst>
               <a:ext uri="{FF2B5EF4-FFF2-40B4-BE49-F238E27FC236}">
                 <a16:creationId xmlns:a16="http://schemas.microsoft.com/office/drawing/2014/main" id="{C621C4C2-F912-4BDC-9405-01192F181734}"/>
@@ -9789,7 +10847,7 @@
       </p:sp>
       <p:sp>
         <p:nvSpPr>
-          <p:cNvPr id="78" name="CaixaDeTexto 77">
+          <p:cNvPr id="137" name="CaixaDeTexto 136">
             <a:extLst>
               <a:ext uri="{FF2B5EF4-FFF2-40B4-BE49-F238E27FC236}">
                 <a16:creationId xmlns:a16="http://schemas.microsoft.com/office/drawing/2014/main" id="{3E31BF00-9930-4672-AD52-A8C4577BF1BD}"/>
@@ -9835,7 +10893,7 @@
       </p:sp>
       <p:sp>
         <p:nvSpPr>
-          <p:cNvPr id="80" name="CaixaDeTexto 79">
+          <p:cNvPr id="138" name="CaixaDeTexto 137">
             <a:extLst>
               <a:ext uri="{FF2B5EF4-FFF2-40B4-BE49-F238E27FC236}">
                 <a16:creationId xmlns:a16="http://schemas.microsoft.com/office/drawing/2014/main" id="{78E3A1C9-501B-4F4B-907D-0F0C4B1058AB}"/>
@@ -9881,7 +10939,7 @@
       </p:sp>
       <p:sp>
         <p:nvSpPr>
-          <p:cNvPr id="81" name="CaixaDeTexto 80">
+          <p:cNvPr id="139" name="CaixaDeTexto 138">
             <a:extLst>
               <a:ext uri="{FF2B5EF4-FFF2-40B4-BE49-F238E27FC236}">
                 <a16:creationId xmlns:a16="http://schemas.microsoft.com/office/drawing/2014/main" id="{FBF0A404-643F-489E-9618-D120EBBB95C0}"/>
@@ -9927,7 +10985,7 @@
       </p:sp>
       <p:sp>
         <p:nvSpPr>
-          <p:cNvPr id="82" name="CaixaDeTexto 81">
+          <p:cNvPr id="140" name="CaixaDeTexto 139">
             <a:extLst>
               <a:ext uri="{FF2B5EF4-FFF2-40B4-BE49-F238E27FC236}">
                 <a16:creationId xmlns:a16="http://schemas.microsoft.com/office/drawing/2014/main" id="{B6F5F467-D399-4448-8941-AA0261284B2D}"/>
@@ -9973,7 +11031,7 @@
       </p:sp>
       <p:sp>
         <p:nvSpPr>
-          <p:cNvPr id="83" name="CaixaDeTexto 82">
+          <p:cNvPr id="141" name="CaixaDeTexto 140">
             <a:extLst>
               <a:ext uri="{FF2B5EF4-FFF2-40B4-BE49-F238E27FC236}">
                 <a16:creationId xmlns:a16="http://schemas.microsoft.com/office/drawing/2014/main" id="{ACBDDA03-07F4-4315-9F3C-CD8B8C29838C}"/>
@@ -10019,7 +11077,7 @@
       </p:sp>
       <p:sp>
         <p:nvSpPr>
-          <p:cNvPr id="84" name="CaixaDeTexto 83">
+          <p:cNvPr id="142" name="CaixaDeTexto 141">
             <a:extLst>
               <a:ext uri="{FF2B5EF4-FFF2-40B4-BE49-F238E27FC236}">
                 <a16:creationId xmlns:a16="http://schemas.microsoft.com/office/drawing/2014/main" id="{A4B3532D-5108-4C15-A93B-4F0AC877DBC3}"/>
@@ -10065,7 +11123,7 @@
       </p:sp>
       <p:sp>
         <p:nvSpPr>
-          <p:cNvPr id="85" name="CaixaDeTexto 84">
+          <p:cNvPr id="143" name="CaixaDeTexto 142">
             <a:extLst>
               <a:ext uri="{FF2B5EF4-FFF2-40B4-BE49-F238E27FC236}">
                 <a16:creationId xmlns:a16="http://schemas.microsoft.com/office/drawing/2014/main" id="{7C0BB027-C53E-4A42-AB35-A92411168CC4}"/>
@@ -10111,7 +11169,7 @@
       </p:sp>
       <p:sp>
         <p:nvSpPr>
-          <p:cNvPr id="86" name="CaixaDeTexto 85">
+          <p:cNvPr id="144" name="CaixaDeTexto 143">
             <a:extLst>
               <a:ext uri="{FF2B5EF4-FFF2-40B4-BE49-F238E27FC236}">
                 <a16:creationId xmlns:a16="http://schemas.microsoft.com/office/drawing/2014/main" id="{37807A88-01B2-4503-A548-AE6A922AFA21}"/>
@@ -10157,7 +11215,7 @@
       </p:sp>
       <p:sp>
         <p:nvSpPr>
-          <p:cNvPr id="87" name="CaixaDeTexto 86">
+          <p:cNvPr id="145" name="CaixaDeTexto 144">
             <a:extLst>
               <a:ext uri="{FF2B5EF4-FFF2-40B4-BE49-F238E27FC236}">
                 <a16:creationId xmlns:a16="http://schemas.microsoft.com/office/drawing/2014/main" id="{1A854D6A-DC85-4D02-9818-B80C2C5DA018}"/>
@@ -10203,7 +11261,7 @@
       </p:sp>
       <p:sp>
         <p:nvSpPr>
-          <p:cNvPr id="88" name="CaixaDeTexto 87">
+          <p:cNvPr id="146" name="CaixaDeTexto 145">
             <a:extLst>
               <a:ext uri="{FF2B5EF4-FFF2-40B4-BE49-F238E27FC236}">
                 <a16:creationId xmlns:a16="http://schemas.microsoft.com/office/drawing/2014/main" id="{B8B34107-D7F1-42F4-B391-AB448795F7FD}"/>
@@ -10269,6 +11327,13 @@
       </p:transition>
     </mc:Fallback>
   </mc:AlternateContent>
+  <p:timing>
+    <p:tnLst>
+      <p:par>
+        <p:cTn id="1" dur="indefinite" restart="never" nodeType="tmRoot"/>
+      </p:par>
+    </p:tnLst>
+  </p:timing>
 </p:sld>
 </file>
 
@@ -10387,6 +11452,13 @@
       </p:transition>
     </mc:Fallback>
   </mc:AlternateContent>
+  <p:timing>
+    <p:tnLst>
+      <p:par>
+        <p:cTn id="1" dur="indefinite" restart="never" nodeType="tmRoot"/>
+      </p:par>
+    </p:tnLst>
+  </p:timing>
 </p:sld>
 </file>
 
@@ -10847,6 +11919,13 @@
       </p:transition>
     </mc:Fallback>
   </mc:AlternateContent>
+  <p:timing>
+    <p:tnLst>
+      <p:par>
+        <p:cTn id="1" dur="indefinite" restart="never" nodeType="tmRoot"/>
+      </p:par>
+    </p:tnLst>
+  </p:timing>
 </p:sld>
 </file>
 
@@ -10884,7 +11963,7 @@
         <p:spPr>
           <a:xfrm>
             <a:off x="8071925" y="2034998"/>
-            <a:ext cx="8782050" cy="4202430"/>
+            <a:ext cx="8782050" cy="5155257"/>
           </a:xfrm>
           <a:prstGeom prst="rect">
             <a:avLst/>
@@ -10896,20 +11975,323 @@
           </a:bodyPr>
           <a:lstStyle/>
           <a:p>
-            <a:pPr algn="just">
+            <a:pPr>
               <a:lnSpc>
                 <a:spcPts val="6719"/>
               </a:lnSpc>
             </a:pPr>
             <a:r>
-              <a:rPr lang="en-US" sz="4800">
+              <a:rPr lang="en-US" sz="4800" dirty="0" err="1" smtClean="0">
                 <a:solidFill>
                   <a:srgbClr val="000000"/>
                 </a:solidFill>
                 <a:latin typeface="Open Sans Light"/>
               </a:rPr>
-              <a:t>"It is a long established fact that a reader will be distracted by the readable content of a page when looking at its layout. The point of using."</a:t>
-            </a:r>
+              <a:t>Agradecemos</a:t>
+            </a:r>
+            <a:r>
+              <a:rPr lang="en-US" sz="4800" dirty="0" smtClean="0">
+                <a:solidFill>
+                  <a:srgbClr val="000000"/>
+                </a:solidFill>
+                <a:latin typeface="Open Sans Light"/>
+              </a:rPr>
+              <a:t> </a:t>
+            </a:r>
+            <a:r>
+              <a:rPr lang="en-US" sz="4800" dirty="0" err="1" smtClean="0">
+                <a:solidFill>
+                  <a:srgbClr val="000000"/>
+                </a:solidFill>
+                <a:latin typeface="Open Sans Light"/>
+              </a:rPr>
+              <a:t>aos</a:t>
+            </a:r>
+            <a:r>
+              <a:rPr lang="en-US" sz="4800" dirty="0" smtClean="0">
+                <a:solidFill>
+                  <a:srgbClr val="000000"/>
+                </a:solidFill>
+                <a:latin typeface="Open Sans Light"/>
+              </a:rPr>
+              <a:t> </a:t>
+            </a:r>
+            <a:r>
+              <a:rPr lang="en-US" sz="4800" dirty="0" err="1" smtClean="0">
+                <a:solidFill>
+                  <a:srgbClr val="000000"/>
+                </a:solidFill>
+                <a:latin typeface="Open Sans Light"/>
+              </a:rPr>
+              <a:t>nossos</a:t>
+            </a:r>
+            <a:r>
+              <a:rPr lang="en-US" sz="4800" dirty="0" smtClean="0">
+                <a:solidFill>
+                  <a:srgbClr val="000000"/>
+                </a:solidFill>
+                <a:latin typeface="Open Sans Light"/>
+              </a:rPr>
+              <a:t> amigos e </a:t>
+            </a:r>
+            <a:r>
+              <a:rPr lang="en-US" sz="4800" dirty="0" err="1" smtClean="0">
+                <a:solidFill>
+                  <a:srgbClr val="000000"/>
+                </a:solidFill>
+                <a:latin typeface="Open Sans Light"/>
+              </a:rPr>
+              <a:t>familiares</a:t>
+            </a:r>
+            <a:r>
+              <a:rPr lang="en-US" sz="4800" dirty="0" smtClean="0">
+                <a:solidFill>
+                  <a:srgbClr val="000000"/>
+                </a:solidFill>
+                <a:latin typeface="Open Sans Light"/>
+              </a:rPr>
+              <a:t> </a:t>
+            </a:r>
+            <a:r>
+              <a:rPr lang="en-US" sz="4800" dirty="0" err="1" smtClean="0">
+                <a:solidFill>
+                  <a:srgbClr val="000000"/>
+                </a:solidFill>
+                <a:latin typeface="Open Sans Light"/>
+              </a:rPr>
+              <a:t>por</a:t>
+            </a:r>
+            <a:r>
+              <a:rPr lang="en-US" sz="4800" dirty="0" smtClean="0">
+                <a:solidFill>
+                  <a:srgbClr val="000000"/>
+                </a:solidFill>
+                <a:latin typeface="Open Sans Light"/>
+              </a:rPr>
+              <a:t> </a:t>
+            </a:r>
+            <a:r>
+              <a:rPr lang="en-US" sz="4800" dirty="0" err="1" smtClean="0">
+                <a:solidFill>
+                  <a:srgbClr val="000000"/>
+                </a:solidFill>
+                <a:latin typeface="Open Sans Light"/>
+              </a:rPr>
+              <a:t>toda</a:t>
+            </a:r>
+            <a:r>
+              <a:rPr lang="en-US" sz="4800" dirty="0" smtClean="0">
+                <a:solidFill>
+                  <a:srgbClr val="000000"/>
+                </a:solidFill>
+                <a:latin typeface="Open Sans Light"/>
+              </a:rPr>
+              <a:t> </a:t>
+            </a:r>
+            <a:r>
+              <a:rPr lang="en-US" sz="4800" dirty="0" err="1" smtClean="0">
+                <a:solidFill>
+                  <a:srgbClr val="000000"/>
+                </a:solidFill>
+                <a:latin typeface="Open Sans Light"/>
+              </a:rPr>
+              <a:t>ajuda</a:t>
+            </a:r>
+            <a:r>
+              <a:rPr lang="en-US" sz="4800" dirty="0" smtClean="0">
+                <a:solidFill>
+                  <a:srgbClr val="000000"/>
+                </a:solidFill>
+                <a:latin typeface="Open Sans Light"/>
+              </a:rPr>
+              <a:t> e </a:t>
+            </a:r>
+            <a:r>
+              <a:rPr lang="en-US" sz="4800" dirty="0" err="1" smtClean="0">
+                <a:solidFill>
+                  <a:srgbClr val="000000"/>
+                </a:solidFill>
+                <a:latin typeface="Open Sans Light"/>
+              </a:rPr>
+              <a:t>apoio</a:t>
+            </a:r>
+            <a:r>
+              <a:rPr lang="en-US" sz="4800" dirty="0" smtClean="0">
+                <a:solidFill>
+                  <a:srgbClr val="000000"/>
+                </a:solidFill>
+                <a:latin typeface="Open Sans Light"/>
+              </a:rPr>
+              <a:t> e </a:t>
+            </a:r>
+            <a:r>
+              <a:rPr lang="en-US" sz="4800" dirty="0" err="1" smtClean="0">
+                <a:solidFill>
+                  <a:srgbClr val="000000"/>
+                </a:solidFill>
+                <a:latin typeface="Open Sans Light"/>
+              </a:rPr>
+              <a:t>também</a:t>
+            </a:r>
+            <a:r>
+              <a:rPr lang="en-US" sz="4800" dirty="0" smtClean="0">
+                <a:solidFill>
+                  <a:srgbClr val="000000"/>
+                </a:solidFill>
+                <a:latin typeface="Open Sans Light"/>
+              </a:rPr>
+              <a:t> a </a:t>
+            </a:r>
+            <a:r>
+              <a:rPr lang="en-US" sz="4800" dirty="0" err="1" smtClean="0">
+                <a:solidFill>
+                  <a:srgbClr val="000000"/>
+                </a:solidFill>
+                <a:latin typeface="Open Sans Light"/>
+              </a:rPr>
+              <a:t>todos</a:t>
+            </a:r>
+            <a:r>
+              <a:rPr lang="en-US" sz="4800" dirty="0" smtClean="0">
+                <a:solidFill>
+                  <a:srgbClr val="000000"/>
+                </a:solidFill>
+                <a:latin typeface="Open Sans Light"/>
+              </a:rPr>
+              <a:t> </a:t>
+            </a:r>
+            <a:r>
+              <a:rPr lang="en-US" sz="4800" dirty="0" err="1" smtClean="0">
+                <a:solidFill>
+                  <a:srgbClr val="000000"/>
+                </a:solidFill>
+                <a:latin typeface="Open Sans Light"/>
+              </a:rPr>
+              <a:t>nossos</a:t>
+            </a:r>
+            <a:r>
+              <a:rPr lang="en-US" sz="4800" dirty="0" smtClean="0">
+                <a:solidFill>
+                  <a:srgbClr val="000000"/>
+                </a:solidFill>
+                <a:latin typeface="Open Sans Light"/>
+              </a:rPr>
+              <a:t> professors </a:t>
+            </a:r>
+            <a:r>
+              <a:rPr lang="en-US" sz="4800" dirty="0" err="1" smtClean="0">
+                <a:solidFill>
+                  <a:srgbClr val="000000"/>
+                </a:solidFill>
+                <a:latin typeface="Open Sans Light"/>
+              </a:rPr>
+              <a:t>pelas</a:t>
+            </a:r>
+            <a:r>
+              <a:rPr lang="en-US" sz="4800" dirty="0" smtClean="0">
+                <a:solidFill>
+                  <a:srgbClr val="000000"/>
+                </a:solidFill>
+                <a:latin typeface="Open Sans Light"/>
+              </a:rPr>
+              <a:t> </a:t>
+            </a:r>
+            <a:r>
+              <a:rPr lang="en-US" sz="4800" dirty="0" err="1" smtClean="0">
+                <a:solidFill>
+                  <a:srgbClr val="000000"/>
+                </a:solidFill>
+                <a:latin typeface="Open Sans Light"/>
+              </a:rPr>
+              <a:t>instruções</a:t>
+            </a:r>
+            <a:r>
+              <a:rPr lang="en-US" sz="4800" dirty="0" smtClean="0">
+                <a:solidFill>
+                  <a:srgbClr val="000000"/>
+                </a:solidFill>
+                <a:latin typeface="Open Sans Light"/>
+              </a:rPr>
+              <a:t> e </a:t>
+            </a:r>
+            <a:r>
+              <a:rPr lang="en-US" sz="4800" dirty="0" err="1" smtClean="0">
+                <a:solidFill>
+                  <a:srgbClr val="000000"/>
+                </a:solidFill>
+                <a:latin typeface="Open Sans Light"/>
+              </a:rPr>
+              <a:t>direcionamentos</a:t>
+            </a:r>
+            <a:r>
+              <a:rPr lang="en-US" sz="4800" dirty="0" smtClean="0">
+                <a:solidFill>
+                  <a:srgbClr val="000000"/>
+                </a:solidFill>
+                <a:latin typeface="Open Sans Light"/>
+              </a:rPr>
+              <a:t> </a:t>
+            </a:r>
+            <a:r>
+              <a:rPr lang="en-US" sz="4800" dirty="0" err="1" smtClean="0">
+                <a:solidFill>
+                  <a:srgbClr val="000000"/>
+                </a:solidFill>
+                <a:latin typeface="Open Sans Light"/>
+              </a:rPr>
+              <a:t>em</a:t>
+            </a:r>
+            <a:r>
+              <a:rPr lang="en-US" sz="4800" dirty="0" smtClean="0">
+                <a:solidFill>
+                  <a:srgbClr val="000000"/>
+                </a:solidFill>
+                <a:latin typeface="Open Sans Light"/>
+              </a:rPr>
+              <a:t> </a:t>
+            </a:r>
+            <a:r>
+              <a:rPr lang="en-US" sz="4800" dirty="0" err="1" smtClean="0">
+                <a:solidFill>
+                  <a:srgbClr val="000000"/>
+                </a:solidFill>
+                <a:latin typeface="Open Sans Light"/>
+              </a:rPr>
+              <a:t>nosso</a:t>
+            </a:r>
+            <a:r>
+              <a:rPr lang="en-US" sz="4800" dirty="0" smtClean="0">
+                <a:solidFill>
+                  <a:srgbClr val="000000"/>
+                </a:solidFill>
+                <a:latin typeface="Open Sans Light"/>
+              </a:rPr>
+              <a:t> </a:t>
+            </a:r>
+            <a:r>
+              <a:rPr lang="en-US" sz="4800" dirty="0" err="1" smtClean="0">
+                <a:solidFill>
+                  <a:srgbClr val="000000"/>
+                </a:solidFill>
+                <a:latin typeface="Open Sans Light"/>
+              </a:rPr>
+              <a:t>projeto</a:t>
+            </a:r>
+            <a:r>
+              <a:rPr lang="en-US" sz="4800" dirty="0" smtClean="0">
+                <a:solidFill>
+                  <a:srgbClr val="000000"/>
+                </a:solidFill>
+                <a:latin typeface="Open Sans Light"/>
+              </a:rPr>
+              <a:t>.</a:t>
+            </a:r>
+            <a:endParaRPr lang="en-US" sz="4800" dirty="0">
+              <a:solidFill>
+                <a:srgbClr val="000000"/>
+              </a:solidFill>
+              <a:latin typeface="Open Sans Light"/>
+            </a:endParaRPr>
           </a:p>
         </p:txBody>
       </p:sp>
@@ -11035,6 +12417,13 @@
       </p:transition>
     </mc:Fallback>
   </mc:AlternateContent>
+  <p:timing>
+    <p:tnLst>
+      <p:par>
+        <p:cTn id="1" dur="indefinite" restart="never" nodeType="tmRoot"/>
+      </p:par>
+    </p:tnLst>
+  </p:timing>
 </p:sld>
 </file>
 
@@ -11663,6 +13052,13 @@
       </p:transition>
     </mc:Fallback>
   </mc:AlternateContent>
+  <p:timing>
+    <p:tnLst>
+      <p:par>
+        <p:cTn id="1" dur="indefinite" restart="never" nodeType="tmRoot"/>
+      </p:par>
+    </p:tnLst>
+  </p:timing>
 </p:sld>
 </file>
 
@@ -12389,14 +13785,6 @@
 <file path=ppt/slides/slide5.xml><?xml version="1.0" encoding="utf-8"?>
 <p:sld xmlns:a="http://schemas.openxmlformats.org/drawingml/2006/main" xmlns:r="http://schemas.openxmlformats.org/officeDocument/2006/relationships" xmlns:p="http://schemas.openxmlformats.org/presentationml/2006/main">
   <p:cSld>
-    <p:bg>
-      <p:bgPr>
-        <a:solidFill>
-          <a:srgbClr val="FFFEFB"/>
-        </a:solidFill>
-        <a:effectLst/>
-      </p:bgPr>
-    </p:bg>
     <p:spTree>
       <p:nvGrpSpPr>
         <p:cNvPr id="1" name=""/>
@@ -13242,7 +14630,7 @@
         </p:nvSpPr>
         <p:spPr>
           <a:xfrm>
-            <a:off x="1028700" y="1858823"/>
+            <a:off x="1028700" y="1095077"/>
             <a:ext cx="10262494" cy="1533525"/>
           </a:xfrm>
           <a:prstGeom prst="rect">
@@ -13286,8 +14674,8 @@
         </p:nvSpPr>
         <p:spPr>
           <a:xfrm>
-            <a:off x="1028700" y="3954621"/>
-            <a:ext cx="8782050" cy="4883068"/>
+            <a:off x="1028700" y="3190875"/>
+            <a:ext cx="8782050" cy="4924425"/>
           </a:xfrm>
           <a:prstGeom prst="rect">
             <a:avLst/>
@@ -13299,74 +14687,60 @@
           </a:bodyPr>
           <a:lstStyle/>
           <a:p>
-            <a:pPr algn="just">
+            <a:pPr marL="457200" indent="-457200">
               <a:lnSpc>
                 <a:spcPts val="4759"/>
               </a:lnSpc>
+              <a:buClr>
+                <a:srgbClr val="EF3939"/>
+              </a:buClr>
+              <a:buFont typeface="Wingdings" panose="05000000000000000000" pitchFamily="2" charset="2"/>
+              <a:buChar char="ü"/>
             </a:pPr>
             <a:r>
+              <a:rPr lang="pt-BR" sz="3400" dirty="0" smtClean="0">
+                <a:solidFill>
+                  <a:srgbClr val="000000"/>
+                </a:solidFill>
+                <a:latin typeface="Open Sans Light"/>
+              </a:rPr>
+              <a:t>Monitoramento </a:t>
+            </a:r>
+            <a:r>
               <a:rPr lang="pt-BR" sz="3400" dirty="0">
                 <a:solidFill>
                   <a:srgbClr val="000000"/>
                 </a:solidFill>
                 <a:latin typeface="Open Sans Light"/>
               </a:rPr>
-              <a:t>- Monitoramento de informações de processamento das máquinas;</a:t>
-            </a:r>
-          </a:p>
-          <a:p>
-            <a:pPr algn="just">
+              <a:t>de informações de processamento das </a:t>
+            </a:r>
+            <a:r>
+              <a:rPr lang="pt-BR" sz="3400" dirty="0" smtClean="0">
+                <a:solidFill>
+                  <a:srgbClr val="000000"/>
+                </a:solidFill>
+                <a:latin typeface="Open Sans Light"/>
+              </a:rPr>
+              <a:t>máquinas:</a:t>
+            </a:r>
+            <a:endParaRPr lang="pt-BR" sz="3400" dirty="0">
+              <a:solidFill>
+                <a:srgbClr val="000000"/>
+              </a:solidFill>
+              <a:latin typeface="Open Sans Light"/>
+            </a:endParaRPr>
+          </a:p>
+          <a:p>
+            <a:pPr marL="457200" indent="-457200" algn="just">
               <a:lnSpc>
                 <a:spcPts val="4759"/>
               </a:lnSpc>
-            </a:pPr>
-            <a:r>
-              <a:rPr lang="pt-BR" sz="3400" dirty="0">
-                <a:solidFill>
-                  <a:srgbClr val="000000"/>
-                </a:solidFill>
-                <a:latin typeface="Open Sans Light"/>
-              </a:rPr>
-              <a:t>	- CPU;</a:t>
-            </a:r>
-          </a:p>
-          <a:p>
-            <a:pPr algn="just">
-              <a:lnSpc>
-                <a:spcPts val="4759"/>
-              </a:lnSpc>
-            </a:pPr>
-            <a:r>
-              <a:rPr lang="pt-BR" sz="3400" dirty="0">
-                <a:solidFill>
-                  <a:srgbClr val="000000"/>
-                </a:solidFill>
-                <a:latin typeface="Open Sans Light"/>
-              </a:rPr>
-              <a:t>	- Memória;</a:t>
-            </a:r>
-          </a:p>
-          <a:p>
-            <a:pPr algn="just">
-              <a:lnSpc>
-                <a:spcPts val="4759"/>
-              </a:lnSpc>
-            </a:pPr>
-            <a:r>
-              <a:rPr lang="pt-BR" sz="3400" dirty="0">
-                <a:solidFill>
-                  <a:srgbClr val="000000"/>
-                </a:solidFill>
-                <a:latin typeface="Open Sans Light"/>
-              </a:rPr>
-              <a:t>	- Disco.</a:t>
-            </a:r>
-          </a:p>
-          <a:p>
-            <a:pPr algn="just">
-              <a:lnSpc>
-                <a:spcPts val="4759"/>
-              </a:lnSpc>
+              <a:buClr>
+                <a:srgbClr val="EF3939"/>
+              </a:buClr>
+              <a:buFont typeface="Wingdings" panose="05000000000000000000" pitchFamily="2" charset="2"/>
+              <a:buChar char="ü"/>
             </a:pPr>
             <a:endParaRPr lang="pt-BR" sz="3400" dirty="0">
               <a:solidFill>
@@ -13376,11 +14750,79 @@
             </a:endParaRPr>
           </a:p>
           <a:p>
-            <a:pPr algn="just">
+            <a:pPr marL="457200" indent="-457200" algn="just">
               <a:lnSpc>
                 <a:spcPts val="4759"/>
               </a:lnSpc>
+              <a:buClr>
+                <a:srgbClr val="EF3939"/>
+              </a:buClr>
+              <a:buFont typeface="Wingdings" panose="05000000000000000000" pitchFamily="2" charset="2"/>
+              <a:buChar char="ü"/>
             </a:pPr>
+            <a:endParaRPr lang="pt-BR" sz="3400" dirty="0">
+              <a:solidFill>
+                <a:srgbClr val="000000"/>
+              </a:solidFill>
+              <a:latin typeface="Open Sans Light"/>
+            </a:endParaRPr>
+          </a:p>
+          <a:p>
+            <a:pPr marL="457200" indent="-457200" algn="just">
+              <a:lnSpc>
+                <a:spcPts val="4759"/>
+              </a:lnSpc>
+              <a:buClr>
+                <a:srgbClr val="EF3939"/>
+              </a:buClr>
+              <a:buFont typeface="Wingdings" panose="05000000000000000000" pitchFamily="2" charset="2"/>
+              <a:buChar char="ü"/>
+            </a:pPr>
+            <a:endParaRPr lang="pt-BR" sz="3400" dirty="0" smtClean="0">
+              <a:solidFill>
+                <a:srgbClr val="000000"/>
+              </a:solidFill>
+              <a:latin typeface="Open Sans Light"/>
+            </a:endParaRPr>
+          </a:p>
+          <a:p>
+            <a:pPr marL="457200" indent="-457200" algn="just">
+              <a:lnSpc>
+                <a:spcPts val="4759"/>
+              </a:lnSpc>
+              <a:buClr>
+                <a:srgbClr val="EF3939"/>
+              </a:buClr>
+              <a:buFont typeface="Wingdings" panose="05000000000000000000" pitchFamily="2" charset="2"/>
+              <a:buChar char="ü"/>
+            </a:pPr>
+            <a:endParaRPr lang="pt-BR" sz="3400" dirty="0">
+              <a:solidFill>
+                <a:srgbClr val="000000"/>
+              </a:solidFill>
+              <a:latin typeface="Open Sans Light"/>
+            </a:endParaRPr>
+          </a:p>
+          <a:p>
+            <a:pPr marL="457200" indent="-457200">
+              <a:lnSpc>
+                <a:spcPts val="4759"/>
+              </a:lnSpc>
+              <a:buClr>
+                <a:srgbClr val="EF3939"/>
+              </a:buClr>
+              <a:buFont typeface="Wingdings" panose="05000000000000000000" pitchFamily="2" charset="2"/>
+              <a:buChar char="ü"/>
+            </a:pPr>
+            <a:r>
+              <a:rPr lang="pt-BR" sz="3400" dirty="0" smtClean="0">
+                <a:solidFill>
+                  <a:srgbClr val="000000"/>
+                </a:solidFill>
+                <a:latin typeface="Open Sans Light"/>
+              </a:rPr>
+              <a:t>Monitoramento </a:t>
+            </a:r>
             <a:r>
               <a:rPr lang="pt-BR" sz="3400" dirty="0">
                 <a:solidFill>
@@ -13388,7 +14830,7 @@
                 </a:solidFill>
                 <a:latin typeface="Open Sans Light"/>
               </a:rPr>
-              <a:t>- Monitoramento da rede que as máquinas estão conectadas.</a:t>
+              <a:t>da rede que as máquinas estão conectadas.</a:t>
             </a:r>
             <a:endParaRPr lang="en-US" sz="3400" dirty="0">
               <a:solidFill>
@@ -13429,7 +14871,112 @@
           </a:prstGeom>
         </p:spPr>
       </p:pic>
+      <p:sp>
+        <p:nvSpPr>
+          <p:cNvPr id="17" name="Retângulo 16"/>
+          <p:cNvSpPr/>
+          <p:nvPr/>
+        </p:nvSpPr>
+        <p:spPr>
+          <a:xfrm>
+            <a:off x="1447800" y="4549786"/>
+            <a:ext cx="2759228" cy="1938992"/>
+          </a:xfrm>
+          <a:prstGeom prst="rect">
+            <a:avLst/>
+          </a:prstGeom>
+        </p:spPr>
+        <p:txBody>
+          <a:bodyPr wrap="square">
+            <a:spAutoFit/>
+          </a:bodyPr>
+          <a:lstStyle/>
+          <a:p>
+            <a:pPr marL="457200" indent="-457200" algn="just">
+              <a:lnSpc>
+                <a:spcPts val="4759"/>
+              </a:lnSpc>
+              <a:buClr>
+                <a:srgbClr val="F13B3B"/>
+              </a:buClr>
+              <a:buFont typeface="Arial" panose="020B0604020202020204" pitchFamily="34" charset="0"/>
+              <a:buChar char="•"/>
+            </a:pPr>
+            <a:r>
+              <a:rPr lang="pt-BR" sz="3400" dirty="0" smtClean="0">
+                <a:solidFill>
+                  <a:srgbClr val="000000"/>
+                </a:solidFill>
+                <a:latin typeface="Open Sans Light"/>
+              </a:rPr>
+              <a:t>CPU;</a:t>
+            </a:r>
+          </a:p>
+          <a:p>
+            <a:pPr marL="457200" indent="-457200" algn="just">
+              <a:lnSpc>
+                <a:spcPts val="4759"/>
+              </a:lnSpc>
+              <a:buClr>
+                <a:srgbClr val="F13B3B"/>
+              </a:buClr>
+              <a:buFont typeface="Arial" panose="020B0604020202020204" pitchFamily="34" charset="0"/>
+              <a:buChar char="•"/>
+            </a:pPr>
+            <a:r>
+              <a:rPr lang="pt-BR" sz="3400" dirty="0" smtClean="0">
+                <a:solidFill>
+                  <a:srgbClr val="000000"/>
+                </a:solidFill>
+                <a:latin typeface="Open Sans Light"/>
+              </a:rPr>
+              <a:t>Memória;</a:t>
+            </a:r>
+          </a:p>
+          <a:p>
+            <a:pPr marL="457200" indent="-457200" algn="just">
+              <a:lnSpc>
+                <a:spcPts val="4759"/>
+              </a:lnSpc>
+              <a:buClr>
+                <a:srgbClr val="F13B3B"/>
+              </a:buClr>
+              <a:buFont typeface="Arial" panose="020B0604020202020204" pitchFamily="34" charset="0"/>
+              <a:buChar char="•"/>
+            </a:pPr>
+            <a:r>
+              <a:rPr lang="pt-BR" sz="3400" dirty="0" smtClean="0">
+                <a:solidFill>
+                  <a:srgbClr val="000000"/>
+                </a:solidFill>
+                <a:latin typeface="Open Sans Light"/>
+              </a:rPr>
+              <a:t>Disco</a:t>
+            </a:r>
+            <a:r>
+              <a:rPr lang="pt-BR" dirty="0" smtClean="0">
+                <a:solidFill>
+                  <a:srgbClr val="000000"/>
+                </a:solidFill>
+                <a:latin typeface="Open Sans Light"/>
+              </a:rPr>
+              <a:t>.;</a:t>
+            </a:r>
+            <a:endParaRPr lang="pt-BR" dirty="0">
+              <a:solidFill>
+                <a:srgbClr val="000000"/>
+              </a:solidFill>
+              <a:latin typeface="Open Sans Light"/>
+            </a:endParaRPr>
+          </a:p>
+        </p:txBody>
+      </p:sp>
     </p:spTree>
+    <p:extLst>
+      <p:ext uri="{BB962C8B-B14F-4D97-AF65-F5344CB8AC3E}">
+        <p14:creationId xmlns:p14="http://schemas.microsoft.com/office/powerpoint/2010/main" val="3627867972"/>
+      </p:ext>
+    </p:extLst>
   </p:cSld>
   <p:clrMapOvr>
     <a:masterClrMapping/>
@@ -13548,6 +15095,41 @@
                                   </p:childTnLst>
                                 </p:cTn>
                               </p:par>
+                              <p:par>
+                                <p:cTn id="12" presetID="10" presetClass="entr" presetSubtype="0" fill="hold" grpId="0" nodeType="withEffect">
+                                  <p:stCondLst>
+                                    <p:cond delay="0"/>
+                                  </p:stCondLst>
+                                  <p:childTnLst>
+                                    <p:set>
+                                      <p:cBhvr>
+                                        <p:cTn id="13" dur="1" fill="hold">
+                                          <p:stCondLst>
+                                            <p:cond delay="0"/>
+                                          </p:stCondLst>
+                                        </p:cTn>
+                                        <p:tgtEl>
+                                          <p:spTgt spid="17"/>
+                                        </p:tgtEl>
+                                        <p:attrNameLst>
+                                          <p:attrName>style.visibility</p:attrName>
+                                        </p:attrNameLst>
+                                      </p:cBhvr>
+                                      <p:to>
+                                        <p:strVal val="visible"/>
+                                      </p:to>
+                                    </p:set>
+                                    <p:animEffect transition="in" filter="fade">
+                                      <p:cBhvr>
+                                        <p:cTn id="14" dur="500"/>
+                                        <p:tgtEl>
+                                          <p:spTgt spid="17"/>
+                                        </p:tgtEl>
+                                      </p:cBhvr>
+                                    </p:animEffect>
+                                  </p:childTnLst>
+                                </p:cTn>
+                              </p:par>
                             </p:childTnLst>
                           </p:cTn>
                         </p:par>
@@ -13578,6 +15160,7 @@
     <p:bldLst>
       <p:bldP spid="19" grpId="0"/>
       <p:bldP spid="20" grpId="0"/>
+      <p:bldP spid="17" grpId="0"/>
     </p:bldLst>
   </p:timing>
 </p:sld>
@@ -13586,14 +15169,6 @@
 <file path=ppt/slides/slide6.xml><?xml version="1.0" encoding="utf-8"?>
 <p:sld xmlns:a="http://schemas.openxmlformats.org/drawingml/2006/main" xmlns:r="http://schemas.openxmlformats.org/officeDocument/2006/relationships" xmlns:p="http://schemas.openxmlformats.org/presentationml/2006/main">
   <p:cSld>
-    <p:bg>
-      <p:bgPr>
-        <a:solidFill>
-          <a:srgbClr val="FFFEFB"/>
-        </a:solidFill>
-        <a:effectLst/>
-      </p:bgPr>
-    </p:bg>
     <p:spTree>
       <p:nvGrpSpPr>
         <p:cNvPr id="1" name=""/>
@@ -13616,7 +15191,7 @@
         </p:nvSpPr>
         <p:spPr>
           <a:xfrm>
-            <a:off x="1028700" y="866775"/>
+            <a:off x="1066800" y="398175"/>
             <a:ext cx="10262494" cy="1533525"/>
           </a:xfrm>
           <a:prstGeom prst="rect">
@@ -13703,7 +15278,7 @@
         </p:blipFill>
         <p:spPr>
           <a:xfrm rot="16200000">
-            <a:off x="5452786" y="-2366686"/>
+            <a:off x="5528985" y="-2586317"/>
             <a:ext cx="7534831" cy="17068801"/>
           </a:xfrm>
           <a:prstGeom prst="rect">
@@ -13714,7 +15289,7 @@
     </p:spTree>
     <p:extLst>
       <p:ext uri="{BB962C8B-B14F-4D97-AF65-F5344CB8AC3E}">
-        <p14:creationId xmlns:p14="http://schemas.microsoft.com/office/powerpoint/2010/main" val="3263183176"/>
+        <p14:creationId xmlns:p14="http://schemas.microsoft.com/office/powerpoint/2010/main" val="3828754477"/>
       </p:ext>
     </p:extLst>
   </p:cSld>
@@ -13733,6 +15308,13 @@
       </p:transition>
     </mc:Fallback>
   </mc:AlternateContent>
+  <p:timing>
+    <p:tnLst>
+      <p:par>
+        <p:cTn id="1" dur="indefinite" restart="never" nodeType="tmRoot"/>
+      </p:par>
+    </p:tnLst>
+  </p:timing>
 </p:sld>
 </file>
 
@@ -13778,7 +15360,7 @@
         </p:blipFill>
         <p:spPr>
           <a:xfrm rot="-8243024">
-            <a:off x="2583068" y="-5804723"/>
+            <a:off x="2628860" y="-5723760"/>
             <a:ext cx="21734520" cy="21734520"/>
           </a:xfrm>
           <a:prstGeom prst="rect">
@@ -13795,9 +15377,9 @@
         <p:grpSpPr>
           <a:xfrm>
             <a:off x="9835409" y="2897248"/>
-            <a:ext cx="5914307" cy="1993668"/>
+            <a:ext cx="5878021" cy="1993668"/>
             <a:chOff x="0" y="0"/>
-            <a:chExt cx="7885743" cy="2658225"/>
+            <a:chExt cx="7837362" cy="2658225"/>
           </a:xfrm>
         </p:grpSpPr>
         <p:grpSp>
@@ -13877,8 +15459,8 @@
           </p:nvSpPr>
           <p:spPr>
             <a:xfrm>
-              <a:off x="3623829" y="327171"/>
-              <a:ext cx="4261914" cy="2003883"/>
+              <a:off x="3575448" y="846115"/>
+              <a:ext cx="4261914" cy="960863"/>
             </a:xfrm>
             <a:prstGeom prst="rect">
               <a:avLst/>
@@ -13896,31 +15478,13 @@
                 </a:lnSpc>
               </a:pPr>
               <a:r>
-                <a:rPr lang="en-US" sz="4046" spc="40" dirty="0" err="1">
+                <a:rPr lang="en-US" sz="4046" spc="40" dirty="0" err="1" smtClean="0">
                   <a:solidFill>
                     <a:srgbClr val="393667"/>
                   </a:solidFill>
                   <a:latin typeface="Open Sans 2"/>
                 </a:rPr>
-                <a:t>Histórico</a:t>
-              </a:r>
-              <a:r>
-                <a:rPr lang="en-US" sz="4046" spc="40" dirty="0">
-                  <a:solidFill>
-                    <a:srgbClr val="393667"/>
-                  </a:solidFill>
-                  <a:latin typeface="Open Sans 2"/>
-                </a:rPr>
-                <a:t> de </a:t>
-              </a:r>
-              <a:r>
-                <a:rPr lang="en-US" sz="4046" spc="40" dirty="0" err="1">
-                  <a:solidFill>
-                    <a:srgbClr val="393667"/>
-                  </a:solidFill>
-                  <a:latin typeface="Open Sans 2"/>
-                </a:rPr>
-                <a:t>incidentes</a:t>
+                <a:t>Relatórios</a:t>
               </a:r>
               <a:endParaRPr lang="en-US" sz="4046" spc="40" dirty="0">
                 <a:solidFill>
@@ -13941,7 +15505,7 @@
         <p:grpSpPr>
           <a:xfrm>
             <a:off x="9835409" y="368225"/>
-            <a:ext cx="5878021" cy="1993668"/>
+            <a:ext cx="5878022" cy="1993668"/>
             <a:chOff x="0" y="0"/>
             <a:chExt cx="7837363" cy="2658225"/>
           </a:xfrm>
@@ -13955,7 +15519,7 @@
           <p:grpSpPr>
             <a:xfrm>
               <a:off x="0" y="0"/>
-              <a:ext cx="2658226" cy="2658225"/>
+              <a:ext cx="2658225" cy="2658225"/>
               <a:chOff x="0" y="0"/>
               <a:chExt cx="6350000" cy="6350000"/>
             </a:xfrm>
@@ -14023,15 +15587,15 @@
           </p:nvSpPr>
           <p:spPr>
             <a:xfrm>
-              <a:off x="3575449" y="327171"/>
-              <a:ext cx="4261914" cy="2003883"/>
+              <a:off x="3575449" y="286091"/>
+              <a:ext cx="4261914" cy="2086042"/>
             </a:xfrm>
             <a:prstGeom prst="rect">
               <a:avLst/>
             </a:prstGeom>
           </p:spPr>
           <p:txBody>
-            <a:bodyPr wrap="square" lIns="0" tIns="0" rIns="0" bIns="0" rtlCol="0" anchor="t">
+            <a:bodyPr lIns="0" tIns="0" rIns="0" bIns="0" rtlCol="0" anchor="t">
               <a:spAutoFit/>
             </a:bodyPr>
             <a:lstStyle/>
@@ -14042,7 +15606,7 @@
                 </a:lnSpc>
               </a:pPr>
               <a:r>
-                <a:rPr lang="en-US" sz="4046" spc="40" dirty="0" err="1">
+                <a:rPr lang="en-US" sz="4046" spc="40" dirty="0" err="1" smtClean="0">
                   <a:solidFill>
                     <a:srgbClr val="393667"/>
                   </a:solidFill>
@@ -14051,7 +15615,7 @@
                 <a:t>Rapidez</a:t>
               </a:r>
               <a:r>
-                <a:rPr lang="en-US" sz="4046" spc="40" dirty="0">
+                <a:rPr lang="en-US" sz="4046" spc="40" dirty="0" smtClean="0">
                   <a:solidFill>
                     <a:srgbClr val="393667"/>
                   </a:solidFill>
@@ -14060,7 +15624,7 @@
                 <a:t> e </a:t>
               </a:r>
               <a:r>
-                <a:rPr lang="en-US" sz="4046" spc="40" dirty="0" err="1">
+                <a:rPr lang="en-US" sz="4046" spc="40" dirty="0" err="1" smtClean="0">
                   <a:solidFill>
                     <a:srgbClr val="393667"/>
                   </a:solidFill>
@@ -14087,9 +15651,9 @@
         <p:grpSpPr>
           <a:xfrm>
             <a:off x="9835409" y="7925107"/>
-            <a:ext cx="6166590" cy="1993668"/>
+            <a:ext cx="6318991" cy="1993668"/>
             <a:chOff x="0" y="0"/>
-            <a:chExt cx="8222121" cy="2658225"/>
+            <a:chExt cx="8425322" cy="2658225"/>
           </a:xfrm>
         </p:grpSpPr>
         <p:grpSp>
@@ -14169,8 +15733,8 @@
           </p:nvSpPr>
           <p:spPr>
             <a:xfrm>
-              <a:off x="3575448" y="804206"/>
-              <a:ext cx="4646673" cy="960863"/>
+              <a:off x="3575448" y="807602"/>
+              <a:ext cx="4849874" cy="1043020"/>
             </a:xfrm>
             <a:prstGeom prst="rect">
               <a:avLst/>
@@ -14188,7 +15752,7 @@
                 </a:lnSpc>
               </a:pPr>
               <a:r>
-                <a:rPr lang="en-US" sz="4046" spc="40" dirty="0" err="1">
+                <a:rPr lang="en-US" sz="4046" spc="40" dirty="0" err="1" smtClean="0">
                   <a:solidFill>
                     <a:srgbClr val="393667"/>
                   </a:solidFill>
@@ -14239,7 +15803,7 @@
                 </a:solidFill>
                 <a:latin typeface="Open Sans 1 Bold"/>
               </a:rPr>
-              <a:t>Benefícios</a:t>
+              <a:t>Vantagens</a:t>
             </a:r>
             <a:endParaRPr lang="en-US" sz="9000" dirty="0">
               <a:solidFill>
@@ -14259,9 +15823,9 @@
         <p:grpSpPr>
           <a:xfrm>
             <a:off x="9835409" y="5396084"/>
-            <a:ext cx="5878022" cy="1993668"/>
+            <a:ext cx="5878021" cy="1993667"/>
             <a:chOff x="0" y="0"/>
-            <a:chExt cx="7837363" cy="2658225"/>
+            <a:chExt cx="7837362" cy="2658225"/>
           </a:xfrm>
         </p:grpSpPr>
         <p:grpSp>
@@ -14341,8 +15905,8 @@
           </p:nvSpPr>
           <p:spPr>
             <a:xfrm>
-              <a:off x="3575449" y="804206"/>
-              <a:ext cx="4261914" cy="960863"/>
+              <a:off x="3575448" y="326340"/>
+              <a:ext cx="4261914" cy="2003884"/>
             </a:xfrm>
             <a:prstGeom prst="rect">
               <a:avLst/>
@@ -14366,7 +15930,25 @@
                   </a:solidFill>
                   <a:latin typeface="Open Sans 2"/>
                 </a:rPr>
-                <a:t>Relatórios</a:t>
+                <a:t>Histórico</a:t>
+              </a:r>
+              <a:r>
+                <a:rPr lang="en-US" sz="4046" spc="40" dirty="0">
+                  <a:solidFill>
+                    <a:srgbClr val="393667"/>
+                  </a:solidFill>
+                  <a:latin typeface="Open Sans 2"/>
+                </a:rPr>
+                <a:t> de </a:t>
+              </a:r>
+              <a:r>
+                <a:rPr lang="en-US" sz="4046" spc="40" dirty="0" err="1" smtClean="0">
+                  <a:solidFill>
+                    <a:srgbClr val="393667"/>
+                  </a:solidFill>
+                  <a:latin typeface="Open Sans 2"/>
+                </a:rPr>
+                <a:t>incidentes</a:t>
               </a:r>
               <a:endParaRPr lang="en-US" sz="4046" spc="40" dirty="0">
                 <a:solidFill>
@@ -14402,6 +15984,126 @@
           <a:xfrm>
             <a:off x="17078325" y="266700"/>
             <a:ext cx="883385" cy="1044000"/>
+          </a:xfrm>
+          <a:prstGeom prst="rect">
+            <a:avLst/>
+          </a:prstGeom>
+        </p:spPr>
+      </p:pic>
+      <p:pic>
+        <p:nvPicPr>
+          <p:cNvPr id="21" name="Imagem 20"/>
+          <p:cNvPicPr>
+            <a:picLocks noChangeAspect="1"/>
+          </p:cNvPicPr>
+          <p:nvPr/>
+        </p:nvPicPr>
+        <p:blipFill>
+          <a:blip r:embed="rId4">
+            <a:extLst>
+              <a:ext uri="{28A0092B-C50C-407E-A947-70E740481C1C}">
+                <a14:useLocalDpi xmlns:a14="http://schemas.microsoft.com/office/drawing/2010/main" val="0"/>
+              </a:ext>
+            </a:extLst>
+          </a:blip>
+          <a:stretch>
+            <a:fillRect/>
+          </a:stretch>
+        </p:blipFill>
+        <p:spPr>
+          <a:xfrm>
+            <a:off x="10382173" y="914988"/>
+            <a:ext cx="900140" cy="900140"/>
+          </a:xfrm>
+          <a:prstGeom prst="rect">
+            <a:avLst/>
+          </a:prstGeom>
+        </p:spPr>
+      </p:pic>
+      <p:pic>
+        <p:nvPicPr>
+          <p:cNvPr id="23" name="Imagem 22"/>
+          <p:cNvPicPr>
+            <a:picLocks noChangeAspect="1"/>
+          </p:cNvPicPr>
+          <p:nvPr/>
+        </p:nvPicPr>
+        <p:blipFill>
+          <a:blip r:embed="rId5">
+            <a:extLst>
+              <a:ext uri="{28A0092B-C50C-407E-A947-70E740481C1C}">
+                <a14:useLocalDpi xmlns:a14="http://schemas.microsoft.com/office/drawing/2010/main" val="0"/>
+              </a:ext>
+            </a:extLst>
+          </a:blip>
+          <a:stretch>
+            <a:fillRect/>
+          </a:stretch>
+        </p:blipFill>
+        <p:spPr>
+          <a:xfrm>
+            <a:off x="10428943" y="3451930"/>
+            <a:ext cx="853370" cy="853370"/>
+          </a:xfrm>
+          <a:prstGeom prst="rect">
+            <a:avLst/>
+          </a:prstGeom>
+        </p:spPr>
+      </p:pic>
+      <p:pic>
+        <p:nvPicPr>
+          <p:cNvPr id="25" name="Imagem 24"/>
+          <p:cNvPicPr>
+            <a:picLocks noChangeAspect="1"/>
+          </p:cNvPicPr>
+          <p:nvPr/>
+        </p:nvPicPr>
+        <p:blipFill>
+          <a:blip r:embed="rId6">
+            <a:extLst>
+              <a:ext uri="{28A0092B-C50C-407E-A947-70E740481C1C}">
+                <a14:useLocalDpi xmlns:a14="http://schemas.microsoft.com/office/drawing/2010/main" val="0"/>
+              </a:ext>
+            </a:extLst>
+          </a:blip>
+          <a:stretch>
+            <a:fillRect/>
+          </a:stretch>
+        </p:blipFill>
+        <p:spPr>
+          <a:xfrm>
+            <a:off x="10358696" y="5829300"/>
+            <a:ext cx="993863" cy="993863"/>
+          </a:xfrm>
+          <a:prstGeom prst="rect">
+            <a:avLst/>
+          </a:prstGeom>
+        </p:spPr>
+      </p:pic>
+      <p:pic>
+        <p:nvPicPr>
+          <p:cNvPr id="26" name="Imagem 25"/>
+          <p:cNvPicPr>
+            <a:picLocks noChangeAspect="1"/>
+          </p:cNvPicPr>
+          <p:nvPr/>
+        </p:nvPicPr>
+        <p:blipFill>
+          <a:blip r:embed="rId7">
+            <a:extLst>
+              <a:ext uri="{28A0092B-C50C-407E-A947-70E740481C1C}">
+                <a14:useLocalDpi xmlns:a14="http://schemas.microsoft.com/office/drawing/2010/main" val="0"/>
+              </a:ext>
+            </a:extLst>
+          </a:blip>
+          <a:stretch>
+            <a:fillRect/>
+          </a:stretch>
+        </p:blipFill>
+        <p:spPr>
+          <a:xfrm>
+            <a:off x="10327532" y="8417229"/>
+            <a:ext cx="1009421" cy="1009421"/>
           </a:xfrm>
           <a:prstGeom prst="rect">
             <a:avLst/>
@@ -15831,6 +17533,13 @@
       </p:transition>
     </mc:Fallback>
   </mc:AlternateContent>
+  <p:timing>
+    <p:tnLst>
+      <p:par>
+        <p:cTn id="1" dur="indefinite" restart="never" nodeType="tmRoot"/>
+      </p:par>
+    </p:tnLst>
+  </p:timing>
 </p:sld>
 </file>
 

--- a/Documentação/Pyxis.pptx
+++ b/Documentação/Pyxis.pptx
@@ -7820,7 +7820,7 @@
                 <a:ea typeface="Open Sans 1" panose="020B0604020202020204" charset="0"/>
                 <a:cs typeface="Open Sans 1" panose="020B0604020202020204" charset="0"/>
               </a:rPr>
-              <a:t>Banco de Dados</a:t>
+              <a:t>Banco SQL Server</a:t>
             </a:r>
           </a:p>
         </p:txBody>
@@ -8034,7 +8034,7 @@
         <p:spPr>
           <a:xfrm>
             <a:off x="1075771" y="3794761"/>
-            <a:ext cx="3115229" cy="523220"/>
+            <a:ext cx="3115229" cy="400110"/>
           </a:xfrm>
           <a:prstGeom prst="rect">
             <a:avLst/>
@@ -8049,7 +8049,7 @@
           <a:p>
             <a:pPr algn="ctr"/>
             <a:r>
-              <a:rPr lang="pt-BR" sz="2800" dirty="0">
+              <a:rPr lang="pt-BR" sz="2000" dirty="0">
                 <a:solidFill>
                   <a:schemeClr val="tx1">
                     <a:lumMod val="75000"/>
@@ -8060,8 +8060,19 @@
                 <a:ea typeface="Open Sans 1" panose="020B0604020202020204" charset="0"/>
                 <a:cs typeface="Open Sans 1" panose="020B0604020202020204" charset="0"/>
               </a:rPr>
-              <a:t>Aplicação</a:t>
-            </a:r>
+              <a:t>API de Processamento</a:t>
+            </a:r>
+            <a:endParaRPr lang="pt-BR" sz="2800" dirty="0">
+              <a:solidFill>
+                <a:schemeClr val="tx1">
+                  <a:lumMod val="75000"/>
+                  <a:lumOff val="25000"/>
+                </a:schemeClr>
+              </a:solidFill>
+              <a:latin typeface="Open Sans 1" panose="020B0604020202020204" charset="0"/>
+              <a:ea typeface="Open Sans 1" panose="020B0604020202020204" charset="0"/>
+              <a:cs typeface="Open Sans 1" panose="020B0604020202020204" charset="0"/>
+            </a:endParaRPr>
           </a:p>
         </p:txBody>
       </p:sp>
@@ -8300,7 +8311,7 @@
                 <a:ea typeface="Open Sans 1" panose="020B0604020202020204" charset="0"/>
                 <a:cs typeface="Open Sans 1" panose="020B0604020202020204" charset="0"/>
               </a:rPr>
-              <a:t>Aplicação</a:t>
+              <a:t>API de Rede</a:t>
             </a:r>
           </a:p>
         </p:txBody>
@@ -8514,7 +8525,7 @@
         <p:spPr>
           <a:xfrm>
             <a:off x="1066801" y="5001280"/>
-            <a:ext cx="3124199" cy="523220"/>
+            <a:ext cx="3124199" cy="400110"/>
           </a:xfrm>
           <a:prstGeom prst="rect">
             <a:avLst/>
@@ -8529,7 +8540,7 @@
           <a:p>
             <a:pPr algn="ctr"/>
             <a:r>
-              <a:rPr lang="pt-BR" sz="2800" dirty="0">
+              <a:rPr lang="pt-BR" sz="2000" dirty="0">
                 <a:solidFill>
                   <a:schemeClr val="tx1">
                     <a:lumMod val="75000"/>
@@ -8540,7 +8551,7 @@
                 <a:ea typeface="Open Sans 1" panose="020B0604020202020204" charset="0"/>
                 <a:cs typeface="Open Sans 1" panose="020B0604020202020204" charset="0"/>
               </a:rPr>
-              <a:t>Aplicação</a:t>
+              <a:t>Captura Status Máquina</a:t>
             </a:r>
           </a:p>
         </p:txBody>
@@ -10058,7 +10069,7 @@
                 <a:ea typeface="Open Sans 1" panose="020B0604020202020204" charset="0"/>
                 <a:cs typeface="Open Sans 1" panose="020B0604020202020204" charset="0"/>
               </a:rPr>
-              <a:t>Site</a:t>
+              <a:t>Dashboard</a:t>
             </a:r>
           </a:p>
         </p:txBody>
@@ -10104,7 +10115,7 @@
                 <a:ea typeface="Open Sans 1" panose="020B0604020202020204" charset="0"/>
                 <a:cs typeface="Open Sans 1" panose="020B0604020202020204" charset="0"/>
               </a:rPr>
-              <a:t>Site</a:t>
+              <a:t>Alertas</a:t>
             </a:r>
           </a:p>
         </p:txBody>
@@ -10124,7 +10135,7 @@
         <p:spPr>
           <a:xfrm>
             <a:off x="1066801" y="7439680"/>
-            <a:ext cx="3115229" cy="523220"/>
+            <a:ext cx="3115229" cy="461665"/>
           </a:xfrm>
           <a:prstGeom prst="rect">
             <a:avLst/>
@@ -10139,7 +10150,7 @@
           <a:p>
             <a:pPr algn="ctr"/>
             <a:r>
-              <a:rPr lang="pt-BR" sz="2800" dirty="0">
+              <a:rPr lang="pt-BR" sz="2400" dirty="0">
                 <a:solidFill>
                   <a:schemeClr val="tx1">
                     <a:lumMod val="75000"/>
@@ -10150,8 +10161,19 @@
                 <a:ea typeface="Open Sans 1" panose="020B0604020202020204" charset="0"/>
                 <a:cs typeface="Open Sans 1" panose="020B0604020202020204" charset="0"/>
               </a:rPr>
-              <a:t>Site</a:t>
-            </a:r>
+              <a:t>Relatórios de Horas</a:t>
+            </a:r>
+            <a:endParaRPr lang="pt-BR" sz="2800" dirty="0">
+              <a:solidFill>
+                <a:schemeClr val="tx1">
+                  <a:lumMod val="75000"/>
+                  <a:lumOff val="25000"/>
+                </a:schemeClr>
+              </a:solidFill>
+              <a:latin typeface="Open Sans 1" panose="020B0604020202020204" charset="0"/>
+              <a:ea typeface="Open Sans 1" panose="020B0604020202020204" charset="0"/>
+              <a:cs typeface="Open Sans 1" panose="020B0604020202020204" charset="0"/>
+            </a:endParaRPr>
           </a:p>
         </p:txBody>
       </p:sp>
@@ -10170,7 +10192,7 @@
         <p:spPr>
           <a:xfrm>
             <a:off x="1066801" y="8049280"/>
-            <a:ext cx="3130952" cy="523220"/>
+            <a:ext cx="3130952" cy="400110"/>
           </a:xfrm>
           <a:prstGeom prst="rect">
             <a:avLst/>
@@ -10185,7 +10207,7 @@
           <a:p>
             <a:pPr algn="ctr"/>
             <a:r>
-              <a:rPr lang="pt-BR" sz="2800" dirty="0">
+              <a:rPr lang="pt-BR" sz="2000" dirty="0">
                 <a:solidFill>
                   <a:schemeClr val="tx1">
                     <a:lumMod val="75000"/>
@@ -10196,8 +10218,19 @@
                 <a:ea typeface="Open Sans 1" panose="020B0604020202020204" charset="0"/>
                 <a:cs typeface="Open Sans 1" panose="020B0604020202020204" charset="0"/>
               </a:rPr>
-              <a:t>Site</a:t>
-            </a:r>
+              <a:t>Histórico de Ocorrências</a:t>
+            </a:r>
+            <a:endParaRPr lang="pt-BR" sz="2800" dirty="0">
+              <a:solidFill>
+                <a:schemeClr val="tx1">
+                  <a:lumMod val="75000"/>
+                  <a:lumOff val="25000"/>
+                </a:schemeClr>
+              </a:solidFill>
+              <a:latin typeface="Open Sans 1" panose="020B0604020202020204" charset="0"/>
+              <a:ea typeface="Open Sans 1" panose="020B0604020202020204" charset="0"/>
+              <a:cs typeface="Open Sans 1" panose="020B0604020202020204" charset="0"/>
+            </a:endParaRPr>
           </a:p>
         </p:txBody>
       </p:sp>
@@ -10242,7 +10275,7 @@
                 <a:ea typeface="Open Sans 1" panose="020B0604020202020204" charset="0"/>
                 <a:cs typeface="Open Sans 1" panose="020B0604020202020204" charset="0"/>
               </a:rPr>
-              <a:t>Site</a:t>
+              <a:t>Painel de Reparo</a:t>
             </a:r>
           </a:p>
         </p:txBody>

--- a/Documentação/Pyxis.pptx
+++ b/Documentação/Pyxis.pptx
@@ -7820,7 +7820,7 @@
                 <a:ea typeface="Open Sans 1" panose="020B0604020202020204" charset="0"/>
                 <a:cs typeface="Open Sans 1" panose="020B0604020202020204" charset="0"/>
               </a:rPr>
-              <a:t>Banco SQL Server</a:t>
+              <a:t>Banco Azure</a:t>
             </a:r>
           </a:p>
         </p:txBody>

--- a/Documentação/Pyxis.pptx
+++ b/Documentação/Pyxis.pptx
@@ -5,31 +5,34 @@
     <p:sldMasterId id="2147483648" r:id="rId1"/>
   </p:sldMasterIdLst>
   <p:notesMasterIdLst>
-    <p:notesMasterId r:id="rId20"/>
+    <p:notesMasterId r:id="rId19"/>
   </p:notesMasterIdLst>
   <p:sldIdLst>
-    <p:sldId id="256" r:id="rId2"/>
-    <p:sldId id="257" r:id="rId3"/>
+    <p:sldId id="257" r:id="rId2"/>
+    <p:sldId id="256" r:id="rId3"/>
     <p:sldId id="259" r:id="rId4"/>
     <p:sldId id="260" r:id="rId5"/>
-    <p:sldId id="263" r:id="rId6"/>
+    <p:sldId id="276" r:id="rId6"/>
     <p:sldId id="270" r:id="rId7"/>
     <p:sldId id="262" r:id="rId8"/>
     <p:sldId id="261" r:id="rId9"/>
     <p:sldId id="272" r:id="rId10"/>
     <p:sldId id="273" r:id="rId11"/>
-    <p:sldId id="266" r:id="rId12"/>
-    <p:sldId id="274" r:id="rId13"/>
-    <p:sldId id="267" r:id="rId14"/>
-    <p:sldId id="275" r:id="rId15"/>
-    <p:sldId id="271" r:id="rId16"/>
-    <p:sldId id="265" r:id="rId17"/>
-    <p:sldId id="268" r:id="rId18"/>
-    <p:sldId id="269" r:id="rId19"/>
+    <p:sldId id="274" r:id="rId12"/>
+    <p:sldId id="267" r:id="rId13"/>
+    <p:sldId id="275" r:id="rId14"/>
+    <p:sldId id="271" r:id="rId15"/>
+    <p:sldId id="265" r:id="rId16"/>
+    <p:sldId id="268" r:id="rId17"/>
+    <p:sldId id="269" r:id="rId18"/>
   </p:sldIdLst>
   <p:sldSz cx="18288000" cy="10287000"/>
   <p:notesSz cx="6858000" cy="9144000"/>
   <p:embeddedFontLst>
+    <p:embeddedFont>
+      <p:font typeface="Open Sans 2" panose="020B0604020202020204" charset="0"/>
+      <p:regular r:id="rId20"/>
+    </p:embeddedFont>
     <p:embeddedFont>
       <p:font typeface="Calibri" panose="020F0502020204030204" pitchFamily="34" charset="0"/>
       <p:regular r:id="rId21"/>
@@ -38,20 +41,16 @@
       <p:boldItalic r:id="rId24"/>
     </p:embeddedFont>
     <p:embeddedFont>
-      <p:font typeface="Open Sans 1" panose="020B0604020202020204" charset="0"/>
+      <p:font typeface="Open Sans 1 Bold" panose="020B0604020202020204" charset="0"/>
       <p:regular r:id="rId25"/>
     </p:embeddedFont>
     <p:embeddedFont>
-      <p:font typeface="Open Sans 1 Bold" panose="020B0604020202020204" charset="0"/>
+      <p:font typeface="Open Sans 1" panose="020B0604020202020204" charset="0"/>
       <p:regular r:id="rId26"/>
     </p:embeddedFont>
     <p:embeddedFont>
-      <p:font typeface="Open Sans 2" panose="020B0604020202020204" charset="0"/>
+      <p:font typeface="Open Sans Light" panose="020B0604020202020204" charset="0"/>
       <p:regular r:id="rId27"/>
-    </p:embeddedFont>
-    <p:embeddedFont>
-      <p:font typeface="Open Sans Light" panose="020B0604020202020204" charset="0"/>
-      <p:regular r:id="rId28"/>
     </p:embeddedFont>
   </p:embeddedFontLst>
   <p:defaultTextStyle>
@@ -250,7 +249,7 @@
           <a:p>
             <a:fld id="{25546482-23BF-4BE9-A54E-CFB4513F4A08}" type="datetimeFigureOut">
               <a:rPr lang="pt-BR" smtClean="0"/>
-              <a:t>14/09/2020</a:t>
+              <a:t>15/09/2020</a:t>
             </a:fld>
             <a:endParaRPr lang="pt-BR"/>
           </a:p>
@@ -697,7 +696,7 @@
             <a:fld id="{1D8BD707-D9CF-40AE-B4C6-C98DA3205C09}" type="datetimeFigureOut">
               <a:rPr lang="en-US" smtClean="0"/>
               <a:pPr/>
-              <a:t>9/14/2020</a:t>
+              <a:t>9/15/2020</a:t>
             </a:fld>
             <a:endParaRPr lang="en-US"/>
           </a:p>
@@ -862,7 +861,7 @@
             <a:fld id="{1D8BD707-D9CF-40AE-B4C6-C98DA3205C09}" type="datetimeFigureOut">
               <a:rPr lang="en-US" smtClean="0"/>
               <a:pPr/>
-              <a:t>9/14/2020</a:t>
+              <a:t>9/15/2020</a:t>
             </a:fld>
             <a:endParaRPr lang="en-US"/>
           </a:p>
@@ -1037,7 +1036,7 @@
             <a:fld id="{1D8BD707-D9CF-40AE-B4C6-C98DA3205C09}" type="datetimeFigureOut">
               <a:rPr lang="en-US" smtClean="0"/>
               <a:pPr/>
-              <a:t>9/14/2020</a:t>
+              <a:t>9/15/2020</a:t>
             </a:fld>
             <a:endParaRPr lang="en-US"/>
           </a:p>
@@ -1202,7 +1201,7 @@
             <a:fld id="{1D8BD707-D9CF-40AE-B4C6-C98DA3205C09}" type="datetimeFigureOut">
               <a:rPr lang="en-US" smtClean="0"/>
               <a:pPr/>
-              <a:t>9/14/2020</a:t>
+              <a:t>9/15/2020</a:t>
             </a:fld>
             <a:endParaRPr lang="en-US"/>
           </a:p>
@@ -1444,7 +1443,7 @@
             <a:fld id="{1D8BD707-D9CF-40AE-B4C6-C98DA3205C09}" type="datetimeFigureOut">
               <a:rPr lang="en-US" smtClean="0"/>
               <a:pPr/>
-              <a:t>9/14/2020</a:t>
+              <a:t>9/15/2020</a:t>
             </a:fld>
             <a:endParaRPr lang="en-US"/>
           </a:p>
@@ -1726,7 +1725,7 @@
             <a:fld id="{1D8BD707-D9CF-40AE-B4C6-C98DA3205C09}" type="datetimeFigureOut">
               <a:rPr lang="en-US" smtClean="0"/>
               <a:pPr/>
-              <a:t>9/14/2020</a:t>
+              <a:t>9/15/2020</a:t>
             </a:fld>
             <a:endParaRPr lang="en-US"/>
           </a:p>
@@ -2142,7 +2141,7 @@
             <a:fld id="{1D8BD707-D9CF-40AE-B4C6-C98DA3205C09}" type="datetimeFigureOut">
               <a:rPr lang="en-US" smtClean="0"/>
               <a:pPr/>
-              <a:t>9/14/2020</a:t>
+              <a:t>9/15/2020</a:t>
             </a:fld>
             <a:endParaRPr lang="en-US"/>
           </a:p>
@@ -2256,7 +2255,7 @@
             <a:fld id="{1D8BD707-D9CF-40AE-B4C6-C98DA3205C09}" type="datetimeFigureOut">
               <a:rPr lang="en-US" smtClean="0"/>
               <a:pPr/>
-              <a:t>9/14/2020</a:t>
+              <a:t>9/15/2020</a:t>
             </a:fld>
             <a:endParaRPr lang="en-US"/>
           </a:p>
@@ -2348,7 +2347,7 @@
             <a:fld id="{1D8BD707-D9CF-40AE-B4C6-C98DA3205C09}" type="datetimeFigureOut">
               <a:rPr lang="en-US" smtClean="0"/>
               <a:pPr/>
-              <a:t>9/14/2020</a:t>
+              <a:t>9/15/2020</a:t>
             </a:fld>
             <a:endParaRPr lang="en-US"/>
           </a:p>
@@ -2620,7 +2619,7 @@
             <a:fld id="{1D8BD707-D9CF-40AE-B4C6-C98DA3205C09}" type="datetimeFigureOut">
               <a:rPr lang="en-US" smtClean="0"/>
               <a:pPr/>
-              <a:t>9/14/2020</a:t>
+              <a:t>9/15/2020</a:t>
             </a:fld>
             <a:endParaRPr lang="en-US"/>
           </a:p>
@@ -2869,7 +2868,7 @@
             <a:fld id="{1D8BD707-D9CF-40AE-B4C6-C98DA3205C09}" type="datetimeFigureOut">
               <a:rPr lang="en-US" smtClean="0"/>
               <a:pPr/>
-              <a:t>9/14/2020</a:t>
+              <a:t>9/15/2020</a:t>
             </a:fld>
             <a:endParaRPr lang="en-US"/>
           </a:p>
@@ -3077,7 +3076,7 @@
             <a:fld id="{1D8BD707-D9CF-40AE-B4C6-C98DA3205C09}" type="datetimeFigureOut">
               <a:rPr lang="en-US" smtClean="0"/>
               <a:pPr/>
-              <a:t>9/14/2020</a:t>
+              <a:t>9/15/2020</a:t>
             </a:fld>
             <a:endParaRPr lang="en-US"/>
           </a:p>
@@ -3456,12 +3455,285 @@
           <a:chExt cx="0" cy="0"/>
         </a:xfrm>
       </p:grpSpPr>
+      <p:sp>
+        <p:nvSpPr>
+          <p:cNvPr id="12" name="TextBox 12"/>
+          <p:cNvSpPr txBox="1"/>
+          <p:nvPr/>
+        </p:nvSpPr>
+        <p:spPr>
+          <a:xfrm>
+            <a:off x="1028700" y="866775"/>
+            <a:ext cx="6647111" cy="1533525"/>
+          </a:xfrm>
+          <a:prstGeom prst="rect">
+            <a:avLst/>
+          </a:prstGeom>
+        </p:spPr>
+        <p:txBody>
+          <a:bodyPr lIns="0" tIns="0" rIns="0" bIns="0" rtlCol="0" anchor="t">
+            <a:spAutoFit/>
+          </a:bodyPr>
+          <a:lstStyle/>
+          <a:p>
+            <a:pPr algn="ctr">
+              <a:lnSpc>
+                <a:spcPts val="12599"/>
+              </a:lnSpc>
+            </a:pPr>
+            <a:r>
+              <a:rPr lang="en-US" sz="9000" dirty="0" err="1">
+                <a:solidFill>
+                  <a:srgbClr val="545454"/>
+                </a:solidFill>
+                <a:latin typeface="Open Sans 1 Bold"/>
+              </a:rPr>
+              <a:t>Integrantes</a:t>
+            </a:r>
+            <a:endParaRPr lang="en-US" sz="9000" dirty="0">
+              <a:solidFill>
+                <a:srgbClr val="545454"/>
+              </a:solidFill>
+              <a:latin typeface="Open Sans 1 Bold"/>
+            </a:endParaRPr>
+          </a:p>
+        </p:txBody>
+      </p:sp>
+      <p:sp>
+        <p:nvSpPr>
+          <p:cNvPr id="13" name="TextBox 13"/>
+          <p:cNvSpPr txBox="1"/>
+          <p:nvPr/>
+        </p:nvSpPr>
+        <p:spPr>
+          <a:xfrm>
+            <a:off x="98688" y="7154462"/>
+            <a:ext cx="3323555" cy="514350"/>
+          </a:xfrm>
+          <a:prstGeom prst="rect">
+            <a:avLst/>
+          </a:prstGeom>
+        </p:spPr>
+        <p:txBody>
+          <a:bodyPr lIns="0" tIns="0" rIns="0" bIns="0" rtlCol="0" anchor="t">
+            <a:spAutoFit/>
+          </a:bodyPr>
+          <a:lstStyle/>
+          <a:p>
+            <a:pPr algn="ctr">
+              <a:lnSpc>
+                <a:spcPts val="4200"/>
+              </a:lnSpc>
+            </a:pPr>
+            <a:r>
+              <a:rPr lang="en-US" sz="3000" dirty="0">
+                <a:solidFill>
+                  <a:srgbClr val="000000"/>
+                </a:solidFill>
+                <a:latin typeface="Open Sans 1"/>
+              </a:rPr>
+              <a:t>Camila </a:t>
+            </a:r>
+            <a:r>
+              <a:rPr lang="en-US" sz="3000" dirty="0" err="1">
+                <a:solidFill>
+                  <a:srgbClr val="000000"/>
+                </a:solidFill>
+                <a:latin typeface="Open Sans 1"/>
+              </a:rPr>
+              <a:t>Mamede</a:t>
+            </a:r>
+            <a:endParaRPr lang="en-US" sz="3000" dirty="0">
+              <a:solidFill>
+                <a:srgbClr val="000000"/>
+              </a:solidFill>
+              <a:latin typeface="Open Sans 1"/>
+            </a:endParaRPr>
+          </a:p>
+        </p:txBody>
+      </p:sp>
+      <p:sp>
+        <p:nvSpPr>
+          <p:cNvPr id="14" name="TextBox 14"/>
+          <p:cNvSpPr txBox="1"/>
+          <p:nvPr/>
+        </p:nvSpPr>
+        <p:spPr>
+          <a:xfrm>
+            <a:off x="3877177" y="7154462"/>
+            <a:ext cx="3120182" cy="514350"/>
+          </a:xfrm>
+          <a:prstGeom prst="rect">
+            <a:avLst/>
+          </a:prstGeom>
+        </p:spPr>
+        <p:txBody>
+          <a:bodyPr lIns="0" tIns="0" rIns="0" bIns="0" rtlCol="0" anchor="t">
+            <a:spAutoFit/>
+          </a:bodyPr>
+          <a:lstStyle/>
+          <a:p>
+            <a:pPr algn="ctr">
+              <a:lnSpc>
+                <a:spcPts val="4200"/>
+              </a:lnSpc>
+            </a:pPr>
+            <a:r>
+              <a:rPr lang="en-US" sz="3000" dirty="0">
+                <a:solidFill>
+                  <a:srgbClr val="000000"/>
+                </a:solidFill>
+                <a:latin typeface="Open Sans 1"/>
+              </a:rPr>
+              <a:t>Christian Raphael</a:t>
+            </a:r>
+          </a:p>
+        </p:txBody>
+      </p:sp>
+      <p:sp>
+        <p:nvSpPr>
+          <p:cNvPr id="15" name="TextBox 15"/>
+          <p:cNvSpPr txBox="1"/>
+          <p:nvPr/>
+        </p:nvSpPr>
+        <p:spPr>
+          <a:xfrm>
+            <a:off x="7943760" y="7154462"/>
+            <a:ext cx="2340620" cy="514350"/>
+          </a:xfrm>
+          <a:prstGeom prst="rect">
+            <a:avLst/>
+          </a:prstGeom>
+        </p:spPr>
+        <p:txBody>
+          <a:bodyPr lIns="0" tIns="0" rIns="0" bIns="0" rtlCol="0" anchor="t">
+            <a:spAutoFit/>
+          </a:bodyPr>
+          <a:lstStyle/>
+          <a:p>
+            <a:pPr algn="ctr">
+              <a:lnSpc>
+                <a:spcPts val="4200"/>
+              </a:lnSpc>
+            </a:pPr>
+            <a:r>
+              <a:rPr lang="en-US" sz="3000" dirty="0">
+                <a:solidFill>
+                  <a:srgbClr val="000000"/>
+                </a:solidFill>
+                <a:latin typeface="Open Sans 1"/>
+              </a:rPr>
+              <a:t>Felipe </a:t>
+            </a:r>
+            <a:r>
+              <a:rPr lang="en-US" sz="3000" dirty="0" err="1">
+                <a:solidFill>
+                  <a:srgbClr val="000000"/>
+                </a:solidFill>
+                <a:latin typeface="Open Sans 1"/>
+              </a:rPr>
+              <a:t>França</a:t>
+            </a:r>
+            <a:endParaRPr lang="en-US" sz="3000" dirty="0">
+              <a:solidFill>
+                <a:srgbClr val="000000"/>
+              </a:solidFill>
+              <a:latin typeface="Open Sans 1"/>
+            </a:endParaRPr>
+          </a:p>
+        </p:txBody>
+      </p:sp>
+      <p:sp>
+        <p:nvSpPr>
+          <p:cNvPr id="16" name="TextBox 16"/>
+          <p:cNvSpPr txBox="1"/>
+          <p:nvPr/>
+        </p:nvSpPr>
+        <p:spPr>
+          <a:xfrm>
+            <a:off x="11180328" y="7154462"/>
+            <a:ext cx="3221087" cy="514350"/>
+          </a:xfrm>
+          <a:prstGeom prst="rect">
+            <a:avLst/>
+          </a:prstGeom>
+        </p:spPr>
+        <p:txBody>
+          <a:bodyPr lIns="0" tIns="0" rIns="0" bIns="0" rtlCol="0" anchor="t">
+            <a:spAutoFit/>
+          </a:bodyPr>
+          <a:lstStyle/>
+          <a:p>
+            <a:pPr algn="ctr">
+              <a:lnSpc>
+                <a:spcPts val="4200"/>
+              </a:lnSpc>
+            </a:pPr>
+            <a:r>
+              <a:rPr lang="en-US" sz="3000" dirty="0">
+                <a:solidFill>
+                  <a:srgbClr val="000000"/>
+                </a:solidFill>
+                <a:latin typeface="Open Sans 1"/>
+              </a:rPr>
+              <a:t>Gustavo Henrique</a:t>
+            </a:r>
+          </a:p>
+        </p:txBody>
+      </p:sp>
+      <p:sp>
+        <p:nvSpPr>
+          <p:cNvPr id="17" name="TextBox 17"/>
+          <p:cNvSpPr txBox="1"/>
+          <p:nvPr/>
+        </p:nvSpPr>
+        <p:spPr>
+          <a:xfrm>
+            <a:off x="14856920" y="7154462"/>
+            <a:ext cx="3221508" cy="514350"/>
+          </a:xfrm>
+          <a:prstGeom prst="rect">
+            <a:avLst/>
+          </a:prstGeom>
+        </p:spPr>
+        <p:txBody>
+          <a:bodyPr lIns="0" tIns="0" rIns="0" bIns="0" rtlCol="0" anchor="t">
+            <a:spAutoFit/>
+          </a:bodyPr>
+          <a:lstStyle/>
+          <a:p>
+            <a:pPr algn="ctr">
+              <a:lnSpc>
+                <a:spcPts val="4200"/>
+              </a:lnSpc>
+            </a:pPr>
+            <a:r>
+              <a:rPr lang="en-US" sz="3000" dirty="0" err="1">
+                <a:solidFill>
+                  <a:srgbClr val="000000"/>
+                </a:solidFill>
+                <a:latin typeface="Open Sans 1"/>
+              </a:rPr>
+              <a:t>Milene</a:t>
+            </a:r>
+            <a:r>
+              <a:rPr lang="en-US" sz="3000" dirty="0">
+                <a:solidFill>
+                  <a:srgbClr val="000000"/>
+                </a:solidFill>
+                <a:latin typeface="Open Sans 1"/>
+              </a:rPr>
+              <a:t> de Oliveira</a:t>
+            </a:r>
+          </a:p>
+        </p:txBody>
+      </p:sp>
       <p:pic>
         <p:nvPicPr>
-          <p:cNvPr id="4" name="Imagem 3">
+          <p:cNvPr id="21" name="Imagem 20">
             <a:extLst>
               <a:ext uri="{FF2B5EF4-FFF2-40B4-BE49-F238E27FC236}">
-                <a16:creationId xmlns:a16="http://schemas.microsoft.com/office/drawing/2014/main" id="{7DE0BFC5-7407-4F19-AB00-EE21CF723E56}"/>
+                <a16:creationId xmlns:a16="http://schemas.microsoft.com/office/drawing/2014/main" id="{3A45154E-3860-4348-B0B6-61F3C5003D8F}"/>
               </a:ext>
             </a:extLst>
           </p:cNvPr>
@@ -3478,44 +3750,294 @@
         </p:blipFill>
         <p:spPr>
           <a:xfrm>
-            <a:off x="5248887" y="5417563"/>
-            <a:ext cx="7790225" cy="2367850"/>
+            <a:off x="17078325" y="266700"/>
+            <a:ext cx="883385" cy="1044000"/>
           </a:xfrm>
           <a:prstGeom prst="rect">
             <a:avLst/>
           </a:prstGeom>
         </p:spPr>
       </p:pic>
-      <p:pic>
-        <p:nvPicPr>
-          <p:cNvPr id="6" name="Imagem 5">
-            <a:extLst>
-              <a:ext uri="{FF2B5EF4-FFF2-40B4-BE49-F238E27FC236}">
-                <a16:creationId xmlns:a16="http://schemas.microsoft.com/office/drawing/2014/main" id="{701A2D53-645E-48BA-B9E4-E13ADD8674BD}"/>
-              </a:ext>
-            </a:extLst>
-          </p:cNvPr>
-          <p:cNvPicPr>
-            <a:picLocks noChangeAspect="1"/>
-          </p:cNvPicPr>
-          <p:nvPr/>
-        </p:nvPicPr>
-        <p:blipFill>
-          <a:blip r:embed="rId3"/>
-          <a:stretch>
-            <a:fillRect/>
-          </a:stretch>
-        </p:blipFill>
-        <p:spPr>
-          <a:xfrm>
-            <a:off x="7719058" y="1485900"/>
-            <a:ext cx="2862995" cy="3383538"/>
-          </a:xfrm>
-          <a:prstGeom prst="rect">
-            <a:avLst/>
-          </a:prstGeom>
-        </p:spPr>
-      </p:pic>
+      <p:sp>
+        <p:nvSpPr>
+          <p:cNvPr id="20" name="Elipse 19"/>
+          <p:cNvSpPr/>
+          <p:nvPr/>
+        </p:nvSpPr>
+        <p:spPr>
+          <a:xfrm>
+            <a:off x="280518" y="3908549"/>
+            <a:ext cx="2959896" cy="2992298"/>
+          </a:xfrm>
+          <a:prstGeom prst="ellipse">
+            <a:avLst/>
+          </a:prstGeom>
+          <a:blipFill dpi="0" rotWithShape="1">
+            <a:blip r:embed="rId3">
+              <a:extLst>
+                <a:ext uri="{28A0092B-C50C-407E-A947-70E740481C1C}">
+                  <a14:useLocalDpi xmlns:a14="http://schemas.microsoft.com/office/drawing/2010/main" val="0"/>
+                </a:ext>
+              </a:extLst>
+            </a:blip>
+            <a:srcRect/>
+            <a:stretch>
+              <a:fillRect/>
+            </a:stretch>
+          </a:blipFill>
+          <a:ln>
+            <a:noFill/>
+          </a:ln>
+        </p:spPr>
+        <p:style>
+          <a:lnRef idx="2">
+            <a:schemeClr val="accent1">
+              <a:shade val="50000"/>
+            </a:schemeClr>
+          </a:lnRef>
+          <a:fillRef idx="1">
+            <a:schemeClr val="accent1"/>
+          </a:fillRef>
+          <a:effectRef idx="0">
+            <a:schemeClr val="accent1"/>
+          </a:effectRef>
+          <a:fontRef idx="minor">
+            <a:schemeClr val="lt1"/>
+          </a:fontRef>
+        </p:style>
+        <p:txBody>
+          <a:bodyPr rtlCol="0" anchor="ctr"/>
+          <a:lstStyle/>
+          <a:p>
+            <a:pPr algn="ctr"/>
+            <a:endParaRPr lang="pt-BR"/>
+          </a:p>
+        </p:txBody>
+      </p:sp>
+      <p:sp>
+        <p:nvSpPr>
+          <p:cNvPr id="23" name="Elipse 22"/>
+          <p:cNvSpPr/>
+          <p:nvPr/>
+        </p:nvSpPr>
+        <p:spPr>
+          <a:xfrm>
+            <a:off x="3957320" y="3908549"/>
+            <a:ext cx="2959896" cy="2992298"/>
+          </a:xfrm>
+          <a:prstGeom prst="ellipse">
+            <a:avLst/>
+          </a:prstGeom>
+          <a:blipFill dpi="0" rotWithShape="1">
+            <a:blip r:embed="rId4">
+              <a:extLst>
+                <a:ext uri="{28A0092B-C50C-407E-A947-70E740481C1C}">
+                  <a14:useLocalDpi xmlns:a14="http://schemas.microsoft.com/office/drawing/2010/main" val="0"/>
+                </a:ext>
+              </a:extLst>
+            </a:blip>
+            <a:srcRect/>
+            <a:stretch>
+              <a:fillRect/>
+            </a:stretch>
+          </a:blipFill>
+          <a:ln>
+            <a:noFill/>
+          </a:ln>
+        </p:spPr>
+        <p:style>
+          <a:lnRef idx="2">
+            <a:schemeClr val="accent1">
+              <a:shade val="50000"/>
+            </a:schemeClr>
+          </a:lnRef>
+          <a:fillRef idx="1">
+            <a:schemeClr val="accent1"/>
+          </a:fillRef>
+          <a:effectRef idx="0">
+            <a:schemeClr val="accent1"/>
+          </a:effectRef>
+          <a:fontRef idx="minor">
+            <a:schemeClr val="lt1"/>
+          </a:fontRef>
+        </p:style>
+        <p:txBody>
+          <a:bodyPr rtlCol="0" anchor="ctr"/>
+          <a:lstStyle/>
+          <a:p>
+            <a:pPr algn="ctr"/>
+            <a:endParaRPr lang="pt-BR"/>
+          </a:p>
+        </p:txBody>
+      </p:sp>
+      <p:sp>
+        <p:nvSpPr>
+          <p:cNvPr id="25" name="Elipse 24"/>
+          <p:cNvSpPr/>
+          <p:nvPr/>
+        </p:nvSpPr>
+        <p:spPr>
+          <a:xfrm>
+            <a:off x="7634122" y="3908549"/>
+            <a:ext cx="2959896" cy="2992298"/>
+          </a:xfrm>
+          <a:prstGeom prst="ellipse">
+            <a:avLst/>
+          </a:prstGeom>
+          <a:blipFill dpi="0" rotWithShape="1">
+            <a:blip r:embed="rId5">
+              <a:extLst>
+                <a:ext uri="{28A0092B-C50C-407E-A947-70E740481C1C}">
+                  <a14:useLocalDpi xmlns:a14="http://schemas.microsoft.com/office/drawing/2010/main" val="0"/>
+                </a:ext>
+              </a:extLst>
+            </a:blip>
+            <a:srcRect/>
+            <a:stretch>
+              <a:fillRect/>
+            </a:stretch>
+          </a:blipFill>
+          <a:ln>
+            <a:noFill/>
+          </a:ln>
+        </p:spPr>
+        <p:style>
+          <a:lnRef idx="2">
+            <a:schemeClr val="accent1">
+              <a:shade val="50000"/>
+            </a:schemeClr>
+          </a:lnRef>
+          <a:fillRef idx="1">
+            <a:schemeClr val="accent1"/>
+          </a:fillRef>
+          <a:effectRef idx="0">
+            <a:schemeClr val="accent1"/>
+          </a:effectRef>
+          <a:fontRef idx="minor">
+            <a:schemeClr val="lt1"/>
+          </a:fontRef>
+        </p:style>
+        <p:txBody>
+          <a:bodyPr rtlCol="0" anchor="ctr"/>
+          <a:lstStyle/>
+          <a:p>
+            <a:pPr algn="ctr"/>
+            <a:endParaRPr lang="pt-BR"/>
+          </a:p>
+        </p:txBody>
+      </p:sp>
+      <p:sp>
+        <p:nvSpPr>
+          <p:cNvPr id="27" name="Elipse 26"/>
+          <p:cNvSpPr/>
+          <p:nvPr/>
+        </p:nvSpPr>
+        <p:spPr>
+          <a:xfrm>
+            <a:off x="11310924" y="3908549"/>
+            <a:ext cx="2959896" cy="2992298"/>
+          </a:xfrm>
+          <a:prstGeom prst="ellipse">
+            <a:avLst/>
+          </a:prstGeom>
+          <a:blipFill dpi="0" rotWithShape="1">
+            <a:blip r:embed="rId6">
+              <a:extLst>
+                <a:ext uri="{28A0092B-C50C-407E-A947-70E740481C1C}">
+                  <a14:useLocalDpi xmlns:a14="http://schemas.microsoft.com/office/drawing/2010/main" val="0"/>
+                </a:ext>
+              </a:extLst>
+            </a:blip>
+            <a:srcRect/>
+            <a:stretch>
+              <a:fillRect/>
+            </a:stretch>
+          </a:blipFill>
+          <a:ln>
+            <a:noFill/>
+          </a:ln>
+        </p:spPr>
+        <p:style>
+          <a:lnRef idx="2">
+            <a:schemeClr val="accent1">
+              <a:shade val="50000"/>
+            </a:schemeClr>
+          </a:lnRef>
+          <a:fillRef idx="1">
+            <a:schemeClr val="accent1"/>
+          </a:fillRef>
+          <a:effectRef idx="0">
+            <a:schemeClr val="accent1"/>
+          </a:effectRef>
+          <a:fontRef idx="minor">
+            <a:schemeClr val="lt1"/>
+          </a:fontRef>
+        </p:style>
+        <p:txBody>
+          <a:bodyPr rtlCol="0" anchor="ctr"/>
+          <a:lstStyle/>
+          <a:p>
+            <a:pPr algn="ctr"/>
+            <a:endParaRPr lang="pt-BR"/>
+          </a:p>
+        </p:txBody>
+      </p:sp>
+      <p:sp>
+        <p:nvSpPr>
+          <p:cNvPr id="29" name="Elipse 28"/>
+          <p:cNvSpPr/>
+          <p:nvPr/>
+        </p:nvSpPr>
+        <p:spPr>
+          <a:xfrm>
+            <a:off x="14987726" y="3908549"/>
+            <a:ext cx="2959896" cy="2992298"/>
+          </a:xfrm>
+          <a:prstGeom prst="ellipse">
+            <a:avLst/>
+          </a:prstGeom>
+          <a:blipFill dpi="0" rotWithShape="1">
+            <a:blip r:embed="rId7">
+              <a:extLst>
+                <a:ext uri="{28A0092B-C50C-407E-A947-70E740481C1C}">
+                  <a14:useLocalDpi xmlns:a14="http://schemas.microsoft.com/office/drawing/2010/main" val="0"/>
+                </a:ext>
+              </a:extLst>
+            </a:blip>
+            <a:srcRect/>
+            <a:stretch>
+              <a:fillRect/>
+            </a:stretch>
+          </a:blipFill>
+          <a:ln>
+            <a:noFill/>
+          </a:ln>
+        </p:spPr>
+        <p:style>
+          <a:lnRef idx="2">
+            <a:schemeClr val="accent1">
+              <a:shade val="50000"/>
+            </a:schemeClr>
+          </a:lnRef>
+          <a:fillRef idx="1">
+            <a:schemeClr val="accent1"/>
+          </a:fillRef>
+          <a:effectRef idx="0">
+            <a:schemeClr val="accent1"/>
+          </a:effectRef>
+          <a:fontRef idx="minor">
+            <a:schemeClr val="lt1"/>
+          </a:fontRef>
+        </p:style>
+        <p:txBody>
+          <a:bodyPr rtlCol="0" anchor="ctr"/>
+          <a:lstStyle/>
+          <a:p>
+            <a:pPr algn="ctr"/>
+            <a:endParaRPr lang="pt-BR"/>
+          </a:p>
+        </p:txBody>
+      </p:sp>
     </p:spTree>
   </p:cSld>
   <p:clrMapOvr>
@@ -3536,123 +4058,7 @@
   <p:timing>
     <p:tnLst>
       <p:par>
-        <p:cTn id="1" dur="indefinite" restart="never" nodeType="tmRoot">
-          <p:childTnLst>
-            <p:seq concurrent="1" nextAc="seek">
-              <p:cTn id="2" dur="indefinite" nodeType="mainSeq">
-                <p:childTnLst>
-                  <p:par>
-                    <p:cTn id="3" fill="hold">
-                      <p:stCondLst>
-                        <p:cond delay="indefinite"/>
-                      </p:stCondLst>
-                      <p:childTnLst>
-                        <p:par>
-                          <p:cTn id="4" fill="hold">
-                            <p:stCondLst>
-                              <p:cond delay="0"/>
-                            </p:stCondLst>
-                            <p:childTnLst>
-                              <p:par>
-                                <p:cTn id="5" presetID="56" presetClass="path" presetSubtype="0" accel="50000" decel="50000" fill="hold" nodeType="clickEffect">
-                                  <p:stCondLst>
-                                    <p:cond delay="0"/>
-                                  </p:stCondLst>
-                                  <p:childTnLst>
-                                    <p:animMotion origin="layout" path="M 2.77778E-6 3.7037E-6 L 0.45798 -0.23025 " pathEditMode="relative" rAng="0" ptsTypes="AA">
-                                      <p:cBhvr>
-                                        <p:cTn id="6" dur="1000" fill="hold"/>
-                                        <p:tgtEl>
-                                          <p:spTgt spid="6"/>
-                                        </p:tgtEl>
-                                        <p:attrNameLst>
-                                          <p:attrName>ppt_x</p:attrName>
-                                          <p:attrName>ppt_y</p:attrName>
-                                        </p:attrNameLst>
-                                      </p:cBhvr>
-                                      <p:rCtr x="22899" y="-11512"/>
-                                    </p:animMotion>
-                                  </p:childTnLst>
-                                </p:cTn>
-                              </p:par>
-                              <p:par>
-                                <p:cTn id="7" presetID="6" presetClass="emph" presetSubtype="0" fill="hold" nodeType="withEffect">
-                                  <p:stCondLst>
-                                    <p:cond delay="0"/>
-                                  </p:stCondLst>
-                                  <p:childTnLst>
-                                    <p:animScale>
-                                      <p:cBhvr>
-                                        <p:cTn id="8" dur="1000" fill="hold"/>
-                                        <p:tgtEl>
-                                          <p:spTgt spid="6"/>
-                                        </p:tgtEl>
-                                      </p:cBhvr>
-                                      <p:by x="31000" y="31000"/>
-                                    </p:animScale>
-                                  </p:childTnLst>
-                                </p:cTn>
-                              </p:par>
-                              <p:par>
-                                <p:cTn id="9" presetID="10" presetClass="exit" presetSubtype="0" fill="hold" nodeType="withEffect">
-                                  <p:stCondLst>
-                                    <p:cond delay="0"/>
-                                  </p:stCondLst>
-                                  <p:childTnLst>
-                                    <p:animEffect transition="out" filter="fade">
-                                      <p:cBhvr>
-                                        <p:cTn id="10" dur="500"/>
-                                        <p:tgtEl>
-                                          <p:spTgt spid="4"/>
-                                        </p:tgtEl>
-                                      </p:cBhvr>
-                                    </p:animEffect>
-                                    <p:set>
-                                      <p:cBhvr>
-                                        <p:cTn id="11" dur="1" fill="hold">
-                                          <p:stCondLst>
-                                            <p:cond delay="499"/>
-                                          </p:stCondLst>
-                                        </p:cTn>
-                                        <p:tgtEl>
-                                          <p:spTgt spid="4"/>
-                                        </p:tgtEl>
-                                        <p:attrNameLst>
-                                          <p:attrName>style.visibility</p:attrName>
-                                        </p:attrNameLst>
-                                      </p:cBhvr>
-                                      <p:to>
-                                        <p:strVal val="hidden"/>
-                                      </p:to>
-                                    </p:set>
-                                  </p:childTnLst>
-                                </p:cTn>
-                              </p:par>
-                            </p:childTnLst>
-                          </p:cTn>
-                        </p:par>
-                      </p:childTnLst>
-                    </p:cTn>
-                  </p:par>
-                </p:childTnLst>
-              </p:cTn>
-              <p:prevCondLst>
-                <p:cond evt="onPrev" delay="0">
-                  <p:tgtEl>
-                    <p:sldTgt/>
-                  </p:tgtEl>
-                </p:cond>
-              </p:prevCondLst>
-              <p:nextCondLst>
-                <p:cond evt="onNext" delay="0">
-                  <p:tgtEl>
-                    <p:sldTgt/>
-                  </p:tgtEl>
-                </p:cond>
-              </p:nextCondLst>
-            </p:seq>
-          </p:childTnLst>
-        </p:cTn>
+        <p:cTn id="1" dur="indefinite" restart="never" nodeType="tmRoot"/>
       </p:par>
     </p:tnLst>
   </p:timing>
@@ -4501,119 +4907,6 @@
 <file path=ppt/slides/slide11.xml><?xml version="1.0" encoding="utf-8"?>
 <p:sld xmlns:a="http://schemas.openxmlformats.org/drawingml/2006/main" xmlns:r="http://schemas.openxmlformats.org/officeDocument/2006/relationships" xmlns:p="http://schemas.openxmlformats.org/presentationml/2006/main">
   <p:cSld>
-    <p:bg>
-      <p:bgPr>
-        <a:solidFill>
-          <a:srgbClr val="FFFEFB"/>
-        </a:solidFill>
-        <a:effectLst/>
-      </p:bgPr>
-    </p:bg>
-    <p:spTree>
-      <p:nvGrpSpPr>
-        <p:cNvPr id="1" name=""/>
-        <p:cNvGrpSpPr/>
-        <p:nvPr/>
-      </p:nvGrpSpPr>
-      <p:grpSpPr>
-        <a:xfrm>
-          <a:off x="0" y="0"/>
-          <a:ext cx="0" cy="0"/>
-          <a:chOff x="0" y="0"/>
-          <a:chExt cx="0" cy="0"/>
-        </a:xfrm>
-      </p:grpSpPr>
-      <p:sp>
-        <p:nvSpPr>
-          <p:cNvPr id="2" name="TextBox 2"/>
-          <p:cNvSpPr txBox="1"/>
-          <p:nvPr/>
-        </p:nvSpPr>
-        <p:spPr>
-          <a:xfrm>
-            <a:off x="1028700" y="866775"/>
-            <a:ext cx="10262494" cy="1533525"/>
-          </a:xfrm>
-          <a:prstGeom prst="rect">
-            <a:avLst/>
-          </a:prstGeom>
-        </p:spPr>
-        <p:txBody>
-          <a:bodyPr lIns="0" tIns="0" rIns="0" bIns="0" rtlCol="0" anchor="t">
-            <a:spAutoFit/>
-          </a:bodyPr>
-          <a:lstStyle/>
-          <a:p>
-            <a:pPr>
-              <a:lnSpc>
-                <a:spcPts val="12599"/>
-              </a:lnSpc>
-            </a:pPr>
-            <a:r>
-              <a:rPr lang="en-US" sz="9000">
-                <a:solidFill>
-                  <a:srgbClr val="545454"/>
-                </a:solidFill>
-                <a:latin typeface="Open Sans 1 Bold"/>
-              </a:rPr>
-              <a:t>User Stories</a:t>
-            </a:r>
-          </a:p>
-        </p:txBody>
-      </p:sp>
-      <p:pic>
-        <p:nvPicPr>
-          <p:cNvPr id="5" name="Imagem 4">
-            <a:extLst>
-              <a:ext uri="{FF2B5EF4-FFF2-40B4-BE49-F238E27FC236}">
-                <a16:creationId xmlns:a16="http://schemas.microsoft.com/office/drawing/2014/main" id="{38496F73-5C44-4A7C-ACE7-9576F8ED8B4F}"/>
-              </a:ext>
-            </a:extLst>
-          </p:cNvPr>
-          <p:cNvPicPr>
-            <a:picLocks noChangeAspect="1"/>
-          </p:cNvPicPr>
-          <p:nvPr/>
-        </p:nvPicPr>
-        <p:blipFill>
-          <a:blip r:embed="rId2"/>
-          <a:stretch>
-            <a:fillRect/>
-          </a:stretch>
-        </p:blipFill>
-        <p:spPr>
-          <a:xfrm>
-            <a:off x="17078325" y="266700"/>
-            <a:ext cx="883385" cy="1044000"/>
-          </a:xfrm>
-          <a:prstGeom prst="rect">
-            <a:avLst/>
-          </a:prstGeom>
-        </p:spPr>
-      </p:pic>
-    </p:spTree>
-  </p:cSld>
-  <p:clrMapOvr>
-    <a:masterClrMapping/>
-  </p:clrMapOvr>
-  <mc:AlternateContent xmlns:mc="http://schemas.openxmlformats.org/markup-compatibility/2006" xmlns:p14="http://schemas.microsoft.com/office/powerpoint/2010/main">
-    <mc:Choice Requires="p14">
-      <p:transition spd="med" p14:dur="700">
-        <p:fade/>
-      </p:transition>
-    </mc:Choice>
-    <mc:Fallback xmlns="">
-      <p:transition spd="med">
-        <p:fade/>
-      </p:transition>
-    </mc:Fallback>
-  </mc:AlternateContent>
-</p:sld>
-</file>
-
-<file path=ppt/slides/slide12.xml><?xml version="1.0" encoding="utf-8"?>
-<p:sld xmlns:a="http://schemas.openxmlformats.org/drawingml/2006/main" xmlns:r="http://schemas.openxmlformats.org/officeDocument/2006/relationships" xmlns:p="http://schemas.openxmlformats.org/presentationml/2006/main">
-  <p:cSld>
     <p:spTree>
       <p:nvGrpSpPr>
         <p:cNvPr id="1" name=""/>
@@ -4810,7 +5103,7 @@
 </p:sld>
 </file>
 
-<file path=ppt/slides/slide13.xml><?xml version="1.0" encoding="utf-8"?>
+<file path=ppt/slides/slide12.xml><?xml version="1.0" encoding="utf-8"?>
 <p:sld xmlns:a="http://schemas.openxmlformats.org/drawingml/2006/main" xmlns:r="http://schemas.openxmlformats.org/officeDocument/2006/relationships" xmlns:p="http://schemas.openxmlformats.org/presentationml/2006/main">
   <p:cSld>
     <p:bg>
@@ -7124,7 +7417,7 @@
 </p:sld>
 </file>
 
-<file path=ppt/slides/slide14.xml><?xml version="1.0" encoding="utf-8"?>
+<file path=ppt/slides/slide13.xml><?xml version="1.0" encoding="utf-8"?>
 <p:sld xmlns:a="http://schemas.openxmlformats.org/drawingml/2006/main" xmlns:r="http://schemas.openxmlformats.org/officeDocument/2006/relationships" xmlns:p="http://schemas.openxmlformats.org/presentationml/2006/main">
   <p:cSld>
     <p:bg>
@@ -10305,7 +10598,7 @@
 </p:sld>
 </file>
 
-<file path=ppt/slides/slide15.xml><?xml version="1.0" encoding="utf-8"?>
+<file path=ppt/slides/slide14.xml><?xml version="1.0" encoding="utf-8"?>
 <p:sld xmlns:a="http://schemas.openxmlformats.org/drawingml/2006/main" xmlns:r="http://schemas.openxmlformats.org/officeDocument/2006/relationships" xmlns:p="http://schemas.openxmlformats.org/presentationml/2006/main">
   <p:cSld>
     <p:bg>
@@ -10423,7 +10716,7 @@
 </p:sld>
 </file>
 
-<file path=ppt/slides/slide16.xml><?xml version="1.0" encoding="utf-8"?>
+<file path=ppt/slides/slide15.xml><?xml version="1.0" encoding="utf-8"?>
 <p:sld xmlns:a="http://schemas.openxmlformats.org/drawingml/2006/main" xmlns:r="http://schemas.openxmlformats.org/officeDocument/2006/relationships" xmlns:p="http://schemas.openxmlformats.org/presentationml/2006/main">
   <p:cSld>
     <p:bg>
@@ -10770,7 +11063,7 @@
 </p:sld>
 </file>
 
-<file path=ppt/slides/slide17.xml><?xml version="1.0" encoding="utf-8"?>
+<file path=ppt/slides/slide16.xml><?xml version="1.0" encoding="utf-8"?>
 <p:sld xmlns:a="http://schemas.openxmlformats.org/drawingml/2006/main" xmlns:r="http://schemas.openxmlformats.org/officeDocument/2006/relationships" xmlns:p="http://schemas.openxmlformats.org/presentationml/2006/main">
   <p:cSld>
     <p:bg>
@@ -10883,7 +11176,7 @@
 </p:sld>
 </file>
 
-<file path=ppt/slides/slide18.xml><?xml version="1.0" encoding="utf-8"?>
+<file path=ppt/slides/slide17.xml><?xml version="1.0" encoding="utf-8"?>
 <p:sld xmlns:a="http://schemas.openxmlformats.org/drawingml/2006/main" xmlns:r="http://schemas.openxmlformats.org/officeDocument/2006/relationships" xmlns:p="http://schemas.openxmlformats.org/presentationml/2006/main">
   <p:cSld>
     <p:bg>
@@ -11096,285 +11389,12 @@
           <a:chExt cx="0" cy="0"/>
         </a:xfrm>
       </p:grpSpPr>
-      <p:sp>
-        <p:nvSpPr>
-          <p:cNvPr id="12" name="TextBox 12"/>
-          <p:cNvSpPr txBox="1"/>
-          <p:nvPr/>
-        </p:nvSpPr>
-        <p:spPr>
-          <a:xfrm>
-            <a:off x="1028700" y="866775"/>
-            <a:ext cx="6647111" cy="1533525"/>
-          </a:xfrm>
-          <a:prstGeom prst="rect">
-            <a:avLst/>
-          </a:prstGeom>
-        </p:spPr>
-        <p:txBody>
-          <a:bodyPr lIns="0" tIns="0" rIns="0" bIns="0" rtlCol="0" anchor="t">
-            <a:spAutoFit/>
-          </a:bodyPr>
-          <a:lstStyle/>
-          <a:p>
-            <a:pPr algn="ctr">
-              <a:lnSpc>
-                <a:spcPts val="12599"/>
-              </a:lnSpc>
-            </a:pPr>
-            <a:r>
-              <a:rPr lang="en-US" sz="9000" dirty="0" err="1">
-                <a:solidFill>
-                  <a:srgbClr val="545454"/>
-                </a:solidFill>
-                <a:latin typeface="Open Sans 1 Bold"/>
-              </a:rPr>
-              <a:t>Integrantes</a:t>
-            </a:r>
-            <a:endParaRPr lang="en-US" sz="9000" dirty="0">
-              <a:solidFill>
-                <a:srgbClr val="545454"/>
-              </a:solidFill>
-              <a:latin typeface="Open Sans 1 Bold"/>
-            </a:endParaRPr>
-          </a:p>
-        </p:txBody>
-      </p:sp>
-      <p:sp>
-        <p:nvSpPr>
-          <p:cNvPr id="13" name="TextBox 13"/>
-          <p:cNvSpPr txBox="1"/>
-          <p:nvPr/>
-        </p:nvSpPr>
-        <p:spPr>
-          <a:xfrm>
-            <a:off x="98688" y="7154462"/>
-            <a:ext cx="3323555" cy="514350"/>
-          </a:xfrm>
-          <a:prstGeom prst="rect">
-            <a:avLst/>
-          </a:prstGeom>
-        </p:spPr>
-        <p:txBody>
-          <a:bodyPr lIns="0" tIns="0" rIns="0" bIns="0" rtlCol="0" anchor="t">
-            <a:spAutoFit/>
-          </a:bodyPr>
-          <a:lstStyle/>
-          <a:p>
-            <a:pPr algn="ctr">
-              <a:lnSpc>
-                <a:spcPts val="4200"/>
-              </a:lnSpc>
-            </a:pPr>
-            <a:r>
-              <a:rPr lang="en-US" sz="3000" dirty="0">
-                <a:solidFill>
-                  <a:srgbClr val="000000"/>
-                </a:solidFill>
-                <a:latin typeface="Open Sans 1"/>
-              </a:rPr>
-              <a:t>Camila </a:t>
-            </a:r>
-            <a:r>
-              <a:rPr lang="en-US" sz="3000" dirty="0" err="1">
-                <a:solidFill>
-                  <a:srgbClr val="000000"/>
-                </a:solidFill>
-                <a:latin typeface="Open Sans 1"/>
-              </a:rPr>
-              <a:t>Mamede</a:t>
-            </a:r>
-            <a:endParaRPr lang="en-US" sz="3000" dirty="0">
-              <a:solidFill>
-                <a:srgbClr val="000000"/>
-              </a:solidFill>
-              <a:latin typeface="Open Sans 1"/>
-            </a:endParaRPr>
-          </a:p>
-        </p:txBody>
-      </p:sp>
-      <p:sp>
-        <p:nvSpPr>
-          <p:cNvPr id="14" name="TextBox 14"/>
-          <p:cNvSpPr txBox="1"/>
-          <p:nvPr/>
-        </p:nvSpPr>
-        <p:spPr>
-          <a:xfrm>
-            <a:off x="3877177" y="7154462"/>
-            <a:ext cx="3120182" cy="514350"/>
-          </a:xfrm>
-          <a:prstGeom prst="rect">
-            <a:avLst/>
-          </a:prstGeom>
-        </p:spPr>
-        <p:txBody>
-          <a:bodyPr lIns="0" tIns="0" rIns="0" bIns="0" rtlCol="0" anchor="t">
-            <a:spAutoFit/>
-          </a:bodyPr>
-          <a:lstStyle/>
-          <a:p>
-            <a:pPr algn="ctr">
-              <a:lnSpc>
-                <a:spcPts val="4200"/>
-              </a:lnSpc>
-            </a:pPr>
-            <a:r>
-              <a:rPr lang="en-US" sz="3000" dirty="0">
-                <a:solidFill>
-                  <a:srgbClr val="000000"/>
-                </a:solidFill>
-                <a:latin typeface="Open Sans 1"/>
-              </a:rPr>
-              <a:t>Christian Raphael</a:t>
-            </a:r>
-          </a:p>
-        </p:txBody>
-      </p:sp>
-      <p:sp>
-        <p:nvSpPr>
-          <p:cNvPr id="15" name="TextBox 15"/>
-          <p:cNvSpPr txBox="1"/>
-          <p:nvPr/>
-        </p:nvSpPr>
-        <p:spPr>
-          <a:xfrm>
-            <a:off x="7943760" y="7154462"/>
-            <a:ext cx="2340620" cy="514350"/>
-          </a:xfrm>
-          <a:prstGeom prst="rect">
-            <a:avLst/>
-          </a:prstGeom>
-        </p:spPr>
-        <p:txBody>
-          <a:bodyPr lIns="0" tIns="0" rIns="0" bIns="0" rtlCol="0" anchor="t">
-            <a:spAutoFit/>
-          </a:bodyPr>
-          <a:lstStyle/>
-          <a:p>
-            <a:pPr algn="ctr">
-              <a:lnSpc>
-                <a:spcPts val="4200"/>
-              </a:lnSpc>
-            </a:pPr>
-            <a:r>
-              <a:rPr lang="en-US" sz="3000" dirty="0">
-                <a:solidFill>
-                  <a:srgbClr val="000000"/>
-                </a:solidFill>
-                <a:latin typeface="Open Sans 1"/>
-              </a:rPr>
-              <a:t>Felipe </a:t>
-            </a:r>
-            <a:r>
-              <a:rPr lang="en-US" sz="3000" dirty="0" err="1">
-                <a:solidFill>
-                  <a:srgbClr val="000000"/>
-                </a:solidFill>
-                <a:latin typeface="Open Sans 1"/>
-              </a:rPr>
-              <a:t>França</a:t>
-            </a:r>
-            <a:endParaRPr lang="en-US" sz="3000" dirty="0">
-              <a:solidFill>
-                <a:srgbClr val="000000"/>
-              </a:solidFill>
-              <a:latin typeface="Open Sans 1"/>
-            </a:endParaRPr>
-          </a:p>
-        </p:txBody>
-      </p:sp>
-      <p:sp>
-        <p:nvSpPr>
-          <p:cNvPr id="16" name="TextBox 16"/>
-          <p:cNvSpPr txBox="1"/>
-          <p:nvPr/>
-        </p:nvSpPr>
-        <p:spPr>
-          <a:xfrm>
-            <a:off x="11180328" y="7154462"/>
-            <a:ext cx="3221087" cy="514350"/>
-          </a:xfrm>
-          <a:prstGeom prst="rect">
-            <a:avLst/>
-          </a:prstGeom>
-        </p:spPr>
-        <p:txBody>
-          <a:bodyPr lIns="0" tIns="0" rIns="0" bIns="0" rtlCol="0" anchor="t">
-            <a:spAutoFit/>
-          </a:bodyPr>
-          <a:lstStyle/>
-          <a:p>
-            <a:pPr algn="ctr">
-              <a:lnSpc>
-                <a:spcPts val="4200"/>
-              </a:lnSpc>
-            </a:pPr>
-            <a:r>
-              <a:rPr lang="en-US" sz="3000" dirty="0">
-                <a:solidFill>
-                  <a:srgbClr val="000000"/>
-                </a:solidFill>
-                <a:latin typeface="Open Sans 1"/>
-              </a:rPr>
-              <a:t>Gustavo Henrique</a:t>
-            </a:r>
-          </a:p>
-        </p:txBody>
-      </p:sp>
-      <p:sp>
-        <p:nvSpPr>
-          <p:cNvPr id="17" name="TextBox 17"/>
-          <p:cNvSpPr txBox="1"/>
-          <p:nvPr/>
-        </p:nvSpPr>
-        <p:spPr>
-          <a:xfrm>
-            <a:off x="14856920" y="7154462"/>
-            <a:ext cx="3221508" cy="514350"/>
-          </a:xfrm>
-          <a:prstGeom prst="rect">
-            <a:avLst/>
-          </a:prstGeom>
-        </p:spPr>
-        <p:txBody>
-          <a:bodyPr lIns="0" tIns="0" rIns="0" bIns="0" rtlCol="0" anchor="t">
-            <a:spAutoFit/>
-          </a:bodyPr>
-          <a:lstStyle/>
-          <a:p>
-            <a:pPr algn="ctr">
-              <a:lnSpc>
-                <a:spcPts val="4200"/>
-              </a:lnSpc>
-            </a:pPr>
-            <a:r>
-              <a:rPr lang="en-US" sz="3000" dirty="0" err="1">
-                <a:solidFill>
-                  <a:srgbClr val="000000"/>
-                </a:solidFill>
-                <a:latin typeface="Open Sans 1"/>
-              </a:rPr>
-              <a:t>Milene</a:t>
-            </a:r>
-            <a:r>
-              <a:rPr lang="en-US" sz="3000" dirty="0">
-                <a:solidFill>
-                  <a:srgbClr val="000000"/>
-                </a:solidFill>
-                <a:latin typeface="Open Sans 1"/>
-              </a:rPr>
-              <a:t> de Oliveira</a:t>
-            </a:r>
-          </a:p>
-        </p:txBody>
-      </p:sp>
       <p:pic>
         <p:nvPicPr>
-          <p:cNvPr id="21" name="Imagem 20">
+          <p:cNvPr id="4" name="Imagem 3">
             <a:extLst>
               <a:ext uri="{FF2B5EF4-FFF2-40B4-BE49-F238E27FC236}">
-                <a16:creationId xmlns:a16="http://schemas.microsoft.com/office/drawing/2014/main" id="{3A45154E-3860-4348-B0B6-61F3C5003D8F}"/>
+                <a16:creationId xmlns:a16="http://schemas.microsoft.com/office/drawing/2014/main" id="{7DE0BFC5-7407-4F19-AB00-EE21CF723E56}"/>
               </a:ext>
             </a:extLst>
           </p:cNvPr>
@@ -11391,294 +11411,44 @@
         </p:blipFill>
         <p:spPr>
           <a:xfrm>
-            <a:off x="17078325" y="266700"/>
-            <a:ext cx="883385" cy="1044000"/>
+            <a:off x="5248887" y="5417563"/>
+            <a:ext cx="7790225" cy="2367850"/>
           </a:xfrm>
           <a:prstGeom prst="rect">
             <a:avLst/>
           </a:prstGeom>
         </p:spPr>
       </p:pic>
-      <p:sp>
-        <p:nvSpPr>
-          <p:cNvPr id="20" name="Elipse 19"/>
-          <p:cNvSpPr/>
-          <p:nvPr/>
-        </p:nvSpPr>
-        <p:spPr>
-          <a:xfrm>
-            <a:off x="280518" y="3908549"/>
-            <a:ext cx="2959896" cy="2992298"/>
-          </a:xfrm>
-          <a:prstGeom prst="ellipse">
-            <a:avLst/>
-          </a:prstGeom>
-          <a:blipFill dpi="0" rotWithShape="1">
-            <a:blip r:embed="rId3">
-              <a:extLst>
-                <a:ext uri="{28A0092B-C50C-407E-A947-70E740481C1C}">
-                  <a14:useLocalDpi xmlns:a14="http://schemas.microsoft.com/office/drawing/2010/main" val="0"/>
-                </a:ext>
-              </a:extLst>
-            </a:blip>
-            <a:srcRect/>
-            <a:stretch>
-              <a:fillRect/>
-            </a:stretch>
-          </a:blipFill>
-          <a:ln>
-            <a:noFill/>
-          </a:ln>
-        </p:spPr>
-        <p:style>
-          <a:lnRef idx="2">
-            <a:schemeClr val="accent1">
-              <a:shade val="50000"/>
-            </a:schemeClr>
-          </a:lnRef>
-          <a:fillRef idx="1">
-            <a:schemeClr val="accent1"/>
-          </a:fillRef>
-          <a:effectRef idx="0">
-            <a:schemeClr val="accent1"/>
-          </a:effectRef>
-          <a:fontRef idx="minor">
-            <a:schemeClr val="lt1"/>
-          </a:fontRef>
-        </p:style>
-        <p:txBody>
-          <a:bodyPr rtlCol="0" anchor="ctr"/>
-          <a:lstStyle/>
-          <a:p>
-            <a:pPr algn="ctr"/>
-            <a:endParaRPr lang="pt-BR"/>
-          </a:p>
-        </p:txBody>
-      </p:sp>
-      <p:sp>
-        <p:nvSpPr>
-          <p:cNvPr id="23" name="Elipse 22"/>
-          <p:cNvSpPr/>
-          <p:nvPr/>
-        </p:nvSpPr>
-        <p:spPr>
-          <a:xfrm>
-            <a:off x="3957320" y="3908549"/>
-            <a:ext cx="2959896" cy="2992298"/>
-          </a:xfrm>
-          <a:prstGeom prst="ellipse">
-            <a:avLst/>
-          </a:prstGeom>
-          <a:blipFill dpi="0" rotWithShape="1">
-            <a:blip r:embed="rId4">
-              <a:extLst>
-                <a:ext uri="{28A0092B-C50C-407E-A947-70E740481C1C}">
-                  <a14:useLocalDpi xmlns:a14="http://schemas.microsoft.com/office/drawing/2010/main" val="0"/>
-                </a:ext>
-              </a:extLst>
-            </a:blip>
-            <a:srcRect/>
-            <a:stretch>
-              <a:fillRect/>
-            </a:stretch>
-          </a:blipFill>
-          <a:ln>
-            <a:noFill/>
-          </a:ln>
-        </p:spPr>
-        <p:style>
-          <a:lnRef idx="2">
-            <a:schemeClr val="accent1">
-              <a:shade val="50000"/>
-            </a:schemeClr>
-          </a:lnRef>
-          <a:fillRef idx="1">
-            <a:schemeClr val="accent1"/>
-          </a:fillRef>
-          <a:effectRef idx="0">
-            <a:schemeClr val="accent1"/>
-          </a:effectRef>
-          <a:fontRef idx="minor">
-            <a:schemeClr val="lt1"/>
-          </a:fontRef>
-        </p:style>
-        <p:txBody>
-          <a:bodyPr rtlCol="0" anchor="ctr"/>
-          <a:lstStyle/>
-          <a:p>
-            <a:pPr algn="ctr"/>
-            <a:endParaRPr lang="pt-BR"/>
-          </a:p>
-        </p:txBody>
-      </p:sp>
-      <p:sp>
-        <p:nvSpPr>
-          <p:cNvPr id="25" name="Elipse 24"/>
-          <p:cNvSpPr/>
-          <p:nvPr/>
-        </p:nvSpPr>
-        <p:spPr>
-          <a:xfrm>
-            <a:off x="7634122" y="3908549"/>
-            <a:ext cx="2959896" cy="2992298"/>
-          </a:xfrm>
-          <a:prstGeom prst="ellipse">
-            <a:avLst/>
-          </a:prstGeom>
-          <a:blipFill dpi="0" rotWithShape="1">
-            <a:blip r:embed="rId5">
-              <a:extLst>
-                <a:ext uri="{28A0092B-C50C-407E-A947-70E740481C1C}">
-                  <a14:useLocalDpi xmlns:a14="http://schemas.microsoft.com/office/drawing/2010/main" val="0"/>
-                </a:ext>
-              </a:extLst>
-            </a:blip>
-            <a:srcRect/>
-            <a:stretch>
-              <a:fillRect/>
-            </a:stretch>
-          </a:blipFill>
-          <a:ln>
-            <a:noFill/>
-          </a:ln>
-        </p:spPr>
-        <p:style>
-          <a:lnRef idx="2">
-            <a:schemeClr val="accent1">
-              <a:shade val="50000"/>
-            </a:schemeClr>
-          </a:lnRef>
-          <a:fillRef idx="1">
-            <a:schemeClr val="accent1"/>
-          </a:fillRef>
-          <a:effectRef idx="0">
-            <a:schemeClr val="accent1"/>
-          </a:effectRef>
-          <a:fontRef idx="minor">
-            <a:schemeClr val="lt1"/>
-          </a:fontRef>
-        </p:style>
-        <p:txBody>
-          <a:bodyPr rtlCol="0" anchor="ctr"/>
-          <a:lstStyle/>
-          <a:p>
-            <a:pPr algn="ctr"/>
-            <a:endParaRPr lang="pt-BR"/>
-          </a:p>
-        </p:txBody>
-      </p:sp>
-      <p:sp>
-        <p:nvSpPr>
-          <p:cNvPr id="27" name="Elipse 26"/>
-          <p:cNvSpPr/>
-          <p:nvPr/>
-        </p:nvSpPr>
-        <p:spPr>
-          <a:xfrm>
-            <a:off x="11310924" y="3908549"/>
-            <a:ext cx="2959896" cy="2992298"/>
-          </a:xfrm>
-          <a:prstGeom prst="ellipse">
-            <a:avLst/>
-          </a:prstGeom>
-          <a:blipFill dpi="0" rotWithShape="1">
-            <a:blip r:embed="rId6">
-              <a:extLst>
-                <a:ext uri="{28A0092B-C50C-407E-A947-70E740481C1C}">
-                  <a14:useLocalDpi xmlns:a14="http://schemas.microsoft.com/office/drawing/2010/main" val="0"/>
-                </a:ext>
-              </a:extLst>
-            </a:blip>
-            <a:srcRect/>
-            <a:stretch>
-              <a:fillRect/>
-            </a:stretch>
-          </a:blipFill>
-          <a:ln>
-            <a:noFill/>
-          </a:ln>
-        </p:spPr>
-        <p:style>
-          <a:lnRef idx="2">
-            <a:schemeClr val="accent1">
-              <a:shade val="50000"/>
-            </a:schemeClr>
-          </a:lnRef>
-          <a:fillRef idx="1">
-            <a:schemeClr val="accent1"/>
-          </a:fillRef>
-          <a:effectRef idx="0">
-            <a:schemeClr val="accent1"/>
-          </a:effectRef>
-          <a:fontRef idx="minor">
-            <a:schemeClr val="lt1"/>
-          </a:fontRef>
-        </p:style>
-        <p:txBody>
-          <a:bodyPr rtlCol="0" anchor="ctr"/>
-          <a:lstStyle/>
-          <a:p>
-            <a:pPr algn="ctr"/>
-            <a:endParaRPr lang="pt-BR"/>
-          </a:p>
-        </p:txBody>
-      </p:sp>
-      <p:sp>
-        <p:nvSpPr>
-          <p:cNvPr id="29" name="Elipse 28"/>
-          <p:cNvSpPr/>
-          <p:nvPr/>
-        </p:nvSpPr>
-        <p:spPr>
-          <a:xfrm>
-            <a:off x="14987726" y="3908549"/>
-            <a:ext cx="2959896" cy="2992298"/>
-          </a:xfrm>
-          <a:prstGeom prst="ellipse">
-            <a:avLst/>
-          </a:prstGeom>
-          <a:blipFill dpi="0" rotWithShape="1">
-            <a:blip r:embed="rId7">
-              <a:extLst>
-                <a:ext uri="{28A0092B-C50C-407E-A947-70E740481C1C}">
-                  <a14:useLocalDpi xmlns:a14="http://schemas.microsoft.com/office/drawing/2010/main" val="0"/>
-                </a:ext>
-              </a:extLst>
-            </a:blip>
-            <a:srcRect/>
-            <a:stretch>
-              <a:fillRect/>
-            </a:stretch>
-          </a:blipFill>
-          <a:ln>
-            <a:noFill/>
-          </a:ln>
-        </p:spPr>
-        <p:style>
-          <a:lnRef idx="2">
-            <a:schemeClr val="accent1">
-              <a:shade val="50000"/>
-            </a:schemeClr>
-          </a:lnRef>
-          <a:fillRef idx="1">
-            <a:schemeClr val="accent1"/>
-          </a:fillRef>
-          <a:effectRef idx="0">
-            <a:schemeClr val="accent1"/>
-          </a:effectRef>
-          <a:fontRef idx="minor">
-            <a:schemeClr val="lt1"/>
-          </a:fontRef>
-        </p:style>
-        <p:txBody>
-          <a:bodyPr rtlCol="0" anchor="ctr"/>
-          <a:lstStyle/>
-          <a:p>
-            <a:pPr algn="ctr"/>
-            <a:endParaRPr lang="pt-BR"/>
-          </a:p>
-        </p:txBody>
-      </p:sp>
+      <p:pic>
+        <p:nvPicPr>
+          <p:cNvPr id="6" name="Imagem 5">
+            <a:extLst>
+              <a:ext uri="{FF2B5EF4-FFF2-40B4-BE49-F238E27FC236}">
+                <a16:creationId xmlns:a16="http://schemas.microsoft.com/office/drawing/2014/main" id="{701A2D53-645E-48BA-B9E4-E13ADD8674BD}"/>
+              </a:ext>
+            </a:extLst>
+          </p:cNvPr>
+          <p:cNvPicPr>
+            <a:picLocks noChangeAspect="1"/>
+          </p:cNvPicPr>
+          <p:nvPr/>
+        </p:nvPicPr>
+        <p:blipFill>
+          <a:blip r:embed="rId3"/>
+          <a:stretch>
+            <a:fillRect/>
+          </a:stretch>
+        </p:blipFill>
+        <p:spPr>
+          <a:xfrm>
+            <a:off x="7719058" y="1485900"/>
+            <a:ext cx="2862995" cy="3383538"/>
+          </a:xfrm>
+          <a:prstGeom prst="rect">
+            <a:avLst/>
+          </a:prstGeom>
+        </p:spPr>
+      </p:pic>
     </p:spTree>
   </p:cSld>
   <p:clrMapOvr>
@@ -11696,6 +11466,129 @@
       </p:transition>
     </mc:Fallback>
   </mc:AlternateContent>
+  <p:timing>
+    <p:tnLst>
+      <p:par>
+        <p:cTn id="1" dur="indefinite" restart="never" nodeType="tmRoot">
+          <p:childTnLst>
+            <p:seq concurrent="1" nextAc="seek">
+              <p:cTn id="2" dur="indefinite" nodeType="mainSeq">
+                <p:childTnLst>
+                  <p:par>
+                    <p:cTn id="3" fill="hold">
+                      <p:stCondLst>
+                        <p:cond delay="indefinite"/>
+                      </p:stCondLst>
+                      <p:childTnLst>
+                        <p:par>
+                          <p:cTn id="4" fill="hold">
+                            <p:stCondLst>
+                              <p:cond delay="0"/>
+                            </p:stCondLst>
+                            <p:childTnLst>
+                              <p:par>
+                                <p:cTn id="5" presetID="56" presetClass="path" presetSubtype="0" accel="50000" decel="50000" fill="hold" nodeType="clickEffect">
+                                  <p:stCondLst>
+                                    <p:cond delay="0"/>
+                                  </p:stCondLst>
+                                  <p:childTnLst>
+                                    <p:animMotion origin="layout" path="M 2.77778E-6 3.7037E-6 L 0.45798 -0.23025 " pathEditMode="relative" rAng="0" ptsTypes="AA">
+                                      <p:cBhvr>
+                                        <p:cTn id="6" dur="1000" fill="hold"/>
+                                        <p:tgtEl>
+                                          <p:spTgt spid="6"/>
+                                        </p:tgtEl>
+                                        <p:attrNameLst>
+                                          <p:attrName>ppt_x</p:attrName>
+                                          <p:attrName>ppt_y</p:attrName>
+                                        </p:attrNameLst>
+                                      </p:cBhvr>
+                                      <p:rCtr x="22899" y="-11512"/>
+                                    </p:animMotion>
+                                  </p:childTnLst>
+                                </p:cTn>
+                              </p:par>
+                              <p:par>
+                                <p:cTn id="7" presetID="6" presetClass="emph" presetSubtype="0" fill="hold" nodeType="withEffect">
+                                  <p:stCondLst>
+                                    <p:cond delay="0"/>
+                                  </p:stCondLst>
+                                  <p:childTnLst>
+                                    <p:animScale>
+                                      <p:cBhvr>
+                                        <p:cTn id="8" dur="1000" fill="hold"/>
+                                        <p:tgtEl>
+                                          <p:spTgt spid="6"/>
+                                        </p:tgtEl>
+                                      </p:cBhvr>
+                                      <p:by x="31000" y="31000"/>
+                                    </p:animScale>
+                                  </p:childTnLst>
+                                </p:cTn>
+                              </p:par>
+                              <p:par>
+                                <p:cTn id="9" presetID="10" presetClass="exit" presetSubtype="0" fill="hold" nodeType="withEffect">
+                                  <p:stCondLst>
+                                    <p:cond delay="0"/>
+                                  </p:stCondLst>
+                                  <p:childTnLst>
+                                    <p:animEffect transition="out" filter="fade">
+                                      <p:cBhvr>
+                                        <p:cTn id="10" dur="500"/>
+                                        <p:tgtEl>
+                                          <p:spTgt spid="4"/>
+                                        </p:tgtEl>
+                                      </p:cBhvr>
+                                    </p:animEffect>
+                                    <p:set>
+                                      <p:cBhvr>
+                                        <p:cTn id="11" dur="1" fill="hold">
+                                          <p:stCondLst>
+                                            <p:cond delay="499"/>
+                                          </p:stCondLst>
+                                        </p:cTn>
+                                        <p:tgtEl>
+                                          <p:spTgt spid="4"/>
+                                        </p:tgtEl>
+                                        <p:attrNameLst>
+                                          <p:attrName>style.visibility</p:attrName>
+                                        </p:attrNameLst>
+                                      </p:cBhvr>
+                                      <p:to>
+                                        <p:strVal val="hidden"/>
+                                      </p:to>
+                                    </p:set>
+                                  </p:childTnLst>
+                                </p:cTn>
+                              </p:par>
+                            </p:childTnLst>
+                          </p:cTn>
+                        </p:par>
+                      </p:childTnLst>
+                    </p:cTn>
+                  </p:par>
+                </p:childTnLst>
+              </p:cTn>
+              <p:prevCondLst>
+                <p:cond evt="onPrev" delay="0">
+                  <p:tgtEl>
+                    <p:sldTgt/>
+                  </p:tgtEl>
+                </p:cond>
+              </p:prevCondLst>
+              <p:nextCondLst>
+                <p:cond evt="onNext" delay="0">
+                  <p:tgtEl>
+                    <p:sldTgt/>
+                  </p:tgtEl>
+                </p:cond>
+              </p:nextCondLst>
+            </p:seq>
+          </p:childTnLst>
+        </p:cTn>
+      </p:par>
+    </p:tnLst>
+  </p:timing>
 </p:sld>
 </file>
 
@@ -12422,14 +12315,6 @@
 <file path=ppt/slides/slide5.xml><?xml version="1.0" encoding="utf-8"?>
 <p:sld xmlns:a="http://schemas.openxmlformats.org/drawingml/2006/main" xmlns:r="http://schemas.openxmlformats.org/officeDocument/2006/relationships" xmlns:p="http://schemas.openxmlformats.org/presentationml/2006/main">
   <p:cSld>
-    <p:bg>
-      <p:bgPr>
-        <a:solidFill>
-          <a:srgbClr val="FFFEFB"/>
-        </a:solidFill>
-        <a:effectLst/>
-      </p:bgPr>
-    </p:bg>
     <p:spTree>
       <p:nvGrpSpPr>
         <p:cNvPr id="1" name=""/>
@@ -13275,7 +13160,7 @@
         </p:nvSpPr>
         <p:spPr>
           <a:xfrm>
-            <a:off x="1028700" y="1858823"/>
+            <a:off x="1028700" y="1095077"/>
             <a:ext cx="10262494" cy="1533525"/>
           </a:xfrm>
           <a:prstGeom prst="rect">
@@ -13319,8 +13204,8 @@
         </p:nvSpPr>
         <p:spPr>
           <a:xfrm>
-            <a:off x="1028700" y="3954621"/>
-            <a:ext cx="8782050" cy="4883068"/>
+            <a:off x="1028700" y="3190875"/>
+            <a:ext cx="8782050" cy="4924425"/>
           </a:xfrm>
           <a:prstGeom prst="rect">
             <a:avLst/>
@@ -13332,74 +13217,60 @@
           </a:bodyPr>
           <a:lstStyle/>
           <a:p>
-            <a:pPr algn="just">
+            <a:pPr marL="457200" indent="-457200">
               <a:lnSpc>
                 <a:spcPts val="4759"/>
               </a:lnSpc>
+              <a:buClr>
+                <a:srgbClr val="EF3939"/>
+              </a:buClr>
+              <a:buFont typeface="Wingdings" panose="05000000000000000000" pitchFamily="2" charset="2"/>
+              <a:buChar char="ü"/>
             </a:pPr>
             <a:r>
-              <a:rPr lang="pt-BR" sz="3400" dirty="0">
+              <a:rPr lang="pt-BR" sz="3400" dirty="0" smtClean="0">
                 <a:solidFill>
                   <a:srgbClr val="000000"/>
                 </a:solidFill>
                 <a:latin typeface="Open Sans Light"/>
               </a:rPr>
-              <a:t>- Monitoramento de informações de processamento das máquinas;</a:t>
-            </a:r>
-          </a:p>
-          <a:p>
-            <a:pPr algn="just">
+              <a:t>Monitoramento </a:t>
+            </a:r>
+            <a:r>
+              <a:rPr lang="pt-BR" sz="3400" dirty="0">
+                <a:solidFill>
+                  <a:srgbClr val="000000"/>
+                </a:solidFill>
+                <a:latin typeface="Open Sans Light"/>
+              </a:rPr>
+              <a:t>de informações de processamento das </a:t>
+            </a:r>
+            <a:r>
+              <a:rPr lang="pt-BR" sz="3400" dirty="0" smtClean="0">
+                <a:solidFill>
+                  <a:srgbClr val="000000"/>
+                </a:solidFill>
+                <a:latin typeface="Open Sans Light"/>
+              </a:rPr>
+              <a:t>máquinas:</a:t>
+            </a:r>
+            <a:endParaRPr lang="pt-BR" sz="3400" dirty="0">
+              <a:solidFill>
+                <a:srgbClr val="000000"/>
+              </a:solidFill>
+              <a:latin typeface="Open Sans Light"/>
+            </a:endParaRPr>
+          </a:p>
+          <a:p>
+            <a:pPr marL="457200" indent="-457200" algn="just">
               <a:lnSpc>
                 <a:spcPts val="4759"/>
               </a:lnSpc>
-            </a:pPr>
-            <a:r>
-              <a:rPr lang="pt-BR" sz="3400" dirty="0">
-                <a:solidFill>
-                  <a:srgbClr val="000000"/>
-                </a:solidFill>
-                <a:latin typeface="Open Sans Light"/>
-              </a:rPr>
-              <a:t>	- CPU;</a:t>
-            </a:r>
-          </a:p>
-          <a:p>
-            <a:pPr algn="just">
-              <a:lnSpc>
-                <a:spcPts val="4759"/>
-              </a:lnSpc>
-            </a:pPr>
-            <a:r>
-              <a:rPr lang="pt-BR" sz="3400" dirty="0">
-                <a:solidFill>
-                  <a:srgbClr val="000000"/>
-                </a:solidFill>
-                <a:latin typeface="Open Sans Light"/>
-              </a:rPr>
-              <a:t>	- Memória;</a:t>
-            </a:r>
-          </a:p>
-          <a:p>
-            <a:pPr algn="just">
-              <a:lnSpc>
-                <a:spcPts val="4759"/>
-              </a:lnSpc>
-            </a:pPr>
-            <a:r>
-              <a:rPr lang="pt-BR" sz="3400" dirty="0">
-                <a:solidFill>
-                  <a:srgbClr val="000000"/>
-                </a:solidFill>
-                <a:latin typeface="Open Sans Light"/>
-              </a:rPr>
-              <a:t>	- Disco.</a:t>
-            </a:r>
-          </a:p>
-          <a:p>
-            <a:pPr algn="just">
-              <a:lnSpc>
-                <a:spcPts val="4759"/>
-              </a:lnSpc>
+              <a:buClr>
+                <a:srgbClr val="EF3939"/>
+              </a:buClr>
+              <a:buFont typeface="Wingdings" panose="05000000000000000000" pitchFamily="2" charset="2"/>
+              <a:buChar char="ü"/>
             </a:pPr>
             <a:endParaRPr lang="pt-BR" sz="3400" dirty="0">
               <a:solidFill>
@@ -13409,19 +13280,87 @@
             </a:endParaRPr>
           </a:p>
           <a:p>
-            <a:pPr algn="just">
+            <a:pPr marL="457200" indent="-457200" algn="just">
               <a:lnSpc>
                 <a:spcPts val="4759"/>
               </a:lnSpc>
+              <a:buClr>
+                <a:srgbClr val="EF3939"/>
+              </a:buClr>
+              <a:buFont typeface="Wingdings" panose="05000000000000000000" pitchFamily="2" charset="2"/>
+              <a:buChar char="ü"/>
             </a:pPr>
-            <a:r>
-              <a:rPr lang="pt-BR" sz="3400" dirty="0">
+            <a:endParaRPr lang="pt-BR" sz="3400" dirty="0">
+              <a:solidFill>
+                <a:srgbClr val="000000"/>
+              </a:solidFill>
+              <a:latin typeface="Open Sans Light"/>
+            </a:endParaRPr>
+          </a:p>
+          <a:p>
+            <a:pPr marL="457200" indent="-457200" algn="just">
+              <a:lnSpc>
+                <a:spcPts val="4759"/>
+              </a:lnSpc>
+              <a:buClr>
+                <a:srgbClr val="EF3939"/>
+              </a:buClr>
+              <a:buFont typeface="Wingdings" panose="05000000000000000000" pitchFamily="2" charset="2"/>
+              <a:buChar char="ü"/>
+            </a:pPr>
+            <a:endParaRPr lang="pt-BR" sz="3400" dirty="0" smtClean="0">
+              <a:solidFill>
+                <a:srgbClr val="000000"/>
+              </a:solidFill>
+              <a:latin typeface="Open Sans Light"/>
+            </a:endParaRPr>
+          </a:p>
+          <a:p>
+            <a:pPr marL="457200" indent="-457200" algn="just">
+              <a:lnSpc>
+                <a:spcPts val="4759"/>
+              </a:lnSpc>
+              <a:buClr>
+                <a:srgbClr val="EF3939"/>
+              </a:buClr>
+              <a:buFont typeface="Wingdings" panose="05000000000000000000" pitchFamily="2" charset="2"/>
+              <a:buChar char="ü"/>
+            </a:pPr>
+            <a:endParaRPr lang="pt-BR" sz="3400" dirty="0">
+              <a:solidFill>
+                <a:srgbClr val="000000"/>
+              </a:solidFill>
+              <a:latin typeface="Open Sans Light"/>
+            </a:endParaRPr>
+          </a:p>
+          <a:p>
+            <a:pPr marL="457200" indent="-457200">
+              <a:lnSpc>
+                <a:spcPts val="4759"/>
+              </a:lnSpc>
+              <a:buClr>
+                <a:srgbClr val="EF3939"/>
+              </a:buClr>
+              <a:buFont typeface="Wingdings" panose="05000000000000000000" pitchFamily="2" charset="2"/>
+              <a:buChar char="ü"/>
+            </a:pPr>
+            <a:r>
+              <a:rPr lang="pt-BR" sz="3400" dirty="0" smtClean="0">
                 <a:solidFill>
                   <a:srgbClr val="000000"/>
                 </a:solidFill>
                 <a:latin typeface="Open Sans Light"/>
               </a:rPr>
-              <a:t>- Monitoramento da rede que as máquinas estão conectadas.</a:t>
+              <a:t>Monitoramento </a:t>
+            </a:r>
+            <a:r>
+              <a:rPr lang="pt-BR" sz="3400" dirty="0">
+                <a:solidFill>
+                  <a:srgbClr val="000000"/>
+                </a:solidFill>
+                <a:latin typeface="Open Sans Light"/>
+              </a:rPr>
+              <a:t>da rede que as máquinas estão conectadas.</a:t>
             </a:r>
             <a:endParaRPr lang="en-US" sz="3400" dirty="0">
               <a:solidFill>
@@ -13462,7 +13401,112 @@
           </a:prstGeom>
         </p:spPr>
       </p:pic>
+      <p:sp>
+        <p:nvSpPr>
+          <p:cNvPr id="17" name="Retângulo 16"/>
+          <p:cNvSpPr/>
+          <p:nvPr/>
+        </p:nvSpPr>
+        <p:spPr>
+          <a:xfrm>
+            <a:off x="1447800" y="4549786"/>
+            <a:ext cx="2759228" cy="1938992"/>
+          </a:xfrm>
+          <a:prstGeom prst="rect">
+            <a:avLst/>
+          </a:prstGeom>
+        </p:spPr>
+        <p:txBody>
+          <a:bodyPr wrap="square">
+            <a:spAutoFit/>
+          </a:bodyPr>
+          <a:lstStyle/>
+          <a:p>
+            <a:pPr marL="457200" indent="-457200" algn="just">
+              <a:lnSpc>
+                <a:spcPts val="4759"/>
+              </a:lnSpc>
+              <a:buClr>
+                <a:srgbClr val="F13B3B"/>
+              </a:buClr>
+              <a:buFont typeface="Arial" panose="020B0604020202020204" pitchFamily="34" charset="0"/>
+              <a:buChar char="•"/>
+            </a:pPr>
+            <a:r>
+              <a:rPr lang="pt-BR" sz="3400" dirty="0" smtClean="0">
+                <a:solidFill>
+                  <a:srgbClr val="000000"/>
+                </a:solidFill>
+                <a:latin typeface="Open Sans Light"/>
+              </a:rPr>
+              <a:t>CPU;</a:t>
+            </a:r>
+          </a:p>
+          <a:p>
+            <a:pPr marL="457200" indent="-457200" algn="just">
+              <a:lnSpc>
+                <a:spcPts val="4759"/>
+              </a:lnSpc>
+              <a:buClr>
+                <a:srgbClr val="F13B3B"/>
+              </a:buClr>
+              <a:buFont typeface="Arial" panose="020B0604020202020204" pitchFamily="34" charset="0"/>
+              <a:buChar char="•"/>
+            </a:pPr>
+            <a:r>
+              <a:rPr lang="pt-BR" sz="3400" dirty="0" smtClean="0">
+                <a:solidFill>
+                  <a:srgbClr val="000000"/>
+                </a:solidFill>
+                <a:latin typeface="Open Sans Light"/>
+              </a:rPr>
+              <a:t>Memória;</a:t>
+            </a:r>
+          </a:p>
+          <a:p>
+            <a:pPr marL="457200" indent="-457200" algn="just">
+              <a:lnSpc>
+                <a:spcPts val="4759"/>
+              </a:lnSpc>
+              <a:buClr>
+                <a:srgbClr val="F13B3B"/>
+              </a:buClr>
+              <a:buFont typeface="Arial" panose="020B0604020202020204" pitchFamily="34" charset="0"/>
+              <a:buChar char="•"/>
+            </a:pPr>
+            <a:r>
+              <a:rPr lang="pt-BR" sz="3400" dirty="0" smtClean="0">
+                <a:solidFill>
+                  <a:srgbClr val="000000"/>
+                </a:solidFill>
+                <a:latin typeface="Open Sans Light"/>
+              </a:rPr>
+              <a:t>Disco</a:t>
+            </a:r>
+            <a:r>
+              <a:rPr lang="pt-BR" dirty="0" smtClean="0">
+                <a:solidFill>
+                  <a:srgbClr val="000000"/>
+                </a:solidFill>
+                <a:latin typeface="Open Sans Light"/>
+              </a:rPr>
+              <a:t>.;</a:t>
+            </a:r>
+            <a:endParaRPr lang="pt-BR" dirty="0">
+              <a:solidFill>
+                <a:srgbClr val="000000"/>
+              </a:solidFill>
+              <a:latin typeface="Open Sans Light"/>
+            </a:endParaRPr>
+          </a:p>
+        </p:txBody>
+      </p:sp>
     </p:spTree>
+    <p:extLst>
+      <p:ext uri="{BB962C8B-B14F-4D97-AF65-F5344CB8AC3E}">
+        <p14:creationId xmlns:p14="http://schemas.microsoft.com/office/powerpoint/2010/main" val="3504900869"/>
+      </p:ext>
+    </p:extLst>
   </p:cSld>
   <p:clrMapOvr>
     <a:masterClrMapping/>
@@ -13581,6 +13625,41 @@
                                   </p:childTnLst>
                                 </p:cTn>
                               </p:par>
+                              <p:par>
+                                <p:cTn id="12" presetID="10" presetClass="entr" presetSubtype="0" fill="hold" grpId="0" nodeType="withEffect">
+                                  <p:stCondLst>
+                                    <p:cond delay="0"/>
+                                  </p:stCondLst>
+                                  <p:childTnLst>
+                                    <p:set>
+                                      <p:cBhvr>
+                                        <p:cTn id="13" dur="1" fill="hold">
+                                          <p:stCondLst>
+                                            <p:cond delay="0"/>
+                                          </p:stCondLst>
+                                        </p:cTn>
+                                        <p:tgtEl>
+                                          <p:spTgt spid="17"/>
+                                        </p:tgtEl>
+                                        <p:attrNameLst>
+                                          <p:attrName>style.visibility</p:attrName>
+                                        </p:attrNameLst>
+                                      </p:cBhvr>
+                                      <p:to>
+                                        <p:strVal val="visible"/>
+                                      </p:to>
+                                    </p:set>
+                                    <p:animEffect transition="in" filter="fade">
+                                      <p:cBhvr>
+                                        <p:cTn id="14" dur="500"/>
+                                        <p:tgtEl>
+                                          <p:spTgt spid="17"/>
+                                        </p:tgtEl>
+                                      </p:cBhvr>
+                                    </p:animEffect>
+                                  </p:childTnLst>
+                                </p:cTn>
+                              </p:par>
                             </p:childTnLst>
                           </p:cTn>
                         </p:par>
@@ -13611,6 +13690,7 @@
     <p:bldLst>
       <p:bldP spid="19" grpId="0"/>
       <p:bldP spid="20" grpId="0"/>
+      <p:bldP spid="17" grpId="0"/>
     </p:bldLst>
   </p:timing>
 </p:sld>
@@ -13819,23 +13899,53 @@
           </a:prstGeom>
         </p:spPr>
       </p:pic>
+      <p:pic>
+        <p:nvPicPr>
+          <p:cNvPr id="22" name="Imagem 21">
+            <a:extLst>
+              <a:ext uri="{FF2B5EF4-FFF2-40B4-BE49-F238E27FC236}">
+                <a16:creationId xmlns:a16="http://schemas.microsoft.com/office/drawing/2014/main" id="{29E6B708-0107-403A-B9CA-4EEBCA944254}"/>
+              </a:ext>
+            </a:extLst>
+          </p:cNvPr>
+          <p:cNvPicPr>
+            <a:picLocks noChangeAspect="1"/>
+          </p:cNvPicPr>
+          <p:nvPr/>
+        </p:nvPicPr>
+        <p:blipFill>
+          <a:blip r:embed="rId3"/>
+          <a:stretch>
+            <a:fillRect/>
+          </a:stretch>
+        </p:blipFill>
+        <p:spPr>
+          <a:xfrm>
+            <a:off x="17078325" y="266700"/>
+            <a:ext cx="883385" cy="1044000"/>
+          </a:xfrm>
+          <a:prstGeom prst="rect">
+            <a:avLst/>
+          </a:prstGeom>
+        </p:spPr>
+      </p:pic>
       <p:grpSp>
         <p:nvGrpSpPr>
-          <p:cNvPr id="3" name="Group 3"/>
+          <p:cNvPr id="21" name="Group 3"/>
           <p:cNvGrpSpPr/>
           <p:nvPr/>
         </p:nvGrpSpPr>
         <p:grpSpPr>
           <a:xfrm>
             <a:off x="9835409" y="2897248"/>
-            <a:ext cx="5914307" cy="1993668"/>
+            <a:ext cx="5878021" cy="1993668"/>
             <a:chOff x="0" y="0"/>
-            <a:chExt cx="7885743" cy="2658225"/>
+            <a:chExt cx="7837362" cy="2658225"/>
           </a:xfrm>
         </p:grpSpPr>
         <p:grpSp>
           <p:nvGrpSpPr>
-            <p:cNvPr id="4" name="Group 4"/>
+            <p:cNvPr id="23" name="Group 4"/>
             <p:cNvGrpSpPr/>
             <p:nvPr/>
           </p:nvGrpSpPr>
@@ -13849,7 +13959,7 @@
           </p:grpSpPr>
           <p:sp>
             <p:nvSpPr>
-              <p:cNvPr id="5" name="Freeform 5"/>
+              <p:cNvPr id="25" name="Freeform 5"/>
               <p:cNvSpPr/>
               <p:nvPr/>
             </p:nvSpPr>
@@ -13904,14 +14014,14 @@
         </p:grpSp>
         <p:sp>
           <p:nvSpPr>
-            <p:cNvPr id="6" name="TextBox 6"/>
+            <p:cNvPr id="24" name="TextBox 6"/>
             <p:cNvSpPr txBox="1"/>
             <p:nvPr/>
           </p:nvSpPr>
           <p:spPr>
             <a:xfrm>
-              <a:off x="3623829" y="327171"/>
-              <a:ext cx="4261914" cy="2003883"/>
+              <a:off x="3575448" y="846115"/>
+              <a:ext cx="4261914" cy="960863"/>
             </a:xfrm>
             <a:prstGeom prst="rect">
               <a:avLst/>
@@ -13929,31 +14039,13 @@
                 </a:lnSpc>
               </a:pPr>
               <a:r>
-                <a:rPr lang="en-US" sz="4046" spc="40" dirty="0" err="1">
+                <a:rPr lang="en-US" sz="4046" spc="40" dirty="0" err="1" smtClean="0">
                   <a:solidFill>
                     <a:srgbClr val="393667"/>
                   </a:solidFill>
                   <a:latin typeface="Open Sans 2"/>
                 </a:rPr>
-                <a:t>Histórico</a:t>
-              </a:r>
-              <a:r>
-                <a:rPr lang="en-US" sz="4046" spc="40" dirty="0">
-                  <a:solidFill>
-                    <a:srgbClr val="393667"/>
-                  </a:solidFill>
-                  <a:latin typeface="Open Sans 2"/>
-                </a:rPr>
-                <a:t> de </a:t>
-              </a:r>
-              <a:r>
-                <a:rPr lang="en-US" sz="4046" spc="40" dirty="0" err="1">
-                  <a:solidFill>
-                    <a:srgbClr val="393667"/>
-                  </a:solidFill>
-                  <a:latin typeface="Open Sans 2"/>
-                </a:rPr>
-                <a:t>incidentes</a:t>
+                <a:t>Relatórios</a:t>
               </a:r>
               <a:endParaRPr lang="en-US" sz="4046" spc="40" dirty="0">
                 <a:solidFill>
@@ -13967,35 +14059,35 @@
       </p:grpSp>
       <p:grpSp>
         <p:nvGrpSpPr>
-          <p:cNvPr id="7" name="Group 7"/>
+          <p:cNvPr id="26" name="Group 7"/>
           <p:cNvGrpSpPr/>
           <p:nvPr/>
         </p:nvGrpSpPr>
         <p:grpSpPr>
           <a:xfrm>
             <a:off x="9835409" y="368225"/>
-            <a:ext cx="5878021" cy="1993668"/>
+            <a:ext cx="5878022" cy="1993668"/>
             <a:chOff x="0" y="0"/>
             <a:chExt cx="7837363" cy="2658225"/>
           </a:xfrm>
         </p:grpSpPr>
         <p:grpSp>
           <p:nvGrpSpPr>
-            <p:cNvPr id="8" name="Group 8"/>
+            <p:cNvPr id="27" name="Group 8"/>
             <p:cNvGrpSpPr/>
             <p:nvPr/>
           </p:nvGrpSpPr>
           <p:grpSpPr>
             <a:xfrm>
               <a:off x="0" y="0"/>
-              <a:ext cx="2658226" cy="2658225"/>
+              <a:ext cx="2658225" cy="2658225"/>
               <a:chOff x="0" y="0"/>
               <a:chExt cx="6350000" cy="6350000"/>
             </a:xfrm>
           </p:grpSpPr>
           <p:sp>
             <p:nvSpPr>
-              <p:cNvPr id="9" name="Freeform 9"/>
+              <p:cNvPr id="29" name="Freeform 9"/>
               <p:cNvSpPr/>
               <p:nvPr/>
             </p:nvSpPr>
@@ -14050,21 +14142,21 @@
         </p:grpSp>
         <p:sp>
           <p:nvSpPr>
-            <p:cNvPr id="10" name="TextBox 10"/>
+            <p:cNvPr id="28" name="TextBox 10"/>
             <p:cNvSpPr txBox="1"/>
             <p:nvPr/>
           </p:nvSpPr>
           <p:spPr>
             <a:xfrm>
-              <a:off x="3575449" y="327171"/>
-              <a:ext cx="4261914" cy="2003883"/>
+              <a:off x="3575449" y="286091"/>
+              <a:ext cx="4261914" cy="2086042"/>
             </a:xfrm>
             <a:prstGeom prst="rect">
               <a:avLst/>
             </a:prstGeom>
           </p:spPr>
           <p:txBody>
-            <a:bodyPr wrap="square" lIns="0" tIns="0" rIns="0" bIns="0" rtlCol="0" anchor="t">
+            <a:bodyPr lIns="0" tIns="0" rIns="0" bIns="0" rtlCol="0" anchor="t">
               <a:spAutoFit/>
             </a:bodyPr>
             <a:lstStyle/>
@@ -14075,7 +14167,7 @@
                 </a:lnSpc>
               </a:pPr>
               <a:r>
-                <a:rPr lang="en-US" sz="4046" spc="40" dirty="0" err="1">
+                <a:rPr lang="en-US" sz="4046" spc="40" dirty="0" err="1" smtClean="0">
                   <a:solidFill>
                     <a:srgbClr val="393667"/>
                   </a:solidFill>
@@ -14084,7 +14176,7 @@
                 <a:t>Rapidez</a:t>
               </a:r>
               <a:r>
-                <a:rPr lang="en-US" sz="4046" spc="40" dirty="0">
+                <a:rPr lang="en-US" sz="4046" spc="40" dirty="0" smtClean="0">
                   <a:solidFill>
                     <a:srgbClr val="393667"/>
                   </a:solidFill>
@@ -14093,7 +14185,7 @@
                 <a:t> e </a:t>
               </a:r>
               <a:r>
-                <a:rPr lang="en-US" sz="4046" spc="40" dirty="0" err="1">
+                <a:rPr lang="en-US" sz="4046" spc="40" dirty="0" err="1" smtClean="0">
                   <a:solidFill>
                     <a:srgbClr val="393667"/>
                   </a:solidFill>
@@ -14113,21 +14205,21 @@
       </p:grpSp>
       <p:grpSp>
         <p:nvGrpSpPr>
-          <p:cNvPr id="11" name="Group 11"/>
+          <p:cNvPr id="30" name="Group 11"/>
           <p:cNvGrpSpPr/>
           <p:nvPr/>
         </p:nvGrpSpPr>
         <p:grpSpPr>
           <a:xfrm>
             <a:off x="9835409" y="7925107"/>
-            <a:ext cx="6166590" cy="1993668"/>
+            <a:ext cx="6318991" cy="1993668"/>
             <a:chOff x="0" y="0"/>
-            <a:chExt cx="8222121" cy="2658225"/>
+            <a:chExt cx="8425322" cy="2658225"/>
           </a:xfrm>
         </p:grpSpPr>
         <p:grpSp>
           <p:nvGrpSpPr>
-            <p:cNvPr id="12" name="Group 12"/>
+            <p:cNvPr id="31" name="Group 12"/>
             <p:cNvGrpSpPr/>
             <p:nvPr/>
           </p:nvGrpSpPr>
@@ -14141,7 +14233,7 @@
           </p:grpSpPr>
           <p:sp>
             <p:nvSpPr>
-              <p:cNvPr id="13" name="Freeform 13"/>
+              <p:cNvPr id="33" name="Freeform 13"/>
               <p:cNvSpPr/>
               <p:nvPr/>
             </p:nvSpPr>
@@ -14196,14 +14288,14 @@
         </p:grpSp>
         <p:sp>
           <p:nvSpPr>
-            <p:cNvPr id="14" name="TextBox 14"/>
+            <p:cNvPr id="32" name="TextBox 14"/>
             <p:cNvSpPr txBox="1"/>
             <p:nvPr/>
           </p:nvSpPr>
           <p:spPr>
             <a:xfrm>
-              <a:off x="3575448" y="804206"/>
-              <a:ext cx="4646673" cy="960863"/>
+              <a:off x="3575448" y="807602"/>
+              <a:ext cx="4849874" cy="1043020"/>
             </a:xfrm>
             <a:prstGeom prst="rect">
               <a:avLst/>
@@ -14221,7 +14313,7 @@
                 </a:lnSpc>
               </a:pPr>
               <a:r>
-                <a:rPr lang="en-US" sz="4046" spc="40" dirty="0" err="1">
+                <a:rPr lang="en-US" sz="4046" spc="40" dirty="0" err="1" smtClean="0">
                   <a:solidFill>
                     <a:srgbClr val="393667"/>
                   </a:solidFill>
@@ -14241,7 +14333,7 @@
       </p:grpSp>
       <p:sp>
         <p:nvSpPr>
-          <p:cNvPr id="15" name="TextBox 15"/>
+          <p:cNvPr id="34" name="TextBox 15"/>
           <p:cNvSpPr txBox="1"/>
           <p:nvPr/>
         </p:nvSpPr>
@@ -14272,7 +14364,7 @@
                 </a:solidFill>
                 <a:latin typeface="Open Sans 1 Bold"/>
               </a:rPr>
-              <a:t>Benefícios</a:t>
+              <a:t>Vantagens</a:t>
             </a:r>
             <a:endParaRPr lang="en-US" sz="9000" dirty="0">
               <a:solidFill>
@@ -14285,21 +14377,21 @@
       </p:sp>
       <p:grpSp>
         <p:nvGrpSpPr>
-          <p:cNvPr id="16" name="Group 16"/>
+          <p:cNvPr id="35" name="Group 16"/>
           <p:cNvGrpSpPr/>
           <p:nvPr/>
         </p:nvGrpSpPr>
         <p:grpSpPr>
           <a:xfrm>
             <a:off x="9835409" y="5396084"/>
-            <a:ext cx="5878022" cy="1993668"/>
+            <a:ext cx="5878021" cy="1993667"/>
             <a:chOff x="0" y="0"/>
-            <a:chExt cx="7837363" cy="2658225"/>
+            <a:chExt cx="7837362" cy="2658225"/>
           </a:xfrm>
         </p:grpSpPr>
         <p:grpSp>
           <p:nvGrpSpPr>
-            <p:cNvPr id="17" name="Group 17"/>
+            <p:cNvPr id="36" name="Group 17"/>
             <p:cNvGrpSpPr/>
             <p:nvPr/>
           </p:nvGrpSpPr>
@@ -14313,7 +14405,7 @@
           </p:grpSpPr>
           <p:sp>
             <p:nvSpPr>
-              <p:cNvPr id="18" name="Freeform 18"/>
+              <p:cNvPr id="38" name="Freeform 18"/>
               <p:cNvSpPr/>
               <p:nvPr/>
             </p:nvSpPr>
@@ -14368,14 +14460,14 @@
         </p:grpSp>
         <p:sp>
           <p:nvSpPr>
-            <p:cNvPr id="19" name="TextBox 19"/>
+            <p:cNvPr id="37" name="TextBox 19"/>
             <p:cNvSpPr txBox="1"/>
             <p:nvPr/>
           </p:nvSpPr>
           <p:spPr>
             <a:xfrm>
-              <a:off x="3575449" y="804206"/>
-              <a:ext cx="4261914" cy="960863"/>
+              <a:off x="3575448" y="326340"/>
+              <a:ext cx="4261914" cy="2003884"/>
             </a:xfrm>
             <a:prstGeom prst="rect">
               <a:avLst/>
@@ -14399,7 +14491,25 @@
                   </a:solidFill>
                   <a:latin typeface="Open Sans 2"/>
                 </a:rPr>
-                <a:t>Relatórios</a:t>
+                <a:t>Histórico</a:t>
+              </a:r>
+              <a:r>
+                <a:rPr lang="en-US" sz="4046" spc="40" dirty="0">
+                  <a:solidFill>
+                    <a:srgbClr val="393667"/>
+                  </a:solidFill>
+                  <a:latin typeface="Open Sans 2"/>
+                </a:rPr>
+                <a:t> de </a:t>
+              </a:r>
+              <a:r>
+                <a:rPr lang="en-US" sz="4046" spc="40" dirty="0" err="1" smtClean="0">
+                  <a:solidFill>
+                    <a:srgbClr val="393667"/>
+                  </a:solidFill>
+                  <a:latin typeface="Open Sans 2"/>
+                </a:rPr>
+                <a:t>incidentes</a:t>
               </a:r>
               <a:endParaRPr lang="en-US" sz="4046" spc="40" dirty="0">
                 <a:solidFill>
@@ -14413,28 +14523,118 @@
       </p:grpSp>
       <p:pic>
         <p:nvPicPr>
-          <p:cNvPr id="22" name="Imagem 21">
-            <a:extLst>
-              <a:ext uri="{FF2B5EF4-FFF2-40B4-BE49-F238E27FC236}">
-                <a16:creationId xmlns:a16="http://schemas.microsoft.com/office/drawing/2014/main" id="{29E6B708-0107-403A-B9CA-4EEBCA944254}"/>
-              </a:ext>
-            </a:extLst>
-          </p:cNvPr>
+          <p:cNvPr id="39" name="Imagem 38"/>
           <p:cNvPicPr>
             <a:picLocks noChangeAspect="1"/>
           </p:cNvPicPr>
           <p:nvPr/>
         </p:nvPicPr>
         <p:blipFill>
-          <a:blip r:embed="rId3"/>
+          <a:blip r:embed="rId4">
+            <a:extLst>
+              <a:ext uri="{28A0092B-C50C-407E-A947-70E740481C1C}">
+                <a14:useLocalDpi xmlns:a14="http://schemas.microsoft.com/office/drawing/2010/main" val="0"/>
+              </a:ext>
+            </a:extLst>
+          </a:blip>
           <a:stretch>
             <a:fillRect/>
           </a:stretch>
         </p:blipFill>
         <p:spPr>
           <a:xfrm>
-            <a:off x="17078325" y="266700"/>
-            <a:ext cx="883385" cy="1044000"/>
+            <a:off x="10382173" y="914988"/>
+            <a:ext cx="900140" cy="900140"/>
+          </a:xfrm>
+          <a:prstGeom prst="rect">
+            <a:avLst/>
+          </a:prstGeom>
+        </p:spPr>
+      </p:pic>
+      <p:pic>
+        <p:nvPicPr>
+          <p:cNvPr id="40" name="Imagem 39"/>
+          <p:cNvPicPr>
+            <a:picLocks noChangeAspect="1"/>
+          </p:cNvPicPr>
+          <p:nvPr/>
+        </p:nvPicPr>
+        <p:blipFill>
+          <a:blip r:embed="rId5">
+            <a:extLst>
+              <a:ext uri="{28A0092B-C50C-407E-A947-70E740481C1C}">
+                <a14:useLocalDpi xmlns:a14="http://schemas.microsoft.com/office/drawing/2010/main" val="0"/>
+              </a:ext>
+            </a:extLst>
+          </a:blip>
+          <a:stretch>
+            <a:fillRect/>
+          </a:stretch>
+        </p:blipFill>
+        <p:spPr>
+          <a:xfrm>
+            <a:off x="10428943" y="3451930"/>
+            <a:ext cx="853370" cy="853370"/>
+          </a:xfrm>
+          <a:prstGeom prst="rect">
+            <a:avLst/>
+          </a:prstGeom>
+        </p:spPr>
+      </p:pic>
+      <p:pic>
+        <p:nvPicPr>
+          <p:cNvPr id="41" name="Imagem 40"/>
+          <p:cNvPicPr>
+            <a:picLocks noChangeAspect="1"/>
+          </p:cNvPicPr>
+          <p:nvPr/>
+        </p:nvPicPr>
+        <p:blipFill>
+          <a:blip r:embed="rId6">
+            <a:extLst>
+              <a:ext uri="{28A0092B-C50C-407E-A947-70E740481C1C}">
+                <a14:useLocalDpi xmlns:a14="http://schemas.microsoft.com/office/drawing/2010/main" val="0"/>
+              </a:ext>
+            </a:extLst>
+          </a:blip>
+          <a:stretch>
+            <a:fillRect/>
+          </a:stretch>
+        </p:blipFill>
+        <p:spPr>
+          <a:xfrm>
+            <a:off x="10358696" y="5829300"/>
+            <a:ext cx="993863" cy="993863"/>
+          </a:xfrm>
+          <a:prstGeom prst="rect">
+            <a:avLst/>
+          </a:prstGeom>
+        </p:spPr>
+      </p:pic>
+      <p:pic>
+        <p:nvPicPr>
+          <p:cNvPr id="42" name="Imagem 41"/>
+          <p:cNvPicPr>
+            <a:picLocks noChangeAspect="1"/>
+          </p:cNvPicPr>
+          <p:nvPr/>
+        </p:nvPicPr>
+        <p:blipFill>
+          <a:blip r:embed="rId7">
+            <a:extLst>
+              <a:ext uri="{28A0092B-C50C-407E-A947-70E740481C1C}">
+                <a14:useLocalDpi xmlns:a14="http://schemas.microsoft.com/office/drawing/2010/main" val="0"/>
+              </a:ext>
+            </a:extLst>
+          </a:blip>
+          <a:stretch>
+            <a:fillRect/>
+          </a:stretch>
+        </p:blipFill>
+        <p:spPr>
+          <a:xfrm>
+            <a:off x="10327532" y="8417229"/>
+            <a:ext cx="1009421" cy="1009421"/>
           </a:xfrm>
           <a:prstGeom prst="rect">
             <a:avLst/>
@@ -14579,7 +14779,7 @@
                                           </p:stCondLst>
                                         </p:cTn>
                                         <p:tgtEl>
-                                          <p:spTgt spid="15"/>
+                                          <p:spTgt spid="34"/>
                                         </p:tgtEl>
                                         <p:attrNameLst>
                                           <p:attrName>style.visibility</p:attrName>
@@ -14593,7 +14793,7 @@
                                       <p:cBhvr>
                                         <p:cTn id="13" dur="500"/>
                                         <p:tgtEl>
-                                          <p:spTgt spid="15"/>
+                                          <p:spTgt spid="34"/>
                                         </p:tgtEl>
                                       </p:cBhvr>
                                     </p:animEffect>
@@ -14614,7 +14814,7 @@
                                           </p:stCondLst>
                                         </p:cTn>
                                         <p:tgtEl>
-                                          <p:spTgt spid="7"/>
+                                          <p:spTgt spid="26"/>
                                         </p:tgtEl>
                                         <p:attrNameLst>
                                           <p:attrName>style.visibility</p:attrName>
@@ -14628,7 +14828,7 @@
                                       <p:cBhvr>
                                         <p:cTn id="16" dur="500"/>
                                         <p:tgtEl>
-                                          <p:spTgt spid="7"/>
+                                          <p:spTgt spid="26"/>
                                         </p:tgtEl>
                                       </p:cBhvr>
                                     </p:animEffect>
@@ -14649,7 +14849,7 @@
                                           </p:stCondLst>
                                         </p:cTn>
                                         <p:tgtEl>
-                                          <p:spTgt spid="3"/>
+                                          <p:spTgt spid="21"/>
                                         </p:tgtEl>
                                         <p:attrNameLst>
                                           <p:attrName>style.visibility</p:attrName>
@@ -14663,7 +14863,7 @@
                                       <p:cBhvr>
                                         <p:cTn id="19" dur="500"/>
                                         <p:tgtEl>
-                                          <p:spTgt spid="3"/>
+                                          <p:spTgt spid="21"/>
                                         </p:tgtEl>
                                       </p:cBhvr>
                                     </p:animEffect>
@@ -14684,7 +14884,7 @@
                                           </p:stCondLst>
                                         </p:cTn>
                                         <p:tgtEl>
-                                          <p:spTgt spid="16"/>
+                                          <p:spTgt spid="35"/>
                                         </p:tgtEl>
                                         <p:attrNameLst>
                                           <p:attrName>style.visibility</p:attrName>
@@ -14698,7 +14898,7 @@
                                       <p:cBhvr>
                                         <p:cTn id="22" dur="500"/>
                                         <p:tgtEl>
-                                          <p:spTgt spid="16"/>
+                                          <p:spTgt spid="35"/>
                                         </p:tgtEl>
                                       </p:cBhvr>
                                     </p:animEffect>
@@ -14719,7 +14919,7 @@
                                           </p:stCondLst>
                                         </p:cTn>
                                         <p:tgtEl>
-                                          <p:spTgt spid="11"/>
+                                          <p:spTgt spid="30"/>
                                         </p:tgtEl>
                                         <p:attrNameLst>
                                           <p:attrName>style.visibility</p:attrName>
@@ -14733,7 +14933,7 @@
                                       <p:cBhvr>
                                         <p:cTn id="25" dur="500"/>
                                         <p:tgtEl>
-                                          <p:spTgt spid="11"/>
+                                          <p:spTgt spid="30"/>
                                         </p:tgtEl>
                                       </p:cBhvr>
                                     </p:animEffect>
@@ -14768,7 +14968,7 @@
       </p:par>
     </p:tnLst>
     <p:bldLst>
-      <p:bldP spid="15" grpId="0"/>
+      <p:bldP spid="34" grpId="0"/>
     </p:bldLst>
   </p:timing>
 </p:sld>

--- a/Documentação/Pyxis.pptx
+++ b/Documentação/Pyxis.pptx
@@ -5,7 +5,7 @@
     <p:sldMasterId id="2147483648" r:id="rId1"/>
   </p:sldMasterIdLst>
   <p:notesMasterIdLst>
-    <p:notesMasterId r:id="rId19"/>
+    <p:notesMasterId r:id="rId20"/>
   </p:notesMasterIdLst>
   <p:sldIdLst>
     <p:sldId id="257" r:id="rId2"/>
@@ -18,21 +18,18 @@
     <p:sldId id="261" r:id="rId9"/>
     <p:sldId id="272" r:id="rId10"/>
     <p:sldId id="273" r:id="rId11"/>
-    <p:sldId id="274" r:id="rId12"/>
-    <p:sldId id="267" r:id="rId13"/>
-    <p:sldId id="275" r:id="rId14"/>
-    <p:sldId id="271" r:id="rId15"/>
-    <p:sldId id="265" r:id="rId16"/>
-    <p:sldId id="268" r:id="rId17"/>
-    <p:sldId id="269" r:id="rId18"/>
+    <p:sldId id="277" r:id="rId12"/>
+    <p:sldId id="274" r:id="rId13"/>
+    <p:sldId id="267" r:id="rId14"/>
+    <p:sldId id="275" r:id="rId15"/>
+    <p:sldId id="271" r:id="rId16"/>
+    <p:sldId id="265" r:id="rId17"/>
+    <p:sldId id="268" r:id="rId18"/>
+    <p:sldId id="269" r:id="rId19"/>
   </p:sldIdLst>
   <p:sldSz cx="18288000" cy="10287000"/>
   <p:notesSz cx="6858000" cy="9144000"/>
   <p:embeddedFontLst>
-    <p:embeddedFont>
-      <p:font typeface="Open Sans 2" panose="020B0604020202020204" charset="0"/>
-      <p:regular r:id="rId20"/>
-    </p:embeddedFont>
     <p:embeddedFont>
       <p:font typeface="Calibri" panose="020F0502020204030204" pitchFamily="34" charset="0"/>
       <p:regular r:id="rId21"/>
@@ -45,12 +42,16 @@
       <p:regular r:id="rId25"/>
     </p:embeddedFont>
     <p:embeddedFont>
-      <p:font typeface="Open Sans 1" panose="020B0604020202020204" charset="0"/>
+      <p:font typeface="Open Sans 2" panose="020B0604020202020204" charset="0"/>
       <p:regular r:id="rId26"/>
     </p:embeddedFont>
     <p:embeddedFont>
+      <p:font typeface="Open Sans 1" panose="020B0604020202020204" charset="0"/>
+      <p:regular r:id="rId27"/>
+    </p:embeddedFont>
+    <p:embeddedFont>
       <p:font typeface="Open Sans Light" panose="020B0604020202020204" charset="0"/>
-      <p:regular r:id="rId27"/>
+      <p:regular r:id="rId28"/>
     </p:embeddedFont>
   </p:embeddedFontLst>
   <p:defaultTextStyle>
@@ -4929,6 +4930,798 @@
         </p:nvSpPr>
         <p:spPr>
           <a:xfrm>
+            <a:off x="1529081" y="876300"/>
+            <a:ext cx="10262494" cy="1533525"/>
+          </a:xfrm>
+          <a:prstGeom prst="rect">
+            <a:avLst/>
+          </a:prstGeom>
+        </p:spPr>
+        <p:txBody>
+          <a:bodyPr lIns="0" tIns="0" rIns="0" bIns="0" rtlCol="0" anchor="t">
+            <a:spAutoFit/>
+          </a:bodyPr>
+          <a:lstStyle/>
+          <a:p>
+            <a:pPr>
+              <a:lnSpc>
+                <a:spcPts val="12599"/>
+              </a:lnSpc>
+            </a:pPr>
+            <a:r>
+              <a:rPr lang="en-US" sz="9000" dirty="0">
+                <a:solidFill>
+                  <a:srgbClr val="545454"/>
+                </a:solidFill>
+                <a:latin typeface="Open Sans 1 Bold"/>
+              </a:rPr>
+              <a:t>User Stories</a:t>
+            </a:r>
+          </a:p>
+        </p:txBody>
+      </p:sp>
+      <p:pic>
+        <p:nvPicPr>
+          <p:cNvPr id="5" name="Imagem 4">
+            <a:extLst>
+              <a:ext uri="{FF2B5EF4-FFF2-40B4-BE49-F238E27FC236}">
+                <a16:creationId xmlns:a16="http://schemas.microsoft.com/office/drawing/2014/main" id="{38496F73-5C44-4A7C-ACE7-9576F8ED8B4F}"/>
+              </a:ext>
+            </a:extLst>
+          </p:cNvPr>
+          <p:cNvPicPr>
+            <a:picLocks noChangeAspect="1"/>
+          </p:cNvPicPr>
+          <p:nvPr/>
+        </p:nvPicPr>
+        <p:blipFill>
+          <a:blip r:embed="rId2"/>
+          <a:stretch>
+            <a:fillRect/>
+          </a:stretch>
+        </p:blipFill>
+        <p:spPr>
+          <a:xfrm>
+            <a:off x="17078325" y="266700"/>
+            <a:ext cx="883385" cy="1044000"/>
+          </a:xfrm>
+          <a:prstGeom prst="rect">
+            <a:avLst/>
+          </a:prstGeom>
+        </p:spPr>
+      </p:pic>
+      <p:pic>
+        <p:nvPicPr>
+          <p:cNvPr id="6" name="Imagem 5"/>
+          <p:cNvPicPr>
+            <a:picLocks noChangeAspect="1"/>
+          </p:cNvPicPr>
+          <p:nvPr/>
+        </p:nvPicPr>
+        <p:blipFill>
+          <a:blip r:embed="rId3">
+            <a:extLst>
+              <a:ext uri="{28A0092B-C50C-407E-A947-70E740481C1C}">
+                <a14:useLocalDpi xmlns:a14="http://schemas.microsoft.com/office/drawing/2010/main" val="0"/>
+              </a:ext>
+            </a:extLst>
+          </a:blip>
+          <a:stretch>
+            <a:fillRect/>
+          </a:stretch>
+        </p:blipFill>
+        <p:spPr>
+          <a:xfrm>
+            <a:off x="1567180" y="3009900"/>
+            <a:ext cx="7429501" cy="3048000"/>
+          </a:xfrm>
+          <a:prstGeom prst="rect">
+            <a:avLst/>
+          </a:prstGeom>
+        </p:spPr>
+      </p:pic>
+      <p:sp>
+        <p:nvSpPr>
+          <p:cNvPr id="12" name="CaixaDeTexto 11"/>
+          <p:cNvSpPr txBox="1"/>
+          <p:nvPr/>
+        </p:nvSpPr>
+        <p:spPr>
+          <a:xfrm>
+            <a:off x="2209801" y="4107240"/>
+            <a:ext cx="5690871" cy="1569660"/>
+          </a:xfrm>
+          <a:prstGeom prst="rect">
+            <a:avLst/>
+          </a:prstGeom>
+          <a:noFill/>
+        </p:spPr>
+        <p:txBody>
+          <a:bodyPr wrap="square" rtlCol="0">
+            <a:spAutoFit/>
+          </a:bodyPr>
+          <a:lstStyle/>
+          <a:p>
+            <a:r>
+              <a:rPr lang="pt-BR" sz="2400" dirty="0" smtClean="0">
+                <a:solidFill>
+                  <a:schemeClr val="tx1">
+                    <a:lumMod val="85000"/>
+                    <a:lumOff val="15000"/>
+                  </a:schemeClr>
+                </a:solidFill>
+                <a:latin typeface="Open Sans Light" panose="020B0604020202020204" charset="0"/>
+                <a:ea typeface="Open Sans Light" panose="020B0604020202020204" charset="0"/>
+                <a:cs typeface="Open Sans Light" panose="020B0604020202020204" charset="0"/>
+              </a:rPr>
+              <a:t>Eu, enquanto Gestor, quero um relatório sobre a quantidade de horas ativas das máquinas, para verificar a produtividade dos operadores(as).</a:t>
+            </a:r>
+            <a:endParaRPr lang="pt-BR" sz="2400" dirty="0">
+              <a:solidFill>
+                <a:schemeClr val="tx1">
+                  <a:lumMod val="85000"/>
+                  <a:lumOff val="15000"/>
+                </a:schemeClr>
+              </a:solidFill>
+              <a:latin typeface="Open Sans Light" panose="020B0604020202020204" charset="0"/>
+              <a:ea typeface="Open Sans Light" panose="020B0604020202020204" charset="0"/>
+              <a:cs typeface="Open Sans Light" panose="020B0604020202020204" charset="0"/>
+            </a:endParaRPr>
+          </a:p>
+        </p:txBody>
+      </p:sp>
+      <p:sp>
+        <p:nvSpPr>
+          <p:cNvPr id="13" name="CaixaDeTexto 12"/>
+          <p:cNvSpPr txBox="1"/>
+          <p:nvPr/>
+        </p:nvSpPr>
+        <p:spPr>
+          <a:xfrm>
+            <a:off x="2209800" y="3342005"/>
+            <a:ext cx="5690871" cy="461665"/>
+          </a:xfrm>
+          <a:prstGeom prst="rect">
+            <a:avLst/>
+          </a:prstGeom>
+          <a:noFill/>
+        </p:spPr>
+        <p:txBody>
+          <a:bodyPr wrap="square" rtlCol="0">
+            <a:spAutoFit/>
+          </a:bodyPr>
+          <a:lstStyle/>
+          <a:p>
+            <a:r>
+              <a:rPr lang="pt-BR" sz="2400" dirty="0" err="1">
+                <a:solidFill>
+                  <a:schemeClr val="tx1">
+                    <a:lumMod val="85000"/>
+                    <a:lumOff val="15000"/>
+                  </a:schemeClr>
+                </a:solidFill>
+                <a:latin typeface="Open Sans 1 Bold"/>
+              </a:rPr>
+              <a:t>User</a:t>
+            </a:r>
+            <a:r>
+              <a:rPr lang="pt-BR" sz="2400" dirty="0">
+                <a:solidFill>
+                  <a:schemeClr val="tx1">
+                    <a:lumMod val="85000"/>
+                    <a:lumOff val="15000"/>
+                  </a:schemeClr>
+                </a:solidFill>
+                <a:latin typeface="Open Sans 1 Bold"/>
+              </a:rPr>
+              <a:t> </a:t>
+            </a:r>
+            <a:r>
+              <a:rPr lang="pt-BR" sz="2400" dirty="0" err="1">
+                <a:solidFill>
+                  <a:schemeClr val="tx1">
+                    <a:lumMod val="85000"/>
+                    <a:lumOff val="15000"/>
+                  </a:schemeClr>
+                </a:solidFill>
+                <a:latin typeface="Open Sans 1 Bold"/>
+              </a:rPr>
+              <a:t>Storie</a:t>
+            </a:r>
+            <a:r>
+              <a:rPr lang="pt-BR" sz="2400" dirty="0">
+                <a:solidFill>
+                  <a:schemeClr val="tx1">
+                    <a:lumMod val="85000"/>
+                    <a:lumOff val="15000"/>
+                  </a:schemeClr>
+                </a:solidFill>
+                <a:latin typeface="Open Sans 1 Bold"/>
+              </a:rPr>
+              <a:t> #01</a:t>
+            </a:r>
+          </a:p>
+        </p:txBody>
+      </p:sp>
+      <p:pic>
+        <p:nvPicPr>
+          <p:cNvPr id="17" name="Imagem 16"/>
+          <p:cNvPicPr>
+            <a:picLocks noChangeAspect="1"/>
+          </p:cNvPicPr>
+          <p:nvPr/>
+        </p:nvPicPr>
+        <p:blipFill>
+          <a:blip r:embed="rId3">
+            <a:extLst>
+              <a:ext uri="{28A0092B-C50C-407E-A947-70E740481C1C}">
+                <a14:useLocalDpi xmlns:a14="http://schemas.microsoft.com/office/drawing/2010/main" val="0"/>
+              </a:ext>
+            </a:extLst>
+          </a:blip>
+          <a:stretch>
+            <a:fillRect/>
+          </a:stretch>
+        </p:blipFill>
+        <p:spPr>
+          <a:xfrm>
+            <a:off x="9258299" y="3009900"/>
+            <a:ext cx="7429501" cy="3048000"/>
+          </a:xfrm>
+          <a:prstGeom prst="rect">
+            <a:avLst/>
+          </a:prstGeom>
+        </p:spPr>
+      </p:pic>
+      <p:sp>
+        <p:nvSpPr>
+          <p:cNvPr id="18" name="CaixaDeTexto 17"/>
+          <p:cNvSpPr txBox="1"/>
+          <p:nvPr/>
+        </p:nvSpPr>
+        <p:spPr>
+          <a:xfrm>
+            <a:off x="9900920" y="4107240"/>
+            <a:ext cx="5690871" cy="1569660"/>
+          </a:xfrm>
+          <a:prstGeom prst="rect">
+            <a:avLst/>
+          </a:prstGeom>
+          <a:noFill/>
+        </p:spPr>
+        <p:txBody>
+          <a:bodyPr wrap="square" rtlCol="0">
+            <a:spAutoFit/>
+          </a:bodyPr>
+          <a:lstStyle/>
+          <a:p>
+            <a:r>
+              <a:rPr lang="pt-BR" sz="2400" dirty="0" smtClean="0">
+                <a:solidFill>
+                  <a:schemeClr val="tx1">
+                    <a:lumMod val="85000"/>
+                    <a:lumOff val="15000"/>
+                  </a:schemeClr>
+                </a:solidFill>
+                <a:latin typeface="Open Sans Light" panose="020B0604020202020204" charset="0"/>
+                <a:ea typeface="Open Sans Light" panose="020B0604020202020204" charset="0"/>
+                <a:cs typeface="Open Sans Light" panose="020B0604020202020204" charset="0"/>
+              </a:rPr>
+              <a:t>Eu, enquanto suporte técnico, quero identificar quais máquinas estão com alerta, para realizar a análise da máquina rapidamente.</a:t>
+            </a:r>
+            <a:endParaRPr lang="pt-BR" sz="2400" dirty="0">
+              <a:solidFill>
+                <a:schemeClr val="tx1">
+                  <a:lumMod val="85000"/>
+                  <a:lumOff val="15000"/>
+                </a:schemeClr>
+              </a:solidFill>
+              <a:latin typeface="Open Sans Light" panose="020B0604020202020204" charset="0"/>
+              <a:ea typeface="Open Sans Light" panose="020B0604020202020204" charset="0"/>
+              <a:cs typeface="Open Sans Light" panose="020B0604020202020204" charset="0"/>
+            </a:endParaRPr>
+          </a:p>
+        </p:txBody>
+      </p:sp>
+      <p:sp>
+        <p:nvSpPr>
+          <p:cNvPr id="19" name="CaixaDeTexto 18"/>
+          <p:cNvSpPr txBox="1"/>
+          <p:nvPr/>
+        </p:nvSpPr>
+        <p:spPr>
+          <a:xfrm>
+            <a:off x="9900919" y="3342005"/>
+            <a:ext cx="5690871" cy="461665"/>
+          </a:xfrm>
+          <a:prstGeom prst="rect">
+            <a:avLst/>
+          </a:prstGeom>
+          <a:noFill/>
+        </p:spPr>
+        <p:txBody>
+          <a:bodyPr wrap="square" rtlCol="0">
+            <a:spAutoFit/>
+          </a:bodyPr>
+          <a:lstStyle/>
+          <a:p>
+            <a:r>
+              <a:rPr lang="pt-BR" sz="2400" dirty="0" err="1">
+                <a:solidFill>
+                  <a:schemeClr val="tx1">
+                    <a:lumMod val="85000"/>
+                    <a:lumOff val="15000"/>
+                  </a:schemeClr>
+                </a:solidFill>
+                <a:latin typeface="Open Sans 1 Bold"/>
+              </a:rPr>
+              <a:t>User</a:t>
+            </a:r>
+            <a:r>
+              <a:rPr lang="pt-BR" sz="2400" dirty="0">
+                <a:solidFill>
+                  <a:schemeClr val="tx1">
+                    <a:lumMod val="85000"/>
+                    <a:lumOff val="15000"/>
+                  </a:schemeClr>
+                </a:solidFill>
+                <a:latin typeface="Open Sans 1 Bold"/>
+              </a:rPr>
+              <a:t> </a:t>
+            </a:r>
+            <a:r>
+              <a:rPr lang="pt-BR" sz="2400" dirty="0" err="1">
+                <a:solidFill>
+                  <a:schemeClr val="tx1">
+                    <a:lumMod val="85000"/>
+                    <a:lumOff val="15000"/>
+                  </a:schemeClr>
+                </a:solidFill>
+                <a:latin typeface="Open Sans 1 Bold"/>
+              </a:rPr>
+              <a:t>Storie</a:t>
+            </a:r>
+            <a:r>
+              <a:rPr lang="pt-BR" sz="2400" dirty="0">
+                <a:solidFill>
+                  <a:schemeClr val="tx1">
+                    <a:lumMod val="85000"/>
+                    <a:lumOff val="15000"/>
+                  </a:schemeClr>
+                </a:solidFill>
+                <a:latin typeface="Open Sans 1 Bold"/>
+              </a:rPr>
+              <a:t> #</a:t>
+            </a:r>
+            <a:r>
+              <a:rPr lang="pt-BR" sz="2400" dirty="0" smtClean="0">
+                <a:solidFill>
+                  <a:schemeClr val="tx1">
+                    <a:lumMod val="85000"/>
+                    <a:lumOff val="15000"/>
+                  </a:schemeClr>
+                </a:solidFill>
+                <a:latin typeface="Open Sans 1 Bold"/>
+              </a:rPr>
+              <a:t>02</a:t>
+            </a:r>
+            <a:endParaRPr lang="pt-BR" sz="2400" dirty="0">
+              <a:solidFill>
+                <a:schemeClr val="tx1">
+                  <a:lumMod val="85000"/>
+                  <a:lumOff val="15000"/>
+                </a:schemeClr>
+              </a:solidFill>
+              <a:latin typeface="Open Sans 1 Bold"/>
+            </a:endParaRPr>
+          </a:p>
+        </p:txBody>
+      </p:sp>
+      <p:pic>
+        <p:nvPicPr>
+          <p:cNvPr id="23" name="Imagem 22"/>
+          <p:cNvPicPr>
+            <a:picLocks noChangeAspect="1"/>
+          </p:cNvPicPr>
+          <p:nvPr/>
+        </p:nvPicPr>
+        <p:blipFill>
+          <a:blip r:embed="rId3">
+            <a:extLst>
+              <a:ext uri="{28A0092B-C50C-407E-A947-70E740481C1C}">
+                <a14:useLocalDpi xmlns:a14="http://schemas.microsoft.com/office/drawing/2010/main" val="0"/>
+              </a:ext>
+            </a:extLst>
+          </a:blip>
+          <a:stretch>
+            <a:fillRect/>
+          </a:stretch>
+        </p:blipFill>
+        <p:spPr>
+          <a:xfrm>
+            <a:off x="9258299" y="6286500"/>
+            <a:ext cx="7429501" cy="3048000"/>
+          </a:xfrm>
+          <a:prstGeom prst="rect">
+            <a:avLst/>
+          </a:prstGeom>
+        </p:spPr>
+      </p:pic>
+      <p:sp>
+        <p:nvSpPr>
+          <p:cNvPr id="24" name="CaixaDeTexto 23"/>
+          <p:cNvSpPr txBox="1"/>
+          <p:nvPr/>
+        </p:nvSpPr>
+        <p:spPr>
+          <a:xfrm>
+            <a:off x="9900920" y="7383840"/>
+            <a:ext cx="6177280" cy="1569660"/>
+          </a:xfrm>
+          <a:prstGeom prst="rect">
+            <a:avLst/>
+          </a:prstGeom>
+          <a:noFill/>
+        </p:spPr>
+        <p:txBody>
+          <a:bodyPr wrap="square" rtlCol="0">
+            <a:spAutoFit/>
+          </a:bodyPr>
+          <a:lstStyle/>
+          <a:p>
+            <a:r>
+              <a:rPr lang="pt-BR" sz="2400" dirty="0" smtClean="0">
+                <a:solidFill>
+                  <a:schemeClr val="tx1">
+                    <a:lumMod val="85000"/>
+                    <a:lumOff val="15000"/>
+                  </a:schemeClr>
+                </a:solidFill>
+                <a:latin typeface="Open Sans Light" panose="020B0604020202020204" charset="0"/>
+                <a:ea typeface="Open Sans Light" panose="020B0604020202020204" charset="0"/>
+                <a:cs typeface="Open Sans Light" panose="020B0604020202020204" charset="0"/>
+              </a:rPr>
+              <a:t>Eu, enquanto suporte técnico, quero que as máquinas emitam alertas no meu sistema, para verificar os computadores que precisam de reparos.</a:t>
+            </a:r>
+            <a:endParaRPr lang="pt-BR" sz="2400" dirty="0">
+              <a:solidFill>
+                <a:schemeClr val="tx1">
+                  <a:lumMod val="85000"/>
+                  <a:lumOff val="15000"/>
+                </a:schemeClr>
+              </a:solidFill>
+              <a:latin typeface="Open Sans Light" panose="020B0604020202020204" charset="0"/>
+              <a:ea typeface="Open Sans Light" panose="020B0604020202020204" charset="0"/>
+              <a:cs typeface="Open Sans Light" panose="020B0604020202020204" charset="0"/>
+            </a:endParaRPr>
+          </a:p>
+        </p:txBody>
+      </p:sp>
+      <p:sp>
+        <p:nvSpPr>
+          <p:cNvPr id="25" name="CaixaDeTexto 24"/>
+          <p:cNvSpPr txBox="1"/>
+          <p:nvPr/>
+        </p:nvSpPr>
+        <p:spPr>
+          <a:xfrm>
+            <a:off x="9900919" y="6618605"/>
+            <a:ext cx="5690871" cy="461665"/>
+          </a:xfrm>
+          <a:prstGeom prst="rect">
+            <a:avLst/>
+          </a:prstGeom>
+          <a:noFill/>
+        </p:spPr>
+        <p:txBody>
+          <a:bodyPr wrap="square" rtlCol="0">
+            <a:spAutoFit/>
+          </a:bodyPr>
+          <a:lstStyle/>
+          <a:p>
+            <a:r>
+              <a:rPr lang="pt-BR" sz="2400" dirty="0" err="1">
+                <a:solidFill>
+                  <a:schemeClr val="tx1">
+                    <a:lumMod val="85000"/>
+                    <a:lumOff val="15000"/>
+                  </a:schemeClr>
+                </a:solidFill>
+                <a:latin typeface="Open Sans 1 Bold"/>
+              </a:rPr>
+              <a:t>User</a:t>
+            </a:r>
+            <a:r>
+              <a:rPr lang="pt-BR" sz="2400" dirty="0">
+                <a:solidFill>
+                  <a:schemeClr val="tx1">
+                    <a:lumMod val="85000"/>
+                    <a:lumOff val="15000"/>
+                  </a:schemeClr>
+                </a:solidFill>
+                <a:latin typeface="Open Sans 1 Bold"/>
+              </a:rPr>
+              <a:t> </a:t>
+            </a:r>
+            <a:r>
+              <a:rPr lang="pt-BR" sz="2400" dirty="0" err="1">
+                <a:solidFill>
+                  <a:schemeClr val="tx1">
+                    <a:lumMod val="85000"/>
+                    <a:lumOff val="15000"/>
+                  </a:schemeClr>
+                </a:solidFill>
+                <a:latin typeface="Open Sans 1 Bold"/>
+              </a:rPr>
+              <a:t>Storie</a:t>
+            </a:r>
+            <a:r>
+              <a:rPr lang="pt-BR" sz="2400" dirty="0">
+                <a:solidFill>
+                  <a:schemeClr val="tx1">
+                    <a:lumMod val="85000"/>
+                    <a:lumOff val="15000"/>
+                  </a:schemeClr>
+                </a:solidFill>
+                <a:latin typeface="Open Sans 1 Bold"/>
+              </a:rPr>
+              <a:t> #</a:t>
+            </a:r>
+            <a:r>
+              <a:rPr lang="pt-BR" sz="2400" dirty="0" smtClean="0">
+                <a:solidFill>
+                  <a:schemeClr val="tx1">
+                    <a:lumMod val="85000"/>
+                    <a:lumOff val="15000"/>
+                  </a:schemeClr>
+                </a:solidFill>
+                <a:latin typeface="Open Sans 1 Bold"/>
+              </a:rPr>
+              <a:t>04</a:t>
+            </a:r>
+            <a:endParaRPr lang="pt-BR" sz="2400" dirty="0">
+              <a:solidFill>
+                <a:schemeClr val="tx1">
+                  <a:lumMod val="85000"/>
+                  <a:lumOff val="15000"/>
+                </a:schemeClr>
+              </a:solidFill>
+              <a:latin typeface="Open Sans 1 Bold"/>
+            </a:endParaRPr>
+          </a:p>
+        </p:txBody>
+      </p:sp>
+      <p:pic>
+        <p:nvPicPr>
+          <p:cNvPr id="29" name="Imagem 28"/>
+          <p:cNvPicPr>
+            <a:picLocks noChangeAspect="1"/>
+          </p:cNvPicPr>
+          <p:nvPr/>
+        </p:nvPicPr>
+        <p:blipFill>
+          <a:blip r:embed="rId3">
+            <a:extLst>
+              <a:ext uri="{28A0092B-C50C-407E-A947-70E740481C1C}">
+                <a14:useLocalDpi xmlns:a14="http://schemas.microsoft.com/office/drawing/2010/main" val="0"/>
+              </a:ext>
+            </a:extLst>
+          </a:blip>
+          <a:stretch>
+            <a:fillRect/>
+          </a:stretch>
+        </p:blipFill>
+        <p:spPr>
+          <a:xfrm>
+            <a:off x="1567180" y="6286500"/>
+            <a:ext cx="7429501" cy="3048000"/>
+          </a:xfrm>
+          <a:prstGeom prst="rect">
+            <a:avLst/>
+          </a:prstGeom>
+        </p:spPr>
+      </p:pic>
+      <p:sp>
+        <p:nvSpPr>
+          <p:cNvPr id="30" name="CaixaDeTexto 29"/>
+          <p:cNvSpPr txBox="1"/>
+          <p:nvPr/>
+        </p:nvSpPr>
+        <p:spPr>
+          <a:xfrm>
+            <a:off x="2209801" y="7383840"/>
+            <a:ext cx="5690871" cy="1200329"/>
+          </a:xfrm>
+          <a:prstGeom prst="rect">
+            <a:avLst/>
+          </a:prstGeom>
+          <a:noFill/>
+        </p:spPr>
+        <p:txBody>
+          <a:bodyPr wrap="square" rtlCol="0">
+            <a:spAutoFit/>
+          </a:bodyPr>
+          <a:lstStyle/>
+          <a:p>
+            <a:r>
+              <a:rPr lang="pt-BR" sz="2400" dirty="0" smtClean="0">
+                <a:solidFill>
+                  <a:schemeClr val="tx1">
+                    <a:lumMod val="85000"/>
+                    <a:lumOff val="15000"/>
+                  </a:schemeClr>
+                </a:solidFill>
+                <a:latin typeface="Open Sans Light" panose="020B0604020202020204" charset="0"/>
+                <a:ea typeface="Open Sans Light" panose="020B0604020202020204" charset="0"/>
+                <a:cs typeface="Open Sans Light" panose="020B0604020202020204" charset="0"/>
+              </a:rPr>
+              <a:t>Eu, enquanto suporte técnico, quero monitorar a rede, para verificar quais máquinas estão ativas.</a:t>
+            </a:r>
+            <a:endParaRPr lang="pt-BR" sz="2400" dirty="0">
+              <a:solidFill>
+                <a:schemeClr val="tx1">
+                  <a:lumMod val="85000"/>
+                  <a:lumOff val="15000"/>
+                </a:schemeClr>
+              </a:solidFill>
+              <a:latin typeface="Open Sans Light" panose="020B0604020202020204" charset="0"/>
+              <a:ea typeface="Open Sans Light" panose="020B0604020202020204" charset="0"/>
+              <a:cs typeface="Open Sans Light" panose="020B0604020202020204" charset="0"/>
+            </a:endParaRPr>
+          </a:p>
+        </p:txBody>
+      </p:sp>
+      <p:sp>
+        <p:nvSpPr>
+          <p:cNvPr id="31" name="CaixaDeTexto 30"/>
+          <p:cNvSpPr txBox="1"/>
+          <p:nvPr/>
+        </p:nvSpPr>
+        <p:spPr>
+          <a:xfrm>
+            <a:off x="2209800" y="6618605"/>
+            <a:ext cx="5690871" cy="461665"/>
+          </a:xfrm>
+          <a:prstGeom prst="rect">
+            <a:avLst/>
+          </a:prstGeom>
+          <a:noFill/>
+        </p:spPr>
+        <p:txBody>
+          <a:bodyPr wrap="square" rtlCol="0">
+            <a:spAutoFit/>
+          </a:bodyPr>
+          <a:lstStyle/>
+          <a:p>
+            <a:r>
+              <a:rPr lang="pt-BR" sz="2400" dirty="0" err="1">
+                <a:solidFill>
+                  <a:schemeClr val="tx1">
+                    <a:lumMod val="85000"/>
+                    <a:lumOff val="15000"/>
+                  </a:schemeClr>
+                </a:solidFill>
+                <a:latin typeface="Open Sans 1 Bold"/>
+              </a:rPr>
+              <a:t>User</a:t>
+            </a:r>
+            <a:r>
+              <a:rPr lang="pt-BR" sz="2400" dirty="0">
+                <a:solidFill>
+                  <a:schemeClr val="tx1">
+                    <a:lumMod val="85000"/>
+                    <a:lumOff val="15000"/>
+                  </a:schemeClr>
+                </a:solidFill>
+                <a:latin typeface="Open Sans 1 Bold"/>
+              </a:rPr>
+              <a:t> </a:t>
+            </a:r>
+            <a:r>
+              <a:rPr lang="pt-BR" sz="2400" dirty="0" err="1">
+                <a:solidFill>
+                  <a:schemeClr val="tx1">
+                    <a:lumMod val="85000"/>
+                    <a:lumOff val="15000"/>
+                  </a:schemeClr>
+                </a:solidFill>
+                <a:latin typeface="Open Sans 1 Bold"/>
+              </a:rPr>
+              <a:t>Storie</a:t>
+            </a:r>
+            <a:r>
+              <a:rPr lang="pt-BR" sz="2400" dirty="0">
+                <a:solidFill>
+                  <a:schemeClr val="tx1">
+                    <a:lumMod val="85000"/>
+                    <a:lumOff val="15000"/>
+                  </a:schemeClr>
+                </a:solidFill>
+                <a:latin typeface="Open Sans 1 Bold"/>
+              </a:rPr>
+              <a:t> #</a:t>
+            </a:r>
+            <a:r>
+              <a:rPr lang="pt-BR" sz="2400" dirty="0" smtClean="0">
+                <a:solidFill>
+                  <a:schemeClr val="tx1">
+                    <a:lumMod val="85000"/>
+                    <a:lumOff val="15000"/>
+                  </a:schemeClr>
+                </a:solidFill>
+                <a:latin typeface="Open Sans 1 Bold"/>
+              </a:rPr>
+              <a:t>03</a:t>
+            </a:r>
+            <a:endParaRPr lang="pt-BR" sz="2400" dirty="0">
+              <a:solidFill>
+                <a:schemeClr val="tx1">
+                  <a:lumMod val="85000"/>
+                  <a:lumOff val="15000"/>
+                </a:schemeClr>
+              </a:solidFill>
+              <a:latin typeface="Open Sans 1 Bold"/>
+            </a:endParaRPr>
+          </a:p>
+        </p:txBody>
+      </p:sp>
+    </p:spTree>
+    <p:extLst>
+      <p:ext uri="{BB962C8B-B14F-4D97-AF65-F5344CB8AC3E}">
+        <p14:creationId xmlns:p14="http://schemas.microsoft.com/office/powerpoint/2010/main" val="421636970"/>
+      </p:ext>
+    </p:extLst>
+  </p:cSld>
+  <p:clrMapOvr>
+    <a:masterClrMapping/>
+  </p:clrMapOvr>
+  <mc:AlternateContent xmlns:mc="http://schemas.openxmlformats.org/markup-compatibility/2006" xmlns:p14="http://schemas.microsoft.com/office/powerpoint/2010/main">
+    <mc:Choice Requires="p14">
+      <p:transition spd="med" p14:dur="700">
+        <p:fade/>
+      </p:transition>
+    </mc:Choice>
+    <mc:Fallback xmlns="">
+      <p:transition spd="med">
+        <p:fade/>
+      </p:transition>
+    </mc:Fallback>
+  </mc:AlternateContent>
+  <p:timing>
+    <p:tnLst>
+      <p:par>
+        <p:cTn id="1" dur="indefinite" restart="never" nodeType="tmRoot"/>
+      </p:par>
+    </p:tnLst>
+  </p:timing>
+</p:sld>
+</file>
+
+<file path=ppt/slides/slide12.xml><?xml version="1.0" encoding="utf-8"?>
+<p:sld xmlns:a="http://schemas.openxmlformats.org/drawingml/2006/main" xmlns:r="http://schemas.openxmlformats.org/officeDocument/2006/relationships" xmlns:p="http://schemas.openxmlformats.org/presentationml/2006/main">
+  <p:cSld>
+    <p:spTree>
+      <p:nvGrpSpPr>
+        <p:cNvPr id="1" name=""/>
+        <p:cNvGrpSpPr/>
+        <p:nvPr/>
+      </p:nvGrpSpPr>
+      <p:grpSpPr>
+        <a:xfrm>
+          <a:off x="0" y="0"/>
+          <a:ext cx="0" cy="0"/>
+          <a:chOff x="0" y="0"/>
+          <a:chExt cx="0" cy="0"/>
+        </a:xfrm>
+      </p:grpSpPr>
+      <p:sp>
+        <p:nvSpPr>
+          <p:cNvPr id="2" name="TextBox 2"/>
+          <p:cNvSpPr txBox="1"/>
+          <p:nvPr/>
+        </p:nvSpPr>
+        <p:spPr>
+          <a:xfrm>
             <a:off x="0" y="4061073"/>
             <a:ext cx="18288000" cy="1615827"/>
           </a:xfrm>
@@ -5103,7 +5896,7 @@
 </p:sld>
 </file>
 
-<file path=ppt/slides/slide12.xml><?xml version="1.0" encoding="utf-8"?>
+<file path=ppt/slides/slide13.xml><?xml version="1.0" encoding="utf-8"?>
 <p:sld xmlns:a="http://schemas.openxmlformats.org/drawingml/2006/main" xmlns:r="http://schemas.openxmlformats.org/officeDocument/2006/relationships" xmlns:p="http://schemas.openxmlformats.org/presentationml/2006/main">
   <p:cSld>
     <p:bg>
@@ -7417,7 +8210,7 @@
 </p:sld>
 </file>
 
-<file path=ppt/slides/slide13.xml><?xml version="1.0" encoding="utf-8"?>
+<file path=ppt/slides/slide14.xml><?xml version="1.0" encoding="utf-8"?>
 <p:sld xmlns:a="http://schemas.openxmlformats.org/drawingml/2006/main" xmlns:r="http://schemas.openxmlformats.org/officeDocument/2006/relationships" xmlns:p="http://schemas.openxmlformats.org/presentationml/2006/main">
   <p:cSld>
     <p:bg>
@@ -10598,7 +11391,7 @@
 </p:sld>
 </file>
 
-<file path=ppt/slides/slide14.xml><?xml version="1.0" encoding="utf-8"?>
+<file path=ppt/slides/slide15.xml><?xml version="1.0" encoding="utf-8"?>
 <p:sld xmlns:a="http://schemas.openxmlformats.org/drawingml/2006/main" xmlns:r="http://schemas.openxmlformats.org/officeDocument/2006/relationships" xmlns:p="http://schemas.openxmlformats.org/presentationml/2006/main">
   <p:cSld>
     <p:bg>
@@ -10716,7 +11509,7 @@
 </p:sld>
 </file>
 
-<file path=ppt/slides/slide15.xml><?xml version="1.0" encoding="utf-8"?>
+<file path=ppt/slides/slide16.xml><?xml version="1.0" encoding="utf-8"?>
 <p:sld xmlns:a="http://schemas.openxmlformats.org/drawingml/2006/main" xmlns:r="http://schemas.openxmlformats.org/officeDocument/2006/relationships" xmlns:p="http://schemas.openxmlformats.org/presentationml/2006/main">
   <p:cSld>
     <p:bg>
@@ -11063,7 +11856,7 @@
 </p:sld>
 </file>
 
-<file path=ppt/slides/slide16.xml><?xml version="1.0" encoding="utf-8"?>
+<file path=ppt/slides/slide17.xml><?xml version="1.0" encoding="utf-8"?>
 <p:sld xmlns:a="http://schemas.openxmlformats.org/drawingml/2006/main" xmlns:r="http://schemas.openxmlformats.org/officeDocument/2006/relationships" xmlns:p="http://schemas.openxmlformats.org/presentationml/2006/main">
   <p:cSld>
     <p:bg>
@@ -11176,7 +11969,7 @@
 </p:sld>
 </file>
 
-<file path=ppt/slides/slide17.xml><?xml version="1.0" encoding="utf-8"?>
+<file path=ppt/slides/slide18.xml><?xml version="1.0" encoding="utf-8"?>
 <p:sld xmlns:a="http://schemas.openxmlformats.org/drawingml/2006/main" xmlns:r="http://schemas.openxmlformats.org/officeDocument/2006/relationships" xmlns:p="http://schemas.openxmlformats.org/presentationml/2006/main">
   <p:cSld>
     <p:bg>

--- a/Documentação/Pyxis.pptx
+++ b/Documentação/Pyxis.pptx
@@ -8,7 +8,7 @@
     <p:notesMasterId r:id="rId20"/>
   </p:notesMasterIdLst>
   <p:sldIdLst>
-    <p:sldId id="257" r:id="rId2"/>
+    <p:sldId id="281" r:id="rId2"/>
     <p:sldId id="256" r:id="rId3"/>
     <p:sldId id="259" r:id="rId4"/>
     <p:sldId id="260" r:id="rId5"/>
@@ -22,10 +22,10 @@
     <p:sldId id="274" r:id="rId13"/>
     <p:sldId id="267" r:id="rId14"/>
     <p:sldId id="275" r:id="rId15"/>
-    <p:sldId id="271" r:id="rId16"/>
+    <p:sldId id="280" r:id="rId16"/>
     <p:sldId id="265" r:id="rId17"/>
-    <p:sldId id="268" r:id="rId18"/>
-    <p:sldId id="269" r:id="rId19"/>
+    <p:sldId id="278" r:id="rId18"/>
+    <p:sldId id="279" r:id="rId19"/>
   </p:sldIdLst>
   <p:sldSz cx="18288000" cy="10287000"/>
   <p:notesSz cx="6858000" cy="9144000"/>
@@ -42,11 +42,11 @@
       <p:regular r:id="rId25"/>
     </p:embeddedFont>
     <p:embeddedFont>
-      <p:font typeface="Open Sans 2" panose="020B0604020202020204" charset="0"/>
+      <p:font typeface="Open Sans 1" panose="020B0604020202020204" charset="0"/>
       <p:regular r:id="rId26"/>
     </p:embeddedFont>
     <p:embeddedFont>
-      <p:font typeface="Open Sans 1" panose="020B0604020202020204" charset="0"/>
+      <p:font typeface="Open Sans 2" panose="020B0604020202020204" charset="0"/>
       <p:regular r:id="rId27"/>
     </p:embeddedFont>
     <p:embeddedFont>
@@ -3434,14 +3434,6 @@
 <file path=ppt/slides/slide1.xml><?xml version="1.0" encoding="utf-8"?>
 <p:sld xmlns:a="http://schemas.openxmlformats.org/drawingml/2006/main" xmlns:r="http://schemas.openxmlformats.org/officeDocument/2006/relationships" xmlns:p="http://schemas.openxmlformats.org/presentationml/2006/main">
   <p:cSld>
-    <p:bg>
-      <p:bgPr>
-        <a:solidFill>
-          <a:srgbClr val="FFFEFB"/>
-        </a:solidFill>
-        <a:effectLst/>
-      </p:bgPr>
-    </p:bg>
     <p:spTree>
       <p:nvGrpSpPr>
         <p:cNvPr id="1" name=""/>
@@ -4040,6 +4032,11 @@
         </p:txBody>
       </p:sp>
     </p:spTree>
+    <p:extLst>
+      <p:ext uri="{BB962C8B-B14F-4D97-AF65-F5344CB8AC3E}">
+        <p14:creationId xmlns:p14="http://schemas.microsoft.com/office/powerpoint/2010/main" val="134395465"/>
+      </p:ext>
+    </p:extLst>
   </p:cSld>
   <p:clrMapOvr>
     <a:masterClrMapping/>
@@ -4902,6 +4899,13 @@
       </p:transition>
     </mc:Fallback>
   </mc:AlternateContent>
+  <p:timing>
+    <p:tnLst>
+      <p:par>
+        <p:cTn id="1" dur="indefinite" restart="never" nodeType="tmRoot"/>
+      </p:par>
+    </p:tnLst>
+  </p:timing>
 </p:sld>
 </file>
 
@@ -8207,6 +8211,13 @@
       </p:transition>
     </mc:Fallback>
   </mc:AlternateContent>
+  <p:timing>
+    <p:tnLst>
+      <p:par>
+        <p:cTn id="1" dur="indefinite" restart="never" nodeType="tmRoot"/>
+      </p:par>
+    </p:tnLst>
+  </p:timing>
 </p:sld>
 </file>
 
@@ -11388,20 +11399,19 @@
       </p:transition>
     </mc:Fallback>
   </mc:AlternateContent>
+  <p:timing>
+    <p:tnLst>
+      <p:par>
+        <p:cTn id="1" dur="indefinite" restart="never" nodeType="tmRoot"/>
+      </p:par>
+    </p:tnLst>
+  </p:timing>
 </p:sld>
 </file>
 
 <file path=ppt/slides/slide15.xml><?xml version="1.0" encoding="utf-8"?>
 <p:sld xmlns:a="http://schemas.openxmlformats.org/drawingml/2006/main" xmlns:r="http://schemas.openxmlformats.org/officeDocument/2006/relationships" xmlns:p="http://schemas.openxmlformats.org/presentationml/2006/main">
   <p:cSld>
-    <p:bg>
-      <p:bgPr>
-        <a:solidFill>
-          <a:srgbClr val="FFFEFB"/>
-        </a:solidFill>
-        <a:effectLst/>
-      </p:bgPr>
-    </p:bg>
     <p:spTree>
       <p:nvGrpSpPr>
         <p:cNvPr id="1" name=""/>
@@ -11456,28 +11466,53 @@
       </p:sp>
       <p:pic>
         <p:nvPicPr>
-          <p:cNvPr id="7" name="Imagem 6">
-            <a:extLst>
-              <a:ext uri="{FF2B5EF4-FFF2-40B4-BE49-F238E27FC236}">
-                <a16:creationId xmlns:a16="http://schemas.microsoft.com/office/drawing/2014/main" id="{24EB0C57-8A60-46F7-89F3-4FD0F4673B79}"/>
-              </a:ext>
-            </a:extLst>
-          </p:cNvPr>
+          <p:cNvPr id="3" name="Imagem 2"/>
           <p:cNvPicPr>
             <a:picLocks noChangeAspect="1"/>
           </p:cNvPicPr>
           <p:nvPr/>
         </p:nvPicPr>
         <p:blipFill>
-          <a:blip r:embed="rId2"/>
+          <a:blip r:embed="rId2">
+            <a:extLst>
+              <a:ext uri="{28A0092B-C50C-407E-A947-70E740481C1C}">
+                <a14:useLocalDpi xmlns:a14="http://schemas.microsoft.com/office/drawing/2010/main" val="0"/>
+              </a:ext>
+            </a:extLst>
+          </a:blip>
           <a:stretch>
             <a:fillRect/>
           </a:stretch>
         </p:blipFill>
         <p:spPr>
           <a:xfrm>
-            <a:off x="17078325" y="266700"/>
-            <a:ext cx="883385" cy="1044000"/>
+            <a:off x="1676400" y="2400300"/>
+            <a:ext cx="14756261" cy="8153400"/>
+          </a:xfrm>
+          <a:prstGeom prst="rect">
+            <a:avLst/>
+          </a:prstGeom>
+        </p:spPr>
+      </p:pic>
+      <p:pic>
+        <p:nvPicPr>
+          <p:cNvPr id="5" name="Picture 7"/>
+          <p:cNvPicPr>
+            <a:picLocks noChangeAspect="1"/>
+          </p:cNvPicPr>
+          <p:nvPr/>
+        </p:nvPicPr>
+        <p:blipFill>
+          <a:blip r:embed="rId3"/>
+          <a:srcRect/>
+          <a:stretch>
+            <a:fillRect/>
+          </a:stretch>
+        </p:blipFill>
+        <p:spPr>
+          <a:xfrm>
+            <a:off x="17078325" y="341670"/>
+            <a:ext cx="915994" cy="1028732"/>
           </a:xfrm>
           <a:prstGeom prst="rect">
             <a:avLst/>
@@ -11487,7 +11522,7 @@
     </p:spTree>
     <p:extLst>
       <p:ext uri="{BB962C8B-B14F-4D97-AF65-F5344CB8AC3E}">
-        <p14:creationId xmlns:p14="http://schemas.microsoft.com/office/powerpoint/2010/main" val="3349461565"/>
+        <p14:creationId xmlns:p14="http://schemas.microsoft.com/office/powerpoint/2010/main" val="2794263173"/>
       </p:ext>
     </p:extLst>
   </p:cSld>
@@ -11506,6 +11541,185 @@
       </p:transition>
     </mc:Fallback>
   </mc:AlternateContent>
+  <p:timing>
+    <p:tnLst>
+      <p:par>
+        <p:cTn id="1" dur="indefinite" restart="never" nodeType="tmRoot">
+          <p:childTnLst>
+            <p:seq concurrent="1" nextAc="seek">
+              <p:cTn id="2" dur="indefinite" nodeType="mainSeq">
+                <p:childTnLst>
+                  <p:par>
+                    <p:cTn id="3" fill="hold">
+                      <p:stCondLst>
+                        <p:cond delay="indefinite"/>
+                        <p:cond evt="onBegin" delay="0">
+                          <p:tn val="2"/>
+                        </p:cond>
+                      </p:stCondLst>
+                      <p:childTnLst>
+                        <p:par>
+                          <p:cTn id="4" fill="hold">
+                            <p:stCondLst>
+                              <p:cond delay="0"/>
+                            </p:stCondLst>
+                            <p:childTnLst>
+                              <p:par>
+                                <p:cTn id="5" presetID="53" presetClass="entr" presetSubtype="16" fill="hold" nodeType="afterEffect">
+                                  <p:stCondLst>
+                                    <p:cond delay="0"/>
+                                  </p:stCondLst>
+                                  <p:childTnLst>
+                                    <p:set>
+                                      <p:cBhvr>
+                                        <p:cTn id="6" dur="1" fill="hold">
+                                          <p:stCondLst>
+                                            <p:cond delay="0"/>
+                                          </p:stCondLst>
+                                        </p:cTn>
+                                        <p:tgtEl>
+                                          <p:spTgt spid="3"/>
+                                        </p:tgtEl>
+                                        <p:attrNameLst>
+                                          <p:attrName>style.visibility</p:attrName>
+                                        </p:attrNameLst>
+                                      </p:cBhvr>
+                                      <p:to>
+                                        <p:strVal val="visible"/>
+                                      </p:to>
+                                    </p:set>
+                                    <p:anim calcmode="lin" valueType="num">
+                                      <p:cBhvr>
+                                        <p:cTn id="7" dur="500" fill="hold"/>
+                                        <p:tgtEl>
+                                          <p:spTgt spid="3"/>
+                                        </p:tgtEl>
+                                        <p:attrNameLst>
+                                          <p:attrName>ppt_w</p:attrName>
+                                        </p:attrNameLst>
+                                      </p:cBhvr>
+                                      <p:tavLst>
+                                        <p:tav tm="0">
+                                          <p:val>
+                                            <p:fltVal val="0"/>
+                                          </p:val>
+                                        </p:tav>
+                                        <p:tav tm="100000">
+                                          <p:val>
+                                            <p:strVal val="#ppt_w"/>
+                                          </p:val>
+                                        </p:tav>
+                                      </p:tavLst>
+                                    </p:anim>
+                                    <p:anim calcmode="lin" valueType="num">
+                                      <p:cBhvr>
+                                        <p:cTn id="8" dur="500" fill="hold"/>
+                                        <p:tgtEl>
+                                          <p:spTgt spid="3"/>
+                                        </p:tgtEl>
+                                        <p:attrNameLst>
+                                          <p:attrName>ppt_h</p:attrName>
+                                        </p:attrNameLst>
+                                      </p:cBhvr>
+                                      <p:tavLst>
+                                        <p:tav tm="0">
+                                          <p:val>
+                                            <p:fltVal val="0"/>
+                                          </p:val>
+                                        </p:tav>
+                                        <p:tav tm="100000">
+                                          <p:val>
+                                            <p:strVal val="#ppt_h"/>
+                                          </p:val>
+                                        </p:tav>
+                                      </p:tavLst>
+                                    </p:anim>
+                                    <p:animEffect transition="in" filter="fade">
+                                      <p:cBhvr>
+                                        <p:cTn id="9" dur="500"/>
+                                        <p:tgtEl>
+                                          <p:spTgt spid="3"/>
+                                        </p:tgtEl>
+                                      </p:cBhvr>
+                                    </p:animEffect>
+                                  </p:childTnLst>
+                                </p:cTn>
+                              </p:par>
+                            </p:childTnLst>
+                          </p:cTn>
+                        </p:par>
+                        <p:par>
+                          <p:cTn id="10" fill="hold">
+                            <p:stCondLst>
+                              <p:cond delay="500"/>
+                            </p:stCondLst>
+                            <p:childTnLst>
+                              <p:par>
+                                <p:cTn id="11" presetID="10" presetClass="entr" presetSubtype="0" fill="hold" grpId="0" nodeType="afterEffect">
+                                  <p:stCondLst>
+                                    <p:cond delay="0"/>
+                                  </p:stCondLst>
+                                  <p:childTnLst>
+                                    <p:set>
+                                      <p:cBhvr>
+                                        <p:cTn id="12" dur="1" fill="hold">
+                                          <p:stCondLst>
+                                            <p:cond delay="0"/>
+                                          </p:stCondLst>
+                                        </p:cTn>
+                                        <p:tgtEl>
+                                          <p:spTgt spid="2"/>
+                                        </p:tgtEl>
+                                        <p:attrNameLst>
+                                          <p:attrName>style.visibility</p:attrName>
+                                        </p:attrNameLst>
+                                      </p:cBhvr>
+                                      <p:to>
+                                        <p:strVal val="visible"/>
+                                      </p:to>
+                                    </p:set>
+                                    <p:animEffect transition="in" filter="fade">
+                                      <p:cBhvr>
+                                        <p:cTn id="13" dur="500"/>
+                                        <p:tgtEl>
+                                          <p:spTgt spid="2"/>
+                                        </p:tgtEl>
+                                      </p:cBhvr>
+                                    </p:animEffect>
+                                  </p:childTnLst>
+                                </p:cTn>
+                              </p:par>
+                            </p:childTnLst>
+                          </p:cTn>
+                        </p:par>
+                      </p:childTnLst>
+                    </p:cTn>
+                  </p:par>
+                </p:childTnLst>
+              </p:cTn>
+              <p:prevCondLst>
+                <p:cond evt="onPrev" delay="0">
+                  <p:tgtEl>
+                    <p:sldTgt/>
+                  </p:tgtEl>
+                </p:cond>
+              </p:prevCondLst>
+              <p:nextCondLst>
+                <p:cond evt="onNext" delay="0">
+                  <p:tgtEl>
+                    <p:sldTgt/>
+                  </p:tgtEl>
+                </p:cond>
+              </p:nextCondLst>
+            </p:seq>
+          </p:childTnLst>
+        </p:cTn>
+      </p:par>
+    </p:tnLst>
+    <p:bldLst>
+      <p:bldP spid="2" grpId="0"/>
+    </p:bldLst>
+  </p:timing>
 </p:sld>
 </file>
 
@@ -11617,7 +11831,7 @@
         </p:nvSpPr>
         <p:spPr>
           <a:xfrm>
-            <a:off x="7318281" y="2148089"/>
+            <a:off x="7305310" y="3771900"/>
             <a:ext cx="9941019" cy="3125664"/>
           </a:xfrm>
           <a:prstGeom prst="rect">
@@ -11859,14 +12073,6 @@
 <file path=ppt/slides/slide17.xml><?xml version="1.0" encoding="utf-8"?>
 <p:sld xmlns:a="http://schemas.openxmlformats.org/drawingml/2006/main" xmlns:r="http://schemas.openxmlformats.org/officeDocument/2006/relationships" xmlns:p="http://schemas.openxmlformats.org/presentationml/2006/main">
   <p:cSld>
-    <p:bg>
-      <p:bgPr>
-        <a:solidFill>
-          <a:srgbClr val="FFFEFB"/>
-        </a:solidFill>
-        <a:effectLst/>
-      </p:bgPr>
-    </p:bg>
     <p:spTree>
       <p:nvGrpSpPr>
         <p:cNvPr id="1" name=""/>
@@ -11908,7 +12114,7 @@
               </a:lnSpc>
             </a:pPr>
             <a:r>
-              <a:rPr lang="en-US" sz="9000">
+              <a:rPr lang="en-US" sz="9000" dirty="0" err="1">
                 <a:solidFill>
                   <a:srgbClr val="545454"/>
                 </a:solidFill>
@@ -11916,18 +12122,18 @@
               </a:rPr>
               <a:t>Conclusão</a:t>
             </a:r>
+            <a:endParaRPr lang="en-US" sz="9000" dirty="0">
+              <a:solidFill>
+                <a:srgbClr val="545454"/>
+              </a:solidFill>
+              <a:latin typeface="Open Sans 1 Bold"/>
+            </a:endParaRPr>
           </a:p>
         </p:txBody>
       </p:sp>
       <p:pic>
         <p:nvPicPr>
-          <p:cNvPr id="7" name="Imagem 6">
-            <a:extLst>
-              <a:ext uri="{FF2B5EF4-FFF2-40B4-BE49-F238E27FC236}">
-                <a16:creationId xmlns:a16="http://schemas.microsoft.com/office/drawing/2014/main" id="{24EB0C57-8A60-46F7-89F3-4FD0F4673B79}"/>
-              </a:ext>
-            </a:extLst>
-          </p:cNvPr>
+          <p:cNvPr id="4" name="Picture 7"/>
           <p:cNvPicPr>
             <a:picLocks noChangeAspect="1"/>
           </p:cNvPicPr>
@@ -11935,14 +12141,938 @@
         </p:nvPicPr>
         <p:blipFill>
           <a:blip r:embed="rId2"/>
+          <a:srcRect/>
           <a:stretch>
             <a:fillRect/>
           </a:stretch>
         </p:blipFill>
         <p:spPr>
           <a:xfrm>
-            <a:off x="17078325" y="266700"/>
-            <a:ext cx="883385" cy="1044000"/>
+            <a:off x="17078325" y="341670"/>
+            <a:ext cx="915994" cy="1028732"/>
+          </a:xfrm>
+          <a:prstGeom prst="rect">
+            <a:avLst/>
+          </a:prstGeom>
+        </p:spPr>
+      </p:pic>
+      <p:sp>
+        <p:nvSpPr>
+          <p:cNvPr id="6" name="TextBox 20"/>
+          <p:cNvSpPr txBox="1"/>
+          <p:nvPr/>
+        </p:nvSpPr>
+        <p:spPr>
+          <a:xfrm>
+            <a:off x="1028700" y="3190875"/>
+            <a:ext cx="9577510" cy="3323987"/>
+          </a:xfrm>
+          <a:prstGeom prst="rect">
+            <a:avLst/>
+          </a:prstGeom>
+        </p:spPr>
+        <p:txBody>
+          <a:bodyPr wrap="square" lIns="0" tIns="0" rIns="0" bIns="0" rtlCol="0" anchor="t">
+            <a:spAutoFit/>
+          </a:bodyPr>
+          <a:lstStyle/>
+          <a:p>
+            <a:pPr marL="457200" indent="-457200">
+              <a:lnSpc>
+                <a:spcPct val="200000"/>
+              </a:lnSpc>
+              <a:buClr>
+                <a:srgbClr val="EF3939"/>
+              </a:buClr>
+              <a:buFont typeface="Wingdings" panose="05000000000000000000" pitchFamily="2" charset="2"/>
+              <a:buChar char="ü"/>
+            </a:pPr>
+            <a:r>
+              <a:rPr lang="pt-BR" sz="3600" dirty="0" err="1" smtClean="0">
+                <a:solidFill>
+                  <a:srgbClr val="000000"/>
+                </a:solidFill>
+                <a:latin typeface="Open Sans Light"/>
+              </a:rPr>
+              <a:t>CallCenter</a:t>
+            </a:r>
+            <a:r>
+              <a:rPr lang="pt-BR" sz="3600" dirty="0" smtClean="0">
+                <a:solidFill>
+                  <a:srgbClr val="000000"/>
+                </a:solidFill>
+                <a:latin typeface="Open Sans Light"/>
+              </a:rPr>
+              <a:t>;</a:t>
+            </a:r>
+            <a:endParaRPr lang="pt-BR" sz="3600" dirty="0">
+              <a:solidFill>
+                <a:srgbClr val="000000"/>
+              </a:solidFill>
+              <a:latin typeface="Open Sans Light"/>
+            </a:endParaRPr>
+          </a:p>
+          <a:p>
+            <a:pPr marL="457200" indent="-457200">
+              <a:lnSpc>
+                <a:spcPct val="200000"/>
+              </a:lnSpc>
+              <a:buClr>
+                <a:srgbClr val="EF3939"/>
+              </a:buClr>
+              <a:buFont typeface="Wingdings" panose="05000000000000000000" pitchFamily="2" charset="2"/>
+              <a:buChar char="ü"/>
+            </a:pPr>
+            <a:r>
+              <a:rPr lang="pt-BR" sz="3600" dirty="0" smtClean="0">
+                <a:solidFill>
+                  <a:srgbClr val="000000"/>
+                </a:solidFill>
+                <a:latin typeface="Open Sans Light"/>
+              </a:rPr>
+              <a:t>Aumento de produtividade;</a:t>
+            </a:r>
+          </a:p>
+          <a:p>
+            <a:pPr marL="457200" indent="-457200">
+              <a:lnSpc>
+                <a:spcPct val="200000"/>
+              </a:lnSpc>
+              <a:buClr>
+                <a:srgbClr val="EF3939"/>
+              </a:buClr>
+              <a:buFont typeface="Wingdings" panose="05000000000000000000" pitchFamily="2" charset="2"/>
+              <a:buChar char="ü"/>
+            </a:pPr>
+            <a:r>
+              <a:rPr lang="pt-BR" sz="3600" dirty="0" smtClean="0">
+                <a:solidFill>
+                  <a:srgbClr val="000000"/>
+                </a:solidFill>
+                <a:latin typeface="Open Sans Light"/>
+              </a:rPr>
+              <a:t>Identificar problemas com mais facilidade.</a:t>
+            </a:r>
+          </a:p>
+        </p:txBody>
+      </p:sp>
+      <p:pic>
+        <p:nvPicPr>
+          <p:cNvPr id="8" name="Picture 2"/>
+          <p:cNvPicPr>
+            <a:picLocks noChangeAspect="1"/>
+          </p:cNvPicPr>
+          <p:nvPr/>
+        </p:nvPicPr>
+        <p:blipFill>
+          <a:blip r:embed="rId3"/>
+          <a:srcRect/>
+          <a:stretch>
+            <a:fillRect/>
+          </a:stretch>
+        </p:blipFill>
+        <p:spPr>
+          <a:xfrm rot="-3143878">
+            <a:off x="11210107" y="6712890"/>
+            <a:ext cx="6954342" cy="6954342"/>
+          </a:xfrm>
+          <a:prstGeom prst="rect">
+            <a:avLst/>
+          </a:prstGeom>
+        </p:spPr>
+      </p:pic>
+      <p:pic>
+        <p:nvPicPr>
+          <p:cNvPr id="9" name="Picture 3"/>
+          <p:cNvPicPr>
+            <a:picLocks noChangeAspect="1"/>
+          </p:cNvPicPr>
+          <p:nvPr/>
+        </p:nvPicPr>
+        <p:blipFill>
+          <a:blip r:embed="rId4"/>
+          <a:srcRect/>
+          <a:stretch>
+            <a:fillRect/>
+          </a:stretch>
+        </p:blipFill>
+        <p:spPr>
+          <a:xfrm>
+            <a:off x="15717337" y="2898456"/>
+            <a:ext cx="3943103" cy="6359844"/>
+          </a:xfrm>
+          <a:prstGeom prst="rect">
+            <a:avLst/>
+          </a:prstGeom>
+        </p:spPr>
+      </p:pic>
+      <p:grpSp>
+        <p:nvGrpSpPr>
+          <p:cNvPr id="10" name="Group 4"/>
+          <p:cNvGrpSpPr>
+            <a:grpSpLocks noChangeAspect="1"/>
+          </p:cNvGrpSpPr>
+          <p:nvPr/>
+        </p:nvGrpSpPr>
+        <p:grpSpPr>
+          <a:xfrm>
+            <a:off x="11558221" y="2450172"/>
+            <a:ext cx="1767613" cy="2449433"/>
+            <a:chOff x="0" y="0"/>
+            <a:chExt cx="4734560" cy="6560820"/>
+          </a:xfrm>
+        </p:grpSpPr>
+        <p:sp>
+          <p:nvSpPr>
+            <p:cNvPr id="11" name="Freeform 5"/>
+            <p:cNvSpPr/>
+            <p:nvPr/>
+          </p:nvSpPr>
+          <p:spPr>
+            <a:xfrm>
+              <a:off x="36830" y="50800"/>
+              <a:ext cx="4645660" cy="6473190"/>
+            </a:xfrm>
+            <a:custGeom>
+              <a:avLst/>
+              <a:gdLst/>
+              <a:ahLst/>
+              <a:cxnLst/>
+              <a:rect l="l" t="t" r="r" b="b"/>
+              <a:pathLst>
+                <a:path w="4645660" h="6473190">
+                  <a:moveTo>
+                    <a:pt x="4368800" y="0"/>
+                  </a:moveTo>
+                  <a:lnTo>
+                    <a:pt x="276860" y="0"/>
+                  </a:lnTo>
+                  <a:cubicBezTo>
+                    <a:pt x="124460" y="0"/>
+                    <a:pt x="0" y="123190"/>
+                    <a:pt x="0" y="276860"/>
+                  </a:cubicBezTo>
+                  <a:lnTo>
+                    <a:pt x="0" y="6196330"/>
+                  </a:lnTo>
+                  <a:cubicBezTo>
+                    <a:pt x="0" y="6350000"/>
+                    <a:pt x="124460" y="6473190"/>
+                    <a:pt x="276860" y="6473190"/>
+                  </a:cubicBezTo>
+                  <a:lnTo>
+                    <a:pt x="4368800" y="6473190"/>
+                  </a:lnTo>
+                  <a:cubicBezTo>
+                    <a:pt x="4522470" y="6473190"/>
+                    <a:pt x="4645660" y="6348730"/>
+                    <a:pt x="4645660" y="6196330"/>
+                  </a:cubicBezTo>
+                  <a:lnTo>
+                    <a:pt x="4645660" y="276860"/>
+                  </a:lnTo>
+                  <a:cubicBezTo>
+                    <a:pt x="4645660" y="123190"/>
+                    <a:pt x="4522470" y="0"/>
+                    <a:pt x="4368800" y="0"/>
+                  </a:cubicBezTo>
+                  <a:close/>
+                  <a:moveTo>
+                    <a:pt x="4425950" y="6156960"/>
+                  </a:moveTo>
+                  <a:cubicBezTo>
+                    <a:pt x="4425950" y="6212840"/>
+                    <a:pt x="4380230" y="6258560"/>
+                    <a:pt x="4324350" y="6258560"/>
+                  </a:cubicBezTo>
+                  <a:lnTo>
+                    <a:pt x="321310" y="6258560"/>
+                  </a:lnTo>
+                  <a:cubicBezTo>
+                    <a:pt x="265430" y="6258560"/>
+                    <a:pt x="219710" y="6212840"/>
+                    <a:pt x="219710" y="6156960"/>
+                  </a:cubicBezTo>
+                  <a:lnTo>
+                    <a:pt x="219710" y="316230"/>
+                  </a:lnTo>
+                  <a:cubicBezTo>
+                    <a:pt x="219710" y="260350"/>
+                    <a:pt x="265430" y="214630"/>
+                    <a:pt x="321310" y="214630"/>
+                  </a:cubicBezTo>
+                  <a:lnTo>
+                    <a:pt x="4325620" y="214630"/>
+                  </a:lnTo>
+                  <a:cubicBezTo>
+                    <a:pt x="4381500" y="214630"/>
+                    <a:pt x="4427220" y="260350"/>
+                    <a:pt x="4427220" y="316230"/>
+                  </a:cubicBezTo>
+                  <a:lnTo>
+                    <a:pt x="4427220" y="6156960"/>
+                  </a:lnTo>
+                  <a:close/>
+                </a:path>
+              </a:pathLst>
+            </a:custGeom>
+            <a:solidFill>
+              <a:srgbClr val="FF6864"/>
+            </a:solidFill>
+          </p:spPr>
+        </p:sp>
+        <p:sp>
+          <p:nvSpPr>
+            <p:cNvPr id="12" name="Freeform 6"/>
+            <p:cNvSpPr/>
+            <p:nvPr/>
+          </p:nvSpPr>
+          <p:spPr>
+            <a:xfrm>
+              <a:off x="0" y="16511"/>
+              <a:ext cx="4716780" cy="6544310"/>
+            </a:xfrm>
+            <a:custGeom>
+              <a:avLst/>
+              <a:gdLst/>
+              <a:ahLst/>
+              <a:cxnLst/>
+              <a:rect l="l" t="t" r="r" b="b"/>
+              <a:pathLst>
+                <a:path w="4716780" h="6544310">
+                  <a:moveTo>
+                    <a:pt x="4395470" y="36829"/>
+                  </a:moveTo>
+                  <a:cubicBezTo>
+                    <a:pt x="4552950" y="36829"/>
+                    <a:pt x="4681220" y="165099"/>
+                    <a:pt x="4681220" y="322579"/>
+                  </a:cubicBezTo>
+                  <a:lnTo>
+                    <a:pt x="4681220" y="6222999"/>
+                  </a:lnTo>
+                  <a:cubicBezTo>
+                    <a:pt x="4681220" y="6380479"/>
+                    <a:pt x="4552950" y="6508750"/>
+                    <a:pt x="4395470" y="6508750"/>
+                  </a:cubicBezTo>
+                  <a:lnTo>
+                    <a:pt x="321310" y="6508750"/>
+                  </a:lnTo>
+                  <a:cubicBezTo>
+                    <a:pt x="163830" y="6508750"/>
+                    <a:pt x="35560" y="6380480"/>
+                    <a:pt x="35560" y="6223000"/>
+                  </a:cubicBezTo>
+                  <a:lnTo>
+                    <a:pt x="35560" y="322580"/>
+                  </a:lnTo>
+                  <a:cubicBezTo>
+                    <a:pt x="35560" y="165100"/>
+                    <a:pt x="163830" y="36830"/>
+                    <a:pt x="321310" y="36830"/>
+                  </a:cubicBezTo>
+                  <a:lnTo>
+                    <a:pt x="4395470" y="36830"/>
+                  </a:lnTo>
+                  <a:moveTo>
+                    <a:pt x="4395470" y="0"/>
+                  </a:moveTo>
+                  <a:lnTo>
+                    <a:pt x="321310" y="0"/>
+                  </a:lnTo>
+                  <a:cubicBezTo>
+                    <a:pt x="143510" y="0"/>
+                    <a:pt x="0" y="144780"/>
+                    <a:pt x="0" y="322580"/>
+                  </a:cubicBezTo>
+                  <a:lnTo>
+                    <a:pt x="0" y="6223000"/>
+                  </a:lnTo>
+                  <a:cubicBezTo>
+                    <a:pt x="0" y="6400800"/>
+                    <a:pt x="143510" y="6544309"/>
+                    <a:pt x="321310" y="6544309"/>
+                  </a:cubicBezTo>
+                  <a:lnTo>
+                    <a:pt x="4395470" y="6544309"/>
+                  </a:lnTo>
+                  <a:cubicBezTo>
+                    <a:pt x="4573270" y="6544309"/>
+                    <a:pt x="4716780" y="6400800"/>
+                    <a:pt x="4716780" y="6223000"/>
+                  </a:cubicBezTo>
+                  <a:lnTo>
+                    <a:pt x="4716780" y="322580"/>
+                  </a:lnTo>
+                  <a:cubicBezTo>
+                    <a:pt x="4716780" y="144780"/>
+                    <a:pt x="4573270" y="0"/>
+                    <a:pt x="4395470" y="0"/>
+                  </a:cubicBezTo>
+                  <a:close/>
+                </a:path>
+              </a:pathLst>
+            </a:custGeom>
+            <a:solidFill>
+              <a:srgbClr val="FFB5B3"/>
+            </a:solidFill>
+          </p:spPr>
+        </p:sp>
+        <p:sp>
+          <p:nvSpPr>
+            <p:cNvPr id="13" name="Freeform 7"/>
+            <p:cNvSpPr/>
+            <p:nvPr/>
+          </p:nvSpPr>
+          <p:spPr>
+            <a:xfrm>
+              <a:off x="256540" y="265430"/>
+              <a:ext cx="4207510" cy="6043930"/>
+            </a:xfrm>
+            <a:custGeom>
+              <a:avLst/>
+              <a:gdLst/>
+              <a:ahLst/>
+              <a:cxnLst/>
+              <a:rect l="l" t="t" r="r" b="b"/>
+              <a:pathLst>
+                <a:path w="4207510" h="6043930">
+                  <a:moveTo>
+                    <a:pt x="4206240" y="5942330"/>
+                  </a:moveTo>
+                  <a:cubicBezTo>
+                    <a:pt x="4206240" y="5998210"/>
+                    <a:pt x="4160520" y="6043930"/>
+                    <a:pt x="4104640" y="6043930"/>
+                  </a:cubicBezTo>
+                  <a:lnTo>
+                    <a:pt x="101600" y="6043930"/>
+                  </a:lnTo>
+                  <a:cubicBezTo>
+                    <a:pt x="45720" y="6043930"/>
+                    <a:pt x="0" y="5998210"/>
+                    <a:pt x="0" y="5942330"/>
+                  </a:cubicBezTo>
+                  <a:lnTo>
+                    <a:pt x="0" y="101600"/>
+                  </a:lnTo>
+                  <a:cubicBezTo>
+                    <a:pt x="0" y="45720"/>
+                    <a:pt x="45720" y="0"/>
+                    <a:pt x="101600" y="0"/>
+                  </a:cubicBezTo>
+                  <a:lnTo>
+                    <a:pt x="4105910" y="0"/>
+                  </a:lnTo>
+                  <a:cubicBezTo>
+                    <a:pt x="4161790" y="0"/>
+                    <a:pt x="4207510" y="45720"/>
+                    <a:pt x="4207510" y="101600"/>
+                  </a:cubicBezTo>
+                  <a:lnTo>
+                    <a:pt x="4207510" y="5942330"/>
+                  </a:lnTo>
+                  <a:close/>
+                </a:path>
+              </a:pathLst>
+            </a:custGeom>
+            <a:solidFill>
+              <a:srgbClr val="FFFEFB"/>
+            </a:solidFill>
+          </p:spPr>
+        </p:sp>
+        <p:sp>
+          <p:nvSpPr>
+            <p:cNvPr id="14" name="Freeform 8"/>
+            <p:cNvSpPr/>
+            <p:nvPr/>
+          </p:nvSpPr>
+          <p:spPr>
+            <a:xfrm>
+              <a:off x="1951378" y="120589"/>
+              <a:ext cx="79963" cy="76322"/>
+            </a:xfrm>
+            <a:custGeom>
+              <a:avLst/>
+              <a:gdLst/>
+              <a:ahLst/>
+              <a:cxnLst/>
+              <a:rect l="l" t="t" r="r" b="b"/>
+              <a:pathLst>
+                <a:path w="79963" h="76322">
+                  <a:moveTo>
+                    <a:pt x="39982" y="61"/>
+                  </a:moveTo>
+                  <a:cubicBezTo>
+                    <a:pt x="26330" y="0"/>
+                    <a:pt x="13688" y="7248"/>
+                    <a:pt x="6844" y="19062"/>
+                  </a:cubicBezTo>
+                  <a:cubicBezTo>
+                    <a:pt x="0" y="30875"/>
+                    <a:pt x="0" y="45447"/>
+                    <a:pt x="6844" y="57260"/>
+                  </a:cubicBezTo>
+                  <a:cubicBezTo>
+                    <a:pt x="13688" y="69074"/>
+                    <a:pt x="26330" y="76322"/>
+                    <a:pt x="39982" y="76261"/>
+                  </a:cubicBezTo>
+                  <a:cubicBezTo>
+                    <a:pt x="53634" y="76322"/>
+                    <a:pt x="66276" y="69074"/>
+                    <a:pt x="73120" y="57260"/>
+                  </a:cubicBezTo>
+                  <a:cubicBezTo>
+                    <a:pt x="79964" y="45447"/>
+                    <a:pt x="79964" y="30875"/>
+                    <a:pt x="73120" y="19062"/>
+                  </a:cubicBezTo>
+                  <a:cubicBezTo>
+                    <a:pt x="66276" y="7248"/>
+                    <a:pt x="53634" y="0"/>
+                    <a:pt x="39982" y="61"/>
+                  </a:cubicBezTo>
+                  <a:close/>
+                </a:path>
+              </a:pathLst>
+            </a:custGeom>
+            <a:solidFill>
+              <a:srgbClr val="FFFEFB"/>
+            </a:solidFill>
+          </p:spPr>
+        </p:sp>
+        <p:sp>
+          <p:nvSpPr>
+            <p:cNvPr id="15" name="Freeform 9"/>
+            <p:cNvSpPr/>
+            <p:nvPr/>
+          </p:nvSpPr>
+          <p:spPr>
+            <a:xfrm>
+              <a:off x="2119473" y="104052"/>
+              <a:ext cx="114614" cy="109395"/>
+            </a:xfrm>
+            <a:custGeom>
+              <a:avLst/>
+              <a:gdLst/>
+              <a:ahLst/>
+              <a:cxnLst/>
+              <a:rect l="l" t="t" r="r" b="b"/>
+              <a:pathLst>
+                <a:path w="114614" h="109395">
+                  <a:moveTo>
+                    <a:pt x="57307" y="88"/>
+                  </a:moveTo>
+                  <a:cubicBezTo>
+                    <a:pt x="37739" y="0"/>
+                    <a:pt x="19619" y="10390"/>
+                    <a:pt x="9809" y="27322"/>
+                  </a:cubicBezTo>
+                  <a:cubicBezTo>
+                    <a:pt x="0" y="44255"/>
+                    <a:pt x="0" y="65141"/>
+                    <a:pt x="9809" y="82074"/>
+                  </a:cubicBezTo>
+                  <a:cubicBezTo>
+                    <a:pt x="19619" y="99006"/>
+                    <a:pt x="37739" y="109396"/>
+                    <a:pt x="57307" y="109308"/>
+                  </a:cubicBezTo>
+                  <a:cubicBezTo>
+                    <a:pt x="76875" y="109396"/>
+                    <a:pt x="94995" y="99006"/>
+                    <a:pt x="104804" y="82074"/>
+                  </a:cubicBezTo>
+                  <a:cubicBezTo>
+                    <a:pt x="114614" y="65141"/>
+                    <a:pt x="114614" y="44255"/>
+                    <a:pt x="104804" y="27322"/>
+                  </a:cubicBezTo>
+                  <a:cubicBezTo>
+                    <a:pt x="94995" y="10390"/>
+                    <a:pt x="76875" y="0"/>
+                    <a:pt x="57307" y="88"/>
+                  </a:cubicBezTo>
+                  <a:close/>
+                </a:path>
+              </a:pathLst>
+            </a:custGeom>
+            <a:solidFill>
+              <a:srgbClr val="FFFEFB"/>
+            </a:solidFill>
+          </p:spPr>
+        </p:sp>
+        <p:sp>
+          <p:nvSpPr>
+            <p:cNvPr id="16" name="Freeform 10"/>
+            <p:cNvSpPr/>
+            <p:nvPr/>
+          </p:nvSpPr>
+          <p:spPr>
+            <a:xfrm>
+              <a:off x="2328944" y="128221"/>
+              <a:ext cx="63971" cy="61058"/>
+            </a:xfrm>
+            <a:custGeom>
+              <a:avLst/>
+              <a:gdLst/>
+              <a:ahLst/>
+              <a:cxnLst/>
+              <a:rect l="l" t="t" r="r" b="b"/>
+              <a:pathLst>
+                <a:path w="63971" h="61058">
+                  <a:moveTo>
+                    <a:pt x="31986" y="49"/>
+                  </a:moveTo>
+                  <a:cubicBezTo>
+                    <a:pt x="21064" y="0"/>
+                    <a:pt x="10951" y="5799"/>
+                    <a:pt x="5476" y="15250"/>
+                  </a:cubicBezTo>
+                  <a:cubicBezTo>
+                    <a:pt x="0" y="24700"/>
+                    <a:pt x="0" y="36358"/>
+                    <a:pt x="5476" y="45808"/>
+                  </a:cubicBezTo>
+                  <a:cubicBezTo>
+                    <a:pt x="10951" y="55259"/>
+                    <a:pt x="21064" y="61058"/>
+                    <a:pt x="31986" y="61009"/>
+                  </a:cubicBezTo>
+                  <a:cubicBezTo>
+                    <a:pt x="42908" y="61058"/>
+                    <a:pt x="53021" y="55259"/>
+                    <a:pt x="58496" y="45808"/>
+                  </a:cubicBezTo>
+                  <a:cubicBezTo>
+                    <a:pt x="63971" y="36358"/>
+                    <a:pt x="63971" y="24700"/>
+                    <a:pt x="58496" y="15250"/>
+                  </a:cubicBezTo>
+                  <a:cubicBezTo>
+                    <a:pt x="53021" y="5799"/>
+                    <a:pt x="42908" y="0"/>
+                    <a:pt x="31986" y="49"/>
+                  </a:cubicBezTo>
+                  <a:close/>
+                </a:path>
+              </a:pathLst>
+            </a:custGeom>
+            <a:solidFill>
+              <a:srgbClr val="FFFEFB"/>
+            </a:solidFill>
+          </p:spPr>
+        </p:sp>
+        <p:sp>
+          <p:nvSpPr>
+            <p:cNvPr id="17" name="Freeform 11"/>
+            <p:cNvSpPr/>
+            <p:nvPr/>
+          </p:nvSpPr>
+          <p:spPr>
+            <a:xfrm>
+              <a:off x="2346270" y="144758"/>
+              <a:ext cx="29320" cy="27985"/>
+            </a:xfrm>
+            <a:custGeom>
+              <a:avLst/>
+              <a:gdLst/>
+              <a:ahLst/>
+              <a:cxnLst/>
+              <a:rect l="l" t="t" r="r" b="b"/>
+              <a:pathLst>
+                <a:path w="29320" h="27985">
+                  <a:moveTo>
+                    <a:pt x="14660" y="22"/>
+                  </a:moveTo>
+                  <a:cubicBezTo>
+                    <a:pt x="9654" y="0"/>
+                    <a:pt x="5019" y="2657"/>
+                    <a:pt x="2509" y="6989"/>
+                  </a:cubicBezTo>
+                  <a:cubicBezTo>
+                    <a:pt x="0" y="11320"/>
+                    <a:pt x="0" y="16664"/>
+                    <a:pt x="2509" y="20995"/>
+                  </a:cubicBezTo>
+                  <a:cubicBezTo>
+                    <a:pt x="5019" y="25327"/>
+                    <a:pt x="9654" y="27984"/>
+                    <a:pt x="14660" y="27962"/>
+                  </a:cubicBezTo>
+                  <a:cubicBezTo>
+                    <a:pt x="19666" y="27984"/>
+                    <a:pt x="24301" y="25327"/>
+                    <a:pt x="26811" y="20995"/>
+                  </a:cubicBezTo>
+                  <a:cubicBezTo>
+                    <a:pt x="29320" y="16664"/>
+                    <a:pt x="29320" y="11320"/>
+                    <a:pt x="26811" y="6989"/>
+                  </a:cubicBezTo>
+                  <a:cubicBezTo>
+                    <a:pt x="24301" y="2657"/>
+                    <a:pt x="19666" y="0"/>
+                    <a:pt x="14660" y="22"/>
+                  </a:cubicBezTo>
+                  <a:close/>
+                </a:path>
+              </a:pathLst>
+            </a:custGeom>
+            <a:solidFill>
+              <a:srgbClr val="393667"/>
+            </a:solidFill>
+          </p:spPr>
+        </p:sp>
+        <p:sp>
+          <p:nvSpPr>
+            <p:cNvPr id="18" name="Freeform 12"/>
+            <p:cNvSpPr/>
+            <p:nvPr/>
+          </p:nvSpPr>
+          <p:spPr>
+            <a:xfrm>
+              <a:off x="2344044" y="144768"/>
+              <a:ext cx="15993" cy="15264"/>
+            </a:xfrm>
+            <a:custGeom>
+              <a:avLst/>
+              <a:gdLst/>
+              <a:ahLst/>
+              <a:cxnLst/>
+              <a:rect l="l" t="t" r="r" b="b"/>
+              <a:pathLst>
+                <a:path w="15993" h="15264">
+                  <a:moveTo>
+                    <a:pt x="7996" y="12"/>
+                  </a:moveTo>
+                  <a:cubicBezTo>
+                    <a:pt x="5266" y="0"/>
+                    <a:pt x="2737" y="1449"/>
+                    <a:pt x="1368" y="3812"/>
+                  </a:cubicBezTo>
+                  <a:cubicBezTo>
+                    <a:pt x="0" y="6175"/>
+                    <a:pt x="0" y="9089"/>
+                    <a:pt x="1368" y="11452"/>
+                  </a:cubicBezTo>
+                  <a:cubicBezTo>
+                    <a:pt x="2737" y="13815"/>
+                    <a:pt x="5266" y="15264"/>
+                    <a:pt x="7996" y="15252"/>
+                  </a:cubicBezTo>
+                  <a:cubicBezTo>
+                    <a:pt x="10726" y="15264"/>
+                    <a:pt x="13255" y="13815"/>
+                    <a:pt x="14623" y="11452"/>
+                  </a:cubicBezTo>
+                  <a:cubicBezTo>
+                    <a:pt x="15992" y="9089"/>
+                    <a:pt x="15992" y="6175"/>
+                    <a:pt x="14623" y="3812"/>
+                  </a:cubicBezTo>
+                  <a:cubicBezTo>
+                    <a:pt x="13255" y="1449"/>
+                    <a:pt x="10726" y="0"/>
+                    <a:pt x="7996" y="12"/>
+                  </a:cubicBezTo>
+                  <a:close/>
+                </a:path>
+              </a:pathLst>
+            </a:custGeom>
+            <a:solidFill>
+              <a:srgbClr val="ADADE9"/>
+            </a:solidFill>
+          </p:spPr>
+        </p:sp>
+        <p:sp>
+          <p:nvSpPr>
+            <p:cNvPr id="19" name="Freeform 13"/>
+            <p:cNvSpPr/>
+            <p:nvPr/>
+          </p:nvSpPr>
+          <p:spPr>
+            <a:xfrm>
+              <a:off x="4716780" y="534670"/>
+              <a:ext cx="19050" cy="278130"/>
+            </a:xfrm>
+            <a:custGeom>
+              <a:avLst/>
+              <a:gdLst/>
+              <a:ahLst/>
+              <a:cxnLst/>
+              <a:rect l="l" t="t" r="r" b="b"/>
+              <a:pathLst>
+                <a:path w="19050" h="278130">
+                  <a:moveTo>
+                    <a:pt x="0" y="0"/>
+                  </a:moveTo>
+                  <a:lnTo>
+                    <a:pt x="0" y="278130"/>
+                  </a:lnTo>
+                  <a:cubicBezTo>
+                    <a:pt x="19050" y="278130"/>
+                    <a:pt x="16510" y="262890"/>
+                    <a:pt x="16510" y="243840"/>
+                  </a:cubicBezTo>
+                  <a:lnTo>
+                    <a:pt x="16510" y="35560"/>
+                  </a:lnTo>
+                  <a:cubicBezTo>
+                    <a:pt x="16510" y="16510"/>
+                    <a:pt x="19050" y="0"/>
+                    <a:pt x="0" y="0"/>
+                  </a:cubicBezTo>
+                  <a:close/>
+                </a:path>
+              </a:pathLst>
+            </a:custGeom>
+            <a:solidFill>
+              <a:srgbClr val="ADADE9"/>
+            </a:solidFill>
+          </p:spPr>
+        </p:sp>
+        <p:sp>
+          <p:nvSpPr>
+            <p:cNvPr id="20" name="Freeform 14"/>
+            <p:cNvSpPr/>
+            <p:nvPr/>
+          </p:nvSpPr>
+          <p:spPr>
+            <a:xfrm>
+              <a:off x="4716780" y="861060"/>
+              <a:ext cx="19050" cy="278130"/>
+            </a:xfrm>
+            <a:custGeom>
+              <a:avLst/>
+              <a:gdLst/>
+              <a:ahLst/>
+              <a:cxnLst/>
+              <a:rect l="l" t="t" r="r" b="b"/>
+              <a:pathLst>
+                <a:path w="19050" h="278130">
+                  <a:moveTo>
+                    <a:pt x="0" y="0"/>
+                  </a:moveTo>
+                  <a:lnTo>
+                    <a:pt x="0" y="278130"/>
+                  </a:lnTo>
+                  <a:cubicBezTo>
+                    <a:pt x="19050" y="278130"/>
+                    <a:pt x="16510" y="262890"/>
+                    <a:pt x="16510" y="243840"/>
+                  </a:cubicBezTo>
+                  <a:lnTo>
+                    <a:pt x="16510" y="35560"/>
+                  </a:lnTo>
+                  <a:cubicBezTo>
+                    <a:pt x="16510" y="16510"/>
+                    <a:pt x="19050" y="0"/>
+                    <a:pt x="0" y="0"/>
+                  </a:cubicBezTo>
+                  <a:close/>
+                </a:path>
+              </a:pathLst>
+            </a:custGeom>
+            <a:solidFill>
+              <a:srgbClr val="ADADE9"/>
+            </a:solidFill>
+          </p:spPr>
+        </p:sp>
+        <p:sp>
+          <p:nvSpPr>
+            <p:cNvPr id="21" name="Freeform 15"/>
+            <p:cNvSpPr/>
+            <p:nvPr/>
+          </p:nvSpPr>
+          <p:spPr>
+            <a:xfrm>
+              <a:off x="4064000" y="-2540"/>
+              <a:ext cx="320040" cy="19050"/>
+            </a:xfrm>
+            <a:custGeom>
+              <a:avLst/>
+              <a:gdLst/>
+              <a:ahLst/>
+              <a:cxnLst/>
+              <a:rect l="l" t="t" r="r" b="b"/>
+              <a:pathLst>
+                <a:path w="320040" h="19050">
+                  <a:moveTo>
+                    <a:pt x="0" y="19050"/>
+                  </a:moveTo>
+                  <a:lnTo>
+                    <a:pt x="320040" y="19050"/>
+                  </a:lnTo>
+                  <a:cubicBezTo>
+                    <a:pt x="320040" y="0"/>
+                    <a:pt x="304800" y="2540"/>
+                    <a:pt x="285750" y="2540"/>
+                  </a:cubicBezTo>
+                  <a:lnTo>
+                    <a:pt x="34290" y="2540"/>
+                  </a:lnTo>
+                  <a:cubicBezTo>
+                    <a:pt x="15240" y="2540"/>
+                    <a:pt x="0" y="0"/>
+                    <a:pt x="0" y="19050"/>
+                  </a:cubicBezTo>
+                  <a:close/>
+                </a:path>
+              </a:pathLst>
+            </a:custGeom>
+            <a:solidFill>
+              <a:srgbClr val="ADADE9"/>
+            </a:solidFill>
+          </p:spPr>
+        </p:sp>
+      </p:grpSp>
+      <p:pic>
+        <p:nvPicPr>
+          <p:cNvPr id="22" name="Picture 16"/>
+          <p:cNvPicPr>
+            <a:picLocks noChangeAspect="1"/>
+          </p:cNvPicPr>
+          <p:nvPr/>
+        </p:nvPicPr>
+        <p:blipFill>
+          <a:blip r:embed="rId5"/>
+          <a:srcRect/>
+          <a:stretch>
+            <a:fillRect/>
+          </a:stretch>
+        </p:blipFill>
+        <p:spPr>
+          <a:xfrm>
+            <a:off x="12442027" y="2208049"/>
+            <a:ext cx="6073992" cy="8554919"/>
+          </a:xfrm>
+          <a:prstGeom prst="rect">
+            <a:avLst/>
+          </a:prstGeom>
+        </p:spPr>
+      </p:pic>
+      <p:pic>
+        <p:nvPicPr>
+          <p:cNvPr id="23" name="Picture 18"/>
+          <p:cNvPicPr>
+            <a:picLocks noChangeAspect="1"/>
+          </p:cNvPicPr>
+          <p:nvPr/>
+        </p:nvPicPr>
+        <p:blipFill>
+          <a:blip r:embed="rId2"/>
+          <a:srcRect/>
+          <a:stretch>
+            <a:fillRect/>
+          </a:stretch>
+        </p:blipFill>
+        <p:spPr>
+          <a:xfrm>
+            <a:off x="11984030" y="3160523"/>
+            <a:ext cx="915994" cy="1028732"/>
           </a:xfrm>
           <a:prstGeom prst="rect">
             <a:avLst/>
@@ -11950,6 +13080,11 @@
         </p:spPr>
       </p:pic>
     </p:spTree>
+    <p:extLst>
+      <p:ext uri="{BB962C8B-B14F-4D97-AF65-F5344CB8AC3E}">
+        <p14:creationId xmlns:p14="http://schemas.microsoft.com/office/powerpoint/2010/main" val="4063072929"/>
+      </p:ext>
+    </p:extLst>
   </p:cSld>
   <p:clrMapOvr>
     <a:masterClrMapping/>
@@ -11966,20 +13101,137 @@
       </p:transition>
     </mc:Fallback>
   </mc:AlternateContent>
+  <p:timing>
+    <p:tnLst>
+      <p:par>
+        <p:cTn id="1" dur="indefinite" restart="never" nodeType="tmRoot">
+          <p:childTnLst>
+            <p:seq concurrent="1" nextAc="seek">
+              <p:cTn id="2" dur="indefinite" nodeType="mainSeq">
+                <p:childTnLst>
+                  <p:par>
+                    <p:cTn id="3" fill="hold">
+                      <p:stCondLst>
+                        <p:cond delay="indefinite"/>
+                        <p:cond evt="onBegin" delay="0">
+                          <p:tn val="2"/>
+                        </p:cond>
+                      </p:stCondLst>
+                      <p:childTnLst>
+                        <p:par>
+                          <p:cTn id="4" fill="hold">
+                            <p:stCondLst>
+                              <p:cond delay="0"/>
+                            </p:stCondLst>
+                            <p:childTnLst>
+                              <p:par>
+                                <p:cTn id="5" presetID="10" presetClass="entr" presetSubtype="0" fill="hold" grpId="0" nodeType="withEffect">
+                                  <p:stCondLst>
+                                    <p:cond delay="0"/>
+                                  </p:stCondLst>
+                                  <p:childTnLst>
+                                    <p:set>
+                                      <p:cBhvr>
+                                        <p:cTn id="6" dur="1" fill="hold">
+                                          <p:stCondLst>
+                                            <p:cond delay="0"/>
+                                          </p:stCondLst>
+                                        </p:cTn>
+                                        <p:tgtEl>
+                                          <p:spTgt spid="6"/>
+                                        </p:tgtEl>
+                                        <p:attrNameLst>
+                                          <p:attrName>style.visibility</p:attrName>
+                                        </p:attrNameLst>
+                                      </p:cBhvr>
+                                      <p:to>
+                                        <p:strVal val="visible"/>
+                                      </p:to>
+                                    </p:set>
+                                    <p:animEffect transition="in" filter="fade">
+                                      <p:cBhvr>
+                                        <p:cTn id="7" dur="500"/>
+                                        <p:tgtEl>
+                                          <p:spTgt spid="6"/>
+                                        </p:tgtEl>
+                                      </p:cBhvr>
+                                    </p:animEffect>
+                                  </p:childTnLst>
+                                </p:cTn>
+                              </p:par>
+                              <p:par>
+                                <p:cTn id="8" presetID="10" presetClass="entr" presetSubtype="0" fill="hold" grpId="0" nodeType="withEffect">
+                                  <p:stCondLst>
+                                    <p:cond delay="0"/>
+                                  </p:stCondLst>
+                                  <p:childTnLst>
+                                    <p:set>
+                                      <p:cBhvr>
+                                        <p:cTn id="9" dur="1" fill="hold">
+                                          <p:stCondLst>
+                                            <p:cond delay="0"/>
+                                          </p:stCondLst>
+                                        </p:cTn>
+                                        <p:tgtEl>
+                                          <p:spTgt spid="2"/>
+                                        </p:tgtEl>
+                                        <p:attrNameLst>
+                                          <p:attrName>style.visibility</p:attrName>
+                                        </p:attrNameLst>
+                                      </p:cBhvr>
+                                      <p:to>
+                                        <p:strVal val="visible"/>
+                                      </p:to>
+                                    </p:set>
+                                    <p:animEffect transition="in" filter="fade">
+                                      <p:cBhvr>
+                                        <p:cTn id="10" dur="500"/>
+                                        <p:tgtEl>
+                                          <p:spTgt spid="2"/>
+                                        </p:tgtEl>
+                                      </p:cBhvr>
+                                    </p:animEffect>
+                                  </p:childTnLst>
+                                </p:cTn>
+                              </p:par>
+                            </p:childTnLst>
+                          </p:cTn>
+                        </p:par>
+                      </p:childTnLst>
+                    </p:cTn>
+                  </p:par>
+                </p:childTnLst>
+              </p:cTn>
+              <p:prevCondLst>
+                <p:cond evt="onPrev" delay="0">
+                  <p:tgtEl>
+                    <p:sldTgt/>
+                  </p:tgtEl>
+                </p:cond>
+              </p:prevCondLst>
+              <p:nextCondLst>
+                <p:cond evt="onNext" delay="0">
+                  <p:tgtEl>
+                    <p:sldTgt/>
+                  </p:tgtEl>
+                </p:cond>
+              </p:nextCondLst>
+            </p:seq>
+          </p:childTnLst>
+        </p:cTn>
+      </p:par>
+    </p:tnLst>
+    <p:bldLst>
+      <p:bldP spid="2" grpId="0"/>
+      <p:bldP spid="6" grpId="0"/>
+    </p:bldLst>
+  </p:timing>
 </p:sld>
 </file>
 
 <file path=ppt/slides/slide18.xml><?xml version="1.0" encoding="utf-8"?>
 <p:sld xmlns:a="http://schemas.openxmlformats.org/drawingml/2006/main" xmlns:r="http://schemas.openxmlformats.org/officeDocument/2006/relationships" xmlns:p="http://schemas.openxmlformats.org/presentationml/2006/main">
   <p:cSld>
-    <p:bg>
-      <p:bgPr>
-        <a:solidFill>
-          <a:srgbClr val="FFFEFB"/>
-        </a:solidFill>
-        <a:effectLst/>
-      </p:bgPr>
-    </p:bg>
     <p:spTree>
       <p:nvGrpSpPr>
         <p:cNvPr id="1" name=""/>
@@ -12003,7 +13255,7 @@
         <p:spPr>
           <a:xfrm>
             <a:off x="8071925" y="2034998"/>
-            <a:ext cx="8782050" cy="4202430"/>
+            <a:ext cx="8782050" cy="5155257"/>
           </a:xfrm>
           <a:prstGeom prst="rect">
             <a:avLst/>
@@ -12015,20 +13267,341 @@
           </a:bodyPr>
           <a:lstStyle/>
           <a:p>
-            <a:pPr algn="just">
+            <a:pPr>
               <a:lnSpc>
                 <a:spcPts val="6719"/>
               </a:lnSpc>
             </a:pPr>
             <a:r>
-              <a:rPr lang="en-US" sz="4800">
+              <a:rPr lang="en-US" sz="4800" dirty="0" err="1" smtClean="0">
                 <a:solidFill>
                   <a:srgbClr val="000000"/>
                 </a:solidFill>
                 <a:latin typeface="Open Sans Light"/>
               </a:rPr>
-              <a:t>"It is a long established fact that a reader will be distracted by the readable content of a page when looking at its layout. The point of using."</a:t>
-            </a:r>
+              <a:t>Agradecemos</a:t>
+            </a:r>
+            <a:r>
+              <a:rPr lang="en-US" sz="4800" dirty="0" smtClean="0">
+                <a:solidFill>
+                  <a:srgbClr val="000000"/>
+                </a:solidFill>
+                <a:latin typeface="Open Sans Light"/>
+              </a:rPr>
+              <a:t> </a:t>
+            </a:r>
+            <a:r>
+              <a:rPr lang="en-US" sz="4800" dirty="0" err="1" smtClean="0">
+                <a:solidFill>
+                  <a:srgbClr val="000000"/>
+                </a:solidFill>
+                <a:latin typeface="Open Sans Light"/>
+              </a:rPr>
+              <a:t>aos</a:t>
+            </a:r>
+            <a:r>
+              <a:rPr lang="en-US" sz="4800" dirty="0" smtClean="0">
+                <a:solidFill>
+                  <a:srgbClr val="000000"/>
+                </a:solidFill>
+                <a:latin typeface="Open Sans Light"/>
+              </a:rPr>
+              <a:t> </a:t>
+            </a:r>
+            <a:r>
+              <a:rPr lang="en-US" sz="4800" dirty="0" err="1" smtClean="0">
+                <a:solidFill>
+                  <a:srgbClr val="000000"/>
+                </a:solidFill>
+                <a:latin typeface="Open Sans Light"/>
+              </a:rPr>
+              <a:t>nossos</a:t>
+            </a:r>
+            <a:r>
+              <a:rPr lang="en-US" sz="4800" dirty="0" smtClean="0">
+                <a:solidFill>
+                  <a:srgbClr val="000000"/>
+                </a:solidFill>
+                <a:latin typeface="Open Sans Light"/>
+              </a:rPr>
+              <a:t> amigos e </a:t>
+            </a:r>
+            <a:r>
+              <a:rPr lang="en-US" sz="4800" dirty="0" err="1" smtClean="0">
+                <a:solidFill>
+                  <a:srgbClr val="000000"/>
+                </a:solidFill>
+                <a:latin typeface="Open Sans Light"/>
+              </a:rPr>
+              <a:t>familiares</a:t>
+            </a:r>
+            <a:r>
+              <a:rPr lang="en-US" sz="4800" dirty="0" smtClean="0">
+                <a:solidFill>
+                  <a:srgbClr val="000000"/>
+                </a:solidFill>
+                <a:latin typeface="Open Sans Light"/>
+              </a:rPr>
+              <a:t> </a:t>
+            </a:r>
+            <a:r>
+              <a:rPr lang="en-US" sz="4800" dirty="0" err="1" smtClean="0">
+                <a:solidFill>
+                  <a:srgbClr val="000000"/>
+                </a:solidFill>
+                <a:latin typeface="Open Sans Light"/>
+              </a:rPr>
+              <a:t>por</a:t>
+            </a:r>
+            <a:r>
+              <a:rPr lang="en-US" sz="4800" dirty="0" smtClean="0">
+                <a:solidFill>
+                  <a:srgbClr val="000000"/>
+                </a:solidFill>
+                <a:latin typeface="Open Sans Light"/>
+              </a:rPr>
+              <a:t> </a:t>
+            </a:r>
+            <a:r>
+              <a:rPr lang="en-US" sz="4800" dirty="0" err="1" smtClean="0">
+                <a:solidFill>
+                  <a:srgbClr val="000000"/>
+                </a:solidFill>
+                <a:latin typeface="Open Sans Light"/>
+              </a:rPr>
+              <a:t>toda</a:t>
+            </a:r>
+            <a:r>
+              <a:rPr lang="en-US" sz="4800" dirty="0" smtClean="0">
+                <a:solidFill>
+                  <a:srgbClr val="000000"/>
+                </a:solidFill>
+                <a:latin typeface="Open Sans Light"/>
+              </a:rPr>
+              <a:t> </a:t>
+            </a:r>
+            <a:r>
+              <a:rPr lang="en-US" sz="4800" dirty="0" err="1" smtClean="0">
+                <a:solidFill>
+                  <a:srgbClr val="000000"/>
+                </a:solidFill>
+                <a:latin typeface="Open Sans Light"/>
+              </a:rPr>
+              <a:t>ajuda</a:t>
+            </a:r>
+            <a:r>
+              <a:rPr lang="en-US" sz="4800" dirty="0" smtClean="0">
+                <a:solidFill>
+                  <a:srgbClr val="000000"/>
+                </a:solidFill>
+                <a:latin typeface="Open Sans Light"/>
+              </a:rPr>
+              <a:t> e </a:t>
+            </a:r>
+            <a:r>
+              <a:rPr lang="en-US" sz="4800" dirty="0" err="1" smtClean="0">
+                <a:solidFill>
+                  <a:srgbClr val="000000"/>
+                </a:solidFill>
+                <a:latin typeface="Open Sans Light"/>
+              </a:rPr>
+              <a:t>apoio</a:t>
+            </a:r>
+            <a:r>
+              <a:rPr lang="en-US" sz="4800" dirty="0" smtClean="0">
+                <a:solidFill>
+                  <a:srgbClr val="000000"/>
+                </a:solidFill>
+                <a:latin typeface="Open Sans Light"/>
+              </a:rPr>
+              <a:t> e </a:t>
+            </a:r>
+            <a:r>
+              <a:rPr lang="en-US" sz="4800" dirty="0" err="1" smtClean="0">
+                <a:solidFill>
+                  <a:srgbClr val="000000"/>
+                </a:solidFill>
+                <a:latin typeface="Open Sans Light"/>
+              </a:rPr>
+              <a:t>também</a:t>
+            </a:r>
+            <a:r>
+              <a:rPr lang="en-US" sz="4800" dirty="0" smtClean="0">
+                <a:solidFill>
+                  <a:srgbClr val="000000"/>
+                </a:solidFill>
+                <a:latin typeface="Open Sans Light"/>
+              </a:rPr>
+              <a:t> a </a:t>
+            </a:r>
+            <a:r>
+              <a:rPr lang="en-US" sz="4800" dirty="0" err="1" smtClean="0">
+                <a:solidFill>
+                  <a:srgbClr val="000000"/>
+                </a:solidFill>
+                <a:latin typeface="Open Sans Light"/>
+              </a:rPr>
+              <a:t>todos</a:t>
+            </a:r>
+            <a:r>
+              <a:rPr lang="en-US" sz="4800" dirty="0" smtClean="0">
+                <a:solidFill>
+                  <a:srgbClr val="000000"/>
+                </a:solidFill>
+                <a:latin typeface="Open Sans Light"/>
+              </a:rPr>
+              <a:t> </a:t>
+            </a:r>
+            <a:r>
+              <a:rPr lang="en-US" sz="4800" dirty="0" err="1" smtClean="0">
+                <a:solidFill>
+                  <a:srgbClr val="000000"/>
+                </a:solidFill>
+                <a:latin typeface="Open Sans Light"/>
+              </a:rPr>
+              <a:t>nossos</a:t>
+            </a:r>
+            <a:r>
+              <a:rPr lang="en-US" sz="4800" dirty="0" smtClean="0">
+                <a:solidFill>
+                  <a:srgbClr val="000000"/>
+                </a:solidFill>
+                <a:latin typeface="Open Sans Light"/>
+              </a:rPr>
+              <a:t> </a:t>
+            </a:r>
+            <a:r>
+              <a:rPr lang="en-US" sz="4800" dirty="0" err="1" smtClean="0">
+                <a:solidFill>
+                  <a:srgbClr val="000000"/>
+                </a:solidFill>
+                <a:latin typeface="Open Sans Light"/>
+              </a:rPr>
+              <a:t>professores</a:t>
+            </a:r>
+            <a:r>
+              <a:rPr lang="en-US" sz="4800" dirty="0" smtClean="0">
+                <a:solidFill>
+                  <a:srgbClr val="000000"/>
+                </a:solidFill>
+                <a:latin typeface="Open Sans Light"/>
+              </a:rPr>
+              <a:t> </a:t>
+            </a:r>
+            <a:r>
+              <a:rPr lang="en-US" sz="4800" dirty="0" err="1" smtClean="0">
+                <a:solidFill>
+                  <a:srgbClr val="000000"/>
+                </a:solidFill>
+                <a:latin typeface="Open Sans Light"/>
+              </a:rPr>
+              <a:t>pelas</a:t>
+            </a:r>
+            <a:r>
+              <a:rPr lang="en-US" sz="4800" dirty="0" smtClean="0">
+                <a:solidFill>
+                  <a:srgbClr val="000000"/>
+                </a:solidFill>
+                <a:latin typeface="Open Sans Light"/>
+              </a:rPr>
+              <a:t> </a:t>
+            </a:r>
+            <a:r>
+              <a:rPr lang="en-US" sz="4800" dirty="0" err="1" smtClean="0">
+                <a:solidFill>
+                  <a:srgbClr val="000000"/>
+                </a:solidFill>
+                <a:latin typeface="Open Sans Light"/>
+              </a:rPr>
+              <a:t>instruções</a:t>
+            </a:r>
+            <a:r>
+              <a:rPr lang="en-US" sz="4800" dirty="0" smtClean="0">
+                <a:solidFill>
+                  <a:srgbClr val="000000"/>
+                </a:solidFill>
+                <a:latin typeface="Open Sans Light"/>
+              </a:rPr>
+              <a:t> e </a:t>
+            </a:r>
+            <a:r>
+              <a:rPr lang="en-US" sz="4800" dirty="0" err="1" smtClean="0">
+                <a:solidFill>
+                  <a:srgbClr val="000000"/>
+                </a:solidFill>
+                <a:latin typeface="Open Sans Light"/>
+              </a:rPr>
+              <a:t>direcionamentos</a:t>
+            </a:r>
+            <a:r>
+              <a:rPr lang="en-US" sz="4800" dirty="0" smtClean="0">
+                <a:solidFill>
+                  <a:srgbClr val="000000"/>
+                </a:solidFill>
+                <a:latin typeface="Open Sans Light"/>
+              </a:rPr>
+              <a:t> </a:t>
+            </a:r>
+            <a:r>
+              <a:rPr lang="en-US" sz="4800" dirty="0" err="1" smtClean="0">
+                <a:solidFill>
+                  <a:srgbClr val="000000"/>
+                </a:solidFill>
+                <a:latin typeface="Open Sans Light"/>
+              </a:rPr>
+              <a:t>em</a:t>
+            </a:r>
+            <a:r>
+              <a:rPr lang="en-US" sz="4800" dirty="0" smtClean="0">
+                <a:solidFill>
+                  <a:srgbClr val="000000"/>
+                </a:solidFill>
+                <a:latin typeface="Open Sans Light"/>
+              </a:rPr>
+              <a:t> </a:t>
+            </a:r>
+            <a:r>
+              <a:rPr lang="en-US" sz="4800" dirty="0" err="1" smtClean="0">
+                <a:solidFill>
+                  <a:srgbClr val="000000"/>
+                </a:solidFill>
+                <a:latin typeface="Open Sans Light"/>
+              </a:rPr>
+              <a:t>nosso</a:t>
+            </a:r>
+            <a:r>
+              <a:rPr lang="en-US" sz="4800" dirty="0" smtClean="0">
+                <a:solidFill>
+                  <a:srgbClr val="000000"/>
+                </a:solidFill>
+                <a:latin typeface="Open Sans Light"/>
+              </a:rPr>
+              <a:t> </a:t>
+            </a:r>
+            <a:r>
+              <a:rPr lang="en-US" sz="4800" dirty="0" err="1" smtClean="0">
+                <a:solidFill>
+                  <a:srgbClr val="000000"/>
+                </a:solidFill>
+                <a:latin typeface="Open Sans Light"/>
+              </a:rPr>
+              <a:t>projeto</a:t>
+            </a:r>
+            <a:r>
+              <a:rPr lang="en-US" sz="4800" dirty="0" smtClean="0">
+                <a:solidFill>
+                  <a:srgbClr val="000000"/>
+                </a:solidFill>
+                <a:latin typeface="Open Sans Light"/>
+              </a:rPr>
+              <a:t>.</a:t>
+            </a:r>
+            <a:endParaRPr lang="en-US" sz="4800" dirty="0">
+              <a:solidFill>
+                <a:srgbClr val="000000"/>
+              </a:solidFill>
+              <a:latin typeface="Open Sans Light"/>
+            </a:endParaRPr>
           </a:p>
         </p:txBody>
       </p:sp>
@@ -12109,13 +13682,7 @@
       </p:pic>
       <p:pic>
         <p:nvPicPr>
-          <p:cNvPr id="7" name="Imagem 6">
-            <a:extLst>
-              <a:ext uri="{FF2B5EF4-FFF2-40B4-BE49-F238E27FC236}">
-                <a16:creationId xmlns:a16="http://schemas.microsoft.com/office/drawing/2014/main" id="{28EF9DF8-1AA6-4729-85C9-C5480A09FE55}"/>
-              </a:ext>
-            </a:extLst>
-          </p:cNvPr>
+          <p:cNvPr id="8" name="Picture 7"/>
           <p:cNvPicPr>
             <a:picLocks noChangeAspect="1"/>
           </p:cNvPicPr>
@@ -12123,14 +13690,15 @@
         </p:nvPicPr>
         <p:blipFill>
           <a:blip r:embed="rId5"/>
+          <a:srcRect/>
           <a:stretch>
             <a:fillRect/>
           </a:stretch>
         </p:blipFill>
         <p:spPr>
           <a:xfrm>
-            <a:off x="17078325" y="266700"/>
-            <a:ext cx="883385" cy="1044000"/>
+            <a:off x="17078325" y="341670"/>
+            <a:ext cx="915994" cy="1028732"/>
           </a:xfrm>
           <a:prstGeom prst="rect">
             <a:avLst/>
@@ -12138,6 +13706,11 @@
         </p:spPr>
       </p:pic>
     </p:spTree>
+    <p:extLst>
+      <p:ext uri="{BB962C8B-B14F-4D97-AF65-F5344CB8AC3E}">
+        <p14:creationId xmlns:p14="http://schemas.microsoft.com/office/powerpoint/2010/main" val="760851293"/>
+      </p:ext>
+    </p:extLst>
   </p:cSld>
   <p:clrMapOvr>
     <a:masterClrMapping/>
@@ -12154,6 +13727,13 @@
       </p:transition>
     </mc:Fallback>
   </mc:AlternateContent>
+  <p:timing>
+    <p:tnLst>
+      <p:par>
+        <p:cTn id="1" dur="indefinite" restart="never" nodeType="tmRoot"/>
+      </p:par>
+    </p:tnLst>
+  </p:timing>
 </p:sld>
 </file>
 
@@ -14639,6 +16219,13 @@
       </p:transition>
     </mc:Fallback>
   </mc:AlternateContent>
+  <p:timing>
+    <p:tnLst>
+      <p:par>
+        <p:cTn id="1" dur="indefinite" restart="never" nodeType="tmRoot"/>
+      </p:par>
+    </p:tnLst>
+  </p:timing>
 </p:sld>
 </file>
 
@@ -15475,98 +17062,14 @@
                             </p:stCondLst>
                             <p:childTnLst>
                               <p:par>
-                                <p:cTn id="5" presetID="32" presetClass="emph" presetSubtype="0" fill="hold" nodeType="afterEffect">
-                                  <p:stCondLst>
-                                    <p:cond delay="0"/>
-                                  </p:stCondLst>
-                                  <p:childTnLst>
-                                    <p:animRot by="120000">
-                                      <p:cBhvr>
-                                        <p:cTn id="6" dur="2000" fill="hold">
-                                          <p:stCondLst>
-                                            <p:cond delay="0"/>
-                                          </p:stCondLst>
-                                        </p:cTn>
-                                        <p:tgtEl>
-                                          <p:spTgt spid="2"/>
-                                        </p:tgtEl>
-                                        <p:attrNameLst>
-                                          <p:attrName>r</p:attrName>
-                                        </p:attrNameLst>
-                                      </p:cBhvr>
-                                    </p:animRot>
-                                    <p:animRot by="-240000">
-                                      <p:cBhvr>
-                                        <p:cTn id="7" dur="4000" fill="hold">
-                                          <p:stCondLst>
-                                            <p:cond delay="4000"/>
-                                          </p:stCondLst>
-                                        </p:cTn>
-                                        <p:tgtEl>
-                                          <p:spTgt spid="2"/>
-                                        </p:tgtEl>
-                                        <p:attrNameLst>
-                                          <p:attrName>r</p:attrName>
-                                        </p:attrNameLst>
-                                      </p:cBhvr>
-                                    </p:animRot>
-                                    <p:animRot by="240000">
-                                      <p:cBhvr>
-                                        <p:cTn id="8" dur="4000" fill="hold">
-                                          <p:stCondLst>
-                                            <p:cond delay="8000"/>
-                                          </p:stCondLst>
-                                        </p:cTn>
-                                        <p:tgtEl>
-                                          <p:spTgt spid="2"/>
-                                        </p:tgtEl>
-                                        <p:attrNameLst>
-                                          <p:attrName>r</p:attrName>
-                                        </p:attrNameLst>
-                                      </p:cBhvr>
-                                    </p:animRot>
-                                    <p:animRot by="-240000">
-                                      <p:cBhvr>
-                                        <p:cTn id="9" dur="4000" fill="hold">
-                                          <p:stCondLst>
-                                            <p:cond delay="12000"/>
-                                          </p:stCondLst>
-                                        </p:cTn>
-                                        <p:tgtEl>
-                                          <p:spTgt spid="2"/>
-                                        </p:tgtEl>
-                                        <p:attrNameLst>
-                                          <p:attrName>r</p:attrName>
-                                        </p:attrNameLst>
-                                      </p:cBhvr>
-                                    </p:animRot>
-                                    <p:animRot by="120000">
-                                      <p:cBhvr>
-                                        <p:cTn id="10" dur="4000" fill="hold">
-                                          <p:stCondLst>
-                                            <p:cond delay="16000"/>
-                                          </p:stCondLst>
-                                        </p:cTn>
-                                        <p:tgtEl>
-                                          <p:spTgt spid="2"/>
-                                        </p:tgtEl>
-                                        <p:attrNameLst>
-                                          <p:attrName>r</p:attrName>
-                                        </p:attrNameLst>
-                                      </p:cBhvr>
-                                    </p:animRot>
-                                  </p:childTnLst>
-                                </p:cTn>
-                              </p:par>
-                              <p:par>
-                                <p:cTn id="11" presetID="10" presetClass="entr" presetSubtype="0" fill="hold" grpId="0" nodeType="withEffect">
+                                <p:cTn id="5" presetID="10" presetClass="entr" presetSubtype="0" fill="hold" grpId="0" nodeType="withEffect">
                                   <p:stCondLst>
                                     <p:cond delay="0"/>
                                   </p:stCondLst>
                                   <p:childTnLst>
                                     <p:set>
                                       <p:cBhvr>
-                                        <p:cTn id="12" dur="1" fill="hold">
+                                        <p:cTn id="6" dur="1" fill="hold">
                                           <p:stCondLst>
                                             <p:cond delay="0"/>
                                           </p:stCondLst>
@@ -15584,9 +17087,79 @@
                                     </p:set>
                                     <p:animEffect transition="in" filter="fade">
                                       <p:cBhvr>
+                                        <p:cTn id="7" dur="500"/>
+                                        <p:tgtEl>
+                                          <p:spTgt spid="34"/>
+                                        </p:tgtEl>
+                                      </p:cBhvr>
+                                    </p:animEffect>
+                                  </p:childTnLst>
+                                </p:cTn>
+                              </p:par>
+                              <p:par>
+                                <p:cTn id="8" presetID="10" presetClass="entr" presetSubtype="0" fill="hold" nodeType="withEffect">
+                                  <p:stCondLst>
+                                    <p:cond delay="0"/>
+                                  </p:stCondLst>
+                                  <p:childTnLst>
+                                    <p:set>
+                                      <p:cBhvr>
+                                        <p:cTn id="9" dur="1" fill="hold">
+                                          <p:stCondLst>
+                                            <p:cond delay="0"/>
+                                          </p:stCondLst>
+                                        </p:cTn>
+                                        <p:tgtEl>
+                                          <p:spTgt spid="26"/>
+                                        </p:tgtEl>
+                                        <p:attrNameLst>
+                                          <p:attrName>style.visibility</p:attrName>
+                                        </p:attrNameLst>
+                                      </p:cBhvr>
+                                      <p:to>
+                                        <p:strVal val="visible"/>
+                                      </p:to>
+                                    </p:set>
+                                    <p:animEffect transition="in" filter="fade">
+                                      <p:cBhvr>
+                                        <p:cTn id="10" dur="500"/>
+                                        <p:tgtEl>
+                                          <p:spTgt spid="26"/>
+                                        </p:tgtEl>
+                                      </p:cBhvr>
+                                    </p:animEffect>
+                                  </p:childTnLst>
+                                </p:cTn>
+                              </p:par>
+                              <p:par>
+                                <p:cTn id="11" presetID="10" presetClass="entr" presetSubtype="0" fill="hold" nodeType="withEffect">
+                                  <p:stCondLst>
+                                    <p:cond delay="0"/>
+                                  </p:stCondLst>
+                                  <p:childTnLst>
+                                    <p:set>
+                                      <p:cBhvr>
+                                        <p:cTn id="12" dur="1" fill="hold">
+                                          <p:stCondLst>
+                                            <p:cond delay="0"/>
+                                          </p:stCondLst>
+                                        </p:cTn>
+                                        <p:tgtEl>
+                                          <p:spTgt spid="21"/>
+                                        </p:tgtEl>
+                                        <p:attrNameLst>
+                                          <p:attrName>style.visibility</p:attrName>
+                                        </p:attrNameLst>
+                                      </p:cBhvr>
+                                      <p:to>
+                                        <p:strVal val="visible"/>
+                                      </p:to>
+                                    </p:set>
+                                    <p:animEffect transition="in" filter="fade">
+                                      <p:cBhvr>
                                         <p:cTn id="13" dur="500"/>
                                         <p:tgtEl>
-                                          <p:spTgt spid="34"/>
+                                          <p:spTgt spid="21"/>
                                         </p:tgtEl>
                                       </p:cBhvr>
                                     </p:animEffect>
@@ -15607,7 +17180,7 @@
                                           </p:stCondLst>
                                         </p:cTn>
                                         <p:tgtEl>
-                                          <p:spTgt spid="26"/>
+                                          <p:spTgt spid="35"/>
                                         </p:tgtEl>
                                         <p:attrNameLst>
                                           <p:attrName>style.visibility</p:attrName>
@@ -15621,7 +17194,7 @@
                                       <p:cBhvr>
                                         <p:cTn id="16" dur="500"/>
                                         <p:tgtEl>
-                                          <p:spTgt spid="26"/>
+                                          <p:spTgt spid="35"/>
                                         </p:tgtEl>
                                       </p:cBhvr>
                                     </p:animEffect>
@@ -15642,7 +17215,7 @@
                                           </p:stCondLst>
                                         </p:cTn>
                                         <p:tgtEl>
-                                          <p:spTgt spid="21"/>
+                                          <p:spTgt spid="30"/>
                                         </p:tgtEl>
                                         <p:attrNameLst>
                                           <p:attrName>style.visibility</p:attrName>
@@ -15655,76 +17228,6 @@
                                     <p:animEffect transition="in" filter="fade">
                                       <p:cBhvr>
                                         <p:cTn id="19" dur="500"/>
-                                        <p:tgtEl>
-                                          <p:spTgt spid="21"/>
-                                        </p:tgtEl>
-                                      </p:cBhvr>
-                                    </p:animEffect>
-                                  </p:childTnLst>
-                                </p:cTn>
-                              </p:par>
-                              <p:par>
-                                <p:cTn id="20" presetID="10" presetClass="entr" presetSubtype="0" fill="hold" nodeType="withEffect">
-                                  <p:stCondLst>
-                                    <p:cond delay="0"/>
-                                  </p:stCondLst>
-                                  <p:childTnLst>
-                                    <p:set>
-                                      <p:cBhvr>
-                                        <p:cTn id="21" dur="1" fill="hold">
-                                          <p:stCondLst>
-                                            <p:cond delay="0"/>
-                                          </p:stCondLst>
-                                        </p:cTn>
-                                        <p:tgtEl>
-                                          <p:spTgt spid="35"/>
-                                        </p:tgtEl>
-                                        <p:attrNameLst>
-                                          <p:attrName>style.visibility</p:attrName>
-                                        </p:attrNameLst>
-                                      </p:cBhvr>
-                                      <p:to>
-                                        <p:strVal val="visible"/>
-                                      </p:to>
-                                    </p:set>
-                                    <p:animEffect transition="in" filter="fade">
-                                      <p:cBhvr>
-                                        <p:cTn id="22" dur="500"/>
-                                        <p:tgtEl>
-                                          <p:spTgt spid="35"/>
-                                        </p:tgtEl>
-                                      </p:cBhvr>
-                                    </p:animEffect>
-                                  </p:childTnLst>
-                                </p:cTn>
-                              </p:par>
-                              <p:par>
-                                <p:cTn id="23" presetID="10" presetClass="entr" presetSubtype="0" fill="hold" nodeType="withEffect">
-                                  <p:stCondLst>
-                                    <p:cond delay="0"/>
-                                  </p:stCondLst>
-                                  <p:childTnLst>
-                                    <p:set>
-                                      <p:cBhvr>
-                                        <p:cTn id="24" dur="1" fill="hold">
-                                          <p:stCondLst>
-                                            <p:cond delay="0"/>
-                                          </p:stCondLst>
-                                        </p:cTn>
-                                        <p:tgtEl>
-                                          <p:spTgt spid="30"/>
-                                        </p:tgtEl>
-                                        <p:attrNameLst>
-                                          <p:attrName>style.visibility</p:attrName>
-                                        </p:attrNameLst>
-                                      </p:cBhvr>
-                                      <p:to>
-                                        <p:strVal val="visible"/>
-                                      </p:to>
-                                    </p:set>
-                                    <p:animEffect transition="in" filter="fade">
-                                      <p:cBhvr>
-                                        <p:cTn id="25" dur="500"/>
                                         <p:tgtEl>
                                           <p:spTgt spid="30"/>
                                         </p:tgtEl>
@@ -16857,6 +18360,13 @@
       </p:transition>
     </mc:Fallback>
   </mc:AlternateContent>
+  <p:timing>
+    <p:tnLst>
+      <p:par>
+        <p:cTn id="1" dur="indefinite" restart="never" nodeType="tmRoot"/>
+      </p:par>
+    </p:tnLst>
+  </p:timing>
 </p:sld>
 </file>
 

--- a/Documentação/Pyxis.pptx
+++ b/Documentação/Pyxis.pptx
@@ -38,11 +38,11 @@
       <p:boldItalic r:id="rId24"/>
     </p:embeddedFont>
     <p:embeddedFont>
-      <p:font typeface="Open Sans 1 Bold" panose="020B0604020202020204" charset="0"/>
+      <p:font typeface="Open Sans 1" panose="020B0604020202020204" charset="0"/>
       <p:regular r:id="rId25"/>
     </p:embeddedFont>
     <p:embeddedFont>
-      <p:font typeface="Open Sans 1" panose="020B0604020202020204" charset="0"/>
+      <p:font typeface="Open Sans 1 Bold" panose="020B0604020202020204" charset="0"/>
       <p:regular r:id="rId26"/>
     </p:embeddedFont>
     <p:embeddedFont>
@@ -4053,13 +4053,6 @@
       </p:transition>
     </mc:Fallback>
   </mc:AlternateContent>
-  <p:timing>
-    <p:tnLst>
-      <p:par>
-        <p:cTn id="1" dur="indefinite" restart="never" nodeType="tmRoot"/>
-      </p:par>
-    </p:tnLst>
-  </p:timing>
 </p:sld>
 </file>
 
@@ -4899,13 +4892,6 @@
       </p:transition>
     </mc:Fallback>
   </mc:AlternateContent>
-  <p:timing>
-    <p:tnLst>
-      <p:par>
-        <p:cTn id="1" dur="indefinite" restart="never" nodeType="tmRoot"/>
-      </p:par>
-    </p:tnLst>
-  </p:timing>
 </p:sld>
 </file>
 
@@ -5047,7 +5033,7 @@
           <a:lstStyle/>
           <a:p>
             <a:r>
-              <a:rPr lang="pt-BR" sz="2400" dirty="0" smtClean="0">
+              <a:rPr lang="pt-BR" sz="2400" dirty="0">
                 <a:solidFill>
                   <a:schemeClr val="tx1">
                     <a:lumMod val="85000"/>
@@ -5060,17 +5046,6 @@
               </a:rPr>
               <a:t>Eu, enquanto Gestor, quero um relatório sobre a quantidade de horas ativas das máquinas, para verificar a produtividade dos operadores(as).</a:t>
             </a:r>
-            <a:endParaRPr lang="pt-BR" sz="2400" dirty="0">
-              <a:solidFill>
-                <a:schemeClr val="tx1">
-                  <a:lumMod val="85000"/>
-                  <a:lumOff val="15000"/>
-                </a:schemeClr>
-              </a:solidFill>
-              <a:latin typeface="Open Sans Light" panose="020B0604020202020204" charset="0"/>
-              <a:ea typeface="Open Sans Light" panose="020B0604020202020204" charset="0"/>
-              <a:cs typeface="Open Sans Light" panose="020B0604020202020204" charset="0"/>
-            </a:endParaRPr>
           </a:p>
         </p:txBody>
       </p:sp>
@@ -5200,7 +5175,7 @@
           <a:lstStyle/>
           <a:p>
             <a:r>
-              <a:rPr lang="pt-BR" sz="2400" dirty="0" smtClean="0">
+              <a:rPr lang="pt-BR" sz="2400" dirty="0">
                 <a:solidFill>
                   <a:schemeClr val="tx1">
                     <a:lumMod val="85000"/>
@@ -5213,17 +5188,6 @@
               </a:rPr>
               <a:t>Eu, enquanto suporte técnico, quero identificar quais máquinas estão com alerta, para realizar a análise da máquina rapidamente.</a:t>
             </a:r>
-            <a:endParaRPr lang="pt-BR" sz="2400" dirty="0">
-              <a:solidFill>
-                <a:schemeClr val="tx1">
-                  <a:lumMod val="85000"/>
-                  <a:lumOff val="15000"/>
-                </a:schemeClr>
-              </a:solidFill>
-              <a:latin typeface="Open Sans Light" panose="020B0604020202020204" charset="0"/>
-              <a:ea typeface="Open Sans Light" panose="020B0604020202020204" charset="0"/>
-              <a:cs typeface="Open Sans Light" panose="020B0604020202020204" charset="0"/>
-            </a:endParaRPr>
           </a:p>
         </p:txBody>
       </p:sp>
@@ -5295,29 +5259,8 @@
                 </a:solidFill>
                 <a:latin typeface="Open Sans 1 Bold"/>
               </a:rPr>
-              <a:t> #</a:t>
-            </a:r>
-            <a:r>
-              <a:rPr lang="pt-BR" sz="2400" dirty="0" smtClean="0">
-                <a:solidFill>
-                  <a:schemeClr val="tx1">
-                    <a:lumMod val="85000"/>
-                    <a:lumOff val="15000"/>
-                  </a:schemeClr>
-                </a:solidFill>
-                <a:latin typeface="Open Sans 1 Bold"/>
-              </a:rPr>
-              <a:t>02</a:t>
-            </a:r>
-            <a:endParaRPr lang="pt-BR" sz="2400" dirty="0">
-              <a:solidFill>
-                <a:schemeClr val="tx1">
-                  <a:lumMod val="85000"/>
-                  <a:lumOff val="15000"/>
-                </a:schemeClr>
-              </a:solidFill>
-              <a:latin typeface="Open Sans 1 Bold"/>
-            </a:endParaRPr>
+              <a:t> #02</a:t>
+            </a:r>
           </a:p>
         </p:txBody>
       </p:sp>
@@ -5374,7 +5317,7 @@
           <a:lstStyle/>
           <a:p>
             <a:r>
-              <a:rPr lang="pt-BR" sz="2400" dirty="0" smtClean="0">
+              <a:rPr lang="pt-BR" sz="2400" dirty="0">
                 <a:solidFill>
                   <a:schemeClr val="tx1">
                     <a:lumMod val="85000"/>
@@ -5387,17 +5330,6 @@
               </a:rPr>
               <a:t>Eu, enquanto suporte técnico, quero que as máquinas emitam alertas no meu sistema, para verificar os computadores que precisam de reparos.</a:t>
             </a:r>
-            <a:endParaRPr lang="pt-BR" sz="2400" dirty="0">
-              <a:solidFill>
-                <a:schemeClr val="tx1">
-                  <a:lumMod val="85000"/>
-                  <a:lumOff val="15000"/>
-                </a:schemeClr>
-              </a:solidFill>
-              <a:latin typeface="Open Sans Light" panose="020B0604020202020204" charset="0"/>
-              <a:ea typeface="Open Sans Light" panose="020B0604020202020204" charset="0"/>
-              <a:cs typeface="Open Sans Light" panose="020B0604020202020204" charset="0"/>
-            </a:endParaRPr>
           </a:p>
         </p:txBody>
       </p:sp>
@@ -5469,29 +5401,8 @@
                 </a:solidFill>
                 <a:latin typeface="Open Sans 1 Bold"/>
               </a:rPr>
-              <a:t> #</a:t>
-            </a:r>
-            <a:r>
-              <a:rPr lang="pt-BR" sz="2400" dirty="0" smtClean="0">
-                <a:solidFill>
-                  <a:schemeClr val="tx1">
-                    <a:lumMod val="85000"/>
-                    <a:lumOff val="15000"/>
-                  </a:schemeClr>
-                </a:solidFill>
-                <a:latin typeface="Open Sans 1 Bold"/>
-              </a:rPr>
-              <a:t>04</a:t>
-            </a:r>
-            <a:endParaRPr lang="pt-BR" sz="2400" dirty="0">
-              <a:solidFill>
-                <a:schemeClr val="tx1">
-                  <a:lumMod val="85000"/>
-                  <a:lumOff val="15000"/>
-                </a:schemeClr>
-              </a:solidFill>
-              <a:latin typeface="Open Sans 1 Bold"/>
-            </a:endParaRPr>
+              <a:t> #04</a:t>
+            </a:r>
           </a:p>
         </p:txBody>
       </p:sp>
@@ -5548,7 +5459,7 @@
           <a:lstStyle/>
           <a:p>
             <a:r>
-              <a:rPr lang="pt-BR" sz="2400" dirty="0" smtClean="0">
+              <a:rPr lang="pt-BR" sz="2400" dirty="0">
                 <a:solidFill>
                   <a:schemeClr val="tx1">
                     <a:lumMod val="85000"/>
@@ -5561,17 +5472,6 @@
               </a:rPr>
               <a:t>Eu, enquanto suporte técnico, quero monitorar a rede, para verificar quais máquinas estão ativas.</a:t>
             </a:r>
-            <a:endParaRPr lang="pt-BR" sz="2400" dirty="0">
-              <a:solidFill>
-                <a:schemeClr val="tx1">
-                  <a:lumMod val="85000"/>
-                  <a:lumOff val="15000"/>
-                </a:schemeClr>
-              </a:solidFill>
-              <a:latin typeface="Open Sans Light" panose="020B0604020202020204" charset="0"/>
-              <a:ea typeface="Open Sans Light" panose="020B0604020202020204" charset="0"/>
-              <a:cs typeface="Open Sans Light" panose="020B0604020202020204" charset="0"/>
-            </a:endParaRPr>
           </a:p>
         </p:txBody>
       </p:sp>
@@ -5643,29 +5543,8 @@
                 </a:solidFill>
                 <a:latin typeface="Open Sans 1 Bold"/>
               </a:rPr>
-              <a:t> #</a:t>
-            </a:r>
-            <a:r>
-              <a:rPr lang="pt-BR" sz="2400" dirty="0" smtClean="0">
-                <a:solidFill>
-                  <a:schemeClr val="tx1">
-                    <a:lumMod val="85000"/>
-                    <a:lumOff val="15000"/>
-                  </a:schemeClr>
-                </a:solidFill>
-                <a:latin typeface="Open Sans 1 Bold"/>
-              </a:rPr>
-              <a:t>03</a:t>
-            </a:r>
-            <a:endParaRPr lang="pt-BR" sz="2400" dirty="0">
-              <a:solidFill>
-                <a:schemeClr val="tx1">
-                  <a:lumMod val="85000"/>
-                  <a:lumOff val="15000"/>
-                </a:schemeClr>
-              </a:solidFill>
-              <a:latin typeface="Open Sans 1 Bold"/>
-            </a:endParaRPr>
+              <a:t> #03</a:t>
+            </a:r>
           </a:p>
         </p:txBody>
       </p:sp>
@@ -5691,13 +5570,6 @@
       </p:transition>
     </mc:Fallback>
   </mc:AlternateContent>
-  <p:timing>
-    <p:tnLst>
-      <p:par>
-        <p:cTn id="1" dur="indefinite" restart="never" nodeType="tmRoot"/>
-      </p:par>
-    </p:tnLst>
-  </p:timing>
 </p:sld>
 </file>
 
@@ -8211,13 +8083,6 @@
       </p:transition>
     </mc:Fallback>
   </mc:AlternateContent>
-  <p:timing>
-    <p:tnLst>
-      <p:par>
-        <p:cTn id="1" dur="indefinite" restart="never" nodeType="tmRoot"/>
-      </p:par>
-    </p:tnLst>
-  </p:timing>
 </p:sld>
 </file>
 
@@ -8917,7 +8782,7 @@
                 <a:ea typeface="Open Sans 1" panose="020B0604020202020204" charset="0"/>
                 <a:cs typeface="Open Sans 1" panose="020B0604020202020204" charset="0"/>
               </a:rPr>
-              <a:t>Banco Azure</a:t>
+              <a:t>CV#01</a:t>
             </a:r>
           </a:p>
         </p:txBody>
@@ -9131,7 +8996,7 @@
         <p:spPr>
           <a:xfrm>
             <a:off x="1075771" y="3794761"/>
-            <a:ext cx="3115229" cy="400110"/>
+            <a:ext cx="3115229" cy="523220"/>
           </a:xfrm>
           <a:prstGeom prst="rect">
             <a:avLst/>
@@ -9146,7 +9011,7 @@
           <a:p>
             <a:pPr algn="ctr"/>
             <a:r>
-              <a:rPr lang="pt-BR" sz="2000" dirty="0">
+              <a:rPr lang="pt-BR" sz="2800" dirty="0">
                 <a:solidFill>
                   <a:schemeClr val="tx1">
                     <a:lumMod val="75000"/>
@@ -9157,9 +9022,489 @@
                 <a:ea typeface="Open Sans 1" panose="020B0604020202020204" charset="0"/>
                 <a:cs typeface="Open Sans 1" panose="020B0604020202020204" charset="0"/>
               </a:rPr>
-              <a:t>API de Processamento</a:t>
-            </a:r>
-            <a:endParaRPr lang="pt-BR" sz="2800" dirty="0">
+              <a:t>CV#01</a:t>
+            </a:r>
+          </a:p>
+        </p:txBody>
+      </p:sp>
+      <p:sp>
+        <p:nvSpPr>
+          <p:cNvPr id="157" name="CaixaDeTexto 156"/>
+          <p:cNvSpPr txBox="1"/>
+          <p:nvPr/>
+        </p:nvSpPr>
+        <p:spPr>
+          <a:xfrm>
+            <a:off x="4404260" y="3771900"/>
+            <a:ext cx="5847775" cy="607099"/>
+          </a:xfrm>
+          <a:prstGeom prst="rect">
+            <a:avLst/>
+          </a:prstGeom>
+          <a:noFill/>
+        </p:spPr>
+        <p:txBody>
+          <a:bodyPr wrap="square" rtlCol="0">
+            <a:spAutoFit/>
+          </a:bodyPr>
+          <a:lstStyle/>
+          <a:p>
+            <a:pPr algn="ctr"/>
+            <a:r>
+              <a:rPr lang="pt-BR" sz="1600" dirty="0">
+                <a:solidFill>
+                  <a:schemeClr val="tx1">
+                    <a:lumMod val="75000"/>
+                    <a:lumOff val="25000"/>
+                  </a:schemeClr>
+                </a:solidFill>
+                <a:latin typeface="Open Sans 1" panose="020B0604020202020204" charset="0"/>
+                <a:ea typeface="Open Sans 1" panose="020B0604020202020204" charset="0"/>
+                <a:cs typeface="Open Sans 1" panose="020B0604020202020204" charset="0"/>
+              </a:rPr>
+              <a:t>O software deve ter uma API Java que capture os dados de processamento dos computadores</a:t>
+            </a:r>
+          </a:p>
+        </p:txBody>
+      </p:sp>
+      <p:sp>
+        <p:nvSpPr>
+          <p:cNvPr id="158" name="CaixaDeTexto 157"/>
+          <p:cNvSpPr txBox="1"/>
+          <p:nvPr/>
+        </p:nvSpPr>
+        <p:spPr>
+          <a:xfrm>
+            <a:off x="10474821" y="3794761"/>
+            <a:ext cx="2981511" cy="523220"/>
+          </a:xfrm>
+          <a:prstGeom prst="rect">
+            <a:avLst/>
+          </a:prstGeom>
+          <a:noFill/>
+        </p:spPr>
+        <p:txBody>
+          <a:bodyPr wrap="square" rtlCol="0">
+            <a:spAutoFit/>
+          </a:bodyPr>
+          <a:lstStyle/>
+          <a:p>
+            <a:pPr algn="ctr"/>
+            <a:r>
+              <a:rPr lang="pt-BR" sz="2800" dirty="0">
+                <a:solidFill>
+                  <a:schemeClr val="tx1">
+                    <a:lumMod val="75000"/>
+                    <a:lumOff val="25000"/>
+                  </a:schemeClr>
+                </a:solidFill>
+                <a:latin typeface="Open Sans 1" panose="020B0604020202020204" charset="0"/>
+                <a:ea typeface="Open Sans 1" panose="020B0604020202020204" charset="0"/>
+                <a:cs typeface="Open Sans 1" panose="020B0604020202020204" charset="0"/>
+              </a:rPr>
+              <a:t>Essencial</a:t>
+            </a:r>
+          </a:p>
+        </p:txBody>
+      </p:sp>
+      <p:sp>
+        <p:nvSpPr>
+          <p:cNvPr id="159" name="CaixaDeTexto 158"/>
+          <p:cNvSpPr txBox="1"/>
+          <p:nvPr/>
+        </p:nvSpPr>
+        <p:spPr>
+          <a:xfrm>
+            <a:off x="13660016" y="3771900"/>
+            <a:ext cx="2272111" cy="523220"/>
+          </a:xfrm>
+          <a:prstGeom prst="rect">
+            <a:avLst/>
+          </a:prstGeom>
+          <a:noFill/>
+        </p:spPr>
+        <p:txBody>
+          <a:bodyPr wrap="square" rtlCol="0">
+            <a:spAutoFit/>
+          </a:bodyPr>
+          <a:lstStyle/>
+          <a:p>
+            <a:pPr algn="ctr"/>
+            <a:r>
+              <a:rPr lang="pt-BR" sz="2800" dirty="0">
+                <a:solidFill>
+                  <a:schemeClr val="tx1">
+                    <a:lumMod val="75000"/>
+                    <a:lumOff val="25000"/>
+                  </a:schemeClr>
+                </a:solidFill>
+                <a:latin typeface="Open Sans 1" panose="020B0604020202020204" charset="0"/>
+                <a:ea typeface="Open Sans 1" panose="020B0604020202020204" charset="0"/>
+                <a:cs typeface="Open Sans 1" panose="020B0604020202020204" charset="0"/>
+              </a:rPr>
+              <a:t>21</a:t>
+            </a:r>
+          </a:p>
+        </p:txBody>
+      </p:sp>
+      <p:sp>
+        <p:nvSpPr>
+          <p:cNvPr id="160" name="CaixaDeTexto 159"/>
+          <p:cNvSpPr txBox="1"/>
+          <p:nvPr/>
+        </p:nvSpPr>
+        <p:spPr>
+          <a:xfrm>
+            <a:off x="16133593" y="3794761"/>
+            <a:ext cx="1919054" cy="400110"/>
+          </a:xfrm>
+          <a:prstGeom prst="rect">
+            <a:avLst/>
+          </a:prstGeom>
+          <a:noFill/>
+        </p:spPr>
+        <p:txBody>
+          <a:bodyPr wrap="square" rtlCol="0">
+            <a:spAutoFit/>
+          </a:bodyPr>
+          <a:lstStyle/>
+          <a:p>
+            <a:pPr algn="ctr"/>
+            <a:r>
+              <a:rPr lang="pt-BR" sz="2000" dirty="0">
+                <a:solidFill>
+                  <a:schemeClr val="tx1">
+                    <a:lumMod val="75000"/>
+                    <a:lumOff val="25000"/>
+                  </a:schemeClr>
+                </a:solidFill>
+                <a:latin typeface="Open Sans 1" panose="020B0604020202020204" charset="0"/>
+                <a:ea typeface="Open Sans 1" panose="020B0604020202020204" charset="0"/>
+                <a:cs typeface="Open Sans 1" panose="020B0604020202020204" charset="0"/>
+              </a:rPr>
+              <a:t>Não Funcional</a:t>
+            </a:r>
+          </a:p>
+        </p:txBody>
+      </p:sp>
+      <p:sp>
+        <p:nvSpPr>
+          <p:cNvPr id="161" name="CaixaDeTexto 160"/>
+          <p:cNvSpPr txBox="1"/>
+          <p:nvPr/>
+        </p:nvSpPr>
+        <p:spPr>
+          <a:xfrm>
+            <a:off x="228600" y="4378999"/>
+            <a:ext cx="660197" cy="523220"/>
+          </a:xfrm>
+          <a:prstGeom prst="rect">
+            <a:avLst/>
+          </a:prstGeom>
+          <a:noFill/>
+        </p:spPr>
+        <p:txBody>
+          <a:bodyPr wrap="square" rtlCol="0">
+            <a:spAutoFit/>
+          </a:bodyPr>
+          <a:lstStyle/>
+          <a:p>
+            <a:pPr algn="ctr"/>
+            <a:r>
+              <a:rPr lang="pt-BR" sz="2800" dirty="0">
+                <a:solidFill>
+                  <a:schemeClr val="tx1">
+                    <a:lumMod val="75000"/>
+                    <a:lumOff val="25000"/>
+                  </a:schemeClr>
+                </a:solidFill>
+                <a:latin typeface="Open Sans 1" panose="020B0604020202020204" charset="0"/>
+                <a:ea typeface="Open Sans 1" panose="020B0604020202020204" charset="0"/>
+                <a:cs typeface="Open Sans 1" panose="020B0604020202020204" charset="0"/>
+              </a:rPr>
+              <a:t>03</a:t>
+            </a:r>
+          </a:p>
+        </p:txBody>
+      </p:sp>
+      <p:sp>
+        <p:nvSpPr>
+          <p:cNvPr id="162" name="CaixaDeTexto 161"/>
+          <p:cNvSpPr txBox="1"/>
+          <p:nvPr/>
+        </p:nvSpPr>
+        <p:spPr>
+          <a:xfrm>
+            <a:off x="1066801" y="4378999"/>
+            <a:ext cx="3124199" cy="523220"/>
+          </a:xfrm>
+          <a:prstGeom prst="rect">
+            <a:avLst/>
+          </a:prstGeom>
+          <a:noFill/>
+        </p:spPr>
+        <p:txBody>
+          <a:bodyPr wrap="square" rtlCol="0">
+            <a:spAutoFit/>
+          </a:bodyPr>
+          <a:lstStyle/>
+          <a:p>
+            <a:pPr algn="ctr"/>
+            <a:r>
+              <a:rPr lang="pt-BR" sz="2800" dirty="0">
+                <a:solidFill>
+                  <a:schemeClr val="tx1">
+                    <a:lumMod val="75000"/>
+                    <a:lumOff val="25000"/>
+                  </a:schemeClr>
+                </a:solidFill>
+                <a:latin typeface="Open Sans 1" panose="020B0604020202020204" charset="0"/>
+                <a:ea typeface="Open Sans 1" panose="020B0604020202020204" charset="0"/>
+                <a:cs typeface="Open Sans 1" panose="020B0604020202020204" charset="0"/>
+              </a:rPr>
+              <a:t>CV#01</a:t>
+            </a:r>
+          </a:p>
+        </p:txBody>
+      </p:sp>
+      <p:sp>
+        <p:nvSpPr>
+          <p:cNvPr id="163" name="CaixaDeTexto 162"/>
+          <p:cNvSpPr txBox="1"/>
+          <p:nvPr/>
+        </p:nvSpPr>
+        <p:spPr>
+          <a:xfrm>
+            <a:off x="4404259" y="4356139"/>
+            <a:ext cx="5838805" cy="645142"/>
+          </a:xfrm>
+          <a:prstGeom prst="rect">
+            <a:avLst/>
+          </a:prstGeom>
+          <a:noFill/>
+        </p:spPr>
+        <p:txBody>
+          <a:bodyPr wrap="square" rtlCol="0">
+            <a:spAutoFit/>
+          </a:bodyPr>
+          <a:lstStyle/>
+          <a:p>
+            <a:pPr algn="ctr"/>
+            <a:r>
+              <a:rPr lang="pt-BR" dirty="0">
+                <a:solidFill>
+                  <a:schemeClr val="tx1">
+                    <a:lumMod val="75000"/>
+                    <a:lumOff val="25000"/>
+                  </a:schemeClr>
+                </a:solidFill>
+                <a:latin typeface="Open Sans 1" panose="020B0604020202020204" charset="0"/>
+                <a:ea typeface="Open Sans 1" panose="020B0604020202020204" charset="0"/>
+                <a:cs typeface="Open Sans 1" panose="020B0604020202020204" charset="0"/>
+              </a:rPr>
+              <a:t>O software deve ter uma API que monitore a rede das máquinas</a:t>
+            </a:r>
+          </a:p>
+        </p:txBody>
+      </p:sp>
+      <p:sp>
+        <p:nvSpPr>
+          <p:cNvPr id="164" name="CaixaDeTexto 163"/>
+          <p:cNvSpPr txBox="1"/>
+          <p:nvPr/>
+        </p:nvSpPr>
+        <p:spPr>
+          <a:xfrm>
+            <a:off x="10465850" y="4378999"/>
+            <a:ext cx="2981511" cy="523220"/>
+          </a:xfrm>
+          <a:prstGeom prst="rect">
+            <a:avLst/>
+          </a:prstGeom>
+          <a:noFill/>
+        </p:spPr>
+        <p:txBody>
+          <a:bodyPr wrap="square" rtlCol="0">
+            <a:spAutoFit/>
+          </a:bodyPr>
+          <a:lstStyle/>
+          <a:p>
+            <a:pPr algn="ctr"/>
+            <a:r>
+              <a:rPr lang="pt-BR" sz="2800" dirty="0">
+                <a:solidFill>
+                  <a:schemeClr val="tx1">
+                    <a:lumMod val="75000"/>
+                    <a:lumOff val="25000"/>
+                  </a:schemeClr>
+                </a:solidFill>
+                <a:latin typeface="Open Sans 1" panose="020B0604020202020204" charset="0"/>
+                <a:ea typeface="Open Sans 1" panose="020B0604020202020204" charset="0"/>
+                <a:cs typeface="Open Sans 1" panose="020B0604020202020204" charset="0"/>
+              </a:rPr>
+              <a:t>Essencial</a:t>
+            </a:r>
+          </a:p>
+        </p:txBody>
+      </p:sp>
+      <p:sp>
+        <p:nvSpPr>
+          <p:cNvPr id="165" name="CaixaDeTexto 164"/>
+          <p:cNvSpPr txBox="1"/>
+          <p:nvPr/>
+        </p:nvSpPr>
+        <p:spPr>
+          <a:xfrm>
+            <a:off x="13651045" y="4356138"/>
+            <a:ext cx="2272111" cy="523220"/>
+          </a:xfrm>
+          <a:prstGeom prst="rect">
+            <a:avLst/>
+          </a:prstGeom>
+          <a:noFill/>
+        </p:spPr>
+        <p:txBody>
+          <a:bodyPr wrap="square" rtlCol="0">
+            <a:spAutoFit/>
+          </a:bodyPr>
+          <a:lstStyle/>
+          <a:p>
+            <a:pPr algn="ctr"/>
+            <a:r>
+              <a:rPr lang="pt-BR" sz="2800" dirty="0">
+                <a:solidFill>
+                  <a:schemeClr val="tx1">
+                    <a:lumMod val="75000"/>
+                    <a:lumOff val="25000"/>
+                  </a:schemeClr>
+                </a:solidFill>
+                <a:latin typeface="Open Sans 1" panose="020B0604020202020204" charset="0"/>
+                <a:ea typeface="Open Sans 1" panose="020B0604020202020204" charset="0"/>
+                <a:cs typeface="Open Sans 1" panose="020B0604020202020204" charset="0"/>
+              </a:rPr>
+              <a:t>21</a:t>
+            </a:r>
+          </a:p>
+        </p:txBody>
+      </p:sp>
+      <p:sp>
+        <p:nvSpPr>
+          <p:cNvPr id="166" name="CaixaDeTexto 165"/>
+          <p:cNvSpPr txBox="1"/>
+          <p:nvPr/>
+        </p:nvSpPr>
+        <p:spPr>
+          <a:xfrm>
+            <a:off x="16124622" y="4438590"/>
+            <a:ext cx="1919054" cy="400110"/>
+          </a:xfrm>
+          <a:prstGeom prst="rect">
+            <a:avLst/>
+          </a:prstGeom>
+          <a:noFill/>
+        </p:spPr>
+        <p:txBody>
+          <a:bodyPr wrap="square" rtlCol="0">
+            <a:spAutoFit/>
+          </a:bodyPr>
+          <a:lstStyle/>
+          <a:p>
+            <a:pPr algn="ctr"/>
+            <a:r>
+              <a:rPr lang="pt-BR" sz="2000" dirty="0">
+                <a:solidFill>
+                  <a:schemeClr val="tx1">
+                    <a:lumMod val="75000"/>
+                    <a:lumOff val="25000"/>
+                  </a:schemeClr>
+                </a:solidFill>
+                <a:latin typeface="Open Sans 1" panose="020B0604020202020204" charset="0"/>
+                <a:ea typeface="Open Sans 1" panose="020B0604020202020204" charset="0"/>
+                <a:cs typeface="Open Sans 1" panose="020B0604020202020204" charset="0"/>
+              </a:rPr>
+              <a:t>Não Funcional</a:t>
+            </a:r>
+          </a:p>
+        </p:txBody>
+      </p:sp>
+      <p:sp>
+        <p:nvSpPr>
+          <p:cNvPr id="167" name="CaixaDeTexto 166"/>
+          <p:cNvSpPr txBox="1"/>
+          <p:nvPr/>
+        </p:nvSpPr>
+        <p:spPr>
+          <a:xfrm>
+            <a:off x="228600" y="5001280"/>
+            <a:ext cx="660197" cy="523220"/>
+          </a:xfrm>
+          <a:prstGeom prst="rect">
+            <a:avLst/>
+          </a:prstGeom>
+          <a:noFill/>
+        </p:spPr>
+        <p:txBody>
+          <a:bodyPr wrap="square" rtlCol="0">
+            <a:spAutoFit/>
+          </a:bodyPr>
+          <a:lstStyle/>
+          <a:p>
+            <a:pPr algn="ctr"/>
+            <a:r>
+              <a:rPr lang="pt-BR" sz="2800" dirty="0">
+                <a:solidFill>
+                  <a:schemeClr val="tx1">
+                    <a:lumMod val="75000"/>
+                    <a:lumOff val="25000"/>
+                  </a:schemeClr>
+                </a:solidFill>
+                <a:latin typeface="Open Sans 1" panose="020B0604020202020204" charset="0"/>
+                <a:ea typeface="Open Sans 1" panose="020B0604020202020204" charset="0"/>
+                <a:cs typeface="Open Sans 1" panose="020B0604020202020204" charset="0"/>
+              </a:rPr>
+              <a:t>04</a:t>
+            </a:r>
+          </a:p>
+        </p:txBody>
+      </p:sp>
+      <p:sp>
+        <p:nvSpPr>
+          <p:cNvPr id="168" name="CaixaDeTexto 167"/>
+          <p:cNvSpPr txBox="1"/>
+          <p:nvPr/>
+        </p:nvSpPr>
+        <p:spPr>
+          <a:xfrm>
+            <a:off x="1066801" y="5001280"/>
+            <a:ext cx="3124199" cy="523220"/>
+          </a:xfrm>
+          <a:prstGeom prst="rect">
+            <a:avLst/>
+          </a:prstGeom>
+          <a:noFill/>
+        </p:spPr>
+        <p:txBody>
+          <a:bodyPr wrap="square" rtlCol="0">
+            <a:spAutoFit/>
+          </a:bodyPr>
+          <a:lstStyle/>
+          <a:p>
+            <a:pPr algn="ctr"/>
+            <a:r>
+              <a:rPr lang="pt-BR" sz="2800" dirty="0">
+                <a:solidFill>
+                  <a:schemeClr val="tx1">
+                    <a:lumMod val="75000"/>
+                    <a:lumOff val="25000"/>
+                  </a:schemeClr>
+                </a:solidFill>
+                <a:latin typeface="Open Sans 1" panose="020B0604020202020204" charset="0"/>
+                <a:ea typeface="Open Sans 1" panose="020B0604020202020204" charset="0"/>
+                <a:cs typeface="Open Sans 1" panose="020B0604020202020204" charset="0"/>
+              </a:rPr>
+              <a:t>US#03</a:t>
+            </a:r>
+            <a:endParaRPr lang="pt-BR" sz="2000" dirty="0">
               <a:solidFill>
                 <a:schemeClr val="tx1">
                   <a:lumMod val="75000"/>
@@ -9175,14 +9520,14 @@
       </p:sp>
       <p:sp>
         <p:nvSpPr>
-          <p:cNvPr id="157" name="CaixaDeTexto 156"/>
+          <p:cNvPr id="169" name="CaixaDeTexto 168"/>
           <p:cNvSpPr txBox="1"/>
           <p:nvPr/>
         </p:nvSpPr>
         <p:spPr>
           <a:xfrm>
-            <a:off x="4404260" y="3771900"/>
-            <a:ext cx="5847775" cy="607099"/>
+            <a:off x="4383495" y="4978419"/>
+            <a:ext cx="5859569" cy="646331"/>
           </a:xfrm>
           <a:prstGeom prst="rect">
             <a:avLst/>
@@ -9197,7 +9542,7 @@
           <a:p>
             <a:pPr algn="ctr"/>
             <a:r>
-              <a:rPr lang="pt-BR" sz="1600" dirty="0">
+              <a:rPr lang="pt-BR" dirty="0">
                 <a:solidFill>
                   <a:schemeClr val="tx1">
                     <a:lumMod val="75000"/>
@@ -9208,20 +9553,20 @@
                 <a:ea typeface="Open Sans 1" panose="020B0604020202020204" charset="0"/>
                 <a:cs typeface="Open Sans 1" panose="020B0604020202020204" charset="0"/>
               </a:rPr>
-              <a:t>O software deve ter uma API Java que capture os dados de processamento dos computadores</a:t>
-            </a:r>
-          </a:p>
-        </p:txBody>
-      </p:sp>
-      <p:sp>
-        <p:nvSpPr>
-          <p:cNvPr id="158" name="CaixaDeTexto 157"/>
+              <a:t>O software deve capturar se a máquina está ligada ou desligada</a:t>
+            </a:r>
+          </a:p>
+        </p:txBody>
+      </p:sp>
+      <p:sp>
+        <p:nvSpPr>
+          <p:cNvPr id="170" name="CaixaDeTexto 169"/>
           <p:cNvSpPr txBox="1"/>
           <p:nvPr/>
         </p:nvSpPr>
         <p:spPr>
           <a:xfrm>
-            <a:off x="10474821" y="3794761"/>
+            <a:off x="10465850" y="5001280"/>
             <a:ext cx="2981511" cy="523220"/>
           </a:xfrm>
           <a:prstGeom prst="rect">
@@ -9248,20 +9593,20 @@
                 <a:ea typeface="Open Sans 1" panose="020B0604020202020204" charset="0"/>
                 <a:cs typeface="Open Sans 1" panose="020B0604020202020204" charset="0"/>
               </a:rPr>
-              <a:t>Essencial</a:t>
-            </a:r>
-          </a:p>
-        </p:txBody>
-      </p:sp>
-      <p:sp>
-        <p:nvSpPr>
-          <p:cNvPr id="159" name="CaixaDeTexto 158"/>
+              <a:t>Importante</a:t>
+            </a:r>
+          </a:p>
+        </p:txBody>
+      </p:sp>
+      <p:sp>
+        <p:nvSpPr>
+          <p:cNvPr id="171" name="CaixaDeTexto 170"/>
           <p:cNvSpPr txBox="1"/>
           <p:nvPr/>
         </p:nvSpPr>
         <p:spPr>
           <a:xfrm>
-            <a:off x="13660016" y="3771900"/>
+            <a:off x="13651045" y="4978419"/>
             <a:ext cx="2272111" cy="523220"/>
           </a:xfrm>
           <a:prstGeom prst="rect">
@@ -9295,14 +9640,14 @@
       </p:sp>
       <p:sp>
         <p:nvSpPr>
-          <p:cNvPr id="160" name="CaixaDeTexto 159"/>
+          <p:cNvPr id="172" name="CaixaDeTexto 171"/>
           <p:cNvSpPr txBox="1"/>
           <p:nvPr/>
         </p:nvSpPr>
         <p:spPr>
           <a:xfrm>
-            <a:off x="16133593" y="3794761"/>
-            <a:ext cx="1919054" cy="400110"/>
+            <a:off x="16124622" y="5001280"/>
+            <a:ext cx="1919054" cy="523220"/>
           </a:xfrm>
           <a:prstGeom prst="rect">
             <a:avLst/>
@@ -9317,7 +9662,7 @@
           <a:p>
             <a:pPr algn="ctr"/>
             <a:r>
-              <a:rPr lang="pt-BR" sz="2000" dirty="0">
+              <a:rPr lang="pt-BR" sz="2800" dirty="0">
                 <a:solidFill>
                   <a:schemeClr val="tx1">
                     <a:lumMod val="75000"/>
@@ -9328,20 +9673,20 @@
                 <a:ea typeface="Open Sans 1" panose="020B0604020202020204" charset="0"/>
                 <a:cs typeface="Open Sans 1" panose="020B0604020202020204" charset="0"/>
               </a:rPr>
-              <a:t>Não Funcional</a:t>
-            </a:r>
-          </a:p>
-        </p:txBody>
-      </p:sp>
-      <p:sp>
-        <p:nvSpPr>
-          <p:cNvPr id="161" name="CaixaDeTexto 160"/>
+              <a:t>Funcional</a:t>
+            </a:r>
+          </a:p>
+        </p:txBody>
+      </p:sp>
+      <p:sp>
+        <p:nvSpPr>
+          <p:cNvPr id="173" name="CaixaDeTexto 172"/>
           <p:cNvSpPr txBox="1"/>
           <p:nvPr/>
         </p:nvSpPr>
         <p:spPr>
           <a:xfrm>
-            <a:off x="228600" y="4378999"/>
+            <a:off x="244324" y="5610880"/>
             <a:ext cx="660197" cy="523220"/>
           </a:xfrm>
           <a:prstGeom prst="rect">
@@ -9368,21 +9713,21 @@
                 <a:ea typeface="Open Sans 1" panose="020B0604020202020204" charset="0"/>
                 <a:cs typeface="Open Sans 1" panose="020B0604020202020204" charset="0"/>
               </a:rPr>
-              <a:t>03</a:t>
-            </a:r>
-          </a:p>
-        </p:txBody>
-      </p:sp>
-      <p:sp>
-        <p:nvSpPr>
-          <p:cNvPr id="162" name="CaixaDeTexto 161"/>
+              <a:t>05</a:t>
+            </a:r>
+          </a:p>
+        </p:txBody>
+      </p:sp>
+      <p:sp>
+        <p:nvSpPr>
+          <p:cNvPr id="174" name="CaixaDeTexto 173"/>
           <p:cNvSpPr txBox="1"/>
           <p:nvPr/>
         </p:nvSpPr>
         <p:spPr>
           <a:xfrm>
-            <a:off x="1066801" y="4378999"/>
-            <a:ext cx="3124199" cy="523220"/>
+            <a:off x="1082524" y="5610880"/>
+            <a:ext cx="3115229" cy="523220"/>
           </a:xfrm>
           <a:prstGeom prst="rect">
             <a:avLst/>
@@ -9408,487 +9753,7 @@
                 <a:ea typeface="Open Sans 1" panose="020B0604020202020204" charset="0"/>
                 <a:cs typeface="Open Sans 1" panose="020B0604020202020204" charset="0"/>
               </a:rPr>
-              <a:t>API de Rede</a:t>
-            </a:r>
-          </a:p>
-        </p:txBody>
-      </p:sp>
-      <p:sp>
-        <p:nvSpPr>
-          <p:cNvPr id="163" name="CaixaDeTexto 162"/>
-          <p:cNvSpPr txBox="1"/>
-          <p:nvPr/>
-        </p:nvSpPr>
-        <p:spPr>
-          <a:xfrm>
-            <a:off x="4404259" y="4356139"/>
-            <a:ext cx="5838805" cy="645142"/>
-          </a:xfrm>
-          <a:prstGeom prst="rect">
-            <a:avLst/>
-          </a:prstGeom>
-          <a:noFill/>
-        </p:spPr>
-        <p:txBody>
-          <a:bodyPr wrap="square" rtlCol="0">
-            <a:spAutoFit/>
-          </a:bodyPr>
-          <a:lstStyle/>
-          <a:p>
-            <a:pPr algn="ctr"/>
-            <a:r>
-              <a:rPr lang="pt-BR" dirty="0">
-                <a:solidFill>
-                  <a:schemeClr val="tx1">
-                    <a:lumMod val="75000"/>
-                    <a:lumOff val="25000"/>
-                  </a:schemeClr>
-                </a:solidFill>
-                <a:latin typeface="Open Sans 1" panose="020B0604020202020204" charset="0"/>
-                <a:ea typeface="Open Sans 1" panose="020B0604020202020204" charset="0"/>
-                <a:cs typeface="Open Sans 1" panose="020B0604020202020204" charset="0"/>
-              </a:rPr>
-              <a:t>O software deve ter uma API que monitore a rede das máquinas</a:t>
-            </a:r>
-          </a:p>
-        </p:txBody>
-      </p:sp>
-      <p:sp>
-        <p:nvSpPr>
-          <p:cNvPr id="164" name="CaixaDeTexto 163"/>
-          <p:cNvSpPr txBox="1"/>
-          <p:nvPr/>
-        </p:nvSpPr>
-        <p:spPr>
-          <a:xfrm>
-            <a:off x="10465850" y="4378999"/>
-            <a:ext cx="2981511" cy="523220"/>
-          </a:xfrm>
-          <a:prstGeom prst="rect">
-            <a:avLst/>
-          </a:prstGeom>
-          <a:noFill/>
-        </p:spPr>
-        <p:txBody>
-          <a:bodyPr wrap="square" rtlCol="0">
-            <a:spAutoFit/>
-          </a:bodyPr>
-          <a:lstStyle/>
-          <a:p>
-            <a:pPr algn="ctr"/>
-            <a:r>
-              <a:rPr lang="pt-BR" sz="2800" dirty="0">
-                <a:solidFill>
-                  <a:schemeClr val="tx1">
-                    <a:lumMod val="75000"/>
-                    <a:lumOff val="25000"/>
-                  </a:schemeClr>
-                </a:solidFill>
-                <a:latin typeface="Open Sans 1" panose="020B0604020202020204" charset="0"/>
-                <a:ea typeface="Open Sans 1" panose="020B0604020202020204" charset="0"/>
-                <a:cs typeface="Open Sans 1" panose="020B0604020202020204" charset="0"/>
-              </a:rPr>
-              <a:t>Essencial</a:t>
-            </a:r>
-          </a:p>
-        </p:txBody>
-      </p:sp>
-      <p:sp>
-        <p:nvSpPr>
-          <p:cNvPr id="165" name="CaixaDeTexto 164"/>
-          <p:cNvSpPr txBox="1"/>
-          <p:nvPr/>
-        </p:nvSpPr>
-        <p:spPr>
-          <a:xfrm>
-            <a:off x="13651045" y="4356138"/>
-            <a:ext cx="2272111" cy="523220"/>
-          </a:xfrm>
-          <a:prstGeom prst="rect">
-            <a:avLst/>
-          </a:prstGeom>
-          <a:noFill/>
-        </p:spPr>
-        <p:txBody>
-          <a:bodyPr wrap="square" rtlCol="0">
-            <a:spAutoFit/>
-          </a:bodyPr>
-          <a:lstStyle/>
-          <a:p>
-            <a:pPr algn="ctr"/>
-            <a:r>
-              <a:rPr lang="pt-BR" sz="2800" dirty="0">
-                <a:solidFill>
-                  <a:schemeClr val="tx1">
-                    <a:lumMod val="75000"/>
-                    <a:lumOff val="25000"/>
-                  </a:schemeClr>
-                </a:solidFill>
-                <a:latin typeface="Open Sans 1" panose="020B0604020202020204" charset="0"/>
-                <a:ea typeface="Open Sans 1" panose="020B0604020202020204" charset="0"/>
-                <a:cs typeface="Open Sans 1" panose="020B0604020202020204" charset="0"/>
-              </a:rPr>
-              <a:t>21</a:t>
-            </a:r>
-          </a:p>
-        </p:txBody>
-      </p:sp>
-      <p:sp>
-        <p:nvSpPr>
-          <p:cNvPr id="166" name="CaixaDeTexto 165"/>
-          <p:cNvSpPr txBox="1"/>
-          <p:nvPr/>
-        </p:nvSpPr>
-        <p:spPr>
-          <a:xfrm>
-            <a:off x="16124622" y="4438590"/>
-            <a:ext cx="1919054" cy="400110"/>
-          </a:xfrm>
-          <a:prstGeom prst="rect">
-            <a:avLst/>
-          </a:prstGeom>
-          <a:noFill/>
-        </p:spPr>
-        <p:txBody>
-          <a:bodyPr wrap="square" rtlCol="0">
-            <a:spAutoFit/>
-          </a:bodyPr>
-          <a:lstStyle/>
-          <a:p>
-            <a:pPr algn="ctr"/>
-            <a:r>
-              <a:rPr lang="pt-BR" sz="2000" dirty="0">
-                <a:solidFill>
-                  <a:schemeClr val="tx1">
-                    <a:lumMod val="75000"/>
-                    <a:lumOff val="25000"/>
-                  </a:schemeClr>
-                </a:solidFill>
-                <a:latin typeface="Open Sans 1" panose="020B0604020202020204" charset="0"/>
-                <a:ea typeface="Open Sans 1" panose="020B0604020202020204" charset="0"/>
-                <a:cs typeface="Open Sans 1" panose="020B0604020202020204" charset="0"/>
-              </a:rPr>
-              <a:t>Não Funcional</a:t>
-            </a:r>
-          </a:p>
-        </p:txBody>
-      </p:sp>
-      <p:sp>
-        <p:nvSpPr>
-          <p:cNvPr id="167" name="CaixaDeTexto 166"/>
-          <p:cNvSpPr txBox="1"/>
-          <p:nvPr/>
-        </p:nvSpPr>
-        <p:spPr>
-          <a:xfrm>
-            <a:off x="228600" y="5001280"/>
-            <a:ext cx="660197" cy="523220"/>
-          </a:xfrm>
-          <a:prstGeom prst="rect">
-            <a:avLst/>
-          </a:prstGeom>
-          <a:noFill/>
-        </p:spPr>
-        <p:txBody>
-          <a:bodyPr wrap="square" rtlCol="0">
-            <a:spAutoFit/>
-          </a:bodyPr>
-          <a:lstStyle/>
-          <a:p>
-            <a:pPr algn="ctr"/>
-            <a:r>
-              <a:rPr lang="pt-BR" sz="2800" dirty="0">
-                <a:solidFill>
-                  <a:schemeClr val="tx1">
-                    <a:lumMod val="75000"/>
-                    <a:lumOff val="25000"/>
-                  </a:schemeClr>
-                </a:solidFill>
-                <a:latin typeface="Open Sans 1" panose="020B0604020202020204" charset="0"/>
-                <a:ea typeface="Open Sans 1" panose="020B0604020202020204" charset="0"/>
-                <a:cs typeface="Open Sans 1" panose="020B0604020202020204" charset="0"/>
-              </a:rPr>
-              <a:t>04</a:t>
-            </a:r>
-          </a:p>
-        </p:txBody>
-      </p:sp>
-      <p:sp>
-        <p:nvSpPr>
-          <p:cNvPr id="168" name="CaixaDeTexto 167"/>
-          <p:cNvSpPr txBox="1"/>
-          <p:nvPr/>
-        </p:nvSpPr>
-        <p:spPr>
-          <a:xfrm>
-            <a:off x="1066801" y="5001280"/>
-            <a:ext cx="3124199" cy="400110"/>
-          </a:xfrm>
-          <a:prstGeom prst="rect">
-            <a:avLst/>
-          </a:prstGeom>
-          <a:noFill/>
-        </p:spPr>
-        <p:txBody>
-          <a:bodyPr wrap="square" rtlCol="0">
-            <a:spAutoFit/>
-          </a:bodyPr>
-          <a:lstStyle/>
-          <a:p>
-            <a:pPr algn="ctr"/>
-            <a:r>
-              <a:rPr lang="pt-BR" sz="2000" dirty="0">
-                <a:solidFill>
-                  <a:schemeClr val="tx1">
-                    <a:lumMod val="75000"/>
-                    <a:lumOff val="25000"/>
-                  </a:schemeClr>
-                </a:solidFill>
-                <a:latin typeface="Open Sans 1" panose="020B0604020202020204" charset="0"/>
-                <a:ea typeface="Open Sans 1" panose="020B0604020202020204" charset="0"/>
-                <a:cs typeface="Open Sans 1" panose="020B0604020202020204" charset="0"/>
-              </a:rPr>
-              <a:t>Captura Status Máquina</a:t>
-            </a:r>
-          </a:p>
-        </p:txBody>
-      </p:sp>
-      <p:sp>
-        <p:nvSpPr>
-          <p:cNvPr id="169" name="CaixaDeTexto 168"/>
-          <p:cNvSpPr txBox="1"/>
-          <p:nvPr/>
-        </p:nvSpPr>
-        <p:spPr>
-          <a:xfrm>
-            <a:off x="4383495" y="4978419"/>
-            <a:ext cx="5859569" cy="646331"/>
-          </a:xfrm>
-          <a:prstGeom prst="rect">
-            <a:avLst/>
-          </a:prstGeom>
-          <a:noFill/>
-        </p:spPr>
-        <p:txBody>
-          <a:bodyPr wrap="square" rtlCol="0">
-            <a:spAutoFit/>
-          </a:bodyPr>
-          <a:lstStyle/>
-          <a:p>
-            <a:pPr algn="ctr"/>
-            <a:r>
-              <a:rPr lang="pt-BR" dirty="0">
-                <a:solidFill>
-                  <a:schemeClr val="tx1">
-                    <a:lumMod val="75000"/>
-                    <a:lumOff val="25000"/>
-                  </a:schemeClr>
-                </a:solidFill>
-                <a:latin typeface="Open Sans 1" panose="020B0604020202020204" charset="0"/>
-                <a:ea typeface="Open Sans 1" panose="020B0604020202020204" charset="0"/>
-                <a:cs typeface="Open Sans 1" panose="020B0604020202020204" charset="0"/>
-              </a:rPr>
-              <a:t>O software deve capturar se a máquina está ligada ou desligada</a:t>
-            </a:r>
-          </a:p>
-        </p:txBody>
-      </p:sp>
-      <p:sp>
-        <p:nvSpPr>
-          <p:cNvPr id="170" name="CaixaDeTexto 169"/>
-          <p:cNvSpPr txBox="1"/>
-          <p:nvPr/>
-        </p:nvSpPr>
-        <p:spPr>
-          <a:xfrm>
-            <a:off x="10465850" y="5001280"/>
-            <a:ext cx="2981511" cy="523220"/>
-          </a:xfrm>
-          <a:prstGeom prst="rect">
-            <a:avLst/>
-          </a:prstGeom>
-          <a:noFill/>
-        </p:spPr>
-        <p:txBody>
-          <a:bodyPr wrap="square" rtlCol="0">
-            <a:spAutoFit/>
-          </a:bodyPr>
-          <a:lstStyle/>
-          <a:p>
-            <a:pPr algn="ctr"/>
-            <a:r>
-              <a:rPr lang="pt-BR" sz="2800" dirty="0">
-                <a:solidFill>
-                  <a:schemeClr val="tx1">
-                    <a:lumMod val="75000"/>
-                    <a:lumOff val="25000"/>
-                  </a:schemeClr>
-                </a:solidFill>
-                <a:latin typeface="Open Sans 1" panose="020B0604020202020204" charset="0"/>
-                <a:ea typeface="Open Sans 1" panose="020B0604020202020204" charset="0"/>
-                <a:cs typeface="Open Sans 1" panose="020B0604020202020204" charset="0"/>
-              </a:rPr>
-              <a:t>Importante</a:t>
-            </a:r>
-          </a:p>
-        </p:txBody>
-      </p:sp>
-      <p:sp>
-        <p:nvSpPr>
-          <p:cNvPr id="171" name="CaixaDeTexto 170"/>
-          <p:cNvSpPr txBox="1"/>
-          <p:nvPr/>
-        </p:nvSpPr>
-        <p:spPr>
-          <a:xfrm>
-            <a:off x="13651045" y="4978419"/>
-            <a:ext cx="2272111" cy="523220"/>
-          </a:xfrm>
-          <a:prstGeom prst="rect">
-            <a:avLst/>
-          </a:prstGeom>
-          <a:noFill/>
-        </p:spPr>
-        <p:txBody>
-          <a:bodyPr wrap="square" rtlCol="0">
-            <a:spAutoFit/>
-          </a:bodyPr>
-          <a:lstStyle/>
-          <a:p>
-            <a:pPr algn="ctr"/>
-            <a:r>
-              <a:rPr lang="pt-BR" sz="2800" dirty="0">
-                <a:solidFill>
-                  <a:schemeClr val="tx1">
-                    <a:lumMod val="75000"/>
-                    <a:lumOff val="25000"/>
-                  </a:schemeClr>
-                </a:solidFill>
-                <a:latin typeface="Open Sans 1" panose="020B0604020202020204" charset="0"/>
-                <a:ea typeface="Open Sans 1" panose="020B0604020202020204" charset="0"/>
-                <a:cs typeface="Open Sans 1" panose="020B0604020202020204" charset="0"/>
-              </a:rPr>
-              <a:t>21</a:t>
-            </a:r>
-          </a:p>
-        </p:txBody>
-      </p:sp>
-      <p:sp>
-        <p:nvSpPr>
-          <p:cNvPr id="172" name="CaixaDeTexto 171"/>
-          <p:cNvSpPr txBox="1"/>
-          <p:nvPr/>
-        </p:nvSpPr>
-        <p:spPr>
-          <a:xfrm>
-            <a:off x="16124622" y="5001280"/>
-            <a:ext cx="1919054" cy="523220"/>
-          </a:xfrm>
-          <a:prstGeom prst="rect">
-            <a:avLst/>
-          </a:prstGeom>
-          <a:noFill/>
-        </p:spPr>
-        <p:txBody>
-          <a:bodyPr wrap="square" rtlCol="0">
-            <a:spAutoFit/>
-          </a:bodyPr>
-          <a:lstStyle/>
-          <a:p>
-            <a:pPr algn="ctr"/>
-            <a:r>
-              <a:rPr lang="pt-BR" sz="2800" dirty="0">
-                <a:solidFill>
-                  <a:schemeClr val="tx1">
-                    <a:lumMod val="75000"/>
-                    <a:lumOff val="25000"/>
-                  </a:schemeClr>
-                </a:solidFill>
-                <a:latin typeface="Open Sans 1" panose="020B0604020202020204" charset="0"/>
-                <a:ea typeface="Open Sans 1" panose="020B0604020202020204" charset="0"/>
-                <a:cs typeface="Open Sans 1" panose="020B0604020202020204" charset="0"/>
-              </a:rPr>
-              <a:t>Funcional</a:t>
-            </a:r>
-          </a:p>
-        </p:txBody>
-      </p:sp>
-      <p:sp>
-        <p:nvSpPr>
-          <p:cNvPr id="173" name="CaixaDeTexto 172"/>
-          <p:cNvSpPr txBox="1"/>
-          <p:nvPr/>
-        </p:nvSpPr>
-        <p:spPr>
-          <a:xfrm>
-            <a:off x="244324" y="5610880"/>
-            <a:ext cx="660197" cy="523220"/>
-          </a:xfrm>
-          <a:prstGeom prst="rect">
-            <a:avLst/>
-          </a:prstGeom>
-          <a:noFill/>
-        </p:spPr>
-        <p:txBody>
-          <a:bodyPr wrap="square" rtlCol="0">
-            <a:spAutoFit/>
-          </a:bodyPr>
-          <a:lstStyle/>
-          <a:p>
-            <a:pPr algn="ctr"/>
-            <a:r>
-              <a:rPr lang="pt-BR" sz="2800" dirty="0">
-                <a:solidFill>
-                  <a:schemeClr val="tx1">
-                    <a:lumMod val="75000"/>
-                    <a:lumOff val="25000"/>
-                  </a:schemeClr>
-                </a:solidFill>
-                <a:latin typeface="Open Sans 1" panose="020B0604020202020204" charset="0"/>
-                <a:ea typeface="Open Sans 1" panose="020B0604020202020204" charset="0"/>
-                <a:cs typeface="Open Sans 1" panose="020B0604020202020204" charset="0"/>
-              </a:rPr>
-              <a:t>05</a:t>
-            </a:r>
-          </a:p>
-        </p:txBody>
-      </p:sp>
-      <p:sp>
-        <p:nvSpPr>
-          <p:cNvPr id="174" name="CaixaDeTexto 173"/>
-          <p:cNvSpPr txBox="1"/>
-          <p:nvPr/>
-        </p:nvSpPr>
-        <p:spPr>
-          <a:xfrm>
-            <a:off x="1082524" y="5610880"/>
-            <a:ext cx="3115229" cy="523220"/>
-          </a:xfrm>
-          <a:prstGeom prst="rect">
-            <a:avLst/>
-          </a:prstGeom>
-          <a:noFill/>
-        </p:spPr>
-        <p:txBody>
-          <a:bodyPr wrap="square" rtlCol="0">
-            <a:spAutoFit/>
-          </a:bodyPr>
-          <a:lstStyle/>
-          <a:p>
-            <a:pPr algn="ctr"/>
-            <a:r>
-              <a:rPr lang="pt-BR" sz="2800" dirty="0">
-                <a:solidFill>
-                  <a:schemeClr val="tx1">
-                    <a:lumMod val="75000"/>
-                    <a:lumOff val="25000"/>
-                  </a:schemeClr>
-                </a:solidFill>
-                <a:latin typeface="Open Sans 1" panose="020B0604020202020204" charset="0"/>
-                <a:ea typeface="Open Sans 1" panose="020B0604020202020204" charset="0"/>
-                <a:cs typeface="Open Sans 1" panose="020B0604020202020204" charset="0"/>
-              </a:rPr>
-              <a:t>Site</a:t>
+              <a:t>CV#01</a:t>
             </a:r>
           </a:p>
         </p:txBody>
@@ -11166,7 +11031,7 @@
                 <a:ea typeface="Open Sans 1" panose="020B0604020202020204" charset="0"/>
                 <a:cs typeface="Open Sans 1" panose="020B0604020202020204" charset="0"/>
               </a:rPr>
-              <a:t>Dashboard</a:t>
+              <a:t>US#01</a:t>
             </a:r>
           </a:p>
         </p:txBody>
@@ -11212,7 +11077,7 @@
                 <a:ea typeface="Open Sans 1" panose="020B0604020202020204" charset="0"/>
                 <a:cs typeface="Open Sans 1" panose="020B0604020202020204" charset="0"/>
               </a:rPr>
-              <a:t>Alertas</a:t>
+              <a:t>US#04</a:t>
             </a:r>
           </a:p>
         </p:txBody>
@@ -11232,7 +11097,7 @@
         <p:spPr>
           <a:xfrm>
             <a:off x="1066801" y="7439680"/>
-            <a:ext cx="3115229" cy="461665"/>
+            <a:ext cx="3115229" cy="523220"/>
           </a:xfrm>
           <a:prstGeom prst="rect">
             <a:avLst/>
@@ -11247,7 +11112,7 @@
           <a:p>
             <a:pPr algn="ctr"/>
             <a:r>
-              <a:rPr lang="pt-BR" sz="2400" dirty="0">
+              <a:rPr lang="pt-BR" sz="2800" dirty="0">
                 <a:solidFill>
                   <a:schemeClr val="tx1">
                     <a:lumMod val="75000"/>
@@ -11258,9 +11123,55 @@
                 <a:ea typeface="Open Sans 1" panose="020B0604020202020204" charset="0"/>
                 <a:cs typeface="Open Sans 1" panose="020B0604020202020204" charset="0"/>
               </a:rPr>
-              <a:t>Relatórios de Horas</a:t>
-            </a:r>
-            <a:endParaRPr lang="pt-BR" sz="2800" dirty="0">
+              <a:t>US#05</a:t>
+            </a:r>
+          </a:p>
+        </p:txBody>
+      </p:sp>
+      <p:sp>
+        <p:nvSpPr>
+          <p:cNvPr id="87" name="CaixaDeTexto 86">
+            <a:extLst>
+              <a:ext uri="{FF2B5EF4-FFF2-40B4-BE49-F238E27FC236}">
+                <a16:creationId xmlns:a16="http://schemas.microsoft.com/office/drawing/2014/main" id="{1A854D6A-DC85-4D02-9818-B80C2C5DA018}"/>
+              </a:ext>
+            </a:extLst>
+          </p:cNvPr>
+          <p:cNvSpPr txBox="1"/>
+          <p:nvPr/>
+        </p:nvSpPr>
+        <p:spPr>
+          <a:xfrm>
+            <a:off x="1066801" y="8049280"/>
+            <a:ext cx="3130952" cy="523220"/>
+          </a:xfrm>
+          <a:prstGeom prst="rect">
+            <a:avLst/>
+          </a:prstGeom>
+          <a:noFill/>
+        </p:spPr>
+        <p:txBody>
+          <a:bodyPr wrap="square" rtlCol="0">
+            <a:spAutoFit/>
+          </a:bodyPr>
+          <a:lstStyle/>
+          <a:p>
+            <a:pPr algn="ctr"/>
+            <a:r>
+              <a:rPr lang="pt-BR" sz="2800" dirty="0">
+                <a:solidFill>
+                  <a:schemeClr val="tx1">
+                    <a:lumMod val="75000"/>
+                    <a:lumOff val="25000"/>
+                  </a:schemeClr>
+                </a:solidFill>
+                <a:latin typeface="Open Sans 1" panose="020B0604020202020204" charset="0"/>
+                <a:ea typeface="Open Sans 1" panose="020B0604020202020204" charset="0"/>
+                <a:cs typeface="Open Sans 1" panose="020B0604020202020204" charset="0"/>
+              </a:rPr>
+              <a:t>US#06</a:t>
+            </a:r>
+            <a:endParaRPr lang="pt-BR" sz="3200" dirty="0">
               <a:solidFill>
                 <a:schemeClr val="tx1">
                   <a:lumMod val="75000"/>
@@ -11276,63 +11187,6 @@
       </p:sp>
       <p:sp>
         <p:nvSpPr>
-          <p:cNvPr id="87" name="CaixaDeTexto 86">
-            <a:extLst>
-              <a:ext uri="{FF2B5EF4-FFF2-40B4-BE49-F238E27FC236}">
-                <a16:creationId xmlns:a16="http://schemas.microsoft.com/office/drawing/2014/main" id="{1A854D6A-DC85-4D02-9818-B80C2C5DA018}"/>
-              </a:ext>
-            </a:extLst>
-          </p:cNvPr>
-          <p:cNvSpPr txBox="1"/>
-          <p:nvPr/>
-        </p:nvSpPr>
-        <p:spPr>
-          <a:xfrm>
-            <a:off x="1066801" y="8049280"/>
-            <a:ext cx="3130952" cy="400110"/>
-          </a:xfrm>
-          <a:prstGeom prst="rect">
-            <a:avLst/>
-          </a:prstGeom>
-          <a:noFill/>
-        </p:spPr>
-        <p:txBody>
-          <a:bodyPr wrap="square" rtlCol="0">
-            <a:spAutoFit/>
-          </a:bodyPr>
-          <a:lstStyle/>
-          <a:p>
-            <a:pPr algn="ctr"/>
-            <a:r>
-              <a:rPr lang="pt-BR" sz="2000" dirty="0">
-                <a:solidFill>
-                  <a:schemeClr val="tx1">
-                    <a:lumMod val="75000"/>
-                    <a:lumOff val="25000"/>
-                  </a:schemeClr>
-                </a:solidFill>
-                <a:latin typeface="Open Sans 1" panose="020B0604020202020204" charset="0"/>
-                <a:ea typeface="Open Sans 1" panose="020B0604020202020204" charset="0"/>
-                <a:cs typeface="Open Sans 1" panose="020B0604020202020204" charset="0"/>
-              </a:rPr>
-              <a:t>Histórico de Ocorrências</a:t>
-            </a:r>
-            <a:endParaRPr lang="pt-BR" sz="2800" dirty="0">
-              <a:solidFill>
-                <a:schemeClr val="tx1">
-                  <a:lumMod val="75000"/>
-                  <a:lumOff val="25000"/>
-                </a:schemeClr>
-              </a:solidFill>
-              <a:latin typeface="Open Sans 1" panose="020B0604020202020204" charset="0"/>
-              <a:ea typeface="Open Sans 1" panose="020B0604020202020204" charset="0"/>
-              <a:cs typeface="Open Sans 1" panose="020B0604020202020204" charset="0"/>
-            </a:endParaRPr>
-          </a:p>
-        </p:txBody>
-      </p:sp>
-      <p:sp>
-        <p:nvSpPr>
           <p:cNvPr id="88" name="CaixaDeTexto 87">
             <a:extLst>
               <a:ext uri="{FF2B5EF4-FFF2-40B4-BE49-F238E27FC236}">
@@ -11372,7 +11226,7 @@
                 <a:ea typeface="Open Sans 1" panose="020B0604020202020204" charset="0"/>
                 <a:cs typeface="Open Sans 1" panose="020B0604020202020204" charset="0"/>
               </a:rPr>
-              <a:t>Painel de Reparo</a:t>
+              <a:t>US#09</a:t>
             </a:r>
           </a:p>
         </p:txBody>
@@ -11399,13 +11253,6 @@
       </p:transition>
     </mc:Fallback>
   </mc:AlternateContent>
-  <p:timing>
-    <p:tnLst>
-      <p:par>
-        <p:cTn id="1" dur="indefinite" restart="never" nodeType="tmRoot"/>
-      </p:par>
-    </p:tnLst>
-  </p:timing>
 </p:sld>
 </file>
 
@@ -12188,7 +12035,7 @@
               <a:buChar char="ü"/>
             </a:pPr>
             <a:r>
-              <a:rPr lang="pt-BR" sz="3600" dirty="0" err="1" smtClean="0">
+              <a:rPr lang="pt-BR" sz="3600" dirty="0" err="1">
                 <a:solidFill>
                   <a:srgbClr val="000000"/>
                 </a:solidFill>
@@ -12197,7 +12044,7 @@
               <a:t>CallCenter</a:t>
             </a:r>
             <a:r>
-              <a:rPr lang="pt-BR" sz="3600" dirty="0" smtClean="0">
+              <a:rPr lang="pt-BR" sz="3600" dirty="0">
                 <a:solidFill>
                   <a:srgbClr val="000000"/>
                 </a:solidFill>
@@ -12205,12 +12052,6 @@
               </a:rPr>
               <a:t>;</a:t>
             </a:r>
-            <a:endParaRPr lang="pt-BR" sz="3600" dirty="0">
-              <a:solidFill>
-                <a:srgbClr val="000000"/>
-              </a:solidFill>
-              <a:latin typeface="Open Sans Light"/>
-            </a:endParaRPr>
           </a:p>
           <a:p>
             <a:pPr marL="457200" indent="-457200">
@@ -12224,7 +12065,7 @@
               <a:buChar char="ü"/>
             </a:pPr>
             <a:r>
-              <a:rPr lang="pt-BR" sz="3600" dirty="0" smtClean="0">
+              <a:rPr lang="pt-BR" sz="3600" dirty="0">
                 <a:solidFill>
                   <a:srgbClr val="000000"/>
                 </a:solidFill>
@@ -12245,7 +12086,7 @@
               <a:buChar char="ü"/>
             </a:pPr>
             <a:r>
-              <a:rPr lang="pt-BR" sz="3600" dirty="0" smtClean="0">
+              <a:rPr lang="pt-BR" sz="3600" dirty="0">
                 <a:solidFill>
                   <a:srgbClr val="000000"/>
                 </a:solidFill>
@@ -13273,7 +13114,7 @@
               </a:lnSpc>
             </a:pPr>
             <a:r>
-              <a:rPr lang="en-US" sz="4800" dirty="0" err="1" smtClean="0">
+              <a:rPr lang="en-US" sz="4800" dirty="0" err="1">
                 <a:solidFill>
                   <a:srgbClr val="000000"/>
                 </a:solidFill>
@@ -13282,7 +13123,7 @@
               <a:t>Agradecemos</a:t>
             </a:r>
             <a:r>
-              <a:rPr lang="en-US" sz="4800" dirty="0" smtClean="0">
+              <a:rPr lang="en-US" sz="4800" dirty="0">
                 <a:solidFill>
                   <a:srgbClr val="000000"/>
                 </a:solidFill>
@@ -13291,7 +13132,7 @@
               <a:t> </a:t>
             </a:r>
             <a:r>
-              <a:rPr lang="en-US" sz="4800" dirty="0" err="1" smtClean="0">
+              <a:rPr lang="en-US" sz="4800" dirty="0" err="1">
                 <a:solidFill>
                   <a:srgbClr val="000000"/>
                 </a:solidFill>
@@ -13300,7 +13141,7 @@
               <a:t>aos</a:t>
             </a:r>
             <a:r>
-              <a:rPr lang="en-US" sz="4800" dirty="0" smtClean="0">
+              <a:rPr lang="en-US" sz="4800" dirty="0">
                 <a:solidFill>
                   <a:srgbClr val="000000"/>
                 </a:solidFill>
@@ -13309,7 +13150,7 @@
               <a:t> </a:t>
             </a:r>
             <a:r>
-              <a:rPr lang="en-US" sz="4800" dirty="0" err="1" smtClean="0">
+              <a:rPr lang="en-US" sz="4800" dirty="0" err="1">
                 <a:solidFill>
                   <a:srgbClr val="000000"/>
                 </a:solidFill>
@@ -13318,7 +13159,7 @@
               <a:t>nossos</a:t>
             </a:r>
             <a:r>
-              <a:rPr lang="en-US" sz="4800" dirty="0" smtClean="0">
+              <a:rPr lang="en-US" sz="4800" dirty="0">
                 <a:solidFill>
                   <a:srgbClr val="000000"/>
                 </a:solidFill>
@@ -13327,7 +13168,7 @@
               <a:t> amigos e </a:t>
             </a:r>
             <a:r>
-              <a:rPr lang="en-US" sz="4800" dirty="0" err="1" smtClean="0">
+              <a:rPr lang="en-US" sz="4800" dirty="0" err="1">
                 <a:solidFill>
                   <a:srgbClr val="000000"/>
                 </a:solidFill>
@@ -13336,7 +13177,7 @@
               <a:t>familiares</a:t>
             </a:r>
             <a:r>
-              <a:rPr lang="en-US" sz="4800" dirty="0" smtClean="0">
+              <a:rPr lang="en-US" sz="4800" dirty="0">
                 <a:solidFill>
                   <a:srgbClr val="000000"/>
                 </a:solidFill>
@@ -13345,7 +13186,7 @@
               <a:t> </a:t>
             </a:r>
             <a:r>
-              <a:rPr lang="en-US" sz="4800" dirty="0" err="1" smtClean="0">
+              <a:rPr lang="en-US" sz="4800" dirty="0" err="1">
                 <a:solidFill>
                   <a:srgbClr val="000000"/>
                 </a:solidFill>
@@ -13354,7 +13195,7 @@
               <a:t>por</a:t>
             </a:r>
             <a:r>
-              <a:rPr lang="en-US" sz="4800" dirty="0" smtClean="0">
+              <a:rPr lang="en-US" sz="4800" dirty="0">
                 <a:solidFill>
                   <a:srgbClr val="000000"/>
                 </a:solidFill>
@@ -13363,7 +13204,7 @@
               <a:t> </a:t>
             </a:r>
             <a:r>
-              <a:rPr lang="en-US" sz="4800" dirty="0" err="1" smtClean="0">
+              <a:rPr lang="en-US" sz="4800" dirty="0" err="1">
                 <a:solidFill>
                   <a:srgbClr val="000000"/>
                 </a:solidFill>
@@ -13372,7 +13213,7 @@
               <a:t>toda</a:t>
             </a:r>
             <a:r>
-              <a:rPr lang="en-US" sz="4800" dirty="0" smtClean="0">
+              <a:rPr lang="en-US" sz="4800" dirty="0">
                 <a:solidFill>
                   <a:srgbClr val="000000"/>
                 </a:solidFill>
@@ -13381,7 +13222,7 @@
               <a:t> </a:t>
             </a:r>
             <a:r>
-              <a:rPr lang="en-US" sz="4800" dirty="0" err="1" smtClean="0">
+              <a:rPr lang="en-US" sz="4800" dirty="0" err="1">
                 <a:solidFill>
                   <a:srgbClr val="000000"/>
                 </a:solidFill>
@@ -13390,7 +13231,7 @@
               <a:t>ajuda</a:t>
             </a:r>
             <a:r>
-              <a:rPr lang="en-US" sz="4800" dirty="0" smtClean="0">
+              <a:rPr lang="en-US" sz="4800" dirty="0">
                 <a:solidFill>
                   <a:srgbClr val="000000"/>
                 </a:solidFill>
@@ -13399,7 +13240,7 @@
               <a:t> e </a:t>
             </a:r>
             <a:r>
-              <a:rPr lang="en-US" sz="4800" dirty="0" err="1" smtClean="0">
+              <a:rPr lang="en-US" sz="4800" dirty="0" err="1">
                 <a:solidFill>
                   <a:srgbClr val="000000"/>
                 </a:solidFill>
@@ -13408,7 +13249,7 @@
               <a:t>apoio</a:t>
             </a:r>
             <a:r>
-              <a:rPr lang="en-US" sz="4800" dirty="0" smtClean="0">
+              <a:rPr lang="en-US" sz="4800" dirty="0">
                 <a:solidFill>
                   <a:srgbClr val="000000"/>
                 </a:solidFill>
@@ -13417,7 +13258,7 @@
               <a:t> e </a:t>
             </a:r>
             <a:r>
-              <a:rPr lang="en-US" sz="4800" dirty="0" err="1" smtClean="0">
+              <a:rPr lang="en-US" sz="4800" dirty="0" err="1">
                 <a:solidFill>
                   <a:srgbClr val="000000"/>
                 </a:solidFill>
@@ -13426,7 +13267,7 @@
               <a:t>também</a:t>
             </a:r>
             <a:r>
-              <a:rPr lang="en-US" sz="4800" dirty="0" smtClean="0">
+              <a:rPr lang="en-US" sz="4800" dirty="0">
                 <a:solidFill>
                   <a:srgbClr val="000000"/>
                 </a:solidFill>
@@ -13435,7 +13276,7 @@
               <a:t> a </a:t>
             </a:r>
             <a:r>
-              <a:rPr lang="en-US" sz="4800" dirty="0" err="1" smtClean="0">
+              <a:rPr lang="en-US" sz="4800" dirty="0" err="1">
                 <a:solidFill>
                   <a:srgbClr val="000000"/>
                 </a:solidFill>
@@ -13444,7 +13285,7 @@
               <a:t>todos</a:t>
             </a:r>
             <a:r>
-              <a:rPr lang="en-US" sz="4800" dirty="0" smtClean="0">
+              <a:rPr lang="en-US" sz="4800" dirty="0">
                 <a:solidFill>
                   <a:srgbClr val="000000"/>
                 </a:solidFill>
@@ -13453,7 +13294,7 @@
               <a:t> </a:t>
             </a:r>
             <a:r>
-              <a:rPr lang="en-US" sz="4800" dirty="0" err="1" smtClean="0">
+              <a:rPr lang="en-US" sz="4800" dirty="0" err="1">
                 <a:solidFill>
                   <a:srgbClr val="000000"/>
                 </a:solidFill>
@@ -13462,7 +13303,7 @@
               <a:t>nossos</a:t>
             </a:r>
             <a:r>
-              <a:rPr lang="en-US" sz="4800" dirty="0" smtClean="0">
+              <a:rPr lang="en-US" sz="4800" dirty="0">
                 <a:solidFill>
                   <a:srgbClr val="000000"/>
                 </a:solidFill>
@@ -13471,7 +13312,7 @@
               <a:t> </a:t>
             </a:r>
             <a:r>
-              <a:rPr lang="en-US" sz="4800" dirty="0" err="1" smtClean="0">
+              <a:rPr lang="en-US" sz="4800" dirty="0" err="1">
                 <a:solidFill>
                   <a:srgbClr val="000000"/>
                 </a:solidFill>
@@ -13480,7 +13321,7 @@
               <a:t>professores</a:t>
             </a:r>
             <a:r>
-              <a:rPr lang="en-US" sz="4800" dirty="0" smtClean="0">
+              <a:rPr lang="en-US" sz="4800" dirty="0">
                 <a:solidFill>
                   <a:srgbClr val="000000"/>
                 </a:solidFill>
@@ -13489,7 +13330,7 @@
               <a:t> </a:t>
             </a:r>
             <a:r>
-              <a:rPr lang="en-US" sz="4800" dirty="0" err="1" smtClean="0">
+              <a:rPr lang="en-US" sz="4800" dirty="0" err="1">
                 <a:solidFill>
                   <a:srgbClr val="000000"/>
                 </a:solidFill>
@@ -13498,7 +13339,7 @@
               <a:t>pelas</a:t>
             </a:r>
             <a:r>
-              <a:rPr lang="en-US" sz="4800" dirty="0" smtClean="0">
+              <a:rPr lang="en-US" sz="4800" dirty="0">
                 <a:solidFill>
                   <a:srgbClr val="000000"/>
                 </a:solidFill>
@@ -13507,7 +13348,7 @@
               <a:t> </a:t>
             </a:r>
             <a:r>
-              <a:rPr lang="en-US" sz="4800" dirty="0" err="1" smtClean="0">
+              <a:rPr lang="en-US" sz="4800" dirty="0" err="1">
                 <a:solidFill>
                   <a:srgbClr val="000000"/>
                 </a:solidFill>
@@ -13516,7 +13357,7 @@
               <a:t>instruções</a:t>
             </a:r>
             <a:r>
-              <a:rPr lang="en-US" sz="4800" dirty="0" smtClean="0">
+              <a:rPr lang="en-US" sz="4800" dirty="0">
                 <a:solidFill>
                   <a:srgbClr val="000000"/>
                 </a:solidFill>
@@ -13525,7 +13366,7 @@
               <a:t> e </a:t>
             </a:r>
             <a:r>
-              <a:rPr lang="en-US" sz="4800" dirty="0" err="1" smtClean="0">
+              <a:rPr lang="en-US" sz="4800" dirty="0" err="1">
                 <a:solidFill>
                   <a:srgbClr val="000000"/>
                 </a:solidFill>
@@ -13534,7 +13375,7 @@
               <a:t>direcionamentos</a:t>
             </a:r>
             <a:r>
-              <a:rPr lang="en-US" sz="4800" dirty="0" smtClean="0">
+              <a:rPr lang="en-US" sz="4800" dirty="0">
                 <a:solidFill>
                   <a:srgbClr val="000000"/>
                 </a:solidFill>
@@ -13543,7 +13384,7 @@
               <a:t> </a:t>
             </a:r>
             <a:r>
-              <a:rPr lang="en-US" sz="4800" dirty="0" err="1" smtClean="0">
+              <a:rPr lang="en-US" sz="4800" dirty="0" err="1">
                 <a:solidFill>
                   <a:srgbClr val="000000"/>
                 </a:solidFill>
@@ -13552,7 +13393,7 @@
               <a:t>em</a:t>
             </a:r>
             <a:r>
-              <a:rPr lang="en-US" sz="4800" dirty="0" smtClean="0">
+              <a:rPr lang="en-US" sz="4800" dirty="0">
                 <a:solidFill>
                   <a:srgbClr val="000000"/>
                 </a:solidFill>
@@ -13561,7 +13402,7 @@
               <a:t> </a:t>
             </a:r>
             <a:r>
-              <a:rPr lang="en-US" sz="4800" dirty="0" err="1" smtClean="0">
+              <a:rPr lang="en-US" sz="4800" dirty="0" err="1">
                 <a:solidFill>
                   <a:srgbClr val="000000"/>
                 </a:solidFill>
@@ -13570,7 +13411,7 @@
               <a:t>nosso</a:t>
             </a:r>
             <a:r>
-              <a:rPr lang="en-US" sz="4800" dirty="0" smtClean="0">
+              <a:rPr lang="en-US" sz="4800" dirty="0">
                 <a:solidFill>
                   <a:srgbClr val="000000"/>
                 </a:solidFill>
@@ -13579,7 +13420,7 @@
               <a:t> </a:t>
             </a:r>
             <a:r>
-              <a:rPr lang="en-US" sz="4800" dirty="0" err="1" smtClean="0">
+              <a:rPr lang="en-US" sz="4800" dirty="0" err="1">
                 <a:solidFill>
                   <a:srgbClr val="000000"/>
                 </a:solidFill>
@@ -13588,7 +13429,7 @@
               <a:t>projeto</a:t>
             </a:r>
             <a:r>
-              <a:rPr lang="en-US" sz="4800" dirty="0" smtClean="0">
+              <a:rPr lang="en-US" sz="4800" dirty="0">
                 <a:solidFill>
                   <a:srgbClr val="000000"/>
                 </a:solidFill>
@@ -13596,12 +13437,6 @@
               </a:rPr>
               <a:t>.</a:t>
             </a:r>
-            <a:endParaRPr lang="en-US" sz="4800" dirty="0">
-              <a:solidFill>
-                <a:srgbClr val="000000"/>
-              </a:solidFill>
-              <a:latin typeface="Open Sans Light"/>
-            </a:endParaRPr>
           </a:p>
         </p:txBody>
       </p:sp>
@@ -13727,13 +13562,6 @@
       </p:transition>
     </mc:Fallback>
   </mc:AlternateContent>
-  <p:timing>
-    <p:tnLst>
-      <p:par>
-        <p:cTn id="1" dur="indefinite" restart="never" nodeType="tmRoot"/>
-      </p:par>
-    </p:tnLst>
-  </p:timing>
 </p:sld>
 </file>
 
@@ -15601,38 +15429,14 @@
               <a:buChar char="ü"/>
             </a:pPr>
             <a:r>
-              <a:rPr lang="pt-BR" sz="3400" dirty="0" smtClean="0">
+              <a:rPr lang="pt-BR" sz="3400" dirty="0">
                 <a:solidFill>
                   <a:srgbClr val="000000"/>
                 </a:solidFill>
                 <a:latin typeface="Open Sans Light"/>
               </a:rPr>
-              <a:t>Monitoramento </a:t>
-            </a:r>
-            <a:r>
-              <a:rPr lang="pt-BR" sz="3400" dirty="0">
-                <a:solidFill>
-                  <a:srgbClr val="000000"/>
-                </a:solidFill>
-                <a:latin typeface="Open Sans Light"/>
-              </a:rPr>
-              <a:t>de informações de processamento das </a:t>
-            </a:r>
-            <a:r>
-              <a:rPr lang="pt-BR" sz="3400" dirty="0" smtClean="0">
-                <a:solidFill>
-                  <a:srgbClr val="000000"/>
-                </a:solidFill>
-                <a:latin typeface="Open Sans Light"/>
-              </a:rPr>
-              <a:t>máquinas:</a:t>
-            </a:r>
-            <a:endParaRPr lang="pt-BR" sz="3400" dirty="0">
-              <a:solidFill>
-                <a:srgbClr val="000000"/>
-              </a:solidFill>
-              <a:latin typeface="Open Sans Light"/>
-            </a:endParaRPr>
+              <a:t>Monitoramento de informações de processamento das máquinas:</a:t>
+            </a:r>
           </a:p>
           <a:p>
             <a:pPr marL="457200" indent="-457200" algn="just">
@@ -15681,7 +15485,7 @@
               <a:buFont typeface="Wingdings" panose="05000000000000000000" pitchFamily="2" charset="2"/>
               <a:buChar char="ü"/>
             </a:pPr>
-            <a:endParaRPr lang="pt-BR" sz="3400" dirty="0" smtClean="0">
+            <a:endParaRPr lang="pt-BR" sz="3400" dirty="0">
               <a:solidFill>
                 <a:srgbClr val="000000"/>
               </a:solidFill>
@@ -15718,22 +15522,13 @@
               <a:buChar char="ü"/>
             </a:pPr>
             <a:r>
-              <a:rPr lang="pt-BR" sz="3400" dirty="0" smtClean="0">
+              <a:rPr lang="pt-BR" sz="3400" dirty="0">
                 <a:solidFill>
                   <a:srgbClr val="000000"/>
                 </a:solidFill>
                 <a:latin typeface="Open Sans Light"/>
               </a:rPr>
-              <a:t>Monitoramento </a:t>
-            </a:r>
-            <a:r>
-              <a:rPr lang="pt-BR" sz="3400" dirty="0">
-                <a:solidFill>
-                  <a:srgbClr val="000000"/>
-                </a:solidFill>
-                <a:latin typeface="Open Sans Light"/>
-              </a:rPr>
-              <a:t>da rede que as máquinas estão conectadas.</a:t>
+              <a:t>Monitoramento da rede que as máquinas estão conectadas.</a:t>
             </a:r>
             <a:endParaRPr lang="en-US" sz="3400" dirty="0">
               <a:solidFill>
@@ -15806,7 +15601,7 @@
               <a:buChar char="•"/>
             </a:pPr>
             <a:r>
-              <a:rPr lang="pt-BR" sz="3400" dirty="0" smtClean="0">
+              <a:rPr lang="pt-BR" sz="3400" dirty="0">
                 <a:solidFill>
                   <a:srgbClr val="000000"/>
                 </a:solidFill>
@@ -15827,7 +15622,7 @@
               <a:buChar char="•"/>
             </a:pPr>
             <a:r>
-              <a:rPr lang="pt-BR" sz="3400" dirty="0" smtClean="0">
+              <a:rPr lang="pt-BR" sz="3400" dirty="0">
                 <a:solidFill>
                   <a:srgbClr val="000000"/>
                 </a:solidFill>
@@ -15848,7 +15643,7 @@
               <a:buChar char="•"/>
             </a:pPr>
             <a:r>
-              <a:rPr lang="pt-BR" sz="3400" dirty="0" smtClean="0">
+              <a:rPr lang="pt-BR" sz="3400" dirty="0">
                 <a:solidFill>
                   <a:srgbClr val="000000"/>
                 </a:solidFill>
@@ -15857,7 +15652,7 @@
               <a:t>Disco</a:t>
             </a:r>
             <a:r>
-              <a:rPr lang="pt-BR" dirty="0" smtClean="0">
+              <a:rPr lang="pt-BR" dirty="0">
                 <a:solidFill>
                   <a:srgbClr val="000000"/>
                 </a:solidFill>
@@ -15865,12 +15660,6 @@
               </a:rPr>
               <a:t>.;</a:t>
             </a:r>
-            <a:endParaRPr lang="pt-BR" dirty="0">
-              <a:solidFill>
-                <a:srgbClr val="000000"/>
-              </a:solidFill>
-              <a:latin typeface="Open Sans Light"/>
-            </a:endParaRPr>
           </a:p>
         </p:txBody>
       </p:sp>
@@ -16219,13 +16008,6 @@
       </p:transition>
     </mc:Fallback>
   </mc:AlternateContent>
-  <p:timing>
-    <p:tnLst>
-      <p:par>
-        <p:cTn id="1" dur="indefinite" restart="never" nodeType="tmRoot"/>
-      </p:par>
-    </p:tnLst>
-  </p:timing>
 </p:sld>
 </file>
 
@@ -16419,7 +16201,7 @@
                 </a:lnSpc>
               </a:pPr>
               <a:r>
-                <a:rPr lang="en-US" sz="4046" spc="40" dirty="0" err="1" smtClean="0">
+                <a:rPr lang="en-US" sz="4046" spc="40" dirty="0" err="1">
                   <a:solidFill>
                     <a:srgbClr val="393667"/>
                   </a:solidFill>
@@ -16547,7 +16329,7 @@
                 </a:lnSpc>
               </a:pPr>
               <a:r>
-                <a:rPr lang="en-US" sz="4046" spc="40" dirty="0" err="1" smtClean="0">
+                <a:rPr lang="en-US" sz="4046" spc="40" dirty="0" err="1">
                   <a:solidFill>
                     <a:srgbClr val="393667"/>
                   </a:solidFill>
@@ -16556,7 +16338,7 @@
                 <a:t>Rapidez</a:t>
               </a:r>
               <a:r>
-                <a:rPr lang="en-US" sz="4046" spc="40" dirty="0" smtClean="0">
+                <a:rPr lang="en-US" sz="4046" spc="40" dirty="0">
                   <a:solidFill>
                     <a:srgbClr val="393667"/>
                   </a:solidFill>
@@ -16565,7 +16347,7 @@
                 <a:t> e </a:t>
               </a:r>
               <a:r>
-                <a:rPr lang="en-US" sz="4046" spc="40" dirty="0" err="1" smtClean="0">
+                <a:rPr lang="en-US" sz="4046" spc="40" dirty="0" err="1">
                   <a:solidFill>
                     <a:srgbClr val="393667"/>
                   </a:solidFill>
@@ -16693,7 +16475,7 @@
                 </a:lnSpc>
               </a:pPr>
               <a:r>
-                <a:rPr lang="en-US" sz="4046" spc="40" dirty="0" err="1" smtClean="0">
+                <a:rPr lang="en-US" sz="4046" spc="40" dirty="0" err="1">
                   <a:solidFill>
                     <a:srgbClr val="393667"/>
                   </a:solidFill>
@@ -16883,7 +16665,7 @@
                 <a:t> de </a:t>
               </a:r>
               <a:r>
-                <a:rPr lang="en-US" sz="4046" spc="40" dirty="0" err="1" smtClean="0">
+                <a:rPr lang="en-US" sz="4046" spc="40" dirty="0" err="1">
                   <a:solidFill>
                     <a:srgbClr val="393667"/>
                   </a:solidFill>
@@ -18360,13 +18142,6 @@
       </p:transition>
     </mc:Fallback>
   </mc:AlternateContent>
-  <p:timing>
-    <p:tnLst>
-      <p:par>
-        <p:cTn id="1" dur="indefinite" restart="never" nodeType="tmRoot"/>
-      </p:par>
-    </p:tnLst>
-  </p:timing>
 </p:sld>
 </file>
 

--- a/Documentação/Pyxis.pptx
+++ b/Documentação/Pyxis.pptx
@@ -31,26 +31,26 @@
   <p:notesSz cx="6858000" cy="9144000"/>
   <p:embeddedFontLst>
     <p:embeddedFont>
+      <p:font typeface="Open Sans 1 Bold" panose="020B0604020202020204" charset="0"/>
+      <p:regular r:id="rId21"/>
+    </p:embeddedFont>
+    <p:embeddedFont>
       <p:font typeface="Calibri" panose="020F0502020204030204" pitchFamily="34" charset="0"/>
-      <p:regular r:id="rId21"/>
-      <p:bold r:id="rId22"/>
-      <p:italic r:id="rId23"/>
-      <p:boldItalic r:id="rId24"/>
+      <p:regular r:id="rId22"/>
+      <p:bold r:id="rId23"/>
+      <p:italic r:id="rId24"/>
+      <p:boldItalic r:id="rId25"/>
     </p:embeddedFont>
     <p:embeddedFont>
       <p:font typeface="Open Sans 1" panose="020B0604020202020204" charset="0"/>
-      <p:regular r:id="rId25"/>
-    </p:embeddedFont>
-    <p:embeddedFont>
-      <p:font typeface="Open Sans 1 Bold" panose="020B0604020202020204" charset="0"/>
       <p:regular r:id="rId26"/>
     </p:embeddedFont>
     <p:embeddedFont>
-      <p:font typeface="Open Sans 2" panose="020B0604020202020204" charset="0"/>
+      <p:font typeface="Open Sans Light" panose="020B0604020202020204" charset="0"/>
       <p:regular r:id="rId27"/>
     </p:embeddedFont>
     <p:embeddedFont>
-      <p:font typeface="Open Sans Light" panose="020B0604020202020204" charset="0"/>
+      <p:font typeface="Open Sans 2" panose="020B0604020202020204" charset="0"/>
       <p:regular r:id="rId28"/>
     </p:embeddedFont>
   </p:embeddedFontLst>
@@ -13946,7 +13946,7 @@
         <p:spPr>
           <a:xfrm>
             <a:off x="1651886" y="3925517"/>
-            <a:ext cx="9645514" cy="3580765"/>
+            <a:ext cx="9645514" cy="3077766"/>
           </a:xfrm>
           <a:prstGeom prst="rect">
             <a:avLst/>
@@ -13957,6 +13957,51 @@
             <a:spAutoFit/>
           </a:bodyPr>
           <a:lstStyle/>
+          <a:p>
+            <a:pPr marL="457200" indent="-457200" algn="just">
+              <a:lnSpc>
+                <a:spcPts val="4759"/>
+              </a:lnSpc>
+              <a:buClr>
+                <a:srgbClr val="FF0000"/>
+              </a:buClr>
+              <a:buFont typeface="Wingdings" panose="05000000000000000000" pitchFamily="2" charset="2"/>
+              <a:buChar char="ü"/>
+            </a:pPr>
+            <a:r>
+              <a:rPr lang="en-US" sz="3400" dirty="0" err="1" smtClean="0">
+                <a:solidFill>
+                  <a:srgbClr val="000000"/>
+                </a:solidFill>
+                <a:latin typeface="Open Sans Light"/>
+              </a:rPr>
+              <a:t>Soluções</a:t>
+            </a:r>
+            <a:r>
+              <a:rPr lang="en-US" sz="3400" dirty="0" smtClean="0">
+                <a:solidFill>
+                  <a:srgbClr val="000000"/>
+                </a:solidFill>
+                <a:latin typeface="Open Sans Light"/>
+              </a:rPr>
+              <a:t>  de </a:t>
+            </a:r>
+            <a:r>
+              <a:rPr lang="en-US" sz="3400" dirty="0" err="1" smtClean="0">
+                <a:solidFill>
+                  <a:srgbClr val="000000"/>
+                </a:solidFill>
+                <a:latin typeface="Open Sans Light"/>
+              </a:rPr>
+              <a:t>monitoramento</a:t>
+            </a:r>
+            <a:endParaRPr lang="en-US" sz="3400" dirty="0" smtClean="0">
+              <a:solidFill>
+                <a:srgbClr val="000000"/>
+              </a:solidFill>
+              <a:latin typeface="Open Sans Light"/>
+            </a:endParaRPr>
+          </a:p>
           <a:p>
             <a:pPr algn="just">
               <a:lnSpc>
@@ -13964,14 +14009,61 @@
               </a:lnSpc>
             </a:pPr>
             <a:r>
-              <a:rPr lang="en-US" sz="3400" dirty="0">
+              <a:rPr lang="en-US" sz="3400" dirty="0" smtClean="0">
                 <a:solidFill>
                   <a:srgbClr val="000000"/>
                 </a:solidFill>
                 <a:latin typeface="Open Sans Light"/>
               </a:rPr>
-              <a:t>It is a long established fact that a reader will be distracted by the readable content of a page when looking at its layout. The point of using Lorem Ipsum is that it has a more-or-less normal distribution of letters, as opposed to using 'Content here, content here',</a:t>
-            </a:r>
+              <a:t>  </a:t>
+            </a:r>
+          </a:p>
+          <a:p>
+            <a:pPr marL="457200" indent="-457200" algn="just">
+              <a:lnSpc>
+                <a:spcPts val="4759"/>
+              </a:lnSpc>
+              <a:buClr>
+                <a:srgbClr val="FF0000"/>
+              </a:buClr>
+              <a:buFont typeface="Wingdings" panose="05000000000000000000" pitchFamily="2" charset="2"/>
+              <a:buChar char="ü"/>
+            </a:pPr>
+            <a:r>
+              <a:rPr lang="en-US" sz="3400" dirty="0" smtClean="0">
+                <a:solidFill>
+                  <a:srgbClr val="000000"/>
+                </a:solidFill>
+                <a:latin typeface="Open Sans Light"/>
+              </a:rPr>
+              <a:t>Call center </a:t>
+            </a:r>
+          </a:p>
+          <a:p>
+            <a:pPr algn="just">
+              <a:lnSpc>
+                <a:spcPts val="4759"/>
+              </a:lnSpc>
+            </a:pPr>
+            <a:endParaRPr lang="en-US" sz="3400" dirty="0" smtClean="0">
+              <a:solidFill>
+                <a:srgbClr val="000000"/>
+              </a:solidFill>
+              <a:latin typeface="Open Sans Light"/>
+            </a:endParaRPr>
+          </a:p>
+          <a:p>
+            <a:pPr algn="just">
+              <a:lnSpc>
+                <a:spcPts val="4759"/>
+              </a:lnSpc>
+            </a:pPr>
+            <a:endParaRPr lang="en-US" sz="3400" dirty="0">
+              <a:solidFill>
+                <a:srgbClr val="000000"/>
+              </a:solidFill>
+              <a:latin typeface="Open Sans Light"/>
+            </a:endParaRPr>
           </a:p>
         </p:txBody>
       </p:sp>
@@ -14300,7 +14392,7 @@
         <p:spPr>
           <a:xfrm>
             <a:off x="6996806" y="4106131"/>
-            <a:ext cx="9645514" cy="3580765"/>
+            <a:ext cx="9645514" cy="4308872"/>
           </a:xfrm>
           <a:prstGeom prst="rect">
             <a:avLst/>
@@ -14312,20 +14404,208 @@
           </a:bodyPr>
           <a:lstStyle/>
           <a:p>
-            <a:pPr algn="just">
+            <a:pPr marL="457200" indent="-457200" algn="just">
               <a:lnSpc>
                 <a:spcPts val="4759"/>
               </a:lnSpc>
+              <a:buClr>
+                <a:srgbClr val="FF0000"/>
+              </a:buClr>
+              <a:buFont typeface="Wingdings" panose="05000000000000000000" pitchFamily="2" charset="2"/>
+              <a:buChar char="ü"/>
             </a:pPr>
             <a:r>
-              <a:rPr lang="en-US" sz="3400">
+              <a:rPr lang="en-US" sz="3400" dirty="0" smtClean="0">
                 <a:solidFill>
                   <a:srgbClr val="000000"/>
                 </a:solidFill>
                 <a:latin typeface="Open Sans Light"/>
               </a:rPr>
-              <a:t>It is a long established fact that a reader will be distracted by the readable content of a page when looking at its layout. The point of using Lorem Ipsum is that it has a more-or-less normal distribution of letters, as opposed to using 'Content here, content here',</a:t>
-            </a:r>
+              <a:t>E – consulting</a:t>
+            </a:r>
+            <a:endParaRPr lang="en-US" sz="3400" dirty="0">
+              <a:solidFill>
+                <a:srgbClr val="000000"/>
+              </a:solidFill>
+              <a:latin typeface="Open Sans Light"/>
+            </a:endParaRPr>
+          </a:p>
+          <a:p>
+            <a:pPr marL="457200" indent="-457200" algn="just">
+              <a:lnSpc>
+                <a:spcPts val="4759"/>
+              </a:lnSpc>
+              <a:buClr>
+                <a:srgbClr val="FF0000"/>
+              </a:buClr>
+              <a:buFont typeface="Arial" panose="020B0604020202020204" pitchFamily="34" charset="0"/>
+              <a:buChar char="•"/>
+            </a:pPr>
+            <a:r>
+              <a:rPr lang="en-US" sz="3400" dirty="0" smtClean="0">
+                <a:solidFill>
+                  <a:srgbClr val="000000"/>
+                </a:solidFill>
+                <a:latin typeface="Open Sans Light"/>
+              </a:rPr>
+              <a:t>54.14 </a:t>
+            </a:r>
+            <a:r>
+              <a:rPr lang="en-US" sz="3400" dirty="0" err="1" smtClean="0">
+                <a:solidFill>
+                  <a:srgbClr val="000000"/>
+                </a:solidFill>
+                <a:latin typeface="Open Sans Light"/>
+              </a:rPr>
+              <a:t>bilhões</a:t>
+            </a:r>
+            <a:endParaRPr lang="en-US" sz="3400" dirty="0" smtClean="0">
+              <a:solidFill>
+                <a:srgbClr val="000000"/>
+              </a:solidFill>
+              <a:latin typeface="Open Sans Light"/>
+            </a:endParaRPr>
+          </a:p>
+          <a:p>
+            <a:pPr marL="457200" indent="-457200" algn="just">
+              <a:lnSpc>
+                <a:spcPts val="4759"/>
+              </a:lnSpc>
+              <a:buClr>
+                <a:srgbClr val="FF0000"/>
+              </a:buClr>
+              <a:buFont typeface="Arial" panose="020B0604020202020204" pitchFamily="34" charset="0"/>
+              <a:buChar char="•"/>
+            </a:pPr>
+            <a:r>
+              <a:rPr lang="en-US" sz="3400" dirty="0" err="1" smtClean="0">
+                <a:solidFill>
+                  <a:srgbClr val="000000"/>
+                </a:solidFill>
+                <a:latin typeface="Open Sans Light"/>
+              </a:rPr>
+              <a:t>Queda</a:t>
+            </a:r>
+            <a:r>
+              <a:rPr lang="en-US" sz="3400" dirty="0" smtClean="0">
+                <a:solidFill>
+                  <a:srgbClr val="000000"/>
+                </a:solidFill>
+                <a:latin typeface="Open Sans Light"/>
+              </a:rPr>
+              <a:t> de 22%</a:t>
+            </a:r>
+          </a:p>
+          <a:p>
+            <a:pPr marL="457200" indent="-457200" algn="just">
+              <a:lnSpc>
+                <a:spcPts val="4759"/>
+              </a:lnSpc>
+              <a:buClr>
+                <a:srgbClr val="FF0000"/>
+              </a:buClr>
+              <a:buFont typeface="Arial" panose="020B0604020202020204" pitchFamily="34" charset="0"/>
+              <a:buChar char="•"/>
+            </a:pPr>
+            <a:endParaRPr lang="en-US" sz="3400" dirty="0">
+              <a:solidFill>
+                <a:srgbClr val="000000"/>
+              </a:solidFill>
+              <a:latin typeface="Open Sans Light"/>
+            </a:endParaRPr>
+          </a:p>
+          <a:p>
+            <a:pPr marL="457200" indent="-457200" algn="just">
+              <a:lnSpc>
+                <a:spcPts val="4759"/>
+              </a:lnSpc>
+              <a:buClr>
+                <a:srgbClr val="FF0000"/>
+              </a:buClr>
+              <a:buFont typeface="Wingdings" panose="05000000000000000000" pitchFamily="2" charset="2"/>
+              <a:buChar char="ü"/>
+            </a:pPr>
+            <a:r>
+              <a:rPr lang="en-US" sz="3400" dirty="0" smtClean="0">
+                <a:solidFill>
+                  <a:srgbClr val="000000"/>
+                </a:solidFill>
+                <a:latin typeface="Open Sans Light"/>
+              </a:rPr>
+              <a:t>Neo assist com </a:t>
+            </a:r>
+            <a:r>
+              <a:rPr lang="en-US" sz="3400" dirty="0" err="1" smtClean="0">
+                <a:solidFill>
+                  <a:srgbClr val="000000"/>
+                </a:solidFill>
+                <a:latin typeface="Open Sans Light"/>
+              </a:rPr>
+              <a:t>apoio</a:t>
+            </a:r>
+            <a:r>
+              <a:rPr lang="en-US" sz="3400" dirty="0" smtClean="0">
+                <a:solidFill>
+                  <a:srgbClr val="000000"/>
+                </a:solidFill>
+                <a:latin typeface="Open Sans Light"/>
+              </a:rPr>
+              <a:t> do CSA academy</a:t>
+            </a:r>
+          </a:p>
+          <a:p>
+            <a:pPr marL="457200" indent="-457200" algn="just">
+              <a:lnSpc>
+                <a:spcPts val="4759"/>
+              </a:lnSpc>
+              <a:buClr>
+                <a:srgbClr val="FF0000"/>
+              </a:buClr>
+              <a:buFont typeface="Arial" panose="020B0604020202020204" pitchFamily="34" charset="0"/>
+              <a:buChar char="•"/>
+            </a:pPr>
+            <a:r>
+              <a:rPr lang="en-US" sz="3400" dirty="0" smtClean="0">
+                <a:solidFill>
+                  <a:srgbClr val="000000"/>
+                </a:solidFill>
+                <a:latin typeface="Open Sans Light"/>
+              </a:rPr>
+              <a:t> Alta </a:t>
+            </a:r>
+            <a:r>
+              <a:rPr lang="en-US" sz="3400" dirty="0" err="1" smtClean="0">
+                <a:solidFill>
+                  <a:srgbClr val="000000"/>
+                </a:solidFill>
+                <a:latin typeface="Open Sans Light"/>
+              </a:rPr>
+              <a:t>demanda</a:t>
+            </a:r>
+            <a:endParaRPr lang="en-US" sz="3400" dirty="0" smtClean="0">
+              <a:solidFill>
+                <a:srgbClr val="000000"/>
+              </a:solidFill>
+              <a:latin typeface="Open Sans Light"/>
+            </a:endParaRPr>
+          </a:p>
+          <a:p>
+            <a:pPr marL="457200" indent="-457200" algn="just">
+              <a:lnSpc>
+                <a:spcPts val="4759"/>
+              </a:lnSpc>
+              <a:buClr>
+                <a:srgbClr val="FF0000"/>
+              </a:buClr>
+              <a:buFont typeface="Wingdings" panose="05000000000000000000" pitchFamily="2" charset="2"/>
+              <a:buChar char="ü"/>
+            </a:pPr>
+            <a:endParaRPr lang="en-US" sz="3400" dirty="0" smtClean="0">
+              <a:solidFill>
+                <a:srgbClr val="000000"/>
+              </a:solidFill>
+              <a:latin typeface="Open Sans Light"/>
+            </a:endParaRPr>
           </a:p>
         </p:txBody>
       </p:sp>

--- a/Documentação/Pyxis.pptx
+++ b/Documentação/Pyxis.pptx
@@ -31,26 +31,26 @@
   <p:notesSz cx="6858000" cy="9144000"/>
   <p:embeddedFontLst>
     <p:embeddedFont>
-      <p:font typeface="Open Sans 1 Bold" panose="020B0604020202020204" charset="0"/>
+      <p:font typeface="Calibri" panose="020F0502020204030204" pitchFamily="34" charset="0"/>
       <p:regular r:id="rId21"/>
-    </p:embeddedFont>
-    <p:embeddedFont>
-      <p:font typeface="Calibri" panose="020F0502020204030204" pitchFamily="34" charset="0"/>
-      <p:regular r:id="rId22"/>
-      <p:bold r:id="rId23"/>
-      <p:italic r:id="rId24"/>
-      <p:boldItalic r:id="rId25"/>
+      <p:bold r:id="rId22"/>
+      <p:italic r:id="rId23"/>
+      <p:boldItalic r:id="rId24"/>
     </p:embeddedFont>
     <p:embeddedFont>
       <p:font typeface="Open Sans 1" panose="020B0604020202020204" charset="0"/>
+      <p:regular r:id="rId25"/>
+    </p:embeddedFont>
+    <p:embeddedFont>
+      <p:font typeface="Open Sans 1 Bold" panose="020B0604020202020204" charset="0"/>
       <p:regular r:id="rId26"/>
     </p:embeddedFont>
     <p:embeddedFont>
-      <p:font typeface="Open Sans Light" panose="020B0604020202020204" charset="0"/>
+      <p:font typeface="Open Sans 2" panose="020B0604020202020204" charset="0"/>
       <p:regular r:id="rId27"/>
     </p:embeddedFont>
     <p:embeddedFont>
-      <p:font typeface="Open Sans 2" panose="020B0604020202020204" charset="0"/>
+      <p:font typeface="Open Sans Light" panose="020B0604020202020204" charset="0"/>
       <p:regular r:id="rId28"/>
     </p:embeddedFont>
   </p:embeddedFontLst>
@@ -250,7 +250,7 @@
           <a:p>
             <a:fld id="{25546482-23BF-4BE9-A54E-CFB4513F4A08}" type="datetimeFigureOut">
               <a:rPr lang="pt-BR" smtClean="0"/>
-              <a:t>15/09/2020</a:t>
+              <a:t>16/09/2020</a:t>
             </a:fld>
             <a:endParaRPr lang="pt-BR"/>
           </a:p>
@@ -697,7 +697,7 @@
             <a:fld id="{1D8BD707-D9CF-40AE-B4C6-C98DA3205C09}" type="datetimeFigureOut">
               <a:rPr lang="en-US" smtClean="0"/>
               <a:pPr/>
-              <a:t>9/15/2020</a:t>
+              <a:t>9/16/2020</a:t>
             </a:fld>
             <a:endParaRPr lang="en-US"/>
           </a:p>
@@ -862,7 +862,7 @@
             <a:fld id="{1D8BD707-D9CF-40AE-B4C6-C98DA3205C09}" type="datetimeFigureOut">
               <a:rPr lang="en-US" smtClean="0"/>
               <a:pPr/>
-              <a:t>9/15/2020</a:t>
+              <a:t>9/16/2020</a:t>
             </a:fld>
             <a:endParaRPr lang="en-US"/>
           </a:p>
@@ -1037,7 +1037,7 @@
             <a:fld id="{1D8BD707-D9CF-40AE-B4C6-C98DA3205C09}" type="datetimeFigureOut">
               <a:rPr lang="en-US" smtClean="0"/>
               <a:pPr/>
-              <a:t>9/15/2020</a:t>
+              <a:t>9/16/2020</a:t>
             </a:fld>
             <a:endParaRPr lang="en-US"/>
           </a:p>
@@ -1202,7 +1202,7 @@
             <a:fld id="{1D8BD707-D9CF-40AE-B4C6-C98DA3205C09}" type="datetimeFigureOut">
               <a:rPr lang="en-US" smtClean="0"/>
               <a:pPr/>
-              <a:t>9/15/2020</a:t>
+              <a:t>9/16/2020</a:t>
             </a:fld>
             <a:endParaRPr lang="en-US"/>
           </a:p>
@@ -1444,7 +1444,7 @@
             <a:fld id="{1D8BD707-D9CF-40AE-B4C6-C98DA3205C09}" type="datetimeFigureOut">
               <a:rPr lang="en-US" smtClean="0"/>
               <a:pPr/>
-              <a:t>9/15/2020</a:t>
+              <a:t>9/16/2020</a:t>
             </a:fld>
             <a:endParaRPr lang="en-US"/>
           </a:p>
@@ -1726,7 +1726,7 @@
             <a:fld id="{1D8BD707-D9CF-40AE-B4C6-C98DA3205C09}" type="datetimeFigureOut">
               <a:rPr lang="en-US" smtClean="0"/>
               <a:pPr/>
-              <a:t>9/15/2020</a:t>
+              <a:t>9/16/2020</a:t>
             </a:fld>
             <a:endParaRPr lang="en-US"/>
           </a:p>
@@ -2142,7 +2142,7 @@
             <a:fld id="{1D8BD707-D9CF-40AE-B4C6-C98DA3205C09}" type="datetimeFigureOut">
               <a:rPr lang="en-US" smtClean="0"/>
               <a:pPr/>
-              <a:t>9/15/2020</a:t>
+              <a:t>9/16/2020</a:t>
             </a:fld>
             <a:endParaRPr lang="en-US"/>
           </a:p>
@@ -2256,7 +2256,7 @@
             <a:fld id="{1D8BD707-D9CF-40AE-B4C6-C98DA3205C09}" type="datetimeFigureOut">
               <a:rPr lang="en-US" smtClean="0"/>
               <a:pPr/>
-              <a:t>9/15/2020</a:t>
+              <a:t>9/16/2020</a:t>
             </a:fld>
             <a:endParaRPr lang="en-US"/>
           </a:p>
@@ -2348,7 +2348,7 @@
             <a:fld id="{1D8BD707-D9CF-40AE-B4C6-C98DA3205C09}" type="datetimeFigureOut">
               <a:rPr lang="en-US" smtClean="0"/>
               <a:pPr/>
-              <a:t>9/15/2020</a:t>
+              <a:t>9/16/2020</a:t>
             </a:fld>
             <a:endParaRPr lang="en-US"/>
           </a:p>
@@ -2620,7 +2620,7 @@
             <a:fld id="{1D8BD707-D9CF-40AE-B4C6-C98DA3205C09}" type="datetimeFigureOut">
               <a:rPr lang="en-US" smtClean="0"/>
               <a:pPr/>
-              <a:t>9/15/2020</a:t>
+              <a:t>9/16/2020</a:t>
             </a:fld>
             <a:endParaRPr lang="en-US"/>
           </a:p>
@@ -2869,7 +2869,7 @@
             <a:fld id="{1D8BD707-D9CF-40AE-B4C6-C98DA3205C09}" type="datetimeFigureOut">
               <a:rPr lang="en-US" smtClean="0"/>
               <a:pPr/>
-              <a:t>9/15/2020</a:t>
+              <a:t>9/16/2020</a:t>
             </a:fld>
             <a:endParaRPr lang="en-US"/>
           </a:p>
@@ -3077,7 +3077,7 @@
             <a:fld id="{1D8BD707-D9CF-40AE-B4C6-C98DA3205C09}" type="datetimeFigureOut">
               <a:rPr lang="en-US" smtClean="0"/>
               <a:pPr/>
-              <a:t>9/15/2020</a:t>
+              <a:t>9/16/2020</a:t>
             </a:fld>
             <a:endParaRPr lang="en-US"/>
           </a:p>
@@ -5105,7 +5105,7 @@
                 </a:solidFill>
                 <a:latin typeface="Open Sans 1 Bold"/>
               </a:rPr>
-              <a:t>Storie</a:t>
+              <a:t>Story</a:t>
             </a:r>
             <a:r>
               <a:rPr lang="pt-BR" sz="2400" dirty="0">
@@ -5247,7 +5247,7 @@
                 </a:solidFill>
                 <a:latin typeface="Open Sans 1 Bold"/>
               </a:rPr>
-              <a:t>Storie</a:t>
+              <a:t>Story</a:t>
             </a:r>
             <a:r>
               <a:rPr lang="pt-BR" sz="2400" dirty="0">
@@ -5389,7 +5389,7 @@
                 </a:solidFill>
                 <a:latin typeface="Open Sans 1 Bold"/>
               </a:rPr>
-              <a:t>Storie</a:t>
+              <a:t>Story</a:t>
             </a:r>
             <a:r>
               <a:rPr lang="pt-BR" sz="2400" dirty="0">
@@ -5531,7 +5531,7 @@
                 </a:solidFill>
                 <a:latin typeface="Open Sans 1 Bold"/>
               </a:rPr>
-              <a:t>Storie</a:t>
+              <a:t>Story</a:t>
             </a:r>
             <a:r>
               <a:rPr lang="pt-BR" sz="2400" dirty="0">
@@ -6842,7 +6842,7 @@
                 <a:ea typeface="Open Sans Light" panose="020B0604020202020204" charset="0"/>
                 <a:cs typeface="Open Sans Light" panose="020B0604020202020204" charset="0"/>
               </a:rPr>
-              <a:t>Monitorar Maquinas</a:t>
+              <a:t>Monitorar Máquinas</a:t>
             </a:r>
           </a:p>
         </p:txBody>
@@ -6960,7 +6960,7 @@
                 <a:ea typeface="Open Sans Light" panose="020B0604020202020204" charset="0"/>
                 <a:cs typeface="Open Sans Light" panose="020B0604020202020204" charset="0"/>
               </a:rPr>
-              <a:t>Manutenção das Maquinas</a:t>
+              <a:t>Manutenção das Máquinas</a:t>
             </a:r>
           </a:p>
         </p:txBody>
@@ -7432,7 +7432,7 @@
           <a:p>
             <a:pPr algn="ctr"/>
             <a:r>
-              <a:rPr lang="pt-BR" sz="2400" dirty="0" err="1">
+              <a:rPr lang="pt-BR" sz="2400" dirty="0">
                 <a:solidFill>
                   <a:schemeClr val="tx1">
                     <a:lumMod val="65000"/>
@@ -7443,21 +7443,7 @@
                 <a:ea typeface="Open Sans Light" panose="020B0604020202020204" charset="0"/>
                 <a:cs typeface="Open Sans Light" panose="020B0604020202020204" charset="0"/>
               </a:rPr>
-              <a:t>Midia</a:t>
-            </a:r>
-            <a:r>
-              <a:rPr lang="pt-BR" sz="2400" dirty="0">
-                <a:solidFill>
-                  <a:schemeClr val="tx1">
-                    <a:lumMod val="65000"/>
-                    <a:lumOff val="35000"/>
-                  </a:schemeClr>
-                </a:solidFill>
-                <a:latin typeface="Open Sans Light" panose="020B0604020202020204" charset="0"/>
-                <a:ea typeface="Open Sans Light" panose="020B0604020202020204" charset="0"/>
-                <a:cs typeface="Open Sans Light" panose="020B0604020202020204" charset="0"/>
-              </a:rPr>
-              <a:t> Social</a:t>
+              <a:t>Mídia Social</a:t>
             </a:r>
           </a:p>
         </p:txBody>
@@ -12012,7 +11998,7 @@
         <p:spPr>
           <a:xfrm>
             <a:off x="1028700" y="3190875"/>
-            <a:ext cx="9577510" cy="3323987"/>
+            <a:ext cx="9577510" cy="3166123"/>
           </a:xfrm>
           <a:prstGeom prst="rect">
             <a:avLst/>
@@ -12041,7 +12027,7 @@
                 </a:solidFill>
                 <a:latin typeface="Open Sans Light"/>
               </a:rPr>
-              <a:t>CallCenter</a:t>
+              <a:t>Call</a:t>
             </a:r>
             <a:r>
               <a:rPr lang="pt-BR" sz="3600" dirty="0">
@@ -12050,7 +12036,7 @@
                 </a:solidFill>
                 <a:latin typeface="Open Sans Light"/>
               </a:rPr>
-              <a:t>;</a:t>
+              <a:t> Center;</a:t>
             </a:r>
           </a:p>
           <a:p>
@@ -13183,6 +13169,24 @@
                 </a:solidFill>
                 <a:latin typeface="Open Sans Light"/>
               </a:rPr>
+              <a:t> por </a:t>
+            </a:r>
+            <a:r>
+              <a:rPr lang="en-US" sz="4800" dirty="0" err="1">
+                <a:solidFill>
+                  <a:srgbClr val="000000"/>
+                </a:solidFill>
+                <a:latin typeface="Open Sans Light"/>
+              </a:rPr>
+              <a:t>toda</a:t>
+            </a:r>
+            <a:r>
+              <a:rPr lang="en-US" sz="4800" dirty="0">
+                <a:solidFill>
+                  <a:srgbClr val="000000"/>
+                </a:solidFill>
+                <a:latin typeface="Open Sans Light"/>
+              </a:rPr>
               <a:t> </a:t>
             </a:r>
             <a:r>
@@ -13192,7 +13196,7 @@
                 </a:solidFill>
                 <a:latin typeface="Open Sans Light"/>
               </a:rPr>
-              <a:t>por</a:t>
+              <a:t>ajuda</a:t>
             </a:r>
             <a:r>
               <a:rPr lang="en-US" sz="4800" dirty="0">
@@ -13201,7 +13205,7 @@
                 </a:solidFill>
                 <a:latin typeface="Open Sans Light"/>
               </a:rPr>
-              <a:t> </a:t>
+              <a:t> e </a:t>
             </a:r>
             <a:r>
               <a:rPr lang="en-US" sz="4800" dirty="0" err="1">
@@ -13210,7 +13214,7 @@
                 </a:solidFill>
                 <a:latin typeface="Open Sans Light"/>
               </a:rPr>
-              <a:t>toda</a:t>
+              <a:t>apoio</a:t>
             </a:r>
             <a:r>
               <a:rPr lang="en-US" sz="4800" dirty="0">
@@ -13219,43 +13223,7 @@
                 </a:solidFill>
                 <a:latin typeface="Open Sans Light"/>
               </a:rPr>
-              <a:t> </a:t>
-            </a:r>
-            <a:r>
-              <a:rPr lang="en-US" sz="4800" dirty="0" err="1">
-                <a:solidFill>
-                  <a:srgbClr val="000000"/>
-                </a:solidFill>
-                <a:latin typeface="Open Sans Light"/>
-              </a:rPr>
-              <a:t>ajuda</a:t>
-            </a:r>
-            <a:r>
-              <a:rPr lang="en-US" sz="4800" dirty="0">
-                <a:solidFill>
-                  <a:srgbClr val="000000"/>
-                </a:solidFill>
-                <a:latin typeface="Open Sans Light"/>
-              </a:rPr>
-              <a:t> e </a:t>
-            </a:r>
-            <a:r>
-              <a:rPr lang="en-US" sz="4800" dirty="0" err="1">
-                <a:solidFill>
-                  <a:srgbClr val="000000"/>
-                </a:solidFill>
-                <a:latin typeface="Open Sans Light"/>
-              </a:rPr>
-              <a:t>apoio</a:t>
-            </a:r>
-            <a:r>
-              <a:rPr lang="en-US" sz="4800" dirty="0">
-                <a:solidFill>
-                  <a:srgbClr val="000000"/>
-                </a:solidFill>
-                <a:latin typeface="Open Sans Light"/>
-              </a:rPr>
-              <a:t> e </a:t>
+              <a:t>, e </a:t>
             </a:r>
             <a:r>
               <a:rPr lang="en-US" sz="4800" dirty="0" err="1">
@@ -13969,7 +13937,7 @@
               <a:buChar char="ü"/>
             </a:pPr>
             <a:r>
-              <a:rPr lang="en-US" sz="3400" dirty="0" err="1" smtClean="0">
+              <a:rPr lang="en-US" sz="3400" dirty="0" err="1">
                 <a:solidFill>
                   <a:srgbClr val="000000"/>
                 </a:solidFill>
@@ -13978,7 +13946,7 @@
               <a:t>Soluções</a:t>
             </a:r>
             <a:r>
-              <a:rPr lang="en-US" sz="3400" dirty="0" smtClean="0">
+              <a:rPr lang="en-US" sz="3400" dirty="0">
                 <a:solidFill>
                   <a:srgbClr val="000000"/>
                 </a:solidFill>
@@ -13987,7 +13955,7 @@
               <a:t>  de </a:t>
             </a:r>
             <a:r>
-              <a:rPr lang="en-US" sz="3400" dirty="0" err="1" smtClean="0">
+              <a:rPr lang="en-US" sz="3400" dirty="0" err="1">
                 <a:solidFill>
                   <a:srgbClr val="000000"/>
                 </a:solidFill>
@@ -13995,12 +13963,15 @@
               </a:rPr>
               <a:t>monitoramento</a:t>
             </a:r>
-            <a:endParaRPr lang="en-US" sz="3400" dirty="0" smtClean="0">
-              <a:solidFill>
-                <a:srgbClr val="000000"/>
-              </a:solidFill>
-              <a:latin typeface="Open Sans Light"/>
-            </a:endParaRPr>
+            <a:r>
+              <a:rPr lang="en-US" sz="3400" dirty="0">
+                <a:solidFill>
+                  <a:srgbClr val="000000"/>
+                </a:solidFill>
+                <a:latin typeface="Open Sans Light"/>
+              </a:rPr>
+              <a:t>;</a:t>
+            </a:r>
           </a:p>
           <a:p>
             <a:pPr algn="just">
@@ -14009,7 +13980,7 @@
               </a:lnSpc>
             </a:pPr>
             <a:r>
-              <a:rPr lang="en-US" sz="3400" dirty="0" smtClean="0">
+              <a:rPr lang="en-US" sz="3400" dirty="0">
                 <a:solidFill>
                   <a:srgbClr val="000000"/>
                 </a:solidFill>
@@ -14030,13 +14001,13 @@
               <a:buChar char="ü"/>
             </a:pPr>
             <a:r>
-              <a:rPr lang="en-US" sz="3400" dirty="0" smtClean="0">
+              <a:rPr lang="en-US" sz="3400" dirty="0">
                 <a:solidFill>
                   <a:srgbClr val="000000"/>
                 </a:solidFill>
                 <a:latin typeface="Open Sans Light"/>
               </a:rPr>
-              <a:t>Call center </a:t>
+              <a:t>Call center. </a:t>
             </a:r>
           </a:p>
           <a:p>
@@ -14045,7 +14016,7 @@
                 <a:spcPts val="4759"/>
               </a:lnSpc>
             </a:pPr>
-            <a:endParaRPr lang="en-US" sz="3400" dirty="0" smtClean="0">
+            <a:endParaRPr lang="en-US" sz="3400" dirty="0">
               <a:solidFill>
                 <a:srgbClr val="000000"/>
               </a:solidFill>
@@ -14415,23 +14386,17 @@
               <a:buChar char="ü"/>
             </a:pPr>
             <a:r>
-              <a:rPr lang="en-US" sz="3400" dirty="0" smtClean="0">
+              <a:rPr lang="en-US" sz="3400" dirty="0">
                 <a:solidFill>
                   <a:srgbClr val="000000"/>
                 </a:solidFill>
                 <a:latin typeface="Open Sans Light"/>
               </a:rPr>
-              <a:t>E – consulting</a:t>
-            </a:r>
-            <a:endParaRPr lang="en-US" sz="3400" dirty="0">
-              <a:solidFill>
-                <a:srgbClr val="000000"/>
-              </a:solidFill>
-              <a:latin typeface="Open Sans Light"/>
-            </a:endParaRPr>
-          </a:p>
-          <a:p>
-            <a:pPr marL="457200" indent="-457200" algn="just">
+              <a:t>E – consulting:</a:t>
+            </a:r>
+          </a:p>
+          <a:p>
+            <a:pPr marL="987425" indent="-457200" algn="just">
               <a:lnSpc>
                 <a:spcPts val="4759"/>
               </a:lnSpc>
@@ -14442,16 +14407,16 @@
               <a:buChar char="•"/>
             </a:pPr>
             <a:r>
-              <a:rPr lang="en-US" sz="3400" dirty="0" smtClean="0">
+              <a:rPr lang="en-US" sz="3400" dirty="0">
                 <a:solidFill>
                   <a:srgbClr val="000000"/>
                 </a:solidFill>
                 <a:latin typeface="Open Sans Light"/>
               </a:rPr>
-              <a:t>54.14 </a:t>
-            </a:r>
-            <a:r>
-              <a:rPr lang="en-US" sz="3400" dirty="0" err="1" smtClean="0">
+              <a:t>R$ 54.14 </a:t>
+            </a:r>
+            <a:r>
+              <a:rPr lang="en-US" sz="3400" dirty="0" err="1">
                 <a:solidFill>
                   <a:srgbClr val="000000"/>
                 </a:solidFill>
@@ -14459,15 +14424,18 @@
               </a:rPr>
               <a:t>bilhões</a:t>
             </a:r>
-            <a:endParaRPr lang="en-US" sz="3400" dirty="0" smtClean="0">
-              <a:solidFill>
-                <a:srgbClr val="000000"/>
-              </a:solidFill>
-              <a:latin typeface="Open Sans Light"/>
-            </a:endParaRPr>
-          </a:p>
-          <a:p>
-            <a:pPr marL="457200" indent="-457200" algn="just">
+            <a:r>
+              <a:rPr lang="en-US" sz="3400" dirty="0">
+                <a:solidFill>
+                  <a:srgbClr val="000000"/>
+                </a:solidFill>
+                <a:latin typeface="Open Sans Light"/>
+              </a:rPr>
+              <a:t>;</a:t>
+            </a:r>
+          </a:p>
+          <a:p>
+            <a:pPr marL="987425" indent="-457200" algn="just">
               <a:lnSpc>
                 <a:spcPts val="4759"/>
               </a:lnSpc>
@@ -14478,7 +14446,7 @@
               <a:buChar char="•"/>
             </a:pPr>
             <a:r>
-              <a:rPr lang="en-US" sz="3400" dirty="0" err="1" smtClean="0">
+              <a:rPr lang="en-US" sz="3400" dirty="0" err="1">
                 <a:solidFill>
                   <a:srgbClr val="000000"/>
                 </a:solidFill>
@@ -14487,13 +14455,13 @@
               <a:t>Queda</a:t>
             </a:r>
             <a:r>
-              <a:rPr lang="en-US" sz="3400" dirty="0" smtClean="0">
+              <a:rPr lang="en-US" sz="3400" dirty="0">
                 <a:solidFill>
                   <a:srgbClr val="000000"/>
                 </a:solidFill>
                 <a:latin typeface="Open Sans Light"/>
               </a:rPr>
-              <a:t> de 22%</a:t>
+              <a:t> de 22%.</a:t>
             </a:r>
           </a:p>
           <a:p>
@@ -14526,35 +14494,44 @@
               <a:buChar char="ü"/>
             </a:pPr>
             <a:r>
-              <a:rPr lang="en-US" sz="3400" dirty="0" smtClean="0">
+              <a:rPr lang="en-US" sz="3400" dirty="0" err="1">
                 <a:solidFill>
                   <a:srgbClr val="000000"/>
                 </a:solidFill>
                 <a:latin typeface="Open Sans Light"/>
               </a:rPr>
-              <a:t>Neo assist com </a:t>
-            </a:r>
-            <a:r>
-              <a:rPr lang="en-US" sz="3400" dirty="0" err="1" smtClean="0">
+              <a:t>NeoAssist</a:t>
+            </a:r>
+            <a:r>
+              <a:rPr lang="en-US" sz="3400" dirty="0">
                 <a:solidFill>
                   <a:srgbClr val="000000"/>
                 </a:solidFill>
                 <a:latin typeface="Open Sans Light"/>
               </a:rPr>
+              <a:t> com </a:t>
+            </a:r>
+            <a:r>
+              <a:rPr lang="en-US" sz="3400" dirty="0" err="1">
+                <a:solidFill>
+                  <a:srgbClr val="000000"/>
+                </a:solidFill>
+                <a:latin typeface="Open Sans Light"/>
+              </a:rPr>
               <a:t>apoio</a:t>
             </a:r>
             <a:r>
-              <a:rPr lang="en-US" sz="3400" dirty="0" smtClean="0">
+              <a:rPr lang="en-US" sz="3400" dirty="0">
                 <a:solidFill>
                   <a:srgbClr val="000000"/>
                 </a:solidFill>
                 <a:latin typeface="Open Sans Light"/>
               </a:rPr>
-              <a:t> do CSA academy</a:t>
-            </a:r>
-          </a:p>
-          <a:p>
-            <a:pPr marL="457200" indent="-457200" algn="just">
+              <a:t> da CS Academy:</a:t>
+            </a:r>
+          </a:p>
+          <a:p>
+            <a:pPr marL="987425" indent="-457200" algn="just">
               <a:lnSpc>
                 <a:spcPts val="4759"/>
               </a:lnSpc>
@@ -14565,7 +14542,7 @@
               <a:buChar char="•"/>
             </a:pPr>
             <a:r>
-              <a:rPr lang="en-US" sz="3400" dirty="0" smtClean="0">
+              <a:rPr lang="en-US" sz="3400" dirty="0">
                 <a:solidFill>
                   <a:srgbClr val="000000"/>
                 </a:solidFill>
@@ -14574,7 +14551,7 @@
               <a:t> Alta </a:t>
             </a:r>
             <a:r>
-              <a:rPr lang="en-US" sz="3400" dirty="0" err="1" smtClean="0">
+              <a:rPr lang="en-US" sz="3400" dirty="0" err="1">
                 <a:solidFill>
                   <a:srgbClr val="000000"/>
                 </a:solidFill>
@@ -14582,12 +14559,15 @@
               </a:rPr>
               <a:t>demanda</a:t>
             </a:r>
-            <a:endParaRPr lang="en-US" sz="3400" dirty="0" smtClean="0">
-              <a:solidFill>
-                <a:srgbClr val="000000"/>
-              </a:solidFill>
-              <a:latin typeface="Open Sans Light"/>
-            </a:endParaRPr>
+            <a:r>
+              <a:rPr lang="en-US" sz="3400" dirty="0">
+                <a:solidFill>
+                  <a:srgbClr val="000000"/>
+                </a:solidFill>
+                <a:latin typeface="Open Sans Light"/>
+              </a:rPr>
+              <a:t>.</a:t>
+            </a:r>
           </a:p>
           <a:p>
             <a:pPr marL="457200" indent="-457200" algn="just">
@@ -14600,7 +14580,7 @@
               <a:buFont typeface="Wingdings" panose="05000000000000000000" pitchFamily="2" charset="2"/>
               <a:buChar char="ü"/>
             </a:pPr>
-            <a:endParaRPr lang="en-US" sz="3400" dirty="0" smtClean="0">
+            <a:endParaRPr lang="en-US" sz="3400" dirty="0">
               <a:solidFill>
                 <a:srgbClr val="000000"/>
               </a:solidFill>

--- a/Documentação/Pyxis.pptx
+++ b/Documentação/Pyxis.pptx
@@ -5,7 +5,7 @@
     <p:sldMasterId id="2147483648" r:id="rId1"/>
   </p:sldMasterIdLst>
   <p:notesMasterIdLst>
-    <p:notesMasterId r:id="rId20"/>
+    <p:notesMasterId r:id="rId21"/>
   </p:notesMasterIdLst>
   <p:sldIdLst>
     <p:sldId id="281" r:id="rId2"/>
@@ -26,32 +26,37 @@
     <p:sldId id="265" r:id="rId17"/>
     <p:sldId id="278" r:id="rId18"/>
     <p:sldId id="279" r:id="rId19"/>
+    <p:sldId id="282" r:id="rId20"/>
   </p:sldIdLst>
   <p:sldSz cx="18288000" cy="10287000"/>
   <p:notesSz cx="6858000" cy="9144000"/>
   <p:embeddedFontLst>
     <p:embeddedFont>
+      <p:font typeface="Arial Rounded MT Bold" panose="020F0704030504030204" pitchFamily="34" charset="0"/>
+      <p:regular r:id="rId22"/>
+    </p:embeddedFont>
+    <p:embeddedFont>
       <p:font typeface="Calibri" panose="020F0502020204030204" pitchFamily="34" charset="0"/>
-      <p:regular r:id="rId21"/>
-      <p:bold r:id="rId22"/>
-      <p:italic r:id="rId23"/>
-      <p:boldItalic r:id="rId24"/>
+      <p:regular r:id="rId23"/>
+      <p:bold r:id="rId24"/>
+      <p:italic r:id="rId25"/>
+      <p:boldItalic r:id="rId26"/>
     </p:embeddedFont>
     <p:embeddedFont>
       <p:font typeface="Open Sans 1" panose="020B0604020202020204" charset="0"/>
-      <p:regular r:id="rId25"/>
+      <p:regular r:id="rId27"/>
     </p:embeddedFont>
     <p:embeddedFont>
       <p:font typeface="Open Sans 1 Bold" panose="020B0604020202020204" charset="0"/>
-      <p:regular r:id="rId26"/>
+      <p:regular r:id="rId28"/>
     </p:embeddedFont>
     <p:embeddedFont>
       <p:font typeface="Open Sans 2" panose="020B0604020202020204" charset="0"/>
-      <p:regular r:id="rId27"/>
+      <p:regular r:id="rId29"/>
     </p:embeddedFont>
     <p:embeddedFont>
       <p:font typeface="Open Sans Light" panose="020B0604020202020204" charset="0"/>
-      <p:regular r:id="rId28"/>
+      <p:regular r:id="rId30"/>
     </p:embeddedFont>
   </p:embeddedFontLst>
   <p:defaultTextStyle>
@@ -250,7 +255,7 @@
           <a:p>
             <a:fld id="{25546482-23BF-4BE9-A54E-CFB4513F4A08}" type="datetimeFigureOut">
               <a:rPr lang="pt-BR" smtClean="0"/>
-              <a:t>16/09/2020</a:t>
+              <a:t>17/09/2020</a:t>
             </a:fld>
             <a:endParaRPr lang="pt-BR"/>
           </a:p>
@@ -697,7 +702,7 @@
             <a:fld id="{1D8BD707-D9CF-40AE-B4C6-C98DA3205C09}" type="datetimeFigureOut">
               <a:rPr lang="en-US" smtClean="0"/>
               <a:pPr/>
-              <a:t>9/16/2020</a:t>
+              <a:t>9/17/2020</a:t>
             </a:fld>
             <a:endParaRPr lang="en-US"/>
           </a:p>
@@ -862,7 +867,7 @@
             <a:fld id="{1D8BD707-D9CF-40AE-B4C6-C98DA3205C09}" type="datetimeFigureOut">
               <a:rPr lang="en-US" smtClean="0"/>
               <a:pPr/>
-              <a:t>9/16/2020</a:t>
+              <a:t>9/17/2020</a:t>
             </a:fld>
             <a:endParaRPr lang="en-US"/>
           </a:p>
@@ -1037,7 +1042,7 @@
             <a:fld id="{1D8BD707-D9CF-40AE-B4C6-C98DA3205C09}" type="datetimeFigureOut">
               <a:rPr lang="en-US" smtClean="0"/>
               <a:pPr/>
-              <a:t>9/16/2020</a:t>
+              <a:t>9/17/2020</a:t>
             </a:fld>
             <a:endParaRPr lang="en-US"/>
           </a:p>
@@ -1202,7 +1207,7 @@
             <a:fld id="{1D8BD707-D9CF-40AE-B4C6-C98DA3205C09}" type="datetimeFigureOut">
               <a:rPr lang="en-US" smtClean="0"/>
               <a:pPr/>
-              <a:t>9/16/2020</a:t>
+              <a:t>9/17/2020</a:t>
             </a:fld>
             <a:endParaRPr lang="en-US"/>
           </a:p>
@@ -1444,7 +1449,7 @@
             <a:fld id="{1D8BD707-D9CF-40AE-B4C6-C98DA3205C09}" type="datetimeFigureOut">
               <a:rPr lang="en-US" smtClean="0"/>
               <a:pPr/>
-              <a:t>9/16/2020</a:t>
+              <a:t>9/17/2020</a:t>
             </a:fld>
             <a:endParaRPr lang="en-US"/>
           </a:p>
@@ -1726,7 +1731,7 @@
             <a:fld id="{1D8BD707-D9CF-40AE-B4C6-C98DA3205C09}" type="datetimeFigureOut">
               <a:rPr lang="en-US" smtClean="0"/>
               <a:pPr/>
-              <a:t>9/16/2020</a:t>
+              <a:t>9/17/2020</a:t>
             </a:fld>
             <a:endParaRPr lang="en-US"/>
           </a:p>
@@ -2142,7 +2147,7 @@
             <a:fld id="{1D8BD707-D9CF-40AE-B4C6-C98DA3205C09}" type="datetimeFigureOut">
               <a:rPr lang="en-US" smtClean="0"/>
               <a:pPr/>
-              <a:t>9/16/2020</a:t>
+              <a:t>9/17/2020</a:t>
             </a:fld>
             <a:endParaRPr lang="en-US"/>
           </a:p>
@@ -2256,7 +2261,7 @@
             <a:fld id="{1D8BD707-D9CF-40AE-B4C6-C98DA3205C09}" type="datetimeFigureOut">
               <a:rPr lang="en-US" smtClean="0"/>
               <a:pPr/>
-              <a:t>9/16/2020</a:t>
+              <a:t>9/17/2020</a:t>
             </a:fld>
             <a:endParaRPr lang="en-US"/>
           </a:p>
@@ -2348,7 +2353,7 @@
             <a:fld id="{1D8BD707-D9CF-40AE-B4C6-C98DA3205C09}" type="datetimeFigureOut">
               <a:rPr lang="en-US" smtClean="0"/>
               <a:pPr/>
-              <a:t>9/16/2020</a:t>
+              <a:t>9/17/2020</a:t>
             </a:fld>
             <a:endParaRPr lang="en-US"/>
           </a:p>
@@ -2620,7 +2625,7 @@
             <a:fld id="{1D8BD707-D9CF-40AE-B4C6-C98DA3205C09}" type="datetimeFigureOut">
               <a:rPr lang="en-US" smtClean="0"/>
               <a:pPr/>
-              <a:t>9/16/2020</a:t>
+              <a:t>9/17/2020</a:t>
             </a:fld>
             <a:endParaRPr lang="en-US"/>
           </a:p>
@@ -2869,7 +2874,7 @@
             <a:fld id="{1D8BD707-D9CF-40AE-B4C6-C98DA3205C09}" type="datetimeFigureOut">
               <a:rPr lang="en-US" smtClean="0"/>
               <a:pPr/>
-              <a:t>9/16/2020</a:t>
+              <a:t>9/17/2020</a:t>
             </a:fld>
             <a:endParaRPr lang="en-US"/>
           </a:p>
@@ -3077,7 +3082,7 @@
             <a:fld id="{1D8BD707-D9CF-40AE-B4C6-C98DA3205C09}" type="datetimeFigureOut">
               <a:rPr lang="en-US" smtClean="0"/>
               <a:pPr/>
-              <a:t>9/16/2020</a:t>
+              <a:t>9/17/2020</a:t>
             </a:fld>
             <a:endParaRPr lang="en-US"/>
           </a:p>
@@ -13533,6 +13538,179 @@
 </p:sld>
 </file>
 
+<file path=ppt/slides/slide19.xml><?xml version="1.0" encoding="utf-8"?>
+<p:sld xmlns:a="http://schemas.openxmlformats.org/drawingml/2006/main" xmlns:r="http://schemas.openxmlformats.org/officeDocument/2006/relationships" xmlns:p="http://schemas.openxmlformats.org/presentationml/2006/main">
+  <p:cSld>
+    <p:spTree>
+      <p:nvGrpSpPr>
+        <p:cNvPr id="1" name=""/>
+        <p:cNvGrpSpPr/>
+        <p:nvPr/>
+      </p:nvGrpSpPr>
+      <p:grpSpPr>
+        <a:xfrm>
+          <a:off x="0" y="0"/>
+          <a:ext cx="0" cy="0"/>
+          <a:chOff x="0" y="0"/>
+          <a:chExt cx="0" cy="0"/>
+        </a:xfrm>
+      </p:grpSpPr>
+      <p:sp>
+        <p:nvSpPr>
+          <p:cNvPr id="2" name="TextBox 2"/>
+          <p:cNvSpPr txBox="1"/>
+          <p:nvPr/>
+        </p:nvSpPr>
+        <p:spPr>
+          <a:xfrm>
+            <a:off x="3571875" y="4284290"/>
+            <a:ext cx="11144250" cy="1718419"/>
+          </a:xfrm>
+          <a:prstGeom prst="rect">
+            <a:avLst/>
+          </a:prstGeom>
+        </p:spPr>
+        <p:txBody>
+          <a:bodyPr wrap="square" lIns="0" tIns="0" rIns="0" bIns="0" rtlCol="0" anchor="t">
+            <a:spAutoFit/>
+          </a:bodyPr>
+          <a:lstStyle/>
+          <a:p>
+            <a:pPr algn="ctr">
+              <a:lnSpc>
+                <a:spcPts val="6719"/>
+              </a:lnSpc>
+            </a:pPr>
+            <a:r>
+              <a:rPr lang="en-US" sz="6600" b="1" dirty="0" err="1">
+                <a:solidFill>
+                  <a:srgbClr val="FF6864"/>
+                </a:solidFill>
+                <a:latin typeface="Arial Rounded MT Bold" panose="020F0704030504030204" pitchFamily="34" charset="0"/>
+              </a:rPr>
+              <a:t>Fim</a:t>
+            </a:r>
+            <a:r>
+              <a:rPr lang="en-US" sz="6600" b="1" dirty="0">
+                <a:solidFill>
+                  <a:srgbClr val="FF6864"/>
+                </a:solidFill>
+                <a:latin typeface="Arial Rounded MT Bold" panose="020F0704030504030204" pitchFamily="34" charset="0"/>
+              </a:rPr>
+              <a:t>!</a:t>
+            </a:r>
+          </a:p>
+          <a:p>
+            <a:pPr algn="ctr">
+              <a:lnSpc>
+                <a:spcPts val="6719"/>
+              </a:lnSpc>
+            </a:pPr>
+            <a:r>
+              <a:rPr lang="en-US" sz="6600" b="1" dirty="0" err="1">
+                <a:solidFill>
+                  <a:srgbClr val="FF6864"/>
+                </a:solidFill>
+                <a:latin typeface="Arial Rounded MT Bold" panose="020F0704030504030204" pitchFamily="34" charset="0"/>
+              </a:rPr>
+              <a:t>Obrigado</a:t>
+            </a:r>
+            <a:r>
+              <a:rPr lang="en-US" sz="6600" b="1" dirty="0">
+                <a:solidFill>
+                  <a:srgbClr val="FF6864"/>
+                </a:solidFill>
+                <a:latin typeface="Arial Rounded MT Bold" panose="020F0704030504030204" pitchFamily="34" charset="0"/>
+              </a:rPr>
+              <a:t> pela </a:t>
+            </a:r>
+            <a:r>
+              <a:rPr lang="en-US" sz="6600" b="1" dirty="0" err="1">
+                <a:solidFill>
+                  <a:srgbClr val="FF6864"/>
+                </a:solidFill>
+                <a:latin typeface="Arial Rounded MT Bold" panose="020F0704030504030204" pitchFamily="34" charset="0"/>
+              </a:rPr>
+              <a:t>atenção</a:t>
+            </a:r>
+            <a:r>
+              <a:rPr lang="en-US" sz="6600" b="1" dirty="0">
+                <a:solidFill>
+                  <a:srgbClr val="FF6864"/>
+                </a:solidFill>
+                <a:latin typeface="Arial Rounded MT Bold" panose="020F0704030504030204" pitchFamily="34" charset="0"/>
+              </a:rPr>
+              <a:t> :</a:t>
+            </a:r>
+            <a:r>
+              <a:rPr lang="en-US" sz="6600" b="1" dirty="0">
+                <a:solidFill>
+                  <a:srgbClr val="FF6864"/>
+                </a:solidFill>
+                <a:latin typeface="Arial Rounded MT Bold" panose="020F0704030504030204" pitchFamily="34" charset="0"/>
+                <a:sym typeface="Wingdings" panose="05000000000000000000" pitchFamily="2" charset="2"/>
+              </a:rPr>
+              <a:t>)</a:t>
+            </a:r>
+            <a:endParaRPr lang="en-US" sz="6600" b="1" dirty="0">
+              <a:solidFill>
+                <a:srgbClr val="FF6864"/>
+              </a:solidFill>
+              <a:latin typeface="Arial Rounded MT Bold" panose="020F0704030504030204" pitchFamily="34" charset="0"/>
+            </a:endParaRPr>
+          </a:p>
+        </p:txBody>
+      </p:sp>
+      <p:pic>
+        <p:nvPicPr>
+          <p:cNvPr id="8" name="Picture 7"/>
+          <p:cNvPicPr>
+            <a:picLocks noChangeAspect="1"/>
+          </p:cNvPicPr>
+          <p:nvPr/>
+        </p:nvPicPr>
+        <p:blipFill>
+          <a:blip r:embed="rId2"/>
+          <a:srcRect/>
+          <a:stretch>
+            <a:fillRect/>
+          </a:stretch>
+        </p:blipFill>
+        <p:spPr>
+          <a:xfrm>
+            <a:off x="17078325" y="341670"/>
+            <a:ext cx="915994" cy="1028732"/>
+          </a:xfrm>
+          <a:prstGeom prst="rect">
+            <a:avLst/>
+          </a:prstGeom>
+        </p:spPr>
+      </p:pic>
+    </p:spTree>
+    <p:extLst>
+      <p:ext uri="{BB962C8B-B14F-4D97-AF65-F5344CB8AC3E}">
+        <p14:creationId xmlns:p14="http://schemas.microsoft.com/office/powerpoint/2010/main" val="2678339526"/>
+      </p:ext>
+    </p:extLst>
+  </p:cSld>
+  <p:clrMapOvr>
+    <a:masterClrMapping/>
+  </p:clrMapOvr>
+  <mc:AlternateContent xmlns:mc="http://schemas.openxmlformats.org/markup-compatibility/2006" xmlns:p14="http://schemas.microsoft.com/office/powerpoint/2010/main">
+    <mc:Choice Requires="p14">
+      <p:transition spd="med" p14:dur="700">
+        <p:fade/>
+      </p:transition>
+    </mc:Choice>
+    <mc:Fallback xmlns="">
+      <p:transition spd="med">
+        <p:fade/>
+      </p:transition>
+    </mc:Fallback>
+  </mc:AlternateContent>
+</p:sld>
+</file>
+
 <file path=ppt/slides/slide2.xml><?xml version="1.0" encoding="utf-8"?>
 <p:sld xmlns:a="http://schemas.openxmlformats.org/drawingml/2006/main" xmlns:r="http://schemas.openxmlformats.org/officeDocument/2006/relationships" xmlns:p="http://schemas.openxmlformats.org/presentationml/2006/main">
   <p:cSld>

--- a/Documentação/Pyxis.pptx
+++ b/Documentação/Pyxis.pptx
@@ -14092,7 +14092,7 @@
         <p:spPr>
           <a:xfrm>
             <a:off x="1651886" y="3925517"/>
-            <a:ext cx="9645514" cy="3077766"/>
+            <a:ext cx="9645514" cy="4267515"/>
           </a:xfrm>
           <a:prstGeom prst="rect">
             <a:avLst/>
@@ -14185,7 +14185,73 @@
                 </a:solidFill>
                 <a:latin typeface="Open Sans Light"/>
               </a:rPr>
-              <a:t>Call center. </a:t>
+              <a:t>Call center;</a:t>
+            </a:r>
+          </a:p>
+          <a:p>
+            <a:pPr marL="457200" indent="-457200" algn="just">
+              <a:lnSpc>
+                <a:spcPts val="4759"/>
+              </a:lnSpc>
+              <a:buClr>
+                <a:srgbClr val="FF0000"/>
+              </a:buClr>
+              <a:buFont typeface="Wingdings" panose="05000000000000000000" pitchFamily="2" charset="2"/>
+              <a:buChar char="ü"/>
+            </a:pPr>
+            <a:endParaRPr lang="en-US" sz="3400" dirty="0">
+              <a:solidFill>
+                <a:srgbClr val="000000"/>
+              </a:solidFill>
+              <a:latin typeface="Open Sans Light"/>
+            </a:endParaRPr>
+          </a:p>
+          <a:p>
+            <a:pPr marL="457200" indent="-457200" algn="just">
+              <a:lnSpc>
+                <a:spcPts val="4759"/>
+              </a:lnSpc>
+              <a:buClr>
+                <a:srgbClr val="FF0000"/>
+              </a:buClr>
+              <a:buFont typeface="Wingdings" panose="05000000000000000000" pitchFamily="2" charset="2"/>
+              <a:buChar char="ü"/>
+            </a:pPr>
+            <a:r>
+              <a:rPr lang="en-US" sz="3400" dirty="0" err="1">
+                <a:solidFill>
+                  <a:srgbClr val="000000"/>
+                </a:solidFill>
+                <a:latin typeface="Open Sans Light"/>
+              </a:rPr>
+              <a:t>Projeto</a:t>
+            </a:r>
+            <a:r>
+              <a:rPr lang="en-US" sz="3400" dirty="0">
+                <a:solidFill>
+                  <a:srgbClr val="000000"/>
+                </a:solidFill>
+                <a:latin typeface="Open Sans Light"/>
+              </a:rPr>
+              <a:t>: </a:t>
+            </a:r>
+            <a:r>
+              <a:rPr lang="en-US" sz="3400" dirty="0" err="1">
+                <a:solidFill>
+                  <a:srgbClr val="000000"/>
+                </a:solidFill>
+                <a:latin typeface="Open Sans Light"/>
+              </a:rPr>
+              <a:t>CallTech</a:t>
+            </a:r>
+            <a:r>
+              <a:rPr lang="en-US" sz="3400" dirty="0">
+                <a:solidFill>
+                  <a:srgbClr val="000000"/>
+                </a:solidFill>
+                <a:latin typeface="Open Sans Light"/>
+              </a:rPr>
+              <a:t>.</a:t>
             </a:r>
           </a:p>
           <a:p>
@@ -14540,15 +14606,15 @@
         </p:nvSpPr>
         <p:spPr>
           <a:xfrm>
-            <a:off x="6996806" y="4106131"/>
-            <a:ext cx="9645514" cy="4308872"/>
-          </a:xfrm>
-          <a:prstGeom prst="rect">
-            <a:avLst/>
-          </a:prstGeom>
-        </p:spPr>
-        <p:txBody>
-          <a:bodyPr lIns="0" tIns="0" rIns="0" bIns="0" rtlCol="0" anchor="t">
+            <a:off x="6996805" y="4106131"/>
+            <a:ext cx="10262493" cy="4883068"/>
+          </a:xfrm>
+          <a:prstGeom prst="rect">
+            <a:avLst/>
+          </a:prstGeom>
+        </p:spPr>
+        <p:txBody>
+          <a:bodyPr wrap="square" lIns="0" tIns="0" rIns="0" bIns="0" rtlCol="0" anchor="t">
             <a:spAutoFit/>
           </a:bodyPr>
           <a:lstStyle/>
@@ -14609,7 +14675,43 @@
                 </a:solidFill>
                 <a:latin typeface="Open Sans Light"/>
               </a:rPr>
-              <a:t>;</a:t>
+              <a:t> de </a:t>
+            </a:r>
+            <a:r>
+              <a:rPr lang="en-US" sz="3400" dirty="0" err="1">
+                <a:solidFill>
+                  <a:srgbClr val="000000"/>
+                </a:solidFill>
+                <a:latin typeface="Open Sans Light"/>
+              </a:rPr>
+              <a:t>lucro</a:t>
+            </a:r>
+            <a:r>
+              <a:rPr lang="en-US" sz="3400" dirty="0">
+                <a:solidFill>
+                  <a:srgbClr val="000000"/>
+                </a:solidFill>
+                <a:latin typeface="Open Sans Light"/>
+              </a:rPr>
+              <a:t> </a:t>
+            </a:r>
+            <a:r>
+              <a:rPr lang="en-US" sz="3400" dirty="0" err="1">
+                <a:solidFill>
+                  <a:srgbClr val="000000"/>
+                </a:solidFill>
+                <a:latin typeface="Open Sans Light"/>
+              </a:rPr>
+              <a:t>em</a:t>
+            </a:r>
+            <a:r>
+              <a:rPr lang="en-US" sz="3400" dirty="0">
+                <a:solidFill>
+                  <a:srgbClr val="000000"/>
+                </a:solidFill>
+                <a:latin typeface="Open Sans Light"/>
+              </a:rPr>
+              <a:t> 2019;</a:t>
             </a:r>
           </a:p>
           <a:p>
@@ -14639,7 +14741,25 @@
                 </a:solidFill>
                 <a:latin typeface="Open Sans Light"/>
               </a:rPr>
-              <a:t> de 22%.</a:t>
+              <a:t> de 22% </a:t>
+            </a:r>
+            <a:r>
+              <a:rPr lang="en-US" sz="3400" dirty="0" err="1">
+                <a:solidFill>
+                  <a:srgbClr val="000000"/>
+                </a:solidFill>
+                <a:latin typeface="Open Sans Light"/>
+              </a:rPr>
+              <a:t>em</a:t>
+            </a:r>
+            <a:r>
+              <a:rPr lang="en-US" sz="3400" dirty="0">
+                <a:solidFill>
+                  <a:srgbClr val="000000"/>
+                </a:solidFill>
+                <a:latin typeface="Open Sans Light"/>
+              </a:rPr>
+              <a:t> 2020.</a:t>
             </a:r>
           </a:p>
           <a:p>
@@ -14720,13 +14840,22 @@
               <a:buChar char="•"/>
             </a:pPr>
             <a:r>
+              <a:rPr lang="en-US" sz="3400" dirty="0" err="1">
+                <a:solidFill>
+                  <a:srgbClr val="000000"/>
+                </a:solidFill>
+                <a:latin typeface="Open Sans Light"/>
+              </a:rPr>
+              <a:t>Estudo</a:t>
+            </a:r>
+            <a:r>
               <a:rPr lang="en-US" sz="3400" dirty="0">
                 <a:solidFill>
                   <a:srgbClr val="000000"/>
                 </a:solidFill>
                 <a:latin typeface="Open Sans Light"/>
               </a:rPr>
-              <a:t> Alta </a:t>
+              <a:t> </a:t>
             </a:r>
             <a:r>
               <a:rPr lang="en-US" sz="3400" dirty="0" err="1">
@@ -14735,7 +14864,136 @@
                 </a:solidFill>
                 <a:latin typeface="Open Sans Light"/>
               </a:rPr>
+              <a:t>atendimento</a:t>
+            </a:r>
+            <a:r>
+              <a:rPr lang="en-US" sz="3400" dirty="0">
+                <a:solidFill>
+                  <a:srgbClr val="000000"/>
+                </a:solidFill>
+                <a:latin typeface="Open Sans Light"/>
+              </a:rPr>
+              <a:t> </a:t>
+            </a:r>
+            <a:r>
+              <a:rPr lang="en-US" sz="3400" dirty="0" err="1">
+                <a:solidFill>
+                  <a:srgbClr val="000000"/>
+                </a:solidFill>
+                <a:latin typeface="Open Sans Light"/>
+              </a:rPr>
+              <a:t>ao</a:t>
+            </a:r>
+            <a:r>
+              <a:rPr lang="en-US" sz="3400" dirty="0">
+                <a:solidFill>
+                  <a:srgbClr val="000000"/>
+                </a:solidFill>
+                <a:latin typeface="Open Sans Light"/>
+              </a:rPr>
+              <a:t> </a:t>
+            </a:r>
+            <a:r>
+              <a:rPr lang="en-US" sz="3400" dirty="0" err="1">
+                <a:solidFill>
+                  <a:srgbClr val="000000"/>
+                </a:solidFill>
+                <a:latin typeface="Open Sans Light"/>
+              </a:rPr>
+              <a:t>cliente</a:t>
+            </a:r>
+            <a:r>
+              <a:rPr lang="en-US" sz="3400" dirty="0">
+                <a:solidFill>
+                  <a:srgbClr val="000000"/>
+                </a:solidFill>
+                <a:latin typeface="Open Sans Light"/>
+              </a:rPr>
+              <a:t> </a:t>
+            </a:r>
+            <a:r>
+              <a:rPr lang="en-US" sz="3400" dirty="0" err="1">
+                <a:solidFill>
+                  <a:srgbClr val="000000"/>
+                </a:solidFill>
+                <a:latin typeface="Open Sans Light"/>
+              </a:rPr>
+              <a:t>na</a:t>
+            </a:r>
+            <a:r>
+              <a:rPr lang="en-US" sz="3400" dirty="0">
+                <a:solidFill>
+                  <a:srgbClr val="000000"/>
+                </a:solidFill>
+                <a:latin typeface="Open Sans Light"/>
+              </a:rPr>
+              <a:t> </a:t>
+            </a:r>
+            <a:r>
+              <a:rPr lang="en-US" sz="3400" dirty="0" err="1">
+                <a:solidFill>
+                  <a:srgbClr val="000000"/>
+                </a:solidFill>
+                <a:latin typeface="Open Sans Light"/>
+              </a:rPr>
+              <a:t>pandemia</a:t>
+            </a:r>
+            <a:r>
+              <a:rPr lang="en-US" sz="3400" dirty="0">
+                <a:solidFill>
+                  <a:srgbClr val="000000"/>
+                </a:solidFill>
+                <a:latin typeface="Open Sans Light"/>
+              </a:rPr>
+              <a:t>;</a:t>
+            </a:r>
+          </a:p>
+          <a:p>
+            <a:pPr marL="987425" indent="-457200" algn="just">
+              <a:lnSpc>
+                <a:spcPts val="4759"/>
+              </a:lnSpc>
+              <a:buClr>
+                <a:srgbClr val="FF0000"/>
+              </a:buClr>
+              <a:buFont typeface="Arial" panose="020B0604020202020204" pitchFamily="34" charset="0"/>
+              <a:buChar char="•"/>
+            </a:pPr>
+            <a:r>
+              <a:rPr lang="en-US" sz="3400" dirty="0">
+                <a:solidFill>
+                  <a:srgbClr val="000000"/>
+                </a:solidFill>
+                <a:latin typeface="Open Sans Light"/>
+              </a:rPr>
+              <a:t>Alta </a:t>
+            </a:r>
+            <a:r>
+              <a:rPr lang="en-US" sz="3400" dirty="0" err="1">
+                <a:solidFill>
+                  <a:srgbClr val="000000"/>
+                </a:solidFill>
+                <a:latin typeface="Open Sans Light"/>
+              </a:rPr>
               <a:t>demanda</a:t>
+            </a:r>
+            <a:r>
+              <a:rPr lang="en-US" sz="3400" dirty="0">
+                <a:solidFill>
+                  <a:srgbClr val="000000"/>
+                </a:solidFill>
+                <a:latin typeface="Open Sans Light"/>
+              </a:rPr>
+              <a:t> de </a:t>
+            </a:r>
+            <a:r>
+              <a:rPr lang="en-US" sz="3400" dirty="0" err="1">
+                <a:solidFill>
+                  <a:srgbClr val="000000"/>
+                </a:solidFill>
+                <a:latin typeface="Open Sans Light"/>
+              </a:rPr>
+              <a:t>chamadas</a:t>
             </a:r>
             <a:r>
               <a:rPr lang="en-US" sz="3400" dirty="0">

--- a/Documentação/Pyxis.pptx
+++ b/Documentação/Pyxis.pptx
@@ -279,7 +279,7 @@
           <a:p>
             <a:fld id="{390E6ACA-D9D5-454D-960A-10CA55DA44EF}" type="datetimeFigureOut">
               <a:rPr lang="pt-BR" smtClean="0"/>
-              <a:t>23/10/2020</a:t>
+              <a:t>26/10/2020</a:t>
             </a:fld>
             <a:endParaRPr lang="pt-BR"/>
           </a:p>
@@ -477,7 +477,7 @@
           <a:p>
             <a:fld id="{390E6ACA-D9D5-454D-960A-10CA55DA44EF}" type="datetimeFigureOut">
               <a:rPr lang="pt-BR" smtClean="0"/>
-              <a:t>23/10/2020</a:t>
+              <a:t>26/10/2020</a:t>
             </a:fld>
             <a:endParaRPr lang="pt-BR"/>
           </a:p>
@@ -685,7 +685,7 @@
           <a:p>
             <a:fld id="{390E6ACA-D9D5-454D-960A-10CA55DA44EF}" type="datetimeFigureOut">
               <a:rPr lang="pt-BR" smtClean="0"/>
-              <a:t>23/10/2020</a:t>
+              <a:t>26/10/2020</a:t>
             </a:fld>
             <a:endParaRPr lang="pt-BR"/>
           </a:p>
@@ -883,7 +883,7 @@
           <a:p>
             <a:fld id="{390E6ACA-D9D5-454D-960A-10CA55DA44EF}" type="datetimeFigureOut">
               <a:rPr lang="pt-BR" smtClean="0"/>
-              <a:t>23/10/2020</a:t>
+              <a:t>26/10/2020</a:t>
             </a:fld>
             <a:endParaRPr lang="pt-BR"/>
           </a:p>
@@ -1158,7 +1158,7 @@
           <a:p>
             <a:fld id="{390E6ACA-D9D5-454D-960A-10CA55DA44EF}" type="datetimeFigureOut">
               <a:rPr lang="pt-BR" smtClean="0"/>
-              <a:t>23/10/2020</a:t>
+              <a:t>26/10/2020</a:t>
             </a:fld>
             <a:endParaRPr lang="pt-BR"/>
           </a:p>
@@ -1423,7 +1423,7 @@
           <a:p>
             <a:fld id="{390E6ACA-D9D5-454D-960A-10CA55DA44EF}" type="datetimeFigureOut">
               <a:rPr lang="pt-BR" smtClean="0"/>
-              <a:t>23/10/2020</a:t>
+              <a:t>26/10/2020</a:t>
             </a:fld>
             <a:endParaRPr lang="pt-BR"/>
           </a:p>
@@ -1835,7 +1835,7 @@
           <a:p>
             <a:fld id="{390E6ACA-D9D5-454D-960A-10CA55DA44EF}" type="datetimeFigureOut">
               <a:rPr lang="pt-BR" smtClean="0"/>
-              <a:t>23/10/2020</a:t>
+              <a:t>26/10/2020</a:t>
             </a:fld>
             <a:endParaRPr lang="pt-BR"/>
           </a:p>
@@ -1976,7 +1976,7 @@
           <a:p>
             <a:fld id="{390E6ACA-D9D5-454D-960A-10CA55DA44EF}" type="datetimeFigureOut">
               <a:rPr lang="pt-BR" smtClean="0"/>
-              <a:t>23/10/2020</a:t>
+              <a:t>26/10/2020</a:t>
             </a:fld>
             <a:endParaRPr lang="pt-BR"/>
           </a:p>
@@ -2089,7 +2089,7 @@
           <a:p>
             <a:fld id="{390E6ACA-D9D5-454D-960A-10CA55DA44EF}" type="datetimeFigureOut">
               <a:rPr lang="pt-BR" smtClean="0"/>
-              <a:t>23/10/2020</a:t>
+              <a:t>26/10/2020</a:t>
             </a:fld>
             <a:endParaRPr lang="pt-BR"/>
           </a:p>
@@ -2400,7 +2400,7 @@
           <a:p>
             <a:fld id="{390E6ACA-D9D5-454D-960A-10CA55DA44EF}" type="datetimeFigureOut">
               <a:rPr lang="pt-BR" smtClean="0"/>
-              <a:t>23/10/2020</a:t>
+              <a:t>26/10/2020</a:t>
             </a:fld>
             <a:endParaRPr lang="pt-BR"/>
           </a:p>
@@ -2688,7 +2688,7 @@
           <a:p>
             <a:fld id="{390E6ACA-D9D5-454D-960A-10CA55DA44EF}" type="datetimeFigureOut">
               <a:rPr lang="pt-BR" smtClean="0"/>
-              <a:t>23/10/2020</a:t>
+              <a:t>26/10/2020</a:t>
             </a:fld>
             <a:endParaRPr lang="pt-BR"/>
           </a:p>
@@ -2929,7 +2929,7 @@
           <a:p>
             <a:fld id="{390E6ACA-D9D5-454D-960A-10CA55DA44EF}" type="datetimeFigureOut">
               <a:rPr lang="pt-BR" smtClean="0"/>
-              <a:t>23/10/2020</a:t>
+              <a:t>26/10/2020</a:t>
             </a:fld>
             <a:endParaRPr lang="pt-BR"/>
           </a:p>
@@ -4577,12 +4577,15 @@
               </a:rPr>
               <a:t>Mockup</a:t>
             </a:r>
-            <a:endParaRPr lang="pt-BR" sz="6000" b="1" dirty="0">
-              <a:solidFill>
-                <a:srgbClr val="545454"/>
-              </a:solidFill>
-              <a:latin typeface="Open Sans 1 Bold"/>
-            </a:endParaRPr>
+            <a:r>
+              <a:rPr lang="pt-BR" sz="6000" b="1" dirty="0">
+                <a:solidFill>
+                  <a:srgbClr val="545454"/>
+                </a:solidFill>
+                <a:latin typeface="Open Sans 1 Bold"/>
+              </a:rPr>
+              <a:t> de Tela</a:t>
+            </a:r>
           </a:p>
         </p:txBody>
       </p:sp>
@@ -4660,10 +4663,10 @@
       </p:grpSpPr>
       <p:pic>
         <p:nvPicPr>
-          <p:cNvPr id="4" name="Imagem 3" descr="Interface gráfica do usuário, Aplicativo&#10;&#10;Descrição gerada automaticamente">
-            <a:extLst>
-              <a:ext uri="{FF2B5EF4-FFF2-40B4-BE49-F238E27FC236}">
-                <a16:creationId xmlns:a16="http://schemas.microsoft.com/office/drawing/2014/main" id="{B4459D67-89D7-404C-8BE0-D3029E246B41}"/>
+          <p:cNvPr id="6" name="Imagem 5" descr="Interface gráfica do usuário, Aplicativo&#10;&#10;Descrição gerada automaticamente">
+            <a:extLst>
+              <a:ext uri="{FF2B5EF4-FFF2-40B4-BE49-F238E27FC236}">
+                <a16:creationId xmlns:a16="http://schemas.microsoft.com/office/drawing/2014/main" id="{8A4E3681-0049-4828-A006-D0E8B562940A}"/>
               </a:ext>
             </a:extLst>
           </p:cNvPr>
@@ -4672,7 +4675,7 @@
           </p:cNvPicPr>
           <p:nvPr/>
         </p:nvPicPr>
-        <p:blipFill>
+        <p:blipFill rotWithShape="1">
           <a:blip r:embed="rId2">
             <a:extLst>
               <a:ext uri="{28A0092B-C50C-407E-A947-70E740481C1C}">
@@ -4680,14 +4683,48 @@
               </a:ext>
             </a:extLst>
           </a:blip>
-          <a:stretch>
-            <a:fillRect/>
-          </a:stretch>
+          <a:srcRect l="1330" t="3214" r="1178" b="1450"/>
+          <a:stretch/>
         </p:blipFill>
         <p:spPr>
           <a:xfrm>
-            <a:off x="1691139" y="335865"/>
-            <a:ext cx="8809722" cy="6186270"/>
+            <a:off x="507225" y="317241"/>
+            <a:ext cx="4422710" cy="4539316"/>
+          </a:xfrm>
+          <a:prstGeom prst="rect">
+            <a:avLst/>
+          </a:prstGeom>
+        </p:spPr>
+      </p:pic>
+      <p:pic>
+        <p:nvPicPr>
+          <p:cNvPr id="8" name="Imagem 7" descr="Interface gráfica do usuário, Aplicativo&#10;&#10;Descrição gerada automaticamente">
+            <a:extLst>
+              <a:ext uri="{FF2B5EF4-FFF2-40B4-BE49-F238E27FC236}">
+                <a16:creationId xmlns:a16="http://schemas.microsoft.com/office/drawing/2014/main" id="{D5BC74BC-7CF2-441E-BBAB-45BB587DEE8D}"/>
+              </a:ext>
+            </a:extLst>
+          </p:cNvPr>
+          <p:cNvPicPr>
+            <a:picLocks noChangeAspect="1"/>
+          </p:cNvPicPr>
+          <p:nvPr/>
+        </p:nvPicPr>
+        <p:blipFill rotWithShape="1">
+          <a:blip r:embed="rId3">
+            <a:extLst>
+              <a:ext uri="{28A0092B-C50C-407E-A947-70E740481C1C}">
+                <a14:useLocalDpi xmlns:a14="http://schemas.microsoft.com/office/drawing/2010/main" val="0"/>
+              </a:ext>
+            </a:extLst>
+          </a:blip>
+          <a:srcRect l="1112" t="2858" r="1494" b="25169"/>
+          <a:stretch/>
+        </p:blipFill>
+        <p:spPr>
+          <a:xfrm>
+            <a:off x="5321296" y="1651517"/>
+            <a:ext cx="6363479" cy="4935895"/>
           </a:xfrm>
           <a:prstGeom prst="rect">
             <a:avLst/>
@@ -4738,10 +4775,10 @@
       </p:grpSpPr>
       <p:pic>
         <p:nvPicPr>
-          <p:cNvPr id="3" name="Imagem 2" descr="Uma imagem contendo Tabela&#10;&#10;Descrição gerada automaticamente">
-            <a:extLst>
-              <a:ext uri="{FF2B5EF4-FFF2-40B4-BE49-F238E27FC236}">
-                <a16:creationId xmlns:a16="http://schemas.microsoft.com/office/drawing/2014/main" id="{78A34BAF-5F4F-466C-BFCE-ABBAF1BF46AE}"/>
+          <p:cNvPr id="4" name="Imagem 3" descr="Interface gráfica do usuário, Aplicativo, Teams&#10;&#10;Descrição gerada automaticamente">
+            <a:extLst>
+              <a:ext uri="{FF2B5EF4-FFF2-40B4-BE49-F238E27FC236}">
+                <a16:creationId xmlns:a16="http://schemas.microsoft.com/office/drawing/2014/main" id="{3CAB35DF-E57E-4D4E-B63C-2F5F359EF789}"/>
               </a:ext>
             </a:extLst>
           </p:cNvPr>
@@ -4750,7 +4787,7 @@
           </p:cNvPicPr>
           <p:nvPr/>
         </p:nvPicPr>
-        <p:blipFill>
+        <p:blipFill rotWithShape="1">
           <a:blip r:embed="rId2">
             <a:extLst>
               <a:ext uri="{28A0092B-C50C-407E-A947-70E740481C1C}">
@@ -4758,14 +4795,48 @@
               </a:ext>
             </a:extLst>
           </a:blip>
-          <a:stretch>
-            <a:fillRect/>
-          </a:stretch>
+          <a:srcRect l="2164" t="5448" r="2462" b="2222"/>
+          <a:stretch/>
         </p:blipFill>
         <p:spPr>
           <a:xfrm>
-            <a:off x="1691400" y="462982"/>
-            <a:ext cx="8809200" cy="5932036"/>
+            <a:off x="570270" y="482050"/>
+            <a:ext cx="5101401" cy="5149375"/>
+          </a:xfrm>
+          <a:prstGeom prst="rect">
+            <a:avLst/>
+          </a:prstGeom>
+        </p:spPr>
+      </p:pic>
+      <p:pic>
+        <p:nvPicPr>
+          <p:cNvPr id="6" name="Imagem 5" descr="Interface gráfica do usuário, Aplicativo&#10;&#10;Descrição gerada automaticamente">
+            <a:extLst>
+              <a:ext uri="{FF2B5EF4-FFF2-40B4-BE49-F238E27FC236}">
+                <a16:creationId xmlns:a16="http://schemas.microsoft.com/office/drawing/2014/main" id="{51E0656A-CCCB-410B-8062-33FF21F7EABE}"/>
+              </a:ext>
+            </a:extLst>
+          </p:cNvPr>
+          <p:cNvPicPr>
+            <a:picLocks noChangeAspect="1"/>
+          </p:cNvPicPr>
+          <p:nvPr/>
+        </p:nvPicPr>
+        <p:blipFill rotWithShape="1">
+          <a:blip r:embed="rId3">
+            <a:extLst>
+              <a:ext uri="{28A0092B-C50C-407E-A947-70E740481C1C}">
+                <a14:useLocalDpi xmlns:a14="http://schemas.microsoft.com/office/drawing/2010/main" val="0"/>
+              </a:ext>
+            </a:extLst>
+          </a:blip>
+          <a:srcRect l="2440" t="4587" r="1729" b="3262"/>
+          <a:stretch/>
+        </p:blipFill>
+        <p:spPr>
+          <a:xfrm>
+            <a:off x="6813756" y="482050"/>
+            <a:ext cx="4326195" cy="5149375"/>
           </a:xfrm>
           <a:prstGeom prst="rect">
             <a:avLst/>
@@ -4782,13 +4853,13 @@
   <p:clrMapOvr>
     <a:masterClrMapping/>
   </p:clrMapOvr>
-  <mc:AlternateContent xmlns:mc="http://schemas.openxmlformats.org/markup-compatibility/2006">
-    <mc:Choice xmlns:p14="http://schemas.microsoft.com/office/powerpoint/2010/main" Requires="p14">
+  <mc:AlternateContent xmlns:mc="http://schemas.openxmlformats.org/markup-compatibility/2006" xmlns:p14="http://schemas.microsoft.com/office/powerpoint/2010/main">
+    <mc:Choice Requires="p14">
       <p:transition spd="med" p14:dur="700">
         <p:fade/>
       </p:transition>
     </mc:Choice>
-    <mc:Fallback>
+    <mc:Fallback xmlns="">
       <p:transition spd="med">
         <p:fade/>
       </p:transition>

--- a/Documentação/Pyxis.pptx
+++ b/Documentação/Pyxis.pptx
@@ -2,30 +2,31 @@
 <file path=ppt/presentation.xml><?xml version="1.0" encoding="utf-8"?>
 <p:presentation xmlns:a="http://schemas.openxmlformats.org/drawingml/2006/main" xmlns:r="http://schemas.openxmlformats.org/officeDocument/2006/relationships" xmlns:p="http://schemas.openxmlformats.org/presentationml/2006/main" saveSubsetFonts="1">
   <p:sldMasterIdLst>
-    <p:sldMasterId id="2147483648" r:id="rId1"/>
+    <p:sldMasterId id="2147483660" r:id="rId1"/>
+    <p:sldMasterId id="2147483648" r:id="rId2"/>
   </p:sldMasterIdLst>
   <p:sldIdLst>
-    <p:sldId id="258" r:id="rId2"/>
-    <p:sldId id="257" r:id="rId3"/>
-    <p:sldId id="259" r:id="rId4"/>
-    <p:sldId id="260" r:id="rId5"/>
-    <p:sldId id="282" r:id="rId6"/>
-    <p:sldId id="261" r:id="rId7"/>
-    <p:sldId id="262" r:id="rId8"/>
-    <p:sldId id="267" r:id="rId9"/>
-    <p:sldId id="264" r:id="rId10"/>
-    <p:sldId id="277" r:id="rId11"/>
-    <p:sldId id="283" r:id="rId12"/>
-    <p:sldId id="284" r:id="rId13"/>
-    <p:sldId id="285" r:id="rId14"/>
-    <p:sldId id="268" r:id="rId15"/>
-    <p:sldId id="269" r:id="rId16"/>
-    <p:sldId id="288" r:id="rId17"/>
-    <p:sldId id="278" r:id="rId18"/>
-    <p:sldId id="287" r:id="rId19"/>
-    <p:sldId id="279" r:id="rId20"/>
-    <p:sldId id="280" r:id="rId21"/>
-    <p:sldId id="281" r:id="rId22"/>
+    <p:sldId id="258" r:id="rId3"/>
+    <p:sldId id="257" r:id="rId4"/>
+    <p:sldId id="259" r:id="rId5"/>
+    <p:sldId id="260" r:id="rId6"/>
+    <p:sldId id="282" r:id="rId7"/>
+    <p:sldId id="261" r:id="rId8"/>
+    <p:sldId id="262" r:id="rId9"/>
+    <p:sldId id="267" r:id="rId10"/>
+    <p:sldId id="289" r:id="rId11"/>
+    <p:sldId id="277" r:id="rId12"/>
+    <p:sldId id="283" r:id="rId13"/>
+    <p:sldId id="284" r:id="rId14"/>
+    <p:sldId id="285" r:id="rId15"/>
+    <p:sldId id="268" r:id="rId16"/>
+    <p:sldId id="269" r:id="rId17"/>
+    <p:sldId id="288" r:id="rId18"/>
+    <p:sldId id="278" r:id="rId19"/>
+    <p:sldId id="287" r:id="rId20"/>
+    <p:sldId id="279" r:id="rId21"/>
+    <p:sldId id="280" r:id="rId22"/>
+    <p:sldId id="281" r:id="rId23"/>
   </p:sldIdLst>
   <p:sldSz cx="12192000" cy="6858000"/>
   <p:notesSz cx="6858000" cy="9144000"/>
@@ -132,6 +133,15 @@
 </p:presentation>
 </file>
 
+<file path=ppt/revisionInfo.xml><?xml version="1.0" encoding="utf-8"?>
+<p1510:revInfo xmlns:a="http://schemas.openxmlformats.org/drawingml/2006/main" xmlns:r="http://schemas.openxmlformats.org/officeDocument/2006/relationships" xmlns:p1510="http://schemas.microsoft.com/office/powerpoint/2015/10/main">
+  <p1510:revLst>
+    <p1510:client id="{2208DA28-EB75-0B0E-FBB7-612E526CAF3F}" v="9" dt="2020-10-27T17:19:53.294"/>
+    <p1510:client id="{C4D98DA0-A038-B025-13C7-9933608D720B}" v="16" dt="2020-10-27T14:06:14.223"/>
+  </p1510:revLst>
+</p1510:revInfo>
+</file>
+
 <file path=ppt/slideLayouts/slideLayout1.xml><?xml version="1.0" encoding="utf-8"?>
 <p:sldLayout xmlns:a="http://schemas.openxmlformats.org/drawingml/2006/main" xmlns:r="http://schemas.openxmlformats.org/officeDocument/2006/relationships" xmlns:p="http://schemas.openxmlformats.org/presentationml/2006/main" type="title" preserve="1">
   <p:cSld name="Slide de Título">
@@ -279,7 +289,7 @@
           <a:p>
             <a:fld id="{390E6ACA-D9D5-454D-960A-10CA55DA44EF}" type="datetimeFigureOut">
               <a:rPr lang="pt-BR" smtClean="0"/>
-              <a:t>26/10/2020</a:t>
+              <a:t>27/10/2020</a:t>
             </a:fld>
             <a:endParaRPr lang="pt-BR"/>
           </a:p>
@@ -333,7 +343,7 @@
           <a:p>
             <a:fld id="{6250BC46-CAF3-4512-99CA-C0B9AB4A4CF8}" type="slidenum">
               <a:rPr lang="pt-BR" smtClean="0"/>
-              <a:t>‹nº›</a:t>
+              <a:t>‹#›</a:t>
             </a:fld>
             <a:endParaRPr lang="pt-BR"/>
           </a:p>
@@ -477,7 +487,7 @@
           <a:p>
             <a:fld id="{390E6ACA-D9D5-454D-960A-10CA55DA44EF}" type="datetimeFigureOut">
               <a:rPr lang="pt-BR" smtClean="0"/>
-              <a:t>26/10/2020</a:t>
+              <a:t>27/10/2020</a:t>
             </a:fld>
             <a:endParaRPr lang="pt-BR"/>
           </a:p>
@@ -531,7 +541,7 @@
           <a:p>
             <a:fld id="{6250BC46-CAF3-4512-99CA-C0B9AB4A4CF8}" type="slidenum">
               <a:rPr lang="pt-BR" smtClean="0"/>
-              <a:t>‹nº›</a:t>
+              <a:t>‹#›</a:t>
             </a:fld>
             <a:endParaRPr lang="pt-BR"/>
           </a:p>
@@ -685,7 +695,7 @@
           <a:p>
             <a:fld id="{390E6ACA-D9D5-454D-960A-10CA55DA44EF}" type="datetimeFigureOut">
               <a:rPr lang="pt-BR" smtClean="0"/>
-              <a:t>26/10/2020</a:t>
+              <a:t>27/10/2020</a:t>
             </a:fld>
             <a:endParaRPr lang="pt-BR"/>
           </a:p>
@@ -739,7 +749,7 @@
           <a:p>
             <a:fld id="{6250BC46-CAF3-4512-99CA-C0B9AB4A4CF8}" type="slidenum">
               <a:rPr lang="pt-BR" smtClean="0"/>
-              <a:t>‹nº›</a:t>
+              <a:t>‹#›</a:t>
             </a:fld>
             <a:endParaRPr lang="pt-BR"/>
           </a:p>
@@ -758,7 +768,227 @@
 </p:sldLayout>
 </file>
 
-<file path=ppt/slideLayouts/slideLayout2.xml><?xml version="1.0" encoding="utf-8"?>
+<file path=ppt/slideLayouts/slideLayout12.xml><?xml version="1.0" encoding="utf-8"?>
+<p:sldLayout xmlns:a="http://schemas.openxmlformats.org/drawingml/2006/main" xmlns:r="http://schemas.openxmlformats.org/officeDocument/2006/relationships" xmlns:p="http://schemas.openxmlformats.org/presentationml/2006/main" type="title" preserve="1">
+  <p:cSld name="Slide de Título">
+    <p:spTree>
+      <p:nvGrpSpPr>
+        <p:cNvPr id="1" name=""/>
+        <p:cNvGrpSpPr/>
+        <p:nvPr/>
+      </p:nvGrpSpPr>
+      <p:grpSpPr>
+        <a:xfrm>
+          <a:off x="0" y="0"/>
+          <a:ext cx="0" cy="0"/>
+          <a:chOff x="0" y="0"/>
+          <a:chExt cx="0" cy="0"/>
+        </a:xfrm>
+      </p:grpSpPr>
+      <p:sp>
+        <p:nvSpPr>
+          <p:cNvPr id="2" name="Título 1">
+            <a:extLst>
+              <a:ext uri="{FF2B5EF4-FFF2-40B4-BE49-F238E27FC236}">
+                <a16:creationId xmlns:a16="http://schemas.microsoft.com/office/drawing/2014/main" id="{2ECE8916-00EF-4C12-B972-32C958138008}"/>
+              </a:ext>
+            </a:extLst>
+          </p:cNvPr>
+          <p:cNvSpPr>
+            <a:spLocks noGrp="1"/>
+          </p:cNvSpPr>
+          <p:nvPr>
+            <p:ph type="ctrTitle"/>
+          </p:nvPr>
+        </p:nvSpPr>
+        <p:spPr>
+          <a:xfrm>
+            <a:off x="1524000" y="1122363"/>
+            <a:ext cx="9144000" cy="2387600"/>
+          </a:xfrm>
+        </p:spPr>
+        <p:txBody>
+          <a:bodyPr anchor="b"/>
+          <a:lstStyle>
+            <a:lvl1pPr algn="ctr">
+              <a:defRPr sz="6000"/>
+            </a:lvl1pPr>
+          </a:lstStyle>
+          <a:p>
+            <a:r>
+              <a:rPr lang="pt-BR"/>
+              <a:t>Clique para editar o título Mestre</a:t>
+            </a:r>
+          </a:p>
+        </p:txBody>
+      </p:sp>
+      <p:sp>
+        <p:nvSpPr>
+          <p:cNvPr id="3" name="Subtítulo 2">
+            <a:extLst>
+              <a:ext uri="{FF2B5EF4-FFF2-40B4-BE49-F238E27FC236}">
+                <a16:creationId xmlns:a16="http://schemas.microsoft.com/office/drawing/2014/main" id="{ECA34B29-FC01-4CEE-9577-E458C612B7EE}"/>
+              </a:ext>
+            </a:extLst>
+          </p:cNvPr>
+          <p:cNvSpPr>
+            <a:spLocks noGrp="1"/>
+          </p:cNvSpPr>
+          <p:nvPr>
+            <p:ph type="subTitle" idx="1"/>
+          </p:nvPr>
+        </p:nvSpPr>
+        <p:spPr>
+          <a:xfrm>
+            <a:off x="1524000" y="3602038"/>
+            <a:ext cx="9144000" cy="1655762"/>
+          </a:xfrm>
+        </p:spPr>
+        <p:txBody>
+          <a:bodyPr/>
+          <a:lstStyle>
+            <a:lvl1pPr marL="0" indent="0" algn="ctr">
+              <a:buNone/>
+              <a:defRPr sz="2400"/>
+            </a:lvl1pPr>
+            <a:lvl2pPr marL="457200" indent="0" algn="ctr">
+              <a:buNone/>
+              <a:defRPr sz="2000"/>
+            </a:lvl2pPr>
+            <a:lvl3pPr marL="914400" indent="0" algn="ctr">
+              <a:buNone/>
+              <a:defRPr sz="1800"/>
+            </a:lvl3pPr>
+            <a:lvl4pPr marL="1371600" indent="0" algn="ctr">
+              <a:buNone/>
+              <a:defRPr sz="1600"/>
+            </a:lvl4pPr>
+            <a:lvl5pPr marL="1828800" indent="0" algn="ctr">
+              <a:buNone/>
+              <a:defRPr sz="1600"/>
+            </a:lvl5pPr>
+            <a:lvl6pPr marL="2286000" indent="0" algn="ctr">
+              <a:buNone/>
+              <a:defRPr sz="1600"/>
+            </a:lvl6pPr>
+            <a:lvl7pPr marL="2743200" indent="0" algn="ctr">
+              <a:buNone/>
+              <a:defRPr sz="1600"/>
+            </a:lvl7pPr>
+            <a:lvl8pPr marL="3200400" indent="0" algn="ctr">
+              <a:buNone/>
+              <a:defRPr sz="1600"/>
+            </a:lvl8pPr>
+            <a:lvl9pPr marL="3657600" indent="0" algn="ctr">
+              <a:buNone/>
+              <a:defRPr sz="1600"/>
+            </a:lvl9pPr>
+          </a:lstStyle>
+          <a:p>
+            <a:r>
+              <a:rPr lang="pt-BR"/>
+              <a:t>Clique para editar o estilo do subtítulo Mestre</a:t>
+            </a:r>
+          </a:p>
+        </p:txBody>
+      </p:sp>
+      <p:sp>
+        <p:nvSpPr>
+          <p:cNvPr id="4" name="Espaço Reservado para Data 3">
+            <a:extLst>
+              <a:ext uri="{FF2B5EF4-FFF2-40B4-BE49-F238E27FC236}">
+                <a16:creationId xmlns:a16="http://schemas.microsoft.com/office/drawing/2014/main" id="{29AA2892-A3F5-40AF-94EF-16796A2A271B}"/>
+              </a:ext>
+            </a:extLst>
+          </p:cNvPr>
+          <p:cNvSpPr>
+            <a:spLocks noGrp="1"/>
+          </p:cNvSpPr>
+          <p:nvPr>
+            <p:ph type="dt" sz="half" idx="10"/>
+          </p:nvPr>
+        </p:nvSpPr>
+        <p:spPr/>
+        <p:txBody>
+          <a:bodyPr/>
+          <a:lstStyle/>
+          <a:p>
+            <a:fld id="{E93C9CEB-DED8-41E7-833D-6F3524FD4977}" type="datetimeFigureOut">
+              <a:rPr lang="pt-BR" smtClean="0"/>
+              <a:t>27/10/2020</a:t>
+            </a:fld>
+            <a:endParaRPr lang="pt-BR"/>
+          </a:p>
+        </p:txBody>
+      </p:sp>
+      <p:sp>
+        <p:nvSpPr>
+          <p:cNvPr id="5" name="Espaço Reservado para Rodapé 4">
+            <a:extLst>
+              <a:ext uri="{FF2B5EF4-FFF2-40B4-BE49-F238E27FC236}">
+                <a16:creationId xmlns:a16="http://schemas.microsoft.com/office/drawing/2014/main" id="{FEA58D82-2C56-4C32-A221-87D790264CEA}"/>
+              </a:ext>
+            </a:extLst>
+          </p:cNvPr>
+          <p:cNvSpPr>
+            <a:spLocks noGrp="1"/>
+          </p:cNvSpPr>
+          <p:nvPr>
+            <p:ph type="ftr" sz="quarter" idx="11"/>
+          </p:nvPr>
+        </p:nvSpPr>
+        <p:spPr/>
+        <p:txBody>
+          <a:bodyPr/>
+          <a:lstStyle/>
+          <a:p>
+            <a:endParaRPr lang="pt-BR"/>
+          </a:p>
+        </p:txBody>
+      </p:sp>
+      <p:sp>
+        <p:nvSpPr>
+          <p:cNvPr id="6" name="Espaço Reservado para Número de Slide 5">
+            <a:extLst>
+              <a:ext uri="{FF2B5EF4-FFF2-40B4-BE49-F238E27FC236}">
+                <a16:creationId xmlns:a16="http://schemas.microsoft.com/office/drawing/2014/main" id="{A61CDC76-998C-4367-BF99-4AA10CCE085C}"/>
+              </a:ext>
+            </a:extLst>
+          </p:cNvPr>
+          <p:cNvSpPr>
+            <a:spLocks noGrp="1"/>
+          </p:cNvSpPr>
+          <p:nvPr>
+            <p:ph type="sldNum" sz="quarter" idx="12"/>
+          </p:nvPr>
+        </p:nvSpPr>
+        <p:spPr/>
+        <p:txBody>
+          <a:bodyPr/>
+          <a:lstStyle/>
+          <a:p>
+            <a:fld id="{472B90B5-7232-4C01-84B5-D74C1B9CA187}" type="slidenum">
+              <a:rPr lang="pt-BR" smtClean="0"/>
+              <a:t>‹#›</a:t>
+            </a:fld>
+            <a:endParaRPr lang="pt-BR"/>
+          </a:p>
+        </p:txBody>
+      </p:sp>
+    </p:spTree>
+    <p:extLst>
+      <p:ext uri="{BB962C8B-B14F-4D97-AF65-F5344CB8AC3E}">
+        <p14:creationId xmlns:p14="http://schemas.microsoft.com/office/powerpoint/2010/main" val="226137953"/>
+      </p:ext>
+    </p:extLst>
+  </p:cSld>
+  <p:clrMapOvr>
+    <a:masterClrMapping/>
+  </p:clrMapOvr>
+</p:sldLayout>
+</file>
+
+<file path=ppt/slideLayouts/slideLayout13.xml><?xml version="1.0" encoding="utf-8"?>
 <p:sldLayout xmlns:a="http://schemas.openxmlformats.org/drawingml/2006/main" xmlns:r="http://schemas.openxmlformats.org/officeDocument/2006/relationships" xmlns:p="http://schemas.openxmlformats.org/presentationml/2006/main" type="obj" preserve="1">
   <p:cSld name="Título e Conteúdo">
     <p:spTree>
@@ -780,7 +1010,7 @@
           <p:cNvPr id="2" name="Título 1">
             <a:extLst>
               <a:ext uri="{FF2B5EF4-FFF2-40B4-BE49-F238E27FC236}">
-                <a16:creationId xmlns:a16="http://schemas.microsoft.com/office/drawing/2014/main" id="{41D3CFED-B09D-4CAB-AB9A-00A1C5A3B3DA}"/>
+                <a16:creationId xmlns:a16="http://schemas.microsoft.com/office/drawing/2014/main" id="{5A57C1C5-BB62-4EE0-8C75-38147C693969}"/>
               </a:ext>
             </a:extLst>
           </p:cNvPr>
@@ -808,7 +1038,7 @@
           <p:cNvPr id="3" name="Espaço Reservado para Conteúdo 2">
             <a:extLst>
               <a:ext uri="{FF2B5EF4-FFF2-40B4-BE49-F238E27FC236}">
-                <a16:creationId xmlns:a16="http://schemas.microsoft.com/office/drawing/2014/main" id="{478815BB-D868-4BED-AB5B-602960713C97}"/>
+                <a16:creationId xmlns:a16="http://schemas.microsoft.com/office/drawing/2014/main" id="{96181139-A256-4F3F-A316-CF280FE1C99D}"/>
               </a:ext>
             </a:extLst>
           </p:cNvPr>
@@ -865,7 +1095,7 @@
           <p:cNvPr id="4" name="Espaço Reservado para Data 3">
             <a:extLst>
               <a:ext uri="{FF2B5EF4-FFF2-40B4-BE49-F238E27FC236}">
-                <a16:creationId xmlns:a16="http://schemas.microsoft.com/office/drawing/2014/main" id="{B818E8CE-B261-4AD4-9CCD-B7EBAAC8FBFB}"/>
+                <a16:creationId xmlns:a16="http://schemas.microsoft.com/office/drawing/2014/main" id="{A481CE1F-6039-4163-9171-7CFB26E09546}"/>
               </a:ext>
             </a:extLst>
           </p:cNvPr>
@@ -881,9 +1111,9 @@
           <a:bodyPr/>
           <a:lstStyle/>
           <a:p>
-            <a:fld id="{390E6ACA-D9D5-454D-960A-10CA55DA44EF}" type="datetimeFigureOut">
+            <a:fld id="{E93C9CEB-DED8-41E7-833D-6F3524FD4977}" type="datetimeFigureOut">
               <a:rPr lang="pt-BR" smtClean="0"/>
-              <a:t>26/10/2020</a:t>
+              <a:t>27/10/2020</a:t>
             </a:fld>
             <a:endParaRPr lang="pt-BR"/>
           </a:p>
@@ -894,7 +1124,7 @@
           <p:cNvPr id="5" name="Espaço Reservado para Rodapé 4">
             <a:extLst>
               <a:ext uri="{FF2B5EF4-FFF2-40B4-BE49-F238E27FC236}">
-                <a16:creationId xmlns:a16="http://schemas.microsoft.com/office/drawing/2014/main" id="{0980FAC5-3B26-403A-B0F2-3292F31B7880}"/>
+                <a16:creationId xmlns:a16="http://schemas.microsoft.com/office/drawing/2014/main" id="{BCDCB561-DB87-4513-8DD5-3007D61E5D48}"/>
               </a:ext>
             </a:extLst>
           </p:cNvPr>
@@ -919,7 +1149,7 @@
           <p:cNvPr id="6" name="Espaço Reservado para Número de Slide 5">
             <a:extLst>
               <a:ext uri="{FF2B5EF4-FFF2-40B4-BE49-F238E27FC236}">
-                <a16:creationId xmlns:a16="http://schemas.microsoft.com/office/drawing/2014/main" id="{BBEB94AF-64EC-4F35-85AA-C1A3DD1B7069}"/>
+                <a16:creationId xmlns:a16="http://schemas.microsoft.com/office/drawing/2014/main" id="{BAB334B4-DD3C-4B81-97C3-A2FB09722797}"/>
               </a:ext>
             </a:extLst>
           </p:cNvPr>
@@ -935,9 +1165,9 @@
           <a:bodyPr/>
           <a:lstStyle/>
           <a:p>
-            <a:fld id="{6250BC46-CAF3-4512-99CA-C0B9AB4A4CF8}" type="slidenum">
+            <a:fld id="{472B90B5-7232-4C01-84B5-D74C1B9CA187}" type="slidenum">
               <a:rPr lang="pt-BR" smtClean="0"/>
-              <a:t>‹nº›</a:t>
+              <a:t>‹#›</a:t>
             </a:fld>
             <a:endParaRPr lang="pt-BR"/>
           </a:p>
@@ -946,7 +1176,7 @@
     </p:spTree>
     <p:extLst>
       <p:ext uri="{BB962C8B-B14F-4D97-AF65-F5344CB8AC3E}">
-        <p14:creationId xmlns:p14="http://schemas.microsoft.com/office/powerpoint/2010/main" val="2452946846"/>
+        <p14:creationId xmlns:p14="http://schemas.microsoft.com/office/powerpoint/2010/main" val="2916913782"/>
       </p:ext>
     </p:extLst>
   </p:cSld>
@@ -956,7 +1186,7 @@
 </p:sldLayout>
 </file>
 
-<file path=ppt/slideLayouts/slideLayout3.xml><?xml version="1.0" encoding="utf-8"?>
+<file path=ppt/slideLayouts/slideLayout14.xml><?xml version="1.0" encoding="utf-8"?>
 <p:sldLayout xmlns:a="http://schemas.openxmlformats.org/drawingml/2006/main" xmlns:r="http://schemas.openxmlformats.org/officeDocument/2006/relationships" xmlns:p="http://schemas.openxmlformats.org/presentationml/2006/main" type="secHead" preserve="1">
   <p:cSld name="Cabeçalho da Seção">
     <p:spTree>
@@ -978,7 +1208,7 @@
           <p:cNvPr id="2" name="Título 1">
             <a:extLst>
               <a:ext uri="{FF2B5EF4-FFF2-40B4-BE49-F238E27FC236}">
-                <a16:creationId xmlns:a16="http://schemas.microsoft.com/office/drawing/2014/main" id="{E7B9625B-60B9-4A8A-9145-1DD515FC45D3}"/>
+                <a16:creationId xmlns:a16="http://schemas.microsoft.com/office/drawing/2014/main" id="{235FCF33-F9BF-43BD-AB23-931E1F922C94}"/>
               </a:ext>
             </a:extLst>
           </p:cNvPr>
@@ -1015,7 +1245,7 @@
           <p:cNvPr id="3" name="Espaço Reservado para Texto 2">
             <a:extLst>
               <a:ext uri="{FF2B5EF4-FFF2-40B4-BE49-F238E27FC236}">
-                <a16:creationId xmlns:a16="http://schemas.microsoft.com/office/drawing/2014/main" id="{26C9EE2A-299D-46EF-BFB5-D8599D3AD204}"/>
+                <a16:creationId xmlns:a16="http://schemas.microsoft.com/office/drawing/2014/main" id="{18DA02D1-018D-418D-A240-BF291E1CC4B0}"/>
               </a:ext>
             </a:extLst>
           </p:cNvPr>
@@ -1140,7 +1370,7 @@
           <p:cNvPr id="4" name="Espaço Reservado para Data 3">
             <a:extLst>
               <a:ext uri="{FF2B5EF4-FFF2-40B4-BE49-F238E27FC236}">
-                <a16:creationId xmlns:a16="http://schemas.microsoft.com/office/drawing/2014/main" id="{9F2F9ED5-DAD8-4D3B-9533-44C3AC272601}"/>
+                <a16:creationId xmlns:a16="http://schemas.microsoft.com/office/drawing/2014/main" id="{DA5FDFCF-F534-4FDD-BC31-0C53EAC164A0}"/>
               </a:ext>
             </a:extLst>
           </p:cNvPr>
@@ -1156,9 +1386,9 @@
           <a:bodyPr/>
           <a:lstStyle/>
           <a:p>
-            <a:fld id="{390E6ACA-D9D5-454D-960A-10CA55DA44EF}" type="datetimeFigureOut">
+            <a:fld id="{E93C9CEB-DED8-41E7-833D-6F3524FD4977}" type="datetimeFigureOut">
               <a:rPr lang="pt-BR" smtClean="0"/>
-              <a:t>26/10/2020</a:t>
+              <a:t>27/10/2020</a:t>
             </a:fld>
             <a:endParaRPr lang="pt-BR"/>
           </a:p>
@@ -1169,7 +1399,7 @@
           <p:cNvPr id="5" name="Espaço Reservado para Rodapé 4">
             <a:extLst>
               <a:ext uri="{FF2B5EF4-FFF2-40B4-BE49-F238E27FC236}">
-                <a16:creationId xmlns:a16="http://schemas.microsoft.com/office/drawing/2014/main" id="{583C7797-526F-40B2-99C0-7CFAB20AEAC3}"/>
+                <a16:creationId xmlns:a16="http://schemas.microsoft.com/office/drawing/2014/main" id="{6BD04F3F-C15A-445E-9A12-889D7557B647}"/>
               </a:ext>
             </a:extLst>
           </p:cNvPr>
@@ -1194,7 +1424,7 @@
           <p:cNvPr id="6" name="Espaço Reservado para Número de Slide 5">
             <a:extLst>
               <a:ext uri="{FF2B5EF4-FFF2-40B4-BE49-F238E27FC236}">
-                <a16:creationId xmlns:a16="http://schemas.microsoft.com/office/drawing/2014/main" id="{5236C93B-A837-4905-9DF6-DBA9E204DBE3}"/>
+                <a16:creationId xmlns:a16="http://schemas.microsoft.com/office/drawing/2014/main" id="{9E2FFE60-78AE-4B2C-8FC4-7D57C736C668}"/>
               </a:ext>
             </a:extLst>
           </p:cNvPr>
@@ -1210,9 +1440,9 @@
           <a:bodyPr/>
           <a:lstStyle/>
           <a:p>
-            <a:fld id="{6250BC46-CAF3-4512-99CA-C0B9AB4A4CF8}" type="slidenum">
+            <a:fld id="{472B90B5-7232-4C01-84B5-D74C1B9CA187}" type="slidenum">
               <a:rPr lang="pt-BR" smtClean="0"/>
-              <a:t>‹nº›</a:t>
+              <a:t>‹#›</a:t>
             </a:fld>
             <a:endParaRPr lang="pt-BR"/>
           </a:p>
@@ -1221,7 +1451,7 @@
     </p:spTree>
     <p:extLst>
       <p:ext uri="{BB962C8B-B14F-4D97-AF65-F5344CB8AC3E}">
-        <p14:creationId xmlns:p14="http://schemas.microsoft.com/office/powerpoint/2010/main" val="3802226026"/>
+        <p14:creationId xmlns:p14="http://schemas.microsoft.com/office/powerpoint/2010/main" val="337305140"/>
       </p:ext>
     </p:extLst>
   </p:cSld>
@@ -1231,7 +1461,7 @@
 </p:sldLayout>
 </file>
 
-<file path=ppt/slideLayouts/slideLayout4.xml><?xml version="1.0" encoding="utf-8"?>
+<file path=ppt/slideLayouts/slideLayout15.xml><?xml version="1.0" encoding="utf-8"?>
 <p:sldLayout xmlns:a="http://schemas.openxmlformats.org/drawingml/2006/main" xmlns:r="http://schemas.openxmlformats.org/officeDocument/2006/relationships" xmlns:p="http://schemas.openxmlformats.org/presentationml/2006/main" type="twoObj" preserve="1">
   <p:cSld name="Duas Partes de Conteúdo">
     <p:spTree>
@@ -1253,7 +1483,7 @@
           <p:cNvPr id="2" name="Título 1">
             <a:extLst>
               <a:ext uri="{FF2B5EF4-FFF2-40B4-BE49-F238E27FC236}">
-                <a16:creationId xmlns:a16="http://schemas.microsoft.com/office/drawing/2014/main" id="{C545052A-FBC9-49B3-BC56-64A9D61D5CA5}"/>
+                <a16:creationId xmlns:a16="http://schemas.microsoft.com/office/drawing/2014/main" id="{42A55058-05EC-4905-B056-B97DB7C63870}"/>
               </a:ext>
             </a:extLst>
           </p:cNvPr>
@@ -1281,7 +1511,7 @@
           <p:cNvPr id="3" name="Espaço Reservado para Conteúdo 2">
             <a:extLst>
               <a:ext uri="{FF2B5EF4-FFF2-40B4-BE49-F238E27FC236}">
-                <a16:creationId xmlns:a16="http://schemas.microsoft.com/office/drawing/2014/main" id="{4C4BE5D0-045E-4389-A5B4-06C04000CA55}"/>
+                <a16:creationId xmlns:a16="http://schemas.microsoft.com/office/drawing/2014/main" id="{F56641DA-8FB8-4929-A7B6-FD83131F25F0}"/>
               </a:ext>
             </a:extLst>
           </p:cNvPr>
@@ -1343,7 +1573,7 @@
           <p:cNvPr id="4" name="Espaço Reservado para Conteúdo 3">
             <a:extLst>
               <a:ext uri="{FF2B5EF4-FFF2-40B4-BE49-F238E27FC236}">
-                <a16:creationId xmlns:a16="http://schemas.microsoft.com/office/drawing/2014/main" id="{AAD29ADA-430C-4BC0-909B-67FDD56C9C23}"/>
+                <a16:creationId xmlns:a16="http://schemas.microsoft.com/office/drawing/2014/main" id="{2590BE0D-B286-4841-B09B-75007ACBD8DA}"/>
               </a:ext>
             </a:extLst>
           </p:cNvPr>
@@ -1405,7 +1635,7 @@
           <p:cNvPr id="5" name="Espaço Reservado para Data 4">
             <a:extLst>
               <a:ext uri="{FF2B5EF4-FFF2-40B4-BE49-F238E27FC236}">
-                <a16:creationId xmlns:a16="http://schemas.microsoft.com/office/drawing/2014/main" id="{7656276E-4FE1-4424-970F-376DF473D0FD}"/>
+                <a16:creationId xmlns:a16="http://schemas.microsoft.com/office/drawing/2014/main" id="{0006DDAB-4475-41BB-8F4A-28EF7219BD5D}"/>
               </a:ext>
             </a:extLst>
           </p:cNvPr>
@@ -1421,9 +1651,9 @@
           <a:bodyPr/>
           <a:lstStyle/>
           <a:p>
-            <a:fld id="{390E6ACA-D9D5-454D-960A-10CA55DA44EF}" type="datetimeFigureOut">
+            <a:fld id="{E93C9CEB-DED8-41E7-833D-6F3524FD4977}" type="datetimeFigureOut">
               <a:rPr lang="pt-BR" smtClean="0"/>
-              <a:t>26/10/2020</a:t>
+              <a:t>27/10/2020</a:t>
             </a:fld>
             <a:endParaRPr lang="pt-BR"/>
           </a:p>
@@ -1434,7 +1664,7 @@
           <p:cNvPr id="6" name="Espaço Reservado para Rodapé 5">
             <a:extLst>
               <a:ext uri="{FF2B5EF4-FFF2-40B4-BE49-F238E27FC236}">
-                <a16:creationId xmlns:a16="http://schemas.microsoft.com/office/drawing/2014/main" id="{AE32DE03-0286-435E-808E-0FDC071141BE}"/>
+                <a16:creationId xmlns:a16="http://schemas.microsoft.com/office/drawing/2014/main" id="{42B3BD8B-C756-4269-A0EC-34359EDA4854}"/>
               </a:ext>
             </a:extLst>
           </p:cNvPr>
@@ -1459,7 +1689,7 @@
           <p:cNvPr id="7" name="Espaço Reservado para Número de Slide 6">
             <a:extLst>
               <a:ext uri="{FF2B5EF4-FFF2-40B4-BE49-F238E27FC236}">
-                <a16:creationId xmlns:a16="http://schemas.microsoft.com/office/drawing/2014/main" id="{FECAFE70-C2FA-450E-AFEE-288DF7805348}"/>
+                <a16:creationId xmlns:a16="http://schemas.microsoft.com/office/drawing/2014/main" id="{1378C323-9C79-434C-B5E4-249A935A3527}"/>
               </a:ext>
             </a:extLst>
           </p:cNvPr>
@@ -1475,9 +1705,9 @@
           <a:bodyPr/>
           <a:lstStyle/>
           <a:p>
-            <a:fld id="{6250BC46-CAF3-4512-99CA-C0B9AB4A4CF8}" type="slidenum">
+            <a:fld id="{472B90B5-7232-4C01-84B5-D74C1B9CA187}" type="slidenum">
               <a:rPr lang="pt-BR" smtClean="0"/>
-              <a:t>‹nº›</a:t>
+              <a:t>‹#›</a:t>
             </a:fld>
             <a:endParaRPr lang="pt-BR"/>
           </a:p>
@@ -1486,7 +1716,7 @@
     </p:spTree>
     <p:extLst>
       <p:ext uri="{BB962C8B-B14F-4D97-AF65-F5344CB8AC3E}">
-        <p14:creationId xmlns:p14="http://schemas.microsoft.com/office/powerpoint/2010/main" val="2743543012"/>
+        <p14:creationId xmlns:p14="http://schemas.microsoft.com/office/powerpoint/2010/main" val="3805026464"/>
       </p:ext>
     </p:extLst>
   </p:cSld>
@@ -1496,7 +1726,7 @@
 </p:sldLayout>
 </file>
 
-<file path=ppt/slideLayouts/slideLayout5.xml><?xml version="1.0" encoding="utf-8"?>
+<file path=ppt/slideLayouts/slideLayout16.xml><?xml version="1.0" encoding="utf-8"?>
 <p:sldLayout xmlns:a="http://schemas.openxmlformats.org/drawingml/2006/main" xmlns:r="http://schemas.openxmlformats.org/officeDocument/2006/relationships" xmlns:p="http://schemas.openxmlformats.org/presentationml/2006/main" type="twoTxTwoObj" preserve="1">
   <p:cSld name="Comparação">
     <p:spTree>
@@ -1518,7 +1748,7 @@
           <p:cNvPr id="2" name="Título 1">
             <a:extLst>
               <a:ext uri="{FF2B5EF4-FFF2-40B4-BE49-F238E27FC236}">
-                <a16:creationId xmlns:a16="http://schemas.microsoft.com/office/drawing/2014/main" id="{DB2FC035-F794-424A-B101-A20FECB23696}"/>
+                <a16:creationId xmlns:a16="http://schemas.microsoft.com/office/drawing/2014/main" id="{4BFFBDE1-031A-4F02-A16E-CA3B30F1ED60}"/>
               </a:ext>
             </a:extLst>
           </p:cNvPr>
@@ -1551,7 +1781,7 @@
           <p:cNvPr id="3" name="Espaço Reservado para Texto 2">
             <a:extLst>
               <a:ext uri="{FF2B5EF4-FFF2-40B4-BE49-F238E27FC236}">
-                <a16:creationId xmlns:a16="http://schemas.microsoft.com/office/drawing/2014/main" id="{C1ADF918-9528-44A1-9089-95462337676C}"/>
+                <a16:creationId xmlns:a16="http://schemas.microsoft.com/office/drawing/2014/main" id="{0E25F8A2-0F04-4AC2-BFCF-38851054386D}"/>
               </a:ext>
             </a:extLst>
           </p:cNvPr>
@@ -1622,7 +1852,7 @@
           <p:cNvPr id="4" name="Espaço Reservado para Conteúdo 3">
             <a:extLst>
               <a:ext uri="{FF2B5EF4-FFF2-40B4-BE49-F238E27FC236}">
-                <a16:creationId xmlns:a16="http://schemas.microsoft.com/office/drawing/2014/main" id="{0B1F9AD5-431C-4B82-B5E8-384BFC773F7C}"/>
+                <a16:creationId xmlns:a16="http://schemas.microsoft.com/office/drawing/2014/main" id="{C43037E3-7F11-4D66-9D0F-4DD525E69AB3}"/>
               </a:ext>
             </a:extLst>
           </p:cNvPr>
@@ -1684,7 +1914,7 @@
           <p:cNvPr id="5" name="Espaço Reservado para Texto 4">
             <a:extLst>
               <a:ext uri="{FF2B5EF4-FFF2-40B4-BE49-F238E27FC236}">
-                <a16:creationId xmlns:a16="http://schemas.microsoft.com/office/drawing/2014/main" id="{6F682B39-BE51-4E09-A730-DD706B505FDD}"/>
+                <a16:creationId xmlns:a16="http://schemas.microsoft.com/office/drawing/2014/main" id="{D8C4BD79-EA95-48A3-BE51-79837E749BCA}"/>
               </a:ext>
             </a:extLst>
           </p:cNvPr>
@@ -1755,7 +1985,7 @@
           <p:cNvPr id="6" name="Espaço Reservado para Conteúdo 5">
             <a:extLst>
               <a:ext uri="{FF2B5EF4-FFF2-40B4-BE49-F238E27FC236}">
-                <a16:creationId xmlns:a16="http://schemas.microsoft.com/office/drawing/2014/main" id="{D716F0E0-51A1-492B-8031-E72562F2A9F5}"/>
+                <a16:creationId xmlns:a16="http://schemas.microsoft.com/office/drawing/2014/main" id="{24F17BB7-6C7D-4CF9-8FF8-0AAC085B3F56}"/>
               </a:ext>
             </a:extLst>
           </p:cNvPr>
@@ -1817,7 +2047,7 @@
           <p:cNvPr id="7" name="Espaço Reservado para Data 6">
             <a:extLst>
               <a:ext uri="{FF2B5EF4-FFF2-40B4-BE49-F238E27FC236}">
-                <a16:creationId xmlns:a16="http://schemas.microsoft.com/office/drawing/2014/main" id="{70BB22EE-F51A-4061-ABCF-4DEB515CC4F8}"/>
+                <a16:creationId xmlns:a16="http://schemas.microsoft.com/office/drawing/2014/main" id="{F620EE0C-E18A-4619-BB58-1C538B29F311}"/>
               </a:ext>
             </a:extLst>
           </p:cNvPr>
@@ -1833,9 +2063,9 @@
           <a:bodyPr/>
           <a:lstStyle/>
           <a:p>
-            <a:fld id="{390E6ACA-D9D5-454D-960A-10CA55DA44EF}" type="datetimeFigureOut">
+            <a:fld id="{E93C9CEB-DED8-41E7-833D-6F3524FD4977}" type="datetimeFigureOut">
               <a:rPr lang="pt-BR" smtClean="0"/>
-              <a:t>26/10/2020</a:t>
+              <a:t>27/10/2020</a:t>
             </a:fld>
             <a:endParaRPr lang="pt-BR"/>
           </a:p>
@@ -1846,7 +2076,7 @@
           <p:cNvPr id="8" name="Espaço Reservado para Rodapé 7">
             <a:extLst>
               <a:ext uri="{FF2B5EF4-FFF2-40B4-BE49-F238E27FC236}">
-                <a16:creationId xmlns:a16="http://schemas.microsoft.com/office/drawing/2014/main" id="{0A84F18C-CDC0-4593-A9B5-B97545694A9E}"/>
+                <a16:creationId xmlns:a16="http://schemas.microsoft.com/office/drawing/2014/main" id="{78E909FF-37EC-415B-968E-9A96A9F2956E}"/>
               </a:ext>
             </a:extLst>
           </p:cNvPr>
@@ -1871,7 +2101,7 @@
           <p:cNvPr id="9" name="Espaço Reservado para Número de Slide 8">
             <a:extLst>
               <a:ext uri="{FF2B5EF4-FFF2-40B4-BE49-F238E27FC236}">
-                <a16:creationId xmlns:a16="http://schemas.microsoft.com/office/drawing/2014/main" id="{9E7EDF87-D6D5-4EB9-92C2-BA41004CD69C}"/>
+                <a16:creationId xmlns:a16="http://schemas.microsoft.com/office/drawing/2014/main" id="{2A36378E-BBFB-4631-BD6A-B30AB213A298}"/>
               </a:ext>
             </a:extLst>
           </p:cNvPr>
@@ -1887,9 +2117,9 @@
           <a:bodyPr/>
           <a:lstStyle/>
           <a:p>
-            <a:fld id="{6250BC46-CAF3-4512-99CA-C0B9AB4A4CF8}" type="slidenum">
+            <a:fld id="{472B90B5-7232-4C01-84B5-D74C1B9CA187}" type="slidenum">
               <a:rPr lang="pt-BR" smtClean="0"/>
-              <a:t>‹nº›</a:t>
+              <a:t>‹#›</a:t>
             </a:fld>
             <a:endParaRPr lang="pt-BR"/>
           </a:p>
@@ -1898,7 +2128,7 @@
     </p:spTree>
     <p:extLst>
       <p:ext uri="{BB962C8B-B14F-4D97-AF65-F5344CB8AC3E}">
-        <p14:creationId xmlns:p14="http://schemas.microsoft.com/office/powerpoint/2010/main" val="2839501770"/>
+        <p14:creationId xmlns:p14="http://schemas.microsoft.com/office/powerpoint/2010/main" val="1681325751"/>
       </p:ext>
     </p:extLst>
   </p:cSld>
@@ -1908,7 +2138,7 @@
 </p:sldLayout>
 </file>
 
-<file path=ppt/slideLayouts/slideLayout6.xml><?xml version="1.0" encoding="utf-8"?>
+<file path=ppt/slideLayouts/slideLayout17.xml><?xml version="1.0" encoding="utf-8"?>
 <p:sldLayout xmlns:a="http://schemas.openxmlformats.org/drawingml/2006/main" xmlns:r="http://schemas.openxmlformats.org/officeDocument/2006/relationships" xmlns:p="http://schemas.openxmlformats.org/presentationml/2006/main" type="titleOnly" preserve="1">
   <p:cSld name="Somente Título">
     <p:spTree>
@@ -1930,7 +2160,7 @@
           <p:cNvPr id="2" name="Título 1">
             <a:extLst>
               <a:ext uri="{FF2B5EF4-FFF2-40B4-BE49-F238E27FC236}">
-                <a16:creationId xmlns:a16="http://schemas.microsoft.com/office/drawing/2014/main" id="{B554890B-886F-433B-8812-30AC97B0B3DF}"/>
+                <a16:creationId xmlns:a16="http://schemas.microsoft.com/office/drawing/2014/main" id="{0E8A65E7-73CF-4AB4-A40C-41E67A6365E0}"/>
               </a:ext>
             </a:extLst>
           </p:cNvPr>
@@ -1958,7 +2188,7 @@
           <p:cNvPr id="3" name="Espaço Reservado para Data 2">
             <a:extLst>
               <a:ext uri="{FF2B5EF4-FFF2-40B4-BE49-F238E27FC236}">
-                <a16:creationId xmlns:a16="http://schemas.microsoft.com/office/drawing/2014/main" id="{935F74BD-BF0C-47C6-A14C-0190B9097F0A}"/>
+                <a16:creationId xmlns:a16="http://schemas.microsoft.com/office/drawing/2014/main" id="{F4821B92-D40F-45BA-8B21-639BCBF543C7}"/>
               </a:ext>
             </a:extLst>
           </p:cNvPr>
@@ -1974,9 +2204,9 @@
           <a:bodyPr/>
           <a:lstStyle/>
           <a:p>
-            <a:fld id="{390E6ACA-D9D5-454D-960A-10CA55DA44EF}" type="datetimeFigureOut">
+            <a:fld id="{E93C9CEB-DED8-41E7-833D-6F3524FD4977}" type="datetimeFigureOut">
               <a:rPr lang="pt-BR" smtClean="0"/>
-              <a:t>26/10/2020</a:t>
+              <a:t>27/10/2020</a:t>
             </a:fld>
             <a:endParaRPr lang="pt-BR"/>
           </a:p>
@@ -1987,7 +2217,7 @@
           <p:cNvPr id="4" name="Espaço Reservado para Rodapé 3">
             <a:extLst>
               <a:ext uri="{FF2B5EF4-FFF2-40B4-BE49-F238E27FC236}">
-                <a16:creationId xmlns:a16="http://schemas.microsoft.com/office/drawing/2014/main" id="{7C45367C-E7D2-41FB-A3DE-651009B6585E}"/>
+                <a16:creationId xmlns:a16="http://schemas.microsoft.com/office/drawing/2014/main" id="{0F912303-8770-4C4F-BB87-35C335CE34EE}"/>
               </a:ext>
             </a:extLst>
           </p:cNvPr>
@@ -2012,7 +2242,7 @@
           <p:cNvPr id="5" name="Espaço Reservado para Número de Slide 4">
             <a:extLst>
               <a:ext uri="{FF2B5EF4-FFF2-40B4-BE49-F238E27FC236}">
-                <a16:creationId xmlns:a16="http://schemas.microsoft.com/office/drawing/2014/main" id="{85E16DBD-D112-41C1-B095-622250916F15}"/>
+                <a16:creationId xmlns:a16="http://schemas.microsoft.com/office/drawing/2014/main" id="{E6B7C0D3-29F2-4EEA-A6D6-BC9D1FFA7599}"/>
               </a:ext>
             </a:extLst>
           </p:cNvPr>
@@ -2028,9 +2258,9 @@
           <a:bodyPr/>
           <a:lstStyle/>
           <a:p>
-            <a:fld id="{6250BC46-CAF3-4512-99CA-C0B9AB4A4CF8}" type="slidenum">
+            <a:fld id="{472B90B5-7232-4C01-84B5-D74C1B9CA187}" type="slidenum">
               <a:rPr lang="pt-BR" smtClean="0"/>
-              <a:t>‹nº›</a:t>
+              <a:t>‹#›</a:t>
             </a:fld>
             <a:endParaRPr lang="pt-BR"/>
           </a:p>
@@ -2039,7 +2269,7 @@
     </p:spTree>
     <p:extLst>
       <p:ext uri="{BB962C8B-B14F-4D97-AF65-F5344CB8AC3E}">
-        <p14:creationId xmlns:p14="http://schemas.microsoft.com/office/powerpoint/2010/main" val="1741934227"/>
+        <p14:creationId xmlns:p14="http://schemas.microsoft.com/office/powerpoint/2010/main" val="89451944"/>
       </p:ext>
     </p:extLst>
   </p:cSld>
@@ -2049,7 +2279,7 @@
 </p:sldLayout>
 </file>
 
-<file path=ppt/slideLayouts/slideLayout7.xml><?xml version="1.0" encoding="utf-8"?>
+<file path=ppt/slideLayouts/slideLayout18.xml><?xml version="1.0" encoding="utf-8"?>
 <p:sldLayout xmlns:a="http://schemas.openxmlformats.org/drawingml/2006/main" xmlns:r="http://schemas.openxmlformats.org/officeDocument/2006/relationships" xmlns:p="http://schemas.openxmlformats.org/presentationml/2006/main" type="blank" preserve="1">
   <p:cSld name="Em Branco">
     <p:spTree>
@@ -2071,7 +2301,7 @@
           <p:cNvPr id="2" name="Espaço Reservado para Data 1">
             <a:extLst>
               <a:ext uri="{FF2B5EF4-FFF2-40B4-BE49-F238E27FC236}">
-                <a16:creationId xmlns:a16="http://schemas.microsoft.com/office/drawing/2014/main" id="{F18C8905-6256-4041-8FFA-DE5265F148C0}"/>
+                <a16:creationId xmlns:a16="http://schemas.microsoft.com/office/drawing/2014/main" id="{A53744BD-7CF8-4D80-8B5C-8B38A99F2128}"/>
               </a:ext>
             </a:extLst>
           </p:cNvPr>
@@ -2087,9 +2317,9 @@
           <a:bodyPr/>
           <a:lstStyle/>
           <a:p>
-            <a:fld id="{390E6ACA-D9D5-454D-960A-10CA55DA44EF}" type="datetimeFigureOut">
+            <a:fld id="{E93C9CEB-DED8-41E7-833D-6F3524FD4977}" type="datetimeFigureOut">
               <a:rPr lang="pt-BR" smtClean="0"/>
-              <a:t>26/10/2020</a:t>
+              <a:t>27/10/2020</a:t>
             </a:fld>
             <a:endParaRPr lang="pt-BR"/>
           </a:p>
@@ -2100,7 +2330,7 @@
           <p:cNvPr id="3" name="Espaço Reservado para Rodapé 2">
             <a:extLst>
               <a:ext uri="{FF2B5EF4-FFF2-40B4-BE49-F238E27FC236}">
-                <a16:creationId xmlns:a16="http://schemas.microsoft.com/office/drawing/2014/main" id="{9967A6EA-A50B-4710-B64A-BBDBD13EB2CC}"/>
+                <a16:creationId xmlns:a16="http://schemas.microsoft.com/office/drawing/2014/main" id="{D97C8216-FDAF-4549-81A6-D6AEAFD2C17D}"/>
               </a:ext>
             </a:extLst>
           </p:cNvPr>
@@ -2125,7 +2355,7 @@
           <p:cNvPr id="4" name="Espaço Reservado para Número de Slide 3">
             <a:extLst>
               <a:ext uri="{FF2B5EF4-FFF2-40B4-BE49-F238E27FC236}">
-                <a16:creationId xmlns:a16="http://schemas.microsoft.com/office/drawing/2014/main" id="{509A77CB-F346-4130-9D7A-E83A4823343D}"/>
+                <a16:creationId xmlns:a16="http://schemas.microsoft.com/office/drawing/2014/main" id="{94001ED7-3F80-4780-8C8E-A4DEFE595317}"/>
               </a:ext>
             </a:extLst>
           </p:cNvPr>
@@ -2141,9 +2371,9 @@
           <a:bodyPr/>
           <a:lstStyle/>
           <a:p>
-            <a:fld id="{6250BC46-CAF3-4512-99CA-C0B9AB4A4CF8}" type="slidenum">
+            <a:fld id="{472B90B5-7232-4C01-84B5-D74C1B9CA187}" type="slidenum">
               <a:rPr lang="pt-BR" smtClean="0"/>
-              <a:t>‹nº›</a:t>
+              <a:t>‹#›</a:t>
             </a:fld>
             <a:endParaRPr lang="pt-BR"/>
           </a:p>
@@ -2152,7 +2382,7 @@
     </p:spTree>
     <p:extLst>
       <p:ext uri="{BB962C8B-B14F-4D97-AF65-F5344CB8AC3E}">
-        <p14:creationId xmlns:p14="http://schemas.microsoft.com/office/powerpoint/2010/main" val="3847091173"/>
+        <p14:creationId xmlns:p14="http://schemas.microsoft.com/office/powerpoint/2010/main" val="3652405246"/>
       </p:ext>
     </p:extLst>
   </p:cSld>
@@ -2162,7 +2392,7 @@
 </p:sldLayout>
 </file>
 
-<file path=ppt/slideLayouts/slideLayout8.xml><?xml version="1.0" encoding="utf-8"?>
+<file path=ppt/slideLayouts/slideLayout19.xml><?xml version="1.0" encoding="utf-8"?>
 <p:sldLayout xmlns:a="http://schemas.openxmlformats.org/drawingml/2006/main" xmlns:r="http://schemas.openxmlformats.org/officeDocument/2006/relationships" xmlns:p="http://schemas.openxmlformats.org/presentationml/2006/main" type="objTx" preserve="1">
   <p:cSld name="Conteúdo com Legenda">
     <p:spTree>
@@ -2184,7 +2414,7 @@
           <p:cNvPr id="2" name="Título 1">
             <a:extLst>
               <a:ext uri="{FF2B5EF4-FFF2-40B4-BE49-F238E27FC236}">
-                <a16:creationId xmlns:a16="http://schemas.microsoft.com/office/drawing/2014/main" id="{AFFD29A3-7D97-4B14-ADD9-4995CB5EBBB2}"/>
+                <a16:creationId xmlns:a16="http://schemas.microsoft.com/office/drawing/2014/main" id="{218D1D42-2DD2-4178-93E0-6CF7C72F0248}"/>
               </a:ext>
             </a:extLst>
           </p:cNvPr>
@@ -2221,7 +2451,7 @@
           <p:cNvPr id="3" name="Espaço Reservado para Conteúdo 2">
             <a:extLst>
               <a:ext uri="{FF2B5EF4-FFF2-40B4-BE49-F238E27FC236}">
-                <a16:creationId xmlns:a16="http://schemas.microsoft.com/office/drawing/2014/main" id="{50A1AC41-BC03-45E6-9377-F066A416590B}"/>
+                <a16:creationId xmlns:a16="http://schemas.microsoft.com/office/drawing/2014/main" id="{C49B456F-F3AE-4697-AB00-967C0C4D0532}"/>
               </a:ext>
             </a:extLst>
           </p:cNvPr>
@@ -2311,7 +2541,7 @@
           <p:cNvPr id="4" name="Espaço Reservado para Texto 3">
             <a:extLst>
               <a:ext uri="{FF2B5EF4-FFF2-40B4-BE49-F238E27FC236}">
-                <a16:creationId xmlns:a16="http://schemas.microsoft.com/office/drawing/2014/main" id="{F38409C7-D0F3-4057-BDE7-66746035483E}"/>
+                <a16:creationId xmlns:a16="http://schemas.microsoft.com/office/drawing/2014/main" id="{81E4D190-2551-4FEA-8DC9-87B1AE0C8CC6}"/>
               </a:ext>
             </a:extLst>
           </p:cNvPr>
@@ -2382,7 +2612,7 @@
           <p:cNvPr id="5" name="Espaço Reservado para Data 4">
             <a:extLst>
               <a:ext uri="{FF2B5EF4-FFF2-40B4-BE49-F238E27FC236}">
-                <a16:creationId xmlns:a16="http://schemas.microsoft.com/office/drawing/2014/main" id="{A57524EF-558C-4C99-927A-6D4B19162AAA}"/>
+                <a16:creationId xmlns:a16="http://schemas.microsoft.com/office/drawing/2014/main" id="{7D305FC6-9C9B-43E2-8E8F-8D5555E8AD92}"/>
               </a:ext>
             </a:extLst>
           </p:cNvPr>
@@ -2398,9 +2628,9 @@
           <a:bodyPr/>
           <a:lstStyle/>
           <a:p>
-            <a:fld id="{390E6ACA-D9D5-454D-960A-10CA55DA44EF}" type="datetimeFigureOut">
+            <a:fld id="{E93C9CEB-DED8-41E7-833D-6F3524FD4977}" type="datetimeFigureOut">
               <a:rPr lang="pt-BR" smtClean="0"/>
-              <a:t>26/10/2020</a:t>
+              <a:t>27/10/2020</a:t>
             </a:fld>
             <a:endParaRPr lang="pt-BR"/>
           </a:p>
@@ -2411,7 +2641,7 @@
           <p:cNvPr id="6" name="Espaço Reservado para Rodapé 5">
             <a:extLst>
               <a:ext uri="{FF2B5EF4-FFF2-40B4-BE49-F238E27FC236}">
-                <a16:creationId xmlns:a16="http://schemas.microsoft.com/office/drawing/2014/main" id="{0F766398-3FDE-4673-B468-1B5DE2D21DBD}"/>
+                <a16:creationId xmlns:a16="http://schemas.microsoft.com/office/drawing/2014/main" id="{8337A527-6C26-44A0-A6E2-5BFD600A548D}"/>
               </a:ext>
             </a:extLst>
           </p:cNvPr>
@@ -2436,7 +2666,7 @@
           <p:cNvPr id="7" name="Espaço Reservado para Número de Slide 6">
             <a:extLst>
               <a:ext uri="{FF2B5EF4-FFF2-40B4-BE49-F238E27FC236}">
-                <a16:creationId xmlns:a16="http://schemas.microsoft.com/office/drawing/2014/main" id="{4A5BA3E7-8E0C-4361-A75A-C3B58CCDBAD3}"/>
+                <a16:creationId xmlns:a16="http://schemas.microsoft.com/office/drawing/2014/main" id="{9D8B80DE-3113-4B21-B6F5-53EB720CAD60}"/>
               </a:ext>
             </a:extLst>
           </p:cNvPr>
@@ -2452,9 +2682,9 @@
           <a:bodyPr/>
           <a:lstStyle/>
           <a:p>
-            <a:fld id="{6250BC46-CAF3-4512-99CA-C0B9AB4A4CF8}" type="slidenum">
+            <a:fld id="{472B90B5-7232-4C01-84B5-D74C1B9CA187}" type="slidenum">
               <a:rPr lang="pt-BR" smtClean="0"/>
-              <a:t>‹nº›</a:t>
+              <a:t>‹#›</a:t>
             </a:fld>
             <a:endParaRPr lang="pt-BR"/>
           </a:p>
@@ -2463,7 +2693,7 @@
     </p:spTree>
     <p:extLst>
       <p:ext uri="{BB962C8B-B14F-4D97-AF65-F5344CB8AC3E}">
-        <p14:creationId xmlns:p14="http://schemas.microsoft.com/office/powerpoint/2010/main" val="2214897827"/>
+        <p14:creationId xmlns:p14="http://schemas.microsoft.com/office/powerpoint/2010/main" val="586421499"/>
       </p:ext>
     </p:extLst>
   </p:cSld>
@@ -2473,7 +2703,205 @@
 </p:sldLayout>
 </file>
 
-<file path=ppt/slideLayouts/slideLayout9.xml><?xml version="1.0" encoding="utf-8"?>
+<file path=ppt/slideLayouts/slideLayout2.xml><?xml version="1.0" encoding="utf-8"?>
+<p:sldLayout xmlns:a="http://schemas.openxmlformats.org/drawingml/2006/main" xmlns:r="http://schemas.openxmlformats.org/officeDocument/2006/relationships" xmlns:p="http://schemas.openxmlformats.org/presentationml/2006/main" type="obj" preserve="1">
+  <p:cSld name="Título e Conteúdo">
+    <p:spTree>
+      <p:nvGrpSpPr>
+        <p:cNvPr id="1" name=""/>
+        <p:cNvGrpSpPr/>
+        <p:nvPr/>
+      </p:nvGrpSpPr>
+      <p:grpSpPr>
+        <a:xfrm>
+          <a:off x="0" y="0"/>
+          <a:ext cx="0" cy="0"/>
+          <a:chOff x="0" y="0"/>
+          <a:chExt cx="0" cy="0"/>
+        </a:xfrm>
+      </p:grpSpPr>
+      <p:sp>
+        <p:nvSpPr>
+          <p:cNvPr id="2" name="Título 1">
+            <a:extLst>
+              <a:ext uri="{FF2B5EF4-FFF2-40B4-BE49-F238E27FC236}">
+                <a16:creationId xmlns:a16="http://schemas.microsoft.com/office/drawing/2014/main" id="{41D3CFED-B09D-4CAB-AB9A-00A1C5A3B3DA}"/>
+              </a:ext>
+            </a:extLst>
+          </p:cNvPr>
+          <p:cNvSpPr>
+            <a:spLocks noGrp="1"/>
+          </p:cNvSpPr>
+          <p:nvPr>
+            <p:ph type="title"/>
+          </p:nvPr>
+        </p:nvSpPr>
+        <p:spPr/>
+        <p:txBody>
+          <a:bodyPr/>
+          <a:lstStyle/>
+          <a:p>
+            <a:r>
+              <a:rPr lang="pt-BR"/>
+              <a:t>Clique para editar o título Mestre</a:t>
+            </a:r>
+          </a:p>
+        </p:txBody>
+      </p:sp>
+      <p:sp>
+        <p:nvSpPr>
+          <p:cNvPr id="3" name="Espaço Reservado para Conteúdo 2">
+            <a:extLst>
+              <a:ext uri="{FF2B5EF4-FFF2-40B4-BE49-F238E27FC236}">
+                <a16:creationId xmlns:a16="http://schemas.microsoft.com/office/drawing/2014/main" id="{478815BB-D868-4BED-AB5B-602960713C97}"/>
+              </a:ext>
+            </a:extLst>
+          </p:cNvPr>
+          <p:cNvSpPr>
+            <a:spLocks noGrp="1"/>
+          </p:cNvSpPr>
+          <p:nvPr>
+            <p:ph idx="1"/>
+          </p:nvPr>
+        </p:nvSpPr>
+        <p:spPr/>
+        <p:txBody>
+          <a:bodyPr/>
+          <a:lstStyle/>
+          <a:p>
+            <a:pPr lvl="0"/>
+            <a:r>
+              <a:rPr lang="pt-BR"/>
+              <a:t>Clique para editar os estilos de texto Mestres</a:t>
+            </a:r>
+          </a:p>
+          <a:p>
+            <a:pPr lvl="1"/>
+            <a:r>
+              <a:rPr lang="pt-BR"/>
+              <a:t>Segundo nível</a:t>
+            </a:r>
+          </a:p>
+          <a:p>
+            <a:pPr lvl="2"/>
+            <a:r>
+              <a:rPr lang="pt-BR"/>
+              <a:t>Terceiro nível</a:t>
+            </a:r>
+          </a:p>
+          <a:p>
+            <a:pPr lvl="3"/>
+            <a:r>
+              <a:rPr lang="pt-BR"/>
+              <a:t>Quarto nível</a:t>
+            </a:r>
+          </a:p>
+          <a:p>
+            <a:pPr lvl="4"/>
+            <a:r>
+              <a:rPr lang="pt-BR"/>
+              <a:t>Quinto nível</a:t>
+            </a:r>
+          </a:p>
+        </p:txBody>
+      </p:sp>
+      <p:sp>
+        <p:nvSpPr>
+          <p:cNvPr id="4" name="Espaço Reservado para Data 3">
+            <a:extLst>
+              <a:ext uri="{FF2B5EF4-FFF2-40B4-BE49-F238E27FC236}">
+                <a16:creationId xmlns:a16="http://schemas.microsoft.com/office/drawing/2014/main" id="{B818E8CE-B261-4AD4-9CCD-B7EBAAC8FBFB}"/>
+              </a:ext>
+            </a:extLst>
+          </p:cNvPr>
+          <p:cNvSpPr>
+            <a:spLocks noGrp="1"/>
+          </p:cNvSpPr>
+          <p:nvPr>
+            <p:ph type="dt" sz="half" idx="10"/>
+          </p:nvPr>
+        </p:nvSpPr>
+        <p:spPr/>
+        <p:txBody>
+          <a:bodyPr/>
+          <a:lstStyle/>
+          <a:p>
+            <a:fld id="{390E6ACA-D9D5-454D-960A-10CA55DA44EF}" type="datetimeFigureOut">
+              <a:rPr lang="pt-BR" smtClean="0"/>
+              <a:t>27/10/2020</a:t>
+            </a:fld>
+            <a:endParaRPr lang="pt-BR"/>
+          </a:p>
+        </p:txBody>
+      </p:sp>
+      <p:sp>
+        <p:nvSpPr>
+          <p:cNvPr id="5" name="Espaço Reservado para Rodapé 4">
+            <a:extLst>
+              <a:ext uri="{FF2B5EF4-FFF2-40B4-BE49-F238E27FC236}">
+                <a16:creationId xmlns:a16="http://schemas.microsoft.com/office/drawing/2014/main" id="{0980FAC5-3B26-403A-B0F2-3292F31B7880}"/>
+              </a:ext>
+            </a:extLst>
+          </p:cNvPr>
+          <p:cNvSpPr>
+            <a:spLocks noGrp="1"/>
+          </p:cNvSpPr>
+          <p:nvPr>
+            <p:ph type="ftr" sz="quarter" idx="11"/>
+          </p:nvPr>
+        </p:nvSpPr>
+        <p:spPr/>
+        <p:txBody>
+          <a:bodyPr/>
+          <a:lstStyle/>
+          <a:p>
+            <a:endParaRPr lang="pt-BR"/>
+          </a:p>
+        </p:txBody>
+      </p:sp>
+      <p:sp>
+        <p:nvSpPr>
+          <p:cNvPr id="6" name="Espaço Reservado para Número de Slide 5">
+            <a:extLst>
+              <a:ext uri="{FF2B5EF4-FFF2-40B4-BE49-F238E27FC236}">
+                <a16:creationId xmlns:a16="http://schemas.microsoft.com/office/drawing/2014/main" id="{BBEB94AF-64EC-4F35-85AA-C1A3DD1B7069}"/>
+              </a:ext>
+            </a:extLst>
+          </p:cNvPr>
+          <p:cNvSpPr>
+            <a:spLocks noGrp="1"/>
+          </p:cNvSpPr>
+          <p:nvPr>
+            <p:ph type="sldNum" sz="quarter" idx="12"/>
+          </p:nvPr>
+        </p:nvSpPr>
+        <p:spPr/>
+        <p:txBody>
+          <a:bodyPr/>
+          <a:lstStyle/>
+          <a:p>
+            <a:fld id="{6250BC46-CAF3-4512-99CA-C0B9AB4A4CF8}" type="slidenum">
+              <a:rPr lang="pt-BR" smtClean="0"/>
+              <a:t>‹#›</a:t>
+            </a:fld>
+            <a:endParaRPr lang="pt-BR"/>
+          </a:p>
+        </p:txBody>
+      </p:sp>
+    </p:spTree>
+    <p:extLst>
+      <p:ext uri="{BB962C8B-B14F-4D97-AF65-F5344CB8AC3E}">
+        <p14:creationId xmlns:p14="http://schemas.microsoft.com/office/powerpoint/2010/main" val="2452946846"/>
+      </p:ext>
+    </p:extLst>
+  </p:cSld>
+  <p:clrMapOvr>
+    <a:masterClrMapping/>
+  </p:clrMapOvr>
+</p:sldLayout>
+</file>
+
+<file path=ppt/slideLayouts/slideLayout20.xml><?xml version="1.0" encoding="utf-8"?>
 <p:sldLayout xmlns:a="http://schemas.openxmlformats.org/drawingml/2006/main" xmlns:r="http://schemas.openxmlformats.org/officeDocument/2006/relationships" xmlns:p="http://schemas.openxmlformats.org/presentationml/2006/main" type="picTx" preserve="1">
   <p:cSld name="Imagem com Legenda">
     <p:spTree>
@@ -2495,7 +2923,7 @@
           <p:cNvPr id="2" name="Título 1">
             <a:extLst>
               <a:ext uri="{FF2B5EF4-FFF2-40B4-BE49-F238E27FC236}">
-                <a16:creationId xmlns:a16="http://schemas.microsoft.com/office/drawing/2014/main" id="{0CB2BABE-2432-4586-A832-932779262674}"/>
+                <a16:creationId xmlns:a16="http://schemas.microsoft.com/office/drawing/2014/main" id="{EDFD428B-3F53-4401-B13A-33B2E9BB70F9}"/>
               </a:ext>
             </a:extLst>
           </p:cNvPr>
@@ -2532,7 +2960,7 @@
           <p:cNvPr id="3" name="Espaço Reservado para Imagem 2">
             <a:extLst>
               <a:ext uri="{FF2B5EF4-FFF2-40B4-BE49-F238E27FC236}">
-                <a16:creationId xmlns:a16="http://schemas.microsoft.com/office/drawing/2014/main" id="{FF055192-6B8C-4A85-AEE7-FEF88286C963}"/>
+                <a16:creationId xmlns:a16="http://schemas.microsoft.com/office/drawing/2014/main" id="{EB19EABF-C4EB-4146-BF62-D4641AD75D45}"/>
               </a:ext>
             </a:extLst>
           </p:cNvPr>
@@ -2599,7 +3027,7 @@
           <p:cNvPr id="4" name="Espaço Reservado para Texto 3">
             <a:extLst>
               <a:ext uri="{FF2B5EF4-FFF2-40B4-BE49-F238E27FC236}">
-                <a16:creationId xmlns:a16="http://schemas.microsoft.com/office/drawing/2014/main" id="{6C4ED234-9CDE-42AB-8D53-433EB57C20B7}"/>
+                <a16:creationId xmlns:a16="http://schemas.microsoft.com/office/drawing/2014/main" id="{2E0FB6C3-9DF1-4F58-9538-CEA73D5F0D9F}"/>
               </a:ext>
             </a:extLst>
           </p:cNvPr>
@@ -2670,7 +3098,7 @@
           <p:cNvPr id="5" name="Espaço Reservado para Data 4">
             <a:extLst>
               <a:ext uri="{FF2B5EF4-FFF2-40B4-BE49-F238E27FC236}">
-                <a16:creationId xmlns:a16="http://schemas.microsoft.com/office/drawing/2014/main" id="{84F3C26C-3DA4-4F36-B76B-04ACE140D603}"/>
+                <a16:creationId xmlns:a16="http://schemas.microsoft.com/office/drawing/2014/main" id="{792896B3-F201-45F0-A7AA-5598A3D5B82E}"/>
               </a:ext>
             </a:extLst>
           </p:cNvPr>
@@ -2686,9 +3114,9 @@
           <a:bodyPr/>
           <a:lstStyle/>
           <a:p>
-            <a:fld id="{390E6ACA-D9D5-454D-960A-10CA55DA44EF}" type="datetimeFigureOut">
+            <a:fld id="{E93C9CEB-DED8-41E7-833D-6F3524FD4977}" type="datetimeFigureOut">
               <a:rPr lang="pt-BR" smtClean="0"/>
-              <a:t>26/10/2020</a:t>
+              <a:t>27/10/2020</a:t>
             </a:fld>
             <a:endParaRPr lang="pt-BR"/>
           </a:p>
@@ -2699,7 +3127,7 @@
           <p:cNvPr id="6" name="Espaço Reservado para Rodapé 5">
             <a:extLst>
               <a:ext uri="{FF2B5EF4-FFF2-40B4-BE49-F238E27FC236}">
-                <a16:creationId xmlns:a16="http://schemas.microsoft.com/office/drawing/2014/main" id="{6EDA5F2B-515F-427B-ABA2-BC783AFDC4DA}"/>
+                <a16:creationId xmlns:a16="http://schemas.microsoft.com/office/drawing/2014/main" id="{076C3C81-06DB-4934-8567-EBC921DE1815}"/>
               </a:ext>
             </a:extLst>
           </p:cNvPr>
@@ -2724,7 +3152,7 @@
           <p:cNvPr id="7" name="Espaço Reservado para Número de Slide 6">
             <a:extLst>
               <a:ext uri="{FF2B5EF4-FFF2-40B4-BE49-F238E27FC236}">
-                <a16:creationId xmlns:a16="http://schemas.microsoft.com/office/drawing/2014/main" id="{D399D48F-1DC7-4178-85DD-C711655F5216}"/>
+                <a16:creationId xmlns:a16="http://schemas.microsoft.com/office/drawing/2014/main" id="{B14EA2FC-D641-4516-B278-17A50746E591}"/>
               </a:ext>
             </a:extLst>
           </p:cNvPr>
@@ -2740,9 +3168,2220 @@
           <a:bodyPr/>
           <a:lstStyle/>
           <a:p>
+            <a:fld id="{472B90B5-7232-4C01-84B5-D74C1B9CA187}" type="slidenum">
+              <a:rPr lang="pt-BR" smtClean="0"/>
+              <a:t>‹#›</a:t>
+            </a:fld>
+            <a:endParaRPr lang="pt-BR"/>
+          </a:p>
+        </p:txBody>
+      </p:sp>
+    </p:spTree>
+    <p:extLst>
+      <p:ext uri="{BB962C8B-B14F-4D97-AF65-F5344CB8AC3E}">
+        <p14:creationId xmlns:p14="http://schemas.microsoft.com/office/powerpoint/2010/main" val="3033833237"/>
+      </p:ext>
+    </p:extLst>
+  </p:cSld>
+  <p:clrMapOvr>
+    <a:masterClrMapping/>
+  </p:clrMapOvr>
+</p:sldLayout>
+</file>
+
+<file path=ppt/slideLayouts/slideLayout21.xml><?xml version="1.0" encoding="utf-8"?>
+<p:sldLayout xmlns:a="http://schemas.openxmlformats.org/drawingml/2006/main" xmlns:r="http://schemas.openxmlformats.org/officeDocument/2006/relationships" xmlns:p="http://schemas.openxmlformats.org/presentationml/2006/main" type="vertTx" preserve="1">
+  <p:cSld name="Título e Texto Vertical">
+    <p:spTree>
+      <p:nvGrpSpPr>
+        <p:cNvPr id="1" name=""/>
+        <p:cNvGrpSpPr/>
+        <p:nvPr/>
+      </p:nvGrpSpPr>
+      <p:grpSpPr>
+        <a:xfrm>
+          <a:off x="0" y="0"/>
+          <a:ext cx="0" cy="0"/>
+          <a:chOff x="0" y="0"/>
+          <a:chExt cx="0" cy="0"/>
+        </a:xfrm>
+      </p:grpSpPr>
+      <p:sp>
+        <p:nvSpPr>
+          <p:cNvPr id="2" name="Título 1">
+            <a:extLst>
+              <a:ext uri="{FF2B5EF4-FFF2-40B4-BE49-F238E27FC236}">
+                <a16:creationId xmlns:a16="http://schemas.microsoft.com/office/drawing/2014/main" id="{5CC11D39-CF81-4D47-AF10-DBB732B679CE}"/>
+              </a:ext>
+            </a:extLst>
+          </p:cNvPr>
+          <p:cNvSpPr>
+            <a:spLocks noGrp="1"/>
+          </p:cNvSpPr>
+          <p:nvPr>
+            <p:ph type="title"/>
+          </p:nvPr>
+        </p:nvSpPr>
+        <p:spPr/>
+        <p:txBody>
+          <a:bodyPr/>
+          <a:lstStyle/>
+          <a:p>
+            <a:r>
+              <a:rPr lang="pt-BR"/>
+              <a:t>Clique para editar o título Mestre</a:t>
+            </a:r>
+          </a:p>
+        </p:txBody>
+      </p:sp>
+      <p:sp>
+        <p:nvSpPr>
+          <p:cNvPr id="3" name="Espaço Reservado para Texto Vertical 2">
+            <a:extLst>
+              <a:ext uri="{FF2B5EF4-FFF2-40B4-BE49-F238E27FC236}">
+                <a16:creationId xmlns:a16="http://schemas.microsoft.com/office/drawing/2014/main" id="{FD9355B1-82CC-47CF-97CE-195ED2F675F8}"/>
+              </a:ext>
+            </a:extLst>
+          </p:cNvPr>
+          <p:cNvSpPr>
+            <a:spLocks noGrp="1"/>
+          </p:cNvSpPr>
+          <p:nvPr>
+            <p:ph type="body" orient="vert" idx="1"/>
+          </p:nvPr>
+        </p:nvSpPr>
+        <p:spPr/>
+        <p:txBody>
+          <a:bodyPr vert="eaVert"/>
+          <a:lstStyle/>
+          <a:p>
+            <a:pPr lvl="0"/>
+            <a:r>
+              <a:rPr lang="pt-BR"/>
+              <a:t>Clique para editar os estilos de texto Mestres</a:t>
+            </a:r>
+          </a:p>
+          <a:p>
+            <a:pPr lvl="1"/>
+            <a:r>
+              <a:rPr lang="pt-BR"/>
+              <a:t>Segundo nível</a:t>
+            </a:r>
+          </a:p>
+          <a:p>
+            <a:pPr lvl="2"/>
+            <a:r>
+              <a:rPr lang="pt-BR"/>
+              <a:t>Terceiro nível</a:t>
+            </a:r>
+          </a:p>
+          <a:p>
+            <a:pPr lvl="3"/>
+            <a:r>
+              <a:rPr lang="pt-BR"/>
+              <a:t>Quarto nível</a:t>
+            </a:r>
+          </a:p>
+          <a:p>
+            <a:pPr lvl="4"/>
+            <a:r>
+              <a:rPr lang="pt-BR"/>
+              <a:t>Quinto nível</a:t>
+            </a:r>
+          </a:p>
+        </p:txBody>
+      </p:sp>
+      <p:sp>
+        <p:nvSpPr>
+          <p:cNvPr id="4" name="Espaço Reservado para Data 3">
+            <a:extLst>
+              <a:ext uri="{FF2B5EF4-FFF2-40B4-BE49-F238E27FC236}">
+                <a16:creationId xmlns:a16="http://schemas.microsoft.com/office/drawing/2014/main" id="{751C3B24-F2D6-4228-B975-321921A5D1B2}"/>
+              </a:ext>
+            </a:extLst>
+          </p:cNvPr>
+          <p:cNvSpPr>
+            <a:spLocks noGrp="1"/>
+          </p:cNvSpPr>
+          <p:nvPr>
+            <p:ph type="dt" sz="half" idx="10"/>
+          </p:nvPr>
+        </p:nvSpPr>
+        <p:spPr/>
+        <p:txBody>
+          <a:bodyPr/>
+          <a:lstStyle/>
+          <a:p>
+            <a:fld id="{E93C9CEB-DED8-41E7-833D-6F3524FD4977}" type="datetimeFigureOut">
+              <a:rPr lang="pt-BR" smtClean="0"/>
+              <a:t>27/10/2020</a:t>
+            </a:fld>
+            <a:endParaRPr lang="pt-BR"/>
+          </a:p>
+        </p:txBody>
+      </p:sp>
+      <p:sp>
+        <p:nvSpPr>
+          <p:cNvPr id="5" name="Espaço Reservado para Rodapé 4">
+            <a:extLst>
+              <a:ext uri="{FF2B5EF4-FFF2-40B4-BE49-F238E27FC236}">
+                <a16:creationId xmlns:a16="http://schemas.microsoft.com/office/drawing/2014/main" id="{171AF6A0-6586-405B-8253-7AB5A243C98E}"/>
+              </a:ext>
+            </a:extLst>
+          </p:cNvPr>
+          <p:cNvSpPr>
+            <a:spLocks noGrp="1"/>
+          </p:cNvSpPr>
+          <p:nvPr>
+            <p:ph type="ftr" sz="quarter" idx="11"/>
+          </p:nvPr>
+        </p:nvSpPr>
+        <p:spPr/>
+        <p:txBody>
+          <a:bodyPr/>
+          <a:lstStyle/>
+          <a:p>
+            <a:endParaRPr lang="pt-BR"/>
+          </a:p>
+        </p:txBody>
+      </p:sp>
+      <p:sp>
+        <p:nvSpPr>
+          <p:cNvPr id="6" name="Espaço Reservado para Número de Slide 5">
+            <a:extLst>
+              <a:ext uri="{FF2B5EF4-FFF2-40B4-BE49-F238E27FC236}">
+                <a16:creationId xmlns:a16="http://schemas.microsoft.com/office/drawing/2014/main" id="{EE95E022-2D6A-49CA-B7D8-1BB9CC33E573}"/>
+              </a:ext>
+            </a:extLst>
+          </p:cNvPr>
+          <p:cNvSpPr>
+            <a:spLocks noGrp="1"/>
+          </p:cNvSpPr>
+          <p:nvPr>
+            <p:ph type="sldNum" sz="quarter" idx="12"/>
+          </p:nvPr>
+        </p:nvSpPr>
+        <p:spPr/>
+        <p:txBody>
+          <a:bodyPr/>
+          <a:lstStyle/>
+          <a:p>
+            <a:fld id="{472B90B5-7232-4C01-84B5-D74C1B9CA187}" type="slidenum">
+              <a:rPr lang="pt-BR" smtClean="0"/>
+              <a:t>‹#›</a:t>
+            </a:fld>
+            <a:endParaRPr lang="pt-BR"/>
+          </a:p>
+        </p:txBody>
+      </p:sp>
+    </p:spTree>
+    <p:extLst>
+      <p:ext uri="{BB962C8B-B14F-4D97-AF65-F5344CB8AC3E}">
+        <p14:creationId xmlns:p14="http://schemas.microsoft.com/office/powerpoint/2010/main" val="1208841919"/>
+      </p:ext>
+    </p:extLst>
+  </p:cSld>
+  <p:clrMapOvr>
+    <a:masterClrMapping/>
+  </p:clrMapOvr>
+</p:sldLayout>
+</file>
+
+<file path=ppt/slideLayouts/slideLayout22.xml><?xml version="1.0" encoding="utf-8"?>
+<p:sldLayout xmlns:a="http://schemas.openxmlformats.org/drawingml/2006/main" xmlns:r="http://schemas.openxmlformats.org/officeDocument/2006/relationships" xmlns:p="http://schemas.openxmlformats.org/presentationml/2006/main" type="vertTitleAndTx" preserve="1">
+  <p:cSld name="Texto e Título Vertical">
+    <p:spTree>
+      <p:nvGrpSpPr>
+        <p:cNvPr id="1" name=""/>
+        <p:cNvGrpSpPr/>
+        <p:nvPr/>
+      </p:nvGrpSpPr>
+      <p:grpSpPr>
+        <a:xfrm>
+          <a:off x="0" y="0"/>
+          <a:ext cx="0" cy="0"/>
+          <a:chOff x="0" y="0"/>
+          <a:chExt cx="0" cy="0"/>
+        </a:xfrm>
+      </p:grpSpPr>
+      <p:sp>
+        <p:nvSpPr>
+          <p:cNvPr id="2" name="Título Vertical 1">
+            <a:extLst>
+              <a:ext uri="{FF2B5EF4-FFF2-40B4-BE49-F238E27FC236}">
+                <a16:creationId xmlns:a16="http://schemas.microsoft.com/office/drawing/2014/main" id="{C488126E-E461-44FB-B0B4-7A926B80B03D}"/>
+              </a:ext>
+            </a:extLst>
+          </p:cNvPr>
+          <p:cNvSpPr>
+            <a:spLocks noGrp="1"/>
+          </p:cNvSpPr>
+          <p:nvPr>
+            <p:ph type="title" orient="vert"/>
+          </p:nvPr>
+        </p:nvSpPr>
+        <p:spPr>
+          <a:xfrm>
+            <a:off x="8724900" y="365125"/>
+            <a:ext cx="2628900" cy="5811838"/>
+          </a:xfrm>
+        </p:spPr>
+        <p:txBody>
+          <a:bodyPr vert="eaVert"/>
+          <a:lstStyle/>
+          <a:p>
+            <a:r>
+              <a:rPr lang="pt-BR"/>
+              <a:t>Clique para editar o título Mestre</a:t>
+            </a:r>
+          </a:p>
+        </p:txBody>
+      </p:sp>
+      <p:sp>
+        <p:nvSpPr>
+          <p:cNvPr id="3" name="Espaço Reservado para Texto Vertical 2">
+            <a:extLst>
+              <a:ext uri="{FF2B5EF4-FFF2-40B4-BE49-F238E27FC236}">
+                <a16:creationId xmlns:a16="http://schemas.microsoft.com/office/drawing/2014/main" id="{C72A9934-A62D-495B-89D0-6CF5EA3D13D9}"/>
+              </a:ext>
+            </a:extLst>
+          </p:cNvPr>
+          <p:cNvSpPr>
+            <a:spLocks noGrp="1"/>
+          </p:cNvSpPr>
+          <p:nvPr>
+            <p:ph type="body" orient="vert" idx="1"/>
+          </p:nvPr>
+        </p:nvSpPr>
+        <p:spPr>
+          <a:xfrm>
+            <a:off x="838200" y="365125"/>
+            <a:ext cx="7734300" cy="5811838"/>
+          </a:xfrm>
+        </p:spPr>
+        <p:txBody>
+          <a:bodyPr vert="eaVert"/>
+          <a:lstStyle/>
+          <a:p>
+            <a:pPr lvl="0"/>
+            <a:r>
+              <a:rPr lang="pt-BR"/>
+              <a:t>Clique para editar os estilos de texto Mestres</a:t>
+            </a:r>
+          </a:p>
+          <a:p>
+            <a:pPr lvl="1"/>
+            <a:r>
+              <a:rPr lang="pt-BR"/>
+              <a:t>Segundo nível</a:t>
+            </a:r>
+          </a:p>
+          <a:p>
+            <a:pPr lvl="2"/>
+            <a:r>
+              <a:rPr lang="pt-BR"/>
+              <a:t>Terceiro nível</a:t>
+            </a:r>
+          </a:p>
+          <a:p>
+            <a:pPr lvl="3"/>
+            <a:r>
+              <a:rPr lang="pt-BR"/>
+              <a:t>Quarto nível</a:t>
+            </a:r>
+          </a:p>
+          <a:p>
+            <a:pPr lvl="4"/>
+            <a:r>
+              <a:rPr lang="pt-BR"/>
+              <a:t>Quinto nível</a:t>
+            </a:r>
+          </a:p>
+        </p:txBody>
+      </p:sp>
+      <p:sp>
+        <p:nvSpPr>
+          <p:cNvPr id="4" name="Espaço Reservado para Data 3">
+            <a:extLst>
+              <a:ext uri="{FF2B5EF4-FFF2-40B4-BE49-F238E27FC236}">
+                <a16:creationId xmlns:a16="http://schemas.microsoft.com/office/drawing/2014/main" id="{5B1E2669-C83C-4AB8-B887-8686DDE8247E}"/>
+              </a:ext>
+            </a:extLst>
+          </p:cNvPr>
+          <p:cNvSpPr>
+            <a:spLocks noGrp="1"/>
+          </p:cNvSpPr>
+          <p:nvPr>
+            <p:ph type="dt" sz="half" idx="10"/>
+          </p:nvPr>
+        </p:nvSpPr>
+        <p:spPr/>
+        <p:txBody>
+          <a:bodyPr/>
+          <a:lstStyle/>
+          <a:p>
+            <a:fld id="{E93C9CEB-DED8-41E7-833D-6F3524FD4977}" type="datetimeFigureOut">
+              <a:rPr lang="pt-BR" smtClean="0"/>
+              <a:t>27/10/2020</a:t>
+            </a:fld>
+            <a:endParaRPr lang="pt-BR"/>
+          </a:p>
+        </p:txBody>
+      </p:sp>
+      <p:sp>
+        <p:nvSpPr>
+          <p:cNvPr id="5" name="Espaço Reservado para Rodapé 4">
+            <a:extLst>
+              <a:ext uri="{FF2B5EF4-FFF2-40B4-BE49-F238E27FC236}">
+                <a16:creationId xmlns:a16="http://schemas.microsoft.com/office/drawing/2014/main" id="{7ABE2CC9-F00B-47DF-A5E6-33611BF88519}"/>
+              </a:ext>
+            </a:extLst>
+          </p:cNvPr>
+          <p:cNvSpPr>
+            <a:spLocks noGrp="1"/>
+          </p:cNvSpPr>
+          <p:nvPr>
+            <p:ph type="ftr" sz="quarter" idx="11"/>
+          </p:nvPr>
+        </p:nvSpPr>
+        <p:spPr/>
+        <p:txBody>
+          <a:bodyPr/>
+          <a:lstStyle/>
+          <a:p>
+            <a:endParaRPr lang="pt-BR"/>
+          </a:p>
+        </p:txBody>
+      </p:sp>
+      <p:sp>
+        <p:nvSpPr>
+          <p:cNvPr id="6" name="Espaço Reservado para Número de Slide 5">
+            <a:extLst>
+              <a:ext uri="{FF2B5EF4-FFF2-40B4-BE49-F238E27FC236}">
+                <a16:creationId xmlns:a16="http://schemas.microsoft.com/office/drawing/2014/main" id="{426D0430-F05A-40D6-80D5-4ACF18580D66}"/>
+              </a:ext>
+            </a:extLst>
+          </p:cNvPr>
+          <p:cNvSpPr>
+            <a:spLocks noGrp="1"/>
+          </p:cNvSpPr>
+          <p:nvPr>
+            <p:ph type="sldNum" sz="quarter" idx="12"/>
+          </p:nvPr>
+        </p:nvSpPr>
+        <p:spPr/>
+        <p:txBody>
+          <a:bodyPr/>
+          <a:lstStyle/>
+          <a:p>
+            <a:fld id="{472B90B5-7232-4C01-84B5-D74C1B9CA187}" type="slidenum">
+              <a:rPr lang="pt-BR" smtClean="0"/>
+              <a:t>‹#›</a:t>
+            </a:fld>
+            <a:endParaRPr lang="pt-BR"/>
+          </a:p>
+        </p:txBody>
+      </p:sp>
+    </p:spTree>
+    <p:extLst>
+      <p:ext uri="{BB962C8B-B14F-4D97-AF65-F5344CB8AC3E}">
+        <p14:creationId xmlns:p14="http://schemas.microsoft.com/office/powerpoint/2010/main" val="2089786872"/>
+      </p:ext>
+    </p:extLst>
+  </p:cSld>
+  <p:clrMapOvr>
+    <a:masterClrMapping/>
+  </p:clrMapOvr>
+</p:sldLayout>
+</file>
+
+<file path=ppt/slideLayouts/slideLayout3.xml><?xml version="1.0" encoding="utf-8"?>
+<p:sldLayout xmlns:a="http://schemas.openxmlformats.org/drawingml/2006/main" xmlns:r="http://schemas.openxmlformats.org/officeDocument/2006/relationships" xmlns:p="http://schemas.openxmlformats.org/presentationml/2006/main" type="secHead" preserve="1">
+  <p:cSld name="Cabeçalho da Seção">
+    <p:spTree>
+      <p:nvGrpSpPr>
+        <p:cNvPr id="1" name=""/>
+        <p:cNvGrpSpPr/>
+        <p:nvPr/>
+      </p:nvGrpSpPr>
+      <p:grpSpPr>
+        <a:xfrm>
+          <a:off x="0" y="0"/>
+          <a:ext cx="0" cy="0"/>
+          <a:chOff x="0" y="0"/>
+          <a:chExt cx="0" cy="0"/>
+        </a:xfrm>
+      </p:grpSpPr>
+      <p:sp>
+        <p:nvSpPr>
+          <p:cNvPr id="2" name="Título 1">
+            <a:extLst>
+              <a:ext uri="{FF2B5EF4-FFF2-40B4-BE49-F238E27FC236}">
+                <a16:creationId xmlns:a16="http://schemas.microsoft.com/office/drawing/2014/main" id="{E7B9625B-60B9-4A8A-9145-1DD515FC45D3}"/>
+              </a:ext>
+            </a:extLst>
+          </p:cNvPr>
+          <p:cNvSpPr>
+            <a:spLocks noGrp="1"/>
+          </p:cNvSpPr>
+          <p:nvPr>
+            <p:ph type="title"/>
+          </p:nvPr>
+        </p:nvSpPr>
+        <p:spPr>
+          <a:xfrm>
+            <a:off x="831850" y="1709738"/>
+            <a:ext cx="10515600" cy="2852737"/>
+          </a:xfrm>
+        </p:spPr>
+        <p:txBody>
+          <a:bodyPr anchor="b"/>
+          <a:lstStyle>
+            <a:lvl1pPr>
+              <a:defRPr sz="6000"/>
+            </a:lvl1pPr>
+          </a:lstStyle>
+          <a:p>
+            <a:r>
+              <a:rPr lang="pt-BR"/>
+              <a:t>Clique para editar o título Mestre</a:t>
+            </a:r>
+          </a:p>
+        </p:txBody>
+      </p:sp>
+      <p:sp>
+        <p:nvSpPr>
+          <p:cNvPr id="3" name="Espaço Reservado para Texto 2">
+            <a:extLst>
+              <a:ext uri="{FF2B5EF4-FFF2-40B4-BE49-F238E27FC236}">
+                <a16:creationId xmlns:a16="http://schemas.microsoft.com/office/drawing/2014/main" id="{26C9EE2A-299D-46EF-BFB5-D8599D3AD204}"/>
+              </a:ext>
+            </a:extLst>
+          </p:cNvPr>
+          <p:cNvSpPr>
+            <a:spLocks noGrp="1"/>
+          </p:cNvSpPr>
+          <p:nvPr>
+            <p:ph type="body" idx="1"/>
+          </p:nvPr>
+        </p:nvSpPr>
+        <p:spPr>
+          <a:xfrm>
+            <a:off x="831850" y="4589463"/>
+            <a:ext cx="10515600" cy="1500187"/>
+          </a:xfrm>
+        </p:spPr>
+        <p:txBody>
+          <a:bodyPr/>
+          <a:lstStyle>
+            <a:lvl1pPr marL="0" indent="0">
+              <a:buNone/>
+              <a:defRPr sz="2400">
+                <a:solidFill>
+                  <a:schemeClr val="tx1">
+                    <a:tint val="75000"/>
+                  </a:schemeClr>
+                </a:solidFill>
+              </a:defRPr>
+            </a:lvl1pPr>
+            <a:lvl2pPr marL="457200" indent="0">
+              <a:buNone/>
+              <a:defRPr sz="2000">
+                <a:solidFill>
+                  <a:schemeClr val="tx1">
+                    <a:tint val="75000"/>
+                  </a:schemeClr>
+                </a:solidFill>
+              </a:defRPr>
+            </a:lvl2pPr>
+            <a:lvl3pPr marL="914400" indent="0">
+              <a:buNone/>
+              <a:defRPr sz="1800">
+                <a:solidFill>
+                  <a:schemeClr val="tx1">
+                    <a:tint val="75000"/>
+                  </a:schemeClr>
+                </a:solidFill>
+              </a:defRPr>
+            </a:lvl3pPr>
+            <a:lvl4pPr marL="1371600" indent="0">
+              <a:buNone/>
+              <a:defRPr sz="1600">
+                <a:solidFill>
+                  <a:schemeClr val="tx1">
+                    <a:tint val="75000"/>
+                  </a:schemeClr>
+                </a:solidFill>
+              </a:defRPr>
+            </a:lvl4pPr>
+            <a:lvl5pPr marL="1828800" indent="0">
+              <a:buNone/>
+              <a:defRPr sz="1600">
+                <a:solidFill>
+                  <a:schemeClr val="tx1">
+                    <a:tint val="75000"/>
+                  </a:schemeClr>
+                </a:solidFill>
+              </a:defRPr>
+            </a:lvl5pPr>
+            <a:lvl6pPr marL="2286000" indent="0">
+              <a:buNone/>
+              <a:defRPr sz="1600">
+                <a:solidFill>
+                  <a:schemeClr val="tx1">
+                    <a:tint val="75000"/>
+                  </a:schemeClr>
+                </a:solidFill>
+              </a:defRPr>
+            </a:lvl6pPr>
+            <a:lvl7pPr marL="2743200" indent="0">
+              <a:buNone/>
+              <a:defRPr sz="1600">
+                <a:solidFill>
+                  <a:schemeClr val="tx1">
+                    <a:tint val="75000"/>
+                  </a:schemeClr>
+                </a:solidFill>
+              </a:defRPr>
+            </a:lvl7pPr>
+            <a:lvl8pPr marL="3200400" indent="0">
+              <a:buNone/>
+              <a:defRPr sz="1600">
+                <a:solidFill>
+                  <a:schemeClr val="tx1">
+                    <a:tint val="75000"/>
+                  </a:schemeClr>
+                </a:solidFill>
+              </a:defRPr>
+            </a:lvl8pPr>
+            <a:lvl9pPr marL="3657600" indent="0">
+              <a:buNone/>
+              <a:defRPr sz="1600">
+                <a:solidFill>
+                  <a:schemeClr val="tx1">
+                    <a:tint val="75000"/>
+                  </a:schemeClr>
+                </a:solidFill>
+              </a:defRPr>
+            </a:lvl9pPr>
+          </a:lstStyle>
+          <a:p>
+            <a:pPr lvl="0"/>
+            <a:r>
+              <a:rPr lang="pt-BR"/>
+              <a:t>Clique para editar os estilos de texto Mestres</a:t>
+            </a:r>
+          </a:p>
+        </p:txBody>
+      </p:sp>
+      <p:sp>
+        <p:nvSpPr>
+          <p:cNvPr id="4" name="Espaço Reservado para Data 3">
+            <a:extLst>
+              <a:ext uri="{FF2B5EF4-FFF2-40B4-BE49-F238E27FC236}">
+                <a16:creationId xmlns:a16="http://schemas.microsoft.com/office/drawing/2014/main" id="{9F2F9ED5-DAD8-4D3B-9533-44C3AC272601}"/>
+              </a:ext>
+            </a:extLst>
+          </p:cNvPr>
+          <p:cNvSpPr>
+            <a:spLocks noGrp="1"/>
+          </p:cNvSpPr>
+          <p:nvPr>
+            <p:ph type="dt" sz="half" idx="10"/>
+          </p:nvPr>
+        </p:nvSpPr>
+        <p:spPr/>
+        <p:txBody>
+          <a:bodyPr/>
+          <a:lstStyle/>
+          <a:p>
+            <a:fld id="{390E6ACA-D9D5-454D-960A-10CA55DA44EF}" type="datetimeFigureOut">
+              <a:rPr lang="pt-BR" smtClean="0"/>
+              <a:t>27/10/2020</a:t>
+            </a:fld>
+            <a:endParaRPr lang="pt-BR"/>
+          </a:p>
+        </p:txBody>
+      </p:sp>
+      <p:sp>
+        <p:nvSpPr>
+          <p:cNvPr id="5" name="Espaço Reservado para Rodapé 4">
+            <a:extLst>
+              <a:ext uri="{FF2B5EF4-FFF2-40B4-BE49-F238E27FC236}">
+                <a16:creationId xmlns:a16="http://schemas.microsoft.com/office/drawing/2014/main" id="{583C7797-526F-40B2-99C0-7CFAB20AEAC3}"/>
+              </a:ext>
+            </a:extLst>
+          </p:cNvPr>
+          <p:cNvSpPr>
+            <a:spLocks noGrp="1"/>
+          </p:cNvSpPr>
+          <p:nvPr>
+            <p:ph type="ftr" sz="quarter" idx="11"/>
+          </p:nvPr>
+        </p:nvSpPr>
+        <p:spPr/>
+        <p:txBody>
+          <a:bodyPr/>
+          <a:lstStyle/>
+          <a:p>
+            <a:endParaRPr lang="pt-BR"/>
+          </a:p>
+        </p:txBody>
+      </p:sp>
+      <p:sp>
+        <p:nvSpPr>
+          <p:cNvPr id="6" name="Espaço Reservado para Número de Slide 5">
+            <a:extLst>
+              <a:ext uri="{FF2B5EF4-FFF2-40B4-BE49-F238E27FC236}">
+                <a16:creationId xmlns:a16="http://schemas.microsoft.com/office/drawing/2014/main" id="{5236C93B-A837-4905-9DF6-DBA9E204DBE3}"/>
+              </a:ext>
+            </a:extLst>
+          </p:cNvPr>
+          <p:cNvSpPr>
+            <a:spLocks noGrp="1"/>
+          </p:cNvSpPr>
+          <p:nvPr>
+            <p:ph type="sldNum" sz="quarter" idx="12"/>
+          </p:nvPr>
+        </p:nvSpPr>
+        <p:spPr/>
+        <p:txBody>
+          <a:bodyPr/>
+          <a:lstStyle/>
+          <a:p>
             <a:fld id="{6250BC46-CAF3-4512-99CA-C0B9AB4A4CF8}" type="slidenum">
               <a:rPr lang="pt-BR" smtClean="0"/>
-              <a:t>‹nº›</a:t>
+              <a:t>‹#›</a:t>
+            </a:fld>
+            <a:endParaRPr lang="pt-BR"/>
+          </a:p>
+        </p:txBody>
+      </p:sp>
+    </p:spTree>
+    <p:extLst>
+      <p:ext uri="{BB962C8B-B14F-4D97-AF65-F5344CB8AC3E}">
+        <p14:creationId xmlns:p14="http://schemas.microsoft.com/office/powerpoint/2010/main" val="3802226026"/>
+      </p:ext>
+    </p:extLst>
+  </p:cSld>
+  <p:clrMapOvr>
+    <a:masterClrMapping/>
+  </p:clrMapOvr>
+</p:sldLayout>
+</file>
+
+<file path=ppt/slideLayouts/slideLayout4.xml><?xml version="1.0" encoding="utf-8"?>
+<p:sldLayout xmlns:a="http://schemas.openxmlformats.org/drawingml/2006/main" xmlns:r="http://schemas.openxmlformats.org/officeDocument/2006/relationships" xmlns:p="http://schemas.openxmlformats.org/presentationml/2006/main" type="twoObj" preserve="1">
+  <p:cSld name="Duas Partes de Conteúdo">
+    <p:spTree>
+      <p:nvGrpSpPr>
+        <p:cNvPr id="1" name=""/>
+        <p:cNvGrpSpPr/>
+        <p:nvPr/>
+      </p:nvGrpSpPr>
+      <p:grpSpPr>
+        <a:xfrm>
+          <a:off x="0" y="0"/>
+          <a:ext cx="0" cy="0"/>
+          <a:chOff x="0" y="0"/>
+          <a:chExt cx="0" cy="0"/>
+        </a:xfrm>
+      </p:grpSpPr>
+      <p:sp>
+        <p:nvSpPr>
+          <p:cNvPr id="2" name="Título 1">
+            <a:extLst>
+              <a:ext uri="{FF2B5EF4-FFF2-40B4-BE49-F238E27FC236}">
+                <a16:creationId xmlns:a16="http://schemas.microsoft.com/office/drawing/2014/main" id="{C545052A-FBC9-49B3-BC56-64A9D61D5CA5}"/>
+              </a:ext>
+            </a:extLst>
+          </p:cNvPr>
+          <p:cNvSpPr>
+            <a:spLocks noGrp="1"/>
+          </p:cNvSpPr>
+          <p:nvPr>
+            <p:ph type="title"/>
+          </p:nvPr>
+        </p:nvSpPr>
+        <p:spPr/>
+        <p:txBody>
+          <a:bodyPr/>
+          <a:lstStyle/>
+          <a:p>
+            <a:r>
+              <a:rPr lang="pt-BR"/>
+              <a:t>Clique para editar o título Mestre</a:t>
+            </a:r>
+          </a:p>
+        </p:txBody>
+      </p:sp>
+      <p:sp>
+        <p:nvSpPr>
+          <p:cNvPr id="3" name="Espaço Reservado para Conteúdo 2">
+            <a:extLst>
+              <a:ext uri="{FF2B5EF4-FFF2-40B4-BE49-F238E27FC236}">
+                <a16:creationId xmlns:a16="http://schemas.microsoft.com/office/drawing/2014/main" id="{4C4BE5D0-045E-4389-A5B4-06C04000CA55}"/>
+              </a:ext>
+            </a:extLst>
+          </p:cNvPr>
+          <p:cNvSpPr>
+            <a:spLocks noGrp="1"/>
+          </p:cNvSpPr>
+          <p:nvPr>
+            <p:ph sz="half" idx="1"/>
+          </p:nvPr>
+        </p:nvSpPr>
+        <p:spPr>
+          <a:xfrm>
+            <a:off x="838200" y="1825625"/>
+            <a:ext cx="5181600" cy="4351338"/>
+          </a:xfrm>
+        </p:spPr>
+        <p:txBody>
+          <a:bodyPr/>
+          <a:lstStyle/>
+          <a:p>
+            <a:pPr lvl="0"/>
+            <a:r>
+              <a:rPr lang="pt-BR"/>
+              <a:t>Clique para editar os estilos de texto Mestres</a:t>
+            </a:r>
+          </a:p>
+          <a:p>
+            <a:pPr lvl="1"/>
+            <a:r>
+              <a:rPr lang="pt-BR"/>
+              <a:t>Segundo nível</a:t>
+            </a:r>
+          </a:p>
+          <a:p>
+            <a:pPr lvl="2"/>
+            <a:r>
+              <a:rPr lang="pt-BR"/>
+              <a:t>Terceiro nível</a:t>
+            </a:r>
+          </a:p>
+          <a:p>
+            <a:pPr lvl="3"/>
+            <a:r>
+              <a:rPr lang="pt-BR"/>
+              <a:t>Quarto nível</a:t>
+            </a:r>
+          </a:p>
+          <a:p>
+            <a:pPr lvl="4"/>
+            <a:r>
+              <a:rPr lang="pt-BR"/>
+              <a:t>Quinto nível</a:t>
+            </a:r>
+          </a:p>
+        </p:txBody>
+      </p:sp>
+      <p:sp>
+        <p:nvSpPr>
+          <p:cNvPr id="4" name="Espaço Reservado para Conteúdo 3">
+            <a:extLst>
+              <a:ext uri="{FF2B5EF4-FFF2-40B4-BE49-F238E27FC236}">
+                <a16:creationId xmlns:a16="http://schemas.microsoft.com/office/drawing/2014/main" id="{AAD29ADA-430C-4BC0-909B-67FDD56C9C23}"/>
+              </a:ext>
+            </a:extLst>
+          </p:cNvPr>
+          <p:cNvSpPr>
+            <a:spLocks noGrp="1"/>
+          </p:cNvSpPr>
+          <p:nvPr>
+            <p:ph sz="half" idx="2"/>
+          </p:nvPr>
+        </p:nvSpPr>
+        <p:spPr>
+          <a:xfrm>
+            <a:off x="6172200" y="1825625"/>
+            <a:ext cx="5181600" cy="4351338"/>
+          </a:xfrm>
+        </p:spPr>
+        <p:txBody>
+          <a:bodyPr/>
+          <a:lstStyle/>
+          <a:p>
+            <a:pPr lvl="0"/>
+            <a:r>
+              <a:rPr lang="pt-BR"/>
+              <a:t>Clique para editar os estilos de texto Mestres</a:t>
+            </a:r>
+          </a:p>
+          <a:p>
+            <a:pPr lvl="1"/>
+            <a:r>
+              <a:rPr lang="pt-BR"/>
+              <a:t>Segundo nível</a:t>
+            </a:r>
+          </a:p>
+          <a:p>
+            <a:pPr lvl="2"/>
+            <a:r>
+              <a:rPr lang="pt-BR"/>
+              <a:t>Terceiro nível</a:t>
+            </a:r>
+          </a:p>
+          <a:p>
+            <a:pPr lvl="3"/>
+            <a:r>
+              <a:rPr lang="pt-BR"/>
+              <a:t>Quarto nível</a:t>
+            </a:r>
+          </a:p>
+          <a:p>
+            <a:pPr lvl="4"/>
+            <a:r>
+              <a:rPr lang="pt-BR"/>
+              <a:t>Quinto nível</a:t>
+            </a:r>
+          </a:p>
+        </p:txBody>
+      </p:sp>
+      <p:sp>
+        <p:nvSpPr>
+          <p:cNvPr id="5" name="Espaço Reservado para Data 4">
+            <a:extLst>
+              <a:ext uri="{FF2B5EF4-FFF2-40B4-BE49-F238E27FC236}">
+                <a16:creationId xmlns:a16="http://schemas.microsoft.com/office/drawing/2014/main" id="{7656276E-4FE1-4424-970F-376DF473D0FD}"/>
+              </a:ext>
+            </a:extLst>
+          </p:cNvPr>
+          <p:cNvSpPr>
+            <a:spLocks noGrp="1"/>
+          </p:cNvSpPr>
+          <p:nvPr>
+            <p:ph type="dt" sz="half" idx="10"/>
+          </p:nvPr>
+        </p:nvSpPr>
+        <p:spPr/>
+        <p:txBody>
+          <a:bodyPr/>
+          <a:lstStyle/>
+          <a:p>
+            <a:fld id="{390E6ACA-D9D5-454D-960A-10CA55DA44EF}" type="datetimeFigureOut">
+              <a:rPr lang="pt-BR" smtClean="0"/>
+              <a:t>27/10/2020</a:t>
+            </a:fld>
+            <a:endParaRPr lang="pt-BR"/>
+          </a:p>
+        </p:txBody>
+      </p:sp>
+      <p:sp>
+        <p:nvSpPr>
+          <p:cNvPr id="6" name="Espaço Reservado para Rodapé 5">
+            <a:extLst>
+              <a:ext uri="{FF2B5EF4-FFF2-40B4-BE49-F238E27FC236}">
+                <a16:creationId xmlns:a16="http://schemas.microsoft.com/office/drawing/2014/main" id="{AE32DE03-0286-435E-808E-0FDC071141BE}"/>
+              </a:ext>
+            </a:extLst>
+          </p:cNvPr>
+          <p:cNvSpPr>
+            <a:spLocks noGrp="1"/>
+          </p:cNvSpPr>
+          <p:nvPr>
+            <p:ph type="ftr" sz="quarter" idx="11"/>
+          </p:nvPr>
+        </p:nvSpPr>
+        <p:spPr/>
+        <p:txBody>
+          <a:bodyPr/>
+          <a:lstStyle/>
+          <a:p>
+            <a:endParaRPr lang="pt-BR"/>
+          </a:p>
+        </p:txBody>
+      </p:sp>
+      <p:sp>
+        <p:nvSpPr>
+          <p:cNvPr id="7" name="Espaço Reservado para Número de Slide 6">
+            <a:extLst>
+              <a:ext uri="{FF2B5EF4-FFF2-40B4-BE49-F238E27FC236}">
+                <a16:creationId xmlns:a16="http://schemas.microsoft.com/office/drawing/2014/main" id="{FECAFE70-C2FA-450E-AFEE-288DF7805348}"/>
+              </a:ext>
+            </a:extLst>
+          </p:cNvPr>
+          <p:cNvSpPr>
+            <a:spLocks noGrp="1"/>
+          </p:cNvSpPr>
+          <p:nvPr>
+            <p:ph type="sldNum" sz="quarter" idx="12"/>
+          </p:nvPr>
+        </p:nvSpPr>
+        <p:spPr/>
+        <p:txBody>
+          <a:bodyPr/>
+          <a:lstStyle/>
+          <a:p>
+            <a:fld id="{6250BC46-CAF3-4512-99CA-C0B9AB4A4CF8}" type="slidenum">
+              <a:rPr lang="pt-BR" smtClean="0"/>
+              <a:t>‹#›</a:t>
+            </a:fld>
+            <a:endParaRPr lang="pt-BR"/>
+          </a:p>
+        </p:txBody>
+      </p:sp>
+    </p:spTree>
+    <p:extLst>
+      <p:ext uri="{BB962C8B-B14F-4D97-AF65-F5344CB8AC3E}">
+        <p14:creationId xmlns:p14="http://schemas.microsoft.com/office/powerpoint/2010/main" val="2743543012"/>
+      </p:ext>
+    </p:extLst>
+  </p:cSld>
+  <p:clrMapOvr>
+    <a:masterClrMapping/>
+  </p:clrMapOvr>
+</p:sldLayout>
+</file>
+
+<file path=ppt/slideLayouts/slideLayout5.xml><?xml version="1.0" encoding="utf-8"?>
+<p:sldLayout xmlns:a="http://schemas.openxmlformats.org/drawingml/2006/main" xmlns:r="http://schemas.openxmlformats.org/officeDocument/2006/relationships" xmlns:p="http://schemas.openxmlformats.org/presentationml/2006/main" type="twoTxTwoObj" preserve="1">
+  <p:cSld name="Comparação">
+    <p:spTree>
+      <p:nvGrpSpPr>
+        <p:cNvPr id="1" name=""/>
+        <p:cNvGrpSpPr/>
+        <p:nvPr/>
+      </p:nvGrpSpPr>
+      <p:grpSpPr>
+        <a:xfrm>
+          <a:off x="0" y="0"/>
+          <a:ext cx="0" cy="0"/>
+          <a:chOff x="0" y="0"/>
+          <a:chExt cx="0" cy="0"/>
+        </a:xfrm>
+      </p:grpSpPr>
+      <p:sp>
+        <p:nvSpPr>
+          <p:cNvPr id="2" name="Título 1">
+            <a:extLst>
+              <a:ext uri="{FF2B5EF4-FFF2-40B4-BE49-F238E27FC236}">
+                <a16:creationId xmlns:a16="http://schemas.microsoft.com/office/drawing/2014/main" id="{DB2FC035-F794-424A-B101-A20FECB23696}"/>
+              </a:ext>
+            </a:extLst>
+          </p:cNvPr>
+          <p:cNvSpPr>
+            <a:spLocks noGrp="1"/>
+          </p:cNvSpPr>
+          <p:nvPr>
+            <p:ph type="title"/>
+          </p:nvPr>
+        </p:nvSpPr>
+        <p:spPr>
+          <a:xfrm>
+            <a:off x="839788" y="365125"/>
+            <a:ext cx="10515600" cy="1325563"/>
+          </a:xfrm>
+        </p:spPr>
+        <p:txBody>
+          <a:bodyPr/>
+          <a:lstStyle/>
+          <a:p>
+            <a:r>
+              <a:rPr lang="pt-BR"/>
+              <a:t>Clique para editar o título Mestre</a:t>
+            </a:r>
+          </a:p>
+        </p:txBody>
+      </p:sp>
+      <p:sp>
+        <p:nvSpPr>
+          <p:cNvPr id="3" name="Espaço Reservado para Texto 2">
+            <a:extLst>
+              <a:ext uri="{FF2B5EF4-FFF2-40B4-BE49-F238E27FC236}">
+                <a16:creationId xmlns:a16="http://schemas.microsoft.com/office/drawing/2014/main" id="{C1ADF918-9528-44A1-9089-95462337676C}"/>
+              </a:ext>
+            </a:extLst>
+          </p:cNvPr>
+          <p:cNvSpPr>
+            <a:spLocks noGrp="1"/>
+          </p:cNvSpPr>
+          <p:nvPr>
+            <p:ph type="body" idx="1"/>
+          </p:nvPr>
+        </p:nvSpPr>
+        <p:spPr>
+          <a:xfrm>
+            <a:off x="839788" y="1681163"/>
+            <a:ext cx="5157787" cy="823912"/>
+          </a:xfrm>
+        </p:spPr>
+        <p:txBody>
+          <a:bodyPr anchor="b"/>
+          <a:lstStyle>
+            <a:lvl1pPr marL="0" indent="0">
+              <a:buNone/>
+              <a:defRPr sz="2400" b="1"/>
+            </a:lvl1pPr>
+            <a:lvl2pPr marL="457200" indent="0">
+              <a:buNone/>
+              <a:defRPr sz="2000" b="1"/>
+            </a:lvl2pPr>
+            <a:lvl3pPr marL="914400" indent="0">
+              <a:buNone/>
+              <a:defRPr sz="1800" b="1"/>
+            </a:lvl3pPr>
+            <a:lvl4pPr marL="1371600" indent="0">
+              <a:buNone/>
+              <a:defRPr sz="1600" b="1"/>
+            </a:lvl4pPr>
+            <a:lvl5pPr marL="1828800" indent="0">
+              <a:buNone/>
+              <a:defRPr sz="1600" b="1"/>
+            </a:lvl5pPr>
+            <a:lvl6pPr marL="2286000" indent="0">
+              <a:buNone/>
+              <a:defRPr sz="1600" b="1"/>
+            </a:lvl6pPr>
+            <a:lvl7pPr marL="2743200" indent="0">
+              <a:buNone/>
+              <a:defRPr sz="1600" b="1"/>
+            </a:lvl7pPr>
+            <a:lvl8pPr marL="3200400" indent="0">
+              <a:buNone/>
+              <a:defRPr sz="1600" b="1"/>
+            </a:lvl8pPr>
+            <a:lvl9pPr marL="3657600" indent="0">
+              <a:buNone/>
+              <a:defRPr sz="1600" b="1"/>
+            </a:lvl9pPr>
+          </a:lstStyle>
+          <a:p>
+            <a:pPr lvl="0"/>
+            <a:r>
+              <a:rPr lang="pt-BR"/>
+              <a:t>Clique para editar os estilos de texto Mestres</a:t>
+            </a:r>
+          </a:p>
+        </p:txBody>
+      </p:sp>
+      <p:sp>
+        <p:nvSpPr>
+          <p:cNvPr id="4" name="Espaço Reservado para Conteúdo 3">
+            <a:extLst>
+              <a:ext uri="{FF2B5EF4-FFF2-40B4-BE49-F238E27FC236}">
+                <a16:creationId xmlns:a16="http://schemas.microsoft.com/office/drawing/2014/main" id="{0B1F9AD5-431C-4B82-B5E8-384BFC773F7C}"/>
+              </a:ext>
+            </a:extLst>
+          </p:cNvPr>
+          <p:cNvSpPr>
+            <a:spLocks noGrp="1"/>
+          </p:cNvSpPr>
+          <p:nvPr>
+            <p:ph sz="half" idx="2"/>
+          </p:nvPr>
+        </p:nvSpPr>
+        <p:spPr>
+          <a:xfrm>
+            <a:off x="839788" y="2505075"/>
+            <a:ext cx="5157787" cy="3684588"/>
+          </a:xfrm>
+        </p:spPr>
+        <p:txBody>
+          <a:bodyPr/>
+          <a:lstStyle/>
+          <a:p>
+            <a:pPr lvl="0"/>
+            <a:r>
+              <a:rPr lang="pt-BR"/>
+              <a:t>Clique para editar os estilos de texto Mestres</a:t>
+            </a:r>
+          </a:p>
+          <a:p>
+            <a:pPr lvl="1"/>
+            <a:r>
+              <a:rPr lang="pt-BR"/>
+              <a:t>Segundo nível</a:t>
+            </a:r>
+          </a:p>
+          <a:p>
+            <a:pPr lvl="2"/>
+            <a:r>
+              <a:rPr lang="pt-BR"/>
+              <a:t>Terceiro nível</a:t>
+            </a:r>
+          </a:p>
+          <a:p>
+            <a:pPr lvl="3"/>
+            <a:r>
+              <a:rPr lang="pt-BR"/>
+              <a:t>Quarto nível</a:t>
+            </a:r>
+          </a:p>
+          <a:p>
+            <a:pPr lvl="4"/>
+            <a:r>
+              <a:rPr lang="pt-BR"/>
+              <a:t>Quinto nível</a:t>
+            </a:r>
+          </a:p>
+        </p:txBody>
+      </p:sp>
+      <p:sp>
+        <p:nvSpPr>
+          <p:cNvPr id="5" name="Espaço Reservado para Texto 4">
+            <a:extLst>
+              <a:ext uri="{FF2B5EF4-FFF2-40B4-BE49-F238E27FC236}">
+                <a16:creationId xmlns:a16="http://schemas.microsoft.com/office/drawing/2014/main" id="{6F682B39-BE51-4E09-A730-DD706B505FDD}"/>
+              </a:ext>
+            </a:extLst>
+          </p:cNvPr>
+          <p:cNvSpPr>
+            <a:spLocks noGrp="1"/>
+          </p:cNvSpPr>
+          <p:nvPr>
+            <p:ph type="body" sz="quarter" idx="3"/>
+          </p:nvPr>
+        </p:nvSpPr>
+        <p:spPr>
+          <a:xfrm>
+            <a:off x="6172200" y="1681163"/>
+            <a:ext cx="5183188" cy="823912"/>
+          </a:xfrm>
+        </p:spPr>
+        <p:txBody>
+          <a:bodyPr anchor="b"/>
+          <a:lstStyle>
+            <a:lvl1pPr marL="0" indent="0">
+              <a:buNone/>
+              <a:defRPr sz="2400" b="1"/>
+            </a:lvl1pPr>
+            <a:lvl2pPr marL="457200" indent="0">
+              <a:buNone/>
+              <a:defRPr sz="2000" b="1"/>
+            </a:lvl2pPr>
+            <a:lvl3pPr marL="914400" indent="0">
+              <a:buNone/>
+              <a:defRPr sz="1800" b="1"/>
+            </a:lvl3pPr>
+            <a:lvl4pPr marL="1371600" indent="0">
+              <a:buNone/>
+              <a:defRPr sz="1600" b="1"/>
+            </a:lvl4pPr>
+            <a:lvl5pPr marL="1828800" indent="0">
+              <a:buNone/>
+              <a:defRPr sz="1600" b="1"/>
+            </a:lvl5pPr>
+            <a:lvl6pPr marL="2286000" indent="0">
+              <a:buNone/>
+              <a:defRPr sz="1600" b="1"/>
+            </a:lvl6pPr>
+            <a:lvl7pPr marL="2743200" indent="0">
+              <a:buNone/>
+              <a:defRPr sz="1600" b="1"/>
+            </a:lvl7pPr>
+            <a:lvl8pPr marL="3200400" indent="0">
+              <a:buNone/>
+              <a:defRPr sz="1600" b="1"/>
+            </a:lvl8pPr>
+            <a:lvl9pPr marL="3657600" indent="0">
+              <a:buNone/>
+              <a:defRPr sz="1600" b="1"/>
+            </a:lvl9pPr>
+          </a:lstStyle>
+          <a:p>
+            <a:pPr lvl="0"/>
+            <a:r>
+              <a:rPr lang="pt-BR"/>
+              <a:t>Clique para editar os estilos de texto Mestres</a:t>
+            </a:r>
+          </a:p>
+        </p:txBody>
+      </p:sp>
+      <p:sp>
+        <p:nvSpPr>
+          <p:cNvPr id="6" name="Espaço Reservado para Conteúdo 5">
+            <a:extLst>
+              <a:ext uri="{FF2B5EF4-FFF2-40B4-BE49-F238E27FC236}">
+                <a16:creationId xmlns:a16="http://schemas.microsoft.com/office/drawing/2014/main" id="{D716F0E0-51A1-492B-8031-E72562F2A9F5}"/>
+              </a:ext>
+            </a:extLst>
+          </p:cNvPr>
+          <p:cNvSpPr>
+            <a:spLocks noGrp="1"/>
+          </p:cNvSpPr>
+          <p:nvPr>
+            <p:ph sz="quarter" idx="4"/>
+          </p:nvPr>
+        </p:nvSpPr>
+        <p:spPr>
+          <a:xfrm>
+            <a:off x="6172200" y="2505075"/>
+            <a:ext cx="5183188" cy="3684588"/>
+          </a:xfrm>
+        </p:spPr>
+        <p:txBody>
+          <a:bodyPr/>
+          <a:lstStyle/>
+          <a:p>
+            <a:pPr lvl="0"/>
+            <a:r>
+              <a:rPr lang="pt-BR"/>
+              <a:t>Clique para editar os estilos de texto Mestres</a:t>
+            </a:r>
+          </a:p>
+          <a:p>
+            <a:pPr lvl="1"/>
+            <a:r>
+              <a:rPr lang="pt-BR"/>
+              <a:t>Segundo nível</a:t>
+            </a:r>
+          </a:p>
+          <a:p>
+            <a:pPr lvl="2"/>
+            <a:r>
+              <a:rPr lang="pt-BR"/>
+              <a:t>Terceiro nível</a:t>
+            </a:r>
+          </a:p>
+          <a:p>
+            <a:pPr lvl="3"/>
+            <a:r>
+              <a:rPr lang="pt-BR"/>
+              <a:t>Quarto nível</a:t>
+            </a:r>
+          </a:p>
+          <a:p>
+            <a:pPr lvl="4"/>
+            <a:r>
+              <a:rPr lang="pt-BR"/>
+              <a:t>Quinto nível</a:t>
+            </a:r>
+          </a:p>
+        </p:txBody>
+      </p:sp>
+      <p:sp>
+        <p:nvSpPr>
+          <p:cNvPr id="7" name="Espaço Reservado para Data 6">
+            <a:extLst>
+              <a:ext uri="{FF2B5EF4-FFF2-40B4-BE49-F238E27FC236}">
+                <a16:creationId xmlns:a16="http://schemas.microsoft.com/office/drawing/2014/main" id="{70BB22EE-F51A-4061-ABCF-4DEB515CC4F8}"/>
+              </a:ext>
+            </a:extLst>
+          </p:cNvPr>
+          <p:cNvSpPr>
+            <a:spLocks noGrp="1"/>
+          </p:cNvSpPr>
+          <p:nvPr>
+            <p:ph type="dt" sz="half" idx="10"/>
+          </p:nvPr>
+        </p:nvSpPr>
+        <p:spPr/>
+        <p:txBody>
+          <a:bodyPr/>
+          <a:lstStyle/>
+          <a:p>
+            <a:fld id="{390E6ACA-D9D5-454D-960A-10CA55DA44EF}" type="datetimeFigureOut">
+              <a:rPr lang="pt-BR" smtClean="0"/>
+              <a:t>27/10/2020</a:t>
+            </a:fld>
+            <a:endParaRPr lang="pt-BR"/>
+          </a:p>
+        </p:txBody>
+      </p:sp>
+      <p:sp>
+        <p:nvSpPr>
+          <p:cNvPr id="8" name="Espaço Reservado para Rodapé 7">
+            <a:extLst>
+              <a:ext uri="{FF2B5EF4-FFF2-40B4-BE49-F238E27FC236}">
+                <a16:creationId xmlns:a16="http://schemas.microsoft.com/office/drawing/2014/main" id="{0A84F18C-CDC0-4593-A9B5-B97545694A9E}"/>
+              </a:ext>
+            </a:extLst>
+          </p:cNvPr>
+          <p:cNvSpPr>
+            <a:spLocks noGrp="1"/>
+          </p:cNvSpPr>
+          <p:nvPr>
+            <p:ph type="ftr" sz="quarter" idx="11"/>
+          </p:nvPr>
+        </p:nvSpPr>
+        <p:spPr/>
+        <p:txBody>
+          <a:bodyPr/>
+          <a:lstStyle/>
+          <a:p>
+            <a:endParaRPr lang="pt-BR"/>
+          </a:p>
+        </p:txBody>
+      </p:sp>
+      <p:sp>
+        <p:nvSpPr>
+          <p:cNvPr id="9" name="Espaço Reservado para Número de Slide 8">
+            <a:extLst>
+              <a:ext uri="{FF2B5EF4-FFF2-40B4-BE49-F238E27FC236}">
+                <a16:creationId xmlns:a16="http://schemas.microsoft.com/office/drawing/2014/main" id="{9E7EDF87-D6D5-4EB9-92C2-BA41004CD69C}"/>
+              </a:ext>
+            </a:extLst>
+          </p:cNvPr>
+          <p:cNvSpPr>
+            <a:spLocks noGrp="1"/>
+          </p:cNvSpPr>
+          <p:nvPr>
+            <p:ph type="sldNum" sz="quarter" idx="12"/>
+          </p:nvPr>
+        </p:nvSpPr>
+        <p:spPr/>
+        <p:txBody>
+          <a:bodyPr/>
+          <a:lstStyle/>
+          <a:p>
+            <a:fld id="{6250BC46-CAF3-4512-99CA-C0B9AB4A4CF8}" type="slidenum">
+              <a:rPr lang="pt-BR" smtClean="0"/>
+              <a:t>‹#›</a:t>
+            </a:fld>
+            <a:endParaRPr lang="pt-BR"/>
+          </a:p>
+        </p:txBody>
+      </p:sp>
+    </p:spTree>
+    <p:extLst>
+      <p:ext uri="{BB962C8B-B14F-4D97-AF65-F5344CB8AC3E}">
+        <p14:creationId xmlns:p14="http://schemas.microsoft.com/office/powerpoint/2010/main" val="2839501770"/>
+      </p:ext>
+    </p:extLst>
+  </p:cSld>
+  <p:clrMapOvr>
+    <a:masterClrMapping/>
+  </p:clrMapOvr>
+</p:sldLayout>
+</file>
+
+<file path=ppt/slideLayouts/slideLayout6.xml><?xml version="1.0" encoding="utf-8"?>
+<p:sldLayout xmlns:a="http://schemas.openxmlformats.org/drawingml/2006/main" xmlns:r="http://schemas.openxmlformats.org/officeDocument/2006/relationships" xmlns:p="http://schemas.openxmlformats.org/presentationml/2006/main" type="titleOnly" preserve="1">
+  <p:cSld name="Somente Título">
+    <p:spTree>
+      <p:nvGrpSpPr>
+        <p:cNvPr id="1" name=""/>
+        <p:cNvGrpSpPr/>
+        <p:nvPr/>
+      </p:nvGrpSpPr>
+      <p:grpSpPr>
+        <a:xfrm>
+          <a:off x="0" y="0"/>
+          <a:ext cx="0" cy="0"/>
+          <a:chOff x="0" y="0"/>
+          <a:chExt cx="0" cy="0"/>
+        </a:xfrm>
+      </p:grpSpPr>
+      <p:sp>
+        <p:nvSpPr>
+          <p:cNvPr id="2" name="Título 1">
+            <a:extLst>
+              <a:ext uri="{FF2B5EF4-FFF2-40B4-BE49-F238E27FC236}">
+                <a16:creationId xmlns:a16="http://schemas.microsoft.com/office/drawing/2014/main" id="{B554890B-886F-433B-8812-30AC97B0B3DF}"/>
+              </a:ext>
+            </a:extLst>
+          </p:cNvPr>
+          <p:cNvSpPr>
+            <a:spLocks noGrp="1"/>
+          </p:cNvSpPr>
+          <p:nvPr>
+            <p:ph type="title"/>
+          </p:nvPr>
+        </p:nvSpPr>
+        <p:spPr/>
+        <p:txBody>
+          <a:bodyPr/>
+          <a:lstStyle/>
+          <a:p>
+            <a:r>
+              <a:rPr lang="pt-BR"/>
+              <a:t>Clique para editar o título Mestre</a:t>
+            </a:r>
+          </a:p>
+        </p:txBody>
+      </p:sp>
+      <p:sp>
+        <p:nvSpPr>
+          <p:cNvPr id="3" name="Espaço Reservado para Data 2">
+            <a:extLst>
+              <a:ext uri="{FF2B5EF4-FFF2-40B4-BE49-F238E27FC236}">
+                <a16:creationId xmlns:a16="http://schemas.microsoft.com/office/drawing/2014/main" id="{935F74BD-BF0C-47C6-A14C-0190B9097F0A}"/>
+              </a:ext>
+            </a:extLst>
+          </p:cNvPr>
+          <p:cNvSpPr>
+            <a:spLocks noGrp="1"/>
+          </p:cNvSpPr>
+          <p:nvPr>
+            <p:ph type="dt" sz="half" idx="10"/>
+          </p:nvPr>
+        </p:nvSpPr>
+        <p:spPr/>
+        <p:txBody>
+          <a:bodyPr/>
+          <a:lstStyle/>
+          <a:p>
+            <a:fld id="{390E6ACA-D9D5-454D-960A-10CA55DA44EF}" type="datetimeFigureOut">
+              <a:rPr lang="pt-BR" smtClean="0"/>
+              <a:t>27/10/2020</a:t>
+            </a:fld>
+            <a:endParaRPr lang="pt-BR"/>
+          </a:p>
+        </p:txBody>
+      </p:sp>
+      <p:sp>
+        <p:nvSpPr>
+          <p:cNvPr id="4" name="Espaço Reservado para Rodapé 3">
+            <a:extLst>
+              <a:ext uri="{FF2B5EF4-FFF2-40B4-BE49-F238E27FC236}">
+                <a16:creationId xmlns:a16="http://schemas.microsoft.com/office/drawing/2014/main" id="{7C45367C-E7D2-41FB-A3DE-651009B6585E}"/>
+              </a:ext>
+            </a:extLst>
+          </p:cNvPr>
+          <p:cNvSpPr>
+            <a:spLocks noGrp="1"/>
+          </p:cNvSpPr>
+          <p:nvPr>
+            <p:ph type="ftr" sz="quarter" idx="11"/>
+          </p:nvPr>
+        </p:nvSpPr>
+        <p:spPr/>
+        <p:txBody>
+          <a:bodyPr/>
+          <a:lstStyle/>
+          <a:p>
+            <a:endParaRPr lang="pt-BR"/>
+          </a:p>
+        </p:txBody>
+      </p:sp>
+      <p:sp>
+        <p:nvSpPr>
+          <p:cNvPr id="5" name="Espaço Reservado para Número de Slide 4">
+            <a:extLst>
+              <a:ext uri="{FF2B5EF4-FFF2-40B4-BE49-F238E27FC236}">
+                <a16:creationId xmlns:a16="http://schemas.microsoft.com/office/drawing/2014/main" id="{85E16DBD-D112-41C1-B095-622250916F15}"/>
+              </a:ext>
+            </a:extLst>
+          </p:cNvPr>
+          <p:cNvSpPr>
+            <a:spLocks noGrp="1"/>
+          </p:cNvSpPr>
+          <p:nvPr>
+            <p:ph type="sldNum" sz="quarter" idx="12"/>
+          </p:nvPr>
+        </p:nvSpPr>
+        <p:spPr/>
+        <p:txBody>
+          <a:bodyPr/>
+          <a:lstStyle/>
+          <a:p>
+            <a:fld id="{6250BC46-CAF3-4512-99CA-C0B9AB4A4CF8}" type="slidenum">
+              <a:rPr lang="pt-BR" smtClean="0"/>
+              <a:t>‹#›</a:t>
+            </a:fld>
+            <a:endParaRPr lang="pt-BR"/>
+          </a:p>
+        </p:txBody>
+      </p:sp>
+    </p:spTree>
+    <p:extLst>
+      <p:ext uri="{BB962C8B-B14F-4D97-AF65-F5344CB8AC3E}">
+        <p14:creationId xmlns:p14="http://schemas.microsoft.com/office/powerpoint/2010/main" val="1741934227"/>
+      </p:ext>
+    </p:extLst>
+  </p:cSld>
+  <p:clrMapOvr>
+    <a:masterClrMapping/>
+  </p:clrMapOvr>
+</p:sldLayout>
+</file>
+
+<file path=ppt/slideLayouts/slideLayout7.xml><?xml version="1.0" encoding="utf-8"?>
+<p:sldLayout xmlns:a="http://schemas.openxmlformats.org/drawingml/2006/main" xmlns:r="http://schemas.openxmlformats.org/officeDocument/2006/relationships" xmlns:p="http://schemas.openxmlformats.org/presentationml/2006/main" type="blank" preserve="1">
+  <p:cSld name="Em Branco">
+    <p:spTree>
+      <p:nvGrpSpPr>
+        <p:cNvPr id="1" name=""/>
+        <p:cNvGrpSpPr/>
+        <p:nvPr/>
+      </p:nvGrpSpPr>
+      <p:grpSpPr>
+        <a:xfrm>
+          <a:off x="0" y="0"/>
+          <a:ext cx="0" cy="0"/>
+          <a:chOff x="0" y="0"/>
+          <a:chExt cx="0" cy="0"/>
+        </a:xfrm>
+      </p:grpSpPr>
+      <p:sp>
+        <p:nvSpPr>
+          <p:cNvPr id="2" name="Espaço Reservado para Data 1">
+            <a:extLst>
+              <a:ext uri="{FF2B5EF4-FFF2-40B4-BE49-F238E27FC236}">
+                <a16:creationId xmlns:a16="http://schemas.microsoft.com/office/drawing/2014/main" id="{F18C8905-6256-4041-8FFA-DE5265F148C0}"/>
+              </a:ext>
+            </a:extLst>
+          </p:cNvPr>
+          <p:cNvSpPr>
+            <a:spLocks noGrp="1"/>
+          </p:cNvSpPr>
+          <p:nvPr>
+            <p:ph type="dt" sz="half" idx="10"/>
+          </p:nvPr>
+        </p:nvSpPr>
+        <p:spPr/>
+        <p:txBody>
+          <a:bodyPr/>
+          <a:lstStyle/>
+          <a:p>
+            <a:fld id="{390E6ACA-D9D5-454D-960A-10CA55DA44EF}" type="datetimeFigureOut">
+              <a:rPr lang="pt-BR" smtClean="0"/>
+              <a:t>27/10/2020</a:t>
+            </a:fld>
+            <a:endParaRPr lang="pt-BR"/>
+          </a:p>
+        </p:txBody>
+      </p:sp>
+      <p:sp>
+        <p:nvSpPr>
+          <p:cNvPr id="3" name="Espaço Reservado para Rodapé 2">
+            <a:extLst>
+              <a:ext uri="{FF2B5EF4-FFF2-40B4-BE49-F238E27FC236}">
+                <a16:creationId xmlns:a16="http://schemas.microsoft.com/office/drawing/2014/main" id="{9967A6EA-A50B-4710-B64A-BBDBD13EB2CC}"/>
+              </a:ext>
+            </a:extLst>
+          </p:cNvPr>
+          <p:cNvSpPr>
+            <a:spLocks noGrp="1"/>
+          </p:cNvSpPr>
+          <p:nvPr>
+            <p:ph type="ftr" sz="quarter" idx="11"/>
+          </p:nvPr>
+        </p:nvSpPr>
+        <p:spPr/>
+        <p:txBody>
+          <a:bodyPr/>
+          <a:lstStyle/>
+          <a:p>
+            <a:endParaRPr lang="pt-BR"/>
+          </a:p>
+        </p:txBody>
+      </p:sp>
+      <p:sp>
+        <p:nvSpPr>
+          <p:cNvPr id="4" name="Espaço Reservado para Número de Slide 3">
+            <a:extLst>
+              <a:ext uri="{FF2B5EF4-FFF2-40B4-BE49-F238E27FC236}">
+                <a16:creationId xmlns:a16="http://schemas.microsoft.com/office/drawing/2014/main" id="{509A77CB-F346-4130-9D7A-E83A4823343D}"/>
+              </a:ext>
+            </a:extLst>
+          </p:cNvPr>
+          <p:cNvSpPr>
+            <a:spLocks noGrp="1"/>
+          </p:cNvSpPr>
+          <p:nvPr>
+            <p:ph type="sldNum" sz="quarter" idx="12"/>
+          </p:nvPr>
+        </p:nvSpPr>
+        <p:spPr/>
+        <p:txBody>
+          <a:bodyPr/>
+          <a:lstStyle/>
+          <a:p>
+            <a:fld id="{6250BC46-CAF3-4512-99CA-C0B9AB4A4CF8}" type="slidenum">
+              <a:rPr lang="pt-BR" smtClean="0"/>
+              <a:t>‹#›</a:t>
+            </a:fld>
+            <a:endParaRPr lang="pt-BR"/>
+          </a:p>
+        </p:txBody>
+      </p:sp>
+    </p:spTree>
+    <p:extLst>
+      <p:ext uri="{BB962C8B-B14F-4D97-AF65-F5344CB8AC3E}">
+        <p14:creationId xmlns:p14="http://schemas.microsoft.com/office/powerpoint/2010/main" val="3847091173"/>
+      </p:ext>
+    </p:extLst>
+  </p:cSld>
+  <p:clrMapOvr>
+    <a:masterClrMapping/>
+  </p:clrMapOvr>
+</p:sldLayout>
+</file>
+
+<file path=ppt/slideLayouts/slideLayout8.xml><?xml version="1.0" encoding="utf-8"?>
+<p:sldLayout xmlns:a="http://schemas.openxmlformats.org/drawingml/2006/main" xmlns:r="http://schemas.openxmlformats.org/officeDocument/2006/relationships" xmlns:p="http://schemas.openxmlformats.org/presentationml/2006/main" type="objTx" preserve="1">
+  <p:cSld name="Conteúdo com Legenda">
+    <p:spTree>
+      <p:nvGrpSpPr>
+        <p:cNvPr id="1" name=""/>
+        <p:cNvGrpSpPr/>
+        <p:nvPr/>
+      </p:nvGrpSpPr>
+      <p:grpSpPr>
+        <a:xfrm>
+          <a:off x="0" y="0"/>
+          <a:ext cx="0" cy="0"/>
+          <a:chOff x="0" y="0"/>
+          <a:chExt cx="0" cy="0"/>
+        </a:xfrm>
+      </p:grpSpPr>
+      <p:sp>
+        <p:nvSpPr>
+          <p:cNvPr id="2" name="Título 1">
+            <a:extLst>
+              <a:ext uri="{FF2B5EF4-FFF2-40B4-BE49-F238E27FC236}">
+                <a16:creationId xmlns:a16="http://schemas.microsoft.com/office/drawing/2014/main" id="{AFFD29A3-7D97-4B14-ADD9-4995CB5EBBB2}"/>
+              </a:ext>
+            </a:extLst>
+          </p:cNvPr>
+          <p:cNvSpPr>
+            <a:spLocks noGrp="1"/>
+          </p:cNvSpPr>
+          <p:nvPr>
+            <p:ph type="title"/>
+          </p:nvPr>
+        </p:nvSpPr>
+        <p:spPr>
+          <a:xfrm>
+            <a:off x="839788" y="457200"/>
+            <a:ext cx="3932237" cy="1600200"/>
+          </a:xfrm>
+        </p:spPr>
+        <p:txBody>
+          <a:bodyPr anchor="b"/>
+          <a:lstStyle>
+            <a:lvl1pPr>
+              <a:defRPr sz="3200"/>
+            </a:lvl1pPr>
+          </a:lstStyle>
+          <a:p>
+            <a:r>
+              <a:rPr lang="pt-BR"/>
+              <a:t>Clique para editar o título Mestre</a:t>
+            </a:r>
+          </a:p>
+        </p:txBody>
+      </p:sp>
+      <p:sp>
+        <p:nvSpPr>
+          <p:cNvPr id="3" name="Espaço Reservado para Conteúdo 2">
+            <a:extLst>
+              <a:ext uri="{FF2B5EF4-FFF2-40B4-BE49-F238E27FC236}">
+                <a16:creationId xmlns:a16="http://schemas.microsoft.com/office/drawing/2014/main" id="{50A1AC41-BC03-45E6-9377-F066A416590B}"/>
+              </a:ext>
+            </a:extLst>
+          </p:cNvPr>
+          <p:cNvSpPr>
+            <a:spLocks noGrp="1"/>
+          </p:cNvSpPr>
+          <p:nvPr>
+            <p:ph idx="1"/>
+          </p:nvPr>
+        </p:nvSpPr>
+        <p:spPr>
+          <a:xfrm>
+            <a:off x="5183188" y="987425"/>
+            <a:ext cx="6172200" cy="4873625"/>
+          </a:xfrm>
+        </p:spPr>
+        <p:txBody>
+          <a:bodyPr/>
+          <a:lstStyle>
+            <a:lvl1pPr>
+              <a:defRPr sz="3200"/>
+            </a:lvl1pPr>
+            <a:lvl2pPr>
+              <a:defRPr sz="2800"/>
+            </a:lvl2pPr>
+            <a:lvl3pPr>
+              <a:defRPr sz="2400"/>
+            </a:lvl3pPr>
+            <a:lvl4pPr>
+              <a:defRPr sz="2000"/>
+            </a:lvl4pPr>
+            <a:lvl5pPr>
+              <a:defRPr sz="2000"/>
+            </a:lvl5pPr>
+            <a:lvl6pPr>
+              <a:defRPr sz="2000"/>
+            </a:lvl6pPr>
+            <a:lvl7pPr>
+              <a:defRPr sz="2000"/>
+            </a:lvl7pPr>
+            <a:lvl8pPr>
+              <a:defRPr sz="2000"/>
+            </a:lvl8pPr>
+            <a:lvl9pPr>
+              <a:defRPr sz="2000"/>
+            </a:lvl9pPr>
+          </a:lstStyle>
+          <a:p>
+            <a:pPr lvl="0"/>
+            <a:r>
+              <a:rPr lang="pt-BR"/>
+              <a:t>Clique para editar os estilos de texto Mestres</a:t>
+            </a:r>
+          </a:p>
+          <a:p>
+            <a:pPr lvl="1"/>
+            <a:r>
+              <a:rPr lang="pt-BR"/>
+              <a:t>Segundo nível</a:t>
+            </a:r>
+          </a:p>
+          <a:p>
+            <a:pPr lvl="2"/>
+            <a:r>
+              <a:rPr lang="pt-BR"/>
+              <a:t>Terceiro nível</a:t>
+            </a:r>
+          </a:p>
+          <a:p>
+            <a:pPr lvl="3"/>
+            <a:r>
+              <a:rPr lang="pt-BR"/>
+              <a:t>Quarto nível</a:t>
+            </a:r>
+          </a:p>
+          <a:p>
+            <a:pPr lvl="4"/>
+            <a:r>
+              <a:rPr lang="pt-BR"/>
+              <a:t>Quinto nível</a:t>
+            </a:r>
+          </a:p>
+        </p:txBody>
+      </p:sp>
+      <p:sp>
+        <p:nvSpPr>
+          <p:cNvPr id="4" name="Espaço Reservado para Texto 3">
+            <a:extLst>
+              <a:ext uri="{FF2B5EF4-FFF2-40B4-BE49-F238E27FC236}">
+                <a16:creationId xmlns:a16="http://schemas.microsoft.com/office/drawing/2014/main" id="{F38409C7-D0F3-4057-BDE7-66746035483E}"/>
+              </a:ext>
+            </a:extLst>
+          </p:cNvPr>
+          <p:cNvSpPr>
+            <a:spLocks noGrp="1"/>
+          </p:cNvSpPr>
+          <p:nvPr>
+            <p:ph type="body" sz="half" idx="2"/>
+          </p:nvPr>
+        </p:nvSpPr>
+        <p:spPr>
+          <a:xfrm>
+            <a:off x="839788" y="2057400"/>
+            <a:ext cx="3932237" cy="3811588"/>
+          </a:xfrm>
+        </p:spPr>
+        <p:txBody>
+          <a:bodyPr/>
+          <a:lstStyle>
+            <a:lvl1pPr marL="0" indent="0">
+              <a:buNone/>
+              <a:defRPr sz="1600"/>
+            </a:lvl1pPr>
+            <a:lvl2pPr marL="457200" indent="0">
+              <a:buNone/>
+              <a:defRPr sz="1400"/>
+            </a:lvl2pPr>
+            <a:lvl3pPr marL="914400" indent="0">
+              <a:buNone/>
+              <a:defRPr sz="1200"/>
+            </a:lvl3pPr>
+            <a:lvl4pPr marL="1371600" indent="0">
+              <a:buNone/>
+              <a:defRPr sz="1000"/>
+            </a:lvl4pPr>
+            <a:lvl5pPr marL="1828800" indent="0">
+              <a:buNone/>
+              <a:defRPr sz="1000"/>
+            </a:lvl5pPr>
+            <a:lvl6pPr marL="2286000" indent="0">
+              <a:buNone/>
+              <a:defRPr sz="1000"/>
+            </a:lvl6pPr>
+            <a:lvl7pPr marL="2743200" indent="0">
+              <a:buNone/>
+              <a:defRPr sz="1000"/>
+            </a:lvl7pPr>
+            <a:lvl8pPr marL="3200400" indent="0">
+              <a:buNone/>
+              <a:defRPr sz="1000"/>
+            </a:lvl8pPr>
+            <a:lvl9pPr marL="3657600" indent="0">
+              <a:buNone/>
+              <a:defRPr sz="1000"/>
+            </a:lvl9pPr>
+          </a:lstStyle>
+          <a:p>
+            <a:pPr lvl="0"/>
+            <a:r>
+              <a:rPr lang="pt-BR"/>
+              <a:t>Clique para editar os estilos de texto Mestres</a:t>
+            </a:r>
+          </a:p>
+        </p:txBody>
+      </p:sp>
+      <p:sp>
+        <p:nvSpPr>
+          <p:cNvPr id="5" name="Espaço Reservado para Data 4">
+            <a:extLst>
+              <a:ext uri="{FF2B5EF4-FFF2-40B4-BE49-F238E27FC236}">
+                <a16:creationId xmlns:a16="http://schemas.microsoft.com/office/drawing/2014/main" id="{A57524EF-558C-4C99-927A-6D4B19162AAA}"/>
+              </a:ext>
+            </a:extLst>
+          </p:cNvPr>
+          <p:cNvSpPr>
+            <a:spLocks noGrp="1"/>
+          </p:cNvSpPr>
+          <p:nvPr>
+            <p:ph type="dt" sz="half" idx="10"/>
+          </p:nvPr>
+        </p:nvSpPr>
+        <p:spPr/>
+        <p:txBody>
+          <a:bodyPr/>
+          <a:lstStyle/>
+          <a:p>
+            <a:fld id="{390E6ACA-D9D5-454D-960A-10CA55DA44EF}" type="datetimeFigureOut">
+              <a:rPr lang="pt-BR" smtClean="0"/>
+              <a:t>27/10/2020</a:t>
+            </a:fld>
+            <a:endParaRPr lang="pt-BR"/>
+          </a:p>
+        </p:txBody>
+      </p:sp>
+      <p:sp>
+        <p:nvSpPr>
+          <p:cNvPr id="6" name="Espaço Reservado para Rodapé 5">
+            <a:extLst>
+              <a:ext uri="{FF2B5EF4-FFF2-40B4-BE49-F238E27FC236}">
+                <a16:creationId xmlns:a16="http://schemas.microsoft.com/office/drawing/2014/main" id="{0F766398-3FDE-4673-B468-1B5DE2D21DBD}"/>
+              </a:ext>
+            </a:extLst>
+          </p:cNvPr>
+          <p:cNvSpPr>
+            <a:spLocks noGrp="1"/>
+          </p:cNvSpPr>
+          <p:nvPr>
+            <p:ph type="ftr" sz="quarter" idx="11"/>
+          </p:nvPr>
+        </p:nvSpPr>
+        <p:spPr/>
+        <p:txBody>
+          <a:bodyPr/>
+          <a:lstStyle/>
+          <a:p>
+            <a:endParaRPr lang="pt-BR"/>
+          </a:p>
+        </p:txBody>
+      </p:sp>
+      <p:sp>
+        <p:nvSpPr>
+          <p:cNvPr id="7" name="Espaço Reservado para Número de Slide 6">
+            <a:extLst>
+              <a:ext uri="{FF2B5EF4-FFF2-40B4-BE49-F238E27FC236}">
+                <a16:creationId xmlns:a16="http://schemas.microsoft.com/office/drawing/2014/main" id="{4A5BA3E7-8E0C-4361-A75A-C3B58CCDBAD3}"/>
+              </a:ext>
+            </a:extLst>
+          </p:cNvPr>
+          <p:cNvSpPr>
+            <a:spLocks noGrp="1"/>
+          </p:cNvSpPr>
+          <p:nvPr>
+            <p:ph type="sldNum" sz="quarter" idx="12"/>
+          </p:nvPr>
+        </p:nvSpPr>
+        <p:spPr/>
+        <p:txBody>
+          <a:bodyPr/>
+          <a:lstStyle/>
+          <a:p>
+            <a:fld id="{6250BC46-CAF3-4512-99CA-C0B9AB4A4CF8}" type="slidenum">
+              <a:rPr lang="pt-BR" smtClean="0"/>
+              <a:t>‹#›</a:t>
+            </a:fld>
+            <a:endParaRPr lang="pt-BR"/>
+          </a:p>
+        </p:txBody>
+      </p:sp>
+    </p:spTree>
+    <p:extLst>
+      <p:ext uri="{BB962C8B-B14F-4D97-AF65-F5344CB8AC3E}">
+        <p14:creationId xmlns:p14="http://schemas.microsoft.com/office/powerpoint/2010/main" val="2214897827"/>
+      </p:ext>
+    </p:extLst>
+  </p:cSld>
+  <p:clrMapOvr>
+    <a:masterClrMapping/>
+  </p:clrMapOvr>
+</p:sldLayout>
+</file>
+
+<file path=ppt/slideLayouts/slideLayout9.xml><?xml version="1.0" encoding="utf-8"?>
+<p:sldLayout xmlns:a="http://schemas.openxmlformats.org/drawingml/2006/main" xmlns:r="http://schemas.openxmlformats.org/officeDocument/2006/relationships" xmlns:p="http://schemas.openxmlformats.org/presentationml/2006/main" type="picTx" preserve="1">
+  <p:cSld name="Imagem com Legenda">
+    <p:spTree>
+      <p:nvGrpSpPr>
+        <p:cNvPr id="1" name=""/>
+        <p:cNvGrpSpPr/>
+        <p:nvPr/>
+      </p:nvGrpSpPr>
+      <p:grpSpPr>
+        <a:xfrm>
+          <a:off x="0" y="0"/>
+          <a:ext cx="0" cy="0"/>
+          <a:chOff x="0" y="0"/>
+          <a:chExt cx="0" cy="0"/>
+        </a:xfrm>
+      </p:grpSpPr>
+      <p:sp>
+        <p:nvSpPr>
+          <p:cNvPr id="2" name="Título 1">
+            <a:extLst>
+              <a:ext uri="{FF2B5EF4-FFF2-40B4-BE49-F238E27FC236}">
+                <a16:creationId xmlns:a16="http://schemas.microsoft.com/office/drawing/2014/main" id="{0CB2BABE-2432-4586-A832-932779262674}"/>
+              </a:ext>
+            </a:extLst>
+          </p:cNvPr>
+          <p:cNvSpPr>
+            <a:spLocks noGrp="1"/>
+          </p:cNvSpPr>
+          <p:nvPr>
+            <p:ph type="title"/>
+          </p:nvPr>
+        </p:nvSpPr>
+        <p:spPr>
+          <a:xfrm>
+            <a:off x="839788" y="457200"/>
+            <a:ext cx="3932237" cy="1600200"/>
+          </a:xfrm>
+        </p:spPr>
+        <p:txBody>
+          <a:bodyPr anchor="b"/>
+          <a:lstStyle>
+            <a:lvl1pPr>
+              <a:defRPr sz="3200"/>
+            </a:lvl1pPr>
+          </a:lstStyle>
+          <a:p>
+            <a:r>
+              <a:rPr lang="pt-BR"/>
+              <a:t>Clique para editar o título Mestre</a:t>
+            </a:r>
+          </a:p>
+        </p:txBody>
+      </p:sp>
+      <p:sp>
+        <p:nvSpPr>
+          <p:cNvPr id="3" name="Espaço Reservado para Imagem 2">
+            <a:extLst>
+              <a:ext uri="{FF2B5EF4-FFF2-40B4-BE49-F238E27FC236}">
+                <a16:creationId xmlns:a16="http://schemas.microsoft.com/office/drawing/2014/main" id="{FF055192-6B8C-4A85-AEE7-FEF88286C963}"/>
+              </a:ext>
+            </a:extLst>
+          </p:cNvPr>
+          <p:cNvSpPr>
+            <a:spLocks noGrp="1"/>
+          </p:cNvSpPr>
+          <p:nvPr>
+            <p:ph type="pic" idx="1"/>
+          </p:nvPr>
+        </p:nvSpPr>
+        <p:spPr>
+          <a:xfrm>
+            <a:off x="5183188" y="987425"/>
+            <a:ext cx="6172200" cy="4873625"/>
+          </a:xfrm>
+        </p:spPr>
+        <p:txBody>
+          <a:bodyPr/>
+          <a:lstStyle>
+            <a:lvl1pPr marL="0" indent="0">
+              <a:buNone/>
+              <a:defRPr sz="3200"/>
+            </a:lvl1pPr>
+            <a:lvl2pPr marL="457200" indent="0">
+              <a:buNone/>
+              <a:defRPr sz="2800"/>
+            </a:lvl2pPr>
+            <a:lvl3pPr marL="914400" indent="0">
+              <a:buNone/>
+              <a:defRPr sz="2400"/>
+            </a:lvl3pPr>
+            <a:lvl4pPr marL="1371600" indent="0">
+              <a:buNone/>
+              <a:defRPr sz="2000"/>
+            </a:lvl4pPr>
+            <a:lvl5pPr marL="1828800" indent="0">
+              <a:buNone/>
+              <a:defRPr sz="2000"/>
+            </a:lvl5pPr>
+            <a:lvl6pPr marL="2286000" indent="0">
+              <a:buNone/>
+              <a:defRPr sz="2000"/>
+            </a:lvl6pPr>
+            <a:lvl7pPr marL="2743200" indent="0">
+              <a:buNone/>
+              <a:defRPr sz="2000"/>
+            </a:lvl7pPr>
+            <a:lvl8pPr marL="3200400" indent="0">
+              <a:buNone/>
+              <a:defRPr sz="2000"/>
+            </a:lvl8pPr>
+            <a:lvl9pPr marL="3657600" indent="0">
+              <a:buNone/>
+              <a:defRPr sz="2000"/>
+            </a:lvl9pPr>
+          </a:lstStyle>
+          <a:p>
+            <a:endParaRPr lang="pt-BR"/>
+          </a:p>
+        </p:txBody>
+      </p:sp>
+      <p:sp>
+        <p:nvSpPr>
+          <p:cNvPr id="4" name="Espaço Reservado para Texto 3">
+            <a:extLst>
+              <a:ext uri="{FF2B5EF4-FFF2-40B4-BE49-F238E27FC236}">
+                <a16:creationId xmlns:a16="http://schemas.microsoft.com/office/drawing/2014/main" id="{6C4ED234-9CDE-42AB-8D53-433EB57C20B7}"/>
+              </a:ext>
+            </a:extLst>
+          </p:cNvPr>
+          <p:cNvSpPr>
+            <a:spLocks noGrp="1"/>
+          </p:cNvSpPr>
+          <p:nvPr>
+            <p:ph type="body" sz="half" idx="2"/>
+          </p:nvPr>
+        </p:nvSpPr>
+        <p:spPr>
+          <a:xfrm>
+            <a:off x="839788" y="2057400"/>
+            <a:ext cx="3932237" cy="3811588"/>
+          </a:xfrm>
+        </p:spPr>
+        <p:txBody>
+          <a:bodyPr/>
+          <a:lstStyle>
+            <a:lvl1pPr marL="0" indent="0">
+              <a:buNone/>
+              <a:defRPr sz="1600"/>
+            </a:lvl1pPr>
+            <a:lvl2pPr marL="457200" indent="0">
+              <a:buNone/>
+              <a:defRPr sz="1400"/>
+            </a:lvl2pPr>
+            <a:lvl3pPr marL="914400" indent="0">
+              <a:buNone/>
+              <a:defRPr sz="1200"/>
+            </a:lvl3pPr>
+            <a:lvl4pPr marL="1371600" indent="0">
+              <a:buNone/>
+              <a:defRPr sz="1000"/>
+            </a:lvl4pPr>
+            <a:lvl5pPr marL="1828800" indent="0">
+              <a:buNone/>
+              <a:defRPr sz="1000"/>
+            </a:lvl5pPr>
+            <a:lvl6pPr marL="2286000" indent="0">
+              <a:buNone/>
+              <a:defRPr sz="1000"/>
+            </a:lvl6pPr>
+            <a:lvl7pPr marL="2743200" indent="0">
+              <a:buNone/>
+              <a:defRPr sz="1000"/>
+            </a:lvl7pPr>
+            <a:lvl8pPr marL="3200400" indent="0">
+              <a:buNone/>
+              <a:defRPr sz="1000"/>
+            </a:lvl8pPr>
+            <a:lvl9pPr marL="3657600" indent="0">
+              <a:buNone/>
+              <a:defRPr sz="1000"/>
+            </a:lvl9pPr>
+          </a:lstStyle>
+          <a:p>
+            <a:pPr lvl="0"/>
+            <a:r>
+              <a:rPr lang="pt-BR"/>
+              <a:t>Clique para editar os estilos de texto Mestres</a:t>
+            </a:r>
+          </a:p>
+        </p:txBody>
+      </p:sp>
+      <p:sp>
+        <p:nvSpPr>
+          <p:cNvPr id="5" name="Espaço Reservado para Data 4">
+            <a:extLst>
+              <a:ext uri="{FF2B5EF4-FFF2-40B4-BE49-F238E27FC236}">
+                <a16:creationId xmlns:a16="http://schemas.microsoft.com/office/drawing/2014/main" id="{84F3C26C-3DA4-4F36-B76B-04ACE140D603}"/>
+              </a:ext>
+            </a:extLst>
+          </p:cNvPr>
+          <p:cNvSpPr>
+            <a:spLocks noGrp="1"/>
+          </p:cNvSpPr>
+          <p:nvPr>
+            <p:ph type="dt" sz="half" idx="10"/>
+          </p:nvPr>
+        </p:nvSpPr>
+        <p:spPr/>
+        <p:txBody>
+          <a:bodyPr/>
+          <a:lstStyle/>
+          <a:p>
+            <a:fld id="{390E6ACA-D9D5-454D-960A-10CA55DA44EF}" type="datetimeFigureOut">
+              <a:rPr lang="pt-BR" smtClean="0"/>
+              <a:t>27/10/2020</a:t>
+            </a:fld>
+            <a:endParaRPr lang="pt-BR"/>
+          </a:p>
+        </p:txBody>
+      </p:sp>
+      <p:sp>
+        <p:nvSpPr>
+          <p:cNvPr id="6" name="Espaço Reservado para Rodapé 5">
+            <a:extLst>
+              <a:ext uri="{FF2B5EF4-FFF2-40B4-BE49-F238E27FC236}">
+                <a16:creationId xmlns:a16="http://schemas.microsoft.com/office/drawing/2014/main" id="{6EDA5F2B-515F-427B-ABA2-BC783AFDC4DA}"/>
+              </a:ext>
+            </a:extLst>
+          </p:cNvPr>
+          <p:cNvSpPr>
+            <a:spLocks noGrp="1"/>
+          </p:cNvSpPr>
+          <p:nvPr>
+            <p:ph type="ftr" sz="quarter" idx="11"/>
+          </p:nvPr>
+        </p:nvSpPr>
+        <p:spPr/>
+        <p:txBody>
+          <a:bodyPr/>
+          <a:lstStyle/>
+          <a:p>
+            <a:endParaRPr lang="pt-BR"/>
+          </a:p>
+        </p:txBody>
+      </p:sp>
+      <p:sp>
+        <p:nvSpPr>
+          <p:cNvPr id="7" name="Espaço Reservado para Número de Slide 6">
+            <a:extLst>
+              <a:ext uri="{FF2B5EF4-FFF2-40B4-BE49-F238E27FC236}">
+                <a16:creationId xmlns:a16="http://schemas.microsoft.com/office/drawing/2014/main" id="{D399D48F-1DC7-4178-85DD-C711655F5216}"/>
+              </a:ext>
+            </a:extLst>
+          </p:cNvPr>
+          <p:cNvSpPr>
+            <a:spLocks noGrp="1"/>
+          </p:cNvSpPr>
+          <p:nvPr>
+            <p:ph type="sldNum" sz="quarter" idx="12"/>
+          </p:nvPr>
+        </p:nvSpPr>
+        <p:spPr/>
+        <p:txBody>
+          <a:bodyPr/>
+          <a:lstStyle/>
+          <a:p>
+            <a:fld id="{6250BC46-CAF3-4512-99CA-C0B9AB4A4CF8}" type="slidenum">
+              <a:rPr lang="pt-BR" smtClean="0"/>
+              <a:t>‹#›</a:t>
             </a:fld>
             <a:endParaRPr lang="pt-BR"/>
           </a:p>
@@ -2929,7 +5568,7 @@
           <a:p>
             <a:fld id="{390E6ACA-D9D5-454D-960A-10CA55DA44EF}" type="datetimeFigureOut">
               <a:rPr lang="pt-BR" smtClean="0"/>
-              <a:t>26/10/2020</a:t>
+              <a:t>27/10/2020</a:t>
             </a:fld>
             <a:endParaRPr lang="pt-BR"/>
           </a:p>
@@ -3019,7 +5658,7 @@
           <a:p>
             <a:fld id="{6250BC46-CAF3-4512-99CA-C0B9AB4A4CF8}" type="slidenum">
               <a:rPr lang="pt-BR" smtClean="0"/>
-              <a:t>‹nº›</a:t>
+              <a:t>‹#›</a:t>
             </a:fld>
             <a:endParaRPr lang="pt-BR"/>
           </a:p>
@@ -3029,6 +5668,574 @@
     <p:extLst>
       <p:ext uri="{BB962C8B-B14F-4D97-AF65-F5344CB8AC3E}">
         <p14:creationId xmlns:p14="http://schemas.microsoft.com/office/powerpoint/2010/main" val="357961022"/>
+      </p:ext>
+    </p:extLst>
+  </p:cSld>
+  <p:clrMap bg1="lt1" tx1="dk1" bg2="lt2" tx2="dk2" accent1="accent1" accent2="accent2" accent3="accent3" accent4="accent4" accent5="accent5" accent6="accent6" hlink="hlink" folHlink="folHlink"/>
+  <p:sldLayoutIdLst>
+    <p:sldLayoutId id="2147483661" r:id="rId1"/>
+    <p:sldLayoutId id="2147483662" r:id="rId2"/>
+    <p:sldLayoutId id="2147483663" r:id="rId3"/>
+    <p:sldLayoutId id="2147483664" r:id="rId4"/>
+    <p:sldLayoutId id="2147483665" r:id="rId5"/>
+    <p:sldLayoutId id="2147483666" r:id="rId6"/>
+    <p:sldLayoutId id="2147483667" r:id="rId7"/>
+    <p:sldLayoutId id="2147483668" r:id="rId8"/>
+    <p:sldLayoutId id="2147483669" r:id="rId9"/>
+    <p:sldLayoutId id="2147483670" r:id="rId10"/>
+    <p:sldLayoutId id="2147483671" r:id="rId11"/>
+  </p:sldLayoutIdLst>
+  <p:txStyles>
+    <p:titleStyle>
+      <a:lvl1pPr algn="l" defTabSz="914400" rtl="0" eaLnBrk="1" latinLnBrk="0" hangingPunct="1">
+        <a:lnSpc>
+          <a:spcPct val="90000"/>
+        </a:lnSpc>
+        <a:spcBef>
+          <a:spcPct val="0"/>
+        </a:spcBef>
+        <a:buNone/>
+        <a:defRPr sz="4400" kern="1200">
+          <a:solidFill>
+            <a:schemeClr val="tx1"/>
+          </a:solidFill>
+          <a:latin typeface="+mj-lt"/>
+          <a:ea typeface="+mj-ea"/>
+          <a:cs typeface="+mj-cs"/>
+        </a:defRPr>
+      </a:lvl1pPr>
+    </p:titleStyle>
+    <p:bodyStyle>
+      <a:lvl1pPr marL="228600" indent="-228600" algn="l" defTabSz="914400" rtl="0" eaLnBrk="1" latinLnBrk="0" hangingPunct="1">
+        <a:lnSpc>
+          <a:spcPct val="90000"/>
+        </a:lnSpc>
+        <a:spcBef>
+          <a:spcPts val="1000"/>
+        </a:spcBef>
+        <a:buFont typeface="Arial" panose="020B0604020202020204" pitchFamily="34" charset="0"/>
+        <a:buChar char="•"/>
+        <a:defRPr sz="2800" kern="1200">
+          <a:solidFill>
+            <a:schemeClr val="tx1"/>
+          </a:solidFill>
+          <a:latin typeface="+mn-lt"/>
+          <a:ea typeface="+mn-ea"/>
+          <a:cs typeface="+mn-cs"/>
+        </a:defRPr>
+      </a:lvl1pPr>
+      <a:lvl2pPr marL="685800" indent="-228600" algn="l" defTabSz="914400" rtl="0" eaLnBrk="1" latinLnBrk="0" hangingPunct="1">
+        <a:lnSpc>
+          <a:spcPct val="90000"/>
+        </a:lnSpc>
+        <a:spcBef>
+          <a:spcPts val="500"/>
+        </a:spcBef>
+        <a:buFont typeface="Arial" panose="020B0604020202020204" pitchFamily="34" charset="0"/>
+        <a:buChar char="•"/>
+        <a:defRPr sz="2400" kern="1200">
+          <a:solidFill>
+            <a:schemeClr val="tx1"/>
+          </a:solidFill>
+          <a:latin typeface="+mn-lt"/>
+          <a:ea typeface="+mn-ea"/>
+          <a:cs typeface="+mn-cs"/>
+        </a:defRPr>
+      </a:lvl2pPr>
+      <a:lvl3pPr marL="1143000" indent="-228600" algn="l" defTabSz="914400" rtl="0" eaLnBrk="1" latinLnBrk="0" hangingPunct="1">
+        <a:lnSpc>
+          <a:spcPct val="90000"/>
+        </a:lnSpc>
+        <a:spcBef>
+          <a:spcPts val="500"/>
+        </a:spcBef>
+        <a:buFont typeface="Arial" panose="020B0604020202020204" pitchFamily="34" charset="0"/>
+        <a:buChar char="•"/>
+        <a:defRPr sz="2000" kern="1200">
+          <a:solidFill>
+            <a:schemeClr val="tx1"/>
+          </a:solidFill>
+          <a:latin typeface="+mn-lt"/>
+          <a:ea typeface="+mn-ea"/>
+          <a:cs typeface="+mn-cs"/>
+        </a:defRPr>
+      </a:lvl3pPr>
+      <a:lvl4pPr marL="1600200" indent="-228600" algn="l" defTabSz="914400" rtl="0" eaLnBrk="1" latinLnBrk="0" hangingPunct="1">
+        <a:lnSpc>
+          <a:spcPct val="90000"/>
+        </a:lnSpc>
+        <a:spcBef>
+          <a:spcPts val="500"/>
+        </a:spcBef>
+        <a:buFont typeface="Arial" panose="020B0604020202020204" pitchFamily="34" charset="0"/>
+        <a:buChar char="•"/>
+        <a:defRPr sz="1800" kern="1200">
+          <a:solidFill>
+            <a:schemeClr val="tx1"/>
+          </a:solidFill>
+          <a:latin typeface="+mn-lt"/>
+          <a:ea typeface="+mn-ea"/>
+          <a:cs typeface="+mn-cs"/>
+        </a:defRPr>
+      </a:lvl4pPr>
+      <a:lvl5pPr marL="2057400" indent="-228600" algn="l" defTabSz="914400" rtl="0" eaLnBrk="1" latinLnBrk="0" hangingPunct="1">
+        <a:lnSpc>
+          <a:spcPct val="90000"/>
+        </a:lnSpc>
+        <a:spcBef>
+          <a:spcPts val="500"/>
+        </a:spcBef>
+        <a:buFont typeface="Arial" panose="020B0604020202020204" pitchFamily="34" charset="0"/>
+        <a:buChar char="•"/>
+        <a:defRPr sz="1800" kern="1200">
+          <a:solidFill>
+            <a:schemeClr val="tx1"/>
+          </a:solidFill>
+          <a:latin typeface="+mn-lt"/>
+          <a:ea typeface="+mn-ea"/>
+          <a:cs typeface="+mn-cs"/>
+        </a:defRPr>
+      </a:lvl5pPr>
+      <a:lvl6pPr marL="2514600" indent="-228600" algn="l" defTabSz="914400" rtl="0" eaLnBrk="1" latinLnBrk="0" hangingPunct="1">
+        <a:lnSpc>
+          <a:spcPct val="90000"/>
+        </a:lnSpc>
+        <a:spcBef>
+          <a:spcPts val="500"/>
+        </a:spcBef>
+        <a:buFont typeface="Arial" panose="020B0604020202020204" pitchFamily="34" charset="0"/>
+        <a:buChar char="•"/>
+        <a:defRPr sz="1800" kern="1200">
+          <a:solidFill>
+            <a:schemeClr val="tx1"/>
+          </a:solidFill>
+          <a:latin typeface="+mn-lt"/>
+          <a:ea typeface="+mn-ea"/>
+          <a:cs typeface="+mn-cs"/>
+        </a:defRPr>
+      </a:lvl6pPr>
+      <a:lvl7pPr marL="2971800" indent="-228600" algn="l" defTabSz="914400" rtl="0" eaLnBrk="1" latinLnBrk="0" hangingPunct="1">
+        <a:lnSpc>
+          <a:spcPct val="90000"/>
+        </a:lnSpc>
+        <a:spcBef>
+          <a:spcPts val="500"/>
+        </a:spcBef>
+        <a:buFont typeface="Arial" panose="020B0604020202020204" pitchFamily="34" charset="0"/>
+        <a:buChar char="•"/>
+        <a:defRPr sz="1800" kern="1200">
+          <a:solidFill>
+            <a:schemeClr val="tx1"/>
+          </a:solidFill>
+          <a:latin typeface="+mn-lt"/>
+          <a:ea typeface="+mn-ea"/>
+          <a:cs typeface="+mn-cs"/>
+        </a:defRPr>
+      </a:lvl7pPr>
+      <a:lvl8pPr marL="3429000" indent="-228600" algn="l" defTabSz="914400" rtl="0" eaLnBrk="1" latinLnBrk="0" hangingPunct="1">
+        <a:lnSpc>
+          <a:spcPct val="90000"/>
+        </a:lnSpc>
+        <a:spcBef>
+          <a:spcPts val="500"/>
+        </a:spcBef>
+        <a:buFont typeface="Arial" panose="020B0604020202020204" pitchFamily="34" charset="0"/>
+        <a:buChar char="•"/>
+        <a:defRPr sz="1800" kern="1200">
+          <a:solidFill>
+            <a:schemeClr val="tx1"/>
+          </a:solidFill>
+          <a:latin typeface="+mn-lt"/>
+          <a:ea typeface="+mn-ea"/>
+          <a:cs typeface="+mn-cs"/>
+        </a:defRPr>
+      </a:lvl8pPr>
+      <a:lvl9pPr marL="3886200" indent="-228600" algn="l" defTabSz="914400" rtl="0" eaLnBrk="1" latinLnBrk="0" hangingPunct="1">
+        <a:lnSpc>
+          <a:spcPct val="90000"/>
+        </a:lnSpc>
+        <a:spcBef>
+          <a:spcPts val="500"/>
+        </a:spcBef>
+        <a:buFont typeface="Arial" panose="020B0604020202020204" pitchFamily="34" charset="0"/>
+        <a:buChar char="•"/>
+        <a:defRPr sz="1800" kern="1200">
+          <a:solidFill>
+            <a:schemeClr val="tx1"/>
+          </a:solidFill>
+          <a:latin typeface="+mn-lt"/>
+          <a:ea typeface="+mn-ea"/>
+          <a:cs typeface="+mn-cs"/>
+        </a:defRPr>
+      </a:lvl9pPr>
+    </p:bodyStyle>
+    <p:otherStyle>
+      <a:defPPr>
+        <a:defRPr lang="pt-BR"/>
+      </a:defPPr>
+      <a:lvl1pPr marL="0" algn="l" defTabSz="914400" rtl="0" eaLnBrk="1" latinLnBrk="0" hangingPunct="1">
+        <a:defRPr sz="1800" kern="1200">
+          <a:solidFill>
+            <a:schemeClr val="tx1"/>
+          </a:solidFill>
+          <a:latin typeface="+mn-lt"/>
+          <a:ea typeface="+mn-ea"/>
+          <a:cs typeface="+mn-cs"/>
+        </a:defRPr>
+      </a:lvl1pPr>
+      <a:lvl2pPr marL="457200" algn="l" defTabSz="914400" rtl="0" eaLnBrk="1" latinLnBrk="0" hangingPunct="1">
+        <a:defRPr sz="1800" kern="1200">
+          <a:solidFill>
+            <a:schemeClr val="tx1"/>
+          </a:solidFill>
+          <a:latin typeface="+mn-lt"/>
+          <a:ea typeface="+mn-ea"/>
+          <a:cs typeface="+mn-cs"/>
+        </a:defRPr>
+      </a:lvl2pPr>
+      <a:lvl3pPr marL="914400" algn="l" defTabSz="914400" rtl="0" eaLnBrk="1" latinLnBrk="0" hangingPunct="1">
+        <a:defRPr sz="1800" kern="1200">
+          <a:solidFill>
+            <a:schemeClr val="tx1"/>
+          </a:solidFill>
+          <a:latin typeface="+mn-lt"/>
+          <a:ea typeface="+mn-ea"/>
+          <a:cs typeface="+mn-cs"/>
+        </a:defRPr>
+      </a:lvl3pPr>
+      <a:lvl4pPr marL="1371600" algn="l" defTabSz="914400" rtl="0" eaLnBrk="1" latinLnBrk="0" hangingPunct="1">
+        <a:defRPr sz="1800" kern="1200">
+          <a:solidFill>
+            <a:schemeClr val="tx1"/>
+          </a:solidFill>
+          <a:latin typeface="+mn-lt"/>
+          <a:ea typeface="+mn-ea"/>
+          <a:cs typeface="+mn-cs"/>
+        </a:defRPr>
+      </a:lvl4pPr>
+      <a:lvl5pPr marL="1828800" algn="l" defTabSz="914400" rtl="0" eaLnBrk="1" latinLnBrk="0" hangingPunct="1">
+        <a:defRPr sz="1800" kern="1200">
+          <a:solidFill>
+            <a:schemeClr val="tx1"/>
+          </a:solidFill>
+          <a:latin typeface="+mn-lt"/>
+          <a:ea typeface="+mn-ea"/>
+          <a:cs typeface="+mn-cs"/>
+        </a:defRPr>
+      </a:lvl5pPr>
+      <a:lvl6pPr marL="2286000" algn="l" defTabSz="914400" rtl="0" eaLnBrk="1" latinLnBrk="0" hangingPunct="1">
+        <a:defRPr sz="1800" kern="1200">
+          <a:solidFill>
+            <a:schemeClr val="tx1"/>
+          </a:solidFill>
+          <a:latin typeface="+mn-lt"/>
+          <a:ea typeface="+mn-ea"/>
+          <a:cs typeface="+mn-cs"/>
+        </a:defRPr>
+      </a:lvl6pPr>
+      <a:lvl7pPr marL="2743200" algn="l" defTabSz="914400" rtl="0" eaLnBrk="1" latinLnBrk="0" hangingPunct="1">
+        <a:defRPr sz="1800" kern="1200">
+          <a:solidFill>
+            <a:schemeClr val="tx1"/>
+          </a:solidFill>
+          <a:latin typeface="+mn-lt"/>
+          <a:ea typeface="+mn-ea"/>
+          <a:cs typeface="+mn-cs"/>
+        </a:defRPr>
+      </a:lvl7pPr>
+      <a:lvl8pPr marL="3200400" algn="l" defTabSz="914400" rtl="0" eaLnBrk="1" latinLnBrk="0" hangingPunct="1">
+        <a:defRPr sz="1800" kern="1200">
+          <a:solidFill>
+            <a:schemeClr val="tx1"/>
+          </a:solidFill>
+          <a:latin typeface="+mn-lt"/>
+          <a:ea typeface="+mn-ea"/>
+          <a:cs typeface="+mn-cs"/>
+        </a:defRPr>
+      </a:lvl8pPr>
+      <a:lvl9pPr marL="3657600" algn="l" defTabSz="914400" rtl="0" eaLnBrk="1" latinLnBrk="0" hangingPunct="1">
+        <a:defRPr sz="1800" kern="1200">
+          <a:solidFill>
+            <a:schemeClr val="tx1"/>
+          </a:solidFill>
+          <a:latin typeface="+mn-lt"/>
+          <a:ea typeface="+mn-ea"/>
+          <a:cs typeface="+mn-cs"/>
+        </a:defRPr>
+      </a:lvl9pPr>
+    </p:otherStyle>
+  </p:txStyles>
+</p:sldMaster>
+</file>
+
+<file path=ppt/slideMasters/slideMaster2.xml><?xml version="1.0" encoding="utf-8"?>
+<p:sldMaster xmlns:a="http://schemas.openxmlformats.org/drawingml/2006/main" xmlns:r="http://schemas.openxmlformats.org/officeDocument/2006/relationships" xmlns:p="http://schemas.openxmlformats.org/presentationml/2006/main">
+  <p:cSld>
+    <p:bg>
+      <p:bgRef idx="1001">
+        <a:schemeClr val="bg1"/>
+      </p:bgRef>
+    </p:bg>
+    <p:spTree>
+      <p:nvGrpSpPr>
+        <p:cNvPr id="1" name=""/>
+        <p:cNvGrpSpPr/>
+        <p:nvPr/>
+      </p:nvGrpSpPr>
+      <p:grpSpPr>
+        <a:xfrm>
+          <a:off x="0" y="0"/>
+          <a:ext cx="0" cy="0"/>
+          <a:chOff x="0" y="0"/>
+          <a:chExt cx="0" cy="0"/>
+        </a:xfrm>
+      </p:grpSpPr>
+      <p:sp>
+        <p:nvSpPr>
+          <p:cNvPr id="2" name="Espaço Reservado para Título 1">
+            <a:extLst>
+              <a:ext uri="{FF2B5EF4-FFF2-40B4-BE49-F238E27FC236}">
+                <a16:creationId xmlns:a16="http://schemas.microsoft.com/office/drawing/2014/main" id="{779865A2-86D8-4441-A8C6-0C943BEE3298}"/>
+              </a:ext>
+            </a:extLst>
+          </p:cNvPr>
+          <p:cNvSpPr>
+            <a:spLocks noGrp="1"/>
+          </p:cNvSpPr>
+          <p:nvPr>
+            <p:ph type="title"/>
+          </p:nvPr>
+        </p:nvSpPr>
+        <p:spPr>
+          <a:xfrm>
+            <a:off x="838200" y="365125"/>
+            <a:ext cx="10515600" cy="1325563"/>
+          </a:xfrm>
+          <a:prstGeom prst="rect">
+            <a:avLst/>
+          </a:prstGeom>
+        </p:spPr>
+        <p:txBody>
+          <a:bodyPr vert="horz" lIns="91440" tIns="45720" rIns="91440" bIns="45720" rtlCol="0" anchor="ctr">
+            <a:normAutofit/>
+          </a:bodyPr>
+          <a:lstStyle/>
+          <a:p>
+            <a:r>
+              <a:rPr lang="pt-BR"/>
+              <a:t>Clique para editar o título Mestre</a:t>
+            </a:r>
+          </a:p>
+        </p:txBody>
+      </p:sp>
+      <p:sp>
+        <p:nvSpPr>
+          <p:cNvPr id="3" name="Espaço Reservado para Texto 2">
+            <a:extLst>
+              <a:ext uri="{FF2B5EF4-FFF2-40B4-BE49-F238E27FC236}">
+                <a16:creationId xmlns:a16="http://schemas.microsoft.com/office/drawing/2014/main" id="{F803BB7B-AC3E-4733-B24D-EF91167ADDCB}"/>
+              </a:ext>
+            </a:extLst>
+          </p:cNvPr>
+          <p:cNvSpPr>
+            <a:spLocks noGrp="1"/>
+          </p:cNvSpPr>
+          <p:nvPr>
+            <p:ph type="body" idx="1"/>
+          </p:nvPr>
+        </p:nvSpPr>
+        <p:spPr>
+          <a:xfrm>
+            <a:off x="838200" y="1825625"/>
+            <a:ext cx="10515600" cy="4351338"/>
+          </a:xfrm>
+          <a:prstGeom prst="rect">
+            <a:avLst/>
+          </a:prstGeom>
+        </p:spPr>
+        <p:txBody>
+          <a:bodyPr vert="horz" lIns="91440" tIns="45720" rIns="91440" bIns="45720" rtlCol="0">
+            <a:normAutofit/>
+          </a:bodyPr>
+          <a:lstStyle/>
+          <a:p>
+            <a:pPr lvl="0"/>
+            <a:r>
+              <a:rPr lang="pt-BR"/>
+              <a:t>Clique para editar os estilos de texto Mestres</a:t>
+            </a:r>
+          </a:p>
+          <a:p>
+            <a:pPr lvl="1"/>
+            <a:r>
+              <a:rPr lang="pt-BR"/>
+              <a:t>Segundo nível</a:t>
+            </a:r>
+          </a:p>
+          <a:p>
+            <a:pPr lvl="2"/>
+            <a:r>
+              <a:rPr lang="pt-BR"/>
+              <a:t>Terceiro nível</a:t>
+            </a:r>
+          </a:p>
+          <a:p>
+            <a:pPr lvl="3"/>
+            <a:r>
+              <a:rPr lang="pt-BR"/>
+              <a:t>Quarto nível</a:t>
+            </a:r>
+          </a:p>
+          <a:p>
+            <a:pPr lvl="4"/>
+            <a:r>
+              <a:rPr lang="pt-BR"/>
+              <a:t>Quinto nível</a:t>
+            </a:r>
+          </a:p>
+        </p:txBody>
+      </p:sp>
+      <p:sp>
+        <p:nvSpPr>
+          <p:cNvPr id="4" name="Espaço Reservado para Data 3">
+            <a:extLst>
+              <a:ext uri="{FF2B5EF4-FFF2-40B4-BE49-F238E27FC236}">
+                <a16:creationId xmlns:a16="http://schemas.microsoft.com/office/drawing/2014/main" id="{51699890-10B6-412A-B204-E47CDB103019}"/>
+              </a:ext>
+            </a:extLst>
+          </p:cNvPr>
+          <p:cNvSpPr>
+            <a:spLocks noGrp="1"/>
+          </p:cNvSpPr>
+          <p:nvPr>
+            <p:ph type="dt" sz="half" idx="2"/>
+          </p:nvPr>
+        </p:nvSpPr>
+        <p:spPr>
+          <a:xfrm>
+            <a:off x="838200" y="6356350"/>
+            <a:ext cx="2743200" cy="365125"/>
+          </a:xfrm>
+          <a:prstGeom prst="rect">
+            <a:avLst/>
+          </a:prstGeom>
+        </p:spPr>
+        <p:txBody>
+          <a:bodyPr vert="horz" lIns="91440" tIns="45720" rIns="91440" bIns="45720" rtlCol="0" anchor="ctr"/>
+          <a:lstStyle>
+            <a:lvl1pPr algn="l">
+              <a:defRPr sz="1200">
+                <a:solidFill>
+                  <a:schemeClr val="tx1">
+                    <a:tint val="75000"/>
+                  </a:schemeClr>
+                </a:solidFill>
+              </a:defRPr>
+            </a:lvl1pPr>
+          </a:lstStyle>
+          <a:p>
+            <a:fld id="{E93C9CEB-DED8-41E7-833D-6F3524FD4977}" type="datetimeFigureOut">
+              <a:rPr lang="pt-BR" smtClean="0"/>
+              <a:t>27/10/2020</a:t>
+            </a:fld>
+            <a:endParaRPr lang="pt-BR"/>
+          </a:p>
+        </p:txBody>
+      </p:sp>
+      <p:sp>
+        <p:nvSpPr>
+          <p:cNvPr id="5" name="Espaço Reservado para Rodapé 4">
+            <a:extLst>
+              <a:ext uri="{FF2B5EF4-FFF2-40B4-BE49-F238E27FC236}">
+                <a16:creationId xmlns:a16="http://schemas.microsoft.com/office/drawing/2014/main" id="{48F80CB5-CEE3-4485-A51B-8407930A0D02}"/>
+              </a:ext>
+            </a:extLst>
+          </p:cNvPr>
+          <p:cNvSpPr>
+            <a:spLocks noGrp="1"/>
+          </p:cNvSpPr>
+          <p:nvPr>
+            <p:ph type="ftr" sz="quarter" idx="3"/>
+          </p:nvPr>
+        </p:nvSpPr>
+        <p:spPr>
+          <a:xfrm>
+            <a:off x="4038600" y="6356350"/>
+            <a:ext cx="4114800" cy="365125"/>
+          </a:xfrm>
+          <a:prstGeom prst="rect">
+            <a:avLst/>
+          </a:prstGeom>
+        </p:spPr>
+        <p:txBody>
+          <a:bodyPr vert="horz" lIns="91440" tIns="45720" rIns="91440" bIns="45720" rtlCol="0" anchor="ctr"/>
+          <a:lstStyle>
+            <a:lvl1pPr algn="ctr">
+              <a:defRPr sz="1200">
+                <a:solidFill>
+                  <a:schemeClr val="tx1">
+                    <a:tint val="75000"/>
+                  </a:schemeClr>
+                </a:solidFill>
+              </a:defRPr>
+            </a:lvl1pPr>
+          </a:lstStyle>
+          <a:p>
+            <a:endParaRPr lang="pt-BR"/>
+          </a:p>
+        </p:txBody>
+      </p:sp>
+      <p:sp>
+        <p:nvSpPr>
+          <p:cNvPr id="6" name="Espaço Reservado para Número de Slide 5">
+            <a:extLst>
+              <a:ext uri="{FF2B5EF4-FFF2-40B4-BE49-F238E27FC236}">
+                <a16:creationId xmlns:a16="http://schemas.microsoft.com/office/drawing/2014/main" id="{F1B2A3CB-8C2A-4E0C-AA9C-3A432B0345CC}"/>
+              </a:ext>
+            </a:extLst>
+          </p:cNvPr>
+          <p:cNvSpPr>
+            <a:spLocks noGrp="1"/>
+          </p:cNvSpPr>
+          <p:nvPr>
+            <p:ph type="sldNum" sz="quarter" idx="4"/>
+          </p:nvPr>
+        </p:nvSpPr>
+        <p:spPr>
+          <a:xfrm>
+            <a:off x="8610600" y="6356350"/>
+            <a:ext cx="2743200" cy="365125"/>
+          </a:xfrm>
+          <a:prstGeom prst="rect">
+            <a:avLst/>
+          </a:prstGeom>
+        </p:spPr>
+        <p:txBody>
+          <a:bodyPr vert="horz" lIns="91440" tIns="45720" rIns="91440" bIns="45720" rtlCol="0" anchor="ctr"/>
+          <a:lstStyle>
+            <a:lvl1pPr algn="r">
+              <a:defRPr sz="1200">
+                <a:solidFill>
+                  <a:schemeClr val="tx1">
+                    <a:tint val="75000"/>
+                  </a:schemeClr>
+                </a:solidFill>
+              </a:defRPr>
+            </a:lvl1pPr>
+          </a:lstStyle>
+          <a:p>
+            <a:fld id="{472B90B5-7232-4C01-84B5-D74C1B9CA187}" type="slidenum">
+              <a:rPr lang="pt-BR" smtClean="0"/>
+              <a:t>‹#›</a:t>
+            </a:fld>
+            <a:endParaRPr lang="pt-BR"/>
+          </a:p>
+        </p:txBody>
+      </p:sp>
+    </p:spTree>
+    <p:extLst>
+      <p:ext uri="{BB962C8B-B14F-4D97-AF65-F5344CB8AC3E}">
+        <p14:creationId xmlns:p14="http://schemas.microsoft.com/office/powerpoint/2010/main" val="3135490002"/>
       </p:ext>
     </p:extLst>
   </p:cSld>
@@ -3361,7 +6568,7 @@
         <p:spPr>
           <a:xfrm>
             <a:off x="624114" y="682171"/>
-            <a:ext cx="4339771" cy="1015663"/>
+            <a:ext cx="5265056" cy="1029270"/>
           </a:xfrm>
           <a:prstGeom prst="rect">
             <a:avLst/>
@@ -4099,10 +7306,10 @@
       </p:pic>
       <p:pic>
         <p:nvPicPr>
-          <p:cNvPr id="2" name="Imagem 1">
-            <a:extLst>
-              <a:ext uri="{FF2B5EF4-FFF2-40B4-BE49-F238E27FC236}">
-                <a16:creationId xmlns:a16="http://schemas.microsoft.com/office/drawing/2014/main" id="{0EAC681F-835C-484C-B099-9AA2B81A779D}"/>
+          <p:cNvPr id="4" name="Picture 4" descr="Diagram&#10;&#10;Description automatically generated">
+            <a:extLst>
+              <a:ext uri="{FF2B5EF4-FFF2-40B4-BE49-F238E27FC236}">
+                <a16:creationId xmlns:a16="http://schemas.microsoft.com/office/drawing/2014/main" id="{12B6FDE1-2ABE-4A4C-BD65-70FDFEE396FB}"/>
               </a:ext>
             </a:extLst>
           </p:cNvPr>
@@ -4119,8 +7326,8 @@
         </p:blipFill>
         <p:spPr>
           <a:xfrm>
-            <a:off x="2499789" y="1145178"/>
-            <a:ext cx="7196383" cy="5413208"/>
+            <a:off x="2366513" y="1050618"/>
+            <a:ext cx="7473350" cy="5731858"/>
           </a:xfrm>
           <a:prstGeom prst="rect">
             <a:avLst/>
@@ -4369,7 +7576,7 @@
         <p:spPr>
           <a:xfrm>
             <a:off x="400179" y="266910"/>
-            <a:ext cx="7932058" cy="830997"/>
+            <a:ext cx="9170308" cy="830997"/>
           </a:xfrm>
           <a:prstGeom prst="rect">
             <a:avLst/>
@@ -8867,7 +12074,7 @@
         <p:spPr>
           <a:xfrm>
             <a:off x="8328753" y="665281"/>
-            <a:ext cx="1699955" cy="830997"/>
+            <a:ext cx="1836026" cy="830997"/>
           </a:xfrm>
           <a:prstGeom prst="rect">
             <a:avLst/>
@@ -8933,8 +12140,8 @@
         </p:nvSpPr>
         <p:spPr>
           <a:xfrm>
-            <a:off x="8324355" y="2458171"/>
-            <a:ext cx="1699955" cy="461665"/>
+            <a:off x="8324355" y="2444564"/>
+            <a:ext cx="1890455" cy="461665"/>
           </a:xfrm>
           <a:prstGeom prst="rect">
             <a:avLst/>
@@ -8982,7 +12189,7 @@
         <p:spPr>
           <a:xfrm>
             <a:off x="8359117" y="3841089"/>
-            <a:ext cx="1945905" cy="830997"/>
+            <a:ext cx="2081976" cy="830997"/>
           </a:xfrm>
           <a:prstGeom prst="rect">
             <a:avLst/>
@@ -9030,7 +12237,7 @@
         <p:spPr>
           <a:xfrm>
             <a:off x="8362031" y="5599471"/>
-            <a:ext cx="2248819" cy="461665"/>
+            <a:ext cx="2371283" cy="461665"/>
           </a:xfrm>
           <a:prstGeom prst="rect">
             <a:avLst/>
@@ -9129,8 +12336,8 @@
         </p:nvSpPr>
         <p:spPr>
           <a:xfrm>
-            <a:off x="1240064" y="2955566"/>
-            <a:ext cx="3323772" cy="830997"/>
+            <a:off x="1240064" y="2941959"/>
+            <a:ext cx="3868057" cy="844604"/>
           </a:xfrm>
           <a:prstGeom prst="rect">
             <a:avLst/>
@@ -9755,13 +12962,13 @@
   <p:clrMapOvr>
     <a:masterClrMapping/>
   </p:clrMapOvr>
-  <mc:AlternateContent xmlns:mc="http://schemas.openxmlformats.org/markup-compatibility/2006" xmlns:p14="http://schemas.microsoft.com/office/powerpoint/2010/main">
-    <mc:Choice Requires="p14">
+  <mc:AlternateContent xmlns:mc="http://schemas.openxmlformats.org/markup-compatibility/2006">
+    <mc:Choice xmlns:p14="http://schemas.microsoft.com/office/powerpoint/2010/main" Requires="p14">
       <p:transition spd="med" p14:dur="700">
         <p:fade/>
       </p:transition>
     </mc:Choice>
-    <mc:Fallback xmlns="">
+    <mc:Fallback>
       <p:transition spd="med">
         <p:fade/>
       </p:transition>
@@ -9789,40 +12996,10 @@
       </p:grpSpPr>
       <p:pic>
         <p:nvPicPr>
-          <p:cNvPr id="30" name="Imagem 29">
-            <a:extLst>
-              <a:ext uri="{FF2B5EF4-FFF2-40B4-BE49-F238E27FC236}">
-                <a16:creationId xmlns:a16="http://schemas.microsoft.com/office/drawing/2014/main" id="{A1CABB2F-BBCD-4494-9296-E03C3F619906}"/>
-              </a:ext>
-            </a:extLst>
-          </p:cNvPr>
-          <p:cNvPicPr>
-            <a:picLocks noChangeAspect="1"/>
-          </p:cNvPicPr>
-          <p:nvPr/>
-        </p:nvPicPr>
-        <p:blipFill>
-          <a:blip r:embed="rId2"/>
-          <a:stretch>
-            <a:fillRect/>
-          </a:stretch>
-        </p:blipFill>
-        <p:spPr>
-          <a:xfrm>
-            <a:off x="11409645" y="232232"/>
-            <a:ext cx="487385" cy="576000"/>
-          </a:xfrm>
-          <a:prstGeom prst="rect">
-            <a:avLst/>
-          </a:prstGeom>
-        </p:spPr>
-      </p:pic>
-      <p:pic>
-        <p:nvPicPr>
-          <p:cNvPr id="19" name="Picture 20" descr="Desktop computer icon computer - Transparent PNG &amp; SVG vector file">
-            <a:extLst>
-              <a:ext uri="{FF2B5EF4-FFF2-40B4-BE49-F238E27FC236}">
-                <a16:creationId xmlns:a16="http://schemas.microsoft.com/office/drawing/2014/main" id="{C6D445E0-7776-48C1-A9A4-FD984C103062}"/>
+          <p:cNvPr id="45" name="Picture 20" descr="Desktop computer icon computer - Transparent PNG &amp; SVG vector file">
+            <a:extLst>
+              <a:ext uri="{FF2B5EF4-FFF2-40B4-BE49-F238E27FC236}">
+                <a16:creationId xmlns:a16="http://schemas.microsoft.com/office/drawing/2014/main" id="{7E8AD9CF-9009-4826-BCC8-D5002C3C1D02}"/>
               </a:ext>
             </a:extLst>
           </p:cNvPr>
@@ -9832,7 +13009,7 @@
           <p:nvPr/>
         </p:nvPicPr>
         <p:blipFill>
-          <a:blip r:embed="rId3">
+          <a:blip r:embed="rId2">
             <a:extLst>
               <a:ext uri="{28A0092B-C50C-407E-A947-70E740481C1C}">
                 <a14:useLocalDpi xmlns:a14="http://schemas.microsoft.com/office/drawing/2010/main" val="0"/>
@@ -9866,10 +13043,10 @@
       </p:pic>
       <p:sp>
         <p:nvSpPr>
-          <p:cNvPr id="21" name="Retângulo 20">
-            <a:extLst>
-              <a:ext uri="{FF2B5EF4-FFF2-40B4-BE49-F238E27FC236}">
-                <a16:creationId xmlns:a16="http://schemas.microsoft.com/office/drawing/2014/main" id="{0DD6D6FB-3AB3-40C2-AADE-E5C11BC1A4E1}"/>
+          <p:cNvPr id="4" name="Retângulo 3">
+            <a:extLst>
+              <a:ext uri="{FF2B5EF4-FFF2-40B4-BE49-F238E27FC236}">
+                <a16:creationId xmlns:a16="http://schemas.microsoft.com/office/drawing/2014/main" id="{AC5026F1-9CC8-4558-89C5-07EEDB602C76}"/>
               </a:ext>
             </a:extLst>
           </p:cNvPr>
@@ -9921,10 +13098,10 @@
       </p:sp>
       <p:sp>
         <p:nvSpPr>
-          <p:cNvPr id="23" name="Retângulo 22">
-            <a:extLst>
-              <a:ext uri="{FF2B5EF4-FFF2-40B4-BE49-F238E27FC236}">
-                <a16:creationId xmlns:a16="http://schemas.microsoft.com/office/drawing/2014/main" id="{07D1F93E-9FCD-4B59-9CA3-A2AB1A9F975C}"/>
+          <p:cNvPr id="5" name="Retângulo 4">
+            <a:extLst>
+              <a:ext uri="{FF2B5EF4-FFF2-40B4-BE49-F238E27FC236}">
+                <a16:creationId xmlns:a16="http://schemas.microsoft.com/office/drawing/2014/main" id="{1E9DBAD3-6510-4A9D-8977-EB35BA0666D3}"/>
               </a:ext>
             </a:extLst>
           </p:cNvPr>
@@ -9976,10 +13153,10 @@
       </p:sp>
       <p:sp>
         <p:nvSpPr>
-          <p:cNvPr id="25" name="Retângulo 24">
-            <a:extLst>
-              <a:ext uri="{FF2B5EF4-FFF2-40B4-BE49-F238E27FC236}">
-                <a16:creationId xmlns:a16="http://schemas.microsoft.com/office/drawing/2014/main" id="{4F31BD8E-F406-4B32-91FE-D327BB6C17C3}"/>
+          <p:cNvPr id="6" name="Retângulo 5">
+            <a:extLst>
+              <a:ext uri="{FF2B5EF4-FFF2-40B4-BE49-F238E27FC236}">
+                <a16:creationId xmlns:a16="http://schemas.microsoft.com/office/drawing/2014/main" id="{E32CA3B3-58A0-473D-9AEB-C18E0E88F688}"/>
               </a:ext>
             </a:extLst>
           </p:cNvPr>
@@ -10031,10 +13208,10 @@
       </p:sp>
       <p:sp>
         <p:nvSpPr>
-          <p:cNvPr id="27" name="CaixaDeTexto 26">
-            <a:extLst>
-              <a:ext uri="{FF2B5EF4-FFF2-40B4-BE49-F238E27FC236}">
-                <a16:creationId xmlns:a16="http://schemas.microsoft.com/office/drawing/2014/main" id="{C2C06283-223D-4258-873E-6FA8C849DB95}"/>
+          <p:cNvPr id="7" name="CaixaDeTexto 6">
+            <a:extLst>
+              <a:ext uri="{FF2B5EF4-FFF2-40B4-BE49-F238E27FC236}">
+                <a16:creationId xmlns:a16="http://schemas.microsoft.com/office/drawing/2014/main" id="{309E6544-6893-43BC-9C90-A56D77621667}"/>
               </a:ext>
             </a:extLst>
           </p:cNvPr>
@@ -10066,10 +13243,10 @@
       </p:sp>
       <p:sp>
         <p:nvSpPr>
-          <p:cNvPr id="28" name="Retângulo 27">
-            <a:extLst>
-              <a:ext uri="{FF2B5EF4-FFF2-40B4-BE49-F238E27FC236}">
-                <a16:creationId xmlns:a16="http://schemas.microsoft.com/office/drawing/2014/main" id="{78B47383-A673-48EE-9EAC-5540278C6AFB}"/>
+          <p:cNvPr id="9" name="Retângulo 8">
+            <a:extLst>
+              <a:ext uri="{FF2B5EF4-FFF2-40B4-BE49-F238E27FC236}">
+                <a16:creationId xmlns:a16="http://schemas.microsoft.com/office/drawing/2014/main" id="{74D12780-C790-4B4F-8C81-E5A81A6CC0C2}"/>
               </a:ext>
             </a:extLst>
           </p:cNvPr>
@@ -10121,10 +13298,10 @@
       </p:sp>
       <p:sp>
         <p:nvSpPr>
-          <p:cNvPr id="29" name="CaixaDeTexto 28">
-            <a:extLst>
-              <a:ext uri="{FF2B5EF4-FFF2-40B4-BE49-F238E27FC236}">
-                <a16:creationId xmlns:a16="http://schemas.microsoft.com/office/drawing/2014/main" id="{2669D986-6148-4EC7-B9FC-6E7C5828727F}"/>
+          <p:cNvPr id="10" name="CaixaDeTexto 9">
+            <a:extLst>
+              <a:ext uri="{FF2B5EF4-FFF2-40B4-BE49-F238E27FC236}">
+                <a16:creationId xmlns:a16="http://schemas.microsoft.com/office/drawing/2014/main" id="{B2EF6FF1-F8AB-4AED-923F-F9825EDE0DC5}"/>
               </a:ext>
             </a:extLst>
           </p:cNvPr>
@@ -10156,10 +13333,10 @@
       </p:sp>
       <p:sp>
         <p:nvSpPr>
-          <p:cNvPr id="31" name="CaixaDeTexto 30">
-            <a:extLst>
-              <a:ext uri="{FF2B5EF4-FFF2-40B4-BE49-F238E27FC236}">
-                <a16:creationId xmlns:a16="http://schemas.microsoft.com/office/drawing/2014/main" id="{E98411CC-1D5A-4D44-B535-D5EF55CAF04B}"/>
+          <p:cNvPr id="11" name="CaixaDeTexto 10">
+            <a:extLst>
+              <a:ext uri="{FF2B5EF4-FFF2-40B4-BE49-F238E27FC236}">
+                <a16:creationId xmlns:a16="http://schemas.microsoft.com/office/drawing/2014/main" id="{02BB6137-2B91-4237-A7E6-5465346432F5}"/>
               </a:ext>
             </a:extLst>
           </p:cNvPr>
@@ -10192,10 +13369,10 @@
       </p:sp>
       <p:pic>
         <p:nvPicPr>
-          <p:cNvPr id="33" name="Picture 8">
-            <a:extLst>
-              <a:ext uri="{FF2B5EF4-FFF2-40B4-BE49-F238E27FC236}">
-                <a16:creationId xmlns:a16="http://schemas.microsoft.com/office/drawing/2014/main" id="{89D0D845-7DD5-49B6-AF78-98174AB7C22E}"/>
+          <p:cNvPr id="1032" name="Picture 8">
+            <a:extLst>
+              <a:ext uri="{FF2B5EF4-FFF2-40B4-BE49-F238E27FC236}">
+                <a16:creationId xmlns:a16="http://schemas.microsoft.com/office/drawing/2014/main" id="{27A55C49-A4A2-45FE-B1EA-A1206506DF52}"/>
               </a:ext>
             </a:extLst>
           </p:cNvPr>
@@ -10205,7 +13382,7 @@
           <p:nvPr/>
         </p:nvPicPr>
         <p:blipFill>
-          <a:blip r:embed="rId4">
+          <a:blip r:embed="rId3">
             <a:extLst>
               <a:ext uri="{28A0092B-C50C-407E-A947-70E740481C1C}">
                 <a14:useLocalDpi xmlns:a14="http://schemas.microsoft.com/office/drawing/2010/main" val="0"/>
@@ -10239,10 +13416,10 @@
       </p:pic>
       <p:pic>
         <p:nvPicPr>
-          <p:cNvPr id="34" name="Picture 10" descr="Versões e Service Packs do MS SQL Server">
-            <a:extLst>
-              <a:ext uri="{FF2B5EF4-FFF2-40B4-BE49-F238E27FC236}">
-                <a16:creationId xmlns:a16="http://schemas.microsoft.com/office/drawing/2014/main" id="{198561DA-EA87-4039-91B4-F3902481B57C}"/>
+          <p:cNvPr id="1034" name="Picture 10" descr="Versões e Service Packs do MS SQL Server">
+            <a:extLst>
+              <a:ext uri="{FF2B5EF4-FFF2-40B4-BE49-F238E27FC236}">
+                <a16:creationId xmlns:a16="http://schemas.microsoft.com/office/drawing/2014/main" id="{636158ED-0BA2-440F-A53A-E119F44A47A7}"/>
               </a:ext>
             </a:extLst>
           </p:cNvPr>
@@ -10252,7 +13429,7 @@
           <p:nvPr/>
         </p:nvPicPr>
         <p:blipFill>
-          <a:blip r:embed="rId5">
+          <a:blip r:embed="rId4">
             <a:extLst>
               <a:ext uri="{28A0092B-C50C-407E-A947-70E740481C1C}">
                 <a14:useLocalDpi xmlns:a14="http://schemas.microsoft.com/office/drawing/2010/main" val="0"/>
@@ -10286,10 +13463,10 @@
       </p:pic>
       <p:pic>
         <p:nvPicPr>
-          <p:cNvPr id="35" name="Picture 12" descr="O JavaScript e o perfil do Desenvolvedor Front End - Agência de marketing  digital • Mídia Performa">
-            <a:extLst>
-              <a:ext uri="{FF2B5EF4-FFF2-40B4-BE49-F238E27FC236}">
-                <a16:creationId xmlns:a16="http://schemas.microsoft.com/office/drawing/2014/main" id="{F395CECE-C79A-488E-99CD-4B9EF6B74C36}"/>
+          <p:cNvPr id="1036" name="Picture 12" descr="O JavaScript e o perfil do Desenvolvedor Front End - Agência de marketing  digital • Mídia Performa">
+            <a:extLst>
+              <a:ext uri="{FF2B5EF4-FFF2-40B4-BE49-F238E27FC236}">
+                <a16:creationId xmlns:a16="http://schemas.microsoft.com/office/drawing/2014/main" id="{E49A0351-F027-4EF8-AF4D-E8BCD80748CD}"/>
               </a:ext>
             </a:extLst>
           </p:cNvPr>
@@ -10299,7 +13476,7 @@
           <p:nvPr/>
         </p:nvPicPr>
         <p:blipFill>
-          <a:blip r:embed="rId6">
+          <a:blip r:embed="rId5">
             <a:extLst>
               <a:ext uri="{28A0092B-C50C-407E-A947-70E740481C1C}">
                 <a14:useLocalDpi xmlns:a14="http://schemas.microsoft.com/office/drawing/2010/main" val="0"/>
@@ -10333,10 +13510,10 @@
       </p:pic>
       <p:pic>
         <p:nvPicPr>
-          <p:cNvPr id="36" name="Picture 14" descr="Angular (framework) – Wikipédia, a enciclopédia livre">
-            <a:extLst>
-              <a:ext uri="{FF2B5EF4-FFF2-40B4-BE49-F238E27FC236}">
-                <a16:creationId xmlns:a16="http://schemas.microsoft.com/office/drawing/2014/main" id="{965A7812-0DB5-40CC-83B0-BAAA4BF94473}"/>
+          <p:cNvPr id="1038" name="Picture 14" descr="Angular (framework) – Wikipédia, a enciclopédia livre">
+            <a:extLst>
+              <a:ext uri="{FF2B5EF4-FFF2-40B4-BE49-F238E27FC236}">
+                <a16:creationId xmlns:a16="http://schemas.microsoft.com/office/drawing/2014/main" id="{92C56D98-CAE2-4F66-BC5C-FF57172C1DE1}"/>
               </a:ext>
             </a:extLst>
           </p:cNvPr>
@@ -10346,7 +13523,7 @@
           <p:nvPr/>
         </p:nvPicPr>
         <p:blipFill>
-          <a:blip r:embed="rId7">
+          <a:blip r:embed="rId6">
             <a:extLst>
               <a:ext uri="{28A0092B-C50C-407E-A947-70E740481C1C}">
                 <a14:useLocalDpi xmlns:a14="http://schemas.microsoft.com/office/drawing/2010/main" val="0"/>
@@ -10380,10 +13557,10 @@
       </p:pic>
       <p:pic>
         <p:nvPicPr>
-          <p:cNvPr id="37" name="Picture 18" descr="Learn how to use TypeScript to build Angular Apps | malcoded">
-            <a:extLst>
-              <a:ext uri="{FF2B5EF4-FFF2-40B4-BE49-F238E27FC236}">
-                <a16:creationId xmlns:a16="http://schemas.microsoft.com/office/drawing/2014/main" id="{6BB2070E-FF65-4E81-AA33-FAF5B388722F}"/>
+          <p:cNvPr id="1042" name="Picture 18" descr="Learn how to use TypeScript to build Angular Apps | malcoded">
+            <a:extLst>
+              <a:ext uri="{FF2B5EF4-FFF2-40B4-BE49-F238E27FC236}">
+                <a16:creationId xmlns:a16="http://schemas.microsoft.com/office/drawing/2014/main" id="{83360991-06A9-4ABB-AF37-17212259D4BB}"/>
               </a:ext>
             </a:extLst>
           </p:cNvPr>
@@ -10393,7 +13570,7 @@
           <p:nvPr/>
         </p:nvPicPr>
         <p:blipFill>
-          <a:blip r:embed="rId8">
+          <a:blip r:embed="rId7">
             <a:extLst>
               <a:ext uri="{28A0092B-C50C-407E-A947-70E740481C1C}">
                 <a14:useLocalDpi xmlns:a14="http://schemas.microsoft.com/office/drawing/2010/main" val="0"/>
@@ -10427,10 +13604,10 @@
       </p:pic>
       <p:pic>
         <p:nvPicPr>
-          <p:cNvPr id="38" name="Picture 22" descr="Laptop Icons - Download Free Vector Icons | Noun Project">
-            <a:extLst>
-              <a:ext uri="{FF2B5EF4-FFF2-40B4-BE49-F238E27FC236}">
-                <a16:creationId xmlns:a16="http://schemas.microsoft.com/office/drawing/2014/main" id="{418601E0-DF3F-48F7-89D7-1A9F669315EF}"/>
+          <p:cNvPr id="1046" name="Picture 22" descr="Laptop Icons - Download Free Vector Icons | Noun Project">
+            <a:extLst>
+              <a:ext uri="{FF2B5EF4-FFF2-40B4-BE49-F238E27FC236}">
+                <a16:creationId xmlns:a16="http://schemas.microsoft.com/office/drawing/2014/main" id="{C14B3A9F-6418-48CF-B274-60A7365FD1BE}"/>
               </a:ext>
             </a:extLst>
           </p:cNvPr>
@@ -10440,7 +13617,7 @@
           <p:nvPr/>
         </p:nvPicPr>
         <p:blipFill>
-          <a:blip r:embed="rId9">
+          <a:blip r:embed="rId8">
             <a:extLst>
               <a:ext uri="{28A0092B-C50C-407E-A947-70E740481C1C}">
                 <a14:useLocalDpi xmlns:a14="http://schemas.microsoft.com/office/drawing/2010/main" val="0"/>
@@ -10474,10 +13651,10 @@
       </p:pic>
       <p:pic>
         <p:nvPicPr>
-          <p:cNvPr id="39" name="Picture 24">
-            <a:extLst>
-              <a:ext uri="{FF2B5EF4-FFF2-40B4-BE49-F238E27FC236}">
-                <a16:creationId xmlns:a16="http://schemas.microsoft.com/office/drawing/2014/main" id="{30E55934-14D1-4A18-8533-C2B11454BD35}"/>
+          <p:cNvPr id="1048" name="Picture 24">
+            <a:extLst>
+              <a:ext uri="{FF2B5EF4-FFF2-40B4-BE49-F238E27FC236}">
+                <a16:creationId xmlns:a16="http://schemas.microsoft.com/office/drawing/2014/main" id="{33D084F5-36E5-4E78-932E-3A66CA628DA5}"/>
               </a:ext>
             </a:extLst>
           </p:cNvPr>
@@ -10487,7 +13664,7 @@
           <p:nvPr/>
         </p:nvPicPr>
         <p:blipFill>
-          <a:blip r:embed="rId10">
+          <a:blip r:embed="rId9">
             <a:extLst>
               <a:ext uri="{28A0092B-C50C-407E-A947-70E740481C1C}">
                 <a14:useLocalDpi xmlns:a14="http://schemas.microsoft.com/office/drawing/2010/main" val="0"/>
@@ -10521,10 +13698,10 @@
       </p:pic>
       <p:pic>
         <p:nvPicPr>
-          <p:cNvPr id="40" name="Picture 26" descr="Pin em gadgets">
-            <a:extLst>
-              <a:ext uri="{FF2B5EF4-FFF2-40B4-BE49-F238E27FC236}">
-                <a16:creationId xmlns:a16="http://schemas.microsoft.com/office/drawing/2014/main" id="{3E64E9A1-4776-49ED-8CE9-C6CED0E0CA71}"/>
+          <p:cNvPr id="1050" name="Picture 26" descr="Pin em gadgets">
+            <a:extLst>
+              <a:ext uri="{FF2B5EF4-FFF2-40B4-BE49-F238E27FC236}">
+                <a16:creationId xmlns:a16="http://schemas.microsoft.com/office/drawing/2014/main" id="{72518B38-2976-4D43-A746-312A890AF4A8}"/>
               </a:ext>
             </a:extLst>
           </p:cNvPr>
@@ -10534,7 +13711,7 @@
           <p:nvPr/>
         </p:nvPicPr>
         <p:blipFill>
-          <a:blip r:embed="rId11">
+          <a:blip r:embed="rId10">
             <a:extLst>
               <a:ext uri="{28A0092B-C50C-407E-A947-70E740481C1C}">
                 <a14:useLocalDpi xmlns:a14="http://schemas.microsoft.com/office/drawing/2010/main" val="0"/>
@@ -10568,10 +13745,10 @@
       </p:pic>
       <p:pic>
         <p:nvPicPr>
-          <p:cNvPr id="41" name="Picture 28" descr="Linux – Wikipédia, a enciclopédia livre">
-            <a:extLst>
-              <a:ext uri="{FF2B5EF4-FFF2-40B4-BE49-F238E27FC236}">
-                <a16:creationId xmlns:a16="http://schemas.microsoft.com/office/drawing/2014/main" id="{3AAC0420-8449-44FD-B49F-CAD5EF3FBD75}"/>
+          <p:cNvPr id="1052" name="Picture 28" descr="Linux – Wikipédia, a enciclopédia livre">
+            <a:extLst>
+              <a:ext uri="{FF2B5EF4-FFF2-40B4-BE49-F238E27FC236}">
+                <a16:creationId xmlns:a16="http://schemas.microsoft.com/office/drawing/2014/main" id="{2054ACEC-31A2-4087-9207-30A99FEBFAD0}"/>
               </a:ext>
             </a:extLst>
           </p:cNvPr>
@@ -10581,7 +13758,7 @@
           <p:nvPr/>
         </p:nvPicPr>
         <p:blipFill>
-          <a:blip r:embed="rId12">
+          <a:blip r:embed="rId11">
             <a:extLst>
               <a:ext uri="{28A0092B-C50C-407E-A947-70E740481C1C}">
                 <a14:useLocalDpi xmlns:a14="http://schemas.microsoft.com/office/drawing/2010/main" val="0"/>
@@ -10615,10 +13792,10 @@
       </p:pic>
       <p:pic>
         <p:nvPicPr>
-          <p:cNvPr id="42" name="Imagem 41">
-            <a:extLst>
-              <a:ext uri="{FF2B5EF4-FFF2-40B4-BE49-F238E27FC236}">
-                <a16:creationId xmlns:a16="http://schemas.microsoft.com/office/drawing/2014/main" id="{01892383-31F3-4838-9F4A-61D838153BA1}"/>
+          <p:cNvPr id="27" name="Imagem 26">
+            <a:extLst>
+              <a:ext uri="{FF2B5EF4-FFF2-40B4-BE49-F238E27FC236}">
+                <a16:creationId xmlns:a16="http://schemas.microsoft.com/office/drawing/2014/main" id="{C387AA9F-12AB-4EBC-B03F-CBCF2BB18451}"/>
               </a:ext>
             </a:extLst>
           </p:cNvPr>
@@ -10628,7 +13805,7 @@
           <p:nvPr/>
         </p:nvPicPr>
         <p:blipFill>
-          <a:blip r:embed="rId13" cstate="print">
+          <a:blip r:embed="rId12" cstate="print">
             <a:extLst>
               <a:ext uri="{28A0092B-C50C-407E-A947-70E740481C1C}">
                 <a14:useLocalDpi xmlns:a14="http://schemas.microsoft.com/office/drawing/2010/main" val="0"/>
@@ -10654,10 +13831,10 @@
       </p:pic>
       <p:sp>
         <p:nvSpPr>
-          <p:cNvPr id="43" name="CaixaDeTexto 42">
-            <a:extLst>
-              <a:ext uri="{FF2B5EF4-FFF2-40B4-BE49-F238E27FC236}">
-                <a16:creationId xmlns:a16="http://schemas.microsoft.com/office/drawing/2014/main" id="{E6A38FCB-8B24-4A42-A74E-B64069E530F1}"/>
+          <p:cNvPr id="28" name="CaixaDeTexto 27">
+            <a:extLst>
+              <a:ext uri="{FF2B5EF4-FFF2-40B4-BE49-F238E27FC236}">
+                <a16:creationId xmlns:a16="http://schemas.microsoft.com/office/drawing/2014/main" id="{9F15A235-B7B5-45F2-8B6D-1382447F5741}"/>
               </a:ext>
             </a:extLst>
           </p:cNvPr>
@@ -10689,10 +13866,10 @@
       </p:sp>
       <p:cxnSp>
         <p:nvCxnSpPr>
-          <p:cNvPr id="44" name="Conector de Seta Reta 43">
-            <a:extLst>
-              <a:ext uri="{FF2B5EF4-FFF2-40B4-BE49-F238E27FC236}">
-                <a16:creationId xmlns:a16="http://schemas.microsoft.com/office/drawing/2014/main" id="{ACF2D335-F3D1-4AF1-9B9C-05ED5A2E0344}"/>
+          <p:cNvPr id="29" name="Conector de Seta Reta 28">
+            <a:extLst>
+              <a:ext uri="{FF2B5EF4-FFF2-40B4-BE49-F238E27FC236}">
+                <a16:creationId xmlns:a16="http://schemas.microsoft.com/office/drawing/2014/main" id="{BF049762-5446-41FE-84CC-150A7AB3A1A9}"/>
               </a:ext>
             </a:extLst>
           </p:cNvPr>
@@ -10738,10 +13915,10 @@
       </p:cxnSp>
       <p:pic>
         <p:nvPicPr>
-          <p:cNvPr id="45" name="Imagem 44">
-            <a:extLst>
-              <a:ext uri="{FF2B5EF4-FFF2-40B4-BE49-F238E27FC236}">
-                <a16:creationId xmlns:a16="http://schemas.microsoft.com/office/drawing/2014/main" id="{D5EC1A78-66D0-45EC-8B5F-6C1BF607BB42}"/>
+          <p:cNvPr id="30" name="Imagem 29">
+            <a:extLst>
+              <a:ext uri="{FF2B5EF4-FFF2-40B4-BE49-F238E27FC236}">
+                <a16:creationId xmlns:a16="http://schemas.microsoft.com/office/drawing/2014/main" id="{287A17ED-E4C7-437A-8A3B-A21A458D1BB1}"/>
               </a:ext>
             </a:extLst>
           </p:cNvPr>
@@ -10751,7 +13928,7 @@
           <p:nvPr/>
         </p:nvPicPr>
         <p:blipFill>
-          <a:blip r:embed="rId14" cstate="print">
+          <a:blip r:embed="rId13" cstate="print">
             <a:extLst>
               <a:ext uri="{28A0092B-C50C-407E-A947-70E740481C1C}">
                 <a14:useLocalDpi xmlns:a14="http://schemas.microsoft.com/office/drawing/2010/main" val="0"/>
@@ -10774,10 +13951,10 @@
       </p:pic>
       <p:cxnSp>
         <p:nvCxnSpPr>
-          <p:cNvPr id="46" name="Conector de Seta Reta 45">
-            <a:extLst>
-              <a:ext uri="{FF2B5EF4-FFF2-40B4-BE49-F238E27FC236}">
-                <a16:creationId xmlns:a16="http://schemas.microsoft.com/office/drawing/2014/main" id="{653DA71B-1316-4541-818D-148FD58A6F42}"/>
+          <p:cNvPr id="34" name="Conector de Seta Reta 33">
+            <a:extLst>
+              <a:ext uri="{FF2B5EF4-FFF2-40B4-BE49-F238E27FC236}">
+                <a16:creationId xmlns:a16="http://schemas.microsoft.com/office/drawing/2014/main" id="{EE20AFB2-801C-4D7B-A4A2-297DF1A28192}"/>
               </a:ext>
             </a:extLst>
           </p:cNvPr>
@@ -10823,10 +14000,81 @@
       </p:cxnSp>
       <p:pic>
         <p:nvPicPr>
-          <p:cNvPr id="47" name="Imagem 46">
-            <a:extLst>
-              <a:ext uri="{FF2B5EF4-FFF2-40B4-BE49-F238E27FC236}">
-                <a16:creationId xmlns:a16="http://schemas.microsoft.com/office/drawing/2014/main" id="{AAE4E99A-5FB4-4757-A52E-3C242965C3E1}"/>
+          <p:cNvPr id="37" name="Imagem 36">
+            <a:extLst>
+              <a:ext uri="{FF2B5EF4-FFF2-40B4-BE49-F238E27FC236}">
+                <a16:creationId xmlns:a16="http://schemas.microsoft.com/office/drawing/2014/main" id="{CB2AAC29-09A4-4A04-8FCD-BCCFF4E7E76E}"/>
+              </a:ext>
+            </a:extLst>
+          </p:cNvPr>
+          <p:cNvPicPr>
+            <a:picLocks noChangeAspect="1"/>
+          </p:cNvPicPr>
+          <p:nvPr/>
+        </p:nvPicPr>
+        <p:blipFill>
+          <a:blip r:embed="rId13" cstate="print">
+            <a:extLst>
+              <a:ext uri="{28A0092B-C50C-407E-A947-70E740481C1C}">
+                <a14:useLocalDpi xmlns:a14="http://schemas.microsoft.com/office/drawing/2010/main" val="0"/>
+              </a:ext>
+            </a:extLst>
+          </a:blip>
+          <a:stretch>
+            <a:fillRect/>
+          </a:stretch>
+        </p:blipFill>
+        <p:spPr>
+          <a:xfrm>
+            <a:off x="7270855" y="3378433"/>
+            <a:ext cx="284115" cy="284115"/>
+          </a:xfrm>
+          <a:prstGeom prst="rect">
+            <a:avLst/>
+          </a:prstGeom>
+        </p:spPr>
+      </p:pic>
+      <p:sp>
+        <p:nvSpPr>
+          <p:cNvPr id="38" name="CaixaDeTexto 37">
+            <a:extLst>
+              <a:ext uri="{FF2B5EF4-FFF2-40B4-BE49-F238E27FC236}">
+                <a16:creationId xmlns:a16="http://schemas.microsoft.com/office/drawing/2014/main" id="{4F0FDF85-569C-4144-9BE9-02E34038759F}"/>
+              </a:ext>
+            </a:extLst>
+          </p:cNvPr>
+          <p:cNvSpPr txBox="1"/>
+          <p:nvPr/>
+        </p:nvSpPr>
+        <p:spPr>
+          <a:xfrm>
+            <a:off x="5393104" y="2960723"/>
+            <a:ext cx="974548" cy="369332"/>
+          </a:xfrm>
+          <a:prstGeom prst="rect">
+            <a:avLst/>
+          </a:prstGeom>
+          <a:noFill/>
+        </p:spPr>
+        <p:txBody>
+          <a:bodyPr wrap="square" rtlCol="0">
+            <a:spAutoFit/>
+          </a:bodyPr>
+          <a:lstStyle/>
+          <a:p>
+            <a:r>
+              <a:rPr lang="pt-BR" dirty="0"/>
+              <a:t>Internet</a:t>
+            </a:r>
+          </a:p>
+        </p:txBody>
+      </p:sp>
+      <p:pic>
+        <p:nvPicPr>
+          <p:cNvPr id="39" name="Imagem 38">
+            <a:extLst>
+              <a:ext uri="{FF2B5EF4-FFF2-40B4-BE49-F238E27FC236}">
+                <a16:creationId xmlns:a16="http://schemas.microsoft.com/office/drawing/2014/main" id="{3C927C82-28AD-43AB-A76E-88A65DE9A01E}"/>
               </a:ext>
             </a:extLst>
           </p:cNvPr>
@@ -10849,55 +14097,20 @@
         </p:blipFill>
         <p:spPr>
           <a:xfrm>
-            <a:off x="7270855" y="3378433"/>
-            <a:ext cx="284115" cy="284115"/>
+            <a:off x="7325501" y="1420138"/>
+            <a:ext cx="695366" cy="425332"/>
           </a:xfrm>
           <a:prstGeom prst="rect">
             <a:avLst/>
           </a:prstGeom>
         </p:spPr>
       </p:pic>
-      <p:sp>
-        <p:nvSpPr>
-          <p:cNvPr id="48" name="CaixaDeTexto 47">
-            <a:extLst>
-              <a:ext uri="{FF2B5EF4-FFF2-40B4-BE49-F238E27FC236}">
-                <a16:creationId xmlns:a16="http://schemas.microsoft.com/office/drawing/2014/main" id="{0B46014F-D2A7-424D-94B1-F5864124E27A}"/>
-              </a:ext>
-            </a:extLst>
-          </p:cNvPr>
-          <p:cNvSpPr txBox="1"/>
-          <p:nvPr/>
-        </p:nvSpPr>
-        <p:spPr>
-          <a:xfrm>
-            <a:off x="5393104" y="2960723"/>
-            <a:ext cx="974548" cy="369332"/>
-          </a:xfrm>
-          <a:prstGeom prst="rect">
-            <a:avLst/>
-          </a:prstGeom>
-          <a:noFill/>
-        </p:spPr>
-        <p:txBody>
-          <a:bodyPr wrap="square" rtlCol="0">
-            <a:spAutoFit/>
-          </a:bodyPr>
-          <a:lstStyle/>
-          <a:p>
-            <a:r>
-              <a:rPr lang="pt-BR" dirty="0"/>
-              <a:t>Internet</a:t>
-            </a:r>
-          </a:p>
-        </p:txBody>
-      </p:sp>
       <p:pic>
         <p:nvPicPr>
-          <p:cNvPr id="49" name="Imagem 48">
-            <a:extLst>
-              <a:ext uri="{FF2B5EF4-FFF2-40B4-BE49-F238E27FC236}">
-                <a16:creationId xmlns:a16="http://schemas.microsoft.com/office/drawing/2014/main" id="{0798F300-27D4-4837-A9A0-35D8D2219596}"/>
+          <p:cNvPr id="40" name="Imagem 39">
+            <a:extLst>
+              <a:ext uri="{FF2B5EF4-FFF2-40B4-BE49-F238E27FC236}">
+                <a16:creationId xmlns:a16="http://schemas.microsoft.com/office/drawing/2014/main" id="{23AD318E-632B-4DF0-BD8B-9CE3E92CBAFD}"/>
               </a:ext>
             </a:extLst>
           </p:cNvPr>
@@ -10920,8 +14133,8 @@
         </p:blipFill>
         <p:spPr>
           <a:xfrm>
-            <a:off x="7325501" y="1420138"/>
-            <a:ext cx="695366" cy="425332"/>
+            <a:off x="4906299" y="1319432"/>
+            <a:ext cx="730566" cy="730566"/>
           </a:xfrm>
           <a:prstGeom prst="rect">
             <a:avLst/>
@@ -10930,10 +14143,10 @@
       </p:pic>
       <p:pic>
         <p:nvPicPr>
-          <p:cNvPr id="50" name="Imagem 49">
-            <a:extLst>
-              <a:ext uri="{FF2B5EF4-FFF2-40B4-BE49-F238E27FC236}">
-                <a16:creationId xmlns:a16="http://schemas.microsoft.com/office/drawing/2014/main" id="{8D0D15FB-3BF5-4C74-BF7F-E10B97DA36F9}"/>
+          <p:cNvPr id="41" name="Imagem 40">
+            <a:extLst>
+              <a:ext uri="{FF2B5EF4-FFF2-40B4-BE49-F238E27FC236}">
+                <a16:creationId xmlns:a16="http://schemas.microsoft.com/office/drawing/2014/main" id="{B5B78D56-1C7B-4B95-BCD3-52CF99C7B5ED}"/>
               </a:ext>
             </a:extLst>
           </p:cNvPr>
@@ -10956,56 +14169,20 @@
         </p:blipFill>
         <p:spPr>
           <a:xfrm>
-            <a:off x="4906299" y="1319432"/>
-            <a:ext cx="730566" cy="730566"/>
+            <a:off x="5929919" y="1360925"/>
+            <a:ext cx="671704" cy="671704"/>
           </a:xfrm>
           <a:prstGeom prst="rect">
             <a:avLst/>
           </a:prstGeom>
         </p:spPr>
       </p:pic>
-      <p:pic>
-        <p:nvPicPr>
-          <p:cNvPr id="51" name="Imagem 50">
-            <a:extLst>
-              <a:ext uri="{FF2B5EF4-FFF2-40B4-BE49-F238E27FC236}">
-                <a16:creationId xmlns:a16="http://schemas.microsoft.com/office/drawing/2014/main" id="{B4C6D9B5-86B3-4837-ABA7-F76A304B8F5B}"/>
-              </a:ext>
-            </a:extLst>
-          </p:cNvPr>
-          <p:cNvPicPr>
-            <a:picLocks noChangeAspect="1"/>
-          </p:cNvPicPr>
-          <p:nvPr/>
-        </p:nvPicPr>
-        <p:blipFill>
-          <a:blip r:embed="rId17" cstate="print">
-            <a:extLst>
-              <a:ext uri="{28A0092B-C50C-407E-A947-70E740481C1C}">
-                <a14:useLocalDpi xmlns:a14="http://schemas.microsoft.com/office/drawing/2010/main" val="0"/>
-              </a:ext>
-            </a:extLst>
-          </a:blip>
-          <a:stretch>
-            <a:fillRect/>
-          </a:stretch>
-        </p:blipFill>
-        <p:spPr>
-          <a:xfrm>
-            <a:off x="5929919" y="1360925"/>
-            <a:ext cx="671704" cy="671704"/>
-          </a:xfrm>
-          <a:prstGeom prst="rect">
-            <a:avLst/>
-          </a:prstGeom>
-        </p:spPr>
-      </p:pic>
-      <p:sp>
-        <p:nvSpPr>
-          <p:cNvPr id="52" name="CaixaDeTexto 51">
-            <a:extLst>
-              <a:ext uri="{FF2B5EF4-FFF2-40B4-BE49-F238E27FC236}">
-                <a16:creationId xmlns:a16="http://schemas.microsoft.com/office/drawing/2014/main" id="{AD2DBCA4-FD85-4ADF-8BD7-F83A37133BF1}"/>
+      <p:sp>
+        <p:nvSpPr>
+          <p:cNvPr id="42" name="CaixaDeTexto 41">
+            <a:extLst>
+              <a:ext uri="{FF2B5EF4-FFF2-40B4-BE49-F238E27FC236}">
+                <a16:creationId xmlns:a16="http://schemas.microsoft.com/office/drawing/2014/main" id="{893FEB94-B93D-4F38-AF9A-DFA255D0FCF7}"/>
               </a:ext>
             </a:extLst>
           </p:cNvPr>
@@ -11037,10 +14214,10 @@
       </p:sp>
       <p:pic>
         <p:nvPicPr>
-          <p:cNvPr id="53" name="Picture 32" descr="Slack Logo - PNG and Vector - Logo Download">
-            <a:extLst>
-              <a:ext uri="{FF2B5EF4-FFF2-40B4-BE49-F238E27FC236}">
-                <a16:creationId xmlns:a16="http://schemas.microsoft.com/office/drawing/2014/main" id="{C3E0CD51-3EBF-4293-AB69-679A2C994DB7}"/>
+          <p:cNvPr id="1056" name="Picture 32" descr="Slack Logo - PNG and Vector - Logo Download">
+            <a:extLst>
+              <a:ext uri="{FF2B5EF4-FFF2-40B4-BE49-F238E27FC236}">
+                <a16:creationId xmlns:a16="http://schemas.microsoft.com/office/drawing/2014/main" id="{C98CA224-E886-4154-BD78-8A04B0FDFA4A}"/>
               </a:ext>
             </a:extLst>
           </p:cNvPr>
@@ -11050,7 +14227,7 @@
           <p:nvPr/>
         </p:nvPicPr>
         <p:blipFill>
-          <a:blip r:embed="rId18">
+          <a:blip r:embed="rId17">
             <a:extLst>
               <a:ext uri="{28A0092B-C50C-407E-A947-70E740481C1C}">
                 <a14:useLocalDpi xmlns:a14="http://schemas.microsoft.com/office/drawing/2010/main" val="0"/>
@@ -11084,10 +14261,10 @@
       </p:pic>
       <p:pic>
         <p:nvPicPr>
-          <p:cNvPr id="54" name="Picture 34" descr="Telegram Logo - PNG e Vetor - Download de Logo">
-            <a:extLst>
-              <a:ext uri="{FF2B5EF4-FFF2-40B4-BE49-F238E27FC236}">
-                <a16:creationId xmlns:a16="http://schemas.microsoft.com/office/drawing/2014/main" id="{1D17BD99-7354-4131-A6A3-568F85063F52}"/>
+          <p:cNvPr id="1058" name="Picture 34" descr="Telegram Logo - PNG e Vetor - Download de Logo">
+            <a:extLst>
+              <a:ext uri="{FF2B5EF4-FFF2-40B4-BE49-F238E27FC236}">
+                <a16:creationId xmlns:a16="http://schemas.microsoft.com/office/drawing/2014/main" id="{1F0A6EA2-210B-4A6F-87B7-7D5B2BC6490D}"/>
               </a:ext>
             </a:extLst>
           </p:cNvPr>
@@ -11097,7 +14274,7 @@
           <p:nvPr/>
         </p:nvPicPr>
         <p:blipFill>
-          <a:blip r:embed="rId19">
+          <a:blip r:embed="rId18">
             <a:extLst>
               <a:ext uri="{28A0092B-C50C-407E-A947-70E740481C1C}">
                 <a14:useLocalDpi xmlns:a14="http://schemas.microsoft.com/office/drawing/2010/main" val="0"/>
@@ -11131,10 +14308,10 @@
       </p:pic>
       <p:sp>
         <p:nvSpPr>
-          <p:cNvPr id="55" name="Retângulo 54">
-            <a:extLst>
-              <a:ext uri="{FF2B5EF4-FFF2-40B4-BE49-F238E27FC236}">
-                <a16:creationId xmlns:a16="http://schemas.microsoft.com/office/drawing/2014/main" id="{2E70BA5A-C453-4E5F-92B5-E217DFDB5D79}"/>
+          <p:cNvPr id="46" name="Retângulo 45">
+            <a:extLst>
+              <a:ext uri="{FF2B5EF4-FFF2-40B4-BE49-F238E27FC236}">
+                <a16:creationId xmlns:a16="http://schemas.microsoft.com/office/drawing/2014/main" id="{B5A5FDB0-C731-4929-AE47-C288C56907E7}"/>
               </a:ext>
             </a:extLst>
           </p:cNvPr>
@@ -11186,10 +14363,10 @@
       </p:sp>
       <p:sp>
         <p:nvSpPr>
-          <p:cNvPr id="56" name="CaixaDeTexto 55">
-            <a:extLst>
-              <a:ext uri="{FF2B5EF4-FFF2-40B4-BE49-F238E27FC236}">
-                <a16:creationId xmlns:a16="http://schemas.microsoft.com/office/drawing/2014/main" id="{0B0B0730-53F7-4A80-89FE-BA01E0080B98}"/>
+          <p:cNvPr id="47" name="CaixaDeTexto 46">
+            <a:extLst>
+              <a:ext uri="{FF2B5EF4-FFF2-40B4-BE49-F238E27FC236}">
+                <a16:creationId xmlns:a16="http://schemas.microsoft.com/office/drawing/2014/main" id="{BF8836C6-9BCF-48CD-A2D1-09B3632AE130}"/>
               </a:ext>
             </a:extLst>
           </p:cNvPr>
@@ -11221,10 +14398,10 @@
       </p:sp>
       <p:cxnSp>
         <p:nvCxnSpPr>
-          <p:cNvPr id="57" name="Conector de Seta Reta 56">
-            <a:extLst>
-              <a:ext uri="{FF2B5EF4-FFF2-40B4-BE49-F238E27FC236}">
-                <a16:creationId xmlns:a16="http://schemas.microsoft.com/office/drawing/2014/main" id="{F113B05D-4027-491C-8002-EF36BB833CAB}"/>
+          <p:cNvPr id="48" name="Conector de Seta Reta 47">
+            <a:extLst>
+              <a:ext uri="{FF2B5EF4-FFF2-40B4-BE49-F238E27FC236}">
+                <a16:creationId xmlns:a16="http://schemas.microsoft.com/office/drawing/2014/main" id="{DDF0A94E-AF63-4AE9-A64D-6D214E6CC8CB}"/>
               </a:ext>
             </a:extLst>
           </p:cNvPr>
@@ -11270,10 +14447,10 @@
       </p:cxnSp>
       <p:pic>
         <p:nvPicPr>
-          <p:cNvPr id="58" name="Imagem 57">
-            <a:extLst>
-              <a:ext uri="{FF2B5EF4-FFF2-40B4-BE49-F238E27FC236}">
-                <a16:creationId xmlns:a16="http://schemas.microsoft.com/office/drawing/2014/main" id="{49479055-B409-48F6-8325-B32B3FD481E5}"/>
+          <p:cNvPr id="51" name="Imagem 50">
+            <a:extLst>
+              <a:ext uri="{FF2B5EF4-FFF2-40B4-BE49-F238E27FC236}">
+                <a16:creationId xmlns:a16="http://schemas.microsoft.com/office/drawing/2014/main" id="{47B8458B-B914-45F9-90A5-61D834C64634}"/>
               </a:ext>
             </a:extLst>
           </p:cNvPr>
@@ -11283,7 +14460,7 @@
           <p:nvPr/>
         </p:nvPicPr>
         <p:blipFill>
-          <a:blip r:embed="rId14" cstate="print">
+          <a:blip r:embed="rId13" cstate="print">
             <a:extLst>
               <a:ext uri="{28A0092B-C50C-407E-A947-70E740481C1C}">
                 <a14:useLocalDpi xmlns:a14="http://schemas.microsoft.com/office/drawing/2010/main" val="0"/>
@@ -11306,10 +14483,10 @@
       </p:pic>
       <p:cxnSp>
         <p:nvCxnSpPr>
-          <p:cNvPr id="59" name="Conector de Seta Reta 58">
-            <a:extLst>
-              <a:ext uri="{FF2B5EF4-FFF2-40B4-BE49-F238E27FC236}">
-                <a16:creationId xmlns:a16="http://schemas.microsoft.com/office/drawing/2014/main" id="{A9FDFA3A-AFA9-43EA-BB69-AB4548E23205}"/>
+          <p:cNvPr id="52" name="Conector de Seta Reta 51">
+            <a:extLst>
+              <a:ext uri="{FF2B5EF4-FFF2-40B4-BE49-F238E27FC236}">
+                <a16:creationId xmlns:a16="http://schemas.microsoft.com/office/drawing/2014/main" id="{5A7EEB96-F5B1-4FB2-8DAD-193850E22DCE}"/>
               </a:ext>
             </a:extLst>
           </p:cNvPr>
@@ -11355,10 +14532,10 @@
       </p:cxnSp>
       <p:pic>
         <p:nvPicPr>
-          <p:cNvPr id="60" name="Imagem 59">
-            <a:extLst>
-              <a:ext uri="{FF2B5EF4-FFF2-40B4-BE49-F238E27FC236}">
-                <a16:creationId xmlns:a16="http://schemas.microsoft.com/office/drawing/2014/main" id="{4D16E77D-5A6F-4535-9705-B7815722393C}"/>
+          <p:cNvPr id="53" name="Imagem 52">
+            <a:extLst>
+              <a:ext uri="{FF2B5EF4-FFF2-40B4-BE49-F238E27FC236}">
+                <a16:creationId xmlns:a16="http://schemas.microsoft.com/office/drawing/2014/main" id="{1F760348-1BBD-46BD-B9B8-9E397C3944AE}"/>
               </a:ext>
             </a:extLst>
           </p:cNvPr>
@@ -11368,7 +14545,7 @@
           <p:nvPr/>
         </p:nvPicPr>
         <p:blipFill>
-          <a:blip r:embed="rId14" cstate="print">
+          <a:blip r:embed="rId13" cstate="print">
             <a:extLst>
               <a:ext uri="{28A0092B-C50C-407E-A947-70E740481C1C}">
                 <a14:useLocalDpi xmlns:a14="http://schemas.microsoft.com/office/drawing/2010/main" val="0"/>
@@ -11391,10 +14568,10 @@
       </p:pic>
       <p:pic>
         <p:nvPicPr>
-          <p:cNvPr id="61" name="Picture 30" descr="Logo Java – Logos PNG">
-            <a:extLst>
-              <a:ext uri="{FF2B5EF4-FFF2-40B4-BE49-F238E27FC236}">
-                <a16:creationId xmlns:a16="http://schemas.microsoft.com/office/drawing/2014/main" id="{A822F7D8-3C5F-466F-8D00-23A6DA321526}"/>
+          <p:cNvPr id="54" name="Picture 30" descr="Logo Java – Logos PNG">
+            <a:extLst>
+              <a:ext uri="{FF2B5EF4-FFF2-40B4-BE49-F238E27FC236}">
+                <a16:creationId xmlns:a16="http://schemas.microsoft.com/office/drawing/2014/main" id="{BC955467-D8B6-4A32-AB93-0A71AD912C13}"/>
               </a:ext>
             </a:extLst>
           </p:cNvPr>
@@ -11404,7 +14581,7 @@
           <p:nvPr/>
         </p:nvPicPr>
         <p:blipFill>
-          <a:blip r:embed="rId20">
+          <a:blip r:embed="rId19">
             <a:extLst>
               <a:ext uri="{28A0092B-C50C-407E-A947-70E740481C1C}">
                 <a14:useLocalDpi xmlns:a14="http://schemas.microsoft.com/office/drawing/2010/main" val="0"/>
@@ -11438,10 +14615,10 @@
       </p:pic>
       <p:sp>
         <p:nvSpPr>
-          <p:cNvPr id="62" name="CaixaDeTexto 61">
-            <a:extLst>
-              <a:ext uri="{FF2B5EF4-FFF2-40B4-BE49-F238E27FC236}">
-                <a16:creationId xmlns:a16="http://schemas.microsoft.com/office/drawing/2014/main" id="{441B5811-38C0-4939-B7DB-F0E6D09DB918}"/>
+          <p:cNvPr id="55" name="CaixaDeTexto 54">
+            <a:extLst>
+              <a:ext uri="{FF2B5EF4-FFF2-40B4-BE49-F238E27FC236}">
+                <a16:creationId xmlns:a16="http://schemas.microsoft.com/office/drawing/2014/main" id="{16C04C0E-408A-40D0-A1B1-23FD17BDDD56}"/>
               </a:ext>
             </a:extLst>
           </p:cNvPr>
@@ -11478,10 +14655,10 @@
       </p:sp>
       <p:pic>
         <p:nvPicPr>
-          <p:cNvPr id="63" name="Picture 36" descr="Opera Mobile - Wikipedia">
-            <a:extLst>
-              <a:ext uri="{FF2B5EF4-FFF2-40B4-BE49-F238E27FC236}">
-                <a16:creationId xmlns:a16="http://schemas.microsoft.com/office/drawing/2014/main" id="{D461BBA8-045D-42B5-B7D3-CBF782432828}"/>
+          <p:cNvPr id="1060" name="Picture 36" descr="Opera Mobile - Wikipedia">
+            <a:extLst>
+              <a:ext uri="{FF2B5EF4-FFF2-40B4-BE49-F238E27FC236}">
+                <a16:creationId xmlns:a16="http://schemas.microsoft.com/office/drawing/2014/main" id="{22BA471D-0C22-41E7-B933-EFB4F8ACECB9}"/>
               </a:ext>
             </a:extLst>
           </p:cNvPr>
@@ -11491,7 +14668,7 @@
           <p:nvPr/>
         </p:nvPicPr>
         <p:blipFill>
-          <a:blip r:embed="rId21">
+          <a:blip r:embed="rId20">
             <a:extLst>
               <a:ext uri="{28A0092B-C50C-407E-A947-70E740481C1C}">
                 <a14:useLocalDpi xmlns:a14="http://schemas.microsoft.com/office/drawing/2010/main" val="0"/>
@@ -11525,10 +14702,10 @@
       </p:pic>
       <p:pic>
         <p:nvPicPr>
-          <p:cNvPr id="64" name="Picture 38" descr="Google Chrome: rápido e seguro – Apps no Google Play">
-            <a:extLst>
-              <a:ext uri="{FF2B5EF4-FFF2-40B4-BE49-F238E27FC236}">
-                <a16:creationId xmlns:a16="http://schemas.microsoft.com/office/drawing/2014/main" id="{E059AF4F-36BB-4148-BA5D-90185C84B9BC}"/>
+          <p:cNvPr id="1062" name="Picture 38" descr="Google Chrome: rápido e seguro – Apps no Google Play">
+            <a:extLst>
+              <a:ext uri="{FF2B5EF4-FFF2-40B4-BE49-F238E27FC236}">
+                <a16:creationId xmlns:a16="http://schemas.microsoft.com/office/drawing/2014/main" id="{20A5E628-5369-487A-AD5C-3EE1D98684CE}"/>
               </a:ext>
             </a:extLst>
           </p:cNvPr>
@@ -11538,7 +14715,7 @@
           <p:nvPr/>
         </p:nvPicPr>
         <p:blipFill>
-          <a:blip r:embed="rId22">
+          <a:blip r:embed="rId21">
             <a:extLst>
               <a:ext uri="{28A0092B-C50C-407E-A947-70E740481C1C}">
                 <a14:useLocalDpi xmlns:a14="http://schemas.microsoft.com/office/drawing/2010/main" val="0"/>
@@ -11572,10 +14749,10 @@
       </p:pic>
       <p:pic>
         <p:nvPicPr>
-          <p:cNvPr id="65" name="Picture 40" descr="Baixe o Navegador Firefox — rápido, privativo e gratuito — da Mozilla">
-            <a:extLst>
-              <a:ext uri="{FF2B5EF4-FFF2-40B4-BE49-F238E27FC236}">
-                <a16:creationId xmlns:a16="http://schemas.microsoft.com/office/drawing/2014/main" id="{017E2E71-DE44-4CCE-8A27-236D9E1D710D}"/>
+          <p:cNvPr id="1064" name="Picture 40" descr="Baixe o Navegador Firefox — rápido, privativo e gratuito — da Mozilla">
+            <a:extLst>
+              <a:ext uri="{FF2B5EF4-FFF2-40B4-BE49-F238E27FC236}">
+                <a16:creationId xmlns:a16="http://schemas.microsoft.com/office/drawing/2014/main" id="{22F11904-CBC6-4AFF-8970-9BCC9FF22054}"/>
               </a:ext>
             </a:extLst>
           </p:cNvPr>
@@ -11585,7 +14762,7 @@
           <p:nvPr/>
         </p:nvPicPr>
         <p:blipFill>
-          <a:blip r:embed="rId23">
+          <a:blip r:embed="rId22">
             <a:extLst>
               <a:ext uri="{28A0092B-C50C-407E-A947-70E740481C1C}">
                 <a14:useLocalDpi xmlns:a14="http://schemas.microsoft.com/office/drawing/2010/main" val="0"/>
@@ -11619,10 +14796,10 @@
       </p:pic>
       <p:pic>
         <p:nvPicPr>
-          <p:cNvPr id="66" name="Imagem 65">
-            <a:extLst>
-              <a:ext uri="{FF2B5EF4-FFF2-40B4-BE49-F238E27FC236}">
-                <a16:creationId xmlns:a16="http://schemas.microsoft.com/office/drawing/2014/main" id="{8C6174B9-064B-4314-8DF6-230D359B7AAE}"/>
+          <p:cNvPr id="49" name="Imagem 48">
+            <a:extLst>
+              <a:ext uri="{FF2B5EF4-FFF2-40B4-BE49-F238E27FC236}">
+                <a16:creationId xmlns:a16="http://schemas.microsoft.com/office/drawing/2014/main" id="{7629D00E-5DAE-49DE-843E-EA3799375488}"/>
               </a:ext>
             </a:extLst>
           </p:cNvPr>
@@ -11632,37 +14809,7 @@
           <p:nvPr/>
         </p:nvPicPr>
         <p:blipFill>
-          <a:blip r:embed="rId24"/>
-          <a:stretch>
-            <a:fillRect/>
-          </a:stretch>
-        </p:blipFill>
-        <p:spPr>
-          <a:xfrm>
-            <a:off x="9780357" y="5464852"/>
-            <a:ext cx="1577233" cy="617541"/>
-          </a:xfrm>
-          <a:prstGeom prst="rect">
-            <a:avLst/>
-          </a:prstGeom>
-        </p:spPr>
-      </p:pic>
-      <p:pic>
-        <p:nvPicPr>
-          <p:cNvPr id="67" name="Imagem 66">
-            <a:extLst>
-              <a:ext uri="{FF2B5EF4-FFF2-40B4-BE49-F238E27FC236}">
-                <a16:creationId xmlns:a16="http://schemas.microsoft.com/office/drawing/2014/main" id="{FA72D6BC-5B10-498D-ABA2-F9AC67BB0448}"/>
-              </a:ext>
-            </a:extLst>
-          </p:cNvPr>
-          <p:cNvPicPr>
-            <a:picLocks noChangeAspect="1"/>
-          </p:cNvPicPr>
-          <p:nvPr/>
-        </p:nvPicPr>
-        <p:blipFill>
-          <a:blip r:embed="rId13" cstate="print">
+          <a:blip r:embed="rId12" cstate="print">
             <a:extLst>
               <a:ext uri="{28A0092B-C50C-407E-A947-70E740481C1C}">
                 <a14:useLocalDpi xmlns:a14="http://schemas.microsoft.com/office/drawing/2010/main" val="0"/>
@@ -11688,10 +14835,10 @@
       </p:pic>
       <p:pic>
         <p:nvPicPr>
-          <p:cNvPr id="68" name="Picture 2" descr="Amazon Web Services - Wikipedia">
-            <a:extLst>
-              <a:ext uri="{FF2B5EF4-FFF2-40B4-BE49-F238E27FC236}">
-                <a16:creationId xmlns:a16="http://schemas.microsoft.com/office/drawing/2014/main" id="{A6A3F062-73C7-42BF-9798-2410AE9F67CB}"/>
+          <p:cNvPr id="1026" name="Picture 2" descr="Amazon Web Services - Wikipedia">
+            <a:extLst>
+              <a:ext uri="{FF2B5EF4-FFF2-40B4-BE49-F238E27FC236}">
+                <a16:creationId xmlns:a16="http://schemas.microsoft.com/office/drawing/2014/main" id="{64617514-7972-4D44-AE16-FDDFCF96D863}"/>
               </a:ext>
             </a:extLst>
           </p:cNvPr>
@@ -11701,7 +14848,7 @@
           <p:nvPr/>
         </p:nvPicPr>
         <p:blipFill>
-          <a:blip r:embed="rId25">
+          <a:blip r:embed="rId23">
             <a:extLst>
               <a:ext uri="{28A0092B-C50C-407E-A947-70E740481C1C}">
                 <a14:useLocalDpi xmlns:a14="http://schemas.microsoft.com/office/drawing/2010/main" val="0"/>
@@ -11735,10 +14882,10 @@
       </p:pic>
       <p:pic>
         <p:nvPicPr>
-          <p:cNvPr id="69" name="Picture 20" descr="Desktop computer icon computer - Transparent PNG &amp; SVG vector file">
-            <a:extLst>
-              <a:ext uri="{FF2B5EF4-FFF2-40B4-BE49-F238E27FC236}">
-                <a16:creationId xmlns:a16="http://schemas.microsoft.com/office/drawing/2014/main" id="{E31E82D8-92E0-4920-A56F-E115EB7DC4E7}"/>
+          <p:cNvPr id="50" name="Picture 20" descr="Desktop computer icon computer - Transparent PNG &amp; SVG vector file">
+            <a:extLst>
+              <a:ext uri="{FF2B5EF4-FFF2-40B4-BE49-F238E27FC236}">
+                <a16:creationId xmlns:a16="http://schemas.microsoft.com/office/drawing/2014/main" id="{731A2CB3-96B0-4D86-8223-A4E6D1F59FBC}"/>
               </a:ext>
             </a:extLst>
           </p:cNvPr>
@@ -11748,7 +14895,7 @@
           <p:nvPr/>
         </p:nvPicPr>
         <p:blipFill>
-          <a:blip r:embed="rId3">
+          <a:blip r:embed="rId2">
             <a:extLst>
               <a:ext uri="{28A0092B-C50C-407E-A947-70E740481C1C}">
                 <a14:useLocalDpi xmlns:a14="http://schemas.microsoft.com/office/drawing/2010/main" val="0"/>
@@ -11782,10 +14929,10 @@
       </p:pic>
       <p:sp>
         <p:nvSpPr>
-          <p:cNvPr id="70" name="CaixaDeTexto 69">
-            <a:extLst>
-              <a:ext uri="{FF2B5EF4-FFF2-40B4-BE49-F238E27FC236}">
-                <a16:creationId xmlns:a16="http://schemas.microsoft.com/office/drawing/2014/main" id="{3B9851C5-6581-49A2-9414-154497698EA5}"/>
+          <p:cNvPr id="56" name="CaixaDeTexto 55">
+            <a:extLst>
+              <a:ext uri="{FF2B5EF4-FFF2-40B4-BE49-F238E27FC236}">
+                <a16:creationId xmlns:a16="http://schemas.microsoft.com/office/drawing/2014/main" id="{A7EAC7A2-CA61-4B08-A4D5-B3B34552B8E3}"/>
               </a:ext>
             </a:extLst>
           </p:cNvPr>
@@ -11817,10 +14964,10 @@
       </p:sp>
       <p:sp>
         <p:nvSpPr>
-          <p:cNvPr id="71" name="CaixaDeTexto 70">
-            <a:extLst>
-              <a:ext uri="{FF2B5EF4-FFF2-40B4-BE49-F238E27FC236}">
-                <a16:creationId xmlns:a16="http://schemas.microsoft.com/office/drawing/2014/main" id="{837D6E71-93E9-482E-9EAC-3E52313C1D36}"/>
+          <p:cNvPr id="57" name="CaixaDeTexto 56">
+            <a:extLst>
+              <a:ext uri="{FF2B5EF4-FFF2-40B4-BE49-F238E27FC236}">
+                <a16:creationId xmlns:a16="http://schemas.microsoft.com/office/drawing/2014/main" id="{FB38A3F5-DF86-4B9E-943A-989A3365460D}"/>
               </a:ext>
             </a:extLst>
           </p:cNvPr>
@@ -11852,16 +14999,16 @@
       </p:sp>
       <p:cxnSp>
         <p:nvCxnSpPr>
-          <p:cNvPr id="72" name="Conector de Seta Reta 71">
-            <a:extLst>
-              <a:ext uri="{FF2B5EF4-FFF2-40B4-BE49-F238E27FC236}">
-                <a16:creationId xmlns:a16="http://schemas.microsoft.com/office/drawing/2014/main" id="{02437D53-DB39-4BD7-B55A-1DEA470AD1B6}"/>
+          <p:cNvPr id="58" name="Conector de Seta Reta 57">
+            <a:extLst>
+              <a:ext uri="{FF2B5EF4-FFF2-40B4-BE49-F238E27FC236}">
+                <a16:creationId xmlns:a16="http://schemas.microsoft.com/office/drawing/2014/main" id="{BEF680AD-E5F2-4C24-959D-D660E6A95AD1}"/>
               </a:ext>
             </a:extLst>
           </p:cNvPr>
           <p:cNvCxnSpPr>
             <a:cxnSpLocks/>
-            <a:endCxn id="61" idx="3"/>
+            <a:endCxn id="54" idx="3"/>
           </p:cNvCxnSpPr>
           <p:nvPr/>
         </p:nvCxnSpPr>
@@ -11902,16 +15049,16 @@
       </p:cxnSp>
       <p:cxnSp>
         <p:nvCxnSpPr>
-          <p:cNvPr id="73" name="Conector de Seta Reta 72">
-            <a:extLst>
-              <a:ext uri="{FF2B5EF4-FFF2-40B4-BE49-F238E27FC236}">
-                <a16:creationId xmlns:a16="http://schemas.microsoft.com/office/drawing/2014/main" id="{36CF0845-B9D9-4624-8F62-EDBFB881D97E}"/>
+          <p:cNvPr id="59" name="Conector de Seta Reta 58">
+            <a:extLst>
+              <a:ext uri="{FF2B5EF4-FFF2-40B4-BE49-F238E27FC236}">
+                <a16:creationId xmlns:a16="http://schemas.microsoft.com/office/drawing/2014/main" id="{B81A7F05-02F1-4A67-AE4D-463E9142AF84}"/>
               </a:ext>
             </a:extLst>
           </p:cNvPr>
           <p:cNvCxnSpPr>
             <a:cxnSpLocks/>
-            <a:stCxn id="61" idx="1"/>
+            <a:stCxn id="54" idx="1"/>
           </p:cNvCxnSpPr>
           <p:nvPr/>
         </p:nvCxnSpPr>
@@ -11950,23 +15097,70 @@
           </a:fontRef>
         </p:style>
       </p:cxnSp>
+      <p:pic>
+        <p:nvPicPr>
+          <p:cNvPr id="1028" name="Picture 4" descr="A nova marca do TomTicket | by TomTicket | TomTicket">
+            <a:extLst>
+              <a:ext uri="{FF2B5EF4-FFF2-40B4-BE49-F238E27FC236}">
+                <a16:creationId xmlns:a16="http://schemas.microsoft.com/office/drawing/2014/main" id="{E67DA861-3794-499D-A6B6-0CDA3CCBAC28}"/>
+              </a:ext>
+            </a:extLst>
+          </p:cNvPr>
+          <p:cNvPicPr>
+            <a:picLocks noChangeAspect="1" noChangeArrowheads="1"/>
+          </p:cNvPicPr>
+          <p:nvPr/>
+        </p:nvPicPr>
+        <p:blipFill>
+          <a:blip r:embed="rId24">
+            <a:extLst>
+              <a:ext uri="{28A0092B-C50C-407E-A947-70E740481C1C}">
+                <a14:useLocalDpi xmlns:a14="http://schemas.microsoft.com/office/drawing/2010/main" val="0"/>
+              </a:ext>
+            </a:extLst>
+          </a:blip>
+          <a:srcRect/>
+          <a:stretch>
+            <a:fillRect/>
+          </a:stretch>
+        </p:blipFill>
+        <p:spPr bwMode="auto">
+          <a:xfrm>
+            <a:off x="9568718" y="5488031"/>
+            <a:ext cx="1836959" cy="627412"/>
+          </a:xfrm>
+          <a:prstGeom prst="rect">
+            <a:avLst/>
+          </a:prstGeom>
+          <a:noFill/>
+          <a:extLst>
+            <a:ext uri="{909E8E84-426E-40DD-AFC4-6F175D3DCCD1}">
+              <a14:hiddenFill xmlns:a14="http://schemas.microsoft.com/office/drawing/2010/main">
+                <a:solidFill>
+                  <a:srgbClr val="FFFFFF"/>
+                </a:solidFill>
+              </a14:hiddenFill>
+            </a:ext>
+          </a:extLst>
+        </p:spPr>
+      </p:pic>
     </p:spTree>
     <p:extLst>
       <p:ext uri="{BB962C8B-B14F-4D97-AF65-F5344CB8AC3E}">
-        <p14:creationId xmlns:p14="http://schemas.microsoft.com/office/powerpoint/2010/main" val="3817037610"/>
+        <p14:creationId xmlns:p14="http://schemas.microsoft.com/office/powerpoint/2010/main" val="1038486840"/>
       </p:ext>
     </p:extLst>
   </p:cSld>
   <p:clrMapOvr>
     <a:masterClrMapping/>
   </p:clrMapOvr>
-  <mc:AlternateContent xmlns:mc="http://schemas.openxmlformats.org/markup-compatibility/2006" xmlns:p14="http://schemas.microsoft.com/office/powerpoint/2010/main">
-    <mc:Choice Requires="p14">
+  <mc:AlternateContent xmlns:mc="http://schemas.openxmlformats.org/markup-compatibility/2006">
+    <mc:Choice xmlns:p14="http://schemas.microsoft.com/office/powerpoint/2010/main" Requires="p14">
       <p:transition spd="med" p14:dur="700">
         <p:fade/>
       </p:transition>
     </mc:Choice>
-    <mc:Fallback xmlns="">
+    <mc:Fallback>
       <p:transition spd="med">
         <p:fade/>
       </p:transition>
@@ -12268,4 +15462,299 @@
     </a:ext>
   </a:extLst>
 </a:theme>
+</file>
+
+<file path=ppt/theme/theme2.xml><?xml version="1.0" encoding="utf-8"?>
+<a:theme xmlns:a="http://schemas.openxmlformats.org/drawingml/2006/main" name="Tema do Office">
+  <a:themeElements>
+    <a:clrScheme name="Office">
+      <a:dk1>
+        <a:sysClr val="windowText" lastClr="000000"/>
+      </a:dk1>
+      <a:lt1>
+        <a:sysClr val="window" lastClr="FFFFFF"/>
+      </a:lt1>
+      <a:dk2>
+        <a:srgbClr val="44546A"/>
+      </a:dk2>
+      <a:lt2>
+        <a:srgbClr val="E7E6E6"/>
+      </a:lt2>
+      <a:accent1>
+        <a:srgbClr val="4472C4"/>
+      </a:accent1>
+      <a:accent2>
+        <a:srgbClr val="ED7D31"/>
+      </a:accent2>
+      <a:accent3>
+        <a:srgbClr val="A5A5A5"/>
+      </a:accent3>
+      <a:accent4>
+        <a:srgbClr val="FFC000"/>
+      </a:accent4>
+      <a:accent5>
+        <a:srgbClr val="5B9BD5"/>
+      </a:accent5>
+      <a:accent6>
+        <a:srgbClr val="70AD47"/>
+      </a:accent6>
+      <a:hlink>
+        <a:srgbClr val="0563C1"/>
+      </a:hlink>
+      <a:folHlink>
+        <a:srgbClr val="954F72"/>
+      </a:folHlink>
+    </a:clrScheme>
+    <a:fontScheme name="Office">
+      <a:majorFont>
+        <a:latin typeface="Calibri Light" panose="020F0302020204030204"/>
+        <a:ea typeface=""/>
+        <a:cs typeface=""/>
+        <a:font script="Jpan" typeface="游ゴシック Light"/>
+        <a:font script="Hang" typeface="맑은 고딕"/>
+        <a:font script="Hans" typeface="等线 Light"/>
+        <a:font script="Hant" typeface="新細明體"/>
+        <a:font script="Arab" typeface="Times New Roman"/>
+        <a:font script="Hebr" typeface="Times New Roman"/>
+        <a:font script="Thai" typeface="Angsana New"/>
+        <a:font script="Ethi" typeface="Nyala"/>
+        <a:font script="Beng" typeface="Vrinda"/>
+        <a:font script="Gujr" typeface="Shruti"/>
+        <a:font script="Khmr" typeface="MoolBoran"/>
+        <a:font script="Knda" typeface="Tunga"/>
+        <a:font script="Guru" typeface="Raavi"/>
+        <a:font script="Cans" typeface="Euphemia"/>
+        <a:font script="Cher" typeface="Plantagenet Cherokee"/>
+        <a:font script="Yiii" typeface="Microsoft Yi Baiti"/>
+        <a:font script="Tibt" typeface="Microsoft Himalaya"/>
+        <a:font script="Thaa" typeface="MV Boli"/>
+        <a:font script="Deva" typeface="Mangal"/>
+        <a:font script="Telu" typeface="Gautami"/>
+        <a:font script="Taml" typeface="Latha"/>
+        <a:font script="Syrc" typeface="Estrangelo Edessa"/>
+        <a:font script="Orya" typeface="Kalinga"/>
+        <a:font script="Mlym" typeface="Kartika"/>
+        <a:font script="Laoo" typeface="DokChampa"/>
+        <a:font script="Sinh" typeface="Iskoola Pota"/>
+        <a:font script="Mong" typeface="Mongolian Baiti"/>
+        <a:font script="Viet" typeface="Times New Roman"/>
+        <a:font script="Uigh" typeface="Microsoft Uighur"/>
+        <a:font script="Geor" typeface="Sylfaen"/>
+        <a:font script="Armn" typeface="Arial"/>
+        <a:font script="Bugi" typeface="Leelawadee UI"/>
+        <a:font script="Bopo" typeface="Microsoft JhengHei"/>
+        <a:font script="Java" typeface="Javanese Text"/>
+        <a:font script="Lisu" typeface="Segoe UI"/>
+        <a:font script="Mymr" typeface="Myanmar Text"/>
+        <a:font script="Nkoo" typeface="Ebrima"/>
+        <a:font script="Olck" typeface="Nirmala UI"/>
+        <a:font script="Osma" typeface="Ebrima"/>
+        <a:font script="Phag" typeface="Phagspa"/>
+        <a:font script="Syrn" typeface="Estrangelo Edessa"/>
+        <a:font script="Syrj" typeface="Estrangelo Edessa"/>
+        <a:font script="Syre" typeface="Estrangelo Edessa"/>
+        <a:font script="Sora" typeface="Nirmala UI"/>
+        <a:font script="Tale" typeface="Microsoft Tai Le"/>
+        <a:font script="Talu" typeface="Microsoft New Tai Lue"/>
+        <a:font script="Tfng" typeface="Ebrima"/>
+      </a:majorFont>
+      <a:minorFont>
+        <a:latin typeface="Calibri" panose="020F0502020204030204"/>
+        <a:ea typeface=""/>
+        <a:cs typeface=""/>
+        <a:font script="Jpan" typeface="游ゴシック"/>
+        <a:font script="Hang" typeface="맑은 고딕"/>
+        <a:font script="Hans" typeface="等线"/>
+        <a:font script="Hant" typeface="新細明體"/>
+        <a:font script="Arab" typeface="Arial"/>
+        <a:font script="Hebr" typeface="Arial"/>
+        <a:font script="Thai" typeface="Cordia New"/>
+        <a:font script="Ethi" typeface="Nyala"/>
+        <a:font script="Beng" typeface="Vrinda"/>
+        <a:font script="Gujr" typeface="Shruti"/>
+        <a:font script="Khmr" typeface="DaunPenh"/>
+        <a:font script="Knda" typeface="Tunga"/>
+        <a:font script="Guru" typeface="Raavi"/>
+        <a:font script="Cans" typeface="Euphemia"/>
+        <a:font script="Cher" typeface="Plantagenet Cherokee"/>
+        <a:font script="Yiii" typeface="Microsoft Yi Baiti"/>
+        <a:font script="Tibt" typeface="Microsoft Himalaya"/>
+        <a:font script="Thaa" typeface="MV Boli"/>
+        <a:font script="Deva" typeface="Mangal"/>
+        <a:font script="Telu" typeface="Gautami"/>
+        <a:font script="Taml" typeface="Latha"/>
+        <a:font script="Syrc" typeface="Estrangelo Edessa"/>
+        <a:font script="Orya" typeface="Kalinga"/>
+        <a:font script="Mlym" typeface="Kartika"/>
+        <a:font script="Laoo" typeface="DokChampa"/>
+        <a:font script="Sinh" typeface="Iskoola Pota"/>
+        <a:font script="Mong" typeface="Mongolian Baiti"/>
+        <a:font script="Viet" typeface="Arial"/>
+        <a:font script="Uigh" typeface="Microsoft Uighur"/>
+        <a:font script="Geor" typeface="Sylfaen"/>
+        <a:font script="Armn" typeface="Arial"/>
+        <a:font script="Bugi" typeface="Leelawadee UI"/>
+        <a:font script="Bopo" typeface="Microsoft JhengHei"/>
+        <a:font script="Java" typeface="Javanese Text"/>
+        <a:font script="Lisu" typeface="Segoe UI"/>
+        <a:font script="Mymr" typeface="Myanmar Text"/>
+        <a:font script="Nkoo" typeface="Ebrima"/>
+        <a:font script="Olck" typeface="Nirmala UI"/>
+        <a:font script="Osma" typeface="Ebrima"/>
+        <a:font script="Phag" typeface="Phagspa"/>
+        <a:font script="Syrn" typeface="Estrangelo Edessa"/>
+        <a:font script="Syrj" typeface="Estrangelo Edessa"/>
+        <a:font script="Syre" typeface="Estrangelo Edessa"/>
+        <a:font script="Sora" typeface="Nirmala UI"/>
+        <a:font script="Tale" typeface="Microsoft Tai Le"/>
+        <a:font script="Talu" typeface="Microsoft New Tai Lue"/>
+        <a:font script="Tfng" typeface="Ebrima"/>
+      </a:minorFont>
+    </a:fontScheme>
+    <a:fmtScheme name="Office">
+      <a:fillStyleLst>
+        <a:solidFill>
+          <a:schemeClr val="phClr"/>
+        </a:solidFill>
+        <a:gradFill rotWithShape="1">
+          <a:gsLst>
+            <a:gs pos="0">
+              <a:schemeClr val="phClr">
+                <a:lumMod val="110000"/>
+                <a:satMod val="105000"/>
+                <a:tint val="67000"/>
+              </a:schemeClr>
+            </a:gs>
+            <a:gs pos="50000">
+              <a:schemeClr val="phClr">
+                <a:lumMod val="105000"/>
+                <a:satMod val="103000"/>
+                <a:tint val="73000"/>
+              </a:schemeClr>
+            </a:gs>
+            <a:gs pos="100000">
+              <a:schemeClr val="phClr">
+                <a:lumMod val="105000"/>
+                <a:satMod val="109000"/>
+                <a:tint val="81000"/>
+              </a:schemeClr>
+            </a:gs>
+          </a:gsLst>
+          <a:lin ang="5400000" scaled="0"/>
+        </a:gradFill>
+        <a:gradFill rotWithShape="1">
+          <a:gsLst>
+            <a:gs pos="0">
+              <a:schemeClr val="phClr">
+                <a:satMod val="103000"/>
+                <a:lumMod val="102000"/>
+                <a:tint val="94000"/>
+              </a:schemeClr>
+            </a:gs>
+            <a:gs pos="50000">
+              <a:schemeClr val="phClr">
+                <a:satMod val="110000"/>
+                <a:lumMod val="100000"/>
+                <a:shade val="100000"/>
+              </a:schemeClr>
+            </a:gs>
+            <a:gs pos="100000">
+              <a:schemeClr val="phClr">
+                <a:lumMod val="99000"/>
+                <a:satMod val="120000"/>
+                <a:shade val="78000"/>
+              </a:schemeClr>
+            </a:gs>
+          </a:gsLst>
+          <a:lin ang="5400000" scaled="0"/>
+        </a:gradFill>
+      </a:fillStyleLst>
+      <a:lnStyleLst>
+        <a:ln w="6350" cap="flat" cmpd="sng" algn="ctr">
+          <a:solidFill>
+            <a:schemeClr val="phClr"/>
+          </a:solidFill>
+          <a:prstDash val="solid"/>
+          <a:miter lim="800000"/>
+        </a:ln>
+        <a:ln w="12700" cap="flat" cmpd="sng" algn="ctr">
+          <a:solidFill>
+            <a:schemeClr val="phClr"/>
+          </a:solidFill>
+          <a:prstDash val="solid"/>
+          <a:miter lim="800000"/>
+        </a:ln>
+        <a:ln w="19050" cap="flat" cmpd="sng" algn="ctr">
+          <a:solidFill>
+            <a:schemeClr val="phClr"/>
+          </a:solidFill>
+          <a:prstDash val="solid"/>
+          <a:miter lim="800000"/>
+        </a:ln>
+      </a:lnStyleLst>
+      <a:effectStyleLst>
+        <a:effectStyle>
+          <a:effectLst/>
+        </a:effectStyle>
+        <a:effectStyle>
+          <a:effectLst/>
+        </a:effectStyle>
+        <a:effectStyle>
+          <a:effectLst>
+            <a:outerShdw blurRad="57150" dist="19050" dir="5400000" algn="ctr" rotWithShape="0">
+              <a:srgbClr val="000000">
+                <a:alpha val="63000"/>
+              </a:srgbClr>
+            </a:outerShdw>
+          </a:effectLst>
+        </a:effectStyle>
+      </a:effectStyleLst>
+      <a:bgFillStyleLst>
+        <a:solidFill>
+          <a:schemeClr val="phClr"/>
+        </a:solidFill>
+        <a:solidFill>
+          <a:schemeClr val="phClr">
+            <a:tint val="95000"/>
+            <a:satMod val="170000"/>
+          </a:schemeClr>
+        </a:solidFill>
+        <a:gradFill rotWithShape="1">
+          <a:gsLst>
+            <a:gs pos="0">
+              <a:schemeClr val="phClr">
+                <a:tint val="93000"/>
+                <a:satMod val="150000"/>
+                <a:shade val="98000"/>
+                <a:lumMod val="102000"/>
+              </a:schemeClr>
+            </a:gs>
+            <a:gs pos="50000">
+              <a:schemeClr val="phClr">
+                <a:tint val="98000"/>
+                <a:satMod val="130000"/>
+                <a:shade val="90000"/>
+                <a:lumMod val="103000"/>
+              </a:schemeClr>
+            </a:gs>
+            <a:gs pos="100000">
+              <a:schemeClr val="phClr">
+                <a:shade val="63000"/>
+                <a:satMod val="120000"/>
+              </a:schemeClr>
+            </a:gs>
+          </a:gsLst>
+          <a:lin ang="5400000" scaled="0"/>
+        </a:gradFill>
+      </a:bgFillStyleLst>
+    </a:fmtScheme>
+  </a:themeElements>
+  <a:objectDefaults/>
+  <a:extraClrSchemeLst/>
+  <a:extLst>
+    <a:ext uri="{05A4C25C-085E-4340-85A3-A5531E510DB2}">
+      <thm15:themeFamily xmlns:thm15="http://schemas.microsoft.com/office/thememl/2012/main" name="Office Theme" id="{62F939B6-93AF-4DB8-9C6B-D6C7DFDC589F}" vid="{4A3C46E8-61CC-4603-A589-7422A47A8E4A}"/>
+    </a:ext>
+  </a:extLst>
+</a:theme>
 </file>
--- a/Documentação/Pyxis.pptx
+++ b/Documentação/Pyxis.pptx
@@ -289,7 +289,7 @@
           <a:p>
             <a:fld id="{390E6ACA-D9D5-454D-960A-10CA55DA44EF}" type="datetimeFigureOut">
               <a:rPr lang="pt-BR" smtClean="0"/>
-              <a:t>27/10/2020</a:t>
+              <a:t>28/10/2020</a:t>
             </a:fld>
             <a:endParaRPr lang="pt-BR"/>
           </a:p>
@@ -343,7 +343,7 @@
           <a:p>
             <a:fld id="{6250BC46-CAF3-4512-99CA-C0B9AB4A4CF8}" type="slidenum">
               <a:rPr lang="pt-BR" smtClean="0"/>
-              <a:t>‹#›</a:t>
+              <a:t>‹nº›</a:t>
             </a:fld>
             <a:endParaRPr lang="pt-BR"/>
           </a:p>
@@ -487,7 +487,7 @@
           <a:p>
             <a:fld id="{390E6ACA-D9D5-454D-960A-10CA55DA44EF}" type="datetimeFigureOut">
               <a:rPr lang="pt-BR" smtClean="0"/>
-              <a:t>27/10/2020</a:t>
+              <a:t>28/10/2020</a:t>
             </a:fld>
             <a:endParaRPr lang="pt-BR"/>
           </a:p>
@@ -541,7 +541,7 @@
           <a:p>
             <a:fld id="{6250BC46-CAF3-4512-99CA-C0B9AB4A4CF8}" type="slidenum">
               <a:rPr lang="pt-BR" smtClean="0"/>
-              <a:t>‹#›</a:t>
+              <a:t>‹nº›</a:t>
             </a:fld>
             <a:endParaRPr lang="pt-BR"/>
           </a:p>
@@ -695,7 +695,7 @@
           <a:p>
             <a:fld id="{390E6ACA-D9D5-454D-960A-10CA55DA44EF}" type="datetimeFigureOut">
               <a:rPr lang="pt-BR" smtClean="0"/>
-              <a:t>27/10/2020</a:t>
+              <a:t>28/10/2020</a:t>
             </a:fld>
             <a:endParaRPr lang="pt-BR"/>
           </a:p>
@@ -749,7 +749,7 @@
           <a:p>
             <a:fld id="{6250BC46-CAF3-4512-99CA-C0B9AB4A4CF8}" type="slidenum">
               <a:rPr lang="pt-BR" smtClean="0"/>
-              <a:t>‹#›</a:t>
+              <a:t>‹nº›</a:t>
             </a:fld>
             <a:endParaRPr lang="pt-BR"/>
           </a:p>
@@ -915,7 +915,7 @@
           <a:p>
             <a:fld id="{E93C9CEB-DED8-41E7-833D-6F3524FD4977}" type="datetimeFigureOut">
               <a:rPr lang="pt-BR" smtClean="0"/>
-              <a:t>27/10/2020</a:t>
+              <a:t>28/10/2020</a:t>
             </a:fld>
             <a:endParaRPr lang="pt-BR"/>
           </a:p>
@@ -969,7 +969,7 @@
           <a:p>
             <a:fld id="{472B90B5-7232-4C01-84B5-D74C1B9CA187}" type="slidenum">
               <a:rPr lang="pt-BR" smtClean="0"/>
-              <a:t>‹#›</a:t>
+              <a:t>‹nº›</a:t>
             </a:fld>
             <a:endParaRPr lang="pt-BR"/>
           </a:p>
@@ -1113,7 +1113,7 @@
           <a:p>
             <a:fld id="{E93C9CEB-DED8-41E7-833D-6F3524FD4977}" type="datetimeFigureOut">
               <a:rPr lang="pt-BR" smtClean="0"/>
-              <a:t>27/10/2020</a:t>
+              <a:t>28/10/2020</a:t>
             </a:fld>
             <a:endParaRPr lang="pt-BR"/>
           </a:p>
@@ -1167,7 +1167,7 @@
           <a:p>
             <a:fld id="{472B90B5-7232-4C01-84B5-D74C1B9CA187}" type="slidenum">
               <a:rPr lang="pt-BR" smtClean="0"/>
-              <a:t>‹#›</a:t>
+              <a:t>‹nº›</a:t>
             </a:fld>
             <a:endParaRPr lang="pt-BR"/>
           </a:p>
@@ -1388,7 +1388,7 @@
           <a:p>
             <a:fld id="{E93C9CEB-DED8-41E7-833D-6F3524FD4977}" type="datetimeFigureOut">
               <a:rPr lang="pt-BR" smtClean="0"/>
-              <a:t>27/10/2020</a:t>
+              <a:t>28/10/2020</a:t>
             </a:fld>
             <a:endParaRPr lang="pt-BR"/>
           </a:p>
@@ -1442,7 +1442,7 @@
           <a:p>
             <a:fld id="{472B90B5-7232-4C01-84B5-D74C1B9CA187}" type="slidenum">
               <a:rPr lang="pt-BR" smtClean="0"/>
-              <a:t>‹#›</a:t>
+              <a:t>‹nº›</a:t>
             </a:fld>
             <a:endParaRPr lang="pt-BR"/>
           </a:p>
@@ -1653,7 +1653,7 @@
           <a:p>
             <a:fld id="{E93C9CEB-DED8-41E7-833D-6F3524FD4977}" type="datetimeFigureOut">
               <a:rPr lang="pt-BR" smtClean="0"/>
-              <a:t>27/10/2020</a:t>
+              <a:t>28/10/2020</a:t>
             </a:fld>
             <a:endParaRPr lang="pt-BR"/>
           </a:p>
@@ -1707,7 +1707,7 @@
           <a:p>
             <a:fld id="{472B90B5-7232-4C01-84B5-D74C1B9CA187}" type="slidenum">
               <a:rPr lang="pt-BR" smtClean="0"/>
-              <a:t>‹#›</a:t>
+              <a:t>‹nº›</a:t>
             </a:fld>
             <a:endParaRPr lang="pt-BR"/>
           </a:p>
@@ -2065,7 +2065,7 @@
           <a:p>
             <a:fld id="{E93C9CEB-DED8-41E7-833D-6F3524FD4977}" type="datetimeFigureOut">
               <a:rPr lang="pt-BR" smtClean="0"/>
-              <a:t>27/10/2020</a:t>
+              <a:t>28/10/2020</a:t>
             </a:fld>
             <a:endParaRPr lang="pt-BR"/>
           </a:p>
@@ -2119,7 +2119,7 @@
           <a:p>
             <a:fld id="{472B90B5-7232-4C01-84B5-D74C1B9CA187}" type="slidenum">
               <a:rPr lang="pt-BR" smtClean="0"/>
-              <a:t>‹#›</a:t>
+              <a:t>‹nº›</a:t>
             </a:fld>
             <a:endParaRPr lang="pt-BR"/>
           </a:p>
@@ -2206,7 +2206,7 @@
           <a:p>
             <a:fld id="{E93C9CEB-DED8-41E7-833D-6F3524FD4977}" type="datetimeFigureOut">
               <a:rPr lang="pt-BR" smtClean="0"/>
-              <a:t>27/10/2020</a:t>
+              <a:t>28/10/2020</a:t>
             </a:fld>
             <a:endParaRPr lang="pt-BR"/>
           </a:p>
@@ -2260,7 +2260,7 @@
           <a:p>
             <a:fld id="{472B90B5-7232-4C01-84B5-D74C1B9CA187}" type="slidenum">
               <a:rPr lang="pt-BR" smtClean="0"/>
-              <a:t>‹#›</a:t>
+              <a:t>‹nº›</a:t>
             </a:fld>
             <a:endParaRPr lang="pt-BR"/>
           </a:p>
@@ -2319,7 +2319,7 @@
           <a:p>
             <a:fld id="{E93C9CEB-DED8-41E7-833D-6F3524FD4977}" type="datetimeFigureOut">
               <a:rPr lang="pt-BR" smtClean="0"/>
-              <a:t>27/10/2020</a:t>
+              <a:t>28/10/2020</a:t>
             </a:fld>
             <a:endParaRPr lang="pt-BR"/>
           </a:p>
@@ -2373,7 +2373,7 @@
           <a:p>
             <a:fld id="{472B90B5-7232-4C01-84B5-D74C1B9CA187}" type="slidenum">
               <a:rPr lang="pt-BR" smtClean="0"/>
-              <a:t>‹#›</a:t>
+              <a:t>‹nº›</a:t>
             </a:fld>
             <a:endParaRPr lang="pt-BR"/>
           </a:p>
@@ -2630,7 +2630,7 @@
           <a:p>
             <a:fld id="{E93C9CEB-DED8-41E7-833D-6F3524FD4977}" type="datetimeFigureOut">
               <a:rPr lang="pt-BR" smtClean="0"/>
-              <a:t>27/10/2020</a:t>
+              <a:t>28/10/2020</a:t>
             </a:fld>
             <a:endParaRPr lang="pt-BR"/>
           </a:p>
@@ -2684,7 +2684,7 @@
           <a:p>
             <a:fld id="{472B90B5-7232-4C01-84B5-D74C1B9CA187}" type="slidenum">
               <a:rPr lang="pt-BR" smtClean="0"/>
-              <a:t>‹#›</a:t>
+              <a:t>‹nº›</a:t>
             </a:fld>
             <a:endParaRPr lang="pt-BR"/>
           </a:p>
@@ -2828,7 +2828,7 @@
           <a:p>
             <a:fld id="{390E6ACA-D9D5-454D-960A-10CA55DA44EF}" type="datetimeFigureOut">
               <a:rPr lang="pt-BR" smtClean="0"/>
-              <a:t>27/10/2020</a:t>
+              <a:t>28/10/2020</a:t>
             </a:fld>
             <a:endParaRPr lang="pt-BR"/>
           </a:p>
@@ -2882,7 +2882,7 @@
           <a:p>
             <a:fld id="{6250BC46-CAF3-4512-99CA-C0B9AB4A4CF8}" type="slidenum">
               <a:rPr lang="pt-BR" smtClean="0"/>
-              <a:t>‹#›</a:t>
+              <a:t>‹nº›</a:t>
             </a:fld>
             <a:endParaRPr lang="pt-BR"/>
           </a:p>
@@ -3116,7 +3116,7 @@
           <a:p>
             <a:fld id="{E93C9CEB-DED8-41E7-833D-6F3524FD4977}" type="datetimeFigureOut">
               <a:rPr lang="pt-BR" smtClean="0"/>
-              <a:t>27/10/2020</a:t>
+              <a:t>28/10/2020</a:t>
             </a:fld>
             <a:endParaRPr lang="pt-BR"/>
           </a:p>
@@ -3170,7 +3170,7 @@
           <a:p>
             <a:fld id="{472B90B5-7232-4C01-84B5-D74C1B9CA187}" type="slidenum">
               <a:rPr lang="pt-BR" smtClean="0"/>
-              <a:t>‹#›</a:t>
+              <a:t>‹nº›</a:t>
             </a:fld>
             <a:endParaRPr lang="pt-BR"/>
           </a:p>
@@ -3314,7 +3314,7 @@
           <a:p>
             <a:fld id="{E93C9CEB-DED8-41E7-833D-6F3524FD4977}" type="datetimeFigureOut">
               <a:rPr lang="pt-BR" smtClean="0"/>
-              <a:t>27/10/2020</a:t>
+              <a:t>28/10/2020</a:t>
             </a:fld>
             <a:endParaRPr lang="pt-BR"/>
           </a:p>
@@ -3368,7 +3368,7 @@
           <a:p>
             <a:fld id="{472B90B5-7232-4C01-84B5-D74C1B9CA187}" type="slidenum">
               <a:rPr lang="pt-BR" smtClean="0"/>
-              <a:t>‹#›</a:t>
+              <a:t>‹nº›</a:t>
             </a:fld>
             <a:endParaRPr lang="pt-BR"/>
           </a:p>
@@ -3522,7 +3522,7 @@
           <a:p>
             <a:fld id="{E93C9CEB-DED8-41E7-833D-6F3524FD4977}" type="datetimeFigureOut">
               <a:rPr lang="pt-BR" smtClean="0"/>
-              <a:t>27/10/2020</a:t>
+              <a:t>28/10/2020</a:t>
             </a:fld>
             <a:endParaRPr lang="pt-BR"/>
           </a:p>
@@ -3576,7 +3576,7 @@
           <a:p>
             <a:fld id="{472B90B5-7232-4C01-84B5-D74C1B9CA187}" type="slidenum">
               <a:rPr lang="pt-BR" smtClean="0"/>
-              <a:t>‹#›</a:t>
+              <a:t>‹nº›</a:t>
             </a:fld>
             <a:endParaRPr lang="pt-BR"/>
           </a:p>
@@ -3797,7 +3797,7 @@
           <a:p>
             <a:fld id="{390E6ACA-D9D5-454D-960A-10CA55DA44EF}" type="datetimeFigureOut">
               <a:rPr lang="pt-BR" smtClean="0"/>
-              <a:t>27/10/2020</a:t>
+              <a:t>28/10/2020</a:t>
             </a:fld>
             <a:endParaRPr lang="pt-BR"/>
           </a:p>
@@ -3851,7 +3851,7 @@
           <a:p>
             <a:fld id="{6250BC46-CAF3-4512-99CA-C0B9AB4A4CF8}" type="slidenum">
               <a:rPr lang="pt-BR" smtClean="0"/>
-              <a:t>‹#›</a:t>
+              <a:t>‹nº›</a:t>
             </a:fld>
             <a:endParaRPr lang="pt-BR"/>
           </a:p>
@@ -4062,7 +4062,7 @@
           <a:p>
             <a:fld id="{390E6ACA-D9D5-454D-960A-10CA55DA44EF}" type="datetimeFigureOut">
               <a:rPr lang="pt-BR" smtClean="0"/>
-              <a:t>27/10/2020</a:t>
+              <a:t>28/10/2020</a:t>
             </a:fld>
             <a:endParaRPr lang="pt-BR"/>
           </a:p>
@@ -4116,7 +4116,7 @@
           <a:p>
             <a:fld id="{6250BC46-CAF3-4512-99CA-C0B9AB4A4CF8}" type="slidenum">
               <a:rPr lang="pt-BR" smtClean="0"/>
-              <a:t>‹#›</a:t>
+              <a:t>‹nº›</a:t>
             </a:fld>
             <a:endParaRPr lang="pt-BR"/>
           </a:p>
@@ -4474,7 +4474,7 @@
           <a:p>
             <a:fld id="{390E6ACA-D9D5-454D-960A-10CA55DA44EF}" type="datetimeFigureOut">
               <a:rPr lang="pt-BR" smtClean="0"/>
-              <a:t>27/10/2020</a:t>
+              <a:t>28/10/2020</a:t>
             </a:fld>
             <a:endParaRPr lang="pt-BR"/>
           </a:p>
@@ -4528,7 +4528,7 @@
           <a:p>
             <a:fld id="{6250BC46-CAF3-4512-99CA-C0B9AB4A4CF8}" type="slidenum">
               <a:rPr lang="pt-BR" smtClean="0"/>
-              <a:t>‹#›</a:t>
+              <a:t>‹nº›</a:t>
             </a:fld>
             <a:endParaRPr lang="pt-BR"/>
           </a:p>
@@ -4615,7 +4615,7 @@
           <a:p>
             <a:fld id="{390E6ACA-D9D5-454D-960A-10CA55DA44EF}" type="datetimeFigureOut">
               <a:rPr lang="pt-BR" smtClean="0"/>
-              <a:t>27/10/2020</a:t>
+              <a:t>28/10/2020</a:t>
             </a:fld>
             <a:endParaRPr lang="pt-BR"/>
           </a:p>
@@ -4669,7 +4669,7 @@
           <a:p>
             <a:fld id="{6250BC46-CAF3-4512-99CA-C0B9AB4A4CF8}" type="slidenum">
               <a:rPr lang="pt-BR" smtClean="0"/>
-              <a:t>‹#›</a:t>
+              <a:t>‹nº›</a:t>
             </a:fld>
             <a:endParaRPr lang="pt-BR"/>
           </a:p>
@@ -4728,7 +4728,7 @@
           <a:p>
             <a:fld id="{390E6ACA-D9D5-454D-960A-10CA55DA44EF}" type="datetimeFigureOut">
               <a:rPr lang="pt-BR" smtClean="0"/>
-              <a:t>27/10/2020</a:t>
+              <a:t>28/10/2020</a:t>
             </a:fld>
             <a:endParaRPr lang="pt-BR"/>
           </a:p>
@@ -4782,7 +4782,7 @@
           <a:p>
             <a:fld id="{6250BC46-CAF3-4512-99CA-C0B9AB4A4CF8}" type="slidenum">
               <a:rPr lang="pt-BR" smtClean="0"/>
-              <a:t>‹#›</a:t>
+              <a:t>‹nº›</a:t>
             </a:fld>
             <a:endParaRPr lang="pt-BR"/>
           </a:p>
@@ -5039,7 +5039,7 @@
           <a:p>
             <a:fld id="{390E6ACA-D9D5-454D-960A-10CA55DA44EF}" type="datetimeFigureOut">
               <a:rPr lang="pt-BR" smtClean="0"/>
-              <a:t>27/10/2020</a:t>
+              <a:t>28/10/2020</a:t>
             </a:fld>
             <a:endParaRPr lang="pt-BR"/>
           </a:p>
@@ -5093,7 +5093,7 @@
           <a:p>
             <a:fld id="{6250BC46-CAF3-4512-99CA-C0B9AB4A4CF8}" type="slidenum">
               <a:rPr lang="pt-BR" smtClean="0"/>
-              <a:t>‹#›</a:t>
+              <a:t>‹nº›</a:t>
             </a:fld>
             <a:endParaRPr lang="pt-BR"/>
           </a:p>
@@ -5327,7 +5327,7 @@
           <a:p>
             <a:fld id="{390E6ACA-D9D5-454D-960A-10CA55DA44EF}" type="datetimeFigureOut">
               <a:rPr lang="pt-BR" smtClean="0"/>
-              <a:t>27/10/2020</a:t>
+              <a:t>28/10/2020</a:t>
             </a:fld>
             <a:endParaRPr lang="pt-BR"/>
           </a:p>
@@ -5381,7 +5381,7 @@
           <a:p>
             <a:fld id="{6250BC46-CAF3-4512-99CA-C0B9AB4A4CF8}" type="slidenum">
               <a:rPr lang="pt-BR" smtClean="0"/>
-              <a:t>‹#›</a:t>
+              <a:t>‹nº›</a:t>
             </a:fld>
             <a:endParaRPr lang="pt-BR"/>
           </a:p>
@@ -5568,7 +5568,7 @@
           <a:p>
             <a:fld id="{390E6ACA-D9D5-454D-960A-10CA55DA44EF}" type="datetimeFigureOut">
               <a:rPr lang="pt-BR" smtClean="0"/>
-              <a:t>27/10/2020</a:t>
+              <a:t>28/10/2020</a:t>
             </a:fld>
             <a:endParaRPr lang="pt-BR"/>
           </a:p>
@@ -5658,7 +5658,7 @@
           <a:p>
             <a:fld id="{6250BC46-CAF3-4512-99CA-C0B9AB4A4CF8}" type="slidenum">
               <a:rPr lang="pt-BR" smtClean="0"/>
-              <a:t>‹#›</a:t>
+              <a:t>‹nº›</a:t>
             </a:fld>
             <a:endParaRPr lang="pt-BR"/>
           </a:p>
@@ -6136,7 +6136,7 @@
           <a:p>
             <a:fld id="{E93C9CEB-DED8-41E7-833D-6F3524FD4977}" type="datetimeFigureOut">
               <a:rPr lang="pt-BR" smtClean="0"/>
-              <a:t>27/10/2020</a:t>
+              <a:t>28/10/2020</a:t>
             </a:fld>
             <a:endParaRPr lang="pt-BR"/>
           </a:p>
@@ -6226,7 +6226,7 @@
           <a:p>
             <a:fld id="{472B90B5-7232-4C01-84B5-D74C1B9CA187}" type="slidenum">
               <a:rPr lang="pt-BR" smtClean="0"/>
-              <a:t>‹#›</a:t>
+              <a:t>‹nº›</a:t>
             </a:fld>
             <a:endParaRPr lang="pt-BR"/>
           </a:p>
@@ -6595,10 +6595,10 @@
       </p:sp>
       <p:sp>
         <p:nvSpPr>
-          <p:cNvPr id="66" name="Elipse 65">
-            <a:extLst>
-              <a:ext uri="{FF2B5EF4-FFF2-40B4-BE49-F238E27FC236}">
-                <a16:creationId xmlns:a16="http://schemas.microsoft.com/office/drawing/2014/main" id="{639F532B-992B-46FD-A381-75050D57315F}"/>
+          <p:cNvPr id="68" name="Elipse 67">
+            <a:extLst>
+              <a:ext uri="{FF2B5EF4-FFF2-40B4-BE49-F238E27FC236}">
+                <a16:creationId xmlns:a16="http://schemas.microsoft.com/office/drawing/2014/main" id="{FAF64C24-2C23-495C-896E-60CDA18831EA}"/>
               </a:ext>
             </a:extLst>
           </p:cNvPr>
@@ -6607,7 +6607,7 @@
         </p:nvSpPr>
         <p:spPr>
           <a:xfrm>
-            <a:off x="425659" y="2573236"/>
+            <a:off x="2796176" y="2573236"/>
             <a:ext cx="1879200" cy="1911600"/>
           </a:xfrm>
           <a:prstGeom prst="ellipse">
@@ -6657,10 +6657,10 @@
       </p:sp>
       <p:sp>
         <p:nvSpPr>
-          <p:cNvPr id="68" name="Elipse 67">
-            <a:extLst>
-              <a:ext uri="{FF2B5EF4-FFF2-40B4-BE49-F238E27FC236}">
-                <a16:creationId xmlns:a16="http://schemas.microsoft.com/office/drawing/2014/main" id="{FAF64C24-2C23-495C-896E-60CDA18831EA}"/>
+          <p:cNvPr id="70" name="Elipse 69">
+            <a:extLst>
+              <a:ext uri="{FF2B5EF4-FFF2-40B4-BE49-F238E27FC236}">
+                <a16:creationId xmlns:a16="http://schemas.microsoft.com/office/drawing/2014/main" id="{B6D895B4-06CC-4479-8177-BA4772F2B25C}"/>
               </a:ext>
             </a:extLst>
           </p:cNvPr>
@@ -6669,7 +6669,7 @@
         </p:nvSpPr>
         <p:spPr>
           <a:xfrm>
-            <a:off x="2796176" y="2573236"/>
+            <a:off x="5166693" y="2573236"/>
             <a:ext cx="1879200" cy="1911600"/>
           </a:xfrm>
           <a:prstGeom prst="ellipse">
@@ -6719,10 +6719,10 @@
       </p:sp>
       <p:sp>
         <p:nvSpPr>
-          <p:cNvPr id="70" name="Elipse 69">
-            <a:extLst>
-              <a:ext uri="{FF2B5EF4-FFF2-40B4-BE49-F238E27FC236}">
-                <a16:creationId xmlns:a16="http://schemas.microsoft.com/office/drawing/2014/main" id="{B6D895B4-06CC-4479-8177-BA4772F2B25C}"/>
+          <p:cNvPr id="72" name="Elipse 71">
+            <a:extLst>
+              <a:ext uri="{FF2B5EF4-FFF2-40B4-BE49-F238E27FC236}">
+                <a16:creationId xmlns:a16="http://schemas.microsoft.com/office/drawing/2014/main" id="{E949F76F-643E-43B1-AFEA-08F72F726970}"/>
               </a:ext>
             </a:extLst>
           </p:cNvPr>
@@ -6731,7 +6731,7 @@
         </p:nvSpPr>
         <p:spPr>
           <a:xfrm>
-            <a:off x="5166693" y="2573236"/>
+            <a:off x="7537210" y="2573236"/>
             <a:ext cx="1879200" cy="1911600"/>
           </a:xfrm>
           <a:prstGeom prst="ellipse">
@@ -6781,10 +6781,10 @@
       </p:sp>
       <p:sp>
         <p:nvSpPr>
-          <p:cNvPr id="72" name="Elipse 71">
-            <a:extLst>
-              <a:ext uri="{FF2B5EF4-FFF2-40B4-BE49-F238E27FC236}">
-                <a16:creationId xmlns:a16="http://schemas.microsoft.com/office/drawing/2014/main" id="{E949F76F-643E-43B1-AFEA-08F72F726970}"/>
+          <p:cNvPr id="74" name="Elipse 73">
+            <a:extLst>
+              <a:ext uri="{FF2B5EF4-FFF2-40B4-BE49-F238E27FC236}">
+                <a16:creationId xmlns:a16="http://schemas.microsoft.com/office/drawing/2014/main" id="{C33AFD00-4059-4697-9120-FACBF773890E}"/>
               </a:ext>
             </a:extLst>
           </p:cNvPr>
@@ -6793,7 +6793,7 @@
         </p:nvSpPr>
         <p:spPr>
           <a:xfrm>
-            <a:off x="7537210" y="2573236"/>
+            <a:off x="9907727" y="2573236"/>
             <a:ext cx="1879200" cy="1911600"/>
           </a:xfrm>
           <a:prstGeom prst="ellipse">
@@ -6843,10 +6843,299 @@
       </p:sp>
       <p:sp>
         <p:nvSpPr>
-          <p:cNvPr id="74" name="Elipse 73">
-            <a:extLst>
-              <a:ext uri="{FF2B5EF4-FFF2-40B4-BE49-F238E27FC236}">
-                <a16:creationId xmlns:a16="http://schemas.microsoft.com/office/drawing/2014/main" id="{C33AFD00-4059-4697-9120-FACBF773890E}"/>
+          <p:cNvPr id="78" name="TextBox 13">
+            <a:extLst>
+              <a:ext uri="{FF2B5EF4-FFF2-40B4-BE49-F238E27FC236}">
+                <a16:creationId xmlns:a16="http://schemas.microsoft.com/office/drawing/2014/main" id="{90ABDAB7-2AC9-4146-BF30-8F0BD821F0F7}"/>
+              </a:ext>
+            </a:extLst>
+          </p:cNvPr>
+          <p:cNvSpPr txBox="1"/>
+          <p:nvPr/>
+        </p:nvSpPr>
+        <p:spPr>
+          <a:xfrm>
+            <a:off x="425658" y="4601762"/>
+            <a:ext cx="1879201" cy="462371"/>
+          </a:xfrm>
+          <a:prstGeom prst="rect">
+            <a:avLst/>
+          </a:prstGeom>
+        </p:spPr>
+        <p:txBody>
+          <a:bodyPr wrap="square" lIns="0" tIns="0" rIns="0" bIns="0" rtlCol="0" anchor="t">
+            <a:spAutoFit/>
+          </a:bodyPr>
+          <a:lstStyle/>
+          <a:p>
+            <a:pPr algn="ctr">
+              <a:lnSpc>
+                <a:spcPts val="4200"/>
+              </a:lnSpc>
+            </a:pPr>
+            <a:r>
+              <a:rPr lang="en-US" sz="2000" dirty="0">
+                <a:solidFill>
+                  <a:srgbClr val="000000"/>
+                </a:solidFill>
+                <a:latin typeface="Open Sans 1"/>
+              </a:rPr>
+              <a:t>Camila </a:t>
+            </a:r>
+            <a:r>
+              <a:rPr lang="en-US" sz="2000" dirty="0" err="1">
+                <a:solidFill>
+                  <a:srgbClr val="000000"/>
+                </a:solidFill>
+                <a:latin typeface="Open Sans 1"/>
+              </a:rPr>
+              <a:t>Mamede</a:t>
+            </a:r>
+            <a:endParaRPr lang="en-US" sz="2000" dirty="0">
+              <a:solidFill>
+                <a:srgbClr val="000000"/>
+              </a:solidFill>
+              <a:latin typeface="Open Sans 1"/>
+            </a:endParaRPr>
+          </a:p>
+        </p:txBody>
+      </p:sp>
+      <p:sp>
+        <p:nvSpPr>
+          <p:cNvPr id="80" name="TextBox 14">
+            <a:extLst>
+              <a:ext uri="{FF2B5EF4-FFF2-40B4-BE49-F238E27FC236}">
+                <a16:creationId xmlns:a16="http://schemas.microsoft.com/office/drawing/2014/main" id="{54161845-9FB0-41E8-A9F4-64197EB05D26}"/>
+              </a:ext>
+            </a:extLst>
+          </p:cNvPr>
+          <p:cNvSpPr txBox="1"/>
+          <p:nvPr/>
+        </p:nvSpPr>
+        <p:spPr>
+          <a:xfrm>
+            <a:off x="2712089" y="4601762"/>
+            <a:ext cx="2047373" cy="462371"/>
+          </a:xfrm>
+          <a:prstGeom prst="rect">
+            <a:avLst/>
+          </a:prstGeom>
+        </p:spPr>
+        <p:txBody>
+          <a:bodyPr wrap="square" lIns="0" tIns="0" rIns="0" bIns="0" rtlCol="0" anchor="t">
+            <a:spAutoFit/>
+          </a:bodyPr>
+          <a:lstStyle/>
+          <a:p>
+            <a:pPr algn="ctr">
+              <a:lnSpc>
+                <a:spcPts val="4200"/>
+              </a:lnSpc>
+            </a:pPr>
+            <a:r>
+              <a:rPr lang="en-US" sz="2000" dirty="0">
+                <a:solidFill>
+                  <a:srgbClr val="000000"/>
+                </a:solidFill>
+                <a:latin typeface="Open Sans 1"/>
+              </a:rPr>
+              <a:t>Christian Raphael</a:t>
+            </a:r>
+          </a:p>
+        </p:txBody>
+      </p:sp>
+      <p:sp>
+        <p:nvSpPr>
+          <p:cNvPr id="82" name="TextBox 15">
+            <a:extLst>
+              <a:ext uri="{FF2B5EF4-FFF2-40B4-BE49-F238E27FC236}">
+                <a16:creationId xmlns:a16="http://schemas.microsoft.com/office/drawing/2014/main" id="{259E7F97-8715-451A-9640-893E78D8011B}"/>
+              </a:ext>
+            </a:extLst>
+          </p:cNvPr>
+          <p:cNvSpPr txBox="1"/>
+          <p:nvPr/>
+        </p:nvSpPr>
+        <p:spPr>
+          <a:xfrm>
+            <a:off x="4925690" y="4601761"/>
+            <a:ext cx="2340620" cy="462371"/>
+          </a:xfrm>
+          <a:prstGeom prst="rect">
+            <a:avLst/>
+          </a:prstGeom>
+        </p:spPr>
+        <p:txBody>
+          <a:bodyPr lIns="0" tIns="0" rIns="0" bIns="0" rtlCol="0" anchor="t">
+            <a:spAutoFit/>
+          </a:bodyPr>
+          <a:lstStyle/>
+          <a:p>
+            <a:pPr algn="ctr">
+              <a:lnSpc>
+                <a:spcPts val="4200"/>
+              </a:lnSpc>
+            </a:pPr>
+            <a:r>
+              <a:rPr lang="en-US" sz="2000" dirty="0">
+                <a:solidFill>
+                  <a:srgbClr val="000000"/>
+                </a:solidFill>
+                <a:latin typeface="Open Sans 1"/>
+              </a:rPr>
+              <a:t>Felipe </a:t>
+            </a:r>
+            <a:r>
+              <a:rPr lang="en-US" sz="2000" dirty="0" err="1">
+                <a:solidFill>
+                  <a:srgbClr val="000000"/>
+                </a:solidFill>
+                <a:latin typeface="Open Sans 1"/>
+              </a:rPr>
+              <a:t>França</a:t>
+            </a:r>
+            <a:endParaRPr lang="en-US" sz="2000" dirty="0">
+              <a:solidFill>
+                <a:srgbClr val="000000"/>
+              </a:solidFill>
+              <a:latin typeface="Open Sans 1"/>
+            </a:endParaRPr>
+          </a:p>
+        </p:txBody>
+      </p:sp>
+      <p:sp>
+        <p:nvSpPr>
+          <p:cNvPr id="84" name="TextBox 16">
+            <a:extLst>
+              <a:ext uri="{FF2B5EF4-FFF2-40B4-BE49-F238E27FC236}">
+                <a16:creationId xmlns:a16="http://schemas.microsoft.com/office/drawing/2014/main" id="{49BE568C-3F0C-4993-B3C3-7AC790C7F76F}"/>
+              </a:ext>
+            </a:extLst>
+          </p:cNvPr>
+          <p:cNvSpPr txBox="1"/>
+          <p:nvPr/>
+        </p:nvSpPr>
+        <p:spPr>
+          <a:xfrm>
+            <a:off x="7306499" y="4601761"/>
+            <a:ext cx="2340621" cy="462371"/>
+          </a:xfrm>
+          <a:prstGeom prst="rect">
+            <a:avLst/>
+          </a:prstGeom>
+        </p:spPr>
+        <p:txBody>
+          <a:bodyPr wrap="square" lIns="0" tIns="0" rIns="0" bIns="0" rtlCol="0" anchor="t">
+            <a:spAutoFit/>
+          </a:bodyPr>
+          <a:lstStyle/>
+          <a:p>
+            <a:pPr algn="ctr">
+              <a:lnSpc>
+                <a:spcPts val="4200"/>
+              </a:lnSpc>
+            </a:pPr>
+            <a:r>
+              <a:rPr lang="en-US" sz="2000" dirty="0">
+                <a:solidFill>
+                  <a:srgbClr val="000000"/>
+                </a:solidFill>
+                <a:latin typeface="Open Sans 1"/>
+              </a:rPr>
+              <a:t>Gustavo Henrique</a:t>
+            </a:r>
+          </a:p>
+        </p:txBody>
+      </p:sp>
+      <p:sp>
+        <p:nvSpPr>
+          <p:cNvPr id="86" name="TextBox 17">
+            <a:extLst>
+              <a:ext uri="{FF2B5EF4-FFF2-40B4-BE49-F238E27FC236}">
+                <a16:creationId xmlns:a16="http://schemas.microsoft.com/office/drawing/2014/main" id="{DB787262-2ECD-4F16-9E02-FC533C9D70D3}"/>
+              </a:ext>
+            </a:extLst>
+          </p:cNvPr>
+          <p:cNvSpPr txBox="1"/>
+          <p:nvPr/>
+        </p:nvSpPr>
+        <p:spPr>
+          <a:xfrm>
+            <a:off x="9670328" y="4601760"/>
+            <a:ext cx="2353998" cy="462371"/>
+          </a:xfrm>
+          <a:prstGeom prst="rect">
+            <a:avLst/>
+          </a:prstGeom>
+        </p:spPr>
+        <p:txBody>
+          <a:bodyPr wrap="square" lIns="0" tIns="0" rIns="0" bIns="0" rtlCol="0" anchor="t">
+            <a:spAutoFit/>
+          </a:bodyPr>
+          <a:lstStyle/>
+          <a:p>
+            <a:pPr algn="ctr">
+              <a:lnSpc>
+                <a:spcPts val="4200"/>
+              </a:lnSpc>
+            </a:pPr>
+            <a:r>
+              <a:rPr lang="en-US" sz="2000" dirty="0" err="1">
+                <a:solidFill>
+                  <a:srgbClr val="000000"/>
+                </a:solidFill>
+                <a:latin typeface="Open Sans 1"/>
+              </a:rPr>
+              <a:t>Milene</a:t>
+            </a:r>
+            <a:r>
+              <a:rPr lang="en-US" sz="2000" dirty="0">
+                <a:solidFill>
+                  <a:srgbClr val="000000"/>
+                </a:solidFill>
+                <a:latin typeface="Open Sans 1"/>
+              </a:rPr>
+              <a:t> de Oliveira</a:t>
+            </a:r>
+          </a:p>
+        </p:txBody>
+      </p:sp>
+      <p:pic>
+        <p:nvPicPr>
+          <p:cNvPr id="3" name="Imagem 2">
+            <a:extLst>
+              <a:ext uri="{FF2B5EF4-FFF2-40B4-BE49-F238E27FC236}">
+                <a16:creationId xmlns:a16="http://schemas.microsoft.com/office/drawing/2014/main" id="{F4141FF8-11C6-4C40-8479-BADF318CA363}"/>
+              </a:ext>
+            </a:extLst>
+          </p:cNvPr>
+          <p:cNvPicPr>
+            <a:picLocks noChangeAspect="1"/>
+          </p:cNvPicPr>
+          <p:nvPr/>
+        </p:nvPicPr>
+        <p:blipFill>
+          <a:blip r:embed="rId6"/>
+          <a:stretch>
+            <a:fillRect/>
+          </a:stretch>
+        </p:blipFill>
+        <p:spPr>
+          <a:xfrm>
+            <a:off x="11409645" y="232232"/>
+            <a:ext cx="487385" cy="576000"/>
+          </a:xfrm>
+          <a:prstGeom prst="rect">
+            <a:avLst/>
+          </a:prstGeom>
+        </p:spPr>
+      </p:pic>
+      <p:sp>
+        <p:nvSpPr>
+          <p:cNvPr id="5" name="Elipse 4">
+            <a:extLst>
+              <a:ext uri="{FF2B5EF4-FFF2-40B4-BE49-F238E27FC236}">
+                <a16:creationId xmlns:a16="http://schemas.microsoft.com/office/drawing/2014/main" id="{A504389A-A0CB-431A-B2DF-A0B3478D761F}"/>
               </a:ext>
             </a:extLst>
           </p:cNvPr>
@@ -6855,21 +7144,14 @@
         </p:nvSpPr>
         <p:spPr>
           <a:xfrm>
-            <a:off x="9907727" y="2573236"/>
+            <a:off x="425659" y="2573236"/>
             <a:ext cx="1879200" cy="1911600"/>
           </a:xfrm>
           <a:prstGeom prst="ellipse">
             <a:avLst/>
           </a:prstGeom>
-          <a:blipFill dpi="0" rotWithShape="1">
-            <a:blip r:embed="rId6">
-              <a:extLst>
-                <a:ext uri="{28A0092B-C50C-407E-A947-70E740481C1C}">
-                  <a14:useLocalDpi xmlns:a14="http://schemas.microsoft.com/office/drawing/2010/main" val="0"/>
-                </a:ext>
-              </a:extLst>
-            </a:blip>
-            <a:srcRect/>
+          <a:blipFill>
+            <a:blip r:embed="rId7"/>
             <a:stretch>
               <a:fillRect/>
             </a:stretch>
@@ -6903,295 +7185,6 @@
           </a:p>
         </p:txBody>
       </p:sp>
-      <p:sp>
-        <p:nvSpPr>
-          <p:cNvPr id="78" name="TextBox 13">
-            <a:extLst>
-              <a:ext uri="{FF2B5EF4-FFF2-40B4-BE49-F238E27FC236}">
-                <a16:creationId xmlns:a16="http://schemas.microsoft.com/office/drawing/2014/main" id="{90ABDAB7-2AC9-4146-BF30-8F0BD821F0F7}"/>
-              </a:ext>
-            </a:extLst>
-          </p:cNvPr>
-          <p:cNvSpPr txBox="1"/>
-          <p:nvPr/>
-        </p:nvSpPr>
-        <p:spPr>
-          <a:xfrm>
-            <a:off x="425658" y="4601762"/>
-            <a:ext cx="1879201" cy="462371"/>
-          </a:xfrm>
-          <a:prstGeom prst="rect">
-            <a:avLst/>
-          </a:prstGeom>
-        </p:spPr>
-        <p:txBody>
-          <a:bodyPr wrap="square" lIns="0" tIns="0" rIns="0" bIns="0" rtlCol="0" anchor="t">
-            <a:spAutoFit/>
-          </a:bodyPr>
-          <a:lstStyle/>
-          <a:p>
-            <a:pPr algn="ctr">
-              <a:lnSpc>
-                <a:spcPts val="4200"/>
-              </a:lnSpc>
-            </a:pPr>
-            <a:r>
-              <a:rPr lang="en-US" sz="2000" dirty="0">
-                <a:solidFill>
-                  <a:srgbClr val="000000"/>
-                </a:solidFill>
-                <a:latin typeface="Open Sans 1"/>
-              </a:rPr>
-              <a:t>Camila </a:t>
-            </a:r>
-            <a:r>
-              <a:rPr lang="en-US" sz="2000" dirty="0" err="1">
-                <a:solidFill>
-                  <a:srgbClr val="000000"/>
-                </a:solidFill>
-                <a:latin typeface="Open Sans 1"/>
-              </a:rPr>
-              <a:t>Mamede</a:t>
-            </a:r>
-            <a:endParaRPr lang="en-US" sz="2000" dirty="0">
-              <a:solidFill>
-                <a:srgbClr val="000000"/>
-              </a:solidFill>
-              <a:latin typeface="Open Sans 1"/>
-            </a:endParaRPr>
-          </a:p>
-        </p:txBody>
-      </p:sp>
-      <p:sp>
-        <p:nvSpPr>
-          <p:cNvPr id="80" name="TextBox 14">
-            <a:extLst>
-              <a:ext uri="{FF2B5EF4-FFF2-40B4-BE49-F238E27FC236}">
-                <a16:creationId xmlns:a16="http://schemas.microsoft.com/office/drawing/2014/main" id="{54161845-9FB0-41E8-A9F4-64197EB05D26}"/>
-              </a:ext>
-            </a:extLst>
-          </p:cNvPr>
-          <p:cNvSpPr txBox="1"/>
-          <p:nvPr/>
-        </p:nvSpPr>
-        <p:spPr>
-          <a:xfrm>
-            <a:off x="2712089" y="4601762"/>
-            <a:ext cx="2047373" cy="462371"/>
-          </a:xfrm>
-          <a:prstGeom prst="rect">
-            <a:avLst/>
-          </a:prstGeom>
-        </p:spPr>
-        <p:txBody>
-          <a:bodyPr wrap="square" lIns="0" tIns="0" rIns="0" bIns="0" rtlCol="0" anchor="t">
-            <a:spAutoFit/>
-          </a:bodyPr>
-          <a:lstStyle/>
-          <a:p>
-            <a:pPr algn="ctr">
-              <a:lnSpc>
-                <a:spcPts val="4200"/>
-              </a:lnSpc>
-            </a:pPr>
-            <a:r>
-              <a:rPr lang="en-US" sz="2000" dirty="0">
-                <a:solidFill>
-                  <a:srgbClr val="000000"/>
-                </a:solidFill>
-                <a:latin typeface="Open Sans 1"/>
-              </a:rPr>
-              <a:t>Christian Raphael</a:t>
-            </a:r>
-          </a:p>
-        </p:txBody>
-      </p:sp>
-      <p:sp>
-        <p:nvSpPr>
-          <p:cNvPr id="82" name="TextBox 15">
-            <a:extLst>
-              <a:ext uri="{FF2B5EF4-FFF2-40B4-BE49-F238E27FC236}">
-                <a16:creationId xmlns:a16="http://schemas.microsoft.com/office/drawing/2014/main" id="{259E7F97-8715-451A-9640-893E78D8011B}"/>
-              </a:ext>
-            </a:extLst>
-          </p:cNvPr>
-          <p:cNvSpPr txBox="1"/>
-          <p:nvPr/>
-        </p:nvSpPr>
-        <p:spPr>
-          <a:xfrm>
-            <a:off x="4925690" y="4601761"/>
-            <a:ext cx="2340620" cy="462371"/>
-          </a:xfrm>
-          <a:prstGeom prst="rect">
-            <a:avLst/>
-          </a:prstGeom>
-        </p:spPr>
-        <p:txBody>
-          <a:bodyPr lIns="0" tIns="0" rIns="0" bIns="0" rtlCol="0" anchor="t">
-            <a:spAutoFit/>
-          </a:bodyPr>
-          <a:lstStyle/>
-          <a:p>
-            <a:pPr algn="ctr">
-              <a:lnSpc>
-                <a:spcPts val="4200"/>
-              </a:lnSpc>
-            </a:pPr>
-            <a:r>
-              <a:rPr lang="en-US" sz="2000" dirty="0">
-                <a:solidFill>
-                  <a:srgbClr val="000000"/>
-                </a:solidFill>
-                <a:latin typeface="Open Sans 1"/>
-              </a:rPr>
-              <a:t>Felipe </a:t>
-            </a:r>
-            <a:r>
-              <a:rPr lang="en-US" sz="2000" dirty="0" err="1">
-                <a:solidFill>
-                  <a:srgbClr val="000000"/>
-                </a:solidFill>
-                <a:latin typeface="Open Sans 1"/>
-              </a:rPr>
-              <a:t>França</a:t>
-            </a:r>
-            <a:endParaRPr lang="en-US" sz="2000" dirty="0">
-              <a:solidFill>
-                <a:srgbClr val="000000"/>
-              </a:solidFill>
-              <a:latin typeface="Open Sans 1"/>
-            </a:endParaRPr>
-          </a:p>
-        </p:txBody>
-      </p:sp>
-      <p:sp>
-        <p:nvSpPr>
-          <p:cNvPr id="84" name="TextBox 16">
-            <a:extLst>
-              <a:ext uri="{FF2B5EF4-FFF2-40B4-BE49-F238E27FC236}">
-                <a16:creationId xmlns:a16="http://schemas.microsoft.com/office/drawing/2014/main" id="{49BE568C-3F0C-4993-B3C3-7AC790C7F76F}"/>
-              </a:ext>
-            </a:extLst>
-          </p:cNvPr>
-          <p:cNvSpPr txBox="1"/>
-          <p:nvPr/>
-        </p:nvSpPr>
-        <p:spPr>
-          <a:xfrm>
-            <a:off x="7306499" y="4601761"/>
-            <a:ext cx="2340621" cy="462371"/>
-          </a:xfrm>
-          <a:prstGeom prst="rect">
-            <a:avLst/>
-          </a:prstGeom>
-        </p:spPr>
-        <p:txBody>
-          <a:bodyPr wrap="square" lIns="0" tIns="0" rIns="0" bIns="0" rtlCol="0" anchor="t">
-            <a:spAutoFit/>
-          </a:bodyPr>
-          <a:lstStyle/>
-          <a:p>
-            <a:pPr algn="ctr">
-              <a:lnSpc>
-                <a:spcPts val="4200"/>
-              </a:lnSpc>
-            </a:pPr>
-            <a:r>
-              <a:rPr lang="en-US" sz="2000" dirty="0">
-                <a:solidFill>
-                  <a:srgbClr val="000000"/>
-                </a:solidFill>
-                <a:latin typeface="Open Sans 1"/>
-              </a:rPr>
-              <a:t>Gustavo Henrique</a:t>
-            </a:r>
-          </a:p>
-        </p:txBody>
-      </p:sp>
-      <p:sp>
-        <p:nvSpPr>
-          <p:cNvPr id="86" name="TextBox 17">
-            <a:extLst>
-              <a:ext uri="{FF2B5EF4-FFF2-40B4-BE49-F238E27FC236}">
-                <a16:creationId xmlns:a16="http://schemas.microsoft.com/office/drawing/2014/main" id="{DB787262-2ECD-4F16-9E02-FC533C9D70D3}"/>
-              </a:ext>
-            </a:extLst>
-          </p:cNvPr>
-          <p:cNvSpPr txBox="1"/>
-          <p:nvPr/>
-        </p:nvSpPr>
-        <p:spPr>
-          <a:xfrm>
-            <a:off x="9670328" y="4601760"/>
-            <a:ext cx="2353998" cy="462371"/>
-          </a:xfrm>
-          <a:prstGeom prst="rect">
-            <a:avLst/>
-          </a:prstGeom>
-        </p:spPr>
-        <p:txBody>
-          <a:bodyPr wrap="square" lIns="0" tIns="0" rIns="0" bIns="0" rtlCol="0" anchor="t">
-            <a:spAutoFit/>
-          </a:bodyPr>
-          <a:lstStyle/>
-          <a:p>
-            <a:pPr algn="ctr">
-              <a:lnSpc>
-                <a:spcPts val="4200"/>
-              </a:lnSpc>
-            </a:pPr>
-            <a:r>
-              <a:rPr lang="en-US" sz="2000" dirty="0" err="1">
-                <a:solidFill>
-                  <a:srgbClr val="000000"/>
-                </a:solidFill>
-                <a:latin typeface="Open Sans 1"/>
-              </a:rPr>
-              <a:t>Milene</a:t>
-            </a:r>
-            <a:r>
-              <a:rPr lang="en-US" sz="2000" dirty="0">
-                <a:solidFill>
-                  <a:srgbClr val="000000"/>
-                </a:solidFill>
-                <a:latin typeface="Open Sans 1"/>
-              </a:rPr>
-              <a:t> de Oliveira</a:t>
-            </a:r>
-          </a:p>
-        </p:txBody>
-      </p:sp>
-      <p:pic>
-        <p:nvPicPr>
-          <p:cNvPr id="3" name="Imagem 2">
-            <a:extLst>
-              <a:ext uri="{FF2B5EF4-FFF2-40B4-BE49-F238E27FC236}">
-                <a16:creationId xmlns:a16="http://schemas.microsoft.com/office/drawing/2014/main" id="{F4141FF8-11C6-4C40-8479-BADF318CA363}"/>
-              </a:ext>
-            </a:extLst>
-          </p:cNvPr>
-          <p:cNvPicPr>
-            <a:picLocks noChangeAspect="1"/>
-          </p:cNvPicPr>
-          <p:nvPr/>
-        </p:nvPicPr>
-        <p:blipFill>
-          <a:blip r:embed="rId7"/>
-          <a:stretch>
-            <a:fillRect/>
-          </a:stretch>
-        </p:blipFill>
-        <p:spPr>
-          <a:xfrm>
-            <a:off x="11409645" y="232232"/>
-            <a:ext cx="487385" cy="576000"/>
-          </a:xfrm>
-          <a:prstGeom prst="rect">
-            <a:avLst/>
-          </a:prstGeom>
-        </p:spPr>
-      </p:pic>
     </p:spTree>
     <p:extLst>
       <p:ext uri="{BB962C8B-B14F-4D97-AF65-F5344CB8AC3E}">
@@ -8159,7 +8152,7 @@
         <p:spPr>
           <a:xfrm>
             <a:off x="6800850" y="1877774"/>
-            <a:ext cx="4991100" cy="2012923"/>
+            <a:ext cx="4991100" cy="3090141"/>
           </a:xfrm>
           <a:prstGeom prst="rect">
             <a:avLst/>
@@ -8170,6 +8163,37 @@
             <a:spAutoFit/>
           </a:bodyPr>
           <a:lstStyle/>
+          <a:p>
+            <a:pPr>
+              <a:lnSpc>
+                <a:spcPts val="8400"/>
+              </a:lnSpc>
+            </a:pPr>
+            <a:r>
+              <a:rPr lang="en-US" sz="4400" dirty="0">
+                <a:solidFill>
+                  <a:srgbClr val="FFFFFF"/>
+                </a:solidFill>
+                <a:latin typeface="Open Sans 1 Bold"/>
+              </a:rPr>
+              <a:t>Site </a:t>
+            </a:r>
+            <a:r>
+              <a:rPr lang="en-US" sz="4400" dirty="0" err="1">
+                <a:solidFill>
+                  <a:srgbClr val="FFFFFF"/>
+                </a:solidFill>
+                <a:latin typeface="Open Sans 1 Bold"/>
+              </a:rPr>
+              <a:t>Institucional</a:t>
+            </a:r>
+            <a:endParaRPr lang="en-US" sz="4400" dirty="0">
+              <a:solidFill>
+                <a:srgbClr val="FFFFFF"/>
+              </a:solidFill>
+              <a:latin typeface="Open Sans 1 Bold"/>
+            </a:endParaRPr>
+          </a:p>
           <a:p>
             <a:pPr>
               <a:lnSpc>
@@ -8367,6 +8391,36 @@
           <a:xfrm>
             <a:off x="11409645" y="232232"/>
             <a:ext cx="487385" cy="576000"/>
+          </a:xfrm>
+          <a:prstGeom prst="rect">
+            <a:avLst/>
+          </a:prstGeom>
+        </p:spPr>
+      </p:pic>
+      <p:pic>
+        <p:nvPicPr>
+          <p:cNvPr id="2" name="Imagem 1">
+            <a:extLst>
+              <a:ext uri="{FF2B5EF4-FFF2-40B4-BE49-F238E27FC236}">
+                <a16:creationId xmlns:a16="http://schemas.microsoft.com/office/drawing/2014/main" id="{0438644A-E831-4D7D-BE06-674D8B94959A}"/>
+              </a:ext>
+            </a:extLst>
+          </p:cNvPr>
+          <p:cNvPicPr>
+            <a:picLocks noChangeAspect="1"/>
+          </p:cNvPicPr>
+          <p:nvPr/>
+        </p:nvPicPr>
+        <p:blipFill>
+          <a:blip r:embed="rId3"/>
+          <a:stretch>
+            <a:fillRect/>
+          </a:stretch>
+        </p:blipFill>
+        <p:spPr>
+          <a:xfrm>
+            <a:off x="1177809" y="1664446"/>
+            <a:ext cx="10231836" cy="4785515"/>
           </a:xfrm>
           <a:prstGeom prst="rect">
             <a:avLst/>
@@ -12962,13 +13016,13 @@
   <p:clrMapOvr>
     <a:masterClrMapping/>
   </p:clrMapOvr>
-  <mc:AlternateContent xmlns:mc="http://schemas.openxmlformats.org/markup-compatibility/2006">
-    <mc:Choice xmlns:p14="http://schemas.microsoft.com/office/powerpoint/2010/main" Requires="p14">
+  <mc:AlternateContent xmlns:mc="http://schemas.openxmlformats.org/markup-compatibility/2006" xmlns:p14="http://schemas.microsoft.com/office/powerpoint/2010/main">
+    <mc:Choice Requires="p14">
       <p:transition spd="med" p14:dur="700">
         <p:fade/>
       </p:transition>
     </mc:Choice>
-    <mc:Fallback>
+    <mc:Fallback xmlns="">
       <p:transition spd="med">
         <p:fade/>
       </p:transition>
@@ -15154,13 +15208,13 @@
   <p:clrMapOvr>
     <a:masterClrMapping/>
   </p:clrMapOvr>
-  <mc:AlternateContent xmlns:mc="http://schemas.openxmlformats.org/markup-compatibility/2006">
-    <mc:Choice xmlns:p14="http://schemas.microsoft.com/office/powerpoint/2010/main" Requires="p14">
+  <mc:AlternateContent xmlns:mc="http://schemas.openxmlformats.org/markup-compatibility/2006" xmlns:p14="http://schemas.microsoft.com/office/powerpoint/2010/main">
+    <mc:Choice Requires="p14">
       <p:transition spd="med" p14:dur="700">
         <p:fade/>
       </p:transition>
     </mc:Choice>
-    <mc:Fallback>
+    <mc:Fallback xmlns="">
       <p:transition spd="med">
         <p:fade/>
       </p:transition>

--- a/Documentação/Pyxis.pptx
+++ b/Documentação/Pyxis.pptx
@@ -289,7 +289,7 @@
           <a:p>
             <a:fld id="{390E6ACA-D9D5-454D-960A-10CA55DA44EF}" type="datetimeFigureOut">
               <a:rPr lang="pt-BR" smtClean="0"/>
-              <a:t>28/10/2020</a:t>
+              <a:t>29/10/2020</a:t>
             </a:fld>
             <a:endParaRPr lang="pt-BR"/>
           </a:p>
@@ -487,7 +487,7 @@
           <a:p>
             <a:fld id="{390E6ACA-D9D5-454D-960A-10CA55DA44EF}" type="datetimeFigureOut">
               <a:rPr lang="pt-BR" smtClean="0"/>
-              <a:t>28/10/2020</a:t>
+              <a:t>29/10/2020</a:t>
             </a:fld>
             <a:endParaRPr lang="pt-BR"/>
           </a:p>
@@ -695,7 +695,7 @@
           <a:p>
             <a:fld id="{390E6ACA-D9D5-454D-960A-10CA55DA44EF}" type="datetimeFigureOut">
               <a:rPr lang="pt-BR" smtClean="0"/>
-              <a:t>28/10/2020</a:t>
+              <a:t>29/10/2020</a:t>
             </a:fld>
             <a:endParaRPr lang="pt-BR"/>
           </a:p>
@@ -915,7 +915,7 @@
           <a:p>
             <a:fld id="{E93C9CEB-DED8-41E7-833D-6F3524FD4977}" type="datetimeFigureOut">
               <a:rPr lang="pt-BR" smtClean="0"/>
-              <a:t>28/10/2020</a:t>
+              <a:t>29/10/2020</a:t>
             </a:fld>
             <a:endParaRPr lang="pt-BR"/>
           </a:p>
@@ -1113,7 +1113,7 @@
           <a:p>
             <a:fld id="{E93C9CEB-DED8-41E7-833D-6F3524FD4977}" type="datetimeFigureOut">
               <a:rPr lang="pt-BR" smtClean="0"/>
-              <a:t>28/10/2020</a:t>
+              <a:t>29/10/2020</a:t>
             </a:fld>
             <a:endParaRPr lang="pt-BR"/>
           </a:p>
@@ -1388,7 +1388,7 @@
           <a:p>
             <a:fld id="{E93C9CEB-DED8-41E7-833D-6F3524FD4977}" type="datetimeFigureOut">
               <a:rPr lang="pt-BR" smtClean="0"/>
-              <a:t>28/10/2020</a:t>
+              <a:t>29/10/2020</a:t>
             </a:fld>
             <a:endParaRPr lang="pt-BR"/>
           </a:p>
@@ -1653,7 +1653,7 @@
           <a:p>
             <a:fld id="{E93C9CEB-DED8-41E7-833D-6F3524FD4977}" type="datetimeFigureOut">
               <a:rPr lang="pt-BR" smtClean="0"/>
-              <a:t>28/10/2020</a:t>
+              <a:t>29/10/2020</a:t>
             </a:fld>
             <a:endParaRPr lang="pt-BR"/>
           </a:p>
@@ -2065,7 +2065,7 @@
           <a:p>
             <a:fld id="{E93C9CEB-DED8-41E7-833D-6F3524FD4977}" type="datetimeFigureOut">
               <a:rPr lang="pt-BR" smtClean="0"/>
-              <a:t>28/10/2020</a:t>
+              <a:t>29/10/2020</a:t>
             </a:fld>
             <a:endParaRPr lang="pt-BR"/>
           </a:p>
@@ -2206,7 +2206,7 @@
           <a:p>
             <a:fld id="{E93C9CEB-DED8-41E7-833D-6F3524FD4977}" type="datetimeFigureOut">
               <a:rPr lang="pt-BR" smtClean="0"/>
-              <a:t>28/10/2020</a:t>
+              <a:t>29/10/2020</a:t>
             </a:fld>
             <a:endParaRPr lang="pt-BR"/>
           </a:p>
@@ -2319,7 +2319,7 @@
           <a:p>
             <a:fld id="{E93C9CEB-DED8-41E7-833D-6F3524FD4977}" type="datetimeFigureOut">
               <a:rPr lang="pt-BR" smtClean="0"/>
-              <a:t>28/10/2020</a:t>
+              <a:t>29/10/2020</a:t>
             </a:fld>
             <a:endParaRPr lang="pt-BR"/>
           </a:p>
@@ -2630,7 +2630,7 @@
           <a:p>
             <a:fld id="{E93C9CEB-DED8-41E7-833D-6F3524FD4977}" type="datetimeFigureOut">
               <a:rPr lang="pt-BR" smtClean="0"/>
-              <a:t>28/10/2020</a:t>
+              <a:t>29/10/2020</a:t>
             </a:fld>
             <a:endParaRPr lang="pt-BR"/>
           </a:p>
@@ -2828,7 +2828,7 @@
           <a:p>
             <a:fld id="{390E6ACA-D9D5-454D-960A-10CA55DA44EF}" type="datetimeFigureOut">
               <a:rPr lang="pt-BR" smtClean="0"/>
-              <a:t>28/10/2020</a:t>
+              <a:t>29/10/2020</a:t>
             </a:fld>
             <a:endParaRPr lang="pt-BR"/>
           </a:p>
@@ -3116,7 +3116,7 @@
           <a:p>
             <a:fld id="{E93C9CEB-DED8-41E7-833D-6F3524FD4977}" type="datetimeFigureOut">
               <a:rPr lang="pt-BR" smtClean="0"/>
-              <a:t>28/10/2020</a:t>
+              <a:t>29/10/2020</a:t>
             </a:fld>
             <a:endParaRPr lang="pt-BR"/>
           </a:p>
@@ -3314,7 +3314,7 @@
           <a:p>
             <a:fld id="{E93C9CEB-DED8-41E7-833D-6F3524FD4977}" type="datetimeFigureOut">
               <a:rPr lang="pt-BR" smtClean="0"/>
-              <a:t>28/10/2020</a:t>
+              <a:t>29/10/2020</a:t>
             </a:fld>
             <a:endParaRPr lang="pt-BR"/>
           </a:p>
@@ -3522,7 +3522,7 @@
           <a:p>
             <a:fld id="{E93C9CEB-DED8-41E7-833D-6F3524FD4977}" type="datetimeFigureOut">
               <a:rPr lang="pt-BR" smtClean="0"/>
-              <a:t>28/10/2020</a:t>
+              <a:t>29/10/2020</a:t>
             </a:fld>
             <a:endParaRPr lang="pt-BR"/>
           </a:p>
@@ -3797,7 +3797,7 @@
           <a:p>
             <a:fld id="{390E6ACA-D9D5-454D-960A-10CA55DA44EF}" type="datetimeFigureOut">
               <a:rPr lang="pt-BR" smtClean="0"/>
-              <a:t>28/10/2020</a:t>
+              <a:t>29/10/2020</a:t>
             </a:fld>
             <a:endParaRPr lang="pt-BR"/>
           </a:p>
@@ -4062,7 +4062,7 @@
           <a:p>
             <a:fld id="{390E6ACA-D9D5-454D-960A-10CA55DA44EF}" type="datetimeFigureOut">
               <a:rPr lang="pt-BR" smtClean="0"/>
-              <a:t>28/10/2020</a:t>
+              <a:t>29/10/2020</a:t>
             </a:fld>
             <a:endParaRPr lang="pt-BR"/>
           </a:p>
@@ -4474,7 +4474,7 @@
           <a:p>
             <a:fld id="{390E6ACA-D9D5-454D-960A-10CA55DA44EF}" type="datetimeFigureOut">
               <a:rPr lang="pt-BR" smtClean="0"/>
-              <a:t>28/10/2020</a:t>
+              <a:t>29/10/2020</a:t>
             </a:fld>
             <a:endParaRPr lang="pt-BR"/>
           </a:p>
@@ -4615,7 +4615,7 @@
           <a:p>
             <a:fld id="{390E6ACA-D9D5-454D-960A-10CA55DA44EF}" type="datetimeFigureOut">
               <a:rPr lang="pt-BR" smtClean="0"/>
-              <a:t>28/10/2020</a:t>
+              <a:t>29/10/2020</a:t>
             </a:fld>
             <a:endParaRPr lang="pt-BR"/>
           </a:p>
@@ -4728,7 +4728,7 @@
           <a:p>
             <a:fld id="{390E6ACA-D9D5-454D-960A-10CA55DA44EF}" type="datetimeFigureOut">
               <a:rPr lang="pt-BR" smtClean="0"/>
-              <a:t>28/10/2020</a:t>
+              <a:t>29/10/2020</a:t>
             </a:fld>
             <a:endParaRPr lang="pt-BR"/>
           </a:p>
@@ -5039,7 +5039,7 @@
           <a:p>
             <a:fld id="{390E6ACA-D9D5-454D-960A-10CA55DA44EF}" type="datetimeFigureOut">
               <a:rPr lang="pt-BR" smtClean="0"/>
-              <a:t>28/10/2020</a:t>
+              <a:t>29/10/2020</a:t>
             </a:fld>
             <a:endParaRPr lang="pt-BR"/>
           </a:p>
@@ -5327,7 +5327,7 @@
           <a:p>
             <a:fld id="{390E6ACA-D9D5-454D-960A-10CA55DA44EF}" type="datetimeFigureOut">
               <a:rPr lang="pt-BR" smtClean="0"/>
-              <a:t>28/10/2020</a:t>
+              <a:t>29/10/2020</a:t>
             </a:fld>
             <a:endParaRPr lang="pt-BR"/>
           </a:p>
@@ -5568,7 +5568,7 @@
           <a:p>
             <a:fld id="{390E6ACA-D9D5-454D-960A-10CA55DA44EF}" type="datetimeFigureOut">
               <a:rPr lang="pt-BR" smtClean="0"/>
-              <a:t>28/10/2020</a:t>
+              <a:t>29/10/2020</a:t>
             </a:fld>
             <a:endParaRPr lang="pt-BR"/>
           </a:p>
@@ -6136,7 +6136,7 @@
           <a:p>
             <a:fld id="{E93C9CEB-DED8-41E7-833D-6F3524FD4977}" type="datetimeFigureOut">
               <a:rPr lang="pt-BR" smtClean="0"/>
-              <a:t>28/10/2020</a:t>
+              <a:t>29/10/2020</a:t>
             </a:fld>
             <a:endParaRPr lang="pt-BR"/>
           </a:p>
@@ -8554,7 +8554,7 @@
         <p:spPr>
           <a:xfrm>
             <a:off x="624114" y="2142748"/>
-            <a:ext cx="6157686" cy="2654350"/>
+            <a:ext cx="6157686" cy="2893677"/>
           </a:xfrm>
           <a:prstGeom prst="rect">
             <a:avLst/>
@@ -8578,7 +8578,7 @@
               <a:buChar char="ü"/>
             </a:pPr>
             <a:r>
-              <a:rPr lang="pt-BR" sz="2400" dirty="0" err="1">
+              <a:rPr lang="pt-BR" sz="3200" dirty="0">
                 <a:solidFill>
                   <a:schemeClr val="tx1">
                     <a:lumMod val="65000"/>
@@ -8587,17 +8587,20 @@
                 </a:solidFill>
                 <a:latin typeface="Open Sans 1 Bold"/>
               </a:rPr>
-              <a:t>Callcenter</a:t>
-            </a:r>
-            <a:endParaRPr lang="pt-BR" sz="2400" dirty="0">
-              <a:solidFill>
-                <a:schemeClr val="tx1">
-                  <a:lumMod val="65000"/>
-                  <a:lumOff val="35000"/>
-                </a:schemeClr>
-              </a:solidFill>
-              <a:latin typeface="Open Sans 1 Bold"/>
-            </a:endParaRPr>
+              <a:t>Evolução</a:t>
+            </a:r>
+            <a:r>
+              <a:rPr lang="pt-BR" sz="2400" dirty="0">
+                <a:solidFill>
+                  <a:schemeClr val="tx1">
+                    <a:lumMod val="65000"/>
+                    <a:lumOff val="35000"/>
+                  </a:schemeClr>
+                </a:solidFill>
+                <a:latin typeface="Open Sans 1 Bold"/>
+              </a:rPr>
+              <a:t>.</a:t>
+            </a:r>
           </a:p>
           <a:p>
             <a:pPr marL="342900" indent="-342900">
@@ -8611,7 +8614,7 @@
               <a:buChar char="ü"/>
             </a:pPr>
             <a:r>
-              <a:rPr lang="pt-BR" sz="2400" dirty="0">
+              <a:rPr lang="pt-BR" sz="3200" dirty="0">
                 <a:solidFill>
                   <a:schemeClr val="tx1">
                     <a:lumMod val="65000"/>
@@ -8620,7 +8623,7 @@
                 </a:solidFill>
                 <a:latin typeface="Open Sans 1 Bold"/>
               </a:rPr>
-              <a:t>Aumento de produtividade</a:t>
+              <a:t>Desafio.</a:t>
             </a:r>
           </a:p>
           <a:p>
@@ -8635,7 +8638,7 @@
               <a:buChar char="ü"/>
             </a:pPr>
             <a:r>
-              <a:rPr lang="pt-BR" sz="2400" dirty="0">
+              <a:rPr lang="pt-BR" sz="3200" dirty="0">
                 <a:solidFill>
                   <a:schemeClr val="tx1">
                     <a:lumMod val="65000"/>
@@ -8644,17 +8647,8 @@
                 </a:solidFill>
                 <a:latin typeface="Open Sans 1 Bold"/>
               </a:rPr>
-              <a:t>Identificar problemas com mais facilidade</a:t>
-            </a:r>
-            <a:endParaRPr lang="pt-BR" sz="3200" dirty="0">
-              <a:solidFill>
-                <a:schemeClr val="tx1">
-                  <a:lumMod val="65000"/>
-                  <a:lumOff val="35000"/>
-                </a:schemeClr>
-              </a:solidFill>
-              <a:latin typeface="Open Sans 1 Bold"/>
-            </a:endParaRPr>
+              <a:t>Objetivo atingido.</a:t>
+            </a:r>
           </a:p>
         </p:txBody>
       </p:sp>

--- a/Documentação/Pyxis.pptx
+++ b/Documentação/Pyxis.pptx
@@ -289,7 +289,7 @@
           <a:p>
             <a:fld id="{390E6ACA-D9D5-454D-960A-10CA55DA44EF}" type="datetimeFigureOut">
               <a:rPr lang="pt-BR" smtClean="0"/>
-              <a:t>28/10/2020</a:t>
+              <a:t>29/10/2020</a:t>
             </a:fld>
             <a:endParaRPr lang="pt-BR"/>
           </a:p>
@@ -487,7 +487,7 @@
           <a:p>
             <a:fld id="{390E6ACA-D9D5-454D-960A-10CA55DA44EF}" type="datetimeFigureOut">
               <a:rPr lang="pt-BR" smtClean="0"/>
-              <a:t>28/10/2020</a:t>
+              <a:t>29/10/2020</a:t>
             </a:fld>
             <a:endParaRPr lang="pt-BR"/>
           </a:p>
@@ -695,7 +695,7 @@
           <a:p>
             <a:fld id="{390E6ACA-D9D5-454D-960A-10CA55DA44EF}" type="datetimeFigureOut">
               <a:rPr lang="pt-BR" smtClean="0"/>
-              <a:t>28/10/2020</a:t>
+              <a:t>29/10/2020</a:t>
             </a:fld>
             <a:endParaRPr lang="pt-BR"/>
           </a:p>
@@ -915,7 +915,7 @@
           <a:p>
             <a:fld id="{E93C9CEB-DED8-41E7-833D-6F3524FD4977}" type="datetimeFigureOut">
               <a:rPr lang="pt-BR" smtClean="0"/>
-              <a:t>28/10/2020</a:t>
+              <a:t>29/10/2020</a:t>
             </a:fld>
             <a:endParaRPr lang="pt-BR"/>
           </a:p>
@@ -1113,7 +1113,7 @@
           <a:p>
             <a:fld id="{E93C9CEB-DED8-41E7-833D-6F3524FD4977}" type="datetimeFigureOut">
               <a:rPr lang="pt-BR" smtClean="0"/>
-              <a:t>28/10/2020</a:t>
+              <a:t>29/10/2020</a:t>
             </a:fld>
             <a:endParaRPr lang="pt-BR"/>
           </a:p>
@@ -1388,7 +1388,7 @@
           <a:p>
             <a:fld id="{E93C9CEB-DED8-41E7-833D-6F3524FD4977}" type="datetimeFigureOut">
               <a:rPr lang="pt-BR" smtClean="0"/>
-              <a:t>28/10/2020</a:t>
+              <a:t>29/10/2020</a:t>
             </a:fld>
             <a:endParaRPr lang="pt-BR"/>
           </a:p>
@@ -1653,7 +1653,7 @@
           <a:p>
             <a:fld id="{E93C9CEB-DED8-41E7-833D-6F3524FD4977}" type="datetimeFigureOut">
               <a:rPr lang="pt-BR" smtClean="0"/>
-              <a:t>28/10/2020</a:t>
+              <a:t>29/10/2020</a:t>
             </a:fld>
             <a:endParaRPr lang="pt-BR"/>
           </a:p>
@@ -2065,7 +2065,7 @@
           <a:p>
             <a:fld id="{E93C9CEB-DED8-41E7-833D-6F3524FD4977}" type="datetimeFigureOut">
               <a:rPr lang="pt-BR" smtClean="0"/>
-              <a:t>28/10/2020</a:t>
+              <a:t>29/10/2020</a:t>
             </a:fld>
             <a:endParaRPr lang="pt-BR"/>
           </a:p>
@@ -2206,7 +2206,7 @@
           <a:p>
             <a:fld id="{E93C9CEB-DED8-41E7-833D-6F3524FD4977}" type="datetimeFigureOut">
               <a:rPr lang="pt-BR" smtClean="0"/>
-              <a:t>28/10/2020</a:t>
+              <a:t>29/10/2020</a:t>
             </a:fld>
             <a:endParaRPr lang="pt-BR"/>
           </a:p>
@@ -2319,7 +2319,7 @@
           <a:p>
             <a:fld id="{E93C9CEB-DED8-41E7-833D-6F3524FD4977}" type="datetimeFigureOut">
               <a:rPr lang="pt-BR" smtClean="0"/>
-              <a:t>28/10/2020</a:t>
+              <a:t>29/10/2020</a:t>
             </a:fld>
             <a:endParaRPr lang="pt-BR"/>
           </a:p>
@@ -2630,7 +2630,7 @@
           <a:p>
             <a:fld id="{E93C9CEB-DED8-41E7-833D-6F3524FD4977}" type="datetimeFigureOut">
               <a:rPr lang="pt-BR" smtClean="0"/>
-              <a:t>28/10/2020</a:t>
+              <a:t>29/10/2020</a:t>
             </a:fld>
             <a:endParaRPr lang="pt-BR"/>
           </a:p>
@@ -2828,7 +2828,7 @@
           <a:p>
             <a:fld id="{390E6ACA-D9D5-454D-960A-10CA55DA44EF}" type="datetimeFigureOut">
               <a:rPr lang="pt-BR" smtClean="0"/>
-              <a:t>28/10/2020</a:t>
+              <a:t>29/10/2020</a:t>
             </a:fld>
             <a:endParaRPr lang="pt-BR"/>
           </a:p>
@@ -3116,7 +3116,7 @@
           <a:p>
             <a:fld id="{E93C9CEB-DED8-41E7-833D-6F3524FD4977}" type="datetimeFigureOut">
               <a:rPr lang="pt-BR" smtClean="0"/>
-              <a:t>28/10/2020</a:t>
+              <a:t>29/10/2020</a:t>
             </a:fld>
             <a:endParaRPr lang="pt-BR"/>
           </a:p>
@@ -3314,7 +3314,7 @@
           <a:p>
             <a:fld id="{E93C9CEB-DED8-41E7-833D-6F3524FD4977}" type="datetimeFigureOut">
               <a:rPr lang="pt-BR" smtClean="0"/>
-              <a:t>28/10/2020</a:t>
+              <a:t>29/10/2020</a:t>
             </a:fld>
             <a:endParaRPr lang="pt-BR"/>
           </a:p>
@@ -3522,7 +3522,7 @@
           <a:p>
             <a:fld id="{E93C9CEB-DED8-41E7-833D-6F3524FD4977}" type="datetimeFigureOut">
               <a:rPr lang="pt-BR" smtClean="0"/>
-              <a:t>28/10/2020</a:t>
+              <a:t>29/10/2020</a:t>
             </a:fld>
             <a:endParaRPr lang="pt-BR"/>
           </a:p>
@@ -3797,7 +3797,7 @@
           <a:p>
             <a:fld id="{390E6ACA-D9D5-454D-960A-10CA55DA44EF}" type="datetimeFigureOut">
               <a:rPr lang="pt-BR" smtClean="0"/>
-              <a:t>28/10/2020</a:t>
+              <a:t>29/10/2020</a:t>
             </a:fld>
             <a:endParaRPr lang="pt-BR"/>
           </a:p>
@@ -4062,7 +4062,7 @@
           <a:p>
             <a:fld id="{390E6ACA-D9D5-454D-960A-10CA55DA44EF}" type="datetimeFigureOut">
               <a:rPr lang="pt-BR" smtClean="0"/>
-              <a:t>28/10/2020</a:t>
+              <a:t>29/10/2020</a:t>
             </a:fld>
             <a:endParaRPr lang="pt-BR"/>
           </a:p>
@@ -4474,7 +4474,7 @@
           <a:p>
             <a:fld id="{390E6ACA-D9D5-454D-960A-10CA55DA44EF}" type="datetimeFigureOut">
               <a:rPr lang="pt-BR" smtClean="0"/>
-              <a:t>28/10/2020</a:t>
+              <a:t>29/10/2020</a:t>
             </a:fld>
             <a:endParaRPr lang="pt-BR"/>
           </a:p>
@@ -4615,7 +4615,7 @@
           <a:p>
             <a:fld id="{390E6ACA-D9D5-454D-960A-10CA55DA44EF}" type="datetimeFigureOut">
               <a:rPr lang="pt-BR" smtClean="0"/>
-              <a:t>28/10/2020</a:t>
+              <a:t>29/10/2020</a:t>
             </a:fld>
             <a:endParaRPr lang="pt-BR"/>
           </a:p>
@@ -4728,7 +4728,7 @@
           <a:p>
             <a:fld id="{390E6ACA-D9D5-454D-960A-10CA55DA44EF}" type="datetimeFigureOut">
               <a:rPr lang="pt-BR" smtClean="0"/>
-              <a:t>28/10/2020</a:t>
+              <a:t>29/10/2020</a:t>
             </a:fld>
             <a:endParaRPr lang="pt-BR"/>
           </a:p>
@@ -5039,7 +5039,7 @@
           <a:p>
             <a:fld id="{390E6ACA-D9D5-454D-960A-10CA55DA44EF}" type="datetimeFigureOut">
               <a:rPr lang="pt-BR" smtClean="0"/>
-              <a:t>28/10/2020</a:t>
+              <a:t>29/10/2020</a:t>
             </a:fld>
             <a:endParaRPr lang="pt-BR"/>
           </a:p>
@@ -5327,7 +5327,7 @@
           <a:p>
             <a:fld id="{390E6ACA-D9D5-454D-960A-10CA55DA44EF}" type="datetimeFigureOut">
               <a:rPr lang="pt-BR" smtClean="0"/>
-              <a:t>28/10/2020</a:t>
+              <a:t>29/10/2020</a:t>
             </a:fld>
             <a:endParaRPr lang="pt-BR"/>
           </a:p>
@@ -5568,7 +5568,7 @@
           <a:p>
             <a:fld id="{390E6ACA-D9D5-454D-960A-10CA55DA44EF}" type="datetimeFigureOut">
               <a:rPr lang="pt-BR" smtClean="0"/>
-              <a:t>28/10/2020</a:t>
+              <a:t>29/10/2020</a:t>
             </a:fld>
             <a:endParaRPr lang="pt-BR"/>
           </a:p>
@@ -6136,7 +6136,7 @@
           <a:p>
             <a:fld id="{E93C9CEB-DED8-41E7-833D-6F3524FD4977}" type="datetimeFigureOut">
               <a:rPr lang="pt-BR" smtClean="0"/>
-              <a:t>28/10/2020</a:t>
+              <a:t>29/10/2020</a:t>
             </a:fld>
             <a:endParaRPr lang="pt-BR"/>
           </a:p>
@@ -11128,7 +11128,7 @@
                 </a:solidFill>
                 <a:latin typeface="Open Sans 1 Bold"/>
               </a:rPr>
-              <a:t>Monitoramento da rede das máquinas conectadas.</a:t>
+              <a:t>Monitoramento da rede das máquinas conectadas para o gestor.</a:t>
             </a:r>
           </a:p>
         </p:txBody>
